--- a/Western Power Hack-a-Gig Presentation.pptx
+++ b/Western Power Hack-a-Gig Presentation.pptx
@@ -5,10 +5,10 @@
     <p:sldMasterId id="2147483660" r:id="rId4"/>
   </p:sldMasterIdLst>
   <p:notesMasterIdLst>
-    <p:notesMasterId r:id="rId11"/>
+    <p:notesMasterId r:id="rId19"/>
   </p:notesMasterIdLst>
   <p:handoutMasterIdLst>
-    <p:handoutMasterId r:id="rId12"/>
+    <p:handoutMasterId r:id="rId20"/>
   </p:handoutMasterIdLst>
   <p:sldIdLst>
     <p:sldId id="257" r:id="rId5"/>
@@ -17,6 +17,14 @@
     <p:sldId id="259" r:id="rId8"/>
     <p:sldId id="262" r:id="rId9"/>
     <p:sldId id="263" r:id="rId10"/>
+    <p:sldId id="270" r:id="rId11"/>
+    <p:sldId id="271" r:id="rId12"/>
+    <p:sldId id="272" r:id="rId13"/>
+    <p:sldId id="273" r:id="rId14"/>
+    <p:sldId id="274" r:id="rId15"/>
+    <p:sldId id="275" r:id="rId16"/>
+    <p:sldId id="276" r:id="rId17"/>
+    <p:sldId id="277" r:id="rId18"/>
   </p:sldIdLst>
   <p:sldSz cx="12188825" cy="6858000"/>
   <p:notesSz cx="6858000" cy="9144000"/>
@@ -8922,6 +8930,2126 @@
 </p:sld>
 </file>
 
+<file path=ppt/slides/slide10.xml><?xml version="1.0" encoding="utf-8"?>
+<p:sld xmlns:a="http://schemas.openxmlformats.org/drawingml/2006/main" xmlns:r="http://schemas.openxmlformats.org/officeDocument/2006/relationships" xmlns:p="http://schemas.openxmlformats.org/presentationml/2006/main">
+  <p:cSld>
+    <p:spTree>
+      <p:nvGrpSpPr>
+        <p:cNvPr id="1" name=""/>
+        <p:cNvGrpSpPr/>
+        <p:nvPr/>
+      </p:nvGrpSpPr>
+      <p:grpSpPr>
+        <a:xfrm>
+          <a:off x="0" y="0"/>
+          <a:ext cx="0" cy="0"/>
+          <a:chOff x="0" y="0"/>
+          <a:chExt cx="0" cy="0"/>
+        </a:xfrm>
+      </p:grpSpPr>
+      <p:sp>
+        <p:nvSpPr>
+          <p:cNvPr id="2" name="Title 1">
+            <a:extLst>
+              <a:ext uri="{FF2B5EF4-FFF2-40B4-BE49-F238E27FC236}">
+                <a16:creationId xmlns:a16="http://schemas.microsoft.com/office/drawing/2014/main" id="{118CBBA9-49D2-4262-9114-D0D47E7D522A}"/>
+              </a:ext>
+            </a:extLst>
+          </p:cNvPr>
+          <p:cNvSpPr>
+            <a:spLocks noGrp="1"/>
+          </p:cNvSpPr>
+          <p:nvPr>
+            <p:ph type="title"/>
+          </p:nvPr>
+        </p:nvSpPr>
+        <p:spPr/>
+        <p:txBody>
+          <a:bodyPr/>
+          <a:lstStyle/>
+          <a:p>
+            <a:r>
+              <a:rPr lang="en-AU" dirty="0"/>
+              <a:t>Approach</a:t>
+            </a:r>
+          </a:p>
+        </p:txBody>
+      </p:sp>
+      <p:sp>
+        <p:nvSpPr>
+          <p:cNvPr id="3" name="Content Placeholder 2">
+            <a:extLst>
+              <a:ext uri="{FF2B5EF4-FFF2-40B4-BE49-F238E27FC236}">
+                <a16:creationId xmlns:a16="http://schemas.microsoft.com/office/drawing/2014/main" id="{1E6F3B36-FA1C-4A44-8799-54720A510D55}"/>
+              </a:ext>
+            </a:extLst>
+          </p:cNvPr>
+          <p:cNvSpPr>
+            <a:spLocks noGrp="1"/>
+          </p:cNvSpPr>
+          <p:nvPr>
+            <p:ph idx="1"/>
+          </p:nvPr>
+        </p:nvSpPr>
+        <p:spPr>
+          <a:xfrm>
+            <a:off x="1218883" y="1701797"/>
+            <a:ext cx="4155449" cy="4462272"/>
+          </a:xfrm>
+        </p:spPr>
+        <p:txBody>
+          <a:bodyPr/>
+          <a:lstStyle/>
+          <a:p>
+            <a:r>
+              <a:rPr lang="en-AU" dirty="0"/>
+              <a:t>Understand Data</a:t>
+            </a:r>
+          </a:p>
+          <a:p>
+            <a:pPr lvl="1"/>
+            <a:r>
+              <a:rPr lang="en-AU" dirty="0"/>
+              <a:t>And have a bit of fun…</a:t>
+            </a:r>
+          </a:p>
+        </p:txBody>
+      </p:sp>
+      <p:sp>
+        <p:nvSpPr>
+          <p:cNvPr id="9" name="Content Placeholder 2">
+            <a:extLst>
+              <a:ext uri="{FF2B5EF4-FFF2-40B4-BE49-F238E27FC236}">
+                <a16:creationId xmlns:a16="http://schemas.microsoft.com/office/drawing/2014/main" id="{55F4540C-A796-46DC-BFE3-B3DABF5ED521}"/>
+              </a:ext>
+            </a:extLst>
+          </p:cNvPr>
+          <p:cNvSpPr txBox="1">
+            <a:spLocks/>
+          </p:cNvSpPr>
+          <p:nvPr/>
+        </p:nvSpPr>
+        <p:spPr>
+          <a:xfrm>
+            <a:off x="5158308" y="886618"/>
+            <a:ext cx="6624736" cy="2398366"/>
+          </a:xfrm>
+          <a:prstGeom prst="rect">
+            <a:avLst/>
+          </a:prstGeom>
+        </p:spPr>
+        <p:txBody>
+          <a:bodyPr vert="horz" lIns="121899" tIns="60949" rIns="121899" bIns="60949" rtlCol="0">
+            <a:normAutofit/>
+          </a:bodyPr>
+          <a:lstStyle>
+            <a:lvl1pPr marL="304747" indent="-304747" algn="l" defTabSz="1218987" rtl="0" eaLnBrk="1" latinLnBrk="0" hangingPunct="1">
+              <a:lnSpc>
+                <a:spcPct val="90000"/>
+              </a:lnSpc>
+              <a:spcBef>
+                <a:spcPts val="1600"/>
+              </a:spcBef>
+              <a:buClr>
+                <a:schemeClr val="accent1"/>
+              </a:buClr>
+              <a:buSzPct val="100000"/>
+              <a:buFont typeface="Arial" pitchFamily="34" charset="0"/>
+              <a:buChar char="•"/>
+              <a:defRPr sz="2800" kern="1200">
+                <a:solidFill>
+                  <a:schemeClr val="tx1"/>
+                </a:solidFill>
+                <a:latin typeface="+mn-lt"/>
+                <a:ea typeface="+mn-ea"/>
+                <a:cs typeface="+mn-cs"/>
+              </a:defRPr>
+            </a:lvl1pPr>
+            <a:lvl2pPr marL="609493" indent="-231607" algn="l" defTabSz="1218987" rtl="0" eaLnBrk="1" latinLnBrk="0" hangingPunct="1">
+              <a:lnSpc>
+                <a:spcPct val="90000"/>
+              </a:lnSpc>
+              <a:spcBef>
+                <a:spcPts val="800"/>
+              </a:spcBef>
+              <a:buClr>
+                <a:schemeClr val="accent1"/>
+              </a:buClr>
+              <a:buSzPct val="80000"/>
+              <a:buFont typeface="Arial" pitchFamily="34" charset="0"/>
+              <a:buChar char="•"/>
+              <a:defRPr sz="2400" kern="1200">
+                <a:solidFill>
+                  <a:schemeClr val="tx1"/>
+                </a:solidFill>
+                <a:latin typeface="+mn-lt"/>
+                <a:ea typeface="+mn-ea"/>
+                <a:cs typeface="+mn-cs"/>
+              </a:defRPr>
+            </a:lvl2pPr>
+            <a:lvl3pPr marL="914240" indent="-231607" algn="l" defTabSz="1218987" rtl="0" eaLnBrk="1" latinLnBrk="0" hangingPunct="1">
+              <a:lnSpc>
+                <a:spcPct val="90000"/>
+              </a:lnSpc>
+              <a:spcBef>
+                <a:spcPts val="800"/>
+              </a:spcBef>
+              <a:buClr>
+                <a:schemeClr val="accent1"/>
+              </a:buClr>
+              <a:buSzPct val="80000"/>
+              <a:buFont typeface="Arial" pitchFamily="34" charset="0"/>
+              <a:buChar char="•"/>
+              <a:defRPr sz="2000" kern="1200">
+                <a:solidFill>
+                  <a:schemeClr val="tx1"/>
+                </a:solidFill>
+                <a:latin typeface="+mn-lt"/>
+                <a:ea typeface="+mn-ea"/>
+                <a:cs typeface="+mn-cs"/>
+              </a:defRPr>
+            </a:lvl3pPr>
+            <a:lvl4pPr marL="1218987" indent="-231607" algn="l" defTabSz="1218987" rtl="0" eaLnBrk="1" latinLnBrk="0" hangingPunct="1">
+              <a:lnSpc>
+                <a:spcPct val="90000"/>
+              </a:lnSpc>
+              <a:spcBef>
+                <a:spcPts val="800"/>
+              </a:spcBef>
+              <a:buClr>
+                <a:schemeClr val="accent1"/>
+              </a:buClr>
+              <a:buSzPct val="80000"/>
+              <a:buFont typeface="Arial" pitchFamily="34" charset="0"/>
+              <a:buChar char="•"/>
+              <a:defRPr sz="2000" kern="1200">
+                <a:solidFill>
+                  <a:schemeClr val="tx1"/>
+                </a:solidFill>
+                <a:latin typeface="+mn-lt"/>
+                <a:ea typeface="+mn-ea"/>
+                <a:cs typeface="+mn-cs"/>
+              </a:defRPr>
+            </a:lvl4pPr>
+            <a:lvl5pPr marL="1523733" indent="-231607" algn="l" defTabSz="1218987" rtl="0" eaLnBrk="1" latinLnBrk="0" hangingPunct="1">
+              <a:lnSpc>
+                <a:spcPct val="90000"/>
+              </a:lnSpc>
+              <a:spcBef>
+                <a:spcPts val="800"/>
+              </a:spcBef>
+              <a:buClr>
+                <a:schemeClr val="accent1"/>
+              </a:buClr>
+              <a:buSzPct val="80000"/>
+              <a:buFont typeface="Arial" pitchFamily="34" charset="0"/>
+              <a:buChar char="•"/>
+              <a:defRPr sz="2000" kern="1200">
+                <a:solidFill>
+                  <a:schemeClr val="tx1"/>
+                </a:solidFill>
+                <a:latin typeface="+mn-lt"/>
+                <a:ea typeface="+mn-ea"/>
+                <a:cs typeface="+mn-cs"/>
+              </a:defRPr>
+            </a:lvl5pPr>
+            <a:lvl6pPr marL="1828480" indent="-231607" algn="l" defTabSz="1218987" rtl="0" eaLnBrk="1" latinLnBrk="0" hangingPunct="1">
+              <a:lnSpc>
+                <a:spcPct val="90000"/>
+              </a:lnSpc>
+              <a:spcBef>
+                <a:spcPts val="800"/>
+              </a:spcBef>
+              <a:buClr>
+                <a:schemeClr val="accent1"/>
+              </a:buClr>
+              <a:buSzPct val="80000"/>
+              <a:buFont typeface="Arial" pitchFamily="34" charset="0"/>
+              <a:buChar char="•"/>
+              <a:defRPr sz="2000" kern="1200">
+                <a:solidFill>
+                  <a:schemeClr val="tx1"/>
+                </a:solidFill>
+                <a:latin typeface="+mn-lt"/>
+                <a:ea typeface="+mn-ea"/>
+                <a:cs typeface="+mn-cs"/>
+              </a:defRPr>
+            </a:lvl6pPr>
+            <a:lvl7pPr marL="2133227" indent="-231607" algn="l" defTabSz="1218987" rtl="0" eaLnBrk="1" latinLnBrk="0" hangingPunct="1">
+              <a:lnSpc>
+                <a:spcPct val="90000"/>
+              </a:lnSpc>
+              <a:spcBef>
+                <a:spcPts val="800"/>
+              </a:spcBef>
+              <a:buClr>
+                <a:schemeClr val="accent1"/>
+              </a:buClr>
+              <a:buSzPct val="80000"/>
+              <a:buFont typeface="Arial" pitchFamily="34" charset="0"/>
+              <a:buChar char="•"/>
+              <a:defRPr sz="2000" kern="1200">
+                <a:solidFill>
+                  <a:schemeClr val="tx1"/>
+                </a:solidFill>
+                <a:latin typeface="+mn-lt"/>
+                <a:ea typeface="+mn-ea"/>
+                <a:cs typeface="+mn-cs"/>
+              </a:defRPr>
+            </a:lvl7pPr>
+            <a:lvl8pPr marL="2437973" indent="-231607" algn="l" defTabSz="1218987" rtl="0" eaLnBrk="1" latinLnBrk="0" hangingPunct="1">
+              <a:lnSpc>
+                <a:spcPct val="90000"/>
+              </a:lnSpc>
+              <a:spcBef>
+                <a:spcPts val="800"/>
+              </a:spcBef>
+              <a:buClr>
+                <a:schemeClr val="accent1"/>
+              </a:buClr>
+              <a:buSzPct val="80000"/>
+              <a:buFont typeface="Arial" pitchFamily="34" charset="0"/>
+              <a:buChar char="•"/>
+              <a:defRPr sz="2000" kern="1200" baseline="0">
+                <a:solidFill>
+                  <a:schemeClr val="tx1"/>
+                </a:solidFill>
+                <a:latin typeface="+mn-lt"/>
+                <a:ea typeface="+mn-ea"/>
+                <a:cs typeface="+mn-cs"/>
+              </a:defRPr>
+            </a:lvl8pPr>
+            <a:lvl9pPr marL="2742720" indent="-231607" algn="l" defTabSz="1218987" rtl="0" eaLnBrk="1" latinLnBrk="0" hangingPunct="1">
+              <a:lnSpc>
+                <a:spcPct val="90000"/>
+              </a:lnSpc>
+              <a:spcBef>
+                <a:spcPts val="800"/>
+              </a:spcBef>
+              <a:buClr>
+                <a:schemeClr val="accent1"/>
+              </a:buClr>
+              <a:buSzPct val="80000"/>
+              <a:buFont typeface="Arial" pitchFamily="34" charset="0"/>
+              <a:buChar char="•"/>
+              <a:defRPr sz="2000" kern="1200" baseline="0">
+                <a:solidFill>
+                  <a:schemeClr val="tx1"/>
+                </a:solidFill>
+                <a:latin typeface="+mn-lt"/>
+                <a:ea typeface="+mn-ea"/>
+                <a:cs typeface="+mn-cs"/>
+              </a:defRPr>
+            </a:lvl9pPr>
+          </a:lstStyle>
+          <a:p>
+            <a:r>
+              <a:rPr lang="en-AU" sz="1600" dirty="0"/>
+              <a:t>Exponential system size increase based on annualised data</a:t>
+            </a:r>
+          </a:p>
+          <a:p>
+            <a:r>
+              <a:rPr lang="en-AU" sz="1600" dirty="0"/>
+              <a:t>Increased system sizes attributable to panel efficiency gains (W/m</a:t>
+            </a:r>
+            <a:r>
+              <a:rPr lang="en-AU" sz="1600" baseline="30000" dirty="0"/>
+              <a:t>2</a:t>
+            </a:r>
+            <a:r>
+              <a:rPr lang="en-AU" sz="1600" dirty="0"/>
+              <a:t>)</a:t>
+            </a:r>
+          </a:p>
+        </p:txBody>
+      </p:sp>
+      <p:pic>
+        <p:nvPicPr>
+          <p:cNvPr id="4" name="Picture 3">
+            <a:extLst>
+              <a:ext uri="{FF2B5EF4-FFF2-40B4-BE49-F238E27FC236}">
+                <a16:creationId xmlns:a16="http://schemas.microsoft.com/office/drawing/2014/main" id="{372C644D-8F63-4F1D-8890-93FE0818D320}"/>
+              </a:ext>
+            </a:extLst>
+          </p:cNvPr>
+          <p:cNvPicPr>
+            <a:picLocks noChangeAspect="1"/>
+          </p:cNvPicPr>
+          <p:nvPr/>
+        </p:nvPicPr>
+        <p:blipFill>
+          <a:blip r:embed="rId2"/>
+          <a:stretch>
+            <a:fillRect/>
+          </a:stretch>
+        </p:blipFill>
+        <p:spPr>
+          <a:xfrm>
+            <a:off x="981844" y="2928632"/>
+            <a:ext cx="4695825" cy="3552825"/>
+          </a:xfrm>
+          <a:prstGeom prst="rect">
+            <a:avLst/>
+          </a:prstGeom>
+        </p:spPr>
+      </p:pic>
+      <p:pic>
+        <p:nvPicPr>
+          <p:cNvPr id="5" name="Picture 4">
+            <a:extLst>
+              <a:ext uri="{FF2B5EF4-FFF2-40B4-BE49-F238E27FC236}">
+                <a16:creationId xmlns:a16="http://schemas.microsoft.com/office/drawing/2014/main" id="{C9CBC7BF-F2B4-4B1F-B9F0-E060D6AAC33B}"/>
+              </a:ext>
+            </a:extLst>
+          </p:cNvPr>
+          <p:cNvPicPr>
+            <a:picLocks noChangeAspect="1"/>
+          </p:cNvPicPr>
+          <p:nvPr/>
+        </p:nvPicPr>
+        <p:blipFill>
+          <a:blip r:embed="rId3"/>
+          <a:stretch>
+            <a:fillRect/>
+          </a:stretch>
+        </p:blipFill>
+        <p:spPr>
+          <a:xfrm>
+            <a:off x="6098745" y="2147098"/>
+            <a:ext cx="5684299" cy="4248634"/>
+          </a:xfrm>
+          <a:prstGeom prst="rect">
+            <a:avLst/>
+          </a:prstGeom>
+        </p:spPr>
+      </p:pic>
+    </p:spTree>
+    <p:extLst>
+      <p:ext uri="{BB962C8B-B14F-4D97-AF65-F5344CB8AC3E}">
+        <p14:creationId xmlns:p14="http://schemas.microsoft.com/office/powerpoint/2010/main" val="1405366187"/>
+      </p:ext>
+    </p:extLst>
+  </p:cSld>
+  <p:clrMapOvr>
+    <a:masterClrMapping/>
+  </p:clrMapOvr>
+  <mc:AlternateContent xmlns:mc="http://schemas.openxmlformats.org/markup-compatibility/2006" xmlns:p14="http://schemas.microsoft.com/office/powerpoint/2010/main">
+    <mc:Choice Requires="p14">
+      <p:transition spd="med" p14:dur="700">
+        <p:fade/>
+      </p:transition>
+    </mc:Choice>
+    <mc:Fallback xmlns="">
+      <p:transition spd="med">
+        <p:fade/>
+      </p:transition>
+    </mc:Fallback>
+  </mc:AlternateContent>
+</p:sld>
+</file>
+
+<file path=ppt/slides/slide11.xml><?xml version="1.0" encoding="utf-8"?>
+<p:sld xmlns:a="http://schemas.openxmlformats.org/drawingml/2006/main" xmlns:r="http://schemas.openxmlformats.org/officeDocument/2006/relationships" xmlns:p="http://schemas.openxmlformats.org/presentationml/2006/main">
+  <p:cSld>
+    <p:spTree>
+      <p:nvGrpSpPr>
+        <p:cNvPr id="1" name=""/>
+        <p:cNvGrpSpPr/>
+        <p:nvPr/>
+      </p:nvGrpSpPr>
+      <p:grpSpPr>
+        <a:xfrm>
+          <a:off x="0" y="0"/>
+          <a:ext cx="0" cy="0"/>
+          <a:chOff x="0" y="0"/>
+          <a:chExt cx="0" cy="0"/>
+        </a:xfrm>
+      </p:grpSpPr>
+      <p:sp>
+        <p:nvSpPr>
+          <p:cNvPr id="2" name="Title 1">
+            <a:extLst>
+              <a:ext uri="{FF2B5EF4-FFF2-40B4-BE49-F238E27FC236}">
+                <a16:creationId xmlns:a16="http://schemas.microsoft.com/office/drawing/2014/main" id="{118CBBA9-49D2-4262-9114-D0D47E7D522A}"/>
+              </a:ext>
+            </a:extLst>
+          </p:cNvPr>
+          <p:cNvSpPr>
+            <a:spLocks noGrp="1"/>
+          </p:cNvSpPr>
+          <p:nvPr>
+            <p:ph type="title"/>
+          </p:nvPr>
+        </p:nvSpPr>
+        <p:spPr/>
+        <p:txBody>
+          <a:bodyPr/>
+          <a:lstStyle/>
+          <a:p>
+            <a:r>
+              <a:rPr lang="en-AU" dirty="0"/>
+              <a:t>Approach</a:t>
+            </a:r>
+          </a:p>
+        </p:txBody>
+      </p:sp>
+      <p:sp>
+        <p:nvSpPr>
+          <p:cNvPr id="3" name="Content Placeholder 2">
+            <a:extLst>
+              <a:ext uri="{FF2B5EF4-FFF2-40B4-BE49-F238E27FC236}">
+                <a16:creationId xmlns:a16="http://schemas.microsoft.com/office/drawing/2014/main" id="{1E6F3B36-FA1C-4A44-8799-54720A510D55}"/>
+              </a:ext>
+            </a:extLst>
+          </p:cNvPr>
+          <p:cNvSpPr>
+            <a:spLocks noGrp="1"/>
+          </p:cNvSpPr>
+          <p:nvPr>
+            <p:ph idx="1"/>
+          </p:nvPr>
+        </p:nvSpPr>
+        <p:spPr>
+          <a:xfrm>
+            <a:off x="4150196" y="900668"/>
+            <a:ext cx="6696744" cy="1016163"/>
+          </a:xfrm>
+        </p:spPr>
+        <p:txBody>
+          <a:bodyPr>
+            <a:normAutofit/>
+          </a:bodyPr>
+          <a:lstStyle/>
+          <a:p>
+            <a:r>
+              <a:rPr lang="en-AU" dirty="0"/>
+              <a:t>Consider limitations</a:t>
+            </a:r>
+          </a:p>
+          <a:p>
+            <a:pPr lvl="1"/>
+            <a:r>
+              <a:rPr lang="en-AU" dirty="0"/>
+              <a:t>What </a:t>
+            </a:r>
+            <a:r>
+              <a:rPr lang="en-AU" i="1" dirty="0"/>
+              <a:t>may </a:t>
+            </a:r>
+            <a:r>
+              <a:rPr lang="en-AU" dirty="0"/>
+              <a:t>create false </a:t>
+            </a:r>
+            <a:r>
+              <a:rPr lang="en-AU" b="1" u="sng" dirty="0">
+                <a:solidFill>
+                  <a:schemeClr val="accent1">
+                    <a:lumMod val="60000"/>
+                    <a:lumOff val="40000"/>
+                  </a:schemeClr>
+                </a:solidFill>
+              </a:rPr>
+              <a:t>positives</a:t>
+            </a:r>
+            <a:r>
+              <a:rPr lang="en-AU" dirty="0"/>
+              <a:t>?</a:t>
+            </a:r>
+          </a:p>
+        </p:txBody>
+      </p:sp>
+      <p:graphicFrame>
+        <p:nvGraphicFramePr>
+          <p:cNvPr id="4" name="Table 3">
+            <a:extLst>
+              <a:ext uri="{FF2B5EF4-FFF2-40B4-BE49-F238E27FC236}">
+                <a16:creationId xmlns:a16="http://schemas.microsoft.com/office/drawing/2014/main" id="{2EDD53C5-AD65-447D-BE6E-F714AFA3AE1B}"/>
+              </a:ext>
+            </a:extLst>
+          </p:cNvPr>
+          <p:cNvGraphicFramePr>
+            <a:graphicFrameLocks noGrp="1"/>
+          </p:cNvGraphicFramePr>
+          <p:nvPr>
+            <p:extLst>
+              <p:ext uri="{D42A27DB-BD31-4B8C-83A1-F6EECF244321}">
+                <p14:modId xmlns:p14="http://schemas.microsoft.com/office/powerpoint/2010/main" val="904644258"/>
+              </p:ext>
+            </p:extLst>
+          </p:nvPr>
+        </p:nvGraphicFramePr>
+        <p:xfrm>
+          <a:off x="1394576" y="2120928"/>
+          <a:ext cx="10009113" cy="1974200"/>
+        </p:xfrm>
+        <a:graphic>
+          <a:graphicData uri="http://schemas.openxmlformats.org/drawingml/2006/table">
+            <a:tbl>
+              <a:tblPr bandRow="1">
+                <a:tableStyleId>{7DF18680-E054-41AD-8BC1-D1AEF772440D}</a:tableStyleId>
+              </a:tblPr>
+              <a:tblGrid>
+                <a:gridCol w="3335657">
+                  <a:extLst>
+                    <a:ext uri="{9D8B030D-6E8A-4147-A177-3AD203B41FA5}">
+                      <a16:colId xmlns:a16="http://schemas.microsoft.com/office/drawing/2014/main" val="1736827546"/>
+                    </a:ext>
+                  </a:extLst>
+                </a:gridCol>
+                <a:gridCol w="3336728">
+                  <a:extLst>
+                    <a:ext uri="{9D8B030D-6E8A-4147-A177-3AD203B41FA5}">
+                      <a16:colId xmlns:a16="http://schemas.microsoft.com/office/drawing/2014/main" val="1009339973"/>
+                    </a:ext>
+                  </a:extLst>
+                </a:gridCol>
+                <a:gridCol w="3336728">
+                  <a:extLst>
+                    <a:ext uri="{9D8B030D-6E8A-4147-A177-3AD203B41FA5}">
+                      <a16:colId xmlns:a16="http://schemas.microsoft.com/office/drawing/2014/main" val="3962187885"/>
+                    </a:ext>
+                  </a:extLst>
+                </a:gridCol>
+              </a:tblGrid>
+              <a:tr h="394840">
+                <a:tc>
+                  <a:txBody>
+                    <a:bodyPr/>
+                    <a:lstStyle/>
+                    <a:p>
+                      <a:pPr>
+                        <a:lnSpc>
+                          <a:spcPct val="120000"/>
+                        </a:lnSpc>
+                        <a:spcBef>
+                          <a:spcPts val="600"/>
+                        </a:spcBef>
+                        <a:spcAft>
+                          <a:spcPts val="600"/>
+                        </a:spcAft>
+                      </a:pPr>
+                      <a:r>
+                        <a:rPr lang="en-US" sz="2000">
+                          <a:effectLst/>
+                        </a:rPr>
+                        <a:t>Air-conditioning units</a:t>
+                      </a:r>
+                      <a:endParaRPr lang="en-AU" sz="2000">
+                        <a:solidFill>
+                          <a:srgbClr val="404040"/>
+                        </a:solidFill>
+                        <a:effectLst/>
+                        <a:latin typeface="Arial" panose="020B0604020202020204" pitchFamily="34" charset="0"/>
+                        <a:ea typeface="Arial" panose="020B0604020202020204" pitchFamily="34" charset="0"/>
+                        <a:cs typeface="Times New Roman" panose="02020603050405020304" pitchFamily="18" charset="0"/>
+                      </a:endParaRPr>
+                    </a:p>
+                  </a:txBody>
+                  <a:tcPr marT="0" marB="0"/>
+                </a:tc>
+                <a:tc>
+                  <a:txBody>
+                    <a:bodyPr/>
+                    <a:lstStyle/>
+                    <a:p>
+                      <a:pPr>
+                        <a:lnSpc>
+                          <a:spcPct val="120000"/>
+                        </a:lnSpc>
+                        <a:spcBef>
+                          <a:spcPts val="600"/>
+                        </a:spcBef>
+                        <a:spcAft>
+                          <a:spcPts val="600"/>
+                        </a:spcAft>
+                      </a:pPr>
+                      <a:r>
+                        <a:rPr lang="en-US" sz="2000" dirty="0">
+                          <a:effectLst/>
+                        </a:rPr>
+                        <a:t>Vehicles</a:t>
+                      </a:r>
+                      <a:endParaRPr lang="en-AU" sz="2000" dirty="0">
+                        <a:solidFill>
+                          <a:srgbClr val="404040"/>
+                        </a:solidFill>
+                        <a:effectLst/>
+                        <a:latin typeface="Arial" panose="020B0604020202020204" pitchFamily="34" charset="0"/>
+                        <a:ea typeface="Arial" panose="020B0604020202020204" pitchFamily="34" charset="0"/>
+                        <a:cs typeface="Times New Roman" panose="02020603050405020304" pitchFamily="18" charset="0"/>
+                      </a:endParaRPr>
+                    </a:p>
+                  </a:txBody>
+                  <a:tcPr marT="0" marB="0"/>
+                </a:tc>
+                <a:tc>
+                  <a:txBody>
+                    <a:bodyPr/>
+                    <a:lstStyle/>
+                    <a:p>
+                      <a:pPr>
+                        <a:lnSpc>
+                          <a:spcPct val="120000"/>
+                        </a:lnSpc>
+                        <a:spcBef>
+                          <a:spcPts val="600"/>
+                        </a:spcBef>
+                        <a:spcAft>
+                          <a:spcPts val="600"/>
+                        </a:spcAft>
+                      </a:pPr>
+                      <a:r>
+                        <a:rPr lang="en-US" sz="2000">
+                          <a:effectLst/>
+                        </a:rPr>
+                        <a:t>Drawn-out shadows</a:t>
+                      </a:r>
+                      <a:endParaRPr lang="en-AU" sz="2000">
+                        <a:solidFill>
+                          <a:srgbClr val="404040"/>
+                        </a:solidFill>
+                        <a:effectLst/>
+                        <a:latin typeface="Arial" panose="020B0604020202020204" pitchFamily="34" charset="0"/>
+                        <a:ea typeface="Arial" panose="020B0604020202020204" pitchFamily="34" charset="0"/>
+                        <a:cs typeface="Times New Roman" panose="02020603050405020304" pitchFamily="18" charset="0"/>
+                      </a:endParaRPr>
+                    </a:p>
+                  </a:txBody>
+                  <a:tcPr marT="0" marB="0"/>
+                </a:tc>
+                <a:extLst>
+                  <a:ext uri="{0D108BD9-81ED-4DB2-BD59-A6C34878D82A}">
+                    <a16:rowId xmlns:a16="http://schemas.microsoft.com/office/drawing/2014/main" val="2209689491"/>
+                  </a:ext>
+                </a:extLst>
+              </a:tr>
+              <a:tr h="394840">
+                <a:tc>
+                  <a:txBody>
+                    <a:bodyPr/>
+                    <a:lstStyle/>
+                    <a:p>
+                      <a:pPr>
+                        <a:lnSpc>
+                          <a:spcPct val="120000"/>
+                        </a:lnSpc>
+                        <a:spcBef>
+                          <a:spcPts val="600"/>
+                        </a:spcBef>
+                        <a:spcAft>
+                          <a:spcPts val="600"/>
+                        </a:spcAft>
+                      </a:pPr>
+                      <a:r>
+                        <a:rPr lang="en-US" sz="2000">
+                          <a:effectLst/>
+                        </a:rPr>
+                        <a:t>Pools</a:t>
+                      </a:r>
+                      <a:endParaRPr lang="en-AU" sz="2000">
+                        <a:solidFill>
+                          <a:srgbClr val="404040"/>
+                        </a:solidFill>
+                        <a:effectLst/>
+                        <a:latin typeface="Arial" panose="020B0604020202020204" pitchFamily="34" charset="0"/>
+                        <a:ea typeface="Arial" panose="020B0604020202020204" pitchFamily="34" charset="0"/>
+                        <a:cs typeface="Times New Roman" panose="02020603050405020304" pitchFamily="18" charset="0"/>
+                      </a:endParaRPr>
+                    </a:p>
+                  </a:txBody>
+                  <a:tcPr marT="0" marB="0"/>
+                </a:tc>
+                <a:tc>
+                  <a:txBody>
+                    <a:bodyPr/>
+                    <a:lstStyle/>
+                    <a:p>
+                      <a:pPr>
+                        <a:lnSpc>
+                          <a:spcPct val="120000"/>
+                        </a:lnSpc>
+                        <a:spcBef>
+                          <a:spcPts val="600"/>
+                        </a:spcBef>
+                        <a:spcAft>
+                          <a:spcPts val="600"/>
+                        </a:spcAft>
+                      </a:pPr>
+                      <a:r>
+                        <a:rPr lang="en-US" sz="2000" dirty="0">
+                          <a:effectLst/>
+                        </a:rPr>
+                        <a:t>Pergolas</a:t>
+                      </a:r>
+                      <a:endParaRPr lang="en-AU" sz="2000" dirty="0">
+                        <a:solidFill>
+                          <a:srgbClr val="404040"/>
+                        </a:solidFill>
+                        <a:effectLst/>
+                        <a:latin typeface="Arial" panose="020B0604020202020204" pitchFamily="34" charset="0"/>
+                        <a:ea typeface="Arial" panose="020B0604020202020204" pitchFamily="34" charset="0"/>
+                        <a:cs typeface="Times New Roman" panose="02020603050405020304" pitchFamily="18" charset="0"/>
+                      </a:endParaRPr>
+                    </a:p>
+                  </a:txBody>
+                  <a:tcPr marT="0" marB="0"/>
+                </a:tc>
+                <a:tc>
+                  <a:txBody>
+                    <a:bodyPr/>
+                    <a:lstStyle/>
+                    <a:p>
+                      <a:pPr>
+                        <a:lnSpc>
+                          <a:spcPct val="120000"/>
+                        </a:lnSpc>
+                        <a:spcBef>
+                          <a:spcPts val="600"/>
+                        </a:spcBef>
+                        <a:spcAft>
+                          <a:spcPts val="600"/>
+                        </a:spcAft>
+                      </a:pPr>
+                      <a:r>
+                        <a:rPr lang="en-US" sz="2000">
+                          <a:effectLst/>
+                        </a:rPr>
+                        <a:t>Roof-tie structures</a:t>
+                      </a:r>
+                      <a:endParaRPr lang="en-AU" sz="2000">
+                        <a:solidFill>
+                          <a:srgbClr val="404040"/>
+                        </a:solidFill>
+                        <a:effectLst/>
+                        <a:latin typeface="Arial" panose="020B0604020202020204" pitchFamily="34" charset="0"/>
+                        <a:ea typeface="Arial" panose="020B0604020202020204" pitchFamily="34" charset="0"/>
+                        <a:cs typeface="Times New Roman" panose="02020603050405020304" pitchFamily="18" charset="0"/>
+                      </a:endParaRPr>
+                    </a:p>
+                  </a:txBody>
+                  <a:tcPr marT="0" marB="0"/>
+                </a:tc>
+                <a:extLst>
+                  <a:ext uri="{0D108BD9-81ED-4DB2-BD59-A6C34878D82A}">
+                    <a16:rowId xmlns:a16="http://schemas.microsoft.com/office/drawing/2014/main" val="2597814589"/>
+                  </a:ext>
+                </a:extLst>
+              </a:tr>
+              <a:tr h="394840">
+                <a:tc>
+                  <a:txBody>
+                    <a:bodyPr/>
+                    <a:lstStyle/>
+                    <a:p>
+                      <a:pPr>
+                        <a:lnSpc>
+                          <a:spcPct val="120000"/>
+                        </a:lnSpc>
+                        <a:spcBef>
+                          <a:spcPts val="600"/>
+                        </a:spcBef>
+                        <a:spcAft>
+                          <a:spcPts val="600"/>
+                        </a:spcAft>
+                      </a:pPr>
+                      <a:r>
+                        <a:rPr lang="en-US" sz="2000">
+                          <a:effectLst/>
+                        </a:rPr>
+                        <a:t>Elevated roof sections</a:t>
+                      </a:r>
+                      <a:endParaRPr lang="en-AU" sz="2000">
+                        <a:solidFill>
+                          <a:srgbClr val="404040"/>
+                        </a:solidFill>
+                        <a:effectLst/>
+                        <a:latin typeface="Arial" panose="020B0604020202020204" pitchFamily="34" charset="0"/>
+                        <a:ea typeface="Arial" panose="020B0604020202020204" pitchFamily="34" charset="0"/>
+                        <a:cs typeface="Times New Roman" panose="02020603050405020304" pitchFamily="18" charset="0"/>
+                      </a:endParaRPr>
+                    </a:p>
+                  </a:txBody>
+                  <a:tcPr marT="0" marB="0"/>
+                </a:tc>
+                <a:tc>
+                  <a:txBody>
+                    <a:bodyPr/>
+                    <a:lstStyle/>
+                    <a:p>
+                      <a:pPr>
+                        <a:lnSpc>
+                          <a:spcPct val="120000"/>
+                        </a:lnSpc>
+                        <a:spcBef>
+                          <a:spcPts val="600"/>
+                        </a:spcBef>
+                        <a:spcAft>
+                          <a:spcPts val="600"/>
+                        </a:spcAft>
+                      </a:pPr>
+                      <a:r>
+                        <a:rPr lang="en-US" sz="2000">
+                          <a:effectLst/>
+                        </a:rPr>
+                        <a:t>Solahart water-heating units</a:t>
+                      </a:r>
+                      <a:endParaRPr lang="en-AU" sz="2000">
+                        <a:solidFill>
+                          <a:srgbClr val="404040"/>
+                        </a:solidFill>
+                        <a:effectLst/>
+                        <a:latin typeface="Arial" panose="020B0604020202020204" pitchFamily="34" charset="0"/>
+                        <a:ea typeface="Arial" panose="020B0604020202020204" pitchFamily="34" charset="0"/>
+                        <a:cs typeface="Times New Roman" panose="02020603050405020304" pitchFamily="18" charset="0"/>
+                      </a:endParaRPr>
+                    </a:p>
+                  </a:txBody>
+                  <a:tcPr marT="0" marB="0"/>
+                </a:tc>
+                <a:tc>
+                  <a:txBody>
+                    <a:bodyPr/>
+                    <a:lstStyle/>
+                    <a:p>
+                      <a:pPr>
+                        <a:lnSpc>
+                          <a:spcPct val="120000"/>
+                        </a:lnSpc>
+                        <a:spcBef>
+                          <a:spcPts val="600"/>
+                        </a:spcBef>
+                        <a:spcAft>
+                          <a:spcPts val="600"/>
+                        </a:spcAft>
+                      </a:pPr>
+                      <a:r>
+                        <a:rPr lang="en-US" sz="2000">
+                          <a:effectLst/>
+                        </a:rPr>
+                        <a:t>Commercial ducting</a:t>
+                      </a:r>
+                      <a:endParaRPr lang="en-AU" sz="2000">
+                        <a:solidFill>
+                          <a:srgbClr val="404040"/>
+                        </a:solidFill>
+                        <a:effectLst/>
+                        <a:latin typeface="Arial" panose="020B0604020202020204" pitchFamily="34" charset="0"/>
+                        <a:ea typeface="Arial" panose="020B0604020202020204" pitchFamily="34" charset="0"/>
+                        <a:cs typeface="Times New Roman" panose="02020603050405020304" pitchFamily="18" charset="0"/>
+                      </a:endParaRPr>
+                    </a:p>
+                  </a:txBody>
+                  <a:tcPr marT="0" marB="0"/>
+                </a:tc>
+                <a:extLst>
+                  <a:ext uri="{0D108BD9-81ED-4DB2-BD59-A6C34878D82A}">
+                    <a16:rowId xmlns:a16="http://schemas.microsoft.com/office/drawing/2014/main" val="3437676480"/>
+                  </a:ext>
+                </a:extLst>
+              </a:tr>
+              <a:tr h="394840">
+                <a:tc>
+                  <a:txBody>
+                    <a:bodyPr/>
+                    <a:lstStyle/>
+                    <a:p>
+                      <a:pPr>
+                        <a:lnSpc>
+                          <a:spcPct val="120000"/>
+                        </a:lnSpc>
+                        <a:spcBef>
+                          <a:spcPts val="600"/>
+                        </a:spcBef>
+                        <a:spcAft>
+                          <a:spcPts val="600"/>
+                        </a:spcAft>
+                      </a:pPr>
+                      <a:r>
+                        <a:rPr lang="en-US" sz="2000">
+                          <a:effectLst/>
+                        </a:rPr>
+                        <a:t>Commercial walkways</a:t>
+                      </a:r>
+                      <a:endParaRPr lang="en-AU" sz="2000">
+                        <a:solidFill>
+                          <a:srgbClr val="404040"/>
+                        </a:solidFill>
+                        <a:effectLst/>
+                        <a:latin typeface="Arial" panose="020B0604020202020204" pitchFamily="34" charset="0"/>
+                        <a:ea typeface="Arial" panose="020B0604020202020204" pitchFamily="34" charset="0"/>
+                        <a:cs typeface="Times New Roman" panose="02020603050405020304" pitchFamily="18" charset="0"/>
+                      </a:endParaRPr>
+                    </a:p>
+                  </a:txBody>
+                  <a:tcPr marT="0" marB="0"/>
+                </a:tc>
+                <a:tc>
+                  <a:txBody>
+                    <a:bodyPr/>
+                    <a:lstStyle/>
+                    <a:p>
+                      <a:pPr>
+                        <a:lnSpc>
+                          <a:spcPct val="120000"/>
+                        </a:lnSpc>
+                        <a:spcBef>
+                          <a:spcPts val="600"/>
+                        </a:spcBef>
+                        <a:spcAft>
+                          <a:spcPts val="600"/>
+                        </a:spcAft>
+                      </a:pPr>
+                      <a:r>
+                        <a:rPr lang="en-US" sz="2000" dirty="0">
+                          <a:effectLst/>
+                        </a:rPr>
+                        <a:t>Parking spaces and driveways</a:t>
+                      </a:r>
+                      <a:endParaRPr lang="en-AU" sz="2000" dirty="0">
+                        <a:solidFill>
+                          <a:srgbClr val="404040"/>
+                        </a:solidFill>
+                        <a:effectLst/>
+                        <a:latin typeface="Arial" panose="020B0604020202020204" pitchFamily="34" charset="0"/>
+                        <a:ea typeface="Arial" panose="020B0604020202020204" pitchFamily="34" charset="0"/>
+                        <a:cs typeface="Times New Roman" panose="02020603050405020304" pitchFamily="18" charset="0"/>
+                      </a:endParaRPr>
+                    </a:p>
+                  </a:txBody>
+                  <a:tcPr marT="0" marB="0"/>
+                </a:tc>
+                <a:tc>
+                  <a:txBody>
+                    <a:bodyPr/>
+                    <a:lstStyle/>
+                    <a:p>
+                      <a:pPr>
+                        <a:lnSpc>
+                          <a:spcPct val="120000"/>
+                        </a:lnSpc>
+                        <a:spcBef>
+                          <a:spcPts val="600"/>
+                        </a:spcBef>
+                        <a:spcAft>
+                          <a:spcPts val="600"/>
+                        </a:spcAft>
+                      </a:pPr>
+                      <a:r>
+                        <a:rPr lang="en-US" sz="2000">
+                          <a:effectLst/>
+                        </a:rPr>
+                        <a:t>Water tanks</a:t>
+                      </a:r>
+                      <a:endParaRPr lang="en-AU" sz="2000">
+                        <a:solidFill>
+                          <a:srgbClr val="404040"/>
+                        </a:solidFill>
+                        <a:effectLst/>
+                        <a:latin typeface="Arial" panose="020B0604020202020204" pitchFamily="34" charset="0"/>
+                        <a:ea typeface="Arial" panose="020B0604020202020204" pitchFamily="34" charset="0"/>
+                        <a:cs typeface="Times New Roman" panose="02020603050405020304" pitchFamily="18" charset="0"/>
+                      </a:endParaRPr>
+                    </a:p>
+                  </a:txBody>
+                  <a:tcPr marT="0" marB="0"/>
+                </a:tc>
+                <a:extLst>
+                  <a:ext uri="{0D108BD9-81ED-4DB2-BD59-A6C34878D82A}">
+                    <a16:rowId xmlns:a16="http://schemas.microsoft.com/office/drawing/2014/main" val="3450028378"/>
+                  </a:ext>
+                </a:extLst>
+              </a:tr>
+              <a:tr h="394840">
+                <a:tc>
+                  <a:txBody>
+                    <a:bodyPr/>
+                    <a:lstStyle/>
+                    <a:p>
+                      <a:pPr>
+                        <a:lnSpc>
+                          <a:spcPct val="120000"/>
+                        </a:lnSpc>
+                        <a:spcBef>
+                          <a:spcPts val="600"/>
+                        </a:spcBef>
+                        <a:spcAft>
+                          <a:spcPts val="600"/>
+                        </a:spcAft>
+                      </a:pPr>
+                      <a:r>
+                        <a:rPr lang="en-US" sz="2000">
+                          <a:effectLst/>
+                        </a:rPr>
+                        <a:t>Tarps</a:t>
+                      </a:r>
+                      <a:endParaRPr lang="en-AU" sz="2000">
+                        <a:solidFill>
+                          <a:srgbClr val="404040"/>
+                        </a:solidFill>
+                        <a:effectLst/>
+                        <a:latin typeface="Arial" panose="020B0604020202020204" pitchFamily="34" charset="0"/>
+                        <a:ea typeface="Arial" panose="020B0604020202020204" pitchFamily="34" charset="0"/>
+                        <a:cs typeface="Times New Roman" panose="02020603050405020304" pitchFamily="18" charset="0"/>
+                      </a:endParaRPr>
+                    </a:p>
+                  </a:txBody>
+                  <a:tcPr marT="0" marB="0"/>
+                </a:tc>
+                <a:tc>
+                  <a:txBody>
+                    <a:bodyPr/>
+                    <a:lstStyle/>
+                    <a:p>
+                      <a:pPr>
+                        <a:lnSpc>
+                          <a:spcPct val="120000"/>
+                        </a:lnSpc>
+                        <a:spcBef>
+                          <a:spcPts val="600"/>
+                        </a:spcBef>
+                        <a:spcAft>
+                          <a:spcPts val="600"/>
+                        </a:spcAft>
+                      </a:pPr>
+                      <a:r>
+                        <a:rPr lang="en-US" sz="2000">
+                          <a:effectLst/>
+                        </a:rPr>
+                        <a:t>Trampolines</a:t>
+                      </a:r>
+                      <a:endParaRPr lang="en-AU" sz="2000">
+                        <a:solidFill>
+                          <a:srgbClr val="404040"/>
+                        </a:solidFill>
+                        <a:effectLst/>
+                        <a:latin typeface="Arial" panose="020B0604020202020204" pitchFamily="34" charset="0"/>
+                        <a:ea typeface="Arial" panose="020B0604020202020204" pitchFamily="34" charset="0"/>
+                        <a:cs typeface="Times New Roman" panose="02020603050405020304" pitchFamily="18" charset="0"/>
+                      </a:endParaRPr>
+                    </a:p>
+                  </a:txBody>
+                  <a:tcPr marT="0" marB="0"/>
+                </a:tc>
+                <a:tc>
+                  <a:txBody>
+                    <a:bodyPr/>
+                    <a:lstStyle/>
+                    <a:p>
+                      <a:pPr>
+                        <a:lnSpc>
+                          <a:spcPct val="120000"/>
+                        </a:lnSpc>
+                        <a:spcBef>
+                          <a:spcPts val="600"/>
+                        </a:spcBef>
+                        <a:spcAft>
+                          <a:spcPts val="600"/>
+                        </a:spcAft>
+                      </a:pPr>
+                      <a:r>
+                        <a:rPr lang="en-US" sz="2000" dirty="0">
+                          <a:effectLst/>
+                        </a:rPr>
+                        <a:t> </a:t>
+                      </a:r>
+                      <a:endParaRPr lang="en-AU" sz="2000" dirty="0">
+                        <a:solidFill>
+                          <a:srgbClr val="404040"/>
+                        </a:solidFill>
+                        <a:effectLst/>
+                        <a:latin typeface="Arial" panose="020B0604020202020204" pitchFamily="34" charset="0"/>
+                        <a:ea typeface="Arial" panose="020B0604020202020204" pitchFamily="34" charset="0"/>
+                        <a:cs typeface="Times New Roman" panose="02020603050405020304" pitchFamily="18" charset="0"/>
+                      </a:endParaRPr>
+                    </a:p>
+                  </a:txBody>
+                  <a:tcPr marT="0" marB="0"/>
+                </a:tc>
+                <a:extLst>
+                  <a:ext uri="{0D108BD9-81ED-4DB2-BD59-A6C34878D82A}">
+                    <a16:rowId xmlns:a16="http://schemas.microsoft.com/office/drawing/2014/main" val="3281310877"/>
+                  </a:ext>
+                </a:extLst>
+              </a:tr>
+            </a:tbl>
+          </a:graphicData>
+        </a:graphic>
+      </p:graphicFrame>
+      <p:sp>
+        <p:nvSpPr>
+          <p:cNvPr id="6" name="Content Placeholder 2">
+            <a:extLst>
+              <a:ext uri="{FF2B5EF4-FFF2-40B4-BE49-F238E27FC236}">
+                <a16:creationId xmlns:a16="http://schemas.microsoft.com/office/drawing/2014/main" id="{5965ECAC-6F10-47C5-A3A2-05D9E4E91D5E}"/>
+              </a:ext>
+            </a:extLst>
+          </p:cNvPr>
+          <p:cNvSpPr txBox="1">
+            <a:spLocks/>
+          </p:cNvSpPr>
+          <p:nvPr/>
+        </p:nvSpPr>
+        <p:spPr>
+          <a:xfrm>
+            <a:off x="1426528" y="4437112"/>
+            <a:ext cx="9636436" cy="1872208"/>
+          </a:xfrm>
+          <a:prstGeom prst="rect">
+            <a:avLst/>
+          </a:prstGeom>
+        </p:spPr>
+        <p:txBody>
+          <a:bodyPr vert="horz" lIns="121899" tIns="60949" rIns="121899" bIns="60949" rtlCol="0">
+            <a:normAutofit/>
+          </a:bodyPr>
+          <a:lstStyle>
+            <a:lvl1pPr marL="304747" indent="-304747" algn="l" defTabSz="1218987" rtl="0" eaLnBrk="1" latinLnBrk="0" hangingPunct="1">
+              <a:lnSpc>
+                <a:spcPct val="90000"/>
+              </a:lnSpc>
+              <a:spcBef>
+                <a:spcPts val="1600"/>
+              </a:spcBef>
+              <a:buClr>
+                <a:schemeClr val="accent1"/>
+              </a:buClr>
+              <a:buSzPct val="100000"/>
+              <a:buFont typeface="Arial" pitchFamily="34" charset="0"/>
+              <a:buChar char="•"/>
+              <a:defRPr sz="2800" kern="1200">
+                <a:solidFill>
+                  <a:schemeClr val="tx1"/>
+                </a:solidFill>
+                <a:latin typeface="+mn-lt"/>
+                <a:ea typeface="+mn-ea"/>
+                <a:cs typeface="+mn-cs"/>
+              </a:defRPr>
+            </a:lvl1pPr>
+            <a:lvl2pPr marL="609493" indent="-231607" algn="l" defTabSz="1218987" rtl="0" eaLnBrk="1" latinLnBrk="0" hangingPunct="1">
+              <a:lnSpc>
+                <a:spcPct val="90000"/>
+              </a:lnSpc>
+              <a:spcBef>
+                <a:spcPts val="800"/>
+              </a:spcBef>
+              <a:buClr>
+                <a:schemeClr val="accent1"/>
+              </a:buClr>
+              <a:buSzPct val="80000"/>
+              <a:buFont typeface="Arial" pitchFamily="34" charset="0"/>
+              <a:buChar char="•"/>
+              <a:defRPr sz="2400" kern="1200">
+                <a:solidFill>
+                  <a:schemeClr val="tx1"/>
+                </a:solidFill>
+                <a:latin typeface="+mn-lt"/>
+                <a:ea typeface="+mn-ea"/>
+                <a:cs typeface="+mn-cs"/>
+              </a:defRPr>
+            </a:lvl2pPr>
+            <a:lvl3pPr marL="914240" indent="-231607" algn="l" defTabSz="1218987" rtl="0" eaLnBrk="1" latinLnBrk="0" hangingPunct="1">
+              <a:lnSpc>
+                <a:spcPct val="90000"/>
+              </a:lnSpc>
+              <a:spcBef>
+                <a:spcPts val="800"/>
+              </a:spcBef>
+              <a:buClr>
+                <a:schemeClr val="accent1"/>
+              </a:buClr>
+              <a:buSzPct val="80000"/>
+              <a:buFont typeface="Arial" pitchFamily="34" charset="0"/>
+              <a:buChar char="•"/>
+              <a:defRPr sz="2000" kern="1200">
+                <a:solidFill>
+                  <a:schemeClr val="tx1"/>
+                </a:solidFill>
+                <a:latin typeface="+mn-lt"/>
+                <a:ea typeface="+mn-ea"/>
+                <a:cs typeface="+mn-cs"/>
+              </a:defRPr>
+            </a:lvl3pPr>
+            <a:lvl4pPr marL="1218987" indent="-231607" algn="l" defTabSz="1218987" rtl="0" eaLnBrk="1" latinLnBrk="0" hangingPunct="1">
+              <a:lnSpc>
+                <a:spcPct val="90000"/>
+              </a:lnSpc>
+              <a:spcBef>
+                <a:spcPts val="800"/>
+              </a:spcBef>
+              <a:buClr>
+                <a:schemeClr val="accent1"/>
+              </a:buClr>
+              <a:buSzPct val="80000"/>
+              <a:buFont typeface="Arial" pitchFamily="34" charset="0"/>
+              <a:buChar char="•"/>
+              <a:defRPr sz="2000" kern="1200">
+                <a:solidFill>
+                  <a:schemeClr val="tx1"/>
+                </a:solidFill>
+                <a:latin typeface="+mn-lt"/>
+                <a:ea typeface="+mn-ea"/>
+                <a:cs typeface="+mn-cs"/>
+              </a:defRPr>
+            </a:lvl4pPr>
+            <a:lvl5pPr marL="1523733" indent="-231607" algn="l" defTabSz="1218987" rtl="0" eaLnBrk="1" latinLnBrk="0" hangingPunct="1">
+              <a:lnSpc>
+                <a:spcPct val="90000"/>
+              </a:lnSpc>
+              <a:spcBef>
+                <a:spcPts val="800"/>
+              </a:spcBef>
+              <a:buClr>
+                <a:schemeClr val="accent1"/>
+              </a:buClr>
+              <a:buSzPct val="80000"/>
+              <a:buFont typeface="Arial" pitchFamily="34" charset="0"/>
+              <a:buChar char="•"/>
+              <a:defRPr sz="2000" kern="1200">
+                <a:solidFill>
+                  <a:schemeClr val="tx1"/>
+                </a:solidFill>
+                <a:latin typeface="+mn-lt"/>
+                <a:ea typeface="+mn-ea"/>
+                <a:cs typeface="+mn-cs"/>
+              </a:defRPr>
+            </a:lvl5pPr>
+            <a:lvl6pPr marL="1828480" indent="-231607" algn="l" defTabSz="1218987" rtl="0" eaLnBrk="1" latinLnBrk="0" hangingPunct="1">
+              <a:lnSpc>
+                <a:spcPct val="90000"/>
+              </a:lnSpc>
+              <a:spcBef>
+                <a:spcPts val="800"/>
+              </a:spcBef>
+              <a:buClr>
+                <a:schemeClr val="accent1"/>
+              </a:buClr>
+              <a:buSzPct val="80000"/>
+              <a:buFont typeface="Arial" pitchFamily="34" charset="0"/>
+              <a:buChar char="•"/>
+              <a:defRPr sz="2000" kern="1200">
+                <a:solidFill>
+                  <a:schemeClr val="tx1"/>
+                </a:solidFill>
+                <a:latin typeface="+mn-lt"/>
+                <a:ea typeface="+mn-ea"/>
+                <a:cs typeface="+mn-cs"/>
+              </a:defRPr>
+            </a:lvl6pPr>
+            <a:lvl7pPr marL="2133227" indent="-231607" algn="l" defTabSz="1218987" rtl="0" eaLnBrk="1" latinLnBrk="0" hangingPunct="1">
+              <a:lnSpc>
+                <a:spcPct val="90000"/>
+              </a:lnSpc>
+              <a:spcBef>
+                <a:spcPts val="800"/>
+              </a:spcBef>
+              <a:buClr>
+                <a:schemeClr val="accent1"/>
+              </a:buClr>
+              <a:buSzPct val="80000"/>
+              <a:buFont typeface="Arial" pitchFamily="34" charset="0"/>
+              <a:buChar char="•"/>
+              <a:defRPr sz="2000" kern="1200">
+                <a:solidFill>
+                  <a:schemeClr val="tx1"/>
+                </a:solidFill>
+                <a:latin typeface="+mn-lt"/>
+                <a:ea typeface="+mn-ea"/>
+                <a:cs typeface="+mn-cs"/>
+              </a:defRPr>
+            </a:lvl7pPr>
+            <a:lvl8pPr marL="2437973" indent="-231607" algn="l" defTabSz="1218987" rtl="0" eaLnBrk="1" latinLnBrk="0" hangingPunct="1">
+              <a:lnSpc>
+                <a:spcPct val="90000"/>
+              </a:lnSpc>
+              <a:spcBef>
+                <a:spcPts val="800"/>
+              </a:spcBef>
+              <a:buClr>
+                <a:schemeClr val="accent1"/>
+              </a:buClr>
+              <a:buSzPct val="80000"/>
+              <a:buFont typeface="Arial" pitchFamily="34" charset="0"/>
+              <a:buChar char="•"/>
+              <a:defRPr sz="2000" kern="1200" baseline="0">
+                <a:solidFill>
+                  <a:schemeClr val="tx1"/>
+                </a:solidFill>
+                <a:latin typeface="+mn-lt"/>
+                <a:ea typeface="+mn-ea"/>
+                <a:cs typeface="+mn-cs"/>
+              </a:defRPr>
+            </a:lvl8pPr>
+            <a:lvl9pPr marL="2742720" indent="-231607" algn="l" defTabSz="1218987" rtl="0" eaLnBrk="1" latinLnBrk="0" hangingPunct="1">
+              <a:lnSpc>
+                <a:spcPct val="90000"/>
+              </a:lnSpc>
+              <a:spcBef>
+                <a:spcPts val="800"/>
+              </a:spcBef>
+              <a:buClr>
+                <a:schemeClr val="accent1"/>
+              </a:buClr>
+              <a:buSzPct val="80000"/>
+              <a:buFont typeface="Arial" pitchFamily="34" charset="0"/>
+              <a:buChar char="•"/>
+              <a:defRPr sz="2000" kern="1200" baseline="0">
+                <a:solidFill>
+                  <a:schemeClr val="tx1"/>
+                </a:solidFill>
+                <a:latin typeface="+mn-lt"/>
+                <a:ea typeface="+mn-ea"/>
+                <a:cs typeface="+mn-cs"/>
+              </a:defRPr>
+            </a:lvl9pPr>
+          </a:lstStyle>
+          <a:p>
+            <a:pPr lvl="1"/>
+            <a:r>
+              <a:rPr lang="en-AU" dirty="0"/>
+              <a:t>The provided data is binary (PV, Non-PV)</a:t>
+            </a:r>
+          </a:p>
+          <a:p>
+            <a:pPr lvl="1"/>
+            <a:r>
+              <a:rPr lang="en-AU" dirty="0"/>
+              <a:t>Binary data limits the model to a sigmoid final model layer</a:t>
+            </a:r>
+          </a:p>
+        </p:txBody>
+      </p:sp>
+    </p:spTree>
+    <p:extLst>
+      <p:ext uri="{BB962C8B-B14F-4D97-AF65-F5344CB8AC3E}">
+        <p14:creationId xmlns:p14="http://schemas.microsoft.com/office/powerpoint/2010/main" val="3945734160"/>
+      </p:ext>
+    </p:extLst>
+  </p:cSld>
+  <p:clrMapOvr>
+    <a:masterClrMapping/>
+  </p:clrMapOvr>
+  <mc:AlternateContent xmlns:mc="http://schemas.openxmlformats.org/markup-compatibility/2006" xmlns:p14="http://schemas.microsoft.com/office/powerpoint/2010/main">
+    <mc:Choice Requires="p14">
+      <p:transition spd="med" p14:dur="700">
+        <p:fade/>
+      </p:transition>
+    </mc:Choice>
+    <mc:Fallback xmlns="">
+      <p:transition spd="med">
+        <p:fade/>
+      </p:transition>
+    </mc:Fallback>
+  </mc:AlternateContent>
+</p:sld>
+</file>
+
+<file path=ppt/slides/slide12.xml><?xml version="1.0" encoding="utf-8"?>
+<p:sld xmlns:a="http://schemas.openxmlformats.org/drawingml/2006/main" xmlns:r="http://schemas.openxmlformats.org/officeDocument/2006/relationships" xmlns:p="http://schemas.openxmlformats.org/presentationml/2006/main">
+  <p:cSld>
+    <p:spTree>
+      <p:nvGrpSpPr>
+        <p:cNvPr id="1" name=""/>
+        <p:cNvGrpSpPr/>
+        <p:nvPr/>
+      </p:nvGrpSpPr>
+      <p:grpSpPr>
+        <a:xfrm>
+          <a:off x="0" y="0"/>
+          <a:ext cx="0" cy="0"/>
+          <a:chOff x="0" y="0"/>
+          <a:chExt cx="0" cy="0"/>
+        </a:xfrm>
+      </p:grpSpPr>
+      <p:sp>
+        <p:nvSpPr>
+          <p:cNvPr id="2" name="Title 1">
+            <a:extLst>
+              <a:ext uri="{FF2B5EF4-FFF2-40B4-BE49-F238E27FC236}">
+                <a16:creationId xmlns:a16="http://schemas.microsoft.com/office/drawing/2014/main" id="{118CBBA9-49D2-4262-9114-D0D47E7D522A}"/>
+              </a:ext>
+            </a:extLst>
+          </p:cNvPr>
+          <p:cNvSpPr>
+            <a:spLocks noGrp="1"/>
+          </p:cNvSpPr>
+          <p:nvPr>
+            <p:ph type="title"/>
+          </p:nvPr>
+        </p:nvSpPr>
+        <p:spPr/>
+        <p:txBody>
+          <a:bodyPr/>
+          <a:lstStyle/>
+          <a:p>
+            <a:r>
+              <a:rPr lang="en-AU" dirty="0"/>
+              <a:t>Approach</a:t>
+            </a:r>
+          </a:p>
+        </p:txBody>
+      </p:sp>
+      <p:sp>
+        <p:nvSpPr>
+          <p:cNvPr id="3" name="Content Placeholder 2">
+            <a:extLst>
+              <a:ext uri="{FF2B5EF4-FFF2-40B4-BE49-F238E27FC236}">
+                <a16:creationId xmlns:a16="http://schemas.microsoft.com/office/drawing/2014/main" id="{1E6F3B36-FA1C-4A44-8799-54720A510D55}"/>
+              </a:ext>
+            </a:extLst>
+          </p:cNvPr>
+          <p:cNvSpPr>
+            <a:spLocks noGrp="1"/>
+          </p:cNvSpPr>
+          <p:nvPr>
+            <p:ph idx="1"/>
+          </p:nvPr>
+        </p:nvSpPr>
+        <p:spPr>
+          <a:xfrm>
+            <a:off x="4150196" y="900668"/>
+            <a:ext cx="6696744" cy="1016163"/>
+          </a:xfrm>
+        </p:spPr>
+        <p:txBody>
+          <a:bodyPr>
+            <a:normAutofit/>
+          </a:bodyPr>
+          <a:lstStyle/>
+          <a:p>
+            <a:r>
+              <a:rPr lang="en-AU" dirty="0"/>
+              <a:t>Consider limitations</a:t>
+            </a:r>
+          </a:p>
+          <a:p>
+            <a:pPr lvl="1"/>
+            <a:r>
+              <a:rPr lang="en-AU" dirty="0"/>
+              <a:t>What </a:t>
+            </a:r>
+            <a:r>
+              <a:rPr lang="en-AU" i="1" dirty="0"/>
+              <a:t>may </a:t>
+            </a:r>
+            <a:r>
+              <a:rPr lang="en-AU" dirty="0"/>
+              <a:t>create false </a:t>
+            </a:r>
+            <a:r>
+              <a:rPr lang="en-AU" b="1" u="sng" dirty="0">
+                <a:solidFill>
+                  <a:srgbClr val="FF0000"/>
+                </a:solidFill>
+              </a:rPr>
+              <a:t>negatives</a:t>
+            </a:r>
+            <a:r>
+              <a:rPr lang="en-AU" dirty="0"/>
+              <a:t>?</a:t>
+            </a:r>
+          </a:p>
+        </p:txBody>
+      </p:sp>
+      <p:graphicFrame>
+        <p:nvGraphicFramePr>
+          <p:cNvPr id="4" name="Table 3">
+            <a:extLst>
+              <a:ext uri="{FF2B5EF4-FFF2-40B4-BE49-F238E27FC236}">
+                <a16:creationId xmlns:a16="http://schemas.microsoft.com/office/drawing/2014/main" id="{2EDD53C5-AD65-447D-BE6E-F714AFA3AE1B}"/>
+              </a:ext>
+            </a:extLst>
+          </p:cNvPr>
+          <p:cNvGraphicFramePr>
+            <a:graphicFrameLocks noGrp="1"/>
+          </p:cNvGraphicFramePr>
+          <p:nvPr>
+            <p:extLst>
+              <p:ext uri="{D42A27DB-BD31-4B8C-83A1-F6EECF244321}">
+                <p14:modId xmlns:p14="http://schemas.microsoft.com/office/powerpoint/2010/main" val="1129365315"/>
+              </p:ext>
+            </p:extLst>
+          </p:nvPr>
+        </p:nvGraphicFramePr>
+        <p:xfrm>
+          <a:off x="1394576" y="2120928"/>
+          <a:ext cx="10009113" cy="789680"/>
+        </p:xfrm>
+        <a:graphic>
+          <a:graphicData uri="http://schemas.openxmlformats.org/drawingml/2006/table">
+            <a:tbl>
+              <a:tblPr bandRow="1">
+                <a:tableStyleId>{7DF18680-E054-41AD-8BC1-D1AEF772440D}</a:tableStyleId>
+              </a:tblPr>
+              <a:tblGrid>
+                <a:gridCol w="3335657">
+                  <a:extLst>
+                    <a:ext uri="{9D8B030D-6E8A-4147-A177-3AD203B41FA5}">
+                      <a16:colId xmlns:a16="http://schemas.microsoft.com/office/drawing/2014/main" val="1736827546"/>
+                    </a:ext>
+                  </a:extLst>
+                </a:gridCol>
+                <a:gridCol w="3336728">
+                  <a:extLst>
+                    <a:ext uri="{9D8B030D-6E8A-4147-A177-3AD203B41FA5}">
+                      <a16:colId xmlns:a16="http://schemas.microsoft.com/office/drawing/2014/main" val="1009339973"/>
+                    </a:ext>
+                  </a:extLst>
+                </a:gridCol>
+                <a:gridCol w="3336728">
+                  <a:extLst>
+                    <a:ext uri="{9D8B030D-6E8A-4147-A177-3AD203B41FA5}">
+                      <a16:colId xmlns:a16="http://schemas.microsoft.com/office/drawing/2014/main" val="3962187885"/>
+                    </a:ext>
+                  </a:extLst>
+                </a:gridCol>
+              </a:tblGrid>
+              <a:tr h="394840">
+                <a:tc>
+                  <a:txBody>
+                    <a:bodyPr/>
+                    <a:lstStyle/>
+                    <a:p>
+                      <a:pPr>
+                        <a:lnSpc>
+                          <a:spcPct val="120000"/>
+                        </a:lnSpc>
+                        <a:spcBef>
+                          <a:spcPts val="600"/>
+                        </a:spcBef>
+                        <a:spcAft>
+                          <a:spcPts val="600"/>
+                        </a:spcAft>
+                      </a:pPr>
+                      <a:r>
+                        <a:rPr lang="en-AU" sz="2000" dirty="0">
+                          <a:solidFill>
+                            <a:srgbClr val="404040"/>
+                          </a:solidFill>
+                          <a:effectLst/>
+                          <a:latin typeface="Arial" panose="020B0604020202020204" pitchFamily="34" charset="0"/>
+                          <a:ea typeface="Arial" panose="020B0604020202020204" pitchFamily="34" charset="0"/>
+                          <a:cs typeface="Times New Roman" panose="02020603050405020304" pitchFamily="18" charset="0"/>
+                        </a:rPr>
+                        <a:t>Rectangular images</a:t>
+                      </a:r>
+                    </a:p>
+                  </a:txBody>
+                  <a:tcPr marT="0" marB="0"/>
+                </a:tc>
+                <a:tc>
+                  <a:txBody>
+                    <a:bodyPr/>
+                    <a:lstStyle/>
+                    <a:p>
+                      <a:pPr>
+                        <a:lnSpc>
+                          <a:spcPct val="120000"/>
+                        </a:lnSpc>
+                        <a:spcBef>
+                          <a:spcPts val="600"/>
+                        </a:spcBef>
+                        <a:spcAft>
+                          <a:spcPts val="600"/>
+                        </a:spcAft>
+                      </a:pPr>
+                      <a:r>
+                        <a:rPr lang="en-AU" sz="2000" dirty="0">
+                          <a:solidFill>
+                            <a:srgbClr val="404040"/>
+                          </a:solidFill>
+                          <a:effectLst/>
+                          <a:latin typeface="Arial" panose="020B0604020202020204" pitchFamily="34" charset="0"/>
+                          <a:ea typeface="Arial" panose="020B0604020202020204" pitchFamily="34" charset="0"/>
+                          <a:cs typeface="Times New Roman" panose="02020603050405020304" pitchFamily="18" charset="0"/>
+                        </a:rPr>
+                        <a:t>Objects covering panels</a:t>
+                      </a:r>
+                    </a:p>
+                  </a:txBody>
+                  <a:tcPr marT="0" marB="0"/>
+                </a:tc>
+                <a:tc>
+                  <a:txBody>
+                    <a:bodyPr/>
+                    <a:lstStyle/>
+                    <a:p>
+                      <a:pPr>
+                        <a:lnSpc>
+                          <a:spcPct val="120000"/>
+                        </a:lnSpc>
+                        <a:spcBef>
+                          <a:spcPts val="600"/>
+                        </a:spcBef>
+                        <a:spcAft>
+                          <a:spcPts val="600"/>
+                        </a:spcAft>
+                      </a:pPr>
+                      <a:r>
+                        <a:rPr lang="en-AU" sz="2000" dirty="0">
+                          <a:solidFill>
+                            <a:srgbClr val="404040"/>
+                          </a:solidFill>
+                          <a:effectLst/>
+                          <a:latin typeface="Arial" panose="020B0604020202020204" pitchFamily="34" charset="0"/>
+                          <a:ea typeface="Arial" panose="020B0604020202020204" pitchFamily="34" charset="0"/>
+                          <a:cs typeface="Times New Roman" panose="02020603050405020304" pitchFamily="18" charset="0"/>
+                        </a:rPr>
+                        <a:t>Poorly angled panels</a:t>
+                      </a:r>
+                    </a:p>
+                  </a:txBody>
+                  <a:tcPr marT="0" marB="0"/>
+                </a:tc>
+                <a:extLst>
+                  <a:ext uri="{0D108BD9-81ED-4DB2-BD59-A6C34878D82A}">
+                    <a16:rowId xmlns:a16="http://schemas.microsoft.com/office/drawing/2014/main" val="2209689491"/>
+                  </a:ext>
+                </a:extLst>
+              </a:tr>
+              <a:tr h="394840">
+                <a:tc>
+                  <a:txBody>
+                    <a:bodyPr/>
+                    <a:lstStyle/>
+                    <a:p>
+                      <a:pPr>
+                        <a:lnSpc>
+                          <a:spcPct val="120000"/>
+                        </a:lnSpc>
+                        <a:spcBef>
+                          <a:spcPts val="600"/>
+                        </a:spcBef>
+                        <a:spcAft>
+                          <a:spcPts val="600"/>
+                        </a:spcAft>
+                      </a:pPr>
+                      <a:endParaRPr lang="en-AU" sz="2000" dirty="0">
+                        <a:solidFill>
+                          <a:srgbClr val="404040"/>
+                        </a:solidFill>
+                        <a:effectLst/>
+                        <a:latin typeface="Arial" panose="020B0604020202020204" pitchFamily="34" charset="0"/>
+                        <a:ea typeface="Arial" panose="020B0604020202020204" pitchFamily="34" charset="0"/>
+                        <a:cs typeface="Times New Roman" panose="02020603050405020304" pitchFamily="18" charset="0"/>
+                      </a:endParaRPr>
+                    </a:p>
+                  </a:txBody>
+                  <a:tcPr marT="0" marB="0"/>
+                </a:tc>
+                <a:tc>
+                  <a:txBody>
+                    <a:bodyPr/>
+                    <a:lstStyle/>
+                    <a:p>
+                      <a:pPr>
+                        <a:lnSpc>
+                          <a:spcPct val="120000"/>
+                        </a:lnSpc>
+                        <a:spcBef>
+                          <a:spcPts val="600"/>
+                        </a:spcBef>
+                        <a:spcAft>
+                          <a:spcPts val="600"/>
+                        </a:spcAft>
+                      </a:pPr>
+                      <a:endParaRPr lang="en-AU" sz="2000" dirty="0">
+                        <a:solidFill>
+                          <a:srgbClr val="404040"/>
+                        </a:solidFill>
+                        <a:effectLst/>
+                        <a:latin typeface="Arial" panose="020B0604020202020204" pitchFamily="34" charset="0"/>
+                        <a:ea typeface="Arial" panose="020B0604020202020204" pitchFamily="34" charset="0"/>
+                        <a:cs typeface="Times New Roman" panose="02020603050405020304" pitchFamily="18" charset="0"/>
+                      </a:endParaRPr>
+                    </a:p>
+                  </a:txBody>
+                  <a:tcPr marT="0" marB="0"/>
+                </a:tc>
+                <a:tc>
+                  <a:txBody>
+                    <a:bodyPr/>
+                    <a:lstStyle/>
+                    <a:p>
+                      <a:pPr>
+                        <a:lnSpc>
+                          <a:spcPct val="120000"/>
+                        </a:lnSpc>
+                        <a:spcBef>
+                          <a:spcPts val="600"/>
+                        </a:spcBef>
+                        <a:spcAft>
+                          <a:spcPts val="600"/>
+                        </a:spcAft>
+                      </a:pPr>
+                      <a:endParaRPr lang="en-AU" sz="2000" dirty="0">
+                        <a:solidFill>
+                          <a:srgbClr val="404040"/>
+                        </a:solidFill>
+                        <a:effectLst/>
+                        <a:latin typeface="Arial" panose="020B0604020202020204" pitchFamily="34" charset="0"/>
+                        <a:ea typeface="Arial" panose="020B0604020202020204" pitchFamily="34" charset="0"/>
+                        <a:cs typeface="Times New Roman" panose="02020603050405020304" pitchFamily="18" charset="0"/>
+                      </a:endParaRPr>
+                    </a:p>
+                  </a:txBody>
+                  <a:tcPr marT="0" marB="0"/>
+                </a:tc>
+                <a:extLst>
+                  <a:ext uri="{0D108BD9-81ED-4DB2-BD59-A6C34878D82A}">
+                    <a16:rowId xmlns:a16="http://schemas.microsoft.com/office/drawing/2014/main" val="2597814589"/>
+                  </a:ext>
+                </a:extLst>
+              </a:tr>
+            </a:tbl>
+          </a:graphicData>
+        </a:graphic>
+      </p:graphicFrame>
+    </p:spTree>
+    <p:extLst>
+      <p:ext uri="{BB962C8B-B14F-4D97-AF65-F5344CB8AC3E}">
+        <p14:creationId xmlns:p14="http://schemas.microsoft.com/office/powerpoint/2010/main" val="4140677804"/>
+      </p:ext>
+    </p:extLst>
+  </p:cSld>
+  <p:clrMapOvr>
+    <a:masterClrMapping/>
+  </p:clrMapOvr>
+  <mc:AlternateContent xmlns:mc="http://schemas.openxmlformats.org/markup-compatibility/2006" xmlns:p14="http://schemas.microsoft.com/office/powerpoint/2010/main">
+    <mc:Choice Requires="p14">
+      <p:transition spd="med" p14:dur="700">
+        <p:fade/>
+      </p:transition>
+    </mc:Choice>
+    <mc:Fallback xmlns="">
+      <p:transition spd="med">
+        <p:fade/>
+      </p:transition>
+    </mc:Fallback>
+  </mc:AlternateContent>
+</p:sld>
+</file>
+
+<file path=ppt/slides/slide13.xml><?xml version="1.0" encoding="utf-8"?>
+<p:sld xmlns:a="http://schemas.openxmlformats.org/drawingml/2006/main" xmlns:r="http://schemas.openxmlformats.org/officeDocument/2006/relationships" xmlns:p="http://schemas.openxmlformats.org/presentationml/2006/main">
+  <p:cSld>
+    <p:spTree>
+      <p:nvGrpSpPr>
+        <p:cNvPr id="1" name=""/>
+        <p:cNvGrpSpPr/>
+        <p:nvPr/>
+      </p:nvGrpSpPr>
+      <p:grpSpPr>
+        <a:xfrm>
+          <a:off x="0" y="0"/>
+          <a:ext cx="0" cy="0"/>
+          <a:chOff x="0" y="0"/>
+          <a:chExt cx="0" cy="0"/>
+        </a:xfrm>
+      </p:grpSpPr>
+      <p:sp>
+        <p:nvSpPr>
+          <p:cNvPr id="2" name="Title 1">
+            <a:extLst>
+              <a:ext uri="{FF2B5EF4-FFF2-40B4-BE49-F238E27FC236}">
+                <a16:creationId xmlns:a16="http://schemas.microsoft.com/office/drawing/2014/main" id="{118CBBA9-49D2-4262-9114-D0D47E7D522A}"/>
+              </a:ext>
+            </a:extLst>
+          </p:cNvPr>
+          <p:cNvSpPr>
+            <a:spLocks noGrp="1"/>
+          </p:cNvSpPr>
+          <p:nvPr>
+            <p:ph type="title"/>
+          </p:nvPr>
+        </p:nvSpPr>
+        <p:spPr/>
+        <p:txBody>
+          <a:bodyPr/>
+          <a:lstStyle/>
+          <a:p>
+            <a:r>
+              <a:rPr lang="en-AU" dirty="0"/>
+              <a:t>The Model</a:t>
+            </a:r>
+          </a:p>
+        </p:txBody>
+      </p:sp>
+      <p:sp>
+        <p:nvSpPr>
+          <p:cNvPr id="3" name="Content Placeholder 2">
+            <a:extLst>
+              <a:ext uri="{FF2B5EF4-FFF2-40B4-BE49-F238E27FC236}">
+                <a16:creationId xmlns:a16="http://schemas.microsoft.com/office/drawing/2014/main" id="{1E6F3B36-FA1C-4A44-8799-54720A510D55}"/>
+              </a:ext>
+            </a:extLst>
+          </p:cNvPr>
+          <p:cNvSpPr>
+            <a:spLocks noGrp="1"/>
+          </p:cNvSpPr>
+          <p:nvPr>
+            <p:ph idx="1"/>
+          </p:nvPr>
+        </p:nvSpPr>
+        <p:spPr/>
+        <p:txBody>
+          <a:bodyPr/>
+          <a:lstStyle/>
+          <a:p>
+            <a:r>
+              <a:rPr lang="en-AU" dirty="0"/>
+              <a:t>Convolutional Neural Net (CNN) model</a:t>
+            </a:r>
+          </a:p>
+          <a:p>
+            <a:r>
+              <a:rPr lang="en-AU" dirty="0"/>
+              <a:t>Leverages the Fast.AI wrapper on top of </a:t>
+            </a:r>
+            <a:r>
+              <a:rPr lang="en-AU" dirty="0" err="1"/>
+              <a:t>PyTorch</a:t>
+            </a:r>
+            <a:endParaRPr lang="en-AU" dirty="0"/>
+          </a:p>
+          <a:p>
+            <a:r>
+              <a:rPr lang="en-AU" dirty="0"/>
+              <a:t>Specifies:</a:t>
+            </a:r>
+          </a:p>
+          <a:p>
+            <a:pPr lvl="1"/>
+            <a:r>
+              <a:rPr lang="en-AU" dirty="0"/>
+              <a:t>Data set to utilise</a:t>
+            </a:r>
+          </a:p>
+          <a:p>
+            <a:pPr lvl="1"/>
+            <a:r>
+              <a:rPr lang="en-AU" dirty="0"/>
+              <a:t>Functions to split source data into a training &amp; validation set</a:t>
+            </a:r>
+          </a:p>
+          <a:p>
+            <a:pPr lvl="1"/>
+            <a:r>
+              <a:rPr lang="en-AU" dirty="0"/>
+              <a:t>Functions to import image meta-data</a:t>
+            </a:r>
+          </a:p>
+          <a:p>
+            <a:pPr lvl="1"/>
+            <a:r>
+              <a:rPr lang="en-AU" dirty="0"/>
+              <a:t>Learning rate specification and annealing</a:t>
+            </a:r>
+          </a:p>
+          <a:p>
+            <a:pPr lvl="1"/>
+            <a:r>
+              <a:rPr lang="en-AU" dirty="0"/>
+              <a:t>Data augmentation</a:t>
+            </a:r>
+          </a:p>
+          <a:p>
+            <a:r>
+              <a:rPr lang="en-AU" dirty="0"/>
+              <a:t>Result accuracy based on confusion matrix output</a:t>
+            </a:r>
+          </a:p>
+          <a:p>
+            <a:pPr lvl="1"/>
+            <a:endParaRPr lang="en-AU" dirty="0"/>
+          </a:p>
+        </p:txBody>
+      </p:sp>
+    </p:spTree>
+    <p:extLst>
+      <p:ext uri="{BB962C8B-B14F-4D97-AF65-F5344CB8AC3E}">
+        <p14:creationId xmlns:p14="http://schemas.microsoft.com/office/powerpoint/2010/main" val="147196257"/>
+      </p:ext>
+    </p:extLst>
+  </p:cSld>
+  <p:clrMapOvr>
+    <a:masterClrMapping/>
+  </p:clrMapOvr>
+  <mc:AlternateContent xmlns:mc="http://schemas.openxmlformats.org/markup-compatibility/2006" xmlns:p14="http://schemas.microsoft.com/office/powerpoint/2010/main">
+    <mc:Choice Requires="p14">
+      <p:transition spd="med" p14:dur="700">
+        <p:fade/>
+      </p:transition>
+    </mc:Choice>
+    <mc:Fallback xmlns="">
+      <p:transition spd="med">
+        <p:fade/>
+      </p:transition>
+    </mc:Fallback>
+  </mc:AlternateContent>
+</p:sld>
+</file>
+
+<file path=ppt/slides/slide14.xml><?xml version="1.0" encoding="utf-8"?>
+<p:sld xmlns:a="http://schemas.openxmlformats.org/drawingml/2006/main" xmlns:r="http://schemas.openxmlformats.org/officeDocument/2006/relationships" xmlns:p="http://schemas.openxmlformats.org/presentationml/2006/main">
+  <p:cSld>
+    <p:spTree>
+      <p:nvGrpSpPr>
+        <p:cNvPr id="1" name=""/>
+        <p:cNvGrpSpPr/>
+        <p:nvPr/>
+      </p:nvGrpSpPr>
+      <p:grpSpPr>
+        <a:xfrm>
+          <a:off x="0" y="0"/>
+          <a:ext cx="0" cy="0"/>
+          <a:chOff x="0" y="0"/>
+          <a:chExt cx="0" cy="0"/>
+        </a:xfrm>
+      </p:grpSpPr>
+      <p:sp>
+        <p:nvSpPr>
+          <p:cNvPr id="2" name="Title 1">
+            <a:extLst>
+              <a:ext uri="{FF2B5EF4-FFF2-40B4-BE49-F238E27FC236}">
+                <a16:creationId xmlns:a16="http://schemas.microsoft.com/office/drawing/2014/main" id="{118CBBA9-49D2-4262-9114-D0D47E7D522A}"/>
+              </a:ext>
+            </a:extLst>
+          </p:cNvPr>
+          <p:cNvSpPr>
+            <a:spLocks noGrp="1"/>
+          </p:cNvSpPr>
+          <p:nvPr>
+            <p:ph type="title"/>
+          </p:nvPr>
+        </p:nvSpPr>
+        <p:spPr/>
+        <p:txBody>
+          <a:bodyPr/>
+          <a:lstStyle/>
+          <a:p>
+            <a:r>
+              <a:rPr lang="en-AU" dirty="0"/>
+              <a:t>The Model</a:t>
+            </a:r>
+          </a:p>
+        </p:txBody>
+      </p:sp>
+      <p:sp>
+        <p:nvSpPr>
+          <p:cNvPr id="3" name="Content Placeholder 2">
+            <a:extLst>
+              <a:ext uri="{FF2B5EF4-FFF2-40B4-BE49-F238E27FC236}">
+                <a16:creationId xmlns:a16="http://schemas.microsoft.com/office/drawing/2014/main" id="{1E6F3B36-FA1C-4A44-8799-54720A510D55}"/>
+              </a:ext>
+            </a:extLst>
+          </p:cNvPr>
+          <p:cNvSpPr>
+            <a:spLocks noGrp="1"/>
+          </p:cNvSpPr>
+          <p:nvPr>
+            <p:ph idx="1"/>
+          </p:nvPr>
+        </p:nvSpPr>
+        <p:spPr/>
+        <p:txBody>
+          <a:bodyPr/>
+          <a:lstStyle/>
+          <a:p>
+            <a:r>
+              <a:rPr lang="en-AU" dirty="0"/>
+              <a:t>Convolutional Neural Net (CNN) model</a:t>
+            </a:r>
+          </a:p>
+          <a:p>
+            <a:r>
+              <a:rPr lang="en-AU" dirty="0"/>
+              <a:t>Leverages the Fast.AI wrapper on top of </a:t>
+            </a:r>
+            <a:r>
+              <a:rPr lang="en-AU" dirty="0" err="1"/>
+              <a:t>PyTorch</a:t>
+            </a:r>
+            <a:endParaRPr lang="en-AU" dirty="0"/>
+          </a:p>
+          <a:p>
+            <a:r>
+              <a:rPr lang="en-AU" dirty="0"/>
+              <a:t>Specifies:</a:t>
+            </a:r>
+          </a:p>
+          <a:p>
+            <a:pPr lvl="1"/>
+            <a:r>
+              <a:rPr lang="en-AU" dirty="0"/>
+              <a:t>Data set to utilise</a:t>
+            </a:r>
+          </a:p>
+          <a:p>
+            <a:pPr lvl="1"/>
+            <a:r>
+              <a:rPr lang="en-AU" dirty="0"/>
+              <a:t>Functions to split source data into a training &amp; validation set</a:t>
+            </a:r>
+          </a:p>
+          <a:p>
+            <a:pPr lvl="1"/>
+            <a:r>
+              <a:rPr lang="en-AU" dirty="0"/>
+              <a:t>Functions to import image meta-data</a:t>
+            </a:r>
+          </a:p>
+          <a:p>
+            <a:pPr lvl="1"/>
+            <a:r>
+              <a:rPr lang="en-AU" dirty="0"/>
+              <a:t>Learning rate specification and annealing</a:t>
+            </a:r>
+          </a:p>
+          <a:p>
+            <a:pPr lvl="1"/>
+            <a:r>
+              <a:rPr lang="en-AU" dirty="0"/>
+              <a:t>Data augmentation</a:t>
+            </a:r>
+          </a:p>
+          <a:p>
+            <a:r>
+              <a:rPr lang="en-AU" dirty="0"/>
+              <a:t>Result accuracy based on confusion matrix output</a:t>
+            </a:r>
+          </a:p>
+          <a:p>
+            <a:pPr lvl="1"/>
+            <a:endParaRPr lang="en-AU" dirty="0"/>
+          </a:p>
+        </p:txBody>
+      </p:sp>
+    </p:spTree>
+    <p:extLst>
+      <p:ext uri="{BB962C8B-B14F-4D97-AF65-F5344CB8AC3E}">
+        <p14:creationId xmlns:p14="http://schemas.microsoft.com/office/powerpoint/2010/main" val="1736910108"/>
+      </p:ext>
+    </p:extLst>
+  </p:cSld>
+  <p:clrMapOvr>
+    <a:masterClrMapping/>
+  </p:clrMapOvr>
+  <mc:AlternateContent xmlns:mc="http://schemas.openxmlformats.org/markup-compatibility/2006" xmlns:p14="http://schemas.microsoft.com/office/powerpoint/2010/main">
+    <mc:Choice Requires="p14">
+      <p:transition spd="med" p14:dur="700">
+        <p:fade/>
+      </p:transition>
+    </mc:Choice>
+    <mc:Fallback xmlns="">
+      <p:transition spd="med">
+        <p:fade/>
+      </p:transition>
+    </mc:Fallback>
+  </mc:AlternateContent>
+</p:sld>
+</file>
+
 <file path=ppt/slides/slide2.xml><?xml version="1.0" encoding="utf-8"?>
 <p:sld xmlns:a="http://schemas.openxmlformats.org/drawingml/2006/main" xmlns:r="http://schemas.openxmlformats.org/officeDocument/2006/relationships" xmlns:p="http://schemas.openxmlformats.org/presentationml/2006/main">
   <p:cSld>
@@ -9272,28 +11400,35 @@
             <a:pPr lvl="1"/>
             <a:r>
               <a:rPr lang="en-AU" dirty="0"/>
-              <a:t>Provide an approach</a:t>
+              <a:t>Understand task</a:t>
             </a:r>
           </a:p>
           <a:p>
             <a:pPr lvl="1"/>
             <a:r>
               <a:rPr lang="en-AU" dirty="0"/>
-              <a:t>Provide an algorithm</a:t>
+              <a:t>Analyse data</a:t>
             </a:r>
           </a:p>
           <a:p>
             <a:pPr lvl="1"/>
             <a:r>
               <a:rPr lang="en-AU" dirty="0"/>
-              <a:t>Test algorithm</a:t>
+              <a:t>Form an approach</a:t>
             </a:r>
           </a:p>
           <a:p>
             <a:pPr lvl="1"/>
             <a:r>
               <a:rPr lang="en-AU" dirty="0"/>
-              <a:t>Generate insights</a:t>
+              <a:t>Consider limitations</a:t>
+            </a:r>
+          </a:p>
+          <a:p>
+            <a:pPr lvl="1"/>
+            <a:r>
+              <a:rPr lang="en-AU" dirty="0"/>
+              <a:t>Determine deliverables</a:t>
             </a:r>
           </a:p>
           <a:p>
@@ -9310,7 +11445,15 @@
               <a:rPr lang="en-AU" dirty="0">
                 <a:sym typeface="Wingdings" panose="05000000000000000000" pitchFamily="2" charset="2"/>
               </a:rPr>
-              <a:t>Document Learnings</a:t>
+              <a:t>Document learnings</a:t>
+            </a:r>
+          </a:p>
+          <a:p>
+            <a:r>
+              <a:rPr lang="en-AU" dirty="0">
+                <a:sym typeface="Wingdings" panose="05000000000000000000" pitchFamily="2" charset="2"/>
+              </a:rPr>
+              <a:t>Share insights</a:t>
             </a:r>
             <a:endParaRPr lang="en-AU" dirty="0"/>
           </a:p>
@@ -9386,10 +11529,1387 @@
           <a:chExt cx="0" cy="0"/>
         </a:xfrm>
       </p:grpSpPr>
+      <p:sp>
+        <p:nvSpPr>
+          <p:cNvPr id="2" name="Title 1">
+            <a:extLst>
+              <a:ext uri="{FF2B5EF4-FFF2-40B4-BE49-F238E27FC236}">
+                <a16:creationId xmlns:a16="http://schemas.microsoft.com/office/drawing/2014/main" id="{118CBBA9-49D2-4262-9114-D0D47E7D522A}"/>
+              </a:ext>
+            </a:extLst>
+          </p:cNvPr>
+          <p:cNvSpPr>
+            <a:spLocks noGrp="1"/>
+          </p:cNvSpPr>
+          <p:nvPr>
+            <p:ph type="title"/>
+          </p:nvPr>
+        </p:nvSpPr>
+        <p:spPr/>
+        <p:txBody>
+          <a:bodyPr/>
+          <a:lstStyle/>
+          <a:p>
+            <a:r>
+              <a:rPr lang="en-AU" dirty="0"/>
+              <a:t>Requirements (Part A)</a:t>
+            </a:r>
+          </a:p>
+        </p:txBody>
+      </p:sp>
+      <p:sp>
+        <p:nvSpPr>
+          <p:cNvPr id="3" name="Content Placeholder 2">
+            <a:extLst>
+              <a:ext uri="{FF2B5EF4-FFF2-40B4-BE49-F238E27FC236}">
+                <a16:creationId xmlns:a16="http://schemas.microsoft.com/office/drawing/2014/main" id="{1E6F3B36-FA1C-4A44-8799-54720A510D55}"/>
+              </a:ext>
+            </a:extLst>
+          </p:cNvPr>
+          <p:cNvSpPr>
+            <a:spLocks noGrp="1"/>
+          </p:cNvSpPr>
+          <p:nvPr>
+            <p:ph idx="1"/>
+          </p:nvPr>
+        </p:nvSpPr>
+        <p:spPr/>
+        <p:txBody>
+          <a:bodyPr/>
+          <a:lstStyle/>
+          <a:p>
+            <a:r>
+              <a:rPr lang="en-AU" dirty="0"/>
+              <a:t>The task</a:t>
+            </a:r>
+          </a:p>
+          <a:p>
+            <a:pPr lvl="1"/>
+            <a:r>
+              <a:rPr lang="en-AU" dirty="0"/>
+              <a:t>Utilise Western Power data to develop a model which identifies distribution embedded PV generation. Target a model accuracy of &gt;98.5%.</a:t>
+            </a:r>
+          </a:p>
+          <a:p>
+            <a:pPr lvl="1"/>
+            <a:r>
+              <a:rPr lang="en-AU" dirty="0"/>
+              <a:t>Test what works, what doesn’t work – </a:t>
+            </a:r>
+            <a:r>
+              <a:rPr lang="en-AU" i="1" dirty="0"/>
+              <a:t>document </a:t>
+            </a:r>
+            <a:r>
+              <a:rPr lang="en-AU" dirty="0"/>
+              <a:t> learnings</a:t>
+            </a:r>
+          </a:p>
+          <a:p>
+            <a:pPr lvl="1"/>
+            <a:r>
+              <a:rPr lang="en-AU" dirty="0"/>
+              <a:t>Assess model performance against a hold-out set</a:t>
+            </a:r>
+          </a:p>
+          <a:p>
+            <a:pPr lvl="1"/>
+            <a:r>
+              <a:rPr lang="en-AU" dirty="0"/>
+              <a:t>Provide required documents</a:t>
+            </a:r>
+          </a:p>
+        </p:txBody>
+      </p:sp>
     </p:spTree>
     <p:extLst>
       <p:ext uri="{BB962C8B-B14F-4D97-AF65-F5344CB8AC3E}">
         <p14:creationId xmlns:p14="http://schemas.microsoft.com/office/powerpoint/2010/main" val="1405850135"/>
+      </p:ext>
+    </p:extLst>
+  </p:cSld>
+  <p:clrMapOvr>
+    <a:masterClrMapping/>
+  </p:clrMapOvr>
+  <mc:AlternateContent xmlns:mc="http://schemas.openxmlformats.org/markup-compatibility/2006" xmlns:p14="http://schemas.microsoft.com/office/powerpoint/2010/main">
+    <mc:Choice Requires="p14">
+      <p:transition spd="med" p14:dur="700">
+        <p:fade/>
+      </p:transition>
+    </mc:Choice>
+    <mc:Fallback xmlns="">
+      <p:transition spd="med">
+        <p:fade/>
+      </p:transition>
+    </mc:Fallback>
+  </mc:AlternateContent>
+</p:sld>
+</file>
+
+<file path=ppt/slides/slide7.xml><?xml version="1.0" encoding="utf-8"?>
+<p:sld xmlns:a="http://schemas.openxmlformats.org/drawingml/2006/main" xmlns:r="http://schemas.openxmlformats.org/officeDocument/2006/relationships" xmlns:p="http://schemas.openxmlformats.org/presentationml/2006/main">
+  <p:cSld>
+    <p:spTree>
+      <p:nvGrpSpPr>
+        <p:cNvPr id="1" name=""/>
+        <p:cNvGrpSpPr/>
+        <p:nvPr/>
+      </p:nvGrpSpPr>
+      <p:grpSpPr>
+        <a:xfrm>
+          <a:off x="0" y="0"/>
+          <a:ext cx="0" cy="0"/>
+          <a:chOff x="0" y="0"/>
+          <a:chExt cx="0" cy="0"/>
+        </a:xfrm>
+      </p:grpSpPr>
+      <p:sp>
+        <p:nvSpPr>
+          <p:cNvPr id="2" name="Title 1">
+            <a:extLst>
+              <a:ext uri="{FF2B5EF4-FFF2-40B4-BE49-F238E27FC236}">
+                <a16:creationId xmlns:a16="http://schemas.microsoft.com/office/drawing/2014/main" id="{118CBBA9-49D2-4262-9114-D0D47E7D522A}"/>
+              </a:ext>
+            </a:extLst>
+          </p:cNvPr>
+          <p:cNvSpPr>
+            <a:spLocks noGrp="1"/>
+          </p:cNvSpPr>
+          <p:nvPr>
+            <p:ph type="title"/>
+          </p:nvPr>
+        </p:nvSpPr>
+        <p:spPr/>
+        <p:txBody>
+          <a:bodyPr/>
+          <a:lstStyle/>
+          <a:p>
+            <a:r>
+              <a:rPr lang="en-AU" dirty="0"/>
+              <a:t>Approach</a:t>
+            </a:r>
+          </a:p>
+        </p:txBody>
+      </p:sp>
+      <p:sp>
+        <p:nvSpPr>
+          <p:cNvPr id="3" name="Content Placeholder 2">
+            <a:extLst>
+              <a:ext uri="{FF2B5EF4-FFF2-40B4-BE49-F238E27FC236}">
+                <a16:creationId xmlns:a16="http://schemas.microsoft.com/office/drawing/2014/main" id="{1E6F3B36-FA1C-4A44-8799-54720A510D55}"/>
+              </a:ext>
+            </a:extLst>
+          </p:cNvPr>
+          <p:cNvSpPr>
+            <a:spLocks noGrp="1"/>
+          </p:cNvSpPr>
+          <p:nvPr>
+            <p:ph idx="1"/>
+          </p:nvPr>
+        </p:nvSpPr>
+        <p:spPr>
+          <a:xfrm>
+            <a:off x="1218883" y="1701797"/>
+            <a:ext cx="4155449" cy="4462272"/>
+          </a:xfrm>
+        </p:spPr>
+        <p:txBody>
+          <a:bodyPr/>
+          <a:lstStyle/>
+          <a:p>
+            <a:r>
+              <a:rPr lang="en-AU" dirty="0"/>
+              <a:t>Understand Data</a:t>
+            </a:r>
+          </a:p>
+          <a:p>
+            <a:pPr lvl="1"/>
+            <a:r>
+              <a:rPr lang="en-AU" dirty="0"/>
+              <a:t>What is provided?</a:t>
+            </a:r>
+          </a:p>
+        </p:txBody>
+      </p:sp>
+      <p:pic>
+        <p:nvPicPr>
+          <p:cNvPr id="4" name="Picture 3">
+            <a:extLst>
+              <a:ext uri="{FF2B5EF4-FFF2-40B4-BE49-F238E27FC236}">
+                <a16:creationId xmlns:a16="http://schemas.microsoft.com/office/drawing/2014/main" id="{60407E82-ED49-48E1-845F-A67334BDA690}"/>
+              </a:ext>
+            </a:extLst>
+          </p:cNvPr>
+          <p:cNvPicPr>
+            <a:picLocks noChangeAspect="1"/>
+          </p:cNvPicPr>
+          <p:nvPr/>
+        </p:nvPicPr>
+        <p:blipFill>
+          <a:blip r:embed="rId2"/>
+          <a:stretch>
+            <a:fillRect/>
+          </a:stretch>
+        </p:blipFill>
+        <p:spPr>
+          <a:xfrm>
+            <a:off x="1218883" y="2852936"/>
+            <a:ext cx="4586356" cy="1296144"/>
+          </a:xfrm>
+          <a:prstGeom prst="rect">
+            <a:avLst/>
+          </a:prstGeom>
+        </p:spPr>
+      </p:pic>
+      <p:sp>
+        <p:nvSpPr>
+          <p:cNvPr id="5" name="Content Placeholder 2">
+            <a:extLst>
+              <a:ext uri="{FF2B5EF4-FFF2-40B4-BE49-F238E27FC236}">
+                <a16:creationId xmlns:a16="http://schemas.microsoft.com/office/drawing/2014/main" id="{8CE8AF33-D730-4EBA-9FBD-DBA3E37E84FC}"/>
+              </a:ext>
+            </a:extLst>
+          </p:cNvPr>
+          <p:cNvSpPr txBox="1">
+            <a:spLocks/>
+          </p:cNvSpPr>
+          <p:nvPr/>
+        </p:nvSpPr>
+        <p:spPr>
+          <a:xfrm>
+            <a:off x="6161183" y="1628800"/>
+            <a:ext cx="4155449" cy="4462272"/>
+          </a:xfrm>
+          <a:prstGeom prst="rect">
+            <a:avLst/>
+          </a:prstGeom>
+        </p:spPr>
+        <p:txBody>
+          <a:bodyPr vert="horz" lIns="121899" tIns="60949" rIns="121899" bIns="60949" rtlCol="0">
+            <a:normAutofit/>
+          </a:bodyPr>
+          <a:lstStyle>
+            <a:lvl1pPr marL="304747" indent="-304747" algn="l" defTabSz="1218987" rtl="0" eaLnBrk="1" latinLnBrk="0" hangingPunct="1">
+              <a:lnSpc>
+                <a:spcPct val="90000"/>
+              </a:lnSpc>
+              <a:spcBef>
+                <a:spcPts val="1600"/>
+              </a:spcBef>
+              <a:buClr>
+                <a:schemeClr val="accent1"/>
+              </a:buClr>
+              <a:buSzPct val="100000"/>
+              <a:buFont typeface="Arial" pitchFamily="34" charset="0"/>
+              <a:buChar char="•"/>
+              <a:defRPr sz="2800" kern="1200">
+                <a:solidFill>
+                  <a:schemeClr val="tx1"/>
+                </a:solidFill>
+                <a:latin typeface="+mn-lt"/>
+                <a:ea typeface="+mn-ea"/>
+                <a:cs typeface="+mn-cs"/>
+              </a:defRPr>
+            </a:lvl1pPr>
+            <a:lvl2pPr marL="609493" indent="-231607" algn="l" defTabSz="1218987" rtl="0" eaLnBrk="1" latinLnBrk="0" hangingPunct="1">
+              <a:lnSpc>
+                <a:spcPct val="90000"/>
+              </a:lnSpc>
+              <a:spcBef>
+                <a:spcPts val="800"/>
+              </a:spcBef>
+              <a:buClr>
+                <a:schemeClr val="accent1"/>
+              </a:buClr>
+              <a:buSzPct val="80000"/>
+              <a:buFont typeface="Arial" pitchFamily="34" charset="0"/>
+              <a:buChar char="•"/>
+              <a:defRPr sz="2400" kern="1200">
+                <a:solidFill>
+                  <a:schemeClr val="tx1"/>
+                </a:solidFill>
+                <a:latin typeface="+mn-lt"/>
+                <a:ea typeface="+mn-ea"/>
+                <a:cs typeface="+mn-cs"/>
+              </a:defRPr>
+            </a:lvl2pPr>
+            <a:lvl3pPr marL="914240" indent="-231607" algn="l" defTabSz="1218987" rtl="0" eaLnBrk="1" latinLnBrk="0" hangingPunct="1">
+              <a:lnSpc>
+                <a:spcPct val="90000"/>
+              </a:lnSpc>
+              <a:spcBef>
+                <a:spcPts val="800"/>
+              </a:spcBef>
+              <a:buClr>
+                <a:schemeClr val="accent1"/>
+              </a:buClr>
+              <a:buSzPct val="80000"/>
+              <a:buFont typeface="Arial" pitchFamily="34" charset="0"/>
+              <a:buChar char="•"/>
+              <a:defRPr sz="2000" kern="1200">
+                <a:solidFill>
+                  <a:schemeClr val="tx1"/>
+                </a:solidFill>
+                <a:latin typeface="+mn-lt"/>
+                <a:ea typeface="+mn-ea"/>
+                <a:cs typeface="+mn-cs"/>
+              </a:defRPr>
+            </a:lvl3pPr>
+            <a:lvl4pPr marL="1218987" indent="-231607" algn="l" defTabSz="1218987" rtl="0" eaLnBrk="1" latinLnBrk="0" hangingPunct="1">
+              <a:lnSpc>
+                <a:spcPct val="90000"/>
+              </a:lnSpc>
+              <a:spcBef>
+                <a:spcPts val="800"/>
+              </a:spcBef>
+              <a:buClr>
+                <a:schemeClr val="accent1"/>
+              </a:buClr>
+              <a:buSzPct val="80000"/>
+              <a:buFont typeface="Arial" pitchFamily="34" charset="0"/>
+              <a:buChar char="•"/>
+              <a:defRPr sz="2000" kern="1200">
+                <a:solidFill>
+                  <a:schemeClr val="tx1"/>
+                </a:solidFill>
+                <a:latin typeface="+mn-lt"/>
+                <a:ea typeface="+mn-ea"/>
+                <a:cs typeface="+mn-cs"/>
+              </a:defRPr>
+            </a:lvl4pPr>
+            <a:lvl5pPr marL="1523733" indent="-231607" algn="l" defTabSz="1218987" rtl="0" eaLnBrk="1" latinLnBrk="0" hangingPunct="1">
+              <a:lnSpc>
+                <a:spcPct val="90000"/>
+              </a:lnSpc>
+              <a:spcBef>
+                <a:spcPts val="800"/>
+              </a:spcBef>
+              <a:buClr>
+                <a:schemeClr val="accent1"/>
+              </a:buClr>
+              <a:buSzPct val="80000"/>
+              <a:buFont typeface="Arial" pitchFamily="34" charset="0"/>
+              <a:buChar char="•"/>
+              <a:defRPr sz="2000" kern="1200">
+                <a:solidFill>
+                  <a:schemeClr val="tx1"/>
+                </a:solidFill>
+                <a:latin typeface="+mn-lt"/>
+                <a:ea typeface="+mn-ea"/>
+                <a:cs typeface="+mn-cs"/>
+              </a:defRPr>
+            </a:lvl5pPr>
+            <a:lvl6pPr marL="1828480" indent="-231607" algn="l" defTabSz="1218987" rtl="0" eaLnBrk="1" latinLnBrk="0" hangingPunct="1">
+              <a:lnSpc>
+                <a:spcPct val="90000"/>
+              </a:lnSpc>
+              <a:spcBef>
+                <a:spcPts val="800"/>
+              </a:spcBef>
+              <a:buClr>
+                <a:schemeClr val="accent1"/>
+              </a:buClr>
+              <a:buSzPct val="80000"/>
+              <a:buFont typeface="Arial" pitchFamily="34" charset="0"/>
+              <a:buChar char="•"/>
+              <a:defRPr sz="2000" kern="1200">
+                <a:solidFill>
+                  <a:schemeClr val="tx1"/>
+                </a:solidFill>
+                <a:latin typeface="+mn-lt"/>
+                <a:ea typeface="+mn-ea"/>
+                <a:cs typeface="+mn-cs"/>
+              </a:defRPr>
+            </a:lvl6pPr>
+            <a:lvl7pPr marL="2133227" indent="-231607" algn="l" defTabSz="1218987" rtl="0" eaLnBrk="1" latinLnBrk="0" hangingPunct="1">
+              <a:lnSpc>
+                <a:spcPct val="90000"/>
+              </a:lnSpc>
+              <a:spcBef>
+                <a:spcPts val="800"/>
+              </a:spcBef>
+              <a:buClr>
+                <a:schemeClr val="accent1"/>
+              </a:buClr>
+              <a:buSzPct val="80000"/>
+              <a:buFont typeface="Arial" pitchFamily="34" charset="0"/>
+              <a:buChar char="•"/>
+              <a:defRPr sz="2000" kern="1200">
+                <a:solidFill>
+                  <a:schemeClr val="tx1"/>
+                </a:solidFill>
+                <a:latin typeface="+mn-lt"/>
+                <a:ea typeface="+mn-ea"/>
+                <a:cs typeface="+mn-cs"/>
+              </a:defRPr>
+            </a:lvl7pPr>
+            <a:lvl8pPr marL="2437973" indent="-231607" algn="l" defTabSz="1218987" rtl="0" eaLnBrk="1" latinLnBrk="0" hangingPunct="1">
+              <a:lnSpc>
+                <a:spcPct val="90000"/>
+              </a:lnSpc>
+              <a:spcBef>
+                <a:spcPts val="800"/>
+              </a:spcBef>
+              <a:buClr>
+                <a:schemeClr val="accent1"/>
+              </a:buClr>
+              <a:buSzPct val="80000"/>
+              <a:buFont typeface="Arial" pitchFamily="34" charset="0"/>
+              <a:buChar char="•"/>
+              <a:defRPr sz="2000" kern="1200" baseline="0">
+                <a:solidFill>
+                  <a:schemeClr val="tx1"/>
+                </a:solidFill>
+                <a:latin typeface="+mn-lt"/>
+                <a:ea typeface="+mn-ea"/>
+                <a:cs typeface="+mn-cs"/>
+              </a:defRPr>
+            </a:lvl8pPr>
+            <a:lvl9pPr marL="2742720" indent="-231607" algn="l" defTabSz="1218987" rtl="0" eaLnBrk="1" latinLnBrk="0" hangingPunct="1">
+              <a:lnSpc>
+                <a:spcPct val="90000"/>
+              </a:lnSpc>
+              <a:spcBef>
+                <a:spcPts val="800"/>
+              </a:spcBef>
+              <a:buClr>
+                <a:schemeClr val="accent1"/>
+              </a:buClr>
+              <a:buSzPct val="80000"/>
+              <a:buFont typeface="Arial" pitchFamily="34" charset="0"/>
+              <a:buChar char="•"/>
+              <a:defRPr sz="2000" kern="1200" baseline="0">
+                <a:solidFill>
+                  <a:schemeClr val="tx1"/>
+                </a:solidFill>
+                <a:latin typeface="+mn-lt"/>
+                <a:ea typeface="+mn-ea"/>
+                <a:cs typeface="+mn-cs"/>
+              </a:defRPr>
+            </a:lvl9pPr>
+          </a:lstStyle>
+          <a:p>
+            <a:r>
+              <a:rPr lang="en-AU" dirty="0"/>
+              <a:t>Clean Release</a:t>
+            </a:r>
+          </a:p>
+          <a:p>
+            <a:pPr lvl="1"/>
+            <a:r>
+              <a:rPr lang="en-AU" dirty="0"/>
+              <a:t>High degree of assumed PV and Non-PV image labelling accuracy</a:t>
+            </a:r>
+          </a:p>
+          <a:p>
+            <a:pPr lvl="1"/>
+            <a:r>
+              <a:rPr lang="en-AU" dirty="0"/>
+              <a:t>Smaller set</a:t>
+            </a:r>
+          </a:p>
+          <a:p>
+            <a:r>
+              <a:rPr lang="en-AU" dirty="0"/>
+              <a:t>Extra Release</a:t>
+            </a:r>
+          </a:p>
+          <a:p>
+            <a:pPr lvl="1"/>
+            <a:r>
+              <a:rPr lang="en-AU" dirty="0"/>
+              <a:t>Lower degree of confidence in labelling accuracy</a:t>
+            </a:r>
+          </a:p>
+          <a:p>
+            <a:pPr lvl="1"/>
+            <a:r>
+              <a:rPr lang="en-AU" dirty="0"/>
+              <a:t>Larger set (2-4x)</a:t>
+            </a:r>
+          </a:p>
+          <a:p>
+            <a:pPr lvl="1"/>
+            <a:endParaRPr lang="en-AU" dirty="0"/>
+          </a:p>
+        </p:txBody>
+      </p:sp>
+    </p:spTree>
+    <p:extLst>
+      <p:ext uri="{BB962C8B-B14F-4D97-AF65-F5344CB8AC3E}">
+        <p14:creationId xmlns:p14="http://schemas.microsoft.com/office/powerpoint/2010/main" val="164938785"/>
+      </p:ext>
+    </p:extLst>
+  </p:cSld>
+  <p:clrMapOvr>
+    <a:masterClrMapping/>
+  </p:clrMapOvr>
+  <mc:AlternateContent xmlns:mc="http://schemas.openxmlformats.org/markup-compatibility/2006" xmlns:p14="http://schemas.microsoft.com/office/powerpoint/2010/main">
+    <mc:Choice Requires="p14">
+      <p:transition spd="med" p14:dur="700">
+        <p:fade/>
+      </p:transition>
+    </mc:Choice>
+    <mc:Fallback xmlns="">
+      <p:transition spd="med">
+        <p:fade/>
+      </p:transition>
+    </mc:Fallback>
+  </mc:AlternateContent>
+</p:sld>
+</file>
+
+<file path=ppt/slides/slide8.xml><?xml version="1.0" encoding="utf-8"?>
+<p:sld xmlns:a="http://schemas.openxmlformats.org/drawingml/2006/main" xmlns:r="http://schemas.openxmlformats.org/officeDocument/2006/relationships" xmlns:p="http://schemas.openxmlformats.org/presentationml/2006/main">
+  <p:cSld>
+    <p:spTree>
+      <p:nvGrpSpPr>
+        <p:cNvPr id="1" name=""/>
+        <p:cNvGrpSpPr/>
+        <p:nvPr/>
+      </p:nvGrpSpPr>
+      <p:grpSpPr>
+        <a:xfrm>
+          <a:off x="0" y="0"/>
+          <a:ext cx="0" cy="0"/>
+          <a:chOff x="0" y="0"/>
+          <a:chExt cx="0" cy="0"/>
+        </a:xfrm>
+      </p:grpSpPr>
+      <p:sp>
+        <p:nvSpPr>
+          <p:cNvPr id="2" name="Title 1">
+            <a:extLst>
+              <a:ext uri="{FF2B5EF4-FFF2-40B4-BE49-F238E27FC236}">
+                <a16:creationId xmlns:a16="http://schemas.microsoft.com/office/drawing/2014/main" id="{118CBBA9-49D2-4262-9114-D0D47E7D522A}"/>
+              </a:ext>
+            </a:extLst>
+          </p:cNvPr>
+          <p:cNvSpPr>
+            <a:spLocks noGrp="1"/>
+          </p:cNvSpPr>
+          <p:nvPr>
+            <p:ph type="title"/>
+          </p:nvPr>
+        </p:nvSpPr>
+        <p:spPr/>
+        <p:txBody>
+          <a:bodyPr/>
+          <a:lstStyle/>
+          <a:p>
+            <a:r>
+              <a:rPr lang="en-AU" dirty="0"/>
+              <a:t>Approach</a:t>
+            </a:r>
+          </a:p>
+        </p:txBody>
+      </p:sp>
+      <p:sp>
+        <p:nvSpPr>
+          <p:cNvPr id="3" name="Content Placeholder 2">
+            <a:extLst>
+              <a:ext uri="{FF2B5EF4-FFF2-40B4-BE49-F238E27FC236}">
+                <a16:creationId xmlns:a16="http://schemas.microsoft.com/office/drawing/2014/main" id="{1E6F3B36-FA1C-4A44-8799-54720A510D55}"/>
+              </a:ext>
+            </a:extLst>
+          </p:cNvPr>
+          <p:cNvSpPr>
+            <a:spLocks noGrp="1"/>
+          </p:cNvSpPr>
+          <p:nvPr>
+            <p:ph idx="1"/>
+          </p:nvPr>
+        </p:nvSpPr>
+        <p:spPr>
+          <a:xfrm>
+            <a:off x="1218883" y="1701797"/>
+            <a:ext cx="4155449" cy="4462272"/>
+          </a:xfrm>
+        </p:spPr>
+        <p:txBody>
+          <a:bodyPr/>
+          <a:lstStyle/>
+          <a:p>
+            <a:r>
+              <a:rPr lang="en-AU" dirty="0"/>
+              <a:t>Understand Data</a:t>
+            </a:r>
+          </a:p>
+          <a:p>
+            <a:pPr lvl="1"/>
+            <a:r>
+              <a:rPr lang="en-AU" dirty="0"/>
+              <a:t>What does it tell us?</a:t>
+            </a:r>
+          </a:p>
+        </p:txBody>
+      </p:sp>
+      <p:pic>
+        <p:nvPicPr>
+          <p:cNvPr id="6" name="Picture 5">
+            <a:extLst>
+              <a:ext uri="{FF2B5EF4-FFF2-40B4-BE49-F238E27FC236}">
+                <a16:creationId xmlns:a16="http://schemas.microsoft.com/office/drawing/2014/main" id="{B0636FC0-8732-43F6-B07E-D247F6761BF2}"/>
+              </a:ext>
+            </a:extLst>
+          </p:cNvPr>
+          <p:cNvPicPr>
+            <a:picLocks noChangeAspect="1"/>
+          </p:cNvPicPr>
+          <p:nvPr/>
+        </p:nvPicPr>
+        <p:blipFill>
+          <a:blip r:embed="rId2"/>
+          <a:stretch>
+            <a:fillRect/>
+          </a:stretch>
+        </p:blipFill>
+        <p:spPr>
+          <a:xfrm>
+            <a:off x="1151968" y="2996952"/>
+            <a:ext cx="4933950" cy="3514725"/>
+          </a:xfrm>
+          <a:prstGeom prst="rect">
+            <a:avLst/>
+          </a:prstGeom>
+        </p:spPr>
+      </p:pic>
+      <p:pic>
+        <p:nvPicPr>
+          <p:cNvPr id="7" name="Picture 6">
+            <a:extLst>
+              <a:ext uri="{FF2B5EF4-FFF2-40B4-BE49-F238E27FC236}">
+                <a16:creationId xmlns:a16="http://schemas.microsoft.com/office/drawing/2014/main" id="{DBE739BC-7545-4A28-A2A1-83C40AA0F973}"/>
+              </a:ext>
+            </a:extLst>
+          </p:cNvPr>
+          <p:cNvPicPr>
+            <a:picLocks noChangeAspect="1"/>
+          </p:cNvPicPr>
+          <p:nvPr/>
+        </p:nvPicPr>
+        <p:blipFill>
+          <a:blip r:embed="rId3"/>
+          <a:stretch>
+            <a:fillRect/>
+          </a:stretch>
+        </p:blipFill>
+        <p:spPr>
+          <a:xfrm>
+            <a:off x="6814492" y="3050218"/>
+            <a:ext cx="5029200" cy="3381375"/>
+          </a:xfrm>
+          <a:prstGeom prst="rect">
+            <a:avLst/>
+          </a:prstGeom>
+        </p:spPr>
+      </p:pic>
+      <p:sp>
+        <p:nvSpPr>
+          <p:cNvPr id="9" name="Content Placeholder 2">
+            <a:extLst>
+              <a:ext uri="{FF2B5EF4-FFF2-40B4-BE49-F238E27FC236}">
+                <a16:creationId xmlns:a16="http://schemas.microsoft.com/office/drawing/2014/main" id="{55F4540C-A796-46DC-BFE3-B3DABF5ED521}"/>
+              </a:ext>
+            </a:extLst>
+          </p:cNvPr>
+          <p:cNvSpPr txBox="1">
+            <a:spLocks/>
+          </p:cNvSpPr>
+          <p:nvPr/>
+        </p:nvSpPr>
+        <p:spPr>
+          <a:xfrm>
+            <a:off x="5158308" y="980728"/>
+            <a:ext cx="6624736" cy="1656184"/>
+          </a:xfrm>
+          <a:prstGeom prst="rect">
+            <a:avLst/>
+          </a:prstGeom>
+        </p:spPr>
+        <p:txBody>
+          <a:bodyPr vert="horz" lIns="121899" tIns="60949" rIns="121899" bIns="60949" rtlCol="0">
+            <a:normAutofit/>
+          </a:bodyPr>
+          <a:lstStyle>
+            <a:lvl1pPr marL="304747" indent="-304747" algn="l" defTabSz="1218987" rtl="0" eaLnBrk="1" latinLnBrk="0" hangingPunct="1">
+              <a:lnSpc>
+                <a:spcPct val="90000"/>
+              </a:lnSpc>
+              <a:spcBef>
+                <a:spcPts val="1600"/>
+              </a:spcBef>
+              <a:buClr>
+                <a:schemeClr val="accent1"/>
+              </a:buClr>
+              <a:buSzPct val="100000"/>
+              <a:buFont typeface="Arial" pitchFamily="34" charset="0"/>
+              <a:buChar char="•"/>
+              <a:defRPr sz="2800" kern="1200">
+                <a:solidFill>
+                  <a:schemeClr val="tx1"/>
+                </a:solidFill>
+                <a:latin typeface="+mn-lt"/>
+                <a:ea typeface="+mn-ea"/>
+                <a:cs typeface="+mn-cs"/>
+              </a:defRPr>
+            </a:lvl1pPr>
+            <a:lvl2pPr marL="609493" indent="-231607" algn="l" defTabSz="1218987" rtl="0" eaLnBrk="1" latinLnBrk="0" hangingPunct="1">
+              <a:lnSpc>
+                <a:spcPct val="90000"/>
+              </a:lnSpc>
+              <a:spcBef>
+                <a:spcPts val="800"/>
+              </a:spcBef>
+              <a:buClr>
+                <a:schemeClr val="accent1"/>
+              </a:buClr>
+              <a:buSzPct val="80000"/>
+              <a:buFont typeface="Arial" pitchFamily="34" charset="0"/>
+              <a:buChar char="•"/>
+              <a:defRPr sz="2400" kern="1200">
+                <a:solidFill>
+                  <a:schemeClr val="tx1"/>
+                </a:solidFill>
+                <a:latin typeface="+mn-lt"/>
+                <a:ea typeface="+mn-ea"/>
+                <a:cs typeface="+mn-cs"/>
+              </a:defRPr>
+            </a:lvl2pPr>
+            <a:lvl3pPr marL="914240" indent="-231607" algn="l" defTabSz="1218987" rtl="0" eaLnBrk="1" latinLnBrk="0" hangingPunct="1">
+              <a:lnSpc>
+                <a:spcPct val="90000"/>
+              </a:lnSpc>
+              <a:spcBef>
+                <a:spcPts val="800"/>
+              </a:spcBef>
+              <a:buClr>
+                <a:schemeClr val="accent1"/>
+              </a:buClr>
+              <a:buSzPct val="80000"/>
+              <a:buFont typeface="Arial" pitchFamily="34" charset="0"/>
+              <a:buChar char="•"/>
+              <a:defRPr sz="2000" kern="1200">
+                <a:solidFill>
+                  <a:schemeClr val="tx1"/>
+                </a:solidFill>
+                <a:latin typeface="+mn-lt"/>
+                <a:ea typeface="+mn-ea"/>
+                <a:cs typeface="+mn-cs"/>
+              </a:defRPr>
+            </a:lvl3pPr>
+            <a:lvl4pPr marL="1218987" indent="-231607" algn="l" defTabSz="1218987" rtl="0" eaLnBrk="1" latinLnBrk="0" hangingPunct="1">
+              <a:lnSpc>
+                <a:spcPct val="90000"/>
+              </a:lnSpc>
+              <a:spcBef>
+                <a:spcPts val="800"/>
+              </a:spcBef>
+              <a:buClr>
+                <a:schemeClr val="accent1"/>
+              </a:buClr>
+              <a:buSzPct val="80000"/>
+              <a:buFont typeface="Arial" pitchFamily="34" charset="0"/>
+              <a:buChar char="•"/>
+              <a:defRPr sz="2000" kern="1200">
+                <a:solidFill>
+                  <a:schemeClr val="tx1"/>
+                </a:solidFill>
+                <a:latin typeface="+mn-lt"/>
+                <a:ea typeface="+mn-ea"/>
+                <a:cs typeface="+mn-cs"/>
+              </a:defRPr>
+            </a:lvl4pPr>
+            <a:lvl5pPr marL="1523733" indent="-231607" algn="l" defTabSz="1218987" rtl="0" eaLnBrk="1" latinLnBrk="0" hangingPunct="1">
+              <a:lnSpc>
+                <a:spcPct val="90000"/>
+              </a:lnSpc>
+              <a:spcBef>
+                <a:spcPts val="800"/>
+              </a:spcBef>
+              <a:buClr>
+                <a:schemeClr val="accent1"/>
+              </a:buClr>
+              <a:buSzPct val="80000"/>
+              <a:buFont typeface="Arial" pitchFamily="34" charset="0"/>
+              <a:buChar char="•"/>
+              <a:defRPr sz="2000" kern="1200">
+                <a:solidFill>
+                  <a:schemeClr val="tx1"/>
+                </a:solidFill>
+                <a:latin typeface="+mn-lt"/>
+                <a:ea typeface="+mn-ea"/>
+                <a:cs typeface="+mn-cs"/>
+              </a:defRPr>
+            </a:lvl5pPr>
+            <a:lvl6pPr marL="1828480" indent="-231607" algn="l" defTabSz="1218987" rtl="0" eaLnBrk="1" latinLnBrk="0" hangingPunct="1">
+              <a:lnSpc>
+                <a:spcPct val="90000"/>
+              </a:lnSpc>
+              <a:spcBef>
+                <a:spcPts val="800"/>
+              </a:spcBef>
+              <a:buClr>
+                <a:schemeClr val="accent1"/>
+              </a:buClr>
+              <a:buSzPct val="80000"/>
+              <a:buFont typeface="Arial" pitchFamily="34" charset="0"/>
+              <a:buChar char="•"/>
+              <a:defRPr sz="2000" kern="1200">
+                <a:solidFill>
+                  <a:schemeClr val="tx1"/>
+                </a:solidFill>
+                <a:latin typeface="+mn-lt"/>
+                <a:ea typeface="+mn-ea"/>
+                <a:cs typeface="+mn-cs"/>
+              </a:defRPr>
+            </a:lvl6pPr>
+            <a:lvl7pPr marL="2133227" indent="-231607" algn="l" defTabSz="1218987" rtl="0" eaLnBrk="1" latinLnBrk="0" hangingPunct="1">
+              <a:lnSpc>
+                <a:spcPct val="90000"/>
+              </a:lnSpc>
+              <a:spcBef>
+                <a:spcPts val="800"/>
+              </a:spcBef>
+              <a:buClr>
+                <a:schemeClr val="accent1"/>
+              </a:buClr>
+              <a:buSzPct val="80000"/>
+              <a:buFont typeface="Arial" pitchFamily="34" charset="0"/>
+              <a:buChar char="•"/>
+              <a:defRPr sz="2000" kern="1200">
+                <a:solidFill>
+                  <a:schemeClr val="tx1"/>
+                </a:solidFill>
+                <a:latin typeface="+mn-lt"/>
+                <a:ea typeface="+mn-ea"/>
+                <a:cs typeface="+mn-cs"/>
+              </a:defRPr>
+            </a:lvl7pPr>
+            <a:lvl8pPr marL="2437973" indent="-231607" algn="l" defTabSz="1218987" rtl="0" eaLnBrk="1" latinLnBrk="0" hangingPunct="1">
+              <a:lnSpc>
+                <a:spcPct val="90000"/>
+              </a:lnSpc>
+              <a:spcBef>
+                <a:spcPts val="800"/>
+              </a:spcBef>
+              <a:buClr>
+                <a:schemeClr val="accent1"/>
+              </a:buClr>
+              <a:buSzPct val="80000"/>
+              <a:buFont typeface="Arial" pitchFamily="34" charset="0"/>
+              <a:buChar char="•"/>
+              <a:defRPr sz="2000" kern="1200" baseline="0">
+                <a:solidFill>
+                  <a:schemeClr val="tx1"/>
+                </a:solidFill>
+                <a:latin typeface="+mn-lt"/>
+                <a:ea typeface="+mn-ea"/>
+                <a:cs typeface="+mn-cs"/>
+              </a:defRPr>
+            </a:lvl8pPr>
+            <a:lvl9pPr marL="2742720" indent="-231607" algn="l" defTabSz="1218987" rtl="0" eaLnBrk="1" latinLnBrk="0" hangingPunct="1">
+              <a:lnSpc>
+                <a:spcPct val="90000"/>
+              </a:lnSpc>
+              <a:spcBef>
+                <a:spcPts val="800"/>
+              </a:spcBef>
+              <a:buClr>
+                <a:schemeClr val="accent1"/>
+              </a:buClr>
+              <a:buSzPct val="80000"/>
+              <a:buFont typeface="Arial" pitchFamily="34" charset="0"/>
+              <a:buChar char="•"/>
+              <a:defRPr sz="2000" kern="1200" baseline="0">
+                <a:solidFill>
+                  <a:schemeClr val="tx1"/>
+                </a:solidFill>
+                <a:latin typeface="+mn-lt"/>
+                <a:ea typeface="+mn-ea"/>
+                <a:cs typeface="+mn-cs"/>
+              </a:defRPr>
+            </a:lvl9pPr>
+          </a:lstStyle>
+          <a:p>
+            <a:r>
+              <a:rPr lang="en-AU" sz="1800" dirty="0"/>
+              <a:t>Majority of installation images from 2011/2012</a:t>
+            </a:r>
+          </a:p>
+          <a:p>
+            <a:r>
+              <a:rPr lang="en-AU" sz="1800" dirty="0"/>
+              <a:t>Range of installation years begins in 2007</a:t>
+            </a:r>
+          </a:p>
+          <a:p>
+            <a:r>
+              <a:rPr lang="en-AU" sz="1800" dirty="0"/>
+              <a:t>Installation data prior to 2007 may be missing or limited in WP databases</a:t>
+            </a:r>
+          </a:p>
+        </p:txBody>
+      </p:sp>
+    </p:spTree>
+    <p:extLst>
+      <p:ext uri="{BB962C8B-B14F-4D97-AF65-F5344CB8AC3E}">
+        <p14:creationId xmlns:p14="http://schemas.microsoft.com/office/powerpoint/2010/main" val="3799243706"/>
+      </p:ext>
+    </p:extLst>
+  </p:cSld>
+  <p:clrMapOvr>
+    <a:masterClrMapping/>
+  </p:clrMapOvr>
+  <mc:AlternateContent xmlns:mc="http://schemas.openxmlformats.org/markup-compatibility/2006" xmlns:p14="http://schemas.microsoft.com/office/powerpoint/2010/main">
+    <mc:Choice Requires="p14">
+      <p:transition spd="med" p14:dur="700">
+        <p:fade/>
+      </p:transition>
+    </mc:Choice>
+    <mc:Fallback xmlns="">
+      <p:transition spd="med">
+        <p:fade/>
+      </p:transition>
+    </mc:Fallback>
+  </mc:AlternateContent>
+</p:sld>
+</file>
+
+<file path=ppt/slides/slide9.xml><?xml version="1.0" encoding="utf-8"?>
+<p:sld xmlns:a="http://schemas.openxmlformats.org/drawingml/2006/main" xmlns:r="http://schemas.openxmlformats.org/officeDocument/2006/relationships" xmlns:p="http://schemas.openxmlformats.org/presentationml/2006/main">
+  <p:cSld>
+    <p:spTree>
+      <p:nvGrpSpPr>
+        <p:cNvPr id="1" name=""/>
+        <p:cNvGrpSpPr/>
+        <p:nvPr/>
+      </p:nvGrpSpPr>
+      <p:grpSpPr>
+        <a:xfrm>
+          <a:off x="0" y="0"/>
+          <a:ext cx="0" cy="0"/>
+          <a:chOff x="0" y="0"/>
+          <a:chExt cx="0" cy="0"/>
+        </a:xfrm>
+      </p:grpSpPr>
+      <p:sp>
+        <p:nvSpPr>
+          <p:cNvPr id="2" name="Title 1">
+            <a:extLst>
+              <a:ext uri="{FF2B5EF4-FFF2-40B4-BE49-F238E27FC236}">
+                <a16:creationId xmlns:a16="http://schemas.microsoft.com/office/drawing/2014/main" id="{118CBBA9-49D2-4262-9114-D0D47E7D522A}"/>
+              </a:ext>
+            </a:extLst>
+          </p:cNvPr>
+          <p:cNvSpPr>
+            <a:spLocks noGrp="1"/>
+          </p:cNvSpPr>
+          <p:nvPr>
+            <p:ph type="title"/>
+          </p:nvPr>
+        </p:nvSpPr>
+        <p:spPr/>
+        <p:txBody>
+          <a:bodyPr/>
+          <a:lstStyle/>
+          <a:p>
+            <a:r>
+              <a:rPr lang="en-AU" dirty="0"/>
+              <a:t>Approach</a:t>
+            </a:r>
+          </a:p>
+        </p:txBody>
+      </p:sp>
+      <p:sp>
+        <p:nvSpPr>
+          <p:cNvPr id="3" name="Content Placeholder 2">
+            <a:extLst>
+              <a:ext uri="{FF2B5EF4-FFF2-40B4-BE49-F238E27FC236}">
+                <a16:creationId xmlns:a16="http://schemas.microsoft.com/office/drawing/2014/main" id="{1E6F3B36-FA1C-4A44-8799-54720A510D55}"/>
+              </a:ext>
+            </a:extLst>
+          </p:cNvPr>
+          <p:cNvSpPr>
+            <a:spLocks noGrp="1"/>
+          </p:cNvSpPr>
+          <p:nvPr>
+            <p:ph idx="1"/>
+          </p:nvPr>
+        </p:nvSpPr>
+        <p:spPr>
+          <a:xfrm>
+            <a:off x="1218883" y="1701797"/>
+            <a:ext cx="4155449" cy="4462272"/>
+          </a:xfrm>
+        </p:spPr>
+        <p:txBody>
+          <a:bodyPr/>
+          <a:lstStyle/>
+          <a:p>
+            <a:r>
+              <a:rPr lang="en-AU" dirty="0"/>
+              <a:t>Understand Data</a:t>
+            </a:r>
+          </a:p>
+          <a:p>
+            <a:pPr lvl="1"/>
+            <a:r>
+              <a:rPr lang="en-AU" dirty="0"/>
+              <a:t>How does it look?</a:t>
+            </a:r>
+          </a:p>
+        </p:txBody>
+      </p:sp>
+      <p:sp>
+        <p:nvSpPr>
+          <p:cNvPr id="9" name="Content Placeholder 2">
+            <a:extLst>
+              <a:ext uri="{FF2B5EF4-FFF2-40B4-BE49-F238E27FC236}">
+                <a16:creationId xmlns:a16="http://schemas.microsoft.com/office/drawing/2014/main" id="{55F4540C-A796-46DC-BFE3-B3DABF5ED521}"/>
+              </a:ext>
+            </a:extLst>
+          </p:cNvPr>
+          <p:cNvSpPr txBox="1">
+            <a:spLocks/>
+          </p:cNvSpPr>
+          <p:nvPr/>
+        </p:nvSpPr>
+        <p:spPr>
+          <a:xfrm>
+            <a:off x="5158308" y="886618"/>
+            <a:ext cx="6624736" cy="2398366"/>
+          </a:xfrm>
+          <a:prstGeom prst="rect">
+            <a:avLst/>
+          </a:prstGeom>
+        </p:spPr>
+        <p:txBody>
+          <a:bodyPr vert="horz" lIns="121899" tIns="60949" rIns="121899" bIns="60949" rtlCol="0">
+            <a:normAutofit fontScale="92500"/>
+          </a:bodyPr>
+          <a:lstStyle>
+            <a:lvl1pPr marL="304747" indent="-304747" algn="l" defTabSz="1218987" rtl="0" eaLnBrk="1" latinLnBrk="0" hangingPunct="1">
+              <a:lnSpc>
+                <a:spcPct val="90000"/>
+              </a:lnSpc>
+              <a:spcBef>
+                <a:spcPts val="1600"/>
+              </a:spcBef>
+              <a:buClr>
+                <a:schemeClr val="accent1"/>
+              </a:buClr>
+              <a:buSzPct val="100000"/>
+              <a:buFont typeface="Arial" pitchFamily="34" charset="0"/>
+              <a:buChar char="•"/>
+              <a:defRPr sz="2800" kern="1200">
+                <a:solidFill>
+                  <a:schemeClr val="tx1"/>
+                </a:solidFill>
+                <a:latin typeface="+mn-lt"/>
+                <a:ea typeface="+mn-ea"/>
+                <a:cs typeface="+mn-cs"/>
+              </a:defRPr>
+            </a:lvl1pPr>
+            <a:lvl2pPr marL="609493" indent="-231607" algn="l" defTabSz="1218987" rtl="0" eaLnBrk="1" latinLnBrk="0" hangingPunct="1">
+              <a:lnSpc>
+                <a:spcPct val="90000"/>
+              </a:lnSpc>
+              <a:spcBef>
+                <a:spcPts val="800"/>
+              </a:spcBef>
+              <a:buClr>
+                <a:schemeClr val="accent1"/>
+              </a:buClr>
+              <a:buSzPct val="80000"/>
+              <a:buFont typeface="Arial" pitchFamily="34" charset="0"/>
+              <a:buChar char="•"/>
+              <a:defRPr sz="2400" kern="1200">
+                <a:solidFill>
+                  <a:schemeClr val="tx1"/>
+                </a:solidFill>
+                <a:latin typeface="+mn-lt"/>
+                <a:ea typeface="+mn-ea"/>
+                <a:cs typeface="+mn-cs"/>
+              </a:defRPr>
+            </a:lvl2pPr>
+            <a:lvl3pPr marL="914240" indent="-231607" algn="l" defTabSz="1218987" rtl="0" eaLnBrk="1" latinLnBrk="0" hangingPunct="1">
+              <a:lnSpc>
+                <a:spcPct val="90000"/>
+              </a:lnSpc>
+              <a:spcBef>
+                <a:spcPts val="800"/>
+              </a:spcBef>
+              <a:buClr>
+                <a:schemeClr val="accent1"/>
+              </a:buClr>
+              <a:buSzPct val="80000"/>
+              <a:buFont typeface="Arial" pitchFamily="34" charset="0"/>
+              <a:buChar char="•"/>
+              <a:defRPr sz="2000" kern="1200">
+                <a:solidFill>
+                  <a:schemeClr val="tx1"/>
+                </a:solidFill>
+                <a:latin typeface="+mn-lt"/>
+                <a:ea typeface="+mn-ea"/>
+                <a:cs typeface="+mn-cs"/>
+              </a:defRPr>
+            </a:lvl3pPr>
+            <a:lvl4pPr marL="1218987" indent="-231607" algn="l" defTabSz="1218987" rtl="0" eaLnBrk="1" latinLnBrk="0" hangingPunct="1">
+              <a:lnSpc>
+                <a:spcPct val="90000"/>
+              </a:lnSpc>
+              <a:spcBef>
+                <a:spcPts val="800"/>
+              </a:spcBef>
+              <a:buClr>
+                <a:schemeClr val="accent1"/>
+              </a:buClr>
+              <a:buSzPct val="80000"/>
+              <a:buFont typeface="Arial" pitchFamily="34" charset="0"/>
+              <a:buChar char="•"/>
+              <a:defRPr sz="2000" kern="1200">
+                <a:solidFill>
+                  <a:schemeClr val="tx1"/>
+                </a:solidFill>
+                <a:latin typeface="+mn-lt"/>
+                <a:ea typeface="+mn-ea"/>
+                <a:cs typeface="+mn-cs"/>
+              </a:defRPr>
+            </a:lvl4pPr>
+            <a:lvl5pPr marL="1523733" indent="-231607" algn="l" defTabSz="1218987" rtl="0" eaLnBrk="1" latinLnBrk="0" hangingPunct="1">
+              <a:lnSpc>
+                <a:spcPct val="90000"/>
+              </a:lnSpc>
+              <a:spcBef>
+                <a:spcPts val="800"/>
+              </a:spcBef>
+              <a:buClr>
+                <a:schemeClr val="accent1"/>
+              </a:buClr>
+              <a:buSzPct val="80000"/>
+              <a:buFont typeface="Arial" pitchFamily="34" charset="0"/>
+              <a:buChar char="•"/>
+              <a:defRPr sz="2000" kern="1200">
+                <a:solidFill>
+                  <a:schemeClr val="tx1"/>
+                </a:solidFill>
+                <a:latin typeface="+mn-lt"/>
+                <a:ea typeface="+mn-ea"/>
+                <a:cs typeface="+mn-cs"/>
+              </a:defRPr>
+            </a:lvl5pPr>
+            <a:lvl6pPr marL="1828480" indent="-231607" algn="l" defTabSz="1218987" rtl="0" eaLnBrk="1" latinLnBrk="0" hangingPunct="1">
+              <a:lnSpc>
+                <a:spcPct val="90000"/>
+              </a:lnSpc>
+              <a:spcBef>
+                <a:spcPts val="800"/>
+              </a:spcBef>
+              <a:buClr>
+                <a:schemeClr val="accent1"/>
+              </a:buClr>
+              <a:buSzPct val="80000"/>
+              <a:buFont typeface="Arial" pitchFamily="34" charset="0"/>
+              <a:buChar char="•"/>
+              <a:defRPr sz="2000" kern="1200">
+                <a:solidFill>
+                  <a:schemeClr val="tx1"/>
+                </a:solidFill>
+                <a:latin typeface="+mn-lt"/>
+                <a:ea typeface="+mn-ea"/>
+                <a:cs typeface="+mn-cs"/>
+              </a:defRPr>
+            </a:lvl6pPr>
+            <a:lvl7pPr marL="2133227" indent="-231607" algn="l" defTabSz="1218987" rtl="0" eaLnBrk="1" latinLnBrk="0" hangingPunct="1">
+              <a:lnSpc>
+                <a:spcPct val="90000"/>
+              </a:lnSpc>
+              <a:spcBef>
+                <a:spcPts val="800"/>
+              </a:spcBef>
+              <a:buClr>
+                <a:schemeClr val="accent1"/>
+              </a:buClr>
+              <a:buSzPct val="80000"/>
+              <a:buFont typeface="Arial" pitchFamily="34" charset="0"/>
+              <a:buChar char="•"/>
+              <a:defRPr sz="2000" kern="1200">
+                <a:solidFill>
+                  <a:schemeClr val="tx1"/>
+                </a:solidFill>
+                <a:latin typeface="+mn-lt"/>
+                <a:ea typeface="+mn-ea"/>
+                <a:cs typeface="+mn-cs"/>
+              </a:defRPr>
+            </a:lvl7pPr>
+            <a:lvl8pPr marL="2437973" indent="-231607" algn="l" defTabSz="1218987" rtl="0" eaLnBrk="1" latinLnBrk="0" hangingPunct="1">
+              <a:lnSpc>
+                <a:spcPct val="90000"/>
+              </a:lnSpc>
+              <a:spcBef>
+                <a:spcPts val="800"/>
+              </a:spcBef>
+              <a:buClr>
+                <a:schemeClr val="accent1"/>
+              </a:buClr>
+              <a:buSzPct val="80000"/>
+              <a:buFont typeface="Arial" pitchFamily="34" charset="0"/>
+              <a:buChar char="•"/>
+              <a:defRPr sz="2000" kern="1200" baseline="0">
+                <a:solidFill>
+                  <a:schemeClr val="tx1"/>
+                </a:solidFill>
+                <a:latin typeface="+mn-lt"/>
+                <a:ea typeface="+mn-ea"/>
+                <a:cs typeface="+mn-cs"/>
+              </a:defRPr>
+            </a:lvl8pPr>
+            <a:lvl9pPr marL="2742720" indent="-231607" algn="l" defTabSz="1218987" rtl="0" eaLnBrk="1" latinLnBrk="0" hangingPunct="1">
+              <a:lnSpc>
+                <a:spcPct val="90000"/>
+              </a:lnSpc>
+              <a:spcBef>
+                <a:spcPts val="800"/>
+              </a:spcBef>
+              <a:buClr>
+                <a:schemeClr val="accent1"/>
+              </a:buClr>
+              <a:buSzPct val="80000"/>
+              <a:buFont typeface="Arial" pitchFamily="34" charset="0"/>
+              <a:buChar char="•"/>
+              <a:defRPr sz="2000" kern="1200" baseline="0">
+                <a:solidFill>
+                  <a:schemeClr val="tx1"/>
+                </a:solidFill>
+                <a:latin typeface="+mn-lt"/>
+                <a:ea typeface="+mn-ea"/>
+                <a:cs typeface="+mn-cs"/>
+              </a:defRPr>
+            </a:lvl9pPr>
+          </a:lstStyle>
+          <a:p>
+            <a:r>
+              <a:rPr lang="en-AU" sz="1600" dirty="0"/>
+              <a:t>Most images are 400px x 400px (square). Useful for batch normalisation.</a:t>
+            </a:r>
+          </a:p>
+          <a:p>
+            <a:r>
+              <a:rPr lang="en-AU" sz="1600" dirty="0"/>
+              <a:t>Larger images up </a:t>
+            </a:r>
+            <a:r>
+              <a:rPr lang="en-AU" sz="1600"/>
+              <a:t>to 6000px </a:t>
+            </a:r>
+            <a:r>
+              <a:rPr lang="en-AU" sz="1600" dirty="0"/>
+              <a:t>are likely to create issues when resized to the model’s standard resolutions of 224px or 299px (square).</a:t>
+            </a:r>
+          </a:p>
+          <a:p>
+            <a:r>
+              <a:rPr lang="en-AU" sz="1600" dirty="0"/>
+              <a:t>Not all images are square (</a:t>
+            </a:r>
+            <a:r>
+              <a:rPr lang="en-AU" sz="1600" i="1" dirty="0"/>
+              <a:t>n</a:t>
+            </a:r>
+            <a:r>
+              <a:rPr lang="en-AU" sz="1600" dirty="0"/>
+              <a:t> px by </a:t>
+            </a:r>
+            <a:r>
+              <a:rPr lang="en-AU" sz="1600" i="1" dirty="0"/>
+              <a:t>n</a:t>
+            </a:r>
+            <a:r>
+              <a:rPr lang="en-AU" sz="1600" dirty="0"/>
+              <a:t> px). May require segmentation and to be placed into a subset (</a:t>
+            </a:r>
+            <a:r>
+              <a:rPr lang="en-AU" sz="1600" b="1" dirty="0"/>
+              <a:t>not implemented in model</a:t>
+            </a:r>
+            <a:r>
+              <a:rPr lang="en-AU" sz="1600" dirty="0"/>
+              <a:t>).</a:t>
+            </a:r>
+          </a:p>
+          <a:p>
+            <a:r>
+              <a:rPr lang="en-AU" sz="1600" dirty="0"/>
+              <a:t>Images are assumed to all be top-down aerial imagery, however it is noted that not all images are taken from the same height. This is particularly visible in images that are not the standard 400x400px resolution.</a:t>
+            </a:r>
+          </a:p>
+        </p:txBody>
+      </p:sp>
+      <p:pic>
+        <p:nvPicPr>
+          <p:cNvPr id="5" name="Picture 4">
+            <a:extLst>
+              <a:ext uri="{FF2B5EF4-FFF2-40B4-BE49-F238E27FC236}">
+                <a16:creationId xmlns:a16="http://schemas.microsoft.com/office/drawing/2014/main" id="{8CE529A0-F393-4416-8C0C-29777CE93EFE}"/>
+              </a:ext>
+            </a:extLst>
+          </p:cNvPr>
+          <p:cNvPicPr>
+            <a:picLocks noChangeAspect="1"/>
+          </p:cNvPicPr>
+          <p:nvPr/>
+        </p:nvPicPr>
+        <p:blipFill>
+          <a:blip r:embed="rId2"/>
+          <a:stretch>
+            <a:fillRect/>
+          </a:stretch>
+        </p:blipFill>
+        <p:spPr>
+          <a:xfrm>
+            <a:off x="982032" y="3429000"/>
+            <a:ext cx="4629150" cy="3181350"/>
+          </a:xfrm>
+          <a:prstGeom prst="rect">
+            <a:avLst/>
+          </a:prstGeom>
+        </p:spPr>
+      </p:pic>
+      <p:pic>
+        <p:nvPicPr>
+          <p:cNvPr id="8" name="Picture 7">
+            <a:extLst>
+              <a:ext uri="{FF2B5EF4-FFF2-40B4-BE49-F238E27FC236}">
+                <a16:creationId xmlns:a16="http://schemas.microsoft.com/office/drawing/2014/main" id="{0FBC03D0-87FA-4CDE-8704-5071F2C850AC}"/>
+              </a:ext>
+            </a:extLst>
+          </p:cNvPr>
+          <p:cNvPicPr>
+            <a:picLocks noChangeAspect="1"/>
+          </p:cNvPicPr>
+          <p:nvPr/>
+        </p:nvPicPr>
+        <p:blipFill>
+          <a:blip r:embed="rId3"/>
+          <a:stretch>
+            <a:fillRect/>
+          </a:stretch>
+        </p:blipFill>
+        <p:spPr>
+          <a:xfrm>
+            <a:off x="5611182" y="3388215"/>
+            <a:ext cx="4591050" cy="3248025"/>
+          </a:xfrm>
+          <a:prstGeom prst="rect">
+            <a:avLst/>
+          </a:prstGeom>
+        </p:spPr>
+      </p:pic>
+    </p:spTree>
+    <p:extLst>
+      <p:ext uri="{BB962C8B-B14F-4D97-AF65-F5344CB8AC3E}">
+        <p14:creationId xmlns:p14="http://schemas.microsoft.com/office/powerpoint/2010/main" val="2803354371"/>
       </p:ext>
     </p:extLst>
   </p:cSld>
@@ -10362,139 +13882,12 @@
 </file>
 
 <file path=customXml/item1.xml><?xml version="1.0" encoding="utf-8"?>
-<p:properties xmlns:p="http://schemas.microsoft.com/office/2006/metadata/properties" xmlns:xsi="http://www.w3.org/2001/XMLSchema-instance" xmlns:pc="http://schemas.microsoft.com/office/infopath/2007/PartnerControls">
-  <documentManagement>
-    <LocPublishedLinkedAssetsLookup xmlns="4873beb7-5857-4685-be1f-d57550cc96cc" xsi:nil="true"/>
-    <ApprovalStatus xmlns="4873beb7-5857-4685-be1f-d57550cc96cc">InProgress</ApprovalStatus>
-    <MarketSpecific xmlns="4873beb7-5857-4685-be1f-d57550cc96cc">false</MarketSpecific>
-    <LocComments xmlns="4873beb7-5857-4685-be1f-d57550cc96cc" xsi:nil="true"/>
-    <LocLastLocAttemptVersionTypeLookup xmlns="4873beb7-5857-4685-be1f-d57550cc96cc" xsi:nil="true"/>
-    <DirectSourceMarket xmlns="4873beb7-5857-4685-be1f-d57550cc96cc" xsi:nil="true"/>
-    <ThumbnailAssetId xmlns="4873beb7-5857-4685-be1f-d57550cc96cc" xsi:nil="true"/>
-    <PrimaryImageGen xmlns="4873beb7-5857-4685-be1f-d57550cc96cc">false</PrimaryImageGen>
-    <LocNewPublishedVersionLookup xmlns="4873beb7-5857-4685-be1f-d57550cc96cc" xsi:nil="true"/>
-    <LegacyData xmlns="4873beb7-5857-4685-be1f-d57550cc96cc" xsi:nil="true"/>
-    <LocRecommendedHandoff xmlns="4873beb7-5857-4685-be1f-d57550cc96cc" xsi:nil="true"/>
-    <BusinessGroup xmlns="4873beb7-5857-4685-be1f-d57550cc96cc" xsi:nil="true"/>
-    <BlockPublish xmlns="4873beb7-5857-4685-be1f-d57550cc96cc">false</BlockPublish>
-    <TPFriendlyName xmlns="4873beb7-5857-4685-be1f-d57550cc96cc" xsi:nil="true"/>
-    <LocOverallPublishStatusLookup xmlns="4873beb7-5857-4685-be1f-d57550cc96cc" xsi:nil="true"/>
-    <NumericId xmlns="4873beb7-5857-4685-be1f-d57550cc96cc" xsi:nil="true"/>
-    <APEditor xmlns="4873beb7-5857-4685-be1f-d57550cc96cc">
-      <UserInfo>
-        <DisplayName/>
-        <AccountId xsi:nil="true"/>
-        <AccountType/>
-      </UserInfo>
-    </APEditor>
-    <SourceTitle xmlns="4873beb7-5857-4685-be1f-d57550cc96cc" xsi:nil="true"/>
-    <OpenTemplate xmlns="4873beb7-5857-4685-be1f-d57550cc96cc">true</OpenTemplate>
-    <LocOverallLocStatusLookup xmlns="4873beb7-5857-4685-be1f-d57550cc96cc" xsi:nil="true"/>
-    <UALocComments xmlns="4873beb7-5857-4685-be1f-d57550cc96cc" xsi:nil="true"/>
-    <ParentAssetId xmlns="4873beb7-5857-4685-be1f-d57550cc96cc" xsi:nil="true"/>
-    <IntlLangReviewDate xmlns="4873beb7-5857-4685-be1f-d57550cc96cc" xsi:nil="true"/>
-    <FeatureTagsTaxHTField0 xmlns="4873beb7-5857-4685-be1f-d57550cc96cc">
-      <Terms xmlns="http://schemas.microsoft.com/office/infopath/2007/PartnerControls"/>
-    </FeatureTagsTaxHTField0>
-    <PublishStatusLookup xmlns="4873beb7-5857-4685-be1f-d57550cc96cc">
-      <Value>1345093</Value>
-    </PublishStatusLookup>
-    <Providers xmlns="4873beb7-5857-4685-be1f-d57550cc96cc" xsi:nil="true"/>
-    <MachineTranslated xmlns="4873beb7-5857-4685-be1f-d57550cc96cc">false</MachineTranslated>
-    <OriginalSourceMarket xmlns="4873beb7-5857-4685-be1f-d57550cc96cc" xsi:nil="true"/>
-    <APDescription xmlns="4873beb7-5857-4685-be1f-d57550cc96cc">This simple template design works for technology and  businesses, but it's versatile enough to use in other contexts.  It features multiple slide layouts designed for widescreen (16x9 resolution) and includes a sample SmartArt list and chart that are easily editable.</APDescription>
-    <ClipArtFilename xmlns="4873beb7-5857-4685-be1f-d57550cc96cc" xsi:nil="true"/>
-    <ContentItem xmlns="4873beb7-5857-4685-be1f-d57550cc96cc" xsi:nil="true"/>
-    <TPInstallLocation xmlns="4873beb7-5857-4685-be1f-d57550cc96cc" xsi:nil="true"/>
-    <PublishTargets xmlns="4873beb7-5857-4685-be1f-d57550cc96cc">OfficeOnlineVNext</PublishTargets>
-    <TimesCloned xmlns="4873beb7-5857-4685-be1f-d57550cc96cc" xsi:nil="true"/>
-    <AssetStart xmlns="4873beb7-5857-4685-be1f-d57550cc96cc">2011-11-26T00:30:00+00:00</AssetStart>
-    <Provider xmlns="4873beb7-5857-4685-be1f-d57550cc96cc" xsi:nil="true"/>
-    <AcquiredFrom xmlns="4873beb7-5857-4685-be1f-d57550cc96cc">Internal MS</AcquiredFrom>
-    <FriendlyTitle xmlns="4873beb7-5857-4685-be1f-d57550cc96cc" xsi:nil="true"/>
-    <LastHandOff xmlns="4873beb7-5857-4685-be1f-d57550cc96cc" xsi:nil="true"/>
-    <TPClientViewer xmlns="4873beb7-5857-4685-be1f-d57550cc96cc" xsi:nil="true"/>
-    <TemplateStatus xmlns="4873beb7-5857-4685-be1f-d57550cc96cc">Complete</TemplateStatus>
-    <Downloads xmlns="4873beb7-5857-4685-be1f-d57550cc96cc">0</Downloads>
-    <OOCacheId xmlns="4873beb7-5857-4685-be1f-d57550cc96cc" xsi:nil="true"/>
-    <IsDeleted xmlns="4873beb7-5857-4685-be1f-d57550cc96cc">false</IsDeleted>
-    <LocPublishedDependentAssetsLookup xmlns="4873beb7-5857-4685-be1f-d57550cc96cc" xsi:nil="true"/>
-    <TPExecutable xmlns="4873beb7-5857-4685-be1f-d57550cc96cc" xsi:nil="true"/>
-    <EditorialTags xmlns="4873beb7-5857-4685-be1f-d57550cc96cc" xsi:nil="true"/>
-    <SubmitterId xmlns="4873beb7-5857-4685-be1f-d57550cc96cc" xsi:nil="true"/>
-    <ApprovalLog xmlns="4873beb7-5857-4685-be1f-d57550cc96cc" xsi:nil="true"/>
-    <AssetType xmlns="4873beb7-5857-4685-be1f-d57550cc96cc">TP</AssetType>
-    <BugNumber xmlns="4873beb7-5857-4685-be1f-d57550cc96cc" xsi:nil="true"/>
-    <CSXSubmissionDate xmlns="4873beb7-5857-4685-be1f-d57550cc96cc" xsi:nil="true"/>
-    <CSXUpdate xmlns="4873beb7-5857-4685-be1f-d57550cc96cc">false</CSXUpdate>
-    <Milestone xmlns="4873beb7-5857-4685-be1f-d57550cc96cc" xsi:nil="true"/>
-    <RecommendationsModifier xmlns="4873beb7-5857-4685-be1f-d57550cc96cc" xsi:nil="true"/>
-    <OriginAsset xmlns="4873beb7-5857-4685-be1f-d57550cc96cc" xsi:nil="true"/>
-    <TPComponent xmlns="4873beb7-5857-4685-be1f-d57550cc96cc" xsi:nil="true"/>
-    <AssetId xmlns="4873beb7-5857-4685-be1f-d57550cc96cc">TP102787989</AssetId>
-    <IntlLocPriority xmlns="4873beb7-5857-4685-be1f-d57550cc96cc" xsi:nil="true"/>
-    <PolicheckWords xmlns="4873beb7-5857-4685-be1f-d57550cc96cc" xsi:nil="true"/>
-    <TPLaunchHelpLink xmlns="4873beb7-5857-4685-be1f-d57550cc96cc" xsi:nil="true"/>
-    <TPApplication xmlns="4873beb7-5857-4685-be1f-d57550cc96cc" xsi:nil="true"/>
-    <CrawlForDependencies xmlns="4873beb7-5857-4685-be1f-d57550cc96cc">false</CrawlForDependencies>
-    <HandoffToMSDN xmlns="4873beb7-5857-4685-be1f-d57550cc96cc" xsi:nil="true"/>
-    <PlannedPubDate xmlns="4873beb7-5857-4685-be1f-d57550cc96cc" xsi:nil="true"/>
-    <IntlLangReviewer xmlns="4873beb7-5857-4685-be1f-d57550cc96cc" xsi:nil="true"/>
-    <TrustLevel xmlns="4873beb7-5857-4685-be1f-d57550cc96cc">1 Microsoft Managed Content</TrustLevel>
-    <LocLastLocAttemptVersionLookup xmlns="4873beb7-5857-4685-be1f-d57550cc96cc">694266</LocLastLocAttemptVersionLookup>
-    <LocProcessedForHandoffsLookup xmlns="4873beb7-5857-4685-be1f-d57550cc96cc" xsi:nil="true"/>
-    <IsSearchable xmlns="4873beb7-5857-4685-be1f-d57550cc96cc">true</IsSearchable>
-    <TemplateTemplateType xmlns="4873beb7-5857-4685-be1f-d57550cc96cc">PowerPoint Presentation Template</TemplateTemplateType>
-    <CampaignTagsTaxHTField0 xmlns="4873beb7-5857-4685-be1f-d57550cc96cc">
-      <Terms xmlns="http://schemas.microsoft.com/office/infopath/2007/PartnerControls"/>
-    </CampaignTagsTaxHTField0>
-    <TPNamespace xmlns="4873beb7-5857-4685-be1f-d57550cc96cc" xsi:nil="true"/>
-    <LocOverallPreviewStatusLookup xmlns="4873beb7-5857-4685-be1f-d57550cc96cc" xsi:nil="true"/>
-    <TaxCatchAll xmlns="4873beb7-5857-4685-be1f-d57550cc96cc"/>
-    <Markets xmlns="4873beb7-5857-4685-be1f-d57550cc96cc"/>
-    <UAProjectedTotalWords xmlns="4873beb7-5857-4685-be1f-d57550cc96cc" xsi:nil="true"/>
-    <IntlLangReview xmlns="4873beb7-5857-4685-be1f-d57550cc96cc" xsi:nil="true"/>
-    <OutputCachingOn xmlns="4873beb7-5857-4685-be1f-d57550cc96cc">false</OutputCachingOn>
-    <AverageRating xmlns="4873beb7-5857-4685-be1f-d57550cc96cc" xsi:nil="true"/>
-    <APAuthor xmlns="4873beb7-5857-4685-be1f-d57550cc96cc">
-      <UserInfo>
-        <DisplayName>REDMOND\kristaa</DisplayName>
-        <AccountId>136</AccountId>
-        <AccountType/>
-      </UserInfo>
-    </APAuthor>
-    <LocManualTestRequired xmlns="4873beb7-5857-4685-be1f-d57550cc96cc">false</LocManualTestRequired>
-    <TPCommandLine xmlns="4873beb7-5857-4685-be1f-d57550cc96cc" xsi:nil="true"/>
-    <TPAppVersion xmlns="4873beb7-5857-4685-be1f-d57550cc96cc" xsi:nil="true"/>
-    <EditorialStatus xmlns="4873beb7-5857-4685-be1f-d57550cc96cc">Complete</EditorialStatus>
-    <LastModifiedDateTime xmlns="4873beb7-5857-4685-be1f-d57550cc96cc" xsi:nil="true"/>
-    <ScenarioTagsTaxHTField0 xmlns="4873beb7-5857-4685-be1f-d57550cc96cc">
-      <Terms xmlns="http://schemas.microsoft.com/office/infopath/2007/PartnerControls"/>
-    </ScenarioTagsTaxHTField0>
-    <LocProcessedForMarketsLookup xmlns="4873beb7-5857-4685-be1f-d57550cc96cc" xsi:nil="true"/>
-    <TPLaunchHelpLinkType xmlns="4873beb7-5857-4685-be1f-d57550cc96cc">Template</TPLaunchHelpLinkType>
-    <OriginalRelease xmlns="4873beb7-5857-4685-be1f-d57550cc96cc">15</OriginalRelease>
-    <LocalizationTagsTaxHTField0 xmlns="4873beb7-5857-4685-be1f-d57550cc96cc">
-      <Terms xmlns="http://schemas.microsoft.com/office/infopath/2007/PartnerControls"/>
-    </LocalizationTagsTaxHTField0>
-    <UACurrentWords xmlns="4873beb7-5857-4685-be1f-d57550cc96cc" xsi:nil="true"/>
-    <ArtSampleDocs xmlns="4873beb7-5857-4685-be1f-d57550cc96cc" xsi:nil="true"/>
-    <UALocRecommendation xmlns="4873beb7-5857-4685-be1f-d57550cc96cc">Localize</UALocRecommendation>
-    <Manager xmlns="4873beb7-5857-4685-be1f-d57550cc96cc" xsi:nil="true"/>
-    <LocOverallHandbackStatusLookup xmlns="4873beb7-5857-4685-be1f-d57550cc96cc" xsi:nil="true"/>
-    <ShowIn xmlns="4873beb7-5857-4685-be1f-d57550cc96cc">Show everywhere</ShowIn>
-    <UANotes xmlns="4873beb7-5857-4685-be1f-d57550cc96cc" xsi:nil="true"/>
-    <InternalTagsTaxHTField0 xmlns="4873beb7-5857-4685-be1f-d57550cc96cc">
-      <Terms xmlns="http://schemas.microsoft.com/office/infopath/2007/PartnerControls"/>
-    </InternalTagsTaxHTField0>
-    <CSXHash xmlns="4873beb7-5857-4685-be1f-d57550cc96cc" xsi:nil="true"/>
-    <VoteCount xmlns="4873beb7-5857-4685-be1f-d57550cc96cc" xsi:nil="true"/>
-    <AssetExpire xmlns="4873beb7-5857-4685-be1f-d57550cc96cc">2029-05-12T07:00:00+00:00</AssetExpire>
-    <DSATActionTaken xmlns="4873beb7-5857-4685-be1f-d57550cc96cc" xsi:nil="true"/>
-    <CSXSubmissionMarket xmlns="4873beb7-5857-4685-be1f-d57550cc96cc" xsi:nil="true"/>
-    <LocMarketGroupTiers2 xmlns="4873beb7-5857-4685-be1f-d57550cc96cc" xsi:nil="true"/>
-  </documentManagement>
-</p:properties>
+<?mso-contentType ?>
+<FormTemplates xmlns="http://schemas.microsoft.com/sharepoint/v3/contenttype/forms">
+  <Display>DocumentLibraryForm</Display>
+  <Edit>AssetEditForm</Edit>
+  <New>DocumentLibraryForm</New>
+</FormTemplates>
 </file>
 
 <file path=customXml/item2.xml><?xml version="1.0" encoding="utf-8"?>
@@ -11538,26 +14931,145 @@
 </file>
 
 <file path=customXml/item3.xml><?xml version="1.0" encoding="utf-8"?>
-<?mso-contentType ?>
-<FormTemplates xmlns="http://schemas.microsoft.com/sharepoint/v3/contenttype/forms">
-  <Display>DocumentLibraryForm</Display>
-  <Edit>AssetEditForm</Edit>
-  <New>DocumentLibraryForm</New>
-</FormTemplates>
+<p:properties xmlns:p="http://schemas.microsoft.com/office/2006/metadata/properties" xmlns:xsi="http://www.w3.org/2001/XMLSchema-instance" xmlns:pc="http://schemas.microsoft.com/office/infopath/2007/PartnerControls">
+  <documentManagement>
+    <LocPublishedLinkedAssetsLookup xmlns="4873beb7-5857-4685-be1f-d57550cc96cc" xsi:nil="true"/>
+    <ApprovalStatus xmlns="4873beb7-5857-4685-be1f-d57550cc96cc">InProgress</ApprovalStatus>
+    <MarketSpecific xmlns="4873beb7-5857-4685-be1f-d57550cc96cc">false</MarketSpecific>
+    <LocComments xmlns="4873beb7-5857-4685-be1f-d57550cc96cc" xsi:nil="true"/>
+    <LocLastLocAttemptVersionTypeLookup xmlns="4873beb7-5857-4685-be1f-d57550cc96cc" xsi:nil="true"/>
+    <DirectSourceMarket xmlns="4873beb7-5857-4685-be1f-d57550cc96cc" xsi:nil="true"/>
+    <ThumbnailAssetId xmlns="4873beb7-5857-4685-be1f-d57550cc96cc" xsi:nil="true"/>
+    <PrimaryImageGen xmlns="4873beb7-5857-4685-be1f-d57550cc96cc">false</PrimaryImageGen>
+    <LocNewPublishedVersionLookup xmlns="4873beb7-5857-4685-be1f-d57550cc96cc" xsi:nil="true"/>
+    <LegacyData xmlns="4873beb7-5857-4685-be1f-d57550cc96cc" xsi:nil="true"/>
+    <LocRecommendedHandoff xmlns="4873beb7-5857-4685-be1f-d57550cc96cc" xsi:nil="true"/>
+    <BusinessGroup xmlns="4873beb7-5857-4685-be1f-d57550cc96cc" xsi:nil="true"/>
+    <BlockPublish xmlns="4873beb7-5857-4685-be1f-d57550cc96cc">false</BlockPublish>
+    <TPFriendlyName xmlns="4873beb7-5857-4685-be1f-d57550cc96cc" xsi:nil="true"/>
+    <LocOverallPublishStatusLookup xmlns="4873beb7-5857-4685-be1f-d57550cc96cc" xsi:nil="true"/>
+    <NumericId xmlns="4873beb7-5857-4685-be1f-d57550cc96cc" xsi:nil="true"/>
+    <APEditor xmlns="4873beb7-5857-4685-be1f-d57550cc96cc">
+      <UserInfo>
+        <DisplayName/>
+        <AccountId xsi:nil="true"/>
+        <AccountType/>
+      </UserInfo>
+    </APEditor>
+    <SourceTitle xmlns="4873beb7-5857-4685-be1f-d57550cc96cc" xsi:nil="true"/>
+    <OpenTemplate xmlns="4873beb7-5857-4685-be1f-d57550cc96cc">true</OpenTemplate>
+    <LocOverallLocStatusLookup xmlns="4873beb7-5857-4685-be1f-d57550cc96cc" xsi:nil="true"/>
+    <UALocComments xmlns="4873beb7-5857-4685-be1f-d57550cc96cc" xsi:nil="true"/>
+    <ParentAssetId xmlns="4873beb7-5857-4685-be1f-d57550cc96cc" xsi:nil="true"/>
+    <IntlLangReviewDate xmlns="4873beb7-5857-4685-be1f-d57550cc96cc" xsi:nil="true"/>
+    <FeatureTagsTaxHTField0 xmlns="4873beb7-5857-4685-be1f-d57550cc96cc">
+      <Terms xmlns="http://schemas.microsoft.com/office/infopath/2007/PartnerControls"/>
+    </FeatureTagsTaxHTField0>
+    <PublishStatusLookup xmlns="4873beb7-5857-4685-be1f-d57550cc96cc">
+      <Value>1345093</Value>
+    </PublishStatusLookup>
+    <Providers xmlns="4873beb7-5857-4685-be1f-d57550cc96cc" xsi:nil="true"/>
+    <MachineTranslated xmlns="4873beb7-5857-4685-be1f-d57550cc96cc">false</MachineTranslated>
+    <OriginalSourceMarket xmlns="4873beb7-5857-4685-be1f-d57550cc96cc" xsi:nil="true"/>
+    <APDescription xmlns="4873beb7-5857-4685-be1f-d57550cc96cc">This simple template design works for technology and  businesses, but it's versatile enough to use in other contexts.  It features multiple slide layouts designed for widescreen (16x9 resolution) and includes a sample SmartArt list and chart that are easily editable.</APDescription>
+    <ClipArtFilename xmlns="4873beb7-5857-4685-be1f-d57550cc96cc" xsi:nil="true"/>
+    <ContentItem xmlns="4873beb7-5857-4685-be1f-d57550cc96cc" xsi:nil="true"/>
+    <TPInstallLocation xmlns="4873beb7-5857-4685-be1f-d57550cc96cc" xsi:nil="true"/>
+    <PublishTargets xmlns="4873beb7-5857-4685-be1f-d57550cc96cc">OfficeOnlineVNext</PublishTargets>
+    <TimesCloned xmlns="4873beb7-5857-4685-be1f-d57550cc96cc" xsi:nil="true"/>
+    <AssetStart xmlns="4873beb7-5857-4685-be1f-d57550cc96cc">2011-11-26T00:30:00+00:00</AssetStart>
+    <Provider xmlns="4873beb7-5857-4685-be1f-d57550cc96cc" xsi:nil="true"/>
+    <AcquiredFrom xmlns="4873beb7-5857-4685-be1f-d57550cc96cc">Internal MS</AcquiredFrom>
+    <FriendlyTitle xmlns="4873beb7-5857-4685-be1f-d57550cc96cc" xsi:nil="true"/>
+    <LastHandOff xmlns="4873beb7-5857-4685-be1f-d57550cc96cc" xsi:nil="true"/>
+    <TPClientViewer xmlns="4873beb7-5857-4685-be1f-d57550cc96cc" xsi:nil="true"/>
+    <TemplateStatus xmlns="4873beb7-5857-4685-be1f-d57550cc96cc">Complete</TemplateStatus>
+    <Downloads xmlns="4873beb7-5857-4685-be1f-d57550cc96cc">0</Downloads>
+    <OOCacheId xmlns="4873beb7-5857-4685-be1f-d57550cc96cc" xsi:nil="true"/>
+    <IsDeleted xmlns="4873beb7-5857-4685-be1f-d57550cc96cc">false</IsDeleted>
+    <LocPublishedDependentAssetsLookup xmlns="4873beb7-5857-4685-be1f-d57550cc96cc" xsi:nil="true"/>
+    <TPExecutable xmlns="4873beb7-5857-4685-be1f-d57550cc96cc" xsi:nil="true"/>
+    <EditorialTags xmlns="4873beb7-5857-4685-be1f-d57550cc96cc" xsi:nil="true"/>
+    <SubmitterId xmlns="4873beb7-5857-4685-be1f-d57550cc96cc" xsi:nil="true"/>
+    <ApprovalLog xmlns="4873beb7-5857-4685-be1f-d57550cc96cc" xsi:nil="true"/>
+    <AssetType xmlns="4873beb7-5857-4685-be1f-d57550cc96cc">TP</AssetType>
+    <BugNumber xmlns="4873beb7-5857-4685-be1f-d57550cc96cc" xsi:nil="true"/>
+    <CSXSubmissionDate xmlns="4873beb7-5857-4685-be1f-d57550cc96cc" xsi:nil="true"/>
+    <CSXUpdate xmlns="4873beb7-5857-4685-be1f-d57550cc96cc">false</CSXUpdate>
+    <Milestone xmlns="4873beb7-5857-4685-be1f-d57550cc96cc" xsi:nil="true"/>
+    <RecommendationsModifier xmlns="4873beb7-5857-4685-be1f-d57550cc96cc" xsi:nil="true"/>
+    <OriginAsset xmlns="4873beb7-5857-4685-be1f-d57550cc96cc" xsi:nil="true"/>
+    <TPComponent xmlns="4873beb7-5857-4685-be1f-d57550cc96cc" xsi:nil="true"/>
+    <AssetId xmlns="4873beb7-5857-4685-be1f-d57550cc96cc">TP102787989</AssetId>
+    <IntlLocPriority xmlns="4873beb7-5857-4685-be1f-d57550cc96cc" xsi:nil="true"/>
+    <PolicheckWords xmlns="4873beb7-5857-4685-be1f-d57550cc96cc" xsi:nil="true"/>
+    <TPLaunchHelpLink xmlns="4873beb7-5857-4685-be1f-d57550cc96cc" xsi:nil="true"/>
+    <TPApplication xmlns="4873beb7-5857-4685-be1f-d57550cc96cc" xsi:nil="true"/>
+    <CrawlForDependencies xmlns="4873beb7-5857-4685-be1f-d57550cc96cc">false</CrawlForDependencies>
+    <HandoffToMSDN xmlns="4873beb7-5857-4685-be1f-d57550cc96cc" xsi:nil="true"/>
+    <PlannedPubDate xmlns="4873beb7-5857-4685-be1f-d57550cc96cc" xsi:nil="true"/>
+    <IntlLangReviewer xmlns="4873beb7-5857-4685-be1f-d57550cc96cc" xsi:nil="true"/>
+    <TrustLevel xmlns="4873beb7-5857-4685-be1f-d57550cc96cc">1 Microsoft Managed Content</TrustLevel>
+    <LocLastLocAttemptVersionLookup xmlns="4873beb7-5857-4685-be1f-d57550cc96cc">694266</LocLastLocAttemptVersionLookup>
+    <LocProcessedForHandoffsLookup xmlns="4873beb7-5857-4685-be1f-d57550cc96cc" xsi:nil="true"/>
+    <IsSearchable xmlns="4873beb7-5857-4685-be1f-d57550cc96cc">true</IsSearchable>
+    <TemplateTemplateType xmlns="4873beb7-5857-4685-be1f-d57550cc96cc">PowerPoint Presentation Template</TemplateTemplateType>
+    <CampaignTagsTaxHTField0 xmlns="4873beb7-5857-4685-be1f-d57550cc96cc">
+      <Terms xmlns="http://schemas.microsoft.com/office/infopath/2007/PartnerControls"/>
+    </CampaignTagsTaxHTField0>
+    <TPNamespace xmlns="4873beb7-5857-4685-be1f-d57550cc96cc" xsi:nil="true"/>
+    <LocOverallPreviewStatusLookup xmlns="4873beb7-5857-4685-be1f-d57550cc96cc" xsi:nil="true"/>
+    <TaxCatchAll xmlns="4873beb7-5857-4685-be1f-d57550cc96cc"/>
+    <Markets xmlns="4873beb7-5857-4685-be1f-d57550cc96cc"/>
+    <UAProjectedTotalWords xmlns="4873beb7-5857-4685-be1f-d57550cc96cc" xsi:nil="true"/>
+    <IntlLangReview xmlns="4873beb7-5857-4685-be1f-d57550cc96cc" xsi:nil="true"/>
+    <OutputCachingOn xmlns="4873beb7-5857-4685-be1f-d57550cc96cc">false</OutputCachingOn>
+    <AverageRating xmlns="4873beb7-5857-4685-be1f-d57550cc96cc" xsi:nil="true"/>
+    <APAuthor xmlns="4873beb7-5857-4685-be1f-d57550cc96cc">
+      <UserInfo>
+        <DisplayName>REDMOND\kristaa</DisplayName>
+        <AccountId>136</AccountId>
+        <AccountType/>
+      </UserInfo>
+    </APAuthor>
+    <LocManualTestRequired xmlns="4873beb7-5857-4685-be1f-d57550cc96cc">false</LocManualTestRequired>
+    <TPCommandLine xmlns="4873beb7-5857-4685-be1f-d57550cc96cc" xsi:nil="true"/>
+    <TPAppVersion xmlns="4873beb7-5857-4685-be1f-d57550cc96cc" xsi:nil="true"/>
+    <EditorialStatus xmlns="4873beb7-5857-4685-be1f-d57550cc96cc">Complete</EditorialStatus>
+    <LastModifiedDateTime xmlns="4873beb7-5857-4685-be1f-d57550cc96cc" xsi:nil="true"/>
+    <ScenarioTagsTaxHTField0 xmlns="4873beb7-5857-4685-be1f-d57550cc96cc">
+      <Terms xmlns="http://schemas.microsoft.com/office/infopath/2007/PartnerControls"/>
+    </ScenarioTagsTaxHTField0>
+    <LocProcessedForMarketsLookup xmlns="4873beb7-5857-4685-be1f-d57550cc96cc" xsi:nil="true"/>
+    <TPLaunchHelpLinkType xmlns="4873beb7-5857-4685-be1f-d57550cc96cc">Template</TPLaunchHelpLinkType>
+    <OriginalRelease xmlns="4873beb7-5857-4685-be1f-d57550cc96cc">15</OriginalRelease>
+    <LocalizationTagsTaxHTField0 xmlns="4873beb7-5857-4685-be1f-d57550cc96cc">
+      <Terms xmlns="http://schemas.microsoft.com/office/infopath/2007/PartnerControls"/>
+    </LocalizationTagsTaxHTField0>
+    <UACurrentWords xmlns="4873beb7-5857-4685-be1f-d57550cc96cc" xsi:nil="true"/>
+    <ArtSampleDocs xmlns="4873beb7-5857-4685-be1f-d57550cc96cc" xsi:nil="true"/>
+    <UALocRecommendation xmlns="4873beb7-5857-4685-be1f-d57550cc96cc">Localize</UALocRecommendation>
+    <Manager xmlns="4873beb7-5857-4685-be1f-d57550cc96cc" xsi:nil="true"/>
+    <LocOverallHandbackStatusLookup xmlns="4873beb7-5857-4685-be1f-d57550cc96cc" xsi:nil="true"/>
+    <ShowIn xmlns="4873beb7-5857-4685-be1f-d57550cc96cc">Show everywhere</ShowIn>
+    <UANotes xmlns="4873beb7-5857-4685-be1f-d57550cc96cc" xsi:nil="true"/>
+    <InternalTagsTaxHTField0 xmlns="4873beb7-5857-4685-be1f-d57550cc96cc">
+      <Terms xmlns="http://schemas.microsoft.com/office/infopath/2007/PartnerControls"/>
+    </InternalTagsTaxHTField0>
+    <CSXHash xmlns="4873beb7-5857-4685-be1f-d57550cc96cc" xsi:nil="true"/>
+    <VoteCount xmlns="4873beb7-5857-4685-be1f-d57550cc96cc" xsi:nil="true"/>
+    <AssetExpire xmlns="4873beb7-5857-4685-be1f-d57550cc96cc">2029-05-12T07:00:00+00:00</AssetExpire>
+    <DSATActionTaken xmlns="4873beb7-5857-4685-be1f-d57550cc96cc" xsi:nil="true"/>
+    <CSXSubmissionMarket xmlns="4873beb7-5857-4685-be1f-d57550cc96cc" xsi:nil="true"/>
+    <LocMarketGroupTiers2 xmlns="4873beb7-5857-4685-be1f-d57550cc96cc" xsi:nil="true"/>
+  </documentManagement>
+</p:properties>
 </file>
 
 <file path=customXml/itemProps1.xml><?xml version="1.0" encoding="utf-8"?>
-<ds:datastoreItem xmlns:ds="http://schemas.openxmlformats.org/officeDocument/2006/customXml" ds:itemID="{60C67BEE-D13F-4BD2-98A5-34D8A0977F68}">
+<ds:datastoreItem xmlns:ds="http://schemas.openxmlformats.org/officeDocument/2006/customXml" ds:itemID="{3836F65B-1B07-41EE-A0E8-BC6EF3855225}">
   <ds:schemaRefs>
-    <ds:schemaRef ds:uri="4873beb7-5857-4685-be1f-d57550cc96cc"/>
-    <ds:schemaRef ds:uri="http://schemas.openxmlformats.org/package/2006/metadata/core-properties"/>
-    <ds:schemaRef ds:uri="http://purl.org/dc/terms/"/>
-    <ds:schemaRef ds:uri="http://schemas.microsoft.com/office/2006/documentManagement/types"/>
-    <ds:schemaRef ds:uri="http://purl.org/dc/elements/1.1/"/>
-    <ds:schemaRef ds:uri="http://schemas.microsoft.com/office/2006/metadata/properties"/>
-    <ds:schemaRef ds:uri="http://schemas.microsoft.com/office/infopath/2007/PartnerControls"/>
-    <ds:schemaRef ds:uri="http://www.w3.org/XML/1998/namespace"/>
-    <ds:schemaRef ds:uri="http://purl.org/dc/dcmitype/"/>
+    <ds:schemaRef ds:uri="http://schemas.microsoft.com/sharepoint/v3/contenttype/forms"/>
   </ds:schemaRefs>
 </ds:datastoreItem>
 </file>
@@ -11581,9 +15093,17 @@
 </file>
 
 <file path=customXml/itemProps3.xml><?xml version="1.0" encoding="utf-8"?>
-<ds:datastoreItem xmlns:ds="http://schemas.openxmlformats.org/officeDocument/2006/customXml" ds:itemID="{3836F65B-1B07-41EE-A0E8-BC6EF3855225}">
+<ds:datastoreItem xmlns:ds="http://schemas.openxmlformats.org/officeDocument/2006/customXml" ds:itemID="{60C67BEE-D13F-4BD2-98A5-34D8A0977F68}">
   <ds:schemaRefs>
-    <ds:schemaRef ds:uri="http://schemas.microsoft.com/sharepoint/v3/contenttype/forms"/>
+    <ds:schemaRef ds:uri="4873beb7-5857-4685-be1f-d57550cc96cc"/>
+    <ds:schemaRef ds:uri="http://schemas.openxmlformats.org/package/2006/metadata/core-properties"/>
+    <ds:schemaRef ds:uri="http://purl.org/dc/terms/"/>
+    <ds:schemaRef ds:uri="http://schemas.microsoft.com/office/2006/documentManagement/types"/>
+    <ds:schemaRef ds:uri="http://purl.org/dc/elements/1.1/"/>
+    <ds:schemaRef ds:uri="http://schemas.microsoft.com/office/2006/metadata/properties"/>
+    <ds:schemaRef ds:uri="http://schemas.microsoft.com/office/infopath/2007/PartnerControls"/>
+    <ds:schemaRef ds:uri="http://www.w3.org/XML/1998/namespace"/>
+    <ds:schemaRef ds:uri="http://purl.org/dc/dcmitype/"/>
   </ds:schemaRefs>
 </ds:datastoreItem>
 </file>
--- a/Western Power Hack-a-Gig Presentation.pptx
+++ b/Western Power Hack-a-Gig Presentation.pptx
@@ -5,10 +5,10 @@
     <p:sldMasterId id="2147483660" r:id="rId4"/>
   </p:sldMasterIdLst>
   <p:notesMasterIdLst>
-    <p:notesMasterId r:id="rId19"/>
+    <p:notesMasterId r:id="rId23"/>
   </p:notesMasterIdLst>
   <p:handoutMasterIdLst>
-    <p:handoutMasterId r:id="rId20"/>
+    <p:handoutMasterId r:id="rId24"/>
   </p:handoutMasterIdLst>
   <p:sldIdLst>
     <p:sldId id="257" r:id="rId5"/>
@@ -25,6 +25,10 @@
     <p:sldId id="275" r:id="rId16"/>
     <p:sldId id="276" r:id="rId17"/>
     <p:sldId id="277" r:id="rId18"/>
+    <p:sldId id="278" r:id="rId19"/>
+    <p:sldId id="279" r:id="rId20"/>
+    <p:sldId id="280" r:id="rId21"/>
+    <p:sldId id="281" r:id="rId22"/>
   </p:sldIdLst>
   <p:sldSz cx="12188825" cy="6858000"/>
   <p:notesSz cx="6858000" cy="9144000"/>
@@ -8871,10 +8875,10 @@
       </p:sp>
       <p:pic>
         <p:nvPicPr>
-          <p:cNvPr id="4" name="Picture 3">
+          <p:cNvPr id="8" name="Picture 7">
             <a:extLst>
               <a:ext uri="{FF2B5EF4-FFF2-40B4-BE49-F238E27FC236}">
-                <a16:creationId xmlns:a16="http://schemas.microsoft.com/office/drawing/2014/main" id="{61C71974-9754-43FD-8E8E-35E616625CF2}"/>
+                <a16:creationId xmlns:a16="http://schemas.microsoft.com/office/drawing/2014/main" id="{844222BE-707C-453A-A140-8569DFCD4664}"/>
               </a:ext>
             </a:extLst>
           </p:cNvPr>
@@ -8897,7 +8901,43 @@
         </p:blipFill>
         <p:spPr>
           <a:xfrm>
-            <a:off x="9145845" y="2936711"/>
+            <a:off x="5446340" y="5152628"/>
+            <a:ext cx="1989601" cy="1705372"/>
+          </a:xfrm>
+          <a:prstGeom prst="rect">
+            <a:avLst/>
+          </a:prstGeom>
+        </p:spPr>
+      </p:pic>
+      <p:pic>
+        <p:nvPicPr>
+          <p:cNvPr id="4" name="Picture 3">
+            <a:extLst>
+              <a:ext uri="{FF2B5EF4-FFF2-40B4-BE49-F238E27FC236}">
+                <a16:creationId xmlns:a16="http://schemas.microsoft.com/office/drawing/2014/main" id="{61C71974-9754-43FD-8E8E-35E616625CF2}"/>
+              </a:ext>
+            </a:extLst>
+          </p:cNvPr>
+          <p:cNvPicPr>
+            <a:picLocks noChangeAspect="1"/>
+          </p:cNvPicPr>
+          <p:nvPr/>
+        </p:nvPicPr>
+        <p:blipFill>
+          <a:blip r:embed="rId3" cstate="print">
+            <a:extLst>
+              <a:ext uri="{28A0092B-C50C-407E-A947-70E740481C1C}">
+                <a14:useLocalDpi xmlns:a14="http://schemas.microsoft.com/office/drawing/2010/main" val="0"/>
+              </a:ext>
+            </a:extLst>
+          </a:blip>
+          <a:stretch>
+            <a:fillRect/>
+          </a:stretch>
+        </p:blipFill>
+        <p:spPr>
+          <a:xfrm>
+            <a:off x="5825340" y="4270701"/>
             <a:ext cx="1256171" cy="1512605"/>
           </a:xfrm>
           <a:prstGeom prst="rect">
@@ -9251,7 +9291,15 @@
           <a:p>
             <a:r>
               <a:rPr lang="en-AU" sz="1600" dirty="0"/>
-              <a:t>Increased system sizes attributable to panel efficiency gains (W/m</a:t>
+              <a:t>Increased system </a:t>
+            </a:r>
+            <a:r>
+              <a:rPr lang="en-AU" sz="1600"/>
+              <a:t>sizes partly attributable </a:t>
+            </a:r>
+            <a:r>
+              <a:rPr lang="en-AU" sz="1600" dirty="0"/>
+              <a:t>to panel efficiency gains (W/m</a:t>
             </a:r>
             <a:r>
               <a:rPr lang="en-AU" sz="1600" baseline="30000" dirty="0"/>
@@ -10930,7 +10978,7 @@
           <a:p>
             <a:r>
               <a:rPr lang="en-AU" dirty="0"/>
-              <a:t>The Model</a:t>
+              <a:t>Result</a:t>
             </a:r>
           </a:p>
         </p:txBody>
@@ -10951,72 +10999,28 @@
             <p:ph idx="1"/>
           </p:nvPr>
         </p:nvSpPr>
-        <p:spPr/>
+        <p:spPr>
+          <a:xfrm>
+            <a:off x="1218883" y="1701797"/>
+            <a:ext cx="10360501" cy="1223963"/>
+          </a:xfrm>
+        </p:spPr>
         <p:txBody>
           <a:bodyPr/>
           <a:lstStyle/>
           <a:p>
             <a:r>
               <a:rPr lang="en-AU" dirty="0"/>
-              <a:t>Convolutional Neural Net (CNN) model</a:t>
-            </a:r>
-          </a:p>
-          <a:p>
+              <a:t>Best model accuracy: ##.#%</a:t>
+            </a:r>
+          </a:p>
+          <a:p>
+            <a:pPr marL="0" indent="0">
+              <a:buNone/>
+            </a:pPr>
             <a:r>
               <a:rPr lang="en-AU" dirty="0"/>
-              <a:t>Leverages the Fast.AI wrapper on top of </a:t>
-            </a:r>
-            <a:r>
-              <a:rPr lang="en-AU" dirty="0" err="1"/>
-              <a:t>PyTorch</a:t>
-            </a:r>
-            <a:endParaRPr lang="en-AU" dirty="0"/>
-          </a:p>
-          <a:p>
-            <a:r>
-              <a:rPr lang="en-AU" dirty="0"/>
-              <a:t>Specifies:</a:t>
-            </a:r>
-          </a:p>
-          <a:p>
-            <a:pPr lvl="1"/>
-            <a:r>
-              <a:rPr lang="en-AU" dirty="0"/>
-              <a:t>Data set to utilise</a:t>
-            </a:r>
-          </a:p>
-          <a:p>
-            <a:pPr lvl="1"/>
-            <a:r>
-              <a:rPr lang="en-AU" dirty="0"/>
-              <a:t>Functions to split source data into a training &amp; validation set</a:t>
-            </a:r>
-          </a:p>
-          <a:p>
-            <a:pPr lvl="1"/>
-            <a:r>
-              <a:rPr lang="en-AU" dirty="0"/>
-              <a:t>Functions to import image meta-data</a:t>
-            </a:r>
-          </a:p>
-          <a:p>
-            <a:pPr lvl="1"/>
-            <a:r>
-              <a:rPr lang="en-AU" dirty="0"/>
-              <a:t>Learning rate specification and annealing</a:t>
-            </a:r>
-          </a:p>
-          <a:p>
-            <a:pPr lvl="1"/>
-            <a:r>
-              <a:rPr lang="en-AU" dirty="0"/>
-              <a:t>Data augmentation</a:t>
-            </a:r>
-          </a:p>
-          <a:p>
-            <a:r>
-              <a:rPr lang="en-AU" dirty="0"/>
-              <a:t>Result accuracy based on confusion matrix output</a:t>
+              <a:t>Tuning parameters – </a:t>
             </a:r>
           </a:p>
           <a:p>
@@ -11029,6 +11033,582 @@
     <p:extLst>
       <p:ext uri="{BB962C8B-B14F-4D97-AF65-F5344CB8AC3E}">
         <p14:creationId xmlns:p14="http://schemas.microsoft.com/office/powerpoint/2010/main" val="1736910108"/>
+      </p:ext>
+    </p:extLst>
+  </p:cSld>
+  <p:clrMapOvr>
+    <a:masterClrMapping/>
+  </p:clrMapOvr>
+  <mc:AlternateContent xmlns:mc="http://schemas.openxmlformats.org/markup-compatibility/2006" xmlns:p14="http://schemas.microsoft.com/office/powerpoint/2010/main">
+    <mc:Choice Requires="p14">
+      <p:transition spd="med" p14:dur="700">
+        <p:fade/>
+      </p:transition>
+    </mc:Choice>
+    <mc:Fallback xmlns="">
+      <p:transition spd="med">
+        <p:fade/>
+      </p:transition>
+    </mc:Fallback>
+  </mc:AlternateContent>
+</p:sld>
+</file>
+
+<file path=ppt/slides/slide15.xml><?xml version="1.0" encoding="utf-8"?>
+<p:sld xmlns:a="http://schemas.openxmlformats.org/drawingml/2006/main" xmlns:r="http://schemas.openxmlformats.org/officeDocument/2006/relationships" xmlns:p="http://schemas.openxmlformats.org/presentationml/2006/main">
+  <p:cSld>
+    <p:spTree>
+      <p:nvGrpSpPr>
+        <p:cNvPr id="1" name=""/>
+        <p:cNvGrpSpPr/>
+        <p:nvPr/>
+      </p:nvGrpSpPr>
+      <p:grpSpPr>
+        <a:xfrm>
+          <a:off x="0" y="0"/>
+          <a:ext cx="0" cy="0"/>
+          <a:chOff x="0" y="0"/>
+          <a:chExt cx="0" cy="0"/>
+        </a:xfrm>
+      </p:grpSpPr>
+      <p:sp>
+        <p:nvSpPr>
+          <p:cNvPr id="2" name="Title 1">
+            <a:extLst>
+              <a:ext uri="{FF2B5EF4-FFF2-40B4-BE49-F238E27FC236}">
+                <a16:creationId xmlns:a16="http://schemas.microsoft.com/office/drawing/2014/main" id="{118CBBA9-49D2-4262-9114-D0D47E7D522A}"/>
+              </a:ext>
+            </a:extLst>
+          </p:cNvPr>
+          <p:cNvSpPr>
+            <a:spLocks noGrp="1"/>
+          </p:cNvSpPr>
+          <p:nvPr>
+            <p:ph type="title"/>
+          </p:nvPr>
+        </p:nvSpPr>
+        <p:spPr/>
+        <p:txBody>
+          <a:bodyPr/>
+          <a:lstStyle/>
+          <a:p>
+            <a:r>
+              <a:rPr lang="en-AU" dirty="0"/>
+              <a:t>Result</a:t>
+            </a:r>
+          </a:p>
+        </p:txBody>
+      </p:sp>
+      <p:sp>
+        <p:nvSpPr>
+          <p:cNvPr id="3" name="Content Placeholder 2">
+            <a:extLst>
+              <a:ext uri="{FF2B5EF4-FFF2-40B4-BE49-F238E27FC236}">
+                <a16:creationId xmlns:a16="http://schemas.microsoft.com/office/drawing/2014/main" id="{1E6F3B36-FA1C-4A44-8799-54720A510D55}"/>
+              </a:ext>
+            </a:extLst>
+          </p:cNvPr>
+          <p:cNvSpPr>
+            <a:spLocks noGrp="1"/>
+          </p:cNvSpPr>
+          <p:nvPr>
+            <p:ph idx="1"/>
+          </p:nvPr>
+        </p:nvSpPr>
+        <p:spPr>
+          <a:xfrm>
+            <a:off x="1218883" y="1701797"/>
+            <a:ext cx="10360501" cy="1223963"/>
+          </a:xfrm>
+        </p:spPr>
+        <p:txBody>
+          <a:bodyPr/>
+          <a:lstStyle/>
+          <a:p>
+            <a:r>
+              <a:rPr lang="en-AU" dirty="0"/>
+              <a:t>Best model accuracy: ##.#%</a:t>
+            </a:r>
+          </a:p>
+          <a:p>
+            <a:pPr marL="0" indent="0">
+              <a:buNone/>
+            </a:pPr>
+            <a:r>
+              <a:rPr lang="en-AU" dirty="0"/>
+              <a:t>Tuning parameters – </a:t>
+            </a:r>
+          </a:p>
+          <a:p>
+            <a:pPr lvl="1"/>
+            <a:endParaRPr lang="en-AU" dirty="0"/>
+          </a:p>
+        </p:txBody>
+      </p:sp>
+    </p:spTree>
+    <p:extLst>
+      <p:ext uri="{BB962C8B-B14F-4D97-AF65-F5344CB8AC3E}">
+        <p14:creationId xmlns:p14="http://schemas.microsoft.com/office/powerpoint/2010/main" val="2709229914"/>
+      </p:ext>
+    </p:extLst>
+  </p:cSld>
+  <p:clrMapOvr>
+    <a:masterClrMapping/>
+  </p:clrMapOvr>
+  <mc:AlternateContent xmlns:mc="http://schemas.openxmlformats.org/markup-compatibility/2006" xmlns:p14="http://schemas.microsoft.com/office/powerpoint/2010/main">
+    <mc:Choice Requires="p14">
+      <p:transition spd="med" p14:dur="700">
+        <p:fade/>
+      </p:transition>
+    </mc:Choice>
+    <mc:Fallback xmlns="">
+      <p:transition spd="med">
+        <p:fade/>
+      </p:transition>
+    </mc:Fallback>
+  </mc:AlternateContent>
+</p:sld>
+</file>
+
+<file path=ppt/slides/slide16.xml><?xml version="1.0" encoding="utf-8"?>
+<p:sld xmlns:a="http://schemas.openxmlformats.org/drawingml/2006/main" xmlns:r="http://schemas.openxmlformats.org/officeDocument/2006/relationships" xmlns:p="http://schemas.openxmlformats.org/presentationml/2006/main">
+  <p:cSld>
+    <p:spTree>
+      <p:nvGrpSpPr>
+        <p:cNvPr id="1" name=""/>
+        <p:cNvGrpSpPr/>
+        <p:nvPr/>
+      </p:nvGrpSpPr>
+      <p:grpSpPr>
+        <a:xfrm>
+          <a:off x="0" y="0"/>
+          <a:ext cx="0" cy="0"/>
+          <a:chOff x="0" y="0"/>
+          <a:chExt cx="0" cy="0"/>
+        </a:xfrm>
+      </p:grpSpPr>
+      <p:sp>
+        <p:nvSpPr>
+          <p:cNvPr id="4" name="Title 3"/>
+          <p:cNvSpPr>
+            <a:spLocks noGrp="1"/>
+          </p:cNvSpPr>
+          <p:nvPr>
+            <p:ph type="title"/>
+          </p:nvPr>
+        </p:nvSpPr>
+        <p:spPr/>
+        <p:txBody>
+          <a:bodyPr/>
+          <a:lstStyle/>
+          <a:p>
+            <a:r>
+              <a:rPr lang="en-US" dirty="0"/>
+              <a:t>Challenge 2</a:t>
+            </a:r>
+          </a:p>
+        </p:txBody>
+      </p:sp>
+      <p:sp>
+        <p:nvSpPr>
+          <p:cNvPr id="5" name="Text Placeholder 4"/>
+          <p:cNvSpPr>
+            <a:spLocks noGrp="1"/>
+          </p:cNvSpPr>
+          <p:nvPr>
+            <p:ph type="body" idx="1"/>
+          </p:nvPr>
+        </p:nvSpPr>
+        <p:spPr/>
+        <p:txBody>
+          <a:bodyPr>
+            <a:normAutofit lnSpcReduction="10000"/>
+          </a:bodyPr>
+          <a:lstStyle/>
+          <a:p>
+            <a:r>
+              <a:rPr lang="en-US" dirty="0"/>
+              <a:t>Photovoltaic generation</a:t>
+            </a:r>
+          </a:p>
+          <a:p>
+            <a:endParaRPr lang="en-US" dirty="0"/>
+          </a:p>
+          <a:p>
+            <a:r>
+              <a:rPr lang="en-US" dirty="0"/>
+              <a:t>PART B - SIZING</a:t>
+            </a:r>
+          </a:p>
+        </p:txBody>
+      </p:sp>
+    </p:spTree>
+    <p:extLst>
+      <p:ext uri="{BB962C8B-B14F-4D97-AF65-F5344CB8AC3E}">
+        <p14:creationId xmlns:p14="http://schemas.microsoft.com/office/powerpoint/2010/main" val="3970823378"/>
+      </p:ext>
+    </p:extLst>
+  </p:cSld>
+  <p:clrMapOvr>
+    <a:masterClrMapping/>
+  </p:clrMapOvr>
+  <mc:AlternateContent xmlns:mc="http://schemas.openxmlformats.org/markup-compatibility/2006" xmlns:p14="http://schemas.microsoft.com/office/powerpoint/2010/main">
+    <mc:Choice Requires="p14">
+      <p:transition spd="med" p14:dur="700">
+        <p:fade/>
+      </p:transition>
+    </mc:Choice>
+    <mc:Fallback xmlns="">
+      <p:transition spd="med">
+        <p:fade/>
+      </p:transition>
+    </mc:Fallback>
+  </mc:AlternateContent>
+</p:sld>
+</file>
+
+<file path=ppt/slides/slide17.xml><?xml version="1.0" encoding="utf-8"?>
+<p:sld xmlns:a="http://schemas.openxmlformats.org/drawingml/2006/main" xmlns:r="http://schemas.openxmlformats.org/officeDocument/2006/relationships" xmlns:p="http://schemas.openxmlformats.org/presentationml/2006/main">
+  <p:cSld>
+    <p:spTree>
+      <p:nvGrpSpPr>
+        <p:cNvPr id="1" name=""/>
+        <p:cNvGrpSpPr/>
+        <p:nvPr/>
+      </p:nvGrpSpPr>
+      <p:grpSpPr>
+        <a:xfrm>
+          <a:off x="0" y="0"/>
+          <a:ext cx="0" cy="0"/>
+          <a:chOff x="0" y="0"/>
+          <a:chExt cx="0" cy="0"/>
+        </a:xfrm>
+      </p:grpSpPr>
+      <p:sp>
+        <p:nvSpPr>
+          <p:cNvPr id="2" name="Title 1">
+            <a:extLst>
+              <a:ext uri="{FF2B5EF4-FFF2-40B4-BE49-F238E27FC236}">
+                <a16:creationId xmlns:a16="http://schemas.microsoft.com/office/drawing/2014/main" id="{118CBBA9-49D2-4262-9114-D0D47E7D522A}"/>
+              </a:ext>
+            </a:extLst>
+          </p:cNvPr>
+          <p:cNvSpPr>
+            <a:spLocks noGrp="1"/>
+          </p:cNvSpPr>
+          <p:nvPr>
+            <p:ph type="title"/>
+          </p:nvPr>
+        </p:nvSpPr>
+        <p:spPr/>
+        <p:txBody>
+          <a:bodyPr/>
+          <a:lstStyle/>
+          <a:p>
+            <a:r>
+              <a:rPr lang="en-AU" dirty="0"/>
+              <a:t>Overview</a:t>
+            </a:r>
+          </a:p>
+        </p:txBody>
+      </p:sp>
+      <p:sp>
+        <p:nvSpPr>
+          <p:cNvPr id="3" name="Content Placeholder 2">
+            <a:extLst>
+              <a:ext uri="{FF2B5EF4-FFF2-40B4-BE49-F238E27FC236}">
+                <a16:creationId xmlns:a16="http://schemas.microsoft.com/office/drawing/2014/main" id="{1E6F3B36-FA1C-4A44-8799-54720A510D55}"/>
+              </a:ext>
+            </a:extLst>
+          </p:cNvPr>
+          <p:cNvSpPr>
+            <a:spLocks noGrp="1"/>
+          </p:cNvSpPr>
+          <p:nvPr>
+            <p:ph idx="1"/>
+          </p:nvPr>
+        </p:nvSpPr>
+        <p:spPr>
+          <a:xfrm>
+            <a:off x="1218883" y="1701797"/>
+            <a:ext cx="10360501" cy="1223963"/>
+          </a:xfrm>
+        </p:spPr>
+        <p:txBody>
+          <a:bodyPr/>
+          <a:lstStyle/>
+          <a:p>
+            <a:r>
+              <a:rPr lang="en-AU" dirty="0"/>
+              <a:t>Part B continues from Part A code</a:t>
+            </a:r>
+          </a:p>
+          <a:p>
+            <a:r>
+              <a:rPr lang="en-AU" dirty="0"/>
+              <a:t>PV image Metadata is accessible in the </a:t>
+            </a:r>
+            <a:r>
+              <a:rPr lang="en-AU" dirty="0" err="1"/>
+              <a:t>Jupyter</a:t>
+            </a:r>
+            <a:r>
+              <a:rPr lang="en-AU" dirty="0"/>
+              <a:t> Notebook</a:t>
+            </a:r>
+          </a:p>
+          <a:p>
+            <a:endParaRPr lang="en-AU" dirty="0"/>
+          </a:p>
+          <a:p>
+            <a:pPr lvl="1"/>
+            <a:endParaRPr lang="en-AU" dirty="0"/>
+          </a:p>
+        </p:txBody>
+      </p:sp>
+    </p:spTree>
+    <p:extLst>
+      <p:ext uri="{BB962C8B-B14F-4D97-AF65-F5344CB8AC3E}">
+        <p14:creationId xmlns:p14="http://schemas.microsoft.com/office/powerpoint/2010/main" val="2005215278"/>
+      </p:ext>
+    </p:extLst>
+  </p:cSld>
+  <p:clrMapOvr>
+    <a:masterClrMapping/>
+  </p:clrMapOvr>
+  <mc:AlternateContent xmlns:mc="http://schemas.openxmlformats.org/markup-compatibility/2006" xmlns:p14="http://schemas.microsoft.com/office/powerpoint/2010/main">
+    <mc:Choice Requires="p14">
+      <p:transition spd="med" p14:dur="700">
+        <p:fade/>
+      </p:transition>
+    </mc:Choice>
+    <mc:Fallback xmlns="">
+      <p:transition spd="med">
+        <p:fade/>
+      </p:transition>
+    </mc:Fallback>
+  </mc:AlternateContent>
+</p:sld>
+</file>
+
+<file path=ppt/slides/slide18.xml><?xml version="1.0" encoding="utf-8"?>
+<p:sld xmlns:a="http://schemas.openxmlformats.org/drawingml/2006/main" xmlns:r="http://schemas.openxmlformats.org/officeDocument/2006/relationships" xmlns:p="http://schemas.openxmlformats.org/presentationml/2006/main">
+  <p:cSld>
+    <p:spTree>
+      <p:nvGrpSpPr>
+        <p:cNvPr id="1" name=""/>
+        <p:cNvGrpSpPr/>
+        <p:nvPr/>
+      </p:nvGrpSpPr>
+      <p:grpSpPr>
+        <a:xfrm>
+          <a:off x="0" y="0"/>
+          <a:ext cx="0" cy="0"/>
+          <a:chOff x="0" y="0"/>
+          <a:chExt cx="0" cy="0"/>
+        </a:xfrm>
+      </p:grpSpPr>
+      <p:sp>
+        <p:nvSpPr>
+          <p:cNvPr id="2" name="Title 1">
+            <a:extLst>
+              <a:ext uri="{FF2B5EF4-FFF2-40B4-BE49-F238E27FC236}">
+                <a16:creationId xmlns:a16="http://schemas.microsoft.com/office/drawing/2014/main" id="{118CBBA9-49D2-4262-9114-D0D47E7D522A}"/>
+              </a:ext>
+            </a:extLst>
+          </p:cNvPr>
+          <p:cNvSpPr>
+            <a:spLocks noGrp="1"/>
+          </p:cNvSpPr>
+          <p:nvPr>
+            <p:ph type="title"/>
+          </p:nvPr>
+        </p:nvSpPr>
+        <p:spPr/>
+        <p:txBody>
+          <a:bodyPr>
+            <a:normAutofit/>
+          </a:bodyPr>
+          <a:lstStyle/>
+          <a:p>
+            <a:pPr algn="r"/>
+            <a:r>
+              <a:rPr lang="en-AU" sz="4800" dirty="0">
+                <a:latin typeface="Kunstler Script" panose="030304020206070D0D06" pitchFamily="66" charset="0"/>
+              </a:rPr>
+              <a:t>Thank you for your attention.</a:t>
+            </a:r>
+          </a:p>
+        </p:txBody>
+      </p:sp>
+      <p:sp>
+        <p:nvSpPr>
+          <p:cNvPr id="3" name="Content Placeholder 2">
+            <a:extLst>
+              <a:ext uri="{FF2B5EF4-FFF2-40B4-BE49-F238E27FC236}">
+                <a16:creationId xmlns:a16="http://schemas.microsoft.com/office/drawing/2014/main" id="{1E6F3B36-FA1C-4A44-8799-54720A510D55}"/>
+              </a:ext>
+            </a:extLst>
+          </p:cNvPr>
+          <p:cNvSpPr>
+            <a:spLocks noGrp="1"/>
+          </p:cNvSpPr>
+          <p:nvPr>
+            <p:ph idx="1"/>
+          </p:nvPr>
+        </p:nvSpPr>
+        <p:spPr>
+          <a:xfrm>
+            <a:off x="1218883" y="1701797"/>
+            <a:ext cx="10360501" cy="4679531"/>
+          </a:xfrm>
+        </p:spPr>
+        <p:txBody>
+          <a:bodyPr>
+            <a:normAutofit/>
+          </a:bodyPr>
+          <a:lstStyle/>
+          <a:p>
+            <a:pPr marL="0" indent="0" algn="ctr">
+              <a:buNone/>
+            </a:pPr>
+            <a:r>
+              <a:rPr lang="en-AU" u="sng" dirty="0"/>
+              <a:t>Team </a:t>
+            </a:r>
+            <a:r>
+              <a:rPr lang="en-AU" u="sng" dirty="0" err="1"/>
+              <a:t>UnicorNN</a:t>
+            </a:r>
+            <a:endParaRPr lang="en-AU" u="sng" dirty="0"/>
+          </a:p>
+          <a:p>
+            <a:pPr>
+              <a:buFontTx/>
+              <a:buChar char="-"/>
+            </a:pPr>
+            <a:r>
+              <a:rPr lang="en-AU" dirty="0"/>
+              <a:t>Sofia Sibanic</a:t>
+            </a:r>
+          </a:p>
+          <a:p>
+            <a:pPr>
+              <a:buFontTx/>
+              <a:buChar char="-"/>
+            </a:pPr>
+            <a:r>
+              <a:rPr lang="en-AU" dirty="0"/>
+              <a:t>Adrian Goldberg</a:t>
+            </a:r>
+          </a:p>
+          <a:p>
+            <a:pPr>
+              <a:buFontTx/>
+              <a:buChar char="-"/>
+            </a:pPr>
+            <a:r>
+              <a:rPr lang="en-AU" dirty="0"/>
+              <a:t>Sandesh </a:t>
+            </a:r>
+            <a:r>
+              <a:rPr lang="en-AU" dirty="0" err="1"/>
+              <a:t>Satpute</a:t>
+            </a:r>
+            <a:endParaRPr lang="en-AU" dirty="0"/>
+          </a:p>
+          <a:p>
+            <a:pPr>
+              <a:buFontTx/>
+              <a:buChar char="-"/>
+            </a:pPr>
+            <a:r>
+              <a:rPr lang="en-AU" dirty="0"/>
+              <a:t>Jordan Pratt</a:t>
+            </a:r>
+          </a:p>
+          <a:p>
+            <a:pPr lvl="1"/>
+            <a:endParaRPr lang="en-AU" dirty="0"/>
+          </a:p>
+        </p:txBody>
+      </p:sp>
+      <p:pic>
+        <p:nvPicPr>
+          <p:cNvPr id="5" name="Picture 4">
+            <a:extLst>
+              <a:ext uri="{FF2B5EF4-FFF2-40B4-BE49-F238E27FC236}">
+                <a16:creationId xmlns:a16="http://schemas.microsoft.com/office/drawing/2014/main" id="{4E9B1E06-FE9D-462D-A33F-A672B189115A}"/>
+              </a:ext>
+            </a:extLst>
+          </p:cNvPr>
+          <p:cNvPicPr>
+            <a:picLocks noChangeAspect="1"/>
+          </p:cNvPicPr>
+          <p:nvPr/>
+        </p:nvPicPr>
+        <p:blipFill>
+          <a:blip r:embed="rId2" cstate="print">
+            <a:extLst>
+              <a:ext uri="{28A0092B-C50C-407E-A947-70E740481C1C}">
+                <a14:useLocalDpi xmlns:a14="http://schemas.microsoft.com/office/drawing/2010/main" val="0"/>
+              </a:ext>
+            </a:extLst>
+          </a:blip>
+          <a:stretch>
+            <a:fillRect/>
+          </a:stretch>
+        </p:blipFill>
+        <p:spPr>
+          <a:xfrm>
+            <a:off x="5446340" y="3429000"/>
+            <a:ext cx="1989601" cy="1705372"/>
+          </a:xfrm>
+          <a:prstGeom prst="rect">
+            <a:avLst/>
+          </a:prstGeom>
+        </p:spPr>
+      </p:pic>
+      <p:pic>
+        <p:nvPicPr>
+          <p:cNvPr id="6" name="Picture 5">
+            <a:extLst>
+              <a:ext uri="{FF2B5EF4-FFF2-40B4-BE49-F238E27FC236}">
+                <a16:creationId xmlns:a16="http://schemas.microsoft.com/office/drawing/2014/main" id="{EEFF4B65-FE70-4058-AB79-864721B760FD}"/>
+              </a:ext>
+            </a:extLst>
+          </p:cNvPr>
+          <p:cNvPicPr>
+            <a:picLocks noChangeAspect="1"/>
+          </p:cNvPicPr>
+          <p:nvPr/>
+        </p:nvPicPr>
+        <p:blipFill>
+          <a:blip r:embed="rId3" cstate="print">
+            <a:extLst>
+              <a:ext uri="{28A0092B-C50C-407E-A947-70E740481C1C}">
+                <a14:useLocalDpi xmlns:a14="http://schemas.microsoft.com/office/drawing/2010/main" val="0"/>
+              </a:ext>
+            </a:extLst>
+          </a:blip>
+          <a:stretch>
+            <a:fillRect/>
+          </a:stretch>
+        </p:blipFill>
+        <p:spPr>
+          <a:xfrm>
+            <a:off x="5825340" y="2547073"/>
+            <a:ext cx="1256171" cy="1512605"/>
+          </a:xfrm>
+          <a:prstGeom prst="rect">
+            <a:avLst/>
+          </a:prstGeom>
+        </p:spPr>
+      </p:pic>
+    </p:spTree>
+    <p:extLst>
+      <p:ext uri="{BB962C8B-B14F-4D97-AF65-F5344CB8AC3E}">
+        <p14:creationId xmlns:p14="http://schemas.microsoft.com/office/powerpoint/2010/main" val="36318704"/>
       </p:ext>
     </p:extLst>
   </p:cSld>
@@ -11291,12 +11871,23 @@
         </p:nvSpPr>
         <p:spPr/>
         <p:txBody>
-          <a:bodyPr/>
+          <a:bodyPr>
+            <a:normAutofit lnSpcReduction="10000"/>
+          </a:bodyPr>
           <a:lstStyle/>
           <a:p>
             <a:r>
               <a:rPr lang="en-US" dirty="0"/>
               <a:t>Photovoltaic generation</a:t>
+            </a:r>
+          </a:p>
+          <a:p>
+            <a:endParaRPr lang="en-US" dirty="0"/>
+          </a:p>
+          <a:p>
+            <a:r>
+              <a:rPr lang="en-US" dirty="0"/>
+              <a:t>PART A - Detection</a:t>
             </a:r>
           </a:p>
         </p:txBody>
@@ -13891,6 +14482,142 @@
 </file>
 
 <file path=customXml/item2.xml><?xml version="1.0" encoding="utf-8"?>
+<p:properties xmlns:p="http://schemas.microsoft.com/office/2006/metadata/properties" xmlns:xsi="http://www.w3.org/2001/XMLSchema-instance" xmlns:pc="http://schemas.microsoft.com/office/infopath/2007/PartnerControls">
+  <documentManagement>
+    <LocPublishedLinkedAssetsLookup xmlns="4873beb7-5857-4685-be1f-d57550cc96cc" xsi:nil="true"/>
+    <ApprovalStatus xmlns="4873beb7-5857-4685-be1f-d57550cc96cc">InProgress</ApprovalStatus>
+    <MarketSpecific xmlns="4873beb7-5857-4685-be1f-d57550cc96cc">false</MarketSpecific>
+    <LocComments xmlns="4873beb7-5857-4685-be1f-d57550cc96cc" xsi:nil="true"/>
+    <LocLastLocAttemptVersionTypeLookup xmlns="4873beb7-5857-4685-be1f-d57550cc96cc" xsi:nil="true"/>
+    <DirectSourceMarket xmlns="4873beb7-5857-4685-be1f-d57550cc96cc" xsi:nil="true"/>
+    <ThumbnailAssetId xmlns="4873beb7-5857-4685-be1f-d57550cc96cc" xsi:nil="true"/>
+    <PrimaryImageGen xmlns="4873beb7-5857-4685-be1f-d57550cc96cc">false</PrimaryImageGen>
+    <LocNewPublishedVersionLookup xmlns="4873beb7-5857-4685-be1f-d57550cc96cc" xsi:nil="true"/>
+    <LegacyData xmlns="4873beb7-5857-4685-be1f-d57550cc96cc" xsi:nil="true"/>
+    <LocRecommendedHandoff xmlns="4873beb7-5857-4685-be1f-d57550cc96cc" xsi:nil="true"/>
+    <BusinessGroup xmlns="4873beb7-5857-4685-be1f-d57550cc96cc" xsi:nil="true"/>
+    <BlockPublish xmlns="4873beb7-5857-4685-be1f-d57550cc96cc">false</BlockPublish>
+    <TPFriendlyName xmlns="4873beb7-5857-4685-be1f-d57550cc96cc" xsi:nil="true"/>
+    <LocOverallPublishStatusLookup xmlns="4873beb7-5857-4685-be1f-d57550cc96cc" xsi:nil="true"/>
+    <NumericId xmlns="4873beb7-5857-4685-be1f-d57550cc96cc" xsi:nil="true"/>
+    <APEditor xmlns="4873beb7-5857-4685-be1f-d57550cc96cc">
+      <UserInfo>
+        <DisplayName/>
+        <AccountId xsi:nil="true"/>
+        <AccountType/>
+      </UserInfo>
+    </APEditor>
+    <SourceTitle xmlns="4873beb7-5857-4685-be1f-d57550cc96cc" xsi:nil="true"/>
+    <OpenTemplate xmlns="4873beb7-5857-4685-be1f-d57550cc96cc">true</OpenTemplate>
+    <LocOverallLocStatusLookup xmlns="4873beb7-5857-4685-be1f-d57550cc96cc" xsi:nil="true"/>
+    <UALocComments xmlns="4873beb7-5857-4685-be1f-d57550cc96cc" xsi:nil="true"/>
+    <ParentAssetId xmlns="4873beb7-5857-4685-be1f-d57550cc96cc" xsi:nil="true"/>
+    <IntlLangReviewDate xmlns="4873beb7-5857-4685-be1f-d57550cc96cc" xsi:nil="true"/>
+    <FeatureTagsTaxHTField0 xmlns="4873beb7-5857-4685-be1f-d57550cc96cc">
+      <Terms xmlns="http://schemas.microsoft.com/office/infopath/2007/PartnerControls"/>
+    </FeatureTagsTaxHTField0>
+    <PublishStatusLookup xmlns="4873beb7-5857-4685-be1f-d57550cc96cc">
+      <Value>1345093</Value>
+    </PublishStatusLookup>
+    <Providers xmlns="4873beb7-5857-4685-be1f-d57550cc96cc" xsi:nil="true"/>
+    <MachineTranslated xmlns="4873beb7-5857-4685-be1f-d57550cc96cc">false</MachineTranslated>
+    <OriginalSourceMarket xmlns="4873beb7-5857-4685-be1f-d57550cc96cc" xsi:nil="true"/>
+    <APDescription xmlns="4873beb7-5857-4685-be1f-d57550cc96cc">This simple template design works for technology and  businesses, but it's versatile enough to use in other contexts.  It features multiple slide layouts designed for widescreen (16x9 resolution) and includes a sample SmartArt list and chart that are easily editable.</APDescription>
+    <ClipArtFilename xmlns="4873beb7-5857-4685-be1f-d57550cc96cc" xsi:nil="true"/>
+    <ContentItem xmlns="4873beb7-5857-4685-be1f-d57550cc96cc" xsi:nil="true"/>
+    <TPInstallLocation xmlns="4873beb7-5857-4685-be1f-d57550cc96cc" xsi:nil="true"/>
+    <PublishTargets xmlns="4873beb7-5857-4685-be1f-d57550cc96cc">OfficeOnlineVNext</PublishTargets>
+    <TimesCloned xmlns="4873beb7-5857-4685-be1f-d57550cc96cc" xsi:nil="true"/>
+    <AssetStart xmlns="4873beb7-5857-4685-be1f-d57550cc96cc">2011-11-26T00:30:00+00:00</AssetStart>
+    <Provider xmlns="4873beb7-5857-4685-be1f-d57550cc96cc" xsi:nil="true"/>
+    <AcquiredFrom xmlns="4873beb7-5857-4685-be1f-d57550cc96cc">Internal MS</AcquiredFrom>
+    <FriendlyTitle xmlns="4873beb7-5857-4685-be1f-d57550cc96cc" xsi:nil="true"/>
+    <LastHandOff xmlns="4873beb7-5857-4685-be1f-d57550cc96cc" xsi:nil="true"/>
+    <TPClientViewer xmlns="4873beb7-5857-4685-be1f-d57550cc96cc" xsi:nil="true"/>
+    <TemplateStatus xmlns="4873beb7-5857-4685-be1f-d57550cc96cc">Complete</TemplateStatus>
+    <Downloads xmlns="4873beb7-5857-4685-be1f-d57550cc96cc">0</Downloads>
+    <OOCacheId xmlns="4873beb7-5857-4685-be1f-d57550cc96cc" xsi:nil="true"/>
+    <IsDeleted xmlns="4873beb7-5857-4685-be1f-d57550cc96cc">false</IsDeleted>
+    <LocPublishedDependentAssetsLookup xmlns="4873beb7-5857-4685-be1f-d57550cc96cc" xsi:nil="true"/>
+    <TPExecutable xmlns="4873beb7-5857-4685-be1f-d57550cc96cc" xsi:nil="true"/>
+    <EditorialTags xmlns="4873beb7-5857-4685-be1f-d57550cc96cc" xsi:nil="true"/>
+    <SubmitterId xmlns="4873beb7-5857-4685-be1f-d57550cc96cc" xsi:nil="true"/>
+    <ApprovalLog xmlns="4873beb7-5857-4685-be1f-d57550cc96cc" xsi:nil="true"/>
+    <AssetType xmlns="4873beb7-5857-4685-be1f-d57550cc96cc">TP</AssetType>
+    <BugNumber xmlns="4873beb7-5857-4685-be1f-d57550cc96cc" xsi:nil="true"/>
+    <CSXSubmissionDate xmlns="4873beb7-5857-4685-be1f-d57550cc96cc" xsi:nil="true"/>
+    <CSXUpdate xmlns="4873beb7-5857-4685-be1f-d57550cc96cc">false</CSXUpdate>
+    <Milestone xmlns="4873beb7-5857-4685-be1f-d57550cc96cc" xsi:nil="true"/>
+    <RecommendationsModifier xmlns="4873beb7-5857-4685-be1f-d57550cc96cc" xsi:nil="true"/>
+    <OriginAsset xmlns="4873beb7-5857-4685-be1f-d57550cc96cc" xsi:nil="true"/>
+    <TPComponent xmlns="4873beb7-5857-4685-be1f-d57550cc96cc" xsi:nil="true"/>
+    <AssetId xmlns="4873beb7-5857-4685-be1f-d57550cc96cc">TP102787989</AssetId>
+    <IntlLocPriority xmlns="4873beb7-5857-4685-be1f-d57550cc96cc" xsi:nil="true"/>
+    <PolicheckWords xmlns="4873beb7-5857-4685-be1f-d57550cc96cc" xsi:nil="true"/>
+    <TPLaunchHelpLink xmlns="4873beb7-5857-4685-be1f-d57550cc96cc" xsi:nil="true"/>
+    <TPApplication xmlns="4873beb7-5857-4685-be1f-d57550cc96cc" xsi:nil="true"/>
+    <CrawlForDependencies xmlns="4873beb7-5857-4685-be1f-d57550cc96cc">false</CrawlForDependencies>
+    <HandoffToMSDN xmlns="4873beb7-5857-4685-be1f-d57550cc96cc" xsi:nil="true"/>
+    <PlannedPubDate xmlns="4873beb7-5857-4685-be1f-d57550cc96cc" xsi:nil="true"/>
+    <IntlLangReviewer xmlns="4873beb7-5857-4685-be1f-d57550cc96cc" xsi:nil="true"/>
+    <TrustLevel xmlns="4873beb7-5857-4685-be1f-d57550cc96cc">1 Microsoft Managed Content</TrustLevel>
+    <LocLastLocAttemptVersionLookup xmlns="4873beb7-5857-4685-be1f-d57550cc96cc">694266</LocLastLocAttemptVersionLookup>
+    <LocProcessedForHandoffsLookup xmlns="4873beb7-5857-4685-be1f-d57550cc96cc" xsi:nil="true"/>
+    <IsSearchable xmlns="4873beb7-5857-4685-be1f-d57550cc96cc">true</IsSearchable>
+    <TemplateTemplateType xmlns="4873beb7-5857-4685-be1f-d57550cc96cc">PowerPoint Presentation Template</TemplateTemplateType>
+    <CampaignTagsTaxHTField0 xmlns="4873beb7-5857-4685-be1f-d57550cc96cc">
+      <Terms xmlns="http://schemas.microsoft.com/office/infopath/2007/PartnerControls"/>
+    </CampaignTagsTaxHTField0>
+    <TPNamespace xmlns="4873beb7-5857-4685-be1f-d57550cc96cc" xsi:nil="true"/>
+    <LocOverallPreviewStatusLookup xmlns="4873beb7-5857-4685-be1f-d57550cc96cc" xsi:nil="true"/>
+    <TaxCatchAll xmlns="4873beb7-5857-4685-be1f-d57550cc96cc"/>
+    <Markets xmlns="4873beb7-5857-4685-be1f-d57550cc96cc"/>
+    <UAProjectedTotalWords xmlns="4873beb7-5857-4685-be1f-d57550cc96cc" xsi:nil="true"/>
+    <IntlLangReview xmlns="4873beb7-5857-4685-be1f-d57550cc96cc" xsi:nil="true"/>
+    <OutputCachingOn xmlns="4873beb7-5857-4685-be1f-d57550cc96cc">false</OutputCachingOn>
+    <AverageRating xmlns="4873beb7-5857-4685-be1f-d57550cc96cc" xsi:nil="true"/>
+    <APAuthor xmlns="4873beb7-5857-4685-be1f-d57550cc96cc">
+      <UserInfo>
+        <DisplayName>REDMOND\kristaa</DisplayName>
+        <AccountId>136</AccountId>
+        <AccountType/>
+      </UserInfo>
+    </APAuthor>
+    <LocManualTestRequired xmlns="4873beb7-5857-4685-be1f-d57550cc96cc">false</LocManualTestRequired>
+    <TPCommandLine xmlns="4873beb7-5857-4685-be1f-d57550cc96cc" xsi:nil="true"/>
+    <TPAppVersion xmlns="4873beb7-5857-4685-be1f-d57550cc96cc" xsi:nil="true"/>
+    <EditorialStatus xmlns="4873beb7-5857-4685-be1f-d57550cc96cc">Complete</EditorialStatus>
+    <LastModifiedDateTime xmlns="4873beb7-5857-4685-be1f-d57550cc96cc" xsi:nil="true"/>
+    <ScenarioTagsTaxHTField0 xmlns="4873beb7-5857-4685-be1f-d57550cc96cc">
+      <Terms xmlns="http://schemas.microsoft.com/office/infopath/2007/PartnerControls"/>
+    </ScenarioTagsTaxHTField0>
+    <LocProcessedForMarketsLookup xmlns="4873beb7-5857-4685-be1f-d57550cc96cc" xsi:nil="true"/>
+    <TPLaunchHelpLinkType xmlns="4873beb7-5857-4685-be1f-d57550cc96cc">Template</TPLaunchHelpLinkType>
+    <OriginalRelease xmlns="4873beb7-5857-4685-be1f-d57550cc96cc">15</OriginalRelease>
+    <LocalizationTagsTaxHTField0 xmlns="4873beb7-5857-4685-be1f-d57550cc96cc">
+      <Terms xmlns="http://schemas.microsoft.com/office/infopath/2007/PartnerControls"/>
+    </LocalizationTagsTaxHTField0>
+    <UACurrentWords xmlns="4873beb7-5857-4685-be1f-d57550cc96cc" xsi:nil="true"/>
+    <ArtSampleDocs xmlns="4873beb7-5857-4685-be1f-d57550cc96cc" xsi:nil="true"/>
+    <UALocRecommendation xmlns="4873beb7-5857-4685-be1f-d57550cc96cc">Localize</UALocRecommendation>
+    <Manager xmlns="4873beb7-5857-4685-be1f-d57550cc96cc" xsi:nil="true"/>
+    <LocOverallHandbackStatusLookup xmlns="4873beb7-5857-4685-be1f-d57550cc96cc" xsi:nil="true"/>
+    <ShowIn xmlns="4873beb7-5857-4685-be1f-d57550cc96cc">Show everywhere</ShowIn>
+    <UANotes xmlns="4873beb7-5857-4685-be1f-d57550cc96cc" xsi:nil="true"/>
+    <InternalTagsTaxHTField0 xmlns="4873beb7-5857-4685-be1f-d57550cc96cc">
+      <Terms xmlns="http://schemas.microsoft.com/office/infopath/2007/PartnerControls"/>
+    </InternalTagsTaxHTField0>
+    <CSXHash xmlns="4873beb7-5857-4685-be1f-d57550cc96cc" xsi:nil="true"/>
+    <VoteCount xmlns="4873beb7-5857-4685-be1f-d57550cc96cc" xsi:nil="true"/>
+    <AssetExpire xmlns="4873beb7-5857-4685-be1f-d57550cc96cc">2029-05-12T07:00:00+00:00</AssetExpire>
+    <DSATActionTaken xmlns="4873beb7-5857-4685-be1f-d57550cc96cc" xsi:nil="true"/>
+    <CSXSubmissionMarket xmlns="4873beb7-5857-4685-be1f-d57550cc96cc" xsi:nil="true"/>
+    <LocMarketGroupTiers2 xmlns="4873beb7-5857-4685-be1f-d57550cc96cc" xsi:nil="true"/>
+  </documentManagement>
+</p:properties>
+</file>
+
+<file path=customXml/item3.xml><?xml version="1.0" encoding="utf-8"?>
 <ct:contentTypeSchema xmlns:ct="http://schemas.microsoft.com/office/2006/metadata/contentType" xmlns:ma="http://schemas.microsoft.com/office/2006/metadata/properties/metaAttributes" ct:_="" ma:_="" ma:contentTypeName="TemplateFile" ma:contentTypeID="0x0101006EDDDB5EE6D98C44930B742096920B300400F5B6D36B3EF94B4E9A635CDF2A18F5B8" ma:contentTypeVersion="72" ma:contentTypeDescription="Create a new document." ma:contentTypeScope="" ma:versionID="a23e56308344d904b51738559c3d67c9">
   <xsd:schema xmlns:xsd="http://www.w3.org/2001/XMLSchema" xmlns:xs="http://www.w3.org/2001/XMLSchema" xmlns:p="http://schemas.microsoft.com/office/2006/metadata/properties" xmlns:ns2="4873beb7-5857-4685-be1f-d57550cc96cc" targetNamespace="http://schemas.microsoft.com/office/2006/metadata/properties" ma:root="true" ma:fieldsID="cd0908cc4600e77bf5da051303e00c8d" ns2:_="">
     <xsd:import namespace="4873beb7-5857-4685-be1f-d57550cc96cc"/>
@@ -14930,142 +15657,6 @@
 </ct:contentTypeSchema>
 </file>
 
-<file path=customXml/item3.xml><?xml version="1.0" encoding="utf-8"?>
-<p:properties xmlns:p="http://schemas.microsoft.com/office/2006/metadata/properties" xmlns:xsi="http://www.w3.org/2001/XMLSchema-instance" xmlns:pc="http://schemas.microsoft.com/office/infopath/2007/PartnerControls">
-  <documentManagement>
-    <LocPublishedLinkedAssetsLookup xmlns="4873beb7-5857-4685-be1f-d57550cc96cc" xsi:nil="true"/>
-    <ApprovalStatus xmlns="4873beb7-5857-4685-be1f-d57550cc96cc">InProgress</ApprovalStatus>
-    <MarketSpecific xmlns="4873beb7-5857-4685-be1f-d57550cc96cc">false</MarketSpecific>
-    <LocComments xmlns="4873beb7-5857-4685-be1f-d57550cc96cc" xsi:nil="true"/>
-    <LocLastLocAttemptVersionTypeLookup xmlns="4873beb7-5857-4685-be1f-d57550cc96cc" xsi:nil="true"/>
-    <DirectSourceMarket xmlns="4873beb7-5857-4685-be1f-d57550cc96cc" xsi:nil="true"/>
-    <ThumbnailAssetId xmlns="4873beb7-5857-4685-be1f-d57550cc96cc" xsi:nil="true"/>
-    <PrimaryImageGen xmlns="4873beb7-5857-4685-be1f-d57550cc96cc">false</PrimaryImageGen>
-    <LocNewPublishedVersionLookup xmlns="4873beb7-5857-4685-be1f-d57550cc96cc" xsi:nil="true"/>
-    <LegacyData xmlns="4873beb7-5857-4685-be1f-d57550cc96cc" xsi:nil="true"/>
-    <LocRecommendedHandoff xmlns="4873beb7-5857-4685-be1f-d57550cc96cc" xsi:nil="true"/>
-    <BusinessGroup xmlns="4873beb7-5857-4685-be1f-d57550cc96cc" xsi:nil="true"/>
-    <BlockPublish xmlns="4873beb7-5857-4685-be1f-d57550cc96cc">false</BlockPublish>
-    <TPFriendlyName xmlns="4873beb7-5857-4685-be1f-d57550cc96cc" xsi:nil="true"/>
-    <LocOverallPublishStatusLookup xmlns="4873beb7-5857-4685-be1f-d57550cc96cc" xsi:nil="true"/>
-    <NumericId xmlns="4873beb7-5857-4685-be1f-d57550cc96cc" xsi:nil="true"/>
-    <APEditor xmlns="4873beb7-5857-4685-be1f-d57550cc96cc">
-      <UserInfo>
-        <DisplayName/>
-        <AccountId xsi:nil="true"/>
-        <AccountType/>
-      </UserInfo>
-    </APEditor>
-    <SourceTitle xmlns="4873beb7-5857-4685-be1f-d57550cc96cc" xsi:nil="true"/>
-    <OpenTemplate xmlns="4873beb7-5857-4685-be1f-d57550cc96cc">true</OpenTemplate>
-    <LocOverallLocStatusLookup xmlns="4873beb7-5857-4685-be1f-d57550cc96cc" xsi:nil="true"/>
-    <UALocComments xmlns="4873beb7-5857-4685-be1f-d57550cc96cc" xsi:nil="true"/>
-    <ParentAssetId xmlns="4873beb7-5857-4685-be1f-d57550cc96cc" xsi:nil="true"/>
-    <IntlLangReviewDate xmlns="4873beb7-5857-4685-be1f-d57550cc96cc" xsi:nil="true"/>
-    <FeatureTagsTaxHTField0 xmlns="4873beb7-5857-4685-be1f-d57550cc96cc">
-      <Terms xmlns="http://schemas.microsoft.com/office/infopath/2007/PartnerControls"/>
-    </FeatureTagsTaxHTField0>
-    <PublishStatusLookup xmlns="4873beb7-5857-4685-be1f-d57550cc96cc">
-      <Value>1345093</Value>
-    </PublishStatusLookup>
-    <Providers xmlns="4873beb7-5857-4685-be1f-d57550cc96cc" xsi:nil="true"/>
-    <MachineTranslated xmlns="4873beb7-5857-4685-be1f-d57550cc96cc">false</MachineTranslated>
-    <OriginalSourceMarket xmlns="4873beb7-5857-4685-be1f-d57550cc96cc" xsi:nil="true"/>
-    <APDescription xmlns="4873beb7-5857-4685-be1f-d57550cc96cc">This simple template design works for technology and  businesses, but it's versatile enough to use in other contexts.  It features multiple slide layouts designed for widescreen (16x9 resolution) and includes a sample SmartArt list and chart that are easily editable.</APDescription>
-    <ClipArtFilename xmlns="4873beb7-5857-4685-be1f-d57550cc96cc" xsi:nil="true"/>
-    <ContentItem xmlns="4873beb7-5857-4685-be1f-d57550cc96cc" xsi:nil="true"/>
-    <TPInstallLocation xmlns="4873beb7-5857-4685-be1f-d57550cc96cc" xsi:nil="true"/>
-    <PublishTargets xmlns="4873beb7-5857-4685-be1f-d57550cc96cc">OfficeOnlineVNext</PublishTargets>
-    <TimesCloned xmlns="4873beb7-5857-4685-be1f-d57550cc96cc" xsi:nil="true"/>
-    <AssetStart xmlns="4873beb7-5857-4685-be1f-d57550cc96cc">2011-11-26T00:30:00+00:00</AssetStart>
-    <Provider xmlns="4873beb7-5857-4685-be1f-d57550cc96cc" xsi:nil="true"/>
-    <AcquiredFrom xmlns="4873beb7-5857-4685-be1f-d57550cc96cc">Internal MS</AcquiredFrom>
-    <FriendlyTitle xmlns="4873beb7-5857-4685-be1f-d57550cc96cc" xsi:nil="true"/>
-    <LastHandOff xmlns="4873beb7-5857-4685-be1f-d57550cc96cc" xsi:nil="true"/>
-    <TPClientViewer xmlns="4873beb7-5857-4685-be1f-d57550cc96cc" xsi:nil="true"/>
-    <TemplateStatus xmlns="4873beb7-5857-4685-be1f-d57550cc96cc">Complete</TemplateStatus>
-    <Downloads xmlns="4873beb7-5857-4685-be1f-d57550cc96cc">0</Downloads>
-    <OOCacheId xmlns="4873beb7-5857-4685-be1f-d57550cc96cc" xsi:nil="true"/>
-    <IsDeleted xmlns="4873beb7-5857-4685-be1f-d57550cc96cc">false</IsDeleted>
-    <LocPublishedDependentAssetsLookup xmlns="4873beb7-5857-4685-be1f-d57550cc96cc" xsi:nil="true"/>
-    <TPExecutable xmlns="4873beb7-5857-4685-be1f-d57550cc96cc" xsi:nil="true"/>
-    <EditorialTags xmlns="4873beb7-5857-4685-be1f-d57550cc96cc" xsi:nil="true"/>
-    <SubmitterId xmlns="4873beb7-5857-4685-be1f-d57550cc96cc" xsi:nil="true"/>
-    <ApprovalLog xmlns="4873beb7-5857-4685-be1f-d57550cc96cc" xsi:nil="true"/>
-    <AssetType xmlns="4873beb7-5857-4685-be1f-d57550cc96cc">TP</AssetType>
-    <BugNumber xmlns="4873beb7-5857-4685-be1f-d57550cc96cc" xsi:nil="true"/>
-    <CSXSubmissionDate xmlns="4873beb7-5857-4685-be1f-d57550cc96cc" xsi:nil="true"/>
-    <CSXUpdate xmlns="4873beb7-5857-4685-be1f-d57550cc96cc">false</CSXUpdate>
-    <Milestone xmlns="4873beb7-5857-4685-be1f-d57550cc96cc" xsi:nil="true"/>
-    <RecommendationsModifier xmlns="4873beb7-5857-4685-be1f-d57550cc96cc" xsi:nil="true"/>
-    <OriginAsset xmlns="4873beb7-5857-4685-be1f-d57550cc96cc" xsi:nil="true"/>
-    <TPComponent xmlns="4873beb7-5857-4685-be1f-d57550cc96cc" xsi:nil="true"/>
-    <AssetId xmlns="4873beb7-5857-4685-be1f-d57550cc96cc">TP102787989</AssetId>
-    <IntlLocPriority xmlns="4873beb7-5857-4685-be1f-d57550cc96cc" xsi:nil="true"/>
-    <PolicheckWords xmlns="4873beb7-5857-4685-be1f-d57550cc96cc" xsi:nil="true"/>
-    <TPLaunchHelpLink xmlns="4873beb7-5857-4685-be1f-d57550cc96cc" xsi:nil="true"/>
-    <TPApplication xmlns="4873beb7-5857-4685-be1f-d57550cc96cc" xsi:nil="true"/>
-    <CrawlForDependencies xmlns="4873beb7-5857-4685-be1f-d57550cc96cc">false</CrawlForDependencies>
-    <HandoffToMSDN xmlns="4873beb7-5857-4685-be1f-d57550cc96cc" xsi:nil="true"/>
-    <PlannedPubDate xmlns="4873beb7-5857-4685-be1f-d57550cc96cc" xsi:nil="true"/>
-    <IntlLangReviewer xmlns="4873beb7-5857-4685-be1f-d57550cc96cc" xsi:nil="true"/>
-    <TrustLevel xmlns="4873beb7-5857-4685-be1f-d57550cc96cc">1 Microsoft Managed Content</TrustLevel>
-    <LocLastLocAttemptVersionLookup xmlns="4873beb7-5857-4685-be1f-d57550cc96cc">694266</LocLastLocAttemptVersionLookup>
-    <LocProcessedForHandoffsLookup xmlns="4873beb7-5857-4685-be1f-d57550cc96cc" xsi:nil="true"/>
-    <IsSearchable xmlns="4873beb7-5857-4685-be1f-d57550cc96cc">true</IsSearchable>
-    <TemplateTemplateType xmlns="4873beb7-5857-4685-be1f-d57550cc96cc">PowerPoint Presentation Template</TemplateTemplateType>
-    <CampaignTagsTaxHTField0 xmlns="4873beb7-5857-4685-be1f-d57550cc96cc">
-      <Terms xmlns="http://schemas.microsoft.com/office/infopath/2007/PartnerControls"/>
-    </CampaignTagsTaxHTField0>
-    <TPNamespace xmlns="4873beb7-5857-4685-be1f-d57550cc96cc" xsi:nil="true"/>
-    <LocOverallPreviewStatusLookup xmlns="4873beb7-5857-4685-be1f-d57550cc96cc" xsi:nil="true"/>
-    <TaxCatchAll xmlns="4873beb7-5857-4685-be1f-d57550cc96cc"/>
-    <Markets xmlns="4873beb7-5857-4685-be1f-d57550cc96cc"/>
-    <UAProjectedTotalWords xmlns="4873beb7-5857-4685-be1f-d57550cc96cc" xsi:nil="true"/>
-    <IntlLangReview xmlns="4873beb7-5857-4685-be1f-d57550cc96cc" xsi:nil="true"/>
-    <OutputCachingOn xmlns="4873beb7-5857-4685-be1f-d57550cc96cc">false</OutputCachingOn>
-    <AverageRating xmlns="4873beb7-5857-4685-be1f-d57550cc96cc" xsi:nil="true"/>
-    <APAuthor xmlns="4873beb7-5857-4685-be1f-d57550cc96cc">
-      <UserInfo>
-        <DisplayName>REDMOND\kristaa</DisplayName>
-        <AccountId>136</AccountId>
-        <AccountType/>
-      </UserInfo>
-    </APAuthor>
-    <LocManualTestRequired xmlns="4873beb7-5857-4685-be1f-d57550cc96cc">false</LocManualTestRequired>
-    <TPCommandLine xmlns="4873beb7-5857-4685-be1f-d57550cc96cc" xsi:nil="true"/>
-    <TPAppVersion xmlns="4873beb7-5857-4685-be1f-d57550cc96cc" xsi:nil="true"/>
-    <EditorialStatus xmlns="4873beb7-5857-4685-be1f-d57550cc96cc">Complete</EditorialStatus>
-    <LastModifiedDateTime xmlns="4873beb7-5857-4685-be1f-d57550cc96cc" xsi:nil="true"/>
-    <ScenarioTagsTaxHTField0 xmlns="4873beb7-5857-4685-be1f-d57550cc96cc">
-      <Terms xmlns="http://schemas.microsoft.com/office/infopath/2007/PartnerControls"/>
-    </ScenarioTagsTaxHTField0>
-    <LocProcessedForMarketsLookup xmlns="4873beb7-5857-4685-be1f-d57550cc96cc" xsi:nil="true"/>
-    <TPLaunchHelpLinkType xmlns="4873beb7-5857-4685-be1f-d57550cc96cc">Template</TPLaunchHelpLinkType>
-    <OriginalRelease xmlns="4873beb7-5857-4685-be1f-d57550cc96cc">15</OriginalRelease>
-    <LocalizationTagsTaxHTField0 xmlns="4873beb7-5857-4685-be1f-d57550cc96cc">
-      <Terms xmlns="http://schemas.microsoft.com/office/infopath/2007/PartnerControls"/>
-    </LocalizationTagsTaxHTField0>
-    <UACurrentWords xmlns="4873beb7-5857-4685-be1f-d57550cc96cc" xsi:nil="true"/>
-    <ArtSampleDocs xmlns="4873beb7-5857-4685-be1f-d57550cc96cc" xsi:nil="true"/>
-    <UALocRecommendation xmlns="4873beb7-5857-4685-be1f-d57550cc96cc">Localize</UALocRecommendation>
-    <Manager xmlns="4873beb7-5857-4685-be1f-d57550cc96cc" xsi:nil="true"/>
-    <LocOverallHandbackStatusLookup xmlns="4873beb7-5857-4685-be1f-d57550cc96cc" xsi:nil="true"/>
-    <ShowIn xmlns="4873beb7-5857-4685-be1f-d57550cc96cc">Show everywhere</ShowIn>
-    <UANotes xmlns="4873beb7-5857-4685-be1f-d57550cc96cc" xsi:nil="true"/>
-    <InternalTagsTaxHTField0 xmlns="4873beb7-5857-4685-be1f-d57550cc96cc">
-      <Terms xmlns="http://schemas.microsoft.com/office/infopath/2007/PartnerControls"/>
-    </InternalTagsTaxHTField0>
-    <CSXHash xmlns="4873beb7-5857-4685-be1f-d57550cc96cc" xsi:nil="true"/>
-    <VoteCount xmlns="4873beb7-5857-4685-be1f-d57550cc96cc" xsi:nil="true"/>
-    <AssetExpire xmlns="4873beb7-5857-4685-be1f-d57550cc96cc">2029-05-12T07:00:00+00:00</AssetExpire>
-    <DSATActionTaken xmlns="4873beb7-5857-4685-be1f-d57550cc96cc" xsi:nil="true"/>
-    <CSXSubmissionMarket xmlns="4873beb7-5857-4685-be1f-d57550cc96cc" xsi:nil="true"/>
-    <LocMarketGroupTiers2 xmlns="4873beb7-5857-4685-be1f-d57550cc96cc" xsi:nil="true"/>
-  </documentManagement>
-</p:properties>
-</file>
-
 <file path=customXml/itemProps1.xml><?xml version="1.0" encoding="utf-8"?>
 <ds:datastoreItem xmlns:ds="http://schemas.openxmlformats.org/officeDocument/2006/customXml" ds:itemID="{3836F65B-1B07-41EE-A0E8-BC6EF3855225}">
   <ds:schemaRefs>
@@ -15075,6 +15666,22 @@
 </file>
 
 <file path=customXml/itemProps2.xml><?xml version="1.0" encoding="utf-8"?>
+<ds:datastoreItem xmlns:ds="http://schemas.openxmlformats.org/officeDocument/2006/customXml" ds:itemID="{60C67BEE-D13F-4BD2-98A5-34D8A0977F68}">
+  <ds:schemaRefs>
+    <ds:schemaRef ds:uri="4873beb7-5857-4685-be1f-d57550cc96cc"/>
+    <ds:schemaRef ds:uri="http://schemas.openxmlformats.org/package/2006/metadata/core-properties"/>
+    <ds:schemaRef ds:uri="http://purl.org/dc/terms/"/>
+    <ds:schemaRef ds:uri="http://schemas.microsoft.com/office/2006/documentManagement/types"/>
+    <ds:schemaRef ds:uri="http://purl.org/dc/elements/1.1/"/>
+    <ds:schemaRef ds:uri="http://schemas.microsoft.com/office/2006/metadata/properties"/>
+    <ds:schemaRef ds:uri="http://schemas.microsoft.com/office/infopath/2007/PartnerControls"/>
+    <ds:schemaRef ds:uri="http://www.w3.org/XML/1998/namespace"/>
+    <ds:schemaRef ds:uri="http://purl.org/dc/dcmitype/"/>
+  </ds:schemaRefs>
+</ds:datastoreItem>
+</file>
+
+<file path=customXml/itemProps3.xml><?xml version="1.0" encoding="utf-8"?>
 <ds:datastoreItem xmlns:ds="http://schemas.openxmlformats.org/officeDocument/2006/customXml" ds:itemID="{A09BF4D4-EF60-4196-BFC3-9462D607978C}">
   <ds:schemaRefs>
     <ds:schemaRef ds:uri="http://schemas.microsoft.com/office/2006/metadata/contentType"/>
@@ -15090,20 +15697,4 @@
     <ds:schemaRef ds:uri="http://schemas.microsoft.com/internal/obd"/>
   </ds:schemaRefs>
 </ds:datastoreItem>
-</file>
-
-<file path=customXml/itemProps3.xml><?xml version="1.0" encoding="utf-8"?>
-<ds:datastoreItem xmlns:ds="http://schemas.openxmlformats.org/officeDocument/2006/customXml" ds:itemID="{60C67BEE-D13F-4BD2-98A5-34D8A0977F68}">
-  <ds:schemaRefs>
-    <ds:schemaRef ds:uri="4873beb7-5857-4685-be1f-d57550cc96cc"/>
-    <ds:schemaRef ds:uri="http://schemas.openxmlformats.org/package/2006/metadata/core-properties"/>
-    <ds:schemaRef ds:uri="http://purl.org/dc/terms/"/>
-    <ds:schemaRef ds:uri="http://schemas.microsoft.com/office/2006/documentManagement/types"/>
-    <ds:schemaRef ds:uri="http://purl.org/dc/elements/1.1/"/>
-    <ds:schemaRef ds:uri="http://schemas.microsoft.com/office/2006/metadata/properties"/>
-    <ds:schemaRef ds:uri="http://schemas.microsoft.com/office/infopath/2007/PartnerControls"/>
-    <ds:schemaRef ds:uri="http://www.w3.org/XML/1998/namespace"/>
-    <ds:schemaRef ds:uri="http://purl.org/dc/dcmitype/"/>
-  </ds:schemaRefs>
-</ds:datastoreItem>
 </file>
--- a/Western Power Hack-a-Gig Presentation.pptx
+++ b/Western Power Hack-a-Gig Presentation.pptx
@@ -5,10 +5,10 @@
     <p:sldMasterId id="2147483660" r:id="rId4"/>
   </p:sldMasterIdLst>
   <p:notesMasterIdLst>
-    <p:notesMasterId r:id="rId23"/>
+    <p:notesMasterId r:id="rId24"/>
   </p:notesMasterIdLst>
   <p:handoutMasterIdLst>
-    <p:handoutMasterId r:id="rId24"/>
+    <p:handoutMasterId r:id="rId25"/>
   </p:handoutMasterIdLst>
   <p:sldIdLst>
     <p:sldId id="257" r:id="rId5"/>
@@ -24,11 +24,12 @@
     <p:sldId id="274" r:id="rId15"/>
     <p:sldId id="275" r:id="rId16"/>
     <p:sldId id="276" r:id="rId17"/>
-    <p:sldId id="277" r:id="rId18"/>
-    <p:sldId id="278" r:id="rId19"/>
-    <p:sldId id="279" r:id="rId20"/>
-    <p:sldId id="280" r:id="rId21"/>
-    <p:sldId id="281" r:id="rId22"/>
+    <p:sldId id="282" r:id="rId18"/>
+    <p:sldId id="283" r:id="rId19"/>
+    <p:sldId id="278" r:id="rId20"/>
+    <p:sldId id="279" r:id="rId21"/>
+    <p:sldId id="280" r:id="rId22"/>
+    <p:sldId id="281" r:id="rId23"/>
   </p:sldIdLst>
   <p:sldSz cx="12188825" cy="6858000"/>
   <p:notesSz cx="6858000" cy="9144000"/>
@@ -3872,7 +3873,7 @@
           <a:p>
             <a:fld id="{FE5B4EDC-59C0-49C7-8ADA-5A781B329E02}" type="datetimeFigureOut">
               <a:rPr lang="en-US"/>
-              <a:t>10/20/2018</a:t>
+              <a:t>10/21/2018</a:t>
             </a:fld>
             <a:endParaRPr/>
           </a:p>
@@ -4037,7 +4038,7 @@
           <a:p>
             <a:fld id="{F2D8D46A-B586-417D-BFBD-8C8FE0AAF762}" type="datetimeFigureOut">
               <a:rPr lang="en-US"/>
-              <a:t>10/20/2018</a:t>
+              <a:t>10/21/2018</a:t>
             </a:fld>
             <a:endParaRPr/>
           </a:p>
@@ -5055,7 +5056,7 @@
           <a:p>
             <a:fld id="{F0DFD029-FB74-4578-B929-F66AA97659CA}" type="datetimeFigureOut">
               <a:rPr lang="en-US"/>
-              <a:t>10/20/2018</a:t>
+              <a:t>10/21/2018</a:t>
             </a:fld>
             <a:endParaRPr/>
           </a:p>
@@ -5253,7 +5254,7 @@
           <a:p>
             <a:fld id="{F0DFD029-FB74-4578-B929-F66AA97659CA}" type="datetimeFigureOut">
               <a:rPr lang="en-US"/>
-              <a:t>10/20/2018</a:t>
+              <a:t>10/21/2018</a:t>
             </a:fld>
             <a:endParaRPr/>
           </a:p>
@@ -5461,7 +5462,7 @@
           <a:p>
             <a:fld id="{F0DFD029-FB74-4578-B929-F66AA97659CA}" type="datetimeFigureOut">
               <a:rPr lang="en-US"/>
-              <a:t>10/20/2018</a:t>
+              <a:t>10/21/2018</a:t>
             </a:fld>
             <a:endParaRPr/>
           </a:p>
@@ -5659,7 +5660,7 @@
           <a:p>
             <a:fld id="{F0DFD029-FB74-4578-B929-F66AA97659CA}" type="datetimeFigureOut">
               <a:rPr lang="en-US"/>
-              <a:t>10/20/2018</a:t>
+              <a:t>10/21/2018</a:t>
             </a:fld>
             <a:endParaRPr/>
           </a:p>
@@ -6091,7 +6092,7 @@
           <a:p>
             <a:fld id="{F0DFD029-FB74-4578-B929-F66AA97659CA}" type="datetimeFigureOut">
               <a:rPr lang="en-US"/>
-              <a:t>10/20/2018</a:t>
+              <a:t>10/21/2018</a:t>
             </a:fld>
             <a:endParaRPr/>
           </a:p>
@@ -6395,7 +6396,7 @@
           <a:p>
             <a:fld id="{F0DFD029-FB74-4578-B929-F66AA97659CA}" type="datetimeFigureOut">
               <a:rPr lang="en-US"/>
-              <a:t>10/20/2018</a:t>
+              <a:t>10/21/2018</a:t>
             </a:fld>
             <a:endParaRPr/>
           </a:p>
@@ -6851,7 +6852,7 @@
           <a:p>
             <a:fld id="{F0DFD029-FB74-4578-B929-F66AA97659CA}" type="datetimeFigureOut">
               <a:rPr lang="en-US"/>
-              <a:t>10/20/2018</a:t>
+              <a:t>10/21/2018</a:t>
             </a:fld>
             <a:endParaRPr/>
           </a:p>
@@ -6981,7 +6982,7 @@
           <a:p>
             <a:fld id="{F0DFD029-FB74-4578-B929-F66AA97659CA}" type="datetimeFigureOut">
               <a:rPr lang="en-US"/>
-              <a:t>10/20/2018</a:t>
+              <a:t>10/21/2018</a:t>
             </a:fld>
             <a:endParaRPr/>
           </a:p>
@@ -7088,7 +7089,7 @@
           <a:p>
             <a:fld id="{F0DFD029-FB74-4578-B929-F66AA97659CA}" type="datetimeFigureOut">
               <a:rPr lang="en-US"/>
-              <a:t>10/20/2018</a:t>
+              <a:t>10/21/2018</a:t>
             </a:fld>
             <a:endParaRPr/>
           </a:p>
@@ -7387,7 +7388,7 @@
           <a:p>
             <a:fld id="{F0DFD029-FB74-4578-B929-F66AA97659CA}" type="datetimeFigureOut">
               <a:rPr lang="en-US"/>
-              <a:t>10/20/2018</a:t>
+              <a:t>10/21/2018</a:t>
             </a:fld>
             <a:endParaRPr/>
           </a:p>
@@ -7675,7 +7676,7 @@
           <a:p>
             <a:fld id="{F0DFD029-FB74-4578-B929-F66AA97659CA}" type="datetimeFigureOut">
               <a:rPr lang="en-US"/>
-              <a:t>10/20/2018</a:t>
+              <a:t>10/21/2018</a:t>
             </a:fld>
             <a:endParaRPr/>
           </a:p>
@@ -8298,7 +8299,7 @@
             <a:fld id="{F0DFD029-FB74-4578-B929-F66AA97659CA}" type="datetimeFigureOut">
               <a:rPr lang="en-US"/>
               <a:pPr/>
-              <a:t>10/20/2018</a:t>
+              <a:t>10/21/2018</a:t>
             </a:fld>
             <a:endParaRPr/>
           </a:p>
@@ -10978,7 +10979,7 @@
           <a:p>
             <a:r>
               <a:rPr lang="en-AU" dirty="0"/>
-              <a:t>Result</a:t>
+              <a:t>What worked?		[First Run]</a:t>
             </a:r>
           </a:p>
         </p:txBody>
@@ -11002,7 +11003,7 @@
         <p:spPr>
           <a:xfrm>
             <a:off x="1218883" y="1701797"/>
-            <a:ext cx="10360501" cy="1223963"/>
+            <a:ext cx="10564161" cy="4462272"/>
           </a:xfrm>
         </p:spPr>
         <p:txBody>
@@ -11011,16 +11012,113 @@
           <a:p>
             <a:r>
               <a:rPr lang="en-AU" dirty="0"/>
-              <a:t>Best model accuracy: ##.#%</a:t>
-            </a:r>
-          </a:p>
-          <a:p>
-            <a:pPr marL="0" indent="0">
-              <a:buNone/>
-            </a:pPr>
+              <a:t>Resnet34 Architecture:</a:t>
+            </a:r>
+          </a:p>
+          <a:p>
+            <a:pPr lvl="1"/>
             <a:r>
               <a:rPr lang="en-AU" dirty="0"/>
-              <a:t>Tuning parameters – </a:t>
+              <a:t>First run with a single training epoch: 86.4% accuracy</a:t>
+            </a:r>
+          </a:p>
+          <a:p>
+            <a:pPr lvl="1"/>
+            <a:r>
+              <a:rPr lang="en-AU" dirty="0"/>
+              <a:t>False </a:t>
+            </a:r>
+            <a:r>
+              <a:rPr lang="en-AU" dirty="0">
+                <a:solidFill>
+                  <a:srgbClr val="FF0000"/>
+                </a:solidFill>
+              </a:rPr>
+              <a:t>negatives</a:t>
+            </a:r>
+            <a:r>
+              <a:rPr lang="en-AU" dirty="0"/>
+              <a:t> generally occur where panel edges are not visible</a:t>
+            </a:r>
+          </a:p>
+          <a:p>
+            <a:pPr lvl="1"/>
+            <a:r>
+              <a:rPr lang="en-AU" dirty="0"/>
+              <a:t>False </a:t>
+            </a:r>
+            <a:r>
+              <a:rPr lang="en-AU" dirty="0">
+                <a:solidFill>
+                  <a:schemeClr val="accent1">
+                    <a:lumMod val="60000"/>
+                    <a:lumOff val="40000"/>
+                  </a:schemeClr>
+                </a:solidFill>
+              </a:rPr>
+              <a:t>positives</a:t>
+            </a:r>
+            <a:r>
+              <a:rPr lang="en-AU" dirty="0"/>
+              <a:t> generally occur on grid-like structures</a:t>
+            </a:r>
+          </a:p>
+          <a:p>
+            <a:pPr lvl="1"/>
+            <a:r>
+              <a:rPr lang="en-AU" dirty="0"/>
+              <a:t>Learning rate utilising SGDR on final layer provides small improvement: 88.6%</a:t>
+            </a:r>
+          </a:p>
+          <a:p>
+            <a:pPr lvl="1"/>
+            <a:r>
+              <a:rPr lang="en-AU" dirty="0"/>
+              <a:t>SGDR with differential learning rates yields significant accuracy increase</a:t>
+            </a:r>
+          </a:p>
+          <a:p>
+            <a:pPr lvl="2"/>
+            <a:r>
+              <a:rPr lang="en-AU" dirty="0"/>
+              <a:t>Tuning the 3</a:t>
+            </a:r>
+            <a:r>
+              <a:rPr lang="en-AU" baseline="30000" dirty="0"/>
+              <a:t>rd</a:t>
+            </a:r>
+            <a:r>
+              <a:rPr lang="en-AU" dirty="0"/>
+              <a:t> last layer: Minimal accuracy improvement, model underfitting</a:t>
+            </a:r>
+          </a:p>
+          <a:p>
+            <a:pPr lvl="2"/>
+            <a:r>
+              <a:rPr lang="en-AU" dirty="0"/>
+              <a:t>Tuning the 2</a:t>
+            </a:r>
+            <a:r>
+              <a:rPr lang="en-AU" baseline="30000" dirty="0"/>
+              <a:t>nd</a:t>
+            </a:r>
+            <a:r>
+              <a:rPr lang="en-AU" dirty="0"/>
+              <a:t> last layer: Small accuracy improvement, minor overfitting</a:t>
+            </a:r>
+          </a:p>
+          <a:p>
+            <a:pPr lvl="2"/>
+            <a:r>
+              <a:rPr lang="en-AU" dirty="0"/>
+              <a:t>Tuning the last layer: Significant accuracy improvement, overfitting (97.3%)</a:t>
+            </a:r>
+          </a:p>
+          <a:p>
+            <a:pPr lvl="1"/>
+            <a:r>
+              <a:rPr lang="en-AU" dirty="0"/>
+              <a:t>TTA provides small benefit: 97.8% accuracy</a:t>
             </a:r>
           </a:p>
           <a:p>
@@ -11032,7 +11130,7 @@
     </p:spTree>
     <p:extLst>
       <p:ext uri="{BB962C8B-B14F-4D97-AF65-F5344CB8AC3E}">
-        <p14:creationId xmlns:p14="http://schemas.microsoft.com/office/powerpoint/2010/main" val="1736910108"/>
+        <p14:creationId xmlns:p14="http://schemas.microsoft.com/office/powerpoint/2010/main" val="796037558"/>
       </p:ext>
     </p:extLst>
   </p:cSld>
@@ -11094,7 +11192,7 @@
           <a:p>
             <a:r>
               <a:rPr lang="en-AU" dirty="0"/>
-              <a:t>Result</a:t>
+              <a:t>What worked?</a:t>
             </a:r>
           </a:p>
         </p:txBody>
@@ -11118,7 +11216,7 @@
         <p:spPr>
           <a:xfrm>
             <a:off x="1218883" y="1701797"/>
-            <a:ext cx="10360501" cy="1223963"/>
+            <a:ext cx="10564161" cy="4462272"/>
           </a:xfrm>
         </p:spPr>
         <p:txBody>
@@ -11127,17 +11225,35 @@
           <a:p>
             <a:r>
               <a:rPr lang="en-AU" dirty="0"/>
-              <a:t>Best model accuracy: ##.#%</a:t>
-            </a:r>
-          </a:p>
-          <a:p>
-            <a:pPr marL="0" indent="0">
-              <a:buNone/>
-            </a:pPr>
+              <a:t>Dropout</a:t>
+            </a:r>
+          </a:p>
+          <a:p>
+            <a:pPr lvl="1"/>
             <a:r>
               <a:rPr lang="en-AU" dirty="0"/>
-              <a:t>Tuning parameters – </a:t>
-            </a:r>
+              <a:t>No dropout results in rapid overfitting – not recommended</a:t>
+            </a:r>
+          </a:p>
+          <a:p>
+            <a:pPr lvl="1"/>
+            <a:r>
+              <a:rPr lang="en-AU" dirty="0"/>
+              <a:t>Default dropout of 25% (first dropout layer) and 50% (second dropout layer) in the </a:t>
+            </a:r>
+            <a:r>
+              <a:rPr lang="en-AU"/>
+              <a:t>resnet34 model worked well</a:t>
+            </a:r>
+            <a:endParaRPr lang="en-AU" dirty="0"/>
+          </a:p>
+          <a:p>
+            <a:pPr lvl="1"/>
+            <a:endParaRPr lang="en-AU" dirty="0"/>
+          </a:p>
+          <a:p>
+            <a:pPr lvl="1"/>
+            <a:endParaRPr lang="en-AU" dirty="0"/>
           </a:p>
           <a:p>
             <a:pPr lvl="1"/>
@@ -11148,7 +11264,7 @@
     </p:spTree>
     <p:extLst>
       <p:ext uri="{BB962C8B-B14F-4D97-AF65-F5344CB8AC3E}">
-        <p14:creationId xmlns:p14="http://schemas.microsoft.com/office/powerpoint/2010/main" val="2709229914"/>
+        <p14:creationId xmlns:p14="http://schemas.microsoft.com/office/powerpoint/2010/main" val="2167520984"/>
       </p:ext>
     </p:extLst>
   </p:cSld>
@@ -11189,7 +11305,13 @@
       </p:grpSpPr>
       <p:sp>
         <p:nvSpPr>
-          <p:cNvPr id="4" name="Title 3"/>
+          <p:cNvPr id="2" name="Title 1">
+            <a:extLst>
+              <a:ext uri="{FF2B5EF4-FFF2-40B4-BE49-F238E27FC236}">
+                <a16:creationId xmlns:a16="http://schemas.microsoft.com/office/drawing/2014/main" id="{118CBBA9-49D2-4262-9114-D0D47E7D522A}"/>
+              </a:ext>
+            </a:extLst>
+          </p:cNvPr>
           <p:cNvSpPr>
             <a:spLocks noGrp="1"/>
           </p:cNvSpPr>
@@ -11203,49 +11325,69 @@
           <a:lstStyle/>
           <a:p>
             <a:r>
-              <a:rPr lang="en-US" dirty="0"/>
-              <a:t>Challenge 2</a:t>
+              <a:rPr lang="en-AU" dirty="0"/>
+              <a:t>What didn’t work?</a:t>
             </a:r>
           </a:p>
         </p:txBody>
       </p:sp>
       <p:sp>
         <p:nvSpPr>
-          <p:cNvPr id="5" name="Text Placeholder 4"/>
+          <p:cNvPr id="3" name="Content Placeholder 2">
+            <a:extLst>
+              <a:ext uri="{FF2B5EF4-FFF2-40B4-BE49-F238E27FC236}">
+                <a16:creationId xmlns:a16="http://schemas.microsoft.com/office/drawing/2014/main" id="{1E6F3B36-FA1C-4A44-8799-54720A510D55}"/>
+              </a:ext>
+            </a:extLst>
+          </p:cNvPr>
           <p:cNvSpPr>
             <a:spLocks noGrp="1"/>
           </p:cNvSpPr>
           <p:nvPr>
-            <p:ph type="body" idx="1"/>
+            <p:ph idx="1"/>
           </p:nvPr>
         </p:nvSpPr>
-        <p:spPr/>
+        <p:spPr>
+          <a:xfrm>
+            <a:off x="1218883" y="1701797"/>
+            <a:ext cx="10360501" cy="1223963"/>
+          </a:xfrm>
+        </p:spPr>
         <p:txBody>
           <a:bodyPr>
-            <a:normAutofit lnSpcReduction="10000"/>
+            <a:normAutofit fontScale="92500" lnSpcReduction="10000"/>
           </a:bodyPr>
           <a:lstStyle/>
           <a:p>
             <a:r>
-              <a:rPr lang="en-US" dirty="0"/>
-              <a:t>Photovoltaic generation</a:t>
-            </a:r>
-          </a:p>
-          <a:p>
-            <a:endParaRPr lang="en-US" dirty="0"/>
-          </a:p>
-          <a:p>
-            <a:r>
-              <a:rPr lang="en-US" dirty="0"/>
-              <a:t>PART B - SIZING</a:t>
-            </a:r>
+              <a:rPr lang="en-AU" dirty="0"/>
+              <a:t>Significant dropout:</a:t>
+            </a:r>
+          </a:p>
+          <a:p>
+            <a:pPr lvl="1"/>
+            <a:r>
+              <a:rPr lang="en-AU" dirty="0"/>
+              <a:t>50% dropout resulted in 89.7% accuracy (↓8.1%)</a:t>
+            </a:r>
+          </a:p>
+          <a:p>
+            <a:pPr lvl="1"/>
+            <a:r>
+              <a:rPr lang="en-AU" dirty="0"/>
+              <a:t>25% dropout</a:t>
+            </a:r>
+          </a:p>
+          <a:p>
+            <a:pPr lvl="1"/>
+            <a:endParaRPr lang="en-AU" dirty="0"/>
           </a:p>
         </p:txBody>
       </p:sp>
     </p:spTree>
     <p:extLst>
       <p:ext uri="{BB962C8B-B14F-4D97-AF65-F5344CB8AC3E}">
-        <p14:creationId xmlns:p14="http://schemas.microsoft.com/office/powerpoint/2010/main" val="3970823378"/>
+        <p14:creationId xmlns:p14="http://schemas.microsoft.com/office/powerpoint/2010/main" val="2709229914"/>
       </p:ext>
     </p:extLst>
   </p:cSld>
@@ -11286,6 +11428,103 @@
       </p:grpSpPr>
       <p:sp>
         <p:nvSpPr>
+          <p:cNvPr id="4" name="Title 3"/>
+          <p:cNvSpPr>
+            <a:spLocks noGrp="1"/>
+          </p:cNvSpPr>
+          <p:nvPr>
+            <p:ph type="title"/>
+          </p:nvPr>
+        </p:nvSpPr>
+        <p:spPr/>
+        <p:txBody>
+          <a:bodyPr/>
+          <a:lstStyle/>
+          <a:p>
+            <a:r>
+              <a:rPr lang="en-US" dirty="0"/>
+              <a:t>Challenge 2</a:t>
+            </a:r>
+          </a:p>
+        </p:txBody>
+      </p:sp>
+      <p:sp>
+        <p:nvSpPr>
+          <p:cNvPr id="5" name="Text Placeholder 4"/>
+          <p:cNvSpPr>
+            <a:spLocks noGrp="1"/>
+          </p:cNvSpPr>
+          <p:nvPr>
+            <p:ph type="body" idx="1"/>
+          </p:nvPr>
+        </p:nvSpPr>
+        <p:spPr/>
+        <p:txBody>
+          <a:bodyPr>
+            <a:normAutofit lnSpcReduction="10000"/>
+          </a:bodyPr>
+          <a:lstStyle/>
+          <a:p>
+            <a:r>
+              <a:rPr lang="en-US" dirty="0"/>
+              <a:t>Photovoltaic generation</a:t>
+            </a:r>
+          </a:p>
+          <a:p>
+            <a:endParaRPr lang="en-US" dirty="0"/>
+          </a:p>
+          <a:p>
+            <a:r>
+              <a:rPr lang="en-US" dirty="0"/>
+              <a:t>PART B - SIZING</a:t>
+            </a:r>
+          </a:p>
+        </p:txBody>
+      </p:sp>
+    </p:spTree>
+    <p:extLst>
+      <p:ext uri="{BB962C8B-B14F-4D97-AF65-F5344CB8AC3E}">
+        <p14:creationId xmlns:p14="http://schemas.microsoft.com/office/powerpoint/2010/main" val="3970823378"/>
+      </p:ext>
+    </p:extLst>
+  </p:cSld>
+  <p:clrMapOvr>
+    <a:masterClrMapping/>
+  </p:clrMapOvr>
+  <mc:AlternateContent xmlns:mc="http://schemas.openxmlformats.org/markup-compatibility/2006" xmlns:p14="http://schemas.microsoft.com/office/powerpoint/2010/main">
+    <mc:Choice Requires="p14">
+      <p:transition spd="med" p14:dur="700">
+        <p:fade/>
+      </p:transition>
+    </mc:Choice>
+    <mc:Fallback xmlns="">
+      <p:transition spd="med">
+        <p:fade/>
+      </p:transition>
+    </mc:Fallback>
+  </mc:AlternateContent>
+</p:sld>
+</file>
+
+<file path=ppt/slides/slide18.xml><?xml version="1.0" encoding="utf-8"?>
+<p:sld xmlns:a="http://schemas.openxmlformats.org/drawingml/2006/main" xmlns:r="http://schemas.openxmlformats.org/officeDocument/2006/relationships" xmlns:p="http://schemas.openxmlformats.org/presentationml/2006/main">
+  <p:cSld>
+    <p:spTree>
+      <p:nvGrpSpPr>
+        <p:cNvPr id="1" name=""/>
+        <p:cNvGrpSpPr/>
+        <p:nvPr/>
+      </p:nvGrpSpPr>
+      <p:grpSpPr>
+        <a:xfrm>
+          <a:off x="0" y="0"/>
+          <a:ext cx="0" cy="0"/>
+          <a:chOff x="0" y="0"/>
+          <a:chExt cx="0" cy="0"/>
+        </a:xfrm>
+      </p:grpSpPr>
+      <p:sp>
+        <p:nvSpPr>
           <p:cNvPr id="2" name="Title 1">
             <a:extLst>
               <a:ext uri="{FF2B5EF4-FFF2-40B4-BE49-F238E27FC236}">
@@ -11391,7 +11630,7 @@
 </p:sld>
 </file>
 
-<file path=ppt/slides/slide18.xml><?xml version="1.0" encoding="utf-8"?>
+<file path=ppt/slides/slide19.xml><?xml version="1.0" encoding="utf-8"?>
 <p:sld xmlns:a="http://schemas.openxmlformats.org/drawingml/2006/main" xmlns:r="http://schemas.openxmlformats.org/officeDocument/2006/relationships" xmlns:p="http://schemas.openxmlformats.org/presentationml/2006/main">
   <p:cSld>
     <p:spTree>
@@ -14473,15 +14712,6 @@
 </file>
 
 <file path=customXml/item1.xml><?xml version="1.0" encoding="utf-8"?>
-<?mso-contentType ?>
-<FormTemplates xmlns="http://schemas.microsoft.com/sharepoint/v3/contenttype/forms">
-  <Display>DocumentLibraryForm</Display>
-  <Edit>AssetEditForm</Edit>
-  <New>DocumentLibraryForm</New>
-</FormTemplates>
-</file>
-
-<file path=customXml/item2.xml><?xml version="1.0" encoding="utf-8"?>
 <p:properties xmlns:p="http://schemas.microsoft.com/office/2006/metadata/properties" xmlns:xsi="http://www.w3.org/2001/XMLSchema-instance" xmlns:pc="http://schemas.microsoft.com/office/infopath/2007/PartnerControls">
   <documentManagement>
     <LocPublishedLinkedAssetsLookup xmlns="4873beb7-5857-4685-be1f-d57550cc96cc" xsi:nil="true"/>
@@ -14615,6 +14845,15 @@
     <LocMarketGroupTiers2 xmlns="4873beb7-5857-4685-be1f-d57550cc96cc" xsi:nil="true"/>
   </documentManagement>
 </p:properties>
+</file>
+
+<file path=customXml/item2.xml><?xml version="1.0" encoding="utf-8"?>
+<?mso-contentType ?>
+<FormTemplates xmlns="http://schemas.microsoft.com/sharepoint/v3/contenttype/forms">
+  <Display>DocumentLibraryForm</Display>
+  <Edit>AssetEditForm</Edit>
+  <New>DocumentLibraryForm</New>
+</FormTemplates>
 </file>
 
 <file path=customXml/item3.xml><?xml version="1.0" encoding="utf-8"?>
@@ -15658,14 +15897,6 @@
 </file>
 
 <file path=customXml/itemProps1.xml><?xml version="1.0" encoding="utf-8"?>
-<ds:datastoreItem xmlns:ds="http://schemas.openxmlformats.org/officeDocument/2006/customXml" ds:itemID="{3836F65B-1B07-41EE-A0E8-BC6EF3855225}">
-  <ds:schemaRefs>
-    <ds:schemaRef ds:uri="http://schemas.microsoft.com/sharepoint/v3/contenttype/forms"/>
-  </ds:schemaRefs>
-</ds:datastoreItem>
-</file>
-
-<file path=customXml/itemProps2.xml><?xml version="1.0" encoding="utf-8"?>
 <ds:datastoreItem xmlns:ds="http://schemas.openxmlformats.org/officeDocument/2006/customXml" ds:itemID="{60C67BEE-D13F-4BD2-98A5-34D8A0977F68}">
   <ds:schemaRefs>
     <ds:schemaRef ds:uri="4873beb7-5857-4685-be1f-d57550cc96cc"/>
@@ -15677,6 +15908,14 @@
     <ds:schemaRef ds:uri="http://schemas.microsoft.com/office/infopath/2007/PartnerControls"/>
     <ds:schemaRef ds:uri="http://www.w3.org/XML/1998/namespace"/>
     <ds:schemaRef ds:uri="http://purl.org/dc/dcmitype/"/>
+  </ds:schemaRefs>
+</ds:datastoreItem>
+</file>
+
+<file path=customXml/itemProps2.xml><?xml version="1.0" encoding="utf-8"?>
+<ds:datastoreItem xmlns:ds="http://schemas.openxmlformats.org/officeDocument/2006/customXml" ds:itemID="{3836F65B-1B07-41EE-A0E8-BC6EF3855225}">
+  <ds:schemaRefs>
+    <ds:schemaRef ds:uri="http://schemas.microsoft.com/sharepoint/v3/contenttype/forms"/>
   </ds:schemaRefs>
 </ds:datastoreItem>
 </file>

--- a/Western Power Hack-a-Gig Presentation.pptx
+++ b/Western Power Hack-a-Gig Presentation.pptx
@@ -5,31 +5,38 @@
     <p:sldMasterId id="2147483660" r:id="rId4"/>
   </p:sldMasterIdLst>
   <p:notesMasterIdLst>
-    <p:notesMasterId r:id="rId24"/>
+    <p:notesMasterId r:id="rId31"/>
   </p:notesMasterIdLst>
   <p:handoutMasterIdLst>
-    <p:handoutMasterId r:id="rId25"/>
+    <p:handoutMasterId r:id="rId32"/>
   </p:handoutMasterIdLst>
   <p:sldIdLst>
     <p:sldId id="257" r:id="rId5"/>
-    <p:sldId id="268" r:id="rId6"/>
-    <p:sldId id="269" r:id="rId7"/>
-    <p:sldId id="259" r:id="rId8"/>
-    <p:sldId id="262" r:id="rId9"/>
-    <p:sldId id="263" r:id="rId10"/>
-    <p:sldId id="270" r:id="rId11"/>
-    <p:sldId id="271" r:id="rId12"/>
-    <p:sldId id="272" r:id="rId13"/>
-    <p:sldId id="273" r:id="rId14"/>
-    <p:sldId id="274" r:id="rId15"/>
-    <p:sldId id="275" r:id="rId16"/>
-    <p:sldId id="276" r:id="rId17"/>
-    <p:sldId id="282" r:id="rId18"/>
-    <p:sldId id="283" r:id="rId19"/>
-    <p:sldId id="278" r:id="rId20"/>
-    <p:sldId id="279" r:id="rId21"/>
-    <p:sldId id="280" r:id="rId22"/>
-    <p:sldId id="281" r:id="rId23"/>
+    <p:sldId id="284" r:id="rId6"/>
+    <p:sldId id="290" r:id="rId7"/>
+    <p:sldId id="285" r:id="rId8"/>
+    <p:sldId id="268" r:id="rId9"/>
+    <p:sldId id="287" r:id="rId10"/>
+    <p:sldId id="288" r:id="rId11"/>
+    <p:sldId id="289" r:id="rId12"/>
+    <p:sldId id="269" r:id="rId13"/>
+    <p:sldId id="259" r:id="rId14"/>
+    <p:sldId id="262" r:id="rId15"/>
+    <p:sldId id="263" r:id="rId16"/>
+    <p:sldId id="270" r:id="rId17"/>
+    <p:sldId id="271" r:id="rId18"/>
+    <p:sldId id="272" r:id="rId19"/>
+    <p:sldId id="273" r:id="rId20"/>
+    <p:sldId id="274" r:id="rId21"/>
+    <p:sldId id="275" r:id="rId22"/>
+    <p:sldId id="276" r:id="rId23"/>
+    <p:sldId id="282" r:id="rId24"/>
+    <p:sldId id="278" r:id="rId25"/>
+    <p:sldId id="286" r:id="rId26"/>
+    <p:sldId id="283" r:id="rId27"/>
+    <p:sldId id="279" r:id="rId28"/>
+    <p:sldId id="280" r:id="rId29"/>
+    <p:sldId id="281" r:id="rId30"/>
   </p:sldIdLst>
   <p:sldSz cx="12188825" cy="6858000"/>
   <p:notesSz cx="6858000" cy="9144000"/>
@@ -1363,6 +1370,13 @@
         </dgm:presLayoutVars>
       </dgm:prSet>
       <dgm:spPr/>
+      <dgm:t>
+        <a:bodyPr/>
+        <a:lstStyle/>
+        <a:p>
+          <a:endParaRPr lang="en-AU"/>
+        </a:p>
+      </dgm:t>
     </dgm:pt>
     <dgm:pt modelId="{7D341E6A-693C-4246-85DC-72CAF7928A21}" type="pres">
       <dgm:prSet presAssocID="{2CECF517-16A4-4A6B-B7D2-B920789ABBA4}" presName="composite" presStyleCnt="0"/>
@@ -1376,6 +1390,13 @@
         </dgm:presLayoutVars>
       </dgm:prSet>
       <dgm:spPr/>
+      <dgm:t>
+        <a:bodyPr/>
+        <a:lstStyle/>
+        <a:p>
+          <a:endParaRPr lang="en-AU"/>
+        </a:p>
+      </dgm:t>
     </dgm:pt>
     <dgm:pt modelId="{AE732B93-C217-44D0-ADC0-3DFE6F1898F0}" type="pres">
       <dgm:prSet presAssocID="{2CECF517-16A4-4A6B-B7D2-B920789ABBA4}" presName="descendantText" presStyleLbl="alignAcc1" presStyleIdx="0" presStyleCnt="6">
@@ -1384,6 +1405,13 @@
         </dgm:presLayoutVars>
       </dgm:prSet>
       <dgm:spPr/>
+      <dgm:t>
+        <a:bodyPr/>
+        <a:lstStyle/>
+        <a:p>
+          <a:endParaRPr lang="en-AU"/>
+        </a:p>
+      </dgm:t>
     </dgm:pt>
     <dgm:pt modelId="{78ADC01D-AB1C-40CB-8B5E-D245B8AB5B5E}" type="pres">
       <dgm:prSet presAssocID="{2B80DF6B-2B16-4522-97A5-FC5C9E8CF3AF}" presName="sp" presStyleCnt="0"/>
@@ -1401,6 +1429,13 @@
         </dgm:presLayoutVars>
       </dgm:prSet>
       <dgm:spPr/>
+      <dgm:t>
+        <a:bodyPr/>
+        <a:lstStyle/>
+        <a:p>
+          <a:endParaRPr lang="en-AU"/>
+        </a:p>
+      </dgm:t>
     </dgm:pt>
     <dgm:pt modelId="{9559C1D2-75D4-4C9C-AB81-9AFA23D91352}" type="pres">
       <dgm:prSet presAssocID="{5BFBD139-1CB4-4363-9269-7E6622BCBC8A}" presName="descendantText" presStyleLbl="alignAcc1" presStyleIdx="1" presStyleCnt="6">
@@ -1409,6 +1444,13 @@
         </dgm:presLayoutVars>
       </dgm:prSet>
       <dgm:spPr/>
+      <dgm:t>
+        <a:bodyPr/>
+        <a:lstStyle/>
+        <a:p>
+          <a:endParaRPr lang="en-AU"/>
+        </a:p>
+      </dgm:t>
     </dgm:pt>
     <dgm:pt modelId="{B8962A9A-F90F-4110-8583-A23FB70DC2F1}" type="pres">
       <dgm:prSet presAssocID="{1729C903-BF67-4CA8-AEA3-0E26C71990CF}" presName="sp" presStyleCnt="0"/>
@@ -1426,6 +1468,13 @@
         </dgm:presLayoutVars>
       </dgm:prSet>
       <dgm:spPr/>
+      <dgm:t>
+        <a:bodyPr/>
+        <a:lstStyle/>
+        <a:p>
+          <a:endParaRPr lang="en-AU"/>
+        </a:p>
+      </dgm:t>
     </dgm:pt>
     <dgm:pt modelId="{BA4E67CC-F177-4F9B-A372-AB917E5C536B}" type="pres">
       <dgm:prSet presAssocID="{A011E0F7-F588-4C8D-BCD6-7F6EA2E5E160}" presName="descendantText" presStyleLbl="alignAcc1" presStyleIdx="2" presStyleCnt="6">
@@ -1434,6 +1483,13 @@
         </dgm:presLayoutVars>
       </dgm:prSet>
       <dgm:spPr/>
+      <dgm:t>
+        <a:bodyPr/>
+        <a:lstStyle/>
+        <a:p>
+          <a:endParaRPr lang="en-AU"/>
+        </a:p>
+      </dgm:t>
     </dgm:pt>
     <dgm:pt modelId="{003663A7-27E1-4DB1-927A-D52CCD7405BC}" type="pres">
       <dgm:prSet presAssocID="{CDAB4146-0D22-428A-A863-39DE97481B66}" presName="sp" presStyleCnt="0"/>
@@ -1451,6 +1507,13 @@
         </dgm:presLayoutVars>
       </dgm:prSet>
       <dgm:spPr/>
+      <dgm:t>
+        <a:bodyPr/>
+        <a:lstStyle/>
+        <a:p>
+          <a:endParaRPr lang="en-AU"/>
+        </a:p>
+      </dgm:t>
     </dgm:pt>
     <dgm:pt modelId="{758B686D-4E4A-4503-A45C-4DD88C77BCEA}" type="pres">
       <dgm:prSet presAssocID="{EE02FF68-3676-4624-80D3-6B173EE9BBF9}" presName="descendantText" presStyleLbl="alignAcc1" presStyleIdx="3" presStyleCnt="6">
@@ -1459,6 +1522,13 @@
         </dgm:presLayoutVars>
       </dgm:prSet>
       <dgm:spPr/>
+      <dgm:t>
+        <a:bodyPr/>
+        <a:lstStyle/>
+        <a:p>
+          <a:endParaRPr lang="en-AU"/>
+        </a:p>
+      </dgm:t>
     </dgm:pt>
     <dgm:pt modelId="{CCCADA09-B1B5-4FE8-A591-3F37F01F2691}" type="pres">
       <dgm:prSet presAssocID="{98AA5BE0-FCAD-4221-8F07-03024030CE23}" presName="sp" presStyleCnt="0"/>
@@ -1476,6 +1546,13 @@
         </dgm:presLayoutVars>
       </dgm:prSet>
       <dgm:spPr/>
+      <dgm:t>
+        <a:bodyPr/>
+        <a:lstStyle/>
+        <a:p>
+          <a:endParaRPr lang="en-AU"/>
+        </a:p>
+      </dgm:t>
     </dgm:pt>
     <dgm:pt modelId="{82529F0F-0490-4B71-B1B1-2A1CCE250566}" type="pres">
       <dgm:prSet presAssocID="{C16DFD09-DC49-4373-A2B7-FA28DF1DF3B5}" presName="descendantText" presStyleLbl="alignAcc1" presStyleIdx="4" presStyleCnt="6">
@@ -1484,6 +1561,13 @@
         </dgm:presLayoutVars>
       </dgm:prSet>
       <dgm:spPr/>
+      <dgm:t>
+        <a:bodyPr/>
+        <a:lstStyle/>
+        <a:p>
+          <a:endParaRPr lang="en-AU"/>
+        </a:p>
+      </dgm:t>
     </dgm:pt>
     <dgm:pt modelId="{8936DA3B-791C-4A65-9E56-7E76A94A8D17}" type="pres">
       <dgm:prSet presAssocID="{015E8DE0-440C-4CC0-B07A-0D6292878838}" presName="sp" presStyleCnt="0"/>
@@ -1501,6 +1585,13 @@
         </dgm:presLayoutVars>
       </dgm:prSet>
       <dgm:spPr/>
+      <dgm:t>
+        <a:bodyPr/>
+        <a:lstStyle/>
+        <a:p>
+          <a:endParaRPr lang="en-AU"/>
+        </a:p>
+      </dgm:t>
     </dgm:pt>
     <dgm:pt modelId="{3BCA5A54-89C5-48D5-9936-31D0A1F44ABE}" type="pres">
       <dgm:prSet presAssocID="{9DEB1442-88FA-412E-AF8E-7CB0E69F502A}" presName="descendantText" presStyleLbl="alignAcc1" presStyleIdx="5" presStyleCnt="6">
@@ -1509,34 +1600,41 @@
         </dgm:presLayoutVars>
       </dgm:prSet>
       <dgm:spPr/>
+      <dgm:t>
+        <a:bodyPr/>
+        <a:lstStyle/>
+        <a:p>
+          <a:endParaRPr lang="en-AU"/>
+        </a:p>
+      </dgm:t>
     </dgm:pt>
   </dgm:ptLst>
   <dgm:cxnLst>
+    <dgm:cxn modelId="{06098B2C-5EB8-4A32-B7FD-D09BF10F0623}" srcId="{EE02FF68-3676-4624-80D3-6B173EE9BBF9}" destId="{CDB9C19B-2206-489F-9AF4-06D7B73435FA}" srcOrd="0" destOrd="0" parTransId="{C6110966-2FD9-4059-AAA5-0E40DACCD8A4}" sibTransId="{9CD2319A-FBBD-4F09-97F0-04241D46588D}"/>
+    <dgm:cxn modelId="{BD2800D8-69AB-4D19-810E-12C2D4B10951}" type="presOf" srcId="{5BFBD139-1CB4-4363-9269-7E6622BCBC8A}" destId="{52AAD766-EB81-4258-BC93-9990ED45895D}" srcOrd="0" destOrd="0" presId="urn:microsoft.com/office/officeart/2005/8/layout/chevron2"/>
+    <dgm:cxn modelId="{0EE25DC9-0A81-48AA-9A3C-6A7E94891269}" srcId="{C3AEF0A3-5CB2-49C6-9000-D056BBEFA60D}" destId="{9DEB1442-88FA-412E-AF8E-7CB0E69F502A}" srcOrd="5" destOrd="0" parTransId="{74C13E0E-DB61-4C27-AF4A-5D003EBA1EB3}" sibTransId="{25E3C0CA-BAC0-4603-B919-9379C2301E4F}"/>
+    <dgm:cxn modelId="{59DBBBD0-C0F7-4716-B9F3-F38964A47423}" type="presOf" srcId="{348FA5D1-B30F-411C-BB3D-0D2E21C283AE}" destId="{9559C1D2-75D4-4C9C-AB81-9AFA23D91352}" srcOrd="0" destOrd="0" presId="urn:microsoft.com/office/officeart/2005/8/layout/chevron2"/>
+    <dgm:cxn modelId="{89792A35-31CC-4668-AF9C-3630FF0890D6}" srcId="{C3AEF0A3-5CB2-49C6-9000-D056BBEFA60D}" destId="{5BFBD139-1CB4-4363-9269-7E6622BCBC8A}" srcOrd="1" destOrd="0" parTransId="{E5A98278-6C31-4453-A55D-57F65D25F29A}" sibTransId="{1729C903-BF67-4CA8-AEA3-0E26C71990CF}"/>
+    <dgm:cxn modelId="{FC3F7CB8-CF2C-46DF-96A8-3B026E4A1104}" type="presOf" srcId="{C3AEF0A3-5CB2-49C6-9000-D056BBEFA60D}" destId="{F6E71AD5-E7D5-4410-9AC9-1BB6E7DD5B43}" srcOrd="0" destOrd="0" presId="urn:microsoft.com/office/officeart/2005/8/layout/chevron2"/>
+    <dgm:cxn modelId="{06415EC5-E3C0-4C4D-8F4C-719F8F21A466}" srcId="{C3AEF0A3-5CB2-49C6-9000-D056BBEFA60D}" destId="{2CECF517-16A4-4A6B-B7D2-B920789ABBA4}" srcOrd="0" destOrd="0" parTransId="{7ED45248-2497-4A86-A6A4-0363CA21B9E6}" sibTransId="{2B80DF6B-2B16-4522-97A5-FC5C9E8CF3AF}"/>
+    <dgm:cxn modelId="{E1D3D4E9-3833-4B2E-8858-189C5F7A2151}" srcId="{C3AEF0A3-5CB2-49C6-9000-D056BBEFA60D}" destId="{C16DFD09-DC49-4373-A2B7-FA28DF1DF3B5}" srcOrd="4" destOrd="0" parTransId="{B31F0BE9-B5EB-42B5-8D28-09EFDC876BC6}" sibTransId="{015E8DE0-440C-4CC0-B07A-0D6292878838}"/>
+    <dgm:cxn modelId="{90187ACB-8ADA-4068-9E05-04F234CC67E5}" type="presOf" srcId="{EE02FF68-3676-4624-80D3-6B173EE9BBF9}" destId="{23FC2A95-3F55-43D8-8D98-17E198B2D967}" srcOrd="0" destOrd="0" presId="urn:microsoft.com/office/officeart/2005/8/layout/chevron2"/>
+    <dgm:cxn modelId="{2C8F9C43-0480-49A7-93B0-65B03DC82507}" type="presOf" srcId="{CDB9C19B-2206-489F-9AF4-06D7B73435FA}" destId="{758B686D-4E4A-4503-A45C-4DD88C77BCEA}" srcOrd="0" destOrd="0" presId="urn:microsoft.com/office/officeart/2005/8/layout/chevron2"/>
+    <dgm:cxn modelId="{05EC44E4-EB08-4921-A636-252049935D8E}" srcId="{C16DFD09-DC49-4373-A2B7-FA28DF1DF3B5}" destId="{98C33624-850F-4F3E-951D-01B6717A12FD}" srcOrd="0" destOrd="0" parTransId="{971F66C8-3C43-4FD9-A81E-304F064692B3}" sibTransId="{ACBFDBAA-0A79-431B-B8BB-320665E8F46D}"/>
+    <dgm:cxn modelId="{72ABE755-C560-4341-BC49-F739521B1EAA}" type="presOf" srcId="{9DEB1442-88FA-412E-AF8E-7CB0E69F502A}" destId="{A79FA5CD-F63A-4C28-A6AF-33555776AA10}" srcOrd="0" destOrd="0" presId="urn:microsoft.com/office/officeart/2005/8/layout/chevron2"/>
+    <dgm:cxn modelId="{B1BD7F03-3E64-44AB-B1E9-A7FE01E076BD}" type="presOf" srcId="{A011E0F7-F588-4C8D-BCD6-7F6EA2E5E160}" destId="{31787433-7D80-4525-B43A-631DD55E2578}" srcOrd="0" destOrd="0" presId="urn:microsoft.com/office/officeart/2005/8/layout/chevron2"/>
+    <dgm:cxn modelId="{DAB81238-FC97-4ED2-B413-DB0F5E23FCB6}" type="presOf" srcId="{2CECF517-16A4-4A6B-B7D2-B920789ABBA4}" destId="{24BF4F90-A06D-4B1A-B0EF-10B8CFD6E7DD}" srcOrd="0" destOrd="0" presId="urn:microsoft.com/office/officeart/2005/8/layout/chevron2"/>
+    <dgm:cxn modelId="{79D1A853-7482-40D5-BDA9-70EA4220A74C}" type="presOf" srcId="{CE3C39E7-ECAF-4F61-B7C2-BEDFC1F75578}" destId="{AE732B93-C217-44D0-ADC0-3DFE6F1898F0}" srcOrd="0" destOrd="0" presId="urn:microsoft.com/office/officeart/2005/8/layout/chevron2"/>
     <dgm:cxn modelId="{1A08DF01-0935-47DD-90B7-60C7423CF1AA}" srcId="{2CECF517-16A4-4A6B-B7D2-B920789ABBA4}" destId="{CE3C39E7-ECAF-4F61-B7C2-BEDFC1F75578}" srcOrd="0" destOrd="0" parTransId="{958C8565-6D30-49A8-8E81-F3C867914DDA}" sibTransId="{184C5C0F-06C4-4D71-B9D6-429BB9999220}"/>
+    <dgm:cxn modelId="{90E46483-6B00-4B7E-ABD2-3B50DC70B56A}" srcId="{5BFBD139-1CB4-4363-9269-7E6622BCBC8A}" destId="{348FA5D1-B30F-411C-BB3D-0D2E21C283AE}" srcOrd="0" destOrd="0" parTransId="{1EBB088E-853B-425E-AA04-B84EBE200B1D}" sibTransId="{898E3428-D547-4459-8E1F-4005B6CD7FDB}"/>
+    <dgm:cxn modelId="{74BF84D0-D319-4E71-8D90-69774F42CA2D}" type="presOf" srcId="{C16DFD09-DC49-4373-A2B7-FA28DF1DF3B5}" destId="{86DE861C-2F44-4B08-88B3-F73CA49E686F}" srcOrd="0" destOrd="0" presId="urn:microsoft.com/office/officeart/2005/8/layout/chevron2"/>
     <dgm:cxn modelId="{08957502-39B2-4284-B869-0F4AF255833F}" srcId="{A011E0F7-F588-4C8D-BCD6-7F6EA2E5E160}" destId="{5A4A2A31-33CE-4D85-95B8-30BCFCC84564}" srcOrd="0" destOrd="0" parTransId="{386F910C-9E42-42E3-8DB4-BA690CE8E6AF}" sibTransId="{5BD0E2C0-C15D-440D-8E6B-696DBA2699FB}"/>
-    <dgm:cxn modelId="{B1BD7F03-3E64-44AB-B1E9-A7FE01E076BD}" type="presOf" srcId="{A011E0F7-F588-4C8D-BCD6-7F6EA2E5E160}" destId="{31787433-7D80-4525-B43A-631DD55E2578}" srcOrd="0" destOrd="0" presId="urn:microsoft.com/office/officeart/2005/8/layout/chevron2"/>
     <dgm:cxn modelId="{263F4014-F564-4668-AA87-9B67C534EB2F}" type="presOf" srcId="{98C33624-850F-4F3E-951D-01B6717A12FD}" destId="{82529F0F-0490-4B71-B1B1-2A1CCE250566}" srcOrd="0" destOrd="0" presId="urn:microsoft.com/office/officeart/2005/8/layout/chevron2"/>
-    <dgm:cxn modelId="{06098B2C-5EB8-4A32-B7FD-D09BF10F0623}" srcId="{EE02FF68-3676-4624-80D3-6B173EE9BBF9}" destId="{CDB9C19B-2206-489F-9AF4-06D7B73435FA}" srcOrd="0" destOrd="0" parTransId="{C6110966-2FD9-4059-AAA5-0E40DACCD8A4}" sibTransId="{9CD2319A-FBBD-4F09-97F0-04241D46588D}"/>
-    <dgm:cxn modelId="{89792A35-31CC-4668-AF9C-3630FF0890D6}" srcId="{C3AEF0A3-5CB2-49C6-9000-D056BBEFA60D}" destId="{5BFBD139-1CB4-4363-9269-7E6622BCBC8A}" srcOrd="1" destOrd="0" parTransId="{E5A98278-6C31-4453-A55D-57F65D25F29A}" sibTransId="{1729C903-BF67-4CA8-AEA3-0E26C71990CF}"/>
-    <dgm:cxn modelId="{DAB81238-FC97-4ED2-B413-DB0F5E23FCB6}" type="presOf" srcId="{2CECF517-16A4-4A6B-B7D2-B920789ABBA4}" destId="{24BF4F90-A06D-4B1A-B0EF-10B8CFD6E7DD}" srcOrd="0" destOrd="0" presId="urn:microsoft.com/office/officeart/2005/8/layout/chevron2"/>
-    <dgm:cxn modelId="{2C8F9C43-0480-49A7-93B0-65B03DC82507}" type="presOf" srcId="{CDB9C19B-2206-489F-9AF4-06D7B73435FA}" destId="{758B686D-4E4A-4503-A45C-4DD88C77BCEA}" srcOrd="0" destOrd="0" presId="urn:microsoft.com/office/officeart/2005/8/layout/chevron2"/>
+    <dgm:cxn modelId="{C1A846BE-A192-4FB5-86CD-F8311577C380}" srcId="{C3AEF0A3-5CB2-49C6-9000-D056BBEFA60D}" destId="{A011E0F7-F588-4C8D-BCD6-7F6EA2E5E160}" srcOrd="2" destOrd="0" parTransId="{C45E2474-DC0C-4C2D-A545-69B7F9617BDF}" sibTransId="{CDAB4146-0D22-428A-A863-39DE97481B66}"/>
     <dgm:cxn modelId="{A5213644-008E-496D-A731-631A02BAF3E7}" type="presOf" srcId="{115B452B-C5B4-4656-A790-089EA493FD9B}" destId="{3BCA5A54-89C5-48D5-9936-31D0A1F44ABE}" srcOrd="0" destOrd="0" presId="urn:microsoft.com/office/officeart/2005/8/layout/chevron2"/>
+    <dgm:cxn modelId="{8CD8E768-1F2D-439D-B3DE-748EBD0A032C}" srcId="{C3AEF0A3-5CB2-49C6-9000-D056BBEFA60D}" destId="{EE02FF68-3676-4624-80D3-6B173EE9BBF9}" srcOrd="3" destOrd="0" parTransId="{2521CB2E-F768-40FC-80CE-BB7E6F85E803}" sibTransId="{98AA5BE0-FCAD-4221-8F07-03024030CE23}"/>
+    <dgm:cxn modelId="{8CA911E1-2113-4593-9211-A20709331E57}" srcId="{9DEB1442-88FA-412E-AF8E-7CB0E69F502A}" destId="{115B452B-C5B4-4656-A790-089EA493FD9B}" srcOrd="0" destOrd="0" parTransId="{86E039D6-19BF-4B6D-8925-32224574B6E6}" sibTransId="{8CD38E03-E404-4769-A1CF-DE7C081184BF}"/>
     <dgm:cxn modelId="{FF7DB346-76ED-4C9D-B154-2C8FB0750029}" type="presOf" srcId="{5A4A2A31-33CE-4D85-95B8-30BCFCC84564}" destId="{BA4E67CC-F177-4F9B-A372-AB917E5C536B}" srcOrd="0" destOrd="0" presId="urn:microsoft.com/office/officeart/2005/8/layout/chevron2"/>
-    <dgm:cxn modelId="{8CD8E768-1F2D-439D-B3DE-748EBD0A032C}" srcId="{C3AEF0A3-5CB2-49C6-9000-D056BBEFA60D}" destId="{EE02FF68-3676-4624-80D3-6B173EE9BBF9}" srcOrd="3" destOrd="0" parTransId="{2521CB2E-F768-40FC-80CE-BB7E6F85E803}" sibTransId="{98AA5BE0-FCAD-4221-8F07-03024030CE23}"/>
-    <dgm:cxn modelId="{79D1A853-7482-40D5-BDA9-70EA4220A74C}" type="presOf" srcId="{CE3C39E7-ECAF-4F61-B7C2-BEDFC1F75578}" destId="{AE732B93-C217-44D0-ADC0-3DFE6F1898F0}" srcOrd="0" destOrd="0" presId="urn:microsoft.com/office/officeart/2005/8/layout/chevron2"/>
-    <dgm:cxn modelId="{72ABE755-C560-4341-BC49-F739521B1EAA}" type="presOf" srcId="{9DEB1442-88FA-412E-AF8E-7CB0E69F502A}" destId="{A79FA5CD-F63A-4C28-A6AF-33555776AA10}" srcOrd="0" destOrd="0" presId="urn:microsoft.com/office/officeart/2005/8/layout/chevron2"/>
-    <dgm:cxn modelId="{90E46483-6B00-4B7E-ABD2-3B50DC70B56A}" srcId="{5BFBD139-1CB4-4363-9269-7E6622BCBC8A}" destId="{348FA5D1-B30F-411C-BB3D-0D2E21C283AE}" srcOrd="0" destOrd="0" parTransId="{1EBB088E-853B-425E-AA04-B84EBE200B1D}" sibTransId="{898E3428-D547-4459-8E1F-4005B6CD7FDB}"/>
-    <dgm:cxn modelId="{FC3F7CB8-CF2C-46DF-96A8-3B026E4A1104}" type="presOf" srcId="{C3AEF0A3-5CB2-49C6-9000-D056BBEFA60D}" destId="{F6E71AD5-E7D5-4410-9AC9-1BB6E7DD5B43}" srcOrd="0" destOrd="0" presId="urn:microsoft.com/office/officeart/2005/8/layout/chevron2"/>
-    <dgm:cxn modelId="{C1A846BE-A192-4FB5-86CD-F8311577C380}" srcId="{C3AEF0A3-5CB2-49C6-9000-D056BBEFA60D}" destId="{A011E0F7-F588-4C8D-BCD6-7F6EA2E5E160}" srcOrd="2" destOrd="0" parTransId="{C45E2474-DC0C-4C2D-A545-69B7F9617BDF}" sibTransId="{CDAB4146-0D22-428A-A863-39DE97481B66}"/>
-    <dgm:cxn modelId="{06415EC5-E3C0-4C4D-8F4C-719F8F21A466}" srcId="{C3AEF0A3-5CB2-49C6-9000-D056BBEFA60D}" destId="{2CECF517-16A4-4A6B-B7D2-B920789ABBA4}" srcOrd="0" destOrd="0" parTransId="{7ED45248-2497-4A86-A6A4-0363CA21B9E6}" sibTransId="{2B80DF6B-2B16-4522-97A5-FC5C9E8CF3AF}"/>
-    <dgm:cxn modelId="{0EE25DC9-0A81-48AA-9A3C-6A7E94891269}" srcId="{C3AEF0A3-5CB2-49C6-9000-D056BBEFA60D}" destId="{9DEB1442-88FA-412E-AF8E-7CB0E69F502A}" srcOrd="5" destOrd="0" parTransId="{74C13E0E-DB61-4C27-AF4A-5D003EBA1EB3}" sibTransId="{25E3C0CA-BAC0-4603-B919-9379C2301E4F}"/>
-    <dgm:cxn modelId="{90187ACB-8ADA-4068-9E05-04F234CC67E5}" type="presOf" srcId="{EE02FF68-3676-4624-80D3-6B173EE9BBF9}" destId="{23FC2A95-3F55-43D8-8D98-17E198B2D967}" srcOrd="0" destOrd="0" presId="urn:microsoft.com/office/officeart/2005/8/layout/chevron2"/>
-    <dgm:cxn modelId="{74BF84D0-D319-4E71-8D90-69774F42CA2D}" type="presOf" srcId="{C16DFD09-DC49-4373-A2B7-FA28DF1DF3B5}" destId="{86DE861C-2F44-4B08-88B3-F73CA49E686F}" srcOrd="0" destOrd="0" presId="urn:microsoft.com/office/officeart/2005/8/layout/chevron2"/>
-    <dgm:cxn modelId="{59DBBBD0-C0F7-4716-B9F3-F38964A47423}" type="presOf" srcId="{348FA5D1-B30F-411C-BB3D-0D2E21C283AE}" destId="{9559C1D2-75D4-4C9C-AB81-9AFA23D91352}" srcOrd="0" destOrd="0" presId="urn:microsoft.com/office/officeart/2005/8/layout/chevron2"/>
-    <dgm:cxn modelId="{BD2800D8-69AB-4D19-810E-12C2D4B10951}" type="presOf" srcId="{5BFBD139-1CB4-4363-9269-7E6622BCBC8A}" destId="{52AAD766-EB81-4258-BC93-9990ED45895D}" srcOrd="0" destOrd="0" presId="urn:microsoft.com/office/officeart/2005/8/layout/chevron2"/>
-    <dgm:cxn modelId="{8CA911E1-2113-4593-9211-A20709331E57}" srcId="{9DEB1442-88FA-412E-AF8E-7CB0E69F502A}" destId="{115B452B-C5B4-4656-A790-089EA493FD9B}" srcOrd="0" destOrd="0" parTransId="{86E039D6-19BF-4B6D-8925-32224574B6E6}" sibTransId="{8CD38E03-E404-4769-A1CF-DE7C081184BF}"/>
-    <dgm:cxn modelId="{05EC44E4-EB08-4921-A636-252049935D8E}" srcId="{C16DFD09-DC49-4373-A2B7-FA28DF1DF3B5}" destId="{98C33624-850F-4F3E-951D-01B6717A12FD}" srcOrd="0" destOrd="0" parTransId="{971F66C8-3C43-4FD9-A81E-304F064692B3}" sibTransId="{ACBFDBAA-0A79-431B-B8BB-320665E8F46D}"/>
-    <dgm:cxn modelId="{E1D3D4E9-3833-4B2E-8858-189C5F7A2151}" srcId="{C3AEF0A3-5CB2-49C6-9000-D056BBEFA60D}" destId="{C16DFD09-DC49-4373-A2B7-FA28DF1DF3B5}" srcOrd="4" destOrd="0" parTransId="{B31F0BE9-B5EB-42B5-8D28-09EFDC876BC6}" sibTransId="{015E8DE0-440C-4CC0-B07A-0D6292878838}"/>
     <dgm:cxn modelId="{B50F59DD-8A8F-4DF1-B4EA-3D1C90B5E192}" type="presParOf" srcId="{F6E71AD5-E7D5-4410-9AC9-1BB6E7DD5B43}" destId="{7D341E6A-693C-4246-85DC-72CAF7928A21}" srcOrd="0" destOrd="0" presId="urn:microsoft.com/office/officeart/2005/8/layout/chevron2"/>
     <dgm:cxn modelId="{0E0CA047-BC10-4AB2-AA36-E5D64F5EEE26}" type="presParOf" srcId="{7D341E6A-693C-4246-85DC-72CAF7928A21}" destId="{24BF4F90-A06D-4B1A-B0EF-10B8CFD6E7DD}" srcOrd="0" destOrd="0" presId="urn:microsoft.com/office/officeart/2005/8/layout/chevron2"/>
     <dgm:cxn modelId="{F0B3B389-E1BA-47A4-8B4B-F8DD1E61C530}" type="presParOf" srcId="{7D341E6A-693C-4246-85DC-72CAF7928A21}" destId="{AE732B93-C217-44D0-ADC0-3DFE6F1898F0}" srcOrd="1" destOrd="0" presId="urn:microsoft.com/office/officeart/2005/8/layout/chevron2"/>
@@ -1633,7 +1731,7 @@
         </a:bodyPr>
         <a:lstStyle/>
         <a:p>
-          <a:pPr marL="0" lvl="0" indent="0" algn="ctr" defTabSz="800100">
+          <a:pPr lvl="0" algn="ctr" defTabSz="800100">
             <a:lnSpc>
               <a:spcPct val="90000"/>
             </a:lnSpc>
@@ -1643,7 +1741,6 @@
             <a:spcAft>
               <a:spcPct val="35000"/>
             </a:spcAft>
-            <a:buNone/>
           </a:pPr>
           <a:r>
             <a:rPr lang="en-AU" sz="1800" kern="1200" dirty="0"/>
@@ -1719,7 +1816,7 @@
             <a:spcAft>
               <a:spcPct val="15000"/>
             </a:spcAft>
-            <a:buChar char="•"/>
+            <a:buChar char="••"/>
           </a:pPr>
           <a:r>
             <a:rPr lang="en-AU" sz="3600" kern="1200" dirty="0"/>
@@ -1786,7 +1883,7 @@
         </a:bodyPr>
         <a:lstStyle/>
         <a:p>
-          <a:pPr marL="0" lvl="0" indent="0" algn="ctr" defTabSz="800100">
+          <a:pPr lvl="0" algn="ctr" defTabSz="800100">
             <a:lnSpc>
               <a:spcPct val="90000"/>
             </a:lnSpc>
@@ -1796,7 +1893,6 @@
             <a:spcAft>
               <a:spcPct val="35000"/>
             </a:spcAft>
-            <a:buNone/>
           </a:pPr>
           <a:r>
             <a:rPr lang="en-AU" sz="1800" kern="1200" dirty="0"/>
@@ -1872,7 +1968,7 @@
             <a:spcAft>
               <a:spcPct val="15000"/>
             </a:spcAft>
-            <a:buChar char="•"/>
+            <a:buChar char="••"/>
           </a:pPr>
           <a:r>
             <a:rPr lang="en-AU" sz="3600" kern="1200" dirty="0"/>
@@ -1939,7 +2035,7 @@
         </a:bodyPr>
         <a:lstStyle/>
         <a:p>
-          <a:pPr marL="0" lvl="0" indent="0" algn="ctr" defTabSz="800100">
+          <a:pPr lvl="0" algn="ctr" defTabSz="800100">
             <a:lnSpc>
               <a:spcPct val="90000"/>
             </a:lnSpc>
@@ -1949,7 +2045,6 @@
             <a:spcAft>
               <a:spcPct val="35000"/>
             </a:spcAft>
-            <a:buNone/>
           </a:pPr>
           <a:r>
             <a:rPr lang="en-AU" sz="1800" kern="1200" dirty="0"/>
@@ -2025,7 +2120,7 @@
             <a:spcAft>
               <a:spcPct val="15000"/>
             </a:spcAft>
-            <a:buChar char="•"/>
+            <a:buChar char="••"/>
           </a:pPr>
           <a:r>
             <a:rPr lang="en-AU" sz="3600" kern="1200" dirty="0"/>
@@ -2092,7 +2187,7 @@
         </a:bodyPr>
         <a:lstStyle/>
         <a:p>
-          <a:pPr marL="0" lvl="0" indent="0" algn="ctr" defTabSz="800100">
+          <a:pPr lvl="0" algn="ctr" defTabSz="800100">
             <a:lnSpc>
               <a:spcPct val="90000"/>
             </a:lnSpc>
@@ -2102,7 +2197,6 @@
             <a:spcAft>
               <a:spcPct val="35000"/>
             </a:spcAft>
-            <a:buNone/>
           </a:pPr>
           <a:r>
             <a:rPr lang="en-AU" sz="1800" kern="1200" dirty="0"/>
@@ -2178,7 +2272,7 @@
             <a:spcAft>
               <a:spcPct val="15000"/>
             </a:spcAft>
-            <a:buChar char="•"/>
+            <a:buChar char="••"/>
           </a:pPr>
           <a:r>
             <a:rPr lang="en-AU" sz="3600" kern="1200" dirty="0"/>
@@ -2245,7 +2339,7 @@
         </a:bodyPr>
         <a:lstStyle/>
         <a:p>
-          <a:pPr marL="0" lvl="0" indent="0" algn="ctr" defTabSz="800100">
+          <a:pPr lvl="0" algn="ctr" defTabSz="800100">
             <a:lnSpc>
               <a:spcPct val="90000"/>
             </a:lnSpc>
@@ -2255,7 +2349,6 @@
             <a:spcAft>
               <a:spcPct val="35000"/>
             </a:spcAft>
-            <a:buNone/>
           </a:pPr>
           <a:r>
             <a:rPr lang="en-AU" sz="1800" kern="1200" dirty="0"/>
@@ -2331,7 +2424,7 @@
             <a:spcAft>
               <a:spcPct val="15000"/>
             </a:spcAft>
-            <a:buChar char="•"/>
+            <a:buChar char="••"/>
           </a:pPr>
           <a:r>
             <a:rPr lang="en-AU" sz="3600" kern="1200" dirty="0"/>
@@ -2398,7 +2491,7 @@
         </a:bodyPr>
         <a:lstStyle/>
         <a:p>
-          <a:pPr marL="0" lvl="0" indent="0" algn="ctr" defTabSz="800100">
+          <a:pPr lvl="0" algn="ctr" defTabSz="800100">
             <a:lnSpc>
               <a:spcPct val="90000"/>
             </a:lnSpc>
@@ -2408,7 +2501,6 @@
             <a:spcAft>
               <a:spcPct val="35000"/>
             </a:spcAft>
-            <a:buNone/>
           </a:pPr>
           <a:r>
             <a:rPr lang="en-AU" sz="1800" kern="1200" dirty="0"/>
@@ -2484,7 +2576,7 @@
             <a:spcAft>
               <a:spcPct val="15000"/>
             </a:spcAft>
-            <a:buChar char="•"/>
+            <a:buChar char="••"/>
           </a:pPr>
           <a:r>
             <a:rPr lang="en-AU" sz="3600" kern="1200" dirty="0"/>
@@ -3873,7 +3965,7 @@
           <a:p>
             <a:fld id="{FE5B4EDC-59C0-49C7-8ADA-5A781B329E02}" type="datetimeFigureOut">
               <a:rPr lang="en-US"/>
-              <a:t>10/21/2018</a:t>
+              <a:t>11/1/2018</a:t>
             </a:fld>
             <a:endParaRPr/>
           </a:p>
@@ -4038,7 +4130,7 @@
           <a:p>
             <a:fld id="{F2D8D46A-B586-417D-BFBD-8C8FE0AAF762}" type="datetimeFigureOut">
               <a:rPr lang="en-US"/>
-              <a:t>10/21/2018</a:t>
+              <a:t>11/1/2018</a:t>
             </a:fld>
             <a:endParaRPr/>
           </a:p>
@@ -4298,6 +4390,550 @@
     </a:lvl9pPr>
   </p:notesStyle>
 </p:notesMaster>
+</file>
+
+<file path=ppt/notesSlides/notesSlide1.xml><?xml version="1.0" encoding="utf-8"?>
+<p:notes xmlns:a="http://schemas.openxmlformats.org/drawingml/2006/main" xmlns:r="http://schemas.openxmlformats.org/officeDocument/2006/relationships" xmlns:p="http://schemas.openxmlformats.org/presentationml/2006/main">
+  <p:cSld>
+    <p:spTree>
+      <p:nvGrpSpPr>
+        <p:cNvPr id="1" name=""/>
+        <p:cNvGrpSpPr/>
+        <p:nvPr/>
+      </p:nvGrpSpPr>
+      <p:grpSpPr>
+        <a:xfrm>
+          <a:off x="0" y="0"/>
+          <a:ext cx="0" cy="0"/>
+          <a:chOff x="0" y="0"/>
+          <a:chExt cx="0" cy="0"/>
+        </a:xfrm>
+      </p:grpSpPr>
+      <p:sp>
+        <p:nvSpPr>
+          <p:cNvPr id="2" name="Slide Image Placeholder 1"/>
+          <p:cNvSpPr>
+            <a:spLocks noGrp="1" noRot="1" noChangeAspect="1"/>
+          </p:cNvSpPr>
+          <p:nvPr>
+            <p:ph type="sldImg"/>
+          </p:nvPr>
+        </p:nvSpPr>
+        <p:spPr/>
+      </p:sp>
+      <p:sp>
+        <p:nvSpPr>
+          <p:cNvPr id="3" name="Notes Placeholder 2"/>
+          <p:cNvSpPr>
+            <a:spLocks noGrp="1"/>
+          </p:cNvSpPr>
+          <p:nvPr>
+            <p:ph type="body" idx="1"/>
+          </p:nvPr>
+        </p:nvSpPr>
+        <p:spPr/>
+        <p:txBody>
+          <a:bodyPr/>
+          <a:lstStyle/>
+          <a:p>
+            <a:pPr marL="0" marR="0" lvl="0" indent="0" algn="l" defTabSz="1218987" rtl="0" eaLnBrk="1" fontAlgn="auto" latinLnBrk="0" hangingPunct="1">
+              <a:lnSpc>
+                <a:spcPct val="100000"/>
+              </a:lnSpc>
+              <a:spcBef>
+                <a:spcPts val="0"/>
+              </a:spcBef>
+              <a:spcAft>
+                <a:spcPts val="0"/>
+              </a:spcAft>
+              <a:buClrTx/>
+              <a:buSzTx/>
+              <a:buFontTx/>
+              <a:buNone/>
+              <a:tabLst/>
+              <a:defRPr/>
+            </a:pPr>
+            <a:r>
+              <a:rPr lang="en-AU" spc="-1" dirty="0" smtClean="0">
+                <a:solidFill>
+                  <a:srgbClr val="FFFFFF"/>
+                </a:solidFill>
+                <a:uFill>
+                  <a:solidFill>
+                    <a:srgbClr val="FFFFFF"/>
+                  </a:solidFill>
+                </a:uFill>
+                <a:latin typeface="Arial"/>
+              </a:rPr>
+              <a:t>Initially started on own but requested to join team </a:t>
+            </a:r>
+            <a:r>
+              <a:rPr lang="en-AU" spc="-1" dirty="0" err="1" smtClean="0">
+                <a:solidFill>
+                  <a:srgbClr val="FFFFFF"/>
+                </a:solidFill>
+                <a:uFill>
+                  <a:solidFill>
+                    <a:srgbClr val="FFFFFF"/>
+                  </a:solidFill>
+                </a:uFill>
+                <a:latin typeface="Arial"/>
+              </a:rPr>
+              <a:t>UnicorNN</a:t>
+            </a:r>
+            <a:endParaRPr lang="en-AU" spc="-1" dirty="0" smtClean="0">
+              <a:solidFill>
+                <a:srgbClr val="FFFFFF"/>
+              </a:solidFill>
+              <a:uFill>
+                <a:solidFill>
+                  <a:srgbClr val="FFFFFF"/>
+                </a:solidFill>
+              </a:uFill>
+              <a:latin typeface="Arial"/>
+            </a:endParaRPr>
+          </a:p>
+          <a:p>
+            <a:pPr marL="0" marR="0" lvl="0" indent="0" algn="l" defTabSz="1218987" rtl="0" eaLnBrk="1" fontAlgn="auto" latinLnBrk="0" hangingPunct="1">
+              <a:lnSpc>
+                <a:spcPct val="100000"/>
+              </a:lnSpc>
+              <a:spcBef>
+                <a:spcPts val="0"/>
+              </a:spcBef>
+              <a:spcAft>
+                <a:spcPts val="0"/>
+              </a:spcAft>
+              <a:buClrTx/>
+              <a:buSzTx/>
+              <a:buFontTx/>
+              <a:buNone/>
+              <a:tabLst/>
+              <a:defRPr/>
+            </a:pPr>
+            <a:r>
+              <a:rPr lang="en-AU" spc="-1" dirty="0" err="1" smtClean="0">
+                <a:solidFill>
+                  <a:srgbClr val="FFFFFF"/>
+                </a:solidFill>
+                <a:uFill>
+                  <a:solidFill>
+                    <a:srgbClr val="FFFFFF"/>
+                  </a:solidFill>
+                </a:uFill>
+                <a:latin typeface="Arial"/>
+              </a:rPr>
+              <a:t>Createing</a:t>
+            </a:r>
+            <a:r>
+              <a:rPr lang="en-AU" spc="-1" dirty="0" smtClean="0">
+                <a:solidFill>
+                  <a:srgbClr val="FFFFFF"/>
+                </a:solidFill>
+                <a:uFill>
+                  <a:solidFill>
+                    <a:srgbClr val="FFFFFF"/>
+                  </a:solidFill>
+                </a:uFill>
+                <a:latin typeface="Arial"/>
+              </a:rPr>
+              <a:t> a clean dataset took 80% of time for this project</a:t>
+            </a:r>
+          </a:p>
+          <a:p>
+            <a:endParaRPr lang="en-AU" dirty="0"/>
+          </a:p>
+        </p:txBody>
+      </p:sp>
+      <p:sp>
+        <p:nvSpPr>
+          <p:cNvPr id="4" name="Slide Number Placeholder 3"/>
+          <p:cNvSpPr>
+            <a:spLocks noGrp="1"/>
+          </p:cNvSpPr>
+          <p:nvPr>
+            <p:ph type="sldNum" sz="quarter" idx="10"/>
+          </p:nvPr>
+        </p:nvSpPr>
+        <p:spPr/>
+        <p:txBody>
+          <a:bodyPr/>
+          <a:lstStyle/>
+          <a:p>
+            <a:fld id="{3EBA5BD7-F043-4D1B-AA17-CD412FC534DE}" type="slidenum">
+              <a:rPr lang="en-AU" smtClean="0"/>
+              <a:t>6</a:t>
+            </a:fld>
+            <a:endParaRPr lang="en-AU"/>
+          </a:p>
+        </p:txBody>
+      </p:sp>
+    </p:spTree>
+    <p:extLst>
+      <p:ext uri="{BB962C8B-B14F-4D97-AF65-F5344CB8AC3E}">
+        <p14:creationId xmlns:p14="http://schemas.microsoft.com/office/powerpoint/2010/main" val="1050734656"/>
+      </p:ext>
+    </p:extLst>
+  </p:cSld>
+  <p:clrMapOvr>
+    <a:masterClrMapping/>
+  </p:clrMapOvr>
+</p:notes>
+</file>
+
+<file path=ppt/notesSlides/notesSlide2.xml><?xml version="1.0" encoding="utf-8"?>
+<p:notes xmlns:a="http://schemas.openxmlformats.org/drawingml/2006/main" xmlns:r="http://schemas.openxmlformats.org/officeDocument/2006/relationships" xmlns:p="http://schemas.openxmlformats.org/presentationml/2006/main">
+  <p:cSld>
+    <p:spTree>
+      <p:nvGrpSpPr>
+        <p:cNvPr id="1" name=""/>
+        <p:cNvGrpSpPr/>
+        <p:nvPr/>
+      </p:nvGrpSpPr>
+      <p:grpSpPr>
+        <a:xfrm>
+          <a:off x="0" y="0"/>
+          <a:ext cx="0" cy="0"/>
+          <a:chOff x="0" y="0"/>
+          <a:chExt cx="0" cy="0"/>
+        </a:xfrm>
+      </p:grpSpPr>
+      <p:sp>
+        <p:nvSpPr>
+          <p:cNvPr id="2" name="Slide Image Placeholder 1"/>
+          <p:cNvSpPr>
+            <a:spLocks noGrp="1" noRot="1" noChangeAspect="1"/>
+          </p:cNvSpPr>
+          <p:nvPr>
+            <p:ph type="sldImg"/>
+          </p:nvPr>
+        </p:nvSpPr>
+        <p:spPr/>
+      </p:sp>
+      <p:sp>
+        <p:nvSpPr>
+          <p:cNvPr id="3" name="Notes Placeholder 2"/>
+          <p:cNvSpPr>
+            <a:spLocks noGrp="1"/>
+          </p:cNvSpPr>
+          <p:nvPr>
+            <p:ph type="body" idx="1"/>
+          </p:nvPr>
+        </p:nvSpPr>
+        <p:spPr/>
+        <p:txBody>
+          <a:bodyPr/>
+          <a:lstStyle/>
+          <a:p>
+            <a:pPr marL="0" marR="0" lvl="0" indent="0" algn="l" defTabSz="1218987" rtl="0" eaLnBrk="1" fontAlgn="auto" latinLnBrk="0" hangingPunct="1">
+              <a:lnSpc>
+                <a:spcPct val="100000"/>
+              </a:lnSpc>
+              <a:spcBef>
+                <a:spcPts val="0"/>
+              </a:spcBef>
+              <a:spcAft>
+                <a:spcPts val="0"/>
+              </a:spcAft>
+              <a:buClrTx/>
+              <a:buSzTx/>
+              <a:buFontTx/>
+              <a:buNone/>
+              <a:tabLst/>
+              <a:defRPr/>
+            </a:pPr>
+            <a:r>
+              <a:rPr lang="en-AU" dirty="0" smtClean="0"/>
+              <a:t>Data inconsistencies: gaps, </a:t>
+            </a:r>
+            <a:r>
+              <a:rPr lang="en-US" spc="-1" dirty="0" smtClean="0">
+                <a:solidFill>
+                  <a:srgbClr val="FFFFFF"/>
+                </a:solidFill>
+                <a:uFill>
+                  <a:solidFill>
+                    <a:srgbClr val="FFFFFF"/>
+                  </a:solidFill>
+                </a:uFill>
+              </a:rPr>
+              <a:t>varying start/stop dates for smart-meter acquisition.</a:t>
+            </a:r>
+          </a:p>
+          <a:p>
+            <a:endParaRPr lang="en-AU" dirty="0"/>
+          </a:p>
+        </p:txBody>
+      </p:sp>
+      <p:sp>
+        <p:nvSpPr>
+          <p:cNvPr id="4" name="Slide Number Placeholder 3"/>
+          <p:cNvSpPr>
+            <a:spLocks noGrp="1"/>
+          </p:cNvSpPr>
+          <p:nvPr>
+            <p:ph type="sldNum" sz="quarter" idx="10"/>
+          </p:nvPr>
+        </p:nvSpPr>
+        <p:spPr/>
+        <p:txBody>
+          <a:bodyPr/>
+          <a:lstStyle/>
+          <a:p>
+            <a:fld id="{3EBA5BD7-F043-4D1B-AA17-CD412FC534DE}" type="slidenum">
+              <a:rPr lang="en-AU" smtClean="0"/>
+              <a:t>7</a:t>
+            </a:fld>
+            <a:endParaRPr lang="en-AU"/>
+          </a:p>
+        </p:txBody>
+      </p:sp>
+    </p:spTree>
+    <p:extLst>
+      <p:ext uri="{BB962C8B-B14F-4D97-AF65-F5344CB8AC3E}">
+        <p14:creationId xmlns:p14="http://schemas.microsoft.com/office/powerpoint/2010/main" val="592133947"/>
+      </p:ext>
+    </p:extLst>
+  </p:cSld>
+  <p:clrMapOvr>
+    <a:masterClrMapping/>
+  </p:clrMapOvr>
+</p:notes>
+</file>
+
+<file path=ppt/notesSlides/notesSlide3.xml><?xml version="1.0" encoding="utf-8"?>
+<p:notes xmlns:a="http://schemas.openxmlformats.org/drawingml/2006/main" xmlns:r="http://schemas.openxmlformats.org/officeDocument/2006/relationships" xmlns:p="http://schemas.openxmlformats.org/presentationml/2006/main">
+  <p:cSld>
+    <p:spTree>
+      <p:nvGrpSpPr>
+        <p:cNvPr id="1" name=""/>
+        <p:cNvGrpSpPr/>
+        <p:nvPr/>
+      </p:nvGrpSpPr>
+      <p:grpSpPr>
+        <a:xfrm>
+          <a:off x="0" y="0"/>
+          <a:ext cx="0" cy="0"/>
+          <a:chOff x="0" y="0"/>
+          <a:chExt cx="0" cy="0"/>
+        </a:xfrm>
+      </p:grpSpPr>
+      <p:sp>
+        <p:nvSpPr>
+          <p:cNvPr id="2" name="Slide Image Placeholder 1"/>
+          <p:cNvSpPr>
+            <a:spLocks noGrp="1" noRot="1" noChangeAspect="1"/>
+          </p:cNvSpPr>
+          <p:nvPr>
+            <p:ph type="sldImg"/>
+          </p:nvPr>
+        </p:nvSpPr>
+        <p:spPr/>
+      </p:sp>
+      <p:sp>
+        <p:nvSpPr>
+          <p:cNvPr id="3" name="Notes Placeholder 2"/>
+          <p:cNvSpPr>
+            <a:spLocks noGrp="1"/>
+          </p:cNvSpPr>
+          <p:nvPr>
+            <p:ph type="body" idx="1"/>
+          </p:nvPr>
+        </p:nvSpPr>
+        <p:spPr/>
+        <p:txBody>
+          <a:bodyPr/>
+          <a:lstStyle/>
+          <a:p>
+            <a:r>
+              <a:rPr lang="en-AU" spc="-1" dirty="0" smtClean="0">
+                <a:solidFill>
+                  <a:srgbClr val="FFFFFF"/>
+                </a:solidFill>
+                <a:uFill>
+                  <a:solidFill>
+                    <a:srgbClr val="FFFFFF"/>
+                  </a:solidFill>
+                </a:uFill>
+                <a:latin typeface="Arial"/>
+              </a:rPr>
+              <a:t>- break the data down into a manageable size as quickly as possible -</a:t>
+            </a:r>
+            <a:endParaRPr lang="en-AU" sz="1200" spc="-1" dirty="0" smtClean="0">
+              <a:solidFill>
+                <a:srgbClr val="FFFFFF"/>
+              </a:solidFill>
+              <a:uFill>
+                <a:solidFill>
+                  <a:srgbClr val="FFFFFF"/>
+                </a:solidFill>
+              </a:uFill>
+              <a:latin typeface="Arial"/>
+            </a:endParaRPr>
+          </a:p>
+          <a:p>
+            <a:r>
+              <a:rPr lang="en-AU" spc="-1" dirty="0" smtClean="0">
+                <a:solidFill>
+                  <a:srgbClr val="FFFFFF"/>
+                </a:solidFill>
+                <a:uFill>
+                  <a:solidFill>
+                    <a:srgbClr val="FFFFFF"/>
+                  </a:solidFill>
+                </a:uFill>
+                <a:latin typeface="Arial"/>
+              </a:rPr>
+              <a:t>– build models on this, then run the workflows on the larger dataset.</a:t>
+            </a:r>
+          </a:p>
+          <a:p>
+            <a:endParaRPr lang="en-AU" sz="1200" spc="-1" dirty="0" smtClean="0">
+              <a:solidFill>
+                <a:srgbClr val="FFFFFF"/>
+              </a:solidFill>
+              <a:uFill>
+                <a:solidFill>
+                  <a:srgbClr val="FFFFFF"/>
+                </a:solidFill>
+              </a:uFill>
+              <a:latin typeface="Arial"/>
+            </a:endParaRPr>
+          </a:p>
+          <a:p>
+            <a:r>
+              <a:rPr lang="en-AU" sz="1200" spc="-1" dirty="0" smtClean="0">
+                <a:solidFill>
+                  <a:srgbClr val="FFFFFF"/>
+                </a:solidFill>
+                <a:uFill>
+                  <a:solidFill>
+                    <a:srgbClr val="FFFFFF"/>
+                  </a:solidFill>
+                </a:uFill>
+                <a:latin typeface="Arial"/>
+              </a:rPr>
+              <a:t>Clustering large time series datasets using </a:t>
+            </a:r>
+            <a:r>
+              <a:rPr lang="en-AU" sz="1200" spc="-1" dirty="0" err="1" smtClean="0">
+                <a:solidFill>
+                  <a:srgbClr val="FFFFFF"/>
+                </a:solidFill>
+                <a:uFill>
+                  <a:solidFill>
+                    <a:srgbClr val="FFFFFF"/>
+                  </a:solidFill>
+                </a:uFill>
+                <a:latin typeface="Arial"/>
+              </a:rPr>
+              <a:t>kNN</a:t>
+            </a:r>
+            <a:r>
+              <a:rPr lang="en-AU" sz="1200" spc="-1" dirty="0" smtClean="0">
+                <a:solidFill>
+                  <a:srgbClr val="FFFFFF"/>
+                </a:solidFill>
+                <a:uFill>
+                  <a:solidFill>
+                    <a:srgbClr val="FFFFFF"/>
+                  </a:solidFill>
+                </a:uFill>
+                <a:latin typeface="Arial"/>
+              </a:rPr>
+              <a:t> and dynamic time warping </a:t>
+            </a:r>
+            <a:endParaRPr lang="en-AU" sz="1050" spc="-1" dirty="0" smtClean="0">
+              <a:solidFill>
+                <a:srgbClr val="FFFFFF"/>
+              </a:solidFill>
+              <a:uFill>
+                <a:solidFill>
+                  <a:srgbClr val="FFFFFF"/>
+                </a:solidFill>
+              </a:uFill>
+              <a:latin typeface="Arial"/>
+            </a:endParaRPr>
+          </a:p>
+          <a:p>
+            <a:pPr marL="0" indent="0">
+              <a:buNone/>
+            </a:pPr>
+            <a:r>
+              <a:rPr lang="en-AU" sz="1200" spc="-1" dirty="0" smtClean="0">
+                <a:solidFill>
+                  <a:srgbClr val="FFFFFF"/>
+                </a:solidFill>
+                <a:uFill>
+                  <a:solidFill>
+                    <a:srgbClr val="FFFFFF"/>
+                  </a:solidFill>
+                </a:uFill>
+                <a:latin typeface="Arial"/>
+              </a:rPr>
+              <a:t>is very compute intensive</a:t>
+            </a:r>
+            <a:endParaRPr lang="en-AU" sz="1050" spc="-1" dirty="0" smtClean="0">
+              <a:solidFill>
+                <a:srgbClr val="FFFFFF"/>
+              </a:solidFill>
+              <a:uFill>
+                <a:solidFill>
+                  <a:srgbClr val="FFFFFF"/>
+                </a:solidFill>
+              </a:uFill>
+              <a:latin typeface="Arial"/>
+            </a:endParaRPr>
+          </a:p>
+          <a:p>
+            <a:endParaRPr lang="en-AU" sz="1200" spc="-1" dirty="0">
+              <a:solidFill>
+                <a:srgbClr val="FFFFFF"/>
+              </a:solidFill>
+              <a:uFill>
+                <a:solidFill>
+                  <a:srgbClr val="FFFFFF"/>
+                </a:solidFill>
+              </a:uFill>
+              <a:latin typeface="Arial"/>
+            </a:endParaRPr>
+          </a:p>
+        </p:txBody>
+      </p:sp>
+      <p:sp>
+        <p:nvSpPr>
+          <p:cNvPr id="4" name="Slide Number Placeholder 3"/>
+          <p:cNvSpPr>
+            <a:spLocks noGrp="1"/>
+          </p:cNvSpPr>
+          <p:nvPr>
+            <p:ph type="sldNum" sz="quarter" idx="10"/>
+          </p:nvPr>
+        </p:nvSpPr>
+        <p:spPr/>
+        <p:txBody>
+          <a:bodyPr/>
+          <a:lstStyle/>
+          <a:p>
+            <a:fld id="{3EBA5BD7-F043-4D1B-AA17-CD412FC534DE}" type="slidenum">
+              <a:rPr lang="en-AU" smtClean="0"/>
+              <a:t>8</a:t>
+            </a:fld>
+            <a:endParaRPr lang="en-AU"/>
+          </a:p>
+        </p:txBody>
+      </p:sp>
+    </p:spTree>
+    <p:extLst>
+      <p:ext uri="{BB962C8B-B14F-4D97-AF65-F5344CB8AC3E}">
+        <p14:creationId xmlns:p14="http://schemas.microsoft.com/office/powerpoint/2010/main" val="2890606694"/>
+      </p:ext>
+    </p:extLst>
+  </p:cSld>
+  <p:clrMapOvr>
+    <a:masterClrMapping/>
+  </p:clrMapOvr>
+</p:notes>
 </file>
 
 <file path=ppt/slideLayouts/slideLayout1.xml><?xml version="1.0" encoding="utf-8"?>
@@ -5056,7 +5692,7 @@
           <a:p>
             <a:fld id="{F0DFD029-FB74-4578-B929-F66AA97659CA}" type="datetimeFigureOut">
               <a:rPr lang="en-US"/>
-              <a:t>10/21/2018</a:t>
+              <a:t>11/1/2018</a:t>
             </a:fld>
             <a:endParaRPr/>
           </a:p>
@@ -5254,7 +5890,7 @@
           <a:p>
             <a:fld id="{F0DFD029-FB74-4578-B929-F66AA97659CA}" type="datetimeFigureOut">
               <a:rPr lang="en-US"/>
-              <a:t>10/21/2018</a:t>
+              <a:t>11/1/2018</a:t>
             </a:fld>
             <a:endParaRPr/>
           </a:p>
@@ -5462,7 +6098,7 @@
           <a:p>
             <a:fld id="{F0DFD029-FB74-4578-B929-F66AA97659CA}" type="datetimeFigureOut">
               <a:rPr lang="en-US"/>
-              <a:t>10/21/2018</a:t>
+              <a:t>11/1/2018</a:t>
             </a:fld>
             <a:endParaRPr/>
           </a:p>
@@ -5660,7 +6296,7 @@
           <a:p>
             <a:fld id="{F0DFD029-FB74-4578-B929-F66AA97659CA}" type="datetimeFigureOut">
               <a:rPr lang="en-US"/>
-              <a:t>10/21/2018</a:t>
+              <a:t>11/1/2018</a:t>
             </a:fld>
             <a:endParaRPr/>
           </a:p>
@@ -6092,7 +6728,7 @@
           <a:p>
             <a:fld id="{F0DFD029-FB74-4578-B929-F66AA97659CA}" type="datetimeFigureOut">
               <a:rPr lang="en-US"/>
-              <a:t>10/21/2018</a:t>
+              <a:t>11/1/2018</a:t>
             </a:fld>
             <a:endParaRPr/>
           </a:p>
@@ -6396,7 +7032,7 @@
           <a:p>
             <a:fld id="{F0DFD029-FB74-4578-B929-F66AA97659CA}" type="datetimeFigureOut">
               <a:rPr lang="en-US"/>
-              <a:t>10/21/2018</a:t>
+              <a:t>11/1/2018</a:t>
             </a:fld>
             <a:endParaRPr/>
           </a:p>
@@ -6852,7 +7488,7 @@
           <a:p>
             <a:fld id="{F0DFD029-FB74-4578-B929-F66AA97659CA}" type="datetimeFigureOut">
               <a:rPr lang="en-US"/>
-              <a:t>10/21/2018</a:t>
+              <a:t>11/1/2018</a:t>
             </a:fld>
             <a:endParaRPr/>
           </a:p>
@@ -6982,7 +7618,7 @@
           <a:p>
             <a:fld id="{F0DFD029-FB74-4578-B929-F66AA97659CA}" type="datetimeFigureOut">
               <a:rPr lang="en-US"/>
-              <a:t>10/21/2018</a:t>
+              <a:t>11/1/2018</a:t>
             </a:fld>
             <a:endParaRPr/>
           </a:p>
@@ -7089,7 +7725,7 @@
           <a:p>
             <a:fld id="{F0DFD029-FB74-4578-B929-F66AA97659CA}" type="datetimeFigureOut">
               <a:rPr lang="en-US"/>
-              <a:t>10/21/2018</a:t>
+              <a:t>11/1/2018</a:t>
             </a:fld>
             <a:endParaRPr/>
           </a:p>
@@ -7388,7 +8024,7 @@
           <a:p>
             <a:fld id="{F0DFD029-FB74-4578-B929-F66AA97659CA}" type="datetimeFigureOut">
               <a:rPr lang="en-US"/>
-              <a:t>10/21/2018</a:t>
+              <a:t>11/1/2018</a:t>
             </a:fld>
             <a:endParaRPr/>
           </a:p>
@@ -7676,7 +8312,7 @@
           <a:p>
             <a:fld id="{F0DFD029-FB74-4578-B929-F66AA97659CA}" type="datetimeFigureOut">
               <a:rPr lang="en-US"/>
-              <a:t>10/21/2018</a:t>
+              <a:t>11/1/2018</a:t>
             </a:fld>
             <a:endParaRPr/>
           </a:p>
@@ -8299,7 +8935,7 @@
             <a:fld id="{F0DFD029-FB74-4578-B929-F66AA97659CA}" type="datetimeFigureOut">
               <a:rPr lang="en-US"/>
               <a:pPr/>
-              <a:t>10/21/2018</a:t>
+              <a:t>11/1/2018</a:t>
             </a:fld>
             <a:endParaRPr/>
           </a:p>
@@ -8833,7 +9469,7 @@
           <p:cNvPr id="6" name="Rectangle 5">
             <a:extLst>
               <a:ext uri="{FF2B5EF4-FFF2-40B4-BE49-F238E27FC236}">
-                <a16:creationId xmlns:a16="http://schemas.microsoft.com/office/drawing/2014/main" id="{B00556E9-6BE7-4FBC-BF96-86696EEE03F8}"/>
+                <a16:creationId xmlns:a16="http://schemas.microsoft.com/office/drawing/2014/main" xmlns="" id="{B00556E9-6BE7-4FBC-BF96-86696EEE03F8}"/>
               </a:ext>
             </a:extLst>
           </p:cNvPr>
@@ -8879,7 +9515,7 @@
           <p:cNvPr id="8" name="Picture 7">
             <a:extLst>
               <a:ext uri="{FF2B5EF4-FFF2-40B4-BE49-F238E27FC236}">
-                <a16:creationId xmlns:a16="http://schemas.microsoft.com/office/drawing/2014/main" id="{844222BE-707C-453A-A140-8569DFCD4664}"/>
+                <a16:creationId xmlns:a16="http://schemas.microsoft.com/office/drawing/2014/main" xmlns="" id="{844222BE-707C-453A-A140-8569DFCD4664}"/>
               </a:ext>
             </a:extLst>
           </p:cNvPr>
@@ -8915,7 +9551,7 @@
           <p:cNvPr id="4" name="Picture 3">
             <a:extLst>
               <a:ext uri="{FF2B5EF4-FFF2-40B4-BE49-F238E27FC236}">
-                <a16:creationId xmlns:a16="http://schemas.microsoft.com/office/drawing/2014/main" id="{61C71974-9754-43FD-8E8E-35E616625CF2}"/>
+                <a16:creationId xmlns:a16="http://schemas.microsoft.com/office/drawing/2014/main" xmlns="" id="{61C71974-9754-43FD-8E8E-35E616625CF2}"/>
               </a:ext>
             </a:extLst>
           </p:cNvPr>
@@ -8990,13 +9626,7 @@
       </p:grpSpPr>
       <p:sp>
         <p:nvSpPr>
-          <p:cNvPr id="2" name="Title 1">
-            <a:extLst>
-              <a:ext uri="{FF2B5EF4-FFF2-40B4-BE49-F238E27FC236}">
-                <a16:creationId xmlns:a16="http://schemas.microsoft.com/office/drawing/2014/main" id="{118CBBA9-49D2-4262-9114-D0D47E7D522A}"/>
-              </a:ext>
-            </a:extLst>
-          </p:cNvPr>
+          <p:cNvPr id="4" name="Title 3"/>
           <p:cNvSpPr>
             <a:spLocks noGrp="1"/>
           </p:cNvSpPr>
@@ -9010,18 +9640,115 @@
           <a:lstStyle/>
           <a:p>
             <a:r>
-              <a:rPr lang="en-AU" dirty="0"/>
-              <a:t>Approach</a:t>
+              <a:rPr lang="en-US" dirty="0"/>
+              <a:t>Challenge 2</a:t>
             </a:r>
           </a:p>
         </p:txBody>
       </p:sp>
       <p:sp>
         <p:nvSpPr>
-          <p:cNvPr id="3" name="Content Placeholder 2">
+          <p:cNvPr id="5" name="Text Placeholder 4"/>
+          <p:cNvSpPr>
+            <a:spLocks noGrp="1"/>
+          </p:cNvSpPr>
+          <p:nvPr>
+            <p:ph type="body" idx="1"/>
+          </p:nvPr>
+        </p:nvSpPr>
+        <p:spPr/>
+        <p:txBody>
+          <a:bodyPr>
+            <a:normAutofit lnSpcReduction="10000"/>
+          </a:bodyPr>
+          <a:lstStyle/>
+          <a:p>
+            <a:r>
+              <a:rPr lang="en-US" dirty="0"/>
+              <a:t>Photovoltaic generation</a:t>
+            </a:r>
+          </a:p>
+          <a:p>
+            <a:endParaRPr lang="en-US" dirty="0"/>
+          </a:p>
+          <a:p>
+            <a:r>
+              <a:rPr lang="en-US" dirty="0"/>
+              <a:t>PART A - Detection</a:t>
+            </a:r>
+          </a:p>
+        </p:txBody>
+      </p:sp>
+    </p:spTree>
+    <p:extLst>
+      <p:ext uri="{BB962C8B-B14F-4D97-AF65-F5344CB8AC3E}">
+        <p14:creationId xmlns:p14="http://schemas.microsoft.com/office/powerpoint/2010/main" val="4264977537"/>
+      </p:ext>
+    </p:extLst>
+  </p:cSld>
+  <p:clrMapOvr>
+    <a:masterClrMapping/>
+  </p:clrMapOvr>
+  <mc:AlternateContent xmlns:mc="http://schemas.openxmlformats.org/markup-compatibility/2006" xmlns:p14="http://schemas.microsoft.com/office/powerpoint/2010/main">
+    <mc:Choice Requires="p14">
+      <p:transition spd="med" p14:dur="700">
+        <p:fade/>
+      </p:transition>
+    </mc:Choice>
+    <mc:Fallback xmlns="">
+      <p:transition spd="med">
+        <p:fade/>
+      </p:transition>
+    </mc:Fallback>
+  </mc:AlternateContent>
+</p:sld>
+</file>
+
+<file path=ppt/slides/slide11.xml><?xml version="1.0" encoding="utf-8"?>
+<p:sld xmlns:a="http://schemas.openxmlformats.org/drawingml/2006/main" xmlns:r="http://schemas.openxmlformats.org/officeDocument/2006/relationships" xmlns:p="http://schemas.openxmlformats.org/presentationml/2006/main">
+  <p:cSld>
+    <p:spTree>
+      <p:nvGrpSpPr>
+        <p:cNvPr id="1" name=""/>
+        <p:cNvGrpSpPr/>
+        <p:nvPr/>
+      </p:nvGrpSpPr>
+      <p:grpSpPr>
+        <a:xfrm>
+          <a:off x="0" y="0"/>
+          <a:ext cx="0" cy="0"/>
+          <a:chOff x="0" y="0"/>
+          <a:chExt cx="0" cy="0"/>
+        </a:xfrm>
+      </p:grpSpPr>
+      <p:sp>
+        <p:nvSpPr>
+          <p:cNvPr id="3" name="Title 2"/>
+          <p:cNvSpPr>
+            <a:spLocks noGrp="1"/>
+          </p:cNvSpPr>
+          <p:nvPr>
+            <p:ph type="title"/>
+          </p:nvPr>
+        </p:nvSpPr>
+        <p:spPr/>
+        <p:txBody>
+          <a:bodyPr/>
+          <a:lstStyle/>
+          <a:p>
+            <a:r>
+              <a:rPr lang="en-US" dirty="0"/>
+              <a:t>Overview</a:t>
+            </a:r>
+          </a:p>
+        </p:txBody>
+      </p:sp>
+      <p:sp>
+        <p:nvSpPr>
+          <p:cNvPr id="2" name="Content Placeholder 1">
             <a:extLst>
               <a:ext uri="{FF2B5EF4-FFF2-40B4-BE49-F238E27FC236}">
-                <a16:creationId xmlns:a16="http://schemas.microsoft.com/office/drawing/2014/main" id="{1E6F3B36-FA1C-4A44-8799-54720A510D55}"/>
+                <a16:creationId xmlns:a16="http://schemas.microsoft.com/office/drawing/2014/main" xmlns="" id="{51569DDC-B169-4DBF-AE32-3C50C98FCCD9}"/>
               </a:ext>
             </a:extLst>
           </p:cNvPr>
@@ -9044,6 +9771,332 @@
           <a:p>
             <a:r>
               <a:rPr lang="en-AU" dirty="0"/>
+              <a:t>Define requirements</a:t>
+            </a:r>
+          </a:p>
+          <a:p>
+            <a:pPr lvl="1"/>
+            <a:r>
+              <a:rPr lang="en-AU" dirty="0"/>
+              <a:t>Understand task</a:t>
+            </a:r>
+          </a:p>
+          <a:p>
+            <a:pPr lvl="1"/>
+            <a:r>
+              <a:rPr lang="en-AU" dirty="0"/>
+              <a:t>Analyse data</a:t>
+            </a:r>
+          </a:p>
+          <a:p>
+            <a:pPr lvl="1"/>
+            <a:r>
+              <a:rPr lang="en-AU" dirty="0"/>
+              <a:t>Form an approach</a:t>
+            </a:r>
+          </a:p>
+          <a:p>
+            <a:pPr lvl="1"/>
+            <a:r>
+              <a:rPr lang="en-AU" dirty="0"/>
+              <a:t>Consider limitations</a:t>
+            </a:r>
+          </a:p>
+          <a:p>
+            <a:pPr lvl="1"/>
+            <a:r>
+              <a:rPr lang="en-AU" dirty="0"/>
+              <a:t>Determine deliverables</a:t>
+            </a:r>
+          </a:p>
+          <a:p>
+            <a:r>
+              <a:rPr lang="en-AU" dirty="0"/>
+              <a:t>Follow to-do list (right)</a:t>
+            </a:r>
+            <a:endParaRPr lang="en-AU" dirty="0">
+              <a:sym typeface="Wingdings" panose="05000000000000000000" pitchFamily="2" charset="2"/>
+            </a:endParaRPr>
+          </a:p>
+          <a:p>
+            <a:r>
+              <a:rPr lang="en-AU" dirty="0">
+                <a:sym typeface="Wingdings" panose="05000000000000000000" pitchFamily="2" charset="2"/>
+              </a:rPr>
+              <a:t>Document learnings</a:t>
+            </a:r>
+          </a:p>
+          <a:p>
+            <a:r>
+              <a:rPr lang="en-AU" dirty="0">
+                <a:sym typeface="Wingdings" panose="05000000000000000000" pitchFamily="2" charset="2"/>
+              </a:rPr>
+              <a:t>Share insights</a:t>
+            </a:r>
+            <a:endParaRPr lang="en-AU" dirty="0"/>
+          </a:p>
+        </p:txBody>
+      </p:sp>
+      <p:graphicFrame>
+        <p:nvGraphicFramePr>
+          <p:cNvPr id="4" name="Diagram 3">
+            <a:extLst>
+              <a:ext uri="{FF2B5EF4-FFF2-40B4-BE49-F238E27FC236}">
+                <a16:creationId xmlns:a16="http://schemas.microsoft.com/office/drawing/2014/main" xmlns="" id="{8E92447E-19E6-4162-923D-17AED9E3BCF5}"/>
+              </a:ext>
+            </a:extLst>
+          </p:cNvPr>
+          <p:cNvGraphicFramePr/>
+          <p:nvPr>
+            <p:extLst>
+              <p:ext uri="{D42A27DB-BD31-4B8C-83A1-F6EECF244321}">
+                <p14:modId xmlns:p14="http://schemas.microsoft.com/office/powerpoint/2010/main" val="792332956"/>
+              </p:ext>
+            </p:extLst>
+          </p:nvPr>
+        </p:nvGraphicFramePr>
+        <p:xfrm>
+          <a:off x="5158308" y="908720"/>
+          <a:ext cx="6264182" cy="5255348"/>
+        </p:xfrm>
+        <a:graphic>
+          <a:graphicData uri="http://schemas.openxmlformats.org/drawingml/2006/diagram">
+            <dgm:relIds xmlns:dgm="http://schemas.openxmlformats.org/drawingml/2006/diagram" xmlns:r="http://schemas.openxmlformats.org/officeDocument/2006/relationships" r:dm="rId2" r:lo="rId3" r:qs="rId4" r:cs="rId5"/>
+          </a:graphicData>
+        </a:graphic>
+      </p:graphicFrame>
+    </p:spTree>
+    <p:extLst>
+      <p:ext uri="{BB962C8B-B14F-4D97-AF65-F5344CB8AC3E}">
+        <p14:creationId xmlns:p14="http://schemas.microsoft.com/office/powerpoint/2010/main" val="397710800"/>
+      </p:ext>
+    </p:extLst>
+  </p:cSld>
+  <p:clrMapOvr>
+    <a:masterClrMapping/>
+  </p:clrMapOvr>
+  <mc:AlternateContent xmlns:mc="http://schemas.openxmlformats.org/markup-compatibility/2006" xmlns:p14="http://schemas.microsoft.com/office/powerpoint/2010/main">
+    <mc:Choice Requires="p14">
+      <p:transition spd="med" p14:dur="700">
+        <p:fade/>
+      </p:transition>
+    </mc:Choice>
+    <mc:Fallback xmlns="">
+      <p:transition spd="med">
+        <p:fade/>
+      </p:transition>
+    </mc:Fallback>
+  </mc:AlternateContent>
+</p:sld>
+</file>
+
+<file path=ppt/slides/slide12.xml><?xml version="1.0" encoding="utf-8"?>
+<p:sld xmlns:a="http://schemas.openxmlformats.org/drawingml/2006/main" xmlns:r="http://schemas.openxmlformats.org/officeDocument/2006/relationships" xmlns:p="http://schemas.openxmlformats.org/presentationml/2006/main">
+  <p:cSld>
+    <p:spTree>
+      <p:nvGrpSpPr>
+        <p:cNvPr id="1" name=""/>
+        <p:cNvGrpSpPr/>
+        <p:nvPr/>
+      </p:nvGrpSpPr>
+      <p:grpSpPr>
+        <a:xfrm>
+          <a:off x="0" y="0"/>
+          <a:ext cx="0" cy="0"/>
+          <a:chOff x="0" y="0"/>
+          <a:chExt cx="0" cy="0"/>
+        </a:xfrm>
+      </p:grpSpPr>
+      <p:sp>
+        <p:nvSpPr>
+          <p:cNvPr id="2" name="Title 1">
+            <a:extLst>
+              <a:ext uri="{FF2B5EF4-FFF2-40B4-BE49-F238E27FC236}">
+                <a16:creationId xmlns:a16="http://schemas.microsoft.com/office/drawing/2014/main" xmlns="" id="{118CBBA9-49D2-4262-9114-D0D47E7D522A}"/>
+              </a:ext>
+            </a:extLst>
+          </p:cNvPr>
+          <p:cNvSpPr>
+            <a:spLocks noGrp="1"/>
+          </p:cNvSpPr>
+          <p:nvPr>
+            <p:ph type="title"/>
+          </p:nvPr>
+        </p:nvSpPr>
+        <p:spPr/>
+        <p:txBody>
+          <a:bodyPr/>
+          <a:lstStyle/>
+          <a:p>
+            <a:r>
+              <a:rPr lang="en-AU" dirty="0"/>
+              <a:t>Requirements (Part A)</a:t>
+            </a:r>
+          </a:p>
+        </p:txBody>
+      </p:sp>
+      <p:sp>
+        <p:nvSpPr>
+          <p:cNvPr id="3" name="Content Placeholder 2">
+            <a:extLst>
+              <a:ext uri="{FF2B5EF4-FFF2-40B4-BE49-F238E27FC236}">
+                <a16:creationId xmlns:a16="http://schemas.microsoft.com/office/drawing/2014/main" xmlns="" id="{1E6F3B36-FA1C-4A44-8799-54720A510D55}"/>
+              </a:ext>
+            </a:extLst>
+          </p:cNvPr>
+          <p:cNvSpPr>
+            <a:spLocks noGrp="1"/>
+          </p:cNvSpPr>
+          <p:nvPr>
+            <p:ph idx="1"/>
+          </p:nvPr>
+        </p:nvSpPr>
+        <p:spPr/>
+        <p:txBody>
+          <a:bodyPr/>
+          <a:lstStyle/>
+          <a:p>
+            <a:r>
+              <a:rPr lang="en-AU" dirty="0"/>
+              <a:t>The task</a:t>
+            </a:r>
+          </a:p>
+          <a:p>
+            <a:pPr lvl="1"/>
+            <a:r>
+              <a:rPr lang="en-AU" dirty="0"/>
+              <a:t>Utilise Western Power data to develop a model which identifies distribution embedded PV generation. Target a model accuracy of &gt;98.5%.</a:t>
+            </a:r>
+          </a:p>
+          <a:p>
+            <a:pPr lvl="1"/>
+            <a:r>
+              <a:rPr lang="en-AU" dirty="0"/>
+              <a:t>Test what works, what doesn’t work – </a:t>
+            </a:r>
+            <a:r>
+              <a:rPr lang="en-AU" i="1" dirty="0"/>
+              <a:t>document </a:t>
+            </a:r>
+            <a:r>
+              <a:rPr lang="en-AU" dirty="0"/>
+              <a:t> learnings</a:t>
+            </a:r>
+          </a:p>
+          <a:p>
+            <a:pPr lvl="1"/>
+            <a:r>
+              <a:rPr lang="en-AU" dirty="0"/>
+              <a:t>Assess model performance against a hold-out set</a:t>
+            </a:r>
+          </a:p>
+          <a:p>
+            <a:pPr lvl="1"/>
+            <a:r>
+              <a:rPr lang="en-AU" dirty="0"/>
+              <a:t>Provide required documents</a:t>
+            </a:r>
+          </a:p>
+        </p:txBody>
+      </p:sp>
+    </p:spTree>
+    <p:extLst>
+      <p:ext uri="{BB962C8B-B14F-4D97-AF65-F5344CB8AC3E}">
+        <p14:creationId xmlns:p14="http://schemas.microsoft.com/office/powerpoint/2010/main" val="1405850135"/>
+      </p:ext>
+    </p:extLst>
+  </p:cSld>
+  <p:clrMapOvr>
+    <a:masterClrMapping/>
+  </p:clrMapOvr>
+  <mc:AlternateContent xmlns:mc="http://schemas.openxmlformats.org/markup-compatibility/2006" xmlns:p14="http://schemas.microsoft.com/office/powerpoint/2010/main">
+    <mc:Choice Requires="p14">
+      <p:transition spd="med" p14:dur="700">
+        <p:fade/>
+      </p:transition>
+    </mc:Choice>
+    <mc:Fallback xmlns="">
+      <p:transition spd="med">
+        <p:fade/>
+      </p:transition>
+    </mc:Fallback>
+  </mc:AlternateContent>
+</p:sld>
+</file>
+
+<file path=ppt/slides/slide13.xml><?xml version="1.0" encoding="utf-8"?>
+<p:sld xmlns:a="http://schemas.openxmlformats.org/drawingml/2006/main" xmlns:r="http://schemas.openxmlformats.org/officeDocument/2006/relationships" xmlns:p="http://schemas.openxmlformats.org/presentationml/2006/main">
+  <p:cSld>
+    <p:spTree>
+      <p:nvGrpSpPr>
+        <p:cNvPr id="1" name=""/>
+        <p:cNvGrpSpPr/>
+        <p:nvPr/>
+      </p:nvGrpSpPr>
+      <p:grpSpPr>
+        <a:xfrm>
+          <a:off x="0" y="0"/>
+          <a:ext cx="0" cy="0"/>
+          <a:chOff x="0" y="0"/>
+          <a:chExt cx="0" cy="0"/>
+        </a:xfrm>
+      </p:grpSpPr>
+      <p:sp>
+        <p:nvSpPr>
+          <p:cNvPr id="2" name="Title 1">
+            <a:extLst>
+              <a:ext uri="{FF2B5EF4-FFF2-40B4-BE49-F238E27FC236}">
+                <a16:creationId xmlns:a16="http://schemas.microsoft.com/office/drawing/2014/main" xmlns="" id="{118CBBA9-49D2-4262-9114-D0D47E7D522A}"/>
+              </a:ext>
+            </a:extLst>
+          </p:cNvPr>
+          <p:cNvSpPr>
+            <a:spLocks noGrp="1"/>
+          </p:cNvSpPr>
+          <p:nvPr>
+            <p:ph type="title"/>
+          </p:nvPr>
+        </p:nvSpPr>
+        <p:spPr/>
+        <p:txBody>
+          <a:bodyPr/>
+          <a:lstStyle/>
+          <a:p>
+            <a:r>
+              <a:rPr lang="en-AU" dirty="0"/>
+              <a:t>Approach</a:t>
+            </a:r>
+          </a:p>
+        </p:txBody>
+      </p:sp>
+      <p:sp>
+        <p:nvSpPr>
+          <p:cNvPr id="3" name="Content Placeholder 2">
+            <a:extLst>
+              <a:ext uri="{FF2B5EF4-FFF2-40B4-BE49-F238E27FC236}">
+                <a16:creationId xmlns:a16="http://schemas.microsoft.com/office/drawing/2014/main" xmlns="" id="{1E6F3B36-FA1C-4A44-8799-54720A510D55}"/>
+              </a:ext>
+            </a:extLst>
+          </p:cNvPr>
+          <p:cNvSpPr>
+            <a:spLocks noGrp="1"/>
+          </p:cNvSpPr>
+          <p:nvPr>
+            <p:ph idx="1"/>
+          </p:nvPr>
+        </p:nvSpPr>
+        <p:spPr>
+          <a:xfrm>
+            <a:off x="1218883" y="1701797"/>
+            <a:ext cx="4155449" cy="4462272"/>
+          </a:xfrm>
+        </p:spPr>
+        <p:txBody>
+          <a:bodyPr/>
+          <a:lstStyle/>
+          <a:p>
+            <a:r>
+              <a:rPr lang="en-AU" dirty="0"/>
               <a:t>Understand Data</a:t>
             </a:r>
           </a:p>
@@ -9051,7 +10104,837 @@
             <a:pPr lvl="1"/>
             <a:r>
               <a:rPr lang="en-AU" dirty="0"/>
-              <a:t>And have a bit of fun…</a:t>
+              <a:t>What is provided?</a:t>
+            </a:r>
+          </a:p>
+        </p:txBody>
+      </p:sp>
+      <p:pic>
+        <p:nvPicPr>
+          <p:cNvPr id="4" name="Picture 3">
+            <a:extLst>
+              <a:ext uri="{FF2B5EF4-FFF2-40B4-BE49-F238E27FC236}">
+                <a16:creationId xmlns:a16="http://schemas.microsoft.com/office/drawing/2014/main" xmlns="" id="{60407E82-ED49-48E1-845F-A67334BDA690}"/>
+              </a:ext>
+            </a:extLst>
+          </p:cNvPr>
+          <p:cNvPicPr>
+            <a:picLocks noChangeAspect="1"/>
+          </p:cNvPicPr>
+          <p:nvPr/>
+        </p:nvPicPr>
+        <p:blipFill>
+          <a:blip r:embed="rId2"/>
+          <a:stretch>
+            <a:fillRect/>
+          </a:stretch>
+        </p:blipFill>
+        <p:spPr>
+          <a:xfrm>
+            <a:off x="1218883" y="2852936"/>
+            <a:ext cx="4586356" cy="1296144"/>
+          </a:xfrm>
+          <a:prstGeom prst="rect">
+            <a:avLst/>
+          </a:prstGeom>
+        </p:spPr>
+      </p:pic>
+      <p:sp>
+        <p:nvSpPr>
+          <p:cNvPr id="5" name="Content Placeholder 2">
+            <a:extLst>
+              <a:ext uri="{FF2B5EF4-FFF2-40B4-BE49-F238E27FC236}">
+                <a16:creationId xmlns:a16="http://schemas.microsoft.com/office/drawing/2014/main" xmlns="" id="{8CE8AF33-D730-4EBA-9FBD-DBA3E37E84FC}"/>
+              </a:ext>
+            </a:extLst>
+          </p:cNvPr>
+          <p:cNvSpPr txBox="1">
+            <a:spLocks/>
+          </p:cNvSpPr>
+          <p:nvPr/>
+        </p:nvSpPr>
+        <p:spPr>
+          <a:xfrm>
+            <a:off x="6161183" y="1628800"/>
+            <a:ext cx="4155449" cy="4462272"/>
+          </a:xfrm>
+          <a:prstGeom prst="rect">
+            <a:avLst/>
+          </a:prstGeom>
+        </p:spPr>
+        <p:txBody>
+          <a:bodyPr vert="horz" lIns="121899" tIns="60949" rIns="121899" bIns="60949" rtlCol="0">
+            <a:normAutofit/>
+          </a:bodyPr>
+          <a:lstStyle>
+            <a:lvl1pPr marL="304747" indent="-304747" algn="l" defTabSz="1218987" rtl="0" eaLnBrk="1" latinLnBrk="0" hangingPunct="1">
+              <a:lnSpc>
+                <a:spcPct val="90000"/>
+              </a:lnSpc>
+              <a:spcBef>
+                <a:spcPts val="1600"/>
+              </a:spcBef>
+              <a:buClr>
+                <a:schemeClr val="accent1"/>
+              </a:buClr>
+              <a:buSzPct val="100000"/>
+              <a:buFont typeface="Arial" pitchFamily="34" charset="0"/>
+              <a:buChar char="•"/>
+              <a:defRPr sz="2800" kern="1200">
+                <a:solidFill>
+                  <a:schemeClr val="tx1"/>
+                </a:solidFill>
+                <a:latin typeface="+mn-lt"/>
+                <a:ea typeface="+mn-ea"/>
+                <a:cs typeface="+mn-cs"/>
+              </a:defRPr>
+            </a:lvl1pPr>
+            <a:lvl2pPr marL="609493" indent="-231607" algn="l" defTabSz="1218987" rtl="0" eaLnBrk="1" latinLnBrk="0" hangingPunct="1">
+              <a:lnSpc>
+                <a:spcPct val="90000"/>
+              </a:lnSpc>
+              <a:spcBef>
+                <a:spcPts val="800"/>
+              </a:spcBef>
+              <a:buClr>
+                <a:schemeClr val="accent1"/>
+              </a:buClr>
+              <a:buSzPct val="80000"/>
+              <a:buFont typeface="Arial" pitchFamily="34" charset="0"/>
+              <a:buChar char="•"/>
+              <a:defRPr sz="2400" kern="1200">
+                <a:solidFill>
+                  <a:schemeClr val="tx1"/>
+                </a:solidFill>
+                <a:latin typeface="+mn-lt"/>
+                <a:ea typeface="+mn-ea"/>
+                <a:cs typeface="+mn-cs"/>
+              </a:defRPr>
+            </a:lvl2pPr>
+            <a:lvl3pPr marL="914240" indent="-231607" algn="l" defTabSz="1218987" rtl="0" eaLnBrk="1" latinLnBrk="0" hangingPunct="1">
+              <a:lnSpc>
+                <a:spcPct val="90000"/>
+              </a:lnSpc>
+              <a:spcBef>
+                <a:spcPts val="800"/>
+              </a:spcBef>
+              <a:buClr>
+                <a:schemeClr val="accent1"/>
+              </a:buClr>
+              <a:buSzPct val="80000"/>
+              <a:buFont typeface="Arial" pitchFamily="34" charset="0"/>
+              <a:buChar char="•"/>
+              <a:defRPr sz="2000" kern="1200">
+                <a:solidFill>
+                  <a:schemeClr val="tx1"/>
+                </a:solidFill>
+                <a:latin typeface="+mn-lt"/>
+                <a:ea typeface="+mn-ea"/>
+                <a:cs typeface="+mn-cs"/>
+              </a:defRPr>
+            </a:lvl3pPr>
+            <a:lvl4pPr marL="1218987" indent="-231607" algn="l" defTabSz="1218987" rtl="0" eaLnBrk="1" latinLnBrk="0" hangingPunct="1">
+              <a:lnSpc>
+                <a:spcPct val="90000"/>
+              </a:lnSpc>
+              <a:spcBef>
+                <a:spcPts val="800"/>
+              </a:spcBef>
+              <a:buClr>
+                <a:schemeClr val="accent1"/>
+              </a:buClr>
+              <a:buSzPct val="80000"/>
+              <a:buFont typeface="Arial" pitchFamily="34" charset="0"/>
+              <a:buChar char="•"/>
+              <a:defRPr sz="2000" kern="1200">
+                <a:solidFill>
+                  <a:schemeClr val="tx1"/>
+                </a:solidFill>
+                <a:latin typeface="+mn-lt"/>
+                <a:ea typeface="+mn-ea"/>
+                <a:cs typeface="+mn-cs"/>
+              </a:defRPr>
+            </a:lvl4pPr>
+            <a:lvl5pPr marL="1523733" indent="-231607" algn="l" defTabSz="1218987" rtl="0" eaLnBrk="1" latinLnBrk="0" hangingPunct="1">
+              <a:lnSpc>
+                <a:spcPct val="90000"/>
+              </a:lnSpc>
+              <a:spcBef>
+                <a:spcPts val="800"/>
+              </a:spcBef>
+              <a:buClr>
+                <a:schemeClr val="accent1"/>
+              </a:buClr>
+              <a:buSzPct val="80000"/>
+              <a:buFont typeface="Arial" pitchFamily="34" charset="0"/>
+              <a:buChar char="•"/>
+              <a:defRPr sz="2000" kern="1200">
+                <a:solidFill>
+                  <a:schemeClr val="tx1"/>
+                </a:solidFill>
+                <a:latin typeface="+mn-lt"/>
+                <a:ea typeface="+mn-ea"/>
+                <a:cs typeface="+mn-cs"/>
+              </a:defRPr>
+            </a:lvl5pPr>
+            <a:lvl6pPr marL="1828480" indent="-231607" algn="l" defTabSz="1218987" rtl="0" eaLnBrk="1" latinLnBrk="0" hangingPunct="1">
+              <a:lnSpc>
+                <a:spcPct val="90000"/>
+              </a:lnSpc>
+              <a:spcBef>
+                <a:spcPts val="800"/>
+              </a:spcBef>
+              <a:buClr>
+                <a:schemeClr val="accent1"/>
+              </a:buClr>
+              <a:buSzPct val="80000"/>
+              <a:buFont typeface="Arial" pitchFamily="34" charset="0"/>
+              <a:buChar char="•"/>
+              <a:defRPr sz="2000" kern="1200">
+                <a:solidFill>
+                  <a:schemeClr val="tx1"/>
+                </a:solidFill>
+                <a:latin typeface="+mn-lt"/>
+                <a:ea typeface="+mn-ea"/>
+                <a:cs typeface="+mn-cs"/>
+              </a:defRPr>
+            </a:lvl6pPr>
+            <a:lvl7pPr marL="2133227" indent="-231607" algn="l" defTabSz="1218987" rtl="0" eaLnBrk="1" latinLnBrk="0" hangingPunct="1">
+              <a:lnSpc>
+                <a:spcPct val="90000"/>
+              </a:lnSpc>
+              <a:spcBef>
+                <a:spcPts val="800"/>
+              </a:spcBef>
+              <a:buClr>
+                <a:schemeClr val="accent1"/>
+              </a:buClr>
+              <a:buSzPct val="80000"/>
+              <a:buFont typeface="Arial" pitchFamily="34" charset="0"/>
+              <a:buChar char="•"/>
+              <a:defRPr sz="2000" kern="1200">
+                <a:solidFill>
+                  <a:schemeClr val="tx1"/>
+                </a:solidFill>
+                <a:latin typeface="+mn-lt"/>
+                <a:ea typeface="+mn-ea"/>
+                <a:cs typeface="+mn-cs"/>
+              </a:defRPr>
+            </a:lvl7pPr>
+            <a:lvl8pPr marL="2437973" indent="-231607" algn="l" defTabSz="1218987" rtl="0" eaLnBrk="1" latinLnBrk="0" hangingPunct="1">
+              <a:lnSpc>
+                <a:spcPct val="90000"/>
+              </a:lnSpc>
+              <a:spcBef>
+                <a:spcPts val="800"/>
+              </a:spcBef>
+              <a:buClr>
+                <a:schemeClr val="accent1"/>
+              </a:buClr>
+              <a:buSzPct val="80000"/>
+              <a:buFont typeface="Arial" pitchFamily="34" charset="0"/>
+              <a:buChar char="•"/>
+              <a:defRPr sz="2000" kern="1200" baseline="0">
+                <a:solidFill>
+                  <a:schemeClr val="tx1"/>
+                </a:solidFill>
+                <a:latin typeface="+mn-lt"/>
+                <a:ea typeface="+mn-ea"/>
+                <a:cs typeface="+mn-cs"/>
+              </a:defRPr>
+            </a:lvl8pPr>
+            <a:lvl9pPr marL="2742720" indent="-231607" algn="l" defTabSz="1218987" rtl="0" eaLnBrk="1" latinLnBrk="0" hangingPunct="1">
+              <a:lnSpc>
+                <a:spcPct val="90000"/>
+              </a:lnSpc>
+              <a:spcBef>
+                <a:spcPts val="800"/>
+              </a:spcBef>
+              <a:buClr>
+                <a:schemeClr val="accent1"/>
+              </a:buClr>
+              <a:buSzPct val="80000"/>
+              <a:buFont typeface="Arial" pitchFamily="34" charset="0"/>
+              <a:buChar char="•"/>
+              <a:defRPr sz="2000" kern="1200" baseline="0">
+                <a:solidFill>
+                  <a:schemeClr val="tx1"/>
+                </a:solidFill>
+                <a:latin typeface="+mn-lt"/>
+                <a:ea typeface="+mn-ea"/>
+                <a:cs typeface="+mn-cs"/>
+              </a:defRPr>
+            </a:lvl9pPr>
+          </a:lstStyle>
+          <a:p>
+            <a:r>
+              <a:rPr lang="en-AU" dirty="0"/>
+              <a:t>Clean Release</a:t>
+            </a:r>
+          </a:p>
+          <a:p>
+            <a:pPr lvl="1"/>
+            <a:r>
+              <a:rPr lang="en-AU" dirty="0"/>
+              <a:t>High degree of assumed PV and Non-PV image labelling accuracy</a:t>
+            </a:r>
+          </a:p>
+          <a:p>
+            <a:pPr lvl="1"/>
+            <a:r>
+              <a:rPr lang="en-AU" dirty="0"/>
+              <a:t>Smaller set</a:t>
+            </a:r>
+          </a:p>
+          <a:p>
+            <a:r>
+              <a:rPr lang="en-AU" dirty="0"/>
+              <a:t>Extra Release</a:t>
+            </a:r>
+          </a:p>
+          <a:p>
+            <a:pPr lvl="1"/>
+            <a:r>
+              <a:rPr lang="en-AU" dirty="0"/>
+              <a:t>Lower degree of confidence in labelling accuracy</a:t>
+            </a:r>
+          </a:p>
+          <a:p>
+            <a:pPr lvl="1"/>
+            <a:r>
+              <a:rPr lang="en-AU" dirty="0"/>
+              <a:t>Larger set (2-4x)</a:t>
+            </a:r>
+          </a:p>
+          <a:p>
+            <a:pPr lvl="1"/>
+            <a:endParaRPr lang="en-AU" dirty="0"/>
+          </a:p>
+        </p:txBody>
+      </p:sp>
+    </p:spTree>
+    <p:extLst>
+      <p:ext uri="{BB962C8B-B14F-4D97-AF65-F5344CB8AC3E}">
+        <p14:creationId xmlns:p14="http://schemas.microsoft.com/office/powerpoint/2010/main" val="164938785"/>
+      </p:ext>
+    </p:extLst>
+  </p:cSld>
+  <p:clrMapOvr>
+    <a:masterClrMapping/>
+  </p:clrMapOvr>
+  <mc:AlternateContent xmlns:mc="http://schemas.openxmlformats.org/markup-compatibility/2006" xmlns:p14="http://schemas.microsoft.com/office/powerpoint/2010/main">
+    <mc:Choice Requires="p14">
+      <p:transition spd="med" p14:dur="700">
+        <p:fade/>
+      </p:transition>
+    </mc:Choice>
+    <mc:Fallback xmlns="">
+      <p:transition spd="med">
+        <p:fade/>
+      </p:transition>
+    </mc:Fallback>
+  </mc:AlternateContent>
+</p:sld>
+</file>
+
+<file path=ppt/slides/slide14.xml><?xml version="1.0" encoding="utf-8"?>
+<p:sld xmlns:a="http://schemas.openxmlformats.org/drawingml/2006/main" xmlns:r="http://schemas.openxmlformats.org/officeDocument/2006/relationships" xmlns:p="http://schemas.openxmlformats.org/presentationml/2006/main">
+  <p:cSld>
+    <p:spTree>
+      <p:nvGrpSpPr>
+        <p:cNvPr id="1" name=""/>
+        <p:cNvGrpSpPr/>
+        <p:nvPr/>
+      </p:nvGrpSpPr>
+      <p:grpSpPr>
+        <a:xfrm>
+          <a:off x="0" y="0"/>
+          <a:ext cx="0" cy="0"/>
+          <a:chOff x="0" y="0"/>
+          <a:chExt cx="0" cy="0"/>
+        </a:xfrm>
+      </p:grpSpPr>
+      <p:sp>
+        <p:nvSpPr>
+          <p:cNvPr id="2" name="Title 1">
+            <a:extLst>
+              <a:ext uri="{FF2B5EF4-FFF2-40B4-BE49-F238E27FC236}">
+                <a16:creationId xmlns:a16="http://schemas.microsoft.com/office/drawing/2014/main" xmlns="" id="{118CBBA9-49D2-4262-9114-D0D47E7D522A}"/>
+              </a:ext>
+            </a:extLst>
+          </p:cNvPr>
+          <p:cNvSpPr>
+            <a:spLocks noGrp="1"/>
+          </p:cNvSpPr>
+          <p:nvPr>
+            <p:ph type="title"/>
+          </p:nvPr>
+        </p:nvSpPr>
+        <p:spPr/>
+        <p:txBody>
+          <a:bodyPr/>
+          <a:lstStyle/>
+          <a:p>
+            <a:r>
+              <a:rPr lang="en-AU" dirty="0"/>
+              <a:t>Approach</a:t>
+            </a:r>
+          </a:p>
+        </p:txBody>
+      </p:sp>
+      <p:sp>
+        <p:nvSpPr>
+          <p:cNvPr id="3" name="Content Placeholder 2">
+            <a:extLst>
+              <a:ext uri="{FF2B5EF4-FFF2-40B4-BE49-F238E27FC236}">
+                <a16:creationId xmlns:a16="http://schemas.microsoft.com/office/drawing/2014/main" xmlns="" id="{1E6F3B36-FA1C-4A44-8799-54720A510D55}"/>
+              </a:ext>
+            </a:extLst>
+          </p:cNvPr>
+          <p:cNvSpPr>
+            <a:spLocks noGrp="1"/>
+          </p:cNvSpPr>
+          <p:nvPr>
+            <p:ph idx="1"/>
+          </p:nvPr>
+        </p:nvSpPr>
+        <p:spPr>
+          <a:xfrm>
+            <a:off x="1218883" y="1701797"/>
+            <a:ext cx="4155449" cy="4462272"/>
+          </a:xfrm>
+        </p:spPr>
+        <p:txBody>
+          <a:bodyPr/>
+          <a:lstStyle/>
+          <a:p>
+            <a:r>
+              <a:rPr lang="en-AU" dirty="0"/>
+              <a:t>Understand Data</a:t>
+            </a:r>
+          </a:p>
+          <a:p>
+            <a:pPr lvl="1"/>
+            <a:r>
+              <a:rPr lang="en-AU" dirty="0"/>
+              <a:t>What does it tell us?</a:t>
+            </a:r>
+          </a:p>
+        </p:txBody>
+      </p:sp>
+      <p:pic>
+        <p:nvPicPr>
+          <p:cNvPr id="6" name="Picture 5">
+            <a:extLst>
+              <a:ext uri="{FF2B5EF4-FFF2-40B4-BE49-F238E27FC236}">
+                <a16:creationId xmlns:a16="http://schemas.microsoft.com/office/drawing/2014/main" xmlns="" id="{B0636FC0-8732-43F6-B07E-D247F6761BF2}"/>
+              </a:ext>
+            </a:extLst>
+          </p:cNvPr>
+          <p:cNvPicPr>
+            <a:picLocks noChangeAspect="1"/>
+          </p:cNvPicPr>
+          <p:nvPr/>
+        </p:nvPicPr>
+        <p:blipFill>
+          <a:blip r:embed="rId2"/>
+          <a:stretch>
+            <a:fillRect/>
+          </a:stretch>
+        </p:blipFill>
+        <p:spPr>
+          <a:xfrm>
+            <a:off x="1151968" y="2996952"/>
+            <a:ext cx="4933950" cy="3514725"/>
+          </a:xfrm>
+          <a:prstGeom prst="rect">
+            <a:avLst/>
+          </a:prstGeom>
+        </p:spPr>
+      </p:pic>
+      <p:pic>
+        <p:nvPicPr>
+          <p:cNvPr id="7" name="Picture 6">
+            <a:extLst>
+              <a:ext uri="{FF2B5EF4-FFF2-40B4-BE49-F238E27FC236}">
+                <a16:creationId xmlns:a16="http://schemas.microsoft.com/office/drawing/2014/main" xmlns="" id="{DBE739BC-7545-4A28-A2A1-83C40AA0F973}"/>
+              </a:ext>
+            </a:extLst>
+          </p:cNvPr>
+          <p:cNvPicPr>
+            <a:picLocks noChangeAspect="1"/>
+          </p:cNvPicPr>
+          <p:nvPr/>
+        </p:nvPicPr>
+        <p:blipFill>
+          <a:blip r:embed="rId3"/>
+          <a:stretch>
+            <a:fillRect/>
+          </a:stretch>
+        </p:blipFill>
+        <p:spPr>
+          <a:xfrm>
+            <a:off x="6814492" y="3050218"/>
+            <a:ext cx="5029200" cy="3381375"/>
+          </a:xfrm>
+          <a:prstGeom prst="rect">
+            <a:avLst/>
+          </a:prstGeom>
+        </p:spPr>
+      </p:pic>
+      <p:sp>
+        <p:nvSpPr>
+          <p:cNvPr id="9" name="Content Placeholder 2">
+            <a:extLst>
+              <a:ext uri="{FF2B5EF4-FFF2-40B4-BE49-F238E27FC236}">
+                <a16:creationId xmlns:a16="http://schemas.microsoft.com/office/drawing/2014/main" xmlns="" id="{55F4540C-A796-46DC-BFE3-B3DABF5ED521}"/>
+              </a:ext>
+            </a:extLst>
+          </p:cNvPr>
+          <p:cNvSpPr txBox="1">
+            <a:spLocks/>
+          </p:cNvSpPr>
+          <p:nvPr/>
+        </p:nvSpPr>
+        <p:spPr>
+          <a:xfrm>
+            <a:off x="5158308" y="980728"/>
+            <a:ext cx="6624736" cy="1656184"/>
+          </a:xfrm>
+          <a:prstGeom prst="rect">
+            <a:avLst/>
+          </a:prstGeom>
+        </p:spPr>
+        <p:txBody>
+          <a:bodyPr vert="horz" lIns="121899" tIns="60949" rIns="121899" bIns="60949" rtlCol="0">
+            <a:normAutofit/>
+          </a:bodyPr>
+          <a:lstStyle>
+            <a:lvl1pPr marL="304747" indent="-304747" algn="l" defTabSz="1218987" rtl="0" eaLnBrk="1" latinLnBrk="0" hangingPunct="1">
+              <a:lnSpc>
+                <a:spcPct val="90000"/>
+              </a:lnSpc>
+              <a:spcBef>
+                <a:spcPts val="1600"/>
+              </a:spcBef>
+              <a:buClr>
+                <a:schemeClr val="accent1"/>
+              </a:buClr>
+              <a:buSzPct val="100000"/>
+              <a:buFont typeface="Arial" pitchFamily="34" charset="0"/>
+              <a:buChar char="•"/>
+              <a:defRPr sz="2800" kern="1200">
+                <a:solidFill>
+                  <a:schemeClr val="tx1"/>
+                </a:solidFill>
+                <a:latin typeface="+mn-lt"/>
+                <a:ea typeface="+mn-ea"/>
+                <a:cs typeface="+mn-cs"/>
+              </a:defRPr>
+            </a:lvl1pPr>
+            <a:lvl2pPr marL="609493" indent="-231607" algn="l" defTabSz="1218987" rtl="0" eaLnBrk="1" latinLnBrk="0" hangingPunct="1">
+              <a:lnSpc>
+                <a:spcPct val="90000"/>
+              </a:lnSpc>
+              <a:spcBef>
+                <a:spcPts val="800"/>
+              </a:spcBef>
+              <a:buClr>
+                <a:schemeClr val="accent1"/>
+              </a:buClr>
+              <a:buSzPct val="80000"/>
+              <a:buFont typeface="Arial" pitchFamily="34" charset="0"/>
+              <a:buChar char="•"/>
+              <a:defRPr sz="2400" kern="1200">
+                <a:solidFill>
+                  <a:schemeClr val="tx1"/>
+                </a:solidFill>
+                <a:latin typeface="+mn-lt"/>
+                <a:ea typeface="+mn-ea"/>
+                <a:cs typeface="+mn-cs"/>
+              </a:defRPr>
+            </a:lvl2pPr>
+            <a:lvl3pPr marL="914240" indent="-231607" algn="l" defTabSz="1218987" rtl="0" eaLnBrk="1" latinLnBrk="0" hangingPunct="1">
+              <a:lnSpc>
+                <a:spcPct val="90000"/>
+              </a:lnSpc>
+              <a:spcBef>
+                <a:spcPts val="800"/>
+              </a:spcBef>
+              <a:buClr>
+                <a:schemeClr val="accent1"/>
+              </a:buClr>
+              <a:buSzPct val="80000"/>
+              <a:buFont typeface="Arial" pitchFamily="34" charset="0"/>
+              <a:buChar char="•"/>
+              <a:defRPr sz="2000" kern="1200">
+                <a:solidFill>
+                  <a:schemeClr val="tx1"/>
+                </a:solidFill>
+                <a:latin typeface="+mn-lt"/>
+                <a:ea typeface="+mn-ea"/>
+                <a:cs typeface="+mn-cs"/>
+              </a:defRPr>
+            </a:lvl3pPr>
+            <a:lvl4pPr marL="1218987" indent="-231607" algn="l" defTabSz="1218987" rtl="0" eaLnBrk="1" latinLnBrk="0" hangingPunct="1">
+              <a:lnSpc>
+                <a:spcPct val="90000"/>
+              </a:lnSpc>
+              <a:spcBef>
+                <a:spcPts val="800"/>
+              </a:spcBef>
+              <a:buClr>
+                <a:schemeClr val="accent1"/>
+              </a:buClr>
+              <a:buSzPct val="80000"/>
+              <a:buFont typeface="Arial" pitchFamily="34" charset="0"/>
+              <a:buChar char="•"/>
+              <a:defRPr sz="2000" kern="1200">
+                <a:solidFill>
+                  <a:schemeClr val="tx1"/>
+                </a:solidFill>
+                <a:latin typeface="+mn-lt"/>
+                <a:ea typeface="+mn-ea"/>
+                <a:cs typeface="+mn-cs"/>
+              </a:defRPr>
+            </a:lvl4pPr>
+            <a:lvl5pPr marL="1523733" indent="-231607" algn="l" defTabSz="1218987" rtl="0" eaLnBrk="1" latinLnBrk="0" hangingPunct="1">
+              <a:lnSpc>
+                <a:spcPct val="90000"/>
+              </a:lnSpc>
+              <a:spcBef>
+                <a:spcPts val="800"/>
+              </a:spcBef>
+              <a:buClr>
+                <a:schemeClr val="accent1"/>
+              </a:buClr>
+              <a:buSzPct val="80000"/>
+              <a:buFont typeface="Arial" pitchFamily="34" charset="0"/>
+              <a:buChar char="•"/>
+              <a:defRPr sz="2000" kern="1200">
+                <a:solidFill>
+                  <a:schemeClr val="tx1"/>
+                </a:solidFill>
+                <a:latin typeface="+mn-lt"/>
+                <a:ea typeface="+mn-ea"/>
+                <a:cs typeface="+mn-cs"/>
+              </a:defRPr>
+            </a:lvl5pPr>
+            <a:lvl6pPr marL="1828480" indent="-231607" algn="l" defTabSz="1218987" rtl="0" eaLnBrk="1" latinLnBrk="0" hangingPunct="1">
+              <a:lnSpc>
+                <a:spcPct val="90000"/>
+              </a:lnSpc>
+              <a:spcBef>
+                <a:spcPts val="800"/>
+              </a:spcBef>
+              <a:buClr>
+                <a:schemeClr val="accent1"/>
+              </a:buClr>
+              <a:buSzPct val="80000"/>
+              <a:buFont typeface="Arial" pitchFamily="34" charset="0"/>
+              <a:buChar char="•"/>
+              <a:defRPr sz="2000" kern="1200">
+                <a:solidFill>
+                  <a:schemeClr val="tx1"/>
+                </a:solidFill>
+                <a:latin typeface="+mn-lt"/>
+                <a:ea typeface="+mn-ea"/>
+                <a:cs typeface="+mn-cs"/>
+              </a:defRPr>
+            </a:lvl6pPr>
+            <a:lvl7pPr marL="2133227" indent="-231607" algn="l" defTabSz="1218987" rtl="0" eaLnBrk="1" latinLnBrk="0" hangingPunct="1">
+              <a:lnSpc>
+                <a:spcPct val="90000"/>
+              </a:lnSpc>
+              <a:spcBef>
+                <a:spcPts val="800"/>
+              </a:spcBef>
+              <a:buClr>
+                <a:schemeClr val="accent1"/>
+              </a:buClr>
+              <a:buSzPct val="80000"/>
+              <a:buFont typeface="Arial" pitchFamily="34" charset="0"/>
+              <a:buChar char="•"/>
+              <a:defRPr sz="2000" kern="1200">
+                <a:solidFill>
+                  <a:schemeClr val="tx1"/>
+                </a:solidFill>
+                <a:latin typeface="+mn-lt"/>
+                <a:ea typeface="+mn-ea"/>
+                <a:cs typeface="+mn-cs"/>
+              </a:defRPr>
+            </a:lvl7pPr>
+            <a:lvl8pPr marL="2437973" indent="-231607" algn="l" defTabSz="1218987" rtl="0" eaLnBrk="1" latinLnBrk="0" hangingPunct="1">
+              <a:lnSpc>
+                <a:spcPct val="90000"/>
+              </a:lnSpc>
+              <a:spcBef>
+                <a:spcPts val="800"/>
+              </a:spcBef>
+              <a:buClr>
+                <a:schemeClr val="accent1"/>
+              </a:buClr>
+              <a:buSzPct val="80000"/>
+              <a:buFont typeface="Arial" pitchFamily="34" charset="0"/>
+              <a:buChar char="•"/>
+              <a:defRPr sz="2000" kern="1200" baseline="0">
+                <a:solidFill>
+                  <a:schemeClr val="tx1"/>
+                </a:solidFill>
+                <a:latin typeface="+mn-lt"/>
+                <a:ea typeface="+mn-ea"/>
+                <a:cs typeface="+mn-cs"/>
+              </a:defRPr>
+            </a:lvl8pPr>
+            <a:lvl9pPr marL="2742720" indent="-231607" algn="l" defTabSz="1218987" rtl="0" eaLnBrk="1" latinLnBrk="0" hangingPunct="1">
+              <a:lnSpc>
+                <a:spcPct val="90000"/>
+              </a:lnSpc>
+              <a:spcBef>
+                <a:spcPts val="800"/>
+              </a:spcBef>
+              <a:buClr>
+                <a:schemeClr val="accent1"/>
+              </a:buClr>
+              <a:buSzPct val="80000"/>
+              <a:buFont typeface="Arial" pitchFamily="34" charset="0"/>
+              <a:buChar char="•"/>
+              <a:defRPr sz="2000" kern="1200" baseline="0">
+                <a:solidFill>
+                  <a:schemeClr val="tx1"/>
+                </a:solidFill>
+                <a:latin typeface="+mn-lt"/>
+                <a:ea typeface="+mn-ea"/>
+                <a:cs typeface="+mn-cs"/>
+              </a:defRPr>
+            </a:lvl9pPr>
+          </a:lstStyle>
+          <a:p>
+            <a:r>
+              <a:rPr lang="en-AU" sz="1800" dirty="0"/>
+              <a:t>Majority of installation images from 2011/2012</a:t>
+            </a:r>
+          </a:p>
+          <a:p>
+            <a:r>
+              <a:rPr lang="en-AU" sz="1800" dirty="0"/>
+              <a:t>Range of installation years begins in 2007</a:t>
+            </a:r>
+          </a:p>
+          <a:p>
+            <a:r>
+              <a:rPr lang="en-AU" sz="1800" dirty="0"/>
+              <a:t>Installation data prior to 2007 may be missing or limited in WP databases</a:t>
+            </a:r>
+          </a:p>
+        </p:txBody>
+      </p:sp>
+    </p:spTree>
+    <p:extLst>
+      <p:ext uri="{BB962C8B-B14F-4D97-AF65-F5344CB8AC3E}">
+        <p14:creationId xmlns:p14="http://schemas.microsoft.com/office/powerpoint/2010/main" val="3799243706"/>
+      </p:ext>
+    </p:extLst>
+  </p:cSld>
+  <p:clrMapOvr>
+    <a:masterClrMapping/>
+  </p:clrMapOvr>
+  <mc:AlternateContent xmlns:mc="http://schemas.openxmlformats.org/markup-compatibility/2006" xmlns:p14="http://schemas.microsoft.com/office/powerpoint/2010/main">
+    <mc:Choice Requires="p14">
+      <p:transition spd="med" p14:dur="700">
+        <p:fade/>
+      </p:transition>
+    </mc:Choice>
+    <mc:Fallback xmlns="">
+      <p:transition spd="med">
+        <p:fade/>
+      </p:transition>
+    </mc:Fallback>
+  </mc:AlternateContent>
+</p:sld>
+</file>
+
+<file path=ppt/slides/slide15.xml><?xml version="1.0" encoding="utf-8"?>
+<p:sld xmlns:a="http://schemas.openxmlformats.org/drawingml/2006/main" xmlns:r="http://schemas.openxmlformats.org/officeDocument/2006/relationships" xmlns:p="http://schemas.openxmlformats.org/presentationml/2006/main">
+  <p:cSld>
+    <p:spTree>
+      <p:nvGrpSpPr>
+        <p:cNvPr id="1" name=""/>
+        <p:cNvGrpSpPr/>
+        <p:nvPr/>
+      </p:nvGrpSpPr>
+      <p:grpSpPr>
+        <a:xfrm>
+          <a:off x="0" y="0"/>
+          <a:ext cx="0" cy="0"/>
+          <a:chOff x="0" y="0"/>
+          <a:chExt cx="0" cy="0"/>
+        </a:xfrm>
+      </p:grpSpPr>
+      <p:sp>
+        <p:nvSpPr>
+          <p:cNvPr id="2" name="Title 1">
+            <a:extLst>
+              <a:ext uri="{FF2B5EF4-FFF2-40B4-BE49-F238E27FC236}">
+                <a16:creationId xmlns:a16="http://schemas.microsoft.com/office/drawing/2014/main" xmlns="" id="{118CBBA9-49D2-4262-9114-D0D47E7D522A}"/>
+              </a:ext>
+            </a:extLst>
+          </p:cNvPr>
+          <p:cNvSpPr>
+            <a:spLocks noGrp="1"/>
+          </p:cNvSpPr>
+          <p:nvPr>
+            <p:ph type="title"/>
+          </p:nvPr>
+        </p:nvSpPr>
+        <p:spPr/>
+        <p:txBody>
+          <a:bodyPr/>
+          <a:lstStyle/>
+          <a:p>
+            <a:r>
+              <a:rPr lang="en-AU" dirty="0"/>
+              <a:t>Approach</a:t>
+            </a:r>
+          </a:p>
+        </p:txBody>
+      </p:sp>
+      <p:sp>
+        <p:nvSpPr>
+          <p:cNvPr id="3" name="Content Placeholder 2">
+            <a:extLst>
+              <a:ext uri="{FF2B5EF4-FFF2-40B4-BE49-F238E27FC236}">
+                <a16:creationId xmlns:a16="http://schemas.microsoft.com/office/drawing/2014/main" xmlns="" id="{1E6F3B36-FA1C-4A44-8799-54720A510D55}"/>
+              </a:ext>
+            </a:extLst>
+          </p:cNvPr>
+          <p:cNvSpPr>
+            <a:spLocks noGrp="1"/>
+          </p:cNvSpPr>
+          <p:nvPr>
+            <p:ph idx="1"/>
+          </p:nvPr>
+        </p:nvSpPr>
+        <p:spPr>
+          <a:xfrm>
+            <a:off x="1218883" y="1701797"/>
+            <a:ext cx="4155449" cy="4462272"/>
+          </a:xfrm>
+        </p:spPr>
+        <p:txBody>
+          <a:bodyPr/>
+          <a:lstStyle/>
+          <a:p>
+            <a:r>
+              <a:rPr lang="en-AU" dirty="0"/>
+              <a:t>Understand Data</a:t>
+            </a:r>
+          </a:p>
+          <a:p>
+            <a:pPr lvl="1"/>
+            <a:r>
+              <a:rPr lang="en-AU" dirty="0"/>
+              <a:t>How does it look?</a:t>
             </a:r>
           </a:p>
         </p:txBody>
@@ -9061,7 +10944,462 @@
           <p:cNvPr id="9" name="Content Placeholder 2">
             <a:extLst>
               <a:ext uri="{FF2B5EF4-FFF2-40B4-BE49-F238E27FC236}">
-                <a16:creationId xmlns:a16="http://schemas.microsoft.com/office/drawing/2014/main" id="{55F4540C-A796-46DC-BFE3-B3DABF5ED521}"/>
+                <a16:creationId xmlns:a16="http://schemas.microsoft.com/office/drawing/2014/main" xmlns="" id="{55F4540C-A796-46DC-BFE3-B3DABF5ED521}"/>
+              </a:ext>
+            </a:extLst>
+          </p:cNvPr>
+          <p:cNvSpPr txBox="1">
+            <a:spLocks/>
+          </p:cNvSpPr>
+          <p:nvPr/>
+        </p:nvSpPr>
+        <p:spPr>
+          <a:xfrm>
+            <a:off x="5158308" y="886618"/>
+            <a:ext cx="6624736" cy="2398366"/>
+          </a:xfrm>
+          <a:prstGeom prst="rect">
+            <a:avLst/>
+          </a:prstGeom>
+        </p:spPr>
+        <p:txBody>
+          <a:bodyPr vert="horz" lIns="121899" tIns="60949" rIns="121899" bIns="60949" rtlCol="0">
+            <a:normAutofit fontScale="92500"/>
+          </a:bodyPr>
+          <a:lstStyle>
+            <a:lvl1pPr marL="304747" indent="-304747" algn="l" defTabSz="1218987" rtl="0" eaLnBrk="1" latinLnBrk="0" hangingPunct="1">
+              <a:lnSpc>
+                <a:spcPct val="90000"/>
+              </a:lnSpc>
+              <a:spcBef>
+                <a:spcPts val="1600"/>
+              </a:spcBef>
+              <a:buClr>
+                <a:schemeClr val="accent1"/>
+              </a:buClr>
+              <a:buSzPct val="100000"/>
+              <a:buFont typeface="Arial" pitchFamily="34" charset="0"/>
+              <a:buChar char="•"/>
+              <a:defRPr sz="2800" kern="1200">
+                <a:solidFill>
+                  <a:schemeClr val="tx1"/>
+                </a:solidFill>
+                <a:latin typeface="+mn-lt"/>
+                <a:ea typeface="+mn-ea"/>
+                <a:cs typeface="+mn-cs"/>
+              </a:defRPr>
+            </a:lvl1pPr>
+            <a:lvl2pPr marL="609493" indent="-231607" algn="l" defTabSz="1218987" rtl="0" eaLnBrk="1" latinLnBrk="0" hangingPunct="1">
+              <a:lnSpc>
+                <a:spcPct val="90000"/>
+              </a:lnSpc>
+              <a:spcBef>
+                <a:spcPts val="800"/>
+              </a:spcBef>
+              <a:buClr>
+                <a:schemeClr val="accent1"/>
+              </a:buClr>
+              <a:buSzPct val="80000"/>
+              <a:buFont typeface="Arial" pitchFamily="34" charset="0"/>
+              <a:buChar char="•"/>
+              <a:defRPr sz="2400" kern="1200">
+                <a:solidFill>
+                  <a:schemeClr val="tx1"/>
+                </a:solidFill>
+                <a:latin typeface="+mn-lt"/>
+                <a:ea typeface="+mn-ea"/>
+                <a:cs typeface="+mn-cs"/>
+              </a:defRPr>
+            </a:lvl2pPr>
+            <a:lvl3pPr marL="914240" indent="-231607" algn="l" defTabSz="1218987" rtl="0" eaLnBrk="1" latinLnBrk="0" hangingPunct="1">
+              <a:lnSpc>
+                <a:spcPct val="90000"/>
+              </a:lnSpc>
+              <a:spcBef>
+                <a:spcPts val="800"/>
+              </a:spcBef>
+              <a:buClr>
+                <a:schemeClr val="accent1"/>
+              </a:buClr>
+              <a:buSzPct val="80000"/>
+              <a:buFont typeface="Arial" pitchFamily="34" charset="0"/>
+              <a:buChar char="•"/>
+              <a:defRPr sz="2000" kern="1200">
+                <a:solidFill>
+                  <a:schemeClr val="tx1"/>
+                </a:solidFill>
+                <a:latin typeface="+mn-lt"/>
+                <a:ea typeface="+mn-ea"/>
+                <a:cs typeface="+mn-cs"/>
+              </a:defRPr>
+            </a:lvl3pPr>
+            <a:lvl4pPr marL="1218987" indent="-231607" algn="l" defTabSz="1218987" rtl="0" eaLnBrk="1" latinLnBrk="0" hangingPunct="1">
+              <a:lnSpc>
+                <a:spcPct val="90000"/>
+              </a:lnSpc>
+              <a:spcBef>
+                <a:spcPts val="800"/>
+              </a:spcBef>
+              <a:buClr>
+                <a:schemeClr val="accent1"/>
+              </a:buClr>
+              <a:buSzPct val="80000"/>
+              <a:buFont typeface="Arial" pitchFamily="34" charset="0"/>
+              <a:buChar char="•"/>
+              <a:defRPr sz="2000" kern="1200">
+                <a:solidFill>
+                  <a:schemeClr val="tx1"/>
+                </a:solidFill>
+                <a:latin typeface="+mn-lt"/>
+                <a:ea typeface="+mn-ea"/>
+                <a:cs typeface="+mn-cs"/>
+              </a:defRPr>
+            </a:lvl4pPr>
+            <a:lvl5pPr marL="1523733" indent="-231607" algn="l" defTabSz="1218987" rtl="0" eaLnBrk="1" latinLnBrk="0" hangingPunct="1">
+              <a:lnSpc>
+                <a:spcPct val="90000"/>
+              </a:lnSpc>
+              <a:spcBef>
+                <a:spcPts val="800"/>
+              </a:spcBef>
+              <a:buClr>
+                <a:schemeClr val="accent1"/>
+              </a:buClr>
+              <a:buSzPct val="80000"/>
+              <a:buFont typeface="Arial" pitchFamily="34" charset="0"/>
+              <a:buChar char="•"/>
+              <a:defRPr sz="2000" kern="1200">
+                <a:solidFill>
+                  <a:schemeClr val="tx1"/>
+                </a:solidFill>
+                <a:latin typeface="+mn-lt"/>
+                <a:ea typeface="+mn-ea"/>
+                <a:cs typeface="+mn-cs"/>
+              </a:defRPr>
+            </a:lvl5pPr>
+            <a:lvl6pPr marL="1828480" indent="-231607" algn="l" defTabSz="1218987" rtl="0" eaLnBrk="1" latinLnBrk="0" hangingPunct="1">
+              <a:lnSpc>
+                <a:spcPct val="90000"/>
+              </a:lnSpc>
+              <a:spcBef>
+                <a:spcPts val="800"/>
+              </a:spcBef>
+              <a:buClr>
+                <a:schemeClr val="accent1"/>
+              </a:buClr>
+              <a:buSzPct val="80000"/>
+              <a:buFont typeface="Arial" pitchFamily="34" charset="0"/>
+              <a:buChar char="•"/>
+              <a:defRPr sz="2000" kern="1200">
+                <a:solidFill>
+                  <a:schemeClr val="tx1"/>
+                </a:solidFill>
+                <a:latin typeface="+mn-lt"/>
+                <a:ea typeface="+mn-ea"/>
+                <a:cs typeface="+mn-cs"/>
+              </a:defRPr>
+            </a:lvl6pPr>
+            <a:lvl7pPr marL="2133227" indent="-231607" algn="l" defTabSz="1218987" rtl="0" eaLnBrk="1" latinLnBrk="0" hangingPunct="1">
+              <a:lnSpc>
+                <a:spcPct val="90000"/>
+              </a:lnSpc>
+              <a:spcBef>
+                <a:spcPts val="800"/>
+              </a:spcBef>
+              <a:buClr>
+                <a:schemeClr val="accent1"/>
+              </a:buClr>
+              <a:buSzPct val="80000"/>
+              <a:buFont typeface="Arial" pitchFamily="34" charset="0"/>
+              <a:buChar char="•"/>
+              <a:defRPr sz="2000" kern="1200">
+                <a:solidFill>
+                  <a:schemeClr val="tx1"/>
+                </a:solidFill>
+                <a:latin typeface="+mn-lt"/>
+                <a:ea typeface="+mn-ea"/>
+                <a:cs typeface="+mn-cs"/>
+              </a:defRPr>
+            </a:lvl7pPr>
+            <a:lvl8pPr marL="2437973" indent="-231607" algn="l" defTabSz="1218987" rtl="0" eaLnBrk="1" latinLnBrk="0" hangingPunct="1">
+              <a:lnSpc>
+                <a:spcPct val="90000"/>
+              </a:lnSpc>
+              <a:spcBef>
+                <a:spcPts val="800"/>
+              </a:spcBef>
+              <a:buClr>
+                <a:schemeClr val="accent1"/>
+              </a:buClr>
+              <a:buSzPct val="80000"/>
+              <a:buFont typeface="Arial" pitchFamily="34" charset="0"/>
+              <a:buChar char="•"/>
+              <a:defRPr sz="2000" kern="1200" baseline="0">
+                <a:solidFill>
+                  <a:schemeClr val="tx1"/>
+                </a:solidFill>
+                <a:latin typeface="+mn-lt"/>
+                <a:ea typeface="+mn-ea"/>
+                <a:cs typeface="+mn-cs"/>
+              </a:defRPr>
+            </a:lvl8pPr>
+            <a:lvl9pPr marL="2742720" indent="-231607" algn="l" defTabSz="1218987" rtl="0" eaLnBrk="1" latinLnBrk="0" hangingPunct="1">
+              <a:lnSpc>
+                <a:spcPct val="90000"/>
+              </a:lnSpc>
+              <a:spcBef>
+                <a:spcPts val="800"/>
+              </a:spcBef>
+              <a:buClr>
+                <a:schemeClr val="accent1"/>
+              </a:buClr>
+              <a:buSzPct val="80000"/>
+              <a:buFont typeface="Arial" pitchFamily="34" charset="0"/>
+              <a:buChar char="•"/>
+              <a:defRPr sz="2000" kern="1200" baseline="0">
+                <a:solidFill>
+                  <a:schemeClr val="tx1"/>
+                </a:solidFill>
+                <a:latin typeface="+mn-lt"/>
+                <a:ea typeface="+mn-ea"/>
+                <a:cs typeface="+mn-cs"/>
+              </a:defRPr>
+            </a:lvl9pPr>
+          </a:lstStyle>
+          <a:p>
+            <a:r>
+              <a:rPr lang="en-AU" sz="1600" dirty="0"/>
+              <a:t>Most images are 400px x 400px (square). Useful for batch normalisation.</a:t>
+            </a:r>
+          </a:p>
+          <a:p>
+            <a:r>
+              <a:rPr lang="en-AU" sz="1600" dirty="0"/>
+              <a:t>Larger images up </a:t>
+            </a:r>
+            <a:r>
+              <a:rPr lang="en-AU" sz="1600"/>
+              <a:t>to 6000px </a:t>
+            </a:r>
+            <a:r>
+              <a:rPr lang="en-AU" sz="1600" dirty="0"/>
+              <a:t>are likely to create issues when resized to the model’s standard resolutions of 224px or 299px (square).</a:t>
+            </a:r>
+          </a:p>
+          <a:p>
+            <a:r>
+              <a:rPr lang="en-AU" sz="1600" dirty="0"/>
+              <a:t>Not all images are square (</a:t>
+            </a:r>
+            <a:r>
+              <a:rPr lang="en-AU" sz="1600" i="1" dirty="0"/>
+              <a:t>n</a:t>
+            </a:r>
+            <a:r>
+              <a:rPr lang="en-AU" sz="1600" dirty="0"/>
+              <a:t> px by </a:t>
+            </a:r>
+            <a:r>
+              <a:rPr lang="en-AU" sz="1600" i="1" dirty="0"/>
+              <a:t>n</a:t>
+            </a:r>
+            <a:r>
+              <a:rPr lang="en-AU" sz="1600" dirty="0"/>
+              <a:t> px). May require segmentation and to be placed into a subset (</a:t>
+            </a:r>
+            <a:r>
+              <a:rPr lang="en-AU" sz="1600" b="1" dirty="0"/>
+              <a:t>not implemented in model</a:t>
+            </a:r>
+            <a:r>
+              <a:rPr lang="en-AU" sz="1600" dirty="0"/>
+              <a:t>).</a:t>
+            </a:r>
+          </a:p>
+          <a:p>
+            <a:r>
+              <a:rPr lang="en-AU" sz="1600" dirty="0"/>
+              <a:t>Images are assumed to all be top-down aerial imagery, however it is noted that not all images are taken from the same height. This is particularly visible in images that are not the standard 400x400px resolution.</a:t>
+            </a:r>
+          </a:p>
+        </p:txBody>
+      </p:sp>
+      <p:pic>
+        <p:nvPicPr>
+          <p:cNvPr id="5" name="Picture 4">
+            <a:extLst>
+              <a:ext uri="{FF2B5EF4-FFF2-40B4-BE49-F238E27FC236}">
+                <a16:creationId xmlns:a16="http://schemas.microsoft.com/office/drawing/2014/main" xmlns="" id="{8CE529A0-F393-4416-8C0C-29777CE93EFE}"/>
+              </a:ext>
+            </a:extLst>
+          </p:cNvPr>
+          <p:cNvPicPr>
+            <a:picLocks noChangeAspect="1"/>
+          </p:cNvPicPr>
+          <p:nvPr/>
+        </p:nvPicPr>
+        <p:blipFill>
+          <a:blip r:embed="rId2"/>
+          <a:stretch>
+            <a:fillRect/>
+          </a:stretch>
+        </p:blipFill>
+        <p:spPr>
+          <a:xfrm>
+            <a:off x="982032" y="3429000"/>
+            <a:ext cx="4629150" cy="3181350"/>
+          </a:xfrm>
+          <a:prstGeom prst="rect">
+            <a:avLst/>
+          </a:prstGeom>
+        </p:spPr>
+      </p:pic>
+      <p:pic>
+        <p:nvPicPr>
+          <p:cNvPr id="8" name="Picture 7">
+            <a:extLst>
+              <a:ext uri="{FF2B5EF4-FFF2-40B4-BE49-F238E27FC236}">
+                <a16:creationId xmlns:a16="http://schemas.microsoft.com/office/drawing/2014/main" xmlns="" id="{0FBC03D0-87FA-4CDE-8704-5071F2C850AC}"/>
+              </a:ext>
+            </a:extLst>
+          </p:cNvPr>
+          <p:cNvPicPr>
+            <a:picLocks noChangeAspect="1"/>
+          </p:cNvPicPr>
+          <p:nvPr/>
+        </p:nvPicPr>
+        <p:blipFill>
+          <a:blip r:embed="rId3"/>
+          <a:stretch>
+            <a:fillRect/>
+          </a:stretch>
+        </p:blipFill>
+        <p:spPr>
+          <a:xfrm>
+            <a:off x="5611182" y="3388215"/>
+            <a:ext cx="4591050" cy="3248025"/>
+          </a:xfrm>
+          <a:prstGeom prst="rect">
+            <a:avLst/>
+          </a:prstGeom>
+        </p:spPr>
+      </p:pic>
+    </p:spTree>
+    <p:extLst>
+      <p:ext uri="{BB962C8B-B14F-4D97-AF65-F5344CB8AC3E}">
+        <p14:creationId xmlns:p14="http://schemas.microsoft.com/office/powerpoint/2010/main" val="2803354371"/>
+      </p:ext>
+    </p:extLst>
+  </p:cSld>
+  <p:clrMapOvr>
+    <a:masterClrMapping/>
+  </p:clrMapOvr>
+  <mc:AlternateContent xmlns:mc="http://schemas.openxmlformats.org/markup-compatibility/2006" xmlns:p14="http://schemas.microsoft.com/office/powerpoint/2010/main">
+    <mc:Choice Requires="p14">
+      <p:transition spd="med" p14:dur="700">
+        <p:fade/>
+      </p:transition>
+    </mc:Choice>
+    <mc:Fallback xmlns="">
+      <p:transition spd="med">
+        <p:fade/>
+      </p:transition>
+    </mc:Fallback>
+  </mc:AlternateContent>
+</p:sld>
+</file>
+
+<file path=ppt/slides/slide16.xml><?xml version="1.0" encoding="utf-8"?>
+<p:sld xmlns:a="http://schemas.openxmlformats.org/drawingml/2006/main" xmlns:r="http://schemas.openxmlformats.org/officeDocument/2006/relationships" xmlns:p="http://schemas.openxmlformats.org/presentationml/2006/main">
+  <p:cSld>
+    <p:spTree>
+      <p:nvGrpSpPr>
+        <p:cNvPr id="1" name=""/>
+        <p:cNvGrpSpPr/>
+        <p:nvPr/>
+      </p:nvGrpSpPr>
+      <p:grpSpPr>
+        <a:xfrm>
+          <a:off x="0" y="0"/>
+          <a:ext cx="0" cy="0"/>
+          <a:chOff x="0" y="0"/>
+          <a:chExt cx="0" cy="0"/>
+        </a:xfrm>
+      </p:grpSpPr>
+      <p:sp>
+        <p:nvSpPr>
+          <p:cNvPr id="2" name="Title 1">
+            <a:extLst>
+              <a:ext uri="{FF2B5EF4-FFF2-40B4-BE49-F238E27FC236}">
+                <a16:creationId xmlns:a16="http://schemas.microsoft.com/office/drawing/2014/main" xmlns="" id="{118CBBA9-49D2-4262-9114-D0D47E7D522A}"/>
+              </a:ext>
+            </a:extLst>
+          </p:cNvPr>
+          <p:cNvSpPr>
+            <a:spLocks noGrp="1"/>
+          </p:cNvSpPr>
+          <p:nvPr>
+            <p:ph type="title"/>
+          </p:nvPr>
+        </p:nvSpPr>
+        <p:spPr/>
+        <p:txBody>
+          <a:bodyPr/>
+          <a:lstStyle/>
+          <a:p>
+            <a:r>
+              <a:rPr lang="en-AU" dirty="0"/>
+              <a:t>Approach</a:t>
+            </a:r>
+          </a:p>
+        </p:txBody>
+      </p:sp>
+      <p:sp>
+        <p:nvSpPr>
+          <p:cNvPr id="3" name="Content Placeholder 2">
+            <a:extLst>
+              <a:ext uri="{FF2B5EF4-FFF2-40B4-BE49-F238E27FC236}">
+                <a16:creationId xmlns:a16="http://schemas.microsoft.com/office/drawing/2014/main" xmlns="" id="{1E6F3B36-FA1C-4A44-8799-54720A510D55}"/>
+              </a:ext>
+            </a:extLst>
+          </p:cNvPr>
+          <p:cNvSpPr>
+            <a:spLocks noGrp="1"/>
+          </p:cNvSpPr>
+          <p:nvPr>
+            <p:ph idx="1"/>
+          </p:nvPr>
+        </p:nvSpPr>
+        <p:spPr>
+          <a:xfrm>
+            <a:off x="1218883" y="1701797"/>
+            <a:ext cx="4155449" cy="4462272"/>
+          </a:xfrm>
+        </p:spPr>
+        <p:txBody>
+          <a:bodyPr/>
+          <a:lstStyle/>
+          <a:p>
+            <a:r>
+              <a:rPr lang="en-AU" dirty="0"/>
+              <a:t>Understand Data</a:t>
+            </a:r>
+          </a:p>
+          <a:p>
+            <a:pPr lvl="1"/>
+            <a:r>
+              <a:rPr lang="en-AU" dirty="0"/>
+              <a:t>And have a bit of fun…</a:t>
+            </a:r>
+          </a:p>
+        </p:txBody>
+      </p:sp>
+      <p:sp>
+        <p:nvSpPr>
+          <p:cNvPr id="9" name="Content Placeholder 2">
+            <a:extLst>
+              <a:ext uri="{FF2B5EF4-FFF2-40B4-BE49-F238E27FC236}">
+                <a16:creationId xmlns:a16="http://schemas.microsoft.com/office/drawing/2014/main" xmlns="" id="{55F4540C-A796-46DC-BFE3-B3DABF5ED521}"/>
               </a:ext>
             </a:extLst>
           </p:cNvPr>
@@ -9318,7 +11656,7 @@
           <p:cNvPr id="4" name="Picture 3">
             <a:extLst>
               <a:ext uri="{FF2B5EF4-FFF2-40B4-BE49-F238E27FC236}">
-                <a16:creationId xmlns:a16="http://schemas.microsoft.com/office/drawing/2014/main" id="{372C644D-8F63-4F1D-8890-93FE0818D320}"/>
+                <a16:creationId xmlns:a16="http://schemas.microsoft.com/office/drawing/2014/main" xmlns="" id="{372C644D-8F63-4F1D-8890-93FE0818D320}"/>
               </a:ext>
             </a:extLst>
           </p:cNvPr>
@@ -9348,7 +11686,7 @@
           <p:cNvPr id="5" name="Picture 4">
             <a:extLst>
               <a:ext uri="{FF2B5EF4-FFF2-40B4-BE49-F238E27FC236}">
-                <a16:creationId xmlns:a16="http://schemas.microsoft.com/office/drawing/2014/main" id="{C9CBC7BF-F2B4-4B1F-B9F0-E060D6AAC33B}"/>
+                <a16:creationId xmlns:a16="http://schemas.microsoft.com/office/drawing/2014/main" xmlns="" id="{C9CBC7BF-F2B4-4B1F-B9F0-E060D6AAC33B}"/>
               </a:ext>
             </a:extLst>
           </p:cNvPr>
@@ -9398,7 +11736,7 @@
 </p:sld>
 </file>
 
-<file path=ppt/slides/slide11.xml><?xml version="1.0" encoding="utf-8"?>
+<file path=ppt/slides/slide17.xml><?xml version="1.0" encoding="utf-8"?>
 <p:sld xmlns:a="http://schemas.openxmlformats.org/drawingml/2006/main" xmlns:r="http://schemas.openxmlformats.org/officeDocument/2006/relationships" xmlns:p="http://schemas.openxmlformats.org/presentationml/2006/main">
   <p:cSld>
     <p:spTree>
@@ -9420,7 +11758,7 @@
           <p:cNvPr id="2" name="Title 1">
             <a:extLst>
               <a:ext uri="{FF2B5EF4-FFF2-40B4-BE49-F238E27FC236}">
-                <a16:creationId xmlns:a16="http://schemas.microsoft.com/office/drawing/2014/main" id="{118CBBA9-49D2-4262-9114-D0D47E7D522A}"/>
+                <a16:creationId xmlns:a16="http://schemas.microsoft.com/office/drawing/2014/main" xmlns="" id="{118CBBA9-49D2-4262-9114-D0D47E7D522A}"/>
               </a:ext>
             </a:extLst>
           </p:cNvPr>
@@ -9448,7 +11786,7 @@
           <p:cNvPr id="3" name="Content Placeholder 2">
             <a:extLst>
               <a:ext uri="{FF2B5EF4-FFF2-40B4-BE49-F238E27FC236}">
-                <a16:creationId xmlns:a16="http://schemas.microsoft.com/office/drawing/2014/main" id="{1E6F3B36-FA1C-4A44-8799-54720A510D55}"/>
+                <a16:creationId xmlns:a16="http://schemas.microsoft.com/office/drawing/2014/main" xmlns="" id="{1E6F3B36-FA1C-4A44-8799-54720A510D55}"/>
               </a:ext>
             </a:extLst>
           </p:cNvPr>
@@ -9513,7 +11851,7 @@
           <p:cNvPr id="4" name="Table 3">
             <a:extLst>
               <a:ext uri="{FF2B5EF4-FFF2-40B4-BE49-F238E27FC236}">
-                <a16:creationId xmlns:a16="http://schemas.microsoft.com/office/drawing/2014/main" id="{2EDD53C5-AD65-447D-BE6E-F714AFA3AE1B}"/>
+                <a16:creationId xmlns:a16="http://schemas.microsoft.com/office/drawing/2014/main" xmlns="" id="{2EDD53C5-AD65-447D-BE6E-F714AFA3AE1B}"/>
               </a:ext>
             </a:extLst>
           </p:cNvPr>
@@ -9542,21 +11880,21 @@
                 <a:gridCol w="3335657">
                   <a:extLst>
                     <a:ext uri="{9D8B030D-6E8A-4147-A177-3AD203B41FA5}">
-                      <a16:colId xmlns:a16="http://schemas.microsoft.com/office/drawing/2014/main" val="1736827546"/>
+                      <a16:colId xmlns:a16="http://schemas.microsoft.com/office/drawing/2014/main" xmlns="" val="1736827546"/>
                     </a:ext>
                   </a:extLst>
                 </a:gridCol>
                 <a:gridCol w="3336728">
                   <a:extLst>
                     <a:ext uri="{9D8B030D-6E8A-4147-A177-3AD203B41FA5}">
-                      <a16:colId xmlns:a16="http://schemas.microsoft.com/office/drawing/2014/main" val="1009339973"/>
+                      <a16:colId xmlns:a16="http://schemas.microsoft.com/office/drawing/2014/main" xmlns="" val="1009339973"/>
                     </a:ext>
                   </a:extLst>
                 </a:gridCol>
                 <a:gridCol w="3336728">
                   <a:extLst>
                     <a:ext uri="{9D8B030D-6E8A-4147-A177-3AD203B41FA5}">
-                      <a16:colId xmlns:a16="http://schemas.microsoft.com/office/drawing/2014/main" val="3962187885"/>
+                      <a16:colId xmlns:a16="http://schemas.microsoft.com/office/drawing/2014/main" xmlns="" val="3962187885"/>
                     </a:ext>
                   </a:extLst>
                 </a:gridCol>
@@ -9669,7 +12007,7 @@
                 </a:tc>
                 <a:extLst>
                   <a:ext uri="{0D108BD9-81ED-4DB2-BD59-A6C34878D82A}">
-                    <a16:rowId xmlns:a16="http://schemas.microsoft.com/office/drawing/2014/main" val="2209689491"/>
+                    <a16:rowId xmlns:a16="http://schemas.microsoft.com/office/drawing/2014/main" xmlns="" val="2209689491"/>
                   </a:ext>
                 </a:extLst>
               </a:tr>
@@ -9781,7 +12119,7 @@
                 </a:tc>
                 <a:extLst>
                   <a:ext uri="{0D108BD9-81ED-4DB2-BD59-A6C34878D82A}">
-                    <a16:rowId xmlns:a16="http://schemas.microsoft.com/office/drawing/2014/main" val="2597814589"/>
+                    <a16:rowId xmlns:a16="http://schemas.microsoft.com/office/drawing/2014/main" xmlns="" val="2597814589"/>
                   </a:ext>
                 </a:extLst>
               </a:tr>
@@ -9893,7 +12231,7 @@
                 </a:tc>
                 <a:extLst>
                   <a:ext uri="{0D108BD9-81ED-4DB2-BD59-A6C34878D82A}">
-                    <a16:rowId xmlns:a16="http://schemas.microsoft.com/office/drawing/2014/main" val="3437676480"/>
+                    <a16:rowId xmlns:a16="http://schemas.microsoft.com/office/drawing/2014/main" xmlns="" val="3437676480"/>
                   </a:ext>
                 </a:extLst>
               </a:tr>
@@ -10005,7 +12343,7 @@
                 </a:tc>
                 <a:extLst>
                   <a:ext uri="{0D108BD9-81ED-4DB2-BD59-A6C34878D82A}">
-                    <a16:rowId xmlns:a16="http://schemas.microsoft.com/office/drawing/2014/main" val="3450028378"/>
+                    <a16:rowId xmlns:a16="http://schemas.microsoft.com/office/drawing/2014/main" xmlns="" val="3450028378"/>
                   </a:ext>
                 </a:extLst>
               </a:tr>
@@ -10117,7 +12455,7 @@
                 </a:tc>
                 <a:extLst>
                   <a:ext uri="{0D108BD9-81ED-4DB2-BD59-A6C34878D82A}">
-                    <a16:rowId xmlns:a16="http://schemas.microsoft.com/office/drawing/2014/main" val="3281310877"/>
+                    <a16:rowId xmlns:a16="http://schemas.microsoft.com/office/drawing/2014/main" xmlns="" val="3281310877"/>
                   </a:ext>
                 </a:extLst>
               </a:tr>
@@ -10130,7 +12468,7 @@
           <p:cNvPr id="6" name="Content Placeholder 2">
             <a:extLst>
               <a:ext uri="{FF2B5EF4-FFF2-40B4-BE49-F238E27FC236}">
-                <a16:creationId xmlns:a16="http://schemas.microsoft.com/office/drawing/2014/main" id="{5965ECAC-6F10-47C5-A3A2-05D9E4E91D5E}"/>
+                <a16:creationId xmlns:a16="http://schemas.microsoft.com/office/drawing/2014/main" xmlns="" id="{5965ECAC-6F10-47C5-A3A2-05D9E4E91D5E}"/>
               </a:ext>
             </a:extLst>
           </p:cNvPr>
@@ -10393,7 +12731,7 @@
 </p:sld>
 </file>
 
-<file path=ppt/slides/slide12.xml><?xml version="1.0" encoding="utf-8"?>
+<file path=ppt/slides/slide18.xml><?xml version="1.0" encoding="utf-8"?>
 <p:sld xmlns:a="http://schemas.openxmlformats.org/drawingml/2006/main" xmlns:r="http://schemas.openxmlformats.org/officeDocument/2006/relationships" xmlns:p="http://schemas.openxmlformats.org/presentationml/2006/main">
   <p:cSld>
     <p:spTree>
@@ -10415,7 +12753,7 @@
           <p:cNvPr id="2" name="Title 1">
             <a:extLst>
               <a:ext uri="{FF2B5EF4-FFF2-40B4-BE49-F238E27FC236}">
-                <a16:creationId xmlns:a16="http://schemas.microsoft.com/office/drawing/2014/main" id="{118CBBA9-49D2-4262-9114-D0D47E7D522A}"/>
+                <a16:creationId xmlns:a16="http://schemas.microsoft.com/office/drawing/2014/main" xmlns="" id="{118CBBA9-49D2-4262-9114-D0D47E7D522A}"/>
               </a:ext>
             </a:extLst>
           </p:cNvPr>
@@ -10443,7 +12781,7 @@
           <p:cNvPr id="3" name="Content Placeholder 2">
             <a:extLst>
               <a:ext uri="{FF2B5EF4-FFF2-40B4-BE49-F238E27FC236}">
-                <a16:creationId xmlns:a16="http://schemas.microsoft.com/office/drawing/2014/main" id="{1E6F3B36-FA1C-4A44-8799-54720A510D55}"/>
+                <a16:creationId xmlns:a16="http://schemas.microsoft.com/office/drawing/2014/main" xmlns="" id="{1E6F3B36-FA1C-4A44-8799-54720A510D55}"/>
               </a:ext>
             </a:extLst>
           </p:cNvPr>
@@ -10505,7 +12843,7 @@
           <p:cNvPr id="4" name="Table 3">
             <a:extLst>
               <a:ext uri="{FF2B5EF4-FFF2-40B4-BE49-F238E27FC236}">
-                <a16:creationId xmlns:a16="http://schemas.microsoft.com/office/drawing/2014/main" id="{2EDD53C5-AD65-447D-BE6E-F714AFA3AE1B}"/>
+                <a16:creationId xmlns:a16="http://schemas.microsoft.com/office/drawing/2014/main" xmlns="" id="{2EDD53C5-AD65-447D-BE6E-F714AFA3AE1B}"/>
               </a:ext>
             </a:extLst>
           </p:cNvPr>
@@ -10534,21 +12872,21 @@
                 <a:gridCol w="3335657">
                   <a:extLst>
                     <a:ext uri="{9D8B030D-6E8A-4147-A177-3AD203B41FA5}">
-                      <a16:colId xmlns:a16="http://schemas.microsoft.com/office/drawing/2014/main" val="1736827546"/>
+                      <a16:colId xmlns:a16="http://schemas.microsoft.com/office/drawing/2014/main" xmlns="" val="1736827546"/>
                     </a:ext>
                   </a:extLst>
                 </a:gridCol>
                 <a:gridCol w="3336728">
                   <a:extLst>
                     <a:ext uri="{9D8B030D-6E8A-4147-A177-3AD203B41FA5}">
-                      <a16:colId xmlns:a16="http://schemas.microsoft.com/office/drawing/2014/main" val="1009339973"/>
+                      <a16:colId xmlns:a16="http://schemas.microsoft.com/office/drawing/2014/main" xmlns="" val="1009339973"/>
                     </a:ext>
                   </a:extLst>
                 </a:gridCol>
                 <a:gridCol w="3336728">
                   <a:extLst>
                     <a:ext uri="{9D8B030D-6E8A-4147-A177-3AD203B41FA5}">
-                      <a16:colId xmlns:a16="http://schemas.microsoft.com/office/drawing/2014/main" val="3962187885"/>
+                      <a16:colId xmlns:a16="http://schemas.microsoft.com/office/drawing/2014/main" xmlns="" val="3962187885"/>
                     </a:ext>
                   </a:extLst>
                 </a:gridCol>
@@ -10652,7 +12990,7 @@
                 </a:tc>
                 <a:extLst>
                   <a:ext uri="{0D108BD9-81ED-4DB2-BD59-A6C34878D82A}">
-                    <a16:rowId xmlns:a16="http://schemas.microsoft.com/office/drawing/2014/main" val="2209689491"/>
+                    <a16:rowId xmlns:a16="http://schemas.microsoft.com/office/drawing/2014/main" xmlns="" val="2209689491"/>
                   </a:ext>
                 </a:extLst>
               </a:tr>
@@ -10746,7 +13084,7 @@
                 </a:tc>
                 <a:extLst>
                   <a:ext uri="{0D108BD9-81ED-4DB2-BD59-A6C34878D82A}">
-                    <a16:rowId xmlns:a16="http://schemas.microsoft.com/office/drawing/2014/main" val="2597814589"/>
+                    <a16:rowId xmlns:a16="http://schemas.microsoft.com/office/drawing/2014/main" xmlns="" val="2597814589"/>
                   </a:ext>
                 </a:extLst>
               </a:tr>
@@ -10779,8 +13117,8 @@
 </p:sld>
 </file>
 
-<file path=ppt/slides/slide13.xml><?xml version="1.0" encoding="utf-8"?>
-<p:sld xmlns:a="http://schemas.openxmlformats.org/drawingml/2006/main" xmlns:r="http://schemas.openxmlformats.org/officeDocument/2006/relationships" xmlns:p="http://schemas.openxmlformats.org/presentationml/2006/main">
+<file path=ppt/slides/slide19.xml><?xml version="1.0" encoding="utf-8"?>
+<p:sld xmlns:a="http://schemas.openxmlformats.org/drawingml/2006/main" xmlns:r="http://schemas.openxmlformats.org/officeDocument/2006/relationships" xmlns:p="http://schemas.openxmlformats.org/presentationml/2006/main" show="0">
   <p:cSld>
     <p:spTree>
       <p:nvGrpSpPr>
@@ -10801,7 +13139,7 @@
           <p:cNvPr id="2" name="Title 1">
             <a:extLst>
               <a:ext uri="{FF2B5EF4-FFF2-40B4-BE49-F238E27FC236}">
-                <a16:creationId xmlns:a16="http://schemas.microsoft.com/office/drawing/2014/main" id="{118CBBA9-49D2-4262-9114-D0D47E7D522A}"/>
+                <a16:creationId xmlns:a16="http://schemas.microsoft.com/office/drawing/2014/main" xmlns="" id="{118CBBA9-49D2-4262-9114-D0D47E7D522A}"/>
               </a:ext>
             </a:extLst>
           </p:cNvPr>
@@ -10829,7 +13167,7 @@
           <p:cNvPr id="3" name="Content Placeholder 2">
             <a:extLst>
               <a:ext uri="{FF2B5EF4-FFF2-40B4-BE49-F238E27FC236}">
-                <a16:creationId xmlns:a16="http://schemas.microsoft.com/office/drawing/2014/main" id="{1E6F3B36-FA1C-4A44-8799-54720A510D55}"/>
+                <a16:creationId xmlns:a16="http://schemas.microsoft.com/office/drawing/2014/main" xmlns="" id="{1E6F3B36-FA1C-4A44-8799-54720A510D55}"/>
               </a:ext>
             </a:extLst>
           </p:cNvPr>
@@ -10924,943 +13262,13 @@
   <p:clrMapOvr>
     <a:masterClrMapping/>
   </p:clrMapOvr>
-  <mc:AlternateContent xmlns:mc="http://schemas.openxmlformats.org/markup-compatibility/2006" xmlns:p14="http://schemas.microsoft.com/office/powerpoint/2010/main">
-    <mc:Choice Requires="p14">
+  <mc:AlternateContent xmlns:mc="http://schemas.openxmlformats.org/markup-compatibility/2006">
+    <mc:Choice xmlns:p14="http://schemas.microsoft.com/office/powerpoint/2010/main" Requires="p14">
       <p:transition spd="med" p14:dur="700">
         <p:fade/>
       </p:transition>
     </mc:Choice>
-    <mc:Fallback xmlns="">
-      <p:transition spd="med">
-        <p:fade/>
-      </p:transition>
-    </mc:Fallback>
-  </mc:AlternateContent>
-</p:sld>
-</file>
-
-<file path=ppt/slides/slide14.xml><?xml version="1.0" encoding="utf-8"?>
-<p:sld xmlns:a="http://schemas.openxmlformats.org/drawingml/2006/main" xmlns:r="http://schemas.openxmlformats.org/officeDocument/2006/relationships" xmlns:p="http://schemas.openxmlformats.org/presentationml/2006/main">
-  <p:cSld>
-    <p:spTree>
-      <p:nvGrpSpPr>
-        <p:cNvPr id="1" name=""/>
-        <p:cNvGrpSpPr/>
-        <p:nvPr/>
-      </p:nvGrpSpPr>
-      <p:grpSpPr>
-        <a:xfrm>
-          <a:off x="0" y="0"/>
-          <a:ext cx="0" cy="0"/>
-          <a:chOff x="0" y="0"/>
-          <a:chExt cx="0" cy="0"/>
-        </a:xfrm>
-      </p:grpSpPr>
-      <p:sp>
-        <p:nvSpPr>
-          <p:cNvPr id="2" name="Title 1">
-            <a:extLst>
-              <a:ext uri="{FF2B5EF4-FFF2-40B4-BE49-F238E27FC236}">
-                <a16:creationId xmlns:a16="http://schemas.microsoft.com/office/drawing/2014/main" id="{118CBBA9-49D2-4262-9114-D0D47E7D522A}"/>
-              </a:ext>
-            </a:extLst>
-          </p:cNvPr>
-          <p:cNvSpPr>
-            <a:spLocks noGrp="1"/>
-          </p:cNvSpPr>
-          <p:nvPr>
-            <p:ph type="title"/>
-          </p:nvPr>
-        </p:nvSpPr>
-        <p:spPr/>
-        <p:txBody>
-          <a:bodyPr/>
-          <a:lstStyle/>
-          <a:p>
-            <a:r>
-              <a:rPr lang="en-AU" dirty="0"/>
-              <a:t>What worked?		[First Run]</a:t>
-            </a:r>
-          </a:p>
-        </p:txBody>
-      </p:sp>
-      <p:sp>
-        <p:nvSpPr>
-          <p:cNvPr id="3" name="Content Placeholder 2">
-            <a:extLst>
-              <a:ext uri="{FF2B5EF4-FFF2-40B4-BE49-F238E27FC236}">
-                <a16:creationId xmlns:a16="http://schemas.microsoft.com/office/drawing/2014/main" id="{1E6F3B36-FA1C-4A44-8799-54720A510D55}"/>
-              </a:ext>
-            </a:extLst>
-          </p:cNvPr>
-          <p:cNvSpPr>
-            <a:spLocks noGrp="1"/>
-          </p:cNvSpPr>
-          <p:nvPr>
-            <p:ph idx="1"/>
-          </p:nvPr>
-        </p:nvSpPr>
-        <p:spPr>
-          <a:xfrm>
-            <a:off x="1218883" y="1701797"/>
-            <a:ext cx="10564161" cy="4462272"/>
-          </a:xfrm>
-        </p:spPr>
-        <p:txBody>
-          <a:bodyPr/>
-          <a:lstStyle/>
-          <a:p>
-            <a:r>
-              <a:rPr lang="en-AU" dirty="0"/>
-              <a:t>Resnet34 Architecture:</a:t>
-            </a:r>
-          </a:p>
-          <a:p>
-            <a:pPr lvl="1"/>
-            <a:r>
-              <a:rPr lang="en-AU" dirty="0"/>
-              <a:t>First run with a single training epoch: 86.4% accuracy</a:t>
-            </a:r>
-          </a:p>
-          <a:p>
-            <a:pPr lvl="1"/>
-            <a:r>
-              <a:rPr lang="en-AU" dirty="0"/>
-              <a:t>False </a:t>
-            </a:r>
-            <a:r>
-              <a:rPr lang="en-AU" dirty="0">
-                <a:solidFill>
-                  <a:srgbClr val="FF0000"/>
-                </a:solidFill>
-              </a:rPr>
-              <a:t>negatives</a:t>
-            </a:r>
-            <a:r>
-              <a:rPr lang="en-AU" dirty="0"/>
-              <a:t> generally occur where panel edges are not visible</a:t>
-            </a:r>
-          </a:p>
-          <a:p>
-            <a:pPr lvl="1"/>
-            <a:r>
-              <a:rPr lang="en-AU" dirty="0"/>
-              <a:t>False </a:t>
-            </a:r>
-            <a:r>
-              <a:rPr lang="en-AU" dirty="0">
-                <a:solidFill>
-                  <a:schemeClr val="accent1">
-                    <a:lumMod val="60000"/>
-                    <a:lumOff val="40000"/>
-                  </a:schemeClr>
-                </a:solidFill>
-              </a:rPr>
-              <a:t>positives</a:t>
-            </a:r>
-            <a:r>
-              <a:rPr lang="en-AU" dirty="0"/>
-              <a:t> generally occur on grid-like structures</a:t>
-            </a:r>
-          </a:p>
-          <a:p>
-            <a:pPr lvl="1"/>
-            <a:r>
-              <a:rPr lang="en-AU" dirty="0"/>
-              <a:t>Learning rate utilising SGDR on final layer provides small improvement: 88.6%</a:t>
-            </a:r>
-          </a:p>
-          <a:p>
-            <a:pPr lvl="1"/>
-            <a:r>
-              <a:rPr lang="en-AU" dirty="0"/>
-              <a:t>SGDR with differential learning rates yields significant accuracy increase</a:t>
-            </a:r>
-          </a:p>
-          <a:p>
-            <a:pPr lvl="2"/>
-            <a:r>
-              <a:rPr lang="en-AU" dirty="0"/>
-              <a:t>Tuning the 3</a:t>
-            </a:r>
-            <a:r>
-              <a:rPr lang="en-AU" baseline="30000" dirty="0"/>
-              <a:t>rd</a:t>
-            </a:r>
-            <a:r>
-              <a:rPr lang="en-AU" dirty="0"/>
-              <a:t> last layer: Minimal accuracy improvement, model underfitting</a:t>
-            </a:r>
-          </a:p>
-          <a:p>
-            <a:pPr lvl="2"/>
-            <a:r>
-              <a:rPr lang="en-AU" dirty="0"/>
-              <a:t>Tuning the 2</a:t>
-            </a:r>
-            <a:r>
-              <a:rPr lang="en-AU" baseline="30000" dirty="0"/>
-              <a:t>nd</a:t>
-            </a:r>
-            <a:r>
-              <a:rPr lang="en-AU" dirty="0"/>
-              <a:t> last layer: Small accuracy improvement, minor overfitting</a:t>
-            </a:r>
-          </a:p>
-          <a:p>
-            <a:pPr lvl="2"/>
-            <a:r>
-              <a:rPr lang="en-AU" dirty="0"/>
-              <a:t>Tuning the last layer: Significant accuracy improvement, overfitting (97.3%)</a:t>
-            </a:r>
-          </a:p>
-          <a:p>
-            <a:pPr lvl="1"/>
-            <a:r>
-              <a:rPr lang="en-AU" dirty="0"/>
-              <a:t>TTA provides small benefit: 97.8% accuracy</a:t>
-            </a:r>
-          </a:p>
-          <a:p>
-            <a:pPr lvl="1"/>
-            <a:endParaRPr lang="en-AU" dirty="0"/>
-          </a:p>
-        </p:txBody>
-      </p:sp>
-    </p:spTree>
-    <p:extLst>
-      <p:ext uri="{BB962C8B-B14F-4D97-AF65-F5344CB8AC3E}">
-        <p14:creationId xmlns:p14="http://schemas.microsoft.com/office/powerpoint/2010/main" val="796037558"/>
-      </p:ext>
-    </p:extLst>
-  </p:cSld>
-  <p:clrMapOvr>
-    <a:masterClrMapping/>
-  </p:clrMapOvr>
-  <mc:AlternateContent xmlns:mc="http://schemas.openxmlformats.org/markup-compatibility/2006" xmlns:p14="http://schemas.microsoft.com/office/powerpoint/2010/main">
-    <mc:Choice Requires="p14">
-      <p:transition spd="med" p14:dur="700">
-        <p:fade/>
-      </p:transition>
-    </mc:Choice>
-    <mc:Fallback xmlns="">
-      <p:transition spd="med">
-        <p:fade/>
-      </p:transition>
-    </mc:Fallback>
-  </mc:AlternateContent>
-</p:sld>
-</file>
-
-<file path=ppt/slides/slide15.xml><?xml version="1.0" encoding="utf-8"?>
-<p:sld xmlns:a="http://schemas.openxmlformats.org/drawingml/2006/main" xmlns:r="http://schemas.openxmlformats.org/officeDocument/2006/relationships" xmlns:p="http://schemas.openxmlformats.org/presentationml/2006/main">
-  <p:cSld>
-    <p:spTree>
-      <p:nvGrpSpPr>
-        <p:cNvPr id="1" name=""/>
-        <p:cNvGrpSpPr/>
-        <p:nvPr/>
-      </p:nvGrpSpPr>
-      <p:grpSpPr>
-        <a:xfrm>
-          <a:off x="0" y="0"/>
-          <a:ext cx="0" cy="0"/>
-          <a:chOff x="0" y="0"/>
-          <a:chExt cx="0" cy="0"/>
-        </a:xfrm>
-      </p:grpSpPr>
-      <p:sp>
-        <p:nvSpPr>
-          <p:cNvPr id="2" name="Title 1">
-            <a:extLst>
-              <a:ext uri="{FF2B5EF4-FFF2-40B4-BE49-F238E27FC236}">
-                <a16:creationId xmlns:a16="http://schemas.microsoft.com/office/drawing/2014/main" id="{118CBBA9-49D2-4262-9114-D0D47E7D522A}"/>
-              </a:ext>
-            </a:extLst>
-          </p:cNvPr>
-          <p:cNvSpPr>
-            <a:spLocks noGrp="1"/>
-          </p:cNvSpPr>
-          <p:nvPr>
-            <p:ph type="title"/>
-          </p:nvPr>
-        </p:nvSpPr>
-        <p:spPr/>
-        <p:txBody>
-          <a:bodyPr/>
-          <a:lstStyle/>
-          <a:p>
-            <a:r>
-              <a:rPr lang="en-AU" dirty="0"/>
-              <a:t>What worked?</a:t>
-            </a:r>
-          </a:p>
-        </p:txBody>
-      </p:sp>
-      <p:sp>
-        <p:nvSpPr>
-          <p:cNvPr id="3" name="Content Placeholder 2">
-            <a:extLst>
-              <a:ext uri="{FF2B5EF4-FFF2-40B4-BE49-F238E27FC236}">
-                <a16:creationId xmlns:a16="http://schemas.microsoft.com/office/drawing/2014/main" id="{1E6F3B36-FA1C-4A44-8799-54720A510D55}"/>
-              </a:ext>
-            </a:extLst>
-          </p:cNvPr>
-          <p:cNvSpPr>
-            <a:spLocks noGrp="1"/>
-          </p:cNvSpPr>
-          <p:nvPr>
-            <p:ph idx="1"/>
-          </p:nvPr>
-        </p:nvSpPr>
-        <p:spPr>
-          <a:xfrm>
-            <a:off x="1218883" y="1701797"/>
-            <a:ext cx="10564161" cy="4462272"/>
-          </a:xfrm>
-        </p:spPr>
-        <p:txBody>
-          <a:bodyPr/>
-          <a:lstStyle/>
-          <a:p>
-            <a:r>
-              <a:rPr lang="en-AU" dirty="0"/>
-              <a:t>Dropout</a:t>
-            </a:r>
-          </a:p>
-          <a:p>
-            <a:pPr lvl="1"/>
-            <a:r>
-              <a:rPr lang="en-AU" dirty="0"/>
-              <a:t>No dropout results in rapid overfitting – not recommended</a:t>
-            </a:r>
-          </a:p>
-          <a:p>
-            <a:pPr lvl="1"/>
-            <a:r>
-              <a:rPr lang="en-AU" dirty="0"/>
-              <a:t>Default dropout of 25% (first dropout layer) and 50% (second dropout layer) in the </a:t>
-            </a:r>
-            <a:r>
-              <a:rPr lang="en-AU"/>
-              <a:t>resnet34 model worked well</a:t>
-            </a:r>
-            <a:endParaRPr lang="en-AU" dirty="0"/>
-          </a:p>
-          <a:p>
-            <a:pPr lvl="1"/>
-            <a:endParaRPr lang="en-AU" dirty="0"/>
-          </a:p>
-          <a:p>
-            <a:pPr lvl="1"/>
-            <a:endParaRPr lang="en-AU" dirty="0"/>
-          </a:p>
-          <a:p>
-            <a:pPr lvl="1"/>
-            <a:endParaRPr lang="en-AU" dirty="0"/>
-          </a:p>
-        </p:txBody>
-      </p:sp>
-    </p:spTree>
-    <p:extLst>
-      <p:ext uri="{BB962C8B-B14F-4D97-AF65-F5344CB8AC3E}">
-        <p14:creationId xmlns:p14="http://schemas.microsoft.com/office/powerpoint/2010/main" val="2167520984"/>
-      </p:ext>
-    </p:extLst>
-  </p:cSld>
-  <p:clrMapOvr>
-    <a:masterClrMapping/>
-  </p:clrMapOvr>
-  <mc:AlternateContent xmlns:mc="http://schemas.openxmlformats.org/markup-compatibility/2006" xmlns:p14="http://schemas.microsoft.com/office/powerpoint/2010/main">
-    <mc:Choice Requires="p14">
-      <p:transition spd="med" p14:dur="700">
-        <p:fade/>
-      </p:transition>
-    </mc:Choice>
-    <mc:Fallback xmlns="">
-      <p:transition spd="med">
-        <p:fade/>
-      </p:transition>
-    </mc:Fallback>
-  </mc:AlternateContent>
-</p:sld>
-</file>
-
-<file path=ppt/slides/slide16.xml><?xml version="1.0" encoding="utf-8"?>
-<p:sld xmlns:a="http://schemas.openxmlformats.org/drawingml/2006/main" xmlns:r="http://schemas.openxmlformats.org/officeDocument/2006/relationships" xmlns:p="http://schemas.openxmlformats.org/presentationml/2006/main">
-  <p:cSld>
-    <p:spTree>
-      <p:nvGrpSpPr>
-        <p:cNvPr id="1" name=""/>
-        <p:cNvGrpSpPr/>
-        <p:nvPr/>
-      </p:nvGrpSpPr>
-      <p:grpSpPr>
-        <a:xfrm>
-          <a:off x="0" y="0"/>
-          <a:ext cx="0" cy="0"/>
-          <a:chOff x="0" y="0"/>
-          <a:chExt cx="0" cy="0"/>
-        </a:xfrm>
-      </p:grpSpPr>
-      <p:sp>
-        <p:nvSpPr>
-          <p:cNvPr id="2" name="Title 1">
-            <a:extLst>
-              <a:ext uri="{FF2B5EF4-FFF2-40B4-BE49-F238E27FC236}">
-                <a16:creationId xmlns:a16="http://schemas.microsoft.com/office/drawing/2014/main" id="{118CBBA9-49D2-4262-9114-D0D47E7D522A}"/>
-              </a:ext>
-            </a:extLst>
-          </p:cNvPr>
-          <p:cNvSpPr>
-            <a:spLocks noGrp="1"/>
-          </p:cNvSpPr>
-          <p:nvPr>
-            <p:ph type="title"/>
-          </p:nvPr>
-        </p:nvSpPr>
-        <p:spPr/>
-        <p:txBody>
-          <a:bodyPr/>
-          <a:lstStyle/>
-          <a:p>
-            <a:r>
-              <a:rPr lang="en-AU" dirty="0"/>
-              <a:t>What didn’t work?</a:t>
-            </a:r>
-          </a:p>
-        </p:txBody>
-      </p:sp>
-      <p:sp>
-        <p:nvSpPr>
-          <p:cNvPr id="3" name="Content Placeholder 2">
-            <a:extLst>
-              <a:ext uri="{FF2B5EF4-FFF2-40B4-BE49-F238E27FC236}">
-                <a16:creationId xmlns:a16="http://schemas.microsoft.com/office/drawing/2014/main" id="{1E6F3B36-FA1C-4A44-8799-54720A510D55}"/>
-              </a:ext>
-            </a:extLst>
-          </p:cNvPr>
-          <p:cNvSpPr>
-            <a:spLocks noGrp="1"/>
-          </p:cNvSpPr>
-          <p:nvPr>
-            <p:ph idx="1"/>
-          </p:nvPr>
-        </p:nvSpPr>
-        <p:spPr>
-          <a:xfrm>
-            <a:off x="1218883" y="1701797"/>
-            <a:ext cx="10360501" cy="1223963"/>
-          </a:xfrm>
-        </p:spPr>
-        <p:txBody>
-          <a:bodyPr>
-            <a:normAutofit fontScale="92500" lnSpcReduction="10000"/>
-          </a:bodyPr>
-          <a:lstStyle/>
-          <a:p>
-            <a:r>
-              <a:rPr lang="en-AU" dirty="0"/>
-              <a:t>Significant dropout:</a:t>
-            </a:r>
-          </a:p>
-          <a:p>
-            <a:pPr lvl="1"/>
-            <a:r>
-              <a:rPr lang="en-AU" dirty="0"/>
-              <a:t>50% dropout resulted in 89.7% accuracy (↓8.1%)</a:t>
-            </a:r>
-          </a:p>
-          <a:p>
-            <a:pPr lvl="1"/>
-            <a:r>
-              <a:rPr lang="en-AU" dirty="0"/>
-              <a:t>25% dropout</a:t>
-            </a:r>
-          </a:p>
-          <a:p>
-            <a:pPr lvl="1"/>
-            <a:endParaRPr lang="en-AU" dirty="0"/>
-          </a:p>
-        </p:txBody>
-      </p:sp>
-    </p:spTree>
-    <p:extLst>
-      <p:ext uri="{BB962C8B-B14F-4D97-AF65-F5344CB8AC3E}">
-        <p14:creationId xmlns:p14="http://schemas.microsoft.com/office/powerpoint/2010/main" val="2709229914"/>
-      </p:ext>
-    </p:extLst>
-  </p:cSld>
-  <p:clrMapOvr>
-    <a:masterClrMapping/>
-  </p:clrMapOvr>
-  <mc:AlternateContent xmlns:mc="http://schemas.openxmlformats.org/markup-compatibility/2006" xmlns:p14="http://schemas.microsoft.com/office/powerpoint/2010/main">
-    <mc:Choice Requires="p14">
-      <p:transition spd="med" p14:dur="700">
-        <p:fade/>
-      </p:transition>
-    </mc:Choice>
-    <mc:Fallback xmlns="">
-      <p:transition spd="med">
-        <p:fade/>
-      </p:transition>
-    </mc:Fallback>
-  </mc:AlternateContent>
-</p:sld>
-</file>
-
-<file path=ppt/slides/slide17.xml><?xml version="1.0" encoding="utf-8"?>
-<p:sld xmlns:a="http://schemas.openxmlformats.org/drawingml/2006/main" xmlns:r="http://schemas.openxmlformats.org/officeDocument/2006/relationships" xmlns:p="http://schemas.openxmlformats.org/presentationml/2006/main">
-  <p:cSld>
-    <p:spTree>
-      <p:nvGrpSpPr>
-        <p:cNvPr id="1" name=""/>
-        <p:cNvGrpSpPr/>
-        <p:nvPr/>
-      </p:nvGrpSpPr>
-      <p:grpSpPr>
-        <a:xfrm>
-          <a:off x="0" y="0"/>
-          <a:ext cx="0" cy="0"/>
-          <a:chOff x="0" y="0"/>
-          <a:chExt cx="0" cy="0"/>
-        </a:xfrm>
-      </p:grpSpPr>
-      <p:sp>
-        <p:nvSpPr>
-          <p:cNvPr id="4" name="Title 3"/>
-          <p:cNvSpPr>
-            <a:spLocks noGrp="1"/>
-          </p:cNvSpPr>
-          <p:nvPr>
-            <p:ph type="title"/>
-          </p:nvPr>
-        </p:nvSpPr>
-        <p:spPr/>
-        <p:txBody>
-          <a:bodyPr/>
-          <a:lstStyle/>
-          <a:p>
-            <a:r>
-              <a:rPr lang="en-US" dirty="0"/>
-              <a:t>Challenge 2</a:t>
-            </a:r>
-          </a:p>
-        </p:txBody>
-      </p:sp>
-      <p:sp>
-        <p:nvSpPr>
-          <p:cNvPr id="5" name="Text Placeholder 4"/>
-          <p:cNvSpPr>
-            <a:spLocks noGrp="1"/>
-          </p:cNvSpPr>
-          <p:nvPr>
-            <p:ph type="body" idx="1"/>
-          </p:nvPr>
-        </p:nvSpPr>
-        <p:spPr/>
-        <p:txBody>
-          <a:bodyPr>
-            <a:normAutofit lnSpcReduction="10000"/>
-          </a:bodyPr>
-          <a:lstStyle/>
-          <a:p>
-            <a:r>
-              <a:rPr lang="en-US" dirty="0"/>
-              <a:t>Photovoltaic generation</a:t>
-            </a:r>
-          </a:p>
-          <a:p>
-            <a:endParaRPr lang="en-US" dirty="0"/>
-          </a:p>
-          <a:p>
-            <a:r>
-              <a:rPr lang="en-US" dirty="0"/>
-              <a:t>PART B - SIZING</a:t>
-            </a:r>
-          </a:p>
-        </p:txBody>
-      </p:sp>
-    </p:spTree>
-    <p:extLst>
-      <p:ext uri="{BB962C8B-B14F-4D97-AF65-F5344CB8AC3E}">
-        <p14:creationId xmlns:p14="http://schemas.microsoft.com/office/powerpoint/2010/main" val="3970823378"/>
-      </p:ext>
-    </p:extLst>
-  </p:cSld>
-  <p:clrMapOvr>
-    <a:masterClrMapping/>
-  </p:clrMapOvr>
-  <mc:AlternateContent xmlns:mc="http://schemas.openxmlformats.org/markup-compatibility/2006" xmlns:p14="http://schemas.microsoft.com/office/powerpoint/2010/main">
-    <mc:Choice Requires="p14">
-      <p:transition spd="med" p14:dur="700">
-        <p:fade/>
-      </p:transition>
-    </mc:Choice>
-    <mc:Fallback xmlns="">
-      <p:transition spd="med">
-        <p:fade/>
-      </p:transition>
-    </mc:Fallback>
-  </mc:AlternateContent>
-</p:sld>
-</file>
-
-<file path=ppt/slides/slide18.xml><?xml version="1.0" encoding="utf-8"?>
-<p:sld xmlns:a="http://schemas.openxmlformats.org/drawingml/2006/main" xmlns:r="http://schemas.openxmlformats.org/officeDocument/2006/relationships" xmlns:p="http://schemas.openxmlformats.org/presentationml/2006/main">
-  <p:cSld>
-    <p:spTree>
-      <p:nvGrpSpPr>
-        <p:cNvPr id="1" name=""/>
-        <p:cNvGrpSpPr/>
-        <p:nvPr/>
-      </p:nvGrpSpPr>
-      <p:grpSpPr>
-        <a:xfrm>
-          <a:off x="0" y="0"/>
-          <a:ext cx="0" cy="0"/>
-          <a:chOff x="0" y="0"/>
-          <a:chExt cx="0" cy="0"/>
-        </a:xfrm>
-      </p:grpSpPr>
-      <p:sp>
-        <p:nvSpPr>
-          <p:cNvPr id="2" name="Title 1">
-            <a:extLst>
-              <a:ext uri="{FF2B5EF4-FFF2-40B4-BE49-F238E27FC236}">
-                <a16:creationId xmlns:a16="http://schemas.microsoft.com/office/drawing/2014/main" id="{118CBBA9-49D2-4262-9114-D0D47E7D522A}"/>
-              </a:ext>
-            </a:extLst>
-          </p:cNvPr>
-          <p:cNvSpPr>
-            <a:spLocks noGrp="1"/>
-          </p:cNvSpPr>
-          <p:nvPr>
-            <p:ph type="title"/>
-          </p:nvPr>
-        </p:nvSpPr>
-        <p:spPr/>
-        <p:txBody>
-          <a:bodyPr/>
-          <a:lstStyle/>
-          <a:p>
-            <a:r>
-              <a:rPr lang="en-AU" dirty="0"/>
-              <a:t>Overview</a:t>
-            </a:r>
-          </a:p>
-        </p:txBody>
-      </p:sp>
-      <p:sp>
-        <p:nvSpPr>
-          <p:cNvPr id="3" name="Content Placeholder 2">
-            <a:extLst>
-              <a:ext uri="{FF2B5EF4-FFF2-40B4-BE49-F238E27FC236}">
-                <a16:creationId xmlns:a16="http://schemas.microsoft.com/office/drawing/2014/main" id="{1E6F3B36-FA1C-4A44-8799-54720A510D55}"/>
-              </a:ext>
-            </a:extLst>
-          </p:cNvPr>
-          <p:cNvSpPr>
-            <a:spLocks noGrp="1"/>
-          </p:cNvSpPr>
-          <p:nvPr>
-            <p:ph idx="1"/>
-          </p:nvPr>
-        </p:nvSpPr>
-        <p:spPr>
-          <a:xfrm>
-            <a:off x="1218883" y="1701797"/>
-            <a:ext cx="10360501" cy="1223963"/>
-          </a:xfrm>
-        </p:spPr>
-        <p:txBody>
-          <a:bodyPr/>
-          <a:lstStyle/>
-          <a:p>
-            <a:r>
-              <a:rPr lang="en-AU" dirty="0"/>
-              <a:t>Part B continues from Part A code</a:t>
-            </a:r>
-          </a:p>
-          <a:p>
-            <a:r>
-              <a:rPr lang="en-AU" dirty="0"/>
-              <a:t>PV image Metadata is accessible in the </a:t>
-            </a:r>
-            <a:r>
-              <a:rPr lang="en-AU" dirty="0" err="1"/>
-              <a:t>Jupyter</a:t>
-            </a:r>
-            <a:r>
-              <a:rPr lang="en-AU" dirty="0"/>
-              <a:t> Notebook</a:t>
-            </a:r>
-          </a:p>
-          <a:p>
-            <a:endParaRPr lang="en-AU" dirty="0"/>
-          </a:p>
-          <a:p>
-            <a:pPr lvl="1"/>
-            <a:endParaRPr lang="en-AU" dirty="0"/>
-          </a:p>
-        </p:txBody>
-      </p:sp>
-    </p:spTree>
-    <p:extLst>
-      <p:ext uri="{BB962C8B-B14F-4D97-AF65-F5344CB8AC3E}">
-        <p14:creationId xmlns:p14="http://schemas.microsoft.com/office/powerpoint/2010/main" val="2005215278"/>
-      </p:ext>
-    </p:extLst>
-  </p:cSld>
-  <p:clrMapOvr>
-    <a:masterClrMapping/>
-  </p:clrMapOvr>
-  <mc:AlternateContent xmlns:mc="http://schemas.openxmlformats.org/markup-compatibility/2006" xmlns:p14="http://schemas.microsoft.com/office/powerpoint/2010/main">
-    <mc:Choice Requires="p14">
-      <p:transition spd="med" p14:dur="700">
-        <p:fade/>
-      </p:transition>
-    </mc:Choice>
-    <mc:Fallback xmlns="">
-      <p:transition spd="med">
-        <p:fade/>
-      </p:transition>
-    </mc:Fallback>
-  </mc:AlternateContent>
-</p:sld>
-</file>
-
-<file path=ppt/slides/slide19.xml><?xml version="1.0" encoding="utf-8"?>
-<p:sld xmlns:a="http://schemas.openxmlformats.org/drawingml/2006/main" xmlns:r="http://schemas.openxmlformats.org/officeDocument/2006/relationships" xmlns:p="http://schemas.openxmlformats.org/presentationml/2006/main">
-  <p:cSld>
-    <p:spTree>
-      <p:nvGrpSpPr>
-        <p:cNvPr id="1" name=""/>
-        <p:cNvGrpSpPr/>
-        <p:nvPr/>
-      </p:nvGrpSpPr>
-      <p:grpSpPr>
-        <a:xfrm>
-          <a:off x="0" y="0"/>
-          <a:ext cx="0" cy="0"/>
-          <a:chOff x="0" y="0"/>
-          <a:chExt cx="0" cy="0"/>
-        </a:xfrm>
-      </p:grpSpPr>
-      <p:sp>
-        <p:nvSpPr>
-          <p:cNvPr id="2" name="Title 1">
-            <a:extLst>
-              <a:ext uri="{FF2B5EF4-FFF2-40B4-BE49-F238E27FC236}">
-                <a16:creationId xmlns:a16="http://schemas.microsoft.com/office/drawing/2014/main" id="{118CBBA9-49D2-4262-9114-D0D47E7D522A}"/>
-              </a:ext>
-            </a:extLst>
-          </p:cNvPr>
-          <p:cNvSpPr>
-            <a:spLocks noGrp="1"/>
-          </p:cNvSpPr>
-          <p:nvPr>
-            <p:ph type="title"/>
-          </p:nvPr>
-        </p:nvSpPr>
-        <p:spPr/>
-        <p:txBody>
-          <a:bodyPr>
-            <a:normAutofit/>
-          </a:bodyPr>
-          <a:lstStyle/>
-          <a:p>
-            <a:pPr algn="r"/>
-            <a:r>
-              <a:rPr lang="en-AU" sz="4800" dirty="0">
-                <a:latin typeface="Kunstler Script" panose="030304020206070D0D06" pitchFamily="66" charset="0"/>
-              </a:rPr>
-              <a:t>Thank you for your attention.</a:t>
-            </a:r>
-          </a:p>
-        </p:txBody>
-      </p:sp>
-      <p:sp>
-        <p:nvSpPr>
-          <p:cNvPr id="3" name="Content Placeholder 2">
-            <a:extLst>
-              <a:ext uri="{FF2B5EF4-FFF2-40B4-BE49-F238E27FC236}">
-                <a16:creationId xmlns:a16="http://schemas.microsoft.com/office/drawing/2014/main" id="{1E6F3B36-FA1C-4A44-8799-54720A510D55}"/>
-              </a:ext>
-            </a:extLst>
-          </p:cNvPr>
-          <p:cNvSpPr>
-            <a:spLocks noGrp="1"/>
-          </p:cNvSpPr>
-          <p:nvPr>
-            <p:ph idx="1"/>
-          </p:nvPr>
-        </p:nvSpPr>
-        <p:spPr>
-          <a:xfrm>
-            <a:off x="1218883" y="1701797"/>
-            <a:ext cx="10360501" cy="4679531"/>
-          </a:xfrm>
-        </p:spPr>
-        <p:txBody>
-          <a:bodyPr>
-            <a:normAutofit/>
-          </a:bodyPr>
-          <a:lstStyle/>
-          <a:p>
-            <a:pPr marL="0" indent="0" algn="ctr">
-              <a:buNone/>
-            </a:pPr>
-            <a:r>
-              <a:rPr lang="en-AU" u="sng" dirty="0"/>
-              <a:t>Team </a:t>
-            </a:r>
-            <a:r>
-              <a:rPr lang="en-AU" u="sng" dirty="0" err="1"/>
-              <a:t>UnicorNN</a:t>
-            </a:r>
-            <a:endParaRPr lang="en-AU" u="sng" dirty="0"/>
-          </a:p>
-          <a:p>
-            <a:pPr>
-              <a:buFontTx/>
-              <a:buChar char="-"/>
-            </a:pPr>
-            <a:r>
-              <a:rPr lang="en-AU" dirty="0"/>
-              <a:t>Sofia Sibanic</a:t>
-            </a:r>
-          </a:p>
-          <a:p>
-            <a:pPr>
-              <a:buFontTx/>
-              <a:buChar char="-"/>
-            </a:pPr>
-            <a:r>
-              <a:rPr lang="en-AU" dirty="0"/>
-              <a:t>Adrian Goldberg</a:t>
-            </a:r>
-          </a:p>
-          <a:p>
-            <a:pPr>
-              <a:buFontTx/>
-              <a:buChar char="-"/>
-            </a:pPr>
-            <a:r>
-              <a:rPr lang="en-AU" dirty="0"/>
-              <a:t>Sandesh </a:t>
-            </a:r>
-            <a:r>
-              <a:rPr lang="en-AU" dirty="0" err="1"/>
-              <a:t>Satpute</a:t>
-            </a:r>
-            <a:endParaRPr lang="en-AU" dirty="0"/>
-          </a:p>
-          <a:p>
-            <a:pPr>
-              <a:buFontTx/>
-              <a:buChar char="-"/>
-            </a:pPr>
-            <a:r>
-              <a:rPr lang="en-AU" dirty="0"/>
-              <a:t>Jordan Pratt</a:t>
-            </a:r>
-          </a:p>
-          <a:p>
-            <a:pPr lvl="1"/>
-            <a:endParaRPr lang="en-AU" dirty="0"/>
-          </a:p>
-        </p:txBody>
-      </p:sp>
-      <p:pic>
-        <p:nvPicPr>
-          <p:cNvPr id="5" name="Picture 4">
-            <a:extLst>
-              <a:ext uri="{FF2B5EF4-FFF2-40B4-BE49-F238E27FC236}">
-                <a16:creationId xmlns:a16="http://schemas.microsoft.com/office/drawing/2014/main" id="{4E9B1E06-FE9D-462D-A33F-A672B189115A}"/>
-              </a:ext>
-            </a:extLst>
-          </p:cNvPr>
-          <p:cNvPicPr>
-            <a:picLocks noChangeAspect="1"/>
-          </p:cNvPicPr>
-          <p:nvPr/>
-        </p:nvPicPr>
-        <p:blipFill>
-          <a:blip r:embed="rId2" cstate="print">
-            <a:extLst>
-              <a:ext uri="{28A0092B-C50C-407E-A947-70E740481C1C}">
-                <a14:useLocalDpi xmlns:a14="http://schemas.microsoft.com/office/drawing/2010/main" val="0"/>
-              </a:ext>
-            </a:extLst>
-          </a:blip>
-          <a:stretch>
-            <a:fillRect/>
-          </a:stretch>
-        </p:blipFill>
-        <p:spPr>
-          <a:xfrm>
-            <a:off x="5446340" y="3429000"/>
-            <a:ext cx="1989601" cy="1705372"/>
-          </a:xfrm>
-          <a:prstGeom prst="rect">
-            <a:avLst/>
-          </a:prstGeom>
-        </p:spPr>
-      </p:pic>
-      <p:pic>
-        <p:nvPicPr>
-          <p:cNvPr id="6" name="Picture 5">
-            <a:extLst>
-              <a:ext uri="{FF2B5EF4-FFF2-40B4-BE49-F238E27FC236}">
-                <a16:creationId xmlns:a16="http://schemas.microsoft.com/office/drawing/2014/main" id="{EEFF4B65-FE70-4058-AB79-864721B760FD}"/>
-              </a:ext>
-            </a:extLst>
-          </p:cNvPr>
-          <p:cNvPicPr>
-            <a:picLocks noChangeAspect="1"/>
-          </p:cNvPicPr>
-          <p:nvPr/>
-        </p:nvPicPr>
-        <p:blipFill>
-          <a:blip r:embed="rId3" cstate="print">
-            <a:extLst>
-              <a:ext uri="{28A0092B-C50C-407E-A947-70E740481C1C}">
-                <a14:useLocalDpi xmlns:a14="http://schemas.microsoft.com/office/drawing/2010/main" val="0"/>
-              </a:ext>
-            </a:extLst>
-          </a:blip>
-          <a:stretch>
-            <a:fillRect/>
-          </a:stretch>
-        </p:blipFill>
-        <p:spPr>
-          <a:xfrm>
-            <a:off x="5825340" y="2547073"/>
-            <a:ext cx="1256171" cy="1512605"/>
-          </a:xfrm>
-          <a:prstGeom prst="rect">
-            <a:avLst/>
-          </a:prstGeom>
-        </p:spPr>
-      </p:pic>
-    </p:spTree>
-    <p:extLst>
-      <p:ext uri="{BB962C8B-B14F-4D97-AF65-F5344CB8AC3E}">
-        <p14:creationId xmlns:p14="http://schemas.microsoft.com/office/powerpoint/2010/main" val="36318704"/>
-      </p:ext>
-    </p:extLst>
-  </p:cSld>
-  <p:clrMapOvr>
-    <a:masterClrMapping/>
-  </p:clrMapOvr>
-  <mc:AlternateContent xmlns:mc="http://schemas.openxmlformats.org/markup-compatibility/2006" xmlns:p14="http://schemas.microsoft.com/office/powerpoint/2010/main">
-    <mc:Choice Requires="p14">
-      <p:transition spd="med" p14:dur="700">
-        <p:fade/>
-      </p:transition>
-    </mc:Choice>
-    <mc:Fallback xmlns="">
+    <mc:Fallback>
       <p:transition spd="med">
         <p:fade/>
       </p:transition>
@@ -11888,715 +13296,10 @@
       </p:grpSpPr>
       <p:sp>
         <p:nvSpPr>
-          <p:cNvPr id="13" name="Title 12"/>
-          <p:cNvSpPr>
-            <a:spLocks noGrp="1"/>
-          </p:cNvSpPr>
-          <p:nvPr>
-            <p:ph type="title"/>
-          </p:nvPr>
-        </p:nvSpPr>
-        <p:spPr/>
-        <p:txBody>
-          <a:bodyPr/>
-          <a:lstStyle/>
-          <a:p>
-            <a:r>
-              <a:rPr lang="en-US" dirty="0"/>
-              <a:t>Challenge 1 – Smart Meter Data</a:t>
-            </a:r>
-          </a:p>
-        </p:txBody>
-      </p:sp>
-      <p:sp>
-        <p:nvSpPr>
-          <p:cNvPr id="14" name="Content Placeholder 13"/>
-          <p:cNvSpPr>
-            <a:spLocks noGrp="1"/>
-          </p:cNvSpPr>
-          <p:nvPr>
-            <p:ph idx="1"/>
-          </p:nvPr>
-        </p:nvSpPr>
-        <p:spPr/>
-        <p:txBody>
-          <a:bodyPr/>
-          <a:lstStyle/>
-          <a:p>
-            <a:r>
-              <a:rPr lang="en-US" dirty="0"/>
-              <a:t>Overview</a:t>
-            </a:r>
-          </a:p>
-          <a:p>
-            <a:r>
-              <a:rPr lang="en-US" dirty="0"/>
-              <a:t>Approach</a:t>
-            </a:r>
-          </a:p>
-          <a:p>
-            <a:r>
-              <a:rPr lang="en-US" dirty="0"/>
-              <a:t>Results</a:t>
-            </a:r>
-          </a:p>
-          <a:p>
-            <a:r>
-              <a:rPr lang="en-US" dirty="0"/>
-              <a:t>Insights</a:t>
-            </a:r>
-          </a:p>
-        </p:txBody>
-      </p:sp>
-    </p:spTree>
-    <p:extLst>
-      <p:ext uri="{BB962C8B-B14F-4D97-AF65-F5344CB8AC3E}">
-        <p14:creationId xmlns:p14="http://schemas.microsoft.com/office/powerpoint/2010/main" val="3529114326"/>
-      </p:ext>
-    </p:extLst>
-  </p:cSld>
-  <p:clrMapOvr>
-    <a:masterClrMapping/>
-  </p:clrMapOvr>
-  <mc:AlternateContent xmlns:mc="http://schemas.openxmlformats.org/markup-compatibility/2006" xmlns:p14="http://schemas.microsoft.com/office/powerpoint/2010/main">
-    <mc:Choice Requires="p14">
-      <p:transition spd="med" p14:dur="700">
-        <p:fade/>
-      </p:transition>
-    </mc:Choice>
-    <mc:Fallback xmlns="">
-      <p:transition spd="med">
-        <p:fade/>
-      </p:transition>
-    </mc:Fallback>
-  </mc:AlternateContent>
-</p:sld>
-</file>
-
-<file path=ppt/slides/slide3.xml><?xml version="1.0" encoding="utf-8"?>
-<p:sld xmlns:a="http://schemas.openxmlformats.org/drawingml/2006/main" xmlns:r="http://schemas.openxmlformats.org/officeDocument/2006/relationships" xmlns:p="http://schemas.openxmlformats.org/presentationml/2006/main">
-  <p:cSld>
-    <p:spTree>
-      <p:nvGrpSpPr>
-        <p:cNvPr id="1" name=""/>
-        <p:cNvGrpSpPr/>
-        <p:nvPr/>
-      </p:nvGrpSpPr>
-      <p:grpSpPr>
-        <a:xfrm>
-          <a:off x="0" y="0"/>
-          <a:ext cx="0" cy="0"/>
-          <a:chOff x="0" y="0"/>
-          <a:chExt cx="0" cy="0"/>
-        </a:xfrm>
-      </p:grpSpPr>
-      <p:sp>
-        <p:nvSpPr>
-          <p:cNvPr id="13" name="Title 12"/>
-          <p:cNvSpPr>
-            <a:spLocks noGrp="1"/>
-          </p:cNvSpPr>
-          <p:nvPr>
-            <p:ph type="title"/>
-          </p:nvPr>
-        </p:nvSpPr>
-        <p:spPr/>
-        <p:txBody>
-          <a:bodyPr/>
-          <a:lstStyle/>
-          <a:p>
-            <a:r>
-              <a:rPr lang="en-US" dirty="0"/>
-              <a:t>Overview</a:t>
-            </a:r>
-          </a:p>
-        </p:txBody>
-      </p:sp>
-      <p:sp>
-        <p:nvSpPr>
-          <p:cNvPr id="14" name="Content Placeholder 13"/>
-          <p:cNvSpPr>
-            <a:spLocks noGrp="1"/>
-          </p:cNvSpPr>
-          <p:nvPr>
-            <p:ph idx="1"/>
-          </p:nvPr>
-        </p:nvSpPr>
-        <p:spPr/>
-        <p:txBody>
-          <a:bodyPr/>
-          <a:lstStyle/>
-          <a:p>
-            <a:r>
-              <a:rPr lang="en-US" dirty="0"/>
-              <a:t>To do</a:t>
-            </a:r>
-          </a:p>
-        </p:txBody>
-      </p:sp>
-    </p:spTree>
-    <p:extLst>
-      <p:ext uri="{BB962C8B-B14F-4D97-AF65-F5344CB8AC3E}">
-        <p14:creationId xmlns:p14="http://schemas.microsoft.com/office/powerpoint/2010/main" val="820411689"/>
-      </p:ext>
-    </p:extLst>
-  </p:cSld>
-  <p:clrMapOvr>
-    <a:masterClrMapping/>
-  </p:clrMapOvr>
-  <mc:AlternateContent xmlns:mc="http://schemas.openxmlformats.org/markup-compatibility/2006" xmlns:p14="http://schemas.microsoft.com/office/powerpoint/2010/main">
-    <mc:Choice Requires="p14">
-      <p:transition spd="med" p14:dur="700">
-        <p:fade/>
-      </p:transition>
-    </mc:Choice>
-    <mc:Fallback xmlns="">
-      <p:transition spd="med">
-        <p:fade/>
-      </p:transition>
-    </mc:Fallback>
-  </mc:AlternateContent>
-</p:sld>
-</file>
-
-<file path=ppt/slides/slide4.xml><?xml version="1.0" encoding="utf-8"?>
-<p:sld xmlns:a="http://schemas.openxmlformats.org/drawingml/2006/main" xmlns:r="http://schemas.openxmlformats.org/officeDocument/2006/relationships" xmlns:p="http://schemas.openxmlformats.org/presentationml/2006/main">
-  <p:cSld>
-    <p:spTree>
-      <p:nvGrpSpPr>
-        <p:cNvPr id="1" name=""/>
-        <p:cNvGrpSpPr/>
-        <p:nvPr/>
-      </p:nvGrpSpPr>
-      <p:grpSpPr>
-        <a:xfrm>
-          <a:off x="0" y="0"/>
-          <a:ext cx="0" cy="0"/>
-          <a:chOff x="0" y="0"/>
-          <a:chExt cx="0" cy="0"/>
-        </a:xfrm>
-      </p:grpSpPr>
-      <p:sp>
-        <p:nvSpPr>
-          <p:cNvPr id="4" name="Title 3"/>
-          <p:cNvSpPr>
-            <a:spLocks noGrp="1"/>
-          </p:cNvSpPr>
-          <p:nvPr>
-            <p:ph type="title"/>
-          </p:nvPr>
-        </p:nvSpPr>
-        <p:spPr/>
-        <p:txBody>
-          <a:bodyPr/>
-          <a:lstStyle/>
-          <a:p>
-            <a:r>
-              <a:rPr lang="en-US" dirty="0"/>
-              <a:t>Challenge 2</a:t>
-            </a:r>
-          </a:p>
-        </p:txBody>
-      </p:sp>
-      <p:sp>
-        <p:nvSpPr>
-          <p:cNvPr id="5" name="Text Placeholder 4"/>
-          <p:cNvSpPr>
-            <a:spLocks noGrp="1"/>
-          </p:cNvSpPr>
-          <p:nvPr>
-            <p:ph type="body" idx="1"/>
-          </p:nvPr>
-        </p:nvSpPr>
-        <p:spPr/>
-        <p:txBody>
-          <a:bodyPr>
-            <a:normAutofit lnSpcReduction="10000"/>
-          </a:bodyPr>
-          <a:lstStyle/>
-          <a:p>
-            <a:r>
-              <a:rPr lang="en-US" dirty="0"/>
-              <a:t>Photovoltaic generation</a:t>
-            </a:r>
-          </a:p>
-          <a:p>
-            <a:endParaRPr lang="en-US" dirty="0"/>
-          </a:p>
-          <a:p>
-            <a:r>
-              <a:rPr lang="en-US" dirty="0"/>
-              <a:t>PART A - Detection</a:t>
-            </a:r>
-          </a:p>
-        </p:txBody>
-      </p:sp>
-    </p:spTree>
-    <p:extLst>
-      <p:ext uri="{BB962C8B-B14F-4D97-AF65-F5344CB8AC3E}">
-        <p14:creationId xmlns:p14="http://schemas.microsoft.com/office/powerpoint/2010/main" val="4264977537"/>
-      </p:ext>
-    </p:extLst>
-  </p:cSld>
-  <p:clrMapOvr>
-    <a:masterClrMapping/>
-  </p:clrMapOvr>
-  <mc:AlternateContent xmlns:mc="http://schemas.openxmlformats.org/markup-compatibility/2006" xmlns:p14="http://schemas.microsoft.com/office/powerpoint/2010/main">
-    <mc:Choice Requires="p14">
-      <p:transition spd="med" p14:dur="700">
-        <p:fade/>
-      </p:transition>
-    </mc:Choice>
-    <mc:Fallback xmlns="">
-      <p:transition spd="med">
-        <p:fade/>
-      </p:transition>
-    </mc:Fallback>
-  </mc:AlternateContent>
-</p:sld>
-</file>
-
-<file path=ppt/slides/slide5.xml><?xml version="1.0" encoding="utf-8"?>
-<p:sld xmlns:a="http://schemas.openxmlformats.org/drawingml/2006/main" xmlns:r="http://schemas.openxmlformats.org/officeDocument/2006/relationships" xmlns:p="http://schemas.openxmlformats.org/presentationml/2006/main">
-  <p:cSld>
-    <p:spTree>
-      <p:nvGrpSpPr>
-        <p:cNvPr id="1" name=""/>
-        <p:cNvGrpSpPr/>
-        <p:nvPr/>
-      </p:nvGrpSpPr>
-      <p:grpSpPr>
-        <a:xfrm>
-          <a:off x="0" y="0"/>
-          <a:ext cx="0" cy="0"/>
-          <a:chOff x="0" y="0"/>
-          <a:chExt cx="0" cy="0"/>
-        </a:xfrm>
-      </p:grpSpPr>
-      <p:sp>
-        <p:nvSpPr>
-          <p:cNvPr id="3" name="Title 2"/>
-          <p:cNvSpPr>
-            <a:spLocks noGrp="1"/>
-          </p:cNvSpPr>
-          <p:nvPr>
-            <p:ph type="title"/>
-          </p:nvPr>
-        </p:nvSpPr>
-        <p:spPr/>
-        <p:txBody>
-          <a:bodyPr/>
-          <a:lstStyle/>
-          <a:p>
-            <a:r>
-              <a:rPr lang="en-US" dirty="0"/>
-              <a:t>Overview</a:t>
-            </a:r>
-          </a:p>
-        </p:txBody>
-      </p:sp>
-      <p:sp>
-        <p:nvSpPr>
-          <p:cNvPr id="2" name="Content Placeholder 1">
+          <p:cNvPr id="4" name="Content Placeholder 2">
             <a:extLst>
               <a:ext uri="{FF2B5EF4-FFF2-40B4-BE49-F238E27FC236}">
-                <a16:creationId xmlns:a16="http://schemas.microsoft.com/office/drawing/2014/main" id="{51569DDC-B169-4DBF-AE32-3C50C98FCCD9}"/>
-              </a:ext>
-            </a:extLst>
-          </p:cNvPr>
-          <p:cNvSpPr>
-            <a:spLocks noGrp="1"/>
-          </p:cNvSpPr>
-          <p:nvPr>
-            <p:ph idx="1"/>
-          </p:nvPr>
-        </p:nvSpPr>
-        <p:spPr>
-          <a:xfrm>
-            <a:off x="1218883" y="1701797"/>
-            <a:ext cx="4155449" cy="4462272"/>
-          </a:xfrm>
-        </p:spPr>
-        <p:txBody>
-          <a:bodyPr/>
-          <a:lstStyle/>
-          <a:p>
-            <a:r>
-              <a:rPr lang="en-AU" dirty="0"/>
-              <a:t>Define requirements</a:t>
-            </a:r>
-          </a:p>
-          <a:p>
-            <a:pPr lvl="1"/>
-            <a:r>
-              <a:rPr lang="en-AU" dirty="0"/>
-              <a:t>Understand task</a:t>
-            </a:r>
-          </a:p>
-          <a:p>
-            <a:pPr lvl="1"/>
-            <a:r>
-              <a:rPr lang="en-AU" dirty="0"/>
-              <a:t>Analyse data</a:t>
-            </a:r>
-          </a:p>
-          <a:p>
-            <a:pPr lvl="1"/>
-            <a:r>
-              <a:rPr lang="en-AU" dirty="0"/>
-              <a:t>Form an approach</a:t>
-            </a:r>
-          </a:p>
-          <a:p>
-            <a:pPr lvl="1"/>
-            <a:r>
-              <a:rPr lang="en-AU" dirty="0"/>
-              <a:t>Consider limitations</a:t>
-            </a:r>
-          </a:p>
-          <a:p>
-            <a:pPr lvl="1"/>
-            <a:r>
-              <a:rPr lang="en-AU" dirty="0"/>
-              <a:t>Determine deliverables</a:t>
-            </a:r>
-          </a:p>
-          <a:p>
-            <a:r>
-              <a:rPr lang="en-AU" dirty="0"/>
-              <a:t>Follow to-do list (right)</a:t>
-            </a:r>
-            <a:endParaRPr lang="en-AU" dirty="0">
-              <a:sym typeface="Wingdings" panose="05000000000000000000" pitchFamily="2" charset="2"/>
-            </a:endParaRPr>
-          </a:p>
-          <a:p>
-            <a:r>
-              <a:rPr lang="en-AU" dirty="0">
-                <a:sym typeface="Wingdings" panose="05000000000000000000" pitchFamily="2" charset="2"/>
-              </a:rPr>
-              <a:t>Document learnings</a:t>
-            </a:r>
-          </a:p>
-          <a:p>
-            <a:r>
-              <a:rPr lang="en-AU" dirty="0">
-                <a:sym typeface="Wingdings" panose="05000000000000000000" pitchFamily="2" charset="2"/>
-              </a:rPr>
-              <a:t>Share insights</a:t>
-            </a:r>
-            <a:endParaRPr lang="en-AU" dirty="0"/>
-          </a:p>
-        </p:txBody>
-      </p:sp>
-      <p:graphicFrame>
-        <p:nvGraphicFramePr>
-          <p:cNvPr id="4" name="Diagram 3">
-            <a:extLst>
-              <a:ext uri="{FF2B5EF4-FFF2-40B4-BE49-F238E27FC236}">
-                <a16:creationId xmlns:a16="http://schemas.microsoft.com/office/drawing/2014/main" id="{8E92447E-19E6-4162-923D-17AED9E3BCF5}"/>
-              </a:ext>
-            </a:extLst>
-          </p:cNvPr>
-          <p:cNvGraphicFramePr/>
-          <p:nvPr>
-            <p:extLst>
-              <p:ext uri="{D42A27DB-BD31-4B8C-83A1-F6EECF244321}">
-                <p14:modId xmlns:p14="http://schemas.microsoft.com/office/powerpoint/2010/main" val="792332956"/>
-              </p:ext>
-            </p:extLst>
-          </p:nvPr>
-        </p:nvGraphicFramePr>
-        <p:xfrm>
-          <a:off x="5158308" y="908720"/>
-          <a:ext cx="6264182" cy="5255348"/>
-        </p:xfrm>
-        <a:graphic>
-          <a:graphicData uri="http://schemas.openxmlformats.org/drawingml/2006/diagram">
-            <dgm:relIds xmlns:dgm="http://schemas.openxmlformats.org/drawingml/2006/diagram" xmlns:r="http://schemas.openxmlformats.org/officeDocument/2006/relationships" r:dm="rId2" r:lo="rId3" r:qs="rId4" r:cs="rId5"/>
-          </a:graphicData>
-        </a:graphic>
-      </p:graphicFrame>
-    </p:spTree>
-    <p:extLst>
-      <p:ext uri="{BB962C8B-B14F-4D97-AF65-F5344CB8AC3E}">
-        <p14:creationId xmlns:p14="http://schemas.microsoft.com/office/powerpoint/2010/main" val="397710800"/>
-      </p:ext>
-    </p:extLst>
-  </p:cSld>
-  <p:clrMapOvr>
-    <a:masterClrMapping/>
-  </p:clrMapOvr>
-  <mc:AlternateContent xmlns:mc="http://schemas.openxmlformats.org/markup-compatibility/2006" xmlns:p14="http://schemas.microsoft.com/office/powerpoint/2010/main">
-    <mc:Choice Requires="p14">
-      <p:transition spd="med" p14:dur="700">
-        <p:fade/>
-      </p:transition>
-    </mc:Choice>
-    <mc:Fallback xmlns="">
-      <p:transition spd="med">
-        <p:fade/>
-      </p:transition>
-    </mc:Fallback>
-  </mc:AlternateContent>
-</p:sld>
-</file>
-
-<file path=ppt/slides/slide6.xml><?xml version="1.0" encoding="utf-8"?>
-<p:sld xmlns:a="http://schemas.openxmlformats.org/drawingml/2006/main" xmlns:r="http://schemas.openxmlformats.org/officeDocument/2006/relationships" xmlns:p="http://schemas.openxmlformats.org/presentationml/2006/main">
-  <p:cSld>
-    <p:spTree>
-      <p:nvGrpSpPr>
-        <p:cNvPr id="1" name=""/>
-        <p:cNvGrpSpPr/>
-        <p:nvPr/>
-      </p:nvGrpSpPr>
-      <p:grpSpPr>
-        <a:xfrm>
-          <a:off x="0" y="0"/>
-          <a:ext cx="0" cy="0"/>
-          <a:chOff x="0" y="0"/>
-          <a:chExt cx="0" cy="0"/>
-        </a:xfrm>
-      </p:grpSpPr>
-      <p:sp>
-        <p:nvSpPr>
-          <p:cNvPr id="2" name="Title 1">
-            <a:extLst>
-              <a:ext uri="{FF2B5EF4-FFF2-40B4-BE49-F238E27FC236}">
-                <a16:creationId xmlns:a16="http://schemas.microsoft.com/office/drawing/2014/main" id="{118CBBA9-49D2-4262-9114-D0D47E7D522A}"/>
-              </a:ext>
-            </a:extLst>
-          </p:cNvPr>
-          <p:cNvSpPr>
-            <a:spLocks noGrp="1"/>
-          </p:cNvSpPr>
-          <p:nvPr>
-            <p:ph type="title"/>
-          </p:nvPr>
-        </p:nvSpPr>
-        <p:spPr/>
-        <p:txBody>
-          <a:bodyPr/>
-          <a:lstStyle/>
-          <a:p>
-            <a:r>
-              <a:rPr lang="en-AU" dirty="0"/>
-              <a:t>Requirements (Part A)</a:t>
-            </a:r>
-          </a:p>
-        </p:txBody>
-      </p:sp>
-      <p:sp>
-        <p:nvSpPr>
-          <p:cNvPr id="3" name="Content Placeholder 2">
-            <a:extLst>
-              <a:ext uri="{FF2B5EF4-FFF2-40B4-BE49-F238E27FC236}">
-                <a16:creationId xmlns:a16="http://schemas.microsoft.com/office/drawing/2014/main" id="{1E6F3B36-FA1C-4A44-8799-54720A510D55}"/>
-              </a:ext>
-            </a:extLst>
-          </p:cNvPr>
-          <p:cNvSpPr>
-            <a:spLocks noGrp="1"/>
-          </p:cNvSpPr>
-          <p:nvPr>
-            <p:ph idx="1"/>
-          </p:nvPr>
-        </p:nvSpPr>
-        <p:spPr/>
-        <p:txBody>
-          <a:bodyPr/>
-          <a:lstStyle/>
-          <a:p>
-            <a:r>
-              <a:rPr lang="en-AU" dirty="0"/>
-              <a:t>The task</a:t>
-            </a:r>
-          </a:p>
-          <a:p>
-            <a:pPr lvl="1"/>
-            <a:r>
-              <a:rPr lang="en-AU" dirty="0"/>
-              <a:t>Utilise Western Power data to develop a model which identifies distribution embedded PV generation. Target a model accuracy of &gt;98.5%.</a:t>
-            </a:r>
-          </a:p>
-          <a:p>
-            <a:pPr lvl="1"/>
-            <a:r>
-              <a:rPr lang="en-AU" dirty="0"/>
-              <a:t>Test what works, what doesn’t work – </a:t>
-            </a:r>
-            <a:r>
-              <a:rPr lang="en-AU" i="1" dirty="0"/>
-              <a:t>document </a:t>
-            </a:r>
-            <a:r>
-              <a:rPr lang="en-AU" dirty="0"/>
-              <a:t> learnings</a:t>
-            </a:r>
-          </a:p>
-          <a:p>
-            <a:pPr lvl="1"/>
-            <a:r>
-              <a:rPr lang="en-AU" dirty="0"/>
-              <a:t>Assess model performance against a hold-out set</a:t>
-            </a:r>
-          </a:p>
-          <a:p>
-            <a:pPr lvl="1"/>
-            <a:r>
-              <a:rPr lang="en-AU" dirty="0"/>
-              <a:t>Provide required documents</a:t>
-            </a:r>
-          </a:p>
-        </p:txBody>
-      </p:sp>
-    </p:spTree>
-    <p:extLst>
-      <p:ext uri="{BB962C8B-B14F-4D97-AF65-F5344CB8AC3E}">
-        <p14:creationId xmlns:p14="http://schemas.microsoft.com/office/powerpoint/2010/main" val="1405850135"/>
-      </p:ext>
-    </p:extLst>
-  </p:cSld>
-  <p:clrMapOvr>
-    <a:masterClrMapping/>
-  </p:clrMapOvr>
-  <mc:AlternateContent xmlns:mc="http://schemas.openxmlformats.org/markup-compatibility/2006" xmlns:p14="http://schemas.microsoft.com/office/powerpoint/2010/main">
-    <mc:Choice Requires="p14">
-      <p:transition spd="med" p14:dur="700">
-        <p:fade/>
-      </p:transition>
-    </mc:Choice>
-    <mc:Fallback xmlns="">
-      <p:transition spd="med">
-        <p:fade/>
-      </p:transition>
-    </mc:Fallback>
-  </mc:AlternateContent>
-</p:sld>
-</file>
-
-<file path=ppt/slides/slide7.xml><?xml version="1.0" encoding="utf-8"?>
-<p:sld xmlns:a="http://schemas.openxmlformats.org/drawingml/2006/main" xmlns:r="http://schemas.openxmlformats.org/officeDocument/2006/relationships" xmlns:p="http://schemas.openxmlformats.org/presentationml/2006/main">
-  <p:cSld>
-    <p:spTree>
-      <p:nvGrpSpPr>
-        <p:cNvPr id="1" name=""/>
-        <p:cNvGrpSpPr/>
-        <p:nvPr/>
-      </p:nvGrpSpPr>
-      <p:grpSpPr>
-        <a:xfrm>
-          <a:off x="0" y="0"/>
-          <a:ext cx="0" cy="0"/>
-          <a:chOff x="0" y="0"/>
-          <a:chExt cx="0" cy="0"/>
-        </a:xfrm>
-      </p:grpSpPr>
-      <p:sp>
-        <p:nvSpPr>
-          <p:cNvPr id="2" name="Title 1">
-            <a:extLst>
-              <a:ext uri="{FF2B5EF4-FFF2-40B4-BE49-F238E27FC236}">
-                <a16:creationId xmlns:a16="http://schemas.microsoft.com/office/drawing/2014/main" id="{118CBBA9-49D2-4262-9114-D0D47E7D522A}"/>
-              </a:ext>
-            </a:extLst>
-          </p:cNvPr>
-          <p:cNvSpPr>
-            <a:spLocks noGrp="1"/>
-          </p:cNvSpPr>
-          <p:nvPr>
-            <p:ph type="title"/>
-          </p:nvPr>
-        </p:nvSpPr>
-        <p:spPr/>
-        <p:txBody>
-          <a:bodyPr/>
-          <a:lstStyle/>
-          <a:p>
-            <a:r>
-              <a:rPr lang="en-AU" dirty="0"/>
-              <a:t>Approach</a:t>
-            </a:r>
-          </a:p>
-        </p:txBody>
-      </p:sp>
-      <p:sp>
-        <p:nvSpPr>
-          <p:cNvPr id="3" name="Content Placeholder 2">
-            <a:extLst>
-              <a:ext uri="{FF2B5EF4-FFF2-40B4-BE49-F238E27FC236}">
-                <a16:creationId xmlns:a16="http://schemas.microsoft.com/office/drawing/2014/main" id="{1E6F3B36-FA1C-4A44-8799-54720A510D55}"/>
-              </a:ext>
-            </a:extLst>
-          </p:cNvPr>
-          <p:cNvSpPr>
-            <a:spLocks noGrp="1"/>
-          </p:cNvSpPr>
-          <p:nvPr>
-            <p:ph idx="1"/>
-          </p:nvPr>
-        </p:nvSpPr>
-        <p:spPr>
-          <a:xfrm>
-            <a:off x="1218883" y="1701797"/>
-            <a:ext cx="4155449" cy="4462272"/>
-          </a:xfrm>
-        </p:spPr>
-        <p:txBody>
-          <a:bodyPr/>
-          <a:lstStyle/>
-          <a:p>
-            <a:r>
-              <a:rPr lang="en-AU" dirty="0"/>
-              <a:t>Understand Data</a:t>
-            </a:r>
-          </a:p>
-          <a:p>
-            <a:pPr lvl="1"/>
-            <a:r>
-              <a:rPr lang="en-AU" dirty="0"/>
-              <a:t>What is provided?</a:t>
-            </a:r>
-          </a:p>
-        </p:txBody>
-      </p:sp>
-      <p:pic>
-        <p:nvPicPr>
-          <p:cNvPr id="4" name="Picture 3">
-            <a:extLst>
-              <a:ext uri="{FF2B5EF4-FFF2-40B4-BE49-F238E27FC236}">
-                <a16:creationId xmlns:a16="http://schemas.microsoft.com/office/drawing/2014/main" id="{60407E82-ED49-48E1-845F-A67334BDA690}"/>
-              </a:ext>
-            </a:extLst>
-          </p:cNvPr>
-          <p:cNvPicPr>
-            <a:picLocks noChangeAspect="1"/>
-          </p:cNvPicPr>
-          <p:nvPr/>
-        </p:nvPicPr>
-        <p:blipFill>
-          <a:blip r:embed="rId2"/>
-          <a:stretch>
-            <a:fillRect/>
-          </a:stretch>
-        </p:blipFill>
-        <p:spPr>
-          <a:xfrm>
-            <a:off x="1218883" y="2852936"/>
-            <a:ext cx="4586356" cy="1296144"/>
-          </a:xfrm>
-          <a:prstGeom prst="rect">
-            <a:avLst/>
-          </a:prstGeom>
-        </p:spPr>
-      </p:pic>
-      <p:sp>
-        <p:nvSpPr>
-          <p:cNvPr id="5" name="Content Placeholder 2">
-            <a:extLst>
-              <a:ext uri="{FF2B5EF4-FFF2-40B4-BE49-F238E27FC236}">
-                <a16:creationId xmlns:a16="http://schemas.microsoft.com/office/drawing/2014/main" id="{8CE8AF33-D730-4EBA-9FBD-DBA3E37E84FC}"/>
+                <a16:creationId xmlns:a16="http://schemas.microsoft.com/office/drawing/2014/main" xmlns="" id="{1E6F3B36-FA1C-4A44-8799-54720A510D55}"/>
               </a:ext>
             </a:extLst>
           </p:cNvPr>
@@ -12607,15 +13310,15 @@
         </p:nvSpPr>
         <p:spPr>
           <a:xfrm>
-            <a:off x="6161183" y="1628800"/>
-            <a:ext cx="4155449" cy="4462272"/>
+            <a:off x="909836" y="476672"/>
+            <a:ext cx="11017224" cy="4679531"/>
           </a:xfrm>
           <a:prstGeom prst="rect">
             <a:avLst/>
           </a:prstGeom>
         </p:spPr>
         <p:txBody>
-          <a:bodyPr vert="horz" lIns="121899" tIns="60949" rIns="121899" bIns="60949" rtlCol="0">
+          <a:bodyPr numCol="3">
             <a:normAutofit/>
           </a:bodyPr>
           <a:lstStyle>
@@ -12819,44 +13522,509 @@
             </a:lvl9pPr>
           </a:lstStyle>
           <a:p>
+            <a:pPr marL="0" indent="0" algn="ctr">
+              <a:buFont typeface="Arial" pitchFamily="34" charset="0"/>
+              <a:buNone/>
+            </a:pPr>
+            <a:r>
+              <a:rPr lang="en-AU" u="sng" dirty="0" smtClean="0"/>
+              <a:t>Team </a:t>
+            </a:r>
+            <a:r>
+              <a:rPr lang="en-AU" u="sng" dirty="0" err="1" smtClean="0"/>
+              <a:t>UnicorNN</a:t>
+            </a:r>
+            <a:endParaRPr lang="en-AU" u="sng" dirty="0" smtClean="0"/>
+          </a:p>
+          <a:p>
+            <a:pPr>
+              <a:buFontTx/>
+              <a:buChar char="-"/>
+            </a:pPr>
+            <a:r>
+              <a:rPr lang="en-AU" dirty="0" smtClean="0"/>
+              <a:t>Sofia Sibanic</a:t>
+            </a:r>
+          </a:p>
+          <a:p>
+            <a:pPr marL="0" indent="0">
+              <a:buNone/>
+            </a:pPr>
+            <a:r>
+              <a:rPr lang="en-AU" sz="2000" dirty="0" smtClean="0"/>
+              <a:t>Electrical Engineer looking to broaden her skillset and apply learnings from fast.ai</a:t>
+            </a:r>
+          </a:p>
+          <a:p>
+            <a:pPr>
+              <a:buFontTx/>
+              <a:buChar char="-"/>
+            </a:pPr>
+            <a:endParaRPr lang="en-AU" dirty="0"/>
+          </a:p>
+          <a:p>
+            <a:pPr>
+              <a:buFontTx/>
+              <a:buChar char="-"/>
+            </a:pPr>
+            <a:endParaRPr lang="en-AU" dirty="0" smtClean="0"/>
+          </a:p>
+          <a:p>
+            <a:pPr>
+              <a:buFontTx/>
+              <a:buChar char="-"/>
+            </a:pPr>
+            <a:endParaRPr lang="en-AU" dirty="0"/>
+          </a:p>
+          <a:p>
+            <a:pPr>
+              <a:buFontTx/>
+              <a:buChar char="-"/>
+            </a:pPr>
+            <a:endParaRPr lang="en-AU" dirty="0" smtClean="0"/>
+          </a:p>
+          <a:p>
+            <a:pPr>
+              <a:buFontTx/>
+              <a:buChar char="-"/>
+            </a:pPr>
+            <a:endParaRPr lang="en-AU" dirty="0"/>
+          </a:p>
+          <a:p>
+            <a:pPr>
+              <a:buFontTx/>
+              <a:buChar char="-"/>
+            </a:pPr>
+            <a:r>
+              <a:rPr lang="en-AU" dirty="0" smtClean="0"/>
+              <a:t>Adrian Goldberg</a:t>
+            </a:r>
+          </a:p>
+          <a:p>
+            <a:pPr marL="0" indent="0">
+              <a:buNone/>
+            </a:pPr>
+            <a:r>
+              <a:rPr lang="en-AU" sz="2000" dirty="0" smtClean="0"/>
+              <a:t>Geophysicist (Santos) with &gt;10 years programming and ~2 years deep learning experience.</a:t>
+            </a:r>
+            <a:endParaRPr lang="en-AU" sz="2000" dirty="0"/>
+          </a:p>
+          <a:p>
+            <a:pPr marL="0" indent="0">
+              <a:buNone/>
+            </a:pPr>
+            <a:endParaRPr lang="en-AU" dirty="0"/>
+          </a:p>
+          <a:p>
+            <a:pPr>
+              <a:buFontTx/>
+              <a:buChar char="-"/>
+            </a:pPr>
+            <a:endParaRPr lang="en-AU" dirty="0"/>
+          </a:p>
+          <a:p>
+            <a:pPr>
+              <a:buFontTx/>
+              <a:buChar char="-"/>
+            </a:pPr>
+            <a:endParaRPr lang="en-AU" dirty="0" smtClean="0"/>
+          </a:p>
+          <a:p>
+            <a:pPr>
+              <a:buFontTx/>
+              <a:buChar char="-"/>
+            </a:pPr>
+            <a:endParaRPr lang="en-AU" dirty="0"/>
+          </a:p>
+          <a:p>
+            <a:pPr>
+              <a:buFontTx/>
+              <a:buChar char="-"/>
+            </a:pPr>
+            <a:endParaRPr lang="en-AU" dirty="0" smtClean="0"/>
+          </a:p>
+          <a:p>
+            <a:pPr>
+              <a:buFontTx/>
+              <a:buChar char="-"/>
+            </a:pPr>
+            <a:r>
+              <a:rPr lang="en-AU" dirty="0" smtClean="0"/>
+              <a:t>Jordan Pratt</a:t>
+            </a:r>
+          </a:p>
+          <a:p>
+            <a:pPr marL="0" indent="0">
+              <a:buNone/>
+            </a:pPr>
+            <a:r>
+              <a:rPr lang="en-AU" sz="2000" dirty="0" err="1"/>
+              <a:t>Lorum</a:t>
+            </a:r>
+            <a:r>
+              <a:rPr lang="en-AU" sz="2000" dirty="0"/>
+              <a:t> ipsum </a:t>
+            </a:r>
+            <a:r>
+              <a:rPr lang="en-AU" sz="2000" dirty="0" err="1"/>
+              <a:t>lorum</a:t>
+            </a:r>
+            <a:r>
+              <a:rPr lang="en-AU" sz="2000" dirty="0"/>
+              <a:t> ipsum </a:t>
+            </a:r>
+            <a:r>
+              <a:rPr lang="en-AU" sz="2000" dirty="0" err="1"/>
+              <a:t>lorum</a:t>
+            </a:r>
+            <a:r>
+              <a:rPr lang="en-AU" sz="2000" dirty="0"/>
+              <a:t> ipsum </a:t>
+            </a:r>
+            <a:r>
+              <a:rPr lang="en-AU" sz="2000" dirty="0" err="1"/>
+              <a:t>lorum</a:t>
+            </a:r>
+            <a:r>
+              <a:rPr lang="en-AU" sz="2000" dirty="0"/>
+              <a:t> ipsum </a:t>
+            </a:r>
+            <a:r>
+              <a:rPr lang="en-AU" sz="2000" dirty="0" err="1"/>
+              <a:t>lorum</a:t>
+            </a:r>
+            <a:r>
+              <a:rPr lang="en-AU" sz="2000" dirty="0"/>
+              <a:t> ipsum </a:t>
+            </a:r>
+            <a:r>
+              <a:rPr lang="en-AU" sz="2000" dirty="0" err="1"/>
+              <a:t>lorum</a:t>
+            </a:r>
+            <a:r>
+              <a:rPr lang="en-AU" sz="2000" dirty="0"/>
+              <a:t> ipsum </a:t>
+            </a:r>
+          </a:p>
+          <a:p>
+            <a:pPr marL="0" indent="0">
+              <a:buNone/>
+            </a:pPr>
+            <a:endParaRPr lang="en-AU" dirty="0" smtClean="0"/>
+          </a:p>
+        </p:txBody>
+      </p:sp>
+      <p:pic>
+        <p:nvPicPr>
+          <p:cNvPr id="6" name="Picture 5"/>
+          <p:cNvPicPr>
+            <a:picLocks noChangeAspect="1"/>
+          </p:cNvPicPr>
+          <p:nvPr/>
+        </p:nvPicPr>
+        <p:blipFill>
+          <a:blip r:embed="rId2" cstate="print">
+            <a:extLst>
+              <a:ext uri="{28A0092B-C50C-407E-A947-70E740481C1C}">
+                <a14:useLocalDpi xmlns:a14="http://schemas.microsoft.com/office/drawing/2010/main" val="0"/>
+              </a:ext>
+            </a:extLst>
+          </a:blip>
+          <a:stretch>
+            <a:fillRect/>
+          </a:stretch>
+        </p:blipFill>
+        <p:spPr>
+          <a:xfrm>
+            <a:off x="1413892" y="2816437"/>
+            <a:ext cx="2235385" cy="2083891"/>
+          </a:xfrm>
+          <a:prstGeom prst="rect">
+            <a:avLst/>
+          </a:prstGeom>
+          <a:ln w="38100" cap="sq">
+            <a:solidFill>
+              <a:srgbClr val="000000"/>
+            </a:solidFill>
+            <a:prstDash val="solid"/>
+            <a:miter lim="800000"/>
+          </a:ln>
+          <a:effectLst>
+            <a:outerShdw blurRad="50800" dist="38100" dir="2700000" algn="tl" rotWithShape="0">
+              <a:srgbClr val="000000">
+                <a:alpha val="43000"/>
+              </a:srgbClr>
+            </a:outerShdw>
+          </a:effectLst>
+        </p:spPr>
+      </p:pic>
+    </p:spTree>
+    <p:extLst>
+      <p:ext uri="{BB962C8B-B14F-4D97-AF65-F5344CB8AC3E}">
+        <p14:creationId xmlns:p14="http://schemas.microsoft.com/office/powerpoint/2010/main" val="1452478766"/>
+      </p:ext>
+    </p:extLst>
+  </p:cSld>
+  <p:clrMapOvr>
+    <a:masterClrMapping/>
+  </p:clrMapOvr>
+  <mc:AlternateContent xmlns:mc="http://schemas.openxmlformats.org/markup-compatibility/2006" xmlns:p14="http://schemas.microsoft.com/office/powerpoint/2010/main">
+    <mc:Choice Requires="p14">
+      <p:transition spd="med" p14:dur="700">
+        <p:fade/>
+      </p:transition>
+    </mc:Choice>
+    <mc:Fallback xmlns="">
+      <p:transition spd="med">
+        <p:fade/>
+      </p:transition>
+    </mc:Fallback>
+  </mc:AlternateContent>
+</p:sld>
+</file>
+
+<file path=ppt/slides/slide20.xml><?xml version="1.0" encoding="utf-8"?>
+<p:sld xmlns:a="http://schemas.openxmlformats.org/drawingml/2006/main" xmlns:r="http://schemas.openxmlformats.org/officeDocument/2006/relationships" xmlns:p="http://schemas.openxmlformats.org/presentationml/2006/main">
+  <p:cSld>
+    <p:spTree>
+      <p:nvGrpSpPr>
+        <p:cNvPr id="1" name=""/>
+        <p:cNvGrpSpPr/>
+        <p:nvPr/>
+      </p:nvGrpSpPr>
+      <p:grpSpPr>
+        <a:xfrm>
+          <a:off x="0" y="0"/>
+          <a:ext cx="0" cy="0"/>
+          <a:chOff x="0" y="0"/>
+          <a:chExt cx="0" cy="0"/>
+        </a:xfrm>
+      </p:grpSpPr>
+      <p:sp>
+        <p:nvSpPr>
+          <p:cNvPr id="2" name="Title 1">
+            <a:extLst>
+              <a:ext uri="{FF2B5EF4-FFF2-40B4-BE49-F238E27FC236}">
+                <a16:creationId xmlns:a16="http://schemas.microsoft.com/office/drawing/2014/main" xmlns="" id="{118CBBA9-49D2-4262-9114-D0D47E7D522A}"/>
+              </a:ext>
+            </a:extLst>
+          </p:cNvPr>
+          <p:cNvSpPr>
+            <a:spLocks noGrp="1"/>
+          </p:cNvSpPr>
+          <p:nvPr>
+            <p:ph type="title"/>
+          </p:nvPr>
+        </p:nvSpPr>
+        <p:spPr/>
+        <p:txBody>
+          <a:bodyPr/>
+          <a:lstStyle/>
+          <a:p>
+            <a:r>
+              <a:rPr lang="en-AU" b="1" dirty="0" smtClean="0"/>
+              <a:t>We found…</a:t>
+            </a:r>
+            <a:endParaRPr lang="en-AU" dirty="0"/>
+          </a:p>
+        </p:txBody>
+      </p:sp>
+      <p:sp>
+        <p:nvSpPr>
+          <p:cNvPr id="3" name="Content Placeholder 2">
+            <a:extLst>
+              <a:ext uri="{FF2B5EF4-FFF2-40B4-BE49-F238E27FC236}">
+                <a16:creationId xmlns:a16="http://schemas.microsoft.com/office/drawing/2014/main" xmlns="" id="{1E6F3B36-FA1C-4A44-8799-54720A510D55}"/>
+              </a:ext>
+            </a:extLst>
+          </p:cNvPr>
+          <p:cNvSpPr>
+            <a:spLocks noGrp="1"/>
+          </p:cNvSpPr>
+          <p:nvPr>
+            <p:ph idx="1"/>
+          </p:nvPr>
+        </p:nvSpPr>
+        <p:spPr>
+          <a:xfrm>
+            <a:off x="1218883" y="1701797"/>
+            <a:ext cx="10564161" cy="4462272"/>
+          </a:xfrm>
+        </p:spPr>
+        <p:txBody>
+          <a:bodyPr>
+            <a:normAutofit fontScale="70000" lnSpcReduction="20000"/>
+          </a:bodyPr>
+          <a:lstStyle/>
+          <a:p>
             <a:r>
               <a:rPr lang="en-AU" dirty="0"/>
-              <a:t>Clean Release</a:t>
+              <a:t>Resnet34 </a:t>
+            </a:r>
+            <a:r>
+              <a:rPr lang="en-AU" dirty="0" smtClean="0"/>
+              <a:t>architecture is adequate</a:t>
+            </a:r>
+            <a:endParaRPr lang="en-AU" dirty="0"/>
+          </a:p>
+          <a:p>
+            <a:r>
+              <a:rPr lang="en-AU" dirty="0"/>
+              <a:t>First </a:t>
+            </a:r>
+            <a:r>
+              <a:rPr lang="en-AU" dirty="0" smtClean="0"/>
+              <a:t>training epoch (last layer only): </a:t>
+            </a:r>
+            <a:r>
+              <a:rPr lang="en-AU" dirty="0"/>
+              <a:t>86.4% accuracy</a:t>
+            </a:r>
+          </a:p>
+          <a:p>
+            <a:r>
+              <a:rPr lang="en-AU" dirty="0"/>
+              <a:t>False </a:t>
+            </a:r>
+            <a:r>
+              <a:rPr lang="en-AU" dirty="0">
+                <a:solidFill>
+                  <a:srgbClr val="FF0000"/>
+                </a:solidFill>
+              </a:rPr>
+              <a:t>negatives</a:t>
+            </a:r>
+            <a:r>
+              <a:rPr lang="en-AU" dirty="0"/>
+              <a:t> generally </a:t>
+            </a:r>
+            <a:r>
+              <a:rPr lang="en-AU" dirty="0" smtClean="0"/>
+              <a:t>occurred </a:t>
+            </a:r>
+            <a:r>
+              <a:rPr lang="en-AU" dirty="0"/>
+              <a:t>where panel edges </a:t>
+            </a:r>
+            <a:r>
+              <a:rPr lang="en-AU" dirty="0" smtClean="0"/>
+              <a:t>were not visible</a:t>
+            </a:r>
+            <a:endParaRPr lang="en-AU" dirty="0"/>
+          </a:p>
+          <a:p>
+            <a:r>
+              <a:rPr lang="en-AU" dirty="0"/>
+              <a:t>False </a:t>
+            </a:r>
+            <a:r>
+              <a:rPr lang="en-AU" dirty="0">
+                <a:solidFill>
+                  <a:schemeClr val="accent1">
+                    <a:lumMod val="60000"/>
+                    <a:lumOff val="40000"/>
+                  </a:schemeClr>
+                </a:solidFill>
+              </a:rPr>
+              <a:t>positives</a:t>
+            </a:r>
+            <a:r>
+              <a:rPr lang="en-AU" dirty="0"/>
+              <a:t> generally occur on grid-like </a:t>
+            </a:r>
+            <a:r>
+              <a:rPr lang="en-AU" dirty="0" smtClean="0"/>
+              <a:t>structures (tiles, pergolas </a:t>
+            </a:r>
+            <a:r>
+              <a:rPr lang="en-AU" dirty="0" err="1" smtClean="0"/>
+              <a:t>etc</a:t>
+            </a:r>
+            <a:r>
+              <a:rPr lang="en-AU" dirty="0" smtClean="0"/>
+              <a:t>)</a:t>
+            </a:r>
+            <a:endParaRPr lang="en-AU" dirty="0"/>
+          </a:p>
+          <a:p>
+            <a:r>
+              <a:rPr lang="en-AU" dirty="0"/>
+              <a:t>Learning rate utilising SGDR on final layer provides small improvement: 88.6%</a:t>
+            </a:r>
+          </a:p>
+          <a:p>
+            <a:r>
+              <a:rPr lang="en-AU" dirty="0"/>
+              <a:t>SGDR with differential learning rates yields </a:t>
+            </a:r>
+            <a:r>
+              <a:rPr lang="en-AU" u="sng" dirty="0"/>
+              <a:t>significant</a:t>
+            </a:r>
+            <a:r>
+              <a:rPr lang="en-AU" dirty="0"/>
+              <a:t> accuracy </a:t>
+            </a:r>
+            <a:r>
+              <a:rPr lang="en-AU" dirty="0" smtClean="0"/>
+              <a:t>increase</a:t>
             </a:r>
           </a:p>
           <a:p>
             <a:pPr lvl="1"/>
             <a:r>
+              <a:rPr lang="en-AU" dirty="0" smtClean="0"/>
+              <a:t>Layers were unfrozen, and the last 3 layers were re-trained until overfitting (train loss &gt; validation loss)</a:t>
+            </a:r>
+          </a:p>
+          <a:p>
+            <a:pPr lvl="1"/>
+            <a:r>
+              <a:rPr lang="en-AU" dirty="0" smtClean="0"/>
+              <a:t>Significant </a:t>
+            </a:r>
+            <a:r>
               <a:rPr lang="en-AU" dirty="0"/>
-              <a:t>High degree of assumed PV and Non-PV image labelling accuracy</a:t>
-            </a:r>
-          </a:p>
-          <a:p>
-            <a:pPr lvl="1"/>
+              <a:t>accuracy </a:t>
+            </a:r>
+            <a:r>
+              <a:rPr lang="en-AU" dirty="0" smtClean="0"/>
+              <a:t>improvement</a:t>
+            </a:r>
             <a:r>
               <a:rPr lang="en-AU" dirty="0"/>
-              <a:t>Smaller set</a:t>
-            </a:r>
-          </a:p>
-          <a:p>
+              <a:t> </a:t>
+            </a:r>
+            <a:r>
+              <a:rPr lang="en-AU" dirty="0" smtClean="0"/>
+              <a:t>(97.3%), however the risk of overfitting may be high</a:t>
+            </a:r>
+          </a:p>
+          <a:p>
+            <a:r>
+              <a:rPr lang="en-AU" dirty="0" smtClean="0"/>
+              <a:t>TTA </a:t>
+            </a:r>
             <a:r>
               <a:rPr lang="en-AU" dirty="0"/>
-              <a:t>Extra Release</a:t>
-            </a:r>
-          </a:p>
-          <a:p>
-            <a:pPr lvl="1"/>
-            <a:r>
-              <a:rPr lang="en-AU" dirty="0"/>
-              <a:t>Lower degree of confidence in labelling accuracy</a:t>
-            </a:r>
-          </a:p>
-          <a:p>
-            <a:pPr lvl="1"/>
-            <a:r>
-              <a:rPr lang="en-AU" dirty="0"/>
-              <a:t>Larger set (2-4x)</a:t>
-            </a:r>
+              <a:t>provides small benefit: 97.8% </a:t>
+            </a:r>
+            <a:r>
+              <a:rPr lang="en-AU" dirty="0" smtClean="0"/>
+              <a:t>accuracy (+0.5%)</a:t>
+            </a:r>
+          </a:p>
+          <a:p>
+            <a:r>
+              <a:rPr lang="en-AU" dirty="0" smtClean="0"/>
+              <a:t>Rectangular imagery and multi-residential imagery will require additional care, and likely image segmentation. </a:t>
+            </a:r>
+            <a:r>
+              <a:rPr lang="en-AU" dirty="0" smtClean="0"/>
+              <a:t>Was not explored, as this would have formed Part B scope.</a:t>
+            </a:r>
+            <a:endParaRPr lang="en-AU" dirty="0"/>
           </a:p>
           <a:p>
             <a:pPr lvl="1"/>
@@ -12867,7 +14035,1902 @@
     </p:spTree>
     <p:extLst>
       <p:ext uri="{BB962C8B-B14F-4D97-AF65-F5344CB8AC3E}">
-        <p14:creationId xmlns:p14="http://schemas.microsoft.com/office/powerpoint/2010/main" val="164938785"/>
+        <p14:creationId xmlns:p14="http://schemas.microsoft.com/office/powerpoint/2010/main" val="796037558"/>
+      </p:ext>
+    </p:extLst>
+  </p:cSld>
+  <p:clrMapOvr>
+    <a:masterClrMapping/>
+  </p:clrMapOvr>
+  <mc:AlternateContent xmlns:mc="http://schemas.openxmlformats.org/markup-compatibility/2006" xmlns:p14="http://schemas.microsoft.com/office/powerpoint/2010/main">
+    <mc:Choice Requires="p14">
+      <p:transition spd="med" p14:dur="700">
+        <p:fade/>
+      </p:transition>
+    </mc:Choice>
+    <mc:Fallback xmlns="">
+      <p:transition spd="med">
+        <p:fade/>
+      </p:transition>
+    </mc:Fallback>
+  </mc:AlternateContent>
+</p:sld>
+</file>
+
+<file path=ppt/slides/slide21.xml><?xml version="1.0" encoding="utf-8"?>
+<p:sld xmlns:a="http://schemas.openxmlformats.org/drawingml/2006/main" xmlns:r="http://schemas.openxmlformats.org/officeDocument/2006/relationships" xmlns:p="http://schemas.openxmlformats.org/presentationml/2006/main">
+  <p:cSld>
+    <p:spTree>
+      <p:nvGrpSpPr>
+        <p:cNvPr id="1" name=""/>
+        <p:cNvGrpSpPr/>
+        <p:nvPr/>
+      </p:nvGrpSpPr>
+      <p:grpSpPr>
+        <a:xfrm>
+          <a:off x="0" y="0"/>
+          <a:ext cx="0" cy="0"/>
+          <a:chOff x="0" y="0"/>
+          <a:chExt cx="0" cy="0"/>
+        </a:xfrm>
+      </p:grpSpPr>
+      <p:sp>
+        <p:nvSpPr>
+          <p:cNvPr id="3" name="Content Placeholder 2">
+            <a:extLst>
+              <a:ext uri="{FF2B5EF4-FFF2-40B4-BE49-F238E27FC236}">
+                <a16:creationId xmlns:a16="http://schemas.microsoft.com/office/drawing/2014/main" xmlns="" id="{1E6F3B36-FA1C-4A44-8799-54720A510D55}"/>
+              </a:ext>
+            </a:extLst>
+          </p:cNvPr>
+          <p:cNvSpPr>
+            <a:spLocks noGrp="1"/>
+          </p:cNvSpPr>
+          <p:nvPr>
+            <p:ph idx="1"/>
+          </p:nvPr>
+        </p:nvSpPr>
+        <p:spPr>
+          <a:xfrm>
+            <a:off x="1218883" y="1701797"/>
+            <a:ext cx="10360501" cy="4823547"/>
+          </a:xfrm>
+        </p:spPr>
+        <p:txBody>
+          <a:bodyPr>
+            <a:normAutofit/>
+          </a:bodyPr>
+          <a:lstStyle/>
+          <a:p>
+            <a:r>
+              <a:rPr lang="en-AU" dirty="0"/>
+              <a:t>Significant dropout:</a:t>
+            </a:r>
+          </a:p>
+          <a:p>
+            <a:pPr lvl="1"/>
+            <a:r>
+              <a:rPr lang="en-AU" dirty="0" smtClean="0"/>
+              <a:t>Assumed dropout would improve generalisation of solar panels and reduce false positives</a:t>
+            </a:r>
+          </a:p>
+          <a:p>
+            <a:r>
+              <a:rPr lang="en-AU" dirty="0" smtClean="0"/>
+              <a:t>Data augmentation</a:t>
+            </a:r>
+          </a:p>
+          <a:p>
+            <a:pPr lvl="1"/>
+            <a:r>
+              <a:rPr lang="en-AU" dirty="0" smtClean="0"/>
+              <a:t>With blur – similar principle to the above – seemed to be counterproductive by reducing accuracy</a:t>
+            </a:r>
+          </a:p>
+          <a:p>
+            <a:pPr lvl="1"/>
+            <a:r>
+              <a:rPr lang="en-AU" dirty="0" smtClean="0"/>
+              <a:t>30 degree image tilt – To better generalise house (and by proxy panel) positioning – reduced the validation set accuracy</a:t>
+            </a:r>
+          </a:p>
+          <a:p>
+            <a:r>
+              <a:rPr lang="en-AU" dirty="0"/>
+              <a:t>Moving up to a ResNet50 model took far longer to train but did not yield a performance </a:t>
+            </a:r>
+            <a:r>
+              <a:rPr lang="en-AU" dirty="0" smtClean="0"/>
+              <a:t>increase</a:t>
+            </a:r>
+            <a:endParaRPr lang="en-AU" dirty="0"/>
+          </a:p>
+          <a:p>
+            <a:pPr lvl="1"/>
+            <a:endParaRPr lang="en-AU" dirty="0"/>
+          </a:p>
+        </p:txBody>
+      </p:sp>
+      <p:sp>
+        <p:nvSpPr>
+          <p:cNvPr id="5" name="Title 1">
+            <a:extLst>
+              <a:ext uri="{FF2B5EF4-FFF2-40B4-BE49-F238E27FC236}">
+                <a16:creationId xmlns:a16="http://schemas.microsoft.com/office/drawing/2014/main" xmlns="" id="{118CBBA9-49D2-4262-9114-D0D47E7D522A}"/>
+              </a:ext>
+            </a:extLst>
+          </p:cNvPr>
+          <p:cNvSpPr txBox="1">
+            <a:spLocks/>
+          </p:cNvSpPr>
+          <p:nvPr/>
+        </p:nvSpPr>
+        <p:spPr>
+          <a:xfrm>
+            <a:off x="1371283" y="427037"/>
+            <a:ext cx="10360501" cy="1223963"/>
+          </a:xfrm>
+          <a:prstGeom prst="rect">
+            <a:avLst/>
+          </a:prstGeom>
+        </p:spPr>
+        <p:txBody>
+          <a:bodyPr vert="horz" lIns="121899" tIns="60949" rIns="121899" bIns="60949" rtlCol="0" anchor="b">
+            <a:normAutofit/>
+          </a:bodyPr>
+          <a:lstStyle>
+            <a:lvl1pPr algn="l" defTabSz="1218987" rtl="0" eaLnBrk="1" latinLnBrk="0" hangingPunct="1">
+              <a:lnSpc>
+                <a:spcPct val="90000"/>
+              </a:lnSpc>
+              <a:spcBef>
+                <a:spcPct val="0"/>
+              </a:spcBef>
+              <a:buNone/>
+              <a:defRPr sz="3600" kern="1200">
+                <a:solidFill>
+                  <a:schemeClr val="tx1"/>
+                </a:solidFill>
+                <a:latin typeface="+mj-lt"/>
+                <a:ea typeface="+mj-ea"/>
+                <a:cs typeface="+mj-cs"/>
+              </a:defRPr>
+            </a:lvl1pPr>
+          </a:lstStyle>
+          <a:p>
+            <a:r>
+              <a:rPr lang="en-AU" dirty="0" smtClean="0"/>
+              <a:t>What didn’t work...</a:t>
+            </a:r>
+            <a:endParaRPr lang="en-AU" dirty="0"/>
+          </a:p>
+        </p:txBody>
+      </p:sp>
+    </p:spTree>
+    <p:extLst>
+      <p:ext uri="{BB962C8B-B14F-4D97-AF65-F5344CB8AC3E}">
+        <p14:creationId xmlns:p14="http://schemas.microsoft.com/office/powerpoint/2010/main" val="2709229914"/>
+      </p:ext>
+    </p:extLst>
+  </p:cSld>
+  <p:clrMapOvr>
+    <a:masterClrMapping/>
+  </p:clrMapOvr>
+  <mc:AlternateContent xmlns:mc="http://schemas.openxmlformats.org/markup-compatibility/2006" xmlns:p14="http://schemas.microsoft.com/office/powerpoint/2010/main">
+    <mc:Choice Requires="p14">
+      <p:transition spd="med" p14:dur="700">
+        <p:fade/>
+      </p:transition>
+    </mc:Choice>
+    <mc:Fallback xmlns="">
+      <p:transition spd="med">
+        <p:fade/>
+      </p:transition>
+    </mc:Fallback>
+  </mc:AlternateContent>
+</p:sld>
+</file>
+
+<file path=ppt/slides/slide22.xml><?xml version="1.0" encoding="utf-8"?>
+<p:sld xmlns:a="http://schemas.openxmlformats.org/drawingml/2006/main" xmlns:r="http://schemas.openxmlformats.org/officeDocument/2006/relationships" xmlns:p="http://schemas.openxmlformats.org/presentationml/2006/main">
+  <p:cSld>
+    <p:spTree>
+      <p:nvGrpSpPr>
+        <p:cNvPr id="1" name=""/>
+        <p:cNvGrpSpPr/>
+        <p:nvPr/>
+      </p:nvGrpSpPr>
+      <p:grpSpPr>
+        <a:xfrm>
+          <a:off x="0" y="0"/>
+          <a:ext cx="0" cy="0"/>
+          <a:chOff x="0" y="0"/>
+          <a:chExt cx="0" cy="0"/>
+        </a:xfrm>
+      </p:grpSpPr>
+      <p:sp>
+        <p:nvSpPr>
+          <p:cNvPr id="2" name="Title 1">
+            <a:extLst>
+              <a:ext uri="{FF2B5EF4-FFF2-40B4-BE49-F238E27FC236}">
+                <a16:creationId xmlns:a16="http://schemas.microsoft.com/office/drawing/2014/main" xmlns="" id="{118CBBA9-49D2-4262-9114-D0D47E7D522A}"/>
+              </a:ext>
+            </a:extLst>
+          </p:cNvPr>
+          <p:cNvSpPr>
+            <a:spLocks noGrp="1"/>
+          </p:cNvSpPr>
+          <p:nvPr>
+            <p:ph type="title"/>
+          </p:nvPr>
+        </p:nvSpPr>
+        <p:spPr/>
+        <p:txBody>
+          <a:bodyPr/>
+          <a:lstStyle/>
+          <a:p>
+            <a:r>
+              <a:rPr lang="en-AU" b="1" dirty="0" smtClean="0"/>
+              <a:t>We learned…</a:t>
+            </a:r>
+            <a:endParaRPr lang="en-AU" dirty="0"/>
+          </a:p>
+        </p:txBody>
+      </p:sp>
+      <p:sp>
+        <p:nvSpPr>
+          <p:cNvPr id="3" name="Content Placeholder 2">
+            <a:extLst>
+              <a:ext uri="{FF2B5EF4-FFF2-40B4-BE49-F238E27FC236}">
+                <a16:creationId xmlns:a16="http://schemas.microsoft.com/office/drawing/2014/main" xmlns="" id="{1E6F3B36-FA1C-4A44-8799-54720A510D55}"/>
+              </a:ext>
+            </a:extLst>
+          </p:cNvPr>
+          <p:cNvSpPr>
+            <a:spLocks noGrp="1"/>
+          </p:cNvSpPr>
+          <p:nvPr>
+            <p:ph idx="1"/>
+          </p:nvPr>
+        </p:nvSpPr>
+        <p:spPr>
+          <a:xfrm>
+            <a:off x="1218883" y="1701797"/>
+            <a:ext cx="10564161" cy="4462272"/>
+          </a:xfrm>
+        </p:spPr>
+        <p:txBody>
+          <a:bodyPr/>
+          <a:lstStyle/>
+          <a:p>
+            <a:r>
+              <a:rPr lang="en-AU" dirty="0" smtClean="0"/>
+              <a:t>Following the basic fast.ai principles yields generally accurate CV results</a:t>
+            </a:r>
+          </a:p>
+          <a:p>
+            <a:r>
+              <a:rPr lang="en-AU" dirty="0" smtClean="0"/>
+              <a:t>Minimising data augmentation helped</a:t>
+            </a:r>
+          </a:p>
+          <a:p>
+            <a:r>
+              <a:rPr lang="en-AU" dirty="0" smtClean="0"/>
+              <a:t>Randomising the test set and validation set to check yielded model results are not a fluke</a:t>
+            </a:r>
+            <a:endParaRPr lang="en-AU" dirty="0"/>
+          </a:p>
+          <a:p>
+            <a:r>
+              <a:rPr lang="en-AU" dirty="0" smtClean="0"/>
+              <a:t>How tasks can be segmented better in the future to accelerate works</a:t>
+            </a:r>
+          </a:p>
+          <a:p>
+            <a:endParaRPr lang="en-AU" dirty="0"/>
+          </a:p>
+        </p:txBody>
+      </p:sp>
+    </p:spTree>
+    <p:extLst>
+      <p:ext uri="{BB962C8B-B14F-4D97-AF65-F5344CB8AC3E}">
+        <p14:creationId xmlns:p14="http://schemas.microsoft.com/office/powerpoint/2010/main" val="420205084"/>
+      </p:ext>
+    </p:extLst>
+  </p:cSld>
+  <p:clrMapOvr>
+    <a:masterClrMapping/>
+  </p:clrMapOvr>
+  <mc:AlternateContent xmlns:mc="http://schemas.openxmlformats.org/markup-compatibility/2006" xmlns:p14="http://schemas.microsoft.com/office/powerpoint/2010/main">
+    <mc:Choice Requires="p14">
+      <p:transition spd="med" p14:dur="700">
+        <p:fade/>
+      </p:transition>
+    </mc:Choice>
+    <mc:Fallback xmlns="">
+      <p:transition spd="med">
+        <p:fade/>
+      </p:transition>
+    </mc:Fallback>
+  </mc:AlternateContent>
+</p:sld>
+</file>
+
+<file path=ppt/slides/slide23.xml><?xml version="1.0" encoding="utf-8"?>
+<p:sld xmlns:a="http://schemas.openxmlformats.org/drawingml/2006/main" xmlns:r="http://schemas.openxmlformats.org/officeDocument/2006/relationships" xmlns:p="http://schemas.openxmlformats.org/presentationml/2006/main" show="0">
+  <p:cSld>
+    <p:spTree>
+      <p:nvGrpSpPr>
+        <p:cNvPr id="1" name=""/>
+        <p:cNvGrpSpPr/>
+        <p:nvPr/>
+      </p:nvGrpSpPr>
+      <p:grpSpPr>
+        <a:xfrm>
+          <a:off x="0" y="0"/>
+          <a:ext cx="0" cy="0"/>
+          <a:chOff x="0" y="0"/>
+          <a:chExt cx="0" cy="0"/>
+        </a:xfrm>
+      </p:grpSpPr>
+      <p:sp>
+        <p:nvSpPr>
+          <p:cNvPr id="2" name="Title 1">
+            <a:extLst>
+              <a:ext uri="{FF2B5EF4-FFF2-40B4-BE49-F238E27FC236}">
+                <a16:creationId xmlns:a16="http://schemas.microsoft.com/office/drawing/2014/main" xmlns="" id="{118CBBA9-49D2-4262-9114-D0D47E7D522A}"/>
+              </a:ext>
+            </a:extLst>
+          </p:cNvPr>
+          <p:cNvSpPr>
+            <a:spLocks noGrp="1"/>
+          </p:cNvSpPr>
+          <p:nvPr>
+            <p:ph type="title"/>
+          </p:nvPr>
+        </p:nvSpPr>
+        <p:spPr/>
+        <p:txBody>
+          <a:bodyPr/>
+          <a:lstStyle/>
+          <a:p>
+            <a:r>
+              <a:rPr lang="en-AU" dirty="0"/>
+              <a:t>What worked?</a:t>
+            </a:r>
+          </a:p>
+        </p:txBody>
+      </p:sp>
+      <p:sp>
+        <p:nvSpPr>
+          <p:cNvPr id="3" name="Content Placeholder 2">
+            <a:extLst>
+              <a:ext uri="{FF2B5EF4-FFF2-40B4-BE49-F238E27FC236}">
+                <a16:creationId xmlns:a16="http://schemas.microsoft.com/office/drawing/2014/main" xmlns="" id="{1E6F3B36-FA1C-4A44-8799-54720A510D55}"/>
+              </a:ext>
+            </a:extLst>
+          </p:cNvPr>
+          <p:cNvSpPr>
+            <a:spLocks noGrp="1"/>
+          </p:cNvSpPr>
+          <p:nvPr>
+            <p:ph idx="1"/>
+          </p:nvPr>
+        </p:nvSpPr>
+        <p:spPr>
+          <a:xfrm>
+            <a:off x="1218883" y="1701797"/>
+            <a:ext cx="10564161" cy="4462272"/>
+          </a:xfrm>
+        </p:spPr>
+        <p:txBody>
+          <a:bodyPr/>
+          <a:lstStyle/>
+          <a:p>
+            <a:r>
+              <a:rPr lang="en-AU" dirty="0"/>
+              <a:t>Dropout</a:t>
+            </a:r>
+          </a:p>
+          <a:p>
+            <a:pPr lvl="1"/>
+            <a:r>
+              <a:rPr lang="en-AU" dirty="0"/>
+              <a:t>No dropout results in rapid overfitting – not recommended</a:t>
+            </a:r>
+          </a:p>
+          <a:p>
+            <a:pPr lvl="1"/>
+            <a:r>
+              <a:rPr lang="en-AU" dirty="0"/>
+              <a:t>Default dropout of 25% (first dropout layer) and 50% (second dropout layer) in the </a:t>
+            </a:r>
+            <a:r>
+              <a:rPr lang="en-AU"/>
+              <a:t>resnet34 model worked well</a:t>
+            </a:r>
+            <a:endParaRPr lang="en-AU" dirty="0"/>
+          </a:p>
+          <a:p>
+            <a:pPr lvl="1"/>
+            <a:endParaRPr lang="en-AU" dirty="0"/>
+          </a:p>
+          <a:p>
+            <a:pPr lvl="1"/>
+            <a:endParaRPr lang="en-AU" dirty="0"/>
+          </a:p>
+          <a:p>
+            <a:pPr lvl="1"/>
+            <a:endParaRPr lang="en-AU" dirty="0"/>
+          </a:p>
+        </p:txBody>
+      </p:sp>
+    </p:spTree>
+    <p:extLst>
+      <p:ext uri="{BB962C8B-B14F-4D97-AF65-F5344CB8AC3E}">
+        <p14:creationId xmlns:p14="http://schemas.microsoft.com/office/powerpoint/2010/main" val="2167520984"/>
+      </p:ext>
+    </p:extLst>
+  </p:cSld>
+  <p:clrMapOvr>
+    <a:masterClrMapping/>
+  </p:clrMapOvr>
+  <mc:AlternateContent xmlns:mc="http://schemas.openxmlformats.org/markup-compatibility/2006">
+    <mc:Choice xmlns:p14="http://schemas.microsoft.com/office/powerpoint/2010/main" Requires="p14">
+      <p:transition spd="med" p14:dur="700">
+        <p:fade/>
+      </p:transition>
+    </mc:Choice>
+    <mc:Fallback>
+      <p:transition spd="med">
+        <p:fade/>
+      </p:transition>
+    </mc:Fallback>
+  </mc:AlternateContent>
+</p:sld>
+</file>
+
+<file path=ppt/slides/slide24.xml><?xml version="1.0" encoding="utf-8"?>
+<p:sld xmlns:a="http://schemas.openxmlformats.org/drawingml/2006/main" xmlns:r="http://schemas.openxmlformats.org/officeDocument/2006/relationships" xmlns:p="http://schemas.openxmlformats.org/presentationml/2006/main" show="0">
+  <p:cSld>
+    <p:spTree>
+      <p:nvGrpSpPr>
+        <p:cNvPr id="1" name=""/>
+        <p:cNvGrpSpPr/>
+        <p:nvPr/>
+      </p:nvGrpSpPr>
+      <p:grpSpPr>
+        <a:xfrm>
+          <a:off x="0" y="0"/>
+          <a:ext cx="0" cy="0"/>
+          <a:chOff x="0" y="0"/>
+          <a:chExt cx="0" cy="0"/>
+        </a:xfrm>
+      </p:grpSpPr>
+      <p:sp>
+        <p:nvSpPr>
+          <p:cNvPr id="4" name="Title 3"/>
+          <p:cNvSpPr>
+            <a:spLocks noGrp="1"/>
+          </p:cNvSpPr>
+          <p:nvPr>
+            <p:ph type="title"/>
+          </p:nvPr>
+        </p:nvSpPr>
+        <p:spPr/>
+        <p:txBody>
+          <a:bodyPr/>
+          <a:lstStyle/>
+          <a:p>
+            <a:r>
+              <a:rPr lang="en-US" dirty="0"/>
+              <a:t>Challenge 2</a:t>
+            </a:r>
+          </a:p>
+        </p:txBody>
+      </p:sp>
+      <p:sp>
+        <p:nvSpPr>
+          <p:cNvPr id="5" name="Text Placeholder 4"/>
+          <p:cNvSpPr>
+            <a:spLocks noGrp="1"/>
+          </p:cNvSpPr>
+          <p:nvPr>
+            <p:ph type="body" idx="1"/>
+          </p:nvPr>
+        </p:nvSpPr>
+        <p:spPr/>
+        <p:txBody>
+          <a:bodyPr>
+            <a:normAutofit lnSpcReduction="10000"/>
+          </a:bodyPr>
+          <a:lstStyle/>
+          <a:p>
+            <a:r>
+              <a:rPr lang="en-US" dirty="0"/>
+              <a:t>Photovoltaic generation</a:t>
+            </a:r>
+          </a:p>
+          <a:p>
+            <a:endParaRPr lang="en-US" dirty="0"/>
+          </a:p>
+          <a:p>
+            <a:r>
+              <a:rPr lang="en-US" dirty="0"/>
+              <a:t>PART B - SIZING</a:t>
+            </a:r>
+          </a:p>
+        </p:txBody>
+      </p:sp>
+    </p:spTree>
+    <p:extLst>
+      <p:ext uri="{BB962C8B-B14F-4D97-AF65-F5344CB8AC3E}">
+        <p14:creationId xmlns:p14="http://schemas.microsoft.com/office/powerpoint/2010/main" val="3970823378"/>
+      </p:ext>
+    </p:extLst>
+  </p:cSld>
+  <p:clrMapOvr>
+    <a:masterClrMapping/>
+  </p:clrMapOvr>
+  <mc:AlternateContent xmlns:mc="http://schemas.openxmlformats.org/markup-compatibility/2006">
+    <mc:Choice xmlns:p14="http://schemas.microsoft.com/office/powerpoint/2010/main" Requires="p14">
+      <p:transition spd="med" p14:dur="700">
+        <p:fade/>
+      </p:transition>
+    </mc:Choice>
+    <mc:Fallback>
+      <p:transition spd="med">
+        <p:fade/>
+      </p:transition>
+    </mc:Fallback>
+  </mc:AlternateContent>
+</p:sld>
+</file>
+
+<file path=ppt/slides/slide25.xml><?xml version="1.0" encoding="utf-8"?>
+<p:sld xmlns:a="http://schemas.openxmlformats.org/drawingml/2006/main" xmlns:r="http://schemas.openxmlformats.org/officeDocument/2006/relationships" xmlns:p="http://schemas.openxmlformats.org/presentationml/2006/main" show="0">
+  <p:cSld>
+    <p:spTree>
+      <p:nvGrpSpPr>
+        <p:cNvPr id="1" name=""/>
+        <p:cNvGrpSpPr/>
+        <p:nvPr/>
+      </p:nvGrpSpPr>
+      <p:grpSpPr>
+        <a:xfrm>
+          <a:off x="0" y="0"/>
+          <a:ext cx="0" cy="0"/>
+          <a:chOff x="0" y="0"/>
+          <a:chExt cx="0" cy="0"/>
+        </a:xfrm>
+      </p:grpSpPr>
+      <p:sp>
+        <p:nvSpPr>
+          <p:cNvPr id="2" name="Title 1">
+            <a:extLst>
+              <a:ext uri="{FF2B5EF4-FFF2-40B4-BE49-F238E27FC236}">
+                <a16:creationId xmlns:a16="http://schemas.microsoft.com/office/drawing/2014/main" xmlns="" id="{118CBBA9-49D2-4262-9114-D0D47E7D522A}"/>
+              </a:ext>
+            </a:extLst>
+          </p:cNvPr>
+          <p:cNvSpPr>
+            <a:spLocks noGrp="1"/>
+          </p:cNvSpPr>
+          <p:nvPr>
+            <p:ph type="title"/>
+          </p:nvPr>
+        </p:nvSpPr>
+        <p:spPr/>
+        <p:txBody>
+          <a:bodyPr/>
+          <a:lstStyle/>
+          <a:p>
+            <a:r>
+              <a:rPr lang="en-AU" dirty="0"/>
+              <a:t>Overview</a:t>
+            </a:r>
+          </a:p>
+        </p:txBody>
+      </p:sp>
+      <p:sp>
+        <p:nvSpPr>
+          <p:cNvPr id="3" name="Content Placeholder 2">
+            <a:extLst>
+              <a:ext uri="{FF2B5EF4-FFF2-40B4-BE49-F238E27FC236}">
+                <a16:creationId xmlns:a16="http://schemas.microsoft.com/office/drawing/2014/main" xmlns="" id="{1E6F3B36-FA1C-4A44-8799-54720A510D55}"/>
+              </a:ext>
+            </a:extLst>
+          </p:cNvPr>
+          <p:cNvSpPr>
+            <a:spLocks noGrp="1"/>
+          </p:cNvSpPr>
+          <p:nvPr>
+            <p:ph idx="1"/>
+          </p:nvPr>
+        </p:nvSpPr>
+        <p:spPr>
+          <a:xfrm>
+            <a:off x="1218883" y="1701797"/>
+            <a:ext cx="10360501" cy="1223963"/>
+          </a:xfrm>
+        </p:spPr>
+        <p:txBody>
+          <a:bodyPr/>
+          <a:lstStyle/>
+          <a:p>
+            <a:r>
+              <a:rPr lang="en-AU" dirty="0"/>
+              <a:t>Part B continues from Part A code</a:t>
+            </a:r>
+          </a:p>
+          <a:p>
+            <a:r>
+              <a:rPr lang="en-AU" dirty="0"/>
+              <a:t>PV image Metadata is accessible in the </a:t>
+            </a:r>
+            <a:r>
+              <a:rPr lang="en-AU" dirty="0" err="1"/>
+              <a:t>Jupyter</a:t>
+            </a:r>
+            <a:r>
+              <a:rPr lang="en-AU" dirty="0"/>
+              <a:t> Notebook</a:t>
+            </a:r>
+          </a:p>
+          <a:p>
+            <a:endParaRPr lang="en-AU" dirty="0"/>
+          </a:p>
+          <a:p>
+            <a:pPr lvl="1"/>
+            <a:endParaRPr lang="en-AU" dirty="0"/>
+          </a:p>
+        </p:txBody>
+      </p:sp>
+    </p:spTree>
+    <p:extLst>
+      <p:ext uri="{BB962C8B-B14F-4D97-AF65-F5344CB8AC3E}">
+        <p14:creationId xmlns:p14="http://schemas.microsoft.com/office/powerpoint/2010/main" val="2005215278"/>
+      </p:ext>
+    </p:extLst>
+  </p:cSld>
+  <p:clrMapOvr>
+    <a:masterClrMapping/>
+  </p:clrMapOvr>
+  <mc:AlternateContent xmlns:mc="http://schemas.openxmlformats.org/markup-compatibility/2006">
+    <mc:Choice xmlns:p14="http://schemas.microsoft.com/office/powerpoint/2010/main" Requires="p14">
+      <p:transition spd="med" p14:dur="700">
+        <p:fade/>
+      </p:transition>
+    </mc:Choice>
+    <mc:Fallback>
+      <p:transition spd="med">
+        <p:fade/>
+      </p:transition>
+    </mc:Fallback>
+  </mc:AlternateContent>
+</p:sld>
+</file>
+
+<file path=ppt/slides/slide26.xml><?xml version="1.0" encoding="utf-8"?>
+<p:sld xmlns:a="http://schemas.openxmlformats.org/drawingml/2006/main" xmlns:r="http://schemas.openxmlformats.org/officeDocument/2006/relationships" xmlns:p="http://schemas.openxmlformats.org/presentationml/2006/main">
+  <p:cSld>
+    <p:spTree>
+      <p:nvGrpSpPr>
+        <p:cNvPr id="1" name=""/>
+        <p:cNvGrpSpPr/>
+        <p:nvPr/>
+      </p:nvGrpSpPr>
+      <p:grpSpPr>
+        <a:xfrm>
+          <a:off x="0" y="0"/>
+          <a:ext cx="0" cy="0"/>
+          <a:chOff x="0" y="0"/>
+          <a:chExt cx="0" cy="0"/>
+        </a:xfrm>
+      </p:grpSpPr>
+      <p:sp>
+        <p:nvSpPr>
+          <p:cNvPr id="2" name="Title 1">
+            <a:extLst>
+              <a:ext uri="{FF2B5EF4-FFF2-40B4-BE49-F238E27FC236}">
+                <a16:creationId xmlns:a16="http://schemas.microsoft.com/office/drawing/2014/main" xmlns="" id="{118CBBA9-49D2-4262-9114-D0D47E7D522A}"/>
+              </a:ext>
+            </a:extLst>
+          </p:cNvPr>
+          <p:cNvSpPr>
+            <a:spLocks noGrp="1"/>
+          </p:cNvSpPr>
+          <p:nvPr>
+            <p:ph type="title"/>
+          </p:nvPr>
+        </p:nvSpPr>
+        <p:spPr/>
+        <p:txBody>
+          <a:bodyPr>
+            <a:normAutofit/>
+          </a:bodyPr>
+          <a:lstStyle/>
+          <a:p>
+            <a:pPr algn="r"/>
+            <a:r>
+              <a:rPr lang="en-AU" sz="4800" dirty="0">
+                <a:latin typeface="Kunstler Script" panose="030304020206070D0D06" pitchFamily="66" charset="0"/>
+              </a:rPr>
+              <a:t>Thank you for your attention.</a:t>
+            </a:r>
+          </a:p>
+        </p:txBody>
+      </p:sp>
+      <p:sp>
+        <p:nvSpPr>
+          <p:cNvPr id="3" name="Content Placeholder 2">
+            <a:extLst>
+              <a:ext uri="{FF2B5EF4-FFF2-40B4-BE49-F238E27FC236}">
+                <a16:creationId xmlns:a16="http://schemas.microsoft.com/office/drawing/2014/main" xmlns="" id="{1E6F3B36-FA1C-4A44-8799-54720A510D55}"/>
+              </a:ext>
+            </a:extLst>
+          </p:cNvPr>
+          <p:cNvSpPr>
+            <a:spLocks noGrp="1"/>
+          </p:cNvSpPr>
+          <p:nvPr>
+            <p:ph idx="1"/>
+          </p:nvPr>
+        </p:nvSpPr>
+        <p:spPr>
+          <a:xfrm>
+            <a:off x="1218883" y="1701797"/>
+            <a:ext cx="10360501" cy="4679531"/>
+          </a:xfrm>
+        </p:spPr>
+        <p:txBody>
+          <a:bodyPr>
+            <a:normAutofit/>
+          </a:bodyPr>
+          <a:lstStyle/>
+          <a:p>
+            <a:pPr marL="0" indent="0" algn="ctr">
+              <a:buNone/>
+            </a:pPr>
+            <a:r>
+              <a:rPr lang="en-AU" u="sng" dirty="0"/>
+              <a:t>Team </a:t>
+            </a:r>
+            <a:r>
+              <a:rPr lang="en-AU" u="sng" dirty="0" err="1"/>
+              <a:t>UnicorNN</a:t>
+            </a:r>
+            <a:endParaRPr lang="en-AU" u="sng" dirty="0"/>
+          </a:p>
+          <a:p>
+            <a:pPr lvl="1"/>
+            <a:endParaRPr lang="en-AU" dirty="0"/>
+          </a:p>
+        </p:txBody>
+      </p:sp>
+      <p:pic>
+        <p:nvPicPr>
+          <p:cNvPr id="5" name="Picture 4">
+            <a:extLst>
+              <a:ext uri="{FF2B5EF4-FFF2-40B4-BE49-F238E27FC236}">
+                <a16:creationId xmlns:a16="http://schemas.microsoft.com/office/drawing/2014/main" xmlns="" id="{4E9B1E06-FE9D-462D-A33F-A672B189115A}"/>
+              </a:ext>
+            </a:extLst>
+          </p:cNvPr>
+          <p:cNvPicPr>
+            <a:picLocks noChangeAspect="1"/>
+          </p:cNvPicPr>
+          <p:nvPr/>
+        </p:nvPicPr>
+        <p:blipFill>
+          <a:blip r:embed="rId2" cstate="print">
+            <a:extLst>
+              <a:ext uri="{28A0092B-C50C-407E-A947-70E740481C1C}">
+                <a14:useLocalDpi xmlns:a14="http://schemas.microsoft.com/office/drawing/2010/main" val="0"/>
+              </a:ext>
+            </a:extLst>
+          </a:blip>
+          <a:stretch>
+            <a:fillRect/>
+          </a:stretch>
+        </p:blipFill>
+        <p:spPr>
+          <a:xfrm>
+            <a:off x="5446340" y="3429000"/>
+            <a:ext cx="1989601" cy="1705372"/>
+          </a:xfrm>
+          <a:prstGeom prst="rect">
+            <a:avLst/>
+          </a:prstGeom>
+        </p:spPr>
+      </p:pic>
+      <p:pic>
+        <p:nvPicPr>
+          <p:cNvPr id="6" name="Picture 5">
+            <a:extLst>
+              <a:ext uri="{FF2B5EF4-FFF2-40B4-BE49-F238E27FC236}">
+                <a16:creationId xmlns:a16="http://schemas.microsoft.com/office/drawing/2014/main" xmlns="" id="{EEFF4B65-FE70-4058-AB79-864721B760FD}"/>
+              </a:ext>
+            </a:extLst>
+          </p:cNvPr>
+          <p:cNvPicPr>
+            <a:picLocks noChangeAspect="1"/>
+          </p:cNvPicPr>
+          <p:nvPr/>
+        </p:nvPicPr>
+        <p:blipFill>
+          <a:blip r:embed="rId3" cstate="print">
+            <a:extLst>
+              <a:ext uri="{28A0092B-C50C-407E-A947-70E740481C1C}">
+                <a14:useLocalDpi xmlns:a14="http://schemas.microsoft.com/office/drawing/2010/main" val="0"/>
+              </a:ext>
+            </a:extLst>
+          </a:blip>
+          <a:stretch>
+            <a:fillRect/>
+          </a:stretch>
+        </p:blipFill>
+        <p:spPr>
+          <a:xfrm>
+            <a:off x="5825340" y="2547073"/>
+            <a:ext cx="1256171" cy="1512605"/>
+          </a:xfrm>
+          <a:prstGeom prst="rect">
+            <a:avLst/>
+          </a:prstGeom>
+        </p:spPr>
+      </p:pic>
+    </p:spTree>
+    <p:extLst>
+      <p:ext uri="{BB962C8B-B14F-4D97-AF65-F5344CB8AC3E}">
+        <p14:creationId xmlns:p14="http://schemas.microsoft.com/office/powerpoint/2010/main" val="36318704"/>
+      </p:ext>
+    </p:extLst>
+  </p:cSld>
+  <p:clrMapOvr>
+    <a:masterClrMapping/>
+  </p:clrMapOvr>
+  <mc:AlternateContent xmlns:mc="http://schemas.openxmlformats.org/markup-compatibility/2006" xmlns:p14="http://schemas.microsoft.com/office/powerpoint/2010/main">
+    <mc:Choice Requires="p14">
+      <p:transition spd="med" p14:dur="700">
+        <p:fade/>
+      </p:transition>
+    </mc:Choice>
+    <mc:Fallback xmlns="">
+      <p:transition spd="med">
+        <p:fade/>
+      </p:transition>
+    </mc:Fallback>
+  </mc:AlternateContent>
+</p:sld>
+</file>
+
+<file path=ppt/slides/slide3.xml><?xml version="1.0" encoding="utf-8"?>
+<p:sld xmlns:a="http://schemas.openxmlformats.org/drawingml/2006/main" xmlns:r="http://schemas.openxmlformats.org/officeDocument/2006/relationships" xmlns:p="http://schemas.openxmlformats.org/presentationml/2006/main">
+  <p:cSld>
+    <p:spTree>
+      <p:nvGrpSpPr>
+        <p:cNvPr id="1" name=""/>
+        <p:cNvGrpSpPr/>
+        <p:nvPr/>
+      </p:nvGrpSpPr>
+      <p:grpSpPr>
+        <a:xfrm>
+          <a:off x="0" y="0"/>
+          <a:ext cx="0" cy="0"/>
+          <a:chOff x="0" y="0"/>
+          <a:chExt cx="0" cy="0"/>
+        </a:xfrm>
+      </p:grpSpPr>
+      <p:sp>
+        <p:nvSpPr>
+          <p:cNvPr id="4" name="Title 3"/>
+          <p:cNvSpPr>
+            <a:spLocks noGrp="1"/>
+          </p:cNvSpPr>
+          <p:nvPr>
+            <p:ph type="title"/>
+          </p:nvPr>
+        </p:nvSpPr>
+        <p:spPr/>
+        <p:txBody>
+          <a:bodyPr/>
+          <a:lstStyle/>
+          <a:p>
+            <a:r>
+              <a:rPr lang="en-US" dirty="0"/>
+              <a:t>Challenge </a:t>
+            </a:r>
+            <a:r>
+              <a:rPr lang="en-US" dirty="0" smtClean="0"/>
+              <a:t>1</a:t>
+            </a:r>
+            <a:endParaRPr lang="en-US" dirty="0"/>
+          </a:p>
+        </p:txBody>
+      </p:sp>
+      <p:sp>
+        <p:nvSpPr>
+          <p:cNvPr id="5" name="Text Placeholder 4"/>
+          <p:cNvSpPr>
+            <a:spLocks noGrp="1"/>
+          </p:cNvSpPr>
+          <p:nvPr>
+            <p:ph type="body" idx="1"/>
+          </p:nvPr>
+        </p:nvSpPr>
+        <p:spPr/>
+        <p:txBody>
+          <a:bodyPr>
+            <a:normAutofit/>
+          </a:bodyPr>
+          <a:lstStyle/>
+          <a:p>
+            <a:r>
+              <a:rPr lang="en-US" dirty="0" smtClean="0"/>
+              <a:t>Smart Meter Data</a:t>
+            </a:r>
+            <a:endParaRPr lang="en-US" dirty="0"/>
+          </a:p>
+        </p:txBody>
+      </p:sp>
+    </p:spTree>
+    <p:extLst>
+      <p:ext uri="{BB962C8B-B14F-4D97-AF65-F5344CB8AC3E}">
+        <p14:creationId xmlns:p14="http://schemas.microsoft.com/office/powerpoint/2010/main" val="3643845591"/>
+      </p:ext>
+    </p:extLst>
+  </p:cSld>
+  <p:clrMapOvr>
+    <a:masterClrMapping/>
+  </p:clrMapOvr>
+  <mc:AlternateContent xmlns:mc="http://schemas.openxmlformats.org/markup-compatibility/2006" xmlns:p14="http://schemas.microsoft.com/office/powerpoint/2010/main">
+    <mc:Choice Requires="p14">
+      <p:transition spd="med" p14:dur="700">
+        <p:fade/>
+      </p:transition>
+    </mc:Choice>
+    <mc:Fallback xmlns="">
+      <p:transition spd="med">
+        <p:fade/>
+      </p:transition>
+    </mc:Fallback>
+  </mc:AlternateContent>
+</p:sld>
+</file>
+
+<file path=ppt/slides/slide4.xml><?xml version="1.0" encoding="utf-8"?>
+<p:sld xmlns:a="http://schemas.openxmlformats.org/drawingml/2006/main" xmlns:r="http://schemas.openxmlformats.org/officeDocument/2006/relationships" xmlns:p="http://schemas.openxmlformats.org/presentationml/2006/main">
+  <p:cSld>
+    <p:spTree>
+      <p:nvGrpSpPr>
+        <p:cNvPr id="1" name=""/>
+        <p:cNvGrpSpPr/>
+        <p:nvPr/>
+      </p:nvGrpSpPr>
+      <p:grpSpPr>
+        <a:xfrm>
+          <a:off x="0" y="0"/>
+          <a:ext cx="0" cy="0"/>
+          <a:chOff x="0" y="0"/>
+          <a:chExt cx="0" cy="0"/>
+        </a:xfrm>
+      </p:grpSpPr>
+      <p:sp>
+        <p:nvSpPr>
+          <p:cNvPr id="2" name="Title 1"/>
+          <p:cNvSpPr>
+            <a:spLocks noGrp="1"/>
+          </p:cNvSpPr>
+          <p:nvPr>
+            <p:ph type="title"/>
+          </p:nvPr>
+        </p:nvSpPr>
+        <p:spPr/>
+        <p:txBody>
+          <a:bodyPr/>
+          <a:lstStyle/>
+          <a:p>
+            <a:r>
+              <a:rPr lang="en-AU" dirty="0" smtClean="0"/>
+              <a:t>Our Overall Approach</a:t>
+            </a:r>
+            <a:endParaRPr lang="en-AU" dirty="0"/>
+          </a:p>
+        </p:txBody>
+      </p:sp>
+      <p:sp>
+        <p:nvSpPr>
+          <p:cNvPr id="3" name="Content Placeholder 2"/>
+          <p:cNvSpPr>
+            <a:spLocks noGrp="1"/>
+          </p:cNvSpPr>
+          <p:nvPr>
+            <p:ph idx="1"/>
+          </p:nvPr>
+        </p:nvSpPr>
+        <p:spPr/>
+        <p:txBody>
+          <a:bodyPr/>
+          <a:lstStyle/>
+          <a:p>
+            <a:r>
+              <a:rPr lang="en-AU" dirty="0" smtClean="0"/>
+              <a:t>Initial idea was to split the team in half and share learnings</a:t>
+            </a:r>
+          </a:p>
+          <a:p>
+            <a:r>
+              <a:rPr lang="en-AU" dirty="0" smtClean="0"/>
+              <a:t>Team members choose what they are </a:t>
+            </a:r>
+            <a:r>
+              <a:rPr lang="en-AU" smtClean="0"/>
+              <a:t>interested in</a:t>
+            </a:r>
+            <a:endParaRPr lang="en-AU" dirty="0" smtClean="0"/>
+          </a:p>
+          <a:p>
+            <a:r>
+              <a:rPr lang="en-AU" dirty="0" smtClean="0"/>
+              <a:t>We undertook both challenges, but only Part A of Challenge 2</a:t>
+            </a:r>
+          </a:p>
+          <a:p>
+            <a:r>
+              <a:rPr lang="en-AU" dirty="0" smtClean="0"/>
+              <a:t>Learnings captured on GitHub repository wiki</a:t>
+            </a:r>
+          </a:p>
+          <a:p>
+            <a:r>
+              <a:rPr lang="en-AU" dirty="0" smtClean="0"/>
+              <a:t>Queries and tasks managed via team Slack channel</a:t>
+            </a:r>
+            <a:endParaRPr lang="en-AU" dirty="0"/>
+          </a:p>
+        </p:txBody>
+      </p:sp>
+    </p:spTree>
+    <p:extLst>
+      <p:ext uri="{BB962C8B-B14F-4D97-AF65-F5344CB8AC3E}">
+        <p14:creationId xmlns:p14="http://schemas.microsoft.com/office/powerpoint/2010/main" val="1754699648"/>
+      </p:ext>
+    </p:extLst>
+  </p:cSld>
+  <p:clrMapOvr>
+    <a:masterClrMapping/>
+  </p:clrMapOvr>
+  <mc:AlternateContent xmlns:mc="http://schemas.openxmlformats.org/markup-compatibility/2006" xmlns:p14="http://schemas.microsoft.com/office/powerpoint/2010/main">
+    <mc:Choice Requires="p14">
+      <p:transition spd="med" p14:dur="700">
+        <p:fade/>
+      </p:transition>
+    </mc:Choice>
+    <mc:Fallback xmlns="">
+      <p:transition spd="med">
+        <p:fade/>
+      </p:transition>
+    </mc:Fallback>
+  </mc:AlternateContent>
+</p:sld>
+</file>
+
+<file path=ppt/slides/slide5.xml><?xml version="1.0" encoding="utf-8"?>
+<p:sld xmlns:a="http://schemas.openxmlformats.org/drawingml/2006/main" xmlns:r="http://schemas.openxmlformats.org/officeDocument/2006/relationships" xmlns:p="http://schemas.openxmlformats.org/presentationml/2006/main">
+  <p:cSld>
+    <p:spTree>
+      <p:nvGrpSpPr>
+        <p:cNvPr id="1" name=""/>
+        <p:cNvGrpSpPr/>
+        <p:nvPr/>
+      </p:nvGrpSpPr>
+      <p:grpSpPr>
+        <a:xfrm>
+          <a:off x="0" y="0"/>
+          <a:ext cx="0" cy="0"/>
+          <a:chOff x="0" y="0"/>
+          <a:chExt cx="0" cy="0"/>
+        </a:xfrm>
+      </p:grpSpPr>
+      <p:sp>
+        <p:nvSpPr>
+          <p:cNvPr id="13" name="Title 12"/>
+          <p:cNvSpPr>
+            <a:spLocks noGrp="1"/>
+          </p:cNvSpPr>
+          <p:nvPr>
+            <p:ph type="title"/>
+          </p:nvPr>
+        </p:nvSpPr>
+        <p:spPr/>
+        <p:txBody>
+          <a:bodyPr/>
+          <a:lstStyle/>
+          <a:p>
+            <a:r>
+              <a:rPr lang="en-US" dirty="0"/>
+              <a:t>Challenge 1 – Smart Meter Data</a:t>
+            </a:r>
+          </a:p>
+        </p:txBody>
+      </p:sp>
+      <p:sp>
+        <p:nvSpPr>
+          <p:cNvPr id="14" name="Content Placeholder 13"/>
+          <p:cNvSpPr>
+            <a:spLocks noGrp="1"/>
+          </p:cNvSpPr>
+          <p:nvPr>
+            <p:ph idx="1"/>
+          </p:nvPr>
+        </p:nvSpPr>
+        <p:spPr/>
+        <p:txBody>
+          <a:bodyPr/>
+          <a:lstStyle/>
+          <a:p>
+            <a:r>
+              <a:rPr lang="en-US" dirty="0" smtClean="0"/>
+              <a:t>Approach</a:t>
+            </a:r>
+            <a:endParaRPr lang="en-US" dirty="0"/>
+          </a:p>
+          <a:p>
+            <a:r>
+              <a:rPr lang="en-US" dirty="0" smtClean="0"/>
+              <a:t>Findings</a:t>
+            </a:r>
+            <a:endParaRPr lang="en-US" dirty="0"/>
+          </a:p>
+          <a:p>
+            <a:r>
+              <a:rPr lang="en-US" dirty="0" smtClean="0"/>
+              <a:t>Key Learnings</a:t>
+            </a:r>
+            <a:endParaRPr lang="en-US" dirty="0"/>
+          </a:p>
+        </p:txBody>
+      </p:sp>
+    </p:spTree>
+    <p:extLst>
+      <p:ext uri="{BB962C8B-B14F-4D97-AF65-F5344CB8AC3E}">
+        <p14:creationId xmlns:p14="http://schemas.microsoft.com/office/powerpoint/2010/main" val="3529114326"/>
+      </p:ext>
+    </p:extLst>
+  </p:cSld>
+  <p:clrMapOvr>
+    <a:masterClrMapping/>
+  </p:clrMapOvr>
+  <mc:AlternateContent xmlns:mc="http://schemas.openxmlformats.org/markup-compatibility/2006" xmlns:p14="http://schemas.microsoft.com/office/powerpoint/2010/main">
+    <mc:Choice Requires="p14">
+      <p:transition spd="med" p14:dur="700">
+        <p:fade/>
+      </p:transition>
+    </mc:Choice>
+    <mc:Fallback xmlns="">
+      <p:transition spd="med">
+        <p:fade/>
+      </p:transition>
+    </mc:Fallback>
+  </mc:AlternateContent>
+</p:sld>
+</file>
+
+<file path=ppt/slides/slide6.xml><?xml version="1.0" encoding="utf-8"?>
+<p:sld xmlns:a="http://schemas.openxmlformats.org/drawingml/2006/main" xmlns:r="http://schemas.openxmlformats.org/officeDocument/2006/relationships" xmlns:p="http://schemas.openxmlformats.org/presentationml/2006/main">
+  <p:cSld>
+    <p:spTree>
+      <p:nvGrpSpPr>
+        <p:cNvPr id="1" name=""/>
+        <p:cNvGrpSpPr/>
+        <p:nvPr/>
+      </p:nvGrpSpPr>
+      <p:grpSpPr>
+        <a:xfrm>
+          <a:off x="0" y="0"/>
+          <a:ext cx="0" cy="0"/>
+          <a:chOff x="0" y="0"/>
+          <a:chExt cx="0" cy="0"/>
+        </a:xfrm>
+      </p:grpSpPr>
+      <p:sp>
+        <p:nvSpPr>
+          <p:cNvPr id="13" name="Title 12"/>
+          <p:cNvSpPr>
+            <a:spLocks noGrp="1"/>
+          </p:cNvSpPr>
+          <p:nvPr>
+            <p:ph type="title"/>
+          </p:nvPr>
+        </p:nvSpPr>
+        <p:spPr/>
+        <p:txBody>
+          <a:bodyPr/>
+          <a:lstStyle/>
+          <a:p>
+            <a:r>
+              <a:rPr lang="en-US" spc="-1" dirty="0">
+                <a:solidFill>
+                  <a:srgbClr val="FFFFFF"/>
+                </a:solidFill>
+                <a:uFill>
+                  <a:solidFill>
+                    <a:srgbClr val="FFFFFF"/>
+                  </a:solidFill>
+                </a:uFill>
+              </a:rPr>
+              <a:t>Our </a:t>
+            </a:r>
+            <a:r>
+              <a:rPr lang="en-US" spc="-1" dirty="0" smtClean="0">
+                <a:solidFill>
+                  <a:srgbClr val="FFFFFF"/>
+                </a:solidFill>
+                <a:uFill>
+                  <a:solidFill>
+                    <a:srgbClr val="FFFFFF"/>
+                  </a:solidFill>
+                </a:uFill>
+              </a:rPr>
+              <a:t>approach</a:t>
+            </a:r>
+            <a:endParaRPr lang="en-US" spc="-1" dirty="0">
+              <a:solidFill>
+                <a:srgbClr val="FFFFFF"/>
+              </a:solidFill>
+              <a:uFill>
+                <a:solidFill>
+                  <a:srgbClr val="FFFFFF"/>
+                </a:solidFill>
+              </a:uFill>
+            </a:endParaRPr>
+          </a:p>
+        </p:txBody>
+      </p:sp>
+      <p:sp>
+        <p:nvSpPr>
+          <p:cNvPr id="14" name="Content Placeholder 13"/>
+          <p:cNvSpPr>
+            <a:spLocks noGrp="1"/>
+          </p:cNvSpPr>
+          <p:nvPr>
+            <p:ph idx="1"/>
+          </p:nvPr>
+        </p:nvSpPr>
+        <p:spPr/>
+        <p:txBody>
+          <a:bodyPr>
+            <a:normAutofit fontScale="92500"/>
+          </a:bodyPr>
+          <a:lstStyle/>
+          <a:p>
+            <a:r>
+              <a:rPr lang="en-AU" spc="-1" dirty="0">
+                <a:solidFill>
+                  <a:srgbClr val="FFFFFF"/>
+                </a:solidFill>
+                <a:uFill>
+                  <a:solidFill>
+                    <a:srgbClr val="FFFFFF"/>
+                  </a:solidFill>
+                </a:uFill>
+                <a:latin typeface="Arial"/>
+              </a:rPr>
+              <a:t>Adrian </a:t>
+            </a:r>
+            <a:r>
+              <a:rPr lang="en-AU" spc="-1" dirty="0" smtClean="0">
+                <a:solidFill>
+                  <a:srgbClr val="FFFFFF"/>
+                </a:solidFill>
+                <a:uFill>
+                  <a:solidFill>
+                    <a:srgbClr val="FFFFFF"/>
+                  </a:solidFill>
+                </a:uFill>
+                <a:latin typeface="Arial"/>
+              </a:rPr>
+              <a:t>interested </a:t>
+            </a:r>
+            <a:r>
+              <a:rPr lang="en-AU" spc="-1" dirty="0">
+                <a:solidFill>
+                  <a:srgbClr val="FFFFFF"/>
+                </a:solidFill>
+                <a:uFill>
+                  <a:solidFill>
+                    <a:srgbClr val="FFFFFF"/>
+                  </a:solidFill>
+                </a:uFill>
+                <a:latin typeface="Arial"/>
+              </a:rPr>
+              <a:t>in time series </a:t>
+            </a:r>
+            <a:r>
+              <a:rPr lang="en-AU" spc="-1" dirty="0" smtClean="0">
+                <a:solidFill>
+                  <a:srgbClr val="FFFFFF"/>
+                </a:solidFill>
+                <a:uFill>
+                  <a:solidFill>
+                    <a:srgbClr val="FFFFFF"/>
+                  </a:solidFill>
+                </a:uFill>
+                <a:latin typeface="Arial"/>
+              </a:rPr>
+              <a:t>problems, chose challenge 1.</a:t>
+            </a:r>
+          </a:p>
+          <a:p>
+            <a:r>
+              <a:rPr lang="en-AU" spc="-1" dirty="0" smtClean="0">
+                <a:solidFill>
+                  <a:srgbClr val="FFFFFF"/>
+                </a:solidFill>
+                <a:uFill>
+                  <a:solidFill>
+                    <a:srgbClr val="FFFFFF"/>
+                  </a:solidFill>
+                </a:uFill>
+                <a:latin typeface="Arial"/>
+              </a:rPr>
+              <a:t>Understanding – explored problem, objectives and recommendations.</a:t>
+            </a:r>
+          </a:p>
+          <a:p>
+            <a:r>
+              <a:rPr lang="en-AU" spc="-1" dirty="0" smtClean="0">
+                <a:solidFill>
+                  <a:srgbClr val="FFFFFF"/>
+                </a:solidFill>
+                <a:uFill>
+                  <a:solidFill>
+                    <a:srgbClr val="FFFFFF"/>
+                  </a:solidFill>
+                </a:uFill>
+                <a:latin typeface="Arial"/>
+              </a:rPr>
+              <a:t>Research – literature and open source code for similar datasets</a:t>
+            </a:r>
+          </a:p>
+          <a:p>
+            <a:r>
+              <a:rPr lang="en-AU" spc="-1" dirty="0" smtClean="0">
+                <a:solidFill>
+                  <a:srgbClr val="FFFFFF"/>
+                </a:solidFill>
+                <a:uFill>
+                  <a:solidFill>
+                    <a:srgbClr val="FFFFFF"/>
+                  </a:solidFill>
+                </a:uFill>
+                <a:latin typeface="Arial"/>
+              </a:rPr>
+              <a:t>Data – created clean test, and train datasets</a:t>
+            </a:r>
+          </a:p>
+          <a:p>
+            <a:r>
+              <a:rPr lang="en-AU" spc="-1" dirty="0" smtClean="0">
+                <a:solidFill>
+                  <a:srgbClr val="FFFFFF"/>
+                </a:solidFill>
+                <a:uFill>
+                  <a:solidFill>
+                    <a:srgbClr val="FFFFFF"/>
+                  </a:solidFill>
+                </a:uFill>
+                <a:latin typeface="Arial"/>
+              </a:rPr>
+              <a:t>Selected RMSE metric as metric for all forecasts</a:t>
+            </a:r>
+          </a:p>
+          <a:p>
+            <a:r>
+              <a:rPr lang="en-AU" spc="-1" dirty="0" smtClean="0">
+                <a:solidFill>
+                  <a:srgbClr val="FFFFFF"/>
+                </a:solidFill>
+                <a:uFill>
+                  <a:solidFill>
+                    <a:srgbClr val="FFFFFF"/>
+                  </a:solidFill>
+                </a:uFill>
+                <a:latin typeface="Arial"/>
+              </a:rPr>
+              <a:t>Forecasting – tried 9 model types, simple though complex</a:t>
+            </a:r>
+          </a:p>
+          <a:p>
+            <a:r>
+              <a:rPr lang="en-AU" spc="-1" dirty="0" smtClean="0">
+                <a:solidFill>
+                  <a:srgbClr val="FFFFFF"/>
+                </a:solidFill>
+                <a:uFill>
+                  <a:solidFill>
+                    <a:srgbClr val="FFFFFF"/>
+                  </a:solidFill>
+                </a:uFill>
+                <a:latin typeface="Arial"/>
+              </a:rPr>
+              <a:t>Clustering – explored several methods </a:t>
+            </a:r>
+            <a:r>
+              <a:rPr lang="en-AU" spc="-1" dirty="0">
+                <a:solidFill>
+                  <a:srgbClr val="FFFFFF"/>
+                </a:solidFill>
+                <a:uFill>
+                  <a:solidFill>
+                    <a:srgbClr val="FFFFFF"/>
+                  </a:solidFill>
+                </a:uFill>
+                <a:latin typeface="Arial"/>
+              </a:rPr>
+              <a:t>– </a:t>
+            </a:r>
+            <a:r>
+              <a:rPr lang="en-AU" spc="-1" dirty="0" smtClean="0">
+                <a:solidFill>
+                  <a:srgbClr val="FFFFFF"/>
+                </a:solidFill>
+                <a:uFill>
+                  <a:solidFill>
+                    <a:srgbClr val="FFFFFF"/>
+                  </a:solidFill>
+                </a:uFill>
+                <a:latin typeface="Arial"/>
+              </a:rPr>
+              <a:t>chose </a:t>
+            </a:r>
+            <a:r>
+              <a:rPr lang="en-AU" spc="-1" dirty="0">
+                <a:solidFill>
+                  <a:srgbClr val="FFFFFF"/>
+                </a:solidFill>
+                <a:uFill>
+                  <a:solidFill>
+                    <a:srgbClr val="FFFFFF"/>
+                  </a:solidFill>
+                </a:uFill>
+                <a:latin typeface="Arial"/>
+              </a:rPr>
+              <a:t>a novel approach.</a:t>
+            </a:r>
+            <a:endParaRPr lang="en-AU" sz="2000" spc="-1" dirty="0">
+              <a:solidFill>
+                <a:srgbClr val="FFFFFF"/>
+              </a:solidFill>
+              <a:uFill>
+                <a:solidFill>
+                  <a:srgbClr val="FFFFFF"/>
+                </a:solidFill>
+              </a:uFill>
+              <a:latin typeface="Arial"/>
+            </a:endParaRPr>
+          </a:p>
+          <a:p>
+            <a:endParaRPr lang="en-AU" spc="-1" dirty="0">
+              <a:solidFill>
+                <a:srgbClr val="FFFFFF"/>
+              </a:solidFill>
+              <a:uFill>
+                <a:solidFill>
+                  <a:srgbClr val="FFFFFF"/>
+                </a:solidFill>
+              </a:uFill>
+              <a:latin typeface="Arial"/>
+            </a:endParaRPr>
+          </a:p>
+        </p:txBody>
+      </p:sp>
+    </p:spTree>
+    <p:extLst>
+      <p:ext uri="{BB962C8B-B14F-4D97-AF65-F5344CB8AC3E}">
+        <p14:creationId xmlns:p14="http://schemas.microsoft.com/office/powerpoint/2010/main" val="2827280306"/>
+      </p:ext>
+    </p:extLst>
+  </p:cSld>
+  <p:clrMapOvr>
+    <a:masterClrMapping/>
+  </p:clrMapOvr>
+  <mc:AlternateContent xmlns:mc="http://schemas.openxmlformats.org/markup-compatibility/2006" xmlns:p14="http://schemas.microsoft.com/office/powerpoint/2010/main">
+    <mc:Choice Requires="p14">
+      <p:transition spd="med" p14:dur="700">
+        <p:fade/>
+      </p:transition>
+    </mc:Choice>
+    <mc:Fallback xmlns="">
+      <p:transition spd="med">
+        <p:fade/>
+      </p:transition>
+    </mc:Fallback>
+  </mc:AlternateContent>
+</p:sld>
+</file>
+
+<file path=ppt/slides/slide7.xml><?xml version="1.0" encoding="utf-8"?>
+<p:sld xmlns:a="http://schemas.openxmlformats.org/drawingml/2006/main" xmlns:r="http://schemas.openxmlformats.org/officeDocument/2006/relationships" xmlns:p="http://schemas.openxmlformats.org/presentationml/2006/main">
+  <p:cSld>
+    <p:spTree>
+      <p:nvGrpSpPr>
+        <p:cNvPr id="1" name=""/>
+        <p:cNvGrpSpPr/>
+        <p:nvPr/>
+      </p:nvGrpSpPr>
+      <p:grpSpPr>
+        <a:xfrm>
+          <a:off x="0" y="0"/>
+          <a:ext cx="0" cy="0"/>
+          <a:chOff x="0" y="0"/>
+          <a:chExt cx="0" cy="0"/>
+        </a:xfrm>
+      </p:grpSpPr>
+      <p:sp>
+        <p:nvSpPr>
+          <p:cNvPr id="2" name="Title 1"/>
+          <p:cNvSpPr>
+            <a:spLocks noGrp="1"/>
+          </p:cNvSpPr>
+          <p:nvPr>
+            <p:ph type="title"/>
+          </p:nvPr>
+        </p:nvSpPr>
+        <p:spPr/>
+        <p:txBody>
+          <a:bodyPr/>
+          <a:lstStyle/>
+          <a:p>
+            <a:r>
+              <a:rPr lang="en-AU" dirty="0" smtClean="0"/>
+              <a:t>We found…</a:t>
+            </a:r>
+            <a:endParaRPr lang="en-AU" dirty="0"/>
+          </a:p>
+        </p:txBody>
+      </p:sp>
+      <p:sp>
+        <p:nvSpPr>
+          <p:cNvPr id="3" name="Content Placeholder 2"/>
+          <p:cNvSpPr>
+            <a:spLocks noGrp="1"/>
+          </p:cNvSpPr>
+          <p:nvPr>
+            <p:ph idx="1"/>
+          </p:nvPr>
+        </p:nvSpPr>
+        <p:spPr/>
+        <p:txBody>
+          <a:bodyPr>
+            <a:normAutofit/>
+          </a:bodyPr>
+          <a:lstStyle/>
+          <a:p>
+            <a:pPr marL="304920" indent="-304560">
+              <a:buClr>
+                <a:srgbClr val="009999"/>
+              </a:buClr>
+              <a:buFont typeface="Arial"/>
+              <a:buChar char="•"/>
+            </a:pPr>
+            <a:r>
+              <a:rPr lang="en-US" spc="-1" dirty="0" smtClean="0">
+                <a:solidFill>
+                  <a:srgbClr val="FFFFFF"/>
+                </a:solidFill>
+                <a:uFill>
+                  <a:solidFill>
+                    <a:srgbClr val="FFFFFF"/>
+                  </a:solidFill>
+                </a:uFill>
+              </a:rPr>
+              <a:t>Inconsistencies </a:t>
+            </a:r>
+            <a:r>
+              <a:rPr lang="en-US" spc="-1" dirty="0">
+                <a:solidFill>
+                  <a:srgbClr val="FFFFFF"/>
+                </a:solidFill>
+                <a:uFill>
+                  <a:solidFill>
+                    <a:srgbClr val="FFFFFF"/>
+                  </a:solidFill>
+                </a:uFill>
+              </a:rPr>
+              <a:t>in the acquisition  </a:t>
+            </a:r>
+            <a:r>
+              <a:rPr lang="en-US" spc="-1" dirty="0" smtClean="0">
+                <a:solidFill>
+                  <a:srgbClr val="FFFFFF"/>
+                </a:solidFill>
+                <a:uFill>
+                  <a:solidFill>
+                    <a:srgbClr val="FFFFFF"/>
+                  </a:solidFill>
+                </a:uFill>
+              </a:rPr>
+              <a:t>data</a:t>
+            </a:r>
+          </a:p>
+          <a:p>
+            <a:pPr marL="360" indent="0">
+              <a:buClr>
+                <a:srgbClr val="009999"/>
+              </a:buClr>
+              <a:buNone/>
+            </a:pPr>
+            <a:endParaRPr lang="en-US" spc="-1" dirty="0">
+              <a:solidFill>
+                <a:srgbClr val="FFFFFF"/>
+              </a:solidFill>
+              <a:uFill>
+                <a:solidFill>
+                  <a:srgbClr val="FFFFFF"/>
+                </a:solidFill>
+              </a:uFill>
+            </a:endParaRPr>
+          </a:p>
+          <a:p>
+            <a:pPr marL="304920" indent="-304560">
+              <a:buClr>
+                <a:srgbClr val="009999"/>
+              </a:buClr>
+              <a:buFont typeface="Arial"/>
+              <a:buChar char="•"/>
+            </a:pPr>
+            <a:r>
+              <a:rPr lang="en-US" spc="-1" dirty="0" smtClean="0">
+                <a:solidFill>
+                  <a:srgbClr val="FFFFFF"/>
+                </a:solidFill>
+                <a:uFill>
+                  <a:solidFill>
+                    <a:srgbClr val="FFFFFF"/>
+                  </a:solidFill>
+                </a:uFill>
+              </a:rPr>
+              <a:t>A </a:t>
+            </a:r>
+            <a:r>
+              <a:rPr lang="en-US" spc="-1" dirty="0">
+                <a:solidFill>
+                  <a:srgbClr val="FFFFFF"/>
+                </a:solidFill>
+                <a:uFill>
+                  <a:solidFill>
+                    <a:srgbClr val="FFFFFF"/>
+                  </a:solidFill>
+                </a:uFill>
+              </a:rPr>
+              <a:t>relationship between </a:t>
+            </a:r>
+            <a:r>
+              <a:rPr lang="en-US" spc="-1" dirty="0" smtClean="0">
+                <a:solidFill>
+                  <a:srgbClr val="FFFFFF"/>
+                </a:solidFill>
+                <a:uFill>
+                  <a:solidFill>
+                    <a:srgbClr val="FFFFFF"/>
+                  </a:solidFill>
+                </a:uFill>
+              </a:rPr>
+              <a:t>Acorn </a:t>
+            </a:r>
+            <a:r>
+              <a:rPr lang="en-US" spc="-1" dirty="0">
+                <a:solidFill>
+                  <a:srgbClr val="FFFFFF"/>
+                </a:solidFill>
+                <a:uFill>
+                  <a:solidFill>
+                    <a:srgbClr val="FFFFFF"/>
+                  </a:solidFill>
+                </a:uFill>
+              </a:rPr>
+              <a:t>groups and </a:t>
+            </a:r>
+            <a:endParaRPr lang="en-US" spc="-1" dirty="0" smtClean="0">
+              <a:solidFill>
+                <a:srgbClr val="FFFFFF"/>
+              </a:solidFill>
+              <a:uFill>
+                <a:solidFill>
+                  <a:srgbClr val="FFFFFF"/>
+                </a:solidFill>
+              </a:uFill>
+            </a:endParaRPr>
+          </a:p>
+          <a:p>
+            <a:pPr marL="360" indent="0">
+              <a:buClr>
+                <a:srgbClr val="009999"/>
+              </a:buClr>
+              <a:buNone/>
+            </a:pPr>
+            <a:r>
+              <a:rPr lang="en-US" spc="-1" dirty="0" smtClean="0">
+                <a:solidFill>
+                  <a:srgbClr val="FFFFFF"/>
+                </a:solidFill>
+                <a:uFill>
+                  <a:solidFill>
+                    <a:srgbClr val="FFFFFF"/>
+                  </a:solidFill>
+                </a:uFill>
+              </a:rPr>
+              <a:t>consumption patterns</a:t>
+            </a:r>
+          </a:p>
+          <a:p>
+            <a:pPr marL="360" indent="0">
+              <a:buClr>
+                <a:srgbClr val="009999"/>
+              </a:buClr>
+              <a:buNone/>
+            </a:pPr>
+            <a:endParaRPr lang="en-US" spc="-1" dirty="0">
+              <a:solidFill>
+                <a:srgbClr val="FFFFFF"/>
+              </a:solidFill>
+              <a:uFill>
+                <a:solidFill>
+                  <a:srgbClr val="FFFFFF"/>
+                </a:solidFill>
+              </a:uFill>
+            </a:endParaRPr>
+          </a:p>
+          <a:p>
+            <a:pPr marL="304920" indent="-304560">
+              <a:buClr>
+                <a:srgbClr val="009999"/>
+              </a:buClr>
+              <a:buFont typeface="Arial"/>
+              <a:buChar char="•"/>
+            </a:pPr>
+            <a:r>
+              <a:rPr lang="en-US" spc="-1" dirty="0">
+                <a:solidFill>
+                  <a:srgbClr val="FFFFFF"/>
+                </a:solidFill>
+                <a:uFill>
+                  <a:solidFill>
+                    <a:srgbClr val="FFFFFF"/>
+                  </a:solidFill>
+                </a:uFill>
+              </a:rPr>
+              <a:t>Several methods to </a:t>
+            </a:r>
+            <a:r>
+              <a:rPr lang="en-US" spc="-1" dirty="0" smtClean="0">
+                <a:solidFill>
+                  <a:srgbClr val="FFFFFF"/>
+                </a:solidFill>
+                <a:uFill>
+                  <a:solidFill>
+                    <a:srgbClr val="FFFFFF"/>
+                  </a:solidFill>
+                </a:uFill>
+              </a:rPr>
+              <a:t>reasonably </a:t>
+            </a:r>
+          </a:p>
+          <a:p>
+            <a:pPr marL="360" indent="0">
+              <a:buClr>
+                <a:srgbClr val="009999"/>
+              </a:buClr>
+              <a:buNone/>
+            </a:pPr>
+            <a:r>
+              <a:rPr lang="en-US" spc="-1" dirty="0" smtClean="0">
+                <a:solidFill>
+                  <a:srgbClr val="FFFFFF"/>
+                </a:solidFill>
+                <a:uFill>
+                  <a:solidFill>
+                    <a:srgbClr val="FFFFFF"/>
+                  </a:solidFill>
+                </a:uFill>
+              </a:rPr>
+              <a:t>accurately forecast </a:t>
+            </a:r>
+            <a:r>
+              <a:rPr lang="en-US" spc="-1" dirty="0">
+                <a:solidFill>
+                  <a:srgbClr val="FFFFFF"/>
+                </a:solidFill>
+                <a:uFill>
+                  <a:solidFill>
+                    <a:srgbClr val="FFFFFF"/>
+                  </a:solidFill>
+                </a:uFill>
+              </a:rPr>
+              <a:t>7 days ahead</a:t>
+            </a:r>
+          </a:p>
+          <a:p>
+            <a:endParaRPr lang="en-AU" dirty="0"/>
+          </a:p>
+        </p:txBody>
+      </p:sp>
+      <p:pic>
+        <p:nvPicPr>
+          <p:cNvPr id="4" name="Picture 3"/>
+          <p:cNvPicPr/>
+          <p:nvPr/>
+        </p:nvPicPr>
+        <p:blipFill>
+          <a:blip r:embed="rId3"/>
+          <a:stretch/>
+        </p:blipFill>
+        <p:spPr>
+          <a:xfrm>
+            <a:off x="6716825" y="12758"/>
+            <a:ext cx="5472000" cy="1694880"/>
+          </a:xfrm>
+          <a:prstGeom prst="rect">
+            <a:avLst/>
+          </a:prstGeom>
+          <a:ln>
+            <a:noFill/>
+          </a:ln>
+        </p:spPr>
+      </p:pic>
+      <p:pic>
+        <p:nvPicPr>
+          <p:cNvPr id="5" name="Picture 4"/>
+          <p:cNvPicPr/>
+          <p:nvPr/>
+        </p:nvPicPr>
+        <p:blipFill>
+          <a:blip r:embed="rId4"/>
+          <a:stretch/>
+        </p:blipFill>
+        <p:spPr>
+          <a:xfrm>
+            <a:off x="8470676" y="2060848"/>
+            <a:ext cx="3168000" cy="1985400"/>
+          </a:xfrm>
+          <a:prstGeom prst="rect">
+            <a:avLst/>
+          </a:prstGeom>
+          <a:ln>
+            <a:noFill/>
+          </a:ln>
+        </p:spPr>
+      </p:pic>
+      <p:pic>
+        <p:nvPicPr>
+          <p:cNvPr id="6" name="Picture 5"/>
+          <p:cNvPicPr/>
+          <p:nvPr/>
+        </p:nvPicPr>
+        <p:blipFill>
+          <a:blip r:embed="rId5"/>
+          <a:stretch/>
+        </p:blipFill>
+        <p:spPr>
+          <a:xfrm>
+            <a:off x="6454452" y="4653136"/>
+            <a:ext cx="5256000" cy="1946160"/>
+          </a:xfrm>
+          <a:prstGeom prst="rect">
+            <a:avLst/>
+          </a:prstGeom>
+          <a:ln>
+            <a:noFill/>
+          </a:ln>
+        </p:spPr>
+      </p:pic>
+    </p:spTree>
+    <p:extLst>
+      <p:ext uri="{BB962C8B-B14F-4D97-AF65-F5344CB8AC3E}">
+        <p14:creationId xmlns:p14="http://schemas.microsoft.com/office/powerpoint/2010/main" val="2857773575"/>
       </p:ext>
     </p:extLst>
   </p:cSld>
@@ -12908,13 +15971,7 @@
       </p:grpSpPr>
       <p:sp>
         <p:nvSpPr>
-          <p:cNvPr id="2" name="Title 1">
-            <a:extLst>
-              <a:ext uri="{FF2B5EF4-FFF2-40B4-BE49-F238E27FC236}">
-                <a16:creationId xmlns:a16="http://schemas.microsoft.com/office/drawing/2014/main" id="{118CBBA9-49D2-4262-9114-D0D47E7D522A}"/>
-              </a:ext>
-            </a:extLst>
-          </p:cNvPr>
+          <p:cNvPr id="2" name="Title 1"/>
           <p:cNvSpPr>
             <a:spLocks noGrp="1"/>
           </p:cNvSpPr>
@@ -12928,21 +15985,16 @@
           <a:lstStyle/>
           <a:p>
             <a:r>
-              <a:rPr lang="en-AU" dirty="0"/>
-              <a:t>Approach</a:t>
-            </a:r>
+              <a:rPr lang="en-AU" dirty="0" smtClean="0"/>
+              <a:t>We learnt…</a:t>
+            </a:r>
+            <a:endParaRPr lang="en-AU" dirty="0"/>
           </a:p>
         </p:txBody>
       </p:sp>
       <p:sp>
         <p:nvSpPr>
-          <p:cNvPr id="3" name="Content Placeholder 2">
-            <a:extLst>
-              <a:ext uri="{FF2B5EF4-FFF2-40B4-BE49-F238E27FC236}">
-                <a16:creationId xmlns:a16="http://schemas.microsoft.com/office/drawing/2014/main" id="{1E6F3B36-FA1C-4A44-8799-54720A510D55}"/>
-              </a:ext>
-            </a:extLst>
-          </p:cNvPr>
+          <p:cNvPr id="3" name="Content Placeholder 2"/>
           <p:cNvSpPr>
             <a:spLocks noGrp="1"/>
           </p:cNvSpPr>
@@ -12950,341 +16002,246 @@
             <p:ph idx="1"/>
           </p:nvPr>
         </p:nvSpPr>
-        <p:spPr>
-          <a:xfrm>
-            <a:off x="1218883" y="1701797"/>
-            <a:ext cx="4155449" cy="4462272"/>
-          </a:xfrm>
-        </p:spPr>
+        <p:spPr/>
         <p:txBody>
-          <a:bodyPr/>
+          <a:bodyPr>
+            <a:normAutofit fontScale="92500" lnSpcReduction="10000"/>
+          </a:bodyPr>
           <a:lstStyle/>
           <a:p>
-            <a:r>
-              <a:rPr lang="en-AU" dirty="0"/>
-              <a:t>Understand Data</a:t>
-            </a:r>
-          </a:p>
-          <a:p>
-            <a:pPr lvl="1"/>
-            <a:r>
-              <a:rPr lang="en-AU" dirty="0"/>
-              <a:t>What does it tell us?</a:t>
-            </a:r>
-          </a:p>
-        </p:txBody>
-      </p:sp>
-      <p:pic>
-        <p:nvPicPr>
-          <p:cNvPr id="6" name="Picture 5">
-            <a:extLst>
-              <a:ext uri="{FF2B5EF4-FFF2-40B4-BE49-F238E27FC236}">
-                <a16:creationId xmlns:a16="http://schemas.microsoft.com/office/drawing/2014/main" id="{B0636FC0-8732-43F6-B07E-D247F6761BF2}"/>
-              </a:ext>
-            </a:extLst>
-          </p:cNvPr>
-          <p:cNvPicPr>
-            <a:picLocks noChangeAspect="1"/>
-          </p:cNvPicPr>
-          <p:nvPr/>
-        </p:nvPicPr>
-        <p:blipFill>
-          <a:blip r:embed="rId2"/>
-          <a:stretch>
-            <a:fillRect/>
-          </a:stretch>
-        </p:blipFill>
-        <p:spPr>
-          <a:xfrm>
-            <a:off x="1151968" y="2996952"/>
-            <a:ext cx="4933950" cy="3514725"/>
-          </a:xfrm>
-          <a:prstGeom prst="rect">
-            <a:avLst/>
-          </a:prstGeom>
-        </p:spPr>
-      </p:pic>
-      <p:pic>
-        <p:nvPicPr>
-          <p:cNvPr id="7" name="Picture 6">
-            <a:extLst>
-              <a:ext uri="{FF2B5EF4-FFF2-40B4-BE49-F238E27FC236}">
-                <a16:creationId xmlns:a16="http://schemas.microsoft.com/office/drawing/2014/main" id="{DBE739BC-7545-4A28-A2A1-83C40AA0F973}"/>
-              </a:ext>
-            </a:extLst>
-          </p:cNvPr>
-          <p:cNvPicPr>
-            <a:picLocks noChangeAspect="1"/>
-          </p:cNvPicPr>
-          <p:nvPr/>
-        </p:nvPicPr>
-        <p:blipFill>
-          <a:blip r:embed="rId3"/>
-          <a:stretch>
-            <a:fillRect/>
-          </a:stretch>
-        </p:blipFill>
-        <p:spPr>
-          <a:xfrm>
-            <a:off x="6814492" y="3050218"/>
-            <a:ext cx="5029200" cy="3381375"/>
-          </a:xfrm>
-          <a:prstGeom prst="rect">
-            <a:avLst/>
-          </a:prstGeom>
-        </p:spPr>
-      </p:pic>
-      <p:sp>
-        <p:nvSpPr>
-          <p:cNvPr id="9" name="Content Placeholder 2">
-            <a:extLst>
-              <a:ext uri="{FF2B5EF4-FFF2-40B4-BE49-F238E27FC236}">
-                <a16:creationId xmlns:a16="http://schemas.microsoft.com/office/drawing/2014/main" id="{55F4540C-A796-46DC-BFE3-B3DABF5ED521}"/>
-              </a:ext>
-            </a:extLst>
-          </p:cNvPr>
-          <p:cNvSpPr txBox="1">
-            <a:spLocks/>
-          </p:cNvSpPr>
-          <p:nvPr/>
-        </p:nvSpPr>
-        <p:spPr>
-          <a:xfrm>
-            <a:off x="5158308" y="980728"/>
-            <a:ext cx="6624736" cy="1656184"/>
-          </a:xfrm>
-          <a:prstGeom prst="rect">
-            <a:avLst/>
-          </a:prstGeom>
-        </p:spPr>
-        <p:txBody>
-          <a:bodyPr vert="horz" lIns="121899" tIns="60949" rIns="121899" bIns="60949" rtlCol="0">
-            <a:normAutofit/>
-          </a:bodyPr>
-          <a:lstStyle>
-            <a:lvl1pPr marL="304747" indent="-304747" algn="l" defTabSz="1218987" rtl="0" eaLnBrk="1" latinLnBrk="0" hangingPunct="1">
-              <a:lnSpc>
-                <a:spcPct val="90000"/>
-              </a:lnSpc>
-              <a:spcBef>
-                <a:spcPts val="1600"/>
-              </a:spcBef>
-              <a:buClr>
-                <a:schemeClr val="accent1"/>
-              </a:buClr>
-              <a:buSzPct val="100000"/>
-              <a:buFont typeface="Arial" pitchFamily="34" charset="0"/>
-              <a:buChar char="•"/>
-              <a:defRPr sz="2800" kern="1200">
+            <a:endParaRPr lang="en-AU" sz="2000" spc="-1" dirty="0">
+              <a:solidFill>
+                <a:srgbClr val="FFFFFF"/>
+              </a:solidFill>
+              <a:uFill>
                 <a:solidFill>
-                  <a:schemeClr val="tx1"/>
+                  <a:srgbClr val="FFFFFF"/>
                 </a:solidFill>
-                <a:latin typeface="+mn-lt"/>
-                <a:ea typeface="+mn-ea"/>
-                <a:cs typeface="+mn-cs"/>
-              </a:defRPr>
-            </a:lvl1pPr>
-            <a:lvl2pPr marL="609493" indent="-231607" algn="l" defTabSz="1218987" rtl="0" eaLnBrk="1" latinLnBrk="0" hangingPunct="1">
-              <a:lnSpc>
-                <a:spcPct val="90000"/>
-              </a:lnSpc>
-              <a:spcBef>
-                <a:spcPts val="800"/>
-              </a:spcBef>
-              <a:buClr>
-                <a:schemeClr val="accent1"/>
-              </a:buClr>
-              <a:buSzPct val="80000"/>
-              <a:buFont typeface="Arial" pitchFamily="34" charset="0"/>
-              <a:buChar char="•"/>
-              <a:defRPr sz="2400" kern="1200">
+              </a:uFill>
+              <a:latin typeface="Arial"/>
+            </a:endParaRPr>
+          </a:p>
+          <a:p>
+            <a:r>
+              <a:rPr lang="en-AU" spc="-1" dirty="0" smtClean="0">
                 <a:solidFill>
-                  <a:schemeClr val="tx1"/>
+                  <a:srgbClr val="FFFFFF"/>
                 </a:solidFill>
-                <a:latin typeface="+mn-lt"/>
-                <a:ea typeface="+mn-ea"/>
-                <a:cs typeface="+mn-cs"/>
-              </a:defRPr>
-            </a:lvl2pPr>
-            <a:lvl3pPr marL="914240" indent="-231607" algn="l" defTabSz="1218987" rtl="0" eaLnBrk="1" latinLnBrk="0" hangingPunct="1">
-              <a:lnSpc>
-                <a:spcPct val="90000"/>
-              </a:lnSpc>
-              <a:spcBef>
-                <a:spcPts val="800"/>
-              </a:spcBef>
-              <a:buClr>
-                <a:schemeClr val="accent1"/>
-              </a:buClr>
-              <a:buSzPct val="80000"/>
-              <a:buFont typeface="Arial" pitchFamily="34" charset="0"/>
-              <a:buChar char="•"/>
-              <a:defRPr sz="2000" kern="1200">
+                <a:uFill>
+                  <a:solidFill>
+                    <a:srgbClr val="FFFFFF"/>
+                  </a:solidFill>
+                </a:uFill>
+                <a:latin typeface="Arial"/>
+              </a:rPr>
+              <a:t>Use a sample dataset first – then run on full dataset</a:t>
+            </a:r>
+          </a:p>
+          <a:p>
+            <a:r>
+              <a:rPr lang="en-AU" spc="-1" dirty="0" err="1" smtClean="0">
                 <a:solidFill>
-                  <a:schemeClr val="tx1"/>
+                  <a:srgbClr val="FFFFFF"/>
                 </a:solidFill>
-                <a:latin typeface="+mn-lt"/>
-                <a:ea typeface="+mn-ea"/>
-                <a:cs typeface="+mn-cs"/>
-              </a:defRPr>
-            </a:lvl3pPr>
-            <a:lvl4pPr marL="1218987" indent="-231607" algn="l" defTabSz="1218987" rtl="0" eaLnBrk="1" latinLnBrk="0" hangingPunct="1">
-              <a:lnSpc>
-                <a:spcPct val="90000"/>
-              </a:lnSpc>
-              <a:spcBef>
-                <a:spcPts val="800"/>
-              </a:spcBef>
-              <a:buClr>
-                <a:schemeClr val="accent1"/>
-              </a:buClr>
-              <a:buSzPct val="80000"/>
-              <a:buFont typeface="Arial" pitchFamily="34" charset="0"/>
-              <a:buChar char="•"/>
-              <a:defRPr sz="2000" kern="1200">
+                <a:uFill>
+                  <a:solidFill>
+                    <a:srgbClr val="FFFFFF"/>
+                  </a:solidFill>
+                </a:uFill>
+                <a:latin typeface="Arial"/>
+              </a:rPr>
+              <a:t>LightGBM</a:t>
+            </a:r>
+            <a:r>
+              <a:rPr lang="en-AU" spc="-1" dirty="0" smtClean="0">
                 <a:solidFill>
-                  <a:schemeClr val="tx1"/>
+                  <a:srgbClr val="FFFFFF"/>
                 </a:solidFill>
-                <a:latin typeface="+mn-lt"/>
-                <a:ea typeface="+mn-ea"/>
-                <a:cs typeface="+mn-cs"/>
-              </a:defRPr>
-            </a:lvl4pPr>
-            <a:lvl5pPr marL="1523733" indent="-231607" algn="l" defTabSz="1218987" rtl="0" eaLnBrk="1" latinLnBrk="0" hangingPunct="1">
-              <a:lnSpc>
-                <a:spcPct val="90000"/>
-              </a:lnSpc>
-              <a:spcBef>
-                <a:spcPts val="800"/>
-              </a:spcBef>
-              <a:buClr>
-                <a:schemeClr val="accent1"/>
-              </a:buClr>
-              <a:buSzPct val="80000"/>
-              <a:buFont typeface="Arial" pitchFamily="34" charset="0"/>
-              <a:buChar char="•"/>
-              <a:defRPr sz="2000" kern="1200">
+                <a:uFill>
+                  <a:solidFill>
+                    <a:srgbClr val="FFFFFF"/>
+                  </a:solidFill>
+                </a:uFill>
+                <a:latin typeface="Arial"/>
+              </a:rPr>
+              <a:t> is </a:t>
+            </a:r>
+            <a:r>
+              <a:rPr lang="en-AU" spc="-1" dirty="0">
                 <a:solidFill>
-                  <a:schemeClr val="tx1"/>
+                  <a:srgbClr val="FFFFFF"/>
                 </a:solidFill>
-                <a:latin typeface="+mn-lt"/>
-                <a:ea typeface="+mn-ea"/>
-                <a:cs typeface="+mn-cs"/>
-              </a:defRPr>
-            </a:lvl5pPr>
-            <a:lvl6pPr marL="1828480" indent="-231607" algn="l" defTabSz="1218987" rtl="0" eaLnBrk="1" latinLnBrk="0" hangingPunct="1">
-              <a:lnSpc>
-                <a:spcPct val="90000"/>
-              </a:lnSpc>
-              <a:spcBef>
-                <a:spcPts val="800"/>
-              </a:spcBef>
-              <a:buClr>
-                <a:schemeClr val="accent1"/>
-              </a:buClr>
-              <a:buSzPct val="80000"/>
-              <a:buFont typeface="Arial" pitchFamily="34" charset="0"/>
-              <a:buChar char="•"/>
-              <a:defRPr sz="2000" kern="1200">
+                <a:uFill>
+                  <a:solidFill>
+                    <a:srgbClr val="FFFFFF"/>
+                  </a:solidFill>
+                </a:uFill>
+                <a:latin typeface="Arial"/>
+              </a:rPr>
+              <a:t>robust, quick to run - good forecasting performance.</a:t>
+            </a:r>
+            <a:endParaRPr lang="en-AU" sz="2000" spc="-1" dirty="0">
+              <a:solidFill>
+                <a:srgbClr val="FFFFFF"/>
+              </a:solidFill>
+              <a:uFill>
                 <a:solidFill>
-                  <a:schemeClr val="tx1"/>
+                  <a:srgbClr val="FFFFFF"/>
                 </a:solidFill>
-                <a:latin typeface="+mn-lt"/>
-                <a:ea typeface="+mn-ea"/>
-                <a:cs typeface="+mn-cs"/>
-              </a:defRPr>
-            </a:lvl6pPr>
-            <a:lvl7pPr marL="2133227" indent="-231607" algn="l" defTabSz="1218987" rtl="0" eaLnBrk="1" latinLnBrk="0" hangingPunct="1">
-              <a:lnSpc>
-                <a:spcPct val="90000"/>
-              </a:lnSpc>
-              <a:spcBef>
-                <a:spcPts val="800"/>
-              </a:spcBef>
-              <a:buClr>
-                <a:schemeClr val="accent1"/>
-              </a:buClr>
-              <a:buSzPct val="80000"/>
-              <a:buFont typeface="Arial" pitchFamily="34" charset="0"/>
-              <a:buChar char="•"/>
-              <a:defRPr sz="2000" kern="1200">
+              </a:uFill>
+              <a:latin typeface="Arial"/>
+            </a:endParaRPr>
+          </a:p>
+          <a:p>
+            <a:endParaRPr lang="en-AU" sz="2000" spc="-1" dirty="0">
+              <a:solidFill>
+                <a:srgbClr val="FFFFFF"/>
+              </a:solidFill>
+              <a:uFill>
                 <a:solidFill>
-                  <a:schemeClr val="tx1"/>
+                  <a:srgbClr val="FFFFFF"/>
                 </a:solidFill>
-                <a:latin typeface="+mn-lt"/>
-                <a:ea typeface="+mn-ea"/>
-                <a:cs typeface="+mn-cs"/>
-              </a:defRPr>
-            </a:lvl7pPr>
-            <a:lvl8pPr marL="2437973" indent="-231607" algn="l" defTabSz="1218987" rtl="0" eaLnBrk="1" latinLnBrk="0" hangingPunct="1">
-              <a:lnSpc>
-                <a:spcPct val="90000"/>
-              </a:lnSpc>
-              <a:spcBef>
-                <a:spcPts val="800"/>
-              </a:spcBef>
-              <a:buClr>
-                <a:schemeClr val="accent1"/>
-              </a:buClr>
-              <a:buSzPct val="80000"/>
-              <a:buFont typeface="Arial" pitchFamily="34" charset="0"/>
-              <a:buChar char="•"/>
-              <a:defRPr sz="2000" kern="1200" baseline="0">
+              </a:uFill>
+              <a:latin typeface="Arial"/>
+            </a:endParaRPr>
+          </a:p>
+          <a:p>
+            <a:r>
+              <a:rPr lang="en-AU" spc="-1" dirty="0">
                 <a:solidFill>
-                  <a:schemeClr val="tx1"/>
+                  <a:srgbClr val="FFFFFF"/>
                 </a:solidFill>
-                <a:latin typeface="+mn-lt"/>
-                <a:ea typeface="+mn-ea"/>
-                <a:cs typeface="+mn-cs"/>
-              </a:defRPr>
-            </a:lvl8pPr>
-            <a:lvl9pPr marL="2742720" indent="-231607" algn="l" defTabSz="1218987" rtl="0" eaLnBrk="1" latinLnBrk="0" hangingPunct="1">
-              <a:lnSpc>
-                <a:spcPct val="90000"/>
-              </a:lnSpc>
-              <a:spcBef>
-                <a:spcPts val="800"/>
-              </a:spcBef>
-              <a:buClr>
-                <a:schemeClr val="accent1"/>
-              </a:buClr>
-              <a:buSzPct val="80000"/>
-              <a:buFont typeface="Arial" pitchFamily="34" charset="0"/>
-              <a:buChar char="•"/>
-              <a:defRPr sz="2000" kern="1200" baseline="0">
+                <a:uFill>
+                  <a:solidFill>
+                    <a:srgbClr val="FFFFFF"/>
+                  </a:solidFill>
+                </a:uFill>
+                <a:latin typeface="Arial"/>
+              </a:rPr>
+              <a:t>LSTM for forecasting half hourly data gives good results but is really slow.</a:t>
+            </a:r>
+            <a:endParaRPr lang="en-AU" sz="2000" spc="-1" dirty="0">
+              <a:solidFill>
+                <a:srgbClr val="FFFFFF"/>
+              </a:solidFill>
+              <a:uFill>
                 <a:solidFill>
-                  <a:schemeClr val="tx1"/>
+                  <a:srgbClr val="FFFFFF"/>
                 </a:solidFill>
-                <a:latin typeface="+mn-lt"/>
-                <a:ea typeface="+mn-ea"/>
-                <a:cs typeface="+mn-cs"/>
-              </a:defRPr>
-            </a:lvl9pPr>
-          </a:lstStyle>
-          <a:p>
-            <a:r>
-              <a:rPr lang="en-AU" sz="1800" dirty="0"/>
-              <a:t>Majority of installation images from 2011/2012</a:t>
-            </a:r>
-          </a:p>
-          <a:p>
-            <a:r>
-              <a:rPr lang="en-AU" sz="1800" dirty="0"/>
-              <a:t>Range of installation years begins in 2007</a:t>
-            </a:r>
-          </a:p>
-          <a:p>
-            <a:r>
-              <a:rPr lang="en-AU" sz="1800" dirty="0"/>
-              <a:t>Installation data prior to 2007 may be missing or limited in WP databases</a:t>
-            </a:r>
+              </a:uFill>
+              <a:latin typeface="Arial"/>
+            </a:endParaRPr>
+          </a:p>
+          <a:p>
+            <a:pPr marL="0" indent="0">
+              <a:buNone/>
+            </a:pPr>
+            <a:endParaRPr lang="en-AU" sz="2000" spc="-1" dirty="0">
+              <a:solidFill>
+                <a:srgbClr val="FFFFFF"/>
+              </a:solidFill>
+              <a:uFill>
+                <a:solidFill>
+                  <a:srgbClr val="FFFFFF"/>
+                </a:solidFill>
+              </a:uFill>
+              <a:latin typeface="Arial"/>
+            </a:endParaRPr>
+          </a:p>
+          <a:p>
+            <a:r>
+              <a:rPr lang="en-AU" spc="-1" dirty="0">
+                <a:solidFill>
+                  <a:srgbClr val="FFFFFF"/>
+                </a:solidFill>
+                <a:uFill>
+                  <a:solidFill>
+                    <a:srgbClr val="FFFFFF"/>
+                  </a:solidFill>
+                </a:uFill>
+                <a:latin typeface="Arial"/>
+              </a:rPr>
+              <a:t>Converting the energy consumption curves to images and using a </a:t>
+            </a:r>
+            <a:endParaRPr lang="en-AU" sz="2000" spc="-1" dirty="0">
+              <a:solidFill>
+                <a:srgbClr val="FFFFFF"/>
+              </a:solidFill>
+              <a:uFill>
+                <a:solidFill>
+                  <a:srgbClr val="FFFFFF"/>
+                </a:solidFill>
+              </a:uFill>
+              <a:latin typeface="Arial"/>
+            </a:endParaRPr>
+          </a:p>
+          <a:p>
+            <a:pPr marL="0" indent="0">
+              <a:buNone/>
+            </a:pPr>
+            <a:r>
+              <a:rPr lang="en-AU" spc="-1" dirty="0">
+                <a:solidFill>
+                  <a:srgbClr val="FFFFFF"/>
+                </a:solidFill>
+                <a:uFill>
+                  <a:solidFill>
+                    <a:srgbClr val="FFFFFF"/>
+                  </a:solidFill>
+                </a:uFill>
+                <a:latin typeface="Arial"/>
+              </a:rPr>
+              <a:t>Neural Network to cluster is relatively fast and is worth </a:t>
+            </a:r>
+            <a:r>
+              <a:rPr lang="en-AU" spc="-1" dirty="0" err="1">
+                <a:solidFill>
+                  <a:srgbClr val="FFFFFF"/>
+                </a:solidFill>
+                <a:uFill>
+                  <a:solidFill>
+                    <a:srgbClr val="FFFFFF"/>
+                  </a:solidFill>
+                </a:uFill>
+                <a:latin typeface="Arial"/>
+              </a:rPr>
+              <a:t>furhter</a:t>
+            </a:r>
+            <a:r>
+              <a:rPr lang="en-AU" spc="-1" dirty="0">
+                <a:solidFill>
+                  <a:srgbClr val="FFFFFF"/>
+                </a:solidFill>
+                <a:uFill>
+                  <a:solidFill>
+                    <a:srgbClr val="FFFFFF"/>
+                  </a:solidFill>
+                </a:uFill>
+                <a:latin typeface="Arial"/>
+              </a:rPr>
+              <a:t> exploration</a:t>
+            </a:r>
+            <a:endParaRPr lang="en-AU" sz="2000" spc="-1" dirty="0">
+              <a:solidFill>
+                <a:srgbClr val="FFFFFF"/>
+              </a:solidFill>
+              <a:uFill>
+                <a:solidFill>
+                  <a:srgbClr val="FFFFFF"/>
+                </a:solidFill>
+              </a:uFill>
+              <a:latin typeface="Arial"/>
+            </a:endParaRPr>
+          </a:p>
+          <a:p>
+            <a:endParaRPr lang="en-AU" dirty="0"/>
           </a:p>
         </p:txBody>
       </p:sp>
     </p:spTree>
     <p:extLst>
       <p:ext uri="{BB962C8B-B14F-4D97-AF65-F5344CB8AC3E}">
-        <p14:creationId xmlns:p14="http://schemas.microsoft.com/office/powerpoint/2010/main" val="3799243706"/>
+        <p14:creationId xmlns:p14="http://schemas.microsoft.com/office/powerpoint/2010/main" val="3207418471"/>
       </p:ext>
     </p:extLst>
   </p:cSld>
@@ -13325,13 +16282,7 @@
       </p:grpSpPr>
       <p:sp>
         <p:nvSpPr>
-          <p:cNvPr id="2" name="Title 1">
-            <a:extLst>
-              <a:ext uri="{FF2B5EF4-FFF2-40B4-BE49-F238E27FC236}">
-                <a16:creationId xmlns:a16="http://schemas.microsoft.com/office/drawing/2014/main" id="{118CBBA9-49D2-4262-9114-D0D47E7D522A}"/>
-              </a:ext>
-            </a:extLst>
-          </p:cNvPr>
+          <p:cNvPr id="13" name="Title 12"/>
           <p:cNvSpPr>
             <a:spLocks noGrp="1"/>
           </p:cNvSpPr>
@@ -13345,21 +16296,15 @@
           <a:lstStyle/>
           <a:p>
             <a:r>
-              <a:rPr lang="en-AU" dirty="0"/>
-              <a:t>Approach</a:t>
+              <a:rPr lang="en-US" dirty="0"/>
+              <a:t>Overview</a:t>
             </a:r>
           </a:p>
         </p:txBody>
       </p:sp>
       <p:sp>
         <p:nvSpPr>
-          <p:cNvPr id="3" name="Content Placeholder 2">
-            <a:extLst>
-              <a:ext uri="{FF2B5EF4-FFF2-40B4-BE49-F238E27FC236}">
-                <a16:creationId xmlns:a16="http://schemas.microsoft.com/office/drawing/2014/main" id="{1E6F3B36-FA1C-4A44-8799-54720A510D55}"/>
-              </a:ext>
-            </a:extLst>
-          </p:cNvPr>
+          <p:cNvPr id="14" name="Content Placeholder 13"/>
           <p:cNvSpPr>
             <a:spLocks noGrp="1"/>
           </p:cNvSpPr>
@@ -13367,379 +16312,22 @@
             <p:ph idx="1"/>
           </p:nvPr>
         </p:nvSpPr>
-        <p:spPr>
-          <a:xfrm>
-            <a:off x="1218883" y="1701797"/>
-            <a:ext cx="4155449" cy="4462272"/>
-          </a:xfrm>
-        </p:spPr>
+        <p:spPr/>
         <p:txBody>
           <a:bodyPr/>
           <a:lstStyle/>
           <a:p>
             <a:r>
-              <a:rPr lang="en-AU" dirty="0"/>
-              <a:t>Understand Data</a:t>
-            </a:r>
-          </a:p>
-          <a:p>
-            <a:pPr lvl="1"/>
-            <a:r>
-              <a:rPr lang="en-AU" dirty="0"/>
-              <a:t>How does it look?</a:t>
+              <a:rPr lang="en-US" dirty="0"/>
+              <a:t>To do</a:t>
             </a:r>
           </a:p>
         </p:txBody>
       </p:sp>
-      <p:sp>
-        <p:nvSpPr>
-          <p:cNvPr id="9" name="Content Placeholder 2">
-            <a:extLst>
-              <a:ext uri="{FF2B5EF4-FFF2-40B4-BE49-F238E27FC236}">
-                <a16:creationId xmlns:a16="http://schemas.microsoft.com/office/drawing/2014/main" id="{55F4540C-A796-46DC-BFE3-B3DABF5ED521}"/>
-              </a:ext>
-            </a:extLst>
-          </p:cNvPr>
-          <p:cNvSpPr txBox="1">
-            <a:spLocks/>
-          </p:cNvSpPr>
-          <p:nvPr/>
-        </p:nvSpPr>
-        <p:spPr>
-          <a:xfrm>
-            <a:off x="5158308" y="886618"/>
-            <a:ext cx="6624736" cy="2398366"/>
-          </a:xfrm>
-          <a:prstGeom prst="rect">
-            <a:avLst/>
-          </a:prstGeom>
-        </p:spPr>
-        <p:txBody>
-          <a:bodyPr vert="horz" lIns="121899" tIns="60949" rIns="121899" bIns="60949" rtlCol="0">
-            <a:normAutofit fontScale="92500"/>
-          </a:bodyPr>
-          <a:lstStyle>
-            <a:lvl1pPr marL="304747" indent="-304747" algn="l" defTabSz="1218987" rtl="0" eaLnBrk="1" latinLnBrk="0" hangingPunct="1">
-              <a:lnSpc>
-                <a:spcPct val="90000"/>
-              </a:lnSpc>
-              <a:spcBef>
-                <a:spcPts val="1600"/>
-              </a:spcBef>
-              <a:buClr>
-                <a:schemeClr val="accent1"/>
-              </a:buClr>
-              <a:buSzPct val="100000"/>
-              <a:buFont typeface="Arial" pitchFamily="34" charset="0"/>
-              <a:buChar char="•"/>
-              <a:defRPr sz="2800" kern="1200">
-                <a:solidFill>
-                  <a:schemeClr val="tx1"/>
-                </a:solidFill>
-                <a:latin typeface="+mn-lt"/>
-                <a:ea typeface="+mn-ea"/>
-                <a:cs typeface="+mn-cs"/>
-              </a:defRPr>
-            </a:lvl1pPr>
-            <a:lvl2pPr marL="609493" indent="-231607" algn="l" defTabSz="1218987" rtl="0" eaLnBrk="1" latinLnBrk="0" hangingPunct="1">
-              <a:lnSpc>
-                <a:spcPct val="90000"/>
-              </a:lnSpc>
-              <a:spcBef>
-                <a:spcPts val="800"/>
-              </a:spcBef>
-              <a:buClr>
-                <a:schemeClr val="accent1"/>
-              </a:buClr>
-              <a:buSzPct val="80000"/>
-              <a:buFont typeface="Arial" pitchFamily="34" charset="0"/>
-              <a:buChar char="•"/>
-              <a:defRPr sz="2400" kern="1200">
-                <a:solidFill>
-                  <a:schemeClr val="tx1"/>
-                </a:solidFill>
-                <a:latin typeface="+mn-lt"/>
-                <a:ea typeface="+mn-ea"/>
-                <a:cs typeface="+mn-cs"/>
-              </a:defRPr>
-            </a:lvl2pPr>
-            <a:lvl3pPr marL="914240" indent="-231607" algn="l" defTabSz="1218987" rtl="0" eaLnBrk="1" latinLnBrk="0" hangingPunct="1">
-              <a:lnSpc>
-                <a:spcPct val="90000"/>
-              </a:lnSpc>
-              <a:spcBef>
-                <a:spcPts val="800"/>
-              </a:spcBef>
-              <a:buClr>
-                <a:schemeClr val="accent1"/>
-              </a:buClr>
-              <a:buSzPct val="80000"/>
-              <a:buFont typeface="Arial" pitchFamily="34" charset="0"/>
-              <a:buChar char="•"/>
-              <a:defRPr sz="2000" kern="1200">
-                <a:solidFill>
-                  <a:schemeClr val="tx1"/>
-                </a:solidFill>
-                <a:latin typeface="+mn-lt"/>
-                <a:ea typeface="+mn-ea"/>
-                <a:cs typeface="+mn-cs"/>
-              </a:defRPr>
-            </a:lvl3pPr>
-            <a:lvl4pPr marL="1218987" indent="-231607" algn="l" defTabSz="1218987" rtl="0" eaLnBrk="1" latinLnBrk="0" hangingPunct="1">
-              <a:lnSpc>
-                <a:spcPct val="90000"/>
-              </a:lnSpc>
-              <a:spcBef>
-                <a:spcPts val="800"/>
-              </a:spcBef>
-              <a:buClr>
-                <a:schemeClr val="accent1"/>
-              </a:buClr>
-              <a:buSzPct val="80000"/>
-              <a:buFont typeface="Arial" pitchFamily="34" charset="0"/>
-              <a:buChar char="•"/>
-              <a:defRPr sz="2000" kern="1200">
-                <a:solidFill>
-                  <a:schemeClr val="tx1"/>
-                </a:solidFill>
-                <a:latin typeface="+mn-lt"/>
-                <a:ea typeface="+mn-ea"/>
-                <a:cs typeface="+mn-cs"/>
-              </a:defRPr>
-            </a:lvl4pPr>
-            <a:lvl5pPr marL="1523733" indent="-231607" algn="l" defTabSz="1218987" rtl="0" eaLnBrk="1" latinLnBrk="0" hangingPunct="1">
-              <a:lnSpc>
-                <a:spcPct val="90000"/>
-              </a:lnSpc>
-              <a:spcBef>
-                <a:spcPts val="800"/>
-              </a:spcBef>
-              <a:buClr>
-                <a:schemeClr val="accent1"/>
-              </a:buClr>
-              <a:buSzPct val="80000"/>
-              <a:buFont typeface="Arial" pitchFamily="34" charset="0"/>
-              <a:buChar char="•"/>
-              <a:defRPr sz="2000" kern="1200">
-                <a:solidFill>
-                  <a:schemeClr val="tx1"/>
-                </a:solidFill>
-                <a:latin typeface="+mn-lt"/>
-                <a:ea typeface="+mn-ea"/>
-                <a:cs typeface="+mn-cs"/>
-              </a:defRPr>
-            </a:lvl5pPr>
-            <a:lvl6pPr marL="1828480" indent="-231607" algn="l" defTabSz="1218987" rtl="0" eaLnBrk="1" latinLnBrk="0" hangingPunct="1">
-              <a:lnSpc>
-                <a:spcPct val="90000"/>
-              </a:lnSpc>
-              <a:spcBef>
-                <a:spcPts val="800"/>
-              </a:spcBef>
-              <a:buClr>
-                <a:schemeClr val="accent1"/>
-              </a:buClr>
-              <a:buSzPct val="80000"/>
-              <a:buFont typeface="Arial" pitchFamily="34" charset="0"/>
-              <a:buChar char="•"/>
-              <a:defRPr sz="2000" kern="1200">
-                <a:solidFill>
-                  <a:schemeClr val="tx1"/>
-                </a:solidFill>
-                <a:latin typeface="+mn-lt"/>
-                <a:ea typeface="+mn-ea"/>
-                <a:cs typeface="+mn-cs"/>
-              </a:defRPr>
-            </a:lvl6pPr>
-            <a:lvl7pPr marL="2133227" indent="-231607" algn="l" defTabSz="1218987" rtl="0" eaLnBrk="1" latinLnBrk="0" hangingPunct="1">
-              <a:lnSpc>
-                <a:spcPct val="90000"/>
-              </a:lnSpc>
-              <a:spcBef>
-                <a:spcPts val="800"/>
-              </a:spcBef>
-              <a:buClr>
-                <a:schemeClr val="accent1"/>
-              </a:buClr>
-              <a:buSzPct val="80000"/>
-              <a:buFont typeface="Arial" pitchFamily="34" charset="0"/>
-              <a:buChar char="•"/>
-              <a:defRPr sz="2000" kern="1200">
-                <a:solidFill>
-                  <a:schemeClr val="tx1"/>
-                </a:solidFill>
-                <a:latin typeface="+mn-lt"/>
-                <a:ea typeface="+mn-ea"/>
-                <a:cs typeface="+mn-cs"/>
-              </a:defRPr>
-            </a:lvl7pPr>
-            <a:lvl8pPr marL="2437973" indent="-231607" algn="l" defTabSz="1218987" rtl="0" eaLnBrk="1" latinLnBrk="0" hangingPunct="1">
-              <a:lnSpc>
-                <a:spcPct val="90000"/>
-              </a:lnSpc>
-              <a:spcBef>
-                <a:spcPts val="800"/>
-              </a:spcBef>
-              <a:buClr>
-                <a:schemeClr val="accent1"/>
-              </a:buClr>
-              <a:buSzPct val="80000"/>
-              <a:buFont typeface="Arial" pitchFamily="34" charset="0"/>
-              <a:buChar char="•"/>
-              <a:defRPr sz="2000" kern="1200" baseline="0">
-                <a:solidFill>
-                  <a:schemeClr val="tx1"/>
-                </a:solidFill>
-                <a:latin typeface="+mn-lt"/>
-                <a:ea typeface="+mn-ea"/>
-                <a:cs typeface="+mn-cs"/>
-              </a:defRPr>
-            </a:lvl8pPr>
-            <a:lvl9pPr marL="2742720" indent="-231607" algn="l" defTabSz="1218987" rtl="0" eaLnBrk="1" latinLnBrk="0" hangingPunct="1">
-              <a:lnSpc>
-                <a:spcPct val="90000"/>
-              </a:lnSpc>
-              <a:spcBef>
-                <a:spcPts val="800"/>
-              </a:spcBef>
-              <a:buClr>
-                <a:schemeClr val="accent1"/>
-              </a:buClr>
-              <a:buSzPct val="80000"/>
-              <a:buFont typeface="Arial" pitchFamily="34" charset="0"/>
-              <a:buChar char="•"/>
-              <a:defRPr sz="2000" kern="1200" baseline="0">
-                <a:solidFill>
-                  <a:schemeClr val="tx1"/>
-                </a:solidFill>
-                <a:latin typeface="+mn-lt"/>
-                <a:ea typeface="+mn-ea"/>
-                <a:cs typeface="+mn-cs"/>
-              </a:defRPr>
-            </a:lvl9pPr>
-          </a:lstStyle>
-          <a:p>
-            <a:r>
-              <a:rPr lang="en-AU" sz="1600" dirty="0"/>
-              <a:t>Most images are 400px x 400px (square). Useful for batch normalisation.</a:t>
-            </a:r>
-          </a:p>
-          <a:p>
-            <a:r>
-              <a:rPr lang="en-AU" sz="1600" dirty="0"/>
-              <a:t>Larger images up </a:t>
-            </a:r>
-            <a:r>
-              <a:rPr lang="en-AU" sz="1600"/>
-              <a:t>to 6000px </a:t>
-            </a:r>
-            <a:r>
-              <a:rPr lang="en-AU" sz="1600" dirty="0"/>
-              <a:t>are likely to create issues when resized to the model’s standard resolutions of 224px or 299px (square).</a:t>
-            </a:r>
-          </a:p>
-          <a:p>
-            <a:r>
-              <a:rPr lang="en-AU" sz="1600" dirty="0"/>
-              <a:t>Not all images are square (</a:t>
-            </a:r>
-            <a:r>
-              <a:rPr lang="en-AU" sz="1600" i="1" dirty="0"/>
-              <a:t>n</a:t>
-            </a:r>
-            <a:r>
-              <a:rPr lang="en-AU" sz="1600" dirty="0"/>
-              <a:t> px by </a:t>
-            </a:r>
-            <a:r>
-              <a:rPr lang="en-AU" sz="1600" i="1" dirty="0"/>
-              <a:t>n</a:t>
-            </a:r>
-            <a:r>
-              <a:rPr lang="en-AU" sz="1600" dirty="0"/>
-              <a:t> px). May require segmentation and to be placed into a subset (</a:t>
-            </a:r>
-            <a:r>
-              <a:rPr lang="en-AU" sz="1600" b="1" dirty="0"/>
-              <a:t>not implemented in model</a:t>
-            </a:r>
-            <a:r>
-              <a:rPr lang="en-AU" sz="1600" dirty="0"/>
-              <a:t>).</a:t>
-            </a:r>
-          </a:p>
-          <a:p>
-            <a:r>
-              <a:rPr lang="en-AU" sz="1600" dirty="0"/>
-              <a:t>Images are assumed to all be top-down aerial imagery, however it is noted that not all images are taken from the same height. This is particularly visible in images that are not the standard 400x400px resolution.</a:t>
-            </a:r>
-          </a:p>
-        </p:txBody>
-      </p:sp>
-      <p:pic>
-        <p:nvPicPr>
-          <p:cNvPr id="5" name="Picture 4">
-            <a:extLst>
-              <a:ext uri="{FF2B5EF4-FFF2-40B4-BE49-F238E27FC236}">
-                <a16:creationId xmlns:a16="http://schemas.microsoft.com/office/drawing/2014/main" id="{8CE529A0-F393-4416-8C0C-29777CE93EFE}"/>
-              </a:ext>
-            </a:extLst>
-          </p:cNvPr>
-          <p:cNvPicPr>
-            <a:picLocks noChangeAspect="1"/>
-          </p:cNvPicPr>
-          <p:nvPr/>
-        </p:nvPicPr>
-        <p:blipFill>
-          <a:blip r:embed="rId2"/>
-          <a:stretch>
-            <a:fillRect/>
-          </a:stretch>
-        </p:blipFill>
-        <p:spPr>
-          <a:xfrm>
-            <a:off x="982032" y="3429000"/>
-            <a:ext cx="4629150" cy="3181350"/>
-          </a:xfrm>
-          <a:prstGeom prst="rect">
-            <a:avLst/>
-          </a:prstGeom>
-        </p:spPr>
-      </p:pic>
-      <p:pic>
-        <p:nvPicPr>
-          <p:cNvPr id="8" name="Picture 7">
-            <a:extLst>
-              <a:ext uri="{FF2B5EF4-FFF2-40B4-BE49-F238E27FC236}">
-                <a16:creationId xmlns:a16="http://schemas.microsoft.com/office/drawing/2014/main" id="{0FBC03D0-87FA-4CDE-8704-5071F2C850AC}"/>
-              </a:ext>
-            </a:extLst>
-          </p:cNvPr>
-          <p:cNvPicPr>
-            <a:picLocks noChangeAspect="1"/>
-          </p:cNvPicPr>
-          <p:nvPr/>
-        </p:nvPicPr>
-        <p:blipFill>
-          <a:blip r:embed="rId3"/>
-          <a:stretch>
-            <a:fillRect/>
-          </a:stretch>
-        </p:blipFill>
-        <p:spPr>
-          <a:xfrm>
-            <a:off x="5611182" y="3388215"/>
-            <a:ext cx="4591050" cy="3248025"/>
-          </a:xfrm>
-          <a:prstGeom prst="rect">
-            <a:avLst/>
-          </a:prstGeom>
-        </p:spPr>
-      </p:pic>
     </p:spTree>
     <p:extLst>
       <p:ext uri="{BB962C8B-B14F-4D97-AF65-F5344CB8AC3E}">
-        <p14:creationId xmlns:p14="http://schemas.microsoft.com/office/powerpoint/2010/main" val="2803354371"/>
+        <p14:creationId xmlns:p14="http://schemas.microsoft.com/office/powerpoint/2010/main" val="820411689"/>
       </p:ext>
     </p:extLst>
   </p:cSld>
@@ -14848,15 +17436,6 @@
 </file>
 
 <file path=customXml/item2.xml><?xml version="1.0" encoding="utf-8"?>
-<?mso-contentType ?>
-<FormTemplates xmlns="http://schemas.microsoft.com/sharepoint/v3/contenttype/forms">
-  <Display>DocumentLibraryForm</Display>
-  <Edit>AssetEditForm</Edit>
-  <New>DocumentLibraryForm</New>
-</FormTemplates>
-</file>
-
-<file path=customXml/item3.xml><?xml version="1.0" encoding="utf-8"?>
 <ct:contentTypeSchema xmlns:ct="http://schemas.microsoft.com/office/2006/metadata/contentType" xmlns:ma="http://schemas.microsoft.com/office/2006/metadata/properties/metaAttributes" ct:_="" ma:_="" ma:contentTypeName="TemplateFile" ma:contentTypeID="0x0101006EDDDB5EE6D98C44930B742096920B300400F5B6D36B3EF94B4E9A635CDF2A18F5B8" ma:contentTypeVersion="72" ma:contentTypeDescription="Create a new document." ma:contentTypeScope="" ma:versionID="a23e56308344d904b51738559c3d67c9">
   <xsd:schema xmlns:xsd="http://www.w3.org/2001/XMLSchema" xmlns:xs="http://www.w3.org/2001/XMLSchema" xmlns:p="http://schemas.microsoft.com/office/2006/metadata/properties" xmlns:ns2="4873beb7-5857-4685-be1f-d57550cc96cc" targetNamespace="http://schemas.microsoft.com/office/2006/metadata/properties" ma:root="true" ma:fieldsID="cd0908cc4600e77bf5da051303e00c8d" ns2:_="">
     <xsd:import namespace="4873beb7-5857-4685-be1f-d57550cc96cc"/>
@@ -15896,6 +18475,15 @@
 </ct:contentTypeSchema>
 </file>
 
+<file path=customXml/item3.xml><?xml version="1.0" encoding="utf-8"?>
+<?mso-contentType ?>
+<FormTemplates xmlns="http://schemas.microsoft.com/sharepoint/v3/contenttype/forms">
+  <Display>DocumentLibraryForm</Display>
+  <Edit>AssetEditForm</Edit>
+  <New>DocumentLibraryForm</New>
+</FormTemplates>
+</file>
+
 <file path=customXml/itemProps1.xml><?xml version="1.0" encoding="utf-8"?>
 <ds:datastoreItem xmlns:ds="http://schemas.openxmlformats.org/officeDocument/2006/customXml" ds:itemID="{60C67BEE-D13F-4BD2-98A5-34D8A0977F68}">
   <ds:schemaRefs>
@@ -15913,14 +18501,6 @@
 </file>
 
 <file path=customXml/itemProps2.xml><?xml version="1.0" encoding="utf-8"?>
-<ds:datastoreItem xmlns:ds="http://schemas.openxmlformats.org/officeDocument/2006/customXml" ds:itemID="{3836F65B-1B07-41EE-A0E8-BC6EF3855225}">
-  <ds:schemaRefs>
-    <ds:schemaRef ds:uri="http://schemas.microsoft.com/sharepoint/v3/contenttype/forms"/>
-  </ds:schemaRefs>
-</ds:datastoreItem>
-</file>
-
-<file path=customXml/itemProps3.xml><?xml version="1.0" encoding="utf-8"?>
 <ds:datastoreItem xmlns:ds="http://schemas.openxmlformats.org/officeDocument/2006/customXml" ds:itemID="{A09BF4D4-EF60-4196-BFC3-9462D607978C}">
   <ds:schemaRefs>
     <ds:schemaRef ds:uri="http://schemas.microsoft.com/office/2006/metadata/contentType"/>
@@ -15936,4 +18516,12 @@
     <ds:schemaRef ds:uri="http://schemas.microsoft.com/internal/obd"/>
   </ds:schemaRefs>
 </ds:datastoreItem>
+</file>
+
+<file path=customXml/itemProps3.xml><?xml version="1.0" encoding="utf-8"?>
+<ds:datastoreItem xmlns:ds="http://schemas.openxmlformats.org/officeDocument/2006/customXml" ds:itemID="{3836F65B-1B07-41EE-A0E8-BC6EF3855225}">
+  <ds:schemaRefs>
+    <ds:schemaRef ds:uri="http://schemas.microsoft.com/sharepoint/v3/contenttype/forms"/>
+  </ds:schemaRefs>
+</ds:datastoreItem>
 </file>
--- a/Western Power Hack-a-Gig Presentation.pptx
+++ b/Western Power Hack-a-Gig Presentation.pptx
@@ -5,10 +5,10 @@
     <p:sldMasterId id="2147483660" r:id="rId4"/>
   </p:sldMasterIdLst>
   <p:notesMasterIdLst>
-    <p:notesMasterId r:id="rId31"/>
+    <p:notesMasterId r:id="rId30"/>
   </p:notesMasterIdLst>
   <p:handoutMasterIdLst>
-    <p:handoutMasterId r:id="rId32"/>
+    <p:handoutMasterId r:id="rId31"/>
   </p:handoutMasterIdLst>
   <p:sldIdLst>
     <p:sldId id="257" r:id="rId5"/>
@@ -19,24 +19,23 @@
     <p:sldId id="287" r:id="rId10"/>
     <p:sldId id="288" r:id="rId11"/>
     <p:sldId id="289" r:id="rId12"/>
-    <p:sldId id="269" r:id="rId13"/>
-    <p:sldId id="259" r:id="rId14"/>
-    <p:sldId id="262" r:id="rId15"/>
-    <p:sldId id="263" r:id="rId16"/>
-    <p:sldId id="270" r:id="rId17"/>
-    <p:sldId id="271" r:id="rId18"/>
-    <p:sldId id="272" r:id="rId19"/>
-    <p:sldId id="273" r:id="rId20"/>
-    <p:sldId id="274" r:id="rId21"/>
-    <p:sldId id="275" r:id="rId22"/>
-    <p:sldId id="276" r:id="rId23"/>
-    <p:sldId id="282" r:id="rId24"/>
-    <p:sldId id="278" r:id="rId25"/>
-    <p:sldId id="286" r:id="rId26"/>
-    <p:sldId id="283" r:id="rId27"/>
-    <p:sldId id="279" r:id="rId28"/>
-    <p:sldId id="280" r:id="rId29"/>
-    <p:sldId id="281" r:id="rId30"/>
+    <p:sldId id="259" r:id="rId13"/>
+    <p:sldId id="262" r:id="rId14"/>
+    <p:sldId id="263" r:id="rId15"/>
+    <p:sldId id="270" r:id="rId16"/>
+    <p:sldId id="271" r:id="rId17"/>
+    <p:sldId id="272" r:id="rId18"/>
+    <p:sldId id="273" r:id="rId19"/>
+    <p:sldId id="274" r:id="rId20"/>
+    <p:sldId id="275" r:id="rId21"/>
+    <p:sldId id="276" r:id="rId22"/>
+    <p:sldId id="282" r:id="rId23"/>
+    <p:sldId id="278" r:id="rId24"/>
+    <p:sldId id="286" r:id="rId25"/>
+    <p:sldId id="283" r:id="rId26"/>
+    <p:sldId id="279" r:id="rId27"/>
+    <p:sldId id="280" r:id="rId28"/>
+    <p:sldId id="281" r:id="rId29"/>
   </p:sldIdLst>
   <p:sldSz cx="12188825" cy="6858000"/>
   <p:notesSz cx="6858000" cy="9144000"/>
@@ -3965,7 +3964,7 @@
           <a:p>
             <a:fld id="{FE5B4EDC-59C0-49C7-8ADA-5A781B329E02}" type="datetimeFigureOut">
               <a:rPr lang="en-US"/>
-              <a:t>11/1/2018</a:t>
+              <a:t>11/2/2018</a:t>
             </a:fld>
             <a:endParaRPr/>
           </a:p>
@@ -4130,7 +4129,7 @@
           <a:p>
             <a:fld id="{F2D8D46A-B586-417D-BFBD-8C8FE0AAF762}" type="datetimeFigureOut">
               <a:rPr lang="en-US"/>
-              <a:t>11/1/2018</a:t>
+              <a:t>11/2/2018</a:t>
             </a:fld>
             <a:endParaRPr/>
           </a:p>
@@ -5692,7 +5691,7 @@
           <a:p>
             <a:fld id="{F0DFD029-FB74-4578-B929-F66AA97659CA}" type="datetimeFigureOut">
               <a:rPr lang="en-US"/>
-              <a:t>11/1/2018</a:t>
+              <a:t>11/2/2018</a:t>
             </a:fld>
             <a:endParaRPr/>
           </a:p>
@@ -5890,7 +5889,7 @@
           <a:p>
             <a:fld id="{F0DFD029-FB74-4578-B929-F66AA97659CA}" type="datetimeFigureOut">
               <a:rPr lang="en-US"/>
-              <a:t>11/1/2018</a:t>
+              <a:t>11/2/2018</a:t>
             </a:fld>
             <a:endParaRPr/>
           </a:p>
@@ -6098,7 +6097,7 @@
           <a:p>
             <a:fld id="{F0DFD029-FB74-4578-B929-F66AA97659CA}" type="datetimeFigureOut">
               <a:rPr lang="en-US"/>
-              <a:t>11/1/2018</a:t>
+              <a:t>11/2/2018</a:t>
             </a:fld>
             <a:endParaRPr/>
           </a:p>
@@ -6296,7 +6295,7 @@
           <a:p>
             <a:fld id="{F0DFD029-FB74-4578-B929-F66AA97659CA}" type="datetimeFigureOut">
               <a:rPr lang="en-US"/>
-              <a:t>11/1/2018</a:t>
+              <a:t>11/2/2018</a:t>
             </a:fld>
             <a:endParaRPr/>
           </a:p>
@@ -6728,7 +6727,7 @@
           <a:p>
             <a:fld id="{F0DFD029-FB74-4578-B929-F66AA97659CA}" type="datetimeFigureOut">
               <a:rPr lang="en-US"/>
-              <a:t>11/1/2018</a:t>
+              <a:t>11/2/2018</a:t>
             </a:fld>
             <a:endParaRPr/>
           </a:p>
@@ -7032,7 +7031,7 @@
           <a:p>
             <a:fld id="{F0DFD029-FB74-4578-B929-F66AA97659CA}" type="datetimeFigureOut">
               <a:rPr lang="en-US"/>
-              <a:t>11/1/2018</a:t>
+              <a:t>11/2/2018</a:t>
             </a:fld>
             <a:endParaRPr/>
           </a:p>
@@ -7488,7 +7487,7 @@
           <a:p>
             <a:fld id="{F0DFD029-FB74-4578-B929-F66AA97659CA}" type="datetimeFigureOut">
               <a:rPr lang="en-US"/>
-              <a:t>11/1/2018</a:t>
+              <a:t>11/2/2018</a:t>
             </a:fld>
             <a:endParaRPr/>
           </a:p>
@@ -7618,7 +7617,7 @@
           <a:p>
             <a:fld id="{F0DFD029-FB74-4578-B929-F66AA97659CA}" type="datetimeFigureOut">
               <a:rPr lang="en-US"/>
-              <a:t>11/1/2018</a:t>
+              <a:t>11/2/2018</a:t>
             </a:fld>
             <a:endParaRPr/>
           </a:p>
@@ -7725,7 +7724,7 @@
           <a:p>
             <a:fld id="{F0DFD029-FB74-4578-B929-F66AA97659CA}" type="datetimeFigureOut">
               <a:rPr lang="en-US"/>
-              <a:t>11/1/2018</a:t>
+              <a:t>11/2/2018</a:t>
             </a:fld>
             <a:endParaRPr/>
           </a:p>
@@ -8024,7 +8023,7 @@
           <a:p>
             <a:fld id="{F0DFD029-FB74-4578-B929-F66AA97659CA}" type="datetimeFigureOut">
               <a:rPr lang="en-US"/>
-              <a:t>11/1/2018</a:t>
+              <a:t>11/2/2018</a:t>
             </a:fld>
             <a:endParaRPr/>
           </a:p>
@@ -8312,7 +8311,7 @@
           <a:p>
             <a:fld id="{F0DFD029-FB74-4578-B929-F66AA97659CA}" type="datetimeFigureOut">
               <a:rPr lang="en-US"/>
-              <a:t>11/1/2018</a:t>
+              <a:t>11/2/2018</a:t>
             </a:fld>
             <a:endParaRPr/>
           </a:p>
@@ -8935,7 +8934,7 @@
             <a:fld id="{F0DFD029-FB74-4578-B929-F66AA97659CA}" type="datetimeFigureOut">
               <a:rPr lang="en-US"/>
               <a:pPr/>
-              <a:t>11/1/2018</a:t>
+              <a:t>11/2/2018</a:t>
             </a:fld>
             <a:endParaRPr/>
           </a:p>
@@ -9469,7 +9468,7 @@
           <p:cNvPr id="6" name="Rectangle 5">
             <a:extLst>
               <a:ext uri="{FF2B5EF4-FFF2-40B4-BE49-F238E27FC236}">
-                <a16:creationId xmlns:a16="http://schemas.microsoft.com/office/drawing/2014/main" xmlns="" id="{B00556E9-6BE7-4FBC-BF96-86696EEE03F8}"/>
+                <a16:creationId xmlns="" xmlns:a16="http://schemas.microsoft.com/office/drawing/2014/main" id="{B00556E9-6BE7-4FBC-BF96-86696EEE03F8}"/>
               </a:ext>
             </a:extLst>
           </p:cNvPr>
@@ -9515,7 +9514,7 @@
           <p:cNvPr id="8" name="Picture 7">
             <a:extLst>
               <a:ext uri="{FF2B5EF4-FFF2-40B4-BE49-F238E27FC236}">
-                <a16:creationId xmlns:a16="http://schemas.microsoft.com/office/drawing/2014/main" xmlns="" id="{844222BE-707C-453A-A140-8569DFCD4664}"/>
+                <a16:creationId xmlns="" xmlns:a16="http://schemas.microsoft.com/office/drawing/2014/main" id="{844222BE-707C-453A-A140-8569DFCD4664}"/>
               </a:ext>
             </a:extLst>
           </p:cNvPr>
@@ -9551,7 +9550,7 @@
           <p:cNvPr id="4" name="Picture 3">
             <a:extLst>
               <a:ext uri="{FF2B5EF4-FFF2-40B4-BE49-F238E27FC236}">
-                <a16:creationId xmlns:a16="http://schemas.microsoft.com/office/drawing/2014/main" xmlns="" id="{61C71974-9754-43FD-8E8E-35E616625CF2}"/>
+                <a16:creationId xmlns="" xmlns:a16="http://schemas.microsoft.com/office/drawing/2014/main" id="{61C71974-9754-43FD-8E8E-35E616625CF2}"/>
               </a:ext>
             </a:extLst>
           </p:cNvPr>
@@ -9626,103 +9625,6 @@
       </p:grpSpPr>
       <p:sp>
         <p:nvSpPr>
-          <p:cNvPr id="4" name="Title 3"/>
-          <p:cNvSpPr>
-            <a:spLocks noGrp="1"/>
-          </p:cNvSpPr>
-          <p:nvPr>
-            <p:ph type="title"/>
-          </p:nvPr>
-        </p:nvSpPr>
-        <p:spPr/>
-        <p:txBody>
-          <a:bodyPr/>
-          <a:lstStyle/>
-          <a:p>
-            <a:r>
-              <a:rPr lang="en-US" dirty="0"/>
-              <a:t>Challenge 2</a:t>
-            </a:r>
-          </a:p>
-        </p:txBody>
-      </p:sp>
-      <p:sp>
-        <p:nvSpPr>
-          <p:cNvPr id="5" name="Text Placeholder 4"/>
-          <p:cNvSpPr>
-            <a:spLocks noGrp="1"/>
-          </p:cNvSpPr>
-          <p:nvPr>
-            <p:ph type="body" idx="1"/>
-          </p:nvPr>
-        </p:nvSpPr>
-        <p:spPr/>
-        <p:txBody>
-          <a:bodyPr>
-            <a:normAutofit lnSpcReduction="10000"/>
-          </a:bodyPr>
-          <a:lstStyle/>
-          <a:p>
-            <a:r>
-              <a:rPr lang="en-US" dirty="0"/>
-              <a:t>Photovoltaic generation</a:t>
-            </a:r>
-          </a:p>
-          <a:p>
-            <a:endParaRPr lang="en-US" dirty="0"/>
-          </a:p>
-          <a:p>
-            <a:r>
-              <a:rPr lang="en-US" dirty="0"/>
-              <a:t>PART A - Detection</a:t>
-            </a:r>
-          </a:p>
-        </p:txBody>
-      </p:sp>
-    </p:spTree>
-    <p:extLst>
-      <p:ext uri="{BB962C8B-B14F-4D97-AF65-F5344CB8AC3E}">
-        <p14:creationId xmlns:p14="http://schemas.microsoft.com/office/powerpoint/2010/main" val="4264977537"/>
-      </p:ext>
-    </p:extLst>
-  </p:cSld>
-  <p:clrMapOvr>
-    <a:masterClrMapping/>
-  </p:clrMapOvr>
-  <mc:AlternateContent xmlns:mc="http://schemas.openxmlformats.org/markup-compatibility/2006" xmlns:p14="http://schemas.microsoft.com/office/powerpoint/2010/main">
-    <mc:Choice Requires="p14">
-      <p:transition spd="med" p14:dur="700">
-        <p:fade/>
-      </p:transition>
-    </mc:Choice>
-    <mc:Fallback xmlns="">
-      <p:transition spd="med">
-        <p:fade/>
-      </p:transition>
-    </mc:Fallback>
-  </mc:AlternateContent>
-</p:sld>
-</file>
-
-<file path=ppt/slides/slide11.xml><?xml version="1.0" encoding="utf-8"?>
-<p:sld xmlns:a="http://schemas.openxmlformats.org/drawingml/2006/main" xmlns:r="http://schemas.openxmlformats.org/officeDocument/2006/relationships" xmlns:p="http://schemas.openxmlformats.org/presentationml/2006/main">
-  <p:cSld>
-    <p:spTree>
-      <p:nvGrpSpPr>
-        <p:cNvPr id="1" name=""/>
-        <p:cNvGrpSpPr/>
-        <p:nvPr/>
-      </p:nvGrpSpPr>
-      <p:grpSpPr>
-        <a:xfrm>
-          <a:off x="0" y="0"/>
-          <a:ext cx="0" cy="0"/>
-          <a:chOff x="0" y="0"/>
-          <a:chExt cx="0" cy="0"/>
-        </a:xfrm>
-      </p:grpSpPr>
-      <p:sp>
-        <p:nvSpPr>
           <p:cNvPr id="3" name="Title 2"/>
           <p:cNvSpPr>
             <a:spLocks noGrp="1"/>
@@ -9748,7 +9650,7 @@
           <p:cNvPr id="2" name="Content Placeholder 1">
             <a:extLst>
               <a:ext uri="{FF2B5EF4-FFF2-40B4-BE49-F238E27FC236}">
-                <a16:creationId xmlns:a16="http://schemas.microsoft.com/office/drawing/2014/main" xmlns="" id="{51569DDC-B169-4DBF-AE32-3C50C98FCCD9}"/>
+                <a16:creationId xmlns="" xmlns:a16="http://schemas.microsoft.com/office/drawing/2014/main" id="{51569DDC-B169-4DBF-AE32-3C50C98FCCD9}"/>
               </a:ext>
             </a:extLst>
           </p:cNvPr>
@@ -9842,7 +9744,7 @@
           <p:cNvPr id="4" name="Diagram 3">
             <a:extLst>
               <a:ext uri="{FF2B5EF4-FFF2-40B4-BE49-F238E27FC236}">
-                <a16:creationId xmlns:a16="http://schemas.microsoft.com/office/drawing/2014/main" xmlns="" id="{8E92447E-19E6-4162-923D-17AED9E3BCF5}"/>
+                <a16:creationId xmlns="" xmlns:a16="http://schemas.microsoft.com/office/drawing/2014/main" id="{8E92447E-19E6-4162-923D-17AED9E3BCF5}"/>
               </a:ext>
             </a:extLst>
           </p:cNvPr>
@@ -9890,7 +9792,7 @@
 </p:sld>
 </file>
 
-<file path=ppt/slides/slide12.xml><?xml version="1.0" encoding="utf-8"?>
+<file path=ppt/slides/slide11.xml><?xml version="1.0" encoding="utf-8"?>
 <p:sld xmlns:a="http://schemas.openxmlformats.org/drawingml/2006/main" xmlns:r="http://schemas.openxmlformats.org/officeDocument/2006/relationships" xmlns:p="http://schemas.openxmlformats.org/presentationml/2006/main">
   <p:cSld>
     <p:spTree>
@@ -9912,7 +9814,7 @@
           <p:cNvPr id="2" name="Title 1">
             <a:extLst>
               <a:ext uri="{FF2B5EF4-FFF2-40B4-BE49-F238E27FC236}">
-                <a16:creationId xmlns:a16="http://schemas.microsoft.com/office/drawing/2014/main" xmlns="" id="{118CBBA9-49D2-4262-9114-D0D47E7D522A}"/>
+                <a16:creationId xmlns="" xmlns:a16="http://schemas.microsoft.com/office/drawing/2014/main" id="{118CBBA9-49D2-4262-9114-D0D47E7D522A}"/>
               </a:ext>
             </a:extLst>
           </p:cNvPr>
@@ -9940,7 +9842,7 @@
           <p:cNvPr id="3" name="Content Placeholder 2">
             <a:extLst>
               <a:ext uri="{FF2B5EF4-FFF2-40B4-BE49-F238E27FC236}">
-                <a16:creationId xmlns:a16="http://schemas.microsoft.com/office/drawing/2014/main" xmlns="" id="{1E6F3B36-FA1C-4A44-8799-54720A510D55}"/>
+                <a16:creationId xmlns="" xmlns:a16="http://schemas.microsoft.com/office/drawing/2014/main" id="{1E6F3B36-FA1C-4A44-8799-54720A510D55}"/>
               </a:ext>
             </a:extLst>
           </p:cNvPr>
@@ -10024,7 +9926,7 @@
 </p:sld>
 </file>
 
-<file path=ppt/slides/slide13.xml><?xml version="1.0" encoding="utf-8"?>
+<file path=ppt/slides/slide12.xml><?xml version="1.0" encoding="utf-8"?>
 <p:sld xmlns:a="http://schemas.openxmlformats.org/drawingml/2006/main" xmlns:r="http://schemas.openxmlformats.org/officeDocument/2006/relationships" xmlns:p="http://schemas.openxmlformats.org/presentationml/2006/main">
   <p:cSld>
     <p:spTree>
@@ -10046,7 +9948,7 @@
           <p:cNvPr id="2" name="Title 1">
             <a:extLst>
               <a:ext uri="{FF2B5EF4-FFF2-40B4-BE49-F238E27FC236}">
-                <a16:creationId xmlns:a16="http://schemas.microsoft.com/office/drawing/2014/main" xmlns="" id="{118CBBA9-49D2-4262-9114-D0D47E7D522A}"/>
+                <a16:creationId xmlns="" xmlns:a16="http://schemas.microsoft.com/office/drawing/2014/main" id="{118CBBA9-49D2-4262-9114-D0D47E7D522A}"/>
               </a:ext>
             </a:extLst>
           </p:cNvPr>
@@ -10074,7 +9976,7 @@
           <p:cNvPr id="3" name="Content Placeholder 2">
             <a:extLst>
               <a:ext uri="{FF2B5EF4-FFF2-40B4-BE49-F238E27FC236}">
-                <a16:creationId xmlns:a16="http://schemas.microsoft.com/office/drawing/2014/main" xmlns="" id="{1E6F3B36-FA1C-4A44-8799-54720A510D55}"/>
+                <a16:creationId xmlns="" xmlns:a16="http://schemas.microsoft.com/office/drawing/2014/main" id="{1E6F3B36-FA1C-4A44-8799-54720A510D55}"/>
               </a:ext>
             </a:extLst>
           </p:cNvPr>
@@ -10114,7 +10016,7 @@
           <p:cNvPr id="4" name="Picture 3">
             <a:extLst>
               <a:ext uri="{FF2B5EF4-FFF2-40B4-BE49-F238E27FC236}">
-                <a16:creationId xmlns:a16="http://schemas.microsoft.com/office/drawing/2014/main" xmlns="" id="{60407E82-ED49-48E1-845F-A67334BDA690}"/>
+                <a16:creationId xmlns="" xmlns:a16="http://schemas.microsoft.com/office/drawing/2014/main" id="{60407E82-ED49-48E1-845F-A67334BDA690}"/>
               </a:ext>
             </a:extLst>
           </p:cNvPr>
@@ -10144,7 +10046,7 @@
           <p:cNvPr id="5" name="Content Placeholder 2">
             <a:extLst>
               <a:ext uri="{FF2B5EF4-FFF2-40B4-BE49-F238E27FC236}">
-                <a16:creationId xmlns:a16="http://schemas.microsoft.com/office/drawing/2014/main" xmlns="" id="{8CE8AF33-D730-4EBA-9FBD-DBA3E37E84FC}"/>
+                <a16:creationId xmlns="" xmlns:a16="http://schemas.microsoft.com/office/drawing/2014/main" id="{8CE8AF33-D730-4EBA-9FBD-DBA3E37E84FC}"/>
               </a:ext>
             </a:extLst>
           </p:cNvPr>
@@ -10437,7 +10339,7 @@
 </p:sld>
 </file>
 
-<file path=ppt/slides/slide14.xml><?xml version="1.0" encoding="utf-8"?>
+<file path=ppt/slides/slide13.xml><?xml version="1.0" encoding="utf-8"?>
 <p:sld xmlns:a="http://schemas.openxmlformats.org/drawingml/2006/main" xmlns:r="http://schemas.openxmlformats.org/officeDocument/2006/relationships" xmlns:p="http://schemas.openxmlformats.org/presentationml/2006/main">
   <p:cSld>
     <p:spTree>
@@ -10459,7 +10361,7 @@
           <p:cNvPr id="2" name="Title 1">
             <a:extLst>
               <a:ext uri="{FF2B5EF4-FFF2-40B4-BE49-F238E27FC236}">
-                <a16:creationId xmlns:a16="http://schemas.microsoft.com/office/drawing/2014/main" xmlns="" id="{118CBBA9-49D2-4262-9114-D0D47E7D522A}"/>
+                <a16:creationId xmlns="" xmlns:a16="http://schemas.microsoft.com/office/drawing/2014/main" id="{118CBBA9-49D2-4262-9114-D0D47E7D522A}"/>
               </a:ext>
             </a:extLst>
           </p:cNvPr>
@@ -10487,7 +10389,7 @@
           <p:cNvPr id="3" name="Content Placeholder 2">
             <a:extLst>
               <a:ext uri="{FF2B5EF4-FFF2-40B4-BE49-F238E27FC236}">
-                <a16:creationId xmlns:a16="http://schemas.microsoft.com/office/drawing/2014/main" xmlns="" id="{1E6F3B36-FA1C-4A44-8799-54720A510D55}"/>
+                <a16:creationId xmlns="" xmlns:a16="http://schemas.microsoft.com/office/drawing/2014/main" id="{1E6F3B36-FA1C-4A44-8799-54720A510D55}"/>
               </a:ext>
             </a:extLst>
           </p:cNvPr>
@@ -10527,7 +10429,7 @@
           <p:cNvPr id="6" name="Picture 5">
             <a:extLst>
               <a:ext uri="{FF2B5EF4-FFF2-40B4-BE49-F238E27FC236}">
-                <a16:creationId xmlns:a16="http://schemas.microsoft.com/office/drawing/2014/main" xmlns="" id="{B0636FC0-8732-43F6-B07E-D247F6761BF2}"/>
+                <a16:creationId xmlns="" xmlns:a16="http://schemas.microsoft.com/office/drawing/2014/main" id="{B0636FC0-8732-43F6-B07E-D247F6761BF2}"/>
               </a:ext>
             </a:extLst>
           </p:cNvPr>
@@ -10557,7 +10459,7 @@
           <p:cNvPr id="7" name="Picture 6">
             <a:extLst>
               <a:ext uri="{FF2B5EF4-FFF2-40B4-BE49-F238E27FC236}">
-                <a16:creationId xmlns:a16="http://schemas.microsoft.com/office/drawing/2014/main" xmlns="" id="{DBE739BC-7545-4A28-A2A1-83C40AA0F973}"/>
+                <a16:creationId xmlns="" xmlns:a16="http://schemas.microsoft.com/office/drawing/2014/main" id="{DBE739BC-7545-4A28-A2A1-83C40AA0F973}"/>
               </a:ext>
             </a:extLst>
           </p:cNvPr>
@@ -10587,7 +10489,7 @@
           <p:cNvPr id="9" name="Content Placeholder 2">
             <a:extLst>
               <a:ext uri="{FF2B5EF4-FFF2-40B4-BE49-F238E27FC236}">
-                <a16:creationId xmlns:a16="http://schemas.microsoft.com/office/drawing/2014/main" xmlns="" id="{55F4540C-A796-46DC-BFE3-B3DABF5ED521}"/>
+                <a16:creationId xmlns="" xmlns:a16="http://schemas.microsoft.com/office/drawing/2014/main" id="{55F4540C-A796-46DC-BFE3-B3DABF5ED521}"/>
               </a:ext>
             </a:extLst>
           </p:cNvPr>
@@ -10854,7 +10756,7 @@
 </p:sld>
 </file>
 
-<file path=ppt/slides/slide15.xml><?xml version="1.0" encoding="utf-8"?>
+<file path=ppt/slides/slide14.xml><?xml version="1.0" encoding="utf-8"?>
 <p:sld xmlns:a="http://schemas.openxmlformats.org/drawingml/2006/main" xmlns:r="http://schemas.openxmlformats.org/officeDocument/2006/relationships" xmlns:p="http://schemas.openxmlformats.org/presentationml/2006/main">
   <p:cSld>
     <p:spTree>
@@ -10876,7 +10778,7 @@
           <p:cNvPr id="2" name="Title 1">
             <a:extLst>
               <a:ext uri="{FF2B5EF4-FFF2-40B4-BE49-F238E27FC236}">
-                <a16:creationId xmlns:a16="http://schemas.microsoft.com/office/drawing/2014/main" xmlns="" id="{118CBBA9-49D2-4262-9114-D0D47E7D522A}"/>
+                <a16:creationId xmlns="" xmlns:a16="http://schemas.microsoft.com/office/drawing/2014/main" id="{118CBBA9-49D2-4262-9114-D0D47E7D522A}"/>
               </a:ext>
             </a:extLst>
           </p:cNvPr>
@@ -10904,7 +10806,7 @@
           <p:cNvPr id="3" name="Content Placeholder 2">
             <a:extLst>
               <a:ext uri="{FF2B5EF4-FFF2-40B4-BE49-F238E27FC236}">
-                <a16:creationId xmlns:a16="http://schemas.microsoft.com/office/drawing/2014/main" xmlns="" id="{1E6F3B36-FA1C-4A44-8799-54720A510D55}"/>
+                <a16:creationId xmlns="" xmlns:a16="http://schemas.microsoft.com/office/drawing/2014/main" id="{1E6F3B36-FA1C-4A44-8799-54720A510D55}"/>
               </a:ext>
             </a:extLst>
           </p:cNvPr>
@@ -10944,7 +10846,7 @@
           <p:cNvPr id="9" name="Content Placeholder 2">
             <a:extLst>
               <a:ext uri="{FF2B5EF4-FFF2-40B4-BE49-F238E27FC236}">
-                <a16:creationId xmlns:a16="http://schemas.microsoft.com/office/drawing/2014/main" xmlns="" id="{55F4540C-A796-46DC-BFE3-B3DABF5ED521}"/>
+                <a16:creationId xmlns="" xmlns:a16="http://schemas.microsoft.com/office/drawing/2014/main" id="{55F4540C-A796-46DC-BFE3-B3DABF5ED521}"/>
               </a:ext>
             </a:extLst>
           </p:cNvPr>
@@ -11229,7 +11131,7 @@
           <p:cNvPr id="5" name="Picture 4">
             <a:extLst>
               <a:ext uri="{FF2B5EF4-FFF2-40B4-BE49-F238E27FC236}">
-                <a16:creationId xmlns:a16="http://schemas.microsoft.com/office/drawing/2014/main" xmlns="" id="{8CE529A0-F393-4416-8C0C-29777CE93EFE}"/>
+                <a16:creationId xmlns="" xmlns:a16="http://schemas.microsoft.com/office/drawing/2014/main" id="{8CE529A0-F393-4416-8C0C-29777CE93EFE}"/>
               </a:ext>
             </a:extLst>
           </p:cNvPr>
@@ -11259,7 +11161,7 @@
           <p:cNvPr id="8" name="Picture 7">
             <a:extLst>
               <a:ext uri="{FF2B5EF4-FFF2-40B4-BE49-F238E27FC236}">
-                <a16:creationId xmlns:a16="http://schemas.microsoft.com/office/drawing/2014/main" xmlns="" id="{0FBC03D0-87FA-4CDE-8704-5071F2C850AC}"/>
+                <a16:creationId xmlns="" xmlns:a16="http://schemas.microsoft.com/office/drawing/2014/main" id="{0FBC03D0-87FA-4CDE-8704-5071F2C850AC}"/>
               </a:ext>
             </a:extLst>
           </p:cNvPr>
@@ -11309,7 +11211,7 @@
 </p:sld>
 </file>
 
-<file path=ppt/slides/slide16.xml><?xml version="1.0" encoding="utf-8"?>
+<file path=ppt/slides/slide15.xml><?xml version="1.0" encoding="utf-8"?>
 <p:sld xmlns:a="http://schemas.openxmlformats.org/drawingml/2006/main" xmlns:r="http://schemas.openxmlformats.org/officeDocument/2006/relationships" xmlns:p="http://schemas.openxmlformats.org/presentationml/2006/main">
   <p:cSld>
     <p:spTree>
@@ -11331,7 +11233,7 @@
           <p:cNvPr id="2" name="Title 1">
             <a:extLst>
               <a:ext uri="{FF2B5EF4-FFF2-40B4-BE49-F238E27FC236}">
-                <a16:creationId xmlns:a16="http://schemas.microsoft.com/office/drawing/2014/main" xmlns="" id="{118CBBA9-49D2-4262-9114-D0D47E7D522A}"/>
+                <a16:creationId xmlns="" xmlns:a16="http://schemas.microsoft.com/office/drawing/2014/main" id="{118CBBA9-49D2-4262-9114-D0D47E7D522A}"/>
               </a:ext>
             </a:extLst>
           </p:cNvPr>
@@ -11359,7 +11261,7 @@
           <p:cNvPr id="3" name="Content Placeholder 2">
             <a:extLst>
               <a:ext uri="{FF2B5EF4-FFF2-40B4-BE49-F238E27FC236}">
-                <a16:creationId xmlns:a16="http://schemas.microsoft.com/office/drawing/2014/main" xmlns="" id="{1E6F3B36-FA1C-4A44-8799-54720A510D55}"/>
+                <a16:creationId xmlns="" xmlns:a16="http://schemas.microsoft.com/office/drawing/2014/main" id="{1E6F3B36-FA1C-4A44-8799-54720A510D55}"/>
               </a:ext>
             </a:extLst>
           </p:cNvPr>
@@ -11399,7 +11301,7 @@
           <p:cNvPr id="9" name="Content Placeholder 2">
             <a:extLst>
               <a:ext uri="{FF2B5EF4-FFF2-40B4-BE49-F238E27FC236}">
-                <a16:creationId xmlns:a16="http://schemas.microsoft.com/office/drawing/2014/main" xmlns="" id="{55F4540C-A796-46DC-BFE3-B3DABF5ED521}"/>
+                <a16:creationId xmlns="" xmlns:a16="http://schemas.microsoft.com/office/drawing/2014/main" id="{55F4540C-A796-46DC-BFE3-B3DABF5ED521}"/>
               </a:ext>
             </a:extLst>
           </p:cNvPr>
@@ -11656,7 +11558,7 @@
           <p:cNvPr id="4" name="Picture 3">
             <a:extLst>
               <a:ext uri="{FF2B5EF4-FFF2-40B4-BE49-F238E27FC236}">
-                <a16:creationId xmlns:a16="http://schemas.microsoft.com/office/drawing/2014/main" xmlns="" id="{372C644D-8F63-4F1D-8890-93FE0818D320}"/>
+                <a16:creationId xmlns="" xmlns:a16="http://schemas.microsoft.com/office/drawing/2014/main" id="{372C644D-8F63-4F1D-8890-93FE0818D320}"/>
               </a:ext>
             </a:extLst>
           </p:cNvPr>
@@ -11686,7 +11588,7 @@
           <p:cNvPr id="5" name="Picture 4">
             <a:extLst>
               <a:ext uri="{FF2B5EF4-FFF2-40B4-BE49-F238E27FC236}">
-                <a16:creationId xmlns:a16="http://schemas.microsoft.com/office/drawing/2014/main" xmlns="" id="{C9CBC7BF-F2B4-4B1F-B9F0-E060D6AAC33B}"/>
+                <a16:creationId xmlns="" xmlns:a16="http://schemas.microsoft.com/office/drawing/2014/main" id="{C9CBC7BF-F2B4-4B1F-B9F0-E060D6AAC33B}"/>
               </a:ext>
             </a:extLst>
           </p:cNvPr>
@@ -11736,7 +11638,7 @@
 </p:sld>
 </file>
 
-<file path=ppt/slides/slide17.xml><?xml version="1.0" encoding="utf-8"?>
+<file path=ppt/slides/slide16.xml><?xml version="1.0" encoding="utf-8"?>
 <p:sld xmlns:a="http://schemas.openxmlformats.org/drawingml/2006/main" xmlns:r="http://schemas.openxmlformats.org/officeDocument/2006/relationships" xmlns:p="http://schemas.openxmlformats.org/presentationml/2006/main">
   <p:cSld>
     <p:spTree>
@@ -11758,7 +11660,7 @@
           <p:cNvPr id="2" name="Title 1">
             <a:extLst>
               <a:ext uri="{FF2B5EF4-FFF2-40B4-BE49-F238E27FC236}">
-                <a16:creationId xmlns:a16="http://schemas.microsoft.com/office/drawing/2014/main" xmlns="" id="{118CBBA9-49D2-4262-9114-D0D47E7D522A}"/>
+                <a16:creationId xmlns="" xmlns:a16="http://schemas.microsoft.com/office/drawing/2014/main" id="{118CBBA9-49D2-4262-9114-D0D47E7D522A}"/>
               </a:ext>
             </a:extLst>
           </p:cNvPr>
@@ -11786,7 +11688,7 @@
           <p:cNvPr id="3" name="Content Placeholder 2">
             <a:extLst>
               <a:ext uri="{FF2B5EF4-FFF2-40B4-BE49-F238E27FC236}">
-                <a16:creationId xmlns:a16="http://schemas.microsoft.com/office/drawing/2014/main" xmlns="" id="{1E6F3B36-FA1C-4A44-8799-54720A510D55}"/>
+                <a16:creationId xmlns="" xmlns:a16="http://schemas.microsoft.com/office/drawing/2014/main" id="{1E6F3B36-FA1C-4A44-8799-54720A510D55}"/>
               </a:ext>
             </a:extLst>
           </p:cNvPr>
@@ -11851,7 +11753,7 @@
           <p:cNvPr id="4" name="Table 3">
             <a:extLst>
               <a:ext uri="{FF2B5EF4-FFF2-40B4-BE49-F238E27FC236}">
-                <a16:creationId xmlns:a16="http://schemas.microsoft.com/office/drawing/2014/main" xmlns="" id="{2EDD53C5-AD65-447D-BE6E-F714AFA3AE1B}"/>
+                <a16:creationId xmlns="" xmlns:a16="http://schemas.microsoft.com/office/drawing/2014/main" id="{2EDD53C5-AD65-447D-BE6E-F714AFA3AE1B}"/>
               </a:ext>
             </a:extLst>
           </p:cNvPr>
@@ -11880,21 +11782,21 @@
                 <a:gridCol w="3335657">
                   <a:extLst>
                     <a:ext uri="{9D8B030D-6E8A-4147-A177-3AD203B41FA5}">
-                      <a16:colId xmlns:a16="http://schemas.microsoft.com/office/drawing/2014/main" xmlns="" val="1736827546"/>
+                      <a16:colId xmlns="" xmlns:a16="http://schemas.microsoft.com/office/drawing/2014/main" val="1736827546"/>
                     </a:ext>
                   </a:extLst>
                 </a:gridCol>
                 <a:gridCol w="3336728">
                   <a:extLst>
                     <a:ext uri="{9D8B030D-6E8A-4147-A177-3AD203B41FA5}">
-                      <a16:colId xmlns:a16="http://schemas.microsoft.com/office/drawing/2014/main" xmlns="" val="1009339973"/>
+                      <a16:colId xmlns="" xmlns:a16="http://schemas.microsoft.com/office/drawing/2014/main" val="1009339973"/>
                     </a:ext>
                   </a:extLst>
                 </a:gridCol>
                 <a:gridCol w="3336728">
                   <a:extLst>
                     <a:ext uri="{9D8B030D-6E8A-4147-A177-3AD203B41FA5}">
-                      <a16:colId xmlns:a16="http://schemas.microsoft.com/office/drawing/2014/main" xmlns="" val="3962187885"/>
+                      <a16:colId xmlns="" xmlns:a16="http://schemas.microsoft.com/office/drawing/2014/main" val="3962187885"/>
                     </a:ext>
                   </a:extLst>
                 </a:gridCol>
@@ -12007,7 +11909,7 @@
                 </a:tc>
                 <a:extLst>
                   <a:ext uri="{0D108BD9-81ED-4DB2-BD59-A6C34878D82A}">
-                    <a16:rowId xmlns:a16="http://schemas.microsoft.com/office/drawing/2014/main" xmlns="" val="2209689491"/>
+                    <a16:rowId xmlns="" xmlns:a16="http://schemas.microsoft.com/office/drawing/2014/main" val="2209689491"/>
                   </a:ext>
                 </a:extLst>
               </a:tr>
@@ -12119,7 +12021,7 @@
                 </a:tc>
                 <a:extLst>
                   <a:ext uri="{0D108BD9-81ED-4DB2-BD59-A6C34878D82A}">
-                    <a16:rowId xmlns:a16="http://schemas.microsoft.com/office/drawing/2014/main" xmlns="" val="2597814589"/>
+                    <a16:rowId xmlns="" xmlns:a16="http://schemas.microsoft.com/office/drawing/2014/main" val="2597814589"/>
                   </a:ext>
                 </a:extLst>
               </a:tr>
@@ -12231,7 +12133,7 @@
                 </a:tc>
                 <a:extLst>
                   <a:ext uri="{0D108BD9-81ED-4DB2-BD59-A6C34878D82A}">
-                    <a16:rowId xmlns:a16="http://schemas.microsoft.com/office/drawing/2014/main" xmlns="" val="3437676480"/>
+                    <a16:rowId xmlns="" xmlns:a16="http://schemas.microsoft.com/office/drawing/2014/main" val="3437676480"/>
                   </a:ext>
                 </a:extLst>
               </a:tr>
@@ -12343,7 +12245,7 @@
                 </a:tc>
                 <a:extLst>
                   <a:ext uri="{0D108BD9-81ED-4DB2-BD59-A6C34878D82A}">
-                    <a16:rowId xmlns:a16="http://schemas.microsoft.com/office/drawing/2014/main" xmlns="" val="3450028378"/>
+                    <a16:rowId xmlns="" xmlns:a16="http://schemas.microsoft.com/office/drawing/2014/main" val="3450028378"/>
                   </a:ext>
                 </a:extLst>
               </a:tr>
@@ -12455,7 +12357,7 @@
                 </a:tc>
                 <a:extLst>
                   <a:ext uri="{0D108BD9-81ED-4DB2-BD59-A6C34878D82A}">
-                    <a16:rowId xmlns:a16="http://schemas.microsoft.com/office/drawing/2014/main" xmlns="" val="3281310877"/>
+                    <a16:rowId xmlns="" xmlns:a16="http://schemas.microsoft.com/office/drawing/2014/main" val="3281310877"/>
                   </a:ext>
                 </a:extLst>
               </a:tr>
@@ -12468,7 +12370,7 @@
           <p:cNvPr id="6" name="Content Placeholder 2">
             <a:extLst>
               <a:ext uri="{FF2B5EF4-FFF2-40B4-BE49-F238E27FC236}">
-                <a16:creationId xmlns:a16="http://schemas.microsoft.com/office/drawing/2014/main" xmlns="" id="{5965ECAC-6F10-47C5-A3A2-05D9E4E91D5E}"/>
+                <a16:creationId xmlns="" xmlns:a16="http://schemas.microsoft.com/office/drawing/2014/main" id="{5965ECAC-6F10-47C5-A3A2-05D9E4E91D5E}"/>
               </a:ext>
             </a:extLst>
           </p:cNvPr>
@@ -12731,7 +12633,7 @@
 </p:sld>
 </file>
 
-<file path=ppt/slides/slide18.xml><?xml version="1.0" encoding="utf-8"?>
+<file path=ppt/slides/slide17.xml><?xml version="1.0" encoding="utf-8"?>
 <p:sld xmlns:a="http://schemas.openxmlformats.org/drawingml/2006/main" xmlns:r="http://schemas.openxmlformats.org/officeDocument/2006/relationships" xmlns:p="http://schemas.openxmlformats.org/presentationml/2006/main">
   <p:cSld>
     <p:spTree>
@@ -12753,7 +12655,7 @@
           <p:cNvPr id="2" name="Title 1">
             <a:extLst>
               <a:ext uri="{FF2B5EF4-FFF2-40B4-BE49-F238E27FC236}">
-                <a16:creationId xmlns:a16="http://schemas.microsoft.com/office/drawing/2014/main" xmlns="" id="{118CBBA9-49D2-4262-9114-D0D47E7D522A}"/>
+                <a16:creationId xmlns="" xmlns:a16="http://schemas.microsoft.com/office/drawing/2014/main" id="{118CBBA9-49D2-4262-9114-D0D47E7D522A}"/>
               </a:ext>
             </a:extLst>
           </p:cNvPr>
@@ -12781,7 +12683,7 @@
           <p:cNvPr id="3" name="Content Placeholder 2">
             <a:extLst>
               <a:ext uri="{FF2B5EF4-FFF2-40B4-BE49-F238E27FC236}">
-                <a16:creationId xmlns:a16="http://schemas.microsoft.com/office/drawing/2014/main" xmlns="" id="{1E6F3B36-FA1C-4A44-8799-54720A510D55}"/>
+                <a16:creationId xmlns="" xmlns:a16="http://schemas.microsoft.com/office/drawing/2014/main" id="{1E6F3B36-FA1C-4A44-8799-54720A510D55}"/>
               </a:ext>
             </a:extLst>
           </p:cNvPr>
@@ -12843,7 +12745,7 @@
           <p:cNvPr id="4" name="Table 3">
             <a:extLst>
               <a:ext uri="{FF2B5EF4-FFF2-40B4-BE49-F238E27FC236}">
-                <a16:creationId xmlns:a16="http://schemas.microsoft.com/office/drawing/2014/main" xmlns="" id="{2EDD53C5-AD65-447D-BE6E-F714AFA3AE1B}"/>
+                <a16:creationId xmlns="" xmlns:a16="http://schemas.microsoft.com/office/drawing/2014/main" id="{2EDD53C5-AD65-447D-BE6E-F714AFA3AE1B}"/>
               </a:ext>
             </a:extLst>
           </p:cNvPr>
@@ -12872,21 +12774,21 @@
                 <a:gridCol w="3335657">
                   <a:extLst>
                     <a:ext uri="{9D8B030D-6E8A-4147-A177-3AD203B41FA5}">
-                      <a16:colId xmlns:a16="http://schemas.microsoft.com/office/drawing/2014/main" xmlns="" val="1736827546"/>
+                      <a16:colId xmlns="" xmlns:a16="http://schemas.microsoft.com/office/drawing/2014/main" val="1736827546"/>
                     </a:ext>
                   </a:extLst>
                 </a:gridCol>
                 <a:gridCol w="3336728">
                   <a:extLst>
                     <a:ext uri="{9D8B030D-6E8A-4147-A177-3AD203B41FA5}">
-                      <a16:colId xmlns:a16="http://schemas.microsoft.com/office/drawing/2014/main" xmlns="" val="1009339973"/>
+                      <a16:colId xmlns="" xmlns:a16="http://schemas.microsoft.com/office/drawing/2014/main" val="1009339973"/>
                     </a:ext>
                   </a:extLst>
                 </a:gridCol>
                 <a:gridCol w="3336728">
                   <a:extLst>
                     <a:ext uri="{9D8B030D-6E8A-4147-A177-3AD203B41FA5}">
-                      <a16:colId xmlns:a16="http://schemas.microsoft.com/office/drawing/2014/main" xmlns="" val="3962187885"/>
+                      <a16:colId xmlns="" xmlns:a16="http://schemas.microsoft.com/office/drawing/2014/main" val="3962187885"/>
                     </a:ext>
                   </a:extLst>
                 </a:gridCol>
@@ -12990,7 +12892,7 @@
                 </a:tc>
                 <a:extLst>
                   <a:ext uri="{0D108BD9-81ED-4DB2-BD59-A6C34878D82A}">
-                    <a16:rowId xmlns:a16="http://schemas.microsoft.com/office/drawing/2014/main" xmlns="" val="2209689491"/>
+                    <a16:rowId xmlns="" xmlns:a16="http://schemas.microsoft.com/office/drawing/2014/main" val="2209689491"/>
                   </a:ext>
                 </a:extLst>
               </a:tr>
@@ -13084,7 +12986,7 @@
                 </a:tc>
                 <a:extLst>
                   <a:ext uri="{0D108BD9-81ED-4DB2-BD59-A6C34878D82A}">
-                    <a16:rowId xmlns:a16="http://schemas.microsoft.com/office/drawing/2014/main" xmlns="" val="2597814589"/>
+                    <a16:rowId xmlns="" xmlns:a16="http://schemas.microsoft.com/office/drawing/2014/main" val="2597814589"/>
                   </a:ext>
                 </a:extLst>
               </a:tr>
@@ -13117,7 +13019,7 @@
 </p:sld>
 </file>
 
-<file path=ppt/slides/slide19.xml><?xml version="1.0" encoding="utf-8"?>
+<file path=ppt/slides/slide18.xml><?xml version="1.0" encoding="utf-8"?>
 <p:sld xmlns:a="http://schemas.openxmlformats.org/drawingml/2006/main" xmlns:r="http://schemas.openxmlformats.org/officeDocument/2006/relationships" xmlns:p="http://schemas.openxmlformats.org/presentationml/2006/main" show="0">
   <p:cSld>
     <p:spTree>
@@ -13139,7 +13041,7 @@
           <p:cNvPr id="2" name="Title 1">
             <a:extLst>
               <a:ext uri="{FF2B5EF4-FFF2-40B4-BE49-F238E27FC236}">
-                <a16:creationId xmlns:a16="http://schemas.microsoft.com/office/drawing/2014/main" xmlns="" id="{118CBBA9-49D2-4262-9114-D0D47E7D522A}"/>
+                <a16:creationId xmlns="" xmlns:a16="http://schemas.microsoft.com/office/drawing/2014/main" id="{118CBBA9-49D2-4262-9114-D0D47E7D522A}"/>
               </a:ext>
             </a:extLst>
           </p:cNvPr>
@@ -13167,7 +13069,7 @@
           <p:cNvPr id="3" name="Content Placeholder 2">
             <a:extLst>
               <a:ext uri="{FF2B5EF4-FFF2-40B4-BE49-F238E27FC236}">
-                <a16:creationId xmlns:a16="http://schemas.microsoft.com/office/drawing/2014/main" xmlns="" id="{1E6F3B36-FA1C-4A44-8799-54720A510D55}"/>
+                <a16:creationId xmlns="" xmlns:a16="http://schemas.microsoft.com/office/drawing/2014/main" id="{1E6F3B36-FA1C-4A44-8799-54720A510D55}"/>
               </a:ext>
             </a:extLst>
           </p:cNvPr>
@@ -13262,13 +13164,282 @@
   <p:clrMapOvr>
     <a:masterClrMapping/>
   </p:clrMapOvr>
-  <mc:AlternateContent xmlns:mc="http://schemas.openxmlformats.org/markup-compatibility/2006">
-    <mc:Choice xmlns:p14="http://schemas.microsoft.com/office/powerpoint/2010/main" Requires="p14">
+  <mc:AlternateContent xmlns:mc="http://schemas.openxmlformats.org/markup-compatibility/2006" xmlns:p14="http://schemas.microsoft.com/office/powerpoint/2010/main">
+    <mc:Choice Requires="p14">
       <p:transition spd="med" p14:dur="700">
         <p:fade/>
       </p:transition>
     </mc:Choice>
-    <mc:Fallback>
+    <mc:Fallback xmlns="">
+      <p:transition spd="med">
+        <p:fade/>
+      </p:transition>
+    </mc:Fallback>
+  </mc:AlternateContent>
+</p:sld>
+</file>
+
+<file path=ppt/slides/slide19.xml><?xml version="1.0" encoding="utf-8"?>
+<p:sld xmlns:a="http://schemas.openxmlformats.org/drawingml/2006/main" xmlns:r="http://schemas.openxmlformats.org/officeDocument/2006/relationships" xmlns:p="http://schemas.openxmlformats.org/presentationml/2006/main">
+  <p:cSld>
+    <p:spTree>
+      <p:nvGrpSpPr>
+        <p:cNvPr id="1" name=""/>
+        <p:cNvGrpSpPr/>
+        <p:nvPr/>
+      </p:nvGrpSpPr>
+      <p:grpSpPr>
+        <a:xfrm>
+          <a:off x="0" y="0"/>
+          <a:ext cx="0" cy="0"/>
+          <a:chOff x="0" y="0"/>
+          <a:chExt cx="0" cy="0"/>
+        </a:xfrm>
+      </p:grpSpPr>
+      <p:sp>
+        <p:nvSpPr>
+          <p:cNvPr id="2" name="Title 1">
+            <a:extLst>
+              <a:ext uri="{FF2B5EF4-FFF2-40B4-BE49-F238E27FC236}">
+                <a16:creationId xmlns="" xmlns:a16="http://schemas.microsoft.com/office/drawing/2014/main" id="{118CBBA9-49D2-4262-9114-D0D47E7D522A}"/>
+              </a:ext>
+            </a:extLst>
+          </p:cNvPr>
+          <p:cNvSpPr>
+            <a:spLocks noGrp="1"/>
+          </p:cNvSpPr>
+          <p:nvPr>
+            <p:ph type="title"/>
+          </p:nvPr>
+        </p:nvSpPr>
+        <p:spPr/>
+        <p:txBody>
+          <a:bodyPr/>
+          <a:lstStyle/>
+          <a:p>
+            <a:r>
+              <a:rPr lang="en-AU" b="1" dirty="0" smtClean="0"/>
+              <a:t>We found…</a:t>
+            </a:r>
+            <a:endParaRPr lang="en-AU" dirty="0"/>
+          </a:p>
+        </p:txBody>
+      </p:sp>
+      <p:sp>
+        <p:nvSpPr>
+          <p:cNvPr id="3" name="Content Placeholder 2">
+            <a:extLst>
+              <a:ext uri="{FF2B5EF4-FFF2-40B4-BE49-F238E27FC236}">
+                <a16:creationId xmlns="" xmlns:a16="http://schemas.microsoft.com/office/drawing/2014/main" id="{1E6F3B36-FA1C-4A44-8799-54720A510D55}"/>
+              </a:ext>
+            </a:extLst>
+          </p:cNvPr>
+          <p:cNvSpPr>
+            <a:spLocks noGrp="1"/>
+          </p:cNvSpPr>
+          <p:nvPr>
+            <p:ph idx="1"/>
+          </p:nvPr>
+        </p:nvSpPr>
+        <p:spPr>
+          <a:xfrm>
+            <a:off x="1218883" y="1701797"/>
+            <a:ext cx="10564161" cy="4462272"/>
+          </a:xfrm>
+        </p:spPr>
+        <p:txBody>
+          <a:bodyPr>
+            <a:normAutofit fontScale="70000" lnSpcReduction="20000"/>
+          </a:bodyPr>
+          <a:lstStyle/>
+          <a:p>
+            <a:r>
+              <a:rPr lang="en-AU" dirty="0"/>
+              <a:t>Resnet34 </a:t>
+            </a:r>
+            <a:r>
+              <a:rPr lang="en-AU" dirty="0" smtClean="0"/>
+              <a:t>architecture is adequate</a:t>
+            </a:r>
+            <a:endParaRPr lang="en-AU" dirty="0"/>
+          </a:p>
+          <a:p>
+            <a:r>
+              <a:rPr lang="en-AU" dirty="0"/>
+              <a:t>First </a:t>
+            </a:r>
+            <a:r>
+              <a:rPr lang="en-AU" dirty="0" smtClean="0"/>
+              <a:t>training epoch (last layer only): </a:t>
+            </a:r>
+            <a:r>
+              <a:rPr lang="en-AU" dirty="0"/>
+              <a:t>86.4% accuracy</a:t>
+            </a:r>
+          </a:p>
+          <a:p>
+            <a:r>
+              <a:rPr lang="en-AU" dirty="0"/>
+              <a:t>False </a:t>
+            </a:r>
+            <a:r>
+              <a:rPr lang="en-AU" dirty="0">
+                <a:solidFill>
+                  <a:srgbClr val="FF0000"/>
+                </a:solidFill>
+              </a:rPr>
+              <a:t>negatives</a:t>
+            </a:r>
+            <a:r>
+              <a:rPr lang="en-AU" dirty="0"/>
+              <a:t> generally </a:t>
+            </a:r>
+            <a:r>
+              <a:rPr lang="en-AU" dirty="0" smtClean="0"/>
+              <a:t>occurred </a:t>
+            </a:r>
+            <a:r>
+              <a:rPr lang="en-AU" dirty="0"/>
+              <a:t>where panel edges </a:t>
+            </a:r>
+            <a:r>
+              <a:rPr lang="en-AU" dirty="0" smtClean="0"/>
+              <a:t>were not visible</a:t>
+            </a:r>
+            <a:endParaRPr lang="en-AU" dirty="0"/>
+          </a:p>
+          <a:p>
+            <a:r>
+              <a:rPr lang="en-AU" dirty="0"/>
+              <a:t>False </a:t>
+            </a:r>
+            <a:r>
+              <a:rPr lang="en-AU" dirty="0">
+                <a:solidFill>
+                  <a:schemeClr val="accent1">
+                    <a:lumMod val="60000"/>
+                    <a:lumOff val="40000"/>
+                  </a:schemeClr>
+                </a:solidFill>
+              </a:rPr>
+              <a:t>positives</a:t>
+            </a:r>
+            <a:r>
+              <a:rPr lang="en-AU" dirty="0"/>
+              <a:t> generally occur on grid-like </a:t>
+            </a:r>
+            <a:r>
+              <a:rPr lang="en-AU" dirty="0" smtClean="0"/>
+              <a:t>structures (tiles, pergolas </a:t>
+            </a:r>
+            <a:r>
+              <a:rPr lang="en-AU" dirty="0" err="1" smtClean="0"/>
+              <a:t>etc</a:t>
+            </a:r>
+            <a:r>
+              <a:rPr lang="en-AU" dirty="0" smtClean="0"/>
+              <a:t>)</a:t>
+            </a:r>
+            <a:endParaRPr lang="en-AU" dirty="0"/>
+          </a:p>
+          <a:p>
+            <a:r>
+              <a:rPr lang="en-AU" dirty="0"/>
+              <a:t>Learning rate utilising SGDR on final layer provides small improvement: 88.6%</a:t>
+            </a:r>
+          </a:p>
+          <a:p>
+            <a:r>
+              <a:rPr lang="en-AU" dirty="0"/>
+              <a:t>SGDR with differential learning rates yields </a:t>
+            </a:r>
+            <a:r>
+              <a:rPr lang="en-AU" u="sng" dirty="0"/>
+              <a:t>significant</a:t>
+            </a:r>
+            <a:r>
+              <a:rPr lang="en-AU" dirty="0"/>
+              <a:t> accuracy </a:t>
+            </a:r>
+            <a:r>
+              <a:rPr lang="en-AU" dirty="0" smtClean="0"/>
+              <a:t>increase</a:t>
+            </a:r>
+          </a:p>
+          <a:p>
+            <a:pPr lvl="1"/>
+            <a:r>
+              <a:rPr lang="en-AU" dirty="0" smtClean="0"/>
+              <a:t>Layers were unfrozen, and the last 3 layers were re-trained until overfitting (train loss &gt; validation loss)</a:t>
+            </a:r>
+          </a:p>
+          <a:p>
+            <a:pPr lvl="1"/>
+            <a:r>
+              <a:rPr lang="en-AU" dirty="0" smtClean="0"/>
+              <a:t>Significant </a:t>
+            </a:r>
+            <a:r>
+              <a:rPr lang="en-AU" dirty="0"/>
+              <a:t>accuracy </a:t>
+            </a:r>
+            <a:r>
+              <a:rPr lang="en-AU" dirty="0" smtClean="0"/>
+              <a:t>improvement</a:t>
+            </a:r>
+            <a:r>
+              <a:rPr lang="en-AU" dirty="0"/>
+              <a:t> </a:t>
+            </a:r>
+            <a:r>
+              <a:rPr lang="en-AU" dirty="0" smtClean="0"/>
+              <a:t>(97.3%), however the risk of overfitting may be high</a:t>
+            </a:r>
+          </a:p>
+          <a:p>
+            <a:r>
+              <a:rPr lang="en-AU" dirty="0" smtClean="0"/>
+              <a:t>TTA </a:t>
+            </a:r>
+            <a:r>
+              <a:rPr lang="en-AU" dirty="0"/>
+              <a:t>provides small benefit: 97.8% </a:t>
+            </a:r>
+            <a:r>
+              <a:rPr lang="en-AU" dirty="0" smtClean="0"/>
+              <a:t>accuracy (+0.5%)</a:t>
+            </a:r>
+          </a:p>
+          <a:p>
+            <a:r>
+              <a:rPr lang="en-AU" dirty="0" smtClean="0"/>
+              <a:t>Rectangular imagery and multi-residential imagery will require additional care, and likely image segmentation. Was not explored, as this would have formed Part B scope.</a:t>
+            </a:r>
+            <a:endParaRPr lang="en-AU" dirty="0"/>
+          </a:p>
+          <a:p>
+            <a:pPr lvl="1"/>
+            <a:endParaRPr lang="en-AU" dirty="0"/>
+          </a:p>
+        </p:txBody>
+      </p:sp>
+    </p:spTree>
+    <p:extLst>
+      <p:ext uri="{BB962C8B-B14F-4D97-AF65-F5344CB8AC3E}">
+        <p14:creationId xmlns:p14="http://schemas.microsoft.com/office/powerpoint/2010/main" val="796037558"/>
+      </p:ext>
+    </p:extLst>
+  </p:cSld>
+  <p:clrMapOvr>
+    <a:masterClrMapping/>
+  </p:clrMapOvr>
+  <mc:AlternateContent xmlns:mc="http://schemas.openxmlformats.org/markup-compatibility/2006" xmlns:p14="http://schemas.microsoft.com/office/powerpoint/2010/main">
+    <mc:Choice Requires="p14">
+      <p:transition spd="med" p14:dur="700">
+        <p:fade/>
+      </p:transition>
+    </mc:Choice>
+    <mc:Fallback xmlns="">
       <p:transition spd="med">
         <p:fade/>
       </p:transition>
@@ -13299,7 +13470,7 @@
           <p:cNvPr id="4" name="Content Placeholder 2">
             <a:extLst>
               <a:ext uri="{FF2B5EF4-FFF2-40B4-BE49-F238E27FC236}">
-                <a16:creationId xmlns:a16="http://schemas.microsoft.com/office/drawing/2014/main" xmlns="" id="{1E6F3B36-FA1C-4A44-8799-54720A510D55}"/>
+                <a16:creationId xmlns="" xmlns:a16="http://schemas.microsoft.com/office/drawing/2014/main" id="{1E6F3B36-FA1C-4A44-8799-54720A510D55}"/>
               </a:ext>
             </a:extLst>
           </p:cNvPr>
@@ -13552,8 +13723,21 @@
             </a:pPr>
             <a:r>
               <a:rPr lang="en-AU" sz="2000" dirty="0" smtClean="0"/>
-              <a:t>Electrical Engineer looking to broaden her skillset and apply learnings from fast.ai</a:t>
-            </a:r>
+              <a:t>Electrical </a:t>
+            </a:r>
+            <a:r>
+              <a:rPr lang="en-AU" sz="2000" dirty="0" smtClean="0"/>
+              <a:t>Engineer (Western Power) </a:t>
+            </a:r>
+            <a:r>
+              <a:rPr lang="en-AU" sz="2000" dirty="0" smtClean="0"/>
+              <a:t>looking to broaden her skillset and apply learnings from </a:t>
+            </a:r>
+            <a:r>
+              <a:rPr lang="en-AU" sz="2000" dirty="0" smtClean="0"/>
+              <a:t>fast.ai.</a:t>
+            </a:r>
+            <a:endParaRPr lang="en-AU" sz="2000" dirty="0" smtClean="0"/>
           </a:p>
           <a:p>
             <a:pPr>
@@ -13588,16 +13772,13 @@
               <a:buFontTx/>
               <a:buChar char="-"/>
             </a:pPr>
-            <a:endParaRPr lang="en-AU" dirty="0"/>
-          </a:p>
-          <a:p>
-            <a:pPr>
-              <a:buFontTx/>
-              <a:buChar char="-"/>
-            </a:pPr>
             <a:r>
               <a:rPr lang="en-AU" dirty="0" smtClean="0"/>
-              <a:t>Adrian Goldberg</a:t>
+              <a:t>Adrian </a:t>
+            </a:r>
+            <a:r>
+              <a:rPr lang="en-AU" dirty="0" smtClean="0"/>
+              <a:t>Goldberg</a:t>
             </a:r>
           </a:p>
           <a:p>
@@ -13659,53 +13840,10 @@
               <a:buNone/>
             </a:pPr>
             <a:r>
-              <a:rPr lang="en-AU" sz="2000" dirty="0" err="1"/>
-              <a:t>Lorum</a:t>
-            </a:r>
-            <a:r>
-              <a:rPr lang="en-AU" sz="2000" dirty="0"/>
-              <a:t> ipsum </a:t>
-            </a:r>
-            <a:r>
-              <a:rPr lang="en-AU" sz="2000" dirty="0" err="1"/>
-              <a:t>lorum</a:t>
-            </a:r>
-            <a:r>
-              <a:rPr lang="en-AU" sz="2000" dirty="0"/>
-              <a:t> ipsum </a:t>
-            </a:r>
-            <a:r>
-              <a:rPr lang="en-AU" sz="2000" dirty="0" err="1"/>
-              <a:t>lorum</a:t>
-            </a:r>
-            <a:r>
-              <a:rPr lang="en-AU" sz="2000" dirty="0"/>
-              <a:t> ipsum </a:t>
-            </a:r>
-            <a:r>
-              <a:rPr lang="en-AU" sz="2000" dirty="0" err="1"/>
-              <a:t>lorum</a:t>
-            </a:r>
-            <a:r>
-              <a:rPr lang="en-AU" sz="2000" dirty="0"/>
-              <a:t> ipsum </a:t>
-            </a:r>
-            <a:r>
-              <a:rPr lang="en-AU" sz="2000" dirty="0" err="1"/>
-              <a:t>lorum</a:t>
-            </a:r>
-            <a:r>
-              <a:rPr lang="en-AU" sz="2000" dirty="0"/>
-              <a:t> ipsum </a:t>
-            </a:r>
-            <a:r>
-              <a:rPr lang="en-AU" sz="2000" dirty="0" err="1"/>
-              <a:t>lorum</a:t>
-            </a:r>
-            <a:r>
-              <a:rPr lang="en-AU" sz="2000" dirty="0"/>
-              <a:t> ipsum </a:t>
-            </a:r>
+              <a:rPr lang="en-AU" sz="2000" dirty="0" smtClean="0"/>
+              <a:t>Data Strategy Analyst (Western Power) looking to expand personal skills.</a:t>
+            </a:r>
+            <a:endParaRPr lang="en-AU" sz="2000" dirty="0"/>
           </a:p>
           <a:p>
             <a:pPr marL="0" indent="0">
@@ -13737,8 +13875,96 @@
         </p:blipFill>
         <p:spPr>
           <a:xfrm>
-            <a:off x="1413892" y="2816437"/>
-            <a:ext cx="2235385" cy="2083891"/>
+            <a:off x="1053852" y="3180539"/>
+            <a:ext cx="2654605" cy="2474700"/>
+          </a:xfrm>
+          <a:prstGeom prst="rect">
+            <a:avLst/>
+          </a:prstGeom>
+          <a:ln w="38100" cap="sq">
+            <a:solidFill>
+              <a:srgbClr val="000000"/>
+            </a:solidFill>
+            <a:prstDash val="solid"/>
+            <a:miter lim="800000"/>
+          </a:ln>
+          <a:effectLst>
+            <a:outerShdw blurRad="50800" dist="38100" dir="2700000" algn="tl" rotWithShape="0">
+              <a:srgbClr val="000000">
+                <a:alpha val="43000"/>
+              </a:srgbClr>
+            </a:outerShdw>
+          </a:effectLst>
+        </p:spPr>
+      </p:pic>
+      <p:pic>
+        <p:nvPicPr>
+          <p:cNvPr id="2" name="Picture 1"/>
+          <p:cNvPicPr>
+            <a:picLocks noChangeAspect="1"/>
+          </p:cNvPicPr>
+          <p:nvPr/>
+        </p:nvPicPr>
+        <p:blipFill>
+          <a:blip r:embed="rId3">
+            <a:extLst>
+              <a:ext uri="{28A0092B-C50C-407E-A947-70E740481C1C}">
+                <a14:useLocalDpi xmlns:a14="http://schemas.microsoft.com/office/drawing/2010/main" val="0"/>
+              </a:ext>
+            </a:extLst>
+          </a:blip>
+          <a:stretch>
+            <a:fillRect/>
+          </a:stretch>
+        </p:blipFill>
+        <p:spPr>
+          <a:xfrm>
+            <a:off x="8902724" y="3113073"/>
+            <a:ext cx="1841784" cy="2474700"/>
+          </a:xfrm>
+          <a:prstGeom prst="rect">
+            <a:avLst/>
+          </a:prstGeom>
+          <a:ln w="38100" cap="sq">
+            <a:solidFill>
+              <a:srgbClr val="000000"/>
+            </a:solidFill>
+            <a:prstDash val="solid"/>
+            <a:miter lim="800000"/>
+          </a:ln>
+          <a:effectLst>
+            <a:outerShdw blurRad="50800" dist="38100" dir="2700000" algn="tl" rotWithShape="0">
+              <a:srgbClr val="000000">
+                <a:alpha val="43000"/>
+              </a:srgbClr>
+            </a:outerShdw>
+          </a:effectLst>
+        </p:spPr>
+      </p:pic>
+      <p:pic>
+        <p:nvPicPr>
+          <p:cNvPr id="3" name="Picture 2"/>
+          <p:cNvPicPr>
+            <a:picLocks noChangeAspect="1"/>
+          </p:cNvPicPr>
+          <p:nvPr/>
+        </p:nvPicPr>
+        <p:blipFill>
+          <a:blip r:embed="rId4" cstate="print">
+            <a:extLst>
+              <a:ext uri="{28A0092B-C50C-407E-A947-70E740481C1C}">
+                <a14:useLocalDpi xmlns:a14="http://schemas.microsoft.com/office/drawing/2010/main" val="0"/>
+              </a:ext>
+            </a:extLst>
+          </a:blip>
+          <a:stretch>
+            <a:fillRect/>
+          </a:stretch>
+        </p:blipFill>
+        <p:spPr>
+          <a:xfrm>
+            <a:off x="4654252" y="2816437"/>
+            <a:ext cx="2791837" cy="3202905"/>
           </a:xfrm>
           <a:prstGeom prst="rect">
             <a:avLst/>
@@ -13803,39 +14029,10 @@
       </p:grpSpPr>
       <p:sp>
         <p:nvSpPr>
-          <p:cNvPr id="2" name="Title 1">
-            <a:extLst>
-              <a:ext uri="{FF2B5EF4-FFF2-40B4-BE49-F238E27FC236}">
-                <a16:creationId xmlns:a16="http://schemas.microsoft.com/office/drawing/2014/main" xmlns="" id="{118CBBA9-49D2-4262-9114-D0D47E7D522A}"/>
-              </a:ext>
-            </a:extLst>
-          </p:cNvPr>
-          <p:cNvSpPr>
-            <a:spLocks noGrp="1"/>
-          </p:cNvSpPr>
-          <p:nvPr>
-            <p:ph type="title"/>
-          </p:nvPr>
-        </p:nvSpPr>
-        <p:spPr/>
-        <p:txBody>
-          <a:bodyPr/>
-          <a:lstStyle/>
-          <a:p>
-            <a:r>
-              <a:rPr lang="en-AU" b="1" dirty="0" smtClean="0"/>
-              <a:t>We found…</a:t>
-            </a:r>
-            <a:endParaRPr lang="en-AU" dirty="0"/>
-          </a:p>
-        </p:txBody>
-      </p:sp>
-      <p:sp>
-        <p:nvSpPr>
           <p:cNvPr id="3" name="Content Placeholder 2">
             <a:extLst>
               <a:ext uri="{FF2B5EF4-FFF2-40B4-BE49-F238E27FC236}">
-                <a16:creationId xmlns:a16="http://schemas.microsoft.com/office/drawing/2014/main" xmlns="" id="{1E6F3B36-FA1C-4A44-8799-54720A510D55}"/>
+                <a16:creationId xmlns="" xmlns:a16="http://schemas.microsoft.com/office/drawing/2014/main" id="{1E6F3B36-FA1C-4A44-8799-54720A510D55}"/>
               </a:ext>
             </a:extLst>
           </p:cNvPr>
@@ -13849,185 +14046,115 @@
         <p:spPr>
           <a:xfrm>
             <a:off x="1218883" y="1701797"/>
-            <a:ext cx="10564161" cy="4462272"/>
+            <a:ext cx="10360501" cy="4823547"/>
           </a:xfrm>
         </p:spPr>
         <p:txBody>
           <a:bodyPr>
-            <a:normAutofit fontScale="70000" lnSpcReduction="20000"/>
+            <a:normAutofit/>
           </a:bodyPr>
           <a:lstStyle/>
           <a:p>
             <a:r>
               <a:rPr lang="en-AU" dirty="0"/>
-              <a:t>Resnet34 </a:t>
-            </a:r>
+              <a:t>Significant dropout:</a:t>
+            </a:r>
+          </a:p>
+          <a:p>
+            <a:pPr lvl="1"/>
             <a:r>
               <a:rPr lang="en-AU" dirty="0" smtClean="0"/>
-              <a:t>architecture is adequate</a:t>
-            </a:r>
-            <a:endParaRPr lang="en-AU" dirty="0"/>
+              <a:t>Assumed dropout would improve generalisation of solar panels and reduce false positives</a:t>
+            </a:r>
+          </a:p>
+          <a:p>
+            <a:r>
+              <a:rPr lang="en-AU" dirty="0" smtClean="0"/>
+              <a:t>Data augmentation</a:t>
+            </a:r>
+          </a:p>
+          <a:p>
+            <a:pPr lvl="1"/>
+            <a:r>
+              <a:rPr lang="en-AU" dirty="0" smtClean="0"/>
+              <a:t>With blur – similar principle to the above – seemed to be counterproductive by reducing accuracy</a:t>
+            </a:r>
+          </a:p>
+          <a:p>
+            <a:pPr lvl="1"/>
+            <a:r>
+              <a:rPr lang="en-AU" dirty="0" smtClean="0"/>
+              <a:t>30 degree image tilt – To better generalise house (and by proxy panel) positioning – reduced the validation set accuracy</a:t>
+            </a:r>
           </a:p>
           <a:p>
             <a:r>
               <a:rPr lang="en-AU" dirty="0"/>
-              <a:t>First </a:t>
-            </a:r>
-            <a:r>
-              <a:rPr lang="en-AU" dirty="0" smtClean="0"/>
-              <a:t>training epoch (last layer only): </a:t>
-            </a:r>
-            <a:r>
-              <a:rPr lang="en-AU" dirty="0"/>
-              <a:t>86.4% accuracy</a:t>
-            </a:r>
-          </a:p>
-          <a:p>
-            <a:r>
-              <a:rPr lang="en-AU" dirty="0"/>
-              <a:t>False </a:t>
-            </a:r>
-            <a:r>
-              <a:rPr lang="en-AU" dirty="0">
-                <a:solidFill>
-                  <a:srgbClr val="FF0000"/>
-                </a:solidFill>
-              </a:rPr>
-              <a:t>negatives</a:t>
-            </a:r>
-            <a:r>
-              <a:rPr lang="en-AU" dirty="0"/>
-              <a:t> generally </a:t>
-            </a:r>
-            <a:r>
-              <a:rPr lang="en-AU" dirty="0" smtClean="0"/>
-              <a:t>occurred </a:t>
-            </a:r>
-            <a:r>
-              <a:rPr lang="en-AU" dirty="0"/>
-              <a:t>where panel edges </a:t>
-            </a:r>
-            <a:r>
-              <a:rPr lang="en-AU" dirty="0" smtClean="0"/>
-              <a:t>were not visible</a:t>
-            </a:r>
-            <a:endParaRPr lang="en-AU" dirty="0"/>
-          </a:p>
-          <a:p>
-            <a:r>
-              <a:rPr lang="en-AU" dirty="0"/>
-              <a:t>False </a:t>
-            </a:r>
-            <a:r>
-              <a:rPr lang="en-AU" dirty="0">
-                <a:solidFill>
-                  <a:schemeClr val="accent1">
-                    <a:lumMod val="60000"/>
-                    <a:lumOff val="40000"/>
-                  </a:schemeClr>
-                </a:solidFill>
-              </a:rPr>
-              <a:t>positives</a:t>
-            </a:r>
-            <a:r>
-              <a:rPr lang="en-AU" dirty="0"/>
-              <a:t> generally occur on grid-like </a:t>
-            </a:r>
-            <a:r>
-              <a:rPr lang="en-AU" dirty="0" smtClean="0"/>
-              <a:t>structures (tiles, pergolas </a:t>
-            </a:r>
-            <a:r>
-              <a:rPr lang="en-AU" dirty="0" err="1" smtClean="0"/>
-              <a:t>etc</a:t>
-            </a:r>
-            <a:r>
-              <a:rPr lang="en-AU" dirty="0" smtClean="0"/>
-              <a:t>)</a:t>
-            </a:r>
-            <a:endParaRPr lang="en-AU" dirty="0"/>
-          </a:p>
-          <a:p>
-            <a:r>
-              <a:rPr lang="en-AU" dirty="0"/>
-              <a:t>Learning rate utilising SGDR on final layer provides small improvement: 88.6%</a:t>
-            </a:r>
-          </a:p>
-          <a:p>
-            <a:r>
-              <a:rPr lang="en-AU" dirty="0"/>
-              <a:t>SGDR with differential learning rates yields </a:t>
-            </a:r>
-            <a:r>
-              <a:rPr lang="en-AU" u="sng" dirty="0"/>
-              <a:t>significant</a:t>
-            </a:r>
-            <a:r>
-              <a:rPr lang="en-AU" dirty="0"/>
-              <a:t> accuracy </a:t>
+              <a:t>Moving up to a ResNet50 model took far longer to train but did not yield a performance </a:t>
             </a:r>
             <a:r>
               <a:rPr lang="en-AU" dirty="0" smtClean="0"/>
               <a:t>increase</a:t>
             </a:r>
+            <a:endParaRPr lang="en-AU" dirty="0"/>
           </a:p>
           <a:p>
             <a:pPr lvl="1"/>
+            <a:endParaRPr lang="en-AU" dirty="0"/>
+          </a:p>
+        </p:txBody>
+      </p:sp>
+      <p:sp>
+        <p:nvSpPr>
+          <p:cNvPr id="5" name="Title 1">
+            <a:extLst>
+              <a:ext uri="{FF2B5EF4-FFF2-40B4-BE49-F238E27FC236}">
+                <a16:creationId xmlns="" xmlns:a16="http://schemas.microsoft.com/office/drawing/2014/main" id="{118CBBA9-49D2-4262-9114-D0D47E7D522A}"/>
+              </a:ext>
+            </a:extLst>
+          </p:cNvPr>
+          <p:cNvSpPr txBox="1">
+            <a:spLocks/>
+          </p:cNvSpPr>
+          <p:nvPr/>
+        </p:nvSpPr>
+        <p:spPr>
+          <a:xfrm>
+            <a:off x="1371283" y="427037"/>
+            <a:ext cx="10360501" cy="1223963"/>
+          </a:xfrm>
+          <a:prstGeom prst="rect">
+            <a:avLst/>
+          </a:prstGeom>
+        </p:spPr>
+        <p:txBody>
+          <a:bodyPr vert="horz" lIns="121899" tIns="60949" rIns="121899" bIns="60949" rtlCol="0" anchor="b">
+            <a:normAutofit/>
+          </a:bodyPr>
+          <a:lstStyle>
+            <a:lvl1pPr algn="l" defTabSz="1218987" rtl="0" eaLnBrk="1" latinLnBrk="0" hangingPunct="1">
+              <a:lnSpc>
+                <a:spcPct val="90000"/>
+              </a:lnSpc>
+              <a:spcBef>
+                <a:spcPct val="0"/>
+              </a:spcBef>
+              <a:buNone/>
+              <a:defRPr sz="3600" kern="1200">
+                <a:solidFill>
+                  <a:schemeClr val="tx1"/>
+                </a:solidFill>
+                <a:latin typeface="+mj-lt"/>
+                <a:ea typeface="+mj-ea"/>
+                <a:cs typeface="+mj-cs"/>
+              </a:defRPr>
+            </a:lvl1pPr>
+          </a:lstStyle>
+          <a:p>
             <a:r>
               <a:rPr lang="en-AU" dirty="0" smtClean="0"/>
-              <a:t>Layers were unfrozen, and the last 3 layers were re-trained until overfitting (train loss &gt; validation loss)</a:t>
-            </a:r>
-          </a:p>
-          <a:p>
-            <a:pPr lvl="1"/>
-            <a:r>
-              <a:rPr lang="en-AU" dirty="0" smtClean="0"/>
-              <a:t>Significant </a:t>
-            </a:r>
-            <a:r>
-              <a:rPr lang="en-AU" dirty="0"/>
-              <a:t>accuracy </a:t>
-            </a:r>
-            <a:r>
-              <a:rPr lang="en-AU" dirty="0" smtClean="0"/>
-              <a:t>improvement</a:t>
-            </a:r>
-            <a:r>
-              <a:rPr lang="en-AU" dirty="0"/>
-              <a:t> </a:t>
-            </a:r>
-            <a:r>
-              <a:rPr lang="en-AU" dirty="0" smtClean="0"/>
-              <a:t>(97.3%), however the risk of overfitting may be high</a:t>
-            </a:r>
-          </a:p>
-          <a:p>
-            <a:r>
-              <a:rPr lang="en-AU" dirty="0" smtClean="0"/>
-              <a:t>TTA </a:t>
-            </a:r>
-            <a:r>
-              <a:rPr lang="en-AU" dirty="0"/>
-              <a:t>provides small benefit: 97.8% </a:t>
-            </a:r>
-            <a:r>
-              <a:rPr lang="en-AU" dirty="0" smtClean="0"/>
-              <a:t>accuracy (+0.5%)</a:t>
-            </a:r>
-          </a:p>
-          <a:p>
-            <a:r>
-              <a:rPr lang="en-AU" dirty="0" smtClean="0"/>
-              <a:t>Rectangular imagery and multi-residential imagery will require additional care, and likely image segmentation. </a:t>
-            </a:r>
-            <a:r>
-              <a:rPr lang="en-AU" dirty="0" smtClean="0"/>
-              <a:t>Was not explored, as this would have formed Part B scope.</a:t>
-            </a:r>
-            <a:endParaRPr lang="en-AU" dirty="0"/>
-          </a:p>
-          <a:p>
-            <a:pPr lvl="1"/>
+              <a:t>What didn’t work...</a:t>
+            </a:r>
             <a:endParaRPr lang="en-AU" dirty="0"/>
           </a:p>
         </p:txBody>
@@ -14035,7 +14162,7 @@
     </p:spTree>
     <p:extLst>
       <p:ext uri="{BB962C8B-B14F-4D97-AF65-F5344CB8AC3E}">
-        <p14:creationId xmlns:p14="http://schemas.microsoft.com/office/powerpoint/2010/main" val="796037558"/>
+        <p14:creationId xmlns:p14="http://schemas.microsoft.com/office/powerpoint/2010/main" val="2709229914"/>
       </p:ext>
     </p:extLst>
   </p:cSld>
@@ -14076,10 +14203,39 @@
       </p:grpSpPr>
       <p:sp>
         <p:nvSpPr>
+          <p:cNvPr id="2" name="Title 1">
+            <a:extLst>
+              <a:ext uri="{FF2B5EF4-FFF2-40B4-BE49-F238E27FC236}">
+                <a16:creationId xmlns="" xmlns:a16="http://schemas.microsoft.com/office/drawing/2014/main" id="{118CBBA9-49D2-4262-9114-D0D47E7D522A}"/>
+              </a:ext>
+            </a:extLst>
+          </p:cNvPr>
+          <p:cNvSpPr>
+            <a:spLocks noGrp="1"/>
+          </p:cNvSpPr>
+          <p:nvPr>
+            <p:ph type="title"/>
+          </p:nvPr>
+        </p:nvSpPr>
+        <p:spPr/>
+        <p:txBody>
+          <a:bodyPr/>
+          <a:lstStyle/>
+          <a:p>
+            <a:r>
+              <a:rPr lang="en-AU" b="1" dirty="0" smtClean="0"/>
+              <a:t>We learned…</a:t>
+            </a:r>
+            <a:endParaRPr lang="en-AU" dirty="0"/>
+          </a:p>
+        </p:txBody>
+      </p:sp>
+      <p:sp>
+        <p:nvSpPr>
           <p:cNvPr id="3" name="Content Placeholder 2">
             <a:extLst>
               <a:ext uri="{FF2B5EF4-FFF2-40B4-BE49-F238E27FC236}">
-                <a16:creationId xmlns:a16="http://schemas.microsoft.com/office/drawing/2014/main" xmlns="" id="{1E6F3B36-FA1C-4A44-8799-54720A510D55}"/>
+                <a16:creationId xmlns="" xmlns:a16="http://schemas.microsoft.com/office/drawing/2014/main" id="{1E6F3B36-FA1C-4A44-8799-54720A510D55}"/>
               </a:ext>
             </a:extLst>
           </p:cNvPr>
@@ -14093,115 +14249,38 @@
         <p:spPr>
           <a:xfrm>
             <a:off x="1218883" y="1701797"/>
-            <a:ext cx="10360501" cy="4823547"/>
+            <a:ext cx="10564161" cy="4462272"/>
           </a:xfrm>
         </p:spPr>
         <p:txBody>
-          <a:bodyPr>
-            <a:normAutofit/>
-          </a:bodyPr>
+          <a:bodyPr/>
           <a:lstStyle/>
           <a:p>
             <a:r>
-              <a:rPr lang="en-AU" dirty="0"/>
-              <a:t>Significant dropout:</a:t>
-            </a:r>
-          </a:p>
-          <a:p>
-            <a:pPr lvl="1"/>
-            <a:r>
               <a:rPr lang="en-AU" dirty="0" smtClean="0"/>
-              <a:t>Assumed dropout would improve generalisation of solar panels and reduce false positives</a:t>
+              <a:t>Following the basic fast.ai principles yields generally accurate CV results</a:t>
             </a:r>
           </a:p>
           <a:p>
             <a:r>
               <a:rPr lang="en-AU" dirty="0" smtClean="0"/>
-              <a:t>Data augmentation</a:t>
-            </a:r>
-          </a:p>
-          <a:p>
-            <a:pPr lvl="1"/>
+              <a:t>Minimising data augmentation helped</a:t>
+            </a:r>
+          </a:p>
+          <a:p>
             <a:r>
               <a:rPr lang="en-AU" dirty="0" smtClean="0"/>
-              <a:t>With blur – similar principle to the above – seemed to be counterproductive by reducing accuracy</a:t>
-            </a:r>
-          </a:p>
-          <a:p>
-            <a:pPr lvl="1"/>
+              <a:t>Randomising the test set and validation set to check yielded model results are not a fluke</a:t>
+            </a:r>
+            <a:endParaRPr lang="en-AU" dirty="0"/>
+          </a:p>
+          <a:p>
             <a:r>
               <a:rPr lang="en-AU" dirty="0" smtClean="0"/>
-              <a:t>30 degree image tilt – To better generalise house (and by proxy panel) positioning – reduced the validation set accuracy</a:t>
-            </a:r>
-          </a:p>
-          <a:p>
-            <a:r>
-              <a:rPr lang="en-AU" dirty="0"/>
-              <a:t>Moving up to a ResNet50 model took far longer to train but did not yield a performance </a:t>
-            </a:r>
-            <a:r>
-              <a:rPr lang="en-AU" dirty="0" smtClean="0"/>
-              <a:t>increase</a:t>
-            </a:r>
-            <a:endParaRPr lang="en-AU" dirty="0"/>
-          </a:p>
-          <a:p>
-            <a:pPr lvl="1"/>
-            <a:endParaRPr lang="en-AU" dirty="0"/>
-          </a:p>
-        </p:txBody>
-      </p:sp>
-      <p:sp>
-        <p:nvSpPr>
-          <p:cNvPr id="5" name="Title 1">
-            <a:extLst>
-              <a:ext uri="{FF2B5EF4-FFF2-40B4-BE49-F238E27FC236}">
-                <a16:creationId xmlns:a16="http://schemas.microsoft.com/office/drawing/2014/main" xmlns="" id="{118CBBA9-49D2-4262-9114-D0D47E7D522A}"/>
-              </a:ext>
-            </a:extLst>
-          </p:cNvPr>
-          <p:cNvSpPr txBox="1">
-            <a:spLocks/>
-          </p:cNvSpPr>
-          <p:nvPr/>
-        </p:nvSpPr>
-        <p:spPr>
-          <a:xfrm>
-            <a:off x="1371283" y="427037"/>
-            <a:ext cx="10360501" cy="1223963"/>
-          </a:xfrm>
-          <a:prstGeom prst="rect">
-            <a:avLst/>
-          </a:prstGeom>
-        </p:spPr>
-        <p:txBody>
-          <a:bodyPr vert="horz" lIns="121899" tIns="60949" rIns="121899" bIns="60949" rtlCol="0" anchor="b">
-            <a:normAutofit/>
-          </a:bodyPr>
-          <a:lstStyle>
-            <a:lvl1pPr algn="l" defTabSz="1218987" rtl="0" eaLnBrk="1" latinLnBrk="0" hangingPunct="1">
-              <a:lnSpc>
-                <a:spcPct val="90000"/>
-              </a:lnSpc>
-              <a:spcBef>
-                <a:spcPct val="0"/>
-              </a:spcBef>
-              <a:buNone/>
-              <a:defRPr sz="3600" kern="1200">
-                <a:solidFill>
-                  <a:schemeClr val="tx1"/>
-                </a:solidFill>
-                <a:latin typeface="+mj-lt"/>
-                <a:ea typeface="+mj-ea"/>
-                <a:cs typeface="+mj-cs"/>
-              </a:defRPr>
-            </a:lvl1pPr>
-          </a:lstStyle>
-          <a:p>
-            <a:r>
-              <a:rPr lang="en-AU" dirty="0" smtClean="0"/>
-              <a:t>What didn’t work...</a:t>
-            </a:r>
+              <a:t>How tasks can be segmented better in the future to accelerate works</a:t>
+            </a:r>
+          </a:p>
+          <a:p>
             <a:endParaRPr lang="en-AU" dirty="0"/>
           </a:p>
         </p:txBody>
@@ -14209,7 +14288,7 @@
     </p:spTree>
     <p:extLst>
       <p:ext uri="{BB962C8B-B14F-4D97-AF65-F5344CB8AC3E}">
-        <p14:creationId xmlns:p14="http://schemas.microsoft.com/office/powerpoint/2010/main" val="2709229914"/>
+        <p14:creationId xmlns:p14="http://schemas.microsoft.com/office/powerpoint/2010/main" val="420205084"/>
       </p:ext>
     </p:extLst>
   </p:cSld>
@@ -14232,7 +14311,7 @@
 </file>
 
 <file path=ppt/slides/slide22.xml><?xml version="1.0" encoding="utf-8"?>
-<p:sld xmlns:a="http://schemas.openxmlformats.org/drawingml/2006/main" xmlns:r="http://schemas.openxmlformats.org/officeDocument/2006/relationships" xmlns:p="http://schemas.openxmlformats.org/presentationml/2006/main">
+<p:sld xmlns:a="http://schemas.openxmlformats.org/drawingml/2006/main" xmlns:r="http://schemas.openxmlformats.org/officeDocument/2006/relationships" xmlns:p="http://schemas.openxmlformats.org/presentationml/2006/main" show="0">
   <p:cSld>
     <p:spTree>
       <p:nvGrpSpPr>
@@ -14253,7 +14332,7 @@
           <p:cNvPr id="2" name="Title 1">
             <a:extLst>
               <a:ext uri="{FF2B5EF4-FFF2-40B4-BE49-F238E27FC236}">
-                <a16:creationId xmlns:a16="http://schemas.microsoft.com/office/drawing/2014/main" xmlns="" id="{118CBBA9-49D2-4262-9114-D0D47E7D522A}"/>
+                <a16:creationId xmlns="" xmlns:a16="http://schemas.microsoft.com/office/drawing/2014/main" id="{118CBBA9-49D2-4262-9114-D0D47E7D522A}"/>
               </a:ext>
             </a:extLst>
           </p:cNvPr>
@@ -14270,10 +14349,9 @@
           <a:lstStyle/>
           <a:p>
             <a:r>
-              <a:rPr lang="en-AU" b="1" dirty="0" smtClean="0"/>
-              <a:t>We learned…</a:t>
-            </a:r>
-            <a:endParaRPr lang="en-AU" dirty="0"/>
+              <a:rPr lang="en-AU" dirty="0"/>
+              <a:t>What worked?</a:t>
+            </a:r>
           </a:p>
         </p:txBody>
       </p:sp>
@@ -14282,7 +14360,7 @@
           <p:cNvPr id="3" name="Content Placeholder 2">
             <a:extLst>
               <a:ext uri="{FF2B5EF4-FFF2-40B4-BE49-F238E27FC236}">
-                <a16:creationId xmlns:a16="http://schemas.microsoft.com/office/drawing/2014/main" xmlns="" id="{1E6F3B36-FA1C-4A44-8799-54720A510D55}"/>
+                <a16:creationId xmlns="" xmlns:a16="http://schemas.microsoft.com/office/drawing/2014/main" id="{1E6F3B36-FA1C-4A44-8799-54720A510D55}"/>
               </a:ext>
             </a:extLst>
           </p:cNvPr>
@@ -14304,30 +14382,39 @@
           <a:lstStyle/>
           <a:p>
             <a:r>
-              <a:rPr lang="en-AU" dirty="0" smtClean="0"/>
-              <a:t>Following the basic fast.ai principles yields generally accurate CV results</a:t>
-            </a:r>
-          </a:p>
-          <a:p>
-            <a:r>
-              <a:rPr lang="en-AU" dirty="0" smtClean="0"/>
-              <a:t>Minimising data augmentation helped</a:t>
-            </a:r>
-          </a:p>
-          <a:p>
-            <a:r>
-              <a:rPr lang="en-AU" dirty="0" smtClean="0"/>
-              <a:t>Randomising the test set and validation set to check yielded model results are not a fluke</a:t>
+              <a:rPr lang="en-AU" dirty="0"/>
+              <a:t>Dropout</a:t>
+            </a:r>
+          </a:p>
+          <a:p>
+            <a:pPr lvl="1"/>
+            <a:r>
+              <a:rPr lang="en-AU" dirty="0"/>
+              <a:t>No dropout results in rapid overfitting – not recommended</a:t>
+            </a:r>
+          </a:p>
+          <a:p>
+            <a:pPr lvl="1"/>
+            <a:r>
+              <a:rPr lang="en-AU" dirty="0"/>
+              <a:t>Default dropout of 25% (first dropout layer) and 50% (second dropout layer) in the </a:t>
+            </a:r>
+            <a:r>
+              <a:rPr lang="en-AU"/>
+              <a:t>resnet34 model worked well</a:t>
             </a:r>
             <a:endParaRPr lang="en-AU" dirty="0"/>
           </a:p>
           <a:p>
-            <a:r>
-              <a:rPr lang="en-AU" dirty="0" smtClean="0"/>
-              <a:t>How tasks can be segmented better in the future to accelerate works</a:t>
-            </a:r>
-          </a:p>
-          <a:p>
+            <a:pPr lvl="1"/>
+            <a:endParaRPr lang="en-AU" dirty="0"/>
+          </a:p>
+          <a:p>
+            <a:pPr lvl="1"/>
+            <a:endParaRPr lang="en-AU" dirty="0"/>
+          </a:p>
+          <a:p>
+            <a:pPr lvl="1"/>
             <a:endParaRPr lang="en-AU" dirty="0"/>
           </a:p>
         </p:txBody>
@@ -14335,7 +14422,7 @@
     </p:spTree>
     <p:extLst>
       <p:ext uri="{BB962C8B-B14F-4D97-AF65-F5344CB8AC3E}">
-        <p14:creationId xmlns:p14="http://schemas.microsoft.com/office/powerpoint/2010/main" val="420205084"/>
+        <p14:creationId xmlns:p14="http://schemas.microsoft.com/office/powerpoint/2010/main" val="2167520984"/>
       </p:ext>
     </p:extLst>
   </p:cSld>
@@ -14376,13 +14463,7 @@
       </p:grpSpPr>
       <p:sp>
         <p:nvSpPr>
-          <p:cNvPr id="2" name="Title 1">
-            <a:extLst>
-              <a:ext uri="{FF2B5EF4-FFF2-40B4-BE49-F238E27FC236}">
-                <a16:creationId xmlns:a16="http://schemas.microsoft.com/office/drawing/2014/main" xmlns="" id="{118CBBA9-49D2-4262-9114-D0D47E7D522A}"/>
-              </a:ext>
-            </a:extLst>
-          </p:cNvPr>
+          <p:cNvPr id="4" name="Title 3"/>
           <p:cNvSpPr>
             <a:spLocks noGrp="1"/>
           </p:cNvSpPr>
@@ -14396,93 +14477,62 @@
           <a:lstStyle/>
           <a:p>
             <a:r>
-              <a:rPr lang="en-AU" dirty="0"/>
-              <a:t>What worked?</a:t>
+              <a:rPr lang="en-US" dirty="0"/>
+              <a:t>Challenge 2</a:t>
             </a:r>
           </a:p>
         </p:txBody>
       </p:sp>
       <p:sp>
         <p:nvSpPr>
-          <p:cNvPr id="3" name="Content Placeholder 2">
-            <a:extLst>
-              <a:ext uri="{FF2B5EF4-FFF2-40B4-BE49-F238E27FC236}">
-                <a16:creationId xmlns:a16="http://schemas.microsoft.com/office/drawing/2014/main" xmlns="" id="{1E6F3B36-FA1C-4A44-8799-54720A510D55}"/>
-              </a:ext>
-            </a:extLst>
-          </p:cNvPr>
+          <p:cNvPr id="5" name="Text Placeholder 4"/>
           <p:cNvSpPr>
             <a:spLocks noGrp="1"/>
           </p:cNvSpPr>
           <p:nvPr>
-            <p:ph idx="1"/>
+            <p:ph type="body" idx="1"/>
           </p:nvPr>
         </p:nvSpPr>
-        <p:spPr>
-          <a:xfrm>
-            <a:off x="1218883" y="1701797"/>
-            <a:ext cx="10564161" cy="4462272"/>
-          </a:xfrm>
-        </p:spPr>
+        <p:spPr/>
         <p:txBody>
-          <a:bodyPr/>
+          <a:bodyPr>
+            <a:normAutofit lnSpcReduction="10000"/>
+          </a:bodyPr>
           <a:lstStyle/>
           <a:p>
             <a:r>
-              <a:rPr lang="en-AU" dirty="0"/>
-              <a:t>Dropout</a:t>
-            </a:r>
-          </a:p>
-          <a:p>
-            <a:pPr lvl="1"/>
-            <a:r>
-              <a:rPr lang="en-AU" dirty="0"/>
-              <a:t>No dropout results in rapid overfitting – not recommended</a:t>
-            </a:r>
-          </a:p>
-          <a:p>
-            <a:pPr lvl="1"/>
-            <a:r>
-              <a:rPr lang="en-AU" dirty="0"/>
-              <a:t>Default dropout of 25% (first dropout layer) and 50% (second dropout layer) in the </a:t>
-            </a:r>
-            <a:r>
-              <a:rPr lang="en-AU"/>
-              <a:t>resnet34 model worked well</a:t>
-            </a:r>
-            <a:endParaRPr lang="en-AU" dirty="0"/>
-          </a:p>
-          <a:p>
-            <a:pPr lvl="1"/>
-            <a:endParaRPr lang="en-AU" dirty="0"/>
-          </a:p>
-          <a:p>
-            <a:pPr lvl="1"/>
-            <a:endParaRPr lang="en-AU" dirty="0"/>
-          </a:p>
-          <a:p>
-            <a:pPr lvl="1"/>
-            <a:endParaRPr lang="en-AU" dirty="0"/>
+              <a:rPr lang="en-US" dirty="0"/>
+              <a:t>Photovoltaic generation</a:t>
+            </a:r>
+          </a:p>
+          <a:p>
+            <a:endParaRPr lang="en-US" dirty="0"/>
+          </a:p>
+          <a:p>
+            <a:r>
+              <a:rPr lang="en-US" dirty="0"/>
+              <a:t>PART B - SIZING</a:t>
+            </a:r>
           </a:p>
         </p:txBody>
       </p:sp>
     </p:spTree>
     <p:extLst>
       <p:ext uri="{BB962C8B-B14F-4D97-AF65-F5344CB8AC3E}">
-        <p14:creationId xmlns:p14="http://schemas.microsoft.com/office/powerpoint/2010/main" val="2167520984"/>
+        <p14:creationId xmlns:p14="http://schemas.microsoft.com/office/powerpoint/2010/main" val="3970823378"/>
       </p:ext>
     </p:extLst>
   </p:cSld>
   <p:clrMapOvr>
     <a:masterClrMapping/>
   </p:clrMapOvr>
-  <mc:AlternateContent xmlns:mc="http://schemas.openxmlformats.org/markup-compatibility/2006">
-    <mc:Choice xmlns:p14="http://schemas.microsoft.com/office/powerpoint/2010/main" Requires="p14">
+  <mc:AlternateContent xmlns:mc="http://schemas.openxmlformats.org/markup-compatibility/2006" xmlns:p14="http://schemas.microsoft.com/office/powerpoint/2010/main">
+    <mc:Choice Requires="p14">
       <p:transition spd="med" p14:dur="700">
         <p:fade/>
       </p:transition>
     </mc:Choice>
-    <mc:Fallback>
+    <mc:Fallback xmlns="">
       <p:transition spd="med">
         <p:fade/>
       </p:transition>
@@ -14510,107 +14560,10 @@
       </p:grpSpPr>
       <p:sp>
         <p:nvSpPr>
-          <p:cNvPr id="4" name="Title 3"/>
-          <p:cNvSpPr>
-            <a:spLocks noGrp="1"/>
-          </p:cNvSpPr>
-          <p:nvPr>
-            <p:ph type="title"/>
-          </p:nvPr>
-        </p:nvSpPr>
-        <p:spPr/>
-        <p:txBody>
-          <a:bodyPr/>
-          <a:lstStyle/>
-          <a:p>
-            <a:r>
-              <a:rPr lang="en-US" dirty="0"/>
-              <a:t>Challenge 2</a:t>
-            </a:r>
-          </a:p>
-        </p:txBody>
-      </p:sp>
-      <p:sp>
-        <p:nvSpPr>
-          <p:cNvPr id="5" name="Text Placeholder 4"/>
-          <p:cNvSpPr>
-            <a:spLocks noGrp="1"/>
-          </p:cNvSpPr>
-          <p:nvPr>
-            <p:ph type="body" idx="1"/>
-          </p:nvPr>
-        </p:nvSpPr>
-        <p:spPr/>
-        <p:txBody>
-          <a:bodyPr>
-            <a:normAutofit lnSpcReduction="10000"/>
-          </a:bodyPr>
-          <a:lstStyle/>
-          <a:p>
-            <a:r>
-              <a:rPr lang="en-US" dirty="0"/>
-              <a:t>Photovoltaic generation</a:t>
-            </a:r>
-          </a:p>
-          <a:p>
-            <a:endParaRPr lang="en-US" dirty="0"/>
-          </a:p>
-          <a:p>
-            <a:r>
-              <a:rPr lang="en-US" dirty="0"/>
-              <a:t>PART B - SIZING</a:t>
-            </a:r>
-          </a:p>
-        </p:txBody>
-      </p:sp>
-    </p:spTree>
-    <p:extLst>
-      <p:ext uri="{BB962C8B-B14F-4D97-AF65-F5344CB8AC3E}">
-        <p14:creationId xmlns:p14="http://schemas.microsoft.com/office/powerpoint/2010/main" val="3970823378"/>
-      </p:ext>
-    </p:extLst>
-  </p:cSld>
-  <p:clrMapOvr>
-    <a:masterClrMapping/>
-  </p:clrMapOvr>
-  <mc:AlternateContent xmlns:mc="http://schemas.openxmlformats.org/markup-compatibility/2006">
-    <mc:Choice xmlns:p14="http://schemas.microsoft.com/office/powerpoint/2010/main" Requires="p14">
-      <p:transition spd="med" p14:dur="700">
-        <p:fade/>
-      </p:transition>
-    </mc:Choice>
-    <mc:Fallback>
-      <p:transition spd="med">
-        <p:fade/>
-      </p:transition>
-    </mc:Fallback>
-  </mc:AlternateContent>
-</p:sld>
-</file>
-
-<file path=ppt/slides/slide25.xml><?xml version="1.0" encoding="utf-8"?>
-<p:sld xmlns:a="http://schemas.openxmlformats.org/drawingml/2006/main" xmlns:r="http://schemas.openxmlformats.org/officeDocument/2006/relationships" xmlns:p="http://schemas.openxmlformats.org/presentationml/2006/main" show="0">
-  <p:cSld>
-    <p:spTree>
-      <p:nvGrpSpPr>
-        <p:cNvPr id="1" name=""/>
-        <p:cNvGrpSpPr/>
-        <p:nvPr/>
-      </p:nvGrpSpPr>
-      <p:grpSpPr>
-        <a:xfrm>
-          <a:off x="0" y="0"/>
-          <a:ext cx="0" cy="0"/>
-          <a:chOff x="0" y="0"/>
-          <a:chExt cx="0" cy="0"/>
-        </a:xfrm>
-      </p:grpSpPr>
-      <p:sp>
-        <p:nvSpPr>
           <p:cNvPr id="2" name="Title 1">
             <a:extLst>
               <a:ext uri="{FF2B5EF4-FFF2-40B4-BE49-F238E27FC236}">
-                <a16:creationId xmlns:a16="http://schemas.microsoft.com/office/drawing/2014/main" xmlns="" id="{118CBBA9-49D2-4262-9114-D0D47E7D522A}"/>
+                <a16:creationId xmlns="" xmlns:a16="http://schemas.microsoft.com/office/drawing/2014/main" id="{118CBBA9-49D2-4262-9114-D0D47E7D522A}"/>
               </a:ext>
             </a:extLst>
           </p:cNvPr>
@@ -14638,7 +14591,7 @@
           <p:cNvPr id="3" name="Content Placeholder 2">
             <a:extLst>
               <a:ext uri="{FF2B5EF4-FFF2-40B4-BE49-F238E27FC236}">
-                <a16:creationId xmlns:a16="http://schemas.microsoft.com/office/drawing/2014/main" xmlns="" id="{1E6F3B36-FA1C-4A44-8799-54720A510D55}"/>
+                <a16:creationId xmlns="" xmlns:a16="http://schemas.microsoft.com/office/drawing/2014/main" id="{1E6F3B36-FA1C-4A44-8799-54720A510D55}"/>
               </a:ext>
             </a:extLst>
           </p:cNvPr>
@@ -14697,13 +14650,13 @@
   <p:clrMapOvr>
     <a:masterClrMapping/>
   </p:clrMapOvr>
-  <mc:AlternateContent xmlns:mc="http://schemas.openxmlformats.org/markup-compatibility/2006">
-    <mc:Choice xmlns:p14="http://schemas.microsoft.com/office/powerpoint/2010/main" Requires="p14">
+  <mc:AlternateContent xmlns:mc="http://schemas.openxmlformats.org/markup-compatibility/2006" xmlns:p14="http://schemas.microsoft.com/office/powerpoint/2010/main">
+    <mc:Choice Requires="p14">
       <p:transition spd="med" p14:dur="700">
         <p:fade/>
       </p:transition>
     </mc:Choice>
-    <mc:Fallback>
+    <mc:Fallback xmlns="">
       <p:transition spd="med">
         <p:fade/>
       </p:transition>
@@ -14712,7 +14665,7 @@
 </p:sld>
 </file>
 
-<file path=ppt/slides/slide26.xml><?xml version="1.0" encoding="utf-8"?>
+<file path=ppt/slides/slide25.xml><?xml version="1.0" encoding="utf-8"?>
 <p:sld xmlns:a="http://schemas.openxmlformats.org/drawingml/2006/main" xmlns:r="http://schemas.openxmlformats.org/officeDocument/2006/relationships" xmlns:p="http://schemas.openxmlformats.org/presentationml/2006/main">
   <p:cSld>
     <p:spTree>
@@ -14734,7 +14687,7 @@
           <p:cNvPr id="2" name="Title 1">
             <a:extLst>
               <a:ext uri="{FF2B5EF4-FFF2-40B4-BE49-F238E27FC236}">
-                <a16:creationId xmlns:a16="http://schemas.microsoft.com/office/drawing/2014/main" xmlns="" id="{118CBBA9-49D2-4262-9114-D0D47E7D522A}"/>
+                <a16:creationId xmlns="" xmlns:a16="http://schemas.microsoft.com/office/drawing/2014/main" id="{118CBBA9-49D2-4262-9114-D0D47E7D522A}"/>
               </a:ext>
             </a:extLst>
           </p:cNvPr>
@@ -14767,7 +14720,7 @@
           <p:cNvPr id="3" name="Content Placeholder 2">
             <a:extLst>
               <a:ext uri="{FF2B5EF4-FFF2-40B4-BE49-F238E27FC236}">
-                <a16:creationId xmlns:a16="http://schemas.microsoft.com/office/drawing/2014/main" xmlns="" id="{1E6F3B36-FA1C-4A44-8799-54720A510D55}"/>
+                <a16:creationId xmlns="" xmlns:a16="http://schemas.microsoft.com/office/drawing/2014/main" id="{1E6F3B36-FA1C-4A44-8799-54720A510D55}"/>
               </a:ext>
             </a:extLst>
           </p:cNvPr>
@@ -14814,7 +14767,7 @@
           <p:cNvPr id="5" name="Picture 4">
             <a:extLst>
               <a:ext uri="{FF2B5EF4-FFF2-40B4-BE49-F238E27FC236}">
-                <a16:creationId xmlns:a16="http://schemas.microsoft.com/office/drawing/2014/main" xmlns="" id="{4E9B1E06-FE9D-462D-A33F-A672B189115A}"/>
+                <a16:creationId xmlns="" xmlns:a16="http://schemas.microsoft.com/office/drawing/2014/main" id="{4E9B1E06-FE9D-462D-A33F-A672B189115A}"/>
               </a:ext>
             </a:extLst>
           </p:cNvPr>
@@ -14850,7 +14803,7 @@
           <p:cNvPr id="6" name="Picture 5">
             <a:extLst>
               <a:ext uri="{FF2B5EF4-FFF2-40B4-BE49-F238E27FC236}">
-                <a16:creationId xmlns:a16="http://schemas.microsoft.com/office/drawing/2014/main" xmlns="" id="{EEFF4B65-FE70-4058-AB79-864721B760FD}"/>
+                <a16:creationId xmlns="" xmlns:a16="http://schemas.microsoft.com/office/drawing/2014/main" id="{EEFF4B65-FE70-4058-AB79-864721B760FD}"/>
               </a:ext>
             </a:extLst>
           </p:cNvPr>
@@ -16282,7 +16235,7 @@
       </p:grpSpPr>
       <p:sp>
         <p:nvSpPr>
-          <p:cNvPr id="13" name="Title 12"/>
+          <p:cNvPr id="4" name="Title 3"/>
           <p:cNvSpPr>
             <a:spLocks noGrp="1"/>
           </p:cNvSpPr>
@@ -16297,29 +16250,40 @@
           <a:p>
             <a:r>
               <a:rPr lang="en-US" dirty="0"/>
-              <a:t>Overview</a:t>
+              <a:t>Challenge 2</a:t>
             </a:r>
           </a:p>
         </p:txBody>
       </p:sp>
       <p:sp>
         <p:nvSpPr>
-          <p:cNvPr id="14" name="Content Placeholder 13"/>
+          <p:cNvPr id="5" name="Text Placeholder 4"/>
           <p:cNvSpPr>
             <a:spLocks noGrp="1"/>
           </p:cNvSpPr>
           <p:nvPr>
-            <p:ph idx="1"/>
+            <p:ph type="body" idx="1"/>
           </p:nvPr>
         </p:nvSpPr>
         <p:spPr/>
         <p:txBody>
-          <a:bodyPr/>
+          <a:bodyPr>
+            <a:normAutofit lnSpcReduction="10000"/>
+          </a:bodyPr>
           <a:lstStyle/>
           <a:p>
             <a:r>
               <a:rPr lang="en-US" dirty="0"/>
-              <a:t>To do</a:t>
+              <a:t>Photovoltaic generation</a:t>
+            </a:r>
+          </a:p>
+          <a:p>
+            <a:endParaRPr lang="en-US" dirty="0"/>
+          </a:p>
+          <a:p>
+            <a:r>
+              <a:rPr lang="en-US" dirty="0"/>
+              <a:t>PART A - Detection</a:t>
             </a:r>
           </a:p>
         </p:txBody>
@@ -16327,7 +16291,7 @@
     </p:spTree>
     <p:extLst>
       <p:ext uri="{BB962C8B-B14F-4D97-AF65-F5344CB8AC3E}">
-        <p14:creationId xmlns:p14="http://schemas.microsoft.com/office/powerpoint/2010/main" val="820411689"/>
+        <p14:creationId xmlns:p14="http://schemas.microsoft.com/office/powerpoint/2010/main" val="4264977537"/>
       </p:ext>
     </p:extLst>
   </p:cSld>
@@ -17300,142 +17264,6 @@
 </file>
 
 <file path=customXml/item1.xml><?xml version="1.0" encoding="utf-8"?>
-<p:properties xmlns:p="http://schemas.microsoft.com/office/2006/metadata/properties" xmlns:xsi="http://www.w3.org/2001/XMLSchema-instance" xmlns:pc="http://schemas.microsoft.com/office/infopath/2007/PartnerControls">
-  <documentManagement>
-    <LocPublishedLinkedAssetsLookup xmlns="4873beb7-5857-4685-be1f-d57550cc96cc" xsi:nil="true"/>
-    <ApprovalStatus xmlns="4873beb7-5857-4685-be1f-d57550cc96cc">InProgress</ApprovalStatus>
-    <MarketSpecific xmlns="4873beb7-5857-4685-be1f-d57550cc96cc">false</MarketSpecific>
-    <LocComments xmlns="4873beb7-5857-4685-be1f-d57550cc96cc" xsi:nil="true"/>
-    <LocLastLocAttemptVersionTypeLookup xmlns="4873beb7-5857-4685-be1f-d57550cc96cc" xsi:nil="true"/>
-    <DirectSourceMarket xmlns="4873beb7-5857-4685-be1f-d57550cc96cc" xsi:nil="true"/>
-    <ThumbnailAssetId xmlns="4873beb7-5857-4685-be1f-d57550cc96cc" xsi:nil="true"/>
-    <PrimaryImageGen xmlns="4873beb7-5857-4685-be1f-d57550cc96cc">false</PrimaryImageGen>
-    <LocNewPublishedVersionLookup xmlns="4873beb7-5857-4685-be1f-d57550cc96cc" xsi:nil="true"/>
-    <LegacyData xmlns="4873beb7-5857-4685-be1f-d57550cc96cc" xsi:nil="true"/>
-    <LocRecommendedHandoff xmlns="4873beb7-5857-4685-be1f-d57550cc96cc" xsi:nil="true"/>
-    <BusinessGroup xmlns="4873beb7-5857-4685-be1f-d57550cc96cc" xsi:nil="true"/>
-    <BlockPublish xmlns="4873beb7-5857-4685-be1f-d57550cc96cc">false</BlockPublish>
-    <TPFriendlyName xmlns="4873beb7-5857-4685-be1f-d57550cc96cc" xsi:nil="true"/>
-    <LocOverallPublishStatusLookup xmlns="4873beb7-5857-4685-be1f-d57550cc96cc" xsi:nil="true"/>
-    <NumericId xmlns="4873beb7-5857-4685-be1f-d57550cc96cc" xsi:nil="true"/>
-    <APEditor xmlns="4873beb7-5857-4685-be1f-d57550cc96cc">
-      <UserInfo>
-        <DisplayName/>
-        <AccountId xsi:nil="true"/>
-        <AccountType/>
-      </UserInfo>
-    </APEditor>
-    <SourceTitle xmlns="4873beb7-5857-4685-be1f-d57550cc96cc" xsi:nil="true"/>
-    <OpenTemplate xmlns="4873beb7-5857-4685-be1f-d57550cc96cc">true</OpenTemplate>
-    <LocOverallLocStatusLookup xmlns="4873beb7-5857-4685-be1f-d57550cc96cc" xsi:nil="true"/>
-    <UALocComments xmlns="4873beb7-5857-4685-be1f-d57550cc96cc" xsi:nil="true"/>
-    <ParentAssetId xmlns="4873beb7-5857-4685-be1f-d57550cc96cc" xsi:nil="true"/>
-    <IntlLangReviewDate xmlns="4873beb7-5857-4685-be1f-d57550cc96cc" xsi:nil="true"/>
-    <FeatureTagsTaxHTField0 xmlns="4873beb7-5857-4685-be1f-d57550cc96cc">
-      <Terms xmlns="http://schemas.microsoft.com/office/infopath/2007/PartnerControls"/>
-    </FeatureTagsTaxHTField0>
-    <PublishStatusLookup xmlns="4873beb7-5857-4685-be1f-d57550cc96cc">
-      <Value>1345093</Value>
-    </PublishStatusLookup>
-    <Providers xmlns="4873beb7-5857-4685-be1f-d57550cc96cc" xsi:nil="true"/>
-    <MachineTranslated xmlns="4873beb7-5857-4685-be1f-d57550cc96cc">false</MachineTranslated>
-    <OriginalSourceMarket xmlns="4873beb7-5857-4685-be1f-d57550cc96cc" xsi:nil="true"/>
-    <APDescription xmlns="4873beb7-5857-4685-be1f-d57550cc96cc">This simple template design works for technology and  businesses, but it's versatile enough to use in other contexts.  It features multiple slide layouts designed for widescreen (16x9 resolution) and includes a sample SmartArt list and chart that are easily editable.</APDescription>
-    <ClipArtFilename xmlns="4873beb7-5857-4685-be1f-d57550cc96cc" xsi:nil="true"/>
-    <ContentItem xmlns="4873beb7-5857-4685-be1f-d57550cc96cc" xsi:nil="true"/>
-    <TPInstallLocation xmlns="4873beb7-5857-4685-be1f-d57550cc96cc" xsi:nil="true"/>
-    <PublishTargets xmlns="4873beb7-5857-4685-be1f-d57550cc96cc">OfficeOnlineVNext</PublishTargets>
-    <TimesCloned xmlns="4873beb7-5857-4685-be1f-d57550cc96cc" xsi:nil="true"/>
-    <AssetStart xmlns="4873beb7-5857-4685-be1f-d57550cc96cc">2011-11-26T00:30:00+00:00</AssetStart>
-    <Provider xmlns="4873beb7-5857-4685-be1f-d57550cc96cc" xsi:nil="true"/>
-    <AcquiredFrom xmlns="4873beb7-5857-4685-be1f-d57550cc96cc">Internal MS</AcquiredFrom>
-    <FriendlyTitle xmlns="4873beb7-5857-4685-be1f-d57550cc96cc" xsi:nil="true"/>
-    <LastHandOff xmlns="4873beb7-5857-4685-be1f-d57550cc96cc" xsi:nil="true"/>
-    <TPClientViewer xmlns="4873beb7-5857-4685-be1f-d57550cc96cc" xsi:nil="true"/>
-    <TemplateStatus xmlns="4873beb7-5857-4685-be1f-d57550cc96cc">Complete</TemplateStatus>
-    <Downloads xmlns="4873beb7-5857-4685-be1f-d57550cc96cc">0</Downloads>
-    <OOCacheId xmlns="4873beb7-5857-4685-be1f-d57550cc96cc" xsi:nil="true"/>
-    <IsDeleted xmlns="4873beb7-5857-4685-be1f-d57550cc96cc">false</IsDeleted>
-    <LocPublishedDependentAssetsLookup xmlns="4873beb7-5857-4685-be1f-d57550cc96cc" xsi:nil="true"/>
-    <TPExecutable xmlns="4873beb7-5857-4685-be1f-d57550cc96cc" xsi:nil="true"/>
-    <EditorialTags xmlns="4873beb7-5857-4685-be1f-d57550cc96cc" xsi:nil="true"/>
-    <SubmitterId xmlns="4873beb7-5857-4685-be1f-d57550cc96cc" xsi:nil="true"/>
-    <ApprovalLog xmlns="4873beb7-5857-4685-be1f-d57550cc96cc" xsi:nil="true"/>
-    <AssetType xmlns="4873beb7-5857-4685-be1f-d57550cc96cc">TP</AssetType>
-    <BugNumber xmlns="4873beb7-5857-4685-be1f-d57550cc96cc" xsi:nil="true"/>
-    <CSXSubmissionDate xmlns="4873beb7-5857-4685-be1f-d57550cc96cc" xsi:nil="true"/>
-    <CSXUpdate xmlns="4873beb7-5857-4685-be1f-d57550cc96cc">false</CSXUpdate>
-    <Milestone xmlns="4873beb7-5857-4685-be1f-d57550cc96cc" xsi:nil="true"/>
-    <RecommendationsModifier xmlns="4873beb7-5857-4685-be1f-d57550cc96cc" xsi:nil="true"/>
-    <OriginAsset xmlns="4873beb7-5857-4685-be1f-d57550cc96cc" xsi:nil="true"/>
-    <TPComponent xmlns="4873beb7-5857-4685-be1f-d57550cc96cc" xsi:nil="true"/>
-    <AssetId xmlns="4873beb7-5857-4685-be1f-d57550cc96cc">TP102787989</AssetId>
-    <IntlLocPriority xmlns="4873beb7-5857-4685-be1f-d57550cc96cc" xsi:nil="true"/>
-    <PolicheckWords xmlns="4873beb7-5857-4685-be1f-d57550cc96cc" xsi:nil="true"/>
-    <TPLaunchHelpLink xmlns="4873beb7-5857-4685-be1f-d57550cc96cc" xsi:nil="true"/>
-    <TPApplication xmlns="4873beb7-5857-4685-be1f-d57550cc96cc" xsi:nil="true"/>
-    <CrawlForDependencies xmlns="4873beb7-5857-4685-be1f-d57550cc96cc">false</CrawlForDependencies>
-    <HandoffToMSDN xmlns="4873beb7-5857-4685-be1f-d57550cc96cc" xsi:nil="true"/>
-    <PlannedPubDate xmlns="4873beb7-5857-4685-be1f-d57550cc96cc" xsi:nil="true"/>
-    <IntlLangReviewer xmlns="4873beb7-5857-4685-be1f-d57550cc96cc" xsi:nil="true"/>
-    <TrustLevel xmlns="4873beb7-5857-4685-be1f-d57550cc96cc">1 Microsoft Managed Content</TrustLevel>
-    <LocLastLocAttemptVersionLookup xmlns="4873beb7-5857-4685-be1f-d57550cc96cc">694266</LocLastLocAttemptVersionLookup>
-    <LocProcessedForHandoffsLookup xmlns="4873beb7-5857-4685-be1f-d57550cc96cc" xsi:nil="true"/>
-    <IsSearchable xmlns="4873beb7-5857-4685-be1f-d57550cc96cc">true</IsSearchable>
-    <TemplateTemplateType xmlns="4873beb7-5857-4685-be1f-d57550cc96cc">PowerPoint Presentation Template</TemplateTemplateType>
-    <CampaignTagsTaxHTField0 xmlns="4873beb7-5857-4685-be1f-d57550cc96cc">
-      <Terms xmlns="http://schemas.microsoft.com/office/infopath/2007/PartnerControls"/>
-    </CampaignTagsTaxHTField0>
-    <TPNamespace xmlns="4873beb7-5857-4685-be1f-d57550cc96cc" xsi:nil="true"/>
-    <LocOverallPreviewStatusLookup xmlns="4873beb7-5857-4685-be1f-d57550cc96cc" xsi:nil="true"/>
-    <TaxCatchAll xmlns="4873beb7-5857-4685-be1f-d57550cc96cc"/>
-    <Markets xmlns="4873beb7-5857-4685-be1f-d57550cc96cc"/>
-    <UAProjectedTotalWords xmlns="4873beb7-5857-4685-be1f-d57550cc96cc" xsi:nil="true"/>
-    <IntlLangReview xmlns="4873beb7-5857-4685-be1f-d57550cc96cc" xsi:nil="true"/>
-    <OutputCachingOn xmlns="4873beb7-5857-4685-be1f-d57550cc96cc">false</OutputCachingOn>
-    <AverageRating xmlns="4873beb7-5857-4685-be1f-d57550cc96cc" xsi:nil="true"/>
-    <APAuthor xmlns="4873beb7-5857-4685-be1f-d57550cc96cc">
-      <UserInfo>
-        <DisplayName>REDMOND\kristaa</DisplayName>
-        <AccountId>136</AccountId>
-        <AccountType/>
-      </UserInfo>
-    </APAuthor>
-    <LocManualTestRequired xmlns="4873beb7-5857-4685-be1f-d57550cc96cc">false</LocManualTestRequired>
-    <TPCommandLine xmlns="4873beb7-5857-4685-be1f-d57550cc96cc" xsi:nil="true"/>
-    <TPAppVersion xmlns="4873beb7-5857-4685-be1f-d57550cc96cc" xsi:nil="true"/>
-    <EditorialStatus xmlns="4873beb7-5857-4685-be1f-d57550cc96cc">Complete</EditorialStatus>
-    <LastModifiedDateTime xmlns="4873beb7-5857-4685-be1f-d57550cc96cc" xsi:nil="true"/>
-    <ScenarioTagsTaxHTField0 xmlns="4873beb7-5857-4685-be1f-d57550cc96cc">
-      <Terms xmlns="http://schemas.microsoft.com/office/infopath/2007/PartnerControls"/>
-    </ScenarioTagsTaxHTField0>
-    <LocProcessedForMarketsLookup xmlns="4873beb7-5857-4685-be1f-d57550cc96cc" xsi:nil="true"/>
-    <TPLaunchHelpLinkType xmlns="4873beb7-5857-4685-be1f-d57550cc96cc">Template</TPLaunchHelpLinkType>
-    <OriginalRelease xmlns="4873beb7-5857-4685-be1f-d57550cc96cc">15</OriginalRelease>
-    <LocalizationTagsTaxHTField0 xmlns="4873beb7-5857-4685-be1f-d57550cc96cc">
-      <Terms xmlns="http://schemas.microsoft.com/office/infopath/2007/PartnerControls"/>
-    </LocalizationTagsTaxHTField0>
-    <UACurrentWords xmlns="4873beb7-5857-4685-be1f-d57550cc96cc" xsi:nil="true"/>
-    <ArtSampleDocs xmlns="4873beb7-5857-4685-be1f-d57550cc96cc" xsi:nil="true"/>
-    <UALocRecommendation xmlns="4873beb7-5857-4685-be1f-d57550cc96cc">Localize</UALocRecommendation>
-    <Manager xmlns="4873beb7-5857-4685-be1f-d57550cc96cc" xsi:nil="true"/>
-    <LocOverallHandbackStatusLookup xmlns="4873beb7-5857-4685-be1f-d57550cc96cc" xsi:nil="true"/>
-    <ShowIn xmlns="4873beb7-5857-4685-be1f-d57550cc96cc">Show everywhere</ShowIn>
-    <UANotes xmlns="4873beb7-5857-4685-be1f-d57550cc96cc" xsi:nil="true"/>
-    <InternalTagsTaxHTField0 xmlns="4873beb7-5857-4685-be1f-d57550cc96cc">
-      <Terms xmlns="http://schemas.microsoft.com/office/infopath/2007/PartnerControls"/>
-    </InternalTagsTaxHTField0>
-    <CSXHash xmlns="4873beb7-5857-4685-be1f-d57550cc96cc" xsi:nil="true"/>
-    <VoteCount xmlns="4873beb7-5857-4685-be1f-d57550cc96cc" xsi:nil="true"/>
-    <AssetExpire xmlns="4873beb7-5857-4685-be1f-d57550cc96cc">2029-05-12T07:00:00+00:00</AssetExpire>
-    <DSATActionTaken xmlns="4873beb7-5857-4685-be1f-d57550cc96cc" xsi:nil="true"/>
-    <CSXSubmissionMarket xmlns="4873beb7-5857-4685-be1f-d57550cc96cc" xsi:nil="true"/>
-    <LocMarketGroupTiers2 xmlns="4873beb7-5857-4685-be1f-d57550cc96cc" xsi:nil="true"/>
-  </documentManagement>
-</p:properties>
-</file>
-
-<file path=customXml/item2.xml><?xml version="1.0" encoding="utf-8"?>
 <ct:contentTypeSchema xmlns:ct="http://schemas.microsoft.com/office/2006/metadata/contentType" xmlns:ma="http://schemas.microsoft.com/office/2006/metadata/properties/metaAttributes" ct:_="" ma:_="" ma:contentTypeName="TemplateFile" ma:contentTypeID="0x0101006EDDDB5EE6D98C44930B742096920B300400F5B6D36B3EF94B4E9A635CDF2A18F5B8" ma:contentTypeVersion="72" ma:contentTypeDescription="Create a new document." ma:contentTypeScope="" ma:versionID="a23e56308344d904b51738559c3d67c9">
   <xsd:schema xmlns:xsd="http://www.w3.org/2001/XMLSchema" xmlns:xs="http://www.w3.org/2001/XMLSchema" xmlns:p="http://schemas.microsoft.com/office/2006/metadata/properties" xmlns:ns2="4873beb7-5857-4685-be1f-d57550cc96cc" targetNamespace="http://schemas.microsoft.com/office/2006/metadata/properties" ma:root="true" ma:fieldsID="cd0908cc4600e77bf5da051303e00c8d" ns2:_="">
     <xsd:import namespace="4873beb7-5857-4685-be1f-d57550cc96cc"/>
@@ -18475,6 +18303,142 @@
 </ct:contentTypeSchema>
 </file>
 
+<file path=customXml/item2.xml><?xml version="1.0" encoding="utf-8"?>
+<p:properties xmlns:p="http://schemas.microsoft.com/office/2006/metadata/properties" xmlns:xsi="http://www.w3.org/2001/XMLSchema-instance" xmlns:pc="http://schemas.microsoft.com/office/infopath/2007/PartnerControls">
+  <documentManagement>
+    <LocPublishedLinkedAssetsLookup xmlns="4873beb7-5857-4685-be1f-d57550cc96cc" xsi:nil="true"/>
+    <ApprovalStatus xmlns="4873beb7-5857-4685-be1f-d57550cc96cc">InProgress</ApprovalStatus>
+    <MarketSpecific xmlns="4873beb7-5857-4685-be1f-d57550cc96cc">false</MarketSpecific>
+    <LocComments xmlns="4873beb7-5857-4685-be1f-d57550cc96cc" xsi:nil="true"/>
+    <LocLastLocAttemptVersionTypeLookup xmlns="4873beb7-5857-4685-be1f-d57550cc96cc" xsi:nil="true"/>
+    <DirectSourceMarket xmlns="4873beb7-5857-4685-be1f-d57550cc96cc" xsi:nil="true"/>
+    <ThumbnailAssetId xmlns="4873beb7-5857-4685-be1f-d57550cc96cc" xsi:nil="true"/>
+    <PrimaryImageGen xmlns="4873beb7-5857-4685-be1f-d57550cc96cc">false</PrimaryImageGen>
+    <LocNewPublishedVersionLookup xmlns="4873beb7-5857-4685-be1f-d57550cc96cc" xsi:nil="true"/>
+    <LegacyData xmlns="4873beb7-5857-4685-be1f-d57550cc96cc" xsi:nil="true"/>
+    <LocRecommendedHandoff xmlns="4873beb7-5857-4685-be1f-d57550cc96cc" xsi:nil="true"/>
+    <BusinessGroup xmlns="4873beb7-5857-4685-be1f-d57550cc96cc" xsi:nil="true"/>
+    <BlockPublish xmlns="4873beb7-5857-4685-be1f-d57550cc96cc">false</BlockPublish>
+    <TPFriendlyName xmlns="4873beb7-5857-4685-be1f-d57550cc96cc" xsi:nil="true"/>
+    <LocOverallPublishStatusLookup xmlns="4873beb7-5857-4685-be1f-d57550cc96cc" xsi:nil="true"/>
+    <NumericId xmlns="4873beb7-5857-4685-be1f-d57550cc96cc" xsi:nil="true"/>
+    <APEditor xmlns="4873beb7-5857-4685-be1f-d57550cc96cc">
+      <UserInfo>
+        <DisplayName/>
+        <AccountId xsi:nil="true"/>
+        <AccountType/>
+      </UserInfo>
+    </APEditor>
+    <SourceTitle xmlns="4873beb7-5857-4685-be1f-d57550cc96cc" xsi:nil="true"/>
+    <OpenTemplate xmlns="4873beb7-5857-4685-be1f-d57550cc96cc">true</OpenTemplate>
+    <LocOverallLocStatusLookup xmlns="4873beb7-5857-4685-be1f-d57550cc96cc" xsi:nil="true"/>
+    <UALocComments xmlns="4873beb7-5857-4685-be1f-d57550cc96cc" xsi:nil="true"/>
+    <ParentAssetId xmlns="4873beb7-5857-4685-be1f-d57550cc96cc" xsi:nil="true"/>
+    <IntlLangReviewDate xmlns="4873beb7-5857-4685-be1f-d57550cc96cc" xsi:nil="true"/>
+    <FeatureTagsTaxHTField0 xmlns="4873beb7-5857-4685-be1f-d57550cc96cc">
+      <Terms xmlns="http://schemas.microsoft.com/office/infopath/2007/PartnerControls"/>
+    </FeatureTagsTaxHTField0>
+    <PublishStatusLookup xmlns="4873beb7-5857-4685-be1f-d57550cc96cc">
+      <Value>1345093</Value>
+    </PublishStatusLookup>
+    <Providers xmlns="4873beb7-5857-4685-be1f-d57550cc96cc" xsi:nil="true"/>
+    <MachineTranslated xmlns="4873beb7-5857-4685-be1f-d57550cc96cc">false</MachineTranslated>
+    <OriginalSourceMarket xmlns="4873beb7-5857-4685-be1f-d57550cc96cc" xsi:nil="true"/>
+    <APDescription xmlns="4873beb7-5857-4685-be1f-d57550cc96cc">This simple template design works for technology and  businesses, but it's versatile enough to use in other contexts.  It features multiple slide layouts designed for widescreen (16x9 resolution) and includes a sample SmartArt list and chart that are easily editable.</APDescription>
+    <ClipArtFilename xmlns="4873beb7-5857-4685-be1f-d57550cc96cc" xsi:nil="true"/>
+    <ContentItem xmlns="4873beb7-5857-4685-be1f-d57550cc96cc" xsi:nil="true"/>
+    <TPInstallLocation xmlns="4873beb7-5857-4685-be1f-d57550cc96cc" xsi:nil="true"/>
+    <PublishTargets xmlns="4873beb7-5857-4685-be1f-d57550cc96cc">OfficeOnlineVNext</PublishTargets>
+    <TimesCloned xmlns="4873beb7-5857-4685-be1f-d57550cc96cc" xsi:nil="true"/>
+    <AssetStart xmlns="4873beb7-5857-4685-be1f-d57550cc96cc">2011-11-26T00:30:00+00:00</AssetStart>
+    <Provider xmlns="4873beb7-5857-4685-be1f-d57550cc96cc" xsi:nil="true"/>
+    <AcquiredFrom xmlns="4873beb7-5857-4685-be1f-d57550cc96cc">Internal MS</AcquiredFrom>
+    <FriendlyTitle xmlns="4873beb7-5857-4685-be1f-d57550cc96cc" xsi:nil="true"/>
+    <LastHandOff xmlns="4873beb7-5857-4685-be1f-d57550cc96cc" xsi:nil="true"/>
+    <TPClientViewer xmlns="4873beb7-5857-4685-be1f-d57550cc96cc" xsi:nil="true"/>
+    <TemplateStatus xmlns="4873beb7-5857-4685-be1f-d57550cc96cc">Complete</TemplateStatus>
+    <Downloads xmlns="4873beb7-5857-4685-be1f-d57550cc96cc">0</Downloads>
+    <OOCacheId xmlns="4873beb7-5857-4685-be1f-d57550cc96cc" xsi:nil="true"/>
+    <IsDeleted xmlns="4873beb7-5857-4685-be1f-d57550cc96cc">false</IsDeleted>
+    <LocPublishedDependentAssetsLookup xmlns="4873beb7-5857-4685-be1f-d57550cc96cc" xsi:nil="true"/>
+    <TPExecutable xmlns="4873beb7-5857-4685-be1f-d57550cc96cc" xsi:nil="true"/>
+    <EditorialTags xmlns="4873beb7-5857-4685-be1f-d57550cc96cc" xsi:nil="true"/>
+    <SubmitterId xmlns="4873beb7-5857-4685-be1f-d57550cc96cc" xsi:nil="true"/>
+    <ApprovalLog xmlns="4873beb7-5857-4685-be1f-d57550cc96cc" xsi:nil="true"/>
+    <AssetType xmlns="4873beb7-5857-4685-be1f-d57550cc96cc">TP</AssetType>
+    <BugNumber xmlns="4873beb7-5857-4685-be1f-d57550cc96cc" xsi:nil="true"/>
+    <CSXSubmissionDate xmlns="4873beb7-5857-4685-be1f-d57550cc96cc" xsi:nil="true"/>
+    <CSXUpdate xmlns="4873beb7-5857-4685-be1f-d57550cc96cc">false</CSXUpdate>
+    <Milestone xmlns="4873beb7-5857-4685-be1f-d57550cc96cc" xsi:nil="true"/>
+    <RecommendationsModifier xmlns="4873beb7-5857-4685-be1f-d57550cc96cc" xsi:nil="true"/>
+    <OriginAsset xmlns="4873beb7-5857-4685-be1f-d57550cc96cc" xsi:nil="true"/>
+    <TPComponent xmlns="4873beb7-5857-4685-be1f-d57550cc96cc" xsi:nil="true"/>
+    <AssetId xmlns="4873beb7-5857-4685-be1f-d57550cc96cc">TP102787989</AssetId>
+    <IntlLocPriority xmlns="4873beb7-5857-4685-be1f-d57550cc96cc" xsi:nil="true"/>
+    <PolicheckWords xmlns="4873beb7-5857-4685-be1f-d57550cc96cc" xsi:nil="true"/>
+    <TPLaunchHelpLink xmlns="4873beb7-5857-4685-be1f-d57550cc96cc" xsi:nil="true"/>
+    <TPApplication xmlns="4873beb7-5857-4685-be1f-d57550cc96cc" xsi:nil="true"/>
+    <CrawlForDependencies xmlns="4873beb7-5857-4685-be1f-d57550cc96cc">false</CrawlForDependencies>
+    <HandoffToMSDN xmlns="4873beb7-5857-4685-be1f-d57550cc96cc" xsi:nil="true"/>
+    <PlannedPubDate xmlns="4873beb7-5857-4685-be1f-d57550cc96cc" xsi:nil="true"/>
+    <IntlLangReviewer xmlns="4873beb7-5857-4685-be1f-d57550cc96cc" xsi:nil="true"/>
+    <TrustLevel xmlns="4873beb7-5857-4685-be1f-d57550cc96cc">1 Microsoft Managed Content</TrustLevel>
+    <LocLastLocAttemptVersionLookup xmlns="4873beb7-5857-4685-be1f-d57550cc96cc">694266</LocLastLocAttemptVersionLookup>
+    <LocProcessedForHandoffsLookup xmlns="4873beb7-5857-4685-be1f-d57550cc96cc" xsi:nil="true"/>
+    <IsSearchable xmlns="4873beb7-5857-4685-be1f-d57550cc96cc">true</IsSearchable>
+    <TemplateTemplateType xmlns="4873beb7-5857-4685-be1f-d57550cc96cc">PowerPoint Presentation Template</TemplateTemplateType>
+    <CampaignTagsTaxHTField0 xmlns="4873beb7-5857-4685-be1f-d57550cc96cc">
+      <Terms xmlns="http://schemas.microsoft.com/office/infopath/2007/PartnerControls"/>
+    </CampaignTagsTaxHTField0>
+    <TPNamespace xmlns="4873beb7-5857-4685-be1f-d57550cc96cc" xsi:nil="true"/>
+    <LocOverallPreviewStatusLookup xmlns="4873beb7-5857-4685-be1f-d57550cc96cc" xsi:nil="true"/>
+    <TaxCatchAll xmlns="4873beb7-5857-4685-be1f-d57550cc96cc"/>
+    <Markets xmlns="4873beb7-5857-4685-be1f-d57550cc96cc"/>
+    <UAProjectedTotalWords xmlns="4873beb7-5857-4685-be1f-d57550cc96cc" xsi:nil="true"/>
+    <IntlLangReview xmlns="4873beb7-5857-4685-be1f-d57550cc96cc" xsi:nil="true"/>
+    <OutputCachingOn xmlns="4873beb7-5857-4685-be1f-d57550cc96cc">false</OutputCachingOn>
+    <AverageRating xmlns="4873beb7-5857-4685-be1f-d57550cc96cc" xsi:nil="true"/>
+    <APAuthor xmlns="4873beb7-5857-4685-be1f-d57550cc96cc">
+      <UserInfo>
+        <DisplayName>REDMOND\kristaa</DisplayName>
+        <AccountId>136</AccountId>
+        <AccountType/>
+      </UserInfo>
+    </APAuthor>
+    <LocManualTestRequired xmlns="4873beb7-5857-4685-be1f-d57550cc96cc">false</LocManualTestRequired>
+    <TPCommandLine xmlns="4873beb7-5857-4685-be1f-d57550cc96cc" xsi:nil="true"/>
+    <TPAppVersion xmlns="4873beb7-5857-4685-be1f-d57550cc96cc" xsi:nil="true"/>
+    <EditorialStatus xmlns="4873beb7-5857-4685-be1f-d57550cc96cc">Complete</EditorialStatus>
+    <LastModifiedDateTime xmlns="4873beb7-5857-4685-be1f-d57550cc96cc" xsi:nil="true"/>
+    <ScenarioTagsTaxHTField0 xmlns="4873beb7-5857-4685-be1f-d57550cc96cc">
+      <Terms xmlns="http://schemas.microsoft.com/office/infopath/2007/PartnerControls"/>
+    </ScenarioTagsTaxHTField0>
+    <LocProcessedForMarketsLookup xmlns="4873beb7-5857-4685-be1f-d57550cc96cc" xsi:nil="true"/>
+    <TPLaunchHelpLinkType xmlns="4873beb7-5857-4685-be1f-d57550cc96cc">Template</TPLaunchHelpLinkType>
+    <OriginalRelease xmlns="4873beb7-5857-4685-be1f-d57550cc96cc">15</OriginalRelease>
+    <LocalizationTagsTaxHTField0 xmlns="4873beb7-5857-4685-be1f-d57550cc96cc">
+      <Terms xmlns="http://schemas.microsoft.com/office/infopath/2007/PartnerControls"/>
+    </LocalizationTagsTaxHTField0>
+    <UACurrentWords xmlns="4873beb7-5857-4685-be1f-d57550cc96cc" xsi:nil="true"/>
+    <ArtSampleDocs xmlns="4873beb7-5857-4685-be1f-d57550cc96cc" xsi:nil="true"/>
+    <UALocRecommendation xmlns="4873beb7-5857-4685-be1f-d57550cc96cc">Localize</UALocRecommendation>
+    <Manager xmlns="4873beb7-5857-4685-be1f-d57550cc96cc" xsi:nil="true"/>
+    <LocOverallHandbackStatusLookup xmlns="4873beb7-5857-4685-be1f-d57550cc96cc" xsi:nil="true"/>
+    <ShowIn xmlns="4873beb7-5857-4685-be1f-d57550cc96cc">Show everywhere</ShowIn>
+    <UANotes xmlns="4873beb7-5857-4685-be1f-d57550cc96cc" xsi:nil="true"/>
+    <InternalTagsTaxHTField0 xmlns="4873beb7-5857-4685-be1f-d57550cc96cc">
+      <Terms xmlns="http://schemas.microsoft.com/office/infopath/2007/PartnerControls"/>
+    </InternalTagsTaxHTField0>
+    <CSXHash xmlns="4873beb7-5857-4685-be1f-d57550cc96cc" xsi:nil="true"/>
+    <VoteCount xmlns="4873beb7-5857-4685-be1f-d57550cc96cc" xsi:nil="true"/>
+    <AssetExpire xmlns="4873beb7-5857-4685-be1f-d57550cc96cc">2029-05-12T07:00:00+00:00</AssetExpire>
+    <DSATActionTaken xmlns="4873beb7-5857-4685-be1f-d57550cc96cc" xsi:nil="true"/>
+    <CSXSubmissionMarket xmlns="4873beb7-5857-4685-be1f-d57550cc96cc" xsi:nil="true"/>
+    <LocMarketGroupTiers2 xmlns="4873beb7-5857-4685-be1f-d57550cc96cc" xsi:nil="true"/>
+  </documentManagement>
+</p:properties>
+</file>
+
 <file path=customXml/item3.xml><?xml version="1.0" encoding="utf-8"?>
 <?mso-contentType ?>
 <FormTemplates xmlns="http://schemas.microsoft.com/sharepoint/v3/contenttype/forms">
@@ -18485,22 +18449,6 @@
 </file>
 
 <file path=customXml/itemProps1.xml><?xml version="1.0" encoding="utf-8"?>
-<ds:datastoreItem xmlns:ds="http://schemas.openxmlformats.org/officeDocument/2006/customXml" ds:itemID="{60C67BEE-D13F-4BD2-98A5-34D8A0977F68}">
-  <ds:schemaRefs>
-    <ds:schemaRef ds:uri="4873beb7-5857-4685-be1f-d57550cc96cc"/>
-    <ds:schemaRef ds:uri="http://schemas.openxmlformats.org/package/2006/metadata/core-properties"/>
-    <ds:schemaRef ds:uri="http://purl.org/dc/terms/"/>
-    <ds:schemaRef ds:uri="http://schemas.microsoft.com/office/2006/documentManagement/types"/>
-    <ds:schemaRef ds:uri="http://purl.org/dc/elements/1.1/"/>
-    <ds:schemaRef ds:uri="http://schemas.microsoft.com/office/2006/metadata/properties"/>
-    <ds:schemaRef ds:uri="http://schemas.microsoft.com/office/infopath/2007/PartnerControls"/>
-    <ds:schemaRef ds:uri="http://www.w3.org/XML/1998/namespace"/>
-    <ds:schemaRef ds:uri="http://purl.org/dc/dcmitype/"/>
-  </ds:schemaRefs>
-</ds:datastoreItem>
-</file>
-
-<file path=customXml/itemProps2.xml><?xml version="1.0" encoding="utf-8"?>
 <ds:datastoreItem xmlns:ds="http://schemas.openxmlformats.org/officeDocument/2006/customXml" ds:itemID="{A09BF4D4-EF60-4196-BFC3-9462D607978C}">
   <ds:schemaRefs>
     <ds:schemaRef ds:uri="http://schemas.microsoft.com/office/2006/metadata/contentType"/>
@@ -18518,6 +18466,22 @@
 </ds:datastoreItem>
 </file>
 
+<file path=customXml/itemProps2.xml><?xml version="1.0" encoding="utf-8"?>
+<ds:datastoreItem xmlns:ds="http://schemas.openxmlformats.org/officeDocument/2006/customXml" ds:itemID="{60C67BEE-D13F-4BD2-98A5-34D8A0977F68}">
+  <ds:schemaRefs>
+    <ds:schemaRef ds:uri="4873beb7-5857-4685-be1f-d57550cc96cc"/>
+    <ds:schemaRef ds:uri="http://schemas.openxmlformats.org/package/2006/metadata/core-properties"/>
+    <ds:schemaRef ds:uri="http://purl.org/dc/terms/"/>
+    <ds:schemaRef ds:uri="http://schemas.microsoft.com/office/2006/documentManagement/types"/>
+    <ds:schemaRef ds:uri="http://purl.org/dc/elements/1.1/"/>
+    <ds:schemaRef ds:uri="http://schemas.microsoft.com/office/2006/metadata/properties"/>
+    <ds:schemaRef ds:uri="http://schemas.microsoft.com/office/infopath/2007/PartnerControls"/>
+    <ds:schemaRef ds:uri="http://www.w3.org/XML/1998/namespace"/>
+    <ds:schemaRef ds:uri="http://purl.org/dc/dcmitype/"/>
+  </ds:schemaRefs>
+</ds:datastoreItem>
+</file>
+
 <file path=customXml/itemProps3.xml><?xml version="1.0" encoding="utf-8"?>
 <ds:datastoreItem xmlns:ds="http://schemas.openxmlformats.org/officeDocument/2006/customXml" ds:itemID="{3836F65B-1B07-41EE-A0E8-BC6EF3855225}">
   <ds:schemaRefs>

--- a/Western Power Hack-a-Gig Presentation.pptx
+++ b/Western Power Hack-a-Gig Presentation.pptx
@@ -5,16 +5,16 @@
     <p:sldMasterId id="2147483660" r:id="rId4"/>
   </p:sldMasterIdLst>
   <p:notesMasterIdLst>
-    <p:notesMasterId r:id="rId30"/>
+    <p:notesMasterId r:id="rId32"/>
   </p:notesMasterIdLst>
   <p:handoutMasterIdLst>
-    <p:handoutMasterId r:id="rId31"/>
+    <p:handoutMasterId r:id="rId33"/>
   </p:handoutMasterIdLst>
   <p:sldIdLst>
     <p:sldId id="257" r:id="rId5"/>
     <p:sldId id="284" r:id="rId6"/>
-    <p:sldId id="290" r:id="rId7"/>
-    <p:sldId id="285" r:id="rId8"/>
+    <p:sldId id="285" r:id="rId7"/>
+    <p:sldId id="290" r:id="rId8"/>
     <p:sldId id="268" r:id="rId9"/>
     <p:sldId id="287" r:id="rId10"/>
     <p:sldId id="288" r:id="rId11"/>
@@ -26,16 +26,18 @@
     <p:sldId id="271" r:id="rId17"/>
     <p:sldId id="272" r:id="rId18"/>
     <p:sldId id="273" r:id="rId19"/>
-    <p:sldId id="274" r:id="rId20"/>
-    <p:sldId id="275" r:id="rId21"/>
-    <p:sldId id="276" r:id="rId22"/>
-    <p:sldId id="282" r:id="rId23"/>
-    <p:sldId id="278" r:id="rId24"/>
-    <p:sldId id="286" r:id="rId25"/>
-    <p:sldId id="283" r:id="rId26"/>
-    <p:sldId id="279" r:id="rId27"/>
-    <p:sldId id="280" r:id="rId28"/>
-    <p:sldId id="281" r:id="rId29"/>
+    <p:sldId id="292" r:id="rId20"/>
+    <p:sldId id="291" r:id="rId21"/>
+    <p:sldId id="274" r:id="rId22"/>
+    <p:sldId id="275" r:id="rId23"/>
+    <p:sldId id="276" r:id="rId24"/>
+    <p:sldId id="282" r:id="rId25"/>
+    <p:sldId id="278" r:id="rId26"/>
+    <p:sldId id="286" r:id="rId27"/>
+    <p:sldId id="283" r:id="rId28"/>
+    <p:sldId id="279" r:id="rId29"/>
+    <p:sldId id="280" r:id="rId30"/>
+    <p:sldId id="281" r:id="rId31"/>
   </p:sldIdLst>
   <p:sldSz cx="12188825" cy="6858000"/>
   <p:notesSz cx="6858000" cy="9144000"/>
@@ -9468,7 +9470,7 @@
           <p:cNvPr id="6" name="Rectangle 5">
             <a:extLst>
               <a:ext uri="{FF2B5EF4-FFF2-40B4-BE49-F238E27FC236}">
-                <a16:creationId xmlns="" xmlns:a16="http://schemas.microsoft.com/office/drawing/2014/main" id="{B00556E9-6BE7-4FBC-BF96-86696EEE03F8}"/>
+                <a16:creationId xmlns:a16="http://schemas.microsoft.com/office/drawing/2014/main" xmlns="" id="{B00556E9-6BE7-4FBC-BF96-86696EEE03F8}"/>
               </a:ext>
             </a:extLst>
           </p:cNvPr>
@@ -9514,7 +9516,7 @@
           <p:cNvPr id="8" name="Picture 7">
             <a:extLst>
               <a:ext uri="{FF2B5EF4-FFF2-40B4-BE49-F238E27FC236}">
-                <a16:creationId xmlns="" xmlns:a16="http://schemas.microsoft.com/office/drawing/2014/main" id="{844222BE-707C-453A-A140-8569DFCD4664}"/>
+                <a16:creationId xmlns:a16="http://schemas.microsoft.com/office/drawing/2014/main" xmlns="" id="{844222BE-707C-453A-A140-8569DFCD4664}"/>
               </a:ext>
             </a:extLst>
           </p:cNvPr>
@@ -9550,7 +9552,7 @@
           <p:cNvPr id="4" name="Picture 3">
             <a:extLst>
               <a:ext uri="{FF2B5EF4-FFF2-40B4-BE49-F238E27FC236}">
-                <a16:creationId xmlns="" xmlns:a16="http://schemas.microsoft.com/office/drawing/2014/main" id="{61C71974-9754-43FD-8E8E-35E616625CF2}"/>
+                <a16:creationId xmlns:a16="http://schemas.microsoft.com/office/drawing/2014/main" xmlns="" id="{61C71974-9754-43FD-8E8E-35E616625CF2}"/>
               </a:ext>
             </a:extLst>
           </p:cNvPr>
@@ -9603,6 +9605,13 @@
       </p:transition>
     </mc:Fallback>
   </mc:AlternateContent>
+  <p:timing>
+    <p:tnLst>
+      <p:par>
+        <p:cTn id="1" dur="indefinite" restart="never" nodeType="tmRoot"/>
+      </p:par>
+    </p:tnLst>
+  </p:timing>
 </p:sld>
 </file>
 
@@ -9650,7 +9659,7 @@
           <p:cNvPr id="2" name="Content Placeholder 1">
             <a:extLst>
               <a:ext uri="{FF2B5EF4-FFF2-40B4-BE49-F238E27FC236}">
-                <a16:creationId xmlns="" xmlns:a16="http://schemas.microsoft.com/office/drawing/2014/main" id="{51569DDC-B169-4DBF-AE32-3C50C98FCCD9}"/>
+                <a16:creationId xmlns:a16="http://schemas.microsoft.com/office/drawing/2014/main" xmlns="" id="{51569DDC-B169-4DBF-AE32-3C50C98FCCD9}"/>
               </a:ext>
             </a:extLst>
           </p:cNvPr>
@@ -9744,7 +9753,7 @@
           <p:cNvPr id="4" name="Diagram 3">
             <a:extLst>
               <a:ext uri="{FF2B5EF4-FFF2-40B4-BE49-F238E27FC236}">
-                <a16:creationId xmlns="" xmlns:a16="http://schemas.microsoft.com/office/drawing/2014/main" id="{8E92447E-19E6-4162-923D-17AED9E3BCF5}"/>
+                <a16:creationId xmlns:a16="http://schemas.microsoft.com/office/drawing/2014/main" xmlns="" id="{8E92447E-19E6-4162-923D-17AED9E3BCF5}"/>
               </a:ext>
             </a:extLst>
           </p:cNvPr>
@@ -9789,6 +9798,13 @@
       </p:transition>
     </mc:Fallback>
   </mc:AlternateContent>
+  <p:timing>
+    <p:tnLst>
+      <p:par>
+        <p:cTn id="1" dur="indefinite" restart="never" nodeType="tmRoot"/>
+      </p:par>
+    </p:tnLst>
+  </p:timing>
 </p:sld>
 </file>
 
@@ -9814,7 +9830,7 @@
           <p:cNvPr id="2" name="Title 1">
             <a:extLst>
               <a:ext uri="{FF2B5EF4-FFF2-40B4-BE49-F238E27FC236}">
-                <a16:creationId xmlns="" xmlns:a16="http://schemas.microsoft.com/office/drawing/2014/main" id="{118CBBA9-49D2-4262-9114-D0D47E7D522A}"/>
+                <a16:creationId xmlns:a16="http://schemas.microsoft.com/office/drawing/2014/main" xmlns="" id="{118CBBA9-49D2-4262-9114-D0D47E7D522A}"/>
               </a:ext>
             </a:extLst>
           </p:cNvPr>
@@ -9842,7 +9858,7 @@
           <p:cNvPr id="3" name="Content Placeholder 2">
             <a:extLst>
               <a:ext uri="{FF2B5EF4-FFF2-40B4-BE49-F238E27FC236}">
-                <a16:creationId xmlns="" xmlns:a16="http://schemas.microsoft.com/office/drawing/2014/main" id="{1E6F3B36-FA1C-4A44-8799-54720A510D55}"/>
+                <a16:creationId xmlns:a16="http://schemas.microsoft.com/office/drawing/2014/main" xmlns="" id="{1E6F3B36-FA1C-4A44-8799-54720A510D55}"/>
               </a:ext>
             </a:extLst>
           </p:cNvPr>
@@ -9889,8 +9905,13 @@
             <a:pPr lvl="1"/>
             <a:r>
               <a:rPr lang="en-AU" dirty="0"/>
-              <a:t>Assess model performance against a hold-out set</a:t>
-            </a:r>
+              <a:t>Assess model </a:t>
+            </a:r>
+            <a:r>
+              <a:rPr lang="en-AU" dirty="0" smtClean="0"/>
+              <a:t>performance</a:t>
+            </a:r>
+            <a:endParaRPr lang="en-AU" dirty="0"/>
           </a:p>
           <a:p>
             <a:pPr lvl="1"/>
@@ -9923,6 +9944,13 @@
       </p:transition>
     </mc:Fallback>
   </mc:AlternateContent>
+  <p:timing>
+    <p:tnLst>
+      <p:par>
+        <p:cTn id="1" dur="indefinite" restart="never" nodeType="tmRoot"/>
+      </p:par>
+    </p:tnLst>
+  </p:timing>
 </p:sld>
 </file>
 
@@ -9948,7 +9976,7 @@
           <p:cNvPr id="2" name="Title 1">
             <a:extLst>
               <a:ext uri="{FF2B5EF4-FFF2-40B4-BE49-F238E27FC236}">
-                <a16:creationId xmlns="" xmlns:a16="http://schemas.microsoft.com/office/drawing/2014/main" id="{118CBBA9-49D2-4262-9114-D0D47E7D522A}"/>
+                <a16:creationId xmlns:a16="http://schemas.microsoft.com/office/drawing/2014/main" xmlns="" id="{118CBBA9-49D2-4262-9114-D0D47E7D522A}"/>
               </a:ext>
             </a:extLst>
           </p:cNvPr>
@@ -9976,7 +10004,7 @@
           <p:cNvPr id="3" name="Content Placeholder 2">
             <a:extLst>
               <a:ext uri="{FF2B5EF4-FFF2-40B4-BE49-F238E27FC236}">
-                <a16:creationId xmlns="" xmlns:a16="http://schemas.microsoft.com/office/drawing/2014/main" id="{1E6F3B36-FA1C-4A44-8799-54720A510D55}"/>
+                <a16:creationId xmlns:a16="http://schemas.microsoft.com/office/drawing/2014/main" xmlns="" id="{1E6F3B36-FA1C-4A44-8799-54720A510D55}"/>
               </a:ext>
             </a:extLst>
           </p:cNvPr>
@@ -10016,7 +10044,7 @@
           <p:cNvPr id="4" name="Picture 3">
             <a:extLst>
               <a:ext uri="{FF2B5EF4-FFF2-40B4-BE49-F238E27FC236}">
-                <a16:creationId xmlns="" xmlns:a16="http://schemas.microsoft.com/office/drawing/2014/main" id="{60407E82-ED49-48E1-845F-A67334BDA690}"/>
+                <a16:creationId xmlns:a16="http://schemas.microsoft.com/office/drawing/2014/main" xmlns="" id="{60407E82-ED49-48E1-845F-A67334BDA690}"/>
               </a:ext>
             </a:extLst>
           </p:cNvPr>
@@ -10046,7 +10074,7 @@
           <p:cNvPr id="5" name="Content Placeholder 2">
             <a:extLst>
               <a:ext uri="{FF2B5EF4-FFF2-40B4-BE49-F238E27FC236}">
-                <a16:creationId xmlns="" xmlns:a16="http://schemas.microsoft.com/office/drawing/2014/main" id="{8CE8AF33-D730-4EBA-9FBD-DBA3E37E84FC}"/>
+                <a16:creationId xmlns:a16="http://schemas.microsoft.com/office/drawing/2014/main" xmlns="" id="{8CE8AF33-D730-4EBA-9FBD-DBA3E37E84FC}"/>
               </a:ext>
             </a:extLst>
           </p:cNvPr>
@@ -10336,6 +10364,13 @@
       </p:transition>
     </mc:Fallback>
   </mc:AlternateContent>
+  <p:timing>
+    <p:tnLst>
+      <p:par>
+        <p:cTn id="1" dur="indefinite" restart="never" nodeType="tmRoot"/>
+      </p:par>
+    </p:tnLst>
+  </p:timing>
 </p:sld>
 </file>
 
@@ -10361,7 +10396,7 @@
           <p:cNvPr id="2" name="Title 1">
             <a:extLst>
               <a:ext uri="{FF2B5EF4-FFF2-40B4-BE49-F238E27FC236}">
-                <a16:creationId xmlns="" xmlns:a16="http://schemas.microsoft.com/office/drawing/2014/main" id="{118CBBA9-49D2-4262-9114-D0D47E7D522A}"/>
+                <a16:creationId xmlns:a16="http://schemas.microsoft.com/office/drawing/2014/main" xmlns="" id="{118CBBA9-49D2-4262-9114-D0D47E7D522A}"/>
               </a:ext>
             </a:extLst>
           </p:cNvPr>
@@ -10389,7 +10424,7 @@
           <p:cNvPr id="3" name="Content Placeholder 2">
             <a:extLst>
               <a:ext uri="{FF2B5EF4-FFF2-40B4-BE49-F238E27FC236}">
-                <a16:creationId xmlns="" xmlns:a16="http://schemas.microsoft.com/office/drawing/2014/main" id="{1E6F3B36-FA1C-4A44-8799-54720A510D55}"/>
+                <a16:creationId xmlns:a16="http://schemas.microsoft.com/office/drawing/2014/main" xmlns="" id="{1E6F3B36-FA1C-4A44-8799-54720A510D55}"/>
               </a:ext>
             </a:extLst>
           </p:cNvPr>
@@ -10429,7 +10464,7 @@
           <p:cNvPr id="6" name="Picture 5">
             <a:extLst>
               <a:ext uri="{FF2B5EF4-FFF2-40B4-BE49-F238E27FC236}">
-                <a16:creationId xmlns="" xmlns:a16="http://schemas.microsoft.com/office/drawing/2014/main" id="{B0636FC0-8732-43F6-B07E-D247F6761BF2}"/>
+                <a16:creationId xmlns:a16="http://schemas.microsoft.com/office/drawing/2014/main" xmlns="" id="{B0636FC0-8732-43F6-B07E-D247F6761BF2}"/>
               </a:ext>
             </a:extLst>
           </p:cNvPr>
@@ -10459,7 +10494,7 @@
           <p:cNvPr id="7" name="Picture 6">
             <a:extLst>
               <a:ext uri="{FF2B5EF4-FFF2-40B4-BE49-F238E27FC236}">
-                <a16:creationId xmlns="" xmlns:a16="http://schemas.microsoft.com/office/drawing/2014/main" id="{DBE739BC-7545-4A28-A2A1-83C40AA0F973}"/>
+                <a16:creationId xmlns:a16="http://schemas.microsoft.com/office/drawing/2014/main" xmlns="" id="{DBE739BC-7545-4A28-A2A1-83C40AA0F973}"/>
               </a:ext>
             </a:extLst>
           </p:cNvPr>
@@ -10489,7 +10524,7 @@
           <p:cNvPr id="9" name="Content Placeholder 2">
             <a:extLst>
               <a:ext uri="{FF2B5EF4-FFF2-40B4-BE49-F238E27FC236}">
-                <a16:creationId xmlns="" xmlns:a16="http://schemas.microsoft.com/office/drawing/2014/main" id="{55F4540C-A796-46DC-BFE3-B3DABF5ED521}"/>
+                <a16:creationId xmlns:a16="http://schemas.microsoft.com/office/drawing/2014/main" xmlns="" id="{55F4540C-A796-46DC-BFE3-B3DABF5ED521}"/>
               </a:ext>
             </a:extLst>
           </p:cNvPr>
@@ -10753,6 +10788,13 @@
       </p:transition>
     </mc:Fallback>
   </mc:AlternateContent>
+  <p:timing>
+    <p:tnLst>
+      <p:par>
+        <p:cTn id="1" dur="indefinite" restart="never" nodeType="tmRoot"/>
+      </p:par>
+    </p:tnLst>
+  </p:timing>
 </p:sld>
 </file>
 
@@ -10778,7 +10820,7 @@
           <p:cNvPr id="2" name="Title 1">
             <a:extLst>
               <a:ext uri="{FF2B5EF4-FFF2-40B4-BE49-F238E27FC236}">
-                <a16:creationId xmlns="" xmlns:a16="http://schemas.microsoft.com/office/drawing/2014/main" id="{118CBBA9-49D2-4262-9114-D0D47E7D522A}"/>
+                <a16:creationId xmlns:a16="http://schemas.microsoft.com/office/drawing/2014/main" xmlns="" id="{118CBBA9-49D2-4262-9114-D0D47E7D522A}"/>
               </a:ext>
             </a:extLst>
           </p:cNvPr>
@@ -10806,7 +10848,7 @@
           <p:cNvPr id="3" name="Content Placeholder 2">
             <a:extLst>
               <a:ext uri="{FF2B5EF4-FFF2-40B4-BE49-F238E27FC236}">
-                <a16:creationId xmlns="" xmlns:a16="http://schemas.microsoft.com/office/drawing/2014/main" id="{1E6F3B36-FA1C-4A44-8799-54720A510D55}"/>
+                <a16:creationId xmlns:a16="http://schemas.microsoft.com/office/drawing/2014/main" xmlns="" id="{1E6F3B36-FA1C-4A44-8799-54720A510D55}"/>
               </a:ext>
             </a:extLst>
           </p:cNvPr>
@@ -10846,7 +10888,7 @@
           <p:cNvPr id="9" name="Content Placeholder 2">
             <a:extLst>
               <a:ext uri="{FF2B5EF4-FFF2-40B4-BE49-F238E27FC236}">
-                <a16:creationId xmlns="" xmlns:a16="http://schemas.microsoft.com/office/drawing/2014/main" id="{55F4540C-A796-46DC-BFE3-B3DABF5ED521}"/>
+                <a16:creationId xmlns:a16="http://schemas.microsoft.com/office/drawing/2014/main" xmlns="" id="{55F4540C-A796-46DC-BFE3-B3DABF5ED521}"/>
               </a:ext>
             </a:extLst>
           </p:cNvPr>
@@ -11131,7 +11173,7 @@
           <p:cNvPr id="5" name="Picture 4">
             <a:extLst>
               <a:ext uri="{FF2B5EF4-FFF2-40B4-BE49-F238E27FC236}">
-                <a16:creationId xmlns="" xmlns:a16="http://schemas.microsoft.com/office/drawing/2014/main" id="{8CE529A0-F393-4416-8C0C-29777CE93EFE}"/>
+                <a16:creationId xmlns:a16="http://schemas.microsoft.com/office/drawing/2014/main" xmlns="" id="{8CE529A0-F393-4416-8C0C-29777CE93EFE}"/>
               </a:ext>
             </a:extLst>
           </p:cNvPr>
@@ -11161,7 +11203,7 @@
           <p:cNvPr id="8" name="Picture 7">
             <a:extLst>
               <a:ext uri="{FF2B5EF4-FFF2-40B4-BE49-F238E27FC236}">
-                <a16:creationId xmlns="" xmlns:a16="http://schemas.microsoft.com/office/drawing/2014/main" id="{0FBC03D0-87FA-4CDE-8704-5071F2C850AC}"/>
+                <a16:creationId xmlns:a16="http://schemas.microsoft.com/office/drawing/2014/main" xmlns="" id="{0FBC03D0-87FA-4CDE-8704-5071F2C850AC}"/>
               </a:ext>
             </a:extLst>
           </p:cNvPr>
@@ -11208,6 +11250,13 @@
       </p:transition>
     </mc:Fallback>
   </mc:AlternateContent>
+  <p:timing>
+    <p:tnLst>
+      <p:par>
+        <p:cTn id="1" dur="indefinite" restart="never" nodeType="tmRoot"/>
+      </p:par>
+    </p:tnLst>
+  </p:timing>
 </p:sld>
 </file>
 
@@ -11233,7 +11282,7 @@
           <p:cNvPr id="2" name="Title 1">
             <a:extLst>
               <a:ext uri="{FF2B5EF4-FFF2-40B4-BE49-F238E27FC236}">
-                <a16:creationId xmlns="" xmlns:a16="http://schemas.microsoft.com/office/drawing/2014/main" id="{118CBBA9-49D2-4262-9114-D0D47E7D522A}"/>
+                <a16:creationId xmlns:a16="http://schemas.microsoft.com/office/drawing/2014/main" xmlns="" id="{118CBBA9-49D2-4262-9114-D0D47E7D522A}"/>
               </a:ext>
             </a:extLst>
           </p:cNvPr>
@@ -11261,7 +11310,7 @@
           <p:cNvPr id="3" name="Content Placeholder 2">
             <a:extLst>
               <a:ext uri="{FF2B5EF4-FFF2-40B4-BE49-F238E27FC236}">
-                <a16:creationId xmlns="" xmlns:a16="http://schemas.microsoft.com/office/drawing/2014/main" id="{1E6F3B36-FA1C-4A44-8799-54720A510D55}"/>
+                <a16:creationId xmlns:a16="http://schemas.microsoft.com/office/drawing/2014/main" xmlns="" id="{1E6F3B36-FA1C-4A44-8799-54720A510D55}"/>
               </a:ext>
             </a:extLst>
           </p:cNvPr>
@@ -11284,15 +11333,13 @@
           <a:p>
             <a:r>
               <a:rPr lang="en-AU" dirty="0"/>
-              <a:t>Understand Data</a:t>
-            </a:r>
-          </a:p>
-          <a:p>
-            <a:pPr lvl="1"/>
-            <a:r>
-              <a:rPr lang="en-AU" dirty="0"/>
-              <a:t>And have a bit of fun…</a:t>
-            </a:r>
+              <a:t>Understand </a:t>
+            </a:r>
+            <a:r>
+              <a:rPr lang="en-AU" dirty="0" smtClean="0"/>
+              <a:t>Data</a:t>
+            </a:r>
+            <a:endParaRPr lang="en-AU" dirty="0"/>
           </a:p>
         </p:txBody>
       </p:sp>
@@ -11301,7 +11348,7 @@
           <p:cNvPr id="9" name="Content Placeholder 2">
             <a:extLst>
               <a:ext uri="{FF2B5EF4-FFF2-40B4-BE49-F238E27FC236}">
-                <a16:creationId xmlns="" xmlns:a16="http://schemas.microsoft.com/office/drawing/2014/main" id="{55F4540C-A796-46DC-BFE3-B3DABF5ED521}"/>
+                <a16:creationId xmlns:a16="http://schemas.microsoft.com/office/drawing/2014/main" xmlns="" id="{55F4540C-A796-46DC-BFE3-B3DABF5ED521}"/>
               </a:ext>
             </a:extLst>
           </p:cNvPr>
@@ -11555,10 +11602,10 @@
       </p:sp>
       <p:pic>
         <p:nvPicPr>
-          <p:cNvPr id="4" name="Picture 3">
+          <p:cNvPr id="5" name="Picture 4">
             <a:extLst>
               <a:ext uri="{FF2B5EF4-FFF2-40B4-BE49-F238E27FC236}">
-                <a16:creationId xmlns="" xmlns:a16="http://schemas.microsoft.com/office/drawing/2014/main" id="{372C644D-8F63-4F1D-8890-93FE0818D320}"/>
+                <a16:creationId xmlns:a16="http://schemas.microsoft.com/office/drawing/2014/main" xmlns="" id="{C9CBC7BF-F2B4-4B1F-B9F0-E060D6AAC33B}"/>
               </a:ext>
             </a:extLst>
           </p:cNvPr>
@@ -11569,36 +11616,6 @@
         </p:nvPicPr>
         <p:blipFill>
           <a:blip r:embed="rId2"/>
-          <a:stretch>
-            <a:fillRect/>
-          </a:stretch>
-        </p:blipFill>
-        <p:spPr>
-          <a:xfrm>
-            <a:off x="981844" y="2928632"/>
-            <a:ext cx="4695825" cy="3552825"/>
-          </a:xfrm>
-          <a:prstGeom prst="rect">
-            <a:avLst/>
-          </a:prstGeom>
-        </p:spPr>
-      </p:pic>
-      <p:pic>
-        <p:nvPicPr>
-          <p:cNvPr id="5" name="Picture 4">
-            <a:extLst>
-              <a:ext uri="{FF2B5EF4-FFF2-40B4-BE49-F238E27FC236}">
-                <a16:creationId xmlns="" xmlns:a16="http://schemas.microsoft.com/office/drawing/2014/main" id="{C9CBC7BF-F2B4-4B1F-B9F0-E060D6AAC33B}"/>
-              </a:ext>
-            </a:extLst>
-          </p:cNvPr>
-          <p:cNvPicPr>
-            <a:picLocks noChangeAspect="1"/>
-          </p:cNvPicPr>
-          <p:nvPr/>
-        </p:nvPicPr>
-        <p:blipFill>
-          <a:blip r:embed="rId3"/>
           <a:stretch>
             <a:fillRect/>
           </a:stretch>
@@ -11635,6 +11652,13 @@
       </p:transition>
     </mc:Fallback>
   </mc:AlternateContent>
+  <p:timing>
+    <p:tnLst>
+      <p:par>
+        <p:cTn id="1" dur="indefinite" restart="never" nodeType="tmRoot"/>
+      </p:par>
+    </p:tnLst>
+  </p:timing>
 </p:sld>
 </file>
 
@@ -11660,7 +11684,7 @@
           <p:cNvPr id="2" name="Title 1">
             <a:extLst>
               <a:ext uri="{FF2B5EF4-FFF2-40B4-BE49-F238E27FC236}">
-                <a16:creationId xmlns="" xmlns:a16="http://schemas.microsoft.com/office/drawing/2014/main" id="{118CBBA9-49D2-4262-9114-D0D47E7D522A}"/>
+                <a16:creationId xmlns:a16="http://schemas.microsoft.com/office/drawing/2014/main" xmlns="" id="{118CBBA9-49D2-4262-9114-D0D47E7D522A}"/>
               </a:ext>
             </a:extLst>
           </p:cNvPr>
@@ -11688,7 +11712,512 @@
           <p:cNvPr id="3" name="Content Placeholder 2">
             <a:extLst>
               <a:ext uri="{FF2B5EF4-FFF2-40B4-BE49-F238E27FC236}">
-                <a16:creationId xmlns="" xmlns:a16="http://schemas.microsoft.com/office/drawing/2014/main" id="{1E6F3B36-FA1C-4A44-8799-54720A510D55}"/>
+                <a16:creationId xmlns:a16="http://schemas.microsoft.com/office/drawing/2014/main" xmlns="" id="{1E6F3B36-FA1C-4A44-8799-54720A510D55}"/>
+              </a:ext>
+            </a:extLst>
+          </p:cNvPr>
+          <p:cNvSpPr>
+            <a:spLocks noGrp="1"/>
+          </p:cNvSpPr>
+          <p:nvPr>
+            <p:ph idx="1"/>
+          </p:nvPr>
+        </p:nvSpPr>
+        <p:spPr>
+          <a:xfrm>
+            <a:off x="1218883" y="1701797"/>
+            <a:ext cx="4155449" cy="4462272"/>
+          </a:xfrm>
+        </p:spPr>
+        <p:txBody>
+          <a:bodyPr/>
+          <a:lstStyle/>
+          <a:p>
+            <a:r>
+              <a:rPr lang="en-AU" dirty="0"/>
+              <a:t>Understand </a:t>
+            </a:r>
+            <a:r>
+              <a:rPr lang="en-AU" dirty="0" smtClean="0"/>
+              <a:t>Data</a:t>
+            </a:r>
+            <a:endParaRPr lang="en-AU" dirty="0"/>
+          </a:p>
+        </p:txBody>
+      </p:sp>
+      <p:pic>
+        <p:nvPicPr>
+          <p:cNvPr id="7" name="Picture 6"/>
+          <p:cNvPicPr>
+            <a:picLocks noChangeAspect="1"/>
+          </p:cNvPicPr>
+          <p:nvPr/>
+        </p:nvPicPr>
+        <p:blipFill>
+          <a:blip r:embed="rId2"/>
+          <a:stretch>
+            <a:fillRect/>
+          </a:stretch>
+        </p:blipFill>
+        <p:spPr>
+          <a:xfrm>
+            <a:off x="6611558" y="2578308"/>
+            <a:ext cx="5171486" cy="3899809"/>
+          </a:xfrm>
+          <a:prstGeom prst="rect">
+            <a:avLst/>
+          </a:prstGeom>
+        </p:spPr>
+      </p:pic>
+      <p:pic>
+        <p:nvPicPr>
+          <p:cNvPr id="8" name="Picture 7"/>
+          <p:cNvPicPr>
+            <a:picLocks noChangeAspect="1"/>
+          </p:cNvPicPr>
+          <p:nvPr/>
+        </p:nvPicPr>
+        <p:blipFill>
+          <a:blip r:embed="rId3"/>
+          <a:stretch>
+            <a:fillRect/>
+          </a:stretch>
+        </p:blipFill>
+        <p:spPr>
+          <a:xfrm>
+            <a:off x="981844" y="2569130"/>
+            <a:ext cx="5197666" cy="3908988"/>
+          </a:xfrm>
+          <a:prstGeom prst="rect">
+            <a:avLst/>
+          </a:prstGeom>
+        </p:spPr>
+      </p:pic>
+      <p:cxnSp>
+        <p:nvCxnSpPr>
+          <p:cNvPr id="12" name="Straight Arrow Connector 11"/>
+          <p:cNvCxnSpPr/>
+          <p:nvPr/>
+        </p:nvCxnSpPr>
+        <p:spPr>
+          <a:xfrm flipV="1">
+            <a:off x="3718148" y="3789040"/>
+            <a:ext cx="1440160" cy="360040"/>
+          </a:xfrm>
+          <a:prstGeom prst="straightConnector1">
+            <a:avLst/>
+          </a:prstGeom>
+          <a:ln w="25400">
+            <a:tailEnd type="triangle"/>
+          </a:ln>
+        </p:spPr>
+        <p:style>
+          <a:lnRef idx="1">
+            <a:schemeClr val="accent1"/>
+          </a:lnRef>
+          <a:fillRef idx="0">
+            <a:schemeClr val="accent1"/>
+          </a:fillRef>
+          <a:effectRef idx="0">
+            <a:schemeClr val="accent1"/>
+          </a:effectRef>
+          <a:fontRef idx="minor">
+            <a:schemeClr val="tx1"/>
+          </a:fontRef>
+        </p:style>
+      </p:cxnSp>
+      <p:cxnSp>
+        <p:nvCxnSpPr>
+          <p:cNvPr id="13" name="Straight Arrow Connector 12"/>
+          <p:cNvCxnSpPr/>
+          <p:nvPr/>
+        </p:nvCxnSpPr>
+        <p:spPr>
+          <a:xfrm flipV="1">
+            <a:off x="3718148" y="3073755"/>
+            <a:ext cx="1872208" cy="895305"/>
+          </a:xfrm>
+          <a:prstGeom prst="straightConnector1">
+            <a:avLst/>
+          </a:prstGeom>
+          <a:ln w="25400">
+            <a:tailEnd type="triangle"/>
+          </a:ln>
+        </p:spPr>
+        <p:style>
+          <a:lnRef idx="1">
+            <a:schemeClr val="accent1"/>
+          </a:lnRef>
+          <a:fillRef idx="0">
+            <a:schemeClr val="accent1"/>
+          </a:fillRef>
+          <a:effectRef idx="0">
+            <a:schemeClr val="accent1"/>
+          </a:effectRef>
+          <a:fontRef idx="minor">
+            <a:schemeClr val="tx1"/>
+          </a:fontRef>
+        </p:style>
+      </p:cxnSp>
+      <p:sp>
+        <p:nvSpPr>
+          <p:cNvPr id="15" name="TextBox 14"/>
+          <p:cNvSpPr txBox="1"/>
+          <p:nvPr/>
+        </p:nvSpPr>
+        <p:spPr>
+          <a:xfrm>
+            <a:off x="1934753" y="3569517"/>
+            <a:ext cx="1956433" cy="954107"/>
+          </a:xfrm>
+          <a:prstGeom prst="rect">
+            <a:avLst/>
+          </a:prstGeom>
+          <a:noFill/>
+        </p:spPr>
+        <p:txBody>
+          <a:bodyPr wrap="none" rtlCol="0">
+            <a:spAutoFit/>
+          </a:bodyPr>
+          <a:lstStyle/>
+          <a:p>
+            <a:r>
+              <a:rPr lang="en-AU" sz="2800" dirty="0" smtClean="0">
+                <a:solidFill>
+                  <a:schemeClr val="bg1"/>
+                </a:solidFill>
+              </a:rPr>
+              <a:t>Unusual for </a:t>
+            </a:r>
+          </a:p>
+          <a:p>
+            <a:r>
+              <a:rPr lang="en-AU" sz="2800" dirty="0" smtClean="0">
+                <a:solidFill>
+                  <a:schemeClr val="bg1"/>
+                </a:solidFill>
+              </a:rPr>
+              <a:t>residential!</a:t>
+            </a:r>
+            <a:endParaRPr lang="en-AU" sz="2800" dirty="0">
+              <a:solidFill>
+                <a:schemeClr val="bg1"/>
+              </a:solidFill>
+            </a:endParaRPr>
+          </a:p>
+        </p:txBody>
+      </p:sp>
+    </p:spTree>
+    <p:extLst>
+      <p:ext uri="{BB962C8B-B14F-4D97-AF65-F5344CB8AC3E}">
+        <p14:creationId xmlns:p14="http://schemas.microsoft.com/office/powerpoint/2010/main" val="4179340335"/>
+      </p:ext>
+    </p:extLst>
+  </p:cSld>
+  <p:clrMapOvr>
+    <a:masterClrMapping/>
+  </p:clrMapOvr>
+  <mc:AlternateContent xmlns:mc="http://schemas.openxmlformats.org/markup-compatibility/2006" xmlns:p14="http://schemas.microsoft.com/office/powerpoint/2010/main">
+    <mc:Choice Requires="p14">
+      <p:transition spd="med" p14:dur="700">
+        <p:fade/>
+      </p:transition>
+    </mc:Choice>
+    <mc:Fallback xmlns="">
+      <p:transition spd="med">
+        <p:fade/>
+      </p:transition>
+    </mc:Fallback>
+  </mc:AlternateContent>
+  <p:timing>
+    <p:tnLst>
+      <p:par>
+        <p:cTn id="1" dur="indefinite" restart="never" nodeType="tmRoot"/>
+      </p:par>
+    </p:tnLst>
+  </p:timing>
+</p:sld>
+</file>
+
+<file path=ppt/slides/slide17.xml><?xml version="1.0" encoding="utf-8"?>
+<p:sld xmlns:a="http://schemas.openxmlformats.org/drawingml/2006/main" xmlns:r="http://schemas.openxmlformats.org/officeDocument/2006/relationships" xmlns:p="http://schemas.openxmlformats.org/presentationml/2006/main">
+  <p:cSld>
+    <p:spTree>
+      <p:nvGrpSpPr>
+        <p:cNvPr id="1" name=""/>
+        <p:cNvGrpSpPr/>
+        <p:nvPr/>
+      </p:nvGrpSpPr>
+      <p:grpSpPr>
+        <a:xfrm>
+          <a:off x="0" y="0"/>
+          <a:ext cx="0" cy="0"/>
+          <a:chOff x="0" y="0"/>
+          <a:chExt cx="0" cy="0"/>
+        </a:xfrm>
+      </p:grpSpPr>
+      <p:sp>
+        <p:nvSpPr>
+          <p:cNvPr id="2" name="Title 1">
+            <a:extLst>
+              <a:ext uri="{FF2B5EF4-FFF2-40B4-BE49-F238E27FC236}">
+                <a16:creationId xmlns:a16="http://schemas.microsoft.com/office/drawing/2014/main" xmlns="" id="{118CBBA9-49D2-4262-9114-D0D47E7D522A}"/>
+              </a:ext>
+            </a:extLst>
+          </p:cNvPr>
+          <p:cNvSpPr>
+            <a:spLocks noGrp="1"/>
+          </p:cNvSpPr>
+          <p:nvPr>
+            <p:ph type="title"/>
+          </p:nvPr>
+        </p:nvSpPr>
+        <p:spPr/>
+        <p:txBody>
+          <a:bodyPr/>
+          <a:lstStyle/>
+          <a:p>
+            <a:r>
+              <a:rPr lang="en-AU" dirty="0"/>
+              <a:t>Approach</a:t>
+            </a:r>
+          </a:p>
+        </p:txBody>
+      </p:sp>
+      <p:sp>
+        <p:nvSpPr>
+          <p:cNvPr id="3" name="Content Placeholder 2">
+            <a:extLst>
+              <a:ext uri="{FF2B5EF4-FFF2-40B4-BE49-F238E27FC236}">
+                <a16:creationId xmlns:a16="http://schemas.microsoft.com/office/drawing/2014/main" xmlns="" id="{1E6F3B36-FA1C-4A44-8799-54720A510D55}"/>
+              </a:ext>
+            </a:extLst>
+          </p:cNvPr>
+          <p:cNvSpPr>
+            <a:spLocks noGrp="1"/>
+          </p:cNvSpPr>
+          <p:nvPr>
+            <p:ph idx="1"/>
+          </p:nvPr>
+        </p:nvSpPr>
+        <p:spPr>
+          <a:xfrm>
+            <a:off x="1218883" y="1701797"/>
+            <a:ext cx="10420145" cy="575075"/>
+          </a:xfrm>
+        </p:spPr>
+        <p:txBody>
+          <a:bodyPr/>
+          <a:lstStyle/>
+          <a:p>
+            <a:r>
+              <a:rPr lang="en-AU" dirty="0" smtClean="0"/>
+              <a:t>sample size in these years (&lt;100) skews the mean installation size</a:t>
+            </a:r>
+            <a:endParaRPr lang="en-AU" dirty="0"/>
+          </a:p>
+        </p:txBody>
+      </p:sp>
+      <p:pic>
+        <p:nvPicPr>
+          <p:cNvPr id="8" name="Picture 7"/>
+          <p:cNvPicPr>
+            <a:picLocks noChangeAspect="1"/>
+          </p:cNvPicPr>
+          <p:nvPr/>
+        </p:nvPicPr>
+        <p:blipFill>
+          <a:blip r:embed="rId2"/>
+          <a:stretch>
+            <a:fillRect/>
+          </a:stretch>
+        </p:blipFill>
+        <p:spPr>
+          <a:xfrm>
+            <a:off x="981844" y="2569130"/>
+            <a:ext cx="5197666" cy="3908988"/>
+          </a:xfrm>
+          <a:prstGeom prst="rect">
+            <a:avLst/>
+          </a:prstGeom>
+        </p:spPr>
+      </p:pic>
+      <p:pic>
+        <p:nvPicPr>
+          <p:cNvPr id="16" name="Picture 15"/>
+          <p:cNvPicPr>
+            <a:picLocks noChangeAspect="1"/>
+          </p:cNvPicPr>
+          <p:nvPr/>
+        </p:nvPicPr>
+        <p:blipFill>
+          <a:blip r:embed="rId3"/>
+          <a:stretch>
+            <a:fillRect/>
+          </a:stretch>
+        </p:blipFill>
+        <p:spPr>
+          <a:xfrm>
+            <a:off x="6308446" y="2569130"/>
+            <a:ext cx="5197642" cy="3877385"/>
+          </a:xfrm>
+          <a:prstGeom prst="rect">
+            <a:avLst/>
+          </a:prstGeom>
+        </p:spPr>
+      </p:pic>
+      <p:cxnSp>
+        <p:nvCxnSpPr>
+          <p:cNvPr id="12" name="Straight Arrow Connector 11"/>
+          <p:cNvCxnSpPr/>
+          <p:nvPr/>
+        </p:nvCxnSpPr>
+        <p:spPr>
+          <a:xfrm>
+            <a:off x="5503268" y="3717032"/>
+            <a:ext cx="4335560" cy="2088232"/>
+          </a:xfrm>
+          <a:prstGeom prst="straightConnector1">
+            <a:avLst/>
+          </a:prstGeom>
+          <a:ln w="25400">
+            <a:tailEnd type="triangle"/>
+          </a:ln>
+        </p:spPr>
+        <p:style>
+          <a:lnRef idx="1">
+            <a:schemeClr val="accent1"/>
+          </a:lnRef>
+          <a:fillRef idx="0">
+            <a:schemeClr val="accent1"/>
+          </a:fillRef>
+          <a:effectRef idx="0">
+            <a:schemeClr val="accent1"/>
+          </a:effectRef>
+          <a:fontRef idx="minor">
+            <a:schemeClr val="tx1"/>
+          </a:fontRef>
+        </p:style>
+      </p:cxnSp>
+      <p:cxnSp>
+        <p:nvCxnSpPr>
+          <p:cNvPr id="13" name="Straight Arrow Connector 12"/>
+          <p:cNvCxnSpPr/>
+          <p:nvPr/>
+        </p:nvCxnSpPr>
+        <p:spPr>
+          <a:xfrm>
+            <a:off x="5878388" y="3044178"/>
+            <a:ext cx="4752528" cy="2829263"/>
+          </a:xfrm>
+          <a:prstGeom prst="straightConnector1">
+            <a:avLst/>
+          </a:prstGeom>
+          <a:ln w="25400">
+            <a:solidFill>
+              <a:srgbClr val="0070C0"/>
+            </a:solidFill>
+            <a:tailEnd type="triangle"/>
+          </a:ln>
+        </p:spPr>
+        <p:style>
+          <a:lnRef idx="1">
+            <a:schemeClr val="accent1"/>
+          </a:lnRef>
+          <a:fillRef idx="0">
+            <a:schemeClr val="accent1"/>
+          </a:fillRef>
+          <a:effectRef idx="0">
+            <a:schemeClr val="accent1"/>
+          </a:effectRef>
+          <a:fontRef idx="minor">
+            <a:schemeClr val="tx1"/>
+          </a:fontRef>
+        </p:style>
+      </p:cxnSp>
+    </p:spTree>
+    <p:extLst>
+      <p:ext uri="{BB962C8B-B14F-4D97-AF65-F5344CB8AC3E}">
+        <p14:creationId xmlns:p14="http://schemas.microsoft.com/office/powerpoint/2010/main" val="2103760840"/>
+      </p:ext>
+    </p:extLst>
+  </p:cSld>
+  <p:clrMapOvr>
+    <a:masterClrMapping/>
+  </p:clrMapOvr>
+  <mc:AlternateContent xmlns:mc="http://schemas.openxmlformats.org/markup-compatibility/2006" xmlns:p14="http://schemas.microsoft.com/office/powerpoint/2010/main">
+    <mc:Choice Requires="p14">
+      <p:transition spd="med" p14:dur="700">
+        <p:fade/>
+      </p:transition>
+    </mc:Choice>
+    <mc:Fallback xmlns="">
+      <p:transition spd="med">
+        <p:fade/>
+      </p:transition>
+    </mc:Fallback>
+  </mc:AlternateContent>
+  <p:timing>
+    <p:tnLst>
+      <p:par>
+        <p:cTn id="1" dur="indefinite" restart="never" nodeType="tmRoot"/>
+      </p:par>
+    </p:tnLst>
+  </p:timing>
+</p:sld>
+</file>
+
+<file path=ppt/slides/slide18.xml><?xml version="1.0" encoding="utf-8"?>
+<p:sld xmlns:a="http://schemas.openxmlformats.org/drawingml/2006/main" xmlns:r="http://schemas.openxmlformats.org/officeDocument/2006/relationships" xmlns:p="http://schemas.openxmlformats.org/presentationml/2006/main">
+  <p:cSld>
+    <p:spTree>
+      <p:nvGrpSpPr>
+        <p:cNvPr id="1" name=""/>
+        <p:cNvGrpSpPr/>
+        <p:nvPr/>
+      </p:nvGrpSpPr>
+      <p:grpSpPr>
+        <a:xfrm>
+          <a:off x="0" y="0"/>
+          <a:ext cx="0" cy="0"/>
+          <a:chOff x="0" y="0"/>
+          <a:chExt cx="0" cy="0"/>
+        </a:xfrm>
+      </p:grpSpPr>
+      <p:sp>
+        <p:nvSpPr>
+          <p:cNvPr id="2" name="Title 1">
+            <a:extLst>
+              <a:ext uri="{FF2B5EF4-FFF2-40B4-BE49-F238E27FC236}">
+                <a16:creationId xmlns:a16="http://schemas.microsoft.com/office/drawing/2014/main" xmlns="" id="{118CBBA9-49D2-4262-9114-D0D47E7D522A}"/>
+              </a:ext>
+            </a:extLst>
+          </p:cNvPr>
+          <p:cNvSpPr>
+            <a:spLocks noGrp="1"/>
+          </p:cNvSpPr>
+          <p:nvPr>
+            <p:ph type="title"/>
+          </p:nvPr>
+        </p:nvSpPr>
+        <p:spPr/>
+        <p:txBody>
+          <a:bodyPr/>
+          <a:lstStyle/>
+          <a:p>
+            <a:r>
+              <a:rPr lang="en-AU" dirty="0"/>
+              <a:t>Approach</a:t>
+            </a:r>
+          </a:p>
+        </p:txBody>
+      </p:sp>
+      <p:sp>
+        <p:nvSpPr>
+          <p:cNvPr id="3" name="Content Placeholder 2">
+            <a:extLst>
+              <a:ext uri="{FF2B5EF4-FFF2-40B4-BE49-F238E27FC236}">
+                <a16:creationId xmlns:a16="http://schemas.microsoft.com/office/drawing/2014/main" xmlns="" id="{1E6F3B36-FA1C-4A44-8799-54720A510D55}"/>
               </a:ext>
             </a:extLst>
           </p:cNvPr>
@@ -11753,7 +12282,7 @@
           <p:cNvPr id="4" name="Table 3">
             <a:extLst>
               <a:ext uri="{FF2B5EF4-FFF2-40B4-BE49-F238E27FC236}">
-                <a16:creationId xmlns="" xmlns:a16="http://schemas.microsoft.com/office/drawing/2014/main" id="{2EDD53C5-AD65-447D-BE6E-F714AFA3AE1B}"/>
+                <a16:creationId xmlns:a16="http://schemas.microsoft.com/office/drawing/2014/main" xmlns="" id="{2EDD53C5-AD65-447D-BE6E-F714AFA3AE1B}"/>
               </a:ext>
             </a:extLst>
           </p:cNvPr>
@@ -11782,21 +12311,21 @@
                 <a:gridCol w="3335657">
                   <a:extLst>
                     <a:ext uri="{9D8B030D-6E8A-4147-A177-3AD203B41FA5}">
-                      <a16:colId xmlns="" xmlns:a16="http://schemas.microsoft.com/office/drawing/2014/main" val="1736827546"/>
+                      <a16:colId xmlns:a16="http://schemas.microsoft.com/office/drawing/2014/main" xmlns="" val="1736827546"/>
                     </a:ext>
                   </a:extLst>
                 </a:gridCol>
                 <a:gridCol w="3336728">
                   <a:extLst>
                     <a:ext uri="{9D8B030D-6E8A-4147-A177-3AD203B41FA5}">
-                      <a16:colId xmlns="" xmlns:a16="http://schemas.microsoft.com/office/drawing/2014/main" val="1009339973"/>
+                      <a16:colId xmlns:a16="http://schemas.microsoft.com/office/drawing/2014/main" xmlns="" val="1009339973"/>
                     </a:ext>
                   </a:extLst>
                 </a:gridCol>
                 <a:gridCol w="3336728">
                   <a:extLst>
                     <a:ext uri="{9D8B030D-6E8A-4147-A177-3AD203B41FA5}">
-                      <a16:colId xmlns="" xmlns:a16="http://schemas.microsoft.com/office/drawing/2014/main" val="3962187885"/>
+                      <a16:colId xmlns:a16="http://schemas.microsoft.com/office/drawing/2014/main" xmlns="" val="3962187885"/>
                     </a:ext>
                   </a:extLst>
                 </a:gridCol>
@@ -11909,7 +12438,7 @@
                 </a:tc>
                 <a:extLst>
                   <a:ext uri="{0D108BD9-81ED-4DB2-BD59-A6C34878D82A}">
-                    <a16:rowId xmlns="" xmlns:a16="http://schemas.microsoft.com/office/drawing/2014/main" val="2209689491"/>
+                    <a16:rowId xmlns:a16="http://schemas.microsoft.com/office/drawing/2014/main" xmlns="" val="2209689491"/>
                   </a:ext>
                 </a:extLst>
               </a:tr>
@@ -12021,7 +12550,7 @@
                 </a:tc>
                 <a:extLst>
                   <a:ext uri="{0D108BD9-81ED-4DB2-BD59-A6C34878D82A}">
-                    <a16:rowId xmlns="" xmlns:a16="http://schemas.microsoft.com/office/drawing/2014/main" val="2597814589"/>
+                    <a16:rowId xmlns:a16="http://schemas.microsoft.com/office/drawing/2014/main" xmlns="" val="2597814589"/>
                   </a:ext>
                 </a:extLst>
               </a:tr>
@@ -12133,7 +12662,7 @@
                 </a:tc>
                 <a:extLst>
                   <a:ext uri="{0D108BD9-81ED-4DB2-BD59-A6C34878D82A}">
-                    <a16:rowId xmlns="" xmlns:a16="http://schemas.microsoft.com/office/drawing/2014/main" val="3437676480"/>
+                    <a16:rowId xmlns:a16="http://schemas.microsoft.com/office/drawing/2014/main" xmlns="" val="3437676480"/>
                   </a:ext>
                 </a:extLst>
               </a:tr>
@@ -12245,7 +12774,7 @@
                 </a:tc>
                 <a:extLst>
                   <a:ext uri="{0D108BD9-81ED-4DB2-BD59-A6C34878D82A}">
-                    <a16:rowId xmlns="" xmlns:a16="http://schemas.microsoft.com/office/drawing/2014/main" val="3450028378"/>
+                    <a16:rowId xmlns:a16="http://schemas.microsoft.com/office/drawing/2014/main" xmlns="" val="3450028378"/>
                   </a:ext>
                 </a:extLst>
               </a:tr>
@@ -12357,7 +12886,7 @@
                 </a:tc>
                 <a:extLst>
                   <a:ext uri="{0D108BD9-81ED-4DB2-BD59-A6C34878D82A}">
-                    <a16:rowId xmlns="" xmlns:a16="http://schemas.microsoft.com/office/drawing/2014/main" val="3281310877"/>
+                    <a16:rowId xmlns:a16="http://schemas.microsoft.com/office/drawing/2014/main" xmlns="" val="3281310877"/>
                   </a:ext>
                 </a:extLst>
               </a:tr>
@@ -12370,7 +12899,7 @@
           <p:cNvPr id="6" name="Content Placeholder 2">
             <a:extLst>
               <a:ext uri="{FF2B5EF4-FFF2-40B4-BE49-F238E27FC236}">
-                <a16:creationId xmlns="" xmlns:a16="http://schemas.microsoft.com/office/drawing/2014/main" id="{5965ECAC-6F10-47C5-A3A2-05D9E4E91D5E}"/>
+                <a16:creationId xmlns:a16="http://schemas.microsoft.com/office/drawing/2014/main" xmlns="" id="{5965ECAC-6F10-47C5-A3A2-05D9E4E91D5E}"/>
               </a:ext>
             </a:extLst>
           </p:cNvPr>
@@ -12630,10 +13159,17 @@
       </p:transition>
     </mc:Fallback>
   </mc:AlternateContent>
+  <p:timing>
+    <p:tnLst>
+      <p:par>
+        <p:cTn id="1" dur="indefinite" restart="never" nodeType="tmRoot"/>
+      </p:par>
+    </p:tnLst>
+  </p:timing>
 </p:sld>
 </file>
 
-<file path=ppt/slides/slide17.xml><?xml version="1.0" encoding="utf-8"?>
+<file path=ppt/slides/slide19.xml><?xml version="1.0" encoding="utf-8"?>
 <p:sld xmlns:a="http://schemas.openxmlformats.org/drawingml/2006/main" xmlns:r="http://schemas.openxmlformats.org/officeDocument/2006/relationships" xmlns:p="http://schemas.openxmlformats.org/presentationml/2006/main">
   <p:cSld>
     <p:spTree>
@@ -12655,7 +13191,7 @@
           <p:cNvPr id="2" name="Title 1">
             <a:extLst>
               <a:ext uri="{FF2B5EF4-FFF2-40B4-BE49-F238E27FC236}">
-                <a16:creationId xmlns="" xmlns:a16="http://schemas.microsoft.com/office/drawing/2014/main" id="{118CBBA9-49D2-4262-9114-D0D47E7D522A}"/>
+                <a16:creationId xmlns:a16="http://schemas.microsoft.com/office/drawing/2014/main" xmlns="" id="{118CBBA9-49D2-4262-9114-D0D47E7D522A}"/>
               </a:ext>
             </a:extLst>
           </p:cNvPr>
@@ -12683,7 +13219,7 @@
           <p:cNvPr id="3" name="Content Placeholder 2">
             <a:extLst>
               <a:ext uri="{FF2B5EF4-FFF2-40B4-BE49-F238E27FC236}">
-                <a16:creationId xmlns="" xmlns:a16="http://schemas.microsoft.com/office/drawing/2014/main" id="{1E6F3B36-FA1C-4A44-8799-54720A510D55}"/>
+                <a16:creationId xmlns:a16="http://schemas.microsoft.com/office/drawing/2014/main" xmlns="" id="{1E6F3B36-FA1C-4A44-8799-54720A510D55}"/>
               </a:ext>
             </a:extLst>
           </p:cNvPr>
@@ -12745,7 +13281,7 @@
           <p:cNvPr id="4" name="Table 3">
             <a:extLst>
               <a:ext uri="{FF2B5EF4-FFF2-40B4-BE49-F238E27FC236}">
-                <a16:creationId xmlns="" xmlns:a16="http://schemas.microsoft.com/office/drawing/2014/main" id="{2EDD53C5-AD65-447D-BE6E-F714AFA3AE1B}"/>
+                <a16:creationId xmlns:a16="http://schemas.microsoft.com/office/drawing/2014/main" xmlns="" id="{2EDD53C5-AD65-447D-BE6E-F714AFA3AE1B}"/>
               </a:ext>
             </a:extLst>
           </p:cNvPr>
@@ -12755,7 +13291,7 @@
           <p:nvPr>
             <p:extLst>
               <p:ext uri="{D42A27DB-BD31-4B8C-83A1-F6EECF244321}">
-                <p14:modId xmlns:p14="http://schemas.microsoft.com/office/powerpoint/2010/main" val="1129365315"/>
+                <p14:modId xmlns:p14="http://schemas.microsoft.com/office/powerpoint/2010/main" val="3334864859"/>
               </p:ext>
             </p:extLst>
           </p:nvPr>
@@ -12774,21 +13310,21 @@
                 <a:gridCol w="3335657">
                   <a:extLst>
                     <a:ext uri="{9D8B030D-6E8A-4147-A177-3AD203B41FA5}">
-                      <a16:colId xmlns="" xmlns:a16="http://schemas.microsoft.com/office/drawing/2014/main" val="1736827546"/>
+                      <a16:colId xmlns:a16="http://schemas.microsoft.com/office/drawing/2014/main" xmlns="" val="1736827546"/>
                     </a:ext>
                   </a:extLst>
                 </a:gridCol>
                 <a:gridCol w="3336728">
                   <a:extLst>
                     <a:ext uri="{9D8B030D-6E8A-4147-A177-3AD203B41FA5}">
-                      <a16:colId xmlns="" xmlns:a16="http://schemas.microsoft.com/office/drawing/2014/main" val="1009339973"/>
+                      <a16:colId xmlns:a16="http://schemas.microsoft.com/office/drawing/2014/main" xmlns="" val="1009339973"/>
                     </a:ext>
                   </a:extLst>
                 </a:gridCol>
                 <a:gridCol w="3336728">
                   <a:extLst>
                     <a:ext uri="{9D8B030D-6E8A-4147-A177-3AD203B41FA5}">
-                      <a16:colId xmlns="" xmlns:a16="http://schemas.microsoft.com/office/drawing/2014/main" val="3962187885"/>
+                      <a16:colId xmlns:a16="http://schemas.microsoft.com/office/drawing/2014/main" xmlns="" val="3962187885"/>
                     </a:ext>
                   </a:extLst>
                 </a:gridCol>
@@ -12892,7 +13428,7 @@
                 </a:tc>
                 <a:extLst>
                   <a:ext uri="{0D108BD9-81ED-4DB2-BD59-A6C34878D82A}">
-                    <a16:rowId xmlns="" xmlns:a16="http://schemas.microsoft.com/office/drawing/2014/main" val="2209689491"/>
+                    <a16:rowId xmlns:a16="http://schemas.microsoft.com/office/drawing/2014/main" xmlns="" val="2209689491"/>
                   </a:ext>
                 </a:extLst>
               </a:tr>
@@ -12913,6 +13449,30 @@
                           <a:spcPts val="600"/>
                         </a:spcAft>
                       </a:pPr>
+                      <a:r>
+                        <a:rPr lang="en-AU" sz="2000" dirty="0" smtClean="0">
+                          <a:solidFill>
+                            <a:srgbClr val="404040"/>
+                          </a:solidFill>
+                          <a:effectLst/>
+                          <a:latin typeface="Arial" panose="020B0604020202020204" pitchFamily="34" charset="0"/>
+                          <a:ea typeface="Arial" panose="020B0604020202020204" pitchFamily="34" charset="0"/>
+                          <a:cs typeface="Times New Roman" panose="02020603050405020304" pitchFamily="18" charset="0"/>
+                        </a:rPr>
+                        <a:t>Lack</a:t>
+                      </a:r>
+                      <a:r>
+                        <a:rPr lang="en-AU" sz="2000" baseline="0" dirty="0" smtClean="0">
+                          <a:solidFill>
+                            <a:srgbClr val="404040"/>
+                          </a:solidFill>
+                          <a:effectLst/>
+                          <a:latin typeface="Arial" panose="020B0604020202020204" pitchFamily="34" charset="0"/>
+                          <a:ea typeface="Arial" panose="020B0604020202020204" pitchFamily="34" charset="0"/>
+                          <a:cs typeface="Times New Roman" panose="02020603050405020304" pitchFamily="18" charset="0"/>
+                        </a:rPr>
+                        <a:t> of visible panel edges</a:t>
+                      </a:r>
                       <a:endParaRPr lang="en-AU" sz="2000" dirty="0">
                         <a:solidFill>
                           <a:srgbClr val="404040"/>
@@ -12942,6 +13502,18 @@
                           <a:spcPts val="600"/>
                         </a:spcAft>
                       </a:pPr>
+                      <a:r>
+                        <a:rPr lang="en-AU" sz="2000" dirty="0" smtClean="0">
+                          <a:solidFill>
+                            <a:srgbClr val="404040"/>
+                          </a:solidFill>
+                          <a:effectLst/>
+                          <a:latin typeface="Arial" panose="020B0604020202020204" pitchFamily="34" charset="0"/>
+                          <a:ea typeface="Arial" panose="020B0604020202020204" pitchFamily="34" charset="0"/>
+                          <a:cs typeface="Times New Roman" panose="02020603050405020304" pitchFamily="18" charset="0"/>
+                        </a:rPr>
+                        <a:t>Shade (unlikely)</a:t>
+                      </a:r>
                       <a:endParaRPr lang="en-AU" sz="2000" dirty="0">
                         <a:solidFill>
                           <a:srgbClr val="404040"/>
@@ -12986,7 +13558,7 @@
                 </a:tc>
                 <a:extLst>
                   <a:ext uri="{0D108BD9-81ED-4DB2-BD59-A6C34878D82A}">
-                    <a16:rowId xmlns="" xmlns:a16="http://schemas.microsoft.com/office/drawing/2014/main" val="2597814589"/>
+                    <a16:rowId xmlns:a16="http://schemas.microsoft.com/office/drawing/2014/main" xmlns="" val="2597814589"/>
                   </a:ext>
                 </a:extLst>
               </a:tr>
@@ -13016,435 +13588,13 @@
       </p:transition>
     </mc:Fallback>
   </mc:AlternateContent>
-</p:sld>
-</file>
-
-<file path=ppt/slides/slide18.xml><?xml version="1.0" encoding="utf-8"?>
-<p:sld xmlns:a="http://schemas.openxmlformats.org/drawingml/2006/main" xmlns:r="http://schemas.openxmlformats.org/officeDocument/2006/relationships" xmlns:p="http://schemas.openxmlformats.org/presentationml/2006/main" show="0">
-  <p:cSld>
-    <p:spTree>
-      <p:nvGrpSpPr>
-        <p:cNvPr id="1" name=""/>
-        <p:cNvGrpSpPr/>
-        <p:nvPr/>
-      </p:nvGrpSpPr>
-      <p:grpSpPr>
-        <a:xfrm>
-          <a:off x="0" y="0"/>
-          <a:ext cx="0" cy="0"/>
-          <a:chOff x="0" y="0"/>
-          <a:chExt cx="0" cy="0"/>
-        </a:xfrm>
-      </p:grpSpPr>
-      <p:sp>
-        <p:nvSpPr>
-          <p:cNvPr id="2" name="Title 1">
-            <a:extLst>
-              <a:ext uri="{FF2B5EF4-FFF2-40B4-BE49-F238E27FC236}">
-                <a16:creationId xmlns="" xmlns:a16="http://schemas.microsoft.com/office/drawing/2014/main" id="{118CBBA9-49D2-4262-9114-D0D47E7D522A}"/>
-              </a:ext>
-            </a:extLst>
-          </p:cNvPr>
-          <p:cNvSpPr>
-            <a:spLocks noGrp="1"/>
-          </p:cNvSpPr>
-          <p:nvPr>
-            <p:ph type="title"/>
-          </p:nvPr>
-        </p:nvSpPr>
-        <p:spPr/>
-        <p:txBody>
-          <a:bodyPr/>
-          <a:lstStyle/>
-          <a:p>
-            <a:r>
-              <a:rPr lang="en-AU" dirty="0"/>
-              <a:t>The Model</a:t>
-            </a:r>
-          </a:p>
-        </p:txBody>
-      </p:sp>
-      <p:sp>
-        <p:nvSpPr>
-          <p:cNvPr id="3" name="Content Placeholder 2">
-            <a:extLst>
-              <a:ext uri="{FF2B5EF4-FFF2-40B4-BE49-F238E27FC236}">
-                <a16:creationId xmlns="" xmlns:a16="http://schemas.microsoft.com/office/drawing/2014/main" id="{1E6F3B36-FA1C-4A44-8799-54720A510D55}"/>
-              </a:ext>
-            </a:extLst>
-          </p:cNvPr>
-          <p:cNvSpPr>
-            <a:spLocks noGrp="1"/>
-          </p:cNvSpPr>
-          <p:nvPr>
-            <p:ph idx="1"/>
-          </p:nvPr>
-        </p:nvSpPr>
-        <p:spPr/>
-        <p:txBody>
-          <a:bodyPr/>
-          <a:lstStyle/>
-          <a:p>
-            <a:r>
-              <a:rPr lang="en-AU" dirty="0"/>
-              <a:t>Convolutional Neural Net (CNN) model</a:t>
-            </a:r>
-          </a:p>
-          <a:p>
-            <a:r>
-              <a:rPr lang="en-AU" dirty="0"/>
-              <a:t>Leverages the Fast.AI wrapper on top of </a:t>
-            </a:r>
-            <a:r>
-              <a:rPr lang="en-AU" dirty="0" err="1"/>
-              <a:t>PyTorch</a:t>
-            </a:r>
-            <a:endParaRPr lang="en-AU" dirty="0"/>
-          </a:p>
-          <a:p>
-            <a:r>
-              <a:rPr lang="en-AU" dirty="0"/>
-              <a:t>Specifies:</a:t>
-            </a:r>
-          </a:p>
-          <a:p>
-            <a:pPr lvl="1"/>
-            <a:r>
-              <a:rPr lang="en-AU" dirty="0"/>
-              <a:t>Data set to utilise</a:t>
-            </a:r>
-          </a:p>
-          <a:p>
-            <a:pPr lvl="1"/>
-            <a:r>
-              <a:rPr lang="en-AU" dirty="0"/>
-              <a:t>Functions to split source data into a training &amp; validation set</a:t>
-            </a:r>
-          </a:p>
-          <a:p>
-            <a:pPr lvl="1"/>
-            <a:r>
-              <a:rPr lang="en-AU" dirty="0"/>
-              <a:t>Functions to import image meta-data</a:t>
-            </a:r>
-          </a:p>
-          <a:p>
-            <a:pPr lvl="1"/>
-            <a:r>
-              <a:rPr lang="en-AU" dirty="0"/>
-              <a:t>Learning rate specification and annealing</a:t>
-            </a:r>
-          </a:p>
-          <a:p>
-            <a:pPr lvl="1"/>
-            <a:r>
-              <a:rPr lang="en-AU" dirty="0"/>
-              <a:t>Data augmentation</a:t>
-            </a:r>
-          </a:p>
-          <a:p>
-            <a:r>
-              <a:rPr lang="en-AU" dirty="0"/>
-              <a:t>Result accuracy based on confusion matrix output</a:t>
-            </a:r>
-          </a:p>
-          <a:p>
-            <a:pPr lvl="1"/>
-            <a:endParaRPr lang="en-AU" dirty="0"/>
-          </a:p>
-        </p:txBody>
-      </p:sp>
-    </p:spTree>
-    <p:extLst>
-      <p:ext uri="{BB962C8B-B14F-4D97-AF65-F5344CB8AC3E}">
-        <p14:creationId xmlns:p14="http://schemas.microsoft.com/office/powerpoint/2010/main" val="147196257"/>
-      </p:ext>
-    </p:extLst>
-  </p:cSld>
-  <p:clrMapOvr>
-    <a:masterClrMapping/>
-  </p:clrMapOvr>
-  <mc:AlternateContent xmlns:mc="http://schemas.openxmlformats.org/markup-compatibility/2006" xmlns:p14="http://schemas.microsoft.com/office/powerpoint/2010/main">
-    <mc:Choice Requires="p14">
-      <p:transition spd="med" p14:dur="700">
-        <p:fade/>
-      </p:transition>
-    </mc:Choice>
-    <mc:Fallback xmlns="">
-      <p:transition spd="med">
-        <p:fade/>
-      </p:transition>
-    </mc:Fallback>
-  </mc:AlternateContent>
-</p:sld>
-</file>
-
-<file path=ppt/slides/slide19.xml><?xml version="1.0" encoding="utf-8"?>
-<p:sld xmlns:a="http://schemas.openxmlformats.org/drawingml/2006/main" xmlns:r="http://schemas.openxmlformats.org/officeDocument/2006/relationships" xmlns:p="http://schemas.openxmlformats.org/presentationml/2006/main">
-  <p:cSld>
-    <p:spTree>
-      <p:nvGrpSpPr>
-        <p:cNvPr id="1" name=""/>
-        <p:cNvGrpSpPr/>
-        <p:nvPr/>
-      </p:nvGrpSpPr>
-      <p:grpSpPr>
-        <a:xfrm>
-          <a:off x="0" y="0"/>
-          <a:ext cx="0" cy="0"/>
-          <a:chOff x="0" y="0"/>
-          <a:chExt cx="0" cy="0"/>
-        </a:xfrm>
-      </p:grpSpPr>
-      <p:sp>
-        <p:nvSpPr>
-          <p:cNvPr id="2" name="Title 1">
-            <a:extLst>
-              <a:ext uri="{FF2B5EF4-FFF2-40B4-BE49-F238E27FC236}">
-                <a16:creationId xmlns="" xmlns:a16="http://schemas.microsoft.com/office/drawing/2014/main" id="{118CBBA9-49D2-4262-9114-D0D47E7D522A}"/>
-              </a:ext>
-            </a:extLst>
-          </p:cNvPr>
-          <p:cNvSpPr>
-            <a:spLocks noGrp="1"/>
-          </p:cNvSpPr>
-          <p:nvPr>
-            <p:ph type="title"/>
-          </p:nvPr>
-        </p:nvSpPr>
-        <p:spPr/>
-        <p:txBody>
-          <a:bodyPr/>
-          <a:lstStyle/>
-          <a:p>
-            <a:r>
-              <a:rPr lang="en-AU" b="1" dirty="0" smtClean="0"/>
-              <a:t>We found…</a:t>
-            </a:r>
-            <a:endParaRPr lang="en-AU" dirty="0"/>
-          </a:p>
-        </p:txBody>
-      </p:sp>
-      <p:sp>
-        <p:nvSpPr>
-          <p:cNvPr id="3" name="Content Placeholder 2">
-            <a:extLst>
-              <a:ext uri="{FF2B5EF4-FFF2-40B4-BE49-F238E27FC236}">
-                <a16:creationId xmlns="" xmlns:a16="http://schemas.microsoft.com/office/drawing/2014/main" id="{1E6F3B36-FA1C-4A44-8799-54720A510D55}"/>
-              </a:ext>
-            </a:extLst>
-          </p:cNvPr>
-          <p:cNvSpPr>
-            <a:spLocks noGrp="1"/>
-          </p:cNvSpPr>
-          <p:nvPr>
-            <p:ph idx="1"/>
-          </p:nvPr>
-        </p:nvSpPr>
-        <p:spPr>
-          <a:xfrm>
-            <a:off x="1218883" y="1701797"/>
-            <a:ext cx="10564161" cy="4462272"/>
-          </a:xfrm>
-        </p:spPr>
-        <p:txBody>
-          <a:bodyPr>
-            <a:normAutofit fontScale="70000" lnSpcReduction="20000"/>
-          </a:bodyPr>
-          <a:lstStyle/>
-          <a:p>
-            <a:r>
-              <a:rPr lang="en-AU" dirty="0"/>
-              <a:t>Resnet34 </a:t>
-            </a:r>
-            <a:r>
-              <a:rPr lang="en-AU" dirty="0" smtClean="0"/>
-              <a:t>architecture is adequate</a:t>
-            </a:r>
-            <a:endParaRPr lang="en-AU" dirty="0"/>
-          </a:p>
-          <a:p>
-            <a:r>
-              <a:rPr lang="en-AU" dirty="0"/>
-              <a:t>First </a:t>
-            </a:r>
-            <a:r>
-              <a:rPr lang="en-AU" dirty="0" smtClean="0"/>
-              <a:t>training epoch (last layer only): </a:t>
-            </a:r>
-            <a:r>
-              <a:rPr lang="en-AU" dirty="0"/>
-              <a:t>86.4% accuracy</a:t>
-            </a:r>
-          </a:p>
-          <a:p>
-            <a:r>
-              <a:rPr lang="en-AU" dirty="0"/>
-              <a:t>False </a:t>
-            </a:r>
-            <a:r>
-              <a:rPr lang="en-AU" dirty="0">
-                <a:solidFill>
-                  <a:srgbClr val="FF0000"/>
-                </a:solidFill>
-              </a:rPr>
-              <a:t>negatives</a:t>
-            </a:r>
-            <a:r>
-              <a:rPr lang="en-AU" dirty="0"/>
-              <a:t> generally </a:t>
-            </a:r>
-            <a:r>
-              <a:rPr lang="en-AU" dirty="0" smtClean="0"/>
-              <a:t>occurred </a:t>
-            </a:r>
-            <a:r>
-              <a:rPr lang="en-AU" dirty="0"/>
-              <a:t>where panel edges </a:t>
-            </a:r>
-            <a:r>
-              <a:rPr lang="en-AU" dirty="0" smtClean="0"/>
-              <a:t>were not visible</a:t>
-            </a:r>
-            <a:endParaRPr lang="en-AU" dirty="0"/>
-          </a:p>
-          <a:p>
-            <a:r>
-              <a:rPr lang="en-AU" dirty="0"/>
-              <a:t>False </a:t>
-            </a:r>
-            <a:r>
-              <a:rPr lang="en-AU" dirty="0">
-                <a:solidFill>
-                  <a:schemeClr val="accent1">
-                    <a:lumMod val="60000"/>
-                    <a:lumOff val="40000"/>
-                  </a:schemeClr>
-                </a:solidFill>
-              </a:rPr>
-              <a:t>positives</a:t>
-            </a:r>
-            <a:r>
-              <a:rPr lang="en-AU" dirty="0"/>
-              <a:t> generally occur on grid-like </a:t>
-            </a:r>
-            <a:r>
-              <a:rPr lang="en-AU" dirty="0" smtClean="0"/>
-              <a:t>structures (tiles, pergolas </a:t>
-            </a:r>
-            <a:r>
-              <a:rPr lang="en-AU" dirty="0" err="1" smtClean="0"/>
-              <a:t>etc</a:t>
-            </a:r>
-            <a:r>
-              <a:rPr lang="en-AU" dirty="0" smtClean="0"/>
-              <a:t>)</a:t>
-            </a:r>
-            <a:endParaRPr lang="en-AU" dirty="0"/>
-          </a:p>
-          <a:p>
-            <a:r>
-              <a:rPr lang="en-AU" dirty="0"/>
-              <a:t>Learning rate utilising SGDR on final layer provides small improvement: 88.6%</a:t>
-            </a:r>
-          </a:p>
-          <a:p>
-            <a:r>
-              <a:rPr lang="en-AU" dirty="0"/>
-              <a:t>SGDR with differential learning rates yields </a:t>
-            </a:r>
-            <a:r>
-              <a:rPr lang="en-AU" u="sng" dirty="0"/>
-              <a:t>significant</a:t>
-            </a:r>
-            <a:r>
-              <a:rPr lang="en-AU" dirty="0"/>
-              <a:t> accuracy </a:t>
-            </a:r>
-            <a:r>
-              <a:rPr lang="en-AU" dirty="0" smtClean="0"/>
-              <a:t>increase</a:t>
-            </a:r>
-          </a:p>
-          <a:p>
-            <a:pPr lvl="1"/>
-            <a:r>
-              <a:rPr lang="en-AU" dirty="0" smtClean="0"/>
-              <a:t>Layers were unfrozen, and the last 3 layers were re-trained until overfitting (train loss &gt; validation loss)</a:t>
-            </a:r>
-          </a:p>
-          <a:p>
-            <a:pPr lvl="1"/>
-            <a:r>
-              <a:rPr lang="en-AU" dirty="0" smtClean="0"/>
-              <a:t>Significant </a:t>
-            </a:r>
-            <a:r>
-              <a:rPr lang="en-AU" dirty="0"/>
-              <a:t>accuracy </a:t>
-            </a:r>
-            <a:r>
-              <a:rPr lang="en-AU" dirty="0" smtClean="0"/>
-              <a:t>improvement</a:t>
-            </a:r>
-            <a:r>
-              <a:rPr lang="en-AU" dirty="0"/>
-              <a:t> </a:t>
-            </a:r>
-            <a:r>
-              <a:rPr lang="en-AU" dirty="0" smtClean="0"/>
-              <a:t>(97.3%), however the risk of overfitting may be high</a:t>
-            </a:r>
-          </a:p>
-          <a:p>
-            <a:r>
-              <a:rPr lang="en-AU" dirty="0" smtClean="0"/>
-              <a:t>TTA </a:t>
-            </a:r>
-            <a:r>
-              <a:rPr lang="en-AU" dirty="0"/>
-              <a:t>provides small benefit: 97.8% </a:t>
-            </a:r>
-            <a:r>
-              <a:rPr lang="en-AU" dirty="0" smtClean="0"/>
-              <a:t>accuracy (+0.5%)</a:t>
-            </a:r>
-          </a:p>
-          <a:p>
-            <a:r>
-              <a:rPr lang="en-AU" dirty="0" smtClean="0"/>
-              <a:t>Rectangular imagery and multi-residential imagery will require additional care, and likely image segmentation. Was not explored, as this would have formed Part B scope.</a:t>
-            </a:r>
-            <a:endParaRPr lang="en-AU" dirty="0"/>
-          </a:p>
-          <a:p>
-            <a:pPr lvl="1"/>
-            <a:endParaRPr lang="en-AU" dirty="0"/>
-          </a:p>
-        </p:txBody>
-      </p:sp>
-    </p:spTree>
-    <p:extLst>
-      <p:ext uri="{BB962C8B-B14F-4D97-AF65-F5344CB8AC3E}">
-        <p14:creationId xmlns:p14="http://schemas.microsoft.com/office/powerpoint/2010/main" val="796037558"/>
-      </p:ext>
-    </p:extLst>
-  </p:cSld>
-  <p:clrMapOvr>
-    <a:masterClrMapping/>
-  </p:clrMapOvr>
-  <mc:AlternateContent xmlns:mc="http://schemas.openxmlformats.org/markup-compatibility/2006" xmlns:p14="http://schemas.microsoft.com/office/powerpoint/2010/main">
-    <mc:Choice Requires="p14">
-      <p:transition spd="med" p14:dur="700">
-        <p:fade/>
-      </p:transition>
-    </mc:Choice>
-    <mc:Fallback xmlns="">
-      <p:transition spd="med">
-        <p:fade/>
-      </p:transition>
-    </mc:Fallback>
-  </mc:AlternateContent>
+  <p:timing>
+    <p:tnLst>
+      <p:par>
+        <p:cTn id="1" dur="indefinite" restart="never" nodeType="tmRoot"/>
+      </p:par>
+    </p:tnLst>
+  </p:timing>
 </p:sld>
 </file>
 
@@ -13470,7 +13620,7 @@
           <p:cNvPr id="4" name="Content Placeholder 2">
             <a:extLst>
               <a:ext uri="{FF2B5EF4-FFF2-40B4-BE49-F238E27FC236}">
-                <a16:creationId xmlns="" xmlns:a16="http://schemas.microsoft.com/office/drawing/2014/main" id="{1E6F3B36-FA1C-4A44-8799-54720A510D55}"/>
+                <a16:creationId xmlns:a16="http://schemas.microsoft.com/office/drawing/2014/main" xmlns="" id="{1E6F3B36-FA1C-4A44-8799-54720A510D55}"/>
               </a:ext>
             </a:extLst>
           </p:cNvPr>
@@ -13723,21 +13873,8 @@
             </a:pPr>
             <a:r>
               <a:rPr lang="en-AU" sz="2000" dirty="0" smtClean="0"/>
-              <a:t>Electrical </a:t>
-            </a:r>
-            <a:r>
-              <a:rPr lang="en-AU" sz="2000" dirty="0" smtClean="0"/>
-              <a:t>Engineer (Western Power) </a:t>
-            </a:r>
-            <a:r>
-              <a:rPr lang="en-AU" sz="2000" dirty="0" smtClean="0"/>
-              <a:t>looking to broaden her skillset and apply learnings from </a:t>
-            </a:r>
-            <a:r>
-              <a:rPr lang="en-AU" sz="2000" dirty="0" smtClean="0"/>
-              <a:t>fast.ai.</a:t>
-            </a:r>
-            <a:endParaRPr lang="en-AU" sz="2000" dirty="0" smtClean="0"/>
+              <a:t>Electrical Engineer (Western Power) looking to broaden her skillset and apply learnings from fast.ai.</a:t>
+            </a:r>
           </a:p>
           <a:p>
             <a:pPr>
@@ -13774,11 +13911,7 @@
             </a:pPr>
             <a:r>
               <a:rPr lang="en-AU" dirty="0" smtClean="0"/>
-              <a:t>Adrian </a:t>
-            </a:r>
-            <a:r>
-              <a:rPr lang="en-AU" dirty="0" smtClean="0"/>
-              <a:t>Goldberg</a:t>
+              <a:t>Adrian Goldberg</a:t>
             </a:r>
           </a:p>
           <a:p>
@@ -14007,11 +14140,18 @@
       </p:transition>
     </mc:Fallback>
   </mc:AlternateContent>
+  <p:timing>
+    <p:tnLst>
+      <p:par>
+        <p:cTn id="1" dur="indefinite" restart="never" nodeType="tmRoot"/>
+      </p:par>
+    </p:tnLst>
+  </p:timing>
 </p:sld>
 </file>
 
 <file path=ppt/slides/slide20.xml><?xml version="1.0" encoding="utf-8"?>
-<p:sld xmlns:a="http://schemas.openxmlformats.org/drawingml/2006/main" xmlns:r="http://schemas.openxmlformats.org/officeDocument/2006/relationships" xmlns:p="http://schemas.openxmlformats.org/presentationml/2006/main">
+<p:sld xmlns:a="http://schemas.openxmlformats.org/drawingml/2006/main" xmlns:r="http://schemas.openxmlformats.org/officeDocument/2006/relationships" xmlns:p="http://schemas.openxmlformats.org/presentationml/2006/main" show="0">
   <p:cSld>
     <p:spTree>
       <p:nvGrpSpPr>
@@ -14029,10 +14169,38 @@
       </p:grpSpPr>
       <p:sp>
         <p:nvSpPr>
+          <p:cNvPr id="2" name="Title 1">
+            <a:extLst>
+              <a:ext uri="{FF2B5EF4-FFF2-40B4-BE49-F238E27FC236}">
+                <a16:creationId xmlns:a16="http://schemas.microsoft.com/office/drawing/2014/main" xmlns="" id="{118CBBA9-49D2-4262-9114-D0D47E7D522A}"/>
+              </a:ext>
+            </a:extLst>
+          </p:cNvPr>
+          <p:cNvSpPr>
+            <a:spLocks noGrp="1"/>
+          </p:cNvSpPr>
+          <p:nvPr>
+            <p:ph type="title"/>
+          </p:nvPr>
+        </p:nvSpPr>
+        <p:spPr/>
+        <p:txBody>
+          <a:bodyPr/>
+          <a:lstStyle/>
+          <a:p>
+            <a:r>
+              <a:rPr lang="en-AU" dirty="0"/>
+              <a:t>The Model</a:t>
+            </a:r>
+          </a:p>
+        </p:txBody>
+      </p:sp>
+      <p:sp>
+        <p:nvSpPr>
           <p:cNvPr id="3" name="Content Placeholder 2">
             <a:extLst>
               <a:ext uri="{FF2B5EF4-FFF2-40B4-BE49-F238E27FC236}">
-                <a16:creationId xmlns="" xmlns:a16="http://schemas.microsoft.com/office/drawing/2014/main" id="{1E6F3B36-FA1C-4A44-8799-54720A510D55}"/>
+                <a16:creationId xmlns:a16="http://schemas.microsoft.com/office/drawing/2014/main" xmlns="" id="{1E6F3B36-FA1C-4A44-8799-54720A510D55}"/>
               </a:ext>
             </a:extLst>
           </p:cNvPr>
@@ -14043,118 +14211,76 @@
             <p:ph idx="1"/>
           </p:nvPr>
         </p:nvSpPr>
-        <p:spPr>
-          <a:xfrm>
-            <a:off x="1218883" y="1701797"/>
-            <a:ext cx="10360501" cy="4823547"/>
-          </a:xfrm>
-        </p:spPr>
+        <p:spPr/>
         <p:txBody>
-          <a:bodyPr>
-            <a:normAutofit/>
-          </a:bodyPr>
+          <a:bodyPr/>
           <a:lstStyle/>
           <a:p>
             <a:r>
               <a:rPr lang="en-AU" dirty="0"/>
-              <a:t>Significant dropout:</a:t>
+              <a:t>Convolutional Neural Net (CNN) model</a:t>
+            </a:r>
+          </a:p>
+          <a:p>
+            <a:r>
+              <a:rPr lang="en-AU" dirty="0"/>
+              <a:t>Leverages the Fast.AI wrapper on top of </a:t>
+            </a:r>
+            <a:r>
+              <a:rPr lang="en-AU" dirty="0" err="1"/>
+              <a:t>PyTorch</a:t>
+            </a:r>
+            <a:endParaRPr lang="en-AU" dirty="0"/>
+          </a:p>
+          <a:p>
+            <a:r>
+              <a:rPr lang="en-AU" dirty="0"/>
+              <a:t>Specifies:</a:t>
             </a:r>
           </a:p>
           <a:p>
             <a:pPr lvl="1"/>
             <a:r>
-              <a:rPr lang="en-AU" dirty="0" smtClean="0"/>
-              <a:t>Assumed dropout would improve generalisation of solar panels and reduce false positives</a:t>
-            </a:r>
-          </a:p>
-          <a:p>
-            <a:r>
-              <a:rPr lang="en-AU" dirty="0" smtClean="0"/>
+              <a:rPr lang="en-AU" dirty="0"/>
+              <a:t>Data set to utilise</a:t>
+            </a:r>
+          </a:p>
+          <a:p>
+            <a:pPr lvl="1"/>
+            <a:r>
+              <a:rPr lang="en-AU" dirty="0"/>
+              <a:t>Functions to split source data into a training &amp; validation set</a:t>
+            </a:r>
+          </a:p>
+          <a:p>
+            <a:pPr lvl="1"/>
+            <a:r>
+              <a:rPr lang="en-AU" dirty="0"/>
+              <a:t>Functions to import image meta-data</a:t>
+            </a:r>
+          </a:p>
+          <a:p>
+            <a:pPr lvl="1"/>
+            <a:r>
+              <a:rPr lang="en-AU" dirty="0"/>
+              <a:t>Learning rate specification and annealing</a:t>
+            </a:r>
+          </a:p>
+          <a:p>
+            <a:pPr lvl="1"/>
+            <a:r>
+              <a:rPr lang="en-AU" dirty="0"/>
               <a:t>Data augmentation</a:t>
             </a:r>
           </a:p>
           <a:p>
+            <a:r>
+              <a:rPr lang="en-AU" dirty="0"/>
+              <a:t>Result accuracy based on confusion matrix output</a:t>
+            </a:r>
+          </a:p>
+          <a:p>
             <a:pPr lvl="1"/>
-            <a:r>
-              <a:rPr lang="en-AU" dirty="0" smtClean="0"/>
-              <a:t>With blur – similar principle to the above – seemed to be counterproductive by reducing accuracy</a:t>
-            </a:r>
-          </a:p>
-          <a:p>
-            <a:pPr lvl="1"/>
-            <a:r>
-              <a:rPr lang="en-AU" dirty="0" smtClean="0"/>
-              <a:t>30 degree image tilt – To better generalise house (and by proxy panel) positioning – reduced the validation set accuracy</a:t>
-            </a:r>
-          </a:p>
-          <a:p>
-            <a:r>
-              <a:rPr lang="en-AU" dirty="0"/>
-              <a:t>Moving up to a ResNet50 model took far longer to train but did not yield a performance </a:t>
-            </a:r>
-            <a:r>
-              <a:rPr lang="en-AU" dirty="0" smtClean="0"/>
-              <a:t>increase</a:t>
-            </a:r>
-            <a:endParaRPr lang="en-AU" dirty="0"/>
-          </a:p>
-          <a:p>
-            <a:pPr lvl="1"/>
-            <a:endParaRPr lang="en-AU" dirty="0"/>
-          </a:p>
-        </p:txBody>
-      </p:sp>
-      <p:sp>
-        <p:nvSpPr>
-          <p:cNvPr id="5" name="Title 1">
-            <a:extLst>
-              <a:ext uri="{FF2B5EF4-FFF2-40B4-BE49-F238E27FC236}">
-                <a16:creationId xmlns="" xmlns:a16="http://schemas.microsoft.com/office/drawing/2014/main" id="{118CBBA9-49D2-4262-9114-D0D47E7D522A}"/>
-              </a:ext>
-            </a:extLst>
-          </p:cNvPr>
-          <p:cNvSpPr txBox="1">
-            <a:spLocks/>
-          </p:cNvSpPr>
-          <p:nvPr/>
-        </p:nvSpPr>
-        <p:spPr>
-          <a:xfrm>
-            <a:off x="1371283" y="427037"/>
-            <a:ext cx="10360501" cy="1223963"/>
-          </a:xfrm>
-          <a:prstGeom prst="rect">
-            <a:avLst/>
-          </a:prstGeom>
-        </p:spPr>
-        <p:txBody>
-          <a:bodyPr vert="horz" lIns="121899" tIns="60949" rIns="121899" bIns="60949" rtlCol="0" anchor="b">
-            <a:normAutofit/>
-          </a:bodyPr>
-          <a:lstStyle>
-            <a:lvl1pPr algn="l" defTabSz="1218987" rtl="0" eaLnBrk="1" latinLnBrk="0" hangingPunct="1">
-              <a:lnSpc>
-                <a:spcPct val="90000"/>
-              </a:lnSpc>
-              <a:spcBef>
-                <a:spcPct val="0"/>
-              </a:spcBef>
-              <a:buNone/>
-              <a:defRPr sz="3600" kern="1200">
-                <a:solidFill>
-                  <a:schemeClr val="tx1"/>
-                </a:solidFill>
-                <a:latin typeface="+mj-lt"/>
-                <a:ea typeface="+mj-ea"/>
-                <a:cs typeface="+mj-cs"/>
-              </a:defRPr>
-            </a:lvl1pPr>
-          </a:lstStyle>
-          <a:p>
-            <a:r>
-              <a:rPr lang="en-AU" dirty="0" smtClean="0"/>
-              <a:t>What didn’t work...</a:t>
-            </a:r>
             <a:endParaRPr lang="en-AU" dirty="0"/>
           </a:p>
         </p:txBody>
@@ -14162,7 +14288,7 @@
     </p:spTree>
     <p:extLst>
       <p:ext uri="{BB962C8B-B14F-4D97-AF65-F5344CB8AC3E}">
-        <p14:creationId xmlns:p14="http://schemas.microsoft.com/office/powerpoint/2010/main" val="2709229914"/>
+        <p14:creationId xmlns:p14="http://schemas.microsoft.com/office/powerpoint/2010/main" val="147196257"/>
       </p:ext>
     </p:extLst>
   </p:cSld>
@@ -14206,7 +14332,7 @@
           <p:cNvPr id="2" name="Title 1">
             <a:extLst>
               <a:ext uri="{FF2B5EF4-FFF2-40B4-BE49-F238E27FC236}">
-                <a16:creationId xmlns="" xmlns:a16="http://schemas.microsoft.com/office/drawing/2014/main" id="{118CBBA9-49D2-4262-9114-D0D47E7D522A}"/>
+                <a16:creationId xmlns:a16="http://schemas.microsoft.com/office/drawing/2014/main" xmlns="" id="{118CBBA9-49D2-4262-9114-D0D47E7D522A}"/>
               </a:ext>
             </a:extLst>
           </p:cNvPr>
@@ -14224,7 +14350,7 @@
           <a:p>
             <a:r>
               <a:rPr lang="en-AU" b="1" dirty="0" smtClean="0"/>
-              <a:t>We learned…</a:t>
+              <a:t>We found…</a:t>
             </a:r>
             <a:endParaRPr lang="en-AU" dirty="0"/>
           </a:p>
@@ -14235,7 +14361,510 @@
           <p:cNvPr id="3" name="Content Placeholder 2">
             <a:extLst>
               <a:ext uri="{FF2B5EF4-FFF2-40B4-BE49-F238E27FC236}">
-                <a16:creationId xmlns="" xmlns:a16="http://schemas.microsoft.com/office/drawing/2014/main" id="{1E6F3B36-FA1C-4A44-8799-54720A510D55}"/>
+                <a16:creationId xmlns:a16="http://schemas.microsoft.com/office/drawing/2014/main" xmlns="" id="{1E6F3B36-FA1C-4A44-8799-54720A510D55}"/>
+              </a:ext>
+            </a:extLst>
+          </p:cNvPr>
+          <p:cNvSpPr>
+            <a:spLocks noGrp="1"/>
+          </p:cNvSpPr>
+          <p:nvPr>
+            <p:ph idx="1"/>
+          </p:nvPr>
+        </p:nvSpPr>
+        <p:spPr>
+          <a:xfrm>
+            <a:off x="1218883" y="1701797"/>
+            <a:ext cx="10564161" cy="4462272"/>
+          </a:xfrm>
+        </p:spPr>
+        <p:txBody>
+          <a:bodyPr>
+            <a:normAutofit fontScale="70000" lnSpcReduction="20000"/>
+          </a:bodyPr>
+          <a:lstStyle/>
+          <a:p>
+            <a:r>
+              <a:rPr lang="en-AU" dirty="0"/>
+              <a:t>Resnet34 </a:t>
+            </a:r>
+            <a:r>
+              <a:rPr lang="en-AU" dirty="0" smtClean="0"/>
+              <a:t>architecture is adequate</a:t>
+            </a:r>
+            <a:endParaRPr lang="en-AU" dirty="0"/>
+          </a:p>
+          <a:p>
+            <a:r>
+              <a:rPr lang="en-AU" dirty="0"/>
+              <a:t>First </a:t>
+            </a:r>
+            <a:r>
+              <a:rPr lang="en-AU" dirty="0" smtClean="0"/>
+              <a:t>training epoch (last layer only): </a:t>
+            </a:r>
+            <a:r>
+              <a:rPr lang="en-AU" dirty="0"/>
+              <a:t>86.4% accuracy</a:t>
+            </a:r>
+          </a:p>
+          <a:p>
+            <a:r>
+              <a:rPr lang="en-AU" dirty="0"/>
+              <a:t>False </a:t>
+            </a:r>
+            <a:r>
+              <a:rPr lang="en-AU" dirty="0">
+                <a:solidFill>
+                  <a:srgbClr val="FF0000"/>
+                </a:solidFill>
+              </a:rPr>
+              <a:t>negatives</a:t>
+            </a:r>
+            <a:r>
+              <a:rPr lang="en-AU" dirty="0"/>
+              <a:t> generally </a:t>
+            </a:r>
+            <a:r>
+              <a:rPr lang="en-AU" dirty="0" smtClean="0"/>
+              <a:t>occurred </a:t>
+            </a:r>
+            <a:r>
+              <a:rPr lang="en-AU" dirty="0"/>
+              <a:t>where panel edges </a:t>
+            </a:r>
+            <a:r>
+              <a:rPr lang="en-AU" dirty="0" smtClean="0"/>
+              <a:t>were not visible</a:t>
+            </a:r>
+            <a:endParaRPr lang="en-AU" dirty="0"/>
+          </a:p>
+          <a:p>
+            <a:r>
+              <a:rPr lang="en-AU" dirty="0"/>
+              <a:t>False </a:t>
+            </a:r>
+            <a:r>
+              <a:rPr lang="en-AU" dirty="0">
+                <a:solidFill>
+                  <a:schemeClr val="accent1">
+                    <a:lumMod val="60000"/>
+                    <a:lumOff val="40000"/>
+                  </a:schemeClr>
+                </a:solidFill>
+              </a:rPr>
+              <a:t>positives</a:t>
+            </a:r>
+            <a:r>
+              <a:rPr lang="en-AU" dirty="0"/>
+              <a:t> generally </a:t>
+            </a:r>
+            <a:r>
+              <a:rPr lang="en-AU" dirty="0" err="1" smtClean="0"/>
+              <a:t>occured</a:t>
+            </a:r>
+            <a:r>
+              <a:rPr lang="en-AU" dirty="0" smtClean="0"/>
+              <a:t> </a:t>
+            </a:r>
+            <a:r>
+              <a:rPr lang="en-AU" dirty="0"/>
+              <a:t>on grid-like </a:t>
+            </a:r>
+            <a:r>
+              <a:rPr lang="en-AU" dirty="0" smtClean="0"/>
+              <a:t>structures (tiles, pergolas </a:t>
+            </a:r>
+            <a:r>
+              <a:rPr lang="en-AU" dirty="0" err="1" smtClean="0"/>
+              <a:t>etc</a:t>
+            </a:r>
+            <a:r>
+              <a:rPr lang="en-AU" dirty="0" smtClean="0"/>
+              <a:t>)</a:t>
+            </a:r>
+            <a:endParaRPr lang="en-AU" dirty="0"/>
+          </a:p>
+          <a:p>
+            <a:r>
+              <a:rPr lang="en-AU" dirty="0"/>
+              <a:t>Learning rate utilising SGDR on final layer provides small improvement: 88.6%</a:t>
+            </a:r>
+          </a:p>
+          <a:p>
+            <a:r>
+              <a:rPr lang="en-AU" dirty="0"/>
+              <a:t>SGDR with differential learning rates yields </a:t>
+            </a:r>
+            <a:r>
+              <a:rPr lang="en-AU" u="sng" dirty="0"/>
+              <a:t>significant</a:t>
+            </a:r>
+            <a:r>
+              <a:rPr lang="en-AU" dirty="0"/>
+              <a:t> accuracy </a:t>
+            </a:r>
+            <a:r>
+              <a:rPr lang="en-AU" dirty="0" smtClean="0"/>
+              <a:t>increase</a:t>
+            </a:r>
+          </a:p>
+          <a:p>
+            <a:pPr lvl="1"/>
+            <a:r>
+              <a:rPr lang="en-AU" dirty="0" smtClean="0"/>
+              <a:t>Layers were unfrozen, and the last 3 layers were re-trained until overfitting (train loss &gt; validation loss)</a:t>
+            </a:r>
+          </a:p>
+          <a:p>
+            <a:pPr lvl="1"/>
+            <a:r>
+              <a:rPr lang="en-AU" dirty="0" smtClean="0"/>
+              <a:t>Significant </a:t>
+            </a:r>
+            <a:r>
+              <a:rPr lang="en-AU" dirty="0"/>
+              <a:t>accuracy </a:t>
+            </a:r>
+            <a:r>
+              <a:rPr lang="en-AU" dirty="0" smtClean="0"/>
+              <a:t>improvement</a:t>
+            </a:r>
+            <a:r>
+              <a:rPr lang="en-AU" dirty="0"/>
+              <a:t> </a:t>
+            </a:r>
+            <a:r>
+              <a:rPr lang="en-AU" dirty="0" smtClean="0"/>
+              <a:t>(97.3%), however the risk of overfitting may be high</a:t>
+            </a:r>
+          </a:p>
+          <a:p>
+            <a:r>
+              <a:rPr lang="en-AU" dirty="0" smtClean="0"/>
+              <a:t>TTA </a:t>
+            </a:r>
+            <a:r>
+              <a:rPr lang="en-AU" dirty="0"/>
+              <a:t>provides small benefit: 97.8% </a:t>
+            </a:r>
+            <a:r>
+              <a:rPr lang="en-AU" dirty="0" smtClean="0"/>
+              <a:t>accuracy (+0.5%)</a:t>
+            </a:r>
+          </a:p>
+          <a:p>
+            <a:r>
+              <a:rPr lang="en-AU" dirty="0" smtClean="0"/>
+              <a:t>Rectangular imagery and multi-residential imagery </a:t>
+            </a:r>
+            <a:r>
+              <a:rPr lang="en-AU" dirty="0" smtClean="0"/>
+              <a:t>does require </a:t>
+            </a:r>
+            <a:r>
+              <a:rPr lang="en-AU" dirty="0" smtClean="0"/>
+              <a:t>additional care, and likely image segmentation. </a:t>
+            </a:r>
+            <a:r>
+              <a:rPr lang="en-AU" dirty="0" smtClean="0"/>
+              <a:t>Segmentation was not </a:t>
+            </a:r>
+            <a:r>
+              <a:rPr lang="en-AU" dirty="0" smtClean="0"/>
+              <a:t>explored, as this would have formed Part B scope.</a:t>
+            </a:r>
+            <a:endParaRPr lang="en-AU" dirty="0"/>
+          </a:p>
+          <a:p>
+            <a:pPr lvl="1"/>
+            <a:endParaRPr lang="en-AU" dirty="0"/>
+          </a:p>
+        </p:txBody>
+      </p:sp>
+    </p:spTree>
+    <p:extLst>
+      <p:ext uri="{BB962C8B-B14F-4D97-AF65-F5344CB8AC3E}">
+        <p14:creationId xmlns:p14="http://schemas.microsoft.com/office/powerpoint/2010/main" val="796037558"/>
+      </p:ext>
+    </p:extLst>
+  </p:cSld>
+  <p:clrMapOvr>
+    <a:masterClrMapping/>
+  </p:clrMapOvr>
+  <mc:AlternateContent xmlns:mc="http://schemas.openxmlformats.org/markup-compatibility/2006" xmlns:p14="http://schemas.microsoft.com/office/powerpoint/2010/main">
+    <mc:Choice Requires="p14">
+      <p:transition spd="med" p14:dur="700">
+        <p:fade/>
+      </p:transition>
+    </mc:Choice>
+    <mc:Fallback xmlns="">
+      <p:transition spd="med">
+        <p:fade/>
+      </p:transition>
+    </mc:Fallback>
+  </mc:AlternateContent>
+</p:sld>
+</file>
+
+<file path=ppt/slides/slide22.xml><?xml version="1.0" encoding="utf-8"?>
+<p:sld xmlns:a="http://schemas.openxmlformats.org/drawingml/2006/main" xmlns:r="http://schemas.openxmlformats.org/officeDocument/2006/relationships" xmlns:p="http://schemas.openxmlformats.org/presentationml/2006/main">
+  <p:cSld>
+    <p:spTree>
+      <p:nvGrpSpPr>
+        <p:cNvPr id="1" name=""/>
+        <p:cNvGrpSpPr/>
+        <p:nvPr/>
+      </p:nvGrpSpPr>
+      <p:grpSpPr>
+        <a:xfrm>
+          <a:off x="0" y="0"/>
+          <a:ext cx="0" cy="0"/>
+          <a:chOff x="0" y="0"/>
+          <a:chExt cx="0" cy="0"/>
+        </a:xfrm>
+      </p:grpSpPr>
+      <p:sp>
+        <p:nvSpPr>
+          <p:cNvPr id="3" name="Content Placeholder 2">
+            <a:extLst>
+              <a:ext uri="{FF2B5EF4-FFF2-40B4-BE49-F238E27FC236}">
+                <a16:creationId xmlns:a16="http://schemas.microsoft.com/office/drawing/2014/main" xmlns="" id="{1E6F3B36-FA1C-4A44-8799-54720A510D55}"/>
+              </a:ext>
+            </a:extLst>
+          </p:cNvPr>
+          <p:cNvSpPr>
+            <a:spLocks noGrp="1"/>
+          </p:cNvSpPr>
+          <p:nvPr>
+            <p:ph idx="1"/>
+          </p:nvPr>
+        </p:nvSpPr>
+        <p:spPr>
+          <a:xfrm>
+            <a:off x="1218883" y="1701797"/>
+            <a:ext cx="10360501" cy="4823547"/>
+          </a:xfrm>
+        </p:spPr>
+        <p:txBody>
+          <a:bodyPr>
+            <a:normAutofit/>
+          </a:bodyPr>
+          <a:lstStyle/>
+          <a:p>
+            <a:r>
+              <a:rPr lang="en-AU" dirty="0"/>
+              <a:t>Significant dropout:</a:t>
+            </a:r>
+          </a:p>
+          <a:p>
+            <a:pPr lvl="1"/>
+            <a:r>
+              <a:rPr lang="en-AU" dirty="0" smtClean="0"/>
+              <a:t>Assumed dropout would improve generalisation of solar panels and reduce false positives</a:t>
+            </a:r>
+          </a:p>
+          <a:p>
+            <a:r>
+              <a:rPr lang="en-AU" dirty="0" smtClean="0"/>
+              <a:t>Data </a:t>
+            </a:r>
+            <a:r>
+              <a:rPr lang="en-AU" dirty="0" smtClean="0"/>
+              <a:t>augmentation:</a:t>
+            </a:r>
+            <a:endParaRPr lang="en-AU" dirty="0" smtClean="0"/>
+          </a:p>
+          <a:p>
+            <a:pPr lvl="1"/>
+            <a:r>
+              <a:rPr lang="en-AU" dirty="0" smtClean="0"/>
+              <a:t>With blur – similar principle to the above – seemed to be counterproductive by reducing accuracy</a:t>
+            </a:r>
+          </a:p>
+          <a:p>
+            <a:pPr lvl="1"/>
+            <a:r>
+              <a:rPr lang="en-AU" dirty="0" smtClean="0"/>
+              <a:t>30 degree image tilt – To better generalise house (and by proxy panel) positioning – reduced the validation set </a:t>
+            </a:r>
+            <a:r>
+              <a:rPr lang="en-AU" dirty="0" smtClean="0"/>
+              <a:t>accuracy</a:t>
+            </a:r>
+          </a:p>
+          <a:p>
+            <a:pPr lvl="1"/>
+            <a:r>
+              <a:rPr lang="en-AU" dirty="0" smtClean="0"/>
+              <a:t>Perhaps we were using the wrong type of augmentation?</a:t>
+            </a:r>
+            <a:endParaRPr lang="en-AU" dirty="0" smtClean="0"/>
+          </a:p>
+          <a:p>
+            <a:r>
+              <a:rPr lang="en-AU" dirty="0"/>
+              <a:t>Moving up to a ResNet50 model took far longer to train </a:t>
+            </a:r>
+            <a:r>
+              <a:rPr lang="en-AU" dirty="0" smtClean="0"/>
+              <a:t>and did </a:t>
+            </a:r>
+            <a:r>
+              <a:rPr lang="en-AU" dirty="0"/>
+              <a:t>not yield a performance </a:t>
+            </a:r>
+            <a:r>
+              <a:rPr lang="en-AU" dirty="0" smtClean="0"/>
+              <a:t>increase.</a:t>
+            </a:r>
+            <a:endParaRPr lang="en-AU" dirty="0"/>
+          </a:p>
+          <a:p>
+            <a:pPr lvl="1"/>
+            <a:endParaRPr lang="en-AU" dirty="0"/>
+          </a:p>
+        </p:txBody>
+      </p:sp>
+      <p:sp>
+        <p:nvSpPr>
+          <p:cNvPr id="5" name="Title 1">
+            <a:extLst>
+              <a:ext uri="{FF2B5EF4-FFF2-40B4-BE49-F238E27FC236}">
+                <a16:creationId xmlns:a16="http://schemas.microsoft.com/office/drawing/2014/main" xmlns="" id="{118CBBA9-49D2-4262-9114-D0D47E7D522A}"/>
+              </a:ext>
+            </a:extLst>
+          </p:cNvPr>
+          <p:cNvSpPr txBox="1">
+            <a:spLocks/>
+          </p:cNvSpPr>
+          <p:nvPr/>
+        </p:nvSpPr>
+        <p:spPr>
+          <a:xfrm>
+            <a:off x="1371283" y="427037"/>
+            <a:ext cx="10360501" cy="1223963"/>
+          </a:xfrm>
+          <a:prstGeom prst="rect">
+            <a:avLst/>
+          </a:prstGeom>
+        </p:spPr>
+        <p:txBody>
+          <a:bodyPr vert="horz" lIns="121899" tIns="60949" rIns="121899" bIns="60949" rtlCol="0" anchor="b">
+            <a:normAutofit/>
+          </a:bodyPr>
+          <a:lstStyle>
+            <a:lvl1pPr algn="l" defTabSz="1218987" rtl="0" eaLnBrk="1" latinLnBrk="0" hangingPunct="1">
+              <a:lnSpc>
+                <a:spcPct val="90000"/>
+              </a:lnSpc>
+              <a:spcBef>
+                <a:spcPct val="0"/>
+              </a:spcBef>
+              <a:buNone/>
+              <a:defRPr sz="3600" kern="1200">
+                <a:solidFill>
+                  <a:schemeClr val="tx1"/>
+                </a:solidFill>
+                <a:latin typeface="+mj-lt"/>
+                <a:ea typeface="+mj-ea"/>
+                <a:cs typeface="+mj-cs"/>
+              </a:defRPr>
+            </a:lvl1pPr>
+          </a:lstStyle>
+          <a:p>
+            <a:r>
+              <a:rPr lang="en-AU" dirty="0" smtClean="0"/>
+              <a:t>What didn’t work...</a:t>
+            </a:r>
+            <a:endParaRPr lang="en-AU" dirty="0"/>
+          </a:p>
+        </p:txBody>
+      </p:sp>
+    </p:spTree>
+    <p:extLst>
+      <p:ext uri="{BB962C8B-B14F-4D97-AF65-F5344CB8AC3E}">
+        <p14:creationId xmlns:p14="http://schemas.microsoft.com/office/powerpoint/2010/main" val="2709229914"/>
+      </p:ext>
+    </p:extLst>
+  </p:cSld>
+  <p:clrMapOvr>
+    <a:masterClrMapping/>
+  </p:clrMapOvr>
+  <mc:AlternateContent xmlns:mc="http://schemas.openxmlformats.org/markup-compatibility/2006" xmlns:p14="http://schemas.microsoft.com/office/powerpoint/2010/main">
+    <mc:Choice Requires="p14">
+      <p:transition spd="med" p14:dur="700">
+        <p:fade/>
+      </p:transition>
+    </mc:Choice>
+    <mc:Fallback xmlns="">
+      <p:transition spd="med">
+        <p:fade/>
+      </p:transition>
+    </mc:Fallback>
+  </mc:AlternateContent>
+  <p:timing>
+    <p:tnLst>
+      <p:par>
+        <p:cTn id="1" dur="indefinite" restart="never" nodeType="tmRoot"/>
+      </p:par>
+    </p:tnLst>
+  </p:timing>
+</p:sld>
+</file>
+
+<file path=ppt/slides/slide23.xml><?xml version="1.0" encoding="utf-8"?>
+<p:sld xmlns:a="http://schemas.openxmlformats.org/drawingml/2006/main" xmlns:r="http://schemas.openxmlformats.org/officeDocument/2006/relationships" xmlns:p="http://schemas.openxmlformats.org/presentationml/2006/main">
+  <p:cSld>
+    <p:spTree>
+      <p:nvGrpSpPr>
+        <p:cNvPr id="1" name=""/>
+        <p:cNvGrpSpPr/>
+        <p:nvPr/>
+      </p:nvGrpSpPr>
+      <p:grpSpPr>
+        <a:xfrm>
+          <a:off x="0" y="0"/>
+          <a:ext cx="0" cy="0"/>
+          <a:chOff x="0" y="0"/>
+          <a:chExt cx="0" cy="0"/>
+        </a:xfrm>
+      </p:grpSpPr>
+      <p:sp>
+        <p:nvSpPr>
+          <p:cNvPr id="2" name="Title 1">
+            <a:extLst>
+              <a:ext uri="{FF2B5EF4-FFF2-40B4-BE49-F238E27FC236}">
+                <a16:creationId xmlns:a16="http://schemas.microsoft.com/office/drawing/2014/main" xmlns="" id="{118CBBA9-49D2-4262-9114-D0D47E7D522A}"/>
+              </a:ext>
+            </a:extLst>
+          </p:cNvPr>
+          <p:cNvSpPr>
+            <a:spLocks noGrp="1"/>
+          </p:cNvSpPr>
+          <p:nvPr>
+            <p:ph type="title"/>
+          </p:nvPr>
+        </p:nvSpPr>
+        <p:spPr/>
+        <p:txBody>
+          <a:bodyPr/>
+          <a:lstStyle/>
+          <a:p>
+            <a:r>
+              <a:rPr lang="en-AU" b="1" dirty="0" smtClean="0"/>
+              <a:t>We learned…</a:t>
+            </a:r>
+            <a:endParaRPr lang="en-AU" dirty="0"/>
+          </a:p>
+        </p:txBody>
+      </p:sp>
+      <p:sp>
+        <p:nvSpPr>
+          <p:cNvPr id="3" name="Content Placeholder 2">
+            <a:extLst>
+              <a:ext uri="{FF2B5EF4-FFF2-40B4-BE49-F238E27FC236}">
+                <a16:creationId xmlns:a16="http://schemas.microsoft.com/office/drawing/2014/main" xmlns="" id="{1E6F3B36-FA1C-4A44-8799-54720A510D55}"/>
               </a:ext>
             </a:extLst>
           </p:cNvPr>
@@ -14307,10 +14936,17 @@
       </p:transition>
     </mc:Fallback>
   </mc:AlternateContent>
+  <p:timing>
+    <p:tnLst>
+      <p:par>
+        <p:cTn id="1" dur="indefinite" restart="never" nodeType="tmRoot"/>
+      </p:par>
+    </p:tnLst>
+  </p:timing>
 </p:sld>
 </file>
 
-<file path=ppt/slides/slide22.xml><?xml version="1.0" encoding="utf-8"?>
+<file path=ppt/slides/slide24.xml><?xml version="1.0" encoding="utf-8"?>
 <p:sld xmlns:a="http://schemas.openxmlformats.org/drawingml/2006/main" xmlns:r="http://schemas.openxmlformats.org/officeDocument/2006/relationships" xmlns:p="http://schemas.openxmlformats.org/presentationml/2006/main" show="0">
   <p:cSld>
     <p:spTree>
@@ -14332,7 +14968,7 @@
           <p:cNvPr id="2" name="Title 1">
             <a:extLst>
               <a:ext uri="{FF2B5EF4-FFF2-40B4-BE49-F238E27FC236}">
-                <a16:creationId xmlns="" xmlns:a16="http://schemas.microsoft.com/office/drawing/2014/main" id="{118CBBA9-49D2-4262-9114-D0D47E7D522A}"/>
+                <a16:creationId xmlns:a16="http://schemas.microsoft.com/office/drawing/2014/main" xmlns="" id="{118CBBA9-49D2-4262-9114-D0D47E7D522A}"/>
               </a:ext>
             </a:extLst>
           </p:cNvPr>
@@ -14360,7 +14996,7 @@
           <p:cNvPr id="3" name="Content Placeholder 2">
             <a:extLst>
               <a:ext uri="{FF2B5EF4-FFF2-40B4-BE49-F238E27FC236}">
-                <a16:creationId xmlns="" xmlns:a16="http://schemas.microsoft.com/office/drawing/2014/main" id="{1E6F3B36-FA1C-4A44-8799-54720A510D55}"/>
+                <a16:creationId xmlns:a16="http://schemas.microsoft.com/office/drawing/2014/main" xmlns="" id="{1E6F3B36-FA1C-4A44-8799-54720A510D55}"/>
               </a:ext>
             </a:extLst>
           </p:cNvPr>
@@ -14441,10 +15077,17 @@
       </p:transition>
     </mc:Fallback>
   </mc:AlternateContent>
+  <p:timing>
+    <p:tnLst>
+      <p:par>
+        <p:cTn id="1" dur="indefinite" restart="never" nodeType="tmRoot"/>
+      </p:par>
+    </p:tnLst>
+  </p:timing>
 </p:sld>
 </file>
 
-<file path=ppt/slides/slide23.xml><?xml version="1.0" encoding="utf-8"?>
+<file path=ppt/slides/slide25.xml><?xml version="1.0" encoding="utf-8"?>
 <p:sld xmlns:a="http://schemas.openxmlformats.org/drawingml/2006/main" xmlns:r="http://schemas.openxmlformats.org/officeDocument/2006/relationships" xmlns:p="http://schemas.openxmlformats.org/presentationml/2006/main" show="0">
   <p:cSld>
     <p:spTree>
@@ -14541,7 +15184,7 @@
 </p:sld>
 </file>
 
-<file path=ppt/slides/slide24.xml><?xml version="1.0" encoding="utf-8"?>
+<file path=ppt/slides/slide26.xml><?xml version="1.0" encoding="utf-8"?>
 <p:sld xmlns:a="http://schemas.openxmlformats.org/drawingml/2006/main" xmlns:r="http://schemas.openxmlformats.org/officeDocument/2006/relationships" xmlns:p="http://schemas.openxmlformats.org/presentationml/2006/main" show="0">
   <p:cSld>
     <p:spTree>
@@ -14563,7 +15206,7 @@
           <p:cNvPr id="2" name="Title 1">
             <a:extLst>
               <a:ext uri="{FF2B5EF4-FFF2-40B4-BE49-F238E27FC236}">
-                <a16:creationId xmlns="" xmlns:a16="http://schemas.microsoft.com/office/drawing/2014/main" id="{118CBBA9-49D2-4262-9114-D0D47E7D522A}"/>
+                <a16:creationId xmlns:a16="http://schemas.microsoft.com/office/drawing/2014/main" xmlns="" id="{118CBBA9-49D2-4262-9114-D0D47E7D522A}"/>
               </a:ext>
             </a:extLst>
           </p:cNvPr>
@@ -14591,7 +15234,7 @@
           <p:cNvPr id="3" name="Content Placeholder 2">
             <a:extLst>
               <a:ext uri="{FF2B5EF4-FFF2-40B4-BE49-F238E27FC236}">
-                <a16:creationId xmlns="" xmlns:a16="http://schemas.microsoft.com/office/drawing/2014/main" id="{1E6F3B36-FA1C-4A44-8799-54720A510D55}"/>
+                <a16:creationId xmlns:a16="http://schemas.microsoft.com/office/drawing/2014/main" xmlns="" id="{1E6F3B36-FA1C-4A44-8799-54720A510D55}"/>
               </a:ext>
             </a:extLst>
           </p:cNvPr>
@@ -14662,10 +15305,17 @@
       </p:transition>
     </mc:Fallback>
   </mc:AlternateContent>
+  <p:timing>
+    <p:tnLst>
+      <p:par>
+        <p:cTn id="1" dur="indefinite" restart="never" nodeType="tmRoot"/>
+      </p:par>
+    </p:tnLst>
+  </p:timing>
 </p:sld>
 </file>
 
-<file path=ppt/slides/slide25.xml><?xml version="1.0" encoding="utf-8"?>
+<file path=ppt/slides/slide27.xml><?xml version="1.0" encoding="utf-8"?>
 <p:sld xmlns:a="http://schemas.openxmlformats.org/drawingml/2006/main" xmlns:r="http://schemas.openxmlformats.org/officeDocument/2006/relationships" xmlns:p="http://schemas.openxmlformats.org/presentationml/2006/main">
   <p:cSld>
     <p:spTree>
@@ -14687,7 +15337,7 @@
           <p:cNvPr id="2" name="Title 1">
             <a:extLst>
               <a:ext uri="{FF2B5EF4-FFF2-40B4-BE49-F238E27FC236}">
-                <a16:creationId xmlns="" xmlns:a16="http://schemas.microsoft.com/office/drawing/2014/main" id="{118CBBA9-49D2-4262-9114-D0D47E7D522A}"/>
+                <a16:creationId xmlns:a16="http://schemas.microsoft.com/office/drawing/2014/main" xmlns="" id="{118CBBA9-49D2-4262-9114-D0D47E7D522A}"/>
               </a:ext>
             </a:extLst>
           </p:cNvPr>
@@ -14720,7 +15370,7 @@
           <p:cNvPr id="3" name="Content Placeholder 2">
             <a:extLst>
               <a:ext uri="{FF2B5EF4-FFF2-40B4-BE49-F238E27FC236}">
-                <a16:creationId xmlns="" xmlns:a16="http://schemas.microsoft.com/office/drawing/2014/main" id="{1E6F3B36-FA1C-4A44-8799-54720A510D55}"/>
+                <a16:creationId xmlns:a16="http://schemas.microsoft.com/office/drawing/2014/main" xmlns="" id="{1E6F3B36-FA1C-4A44-8799-54720A510D55}"/>
               </a:ext>
             </a:extLst>
           </p:cNvPr>
@@ -14767,7 +15417,7 @@
           <p:cNvPr id="5" name="Picture 4">
             <a:extLst>
               <a:ext uri="{FF2B5EF4-FFF2-40B4-BE49-F238E27FC236}">
-                <a16:creationId xmlns="" xmlns:a16="http://schemas.microsoft.com/office/drawing/2014/main" id="{4E9B1E06-FE9D-462D-A33F-A672B189115A}"/>
+                <a16:creationId xmlns:a16="http://schemas.microsoft.com/office/drawing/2014/main" xmlns="" id="{4E9B1E06-FE9D-462D-A33F-A672B189115A}"/>
               </a:ext>
             </a:extLst>
           </p:cNvPr>
@@ -14803,7 +15453,7 @@
           <p:cNvPr id="6" name="Picture 5">
             <a:extLst>
               <a:ext uri="{FF2B5EF4-FFF2-40B4-BE49-F238E27FC236}">
-                <a16:creationId xmlns="" xmlns:a16="http://schemas.microsoft.com/office/drawing/2014/main" id="{EEFF4B65-FE70-4058-AB79-864721B760FD}"/>
+                <a16:creationId xmlns:a16="http://schemas.microsoft.com/office/drawing/2014/main" xmlns="" id="{EEFF4B65-FE70-4058-AB79-864721B760FD}"/>
               </a:ext>
             </a:extLst>
           </p:cNvPr>
@@ -14856,10 +15506,141 @@
       </p:transition>
     </mc:Fallback>
   </mc:AlternateContent>
+  <p:timing>
+    <p:tnLst>
+      <p:par>
+        <p:cTn id="1" dur="indefinite" restart="never" nodeType="tmRoot"/>
+      </p:par>
+    </p:tnLst>
+  </p:timing>
 </p:sld>
 </file>
 
 <file path=ppt/slides/slide3.xml><?xml version="1.0" encoding="utf-8"?>
+<p:sld xmlns:a="http://schemas.openxmlformats.org/drawingml/2006/main" xmlns:r="http://schemas.openxmlformats.org/officeDocument/2006/relationships" xmlns:p="http://schemas.openxmlformats.org/presentationml/2006/main">
+  <p:cSld>
+    <p:spTree>
+      <p:nvGrpSpPr>
+        <p:cNvPr id="1" name=""/>
+        <p:cNvGrpSpPr/>
+        <p:nvPr/>
+      </p:nvGrpSpPr>
+      <p:grpSpPr>
+        <a:xfrm>
+          <a:off x="0" y="0"/>
+          <a:ext cx="0" cy="0"/>
+          <a:chOff x="0" y="0"/>
+          <a:chExt cx="0" cy="0"/>
+        </a:xfrm>
+      </p:grpSpPr>
+      <p:sp>
+        <p:nvSpPr>
+          <p:cNvPr id="2" name="Title 1"/>
+          <p:cNvSpPr>
+            <a:spLocks noGrp="1"/>
+          </p:cNvSpPr>
+          <p:nvPr>
+            <p:ph type="title"/>
+          </p:nvPr>
+        </p:nvSpPr>
+        <p:spPr/>
+        <p:txBody>
+          <a:bodyPr/>
+          <a:lstStyle/>
+          <a:p>
+            <a:r>
+              <a:rPr lang="en-AU" dirty="0" smtClean="0"/>
+              <a:t>Our Overall Approach</a:t>
+            </a:r>
+            <a:endParaRPr lang="en-AU" dirty="0"/>
+          </a:p>
+        </p:txBody>
+      </p:sp>
+      <p:sp>
+        <p:nvSpPr>
+          <p:cNvPr id="3" name="Content Placeholder 2"/>
+          <p:cNvSpPr>
+            <a:spLocks noGrp="1"/>
+          </p:cNvSpPr>
+          <p:nvPr>
+            <p:ph idx="1"/>
+          </p:nvPr>
+        </p:nvSpPr>
+        <p:spPr/>
+        <p:txBody>
+          <a:bodyPr/>
+          <a:lstStyle/>
+          <a:p>
+            <a:r>
+              <a:rPr lang="en-AU" dirty="0" smtClean="0"/>
+              <a:t>Initial idea was to split the team in half and share learnings</a:t>
+            </a:r>
+          </a:p>
+          <a:p>
+            <a:r>
+              <a:rPr lang="en-AU" dirty="0" smtClean="0"/>
+              <a:t>Team members choose what they are </a:t>
+            </a:r>
+            <a:r>
+              <a:rPr lang="en-AU" smtClean="0"/>
+              <a:t>interested in</a:t>
+            </a:r>
+            <a:endParaRPr lang="en-AU" dirty="0" smtClean="0"/>
+          </a:p>
+          <a:p>
+            <a:r>
+              <a:rPr lang="en-AU" dirty="0" smtClean="0"/>
+              <a:t>We undertook both challenges, but only Part A of Challenge 2</a:t>
+            </a:r>
+          </a:p>
+          <a:p>
+            <a:r>
+              <a:rPr lang="en-AU" dirty="0" smtClean="0"/>
+              <a:t>Learnings captured on GitHub repository wiki</a:t>
+            </a:r>
+          </a:p>
+          <a:p>
+            <a:r>
+              <a:rPr lang="en-AU" dirty="0" smtClean="0"/>
+              <a:t>Queries and tasks managed via team Slack channel</a:t>
+            </a:r>
+            <a:endParaRPr lang="en-AU" dirty="0"/>
+          </a:p>
+        </p:txBody>
+      </p:sp>
+    </p:spTree>
+    <p:extLst>
+      <p:ext uri="{BB962C8B-B14F-4D97-AF65-F5344CB8AC3E}">
+        <p14:creationId xmlns:p14="http://schemas.microsoft.com/office/powerpoint/2010/main" val="1754699648"/>
+      </p:ext>
+    </p:extLst>
+  </p:cSld>
+  <p:clrMapOvr>
+    <a:masterClrMapping/>
+  </p:clrMapOvr>
+  <mc:AlternateContent xmlns:mc="http://schemas.openxmlformats.org/markup-compatibility/2006" xmlns:p14="http://schemas.microsoft.com/office/powerpoint/2010/main">
+    <mc:Choice Requires="p14">
+      <p:transition spd="med" p14:dur="700">
+        <p:fade/>
+      </p:transition>
+    </mc:Choice>
+    <mc:Fallback xmlns="">
+      <p:transition spd="med">
+        <p:fade/>
+      </p:transition>
+    </mc:Fallback>
+  </mc:AlternateContent>
+  <p:timing>
+    <p:tnLst>
+      <p:par>
+        <p:cTn id="1" dur="indefinite" restart="never" nodeType="tmRoot"/>
+      </p:par>
+    </p:tnLst>
+  </p:timing>
+</p:sld>
+</file>
+
+<file path=ppt/slides/slide4.xml><?xml version="1.0" encoding="utf-8"?>
 <p:sld xmlns:a="http://schemas.openxmlformats.org/drawingml/2006/main" xmlns:r="http://schemas.openxmlformats.org/officeDocument/2006/relationships" xmlns:p="http://schemas.openxmlformats.org/presentationml/2006/main">
   <p:cSld>
     <p:spTree>
@@ -14950,123 +15731,13 @@
       </p:transition>
     </mc:Fallback>
   </mc:AlternateContent>
-</p:sld>
-</file>
-
-<file path=ppt/slides/slide4.xml><?xml version="1.0" encoding="utf-8"?>
-<p:sld xmlns:a="http://schemas.openxmlformats.org/drawingml/2006/main" xmlns:r="http://schemas.openxmlformats.org/officeDocument/2006/relationships" xmlns:p="http://schemas.openxmlformats.org/presentationml/2006/main">
-  <p:cSld>
-    <p:spTree>
-      <p:nvGrpSpPr>
-        <p:cNvPr id="1" name=""/>
-        <p:cNvGrpSpPr/>
-        <p:nvPr/>
-      </p:nvGrpSpPr>
-      <p:grpSpPr>
-        <a:xfrm>
-          <a:off x="0" y="0"/>
-          <a:ext cx="0" cy="0"/>
-          <a:chOff x="0" y="0"/>
-          <a:chExt cx="0" cy="0"/>
-        </a:xfrm>
-      </p:grpSpPr>
-      <p:sp>
-        <p:nvSpPr>
-          <p:cNvPr id="2" name="Title 1"/>
-          <p:cNvSpPr>
-            <a:spLocks noGrp="1"/>
-          </p:cNvSpPr>
-          <p:nvPr>
-            <p:ph type="title"/>
-          </p:nvPr>
-        </p:nvSpPr>
-        <p:spPr/>
-        <p:txBody>
-          <a:bodyPr/>
-          <a:lstStyle/>
-          <a:p>
-            <a:r>
-              <a:rPr lang="en-AU" dirty="0" smtClean="0"/>
-              <a:t>Our Overall Approach</a:t>
-            </a:r>
-            <a:endParaRPr lang="en-AU" dirty="0"/>
-          </a:p>
-        </p:txBody>
-      </p:sp>
-      <p:sp>
-        <p:nvSpPr>
-          <p:cNvPr id="3" name="Content Placeholder 2"/>
-          <p:cNvSpPr>
-            <a:spLocks noGrp="1"/>
-          </p:cNvSpPr>
-          <p:nvPr>
-            <p:ph idx="1"/>
-          </p:nvPr>
-        </p:nvSpPr>
-        <p:spPr/>
-        <p:txBody>
-          <a:bodyPr/>
-          <a:lstStyle/>
-          <a:p>
-            <a:r>
-              <a:rPr lang="en-AU" dirty="0" smtClean="0"/>
-              <a:t>Initial idea was to split the team in half and share learnings</a:t>
-            </a:r>
-          </a:p>
-          <a:p>
-            <a:r>
-              <a:rPr lang="en-AU" dirty="0" smtClean="0"/>
-              <a:t>Team members choose what they are </a:t>
-            </a:r>
-            <a:r>
-              <a:rPr lang="en-AU" smtClean="0"/>
-              <a:t>interested in</a:t>
-            </a:r>
-            <a:endParaRPr lang="en-AU" dirty="0" smtClean="0"/>
-          </a:p>
-          <a:p>
-            <a:r>
-              <a:rPr lang="en-AU" dirty="0" smtClean="0"/>
-              <a:t>We undertook both challenges, but only Part A of Challenge 2</a:t>
-            </a:r>
-          </a:p>
-          <a:p>
-            <a:r>
-              <a:rPr lang="en-AU" dirty="0" smtClean="0"/>
-              <a:t>Learnings captured on GitHub repository wiki</a:t>
-            </a:r>
-          </a:p>
-          <a:p>
-            <a:r>
-              <a:rPr lang="en-AU" dirty="0" smtClean="0"/>
-              <a:t>Queries and tasks managed via team Slack channel</a:t>
-            </a:r>
-            <a:endParaRPr lang="en-AU" dirty="0"/>
-          </a:p>
-        </p:txBody>
-      </p:sp>
-    </p:spTree>
-    <p:extLst>
-      <p:ext uri="{BB962C8B-B14F-4D97-AF65-F5344CB8AC3E}">
-        <p14:creationId xmlns:p14="http://schemas.microsoft.com/office/powerpoint/2010/main" val="1754699648"/>
-      </p:ext>
-    </p:extLst>
-  </p:cSld>
-  <p:clrMapOvr>
-    <a:masterClrMapping/>
-  </p:clrMapOvr>
-  <mc:AlternateContent xmlns:mc="http://schemas.openxmlformats.org/markup-compatibility/2006" xmlns:p14="http://schemas.microsoft.com/office/powerpoint/2010/main">
-    <mc:Choice Requires="p14">
-      <p:transition spd="med" p14:dur="700">
-        <p:fade/>
-      </p:transition>
-    </mc:Choice>
-    <mc:Fallback xmlns="">
-      <p:transition spd="med">
-        <p:fade/>
-      </p:transition>
-    </mc:Fallback>
-  </mc:AlternateContent>
+  <p:timing>
+    <p:tnLst>
+      <p:par>
+        <p:cTn id="1" dur="indefinite" restart="never" nodeType="tmRoot"/>
+      </p:par>
+    </p:tnLst>
+  </p:timing>
 </p:sld>
 </file>
 
@@ -15168,6 +15839,13 @@
       </p:transition>
     </mc:Fallback>
   </mc:AlternateContent>
+  <p:timing>
+    <p:tnLst>
+      <p:par>
+        <p:cTn id="1" dur="indefinite" restart="never" nodeType="tmRoot"/>
+      </p:par>
+    </p:tnLst>
+  </p:timing>
 </p:sld>
 </file>
 
@@ -15502,6 +16180,13 @@
       </p:transition>
     </mc:Fallback>
   </mc:AlternateContent>
+  <p:timing>
+    <p:tnLst>
+      <p:par>
+        <p:cTn id="1" dur="indefinite" restart="never" nodeType="tmRoot"/>
+      </p:par>
+    </p:tnLst>
+  </p:timing>
 </p:sld>
 </file>
 
@@ -15902,6 +16587,13 @@
       </p:transition>
     </mc:Fallback>
   </mc:AlternateContent>
+  <p:timing>
+    <p:tnLst>
+      <p:par>
+        <p:cTn id="1" dur="indefinite" restart="never" nodeType="tmRoot"/>
+      </p:par>
+    </p:tnLst>
+  </p:timing>
 </p:sld>
 </file>
 
@@ -15958,7 +16650,7 @@
         <p:spPr/>
         <p:txBody>
           <a:bodyPr>
-            <a:normAutofit fontScale="92500" lnSpcReduction="10000"/>
+            <a:normAutofit fontScale="92500" lnSpcReduction="20000"/>
           </a:bodyPr>
           <a:lstStyle/>
           <a:p>
@@ -15987,8 +16679,38 @@
                 </a:uFill>
                 <a:latin typeface="Arial"/>
               </a:rPr>
-              <a:t>Use a sample dataset first – then run on full dataset</a:t>
-            </a:r>
+              <a:t>Use a sample dataset first – then run on full </a:t>
+            </a:r>
+            <a:r>
+              <a:rPr lang="en-AU" spc="-1" dirty="0" smtClean="0">
+                <a:solidFill>
+                  <a:srgbClr val="FFFFFF"/>
+                </a:solidFill>
+                <a:uFill>
+                  <a:solidFill>
+                    <a:srgbClr val="FFFFFF"/>
+                  </a:solidFill>
+                </a:uFill>
+                <a:latin typeface="Arial"/>
+              </a:rPr>
+              <a:t>dataset</a:t>
+            </a:r>
+          </a:p>
+          <a:p>
+            <a:pPr marL="0" indent="0">
+              <a:buNone/>
+            </a:pPr>
+            <a:endParaRPr lang="en-AU" spc="-1" dirty="0" smtClean="0">
+              <a:solidFill>
+                <a:srgbClr val="FFFFFF"/>
+              </a:solidFill>
+              <a:uFill>
+                <a:solidFill>
+                  <a:srgbClr val="FFFFFF"/>
+                </a:solidFill>
+              </a:uFill>
+              <a:latin typeface="Arial"/>
+            </a:endParaRPr>
           </a:p>
           <a:p>
             <a:r>
@@ -16114,24 +16836,22 @@
                 </a:uFill>
                 <a:latin typeface="Arial"/>
               </a:rPr>
-              <a:t>Converting the energy consumption curves to images and using a </a:t>
-            </a:r>
-            <a:endParaRPr lang="en-AU" sz="2000" spc="-1" dirty="0">
-              <a:solidFill>
-                <a:srgbClr val="FFFFFF"/>
-              </a:solidFill>
-              <a:uFill>
+              <a:t>Converting the energy consumption curves to images and using </a:t>
+            </a:r>
+            <a:r>
+              <a:rPr lang="en-AU" spc="-1" dirty="0" smtClean="0">
                 <a:solidFill>
                   <a:srgbClr val="FFFFFF"/>
                 </a:solidFill>
-              </a:uFill>
-              <a:latin typeface="Arial"/>
-            </a:endParaRPr>
-          </a:p>
-          <a:p>
-            <a:pPr marL="0" indent="0">
-              <a:buNone/>
-            </a:pPr>
+                <a:uFill>
+                  <a:solidFill>
+                    <a:srgbClr val="FFFFFF"/>
+                  </a:solidFill>
+                </a:uFill>
+                <a:latin typeface="Arial"/>
+              </a:rPr>
+              <a:t>a Neural </a:t>
+            </a:r>
             <a:r>
               <a:rPr lang="en-AU" spc="-1" dirty="0">
                 <a:solidFill>
@@ -16144,10 +16864,10 @@
                 </a:uFill>
                 <a:latin typeface="Arial"/>
               </a:rPr>
-              <a:t>Neural Network to cluster is relatively fast and is worth </a:t>
-            </a:r>
-            <a:r>
-              <a:rPr lang="en-AU" spc="-1" dirty="0" err="1">
+              <a:t>Network to cluster is relatively fast and is worth </a:t>
+            </a:r>
+            <a:r>
+              <a:rPr lang="en-AU" spc="-1" dirty="0" smtClean="0">
                 <a:solidFill>
                   <a:srgbClr val="FFFFFF"/>
                 </a:solidFill>
@@ -16158,7 +16878,7 @@
                 </a:uFill>
                 <a:latin typeface="Arial"/>
               </a:rPr>
-              <a:t>furhter</a:t>
+              <a:t>further </a:t>
             </a:r>
             <a:r>
               <a:rPr lang="en-AU" spc="-1" dirty="0">
@@ -16172,7 +16892,7 @@
                 </a:uFill>
                 <a:latin typeface="Arial"/>
               </a:rPr>
-              <a:t> exploration</a:t>
+              <a:t>exploration</a:t>
             </a:r>
             <a:endParaRPr lang="en-AU" sz="2000" spc="-1" dirty="0">
               <a:solidFill>
@@ -16213,6 +16933,13 @@
       </p:transition>
     </mc:Fallback>
   </mc:AlternateContent>
+  <p:timing>
+    <p:tnLst>
+      <p:par>
+        <p:cTn id="1" dur="indefinite" restart="never" nodeType="tmRoot"/>
+      </p:par>
+    </p:tnLst>
+  </p:timing>
 </p:sld>
 </file>
 
@@ -16310,6 +17037,13 @@
       </p:transition>
     </mc:Fallback>
   </mc:AlternateContent>
+  <p:timing>
+    <p:tnLst>
+      <p:par>
+        <p:cTn id="1" dur="indefinite" restart="never" nodeType="tmRoot"/>
+      </p:par>
+    </p:tnLst>
+  </p:timing>
 </p:sld>
 </file>
 
@@ -17264,6 +17998,142 @@
 </file>
 
 <file path=customXml/item1.xml><?xml version="1.0" encoding="utf-8"?>
+<p:properties xmlns:p="http://schemas.microsoft.com/office/2006/metadata/properties" xmlns:xsi="http://www.w3.org/2001/XMLSchema-instance" xmlns:pc="http://schemas.microsoft.com/office/infopath/2007/PartnerControls">
+  <documentManagement>
+    <LocPublishedLinkedAssetsLookup xmlns="4873beb7-5857-4685-be1f-d57550cc96cc" xsi:nil="true"/>
+    <ApprovalStatus xmlns="4873beb7-5857-4685-be1f-d57550cc96cc">InProgress</ApprovalStatus>
+    <MarketSpecific xmlns="4873beb7-5857-4685-be1f-d57550cc96cc">false</MarketSpecific>
+    <LocComments xmlns="4873beb7-5857-4685-be1f-d57550cc96cc" xsi:nil="true"/>
+    <LocLastLocAttemptVersionTypeLookup xmlns="4873beb7-5857-4685-be1f-d57550cc96cc" xsi:nil="true"/>
+    <DirectSourceMarket xmlns="4873beb7-5857-4685-be1f-d57550cc96cc" xsi:nil="true"/>
+    <ThumbnailAssetId xmlns="4873beb7-5857-4685-be1f-d57550cc96cc" xsi:nil="true"/>
+    <PrimaryImageGen xmlns="4873beb7-5857-4685-be1f-d57550cc96cc">false</PrimaryImageGen>
+    <LocNewPublishedVersionLookup xmlns="4873beb7-5857-4685-be1f-d57550cc96cc" xsi:nil="true"/>
+    <LegacyData xmlns="4873beb7-5857-4685-be1f-d57550cc96cc" xsi:nil="true"/>
+    <LocRecommendedHandoff xmlns="4873beb7-5857-4685-be1f-d57550cc96cc" xsi:nil="true"/>
+    <BusinessGroup xmlns="4873beb7-5857-4685-be1f-d57550cc96cc" xsi:nil="true"/>
+    <BlockPublish xmlns="4873beb7-5857-4685-be1f-d57550cc96cc">false</BlockPublish>
+    <TPFriendlyName xmlns="4873beb7-5857-4685-be1f-d57550cc96cc" xsi:nil="true"/>
+    <LocOverallPublishStatusLookup xmlns="4873beb7-5857-4685-be1f-d57550cc96cc" xsi:nil="true"/>
+    <NumericId xmlns="4873beb7-5857-4685-be1f-d57550cc96cc" xsi:nil="true"/>
+    <APEditor xmlns="4873beb7-5857-4685-be1f-d57550cc96cc">
+      <UserInfo>
+        <DisplayName/>
+        <AccountId xsi:nil="true"/>
+        <AccountType/>
+      </UserInfo>
+    </APEditor>
+    <SourceTitle xmlns="4873beb7-5857-4685-be1f-d57550cc96cc" xsi:nil="true"/>
+    <OpenTemplate xmlns="4873beb7-5857-4685-be1f-d57550cc96cc">true</OpenTemplate>
+    <LocOverallLocStatusLookup xmlns="4873beb7-5857-4685-be1f-d57550cc96cc" xsi:nil="true"/>
+    <UALocComments xmlns="4873beb7-5857-4685-be1f-d57550cc96cc" xsi:nil="true"/>
+    <ParentAssetId xmlns="4873beb7-5857-4685-be1f-d57550cc96cc" xsi:nil="true"/>
+    <IntlLangReviewDate xmlns="4873beb7-5857-4685-be1f-d57550cc96cc" xsi:nil="true"/>
+    <FeatureTagsTaxHTField0 xmlns="4873beb7-5857-4685-be1f-d57550cc96cc">
+      <Terms xmlns="http://schemas.microsoft.com/office/infopath/2007/PartnerControls"/>
+    </FeatureTagsTaxHTField0>
+    <PublishStatusLookup xmlns="4873beb7-5857-4685-be1f-d57550cc96cc">
+      <Value>1345093</Value>
+    </PublishStatusLookup>
+    <Providers xmlns="4873beb7-5857-4685-be1f-d57550cc96cc" xsi:nil="true"/>
+    <MachineTranslated xmlns="4873beb7-5857-4685-be1f-d57550cc96cc">false</MachineTranslated>
+    <OriginalSourceMarket xmlns="4873beb7-5857-4685-be1f-d57550cc96cc" xsi:nil="true"/>
+    <APDescription xmlns="4873beb7-5857-4685-be1f-d57550cc96cc">This simple template design works for technology and  businesses, but it's versatile enough to use in other contexts.  It features multiple slide layouts designed for widescreen (16x9 resolution) and includes a sample SmartArt list and chart that are easily editable.</APDescription>
+    <ClipArtFilename xmlns="4873beb7-5857-4685-be1f-d57550cc96cc" xsi:nil="true"/>
+    <ContentItem xmlns="4873beb7-5857-4685-be1f-d57550cc96cc" xsi:nil="true"/>
+    <TPInstallLocation xmlns="4873beb7-5857-4685-be1f-d57550cc96cc" xsi:nil="true"/>
+    <PublishTargets xmlns="4873beb7-5857-4685-be1f-d57550cc96cc">OfficeOnlineVNext</PublishTargets>
+    <TimesCloned xmlns="4873beb7-5857-4685-be1f-d57550cc96cc" xsi:nil="true"/>
+    <AssetStart xmlns="4873beb7-5857-4685-be1f-d57550cc96cc">2011-11-26T00:30:00+00:00</AssetStart>
+    <Provider xmlns="4873beb7-5857-4685-be1f-d57550cc96cc" xsi:nil="true"/>
+    <AcquiredFrom xmlns="4873beb7-5857-4685-be1f-d57550cc96cc">Internal MS</AcquiredFrom>
+    <FriendlyTitle xmlns="4873beb7-5857-4685-be1f-d57550cc96cc" xsi:nil="true"/>
+    <LastHandOff xmlns="4873beb7-5857-4685-be1f-d57550cc96cc" xsi:nil="true"/>
+    <TPClientViewer xmlns="4873beb7-5857-4685-be1f-d57550cc96cc" xsi:nil="true"/>
+    <TemplateStatus xmlns="4873beb7-5857-4685-be1f-d57550cc96cc">Complete</TemplateStatus>
+    <Downloads xmlns="4873beb7-5857-4685-be1f-d57550cc96cc">0</Downloads>
+    <OOCacheId xmlns="4873beb7-5857-4685-be1f-d57550cc96cc" xsi:nil="true"/>
+    <IsDeleted xmlns="4873beb7-5857-4685-be1f-d57550cc96cc">false</IsDeleted>
+    <LocPublishedDependentAssetsLookup xmlns="4873beb7-5857-4685-be1f-d57550cc96cc" xsi:nil="true"/>
+    <TPExecutable xmlns="4873beb7-5857-4685-be1f-d57550cc96cc" xsi:nil="true"/>
+    <EditorialTags xmlns="4873beb7-5857-4685-be1f-d57550cc96cc" xsi:nil="true"/>
+    <SubmitterId xmlns="4873beb7-5857-4685-be1f-d57550cc96cc" xsi:nil="true"/>
+    <ApprovalLog xmlns="4873beb7-5857-4685-be1f-d57550cc96cc" xsi:nil="true"/>
+    <AssetType xmlns="4873beb7-5857-4685-be1f-d57550cc96cc">TP</AssetType>
+    <BugNumber xmlns="4873beb7-5857-4685-be1f-d57550cc96cc" xsi:nil="true"/>
+    <CSXSubmissionDate xmlns="4873beb7-5857-4685-be1f-d57550cc96cc" xsi:nil="true"/>
+    <CSXUpdate xmlns="4873beb7-5857-4685-be1f-d57550cc96cc">false</CSXUpdate>
+    <Milestone xmlns="4873beb7-5857-4685-be1f-d57550cc96cc" xsi:nil="true"/>
+    <RecommendationsModifier xmlns="4873beb7-5857-4685-be1f-d57550cc96cc" xsi:nil="true"/>
+    <OriginAsset xmlns="4873beb7-5857-4685-be1f-d57550cc96cc" xsi:nil="true"/>
+    <TPComponent xmlns="4873beb7-5857-4685-be1f-d57550cc96cc" xsi:nil="true"/>
+    <AssetId xmlns="4873beb7-5857-4685-be1f-d57550cc96cc">TP102787989</AssetId>
+    <IntlLocPriority xmlns="4873beb7-5857-4685-be1f-d57550cc96cc" xsi:nil="true"/>
+    <PolicheckWords xmlns="4873beb7-5857-4685-be1f-d57550cc96cc" xsi:nil="true"/>
+    <TPLaunchHelpLink xmlns="4873beb7-5857-4685-be1f-d57550cc96cc" xsi:nil="true"/>
+    <TPApplication xmlns="4873beb7-5857-4685-be1f-d57550cc96cc" xsi:nil="true"/>
+    <CrawlForDependencies xmlns="4873beb7-5857-4685-be1f-d57550cc96cc">false</CrawlForDependencies>
+    <HandoffToMSDN xmlns="4873beb7-5857-4685-be1f-d57550cc96cc" xsi:nil="true"/>
+    <PlannedPubDate xmlns="4873beb7-5857-4685-be1f-d57550cc96cc" xsi:nil="true"/>
+    <IntlLangReviewer xmlns="4873beb7-5857-4685-be1f-d57550cc96cc" xsi:nil="true"/>
+    <TrustLevel xmlns="4873beb7-5857-4685-be1f-d57550cc96cc">1 Microsoft Managed Content</TrustLevel>
+    <LocLastLocAttemptVersionLookup xmlns="4873beb7-5857-4685-be1f-d57550cc96cc">694266</LocLastLocAttemptVersionLookup>
+    <LocProcessedForHandoffsLookup xmlns="4873beb7-5857-4685-be1f-d57550cc96cc" xsi:nil="true"/>
+    <IsSearchable xmlns="4873beb7-5857-4685-be1f-d57550cc96cc">true</IsSearchable>
+    <TemplateTemplateType xmlns="4873beb7-5857-4685-be1f-d57550cc96cc">PowerPoint Presentation Template</TemplateTemplateType>
+    <CampaignTagsTaxHTField0 xmlns="4873beb7-5857-4685-be1f-d57550cc96cc">
+      <Terms xmlns="http://schemas.microsoft.com/office/infopath/2007/PartnerControls"/>
+    </CampaignTagsTaxHTField0>
+    <TPNamespace xmlns="4873beb7-5857-4685-be1f-d57550cc96cc" xsi:nil="true"/>
+    <LocOverallPreviewStatusLookup xmlns="4873beb7-5857-4685-be1f-d57550cc96cc" xsi:nil="true"/>
+    <TaxCatchAll xmlns="4873beb7-5857-4685-be1f-d57550cc96cc"/>
+    <Markets xmlns="4873beb7-5857-4685-be1f-d57550cc96cc"/>
+    <UAProjectedTotalWords xmlns="4873beb7-5857-4685-be1f-d57550cc96cc" xsi:nil="true"/>
+    <IntlLangReview xmlns="4873beb7-5857-4685-be1f-d57550cc96cc" xsi:nil="true"/>
+    <OutputCachingOn xmlns="4873beb7-5857-4685-be1f-d57550cc96cc">false</OutputCachingOn>
+    <AverageRating xmlns="4873beb7-5857-4685-be1f-d57550cc96cc" xsi:nil="true"/>
+    <APAuthor xmlns="4873beb7-5857-4685-be1f-d57550cc96cc">
+      <UserInfo>
+        <DisplayName>REDMOND\kristaa</DisplayName>
+        <AccountId>136</AccountId>
+        <AccountType/>
+      </UserInfo>
+    </APAuthor>
+    <LocManualTestRequired xmlns="4873beb7-5857-4685-be1f-d57550cc96cc">false</LocManualTestRequired>
+    <TPCommandLine xmlns="4873beb7-5857-4685-be1f-d57550cc96cc" xsi:nil="true"/>
+    <TPAppVersion xmlns="4873beb7-5857-4685-be1f-d57550cc96cc" xsi:nil="true"/>
+    <EditorialStatus xmlns="4873beb7-5857-4685-be1f-d57550cc96cc">Complete</EditorialStatus>
+    <LastModifiedDateTime xmlns="4873beb7-5857-4685-be1f-d57550cc96cc" xsi:nil="true"/>
+    <ScenarioTagsTaxHTField0 xmlns="4873beb7-5857-4685-be1f-d57550cc96cc">
+      <Terms xmlns="http://schemas.microsoft.com/office/infopath/2007/PartnerControls"/>
+    </ScenarioTagsTaxHTField0>
+    <LocProcessedForMarketsLookup xmlns="4873beb7-5857-4685-be1f-d57550cc96cc" xsi:nil="true"/>
+    <TPLaunchHelpLinkType xmlns="4873beb7-5857-4685-be1f-d57550cc96cc">Template</TPLaunchHelpLinkType>
+    <OriginalRelease xmlns="4873beb7-5857-4685-be1f-d57550cc96cc">15</OriginalRelease>
+    <LocalizationTagsTaxHTField0 xmlns="4873beb7-5857-4685-be1f-d57550cc96cc">
+      <Terms xmlns="http://schemas.microsoft.com/office/infopath/2007/PartnerControls"/>
+    </LocalizationTagsTaxHTField0>
+    <UACurrentWords xmlns="4873beb7-5857-4685-be1f-d57550cc96cc" xsi:nil="true"/>
+    <ArtSampleDocs xmlns="4873beb7-5857-4685-be1f-d57550cc96cc" xsi:nil="true"/>
+    <UALocRecommendation xmlns="4873beb7-5857-4685-be1f-d57550cc96cc">Localize</UALocRecommendation>
+    <Manager xmlns="4873beb7-5857-4685-be1f-d57550cc96cc" xsi:nil="true"/>
+    <LocOverallHandbackStatusLookup xmlns="4873beb7-5857-4685-be1f-d57550cc96cc" xsi:nil="true"/>
+    <ShowIn xmlns="4873beb7-5857-4685-be1f-d57550cc96cc">Show everywhere</ShowIn>
+    <UANotes xmlns="4873beb7-5857-4685-be1f-d57550cc96cc" xsi:nil="true"/>
+    <InternalTagsTaxHTField0 xmlns="4873beb7-5857-4685-be1f-d57550cc96cc">
+      <Terms xmlns="http://schemas.microsoft.com/office/infopath/2007/PartnerControls"/>
+    </InternalTagsTaxHTField0>
+    <CSXHash xmlns="4873beb7-5857-4685-be1f-d57550cc96cc" xsi:nil="true"/>
+    <VoteCount xmlns="4873beb7-5857-4685-be1f-d57550cc96cc" xsi:nil="true"/>
+    <AssetExpire xmlns="4873beb7-5857-4685-be1f-d57550cc96cc">2029-05-12T07:00:00+00:00</AssetExpire>
+    <DSATActionTaken xmlns="4873beb7-5857-4685-be1f-d57550cc96cc" xsi:nil="true"/>
+    <CSXSubmissionMarket xmlns="4873beb7-5857-4685-be1f-d57550cc96cc" xsi:nil="true"/>
+    <LocMarketGroupTiers2 xmlns="4873beb7-5857-4685-be1f-d57550cc96cc" xsi:nil="true"/>
+  </documentManagement>
+</p:properties>
+</file>
+
+<file path=customXml/item2.xml><?xml version="1.0" encoding="utf-8"?>
 <ct:contentTypeSchema xmlns:ct="http://schemas.microsoft.com/office/2006/metadata/contentType" xmlns:ma="http://schemas.microsoft.com/office/2006/metadata/properties/metaAttributes" ct:_="" ma:_="" ma:contentTypeName="TemplateFile" ma:contentTypeID="0x0101006EDDDB5EE6D98C44930B742096920B300400F5B6D36B3EF94B4E9A635CDF2A18F5B8" ma:contentTypeVersion="72" ma:contentTypeDescription="Create a new document." ma:contentTypeScope="" ma:versionID="a23e56308344d904b51738559c3d67c9">
   <xsd:schema xmlns:xsd="http://www.w3.org/2001/XMLSchema" xmlns:xs="http://www.w3.org/2001/XMLSchema" xmlns:p="http://schemas.microsoft.com/office/2006/metadata/properties" xmlns:ns2="4873beb7-5857-4685-be1f-d57550cc96cc" targetNamespace="http://schemas.microsoft.com/office/2006/metadata/properties" ma:root="true" ma:fieldsID="cd0908cc4600e77bf5da051303e00c8d" ns2:_="">
     <xsd:import namespace="4873beb7-5857-4685-be1f-d57550cc96cc"/>
@@ -18303,142 +19173,6 @@
 </ct:contentTypeSchema>
 </file>
 
-<file path=customXml/item2.xml><?xml version="1.0" encoding="utf-8"?>
-<p:properties xmlns:p="http://schemas.microsoft.com/office/2006/metadata/properties" xmlns:xsi="http://www.w3.org/2001/XMLSchema-instance" xmlns:pc="http://schemas.microsoft.com/office/infopath/2007/PartnerControls">
-  <documentManagement>
-    <LocPublishedLinkedAssetsLookup xmlns="4873beb7-5857-4685-be1f-d57550cc96cc" xsi:nil="true"/>
-    <ApprovalStatus xmlns="4873beb7-5857-4685-be1f-d57550cc96cc">InProgress</ApprovalStatus>
-    <MarketSpecific xmlns="4873beb7-5857-4685-be1f-d57550cc96cc">false</MarketSpecific>
-    <LocComments xmlns="4873beb7-5857-4685-be1f-d57550cc96cc" xsi:nil="true"/>
-    <LocLastLocAttemptVersionTypeLookup xmlns="4873beb7-5857-4685-be1f-d57550cc96cc" xsi:nil="true"/>
-    <DirectSourceMarket xmlns="4873beb7-5857-4685-be1f-d57550cc96cc" xsi:nil="true"/>
-    <ThumbnailAssetId xmlns="4873beb7-5857-4685-be1f-d57550cc96cc" xsi:nil="true"/>
-    <PrimaryImageGen xmlns="4873beb7-5857-4685-be1f-d57550cc96cc">false</PrimaryImageGen>
-    <LocNewPublishedVersionLookup xmlns="4873beb7-5857-4685-be1f-d57550cc96cc" xsi:nil="true"/>
-    <LegacyData xmlns="4873beb7-5857-4685-be1f-d57550cc96cc" xsi:nil="true"/>
-    <LocRecommendedHandoff xmlns="4873beb7-5857-4685-be1f-d57550cc96cc" xsi:nil="true"/>
-    <BusinessGroup xmlns="4873beb7-5857-4685-be1f-d57550cc96cc" xsi:nil="true"/>
-    <BlockPublish xmlns="4873beb7-5857-4685-be1f-d57550cc96cc">false</BlockPublish>
-    <TPFriendlyName xmlns="4873beb7-5857-4685-be1f-d57550cc96cc" xsi:nil="true"/>
-    <LocOverallPublishStatusLookup xmlns="4873beb7-5857-4685-be1f-d57550cc96cc" xsi:nil="true"/>
-    <NumericId xmlns="4873beb7-5857-4685-be1f-d57550cc96cc" xsi:nil="true"/>
-    <APEditor xmlns="4873beb7-5857-4685-be1f-d57550cc96cc">
-      <UserInfo>
-        <DisplayName/>
-        <AccountId xsi:nil="true"/>
-        <AccountType/>
-      </UserInfo>
-    </APEditor>
-    <SourceTitle xmlns="4873beb7-5857-4685-be1f-d57550cc96cc" xsi:nil="true"/>
-    <OpenTemplate xmlns="4873beb7-5857-4685-be1f-d57550cc96cc">true</OpenTemplate>
-    <LocOverallLocStatusLookup xmlns="4873beb7-5857-4685-be1f-d57550cc96cc" xsi:nil="true"/>
-    <UALocComments xmlns="4873beb7-5857-4685-be1f-d57550cc96cc" xsi:nil="true"/>
-    <ParentAssetId xmlns="4873beb7-5857-4685-be1f-d57550cc96cc" xsi:nil="true"/>
-    <IntlLangReviewDate xmlns="4873beb7-5857-4685-be1f-d57550cc96cc" xsi:nil="true"/>
-    <FeatureTagsTaxHTField0 xmlns="4873beb7-5857-4685-be1f-d57550cc96cc">
-      <Terms xmlns="http://schemas.microsoft.com/office/infopath/2007/PartnerControls"/>
-    </FeatureTagsTaxHTField0>
-    <PublishStatusLookup xmlns="4873beb7-5857-4685-be1f-d57550cc96cc">
-      <Value>1345093</Value>
-    </PublishStatusLookup>
-    <Providers xmlns="4873beb7-5857-4685-be1f-d57550cc96cc" xsi:nil="true"/>
-    <MachineTranslated xmlns="4873beb7-5857-4685-be1f-d57550cc96cc">false</MachineTranslated>
-    <OriginalSourceMarket xmlns="4873beb7-5857-4685-be1f-d57550cc96cc" xsi:nil="true"/>
-    <APDescription xmlns="4873beb7-5857-4685-be1f-d57550cc96cc">This simple template design works for technology and  businesses, but it's versatile enough to use in other contexts.  It features multiple slide layouts designed for widescreen (16x9 resolution) and includes a sample SmartArt list and chart that are easily editable.</APDescription>
-    <ClipArtFilename xmlns="4873beb7-5857-4685-be1f-d57550cc96cc" xsi:nil="true"/>
-    <ContentItem xmlns="4873beb7-5857-4685-be1f-d57550cc96cc" xsi:nil="true"/>
-    <TPInstallLocation xmlns="4873beb7-5857-4685-be1f-d57550cc96cc" xsi:nil="true"/>
-    <PublishTargets xmlns="4873beb7-5857-4685-be1f-d57550cc96cc">OfficeOnlineVNext</PublishTargets>
-    <TimesCloned xmlns="4873beb7-5857-4685-be1f-d57550cc96cc" xsi:nil="true"/>
-    <AssetStart xmlns="4873beb7-5857-4685-be1f-d57550cc96cc">2011-11-26T00:30:00+00:00</AssetStart>
-    <Provider xmlns="4873beb7-5857-4685-be1f-d57550cc96cc" xsi:nil="true"/>
-    <AcquiredFrom xmlns="4873beb7-5857-4685-be1f-d57550cc96cc">Internal MS</AcquiredFrom>
-    <FriendlyTitle xmlns="4873beb7-5857-4685-be1f-d57550cc96cc" xsi:nil="true"/>
-    <LastHandOff xmlns="4873beb7-5857-4685-be1f-d57550cc96cc" xsi:nil="true"/>
-    <TPClientViewer xmlns="4873beb7-5857-4685-be1f-d57550cc96cc" xsi:nil="true"/>
-    <TemplateStatus xmlns="4873beb7-5857-4685-be1f-d57550cc96cc">Complete</TemplateStatus>
-    <Downloads xmlns="4873beb7-5857-4685-be1f-d57550cc96cc">0</Downloads>
-    <OOCacheId xmlns="4873beb7-5857-4685-be1f-d57550cc96cc" xsi:nil="true"/>
-    <IsDeleted xmlns="4873beb7-5857-4685-be1f-d57550cc96cc">false</IsDeleted>
-    <LocPublishedDependentAssetsLookup xmlns="4873beb7-5857-4685-be1f-d57550cc96cc" xsi:nil="true"/>
-    <TPExecutable xmlns="4873beb7-5857-4685-be1f-d57550cc96cc" xsi:nil="true"/>
-    <EditorialTags xmlns="4873beb7-5857-4685-be1f-d57550cc96cc" xsi:nil="true"/>
-    <SubmitterId xmlns="4873beb7-5857-4685-be1f-d57550cc96cc" xsi:nil="true"/>
-    <ApprovalLog xmlns="4873beb7-5857-4685-be1f-d57550cc96cc" xsi:nil="true"/>
-    <AssetType xmlns="4873beb7-5857-4685-be1f-d57550cc96cc">TP</AssetType>
-    <BugNumber xmlns="4873beb7-5857-4685-be1f-d57550cc96cc" xsi:nil="true"/>
-    <CSXSubmissionDate xmlns="4873beb7-5857-4685-be1f-d57550cc96cc" xsi:nil="true"/>
-    <CSXUpdate xmlns="4873beb7-5857-4685-be1f-d57550cc96cc">false</CSXUpdate>
-    <Milestone xmlns="4873beb7-5857-4685-be1f-d57550cc96cc" xsi:nil="true"/>
-    <RecommendationsModifier xmlns="4873beb7-5857-4685-be1f-d57550cc96cc" xsi:nil="true"/>
-    <OriginAsset xmlns="4873beb7-5857-4685-be1f-d57550cc96cc" xsi:nil="true"/>
-    <TPComponent xmlns="4873beb7-5857-4685-be1f-d57550cc96cc" xsi:nil="true"/>
-    <AssetId xmlns="4873beb7-5857-4685-be1f-d57550cc96cc">TP102787989</AssetId>
-    <IntlLocPriority xmlns="4873beb7-5857-4685-be1f-d57550cc96cc" xsi:nil="true"/>
-    <PolicheckWords xmlns="4873beb7-5857-4685-be1f-d57550cc96cc" xsi:nil="true"/>
-    <TPLaunchHelpLink xmlns="4873beb7-5857-4685-be1f-d57550cc96cc" xsi:nil="true"/>
-    <TPApplication xmlns="4873beb7-5857-4685-be1f-d57550cc96cc" xsi:nil="true"/>
-    <CrawlForDependencies xmlns="4873beb7-5857-4685-be1f-d57550cc96cc">false</CrawlForDependencies>
-    <HandoffToMSDN xmlns="4873beb7-5857-4685-be1f-d57550cc96cc" xsi:nil="true"/>
-    <PlannedPubDate xmlns="4873beb7-5857-4685-be1f-d57550cc96cc" xsi:nil="true"/>
-    <IntlLangReviewer xmlns="4873beb7-5857-4685-be1f-d57550cc96cc" xsi:nil="true"/>
-    <TrustLevel xmlns="4873beb7-5857-4685-be1f-d57550cc96cc">1 Microsoft Managed Content</TrustLevel>
-    <LocLastLocAttemptVersionLookup xmlns="4873beb7-5857-4685-be1f-d57550cc96cc">694266</LocLastLocAttemptVersionLookup>
-    <LocProcessedForHandoffsLookup xmlns="4873beb7-5857-4685-be1f-d57550cc96cc" xsi:nil="true"/>
-    <IsSearchable xmlns="4873beb7-5857-4685-be1f-d57550cc96cc">true</IsSearchable>
-    <TemplateTemplateType xmlns="4873beb7-5857-4685-be1f-d57550cc96cc">PowerPoint Presentation Template</TemplateTemplateType>
-    <CampaignTagsTaxHTField0 xmlns="4873beb7-5857-4685-be1f-d57550cc96cc">
-      <Terms xmlns="http://schemas.microsoft.com/office/infopath/2007/PartnerControls"/>
-    </CampaignTagsTaxHTField0>
-    <TPNamespace xmlns="4873beb7-5857-4685-be1f-d57550cc96cc" xsi:nil="true"/>
-    <LocOverallPreviewStatusLookup xmlns="4873beb7-5857-4685-be1f-d57550cc96cc" xsi:nil="true"/>
-    <TaxCatchAll xmlns="4873beb7-5857-4685-be1f-d57550cc96cc"/>
-    <Markets xmlns="4873beb7-5857-4685-be1f-d57550cc96cc"/>
-    <UAProjectedTotalWords xmlns="4873beb7-5857-4685-be1f-d57550cc96cc" xsi:nil="true"/>
-    <IntlLangReview xmlns="4873beb7-5857-4685-be1f-d57550cc96cc" xsi:nil="true"/>
-    <OutputCachingOn xmlns="4873beb7-5857-4685-be1f-d57550cc96cc">false</OutputCachingOn>
-    <AverageRating xmlns="4873beb7-5857-4685-be1f-d57550cc96cc" xsi:nil="true"/>
-    <APAuthor xmlns="4873beb7-5857-4685-be1f-d57550cc96cc">
-      <UserInfo>
-        <DisplayName>REDMOND\kristaa</DisplayName>
-        <AccountId>136</AccountId>
-        <AccountType/>
-      </UserInfo>
-    </APAuthor>
-    <LocManualTestRequired xmlns="4873beb7-5857-4685-be1f-d57550cc96cc">false</LocManualTestRequired>
-    <TPCommandLine xmlns="4873beb7-5857-4685-be1f-d57550cc96cc" xsi:nil="true"/>
-    <TPAppVersion xmlns="4873beb7-5857-4685-be1f-d57550cc96cc" xsi:nil="true"/>
-    <EditorialStatus xmlns="4873beb7-5857-4685-be1f-d57550cc96cc">Complete</EditorialStatus>
-    <LastModifiedDateTime xmlns="4873beb7-5857-4685-be1f-d57550cc96cc" xsi:nil="true"/>
-    <ScenarioTagsTaxHTField0 xmlns="4873beb7-5857-4685-be1f-d57550cc96cc">
-      <Terms xmlns="http://schemas.microsoft.com/office/infopath/2007/PartnerControls"/>
-    </ScenarioTagsTaxHTField0>
-    <LocProcessedForMarketsLookup xmlns="4873beb7-5857-4685-be1f-d57550cc96cc" xsi:nil="true"/>
-    <TPLaunchHelpLinkType xmlns="4873beb7-5857-4685-be1f-d57550cc96cc">Template</TPLaunchHelpLinkType>
-    <OriginalRelease xmlns="4873beb7-5857-4685-be1f-d57550cc96cc">15</OriginalRelease>
-    <LocalizationTagsTaxHTField0 xmlns="4873beb7-5857-4685-be1f-d57550cc96cc">
-      <Terms xmlns="http://schemas.microsoft.com/office/infopath/2007/PartnerControls"/>
-    </LocalizationTagsTaxHTField0>
-    <UACurrentWords xmlns="4873beb7-5857-4685-be1f-d57550cc96cc" xsi:nil="true"/>
-    <ArtSampleDocs xmlns="4873beb7-5857-4685-be1f-d57550cc96cc" xsi:nil="true"/>
-    <UALocRecommendation xmlns="4873beb7-5857-4685-be1f-d57550cc96cc">Localize</UALocRecommendation>
-    <Manager xmlns="4873beb7-5857-4685-be1f-d57550cc96cc" xsi:nil="true"/>
-    <LocOverallHandbackStatusLookup xmlns="4873beb7-5857-4685-be1f-d57550cc96cc" xsi:nil="true"/>
-    <ShowIn xmlns="4873beb7-5857-4685-be1f-d57550cc96cc">Show everywhere</ShowIn>
-    <UANotes xmlns="4873beb7-5857-4685-be1f-d57550cc96cc" xsi:nil="true"/>
-    <InternalTagsTaxHTField0 xmlns="4873beb7-5857-4685-be1f-d57550cc96cc">
-      <Terms xmlns="http://schemas.microsoft.com/office/infopath/2007/PartnerControls"/>
-    </InternalTagsTaxHTField0>
-    <CSXHash xmlns="4873beb7-5857-4685-be1f-d57550cc96cc" xsi:nil="true"/>
-    <VoteCount xmlns="4873beb7-5857-4685-be1f-d57550cc96cc" xsi:nil="true"/>
-    <AssetExpire xmlns="4873beb7-5857-4685-be1f-d57550cc96cc">2029-05-12T07:00:00+00:00</AssetExpire>
-    <DSATActionTaken xmlns="4873beb7-5857-4685-be1f-d57550cc96cc" xsi:nil="true"/>
-    <CSXSubmissionMarket xmlns="4873beb7-5857-4685-be1f-d57550cc96cc" xsi:nil="true"/>
-    <LocMarketGroupTiers2 xmlns="4873beb7-5857-4685-be1f-d57550cc96cc" xsi:nil="true"/>
-  </documentManagement>
-</p:properties>
-</file>
-
 <file path=customXml/item3.xml><?xml version="1.0" encoding="utf-8"?>
 <?mso-contentType ?>
 <FormTemplates xmlns="http://schemas.microsoft.com/sharepoint/v3/contenttype/forms">
@@ -18449,6 +19183,22 @@
 </file>
 
 <file path=customXml/itemProps1.xml><?xml version="1.0" encoding="utf-8"?>
+<ds:datastoreItem xmlns:ds="http://schemas.openxmlformats.org/officeDocument/2006/customXml" ds:itemID="{60C67BEE-D13F-4BD2-98A5-34D8A0977F68}">
+  <ds:schemaRefs>
+    <ds:schemaRef ds:uri="4873beb7-5857-4685-be1f-d57550cc96cc"/>
+    <ds:schemaRef ds:uri="http://schemas.openxmlformats.org/package/2006/metadata/core-properties"/>
+    <ds:schemaRef ds:uri="http://purl.org/dc/terms/"/>
+    <ds:schemaRef ds:uri="http://schemas.microsoft.com/office/2006/documentManagement/types"/>
+    <ds:schemaRef ds:uri="http://purl.org/dc/elements/1.1/"/>
+    <ds:schemaRef ds:uri="http://schemas.microsoft.com/office/2006/metadata/properties"/>
+    <ds:schemaRef ds:uri="http://schemas.microsoft.com/office/infopath/2007/PartnerControls"/>
+    <ds:schemaRef ds:uri="http://www.w3.org/XML/1998/namespace"/>
+    <ds:schemaRef ds:uri="http://purl.org/dc/dcmitype/"/>
+  </ds:schemaRefs>
+</ds:datastoreItem>
+</file>
+
+<file path=customXml/itemProps2.xml><?xml version="1.0" encoding="utf-8"?>
 <ds:datastoreItem xmlns:ds="http://schemas.openxmlformats.org/officeDocument/2006/customXml" ds:itemID="{A09BF4D4-EF60-4196-BFC3-9462D607978C}">
   <ds:schemaRefs>
     <ds:schemaRef ds:uri="http://schemas.microsoft.com/office/2006/metadata/contentType"/>
@@ -18466,22 +19216,6 @@
 </ds:datastoreItem>
 </file>
 
-<file path=customXml/itemProps2.xml><?xml version="1.0" encoding="utf-8"?>
-<ds:datastoreItem xmlns:ds="http://schemas.openxmlformats.org/officeDocument/2006/customXml" ds:itemID="{60C67BEE-D13F-4BD2-98A5-34D8A0977F68}">
-  <ds:schemaRefs>
-    <ds:schemaRef ds:uri="4873beb7-5857-4685-be1f-d57550cc96cc"/>
-    <ds:schemaRef ds:uri="http://schemas.openxmlformats.org/package/2006/metadata/core-properties"/>
-    <ds:schemaRef ds:uri="http://purl.org/dc/terms/"/>
-    <ds:schemaRef ds:uri="http://schemas.microsoft.com/office/2006/documentManagement/types"/>
-    <ds:schemaRef ds:uri="http://purl.org/dc/elements/1.1/"/>
-    <ds:schemaRef ds:uri="http://schemas.microsoft.com/office/2006/metadata/properties"/>
-    <ds:schemaRef ds:uri="http://schemas.microsoft.com/office/infopath/2007/PartnerControls"/>
-    <ds:schemaRef ds:uri="http://www.w3.org/XML/1998/namespace"/>
-    <ds:schemaRef ds:uri="http://purl.org/dc/dcmitype/"/>
-  </ds:schemaRefs>
-</ds:datastoreItem>
-</file>
-
 <file path=customXml/itemProps3.xml><?xml version="1.0" encoding="utf-8"?>
 <ds:datastoreItem xmlns:ds="http://schemas.openxmlformats.org/officeDocument/2006/customXml" ds:itemID="{3836F65B-1B07-41EE-A0E8-BC6EF3855225}">
   <ds:schemaRefs>

--- a/Western Power Hack-a-Gig Presentation.pptx
+++ b/Western Power Hack-a-Gig Presentation.pptx
@@ -5,10 +5,10 @@
     <p:sldMasterId id="2147483660" r:id="rId4"/>
   </p:sldMasterIdLst>
   <p:notesMasterIdLst>
-    <p:notesMasterId r:id="rId32"/>
+    <p:notesMasterId r:id="rId34"/>
   </p:notesMasterIdLst>
   <p:handoutMasterIdLst>
-    <p:handoutMasterId r:id="rId33"/>
+    <p:handoutMasterId r:id="rId35"/>
   </p:handoutMasterIdLst>
   <p:sldIdLst>
     <p:sldId id="257" r:id="rId5"/>
@@ -16,28 +16,30 @@
     <p:sldId id="285" r:id="rId7"/>
     <p:sldId id="290" r:id="rId8"/>
     <p:sldId id="268" r:id="rId9"/>
-    <p:sldId id="287" r:id="rId10"/>
-    <p:sldId id="288" r:id="rId11"/>
-    <p:sldId id="289" r:id="rId12"/>
-    <p:sldId id="259" r:id="rId13"/>
-    <p:sldId id="262" r:id="rId14"/>
-    <p:sldId id="263" r:id="rId15"/>
-    <p:sldId id="270" r:id="rId16"/>
-    <p:sldId id="271" r:id="rId17"/>
-    <p:sldId id="272" r:id="rId18"/>
-    <p:sldId id="273" r:id="rId19"/>
-    <p:sldId id="292" r:id="rId20"/>
-    <p:sldId id="291" r:id="rId21"/>
-    <p:sldId id="274" r:id="rId22"/>
-    <p:sldId id="275" r:id="rId23"/>
-    <p:sldId id="276" r:id="rId24"/>
-    <p:sldId id="282" r:id="rId25"/>
-    <p:sldId id="278" r:id="rId26"/>
-    <p:sldId id="286" r:id="rId27"/>
-    <p:sldId id="283" r:id="rId28"/>
-    <p:sldId id="279" r:id="rId29"/>
-    <p:sldId id="280" r:id="rId30"/>
-    <p:sldId id="281" r:id="rId31"/>
+    <p:sldId id="293" r:id="rId10"/>
+    <p:sldId id="287" r:id="rId11"/>
+    <p:sldId id="288" r:id="rId12"/>
+    <p:sldId id="289" r:id="rId13"/>
+    <p:sldId id="259" r:id="rId14"/>
+    <p:sldId id="295" r:id="rId15"/>
+    <p:sldId id="263" r:id="rId16"/>
+    <p:sldId id="262" r:id="rId17"/>
+    <p:sldId id="270" r:id="rId18"/>
+    <p:sldId id="271" r:id="rId19"/>
+    <p:sldId id="272" r:id="rId20"/>
+    <p:sldId id="273" r:id="rId21"/>
+    <p:sldId id="292" r:id="rId22"/>
+    <p:sldId id="291" r:id="rId23"/>
+    <p:sldId id="274" r:id="rId24"/>
+    <p:sldId id="275" r:id="rId25"/>
+    <p:sldId id="276" r:id="rId26"/>
+    <p:sldId id="282" r:id="rId27"/>
+    <p:sldId id="278" r:id="rId28"/>
+    <p:sldId id="286" r:id="rId29"/>
+    <p:sldId id="283" r:id="rId30"/>
+    <p:sldId id="279" r:id="rId31"/>
+    <p:sldId id="280" r:id="rId32"/>
+    <p:sldId id="281" r:id="rId33"/>
   </p:sldIdLst>
   <p:sldSz cx="12188825" cy="6858000"/>
   <p:notesSz cx="6858000" cy="9144000"/>
@@ -4572,7 +4574,7 @@
     </p:spTree>
     <p:extLst>
       <p:ext uri="{BB962C8B-B14F-4D97-AF65-F5344CB8AC3E}">
-        <p14:creationId xmlns:p14="http://schemas.microsoft.com/office/powerpoint/2010/main" val="1050734656"/>
+        <p14:creationId xmlns:p14="http://schemas.microsoft.com/office/powerpoint/2010/main" val="228138191"/>
       </p:ext>
     </p:extLst>
   </p:cSld>
@@ -4644,11 +4646,7 @@
               <a:defRPr/>
             </a:pPr>
             <a:r>
-              <a:rPr lang="en-AU" dirty="0" smtClean="0"/>
-              <a:t>Data inconsistencies: gaps, </a:t>
-            </a:r>
-            <a:r>
-              <a:rPr lang="en-US" spc="-1" dirty="0" smtClean="0">
+              <a:rPr lang="en-AU" spc="-1" dirty="0" smtClean="0">
                 <a:solidFill>
                   <a:srgbClr val="FFFFFF"/>
                 </a:solidFill>
@@ -4657,8 +4655,81 @@
                     <a:srgbClr val="FFFFFF"/>
                   </a:solidFill>
                 </a:uFill>
+                <a:latin typeface="Arial"/>
               </a:rPr>
-              <a:t>varying start/stop dates for smart-meter acquisition.</a:t>
+              <a:t>Initially started on own but requested to join team </a:t>
+            </a:r>
+            <a:r>
+              <a:rPr lang="en-AU" spc="-1" dirty="0" err="1" smtClean="0">
+                <a:solidFill>
+                  <a:srgbClr val="FFFFFF"/>
+                </a:solidFill>
+                <a:uFill>
+                  <a:solidFill>
+                    <a:srgbClr val="FFFFFF"/>
+                  </a:solidFill>
+                </a:uFill>
+                <a:latin typeface="Arial"/>
+              </a:rPr>
+              <a:t>UnicorNN</a:t>
+            </a:r>
+            <a:endParaRPr lang="en-AU" spc="-1" dirty="0" smtClean="0">
+              <a:solidFill>
+                <a:srgbClr val="FFFFFF"/>
+              </a:solidFill>
+              <a:uFill>
+                <a:solidFill>
+                  <a:srgbClr val="FFFFFF"/>
+                </a:solidFill>
+              </a:uFill>
+              <a:latin typeface="Arial"/>
+            </a:endParaRPr>
+          </a:p>
+          <a:p>
+            <a:pPr marL="0" marR="0" lvl="0" indent="0" algn="l" defTabSz="1218987" rtl="0" eaLnBrk="1" fontAlgn="auto" latinLnBrk="0" hangingPunct="1">
+              <a:lnSpc>
+                <a:spcPct val="100000"/>
+              </a:lnSpc>
+              <a:spcBef>
+                <a:spcPts val="0"/>
+              </a:spcBef>
+              <a:spcAft>
+                <a:spcPts val="0"/>
+              </a:spcAft>
+              <a:buClrTx/>
+              <a:buSzTx/>
+              <a:buFontTx/>
+              <a:buNone/>
+              <a:tabLst/>
+              <a:defRPr/>
+            </a:pPr>
+            <a:r>
+              <a:rPr lang="en-AU" spc="-1" dirty="0" err="1" smtClean="0">
+                <a:solidFill>
+                  <a:srgbClr val="FFFFFF"/>
+                </a:solidFill>
+                <a:uFill>
+                  <a:solidFill>
+                    <a:srgbClr val="FFFFFF"/>
+                  </a:solidFill>
+                </a:uFill>
+                <a:latin typeface="Arial"/>
+              </a:rPr>
+              <a:t>Createing</a:t>
+            </a:r>
+            <a:r>
+              <a:rPr lang="en-AU" spc="-1" dirty="0" smtClean="0">
+                <a:solidFill>
+                  <a:srgbClr val="FFFFFF"/>
+                </a:solidFill>
+                <a:uFill>
+                  <a:solidFill>
+                    <a:srgbClr val="FFFFFF"/>
+                  </a:solidFill>
+                </a:uFill>
+                <a:latin typeface="Arial"/>
+              </a:rPr>
+              <a:t> a clean dataset took 80% of time for this project</a:t>
             </a:r>
           </a:p>
           <a:p>
@@ -4692,7 +4763,7 @@
     </p:spTree>
     <p:extLst>
       <p:ext uri="{BB962C8B-B14F-4D97-AF65-F5344CB8AC3E}">
-        <p14:creationId xmlns:p14="http://schemas.microsoft.com/office/powerpoint/2010/main" val="592133947"/>
+        <p14:creationId xmlns:p14="http://schemas.microsoft.com/office/powerpoint/2010/main" val="1050734656"/>
       </p:ext>
     </p:extLst>
   </p:cSld>
@@ -4746,8 +4817,29 @@
           <a:bodyPr/>
           <a:lstStyle/>
           <a:p>
-            <a:r>
-              <a:rPr lang="en-AU" spc="-1" dirty="0" smtClean="0">
+            <a:pPr marL="0" marR="0" lvl="0" indent="0" algn="l" defTabSz="1218987" rtl="0" eaLnBrk="1" fontAlgn="auto" latinLnBrk="0" hangingPunct="1">
+              <a:lnSpc>
+                <a:spcPct val="100000"/>
+              </a:lnSpc>
+              <a:spcBef>
+                <a:spcPts val="0"/>
+              </a:spcBef>
+              <a:spcAft>
+                <a:spcPts val="0"/>
+              </a:spcAft>
+              <a:buClrTx/>
+              <a:buSzTx/>
+              <a:buFontTx/>
+              <a:buNone/>
+              <a:tabLst/>
+              <a:defRPr/>
+            </a:pPr>
+            <a:r>
+              <a:rPr lang="en-AU" dirty="0" smtClean="0"/>
+              <a:t>Data inconsistencies: gaps, </a:t>
+            </a:r>
+            <a:r>
+              <a:rPr lang="en-US" spc="-1" dirty="0" smtClean="0">
                 <a:solidFill>
                   <a:srgbClr val="FFFFFF"/>
                 </a:solidFill>
@@ -4756,148 +4848,12 @@
                     <a:srgbClr val="FFFFFF"/>
                   </a:solidFill>
                 </a:uFill>
-                <a:latin typeface="Arial"/>
               </a:rPr>
-              <a:t>- break the data down into a manageable size as quickly as possible -</a:t>
-            </a:r>
-            <a:endParaRPr lang="en-AU" sz="1200" spc="-1" dirty="0" smtClean="0">
-              <a:solidFill>
-                <a:srgbClr val="FFFFFF"/>
-              </a:solidFill>
-              <a:uFill>
-                <a:solidFill>
-                  <a:srgbClr val="FFFFFF"/>
-                </a:solidFill>
-              </a:uFill>
-              <a:latin typeface="Arial"/>
-            </a:endParaRPr>
-          </a:p>
-          <a:p>
-            <a:r>
-              <a:rPr lang="en-AU" spc="-1" dirty="0" smtClean="0">
-                <a:solidFill>
-                  <a:srgbClr val="FFFFFF"/>
-                </a:solidFill>
-                <a:uFill>
-                  <a:solidFill>
-                    <a:srgbClr val="FFFFFF"/>
-                  </a:solidFill>
-                </a:uFill>
-                <a:latin typeface="Arial"/>
-              </a:rPr>
-              <a:t>– build models on this, then run the workflows on the larger dataset.</a:t>
-            </a:r>
-          </a:p>
-          <a:p>
-            <a:endParaRPr lang="en-AU" sz="1200" spc="-1" dirty="0" smtClean="0">
-              <a:solidFill>
-                <a:srgbClr val="FFFFFF"/>
-              </a:solidFill>
-              <a:uFill>
-                <a:solidFill>
-                  <a:srgbClr val="FFFFFF"/>
-                </a:solidFill>
-              </a:uFill>
-              <a:latin typeface="Arial"/>
-            </a:endParaRPr>
-          </a:p>
-          <a:p>
-            <a:r>
-              <a:rPr lang="en-AU" sz="1200" spc="-1" dirty="0" smtClean="0">
-                <a:solidFill>
-                  <a:srgbClr val="FFFFFF"/>
-                </a:solidFill>
-                <a:uFill>
-                  <a:solidFill>
-                    <a:srgbClr val="FFFFFF"/>
-                  </a:solidFill>
-                </a:uFill>
-                <a:latin typeface="Arial"/>
-              </a:rPr>
-              <a:t>Clustering large time series datasets using </a:t>
-            </a:r>
-            <a:r>
-              <a:rPr lang="en-AU" sz="1200" spc="-1" dirty="0" err="1" smtClean="0">
-                <a:solidFill>
-                  <a:srgbClr val="FFFFFF"/>
-                </a:solidFill>
-                <a:uFill>
-                  <a:solidFill>
-                    <a:srgbClr val="FFFFFF"/>
-                  </a:solidFill>
-                </a:uFill>
-                <a:latin typeface="Arial"/>
-              </a:rPr>
-              <a:t>kNN</a:t>
-            </a:r>
-            <a:r>
-              <a:rPr lang="en-AU" sz="1200" spc="-1" dirty="0" smtClean="0">
-                <a:solidFill>
-                  <a:srgbClr val="FFFFFF"/>
-                </a:solidFill>
-                <a:uFill>
-                  <a:solidFill>
-                    <a:srgbClr val="FFFFFF"/>
-                  </a:solidFill>
-                </a:uFill>
-                <a:latin typeface="Arial"/>
-              </a:rPr>
-              <a:t> and dynamic time warping </a:t>
-            </a:r>
-            <a:endParaRPr lang="en-AU" sz="1050" spc="-1" dirty="0" smtClean="0">
-              <a:solidFill>
-                <a:srgbClr val="FFFFFF"/>
-              </a:solidFill>
-              <a:uFill>
-                <a:solidFill>
-                  <a:srgbClr val="FFFFFF"/>
-                </a:solidFill>
-              </a:uFill>
-              <a:latin typeface="Arial"/>
-            </a:endParaRPr>
-          </a:p>
-          <a:p>
-            <a:pPr marL="0" indent="0">
-              <a:buNone/>
-            </a:pPr>
-            <a:r>
-              <a:rPr lang="en-AU" sz="1200" spc="-1" dirty="0" smtClean="0">
-                <a:solidFill>
-                  <a:srgbClr val="FFFFFF"/>
-                </a:solidFill>
-                <a:uFill>
-                  <a:solidFill>
-                    <a:srgbClr val="FFFFFF"/>
-                  </a:solidFill>
-                </a:uFill>
-                <a:latin typeface="Arial"/>
-              </a:rPr>
-              <a:t>is very compute intensive</a:t>
-            </a:r>
-            <a:endParaRPr lang="en-AU" sz="1050" spc="-1" dirty="0" smtClean="0">
-              <a:solidFill>
-                <a:srgbClr val="FFFFFF"/>
-              </a:solidFill>
-              <a:uFill>
-                <a:solidFill>
-                  <a:srgbClr val="FFFFFF"/>
-                </a:solidFill>
-              </a:uFill>
-              <a:latin typeface="Arial"/>
-            </a:endParaRPr>
-          </a:p>
-          <a:p>
-            <a:endParaRPr lang="en-AU" sz="1200" spc="-1" dirty="0">
-              <a:solidFill>
-                <a:srgbClr val="FFFFFF"/>
-              </a:solidFill>
-              <a:uFill>
-                <a:solidFill>
-                  <a:srgbClr val="FFFFFF"/>
-                </a:solidFill>
-              </a:uFill>
-              <a:latin typeface="Arial"/>
-            </a:endParaRPr>
+              <a:t>varying start/stop dates for smart-meter acquisition.</a:t>
+            </a:r>
+          </a:p>
+          <a:p>
+            <a:endParaRPr lang="en-AU" dirty="0"/>
           </a:p>
         </p:txBody>
       </p:sp>
@@ -4919,6 +4875,241 @@
             <a:fld id="{3EBA5BD7-F043-4D1B-AA17-CD412FC534DE}" type="slidenum">
               <a:rPr lang="en-AU" smtClean="0"/>
               <a:t>8</a:t>
+            </a:fld>
+            <a:endParaRPr lang="en-AU"/>
+          </a:p>
+        </p:txBody>
+      </p:sp>
+    </p:spTree>
+    <p:extLst>
+      <p:ext uri="{BB962C8B-B14F-4D97-AF65-F5344CB8AC3E}">
+        <p14:creationId xmlns:p14="http://schemas.microsoft.com/office/powerpoint/2010/main" val="592133947"/>
+      </p:ext>
+    </p:extLst>
+  </p:cSld>
+  <p:clrMapOvr>
+    <a:masterClrMapping/>
+  </p:clrMapOvr>
+</p:notes>
+</file>
+
+<file path=ppt/notesSlides/notesSlide4.xml><?xml version="1.0" encoding="utf-8"?>
+<p:notes xmlns:a="http://schemas.openxmlformats.org/drawingml/2006/main" xmlns:r="http://schemas.openxmlformats.org/officeDocument/2006/relationships" xmlns:p="http://schemas.openxmlformats.org/presentationml/2006/main">
+  <p:cSld>
+    <p:spTree>
+      <p:nvGrpSpPr>
+        <p:cNvPr id="1" name=""/>
+        <p:cNvGrpSpPr/>
+        <p:nvPr/>
+      </p:nvGrpSpPr>
+      <p:grpSpPr>
+        <a:xfrm>
+          <a:off x="0" y="0"/>
+          <a:ext cx="0" cy="0"/>
+          <a:chOff x="0" y="0"/>
+          <a:chExt cx="0" cy="0"/>
+        </a:xfrm>
+      </p:grpSpPr>
+      <p:sp>
+        <p:nvSpPr>
+          <p:cNvPr id="2" name="Slide Image Placeholder 1"/>
+          <p:cNvSpPr>
+            <a:spLocks noGrp="1" noRot="1" noChangeAspect="1"/>
+          </p:cNvSpPr>
+          <p:nvPr>
+            <p:ph type="sldImg"/>
+          </p:nvPr>
+        </p:nvSpPr>
+        <p:spPr/>
+      </p:sp>
+      <p:sp>
+        <p:nvSpPr>
+          <p:cNvPr id="3" name="Notes Placeholder 2"/>
+          <p:cNvSpPr>
+            <a:spLocks noGrp="1"/>
+          </p:cNvSpPr>
+          <p:nvPr>
+            <p:ph type="body" idx="1"/>
+          </p:nvPr>
+        </p:nvSpPr>
+        <p:spPr/>
+        <p:txBody>
+          <a:bodyPr/>
+          <a:lstStyle/>
+          <a:p>
+            <a:r>
+              <a:rPr lang="en-AU" spc="-1" dirty="0" smtClean="0">
+                <a:solidFill>
+                  <a:srgbClr val="FFFFFF"/>
+                </a:solidFill>
+                <a:uFill>
+                  <a:solidFill>
+                    <a:srgbClr val="FFFFFF"/>
+                  </a:solidFill>
+                </a:uFill>
+                <a:latin typeface="Arial"/>
+              </a:rPr>
+              <a:t>- break the data down into a manageable size as quickly as possible -</a:t>
+            </a:r>
+            <a:endParaRPr lang="en-AU" sz="1200" spc="-1" dirty="0" smtClean="0">
+              <a:solidFill>
+                <a:srgbClr val="FFFFFF"/>
+              </a:solidFill>
+              <a:uFill>
+                <a:solidFill>
+                  <a:srgbClr val="FFFFFF"/>
+                </a:solidFill>
+              </a:uFill>
+              <a:latin typeface="Arial"/>
+            </a:endParaRPr>
+          </a:p>
+          <a:p>
+            <a:r>
+              <a:rPr lang="en-AU" spc="-1" dirty="0" smtClean="0">
+                <a:solidFill>
+                  <a:srgbClr val="FFFFFF"/>
+                </a:solidFill>
+                <a:uFill>
+                  <a:solidFill>
+                    <a:srgbClr val="FFFFFF"/>
+                  </a:solidFill>
+                </a:uFill>
+                <a:latin typeface="Arial"/>
+              </a:rPr>
+              <a:t>– build models on this, then run the workflows on the larger dataset.</a:t>
+            </a:r>
+          </a:p>
+          <a:p>
+            <a:endParaRPr lang="en-AU" sz="1200" spc="-1" dirty="0" smtClean="0">
+              <a:solidFill>
+                <a:srgbClr val="FFFFFF"/>
+              </a:solidFill>
+              <a:uFill>
+                <a:solidFill>
+                  <a:srgbClr val="FFFFFF"/>
+                </a:solidFill>
+              </a:uFill>
+              <a:latin typeface="Arial"/>
+            </a:endParaRPr>
+          </a:p>
+          <a:p>
+            <a:r>
+              <a:rPr lang="en-AU" sz="1200" spc="-1" dirty="0" smtClean="0">
+                <a:solidFill>
+                  <a:srgbClr val="FFFFFF"/>
+                </a:solidFill>
+                <a:uFill>
+                  <a:solidFill>
+                    <a:srgbClr val="FFFFFF"/>
+                  </a:solidFill>
+                </a:uFill>
+                <a:latin typeface="Arial"/>
+              </a:rPr>
+              <a:t>Clustering large time series datasets using </a:t>
+            </a:r>
+            <a:r>
+              <a:rPr lang="en-AU" sz="1200" spc="-1" dirty="0" err="1" smtClean="0">
+                <a:solidFill>
+                  <a:srgbClr val="FFFFFF"/>
+                </a:solidFill>
+                <a:uFill>
+                  <a:solidFill>
+                    <a:srgbClr val="FFFFFF"/>
+                  </a:solidFill>
+                </a:uFill>
+                <a:latin typeface="Arial"/>
+              </a:rPr>
+              <a:t>kNN</a:t>
+            </a:r>
+            <a:r>
+              <a:rPr lang="en-AU" sz="1200" spc="-1" dirty="0" smtClean="0">
+                <a:solidFill>
+                  <a:srgbClr val="FFFFFF"/>
+                </a:solidFill>
+                <a:uFill>
+                  <a:solidFill>
+                    <a:srgbClr val="FFFFFF"/>
+                  </a:solidFill>
+                </a:uFill>
+                <a:latin typeface="Arial"/>
+              </a:rPr>
+              <a:t> and dynamic time warping </a:t>
+            </a:r>
+            <a:endParaRPr lang="en-AU" sz="1050" spc="-1" dirty="0" smtClean="0">
+              <a:solidFill>
+                <a:srgbClr val="FFFFFF"/>
+              </a:solidFill>
+              <a:uFill>
+                <a:solidFill>
+                  <a:srgbClr val="FFFFFF"/>
+                </a:solidFill>
+              </a:uFill>
+              <a:latin typeface="Arial"/>
+            </a:endParaRPr>
+          </a:p>
+          <a:p>
+            <a:pPr marL="0" indent="0">
+              <a:buNone/>
+            </a:pPr>
+            <a:r>
+              <a:rPr lang="en-AU" sz="1200" spc="-1" dirty="0" smtClean="0">
+                <a:solidFill>
+                  <a:srgbClr val="FFFFFF"/>
+                </a:solidFill>
+                <a:uFill>
+                  <a:solidFill>
+                    <a:srgbClr val="FFFFFF"/>
+                  </a:solidFill>
+                </a:uFill>
+                <a:latin typeface="Arial"/>
+              </a:rPr>
+              <a:t>is very compute intensive</a:t>
+            </a:r>
+            <a:endParaRPr lang="en-AU" sz="1050" spc="-1" dirty="0" smtClean="0">
+              <a:solidFill>
+                <a:srgbClr val="FFFFFF"/>
+              </a:solidFill>
+              <a:uFill>
+                <a:solidFill>
+                  <a:srgbClr val="FFFFFF"/>
+                </a:solidFill>
+              </a:uFill>
+              <a:latin typeface="Arial"/>
+            </a:endParaRPr>
+          </a:p>
+          <a:p>
+            <a:endParaRPr lang="en-AU" sz="1200" spc="-1" dirty="0">
+              <a:solidFill>
+                <a:srgbClr val="FFFFFF"/>
+              </a:solidFill>
+              <a:uFill>
+                <a:solidFill>
+                  <a:srgbClr val="FFFFFF"/>
+                </a:solidFill>
+              </a:uFill>
+              <a:latin typeface="Arial"/>
+            </a:endParaRPr>
+          </a:p>
+        </p:txBody>
+      </p:sp>
+      <p:sp>
+        <p:nvSpPr>
+          <p:cNvPr id="4" name="Slide Number Placeholder 3"/>
+          <p:cNvSpPr>
+            <a:spLocks noGrp="1"/>
+          </p:cNvSpPr>
+          <p:nvPr>
+            <p:ph type="sldNum" sz="quarter" idx="10"/>
+          </p:nvPr>
+        </p:nvSpPr>
+        <p:spPr/>
+        <p:txBody>
+          <a:bodyPr/>
+          <a:lstStyle/>
+          <a:p>
+            <a:fld id="{3EBA5BD7-F043-4D1B-AA17-CD412FC534DE}" type="slidenum">
+              <a:rPr lang="en-AU" smtClean="0"/>
+              <a:t>9</a:t>
             </a:fld>
             <a:endParaRPr lang="en-AU"/>
           </a:p>
@@ -9470,7 +9661,7 @@
           <p:cNvPr id="6" name="Rectangle 5">
             <a:extLst>
               <a:ext uri="{FF2B5EF4-FFF2-40B4-BE49-F238E27FC236}">
-                <a16:creationId xmlns:a16="http://schemas.microsoft.com/office/drawing/2014/main" xmlns="" id="{B00556E9-6BE7-4FBC-BF96-86696EEE03F8}"/>
+                <a16:creationId xmlns="" xmlns:a16="http://schemas.microsoft.com/office/drawing/2014/main" id="{B00556E9-6BE7-4FBC-BF96-86696EEE03F8}"/>
               </a:ext>
             </a:extLst>
           </p:cNvPr>
@@ -9516,7 +9707,7 @@
           <p:cNvPr id="8" name="Picture 7">
             <a:extLst>
               <a:ext uri="{FF2B5EF4-FFF2-40B4-BE49-F238E27FC236}">
-                <a16:creationId xmlns:a16="http://schemas.microsoft.com/office/drawing/2014/main" xmlns="" id="{844222BE-707C-453A-A140-8569DFCD4664}"/>
+                <a16:creationId xmlns="" xmlns:a16="http://schemas.microsoft.com/office/drawing/2014/main" id="{844222BE-707C-453A-A140-8569DFCD4664}"/>
               </a:ext>
             </a:extLst>
           </p:cNvPr>
@@ -9552,7 +9743,7 @@
           <p:cNvPr id="4" name="Picture 3">
             <a:extLst>
               <a:ext uri="{FF2B5EF4-FFF2-40B4-BE49-F238E27FC236}">
-                <a16:creationId xmlns:a16="http://schemas.microsoft.com/office/drawing/2014/main" xmlns="" id="{61C71974-9754-43FD-8E8E-35E616625CF2}"/>
+                <a16:creationId xmlns="" xmlns:a16="http://schemas.microsoft.com/office/drawing/2014/main" id="{61C71974-9754-43FD-8E8E-35E616625CF2}"/>
               </a:ext>
             </a:extLst>
           </p:cNvPr>
@@ -9634,7 +9825,7 @@
       </p:grpSpPr>
       <p:sp>
         <p:nvSpPr>
-          <p:cNvPr id="3" name="Title 2"/>
+          <p:cNvPr id="4" name="Title 3"/>
           <p:cNvSpPr>
             <a:spLocks noGrp="1"/>
           </p:cNvSpPr>
@@ -9649,137 +9840,48 @@
           <a:p>
             <a:r>
               <a:rPr lang="en-US" dirty="0"/>
-              <a:t>Overview</a:t>
+              <a:t>Challenge 2</a:t>
             </a:r>
           </a:p>
         </p:txBody>
       </p:sp>
       <p:sp>
         <p:nvSpPr>
-          <p:cNvPr id="2" name="Content Placeholder 1">
-            <a:extLst>
-              <a:ext uri="{FF2B5EF4-FFF2-40B4-BE49-F238E27FC236}">
-                <a16:creationId xmlns:a16="http://schemas.microsoft.com/office/drawing/2014/main" xmlns="" id="{51569DDC-B169-4DBF-AE32-3C50C98FCCD9}"/>
-              </a:ext>
-            </a:extLst>
-          </p:cNvPr>
+          <p:cNvPr id="5" name="Text Placeholder 4"/>
           <p:cNvSpPr>
             <a:spLocks noGrp="1"/>
           </p:cNvSpPr>
           <p:nvPr>
-            <p:ph idx="1"/>
+            <p:ph type="body" idx="1"/>
           </p:nvPr>
         </p:nvSpPr>
-        <p:spPr>
-          <a:xfrm>
-            <a:off x="1218883" y="1701797"/>
-            <a:ext cx="4155449" cy="4462272"/>
-          </a:xfrm>
-        </p:spPr>
+        <p:spPr/>
         <p:txBody>
-          <a:bodyPr/>
+          <a:bodyPr>
+            <a:normAutofit lnSpcReduction="10000"/>
+          </a:bodyPr>
           <a:lstStyle/>
           <a:p>
             <a:r>
-              <a:rPr lang="en-AU" dirty="0"/>
-              <a:t>Define requirements</a:t>
-            </a:r>
-          </a:p>
-          <a:p>
-            <a:pPr lvl="1"/>
-            <a:r>
-              <a:rPr lang="en-AU" dirty="0"/>
-              <a:t>Understand task</a:t>
-            </a:r>
-          </a:p>
-          <a:p>
-            <a:pPr lvl="1"/>
-            <a:r>
-              <a:rPr lang="en-AU" dirty="0"/>
-              <a:t>Analyse data</a:t>
-            </a:r>
-          </a:p>
-          <a:p>
-            <a:pPr lvl="1"/>
-            <a:r>
-              <a:rPr lang="en-AU" dirty="0"/>
-              <a:t>Form an approach</a:t>
-            </a:r>
-          </a:p>
-          <a:p>
-            <a:pPr lvl="1"/>
-            <a:r>
-              <a:rPr lang="en-AU" dirty="0"/>
-              <a:t>Consider limitations</a:t>
-            </a:r>
-          </a:p>
-          <a:p>
-            <a:pPr lvl="1"/>
-            <a:r>
-              <a:rPr lang="en-AU" dirty="0"/>
-              <a:t>Determine deliverables</a:t>
-            </a:r>
-          </a:p>
-          <a:p>
-            <a:r>
-              <a:rPr lang="en-AU" dirty="0"/>
-              <a:t>Follow to-do list (right)</a:t>
-            </a:r>
-            <a:endParaRPr lang="en-AU" dirty="0">
-              <a:sym typeface="Wingdings" panose="05000000000000000000" pitchFamily="2" charset="2"/>
-            </a:endParaRPr>
-          </a:p>
-          <a:p>
-            <a:r>
-              <a:rPr lang="en-AU" dirty="0">
-                <a:sym typeface="Wingdings" panose="05000000000000000000" pitchFamily="2" charset="2"/>
-              </a:rPr>
-              <a:t>Document learnings</a:t>
-            </a:r>
-          </a:p>
-          <a:p>
-            <a:r>
-              <a:rPr lang="en-AU" dirty="0">
-                <a:sym typeface="Wingdings" panose="05000000000000000000" pitchFamily="2" charset="2"/>
-              </a:rPr>
-              <a:t>Share insights</a:t>
-            </a:r>
-            <a:endParaRPr lang="en-AU" dirty="0"/>
+              <a:rPr lang="en-US" dirty="0"/>
+              <a:t>Photovoltaic generation</a:t>
+            </a:r>
+          </a:p>
+          <a:p>
+            <a:endParaRPr lang="en-US" dirty="0"/>
+          </a:p>
+          <a:p>
+            <a:r>
+              <a:rPr lang="en-US" dirty="0"/>
+              <a:t>PART A - Detection</a:t>
+            </a:r>
           </a:p>
         </p:txBody>
       </p:sp>
-      <p:graphicFrame>
-        <p:nvGraphicFramePr>
-          <p:cNvPr id="4" name="Diagram 3">
-            <a:extLst>
-              <a:ext uri="{FF2B5EF4-FFF2-40B4-BE49-F238E27FC236}">
-                <a16:creationId xmlns:a16="http://schemas.microsoft.com/office/drawing/2014/main" xmlns="" id="{8E92447E-19E6-4162-923D-17AED9E3BCF5}"/>
-              </a:ext>
-            </a:extLst>
-          </p:cNvPr>
-          <p:cNvGraphicFramePr/>
-          <p:nvPr>
-            <p:extLst>
-              <p:ext uri="{D42A27DB-BD31-4B8C-83A1-F6EECF244321}">
-                <p14:modId xmlns:p14="http://schemas.microsoft.com/office/powerpoint/2010/main" val="792332956"/>
-              </p:ext>
-            </p:extLst>
-          </p:nvPr>
-        </p:nvGraphicFramePr>
-        <p:xfrm>
-          <a:off x="5158308" y="908720"/>
-          <a:ext cx="6264182" cy="5255348"/>
-        </p:xfrm>
-        <a:graphic>
-          <a:graphicData uri="http://schemas.openxmlformats.org/drawingml/2006/diagram">
-            <dgm:relIds xmlns:dgm="http://schemas.openxmlformats.org/drawingml/2006/diagram" xmlns:r="http://schemas.openxmlformats.org/officeDocument/2006/relationships" r:dm="rId2" r:lo="rId3" r:qs="rId4" r:cs="rId5"/>
-          </a:graphicData>
-        </a:graphic>
-      </p:graphicFrame>
     </p:spTree>
     <p:extLst>
       <p:ext uri="{BB962C8B-B14F-4D97-AF65-F5344CB8AC3E}">
-        <p14:creationId xmlns:p14="http://schemas.microsoft.com/office/powerpoint/2010/main" val="397710800"/>
+        <p14:creationId xmlns:p14="http://schemas.microsoft.com/office/powerpoint/2010/main" val="4264977537"/>
       </p:ext>
     </p:extLst>
   </p:cSld>
@@ -9827,13 +9929,7 @@
       </p:grpSpPr>
       <p:sp>
         <p:nvSpPr>
-          <p:cNvPr id="2" name="Title 1">
-            <a:extLst>
-              <a:ext uri="{FF2B5EF4-FFF2-40B4-BE49-F238E27FC236}">
-                <a16:creationId xmlns:a16="http://schemas.microsoft.com/office/drawing/2014/main" xmlns="" id="{118CBBA9-49D2-4262-9114-D0D47E7D522A}"/>
-              </a:ext>
-            </a:extLst>
-          </p:cNvPr>
+          <p:cNvPr id="13" name="Title 12"/>
           <p:cNvSpPr>
             <a:spLocks noGrp="1"/>
           </p:cNvSpPr>
@@ -9847,21 +9943,28 @@
           <a:lstStyle/>
           <a:p>
             <a:r>
-              <a:rPr lang="en-AU" dirty="0"/>
-              <a:t>Requirements (Part A)</a:t>
-            </a:r>
+              <a:rPr lang="en-US" dirty="0"/>
+              <a:t>Challenge </a:t>
+            </a:r>
+            <a:r>
+              <a:rPr lang="en-US" dirty="0" smtClean="0"/>
+              <a:t>2 </a:t>
+            </a:r>
+            <a:r>
+              <a:rPr lang="en-US" dirty="0"/>
+              <a:t>– </a:t>
+            </a:r>
+            <a:r>
+              <a:rPr lang="en-US" dirty="0" smtClean="0"/>
+              <a:t>Photovoltaic Generation</a:t>
+            </a:r>
+            <a:endParaRPr lang="en-US" dirty="0"/>
           </a:p>
         </p:txBody>
       </p:sp>
       <p:sp>
         <p:nvSpPr>
-          <p:cNvPr id="3" name="Content Placeholder 2">
-            <a:extLst>
-              <a:ext uri="{FF2B5EF4-FFF2-40B4-BE49-F238E27FC236}">
-                <a16:creationId xmlns:a16="http://schemas.microsoft.com/office/drawing/2014/main" xmlns="" id="{1E6F3B36-FA1C-4A44-8799-54720A510D55}"/>
-              </a:ext>
-            </a:extLst>
-          </p:cNvPr>
+          <p:cNvPr id="14" name="Content Placeholder 13"/>
           <p:cNvSpPr>
             <a:spLocks noGrp="1"/>
           </p:cNvSpPr>
@@ -9875,57 +9978,37 @@
           <a:lstStyle/>
           <a:p>
             <a:r>
-              <a:rPr lang="en-AU" dirty="0"/>
-              <a:t>The task</a:t>
-            </a:r>
-          </a:p>
-          <a:p>
-            <a:pPr lvl="1"/>
-            <a:r>
-              <a:rPr lang="en-AU" dirty="0"/>
-              <a:t>Utilise Western Power data to develop a model which identifies distribution embedded PV generation. Target a model accuracy of &gt;98.5%.</a:t>
-            </a:r>
-          </a:p>
-          <a:p>
-            <a:pPr lvl="1"/>
-            <a:r>
-              <a:rPr lang="en-AU" dirty="0"/>
-              <a:t>Test what works, what doesn’t work – </a:t>
-            </a:r>
-            <a:r>
-              <a:rPr lang="en-AU" i="1" dirty="0"/>
-              <a:t>document </a:t>
-            </a:r>
-            <a:r>
-              <a:rPr lang="en-AU" dirty="0"/>
-              <a:t> learnings</a:t>
-            </a:r>
-          </a:p>
-          <a:p>
-            <a:pPr lvl="1"/>
-            <a:r>
-              <a:rPr lang="en-AU" dirty="0"/>
-              <a:t>Assess model </a:t>
-            </a:r>
-            <a:r>
-              <a:rPr lang="en-AU" dirty="0" smtClean="0"/>
-              <a:t>performance</a:t>
-            </a:r>
-            <a:endParaRPr lang="en-AU" dirty="0"/>
-          </a:p>
-          <a:p>
-            <a:pPr lvl="1"/>
-            <a:r>
-              <a:rPr lang="en-AU" dirty="0"/>
-              <a:t>Provide required documents</a:t>
-            </a:r>
+              <a:rPr lang="en-US" dirty="0" smtClean="0"/>
+              <a:t>The Challenge</a:t>
+            </a:r>
+          </a:p>
+          <a:p>
+            <a:r>
+              <a:rPr lang="en-US" dirty="0" smtClean="0"/>
+              <a:t>Approach</a:t>
+            </a:r>
+            <a:endParaRPr lang="en-US" dirty="0"/>
+          </a:p>
+          <a:p>
+            <a:r>
+              <a:rPr lang="en-US" dirty="0" smtClean="0"/>
+              <a:t>Findings</a:t>
+            </a:r>
+            <a:endParaRPr lang="en-US" dirty="0"/>
+          </a:p>
+          <a:p>
+            <a:r>
+              <a:rPr lang="en-US" dirty="0" smtClean="0"/>
+              <a:t>Key Learnings</a:t>
+            </a:r>
+            <a:endParaRPr lang="en-US" dirty="0"/>
           </a:p>
         </p:txBody>
       </p:sp>
     </p:spTree>
     <p:extLst>
       <p:ext uri="{BB962C8B-B14F-4D97-AF65-F5344CB8AC3E}">
-        <p14:creationId xmlns:p14="http://schemas.microsoft.com/office/powerpoint/2010/main" val="1405850135"/>
+        <p14:creationId xmlns:p14="http://schemas.microsoft.com/office/powerpoint/2010/main" val="402229457"/>
       </p:ext>
     </p:extLst>
   </p:cSld>
@@ -9976,7 +10059,7 @@
           <p:cNvPr id="2" name="Title 1">
             <a:extLst>
               <a:ext uri="{FF2B5EF4-FFF2-40B4-BE49-F238E27FC236}">
-                <a16:creationId xmlns:a16="http://schemas.microsoft.com/office/drawing/2014/main" xmlns="" id="{118CBBA9-49D2-4262-9114-D0D47E7D522A}"/>
+                <a16:creationId xmlns="" xmlns:a16="http://schemas.microsoft.com/office/drawing/2014/main" id="{118CBBA9-49D2-4262-9114-D0D47E7D522A}"/>
               </a:ext>
             </a:extLst>
           </p:cNvPr>
@@ -9993,9 +10076,10 @@
           <a:lstStyle/>
           <a:p>
             <a:r>
-              <a:rPr lang="en-AU" dirty="0"/>
-              <a:t>Approach</a:t>
-            </a:r>
+              <a:rPr lang="en-AU" dirty="0" smtClean="0"/>
+              <a:t>The Challenge (Part A)</a:t>
+            </a:r>
+            <a:endParaRPr lang="en-AU" dirty="0"/>
           </a:p>
         </p:txBody>
       </p:sp>
@@ -10004,7 +10088,153 @@
           <p:cNvPr id="3" name="Content Placeholder 2">
             <a:extLst>
               <a:ext uri="{FF2B5EF4-FFF2-40B4-BE49-F238E27FC236}">
-                <a16:creationId xmlns:a16="http://schemas.microsoft.com/office/drawing/2014/main" xmlns="" id="{1E6F3B36-FA1C-4A44-8799-54720A510D55}"/>
+                <a16:creationId xmlns="" xmlns:a16="http://schemas.microsoft.com/office/drawing/2014/main" id="{1E6F3B36-FA1C-4A44-8799-54720A510D55}"/>
+              </a:ext>
+            </a:extLst>
+          </p:cNvPr>
+          <p:cNvSpPr>
+            <a:spLocks noGrp="1"/>
+          </p:cNvSpPr>
+          <p:nvPr>
+            <p:ph idx="1"/>
+          </p:nvPr>
+        </p:nvSpPr>
+        <p:spPr/>
+        <p:txBody>
+          <a:bodyPr/>
+          <a:lstStyle/>
+          <a:p>
+            <a:r>
+              <a:rPr lang="en-AU" dirty="0" smtClean="0"/>
+              <a:t>Utilise </a:t>
+            </a:r>
+            <a:r>
+              <a:rPr lang="en-AU" dirty="0"/>
+              <a:t>Western Power </a:t>
+            </a:r>
+            <a:r>
+              <a:rPr lang="en-AU" dirty="0" smtClean="0"/>
+              <a:t>aerial imagery (with metadata) </a:t>
+            </a:r>
+            <a:r>
+              <a:rPr lang="en-AU" dirty="0" smtClean="0"/>
+              <a:t>to </a:t>
+            </a:r>
+            <a:r>
+              <a:rPr lang="en-AU" dirty="0"/>
+              <a:t>develop a model which identifies distribution embedded PV generation. Target a model accuracy of &gt;98.5%.</a:t>
+            </a:r>
+          </a:p>
+          <a:p>
+            <a:r>
+              <a:rPr lang="en-AU" dirty="0"/>
+              <a:t>Test what works, what doesn’t work – </a:t>
+            </a:r>
+            <a:r>
+              <a:rPr lang="en-AU" i="1" dirty="0"/>
+              <a:t>document </a:t>
+            </a:r>
+            <a:r>
+              <a:rPr lang="en-AU" dirty="0"/>
+              <a:t> learnings</a:t>
+            </a:r>
+          </a:p>
+          <a:p>
+            <a:r>
+              <a:rPr lang="en-AU" dirty="0"/>
+              <a:t>Assess model </a:t>
+            </a:r>
+            <a:r>
+              <a:rPr lang="en-AU" dirty="0" smtClean="0"/>
+              <a:t>performance</a:t>
+            </a:r>
+            <a:endParaRPr lang="en-AU" dirty="0"/>
+          </a:p>
+          <a:p>
+            <a:r>
+              <a:rPr lang="en-AU" dirty="0"/>
+              <a:t>Provide required documents</a:t>
+            </a:r>
+          </a:p>
+        </p:txBody>
+      </p:sp>
+    </p:spTree>
+    <p:extLst>
+      <p:ext uri="{BB962C8B-B14F-4D97-AF65-F5344CB8AC3E}">
+        <p14:creationId xmlns:p14="http://schemas.microsoft.com/office/powerpoint/2010/main" val="1405850135"/>
+      </p:ext>
+    </p:extLst>
+  </p:cSld>
+  <p:clrMapOvr>
+    <a:masterClrMapping/>
+  </p:clrMapOvr>
+  <mc:AlternateContent xmlns:mc="http://schemas.openxmlformats.org/markup-compatibility/2006" xmlns:p14="http://schemas.microsoft.com/office/powerpoint/2010/main">
+    <mc:Choice Requires="p14">
+      <p:transition spd="med" p14:dur="700">
+        <p:fade/>
+      </p:transition>
+    </mc:Choice>
+    <mc:Fallback xmlns="">
+      <p:transition spd="med">
+        <p:fade/>
+      </p:transition>
+    </mc:Fallback>
+  </mc:AlternateContent>
+  <p:timing>
+    <p:tnLst>
+      <p:par>
+        <p:cTn id="1" dur="indefinite" restart="never" nodeType="tmRoot"/>
+      </p:par>
+    </p:tnLst>
+  </p:timing>
+</p:sld>
+</file>
+
+<file path=ppt/slides/slide13.xml><?xml version="1.0" encoding="utf-8"?>
+<p:sld xmlns:a="http://schemas.openxmlformats.org/drawingml/2006/main" xmlns:r="http://schemas.openxmlformats.org/officeDocument/2006/relationships" xmlns:p="http://schemas.openxmlformats.org/presentationml/2006/main" show="0">
+  <p:cSld>
+    <p:spTree>
+      <p:nvGrpSpPr>
+        <p:cNvPr id="1" name=""/>
+        <p:cNvGrpSpPr/>
+        <p:nvPr/>
+      </p:nvGrpSpPr>
+      <p:grpSpPr>
+        <a:xfrm>
+          <a:off x="0" y="0"/>
+          <a:ext cx="0" cy="0"/>
+          <a:chOff x="0" y="0"/>
+          <a:chExt cx="0" cy="0"/>
+        </a:xfrm>
+      </p:grpSpPr>
+      <p:sp>
+        <p:nvSpPr>
+          <p:cNvPr id="3" name="Title 2"/>
+          <p:cNvSpPr>
+            <a:spLocks noGrp="1"/>
+          </p:cNvSpPr>
+          <p:nvPr>
+            <p:ph type="title"/>
+          </p:nvPr>
+        </p:nvSpPr>
+        <p:spPr/>
+        <p:txBody>
+          <a:bodyPr/>
+          <a:lstStyle/>
+          <a:p>
+            <a:r>
+              <a:rPr lang="en-US" dirty="0"/>
+              <a:t>Overview</a:t>
+            </a:r>
+          </a:p>
+        </p:txBody>
+      </p:sp>
+      <p:sp>
+        <p:nvSpPr>
+          <p:cNvPr id="2" name="Content Placeholder 1">
+            <a:extLst>
+              <a:ext uri="{FF2B5EF4-FFF2-40B4-BE49-F238E27FC236}">
+                <a16:creationId xmlns="" xmlns:a16="http://schemas.microsoft.com/office/drawing/2014/main" id="{51569DDC-B169-4DBF-AE32-3C50C98FCCD9}"/>
               </a:ext>
             </a:extLst>
           </p:cNvPr>
@@ -10027,6 +10257,205 @@
           <a:p>
             <a:r>
               <a:rPr lang="en-AU" dirty="0"/>
+              <a:t>Define requirements</a:t>
+            </a:r>
+          </a:p>
+          <a:p>
+            <a:pPr lvl="1"/>
+            <a:r>
+              <a:rPr lang="en-AU" dirty="0"/>
+              <a:t>Understand task</a:t>
+            </a:r>
+          </a:p>
+          <a:p>
+            <a:pPr lvl="1"/>
+            <a:r>
+              <a:rPr lang="en-AU" dirty="0"/>
+              <a:t>Analyse data</a:t>
+            </a:r>
+          </a:p>
+          <a:p>
+            <a:pPr lvl="1"/>
+            <a:r>
+              <a:rPr lang="en-AU" dirty="0"/>
+              <a:t>Form an approach</a:t>
+            </a:r>
+          </a:p>
+          <a:p>
+            <a:pPr lvl="1"/>
+            <a:r>
+              <a:rPr lang="en-AU" dirty="0"/>
+              <a:t>Consider limitations</a:t>
+            </a:r>
+          </a:p>
+          <a:p>
+            <a:pPr lvl="1"/>
+            <a:r>
+              <a:rPr lang="en-AU" dirty="0"/>
+              <a:t>Determine deliverables</a:t>
+            </a:r>
+          </a:p>
+          <a:p>
+            <a:r>
+              <a:rPr lang="en-AU" dirty="0"/>
+              <a:t>Follow to-do list (right)</a:t>
+            </a:r>
+            <a:endParaRPr lang="en-AU" dirty="0">
+              <a:sym typeface="Wingdings" panose="05000000000000000000" pitchFamily="2" charset="2"/>
+            </a:endParaRPr>
+          </a:p>
+          <a:p>
+            <a:r>
+              <a:rPr lang="en-AU" dirty="0">
+                <a:sym typeface="Wingdings" panose="05000000000000000000" pitchFamily="2" charset="2"/>
+              </a:rPr>
+              <a:t>Document learnings</a:t>
+            </a:r>
+          </a:p>
+          <a:p>
+            <a:r>
+              <a:rPr lang="en-AU" dirty="0">
+                <a:sym typeface="Wingdings" panose="05000000000000000000" pitchFamily="2" charset="2"/>
+              </a:rPr>
+              <a:t>Share insights</a:t>
+            </a:r>
+            <a:endParaRPr lang="en-AU" dirty="0"/>
+          </a:p>
+        </p:txBody>
+      </p:sp>
+      <p:graphicFrame>
+        <p:nvGraphicFramePr>
+          <p:cNvPr id="4" name="Diagram 3">
+            <a:extLst>
+              <a:ext uri="{FF2B5EF4-FFF2-40B4-BE49-F238E27FC236}">
+                <a16:creationId xmlns="" xmlns:a16="http://schemas.microsoft.com/office/drawing/2014/main" id="{8E92447E-19E6-4162-923D-17AED9E3BCF5}"/>
+              </a:ext>
+            </a:extLst>
+          </p:cNvPr>
+          <p:cNvGraphicFramePr/>
+          <p:nvPr>
+            <p:extLst>
+              <p:ext uri="{D42A27DB-BD31-4B8C-83A1-F6EECF244321}">
+                <p14:modId xmlns:p14="http://schemas.microsoft.com/office/powerpoint/2010/main" val="792332956"/>
+              </p:ext>
+            </p:extLst>
+          </p:nvPr>
+        </p:nvGraphicFramePr>
+        <p:xfrm>
+          <a:off x="5158308" y="908720"/>
+          <a:ext cx="6264182" cy="5255348"/>
+        </p:xfrm>
+        <a:graphic>
+          <a:graphicData uri="http://schemas.openxmlformats.org/drawingml/2006/diagram">
+            <dgm:relIds xmlns:dgm="http://schemas.openxmlformats.org/drawingml/2006/diagram" xmlns:r="http://schemas.openxmlformats.org/officeDocument/2006/relationships" r:dm="rId2" r:lo="rId3" r:qs="rId4" r:cs="rId5"/>
+          </a:graphicData>
+        </a:graphic>
+      </p:graphicFrame>
+    </p:spTree>
+    <p:extLst>
+      <p:ext uri="{BB962C8B-B14F-4D97-AF65-F5344CB8AC3E}">
+        <p14:creationId xmlns:p14="http://schemas.microsoft.com/office/powerpoint/2010/main" val="397710800"/>
+      </p:ext>
+    </p:extLst>
+  </p:cSld>
+  <p:clrMapOvr>
+    <a:masterClrMapping/>
+  </p:clrMapOvr>
+  <mc:AlternateContent xmlns:mc="http://schemas.openxmlformats.org/markup-compatibility/2006">
+    <mc:Choice xmlns:p14="http://schemas.microsoft.com/office/powerpoint/2010/main" Requires="p14">
+      <p:transition spd="med" p14:dur="700">
+        <p:fade/>
+      </p:transition>
+    </mc:Choice>
+    <mc:Fallback>
+      <p:transition spd="med">
+        <p:fade/>
+      </p:transition>
+    </mc:Fallback>
+  </mc:AlternateContent>
+  <p:timing>
+    <p:tnLst>
+      <p:par>
+        <p:cTn id="1" dur="indefinite" restart="never" nodeType="tmRoot"/>
+      </p:par>
+    </p:tnLst>
+  </p:timing>
+</p:sld>
+</file>
+
+<file path=ppt/slides/slide14.xml><?xml version="1.0" encoding="utf-8"?>
+<p:sld xmlns:a="http://schemas.openxmlformats.org/drawingml/2006/main" xmlns:r="http://schemas.openxmlformats.org/officeDocument/2006/relationships" xmlns:p="http://schemas.openxmlformats.org/presentationml/2006/main">
+  <p:cSld>
+    <p:spTree>
+      <p:nvGrpSpPr>
+        <p:cNvPr id="1" name=""/>
+        <p:cNvGrpSpPr/>
+        <p:nvPr/>
+      </p:nvGrpSpPr>
+      <p:grpSpPr>
+        <a:xfrm>
+          <a:off x="0" y="0"/>
+          <a:ext cx="0" cy="0"/>
+          <a:chOff x="0" y="0"/>
+          <a:chExt cx="0" cy="0"/>
+        </a:xfrm>
+      </p:grpSpPr>
+      <p:sp>
+        <p:nvSpPr>
+          <p:cNvPr id="2" name="Title 1">
+            <a:extLst>
+              <a:ext uri="{FF2B5EF4-FFF2-40B4-BE49-F238E27FC236}">
+                <a16:creationId xmlns="" xmlns:a16="http://schemas.microsoft.com/office/drawing/2014/main" id="{118CBBA9-49D2-4262-9114-D0D47E7D522A}"/>
+              </a:ext>
+            </a:extLst>
+          </p:cNvPr>
+          <p:cNvSpPr>
+            <a:spLocks noGrp="1"/>
+          </p:cNvSpPr>
+          <p:nvPr>
+            <p:ph type="title"/>
+          </p:nvPr>
+        </p:nvSpPr>
+        <p:spPr/>
+        <p:txBody>
+          <a:bodyPr/>
+          <a:lstStyle/>
+          <a:p>
+            <a:r>
+              <a:rPr lang="en-AU" dirty="0"/>
+              <a:t>Approach</a:t>
+            </a:r>
+          </a:p>
+        </p:txBody>
+      </p:sp>
+      <p:sp>
+        <p:nvSpPr>
+          <p:cNvPr id="3" name="Content Placeholder 2">
+            <a:extLst>
+              <a:ext uri="{FF2B5EF4-FFF2-40B4-BE49-F238E27FC236}">
+                <a16:creationId xmlns="" xmlns:a16="http://schemas.microsoft.com/office/drawing/2014/main" id="{1E6F3B36-FA1C-4A44-8799-54720A510D55}"/>
+              </a:ext>
+            </a:extLst>
+          </p:cNvPr>
+          <p:cNvSpPr>
+            <a:spLocks noGrp="1"/>
+          </p:cNvSpPr>
+          <p:nvPr>
+            <p:ph idx="1"/>
+          </p:nvPr>
+        </p:nvSpPr>
+        <p:spPr>
+          <a:xfrm>
+            <a:off x="1218883" y="1701797"/>
+            <a:ext cx="4155449" cy="4462272"/>
+          </a:xfrm>
+        </p:spPr>
+        <p:txBody>
+          <a:bodyPr/>
+          <a:lstStyle/>
+          <a:p>
+            <a:r>
+              <a:rPr lang="en-AU" dirty="0"/>
               <a:t>Understand Data</a:t>
             </a:r>
           </a:p>
@@ -10044,7 +10473,7 @@
           <p:cNvPr id="4" name="Picture 3">
             <a:extLst>
               <a:ext uri="{FF2B5EF4-FFF2-40B4-BE49-F238E27FC236}">
-                <a16:creationId xmlns:a16="http://schemas.microsoft.com/office/drawing/2014/main" xmlns="" id="{60407E82-ED49-48E1-845F-A67334BDA690}"/>
+                <a16:creationId xmlns="" xmlns:a16="http://schemas.microsoft.com/office/drawing/2014/main" id="{60407E82-ED49-48E1-845F-A67334BDA690}"/>
               </a:ext>
             </a:extLst>
           </p:cNvPr>
@@ -10074,7 +10503,7 @@
           <p:cNvPr id="5" name="Content Placeholder 2">
             <a:extLst>
               <a:ext uri="{FF2B5EF4-FFF2-40B4-BE49-F238E27FC236}">
-                <a16:creationId xmlns:a16="http://schemas.microsoft.com/office/drawing/2014/main" xmlns="" id="{8CE8AF33-D730-4EBA-9FBD-DBA3E37E84FC}"/>
+                <a16:creationId xmlns="" xmlns:a16="http://schemas.microsoft.com/office/drawing/2014/main" id="{8CE8AF33-D730-4EBA-9FBD-DBA3E37E84FC}"/>
               </a:ext>
             </a:extLst>
           </p:cNvPr>
@@ -10374,7 +10803,7 @@
 </p:sld>
 </file>
 
-<file path=ppt/slides/slide13.xml><?xml version="1.0" encoding="utf-8"?>
+<file path=ppt/slides/slide15.xml><?xml version="1.0" encoding="utf-8"?>
 <p:sld xmlns:a="http://schemas.openxmlformats.org/drawingml/2006/main" xmlns:r="http://schemas.openxmlformats.org/officeDocument/2006/relationships" xmlns:p="http://schemas.openxmlformats.org/presentationml/2006/main">
   <p:cSld>
     <p:spTree>
@@ -10396,7 +10825,7 @@
           <p:cNvPr id="2" name="Title 1">
             <a:extLst>
               <a:ext uri="{FF2B5EF4-FFF2-40B4-BE49-F238E27FC236}">
-                <a16:creationId xmlns:a16="http://schemas.microsoft.com/office/drawing/2014/main" xmlns="" id="{118CBBA9-49D2-4262-9114-D0D47E7D522A}"/>
+                <a16:creationId xmlns="" xmlns:a16="http://schemas.microsoft.com/office/drawing/2014/main" id="{118CBBA9-49D2-4262-9114-D0D47E7D522A}"/>
               </a:ext>
             </a:extLst>
           </p:cNvPr>
@@ -10424,7 +10853,7 @@
           <p:cNvPr id="3" name="Content Placeholder 2">
             <a:extLst>
               <a:ext uri="{FF2B5EF4-FFF2-40B4-BE49-F238E27FC236}">
-                <a16:creationId xmlns:a16="http://schemas.microsoft.com/office/drawing/2014/main" xmlns="" id="{1E6F3B36-FA1C-4A44-8799-54720A510D55}"/>
+                <a16:creationId xmlns="" xmlns:a16="http://schemas.microsoft.com/office/drawing/2014/main" id="{1E6F3B36-FA1C-4A44-8799-54720A510D55}"/>
               </a:ext>
             </a:extLst>
           </p:cNvPr>
@@ -10464,7 +10893,7 @@
           <p:cNvPr id="6" name="Picture 5">
             <a:extLst>
               <a:ext uri="{FF2B5EF4-FFF2-40B4-BE49-F238E27FC236}">
-                <a16:creationId xmlns:a16="http://schemas.microsoft.com/office/drawing/2014/main" xmlns="" id="{B0636FC0-8732-43F6-B07E-D247F6761BF2}"/>
+                <a16:creationId xmlns="" xmlns:a16="http://schemas.microsoft.com/office/drawing/2014/main" id="{B0636FC0-8732-43F6-B07E-D247F6761BF2}"/>
               </a:ext>
             </a:extLst>
           </p:cNvPr>
@@ -10494,7 +10923,7 @@
           <p:cNvPr id="7" name="Picture 6">
             <a:extLst>
               <a:ext uri="{FF2B5EF4-FFF2-40B4-BE49-F238E27FC236}">
-                <a16:creationId xmlns:a16="http://schemas.microsoft.com/office/drawing/2014/main" xmlns="" id="{DBE739BC-7545-4A28-A2A1-83C40AA0F973}"/>
+                <a16:creationId xmlns="" xmlns:a16="http://schemas.microsoft.com/office/drawing/2014/main" id="{DBE739BC-7545-4A28-A2A1-83C40AA0F973}"/>
               </a:ext>
             </a:extLst>
           </p:cNvPr>
@@ -10524,7 +10953,7 @@
           <p:cNvPr id="9" name="Content Placeholder 2">
             <a:extLst>
               <a:ext uri="{FF2B5EF4-FFF2-40B4-BE49-F238E27FC236}">
-                <a16:creationId xmlns:a16="http://schemas.microsoft.com/office/drawing/2014/main" xmlns="" id="{55F4540C-A796-46DC-BFE3-B3DABF5ED521}"/>
+                <a16:creationId xmlns="" xmlns:a16="http://schemas.microsoft.com/office/drawing/2014/main" id="{55F4540C-A796-46DC-BFE3-B3DABF5ED521}"/>
               </a:ext>
             </a:extLst>
           </p:cNvPr>
@@ -10798,7 +11227,7 @@
 </p:sld>
 </file>
 
-<file path=ppt/slides/slide14.xml><?xml version="1.0" encoding="utf-8"?>
+<file path=ppt/slides/slide16.xml><?xml version="1.0" encoding="utf-8"?>
 <p:sld xmlns:a="http://schemas.openxmlformats.org/drawingml/2006/main" xmlns:r="http://schemas.openxmlformats.org/officeDocument/2006/relationships" xmlns:p="http://schemas.openxmlformats.org/presentationml/2006/main">
   <p:cSld>
     <p:spTree>
@@ -10820,7 +11249,7 @@
           <p:cNvPr id="2" name="Title 1">
             <a:extLst>
               <a:ext uri="{FF2B5EF4-FFF2-40B4-BE49-F238E27FC236}">
-                <a16:creationId xmlns:a16="http://schemas.microsoft.com/office/drawing/2014/main" xmlns="" id="{118CBBA9-49D2-4262-9114-D0D47E7D522A}"/>
+                <a16:creationId xmlns="" xmlns:a16="http://schemas.microsoft.com/office/drawing/2014/main" id="{118CBBA9-49D2-4262-9114-D0D47E7D522A}"/>
               </a:ext>
             </a:extLst>
           </p:cNvPr>
@@ -10848,7 +11277,7 @@
           <p:cNvPr id="3" name="Content Placeholder 2">
             <a:extLst>
               <a:ext uri="{FF2B5EF4-FFF2-40B4-BE49-F238E27FC236}">
-                <a16:creationId xmlns:a16="http://schemas.microsoft.com/office/drawing/2014/main" xmlns="" id="{1E6F3B36-FA1C-4A44-8799-54720A510D55}"/>
+                <a16:creationId xmlns="" xmlns:a16="http://schemas.microsoft.com/office/drawing/2014/main" id="{1E6F3B36-FA1C-4A44-8799-54720A510D55}"/>
               </a:ext>
             </a:extLst>
           </p:cNvPr>
@@ -10888,467 +11317,7 @@
           <p:cNvPr id="9" name="Content Placeholder 2">
             <a:extLst>
               <a:ext uri="{FF2B5EF4-FFF2-40B4-BE49-F238E27FC236}">
-                <a16:creationId xmlns:a16="http://schemas.microsoft.com/office/drawing/2014/main" xmlns="" id="{55F4540C-A796-46DC-BFE3-B3DABF5ED521}"/>
-              </a:ext>
-            </a:extLst>
-          </p:cNvPr>
-          <p:cNvSpPr txBox="1">
-            <a:spLocks/>
-          </p:cNvSpPr>
-          <p:nvPr/>
-        </p:nvSpPr>
-        <p:spPr>
-          <a:xfrm>
-            <a:off x="5158308" y="886618"/>
-            <a:ext cx="6624736" cy="2398366"/>
-          </a:xfrm>
-          <a:prstGeom prst="rect">
-            <a:avLst/>
-          </a:prstGeom>
-        </p:spPr>
-        <p:txBody>
-          <a:bodyPr vert="horz" lIns="121899" tIns="60949" rIns="121899" bIns="60949" rtlCol="0">
-            <a:normAutofit fontScale="92500"/>
-          </a:bodyPr>
-          <a:lstStyle>
-            <a:lvl1pPr marL="304747" indent="-304747" algn="l" defTabSz="1218987" rtl="0" eaLnBrk="1" latinLnBrk="0" hangingPunct="1">
-              <a:lnSpc>
-                <a:spcPct val="90000"/>
-              </a:lnSpc>
-              <a:spcBef>
-                <a:spcPts val="1600"/>
-              </a:spcBef>
-              <a:buClr>
-                <a:schemeClr val="accent1"/>
-              </a:buClr>
-              <a:buSzPct val="100000"/>
-              <a:buFont typeface="Arial" pitchFamily="34" charset="0"/>
-              <a:buChar char="•"/>
-              <a:defRPr sz="2800" kern="1200">
-                <a:solidFill>
-                  <a:schemeClr val="tx1"/>
-                </a:solidFill>
-                <a:latin typeface="+mn-lt"/>
-                <a:ea typeface="+mn-ea"/>
-                <a:cs typeface="+mn-cs"/>
-              </a:defRPr>
-            </a:lvl1pPr>
-            <a:lvl2pPr marL="609493" indent="-231607" algn="l" defTabSz="1218987" rtl="0" eaLnBrk="1" latinLnBrk="0" hangingPunct="1">
-              <a:lnSpc>
-                <a:spcPct val="90000"/>
-              </a:lnSpc>
-              <a:spcBef>
-                <a:spcPts val="800"/>
-              </a:spcBef>
-              <a:buClr>
-                <a:schemeClr val="accent1"/>
-              </a:buClr>
-              <a:buSzPct val="80000"/>
-              <a:buFont typeface="Arial" pitchFamily="34" charset="0"/>
-              <a:buChar char="•"/>
-              <a:defRPr sz="2400" kern="1200">
-                <a:solidFill>
-                  <a:schemeClr val="tx1"/>
-                </a:solidFill>
-                <a:latin typeface="+mn-lt"/>
-                <a:ea typeface="+mn-ea"/>
-                <a:cs typeface="+mn-cs"/>
-              </a:defRPr>
-            </a:lvl2pPr>
-            <a:lvl3pPr marL="914240" indent="-231607" algn="l" defTabSz="1218987" rtl="0" eaLnBrk="1" latinLnBrk="0" hangingPunct="1">
-              <a:lnSpc>
-                <a:spcPct val="90000"/>
-              </a:lnSpc>
-              <a:spcBef>
-                <a:spcPts val="800"/>
-              </a:spcBef>
-              <a:buClr>
-                <a:schemeClr val="accent1"/>
-              </a:buClr>
-              <a:buSzPct val="80000"/>
-              <a:buFont typeface="Arial" pitchFamily="34" charset="0"/>
-              <a:buChar char="•"/>
-              <a:defRPr sz="2000" kern="1200">
-                <a:solidFill>
-                  <a:schemeClr val="tx1"/>
-                </a:solidFill>
-                <a:latin typeface="+mn-lt"/>
-                <a:ea typeface="+mn-ea"/>
-                <a:cs typeface="+mn-cs"/>
-              </a:defRPr>
-            </a:lvl3pPr>
-            <a:lvl4pPr marL="1218987" indent="-231607" algn="l" defTabSz="1218987" rtl="0" eaLnBrk="1" latinLnBrk="0" hangingPunct="1">
-              <a:lnSpc>
-                <a:spcPct val="90000"/>
-              </a:lnSpc>
-              <a:spcBef>
-                <a:spcPts val="800"/>
-              </a:spcBef>
-              <a:buClr>
-                <a:schemeClr val="accent1"/>
-              </a:buClr>
-              <a:buSzPct val="80000"/>
-              <a:buFont typeface="Arial" pitchFamily="34" charset="0"/>
-              <a:buChar char="•"/>
-              <a:defRPr sz="2000" kern="1200">
-                <a:solidFill>
-                  <a:schemeClr val="tx1"/>
-                </a:solidFill>
-                <a:latin typeface="+mn-lt"/>
-                <a:ea typeface="+mn-ea"/>
-                <a:cs typeface="+mn-cs"/>
-              </a:defRPr>
-            </a:lvl4pPr>
-            <a:lvl5pPr marL="1523733" indent="-231607" algn="l" defTabSz="1218987" rtl="0" eaLnBrk="1" latinLnBrk="0" hangingPunct="1">
-              <a:lnSpc>
-                <a:spcPct val="90000"/>
-              </a:lnSpc>
-              <a:spcBef>
-                <a:spcPts val="800"/>
-              </a:spcBef>
-              <a:buClr>
-                <a:schemeClr val="accent1"/>
-              </a:buClr>
-              <a:buSzPct val="80000"/>
-              <a:buFont typeface="Arial" pitchFamily="34" charset="0"/>
-              <a:buChar char="•"/>
-              <a:defRPr sz="2000" kern="1200">
-                <a:solidFill>
-                  <a:schemeClr val="tx1"/>
-                </a:solidFill>
-                <a:latin typeface="+mn-lt"/>
-                <a:ea typeface="+mn-ea"/>
-                <a:cs typeface="+mn-cs"/>
-              </a:defRPr>
-            </a:lvl5pPr>
-            <a:lvl6pPr marL="1828480" indent="-231607" algn="l" defTabSz="1218987" rtl="0" eaLnBrk="1" latinLnBrk="0" hangingPunct="1">
-              <a:lnSpc>
-                <a:spcPct val="90000"/>
-              </a:lnSpc>
-              <a:spcBef>
-                <a:spcPts val="800"/>
-              </a:spcBef>
-              <a:buClr>
-                <a:schemeClr val="accent1"/>
-              </a:buClr>
-              <a:buSzPct val="80000"/>
-              <a:buFont typeface="Arial" pitchFamily="34" charset="0"/>
-              <a:buChar char="•"/>
-              <a:defRPr sz="2000" kern="1200">
-                <a:solidFill>
-                  <a:schemeClr val="tx1"/>
-                </a:solidFill>
-                <a:latin typeface="+mn-lt"/>
-                <a:ea typeface="+mn-ea"/>
-                <a:cs typeface="+mn-cs"/>
-              </a:defRPr>
-            </a:lvl6pPr>
-            <a:lvl7pPr marL="2133227" indent="-231607" algn="l" defTabSz="1218987" rtl="0" eaLnBrk="1" latinLnBrk="0" hangingPunct="1">
-              <a:lnSpc>
-                <a:spcPct val="90000"/>
-              </a:lnSpc>
-              <a:spcBef>
-                <a:spcPts val="800"/>
-              </a:spcBef>
-              <a:buClr>
-                <a:schemeClr val="accent1"/>
-              </a:buClr>
-              <a:buSzPct val="80000"/>
-              <a:buFont typeface="Arial" pitchFamily="34" charset="0"/>
-              <a:buChar char="•"/>
-              <a:defRPr sz="2000" kern="1200">
-                <a:solidFill>
-                  <a:schemeClr val="tx1"/>
-                </a:solidFill>
-                <a:latin typeface="+mn-lt"/>
-                <a:ea typeface="+mn-ea"/>
-                <a:cs typeface="+mn-cs"/>
-              </a:defRPr>
-            </a:lvl7pPr>
-            <a:lvl8pPr marL="2437973" indent="-231607" algn="l" defTabSz="1218987" rtl="0" eaLnBrk="1" latinLnBrk="0" hangingPunct="1">
-              <a:lnSpc>
-                <a:spcPct val="90000"/>
-              </a:lnSpc>
-              <a:spcBef>
-                <a:spcPts val="800"/>
-              </a:spcBef>
-              <a:buClr>
-                <a:schemeClr val="accent1"/>
-              </a:buClr>
-              <a:buSzPct val="80000"/>
-              <a:buFont typeface="Arial" pitchFamily="34" charset="0"/>
-              <a:buChar char="•"/>
-              <a:defRPr sz="2000" kern="1200" baseline="0">
-                <a:solidFill>
-                  <a:schemeClr val="tx1"/>
-                </a:solidFill>
-                <a:latin typeface="+mn-lt"/>
-                <a:ea typeface="+mn-ea"/>
-                <a:cs typeface="+mn-cs"/>
-              </a:defRPr>
-            </a:lvl8pPr>
-            <a:lvl9pPr marL="2742720" indent="-231607" algn="l" defTabSz="1218987" rtl="0" eaLnBrk="1" latinLnBrk="0" hangingPunct="1">
-              <a:lnSpc>
-                <a:spcPct val="90000"/>
-              </a:lnSpc>
-              <a:spcBef>
-                <a:spcPts val="800"/>
-              </a:spcBef>
-              <a:buClr>
-                <a:schemeClr val="accent1"/>
-              </a:buClr>
-              <a:buSzPct val="80000"/>
-              <a:buFont typeface="Arial" pitchFamily="34" charset="0"/>
-              <a:buChar char="•"/>
-              <a:defRPr sz="2000" kern="1200" baseline="0">
-                <a:solidFill>
-                  <a:schemeClr val="tx1"/>
-                </a:solidFill>
-                <a:latin typeface="+mn-lt"/>
-                <a:ea typeface="+mn-ea"/>
-                <a:cs typeface="+mn-cs"/>
-              </a:defRPr>
-            </a:lvl9pPr>
-          </a:lstStyle>
-          <a:p>
-            <a:r>
-              <a:rPr lang="en-AU" sz="1600" dirty="0"/>
-              <a:t>Most images are 400px x 400px (square). Useful for batch normalisation.</a:t>
-            </a:r>
-          </a:p>
-          <a:p>
-            <a:r>
-              <a:rPr lang="en-AU" sz="1600" dirty="0"/>
-              <a:t>Larger images up </a:t>
-            </a:r>
-            <a:r>
-              <a:rPr lang="en-AU" sz="1600"/>
-              <a:t>to 6000px </a:t>
-            </a:r>
-            <a:r>
-              <a:rPr lang="en-AU" sz="1600" dirty="0"/>
-              <a:t>are likely to create issues when resized to the model’s standard resolutions of 224px or 299px (square).</a:t>
-            </a:r>
-          </a:p>
-          <a:p>
-            <a:r>
-              <a:rPr lang="en-AU" sz="1600" dirty="0"/>
-              <a:t>Not all images are square (</a:t>
-            </a:r>
-            <a:r>
-              <a:rPr lang="en-AU" sz="1600" i="1" dirty="0"/>
-              <a:t>n</a:t>
-            </a:r>
-            <a:r>
-              <a:rPr lang="en-AU" sz="1600" dirty="0"/>
-              <a:t> px by </a:t>
-            </a:r>
-            <a:r>
-              <a:rPr lang="en-AU" sz="1600" i="1" dirty="0"/>
-              <a:t>n</a:t>
-            </a:r>
-            <a:r>
-              <a:rPr lang="en-AU" sz="1600" dirty="0"/>
-              <a:t> px). May require segmentation and to be placed into a subset (</a:t>
-            </a:r>
-            <a:r>
-              <a:rPr lang="en-AU" sz="1600" b="1" dirty="0"/>
-              <a:t>not implemented in model</a:t>
-            </a:r>
-            <a:r>
-              <a:rPr lang="en-AU" sz="1600" dirty="0"/>
-              <a:t>).</a:t>
-            </a:r>
-          </a:p>
-          <a:p>
-            <a:r>
-              <a:rPr lang="en-AU" sz="1600" dirty="0"/>
-              <a:t>Images are assumed to all be top-down aerial imagery, however it is noted that not all images are taken from the same height. This is particularly visible in images that are not the standard 400x400px resolution.</a:t>
-            </a:r>
-          </a:p>
-        </p:txBody>
-      </p:sp>
-      <p:pic>
-        <p:nvPicPr>
-          <p:cNvPr id="5" name="Picture 4">
-            <a:extLst>
-              <a:ext uri="{FF2B5EF4-FFF2-40B4-BE49-F238E27FC236}">
-                <a16:creationId xmlns:a16="http://schemas.microsoft.com/office/drawing/2014/main" xmlns="" id="{8CE529A0-F393-4416-8C0C-29777CE93EFE}"/>
-              </a:ext>
-            </a:extLst>
-          </p:cNvPr>
-          <p:cNvPicPr>
-            <a:picLocks noChangeAspect="1"/>
-          </p:cNvPicPr>
-          <p:nvPr/>
-        </p:nvPicPr>
-        <p:blipFill>
-          <a:blip r:embed="rId2"/>
-          <a:stretch>
-            <a:fillRect/>
-          </a:stretch>
-        </p:blipFill>
-        <p:spPr>
-          <a:xfrm>
-            <a:off x="982032" y="3429000"/>
-            <a:ext cx="4629150" cy="3181350"/>
-          </a:xfrm>
-          <a:prstGeom prst="rect">
-            <a:avLst/>
-          </a:prstGeom>
-        </p:spPr>
-      </p:pic>
-      <p:pic>
-        <p:nvPicPr>
-          <p:cNvPr id="8" name="Picture 7">
-            <a:extLst>
-              <a:ext uri="{FF2B5EF4-FFF2-40B4-BE49-F238E27FC236}">
-                <a16:creationId xmlns:a16="http://schemas.microsoft.com/office/drawing/2014/main" xmlns="" id="{0FBC03D0-87FA-4CDE-8704-5071F2C850AC}"/>
-              </a:ext>
-            </a:extLst>
-          </p:cNvPr>
-          <p:cNvPicPr>
-            <a:picLocks noChangeAspect="1"/>
-          </p:cNvPicPr>
-          <p:nvPr/>
-        </p:nvPicPr>
-        <p:blipFill>
-          <a:blip r:embed="rId3"/>
-          <a:stretch>
-            <a:fillRect/>
-          </a:stretch>
-        </p:blipFill>
-        <p:spPr>
-          <a:xfrm>
-            <a:off x="5611182" y="3388215"/>
-            <a:ext cx="4591050" cy="3248025"/>
-          </a:xfrm>
-          <a:prstGeom prst="rect">
-            <a:avLst/>
-          </a:prstGeom>
-        </p:spPr>
-      </p:pic>
-    </p:spTree>
-    <p:extLst>
-      <p:ext uri="{BB962C8B-B14F-4D97-AF65-F5344CB8AC3E}">
-        <p14:creationId xmlns:p14="http://schemas.microsoft.com/office/powerpoint/2010/main" val="2803354371"/>
-      </p:ext>
-    </p:extLst>
-  </p:cSld>
-  <p:clrMapOvr>
-    <a:masterClrMapping/>
-  </p:clrMapOvr>
-  <mc:AlternateContent xmlns:mc="http://schemas.openxmlformats.org/markup-compatibility/2006" xmlns:p14="http://schemas.microsoft.com/office/powerpoint/2010/main">
-    <mc:Choice Requires="p14">
-      <p:transition spd="med" p14:dur="700">
-        <p:fade/>
-      </p:transition>
-    </mc:Choice>
-    <mc:Fallback xmlns="">
-      <p:transition spd="med">
-        <p:fade/>
-      </p:transition>
-    </mc:Fallback>
-  </mc:AlternateContent>
-  <p:timing>
-    <p:tnLst>
-      <p:par>
-        <p:cTn id="1" dur="indefinite" restart="never" nodeType="tmRoot"/>
-      </p:par>
-    </p:tnLst>
-  </p:timing>
-</p:sld>
-</file>
-
-<file path=ppt/slides/slide15.xml><?xml version="1.0" encoding="utf-8"?>
-<p:sld xmlns:a="http://schemas.openxmlformats.org/drawingml/2006/main" xmlns:r="http://schemas.openxmlformats.org/officeDocument/2006/relationships" xmlns:p="http://schemas.openxmlformats.org/presentationml/2006/main">
-  <p:cSld>
-    <p:spTree>
-      <p:nvGrpSpPr>
-        <p:cNvPr id="1" name=""/>
-        <p:cNvGrpSpPr/>
-        <p:nvPr/>
-      </p:nvGrpSpPr>
-      <p:grpSpPr>
-        <a:xfrm>
-          <a:off x="0" y="0"/>
-          <a:ext cx="0" cy="0"/>
-          <a:chOff x="0" y="0"/>
-          <a:chExt cx="0" cy="0"/>
-        </a:xfrm>
-      </p:grpSpPr>
-      <p:sp>
-        <p:nvSpPr>
-          <p:cNvPr id="2" name="Title 1">
-            <a:extLst>
-              <a:ext uri="{FF2B5EF4-FFF2-40B4-BE49-F238E27FC236}">
-                <a16:creationId xmlns:a16="http://schemas.microsoft.com/office/drawing/2014/main" xmlns="" id="{118CBBA9-49D2-4262-9114-D0D47E7D522A}"/>
-              </a:ext>
-            </a:extLst>
-          </p:cNvPr>
-          <p:cNvSpPr>
-            <a:spLocks noGrp="1"/>
-          </p:cNvSpPr>
-          <p:nvPr>
-            <p:ph type="title"/>
-          </p:nvPr>
-        </p:nvSpPr>
-        <p:spPr/>
-        <p:txBody>
-          <a:bodyPr/>
-          <a:lstStyle/>
-          <a:p>
-            <a:r>
-              <a:rPr lang="en-AU" dirty="0"/>
-              <a:t>Approach</a:t>
-            </a:r>
-          </a:p>
-        </p:txBody>
-      </p:sp>
-      <p:sp>
-        <p:nvSpPr>
-          <p:cNvPr id="3" name="Content Placeholder 2">
-            <a:extLst>
-              <a:ext uri="{FF2B5EF4-FFF2-40B4-BE49-F238E27FC236}">
-                <a16:creationId xmlns:a16="http://schemas.microsoft.com/office/drawing/2014/main" xmlns="" id="{1E6F3B36-FA1C-4A44-8799-54720A510D55}"/>
-              </a:ext>
-            </a:extLst>
-          </p:cNvPr>
-          <p:cNvSpPr>
-            <a:spLocks noGrp="1"/>
-          </p:cNvSpPr>
-          <p:nvPr>
-            <p:ph idx="1"/>
-          </p:nvPr>
-        </p:nvSpPr>
-        <p:spPr>
-          <a:xfrm>
-            <a:off x="1218883" y="1701797"/>
-            <a:ext cx="4155449" cy="4462272"/>
-          </a:xfrm>
-        </p:spPr>
-        <p:txBody>
-          <a:bodyPr/>
-          <a:lstStyle/>
-          <a:p>
-            <a:r>
-              <a:rPr lang="en-AU" dirty="0"/>
-              <a:t>Understand </a:t>
-            </a:r>
-            <a:r>
-              <a:rPr lang="en-AU" dirty="0" smtClean="0"/>
-              <a:t>Data</a:t>
-            </a:r>
-            <a:endParaRPr lang="en-AU" dirty="0"/>
-          </a:p>
-        </p:txBody>
-      </p:sp>
-      <p:sp>
-        <p:nvSpPr>
-          <p:cNvPr id="9" name="Content Placeholder 2">
-            <a:extLst>
-              <a:ext uri="{FF2B5EF4-FFF2-40B4-BE49-F238E27FC236}">
-                <a16:creationId xmlns:a16="http://schemas.microsoft.com/office/drawing/2014/main" xmlns="" id="{55F4540C-A796-46DC-BFE3-B3DABF5ED521}"/>
+                <a16:creationId xmlns="" xmlns:a16="http://schemas.microsoft.com/office/drawing/2014/main" id="{55F4540C-A796-46DC-BFE3-B3DABF5ED521}"/>
               </a:ext>
             </a:extLst>
           </p:cNvPr>
@@ -11572,31 +11541,10 @@
           </a:lstStyle>
           <a:p>
             <a:r>
-              <a:rPr lang="en-AU" sz="1600" dirty="0"/>
-              <a:t>Exponential system size increase based on annualised data</a:t>
-            </a:r>
-          </a:p>
-          <a:p>
-            <a:r>
-              <a:rPr lang="en-AU" sz="1600" dirty="0"/>
-              <a:t>Increased system </a:t>
-            </a:r>
-            <a:r>
-              <a:rPr lang="en-AU" sz="1600"/>
-              <a:t>sizes partly attributable </a:t>
-            </a:r>
-            <a:r>
-              <a:rPr lang="en-AU" sz="1600" dirty="0"/>
-              <a:t>to panel efficiency gains (W/m</a:t>
-            </a:r>
-            <a:r>
-              <a:rPr lang="en-AU" sz="1600" baseline="30000" dirty="0"/>
-              <a:t>2</a:t>
-            </a:r>
-            <a:r>
-              <a:rPr lang="en-AU" sz="1600" dirty="0"/>
-              <a:t>)</a:t>
-            </a:r>
+              <a:rPr lang="en-AU" sz="1600" dirty="0" smtClean="0"/>
+              <a:t>&lt; Replace all images here with actuals, show variation&gt;</a:t>
+            </a:r>
+            <a:endParaRPr lang="en-AU" sz="1600" dirty="0"/>
           </a:p>
         </p:txBody>
       </p:sp>
@@ -11605,7 +11553,439 @@
           <p:cNvPr id="5" name="Picture 4">
             <a:extLst>
               <a:ext uri="{FF2B5EF4-FFF2-40B4-BE49-F238E27FC236}">
-                <a16:creationId xmlns:a16="http://schemas.microsoft.com/office/drawing/2014/main" xmlns="" id="{C9CBC7BF-F2B4-4B1F-B9F0-E060D6AAC33B}"/>
+                <a16:creationId xmlns="" xmlns:a16="http://schemas.microsoft.com/office/drawing/2014/main" id="{8CE529A0-F393-4416-8C0C-29777CE93EFE}"/>
+              </a:ext>
+            </a:extLst>
+          </p:cNvPr>
+          <p:cNvPicPr>
+            <a:picLocks noChangeAspect="1"/>
+          </p:cNvPicPr>
+          <p:nvPr/>
+        </p:nvPicPr>
+        <p:blipFill>
+          <a:blip r:embed="rId2"/>
+          <a:stretch>
+            <a:fillRect/>
+          </a:stretch>
+        </p:blipFill>
+        <p:spPr>
+          <a:xfrm>
+            <a:off x="982032" y="3429000"/>
+            <a:ext cx="4629150" cy="3181350"/>
+          </a:xfrm>
+          <a:prstGeom prst="rect">
+            <a:avLst/>
+          </a:prstGeom>
+        </p:spPr>
+      </p:pic>
+      <p:pic>
+        <p:nvPicPr>
+          <p:cNvPr id="8" name="Picture 7">
+            <a:extLst>
+              <a:ext uri="{FF2B5EF4-FFF2-40B4-BE49-F238E27FC236}">
+                <a16:creationId xmlns="" xmlns:a16="http://schemas.microsoft.com/office/drawing/2014/main" id="{0FBC03D0-87FA-4CDE-8704-5071F2C850AC}"/>
+              </a:ext>
+            </a:extLst>
+          </p:cNvPr>
+          <p:cNvPicPr>
+            <a:picLocks noChangeAspect="1"/>
+          </p:cNvPicPr>
+          <p:nvPr/>
+        </p:nvPicPr>
+        <p:blipFill>
+          <a:blip r:embed="rId3"/>
+          <a:stretch>
+            <a:fillRect/>
+          </a:stretch>
+        </p:blipFill>
+        <p:spPr>
+          <a:xfrm>
+            <a:off x="5611182" y="3388215"/>
+            <a:ext cx="4591050" cy="3248025"/>
+          </a:xfrm>
+          <a:prstGeom prst="rect">
+            <a:avLst/>
+          </a:prstGeom>
+        </p:spPr>
+      </p:pic>
+    </p:spTree>
+    <p:extLst>
+      <p:ext uri="{BB962C8B-B14F-4D97-AF65-F5344CB8AC3E}">
+        <p14:creationId xmlns:p14="http://schemas.microsoft.com/office/powerpoint/2010/main" val="2803354371"/>
+      </p:ext>
+    </p:extLst>
+  </p:cSld>
+  <p:clrMapOvr>
+    <a:masterClrMapping/>
+  </p:clrMapOvr>
+  <mc:AlternateContent xmlns:mc="http://schemas.openxmlformats.org/markup-compatibility/2006" xmlns:p14="http://schemas.microsoft.com/office/powerpoint/2010/main">
+    <mc:Choice Requires="p14">
+      <p:transition spd="med" p14:dur="700">
+        <p:fade/>
+      </p:transition>
+    </mc:Choice>
+    <mc:Fallback xmlns="">
+      <p:transition spd="med">
+        <p:fade/>
+      </p:transition>
+    </mc:Fallback>
+  </mc:AlternateContent>
+  <p:timing>
+    <p:tnLst>
+      <p:par>
+        <p:cTn id="1" dur="indefinite" restart="never" nodeType="tmRoot"/>
+      </p:par>
+    </p:tnLst>
+  </p:timing>
+</p:sld>
+</file>
+
+<file path=ppt/slides/slide17.xml><?xml version="1.0" encoding="utf-8"?>
+<p:sld xmlns:a="http://schemas.openxmlformats.org/drawingml/2006/main" xmlns:r="http://schemas.openxmlformats.org/officeDocument/2006/relationships" xmlns:p="http://schemas.openxmlformats.org/presentationml/2006/main">
+  <p:cSld>
+    <p:spTree>
+      <p:nvGrpSpPr>
+        <p:cNvPr id="1" name=""/>
+        <p:cNvGrpSpPr/>
+        <p:nvPr/>
+      </p:nvGrpSpPr>
+      <p:grpSpPr>
+        <a:xfrm>
+          <a:off x="0" y="0"/>
+          <a:ext cx="0" cy="0"/>
+          <a:chOff x="0" y="0"/>
+          <a:chExt cx="0" cy="0"/>
+        </a:xfrm>
+      </p:grpSpPr>
+      <p:sp>
+        <p:nvSpPr>
+          <p:cNvPr id="2" name="Title 1">
+            <a:extLst>
+              <a:ext uri="{FF2B5EF4-FFF2-40B4-BE49-F238E27FC236}">
+                <a16:creationId xmlns="" xmlns:a16="http://schemas.microsoft.com/office/drawing/2014/main" id="{118CBBA9-49D2-4262-9114-D0D47E7D522A}"/>
+              </a:ext>
+            </a:extLst>
+          </p:cNvPr>
+          <p:cNvSpPr>
+            <a:spLocks noGrp="1"/>
+          </p:cNvSpPr>
+          <p:nvPr>
+            <p:ph type="title"/>
+          </p:nvPr>
+        </p:nvSpPr>
+        <p:spPr/>
+        <p:txBody>
+          <a:bodyPr/>
+          <a:lstStyle/>
+          <a:p>
+            <a:r>
+              <a:rPr lang="en-AU" dirty="0"/>
+              <a:t>Approach</a:t>
+            </a:r>
+          </a:p>
+        </p:txBody>
+      </p:sp>
+      <p:sp>
+        <p:nvSpPr>
+          <p:cNvPr id="3" name="Content Placeholder 2">
+            <a:extLst>
+              <a:ext uri="{FF2B5EF4-FFF2-40B4-BE49-F238E27FC236}">
+                <a16:creationId xmlns="" xmlns:a16="http://schemas.microsoft.com/office/drawing/2014/main" id="{1E6F3B36-FA1C-4A44-8799-54720A510D55}"/>
+              </a:ext>
+            </a:extLst>
+          </p:cNvPr>
+          <p:cNvSpPr>
+            <a:spLocks noGrp="1"/>
+          </p:cNvSpPr>
+          <p:nvPr>
+            <p:ph idx="1"/>
+          </p:nvPr>
+        </p:nvSpPr>
+        <p:spPr>
+          <a:xfrm>
+            <a:off x="1218883" y="1701797"/>
+            <a:ext cx="4155449" cy="4462272"/>
+          </a:xfrm>
+        </p:spPr>
+        <p:txBody>
+          <a:bodyPr/>
+          <a:lstStyle/>
+          <a:p>
+            <a:r>
+              <a:rPr lang="en-AU" dirty="0"/>
+              <a:t>Understand </a:t>
+            </a:r>
+            <a:r>
+              <a:rPr lang="en-AU" dirty="0" smtClean="0"/>
+              <a:t>Data</a:t>
+            </a:r>
+            <a:endParaRPr lang="en-AU" dirty="0"/>
+          </a:p>
+        </p:txBody>
+      </p:sp>
+      <p:sp>
+        <p:nvSpPr>
+          <p:cNvPr id="9" name="Content Placeholder 2">
+            <a:extLst>
+              <a:ext uri="{FF2B5EF4-FFF2-40B4-BE49-F238E27FC236}">
+                <a16:creationId xmlns="" xmlns:a16="http://schemas.microsoft.com/office/drawing/2014/main" id="{55F4540C-A796-46DC-BFE3-B3DABF5ED521}"/>
+              </a:ext>
+            </a:extLst>
+          </p:cNvPr>
+          <p:cNvSpPr txBox="1">
+            <a:spLocks/>
+          </p:cNvSpPr>
+          <p:nvPr/>
+        </p:nvSpPr>
+        <p:spPr>
+          <a:xfrm>
+            <a:off x="5158308" y="886618"/>
+            <a:ext cx="6624736" cy="2398366"/>
+          </a:xfrm>
+          <a:prstGeom prst="rect">
+            <a:avLst/>
+          </a:prstGeom>
+        </p:spPr>
+        <p:txBody>
+          <a:bodyPr vert="horz" lIns="121899" tIns="60949" rIns="121899" bIns="60949" rtlCol="0">
+            <a:normAutofit/>
+          </a:bodyPr>
+          <a:lstStyle>
+            <a:lvl1pPr marL="304747" indent="-304747" algn="l" defTabSz="1218987" rtl="0" eaLnBrk="1" latinLnBrk="0" hangingPunct="1">
+              <a:lnSpc>
+                <a:spcPct val="90000"/>
+              </a:lnSpc>
+              <a:spcBef>
+                <a:spcPts val="1600"/>
+              </a:spcBef>
+              <a:buClr>
+                <a:schemeClr val="accent1"/>
+              </a:buClr>
+              <a:buSzPct val="100000"/>
+              <a:buFont typeface="Arial" pitchFamily="34" charset="0"/>
+              <a:buChar char="•"/>
+              <a:defRPr sz="2800" kern="1200">
+                <a:solidFill>
+                  <a:schemeClr val="tx1"/>
+                </a:solidFill>
+                <a:latin typeface="+mn-lt"/>
+                <a:ea typeface="+mn-ea"/>
+                <a:cs typeface="+mn-cs"/>
+              </a:defRPr>
+            </a:lvl1pPr>
+            <a:lvl2pPr marL="609493" indent="-231607" algn="l" defTabSz="1218987" rtl="0" eaLnBrk="1" latinLnBrk="0" hangingPunct="1">
+              <a:lnSpc>
+                <a:spcPct val="90000"/>
+              </a:lnSpc>
+              <a:spcBef>
+                <a:spcPts val="800"/>
+              </a:spcBef>
+              <a:buClr>
+                <a:schemeClr val="accent1"/>
+              </a:buClr>
+              <a:buSzPct val="80000"/>
+              <a:buFont typeface="Arial" pitchFamily="34" charset="0"/>
+              <a:buChar char="•"/>
+              <a:defRPr sz="2400" kern="1200">
+                <a:solidFill>
+                  <a:schemeClr val="tx1"/>
+                </a:solidFill>
+                <a:latin typeface="+mn-lt"/>
+                <a:ea typeface="+mn-ea"/>
+                <a:cs typeface="+mn-cs"/>
+              </a:defRPr>
+            </a:lvl2pPr>
+            <a:lvl3pPr marL="914240" indent="-231607" algn="l" defTabSz="1218987" rtl="0" eaLnBrk="1" latinLnBrk="0" hangingPunct="1">
+              <a:lnSpc>
+                <a:spcPct val="90000"/>
+              </a:lnSpc>
+              <a:spcBef>
+                <a:spcPts val="800"/>
+              </a:spcBef>
+              <a:buClr>
+                <a:schemeClr val="accent1"/>
+              </a:buClr>
+              <a:buSzPct val="80000"/>
+              <a:buFont typeface="Arial" pitchFamily="34" charset="0"/>
+              <a:buChar char="•"/>
+              <a:defRPr sz="2000" kern="1200">
+                <a:solidFill>
+                  <a:schemeClr val="tx1"/>
+                </a:solidFill>
+                <a:latin typeface="+mn-lt"/>
+                <a:ea typeface="+mn-ea"/>
+                <a:cs typeface="+mn-cs"/>
+              </a:defRPr>
+            </a:lvl3pPr>
+            <a:lvl4pPr marL="1218987" indent="-231607" algn="l" defTabSz="1218987" rtl="0" eaLnBrk="1" latinLnBrk="0" hangingPunct="1">
+              <a:lnSpc>
+                <a:spcPct val="90000"/>
+              </a:lnSpc>
+              <a:spcBef>
+                <a:spcPts val="800"/>
+              </a:spcBef>
+              <a:buClr>
+                <a:schemeClr val="accent1"/>
+              </a:buClr>
+              <a:buSzPct val="80000"/>
+              <a:buFont typeface="Arial" pitchFamily="34" charset="0"/>
+              <a:buChar char="•"/>
+              <a:defRPr sz="2000" kern="1200">
+                <a:solidFill>
+                  <a:schemeClr val="tx1"/>
+                </a:solidFill>
+                <a:latin typeface="+mn-lt"/>
+                <a:ea typeface="+mn-ea"/>
+                <a:cs typeface="+mn-cs"/>
+              </a:defRPr>
+            </a:lvl4pPr>
+            <a:lvl5pPr marL="1523733" indent="-231607" algn="l" defTabSz="1218987" rtl="0" eaLnBrk="1" latinLnBrk="0" hangingPunct="1">
+              <a:lnSpc>
+                <a:spcPct val="90000"/>
+              </a:lnSpc>
+              <a:spcBef>
+                <a:spcPts val="800"/>
+              </a:spcBef>
+              <a:buClr>
+                <a:schemeClr val="accent1"/>
+              </a:buClr>
+              <a:buSzPct val="80000"/>
+              <a:buFont typeface="Arial" pitchFamily="34" charset="0"/>
+              <a:buChar char="•"/>
+              <a:defRPr sz="2000" kern="1200">
+                <a:solidFill>
+                  <a:schemeClr val="tx1"/>
+                </a:solidFill>
+                <a:latin typeface="+mn-lt"/>
+                <a:ea typeface="+mn-ea"/>
+                <a:cs typeface="+mn-cs"/>
+              </a:defRPr>
+            </a:lvl5pPr>
+            <a:lvl6pPr marL="1828480" indent="-231607" algn="l" defTabSz="1218987" rtl="0" eaLnBrk="1" latinLnBrk="0" hangingPunct="1">
+              <a:lnSpc>
+                <a:spcPct val="90000"/>
+              </a:lnSpc>
+              <a:spcBef>
+                <a:spcPts val="800"/>
+              </a:spcBef>
+              <a:buClr>
+                <a:schemeClr val="accent1"/>
+              </a:buClr>
+              <a:buSzPct val="80000"/>
+              <a:buFont typeface="Arial" pitchFamily="34" charset="0"/>
+              <a:buChar char="•"/>
+              <a:defRPr sz="2000" kern="1200">
+                <a:solidFill>
+                  <a:schemeClr val="tx1"/>
+                </a:solidFill>
+                <a:latin typeface="+mn-lt"/>
+                <a:ea typeface="+mn-ea"/>
+                <a:cs typeface="+mn-cs"/>
+              </a:defRPr>
+            </a:lvl6pPr>
+            <a:lvl7pPr marL="2133227" indent="-231607" algn="l" defTabSz="1218987" rtl="0" eaLnBrk="1" latinLnBrk="0" hangingPunct="1">
+              <a:lnSpc>
+                <a:spcPct val="90000"/>
+              </a:lnSpc>
+              <a:spcBef>
+                <a:spcPts val="800"/>
+              </a:spcBef>
+              <a:buClr>
+                <a:schemeClr val="accent1"/>
+              </a:buClr>
+              <a:buSzPct val="80000"/>
+              <a:buFont typeface="Arial" pitchFamily="34" charset="0"/>
+              <a:buChar char="•"/>
+              <a:defRPr sz="2000" kern="1200">
+                <a:solidFill>
+                  <a:schemeClr val="tx1"/>
+                </a:solidFill>
+                <a:latin typeface="+mn-lt"/>
+                <a:ea typeface="+mn-ea"/>
+                <a:cs typeface="+mn-cs"/>
+              </a:defRPr>
+            </a:lvl7pPr>
+            <a:lvl8pPr marL="2437973" indent="-231607" algn="l" defTabSz="1218987" rtl="0" eaLnBrk="1" latinLnBrk="0" hangingPunct="1">
+              <a:lnSpc>
+                <a:spcPct val="90000"/>
+              </a:lnSpc>
+              <a:spcBef>
+                <a:spcPts val="800"/>
+              </a:spcBef>
+              <a:buClr>
+                <a:schemeClr val="accent1"/>
+              </a:buClr>
+              <a:buSzPct val="80000"/>
+              <a:buFont typeface="Arial" pitchFamily="34" charset="0"/>
+              <a:buChar char="•"/>
+              <a:defRPr sz="2000" kern="1200" baseline="0">
+                <a:solidFill>
+                  <a:schemeClr val="tx1"/>
+                </a:solidFill>
+                <a:latin typeface="+mn-lt"/>
+                <a:ea typeface="+mn-ea"/>
+                <a:cs typeface="+mn-cs"/>
+              </a:defRPr>
+            </a:lvl8pPr>
+            <a:lvl9pPr marL="2742720" indent="-231607" algn="l" defTabSz="1218987" rtl="0" eaLnBrk="1" latinLnBrk="0" hangingPunct="1">
+              <a:lnSpc>
+                <a:spcPct val="90000"/>
+              </a:lnSpc>
+              <a:spcBef>
+                <a:spcPts val="800"/>
+              </a:spcBef>
+              <a:buClr>
+                <a:schemeClr val="accent1"/>
+              </a:buClr>
+              <a:buSzPct val="80000"/>
+              <a:buFont typeface="Arial" pitchFamily="34" charset="0"/>
+              <a:buChar char="•"/>
+              <a:defRPr sz="2000" kern="1200" baseline="0">
+                <a:solidFill>
+                  <a:schemeClr val="tx1"/>
+                </a:solidFill>
+                <a:latin typeface="+mn-lt"/>
+                <a:ea typeface="+mn-ea"/>
+                <a:cs typeface="+mn-cs"/>
+              </a:defRPr>
+            </a:lvl9pPr>
+          </a:lstStyle>
+          <a:p>
+            <a:r>
+              <a:rPr lang="en-AU" sz="1600" dirty="0"/>
+              <a:t>Exponential system size increase based on annualised data</a:t>
+            </a:r>
+          </a:p>
+          <a:p>
+            <a:r>
+              <a:rPr lang="en-AU" sz="1600" dirty="0"/>
+              <a:t>Increased system </a:t>
+            </a:r>
+            <a:r>
+              <a:rPr lang="en-AU" sz="1600"/>
+              <a:t>sizes partly attributable </a:t>
+            </a:r>
+            <a:r>
+              <a:rPr lang="en-AU" sz="1600" dirty="0"/>
+              <a:t>to panel efficiency gains (W/m</a:t>
+            </a:r>
+            <a:r>
+              <a:rPr lang="en-AU" sz="1600" baseline="30000" dirty="0"/>
+              <a:t>2</a:t>
+            </a:r>
+            <a:r>
+              <a:rPr lang="en-AU" sz="1600" dirty="0"/>
+              <a:t>)</a:t>
+            </a:r>
+          </a:p>
+        </p:txBody>
+      </p:sp>
+      <p:pic>
+        <p:nvPicPr>
+          <p:cNvPr id="5" name="Picture 4">
+            <a:extLst>
+              <a:ext uri="{FF2B5EF4-FFF2-40B4-BE49-F238E27FC236}">
+                <a16:creationId xmlns="" xmlns:a16="http://schemas.microsoft.com/office/drawing/2014/main" id="{C9CBC7BF-F2B4-4B1F-B9F0-E060D6AAC33B}"/>
               </a:ext>
             </a:extLst>
           </p:cNvPr>
@@ -11662,7 +12042,7 @@
 </p:sld>
 </file>
 
-<file path=ppt/slides/slide16.xml><?xml version="1.0" encoding="utf-8"?>
+<file path=ppt/slides/slide18.xml><?xml version="1.0" encoding="utf-8"?>
 <p:sld xmlns:a="http://schemas.openxmlformats.org/drawingml/2006/main" xmlns:r="http://schemas.openxmlformats.org/officeDocument/2006/relationships" xmlns:p="http://schemas.openxmlformats.org/presentationml/2006/main">
   <p:cSld>
     <p:spTree>
@@ -11684,7 +12064,7 @@
           <p:cNvPr id="2" name="Title 1">
             <a:extLst>
               <a:ext uri="{FF2B5EF4-FFF2-40B4-BE49-F238E27FC236}">
-                <a16:creationId xmlns:a16="http://schemas.microsoft.com/office/drawing/2014/main" xmlns="" id="{118CBBA9-49D2-4262-9114-D0D47E7D522A}"/>
+                <a16:creationId xmlns="" xmlns:a16="http://schemas.microsoft.com/office/drawing/2014/main" id="{118CBBA9-49D2-4262-9114-D0D47E7D522A}"/>
               </a:ext>
             </a:extLst>
           </p:cNvPr>
@@ -11712,7 +12092,7 @@
           <p:cNvPr id="3" name="Content Placeholder 2">
             <a:extLst>
               <a:ext uri="{FF2B5EF4-FFF2-40B4-BE49-F238E27FC236}">
-                <a16:creationId xmlns:a16="http://schemas.microsoft.com/office/drawing/2014/main" xmlns="" id="{1E6F3B36-FA1C-4A44-8799-54720A510D55}"/>
+                <a16:creationId xmlns="" xmlns:a16="http://schemas.microsoft.com/office/drawing/2014/main" id="{1E6F3B36-FA1C-4A44-8799-54720A510D55}"/>
               </a:ext>
             </a:extLst>
           </p:cNvPr>
@@ -11939,7 +12319,7 @@
 </p:sld>
 </file>
 
-<file path=ppt/slides/slide17.xml><?xml version="1.0" encoding="utf-8"?>
+<file path=ppt/slides/slide19.xml><?xml version="1.0" encoding="utf-8"?>
 <p:sld xmlns:a="http://schemas.openxmlformats.org/drawingml/2006/main" xmlns:r="http://schemas.openxmlformats.org/officeDocument/2006/relationships" xmlns:p="http://schemas.openxmlformats.org/presentationml/2006/main">
   <p:cSld>
     <p:spTree>
@@ -11961,7 +12341,7 @@
           <p:cNvPr id="2" name="Title 1">
             <a:extLst>
               <a:ext uri="{FF2B5EF4-FFF2-40B4-BE49-F238E27FC236}">
-                <a16:creationId xmlns:a16="http://schemas.microsoft.com/office/drawing/2014/main" xmlns="" id="{118CBBA9-49D2-4262-9114-D0D47E7D522A}"/>
+                <a16:creationId xmlns="" xmlns:a16="http://schemas.microsoft.com/office/drawing/2014/main" id="{118CBBA9-49D2-4262-9114-D0D47E7D522A}"/>
               </a:ext>
             </a:extLst>
           </p:cNvPr>
@@ -11989,7 +12369,7 @@
           <p:cNvPr id="3" name="Content Placeholder 2">
             <a:extLst>
               <a:ext uri="{FF2B5EF4-FFF2-40B4-BE49-F238E27FC236}">
-                <a16:creationId xmlns:a16="http://schemas.microsoft.com/office/drawing/2014/main" xmlns="" id="{1E6F3B36-FA1C-4A44-8799-54720A510D55}"/>
+                <a16:creationId xmlns="" xmlns:a16="http://schemas.microsoft.com/office/drawing/2014/main" id="{1E6F3B36-FA1C-4A44-8799-54720A510D55}"/>
               </a:ext>
             </a:extLst>
           </p:cNvPr>
@@ -12167,7 +12547,559 @@
 </p:sld>
 </file>
 
-<file path=ppt/slides/slide18.xml><?xml version="1.0" encoding="utf-8"?>
+<file path=ppt/slides/slide2.xml><?xml version="1.0" encoding="utf-8"?>
+<p:sld xmlns:a="http://schemas.openxmlformats.org/drawingml/2006/main" xmlns:r="http://schemas.openxmlformats.org/officeDocument/2006/relationships" xmlns:p="http://schemas.openxmlformats.org/presentationml/2006/main">
+  <p:cSld>
+    <p:spTree>
+      <p:nvGrpSpPr>
+        <p:cNvPr id="1" name=""/>
+        <p:cNvGrpSpPr/>
+        <p:nvPr/>
+      </p:nvGrpSpPr>
+      <p:grpSpPr>
+        <a:xfrm>
+          <a:off x="0" y="0"/>
+          <a:ext cx="0" cy="0"/>
+          <a:chOff x="0" y="0"/>
+          <a:chExt cx="0" cy="0"/>
+        </a:xfrm>
+      </p:grpSpPr>
+      <p:sp>
+        <p:nvSpPr>
+          <p:cNvPr id="4" name="Content Placeholder 2">
+            <a:extLst>
+              <a:ext uri="{FF2B5EF4-FFF2-40B4-BE49-F238E27FC236}">
+                <a16:creationId xmlns="" xmlns:a16="http://schemas.microsoft.com/office/drawing/2014/main" id="{1E6F3B36-FA1C-4A44-8799-54720A510D55}"/>
+              </a:ext>
+            </a:extLst>
+          </p:cNvPr>
+          <p:cNvSpPr txBox="1">
+            <a:spLocks/>
+          </p:cNvSpPr>
+          <p:nvPr/>
+        </p:nvSpPr>
+        <p:spPr>
+          <a:xfrm>
+            <a:off x="909836" y="476672"/>
+            <a:ext cx="11017224" cy="4679531"/>
+          </a:xfrm>
+          <a:prstGeom prst="rect">
+            <a:avLst/>
+          </a:prstGeom>
+        </p:spPr>
+        <p:txBody>
+          <a:bodyPr numCol="3">
+            <a:normAutofit/>
+          </a:bodyPr>
+          <a:lstStyle>
+            <a:lvl1pPr marL="304747" indent="-304747" algn="l" defTabSz="1218987" rtl="0" eaLnBrk="1" latinLnBrk="0" hangingPunct="1">
+              <a:lnSpc>
+                <a:spcPct val="90000"/>
+              </a:lnSpc>
+              <a:spcBef>
+                <a:spcPts val="1600"/>
+              </a:spcBef>
+              <a:buClr>
+                <a:schemeClr val="accent1"/>
+              </a:buClr>
+              <a:buSzPct val="100000"/>
+              <a:buFont typeface="Arial" pitchFamily="34" charset="0"/>
+              <a:buChar char="•"/>
+              <a:defRPr sz="2800" kern="1200">
+                <a:solidFill>
+                  <a:schemeClr val="tx1"/>
+                </a:solidFill>
+                <a:latin typeface="+mn-lt"/>
+                <a:ea typeface="+mn-ea"/>
+                <a:cs typeface="+mn-cs"/>
+              </a:defRPr>
+            </a:lvl1pPr>
+            <a:lvl2pPr marL="609493" indent="-231607" algn="l" defTabSz="1218987" rtl="0" eaLnBrk="1" latinLnBrk="0" hangingPunct="1">
+              <a:lnSpc>
+                <a:spcPct val="90000"/>
+              </a:lnSpc>
+              <a:spcBef>
+                <a:spcPts val="800"/>
+              </a:spcBef>
+              <a:buClr>
+                <a:schemeClr val="accent1"/>
+              </a:buClr>
+              <a:buSzPct val="80000"/>
+              <a:buFont typeface="Arial" pitchFamily="34" charset="0"/>
+              <a:buChar char="•"/>
+              <a:defRPr sz="2400" kern="1200">
+                <a:solidFill>
+                  <a:schemeClr val="tx1"/>
+                </a:solidFill>
+                <a:latin typeface="+mn-lt"/>
+                <a:ea typeface="+mn-ea"/>
+                <a:cs typeface="+mn-cs"/>
+              </a:defRPr>
+            </a:lvl2pPr>
+            <a:lvl3pPr marL="914240" indent="-231607" algn="l" defTabSz="1218987" rtl="0" eaLnBrk="1" latinLnBrk="0" hangingPunct="1">
+              <a:lnSpc>
+                <a:spcPct val="90000"/>
+              </a:lnSpc>
+              <a:spcBef>
+                <a:spcPts val="800"/>
+              </a:spcBef>
+              <a:buClr>
+                <a:schemeClr val="accent1"/>
+              </a:buClr>
+              <a:buSzPct val="80000"/>
+              <a:buFont typeface="Arial" pitchFamily="34" charset="0"/>
+              <a:buChar char="•"/>
+              <a:defRPr sz="2000" kern="1200">
+                <a:solidFill>
+                  <a:schemeClr val="tx1"/>
+                </a:solidFill>
+                <a:latin typeface="+mn-lt"/>
+                <a:ea typeface="+mn-ea"/>
+                <a:cs typeface="+mn-cs"/>
+              </a:defRPr>
+            </a:lvl3pPr>
+            <a:lvl4pPr marL="1218987" indent="-231607" algn="l" defTabSz="1218987" rtl="0" eaLnBrk="1" latinLnBrk="0" hangingPunct="1">
+              <a:lnSpc>
+                <a:spcPct val="90000"/>
+              </a:lnSpc>
+              <a:spcBef>
+                <a:spcPts val="800"/>
+              </a:spcBef>
+              <a:buClr>
+                <a:schemeClr val="accent1"/>
+              </a:buClr>
+              <a:buSzPct val="80000"/>
+              <a:buFont typeface="Arial" pitchFamily="34" charset="0"/>
+              <a:buChar char="•"/>
+              <a:defRPr sz="2000" kern="1200">
+                <a:solidFill>
+                  <a:schemeClr val="tx1"/>
+                </a:solidFill>
+                <a:latin typeface="+mn-lt"/>
+                <a:ea typeface="+mn-ea"/>
+                <a:cs typeface="+mn-cs"/>
+              </a:defRPr>
+            </a:lvl4pPr>
+            <a:lvl5pPr marL="1523733" indent="-231607" algn="l" defTabSz="1218987" rtl="0" eaLnBrk="1" latinLnBrk="0" hangingPunct="1">
+              <a:lnSpc>
+                <a:spcPct val="90000"/>
+              </a:lnSpc>
+              <a:spcBef>
+                <a:spcPts val="800"/>
+              </a:spcBef>
+              <a:buClr>
+                <a:schemeClr val="accent1"/>
+              </a:buClr>
+              <a:buSzPct val="80000"/>
+              <a:buFont typeface="Arial" pitchFamily="34" charset="0"/>
+              <a:buChar char="•"/>
+              <a:defRPr sz="2000" kern="1200">
+                <a:solidFill>
+                  <a:schemeClr val="tx1"/>
+                </a:solidFill>
+                <a:latin typeface="+mn-lt"/>
+                <a:ea typeface="+mn-ea"/>
+                <a:cs typeface="+mn-cs"/>
+              </a:defRPr>
+            </a:lvl5pPr>
+            <a:lvl6pPr marL="1828480" indent="-231607" algn="l" defTabSz="1218987" rtl="0" eaLnBrk="1" latinLnBrk="0" hangingPunct="1">
+              <a:lnSpc>
+                <a:spcPct val="90000"/>
+              </a:lnSpc>
+              <a:spcBef>
+                <a:spcPts val="800"/>
+              </a:spcBef>
+              <a:buClr>
+                <a:schemeClr val="accent1"/>
+              </a:buClr>
+              <a:buSzPct val="80000"/>
+              <a:buFont typeface="Arial" pitchFamily="34" charset="0"/>
+              <a:buChar char="•"/>
+              <a:defRPr sz="2000" kern="1200">
+                <a:solidFill>
+                  <a:schemeClr val="tx1"/>
+                </a:solidFill>
+                <a:latin typeface="+mn-lt"/>
+                <a:ea typeface="+mn-ea"/>
+                <a:cs typeface="+mn-cs"/>
+              </a:defRPr>
+            </a:lvl6pPr>
+            <a:lvl7pPr marL="2133227" indent="-231607" algn="l" defTabSz="1218987" rtl="0" eaLnBrk="1" latinLnBrk="0" hangingPunct="1">
+              <a:lnSpc>
+                <a:spcPct val="90000"/>
+              </a:lnSpc>
+              <a:spcBef>
+                <a:spcPts val="800"/>
+              </a:spcBef>
+              <a:buClr>
+                <a:schemeClr val="accent1"/>
+              </a:buClr>
+              <a:buSzPct val="80000"/>
+              <a:buFont typeface="Arial" pitchFamily="34" charset="0"/>
+              <a:buChar char="•"/>
+              <a:defRPr sz="2000" kern="1200">
+                <a:solidFill>
+                  <a:schemeClr val="tx1"/>
+                </a:solidFill>
+                <a:latin typeface="+mn-lt"/>
+                <a:ea typeface="+mn-ea"/>
+                <a:cs typeface="+mn-cs"/>
+              </a:defRPr>
+            </a:lvl7pPr>
+            <a:lvl8pPr marL="2437973" indent="-231607" algn="l" defTabSz="1218987" rtl="0" eaLnBrk="1" latinLnBrk="0" hangingPunct="1">
+              <a:lnSpc>
+                <a:spcPct val="90000"/>
+              </a:lnSpc>
+              <a:spcBef>
+                <a:spcPts val="800"/>
+              </a:spcBef>
+              <a:buClr>
+                <a:schemeClr val="accent1"/>
+              </a:buClr>
+              <a:buSzPct val="80000"/>
+              <a:buFont typeface="Arial" pitchFamily="34" charset="0"/>
+              <a:buChar char="•"/>
+              <a:defRPr sz="2000" kern="1200" baseline="0">
+                <a:solidFill>
+                  <a:schemeClr val="tx1"/>
+                </a:solidFill>
+                <a:latin typeface="+mn-lt"/>
+                <a:ea typeface="+mn-ea"/>
+                <a:cs typeface="+mn-cs"/>
+              </a:defRPr>
+            </a:lvl8pPr>
+            <a:lvl9pPr marL="2742720" indent="-231607" algn="l" defTabSz="1218987" rtl="0" eaLnBrk="1" latinLnBrk="0" hangingPunct="1">
+              <a:lnSpc>
+                <a:spcPct val="90000"/>
+              </a:lnSpc>
+              <a:spcBef>
+                <a:spcPts val="800"/>
+              </a:spcBef>
+              <a:buClr>
+                <a:schemeClr val="accent1"/>
+              </a:buClr>
+              <a:buSzPct val="80000"/>
+              <a:buFont typeface="Arial" pitchFamily="34" charset="0"/>
+              <a:buChar char="•"/>
+              <a:defRPr sz="2000" kern="1200" baseline="0">
+                <a:solidFill>
+                  <a:schemeClr val="tx1"/>
+                </a:solidFill>
+                <a:latin typeface="+mn-lt"/>
+                <a:ea typeface="+mn-ea"/>
+                <a:cs typeface="+mn-cs"/>
+              </a:defRPr>
+            </a:lvl9pPr>
+          </a:lstStyle>
+          <a:p>
+            <a:pPr marL="0" indent="0" algn="ctr">
+              <a:buFont typeface="Arial" pitchFamily="34" charset="0"/>
+              <a:buNone/>
+            </a:pPr>
+            <a:r>
+              <a:rPr lang="en-AU" u="sng" dirty="0" smtClean="0"/>
+              <a:t>Team </a:t>
+            </a:r>
+            <a:r>
+              <a:rPr lang="en-AU" u="sng" dirty="0" err="1" smtClean="0"/>
+              <a:t>UnicorNN</a:t>
+            </a:r>
+            <a:endParaRPr lang="en-AU" u="sng" dirty="0" smtClean="0"/>
+          </a:p>
+          <a:p>
+            <a:pPr>
+              <a:buFontTx/>
+              <a:buChar char="-"/>
+            </a:pPr>
+            <a:r>
+              <a:rPr lang="en-AU" dirty="0" smtClean="0"/>
+              <a:t>Sofia Sibanic</a:t>
+            </a:r>
+          </a:p>
+          <a:p>
+            <a:pPr marL="0" indent="0">
+              <a:buNone/>
+            </a:pPr>
+            <a:r>
+              <a:rPr lang="en-AU" sz="2000" dirty="0" smtClean="0"/>
+              <a:t>Electrical Engineer (Western Power) looking to broaden her skillset and apply learnings from fast.ai.</a:t>
+            </a:r>
+          </a:p>
+          <a:p>
+            <a:pPr>
+              <a:buFontTx/>
+              <a:buChar char="-"/>
+            </a:pPr>
+            <a:endParaRPr lang="en-AU" dirty="0"/>
+          </a:p>
+          <a:p>
+            <a:pPr>
+              <a:buFontTx/>
+              <a:buChar char="-"/>
+            </a:pPr>
+            <a:endParaRPr lang="en-AU" dirty="0" smtClean="0"/>
+          </a:p>
+          <a:p>
+            <a:pPr>
+              <a:buFontTx/>
+              <a:buChar char="-"/>
+            </a:pPr>
+            <a:endParaRPr lang="en-AU" dirty="0"/>
+          </a:p>
+          <a:p>
+            <a:pPr>
+              <a:buFontTx/>
+              <a:buChar char="-"/>
+            </a:pPr>
+            <a:endParaRPr lang="en-AU" dirty="0" smtClean="0"/>
+          </a:p>
+          <a:p>
+            <a:pPr>
+              <a:buFontTx/>
+              <a:buChar char="-"/>
+            </a:pPr>
+            <a:r>
+              <a:rPr lang="en-AU" dirty="0" smtClean="0"/>
+              <a:t>Adrian Goldberg</a:t>
+            </a:r>
+          </a:p>
+          <a:p>
+            <a:pPr marL="0" indent="0">
+              <a:buNone/>
+            </a:pPr>
+            <a:r>
+              <a:rPr lang="en-AU" sz="2000" dirty="0" smtClean="0"/>
+              <a:t>Geophysicist (Santos) with &gt;10 years programming and ~2 years deep learning experience.</a:t>
+            </a:r>
+            <a:endParaRPr lang="en-AU" sz="2000" dirty="0"/>
+          </a:p>
+          <a:p>
+            <a:pPr marL="0" indent="0">
+              <a:buNone/>
+            </a:pPr>
+            <a:endParaRPr lang="en-AU" dirty="0"/>
+          </a:p>
+          <a:p>
+            <a:pPr>
+              <a:buFontTx/>
+              <a:buChar char="-"/>
+            </a:pPr>
+            <a:endParaRPr lang="en-AU" dirty="0"/>
+          </a:p>
+          <a:p>
+            <a:pPr>
+              <a:buFontTx/>
+              <a:buChar char="-"/>
+            </a:pPr>
+            <a:endParaRPr lang="en-AU" dirty="0" smtClean="0"/>
+          </a:p>
+          <a:p>
+            <a:pPr>
+              <a:buFontTx/>
+              <a:buChar char="-"/>
+            </a:pPr>
+            <a:endParaRPr lang="en-AU" dirty="0"/>
+          </a:p>
+          <a:p>
+            <a:pPr>
+              <a:buFontTx/>
+              <a:buChar char="-"/>
+            </a:pPr>
+            <a:endParaRPr lang="en-AU" dirty="0" smtClean="0"/>
+          </a:p>
+          <a:p>
+            <a:pPr>
+              <a:buFontTx/>
+              <a:buChar char="-"/>
+            </a:pPr>
+            <a:r>
+              <a:rPr lang="en-AU" dirty="0" smtClean="0"/>
+              <a:t>Jordan Pratt</a:t>
+            </a:r>
+          </a:p>
+          <a:p>
+            <a:pPr marL="0" indent="0">
+              <a:buNone/>
+            </a:pPr>
+            <a:r>
+              <a:rPr lang="en-AU" sz="2000" dirty="0" smtClean="0"/>
+              <a:t>Data Strategy Analyst (Western Power) looking to expand personal skills.</a:t>
+            </a:r>
+            <a:endParaRPr lang="en-AU" sz="2000" dirty="0"/>
+          </a:p>
+          <a:p>
+            <a:pPr marL="0" indent="0">
+              <a:buNone/>
+            </a:pPr>
+            <a:endParaRPr lang="en-AU" dirty="0" smtClean="0"/>
+          </a:p>
+        </p:txBody>
+      </p:sp>
+      <p:pic>
+        <p:nvPicPr>
+          <p:cNvPr id="6" name="Picture 5"/>
+          <p:cNvPicPr>
+            <a:picLocks noChangeAspect="1"/>
+          </p:cNvPicPr>
+          <p:nvPr/>
+        </p:nvPicPr>
+        <p:blipFill>
+          <a:blip r:embed="rId2" cstate="print">
+            <a:extLst>
+              <a:ext uri="{28A0092B-C50C-407E-A947-70E740481C1C}">
+                <a14:useLocalDpi xmlns:a14="http://schemas.microsoft.com/office/drawing/2010/main" val="0"/>
+              </a:ext>
+            </a:extLst>
+          </a:blip>
+          <a:stretch>
+            <a:fillRect/>
+          </a:stretch>
+        </p:blipFill>
+        <p:spPr>
+          <a:xfrm>
+            <a:off x="1053852" y="3180539"/>
+            <a:ext cx="2654605" cy="2474700"/>
+          </a:xfrm>
+          <a:prstGeom prst="rect">
+            <a:avLst/>
+          </a:prstGeom>
+          <a:ln w="38100" cap="sq">
+            <a:solidFill>
+              <a:srgbClr val="000000"/>
+            </a:solidFill>
+            <a:prstDash val="solid"/>
+            <a:miter lim="800000"/>
+          </a:ln>
+          <a:effectLst>
+            <a:outerShdw blurRad="50800" dist="38100" dir="2700000" algn="tl" rotWithShape="0">
+              <a:srgbClr val="000000">
+                <a:alpha val="43000"/>
+              </a:srgbClr>
+            </a:outerShdw>
+          </a:effectLst>
+        </p:spPr>
+      </p:pic>
+      <p:pic>
+        <p:nvPicPr>
+          <p:cNvPr id="2" name="Picture 1"/>
+          <p:cNvPicPr>
+            <a:picLocks noChangeAspect="1"/>
+          </p:cNvPicPr>
+          <p:nvPr/>
+        </p:nvPicPr>
+        <p:blipFill>
+          <a:blip r:embed="rId3">
+            <a:extLst>
+              <a:ext uri="{28A0092B-C50C-407E-A947-70E740481C1C}">
+                <a14:useLocalDpi xmlns:a14="http://schemas.microsoft.com/office/drawing/2010/main" val="0"/>
+              </a:ext>
+            </a:extLst>
+          </a:blip>
+          <a:stretch>
+            <a:fillRect/>
+          </a:stretch>
+        </p:blipFill>
+        <p:spPr>
+          <a:xfrm>
+            <a:off x="8902724" y="3113073"/>
+            <a:ext cx="1841784" cy="2474700"/>
+          </a:xfrm>
+          <a:prstGeom prst="rect">
+            <a:avLst/>
+          </a:prstGeom>
+          <a:ln w="38100" cap="sq">
+            <a:solidFill>
+              <a:srgbClr val="000000"/>
+            </a:solidFill>
+            <a:prstDash val="solid"/>
+            <a:miter lim="800000"/>
+          </a:ln>
+          <a:effectLst>
+            <a:outerShdw blurRad="50800" dist="38100" dir="2700000" algn="tl" rotWithShape="0">
+              <a:srgbClr val="000000">
+                <a:alpha val="43000"/>
+              </a:srgbClr>
+            </a:outerShdw>
+          </a:effectLst>
+        </p:spPr>
+      </p:pic>
+      <p:pic>
+        <p:nvPicPr>
+          <p:cNvPr id="3" name="Picture 2"/>
+          <p:cNvPicPr>
+            <a:picLocks noChangeAspect="1"/>
+          </p:cNvPicPr>
+          <p:nvPr/>
+        </p:nvPicPr>
+        <p:blipFill>
+          <a:blip r:embed="rId4" cstate="print">
+            <a:extLst>
+              <a:ext uri="{28A0092B-C50C-407E-A947-70E740481C1C}">
+                <a14:useLocalDpi xmlns:a14="http://schemas.microsoft.com/office/drawing/2010/main" val="0"/>
+              </a:ext>
+            </a:extLst>
+          </a:blip>
+          <a:stretch>
+            <a:fillRect/>
+          </a:stretch>
+        </p:blipFill>
+        <p:spPr>
+          <a:xfrm>
+            <a:off x="4654252" y="2816437"/>
+            <a:ext cx="2791837" cy="3202905"/>
+          </a:xfrm>
+          <a:prstGeom prst="rect">
+            <a:avLst/>
+          </a:prstGeom>
+          <a:ln w="38100" cap="sq">
+            <a:solidFill>
+              <a:srgbClr val="000000"/>
+            </a:solidFill>
+            <a:prstDash val="solid"/>
+            <a:miter lim="800000"/>
+          </a:ln>
+          <a:effectLst>
+            <a:outerShdw blurRad="50800" dist="38100" dir="2700000" algn="tl" rotWithShape="0">
+              <a:srgbClr val="000000">
+                <a:alpha val="43000"/>
+              </a:srgbClr>
+            </a:outerShdw>
+          </a:effectLst>
+        </p:spPr>
+      </p:pic>
+    </p:spTree>
+    <p:extLst>
+      <p:ext uri="{BB962C8B-B14F-4D97-AF65-F5344CB8AC3E}">
+        <p14:creationId xmlns:p14="http://schemas.microsoft.com/office/powerpoint/2010/main" val="1452478766"/>
+      </p:ext>
+    </p:extLst>
+  </p:cSld>
+  <p:clrMapOvr>
+    <a:masterClrMapping/>
+  </p:clrMapOvr>
+  <mc:AlternateContent xmlns:mc="http://schemas.openxmlformats.org/markup-compatibility/2006" xmlns:p14="http://schemas.microsoft.com/office/powerpoint/2010/main">
+    <mc:Choice Requires="p14">
+      <p:transition spd="med" p14:dur="700">
+        <p:fade/>
+      </p:transition>
+    </mc:Choice>
+    <mc:Fallback xmlns="">
+      <p:transition spd="med">
+        <p:fade/>
+      </p:transition>
+    </mc:Fallback>
+  </mc:AlternateContent>
+  <p:timing>
+    <p:tnLst>
+      <p:par>
+        <p:cTn id="1" dur="indefinite" restart="never" nodeType="tmRoot"/>
+      </p:par>
+    </p:tnLst>
+  </p:timing>
+</p:sld>
+</file>
+
+<file path=ppt/slides/slide20.xml><?xml version="1.0" encoding="utf-8"?>
 <p:sld xmlns:a="http://schemas.openxmlformats.org/drawingml/2006/main" xmlns:r="http://schemas.openxmlformats.org/officeDocument/2006/relationships" xmlns:p="http://schemas.openxmlformats.org/presentationml/2006/main">
   <p:cSld>
     <p:spTree>
@@ -12189,7 +13121,7 @@
           <p:cNvPr id="2" name="Title 1">
             <a:extLst>
               <a:ext uri="{FF2B5EF4-FFF2-40B4-BE49-F238E27FC236}">
-                <a16:creationId xmlns:a16="http://schemas.microsoft.com/office/drawing/2014/main" xmlns="" id="{118CBBA9-49D2-4262-9114-D0D47E7D522A}"/>
+                <a16:creationId xmlns="" xmlns:a16="http://schemas.microsoft.com/office/drawing/2014/main" id="{118CBBA9-49D2-4262-9114-D0D47E7D522A}"/>
               </a:ext>
             </a:extLst>
           </p:cNvPr>
@@ -12217,7 +13149,7 @@
           <p:cNvPr id="3" name="Content Placeholder 2">
             <a:extLst>
               <a:ext uri="{FF2B5EF4-FFF2-40B4-BE49-F238E27FC236}">
-                <a16:creationId xmlns:a16="http://schemas.microsoft.com/office/drawing/2014/main" xmlns="" id="{1E6F3B36-FA1C-4A44-8799-54720A510D55}"/>
+                <a16:creationId xmlns="" xmlns:a16="http://schemas.microsoft.com/office/drawing/2014/main" id="{1E6F3B36-FA1C-4A44-8799-54720A510D55}"/>
               </a:ext>
             </a:extLst>
           </p:cNvPr>
@@ -12282,7 +13214,7 @@
           <p:cNvPr id="4" name="Table 3">
             <a:extLst>
               <a:ext uri="{FF2B5EF4-FFF2-40B4-BE49-F238E27FC236}">
-                <a16:creationId xmlns:a16="http://schemas.microsoft.com/office/drawing/2014/main" xmlns="" id="{2EDD53C5-AD65-447D-BE6E-F714AFA3AE1B}"/>
+                <a16:creationId xmlns="" xmlns:a16="http://schemas.microsoft.com/office/drawing/2014/main" id="{2EDD53C5-AD65-447D-BE6E-F714AFA3AE1B}"/>
               </a:ext>
             </a:extLst>
           </p:cNvPr>
@@ -12311,21 +13243,21 @@
                 <a:gridCol w="3335657">
                   <a:extLst>
                     <a:ext uri="{9D8B030D-6E8A-4147-A177-3AD203B41FA5}">
-                      <a16:colId xmlns:a16="http://schemas.microsoft.com/office/drawing/2014/main" xmlns="" val="1736827546"/>
+                      <a16:colId xmlns="" xmlns:a16="http://schemas.microsoft.com/office/drawing/2014/main" val="1736827546"/>
                     </a:ext>
                   </a:extLst>
                 </a:gridCol>
                 <a:gridCol w="3336728">
                   <a:extLst>
                     <a:ext uri="{9D8B030D-6E8A-4147-A177-3AD203B41FA5}">
-                      <a16:colId xmlns:a16="http://schemas.microsoft.com/office/drawing/2014/main" xmlns="" val="1009339973"/>
+                      <a16:colId xmlns="" xmlns:a16="http://schemas.microsoft.com/office/drawing/2014/main" val="1009339973"/>
                     </a:ext>
                   </a:extLst>
                 </a:gridCol>
                 <a:gridCol w="3336728">
                   <a:extLst>
                     <a:ext uri="{9D8B030D-6E8A-4147-A177-3AD203B41FA5}">
-                      <a16:colId xmlns:a16="http://schemas.microsoft.com/office/drawing/2014/main" xmlns="" val="3962187885"/>
+                      <a16:colId xmlns="" xmlns:a16="http://schemas.microsoft.com/office/drawing/2014/main" val="3962187885"/>
                     </a:ext>
                   </a:extLst>
                 </a:gridCol>
@@ -12438,7 +13370,7 @@
                 </a:tc>
                 <a:extLst>
                   <a:ext uri="{0D108BD9-81ED-4DB2-BD59-A6C34878D82A}">
-                    <a16:rowId xmlns:a16="http://schemas.microsoft.com/office/drawing/2014/main" xmlns="" val="2209689491"/>
+                    <a16:rowId xmlns="" xmlns:a16="http://schemas.microsoft.com/office/drawing/2014/main" val="2209689491"/>
                   </a:ext>
                 </a:extLst>
               </a:tr>
@@ -12550,7 +13482,7 @@
                 </a:tc>
                 <a:extLst>
                   <a:ext uri="{0D108BD9-81ED-4DB2-BD59-A6C34878D82A}">
-                    <a16:rowId xmlns:a16="http://schemas.microsoft.com/office/drawing/2014/main" xmlns="" val="2597814589"/>
+                    <a16:rowId xmlns="" xmlns:a16="http://schemas.microsoft.com/office/drawing/2014/main" val="2597814589"/>
                   </a:ext>
                 </a:extLst>
               </a:tr>
@@ -12662,7 +13594,7 @@
                 </a:tc>
                 <a:extLst>
                   <a:ext uri="{0D108BD9-81ED-4DB2-BD59-A6C34878D82A}">
-                    <a16:rowId xmlns:a16="http://schemas.microsoft.com/office/drawing/2014/main" xmlns="" val="3437676480"/>
+                    <a16:rowId xmlns="" xmlns:a16="http://schemas.microsoft.com/office/drawing/2014/main" val="3437676480"/>
                   </a:ext>
                 </a:extLst>
               </a:tr>
@@ -12774,7 +13706,7 @@
                 </a:tc>
                 <a:extLst>
                   <a:ext uri="{0D108BD9-81ED-4DB2-BD59-A6C34878D82A}">
-                    <a16:rowId xmlns:a16="http://schemas.microsoft.com/office/drawing/2014/main" xmlns="" val="3450028378"/>
+                    <a16:rowId xmlns="" xmlns:a16="http://schemas.microsoft.com/office/drawing/2014/main" val="3450028378"/>
                   </a:ext>
                 </a:extLst>
               </a:tr>
@@ -12886,7 +13818,7 @@
                 </a:tc>
                 <a:extLst>
                   <a:ext uri="{0D108BD9-81ED-4DB2-BD59-A6C34878D82A}">
-                    <a16:rowId xmlns:a16="http://schemas.microsoft.com/office/drawing/2014/main" xmlns="" val="3281310877"/>
+                    <a16:rowId xmlns="" xmlns:a16="http://schemas.microsoft.com/office/drawing/2014/main" val="3281310877"/>
                   </a:ext>
                 </a:extLst>
               </a:tr>
@@ -12899,7 +13831,7 @@
           <p:cNvPr id="6" name="Content Placeholder 2">
             <a:extLst>
               <a:ext uri="{FF2B5EF4-FFF2-40B4-BE49-F238E27FC236}">
-                <a16:creationId xmlns:a16="http://schemas.microsoft.com/office/drawing/2014/main" xmlns="" id="{5965ECAC-6F10-47C5-A3A2-05D9E4E91D5E}"/>
+                <a16:creationId xmlns="" xmlns:a16="http://schemas.microsoft.com/office/drawing/2014/main" id="{5965ECAC-6F10-47C5-A3A2-05D9E4E91D5E}"/>
               </a:ext>
             </a:extLst>
           </p:cNvPr>
@@ -13125,15 +14057,13 @@
             <a:pPr lvl="1"/>
             <a:r>
               <a:rPr lang="en-AU" dirty="0"/>
-              <a:t>The provided data is binary (PV, Non-PV)</a:t>
-            </a:r>
-          </a:p>
-          <a:p>
-            <a:pPr lvl="1"/>
-            <a:r>
-              <a:rPr lang="en-AU" dirty="0"/>
-              <a:t>Binary data limits the model to a sigmoid final model layer</a:t>
-            </a:r>
+              <a:t>The provided data is binary (PV, Non-PV</a:t>
+            </a:r>
+            <a:r>
+              <a:rPr lang="en-AU" dirty="0" smtClean="0"/>
+              <a:t>)</a:t>
+            </a:r>
+            <a:endParaRPr lang="en-AU" dirty="0"/>
           </a:p>
         </p:txBody>
       </p:sp>
@@ -13169,7 +14099,7 @@
 </p:sld>
 </file>
 
-<file path=ppt/slides/slide19.xml><?xml version="1.0" encoding="utf-8"?>
+<file path=ppt/slides/slide21.xml><?xml version="1.0" encoding="utf-8"?>
 <p:sld xmlns:a="http://schemas.openxmlformats.org/drawingml/2006/main" xmlns:r="http://schemas.openxmlformats.org/officeDocument/2006/relationships" xmlns:p="http://schemas.openxmlformats.org/presentationml/2006/main">
   <p:cSld>
     <p:spTree>
@@ -13191,7 +14121,7 @@
           <p:cNvPr id="2" name="Title 1">
             <a:extLst>
               <a:ext uri="{FF2B5EF4-FFF2-40B4-BE49-F238E27FC236}">
-                <a16:creationId xmlns:a16="http://schemas.microsoft.com/office/drawing/2014/main" xmlns="" id="{118CBBA9-49D2-4262-9114-D0D47E7D522A}"/>
+                <a16:creationId xmlns="" xmlns:a16="http://schemas.microsoft.com/office/drawing/2014/main" id="{118CBBA9-49D2-4262-9114-D0D47E7D522A}"/>
               </a:ext>
             </a:extLst>
           </p:cNvPr>
@@ -13219,7 +14149,7 @@
           <p:cNvPr id="3" name="Content Placeholder 2">
             <a:extLst>
               <a:ext uri="{FF2B5EF4-FFF2-40B4-BE49-F238E27FC236}">
-                <a16:creationId xmlns:a16="http://schemas.microsoft.com/office/drawing/2014/main" xmlns="" id="{1E6F3B36-FA1C-4A44-8799-54720A510D55}"/>
+                <a16:creationId xmlns="" xmlns:a16="http://schemas.microsoft.com/office/drawing/2014/main" id="{1E6F3B36-FA1C-4A44-8799-54720A510D55}"/>
               </a:ext>
             </a:extLst>
           </p:cNvPr>
@@ -13281,7 +14211,7 @@
           <p:cNvPr id="4" name="Table 3">
             <a:extLst>
               <a:ext uri="{FF2B5EF4-FFF2-40B4-BE49-F238E27FC236}">
-                <a16:creationId xmlns:a16="http://schemas.microsoft.com/office/drawing/2014/main" xmlns="" id="{2EDD53C5-AD65-447D-BE6E-F714AFA3AE1B}"/>
+                <a16:creationId xmlns="" xmlns:a16="http://schemas.microsoft.com/office/drawing/2014/main" id="{2EDD53C5-AD65-447D-BE6E-F714AFA3AE1B}"/>
               </a:ext>
             </a:extLst>
           </p:cNvPr>
@@ -13310,21 +14240,21 @@
                 <a:gridCol w="3335657">
                   <a:extLst>
                     <a:ext uri="{9D8B030D-6E8A-4147-A177-3AD203B41FA5}">
-                      <a16:colId xmlns:a16="http://schemas.microsoft.com/office/drawing/2014/main" xmlns="" val="1736827546"/>
+                      <a16:colId xmlns="" xmlns:a16="http://schemas.microsoft.com/office/drawing/2014/main" val="1736827546"/>
                     </a:ext>
                   </a:extLst>
                 </a:gridCol>
                 <a:gridCol w="3336728">
                   <a:extLst>
                     <a:ext uri="{9D8B030D-6E8A-4147-A177-3AD203B41FA5}">
-                      <a16:colId xmlns:a16="http://schemas.microsoft.com/office/drawing/2014/main" xmlns="" val="1009339973"/>
+                      <a16:colId xmlns="" xmlns:a16="http://schemas.microsoft.com/office/drawing/2014/main" val="1009339973"/>
                     </a:ext>
                   </a:extLst>
                 </a:gridCol>
                 <a:gridCol w="3336728">
                   <a:extLst>
                     <a:ext uri="{9D8B030D-6E8A-4147-A177-3AD203B41FA5}">
-                      <a16:colId xmlns:a16="http://schemas.microsoft.com/office/drawing/2014/main" xmlns="" val="3962187885"/>
+                      <a16:colId xmlns="" xmlns:a16="http://schemas.microsoft.com/office/drawing/2014/main" val="3962187885"/>
                     </a:ext>
                   </a:extLst>
                 </a:gridCol>
@@ -13428,7 +14358,7 @@
                 </a:tc>
                 <a:extLst>
                   <a:ext uri="{0D108BD9-81ED-4DB2-BD59-A6C34878D82A}">
-                    <a16:rowId xmlns:a16="http://schemas.microsoft.com/office/drawing/2014/main" xmlns="" val="2209689491"/>
+                    <a16:rowId xmlns="" xmlns:a16="http://schemas.microsoft.com/office/drawing/2014/main" val="2209689491"/>
                   </a:ext>
                 </a:extLst>
               </a:tr>
@@ -13558,7 +14488,7 @@
                 </a:tc>
                 <a:extLst>
                   <a:ext uri="{0D108BD9-81ED-4DB2-BD59-A6C34878D82A}">
-                    <a16:rowId xmlns:a16="http://schemas.microsoft.com/office/drawing/2014/main" xmlns="" val="2597814589"/>
+                    <a16:rowId xmlns="" xmlns:a16="http://schemas.microsoft.com/office/drawing/2014/main" val="2597814589"/>
                   </a:ext>
                 </a:extLst>
               </a:tr>
@@ -13598,559 +14528,7 @@
 </p:sld>
 </file>
 
-<file path=ppt/slides/slide2.xml><?xml version="1.0" encoding="utf-8"?>
-<p:sld xmlns:a="http://schemas.openxmlformats.org/drawingml/2006/main" xmlns:r="http://schemas.openxmlformats.org/officeDocument/2006/relationships" xmlns:p="http://schemas.openxmlformats.org/presentationml/2006/main">
-  <p:cSld>
-    <p:spTree>
-      <p:nvGrpSpPr>
-        <p:cNvPr id="1" name=""/>
-        <p:cNvGrpSpPr/>
-        <p:nvPr/>
-      </p:nvGrpSpPr>
-      <p:grpSpPr>
-        <a:xfrm>
-          <a:off x="0" y="0"/>
-          <a:ext cx="0" cy="0"/>
-          <a:chOff x="0" y="0"/>
-          <a:chExt cx="0" cy="0"/>
-        </a:xfrm>
-      </p:grpSpPr>
-      <p:sp>
-        <p:nvSpPr>
-          <p:cNvPr id="4" name="Content Placeholder 2">
-            <a:extLst>
-              <a:ext uri="{FF2B5EF4-FFF2-40B4-BE49-F238E27FC236}">
-                <a16:creationId xmlns:a16="http://schemas.microsoft.com/office/drawing/2014/main" xmlns="" id="{1E6F3B36-FA1C-4A44-8799-54720A510D55}"/>
-              </a:ext>
-            </a:extLst>
-          </p:cNvPr>
-          <p:cNvSpPr txBox="1">
-            <a:spLocks/>
-          </p:cNvSpPr>
-          <p:nvPr/>
-        </p:nvSpPr>
-        <p:spPr>
-          <a:xfrm>
-            <a:off x="909836" y="476672"/>
-            <a:ext cx="11017224" cy="4679531"/>
-          </a:xfrm>
-          <a:prstGeom prst="rect">
-            <a:avLst/>
-          </a:prstGeom>
-        </p:spPr>
-        <p:txBody>
-          <a:bodyPr numCol="3">
-            <a:normAutofit/>
-          </a:bodyPr>
-          <a:lstStyle>
-            <a:lvl1pPr marL="304747" indent="-304747" algn="l" defTabSz="1218987" rtl="0" eaLnBrk="1" latinLnBrk="0" hangingPunct="1">
-              <a:lnSpc>
-                <a:spcPct val="90000"/>
-              </a:lnSpc>
-              <a:spcBef>
-                <a:spcPts val="1600"/>
-              </a:spcBef>
-              <a:buClr>
-                <a:schemeClr val="accent1"/>
-              </a:buClr>
-              <a:buSzPct val="100000"/>
-              <a:buFont typeface="Arial" pitchFamily="34" charset="0"/>
-              <a:buChar char="•"/>
-              <a:defRPr sz="2800" kern="1200">
-                <a:solidFill>
-                  <a:schemeClr val="tx1"/>
-                </a:solidFill>
-                <a:latin typeface="+mn-lt"/>
-                <a:ea typeface="+mn-ea"/>
-                <a:cs typeface="+mn-cs"/>
-              </a:defRPr>
-            </a:lvl1pPr>
-            <a:lvl2pPr marL="609493" indent="-231607" algn="l" defTabSz="1218987" rtl="0" eaLnBrk="1" latinLnBrk="0" hangingPunct="1">
-              <a:lnSpc>
-                <a:spcPct val="90000"/>
-              </a:lnSpc>
-              <a:spcBef>
-                <a:spcPts val="800"/>
-              </a:spcBef>
-              <a:buClr>
-                <a:schemeClr val="accent1"/>
-              </a:buClr>
-              <a:buSzPct val="80000"/>
-              <a:buFont typeface="Arial" pitchFamily="34" charset="0"/>
-              <a:buChar char="•"/>
-              <a:defRPr sz="2400" kern="1200">
-                <a:solidFill>
-                  <a:schemeClr val="tx1"/>
-                </a:solidFill>
-                <a:latin typeface="+mn-lt"/>
-                <a:ea typeface="+mn-ea"/>
-                <a:cs typeface="+mn-cs"/>
-              </a:defRPr>
-            </a:lvl2pPr>
-            <a:lvl3pPr marL="914240" indent="-231607" algn="l" defTabSz="1218987" rtl="0" eaLnBrk="1" latinLnBrk="0" hangingPunct="1">
-              <a:lnSpc>
-                <a:spcPct val="90000"/>
-              </a:lnSpc>
-              <a:spcBef>
-                <a:spcPts val="800"/>
-              </a:spcBef>
-              <a:buClr>
-                <a:schemeClr val="accent1"/>
-              </a:buClr>
-              <a:buSzPct val="80000"/>
-              <a:buFont typeface="Arial" pitchFamily="34" charset="0"/>
-              <a:buChar char="•"/>
-              <a:defRPr sz="2000" kern="1200">
-                <a:solidFill>
-                  <a:schemeClr val="tx1"/>
-                </a:solidFill>
-                <a:latin typeface="+mn-lt"/>
-                <a:ea typeface="+mn-ea"/>
-                <a:cs typeface="+mn-cs"/>
-              </a:defRPr>
-            </a:lvl3pPr>
-            <a:lvl4pPr marL="1218987" indent="-231607" algn="l" defTabSz="1218987" rtl="0" eaLnBrk="1" latinLnBrk="0" hangingPunct="1">
-              <a:lnSpc>
-                <a:spcPct val="90000"/>
-              </a:lnSpc>
-              <a:spcBef>
-                <a:spcPts val="800"/>
-              </a:spcBef>
-              <a:buClr>
-                <a:schemeClr val="accent1"/>
-              </a:buClr>
-              <a:buSzPct val="80000"/>
-              <a:buFont typeface="Arial" pitchFamily="34" charset="0"/>
-              <a:buChar char="•"/>
-              <a:defRPr sz="2000" kern="1200">
-                <a:solidFill>
-                  <a:schemeClr val="tx1"/>
-                </a:solidFill>
-                <a:latin typeface="+mn-lt"/>
-                <a:ea typeface="+mn-ea"/>
-                <a:cs typeface="+mn-cs"/>
-              </a:defRPr>
-            </a:lvl4pPr>
-            <a:lvl5pPr marL="1523733" indent="-231607" algn="l" defTabSz="1218987" rtl="0" eaLnBrk="1" latinLnBrk="0" hangingPunct="1">
-              <a:lnSpc>
-                <a:spcPct val="90000"/>
-              </a:lnSpc>
-              <a:spcBef>
-                <a:spcPts val="800"/>
-              </a:spcBef>
-              <a:buClr>
-                <a:schemeClr val="accent1"/>
-              </a:buClr>
-              <a:buSzPct val="80000"/>
-              <a:buFont typeface="Arial" pitchFamily="34" charset="0"/>
-              <a:buChar char="•"/>
-              <a:defRPr sz="2000" kern="1200">
-                <a:solidFill>
-                  <a:schemeClr val="tx1"/>
-                </a:solidFill>
-                <a:latin typeface="+mn-lt"/>
-                <a:ea typeface="+mn-ea"/>
-                <a:cs typeface="+mn-cs"/>
-              </a:defRPr>
-            </a:lvl5pPr>
-            <a:lvl6pPr marL="1828480" indent="-231607" algn="l" defTabSz="1218987" rtl="0" eaLnBrk="1" latinLnBrk="0" hangingPunct="1">
-              <a:lnSpc>
-                <a:spcPct val="90000"/>
-              </a:lnSpc>
-              <a:spcBef>
-                <a:spcPts val="800"/>
-              </a:spcBef>
-              <a:buClr>
-                <a:schemeClr val="accent1"/>
-              </a:buClr>
-              <a:buSzPct val="80000"/>
-              <a:buFont typeface="Arial" pitchFamily="34" charset="0"/>
-              <a:buChar char="•"/>
-              <a:defRPr sz="2000" kern="1200">
-                <a:solidFill>
-                  <a:schemeClr val="tx1"/>
-                </a:solidFill>
-                <a:latin typeface="+mn-lt"/>
-                <a:ea typeface="+mn-ea"/>
-                <a:cs typeface="+mn-cs"/>
-              </a:defRPr>
-            </a:lvl6pPr>
-            <a:lvl7pPr marL="2133227" indent="-231607" algn="l" defTabSz="1218987" rtl="0" eaLnBrk="1" latinLnBrk="0" hangingPunct="1">
-              <a:lnSpc>
-                <a:spcPct val="90000"/>
-              </a:lnSpc>
-              <a:spcBef>
-                <a:spcPts val="800"/>
-              </a:spcBef>
-              <a:buClr>
-                <a:schemeClr val="accent1"/>
-              </a:buClr>
-              <a:buSzPct val="80000"/>
-              <a:buFont typeface="Arial" pitchFamily="34" charset="0"/>
-              <a:buChar char="•"/>
-              <a:defRPr sz="2000" kern="1200">
-                <a:solidFill>
-                  <a:schemeClr val="tx1"/>
-                </a:solidFill>
-                <a:latin typeface="+mn-lt"/>
-                <a:ea typeface="+mn-ea"/>
-                <a:cs typeface="+mn-cs"/>
-              </a:defRPr>
-            </a:lvl7pPr>
-            <a:lvl8pPr marL="2437973" indent="-231607" algn="l" defTabSz="1218987" rtl="0" eaLnBrk="1" latinLnBrk="0" hangingPunct="1">
-              <a:lnSpc>
-                <a:spcPct val="90000"/>
-              </a:lnSpc>
-              <a:spcBef>
-                <a:spcPts val="800"/>
-              </a:spcBef>
-              <a:buClr>
-                <a:schemeClr val="accent1"/>
-              </a:buClr>
-              <a:buSzPct val="80000"/>
-              <a:buFont typeface="Arial" pitchFamily="34" charset="0"/>
-              <a:buChar char="•"/>
-              <a:defRPr sz="2000" kern="1200" baseline="0">
-                <a:solidFill>
-                  <a:schemeClr val="tx1"/>
-                </a:solidFill>
-                <a:latin typeface="+mn-lt"/>
-                <a:ea typeface="+mn-ea"/>
-                <a:cs typeface="+mn-cs"/>
-              </a:defRPr>
-            </a:lvl8pPr>
-            <a:lvl9pPr marL="2742720" indent="-231607" algn="l" defTabSz="1218987" rtl="0" eaLnBrk="1" latinLnBrk="0" hangingPunct="1">
-              <a:lnSpc>
-                <a:spcPct val="90000"/>
-              </a:lnSpc>
-              <a:spcBef>
-                <a:spcPts val="800"/>
-              </a:spcBef>
-              <a:buClr>
-                <a:schemeClr val="accent1"/>
-              </a:buClr>
-              <a:buSzPct val="80000"/>
-              <a:buFont typeface="Arial" pitchFamily="34" charset="0"/>
-              <a:buChar char="•"/>
-              <a:defRPr sz="2000" kern="1200" baseline="0">
-                <a:solidFill>
-                  <a:schemeClr val="tx1"/>
-                </a:solidFill>
-                <a:latin typeface="+mn-lt"/>
-                <a:ea typeface="+mn-ea"/>
-                <a:cs typeface="+mn-cs"/>
-              </a:defRPr>
-            </a:lvl9pPr>
-          </a:lstStyle>
-          <a:p>
-            <a:pPr marL="0" indent="0" algn="ctr">
-              <a:buFont typeface="Arial" pitchFamily="34" charset="0"/>
-              <a:buNone/>
-            </a:pPr>
-            <a:r>
-              <a:rPr lang="en-AU" u="sng" dirty="0" smtClean="0"/>
-              <a:t>Team </a:t>
-            </a:r>
-            <a:r>
-              <a:rPr lang="en-AU" u="sng" dirty="0" err="1" smtClean="0"/>
-              <a:t>UnicorNN</a:t>
-            </a:r>
-            <a:endParaRPr lang="en-AU" u="sng" dirty="0" smtClean="0"/>
-          </a:p>
-          <a:p>
-            <a:pPr>
-              <a:buFontTx/>
-              <a:buChar char="-"/>
-            </a:pPr>
-            <a:r>
-              <a:rPr lang="en-AU" dirty="0" smtClean="0"/>
-              <a:t>Sofia Sibanic</a:t>
-            </a:r>
-          </a:p>
-          <a:p>
-            <a:pPr marL="0" indent="0">
-              <a:buNone/>
-            </a:pPr>
-            <a:r>
-              <a:rPr lang="en-AU" sz="2000" dirty="0" smtClean="0"/>
-              <a:t>Electrical Engineer (Western Power) looking to broaden her skillset and apply learnings from fast.ai.</a:t>
-            </a:r>
-          </a:p>
-          <a:p>
-            <a:pPr>
-              <a:buFontTx/>
-              <a:buChar char="-"/>
-            </a:pPr>
-            <a:endParaRPr lang="en-AU" dirty="0"/>
-          </a:p>
-          <a:p>
-            <a:pPr>
-              <a:buFontTx/>
-              <a:buChar char="-"/>
-            </a:pPr>
-            <a:endParaRPr lang="en-AU" dirty="0" smtClean="0"/>
-          </a:p>
-          <a:p>
-            <a:pPr>
-              <a:buFontTx/>
-              <a:buChar char="-"/>
-            </a:pPr>
-            <a:endParaRPr lang="en-AU" dirty="0"/>
-          </a:p>
-          <a:p>
-            <a:pPr>
-              <a:buFontTx/>
-              <a:buChar char="-"/>
-            </a:pPr>
-            <a:endParaRPr lang="en-AU" dirty="0" smtClean="0"/>
-          </a:p>
-          <a:p>
-            <a:pPr>
-              <a:buFontTx/>
-              <a:buChar char="-"/>
-            </a:pPr>
-            <a:r>
-              <a:rPr lang="en-AU" dirty="0" smtClean="0"/>
-              <a:t>Adrian Goldberg</a:t>
-            </a:r>
-          </a:p>
-          <a:p>
-            <a:pPr marL="0" indent="0">
-              <a:buNone/>
-            </a:pPr>
-            <a:r>
-              <a:rPr lang="en-AU" sz="2000" dirty="0" smtClean="0"/>
-              <a:t>Geophysicist (Santos) with &gt;10 years programming and ~2 years deep learning experience.</a:t>
-            </a:r>
-            <a:endParaRPr lang="en-AU" sz="2000" dirty="0"/>
-          </a:p>
-          <a:p>
-            <a:pPr marL="0" indent="0">
-              <a:buNone/>
-            </a:pPr>
-            <a:endParaRPr lang="en-AU" dirty="0"/>
-          </a:p>
-          <a:p>
-            <a:pPr>
-              <a:buFontTx/>
-              <a:buChar char="-"/>
-            </a:pPr>
-            <a:endParaRPr lang="en-AU" dirty="0"/>
-          </a:p>
-          <a:p>
-            <a:pPr>
-              <a:buFontTx/>
-              <a:buChar char="-"/>
-            </a:pPr>
-            <a:endParaRPr lang="en-AU" dirty="0" smtClean="0"/>
-          </a:p>
-          <a:p>
-            <a:pPr>
-              <a:buFontTx/>
-              <a:buChar char="-"/>
-            </a:pPr>
-            <a:endParaRPr lang="en-AU" dirty="0"/>
-          </a:p>
-          <a:p>
-            <a:pPr>
-              <a:buFontTx/>
-              <a:buChar char="-"/>
-            </a:pPr>
-            <a:endParaRPr lang="en-AU" dirty="0" smtClean="0"/>
-          </a:p>
-          <a:p>
-            <a:pPr>
-              <a:buFontTx/>
-              <a:buChar char="-"/>
-            </a:pPr>
-            <a:r>
-              <a:rPr lang="en-AU" dirty="0" smtClean="0"/>
-              <a:t>Jordan Pratt</a:t>
-            </a:r>
-          </a:p>
-          <a:p>
-            <a:pPr marL="0" indent="0">
-              <a:buNone/>
-            </a:pPr>
-            <a:r>
-              <a:rPr lang="en-AU" sz="2000" dirty="0" smtClean="0"/>
-              <a:t>Data Strategy Analyst (Western Power) looking to expand personal skills.</a:t>
-            </a:r>
-            <a:endParaRPr lang="en-AU" sz="2000" dirty="0"/>
-          </a:p>
-          <a:p>
-            <a:pPr marL="0" indent="0">
-              <a:buNone/>
-            </a:pPr>
-            <a:endParaRPr lang="en-AU" dirty="0" smtClean="0"/>
-          </a:p>
-        </p:txBody>
-      </p:sp>
-      <p:pic>
-        <p:nvPicPr>
-          <p:cNvPr id="6" name="Picture 5"/>
-          <p:cNvPicPr>
-            <a:picLocks noChangeAspect="1"/>
-          </p:cNvPicPr>
-          <p:nvPr/>
-        </p:nvPicPr>
-        <p:blipFill>
-          <a:blip r:embed="rId2" cstate="print">
-            <a:extLst>
-              <a:ext uri="{28A0092B-C50C-407E-A947-70E740481C1C}">
-                <a14:useLocalDpi xmlns:a14="http://schemas.microsoft.com/office/drawing/2010/main" val="0"/>
-              </a:ext>
-            </a:extLst>
-          </a:blip>
-          <a:stretch>
-            <a:fillRect/>
-          </a:stretch>
-        </p:blipFill>
-        <p:spPr>
-          <a:xfrm>
-            <a:off x="1053852" y="3180539"/>
-            <a:ext cx="2654605" cy="2474700"/>
-          </a:xfrm>
-          <a:prstGeom prst="rect">
-            <a:avLst/>
-          </a:prstGeom>
-          <a:ln w="38100" cap="sq">
-            <a:solidFill>
-              <a:srgbClr val="000000"/>
-            </a:solidFill>
-            <a:prstDash val="solid"/>
-            <a:miter lim="800000"/>
-          </a:ln>
-          <a:effectLst>
-            <a:outerShdw blurRad="50800" dist="38100" dir="2700000" algn="tl" rotWithShape="0">
-              <a:srgbClr val="000000">
-                <a:alpha val="43000"/>
-              </a:srgbClr>
-            </a:outerShdw>
-          </a:effectLst>
-        </p:spPr>
-      </p:pic>
-      <p:pic>
-        <p:nvPicPr>
-          <p:cNvPr id="2" name="Picture 1"/>
-          <p:cNvPicPr>
-            <a:picLocks noChangeAspect="1"/>
-          </p:cNvPicPr>
-          <p:nvPr/>
-        </p:nvPicPr>
-        <p:blipFill>
-          <a:blip r:embed="rId3">
-            <a:extLst>
-              <a:ext uri="{28A0092B-C50C-407E-A947-70E740481C1C}">
-                <a14:useLocalDpi xmlns:a14="http://schemas.microsoft.com/office/drawing/2010/main" val="0"/>
-              </a:ext>
-            </a:extLst>
-          </a:blip>
-          <a:stretch>
-            <a:fillRect/>
-          </a:stretch>
-        </p:blipFill>
-        <p:spPr>
-          <a:xfrm>
-            <a:off x="8902724" y="3113073"/>
-            <a:ext cx="1841784" cy="2474700"/>
-          </a:xfrm>
-          <a:prstGeom prst="rect">
-            <a:avLst/>
-          </a:prstGeom>
-          <a:ln w="38100" cap="sq">
-            <a:solidFill>
-              <a:srgbClr val="000000"/>
-            </a:solidFill>
-            <a:prstDash val="solid"/>
-            <a:miter lim="800000"/>
-          </a:ln>
-          <a:effectLst>
-            <a:outerShdw blurRad="50800" dist="38100" dir="2700000" algn="tl" rotWithShape="0">
-              <a:srgbClr val="000000">
-                <a:alpha val="43000"/>
-              </a:srgbClr>
-            </a:outerShdw>
-          </a:effectLst>
-        </p:spPr>
-      </p:pic>
-      <p:pic>
-        <p:nvPicPr>
-          <p:cNvPr id="3" name="Picture 2"/>
-          <p:cNvPicPr>
-            <a:picLocks noChangeAspect="1"/>
-          </p:cNvPicPr>
-          <p:nvPr/>
-        </p:nvPicPr>
-        <p:blipFill>
-          <a:blip r:embed="rId4" cstate="print">
-            <a:extLst>
-              <a:ext uri="{28A0092B-C50C-407E-A947-70E740481C1C}">
-                <a14:useLocalDpi xmlns:a14="http://schemas.microsoft.com/office/drawing/2010/main" val="0"/>
-              </a:ext>
-            </a:extLst>
-          </a:blip>
-          <a:stretch>
-            <a:fillRect/>
-          </a:stretch>
-        </p:blipFill>
-        <p:spPr>
-          <a:xfrm>
-            <a:off x="4654252" y="2816437"/>
-            <a:ext cx="2791837" cy="3202905"/>
-          </a:xfrm>
-          <a:prstGeom prst="rect">
-            <a:avLst/>
-          </a:prstGeom>
-          <a:ln w="38100" cap="sq">
-            <a:solidFill>
-              <a:srgbClr val="000000"/>
-            </a:solidFill>
-            <a:prstDash val="solid"/>
-            <a:miter lim="800000"/>
-          </a:ln>
-          <a:effectLst>
-            <a:outerShdw blurRad="50800" dist="38100" dir="2700000" algn="tl" rotWithShape="0">
-              <a:srgbClr val="000000">
-                <a:alpha val="43000"/>
-              </a:srgbClr>
-            </a:outerShdw>
-          </a:effectLst>
-        </p:spPr>
-      </p:pic>
-    </p:spTree>
-    <p:extLst>
-      <p:ext uri="{BB962C8B-B14F-4D97-AF65-F5344CB8AC3E}">
-        <p14:creationId xmlns:p14="http://schemas.microsoft.com/office/powerpoint/2010/main" val="1452478766"/>
-      </p:ext>
-    </p:extLst>
-  </p:cSld>
-  <p:clrMapOvr>
-    <a:masterClrMapping/>
-  </p:clrMapOvr>
-  <mc:AlternateContent xmlns:mc="http://schemas.openxmlformats.org/markup-compatibility/2006" xmlns:p14="http://schemas.microsoft.com/office/powerpoint/2010/main">
-    <mc:Choice Requires="p14">
-      <p:transition spd="med" p14:dur="700">
-        <p:fade/>
-      </p:transition>
-    </mc:Choice>
-    <mc:Fallback xmlns="">
-      <p:transition spd="med">
-        <p:fade/>
-      </p:transition>
-    </mc:Fallback>
-  </mc:AlternateContent>
-  <p:timing>
-    <p:tnLst>
-      <p:par>
-        <p:cTn id="1" dur="indefinite" restart="never" nodeType="tmRoot"/>
-      </p:par>
-    </p:tnLst>
-  </p:timing>
-</p:sld>
-</file>
-
-<file path=ppt/slides/slide20.xml><?xml version="1.0" encoding="utf-8"?>
+<file path=ppt/slides/slide22.xml><?xml version="1.0" encoding="utf-8"?>
 <p:sld xmlns:a="http://schemas.openxmlformats.org/drawingml/2006/main" xmlns:r="http://schemas.openxmlformats.org/officeDocument/2006/relationships" xmlns:p="http://schemas.openxmlformats.org/presentationml/2006/main" show="0">
   <p:cSld>
     <p:spTree>
@@ -14172,7 +14550,7 @@
           <p:cNvPr id="2" name="Title 1">
             <a:extLst>
               <a:ext uri="{FF2B5EF4-FFF2-40B4-BE49-F238E27FC236}">
-                <a16:creationId xmlns:a16="http://schemas.microsoft.com/office/drawing/2014/main" xmlns="" id="{118CBBA9-49D2-4262-9114-D0D47E7D522A}"/>
+                <a16:creationId xmlns="" xmlns:a16="http://schemas.microsoft.com/office/drawing/2014/main" id="{118CBBA9-49D2-4262-9114-D0D47E7D522A}"/>
               </a:ext>
             </a:extLst>
           </p:cNvPr>
@@ -14200,7 +14578,7 @@
           <p:cNvPr id="3" name="Content Placeholder 2">
             <a:extLst>
               <a:ext uri="{FF2B5EF4-FFF2-40B4-BE49-F238E27FC236}">
-                <a16:creationId xmlns:a16="http://schemas.microsoft.com/office/drawing/2014/main" xmlns="" id="{1E6F3B36-FA1C-4A44-8799-54720A510D55}"/>
+                <a16:creationId xmlns="" xmlns:a16="http://schemas.microsoft.com/office/drawing/2014/main" id="{1E6F3B36-FA1C-4A44-8799-54720A510D55}"/>
               </a:ext>
             </a:extLst>
           </p:cNvPr>
@@ -14289,502 +14667,6 @@
     <p:extLst>
       <p:ext uri="{BB962C8B-B14F-4D97-AF65-F5344CB8AC3E}">
         <p14:creationId xmlns:p14="http://schemas.microsoft.com/office/powerpoint/2010/main" val="147196257"/>
-      </p:ext>
-    </p:extLst>
-  </p:cSld>
-  <p:clrMapOvr>
-    <a:masterClrMapping/>
-  </p:clrMapOvr>
-  <mc:AlternateContent xmlns:mc="http://schemas.openxmlformats.org/markup-compatibility/2006" xmlns:p14="http://schemas.microsoft.com/office/powerpoint/2010/main">
-    <mc:Choice Requires="p14">
-      <p:transition spd="med" p14:dur="700">
-        <p:fade/>
-      </p:transition>
-    </mc:Choice>
-    <mc:Fallback xmlns="">
-      <p:transition spd="med">
-        <p:fade/>
-      </p:transition>
-    </mc:Fallback>
-  </mc:AlternateContent>
-</p:sld>
-</file>
-
-<file path=ppt/slides/slide21.xml><?xml version="1.0" encoding="utf-8"?>
-<p:sld xmlns:a="http://schemas.openxmlformats.org/drawingml/2006/main" xmlns:r="http://schemas.openxmlformats.org/officeDocument/2006/relationships" xmlns:p="http://schemas.openxmlformats.org/presentationml/2006/main">
-  <p:cSld>
-    <p:spTree>
-      <p:nvGrpSpPr>
-        <p:cNvPr id="1" name=""/>
-        <p:cNvGrpSpPr/>
-        <p:nvPr/>
-      </p:nvGrpSpPr>
-      <p:grpSpPr>
-        <a:xfrm>
-          <a:off x="0" y="0"/>
-          <a:ext cx="0" cy="0"/>
-          <a:chOff x="0" y="0"/>
-          <a:chExt cx="0" cy="0"/>
-        </a:xfrm>
-      </p:grpSpPr>
-      <p:sp>
-        <p:nvSpPr>
-          <p:cNvPr id="2" name="Title 1">
-            <a:extLst>
-              <a:ext uri="{FF2B5EF4-FFF2-40B4-BE49-F238E27FC236}">
-                <a16:creationId xmlns:a16="http://schemas.microsoft.com/office/drawing/2014/main" xmlns="" id="{118CBBA9-49D2-4262-9114-D0D47E7D522A}"/>
-              </a:ext>
-            </a:extLst>
-          </p:cNvPr>
-          <p:cNvSpPr>
-            <a:spLocks noGrp="1"/>
-          </p:cNvSpPr>
-          <p:nvPr>
-            <p:ph type="title"/>
-          </p:nvPr>
-        </p:nvSpPr>
-        <p:spPr/>
-        <p:txBody>
-          <a:bodyPr/>
-          <a:lstStyle/>
-          <a:p>
-            <a:r>
-              <a:rPr lang="en-AU" b="1" dirty="0" smtClean="0"/>
-              <a:t>We found…</a:t>
-            </a:r>
-            <a:endParaRPr lang="en-AU" dirty="0"/>
-          </a:p>
-        </p:txBody>
-      </p:sp>
-      <p:sp>
-        <p:nvSpPr>
-          <p:cNvPr id="3" name="Content Placeholder 2">
-            <a:extLst>
-              <a:ext uri="{FF2B5EF4-FFF2-40B4-BE49-F238E27FC236}">
-                <a16:creationId xmlns:a16="http://schemas.microsoft.com/office/drawing/2014/main" xmlns="" id="{1E6F3B36-FA1C-4A44-8799-54720A510D55}"/>
-              </a:ext>
-            </a:extLst>
-          </p:cNvPr>
-          <p:cNvSpPr>
-            <a:spLocks noGrp="1"/>
-          </p:cNvSpPr>
-          <p:nvPr>
-            <p:ph idx="1"/>
-          </p:nvPr>
-        </p:nvSpPr>
-        <p:spPr>
-          <a:xfrm>
-            <a:off x="1218883" y="1701797"/>
-            <a:ext cx="10564161" cy="4462272"/>
-          </a:xfrm>
-        </p:spPr>
-        <p:txBody>
-          <a:bodyPr>
-            <a:normAutofit fontScale="70000" lnSpcReduction="20000"/>
-          </a:bodyPr>
-          <a:lstStyle/>
-          <a:p>
-            <a:r>
-              <a:rPr lang="en-AU" dirty="0"/>
-              <a:t>Resnet34 </a:t>
-            </a:r>
-            <a:r>
-              <a:rPr lang="en-AU" dirty="0" smtClean="0"/>
-              <a:t>architecture is adequate</a:t>
-            </a:r>
-            <a:endParaRPr lang="en-AU" dirty="0"/>
-          </a:p>
-          <a:p>
-            <a:r>
-              <a:rPr lang="en-AU" dirty="0"/>
-              <a:t>First </a:t>
-            </a:r>
-            <a:r>
-              <a:rPr lang="en-AU" dirty="0" smtClean="0"/>
-              <a:t>training epoch (last layer only): </a:t>
-            </a:r>
-            <a:r>
-              <a:rPr lang="en-AU" dirty="0"/>
-              <a:t>86.4% accuracy</a:t>
-            </a:r>
-          </a:p>
-          <a:p>
-            <a:r>
-              <a:rPr lang="en-AU" dirty="0"/>
-              <a:t>False </a:t>
-            </a:r>
-            <a:r>
-              <a:rPr lang="en-AU" dirty="0">
-                <a:solidFill>
-                  <a:srgbClr val="FF0000"/>
-                </a:solidFill>
-              </a:rPr>
-              <a:t>negatives</a:t>
-            </a:r>
-            <a:r>
-              <a:rPr lang="en-AU" dirty="0"/>
-              <a:t> generally </a:t>
-            </a:r>
-            <a:r>
-              <a:rPr lang="en-AU" dirty="0" smtClean="0"/>
-              <a:t>occurred </a:t>
-            </a:r>
-            <a:r>
-              <a:rPr lang="en-AU" dirty="0"/>
-              <a:t>where panel edges </a:t>
-            </a:r>
-            <a:r>
-              <a:rPr lang="en-AU" dirty="0" smtClean="0"/>
-              <a:t>were not visible</a:t>
-            </a:r>
-            <a:endParaRPr lang="en-AU" dirty="0"/>
-          </a:p>
-          <a:p>
-            <a:r>
-              <a:rPr lang="en-AU" dirty="0"/>
-              <a:t>False </a:t>
-            </a:r>
-            <a:r>
-              <a:rPr lang="en-AU" dirty="0">
-                <a:solidFill>
-                  <a:schemeClr val="accent1">
-                    <a:lumMod val="60000"/>
-                    <a:lumOff val="40000"/>
-                  </a:schemeClr>
-                </a:solidFill>
-              </a:rPr>
-              <a:t>positives</a:t>
-            </a:r>
-            <a:r>
-              <a:rPr lang="en-AU" dirty="0"/>
-              <a:t> generally </a:t>
-            </a:r>
-            <a:r>
-              <a:rPr lang="en-AU" dirty="0" err="1" smtClean="0"/>
-              <a:t>occured</a:t>
-            </a:r>
-            <a:r>
-              <a:rPr lang="en-AU" dirty="0" smtClean="0"/>
-              <a:t> </a:t>
-            </a:r>
-            <a:r>
-              <a:rPr lang="en-AU" dirty="0"/>
-              <a:t>on grid-like </a:t>
-            </a:r>
-            <a:r>
-              <a:rPr lang="en-AU" dirty="0" smtClean="0"/>
-              <a:t>structures (tiles, pergolas </a:t>
-            </a:r>
-            <a:r>
-              <a:rPr lang="en-AU" dirty="0" err="1" smtClean="0"/>
-              <a:t>etc</a:t>
-            </a:r>
-            <a:r>
-              <a:rPr lang="en-AU" dirty="0" smtClean="0"/>
-              <a:t>)</a:t>
-            </a:r>
-            <a:endParaRPr lang="en-AU" dirty="0"/>
-          </a:p>
-          <a:p>
-            <a:r>
-              <a:rPr lang="en-AU" dirty="0"/>
-              <a:t>Learning rate utilising SGDR on final layer provides small improvement: 88.6%</a:t>
-            </a:r>
-          </a:p>
-          <a:p>
-            <a:r>
-              <a:rPr lang="en-AU" dirty="0"/>
-              <a:t>SGDR with differential learning rates yields </a:t>
-            </a:r>
-            <a:r>
-              <a:rPr lang="en-AU" u="sng" dirty="0"/>
-              <a:t>significant</a:t>
-            </a:r>
-            <a:r>
-              <a:rPr lang="en-AU" dirty="0"/>
-              <a:t> accuracy </a:t>
-            </a:r>
-            <a:r>
-              <a:rPr lang="en-AU" dirty="0" smtClean="0"/>
-              <a:t>increase</a:t>
-            </a:r>
-          </a:p>
-          <a:p>
-            <a:pPr lvl="1"/>
-            <a:r>
-              <a:rPr lang="en-AU" dirty="0" smtClean="0"/>
-              <a:t>Layers were unfrozen, and the last 3 layers were re-trained until overfitting (train loss &gt; validation loss)</a:t>
-            </a:r>
-          </a:p>
-          <a:p>
-            <a:pPr lvl="1"/>
-            <a:r>
-              <a:rPr lang="en-AU" dirty="0" smtClean="0"/>
-              <a:t>Significant </a:t>
-            </a:r>
-            <a:r>
-              <a:rPr lang="en-AU" dirty="0"/>
-              <a:t>accuracy </a:t>
-            </a:r>
-            <a:r>
-              <a:rPr lang="en-AU" dirty="0" smtClean="0"/>
-              <a:t>improvement</a:t>
-            </a:r>
-            <a:r>
-              <a:rPr lang="en-AU" dirty="0"/>
-              <a:t> </a:t>
-            </a:r>
-            <a:r>
-              <a:rPr lang="en-AU" dirty="0" smtClean="0"/>
-              <a:t>(97.3%), however the risk of overfitting may be high</a:t>
-            </a:r>
-          </a:p>
-          <a:p>
-            <a:r>
-              <a:rPr lang="en-AU" dirty="0" smtClean="0"/>
-              <a:t>TTA </a:t>
-            </a:r>
-            <a:r>
-              <a:rPr lang="en-AU" dirty="0"/>
-              <a:t>provides small benefit: 97.8% </a:t>
-            </a:r>
-            <a:r>
-              <a:rPr lang="en-AU" dirty="0" smtClean="0"/>
-              <a:t>accuracy (+0.5%)</a:t>
-            </a:r>
-          </a:p>
-          <a:p>
-            <a:r>
-              <a:rPr lang="en-AU" dirty="0" smtClean="0"/>
-              <a:t>Rectangular imagery and multi-residential imagery </a:t>
-            </a:r>
-            <a:r>
-              <a:rPr lang="en-AU" dirty="0" smtClean="0"/>
-              <a:t>does require </a:t>
-            </a:r>
-            <a:r>
-              <a:rPr lang="en-AU" dirty="0" smtClean="0"/>
-              <a:t>additional care, and likely image segmentation. </a:t>
-            </a:r>
-            <a:r>
-              <a:rPr lang="en-AU" dirty="0" smtClean="0"/>
-              <a:t>Segmentation was not </a:t>
-            </a:r>
-            <a:r>
-              <a:rPr lang="en-AU" dirty="0" smtClean="0"/>
-              <a:t>explored, as this would have formed Part B scope.</a:t>
-            </a:r>
-            <a:endParaRPr lang="en-AU" dirty="0"/>
-          </a:p>
-          <a:p>
-            <a:pPr lvl="1"/>
-            <a:endParaRPr lang="en-AU" dirty="0"/>
-          </a:p>
-        </p:txBody>
-      </p:sp>
-    </p:spTree>
-    <p:extLst>
-      <p:ext uri="{BB962C8B-B14F-4D97-AF65-F5344CB8AC3E}">
-        <p14:creationId xmlns:p14="http://schemas.microsoft.com/office/powerpoint/2010/main" val="796037558"/>
-      </p:ext>
-    </p:extLst>
-  </p:cSld>
-  <p:clrMapOvr>
-    <a:masterClrMapping/>
-  </p:clrMapOvr>
-  <mc:AlternateContent xmlns:mc="http://schemas.openxmlformats.org/markup-compatibility/2006" xmlns:p14="http://schemas.microsoft.com/office/powerpoint/2010/main">
-    <mc:Choice Requires="p14">
-      <p:transition spd="med" p14:dur="700">
-        <p:fade/>
-      </p:transition>
-    </mc:Choice>
-    <mc:Fallback xmlns="">
-      <p:transition spd="med">
-        <p:fade/>
-      </p:transition>
-    </mc:Fallback>
-  </mc:AlternateContent>
-</p:sld>
-</file>
-
-<file path=ppt/slides/slide22.xml><?xml version="1.0" encoding="utf-8"?>
-<p:sld xmlns:a="http://schemas.openxmlformats.org/drawingml/2006/main" xmlns:r="http://schemas.openxmlformats.org/officeDocument/2006/relationships" xmlns:p="http://schemas.openxmlformats.org/presentationml/2006/main">
-  <p:cSld>
-    <p:spTree>
-      <p:nvGrpSpPr>
-        <p:cNvPr id="1" name=""/>
-        <p:cNvGrpSpPr/>
-        <p:nvPr/>
-      </p:nvGrpSpPr>
-      <p:grpSpPr>
-        <a:xfrm>
-          <a:off x="0" y="0"/>
-          <a:ext cx="0" cy="0"/>
-          <a:chOff x="0" y="0"/>
-          <a:chExt cx="0" cy="0"/>
-        </a:xfrm>
-      </p:grpSpPr>
-      <p:sp>
-        <p:nvSpPr>
-          <p:cNvPr id="3" name="Content Placeholder 2">
-            <a:extLst>
-              <a:ext uri="{FF2B5EF4-FFF2-40B4-BE49-F238E27FC236}">
-                <a16:creationId xmlns:a16="http://schemas.microsoft.com/office/drawing/2014/main" xmlns="" id="{1E6F3B36-FA1C-4A44-8799-54720A510D55}"/>
-              </a:ext>
-            </a:extLst>
-          </p:cNvPr>
-          <p:cNvSpPr>
-            <a:spLocks noGrp="1"/>
-          </p:cNvSpPr>
-          <p:nvPr>
-            <p:ph idx="1"/>
-          </p:nvPr>
-        </p:nvSpPr>
-        <p:spPr>
-          <a:xfrm>
-            <a:off x="1218883" y="1701797"/>
-            <a:ext cx="10360501" cy="4823547"/>
-          </a:xfrm>
-        </p:spPr>
-        <p:txBody>
-          <a:bodyPr>
-            <a:normAutofit/>
-          </a:bodyPr>
-          <a:lstStyle/>
-          <a:p>
-            <a:r>
-              <a:rPr lang="en-AU" dirty="0"/>
-              <a:t>Significant dropout:</a:t>
-            </a:r>
-          </a:p>
-          <a:p>
-            <a:pPr lvl="1"/>
-            <a:r>
-              <a:rPr lang="en-AU" dirty="0" smtClean="0"/>
-              <a:t>Assumed dropout would improve generalisation of solar panels and reduce false positives</a:t>
-            </a:r>
-          </a:p>
-          <a:p>
-            <a:r>
-              <a:rPr lang="en-AU" dirty="0" smtClean="0"/>
-              <a:t>Data </a:t>
-            </a:r>
-            <a:r>
-              <a:rPr lang="en-AU" dirty="0" smtClean="0"/>
-              <a:t>augmentation:</a:t>
-            </a:r>
-            <a:endParaRPr lang="en-AU" dirty="0" smtClean="0"/>
-          </a:p>
-          <a:p>
-            <a:pPr lvl="1"/>
-            <a:r>
-              <a:rPr lang="en-AU" dirty="0" smtClean="0"/>
-              <a:t>With blur – similar principle to the above – seemed to be counterproductive by reducing accuracy</a:t>
-            </a:r>
-          </a:p>
-          <a:p>
-            <a:pPr lvl="1"/>
-            <a:r>
-              <a:rPr lang="en-AU" dirty="0" smtClean="0"/>
-              <a:t>30 degree image tilt – To better generalise house (and by proxy panel) positioning – reduced the validation set </a:t>
-            </a:r>
-            <a:r>
-              <a:rPr lang="en-AU" dirty="0" smtClean="0"/>
-              <a:t>accuracy</a:t>
-            </a:r>
-          </a:p>
-          <a:p>
-            <a:pPr lvl="1"/>
-            <a:r>
-              <a:rPr lang="en-AU" dirty="0" smtClean="0"/>
-              <a:t>Perhaps we were using the wrong type of augmentation?</a:t>
-            </a:r>
-            <a:endParaRPr lang="en-AU" dirty="0" smtClean="0"/>
-          </a:p>
-          <a:p>
-            <a:r>
-              <a:rPr lang="en-AU" dirty="0"/>
-              <a:t>Moving up to a ResNet50 model took far longer to train </a:t>
-            </a:r>
-            <a:r>
-              <a:rPr lang="en-AU" dirty="0" smtClean="0"/>
-              <a:t>and did </a:t>
-            </a:r>
-            <a:r>
-              <a:rPr lang="en-AU" dirty="0"/>
-              <a:t>not yield a performance </a:t>
-            </a:r>
-            <a:r>
-              <a:rPr lang="en-AU" dirty="0" smtClean="0"/>
-              <a:t>increase.</a:t>
-            </a:r>
-            <a:endParaRPr lang="en-AU" dirty="0"/>
-          </a:p>
-          <a:p>
-            <a:pPr lvl="1"/>
-            <a:endParaRPr lang="en-AU" dirty="0"/>
-          </a:p>
-        </p:txBody>
-      </p:sp>
-      <p:sp>
-        <p:nvSpPr>
-          <p:cNvPr id="5" name="Title 1">
-            <a:extLst>
-              <a:ext uri="{FF2B5EF4-FFF2-40B4-BE49-F238E27FC236}">
-                <a16:creationId xmlns:a16="http://schemas.microsoft.com/office/drawing/2014/main" xmlns="" id="{118CBBA9-49D2-4262-9114-D0D47E7D522A}"/>
-              </a:ext>
-            </a:extLst>
-          </p:cNvPr>
-          <p:cNvSpPr txBox="1">
-            <a:spLocks/>
-          </p:cNvSpPr>
-          <p:nvPr/>
-        </p:nvSpPr>
-        <p:spPr>
-          <a:xfrm>
-            <a:off x="1371283" y="427037"/>
-            <a:ext cx="10360501" cy="1223963"/>
-          </a:xfrm>
-          <a:prstGeom prst="rect">
-            <a:avLst/>
-          </a:prstGeom>
-        </p:spPr>
-        <p:txBody>
-          <a:bodyPr vert="horz" lIns="121899" tIns="60949" rIns="121899" bIns="60949" rtlCol="0" anchor="b">
-            <a:normAutofit/>
-          </a:bodyPr>
-          <a:lstStyle>
-            <a:lvl1pPr algn="l" defTabSz="1218987" rtl="0" eaLnBrk="1" latinLnBrk="0" hangingPunct="1">
-              <a:lnSpc>
-                <a:spcPct val="90000"/>
-              </a:lnSpc>
-              <a:spcBef>
-                <a:spcPct val="0"/>
-              </a:spcBef>
-              <a:buNone/>
-              <a:defRPr sz="3600" kern="1200">
-                <a:solidFill>
-                  <a:schemeClr val="tx1"/>
-                </a:solidFill>
-                <a:latin typeface="+mj-lt"/>
-                <a:ea typeface="+mj-ea"/>
-                <a:cs typeface="+mj-cs"/>
-              </a:defRPr>
-            </a:lvl1pPr>
-          </a:lstStyle>
-          <a:p>
-            <a:r>
-              <a:rPr lang="en-AU" dirty="0" smtClean="0"/>
-              <a:t>What didn’t work...</a:t>
-            </a:r>
-            <a:endParaRPr lang="en-AU" dirty="0"/>
-          </a:p>
-        </p:txBody>
-      </p:sp>
-    </p:spTree>
-    <p:extLst>
-      <p:ext uri="{BB962C8B-B14F-4D97-AF65-F5344CB8AC3E}">
-        <p14:creationId xmlns:p14="http://schemas.microsoft.com/office/powerpoint/2010/main" val="2709229914"/>
       </p:ext>
     </p:extLst>
   </p:cSld>
@@ -14835,7 +14717,7 @@
           <p:cNvPr id="2" name="Title 1">
             <a:extLst>
               <a:ext uri="{FF2B5EF4-FFF2-40B4-BE49-F238E27FC236}">
-                <a16:creationId xmlns:a16="http://schemas.microsoft.com/office/drawing/2014/main" xmlns="" id="{118CBBA9-49D2-4262-9114-D0D47E7D522A}"/>
+                <a16:creationId xmlns="" xmlns:a16="http://schemas.microsoft.com/office/drawing/2014/main" id="{118CBBA9-49D2-4262-9114-D0D47E7D522A}"/>
               </a:ext>
             </a:extLst>
           </p:cNvPr>
@@ -14853,7 +14735,7 @@
           <a:p>
             <a:r>
               <a:rPr lang="en-AU" b="1" dirty="0" smtClean="0"/>
-              <a:t>We learned…</a:t>
+              <a:t>We found…</a:t>
             </a:r>
             <a:endParaRPr lang="en-AU" dirty="0"/>
           </a:p>
@@ -14864,7 +14746,424 @@
           <p:cNvPr id="3" name="Content Placeholder 2">
             <a:extLst>
               <a:ext uri="{FF2B5EF4-FFF2-40B4-BE49-F238E27FC236}">
-                <a16:creationId xmlns:a16="http://schemas.microsoft.com/office/drawing/2014/main" xmlns="" id="{1E6F3B36-FA1C-4A44-8799-54720A510D55}"/>
+                <a16:creationId xmlns="" xmlns:a16="http://schemas.microsoft.com/office/drawing/2014/main" id="{1E6F3B36-FA1C-4A44-8799-54720A510D55}"/>
+              </a:ext>
+            </a:extLst>
+          </p:cNvPr>
+          <p:cNvSpPr>
+            <a:spLocks noGrp="1"/>
+          </p:cNvSpPr>
+          <p:nvPr>
+            <p:ph idx="1"/>
+          </p:nvPr>
+        </p:nvSpPr>
+        <p:spPr>
+          <a:xfrm>
+            <a:off x="1218883" y="1701797"/>
+            <a:ext cx="10564161" cy="4462272"/>
+          </a:xfrm>
+        </p:spPr>
+        <p:txBody>
+          <a:bodyPr>
+            <a:normAutofit/>
+          </a:bodyPr>
+          <a:lstStyle/>
+          <a:p>
+            <a:r>
+              <a:rPr lang="en-AU" dirty="0" smtClean="0"/>
+              <a:t>First </a:t>
+            </a:r>
+            <a:r>
+              <a:rPr lang="en-AU" dirty="0" smtClean="0"/>
+              <a:t>training epoch (last layer only): </a:t>
+            </a:r>
+            <a:r>
+              <a:rPr lang="en-AU" dirty="0"/>
+              <a:t>86.4% accuracy</a:t>
+            </a:r>
+          </a:p>
+          <a:p>
+            <a:r>
+              <a:rPr lang="en-AU" dirty="0"/>
+              <a:t>False </a:t>
+            </a:r>
+            <a:r>
+              <a:rPr lang="en-AU" dirty="0">
+                <a:solidFill>
+                  <a:srgbClr val="FF0000"/>
+                </a:solidFill>
+              </a:rPr>
+              <a:t>negatives</a:t>
+            </a:r>
+            <a:r>
+              <a:rPr lang="en-AU" dirty="0"/>
+              <a:t> generally </a:t>
+            </a:r>
+            <a:r>
+              <a:rPr lang="en-AU" dirty="0" smtClean="0"/>
+              <a:t>occurred </a:t>
+            </a:r>
+            <a:r>
+              <a:rPr lang="en-AU" dirty="0"/>
+              <a:t>where panel edges </a:t>
+            </a:r>
+            <a:r>
+              <a:rPr lang="en-AU" dirty="0" smtClean="0"/>
+              <a:t>were not visible</a:t>
+            </a:r>
+            <a:endParaRPr lang="en-AU" dirty="0"/>
+          </a:p>
+          <a:p>
+            <a:r>
+              <a:rPr lang="en-AU" dirty="0"/>
+              <a:t>False </a:t>
+            </a:r>
+            <a:r>
+              <a:rPr lang="en-AU" dirty="0">
+                <a:solidFill>
+                  <a:schemeClr val="accent1">
+                    <a:lumMod val="60000"/>
+                    <a:lumOff val="40000"/>
+                  </a:schemeClr>
+                </a:solidFill>
+              </a:rPr>
+              <a:t>positives</a:t>
+            </a:r>
+            <a:r>
+              <a:rPr lang="en-AU" dirty="0"/>
+              <a:t> generally </a:t>
+            </a:r>
+            <a:r>
+              <a:rPr lang="en-AU" dirty="0" err="1" smtClean="0"/>
+              <a:t>occured</a:t>
+            </a:r>
+            <a:r>
+              <a:rPr lang="en-AU" dirty="0" smtClean="0"/>
+              <a:t> </a:t>
+            </a:r>
+            <a:r>
+              <a:rPr lang="en-AU" dirty="0"/>
+              <a:t>on grid-like </a:t>
+            </a:r>
+            <a:r>
+              <a:rPr lang="en-AU" dirty="0" smtClean="0"/>
+              <a:t>structures (tiles, pergolas </a:t>
+            </a:r>
+            <a:r>
+              <a:rPr lang="en-AU" dirty="0" err="1" smtClean="0"/>
+              <a:t>etc</a:t>
+            </a:r>
+            <a:r>
+              <a:rPr lang="en-AU" dirty="0" smtClean="0"/>
+              <a:t>)</a:t>
+            </a:r>
+          </a:p>
+          <a:p>
+            <a:r>
+              <a:rPr lang="en-AU" dirty="0" smtClean="0"/>
+              <a:t>Accuracy with different approaches ranged from 86.4% to 97.9%</a:t>
+            </a:r>
+            <a:endParaRPr lang="en-AU" dirty="0"/>
+          </a:p>
+        </p:txBody>
+      </p:sp>
+    </p:spTree>
+    <p:extLst>
+      <p:ext uri="{BB962C8B-B14F-4D97-AF65-F5344CB8AC3E}">
+        <p14:creationId xmlns:p14="http://schemas.microsoft.com/office/powerpoint/2010/main" val="796037558"/>
+      </p:ext>
+    </p:extLst>
+  </p:cSld>
+  <p:clrMapOvr>
+    <a:masterClrMapping/>
+  </p:clrMapOvr>
+  <mc:AlternateContent xmlns:mc="http://schemas.openxmlformats.org/markup-compatibility/2006" xmlns:p14="http://schemas.microsoft.com/office/powerpoint/2010/main">
+    <mc:Choice Requires="p14">
+      <p:transition spd="med" p14:dur="700">
+        <p:fade/>
+      </p:transition>
+    </mc:Choice>
+    <mc:Fallback xmlns="">
+      <p:transition spd="med">
+        <p:fade/>
+      </p:transition>
+    </mc:Fallback>
+  </mc:AlternateContent>
+  <p:timing>
+    <p:tnLst>
+      <p:par>
+        <p:cTn id="1" dur="indefinite" restart="never" nodeType="tmRoot"/>
+      </p:par>
+    </p:tnLst>
+  </p:timing>
+</p:sld>
+</file>
+
+<file path=ppt/slides/slide24.xml><?xml version="1.0" encoding="utf-8"?>
+<p:sld xmlns:a="http://schemas.openxmlformats.org/drawingml/2006/main" xmlns:r="http://schemas.openxmlformats.org/officeDocument/2006/relationships" xmlns:p="http://schemas.openxmlformats.org/presentationml/2006/main">
+  <p:cSld>
+    <p:spTree>
+      <p:nvGrpSpPr>
+        <p:cNvPr id="1" name=""/>
+        <p:cNvGrpSpPr/>
+        <p:nvPr/>
+      </p:nvGrpSpPr>
+      <p:grpSpPr>
+        <a:xfrm>
+          <a:off x="0" y="0"/>
+          <a:ext cx="0" cy="0"/>
+          <a:chOff x="0" y="0"/>
+          <a:chExt cx="0" cy="0"/>
+        </a:xfrm>
+      </p:grpSpPr>
+      <p:sp>
+        <p:nvSpPr>
+          <p:cNvPr id="3" name="Content Placeholder 2">
+            <a:extLst>
+              <a:ext uri="{FF2B5EF4-FFF2-40B4-BE49-F238E27FC236}">
+                <a16:creationId xmlns="" xmlns:a16="http://schemas.microsoft.com/office/drawing/2014/main" id="{1E6F3B36-FA1C-4A44-8799-54720A510D55}"/>
+              </a:ext>
+            </a:extLst>
+          </p:cNvPr>
+          <p:cNvSpPr>
+            <a:spLocks noGrp="1"/>
+          </p:cNvSpPr>
+          <p:nvPr>
+            <p:ph idx="1"/>
+          </p:nvPr>
+        </p:nvSpPr>
+        <p:spPr>
+          <a:xfrm>
+            <a:off x="1218883" y="1701797"/>
+            <a:ext cx="10360501" cy="4823547"/>
+          </a:xfrm>
+        </p:spPr>
+        <p:txBody>
+          <a:bodyPr>
+            <a:normAutofit/>
+          </a:bodyPr>
+          <a:lstStyle/>
+          <a:p>
+            <a:r>
+              <a:rPr lang="en-AU" dirty="0" smtClean="0"/>
+              <a:t>Tweaking the model by increasing dropout</a:t>
+            </a:r>
+          </a:p>
+          <a:p>
+            <a:pPr lvl="1"/>
+            <a:r>
+              <a:rPr lang="en-AU" dirty="0" smtClean="0"/>
+              <a:t>Dropout tends to improve model generalisation</a:t>
+            </a:r>
+            <a:endParaRPr lang="en-AU" dirty="0" smtClean="0"/>
+          </a:p>
+          <a:p>
+            <a:r>
+              <a:rPr lang="en-AU" dirty="0" smtClean="0"/>
+              <a:t>Significant da</a:t>
+            </a:r>
+            <a:r>
+              <a:rPr lang="en-AU" dirty="0" smtClean="0"/>
+              <a:t>ta </a:t>
+            </a:r>
+            <a:r>
+              <a:rPr lang="en-AU" dirty="0" smtClean="0"/>
+              <a:t>augmentation:</a:t>
+            </a:r>
+          </a:p>
+          <a:p>
+            <a:pPr lvl="1"/>
+            <a:r>
+              <a:rPr lang="en-AU" dirty="0" smtClean="0"/>
+              <a:t>With blur – similar principle to the above – seemed to be counterproductive by reducing accuracy</a:t>
+            </a:r>
+          </a:p>
+          <a:p>
+            <a:pPr lvl="1"/>
+            <a:r>
+              <a:rPr lang="en-AU" dirty="0" smtClean="0"/>
+              <a:t>30 degree image tilt – To better generalise house (and by proxy panel) positioning – reduced the validation set accuracy</a:t>
+            </a:r>
+          </a:p>
+          <a:p>
+            <a:pPr lvl="1"/>
+            <a:r>
+              <a:rPr lang="en-AU" dirty="0" smtClean="0"/>
+              <a:t>Perhaps we were using the wrong type of augmentation?</a:t>
+            </a:r>
+          </a:p>
+          <a:p>
+            <a:r>
+              <a:rPr lang="en-AU" dirty="0"/>
+              <a:t>Moving up </a:t>
+            </a:r>
+            <a:r>
+              <a:rPr lang="en-AU" dirty="0" smtClean="0"/>
+              <a:t>to a more complex model took </a:t>
+            </a:r>
+            <a:r>
+              <a:rPr lang="en-AU" dirty="0"/>
+              <a:t>far longer to train </a:t>
+            </a:r>
+            <a:r>
+              <a:rPr lang="en-AU" dirty="0" smtClean="0"/>
+              <a:t>and did </a:t>
+            </a:r>
+            <a:r>
+              <a:rPr lang="en-AU" dirty="0"/>
+              <a:t>not yield a performance </a:t>
+            </a:r>
+            <a:r>
+              <a:rPr lang="en-AU" dirty="0" smtClean="0"/>
+              <a:t>increase.</a:t>
+            </a:r>
+            <a:endParaRPr lang="en-AU" dirty="0"/>
+          </a:p>
+          <a:p>
+            <a:pPr lvl="1"/>
+            <a:endParaRPr lang="en-AU" dirty="0"/>
+          </a:p>
+        </p:txBody>
+      </p:sp>
+      <p:sp>
+        <p:nvSpPr>
+          <p:cNvPr id="5" name="Title 1">
+            <a:extLst>
+              <a:ext uri="{FF2B5EF4-FFF2-40B4-BE49-F238E27FC236}">
+                <a16:creationId xmlns="" xmlns:a16="http://schemas.microsoft.com/office/drawing/2014/main" id="{118CBBA9-49D2-4262-9114-D0D47E7D522A}"/>
+              </a:ext>
+            </a:extLst>
+          </p:cNvPr>
+          <p:cNvSpPr txBox="1">
+            <a:spLocks/>
+          </p:cNvSpPr>
+          <p:nvPr/>
+        </p:nvSpPr>
+        <p:spPr>
+          <a:xfrm>
+            <a:off x="1371283" y="427037"/>
+            <a:ext cx="10360501" cy="1223963"/>
+          </a:xfrm>
+          <a:prstGeom prst="rect">
+            <a:avLst/>
+          </a:prstGeom>
+        </p:spPr>
+        <p:txBody>
+          <a:bodyPr vert="horz" lIns="121899" tIns="60949" rIns="121899" bIns="60949" rtlCol="0" anchor="b">
+            <a:normAutofit/>
+          </a:bodyPr>
+          <a:lstStyle>
+            <a:lvl1pPr algn="l" defTabSz="1218987" rtl="0" eaLnBrk="1" latinLnBrk="0" hangingPunct="1">
+              <a:lnSpc>
+                <a:spcPct val="90000"/>
+              </a:lnSpc>
+              <a:spcBef>
+                <a:spcPct val="0"/>
+              </a:spcBef>
+              <a:buNone/>
+              <a:defRPr sz="3600" kern="1200">
+                <a:solidFill>
+                  <a:schemeClr val="tx1"/>
+                </a:solidFill>
+                <a:latin typeface="+mj-lt"/>
+                <a:ea typeface="+mj-ea"/>
+                <a:cs typeface="+mj-cs"/>
+              </a:defRPr>
+            </a:lvl1pPr>
+          </a:lstStyle>
+          <a:p>
+            <a:r>
+              <a:rPr lang="en-AU" dirty="0" smtClean="0"/>
+              <a:t>What didn’t work...</a:t>
+            </a:r>
+            <a:endParaRPr lang="en-AU" dirty="0"/>
+          </a:p>
+        </p:txBody>
+      </p:sp>
+    </p:spTree>
+    <p:extLst>
+      <p:ext uri="{BB962C8B-B14F-4D97-AF65-F5344CB8AC3E}">
+        <p14:creationId xmlns:p14="http://schemas.microsoft.com/office/powerpoint/2010/main" val="2709229914"/>
+      </p:ext>
+    </p:extLst>
+  </p:cSld>
+  <p:clrMapOvr>
+    <a:masterClrMapping/>
+  </p:clrMapOvr>
+  <mc:AlternateContent xmlns:mc="http://schemas.openxmlformats.org/markup-compatibility/2006" xmlns:p14="http://schemas.microsoft.com/office/powerpoint/2010/main">
+    <mc:Choice Requires="p14">
+      <p:transition spd="med" p14:dur="700">
+        <p:fade/>
+      </p:transition>
+    </mc:Choice>
+    <mc:Fallback xmlns="">
+      <p:transition spd="med">
+        <p:fade/>
+      </p:transition>
+    </mc:Fallback>
+  </mc:AlternateContent>
+  <p:timing>
+    <p:tnLst>
+      <p:par>
+        <p:cTn id="1" dur="indefinite" restart="never" nodeType="tmRoot"/>
+      </p:par>
+    </p:tnLst>
+  </p:timing>
+</p:sld>
+</file>
+
+<file path=ppt/slides/slide25.xml><?xml version="1.0" encoding="utf-8"?>
+<p:sld xmlns:a="http://schemas.openxmlformats.org/drawingml/2006/main" xmlns:r="http://schemas.openxmlformats.org/officeDocument/2006/relationships" xmlns:p="http://schemas.openxmlformats.org/presentationml/2006/main">
+  <p:cSld>
+    <p:spTree>
+      <p:nvGrpSpPr>
+        <p:cNvPr id="1" name=""/>
+        <p:cNvGrpSpPr/>
+        <p:nvPr/>
+      </p:nvGrpSpPr>
+      <p:grpSpPr>
+        <a:xfrm>
+          <a:off x="0" y="0"/>
+          <a:ext cx="0" cy="0"/>
+          <a:chOff x="0" y="0"/>
+          <a:chExt cx="0" cy="0"/>
+        </a:xfrm>
+      </p:grpSpPr>
+      <p:sp>
+        <p:nvSpPr>
+          <p:cNvPr id="2" name="Title 1">
+            <a:extLst>
+              <a:ext uri="{FF2B5EF4-FFF2-40B4-BE49-F238E27FC236}">
+                <a16:creationId xmlns="" xmlns:a16="http://schemas.microsoft.com/office/drawing/2014/main" id="{118CBBA9-49D2-4262-9114-D0D47E7D522A}"/>
+              </a:ext>
+            </a:extLst>
+          </p:cNvPr>
+          <p:cNvSpPr>
+            <a:spLocks noGrp="1"/>
+          </p:cNvSpPr>
+          <p:nvPr>
+            <p:ph type="title"/>
+          </p:nvPr>
+        </p:nvSpPr>
+        <p:spPr/>
+        <p:txBody>
+          <a:bodyPr/>
+          <a:lstStyle/>
+          <a:p>
+            <a:r>
+              <a:rPr lang="en-AU" b="1" dirty="0" smtClean="0"/>
+              <a:t>We learned…</a:t>
+            </a:r>
+            <a:endParaRPr lang="en-AU" dirty="0"/>
+          </a:p>
+        </p:txBody>
+      </p:sp>
+      <p:sp>
+        <p:nvSpPr>
+          <p:cNvPr id="3" name="Content Placeholder 2">
+            <a:extLst>
+              <a:ext uri="{FF2B5EF4-FFF2-40B4-BE49-F238E27FC236}">
+                <a16:creationId xmlns="" xmlns:a16="http://schemas.microsoft.com/office/drawing/2014/main" id="{1E6F3B36-FA1C-4A44-8799-54720A510D55}"/>
               </a:ext>
             </a:extLst>
           </p:cNvPr>
@@ -14906,7 +15205,15 @@
           <a:p>
             <a:r>
               <a:rPr lang="en-AU" dirty="0" smtClean="0"/>
-              <a:t>How tasks can be segmented better in the future to accelerate works</a:t>
+              <a:t>How </a:t>
+            </a:r>
+            <a:r>
+              <a:rPr lang="en-AU" dirty="0" smtClean="0"/>
+              <a:t>team tasks </a:t>
+            </a:r>
+            <a:r>
+              <a:rPr lang="en-AU" dirty="0" smtClean="0"/>
+              <a:t>can be segmented better in the future to accelerate works</a:t>
             </a:r>
           </a:p>
           <a:p>
@@ -14946,7 +15253,7 @@
 </p:sld>
 </file>
 
-<file path=ppt/slides/slide24.xml><?xml version="1.0" encoding="utf-8"?>
+<file path=ppt/slides/slide26.xml><?xml version="1.0" encoding="utf-8"?>
 <p:sld xmlns:a="http://schemas.openxmlformats.org/drawingml/2006/main" xmlns:r="http://schemas.openxmlformats.org/officeDocument/2006/relationships" xmlns:p="http://schemas.openxmlformats.org/presentationml/2006/main" show="0">
   <p:cSld>
     <p:spTree>
@@ -14968,7 +15275,7 @@
           <p:cNvPr id="2" name="Title 1">
             <a:extLst>
               <a:ext uri="{FF2B5EF4-FFF2-40B4-BE49-F238E27FC236}">
-                <a16:creationId xmlns:a16="http://schemas.microsoft.com/office/drawing/2014/main" xmlns="" id="{118CBBA9-49D2-4262-9114-D0D47E7D522A}"/>
+                <a16:creationId xmlns="" xmlns:a16="http://schemas.microsoft.com/office/drawing/2014/main" id="{118CBBA9-49D2-4262-9114-D0D47E7D522A}"/>
               </a:ext>
             </a:extLst>
           </p:cNvPr>
@@ -14996,7 +15303,7 @@
           <p:cNvPr id="3" name="Content Placeholder 2">
             <a:extLst>
               <a:ext uri="{FF2B5EF4-FFF2-40B4-BE49-F238E27FC236}">
-                <a16:creationId xmlns:a16="http://schemas.microsoft.com/office/drawing/2014/main" xmlns="" id="{1E6F3B36-FA1C-4A44-8799-54720A510D55}"/>
+                <a16:creationId xmlns="" xmlns:a16="http://schemas.microsoft.com/office/drawing/2014/main" id="{1E6F3B36-FA1C-4A44-8799-54720A510D55}"/>
               </a:ext>
             </a:extLst>
           </p:cNvPr>
@@ -15087,7 +15394,7 @@
 </p:sld>
 </file>
 
-<file path=ppt/slides/slide25.xml><?xml version="1.0" encoding="utf-8"?>
+<file path=ppt/slides/slide27.xml><?xml version="1.0" encoding="utf-8"?>
 <p:sld xmlns:a="http://schemas.openxmlformats.org/drawingml/2006/main" xmlns:r="http://schemas.openxmlformats.org/officeDocument/2006/relationships" xmlns:p="http://schemas.openxmlformats.org/presentationml/2006/main" show="0">
   <p:cSld>
     <p:spTree>
@@ -15184,7 +15491,7 @@
 </p:sld>
 </file>
 
-<file path=ppt/slides/slide26.xml><?xml version="1.0" encoding="utf-8"?>
+<file path=ppt/slides/slide28.xml><?xml version="1.0" encoding="utf-8"?>
 <p:sld xmlns:a="http://schemas.openxmlformats.org/drawingml/2006/main" xmlns:r="http://schemas.openxmlformats.org/officeDocument/2006/relationships" xmlns:p="http://schemas.openxmlformats.org/presentationml/2006/main" show="0">
   <p:cSld>
     <p:spTree>
@@ -15206,7 +15513,7 @@
           <p:cNvPr id="2" name="Title 1">
             <a:extLst>
               <a:ext uri="{FF2B5EF4-FFF2-40B4-BE49-F238E27FC236}">
-                <a16:creationId xmlns:a16="http://schemas.microsoft.com/office/drawing/2014/main" xmlns="" id="{118CBBA9-49D2-4262-9114-D0D47E7D522A}"/>
+                <a16:creationId xmlns="" xmlns:a16="http://schemas.microsoft.com/office/drawing/2014/main" id="{118CBBA9-49D2-4262-9114-D0D47E7D522A}"/>
               </a:ext>
             </a:extLst>
           </p:cNvPr>
@@ -15234,7 +15541,7 @@
           <p:cNvPr id="3" name="Content Placeholder 2">
             <a:extLst>
               <a:ext uri="{FF2B5EF4-FFF2-40B4-BE49-F238E27FC236}">
-                <a16:creationId xmlns:a16="http://schemas.microsoft.com/office/drawing/2014/main" xmlns="" id="{1E6F3B36-FA1C-4A44-8799-54720A510D55}"/>
+                <a16:creationId xmlns="" xmlns:a16="http://schemas.microsoft.com/office/drawing/2014/main" id="{1E6F3B36-FA1C-4A44-8799-54720A510D55}"/>
               </a:ext>
             </a:extLst>
           </p:cNvPr>
@@ -15315,7 +15622,7 @@
 </p:sld>
 </file>
 
-<file path=ppt/slides/slide27.xml><?xml version="1.0" encoding="utf-8"?>
+<file path=ppt/slides/slide29.xml><?xml version="1.0" encoding="utf-8"?>
 <p:sld xmlns:a="http://schemas.openxmlformats.org/drawingml/2006/main" xmlns:r="http://schemas.openxmlformats.org/officeDocument/2006/relationships" xmlns:p="http://schemas.openxmlformats.org/presentationml/2006/main">
   <p:cSld>
     <p:spTree>
@@ -15337,7 +15644,7 @@
           <p:cNvPr id="2" name="Title 1">
             <a:extLst>
               <a:ext uri="{FF2B5EF4-FFF2-40B4-BE49-F238E27FC236}">
-                <a16:creationId xmlns:a16="http://schemas.microsoft.com/office/drawing/2014/main" xmlns="" id="{118CBBA9-49D2-4262-9114-D0D47E7D522A}"/>
+                <a16:creationId xmlns="" xmlns:a16="http://schemas.microsoft.com/office/drawing/2014/main" id="{118CBBA9-49D2-4262-9114-D0D47E7D522A}"/>
               </a:ext>
             </a:extLst>
           </p:cNvPr>
@@ -15370,7 +15677,7 @@
           <p:cNvPr id="3" name="Content Placeholder 2">
             <a:extLst>
               <a:ext uri="{FF2B5EF4-FFF2-40B4-BE49-F238E27FC236}">
-                <a16:creationId xmlns:a16="http://schemas.microsoft.com/office/drawing/2014/main" xmlns="" id="{1E6F3B36-FA1C-4A44-8799-54720A510D55}"/>
+                <a16:creationId xmlns="" xmlns:a16="http://schemas.microsoft.com/office/drawing/2014/main" id="{1E6F3B36-FA1C-4A44-8799-54720A510D55}"/>
               </a:ext>
             </a:extLst>
           </p:cNvPr>
@@ -15417,7 +15724,7 @@
           <p:cNvPr id="5" name="Picture 4">
             <a:extLst>
               <a:ext uri="{FF2B5EF4-FFF2-40B4-BE49-F238E27FC236}">
-                <a16:creationId xmlns:a16="http://schemas.microsoft.com/office/drawing/2014/main" xmlns="" id="{4E9B1E06-FE9D-462D-A33F-A672B189115A}"/>
+                <a16:creationId xmlns="" xmlns:a16="http://schemas.microsoft.com/office/drawing/2014/main" id="{4E9B1E06-FE9D-462D-A33F-A672B189115A}"/>
               </a:ext>
             </a:extLst>
           </p:cNvPr>
@@ -15453,7 +15760,7 @@
           <p:cNvPr id="6" name="Picture 5">
             <a:extLst>
               <a:ext uri="{FF2B5EF4-FFF2-40B4-BE49-F238E27FC236}">
-                <a16:creationId xmlns:a16="http://schemas.microsoft.com/office/drawing/2014/main" xmlns="" id="{EEFF4B65-FE70-4058-AB79-864721B760FD}"/>
+                <a16:creationId xmlns="" xmlns:a16="http://schemas.microsoft.com/office/drawing/2014/main" id="{EEFF4B65-FE70-4058-AB79-864721B760FD}"/>
               </a:ext>
             </a:extLst>
           </p:cNvPr>
@@ -15797,6 +16104,12 @@
           <a:p>
             <a:r>
               <a:rPr lang="en-US" dirty="0" smtClean="0"/>
+              <a:t>The Challenge</a:t>
+            </a:r>
+          </a:p>
+          <a:p>
+            <a:r>
+              <a:rPr lang="en-US" dirty="0" smtClean="0"/>
               <a:t>Approach</a:t>
             </a:r>
             <a:endParaRPr lang="en-US" dirty="0"/>
@@ -15882,19 +16195,6 @@
           <a:lstStyle/>
           <a:p>
             <a:r>
-              <a:rPr lang="en-US" spc="-1" dirty="0">
-                <a:solidFill>
-                  <a:srgbClr val="FFFFFF"/>
-                </a:solidFill>
-                <a:uFill>
-                  <a:solidFill>
-                    <a:srgbClr val="FFFFFF"/>
-                  </a:solidFill>
-                </a:uFill>
-              </a:rPr>
-              <a:t>Our </a:t>
-            </a:r>
-            <a:r>
               <a:rPr lang="en-US" spc="-1" dirty="0" smtClean="0">
                 <a:solidFill>
                   <a:srgbClr val="FFFFFF"/>
@@ -15905,7 +16205,7 @@
                   </a:solidFill>
                 </a:uFill>
               </a:rPr>
-              <a:t>approach</a:t>
+              <a:t>The Challenge</a:t>
             </a:r>
             <a:endParaRPr lang="en-US" spc="-1" dirty="0">
               <a:solidFill>
@@ -15933,24 +16233,10 @@
         <p:spPr/>
         <p:txBody>
           <a:bodyPr>
-            <a:normAutofit fontScale="92500"/>
+            <a:normAutofit/>
           </a:bodyPr>
           <a:lstStyle/>
           <a:p>
-            <a:r>
-              <a:rPr lang="en-AU" spc="-1" dirty="0">
-                <a:solidFill>
-                  <a:srgbClr val="FFFFFF"/>
-                </a:solidFill>
-                <a:uFill>
-                  <a:solidFill>
-                    <a:srgbClr val="FFFFFF"/>
-                  </a:solidFill>
-                </a:uFill>
-                <a:latin typeface="Arial"/>
-              </a:rPr>
-              <a:t>Adrian </a:t>
-            </a:r>
             <a:r>
               <a:rPr lang="en-AU" spc="-1" dirty="0" smtClean="0">
                 <a:solidFill>
@@ -15963,187 +16249,8 @@
                 </a:uFill>
                 <a:latin typeface="Arial"/>
               </a:rPr>
-              <a:t>interested </a:t>
-            </a:r>
-            <a:r>
-              <a:rPr lang="en-AU" spc="-1" dirty="0">
-                <a:solidFill>
-                  <a:srgbClr val="FFFFFF"/>
-                </a:solidFill>
-                <a:uFill>
-                  <a:solidFill>
-                    <a:srgbClr val="FFFFFF"/>
-                  </a:solidFill>
-                </a:uFill>
-                <a:latin typeface="Arial"/>
-              </a:rPr>
-              <a:t>in time series </a:t>
-            </a:r>
-            <a:r>
-              <a:rPr lang="en-AU" spc="-1" dirty="0" smtClean="0">
-                <a:solidFill>
-                  <a:srgbClr val="FFFFFF"/>
-                </a:solidFill>
-                <a:uFill>
-                  <a:solidFill>
-                    <a:srgbClr val="FFFFFF"/>
-                  </a:solidFill>
-                </a:uFill>
-                <a:latin typeface="Arial"/>
-              </a:rPr>
-              <a:t>problems, chose challenge 1.</a:t>
-            </a:r>
-          </a:p>
-          <a:p>
-            <a:r>
-              <a:rPr lang="en-AU" spc="-1" dirty="0" smtClean="0">
-                <a:solidFill>
-                  <a:srgbClr val="FFFFFF"/>
-                </a:solidFill>
-                <a:uFill>
-                  <a:solidFill>
-                    <a:srgbClr val="FFFFFF"/>
-                  </a:solidFill>
-                </a:uFill>
-                <a:latin typeface="Arial"/>
-              </a:rPr>
-              <a:t>Understanding – explored problem, objectives and recommendations.</a:t>
-            </a:r>
-          </a:p>
-          <a:p>
-            <a:r>
-              <a:rPr lang="en-AU" spc="-1" dirty="0" smtClean="0">
-                <a:solidFill>
-                  <a:srgbClr val="FFFFFF"/>
-                </a:solidFill>
-                <a:uFill>
-                  <a:solidFill>
-                    <a:srgbClr val="FFFFFF"/>
-                  </a:solidFill>
-                </a:uFill>
-                <a:latin typeface="Arial"/>
-              </a:rPr>
-              <a:t>Research – literature and open source code for similar datasets</a:t>
-            </a:r>
-          </a:p>
-          <a:p>
-            <a:r>
-              <a:rPr lang="en-AU" spc="-1" dirty="0" smtClean="0">
-                <a:solidFill>
-                  <a:srgbClr val="FFFFFF"/>
-                </a:solidFill>
-                <a:uFill>
-                  <a:solidFill>
-                    <a:srgbClr val="FFFFFF"/>
-                  </a:solidFill>
-                </a:uFill>
-                <a:latin typeface="Arial"/>
-              </a:rPr>
-              <a:t>Data – created clean test, and train datasets</a:t>
-            </a:r>
-          </a:p>
-          <a:p>
-            <a:r>
-              <a:rPr lang="en-AU" spc="-1" dirty="0" smtClean="0">
-                <a:solidFill>
-                  <a:srgbClr val="FFFFFF"/>
-                </a:solidFill>
-                <a:uFill>
-                  <a:solidFill>
-                    <a:srgbClr val="FFFFFF"/>
-                  </a:solidFill>
-                </a:uFill>
-                <a:latin typeface="Arial"/>
-              </a:rPr>
-              <a:t>Selected RMSE metric as metric for all forecasts</a:t>
-            </a:r>
-          </a:p>
-          <a:p>
-            <a:r>
-              <a:rPr lang="en-AU" spc="-1" dirty="0" smtClean="0">
-                <a:solidFill>
-                  <a:srgbClr val="FFFFFF"/>
-                </a:solidFill>
-                <a:uFill>
-                  <a:solidFill>
-                    <a:srgbClr val="FFFFFF"/>
-                  </a:solidFill>
-                </a:uFill>
-                <a:latin typeface="Arial"/>
-              </a:rPr>
-              <a:t>Forecasting – tried 9 model types, simple though complex</a:t>
-            </a:r>
-          </a:p>
-          <a:p>
-            <a:r>
-              <a:rPr lang="en-AU" spc="-1" dirty="0" smtClean="0">
-                <a:solidFill>
-                  <a:srgbClr val="FFFFFF"/>
-                </a:solidFill>
-                <a:uFill>
-                  <a:solidFill>
-                    <a:srgbClr val="FFFFFF"/>
-                  </a:solidFill>
-                </a:uFill>
-                <a:latin typeface="Arial"/>
-              </a:rPr>
-              <a:t>Clustering – explored several methods </a:t>
-            </a:r>
-            <a:r>
-              <a:rPr lang="en-AU" spc="-1" dirty="0">
-                <a:solidFill>
-                  <a:srgbClr val="FFFFFF"/>
-                </a:solidFill>
-                <a:uFill>
-                  <a:solidFill>
-                    <a:srgbClr val="FFFFFF"/>
-                  </a:solidFill>
-                </a:uFill>
-                <a:latin typeface="Arial"/>
-              </a:rPr>
-              <a:t>– </a:t>
-            </a:r>
-            <a:r>
-              <a:rPr lang="en-AU" spc="-1" dirty="0" smtClean="0">
-                <a:solidFill>
-                  <a:srgbClr val="FFFFFF"/>
-                </a:solidFill>
-                <a:uFill>
-                  <a:solidFill>
-                    <a:srgbClr val="FFFFFF"/>
-                  </a:solidFill>
-                </a:uFill>
-                <a:latin typeface="Arial"/>
-              </a:rPr>
-              <a:t>chose </a:t>
-            </a:r>
-            <a:r>
-              <a:rPr lang="en-AU" spc="-1" dirty="0">
-                <a:solidFill>
-                  <a:srgbClr val="FFFFFF"/>
-                </a:solidFill>
-                <a:uFill>
-                  <a:solidFill>
-                    <a:srgbClr val="FFFFFF"/>
-                  </a:solidFill>
-                </a:uFill>
-                <a:latin typeface="Arial"/>
-              </a:rPr>
-              <a:t>a novel approach.</a:t>
-            </a:r>
-            <a:endParaRPr lang="en-AU" sz="2000" spc="-1" dirty="0">
-              <a:solidFill>
-                <a:srgbClr val="FFFFFF"/>
-              </a:solidFill>
-              <a:uFill>
-                <a:solidFill>
-                  <a:srgbClr val="FFFFFF"/>
-                </a:solidFill>
-              </a:uFill>
-              <a:latin typeface="Arial"/>
-            </a:endParaRPr>
-          </a:p>
-          <a:p>
+              <a:t>&lt;Challenge Summary&gt;</a:t>
+            </a:r>
             <a:endParaRPr lang="en-AU" spc="-1" dirty="0">
               <a:solidFill>
                 <a:srgbClr val="FFFFFF"/>
@@ -16161,7 +16268,7 @@
     </p:spTree>
     <p:extLst>
       <p:ext uri="{BB962C8B-B14F-4D97-AF65-F5344CB8AC3E}">
-        <p14:creationId xmlns:p14="http://schemas.microsoft.com/office/powerpoint/2010/main" val="2827280306"/>
+        <p14:creationId xmlns:p14="http://schemas.microsoft.com/office/powerpoint/2010/main" val="4004274484"/>
       </p:ext>
     </p:extLst>
   </p:cSld>
@@ -16209,6 +16316,386 @@
       </p:grpSpPr>
       <p:sp>
         <p:nvSpPr>
+          <p:cNvPr id="13" name="Title 12"/>
+          <p:cNvSpPr>
+            <a:spLocks noGrp="1"/>
+          </p:cNvSpPr>
+          <p:nvPr>
+            <p:ph type="title"/>
+          </p:nvPr>
+        </p:nvSpPr>
+        <p:spPr/>
+        <p:txBody>
+          <a:bodyPr/>
+          <a:lstStyle/>
+          <a:p>
+            <a:r>
+              <a:rPr lang="en-US" spc="-1" dirty="0">
+                <a:solidFill>
+                  <a:srgbClr val="FFFFFF"/>
+                </a:solidFill>
+                <a:uFill>
+                  <a:solidFill>
+                    <a:srgbClr val="FFFFFF"/>
+                  </a:solidFill>
+                </a:uFill>
+              </a:rPr>
+              <a:t>Our </a:t>
+            </a:r>
+            <a:r>
+              <a:rPr lang="en-US" spc="-1" dirty="0" smtClean="0">
+                <a:solidFill>
+                  <a:srgbClr val="FFFFFF"/>
+                </a:solidFill>
+                <a:uFill>
+                  <a:solidFill>
+                    <a:srgbClr val="FFFFFF"/>
+                  </a:solidFill>
+                </a:uFill>
+              </a:rPr>
+              <a:t>approach</a:t>
+            </a:r>
+            <a:endParaRPr lang="en-US" spc="-1" dirty="0">
+              <a:solidFill>
+                <a:srgbClr val="FFFFFF"/>
+              </a:solidFill>
+              <a:uFill>
+                <a:solidFill>
+                  <a:srgbClr val="FFFFFF"/>
+                </a:solidFill>
+              </a:uFill>
+            </a:endParaRPr>
+          </a:p>
+        </p:txBody>
+      </p:sp>
+      <p:sp>
+        <p:nvSpPr>
+          <p:cNvPr id="14" name="Content Placeholder 13"/>
+          <p:cNvSpPr>
+            <a:spLocks noGrp="1"/>
+          </p:cNvSpPr>
+          <p:nvPr>
+            <p:ph idx="1"/>
+          </p:nvPr>
+        </p:nvSpPr>
+        <p:spPr/>
+        <p:txBody>
+          <a:bodyPr>
+            <a:normAutofit fontScale="92500"/>
+          </a:bodyPr>
+          <a:lstStyle/>
+          <a:p>
+            <a:r>
+              <a:rPr lang="en-AU" spc="-1" dirty="0">
+                <a:solidFill>
+                  <a:srgbClr val="FFFFFF"/>
+                </a:solidFill>
+                <a:uFill>
+                  <a:solidFill>
+                    <a:srgbClr val="FFFFFF"/>
+                  </a:solidFill>
+                </a:uFill>
+                <a:latin typeface="Arial"/>
+              </a:rPr>
+              <a:t>Adrian </a:t>
+            </a:r>
+            <a:r>
+              <a:rPr lang="en-AU" spc="-1" dirty="0" smtClean="0">
+                <a:solidFill>
+                  <a:srgbClr val="FFFFFF"/>
+                </a:solidFill>
+                <a:uFill>
+                  <a:solidFill>
+                    <a:srgbClr val="FFFFFF"/>
+                  </a:solidFill>
+                </a:uFill>
+                <a:latin typeface="Arial"/>
+              </a:rPr>
+              <a:t>interested </a:t>
+            </a:r>
+            <a:r>
+              <a:rPr lang="en-AU" spc="-1" dirty="0">
+                <a:solidFill>
+                  <a:srgbClr val="FFFFFF"/>
+                </a:solidFill>
+                <a:uFill>
+                  <a:solidFill>
+                    <a:srgbClr val="FFFFFF"/>
+                  </a:solidFill>
+                </a:uFill>
+                <a:latin typeface="Arial"/>
+              </a:rPr>
+              <a:t>in time series </a:t>
+            </a:r>
+            <a:r>
+              <a:rPr lang="en-AU" spc="-1" dirty="0" smtClean="0">
+                <a:solidFill>
+                  <a:srgbClr val="FFFFFF"/>
+                </a:solidFill>
+                <a:uFill>
+                  <a:solidFill>
+                    <a:srgbClr val="FFFFFF"/>
+                  </a:solidFill>
+                </a:uFill>
+                <a:latin typeface="Arial"/>
+              </a:rPr>
+              <a:t>problems.</a:t>
+            </a:r>
+            <a:endParaRPr lang="en-AU" spc="-1" dirty="0" smtClean="0">
+              <a:solidFill>
+                <a:srgbClr val="FFFFFF"/>
+              </a:solidFill>
+              <a:uFill>
+                <a:solidFill>
+                  <a:srgbClr val="FFFFFF"/>
+                </a:solidFill>
+              </a:uFill>
+              <a:latin typeface="Arial"/>
+            </a:endParaRPr>
+          </a:p>
+          <a:p>
+            <a:r>
+              <a:rPr lang="en-AU" spc="-1" dirty="0" smtClean="0">
+                <a:solidFill>
+                  <a:srgbClr val="FFFFFF"/>
+                </a:solidFill>
+                <a:uFill>
+                  <a:solidFill>
+                    <a:srgbClr val="FFFFFF"/>
+                  </a:solidFill>
+                </a:uFill>
+                <a:latin typeface="Arial"/>
+              </a:rPr>
+              <a:t>Understanding – explored problem, objectives and recommendations.</a:t>
+            </a:r>
+          </a:p>
+          <a:p>
+            <a:r>
+              <a:rPr lang="en-AU" spc="-1" dirty="0" smtClean="0">
+                <a:solidFill>
+                  <a:srgbClr val="FFFFFF"/>
+                </a:solidFill>
+                <a:uFill>
+                  <a:solidFill>
+                    <a:srgbClr val="FFFFFF"/>
+                  </a:solidFill>
+                </a:uFill>
+                <a:latin typeface="Arial"/>
+              </a:rPr>
+              <a:t>Research – literature and open source code for similar datasets</a:t>
+            </a:r>
+          </a:p>
+          <a:p>
+            <a:r>
+              <a:rPr lang="en-AU" spc="-1" dirty="0" smtClean="0">
+                <a:solidFill>
+                  <a:srgbClr val="FFFFFF"/>
+                </a:solidFill>
+                <a:uFill>
+                  <a:solidFill>
+                    <a:srgbClr val="FFFFFF"/>
+                  </a:solidFill>
+                </a:uFill>
+                <a:latin typeface="Arial"/>
+              </a:rPr>
+              <a:t>Data – created clean test, and train datasets</a:t>
+            </a:r>
+          </a:p>
+          <a:p>
+            <a:r>
+              <a:rPr lang="en-AU" spc="-1" dirty="0" smtClean="0">
+                <a:solidFill>
+                  <a:srgbClr val="FFFFFF"/>
+                </a:solidFill>
+                <a:uFill>
+                  <a:solidFill>
+                    <a:srgbClr val="FFFFFF"/>
+                  </a:solidFill>
+                </a:uFill>
+                <a:latin typeface="Arial"/>
+              </a:rPr>
+              <a:t>Selected RMSE metric as metric for all forecasts</a:t>
+            </a:r>
+          </a:p>
+          <a:p>
+            <a:r>
+              <a:rPr lang="en-AU" spc="-1" dirty="0" smtClean="0">
+                <a:solidFill>
+                  <a:srgbClr val="FFFFFF"/>
+                </a:solidFill>
+                <a:uFill>
+                  <a:solidFill>
+                    <a:srgbClr val="FFFFFF"/>
+                  </a:solidFill>
+                </a:uFill>
+                <a:latin typeface="Arial"/>
+              </a:rPr>
+              <a:t>Forecasting – tried 9 model types, simple </a:t>
+            </a:r>
+            <a:r>
+              <a:rPr lang="en-AU" spc="-1" dirty="0" smtClean="0">
+                <a:solidFill>
+                  <a:srgbClr val="FFFFFF"/>
+                </a:solidFill>
+                <a:uFill>
+                  <a:solidFill>
+                    <a:srgbClr val="FFFFFF"/>
+                  </a:solidFill>
+                </a:uFill>
+                <a:latin typeface="Arial"/>
+              </a:rPr>
+              <a:t>through </a:t>
+            </a:r>
+            <a:r>
+              <a:rPr lang="en-AU" spc="-1" dirty="0" smtClean="0">
+                <a:solidFill>
+                  <a:srgbClr val="FFFFFF"/>
+                </a:solidFill>
+                <a:uFill>
+                  <a:solidFill>
+                    <a:srgbClr val="FFFFFF"/>
+                  </a:solidFill>
+                </a:uFill>
+                <a:latin typeface="Arial"/>
+              </a:rPr>
+              <a:t>complex</a:t>
+            </a:r>
+          </a:p>
+          <a:p>
+            <a:r>
+              <a:rPr lang="en-AU" spc="-1" dirty="0" smtClean="0">
+                <a:solidFill>
+                  <a:srgbClr val="FFFFFF"/>
+                </a:solidFill>
+                <a:uFill>
+                  <a:solidFill>
+                    <a:srgbClr val="FFFFFF"/>
+                  </a:solidFill>
+                </a:uFill>
+                <a:latin typeface="Arial"/>
+              </a:rPr>
+              <a:t>Clustering – explored several methods </a:t>
+            </a:r>
+            <a:r>
+              <a:rPr lang="en-AU" spc="-1" dirty="0">
+                <a:solidFill>
+                  <a:srgbClr val="FFFFFF"/>
+                </a:solidFill>
+                <a:uFill>
+                  <a:solidFill>
+                    <a:srgbClr val="FFFFFF"/>
+                  </a:solidFill>
+                </a:uFill>
+                <a:latin typeface="Arial"/>
+              </a:rPr>
+              <a:t>– </a:t>
+            </a:r>
+            <a:r>
+              <a:rPr lang="en-AU" spc="-1" dirty="0" smtClean="0">
+                <a:solidFill>
+                  <a:srgbClr val="FFFFFF"/>
+                </a:solidFill>
+                <a:uFill>
+                  <a:solidFill>
+                    <a:srgbClr val="FFFFFF"/>
+                  </a:solidFill>
+                </a:uFill>
+                <a:latin typeface="Arial"/>
+              </a:rPr>
+              <a:t>chose </a:t>
+            </a:r>
+            <a:r>
+              <a:rPr lang="en-AU" spc="-1" dirty="0">
+                <a:solidFill>
+                  <a:srgbClr val="FFFFFF"/>
+                </a:solidFill>
+                <a:uFill>
+                  <a:solidFill>
+                    <a:srgbClr val="FFFFFF"/>
+                  </a:solidFill>
+                </a:uFill>
+                <a:latin typeface="Arial"/>
+              </a:rPr>
+              <a:t>a novel approach.</a:t>
+            </a:r>
+            <a:endParaRPr lang="en-AU" sz="2000" spc="-1" dirty="0">
+              <a:solidFill>
+                <a:srgbClr val="FFFFFF"/>
+              </a:solidFill>
+              <a:uFill>
+                <a:solidFill>
+                  <a:srgbClr val="FFFFFF"/>
+                </a:solidFill>
+              </a:uFill>
+              <a:latin typeface="Arial"/>
+            </a:endParaRPr>
+          </a:p>
+          <a:p>
+            <a:endParaRPr lang="en-AU" spc="-1" dirty="0">
+              <a:solidFill>
+                <a:srgbClr val="FFFFFF"/>
+              </a:solidFill>
+              <a:uFill>
+                <a:solidFill>
+                  <a:srgbClr val="FFFFFF"/>
+                </a:solidFill>
+              </a:uFill>
+              <a:latin typeface="Arial"/>
+            </a:endParaRPr>
+          </a:p>
+        </p:txBody>
+      </p:sp>
+    </p:spTree>
+    <p:extLst>
+      <p:ext uri="{BB962C8B-B14F-4D97-AF65-F5344CB8AC3E}">
+        <p14:creationId xmlns:p14="http://schemas.microsoft.com/office/powerpoint/2010/main" val="2827280306"/>
+      </p:ext>
+    </p:extLst>
+  </p:cSld>
+  <p:clrMapOvr>
+    <a:masterClrMapping/>
+  </p:clrMapOvr>
+  <mc:AlternateContent xmlns:mc="http://schemas.openxmlformats.org/markup-compatibility/2006" xmlns:p14="http://schemas.microsoft.com/office/powerpoint/2010/main">
+    <mc:Choice Requires="p14">
+      <p:transition spd="med" p14:dur="700">
+        <p:fade/>
+      </p:transition>
+    </mc:Choice>
+    <mc:Fallback xmlns="">
+      <p:transition spd="med">
+        <p:fade/>
+      </p:transition>
+    </mc:Fallback>
+  </mc:AlternateContent>
+  <p:timing>
+    <p:tnLst>
+      <p:par>
+        <p:cTn id="1" dur="indefinite" restart="never" nodeType="tmRoot"/>
+      </p:par>
+    </p:tnLst>
+  </p:timing>
+</p:sld>
+</file>
+
+<file path=ppt/slides/slide8.xml><?xml version="1.0" encoding="utf-8"?>
+<p:sld xmlns:a="http://schemas.openxmlformats.org/drawingml/2006/main" xmlns:r="http://schemas.openxmlformats.org/officeDocument/2006/relationships" xmlns:p="http://schemas.openxmlformats.org/presentationml/2006/main">
+  <p:cSld>
+    <p:spTree>
+      <p:nvGrpSpPr>
+        <p:cNvPr id="1" name=""/>
+        <p:cNvGrpSpPr/>
+        <p:nvPr/>
+      </p:nvGrpSpPr>
+      <p:grpSpPr>
+        <a:xfrm>
+          <a:off x="0" y="0"/>
+          <a:ext cx="0" cy="0"/>
+          <a:chOff x="0" y="0"/>
+          <a:chExt cx="0" cy="0"/>
+        </a:xfrm>
+      </p:grpSpPr>
+      <p:sp>
+        <p:nvSpPr>
           <p:cNvPr id="2" name="Title 1"/>
           <p:cNvSpPr>
             <a:spLocks noGrp="1"/>
@@ -16357,7 +16844,7 @@
                   </a:solidFill>
                 </a:uFill>
               </a:rPr>
-              <a:t>Acorn </a:t>
+              <a:t>Customer groups </a:t>
             </a:r>
             <a:r>
               <a:rPr lang="en-US" spc="-1" dirty="0">
@@ -16370,7 +16857,7 @@
                   </a:solidFill>
                 </a:uFill>
               </a:rPr>
-              <a:t>groups and </a:t>
+              <a:t>and </a:t>
             </a:r>
             <a:endParaRPr lang="en-US" spc="-1" dirty="0" smtClean="0">
               <a:solidFill>
@@ -16597,7 +17084,7 @@
 </p:sld>
 </file>
 
-<file path=ppt/slides/slide8.xml><?xml version="1.0" encoding="utf-8"?>
+<file path=ppt/slides/slide9.xml><?xml version="1.0" encoding="utf-8"?>
 <p:sld xmlns:a="http://schemas.openxmlformats.org/drawingml/2006/main" xmlns:r="http://schemas.openxmlformats.org/officeDocument/2006/relationships" xmlns:p="http://schemas.openxmlformats.org/presentationml/2006/main">
   <p:cSld>
     <p:spTree>
@@ -16679,21 +17166,7 @@
                 </a:uFill>
                 <a:latin typeface="Arial"/>
               </a:rPr>
-              <a:t>Use a sample dataset first – then run on full </a:t>
-            </a:r>
-            <a:r>
-              <a:rPr lang="en-AU" spc="-1" dirty="0" smtClean="0">
-                <a:solidFill>
-                  <a:srgbClr val="FFFFFF"/>
-                </a:solidFill>
-                <a:uFill>
-                  <a:solidFill>
-                    <a:srgbClr val="FFFFFF"/>
-                  </a:solidFill>
-                </a:uFill>
-                <a:latin typeface="Arial"/>
-              </a:rPr>
-              <a:t>dataset</a:t>
+              <a:t>Use a sample dataset first – then run on full dataset</a:t>
             </a:r>
           </a:p>
           <a:p>
@@ -16915,110 +17388,6 @@
     <p:extLst>
       <p:ext uri="{BB962C8B-B14F-4D97-AF65-F5344CB8AC3E}">
         <p14:creationId xmlns:p14="http://schemas.microsoft.com/office/powerpoint/2010/main" val="3207418471"/>
-      </p:ext>
-    </p:extLst>
-  </p:cSld>
-  <p:clrMapOvr>
-    <a:masterClrMapping/>
-  </p:clrMapOvr>
-  <mc:AlternateContent xmlns:mc="http://schemas.openxmlformats.org/markup-compatibility/2006" xmlns:p14="http://schemas.microsoft.com/office/powerpoint/2010/main">
-    <mc:Choice Requires="p14">
-      <p:transition spd="med" p14:dur="700">
-        <p:fade/>
-      </p:transition>
-    </mc:Choice>
-    <mc:Fallback xmlns="">
-      <p:transition spd="med">
-        <p:fade/>
-      </p:transition>
-    </mc:Fallback>
-  </mc:AlternateContent>
-  <p:timing>
-    <p:tnLst>
-      <p:par>
-        <p:cTn id="1" dur="indefinite" restart="never" nodeType="tmRoot"/>
-      </p:par>
-    </p:tnLst>
-  </p:timing>
-</p:sld>
-</file>
-
-<file path=ppt/slides/slide9.xml><?xml version="1.0" encoding="utf-8"?>
-<p:sld xmlns:a="http://schemas.openxmlformats.org/drawingml/2006/main" xmlns:r="http://schemas.openxmlformats.org/officeDocument/2006/relationships" xmlns:p="http://schemas.openxmlformats.org/presentationml/2006/main">
-  <p:cSld>
-    <p:spTree>
-      <p:nvGrpSpPr>
-        <p:cNvPr id="1" name=""/>
-        <p:cNvGrpSpPr/>
-        <p:nvPr/>
-      </p:nvGrpSpPr>
-      <p:grpSpPr>
-        <a:xfrm>
-          <a:off x="0" y="0"/>
-          <a:ext cx="0" cy="0"/>
-          <a:chOff x="0" y="0"/>
-          <a:chExt cx="0" cy="0"/>
-        </a:xfrm>
-      </p:grpSpPr>
-      <p:sp>
-        <p:nvSpPr>
-          <p:cNvPr id="4" name="Title 3"/>
-          <p:cNvSpPr>
-            <a:spLocks noGrp="1"/>
-          </p:cNvSpPr>
-          <p:nvPr>
-            <p:ph type="title"/>
-          </p:nvPr>
-        </p:nvSpPr>
-        <p:spPr/>
-        <p:txBody>
-          <a:bodyPr/>
-          <a:lstStyle/>
-          <a:p>
-            <a:r>
-              <a:rPr lang="en-US" dirty="0"/>
-              <a:t>Challenge 2</a:t>
-            </a:r>
-          </a:p>
-        </p:txBody>
-      </p:sp>
-      <p:sp>
-        <p:nvSpPr>
-          <p:cNvPr id="5" name="Text Placeholder 4"/>
-          <p:cNvSpPr>
-            <a:spLocks noGrp="1"/>
-          </p:cNvSpPr>
-          <p:nvPr>
-            <p:ph type="body" idx="1"/>
-          </p:nvPr>
-        </p:nvSpPr>
-        <p:spPr/>
-        <p:txBody>
-          <a:bodyPr>
-            <a:normAutofit lnSpcReduction="10000"/>
-          </a:bodyPr>
-          <a:lstStyle/>
-          <a:p>
-            <a:r>
-              <a:rPr lang="en-US" dirty="0"/>
-              <a:t>Photovoltaic generation</a:t>
-            </a:r>
-          </a:p>
-          <a:p>
-            <a:endParaRPr lang="en-US" dirty="0"/>
-          </a:p>
-          <a:p>
-            <a:r>
-              <a:rPr lang="en-US" dirty="0"/>
-              <a:t>PART A - Detection</a:t>
-            </a:r>
-          </a:p>
-        </p:txBody>
-      </p:sp>
-    </p:spTree>
-    <p:extLst>
-      <p:ext uri="{BB962C8B-B14F-4D97-AF65-F5344CB8AC3E}">
-        <p14:creationId xmlns:p14="http://schemas.microsoft.com/office/powerpoint/2010/main" val="4264977537"/>
       </p:ext>
     </p:extLst>
   </p:cSld>
@@ -17998,142 +18367,6 @@
 </file>
 
 <file path=customXml/item1.xml><?xml version="1.0" encoding="utf-8"?>
-<p:properties xmlns:p="http://schemas.microsoft.com/office/2006/metadata/properties" xmlns:xsi="http://www.w3.org/2001/XMLSchema-instance" xmlns:pc="http://schemas.microsoft.com/office/infopath/2007/PartnerControls">
-  <documentManagement>
-    <LocPublishedLinkedAssetsLookup xmlns="4873beb7-5857-4685-be1f-d57550cc96cc" xsi:nil="true"/>
-    <ApprovalStatus xmlns="4873beb7-5857-4685-be1f-d57550cc96cc">InProgress</ApprovalStatus>
-    <MarketSpecific xmlns="4873beb7-5857-4685-be1f-d57550cc96cc">false</MarketSpecific>
-    <LocComments xmlns="4873beb7-5857-4685-be1f-d57550cc96cc" xsi:nil="true"/>
-    <LocLastLocAttemptVersionTypeLookup xmlns="4873beb7-5857-4685-be1f-d57550cc96cc" xsi:nil="true"/>
-    <DirectSourceMarket xmlns="4873beb7-5857-4685-be1f-d57550cc96cc" xsi:nil="true"/>
-    <ThumbnailAssetId xmlns="4873beb7-5857-4685-be1f-d57550cc96cc" xsi:nil="true"/>
-    <PrimaryImageGen xmlns="4873beb7-5857-4685-be1f-d57550cc96cc">false</PrimaryImageGen>
-    <LocNewPublishedVersionLookup xmlns="4873beb7-5857-4685-be1f-d57550cc96cc" xsi:nil="true"/>
-    <LegacyData xmlns="4873beb7-5857-4685-be1f-d57550cc96cc" xsi:nil="true"/>
-    <LocRecommendedHandoff xmlns="4873beb7-5857-4685-be1f-d57550cc96cc" xsi:nil="true"/>
-    <BusinessGroup xmlns="4873beb7-5857-4685-be1f-d57550cc96cc" xsi:nil="true"/>
-    <BlockPublish xmlns="4873beb7-5857-4685-be1f-d57550cc96cc">false</BlockPublish>
-    <TPFriendlyName xmlns="4873beb7-5857-4685-be1f-d57550cc96cc" xsi:nil="true"/>
-    <LocOverallPublishStatusLookup xmlns="4873beb7-5857-4685-be1f-d57550cc96cc" xsi:nil="true"/>
-    <NumericId xmlns="4873beb7-5857-4685-be1f-d57550cc96cc" xsi:nil="true"/>
-    <APEditor xmlns="4873beb7-5857-4685-be1f-d57550cc96cc">
-      <UserInfo>
-        <DisplayName/>
-        <AccountId xsi:nil="true"/>
-        <AccountType/>
-      </UserInfo>
-    </APEditor>
-    <SourceTitle xmlns="4873beb7-5857-4685-be1f-d57550cc96cc" xsi:nil="true"/>
-    <OpenTemplate xmlns="4873beb7-5857-4685-be1f-d57550cc96cc">true</OpenTemplate>
-    <LocOverallLocStatusLookup xmlns="4873beb7-5857-4685-be1f-d57550cc96cc" xsi:nil="true"/>
-    <UALocComments xmlns="4873beb7-5857-4685-be1f-d57550cc96cc" xsi:nil="true"/>
-    <ParentAssetId xmlns="4873beb7-5857-4685-be1f-d57550cc96cc" xsi:nil="true"/>
-    <IntlLangReviewDate xmlns="4873beb7-5857-4685-be1f-d57550cc96cc" xsi:nil="true"/>
-    <FeatureTagsTaxHTField0 xmlns="4873beb7-5857-4685-be1f-d57550cc96cc">
-      <Terms xmlns="http://schemas.microsoft.com/office/infopath/2007/PartnerControls"/>
-    </FeatureTagsTaxHTField0>
-    <PublishStatusLookup xmlns="4873beb7-5857-4685-be1f-d57550cc96cc">
-      <Value>1345093</Value>
-    </PublishStatusLookup>
-    <Providers xmlns="4873beb7-5857-4685-be1f-d57550cc96cc" xsi:nil="true"/>
-    <MachineTranslated xmlns="4873beb7-5857-4685-be1f-d57550cc96cc">false</MachineTranslated>
-    <OriginalSourceMarket xmlns="4873beb7-5857-4685-be1f-d57550cc96cc" xsi:nil="true"/>
-    <APDescription xmlns="4873beb7-5857-4685-be1f-d57550cc96cc">This simple template design works for technology and  businesses, but it's versatile enough to use in other contexts.  It features multiple slide layouts designed for widescreen (16x9 resolution) and includes a sample SmartArt list and chart that are easily editable.</APDescription>
-    <ClipArtFilename xmlns="4873beb7-5857-4685-be1f-d57550cc96cc" xsi:nil="true"/>
-    <ContentItem xmlns="4873beb7-5857-4685-be1f-d57550cc96cc" xsi:nil="true"/>
-    <TPInstallLocation xmlns="4873beb7-5857-4685-be1f-d57550cc96cc" xsi:nil="true"/>
-    <PublishTargets xmlns="4873beb7-5857-4685-be1f-d57550cc96cc">OfficeOnlineVNext</PublishTargets>
-    <TimesCloned xmlns="4873beb7-5857-4685-be1f-d57550cc96cc" xsi:nil="true"/>
-    <AssetStart xmlns="4873beb7-5857-4685-be1f-d57550cc96cc">2011-11-26T00:30:00+00:00</AssetStart>
-    <Provider xmlns="4873beb7-5857-4685-be1f-d57550cc96cc" xsi:nil="true"/>
-    <AcquiredFrom xmlns="4873beb7-5857-4685-be1f-d57550cc96cc">Internal MS</AcquiredFrom>
-    <FriendlyTitle xmlns="4873beb7-5857-4685-be1f-d57550cc96cc" xsi:nil="true"/>
-    <LastHandOff xmlns="4873beb7-5857-4685-be1f-d57550cc96cc" xsi:nil="true"/>
-    <TPClientViewer xmlns="4873beb7-5857-4685-be1f-d57550cc96cc" xsi:nil="true"/>
-    <TemplateStatus xmlns="4873beb7-5857-4685-be1f-d57550cc96cc">Complete</TemplateStatus>
-    <Downloads xmlns="4873beb7-5857-4685-be1f-d57550cc96cc">0</Downloads>
-    <OOCacheId xmlns="4873beb7-5857-4685-be1f-d57550cc96cc" xsi:nil="true"/>
-    <IsDeleted xmlns="4873beb7-5857-4685-be1f-d57550cc96cc">false</IsDeleted>
-    <LocPublishedDependentAssetsLookup xmlns="4873beb7-5857-4685-be1f-d57550cc96cc" xsi:nil="true"/>
-    <TPExecutable xmlns="4873beb7-5857-4685-be1f-d57550cc96cc" xsi:nil="true"/>
-    <EditorialTags xmlns="4873beb7-5857-4685-be1f-d57550cc96cc" xsi:nil="true"/>
-    <SubmitterId xmlns="4873beb7-5857-4685-be1f-d57550cc96cc" xsi:nil="true"/>
-    <ApprovalLog xmlns="4873beb7-5857-4685-be1f-d57550cc96cc" xsi:nil="true"/>
-    <AssetType xmlns="4873beb7-5857-4685-be1f-d57550cc96cc">TP</AssetType>
-    <BugNumber xmlns="4873beb7-5857-4685-be1f-d57550cc96cc" xsi:nil="true"/>
-    <CSXSubmissionDate xmlns="4873beb7-5857-4685-be1f-d57550cc96cc" xsi:nil="true"/>
-    <CSXUpdate xmlns="4873beb7-5857-4685-be1f-d57550cc96cc">false</CSXUpdate>
-    <Milestone xmlns="4873beb7-5857-4685-be1f-d57550cc96cc" xsi:nil="true"/>
-    <RecommendationsModifier xmlns="4873beb7-5857-4685-be1f-d57550cc96cc" xsi:nil="true"/>
-    <OriginAsset xmlns="4873beb7-5857-4685-be1f-d57550cc96cc" xsi:nil="true"/>
-    <TPComponent xmlns="4873beb7-5857-4685-be1f-d57550cc96cc" xsi:nil="true"/>
-    <AssetId xmlns="4873beb7-5857-4685-be1f-d57550cc96cc">TP102787989</AssetId>
-    <IntlLocPriority xmlns="4873beb7-5857-4685-be1f-d57550cc96cc" xsi:nil="true"/>
-    <PolicheckWords xmlns="4873beb7-5857-4685-be1f-d57550cc96cc" xsi:nil="true"/>
-    <TPLaunchHelpLink xmlns="4873beb7-5857-4685-be1f-d57550cc96cc" xsi:nil="true"/>
-    <TPApplication xmlns="4873beb7-5857-4685-be1f-d57550cc96cc" xsi:nil="true"/>
-    <CrawlForDependencies xmlns="4873beb7-5857-4685-be1f-d57550cc96cc">false</CrawlForDependencies>
-    <HandoffToMSDN xmlns="4873beb7-5857-4685-be1f-d57550cc96cc" xsi:nil="true"/>
-    <PlannedPubDate xmlns="4873beb7-5857-4685-be1f-d57550cc96cc" xsi:nil="true"/>
-    <IntlLangReviewer xmlns="4873beb7-5857-4685-be1f-d57550cc96cc" xsi:nil="true"/>
-    <TrustLevel xmlns="4873beb7-5857-4685-be1f-d57550cc96cc">1 Microsoft Managed Content</TrustLevel>
-    <LocLastLocAttemptVersionLookup xmlns="4873beb7-5857-4685-be1f-d57550cc96cc">694266</LocLastLocAttemptVersionLookup>
-    <LocProcessedForHandoffsLookup xmlns="4873beb7-5857-4685-be1f-d57550cc96cc" xsi:nil="true"/>
-    <IsSearchable xmlns="4873beb7-5857-4685-be1f-d57550cc96cc">true</IsSearchable>
-    <TemplateTemplateType xmlns="4873beb7-5857-4685-be1f-d57550cc96cc">PowerPoint Presentation Template</TemplateTemplateType>
-    <CampaignTagsTaxHTField0 xmlns="4873beb7-5857-4685-be1f-d57550cc96cc">
-      <Terms xmlns="http://schemas.microsoft.com/office/infopath/2007/PartnerControls"/>
-    </CampaignTagsTaxHTField0>
-    <TPNamespace xmlns="4873beb7-5857-4685-be1f-d57550cc96cc" xsi:nil="true"/>
-    <LocOverallPreviewStatusLookup xmlns="4873beb7-5857-4685-be1f-d57550cc96cc" xsi:nil="true"/>
-    <TaxCatchAll xmlns="4873beb7-5857-4685-be1f-d57550cc96cc"/>
-    <Markets xmlns="4873beb7-5857-4685-be1f-d57550cc96cc"/>
-    <UAProjectedTotalWords xmlns="4873beb7-5857-4685-be1f-d57550cc96cc" xsi:nil="true"/>
-    <IntlLangReview xmlns="4873beb7-5857-4685-be1f-d57550cc96cc" xsi:nil="true"/>
-    <OutputCachingOn xmlns="4873beb7-5857-4685-be1f-d57550cc96cc">false</OutputCachingOn>
-    <AverageRating xmlns="4873beb7-5857-4685-be1f-d57550cc96cc" xsi:nil="true"/>
-    <APAuthor xmlns="4873beb7-5857-4685-be1f-d57550cc96cc">
-      <UserInfo>
-        <DisplayName>REDMOND\kristaa</DisplayName>
-        <AccountId>136</AccountId>
-        <AccountType/>
-      </UserInfo>
-    </APAuthor>
-    <LocManualTestRequired xmlns="4873beb7-5857-4685-be1f-d57550cc96cc">false</LocManualTestRequired>
-    <TPCommandLine xmlns="4873beb7-5857-4685-be1f-d57550cc96cc" xsi:nil="true"/>
-    <TPAppVersion xmlns="4873beb7-5857-4685-be1f-d57550cc96cc" xsi:nil="true"/>
-    <EditorialStatus xmlns="4873beb7-5857-4685-be1f-d57550cc96cc">Complete</EditorialStatus>
-    <LastModifiedDateTime xmlns="4873beb7-5857-4685-be1f-d57550cc96cc" xsi:nil="true"/>
-    <ScenarioTagsTaxHTField0 xmlns="4873beb7-5857-4685-be1f-d57550cc96cc">
-      <Terms xmlns="http://schemas.microsoft.com/office/infopath/2007/PartnerControls"/>
-    </ScenarioTagsTaxHTField0>
-    <LocProcessedForMarketsLookup xmlns="4873beb7-5857-4685-be1f-d57550cc96cc" xsi:nil="true"/>
-    <TPLaunchHelpLinkType xmlns="4873beb7-5857-4685-be1f-d57550cc96cc">Template</TPLaunchHelpLinkType>
-    <OriginalRelease xmlns="4873beb7-5857-4685-be1f-d57550cc96cc">15</OriginalRelease>
-    <LocalizationTagsTaxHTField0 xmlns="4873beb7-5857-4685-be1f-d57550cc96cc">
-      <Terms xmlns="http://schemas.microsoft.com/office/infopath/2007/PartnerControls"/>
-    </LocalizationTagsTaxHTField0>
-    <UACurrentWords xmlns="4873beb7-5857-4685-be1f-d57550cc96cc" xsi:nil="true"/>
-    <ArtSampleDocs xmlns="4873beb7-5857-4685-be1f-d57550cc96cc" xsi:nil="true"/>
-    <UALocRecommendation xmlns="4873beb7-5857-4685-be1f-d57550cc96cc">Localize</UALocRecommendation>
-    <Manager xmlns="4873beb7-5857-4685-be1f-d57550cc96cc" xsi:nil="true"/>
-    <LocOverallHandbackStatusLookup xmlns="4873beb7-5857-4685-be1f-d57550cc96cc" xsi:nil="true"/>
-    <ShowIn xmlns="4873beb7-5857-4685-be1f-d57550cc96cc">Show everywhere</ShowIn>
-    <UANotes xmlns="4873beb7-5857-4685-be1f-d57550cc96cc" xsi:nil="true"/>
-    <InternalTagsTaxHTField0 xmlns="4873beb7-5857-4685-be1f-d57550cc96cc">
-      <Terms xmlns="http://schemas.microsoft.com/office/infopath/2007/PartnerControls"/>
-    </InternalTagsTaxHTField0>
-    <CSXHash xmlns="4873beb7-5857-4685-be1f-d57550cc96cc" xsi:nil="true"/>
-    <VoteCount xmlns="4873beb7-5857-4685-be1f-d57550cc96cc" xsi:nil="true"/>
-    <AssetExpire xmlns="4873beb7-5857-4685-be1f-d57550cc96cc">2029-05-12T07:00:00+00:00</AssetExpire>
-    <DSATActionTaken xmlns="4873beb7-5857-4685-be1f-d57550cc96cc" xsi:nil="true"/>
-    <CSXSubmissionMarket xmlns="4873beb7-5857-4685-be1f-d57550cc96cc" xsi:nil="true"/>
-    <LocMarketGroupTiers2 xmlns="4873beb7-5857-4685-be1f-d57550cc96cc" xsi:nil="true"/>
-  </documentManagement>
-</p:properties>
-</file>
-
-<file path=customXml/item2.xml><?xml version="1.0" encoding="utf-8"?>
 <ct:contentTypeSchema xmlns:ct="http://schemas.microsoft.com/office/2006/metadata/contentType" xmlns:ma="http://schemas.microsoft.com/office/2006/metadata/properties/metaAttributes" ct:_="" ma:_="" ma:contentTypeName="TemplateFile" ma:contentTypeID="0x0101006EDDDB5EE6D98C44930B742096920B300400F5B6D36B3EF94B4E9A635CDF2A18F5B8" ma:contentTypeVersion="72" ma:contentTypeDescription="Create a new document." ma:contentTypeScope="" ma:versionID="a23e56308344d904b51738559c3d67c9">
   <xsd:schema xmlns:xsd="http://www.w3.org/2001/XMLSchema" xmlns:xs="http://www.w3.org/2001/XMLSchema" xmlns:p="http://schemas.microsoft.com/office/2006/metadata/properties" xmlns:ns2="4873beb7-5857-4685-be1f-d57550cc96cc" targetNamespace="http://schemas.microsoft.com/office/2006/metadata/properties" ma:root="true" ma:fieldsID="cd0908cc4600e77bf5da051303e00c8d" ns2:_="">
     <xsd:import namespace="4873beb7-5857-4685-be1f-d57550cc96cc"/>
@@ -19173,6 +19406,142 @@
 </ct:contentTypeSchema>
 </file>
 
+<file path=customXml/item2.xml><?xml version="1.0" encoding="utf-8"?>
+<p:properties xmlns:p="http://schemas.microsoft.com/office/2006/metadata/properties" xmlns:xsi="http://www.w3.org/2001/XMLSchema-instance" xmlns:pc="http://schemas.microsoft.com/office/infopath/2007/PartnerControls">
+  <documentManagement>
+    <LocPublishedLinkedAssetsLookup xmlns="4873beb7-5857-4685-be1f-d57550cc96cc" xsi:nil="true"/>
+    <ApprovalStatus xmlns="4873beb7-5857-4685-be1f-d57550cc96cc">InProgress</ApprovalStatus>
+    <MarketSpecific xmlns="4873beb7-5857-4685-be1f-d57550cc96cc">false</MarketSpecific>
+    <LocComments xmlns="4873beb7-5857-4685-be1f-d57550cc96cc" xsi:nil="true"/>
+    <LocLastLocAttemptVersionTypeLookup xmlns="4873beb7-5857-4685-be1f-d57550cc96cc" xsi:nil="true"/>
+    <DirectSourceMarket xmlns="4873beb7-5857-4685-be1f-d57550cc96cc" xsi:nil="true"/>
+    <ThumbnailAssetId xmlns="4873beb7-5857-4685-be1f-d57550cc96cc" xsi:nil="true"/>
+    <PrimaryImageGen xmlns="4873beb7-5857-4685-be1f-d57550cc96cc">false</PrimaryImageGen>
+    <LocNewPublishedVersionLookup xmlns="4873beb7-5857-4685-be1f-d57550cc96cc" xsi:nil="true"/>
+    <LegacyData xmlns="4873beb7-5857-4685-be1f-d57550cc96cc" xsi:nil="true"/>
+    <LocRecommendedHandoff xmlns="4873beb7-5857-4685-be1f-d57550cc96cc" xsi:nil="true"/>
+    <BusinessGroup xmlns="4873beb7-5857-4685-be1f-d57550cc96cc" xsi:nil="true"/>
+    <BlockPublish xmlns="4873beb7-5857-4685-be1f-d57550cc96cc">false</BlockPublish>
+    <TPFriendlyName xmlns="4873beb7-5857-4685-be1f-d57550cc96cc" xsi:nil="true"/>
+    <LocOverallPublishStatusLookup xmlns="4873beb7-5857-4685-be1f-d57550cc96cc" xsi:nil="true"/>
+    <NumericId xmlns="4873beb7-5857-4685-be1f-d57550cc96cc" xsi:nil="true"/>
+    <APEditor xmlns="4873beb7-5857-4685-be1f-d57550cc96cc">
+      <UserInfo>
+        <DisplayName/>
+        <AccountId xsi:nil="true"/>
+        <AccountType/>
+      </UserInfo>
+    </APEditor>
+    <SourceTitle xmlns="4873beb7-5857-4685-be1f-d57550cc96cc" xsi:nil="true"/>
+    <OpenTemplate xmlns="4873beb7-5857-4685-be1f-d57550cc96cc">true</OpenTemplate>
+    <LocOverallLocStatusLookup xmlns="4873beb7-5857-4685-be1f-d57550cc96cc" xsi:nil="true"/>
+    <UALocComments xmlns="4873beb7-5857-4685-be1f-d57550cc96cc" xsi:nil="true"/>
+    <ParentAssetId xmlns="4873beb7-5857-4685-be1f-d57550cc96cc" xsi:nil="true"/>
+    <IntlLangReviewDate xmlns="4873beb7-5857-4685-be1f-d57550cc96cc" xsi:nil="true"/>
+    <FeatureTagsTaxHTField0 xmlns="4873beb7-5857-4685-be1f-d57550cc96cc">
+      <Terms xmlns="http://schemas.microsoft.com/office/infopath/2007/PartnerControls"/>
+    </FeatureTagsTaxHTField0>
+    <PublishStatusLookup xmlns="4873beb7-5857-4685-be1f-d57550cc96cc">
+      <Value>1345093</Value>
+    </PublishStatusLookup>
+    <Providers xmlns="4873beb7-5857-4685-be1f-d57550cc96cc" xsi:nil="true"/>
+    <MachineTranslated xmlns="4873beb7-5857-4685-be1f-d57550cc96cc">false</MachineTranslated>
+    <OriginalSourceMarket xmlns="4873beb7-5857-4685-be1f-d57550cc96cc" xsi:nil="true"/>
+    <APDescription xmlns="4873beb7-5857-4685-be1f-d57550cc96cc">This simple template design works for technology and  businesses, but it's versatile enough to use in other contexts.  It features multiple slide layouts designed for widescreen (16x9 resolution) and includes a sample SmartArt list and chart that are easily editable.</APDescription>
+    <ClipArtFilename xmlns="4873beb7-5857-4685-be1f-d57550cc96cc" xsi:nil="true"/>
+    <ContentItem xmlns="4873beb7-5857-4685-be1f-d57550cc96cc" xsi:nil="true"/>
+    <TPInstallLocation xmlns="4873beb7-5857-4685-be1f-d57550cc96cc" xsi:nil="true"/>
+    <PublishTargets xmlns="4873beb7-5857-4685-be1f-d57550cc96cc">OfficeOnlineVNext</PublishTargets>
+    <TimesCloned xmlns="4873beb7-5857-4685-be1f-d57550cc96cc" xsi:nil="true"/>
+    <AssetStart xmlns="4873beb7-5857-4685-be1f-d57550cc96cc">2011-11-26T00:30:00+00:00</AssetStart>
+    <Provider xmlns="4873beb7-5857-4685-be1f-d57550cc96cc" xsi:nil="true"/>
+    <AcquiredFrom xmlns="4873beb7-5857-4685-be1f-d57550cc96cc">Internal MS</AcquiredFrom>
+    <FriendlyTitle xmlns="4873beb7-5857-4685-be1f-d57550cc96cc" xsi:nil="true"/>
+    <LastHandOff xmlns="4873beb7-5857-4685-be1f-d57550cc96cc" xsi:nil="true"/>
+    <TPClientViewer xmlns="4873beb7-5857-4685-be1f-d57550cc96cc" xsi:nil="true"/>
+    <TemplateStatus xmlns="4873beb7-5857-4685-be1f-d57550cc96cc">Complete</TemplateStatus>
+    <Downloads xmlns="4873beb7-5857-4685-be1f-d57550cc96cc">0</Downloads>
+    <OOCacheId xmlns="4873beb7-5857-4685-be1f-d57550cc96cc" xsi:nil="true"/>
+    <IsDeleted xmlns="4873beb7-5857-4685-be1f-d57550cc96cc">false</IsDeleted>
+    <LocPublishedDependentAssetsLookup xmlns="4873beb7-5857-4685-be1f-d57550cc96cc" xsi:nil="true"/>
+    <TPExecutable xmlns="4873beb7-5857-4685-be1f-d57550cc96cc" xsi:nil="true"/>
+    <EditorialTags xmlns="4873beb7-5857-4685-be1f-d57550cc96cc" xsi:nil="true"/>
+    <SubmitterId xmlns="4873beb7-5857-4685-be1f-d57550cc96cc" xsi:nil="true"/>
+    <ApprovalLog xmlns="4873beb7-5857-4685-be1f-d57550cc96cc" xsi:nil="true"/>
+    <AssetType xmlns="4873beb7-5857-4685-be1f-d57550cc96cc">TP</AssetType>
+    <BugNumber xmlns="4873beb7-5857-4685-be1f-d57550cc96cc" xsi:nil="true"/>
+    <CSXSubmissionDate xmlns="4873beb7-5857-4685-be1f-d57550cc96cc" xsi:nil="true"/>
+    <CSXUpdate xmlns="4873beb7-5857-4685-be1f-d57550cc96cc">false</CSXUpdate>
+    <Milestone xmlns="4873beb7-5857-4685-be1f-d57550cc96cc" xsi:nil="true"/>
+    <RecommendationsModifier xmlns="4873beb7-5857-4685-be1f-d57550cc96cc" xsi:nil="true"/>
+    <OriginAsset xmlns="4873beb7-5857-4685-be1f-d57550cc96cc" xsi:nil="true"/>
+    <TPComponent xmlns="4873beb7-5857-4685-be1f-d57550cc96cc" xsi:nil="true"/>
+    <AssetId xmlns="4873beb7-5857-4685-be1f-d57550cc96cc">TP102787989</AssetId>
+    <IntlLocPriority xmlns="4873beb7-5857-4685-be1f-d57550cc96cc" xsi:nil="true"/>
+    <PolicheckWords xmlns="4873beb7-5857-4685-be1f-d57550cc96cc" xsi:nil="true"/>
+    <TPLaunchHelpLink xmlns="4873beb7-5857-4685-be1f-d57550cc96cc" xsi:nil="true"/>
+    <TPApplication xmlns="4873beb7-5857-4685-be1f-d57550cc96cc" xsi:nil="true"/>
+    <CrawlForDependencies xmlns="4873beb7-5857-4685-be1f-d57550cc96cc">false</CrawlForDependencies>
+    <HandoffToMSDN xmlns="4873beb7-5857-4685-be1f-d57550cc96cc" xsi:nil="true"/>
+    <PlannedPubDate xmlns="4873beb7-5857-4685-be1f-d57550cc96cc" xsi:nil="true"/>
+    <IntlLangReviewer xmlns="4873beb7-5857-4685-be1f-d57550cc96cc" xsi:nil="true"/>
+    <TrustLevel xmlns="4873beb7-5857-4685-be1f-d57550cc96cc">1 Microsoft Managed Content</TrustLevel>
+    <LocLastLocAttemptVersionLookup xmlns="4873beb7-5857-4685-be1f-d57550cc96cc">694266</LocLastLocAttemptVersionLookup>
+    <LocProcessedForHandoffsLookup xmlns="4873beb7-5857-4685-be1f-d57550cc96cc" xsi:nil="true"/>
+    <IsSearchable xmlns="4873beb7-5857-4685-be1f-d57550cc96cc">true</IsSearchable>
+    <TemplateTemplateType xmlns="4873beb7-5857-4685-be1f-d57550cc96cc">PowerPoint Presentation Template</TemplateTemplateType>
+    <CampaignTagsTaxHTField0 xmlns="4873beb7-5857-4685-be1f-d57550cc96cc">
+      <Terms xmlns="http://schemas.microsoft.com/office/infopath/2007/PartnerControls"/>
+    </CampaignTagsTaxHTField0>
+    <TPNamespace xmlns="4873beb7-5857-4685-be1f-d57550cc96cc" xsi:nil="true"/>
+    <LocOverallPreviewStatusLookup xmlns="4873beb7-5857-4685-be1f-d57550cc96cc" xsi:nil="true"/>
+    <TaxCatchAll xmlns="4873beb7-5857-4685-be1f-d57550cc96cc"/>
+    <Markets xmlns="4873beb7-5857-4685-be1f-d57550cc96cc"/>
+    <UAProjectedTotalWords xmlns="4873beb7-5857-4685-be1f-d57550cc96cc" xsi:nil="true"/>
+    <IntlLangReview xmlns="4873beb7-5857-4685-be1f-d57550cc96cc" xsi:nil="true"/>
+    <OutputCachingOn xmlns="4873beb7-5857-4685-be1f-d57550cc96cc">false</OutputCachingOn>
+    <AverageRating xmlns="4873beb7-5857-4685-be1f-d57550cc96cc" xsi:nil="true"/>
+    <APAuthor xmlns="4873beb7-5857-4685-be1f-d57550cc96cc">
+      <UserInfo>
+        <DisplayName>REDMOND\kristaa</DisplayName>
+        <AccountId>136</AccountId>
+        <AccountType/>
+      </UserInfo>
+    </APAuthor>
+    <LocManualTestRequired xmlns="4873beb7-5857-4685-be1f-d57550cc96cc">false</LocManualTestRequired>
+    <TPCommandLine xmlns="4873beb7-5857-4685-be1f-d57550cc96cc" xsi:nil="true"/>
+    <TPAppVersion xmlns="4873beb7-5857-4685-be1f-d57550cc96cc" xsi:nil="true"/>
+    <EditorialStatus xmlns="4873beb7-5857-4685-be1f-d57550cc96cc">Complete</EditorialStatus>
+    <LastModifiedDateTime xmlns="4873beb7-5857-4685-be1f-d57550cc96cc" xsi:nil="true"/>
+    <ScenarioTagsTaxHTField0 xmlns="4873beb7-5857-4685-be1f-d57550cc96cc">
+      <Terms xmlns="http://schemas.microsoft.com/office/infopath/2007/PartnerControls"/>
+    </ScenarioTagsTaxHTField0>
+    <LocProcessedForMarketsLookup xmlns="4873beb7-5857-4685-be1f-d57550cc96cc" xsi:nil="true"/>
+    <TPLaunchHelpLinkType xmlns="4873beb7-5857-4685-be1f-d57550cc96cc">Template</TPLaunchHelpLinkType>
+    <OriginalRelease xmlns="4873beb7-5857-4685-be1f-d57550cc96cc">15</OriginalRelease>
+    <LocalizationTagsTaxHTField0 xmlns="4873beb7-5857-4685-be1f-d57550cc96cc">
+      <Terms xmlns="http://schemas.microsoft.com/office/infopath/2007/PartnerControls"/>
+    </LocalizationTagsTaxHTField0>
+    <UACurrentWords xmlns="4873beb7-5857-4685-be1f-d57550cc96cc" xsi:nil="true"/>
+    <ArtSampleDocs xmlns="4873beb7-5857-4685-be1f-d57550cc96cc" xsi:nil="true"/>
+    <UALocRecommendation xmlns="4873beb7-5857-4685-be1f-d57550cc96cc">Localize</UALocRecommendation>
+    <Manager xmlns="4873beb7-5857-4685-be1f-d57550cc96cc" xsi:nil="true"/>
+    <LocOverallHandbackStatusLookup xmlns="4873beb7-5857-4685-be1f-d57550cc96cc" xsi:nil="true"/>
+    <ShowIn xmlns="4873beb7-5857-4685-be1f-d57550cc96cc">Show everywhere</ShowIn>
+    <UANotes xmlns="4873beb7-5857-4685-be1f-d57550cc96cc" xsi:nil="true"/>
+    <InternalTagsTaxHTField0 xmlns="4873beb7-5857-4685-be1f-d57550cc96cc">
+      <Terms xmlns="http://schemas.microsoft.com/office/infopath/2007/PartnerControls"/>
+    </InternalTagsTaxHTField0>
+    <CSXHash xmlns="4873beb7-5857-4685-be1f-d57550cc96cc" xsi:nil="true"/>
+    <VoteCount xmlns="4873beb7-5857-4685-be1f-d57550cc96cc" xsi:nil="true"/>
+    <AssetExpire xmlns="4873beb7-5857-4685-be1f-d57550cc96cc">2029-05-12T07:00:00+00:00</AssetExpire>
+    <DSATActionTaken xmlns="4873beb7-5857-4685-be1f-d57550cc96cc" xsi:nil="true"/>
+    <CSXSubmissionMarket xmlns="4873beb7-5857-4685-be1f-d57550cc96cc" xsi:nil="true"/>
+    <LocMarketGroupTiers2 xmlns="4873beb7-5857-4685-be1f-d57550cc96cc" xsi:nil="true"/>
+  </documentManagement>
+</p:properties>
+</file>
+
 <file path=customXml/item3.xml><?xml version="1.0" encoding="utf-8"?>
 <?mso-contentType ?>
 <FormTemplates xmlns="http://schemas.microsoft.com/sharepoint/v3/contenttype/forms">
@@ -19183,22 +19552,6 @@
 </file>
 
 <file path=customXml/itemProps1.xml><?xml version="1.0" encoding="utf-8"?>
-<ds:datastoreItem xmlns:ds="http://schemas.openxmlformats.org/officeDocument/2006/customXml" ds:itemID="{60C67BEE-D13F-4BD2-98A5-34D8A0977F68}">
-  <ds:schemaRefs>
-    <ds:schemaRef ds:uri="4873beb7-5857-4685-be1f-d57550cc96cc"/>
-    <ds:schemaRef ds:uri="http://schemas.openxmlformats.org/package/2006/metadata/core-properties"/>
-    <ds:schemaRef ds:uri="http://purl.org/dc/terms/"/>
-    <ds:schemaRef ds:uri="http://schemas.microsoft.com/office/2006/documentManagement/types"/>
-    <ds:schemaRef ds:uri="http://purl.org/dc/elements/1.1/"/>
-    <ds:schemaRef ds:uri="http://schemas.microsoft.com/office/2006/metadata/properties"/>
-    <ds:schemaRef ds:uri="http://schemas.microsoft.com/office/infopath/2007/PartnerControls"/>
-    <ds:schemaRef ds:uri="http://www.w3.org/XML/1998/namespace"/>
-    <ds:schemaRef ds:uri="http://purl.org/dc/dcmitype/"/>
-  </ds:schemaRefs>
-</ds:datastoreItem>
-</file>
-
-<file path=customXml/itemProps2.xml><?xml version="1.0" encoding="utf-8"?>
 <ds:datastoreItem xmlns:ds="http://schemas.openxmlformats.org/officeDocument/2006/customXml" ds:itemID="{A09BF4D4-EF60-4196-BFC3-9462D607978C}">
   <ds:schemaRefs>
     <ds:schemaRef ds:uri="http://schemas.microsoft.com/office/2006/metadata/contentType"/>
@@ -19216,6 +19569,22 @@
 </ds:datastoreItem>
 </file>
 
+<file path=customXml/itemProps2.xml><?xml version="1.0" encoding="utf-8"?>
+<ds:datastoreItem xmlns:ds="http://schemas.openxmlformats.org/officeDocument/2006/customXml" ds:itemID="{60C67BEE-D13F-4BD2-98A5-34D8A0977F68}">
+  <ds:schemaRefs>
+    <ds:schemaRef ds:uri="4873beb7-5857-4685-be1f-d57550cc96cc"/>
+    <ds:schemaRef ds:uri="http://schemas.openxmlformats.org/package/2006/metadata/core-properties"/>
+    <ds:schemaRef ds:uri="http://purl.org/dc/terms/"/>
+    <ds:schemaRef ds:uri="http://schemas.microsoft.com/office/2006/documentManagement/types"/>
+    <ds:schemaRef ds:uri="http://purl.org/dc/elements/1.1/"/>
+    <ds:schemaRef ds:uri="http://schemas.microsoft.com/office/2006/metadata/properties"/>
+    <ds:schemaRef ds:uri="http://schemas.microsoft.com/office/infopath/2007/PartnerControls"/>
+    <ds:schemaRef ds:uri="http://www.w3.org/XML/1998/namespace"/>
+    <ds:schemaRef ds:uri="http://purl.org/dc/dcmitype/"/>
+  </ds:schemaRefs>
+</ds:datastoreItem>
+</file>
+
 <file path=customXml/itemProps3.xml><?xml version="1.0" encoding="utf-8"?>
 <ds:datastoreItem xmlns:ds="http://schemas.openxmlformats.org/officeDocument/2006/customXml" ds:itemID="{3836F65B-1B07-41EE-A0E8-BC6EF3855225}">
   <ds:schemaRefs>

--- a/Western Power Hack-a-Gig Presentation.pptx
+++ b/Western Power Hack-a-Gig Presentation.pptx
@@ -918,7 +918,949 @@
 </dgm:colorsDef>
 </file>
 
+<file path=ppt/diagrams/colors2.xml><?xml version="1.0" encoding="utf-8"?>
+<dgm:colorsDef xmlns:dgm="http://schemas.openxmlformats.org/drawingml/2006/diagram" xmlns:a="http://schemas.openxmlformats.org/drawingml/2006/main" uniqueId="urn:microsoft.com/office/officeart/2005/8/colors/accent1_2">
+  <dgm:title val=""/>
+  <dgm:desc val=""/>
+  <dgm:catLst>
+    <dgm:cat type="accent1" pri="11200"/>
+  </dgm:catLst>
+  <dgm:styleLbl name="node0">
+    <dgm:fillClrLst meth="repeat">
+      <a:schemeClr val="accent1"/>
+    </dgm:fillClrLst>
+    <dgm:linClrLst meth="repeat">
+      <a:schemeClr val="lt1"/>
+    </dgm:linClrLst>
+    <dgm:effectClrLst/>
+    <dgm:txLinClrLst/>
+    <dgm:txFillClrLst/>
+    <dgm:txEffectClrLst/>
+  </dgm:styleLbl>
+  <dgm:styleLbl name="alignNode1">
+    <dgm:fillClrLst meth="repeat">
+      <a:schemeClr val="accent1"/>
+    </dgm:fillClrLst>
+    <dgm:linClrLst meth="repeat">
+      <a:schemeClr val="accent1"/>
+    </dgm:linClrLst>
+    <dgm:effectClrLst/>
+    <dgm:txLinClrLst/>
+    <dgm:txFillClrLst/>
+    <dgm:txEffectClrLst/>
+  </dgm:styleLbl>
+  <dgm:styleLbl name="node1">
+    <dgm:fillClrLst meth="repeat">
+      <a:schemeClr val="accent1"/>
+    </dgm:fillClrLst>
+    <dgm:linClrLst meth="repeat">
+      <a:schemeClr val="lt1"/>
+    </dgm:linClrLst>
+    <dgm:effectClrLst/>
+    <dgm:txLinClrLst/>
+    <dgm:txFillClrLst/>
+    <dgm:txEffectClrLst/>
+  </dgm:styleLbl>
+  <dgm:styleLbl name="lnNode1">
+    <dgm:fillClrLst meth="repeat">
+      <a:schemeClr val="accent1"/>
+    </dgm:fillClrLst>
+    <dgm:linClrLst meth="repeat">
+      <a:schemeClr val="lt1"/>
+    </dgm:linClrLst>
+    <dgm:effectClrLst/>
+    <dgm:txLinClrLst/>
+    <dgm:txFillClrLst/>
+    <dgm:txEffectClrLst/>
+  </dgm:styleLbl>
+  <dgm:styleLbl name="vennNode1">
+    <dgm:fillClrLst meth="repeat">
+      <a:schemeClr val="accent1">
+        <a:alpha val="50000"/>
+      </a:schemeClr>
+    </dgm:fillClrLst>
+    <dgm:linClrLst meth="repeat">
+      <a:schemeClr val="lt1"/>
+    </dgm:linClrLst>
+    <dgm:effectClrLst/>
+    <dgm:txLinClrLst/>
+    <dgm:txFillClrLst/>
+    <dgm:txEffectClrLst/>
+  </dgm:styleLbl>
+  <dgm:styleLbl name="node2">
+    <dgm:fillClrLst meth="repeat">
+      <a:schemeClr val="accent1"/>
+    </dgm:fillClrLst>
+    <dgm:linClrLst meth="repeat">
+      <a:schemeClr val="lt1"/>
+    </dgm:linClrLst>
+    <dgm:effectClrLst/>
+    <dgm:txLinClrLst/>
+    <dgm:txFillClrLst/>
+    <dgm:txEffectClrLst/>
+  </dgm:styleLbl>
+  <dgm:styleLbl name="node3">
+    <dgm:fillClrLst meth="repeat">
+      <a:schemeClr val="accent1"/>
+    </dgm:fillClrLst>
+    <dgm:linClrLst meth="repeat">
+      <a:schemeClr val="lt1"/>
+    </dgm:linClrLst>
+    <dgm:effectClrLst/>
+    <dgm:txLinClrLst/>
+    <dgm:txFillClrLst/>
+    <dgm:txEffectClrLst/>
+  </dgm:styleLbl>
+  <dgm:styleLbl name="node4">
+    <dgm:fillClrLst meth="repeat">
+      <a:schemeClr val="accent1"/>
+    </dgm:fillClrLst>
+    <dgm:linClrLst meth="repeat">
+      <a:schemeClr val="lt1"/>
+    </dgm:linClrLst>
+    <dgm:effectClrLst/>
+    <dgm:txLinClrLst/>
+    <dgm:txFillClrLst/>
+    <dgm:txEffectClrLst/>
+  </dgm:styleLbl>
+  <dgm:styleLbl name="fgImgPlace1">
+    <dgm:fillClrLst meth="repeat">
+      <a:schemeClr val="accent1">
+        <a:tint val="50000"/>
+      </a:schemeClr>
+    </dgm:fillClrLst>
+    <dgm:linClrLst meth="repeat">
+      <a:schemeClr val="lt1"/>
+    </dgm:linClrLst>
+    <dgm:effectClrLst/>
+    <dgm:txLinClrLst/>
+    <dgm:txFillClrLst meth="repeat">
+      <a:schemeClr val="lt1"/>
+    </dgm:txFillClrLst>
+    <dgm:txEffectClrLst/>
+  </dgm:styleLbl>
+  <dgm:styleLbl name="alignImgPlace1">
+    <dgm:fillClrLst meth="repeat">
+      <a:schemeClr val="accent1">
+        <a:tint val="50000"/>
+      </a:schemeClr>
+    </dgm:fillClrLst>
+    <dgm:linClrLst meth="repeat">
+      <a:schemeClr val="lt1"/>
+    </dgm:linClrLst>
+    <dgm:effectClrLst/>
+    <dgm:txLinClrLst/>
+    <dgm:txFillClrLst meth="repeat">
+      <a:schemeClr val="lt1"/>
+    </dgm:txFillClrLst>
+    <dgm:txEffectClrLst/>
+  </dgm:styleLbl>
+  <dgm:styleLbl name="bgImgPlace1">
+    <dgm:fillClrLst meth="repeat">
+      <a:schemeClr val="accent1">
+        <a:tint val="50000"/>
+      </a:schemeClr>
+    </dgm:fillClrLst>
+    <dgm:linClrLst meth="repeat">
+      <a:schemeClr val="lt1"/>
+    </dgm:linClrLst>
+    <dgm:effectClrLst/>
+    <dgm:txLinClrLst/>
+    <dgm:txFillClrLst meth="repeat">
+      <a:schemeClr val="lt1"/>
+    </dgm:txFillClrLst>
+    <dgm:txEffectClrLst/>
+  </dgm:styleLbl>
+  <dgm:styleLbl name="sibTrans2D1">
+    <dgm:fillClrLst meth="repeat">
+      <a:schemeClr val="accent1">
+        <a:tint val="60000"/>
+      </a:schemeClr>
+    </dgm:fillClrLst>
+    <dgm:linClrLst meth="repeat">
+      <a:schemeClr val="accent1">
+        <a:tint val="60000"/>
+      </a:schemeClr>
+    </dgm:linClrLst>
+    <dgm:effectClrLst/>
+    <dgm:txLinClrLst/>
+    <dgm:txFillClrLst/>
+    <dgm:txEffectClrLst/>
+  </dgm:styleLbl>
+  <dgm:styleLbl name="fgSibTrans2D1">
+    <dgm:fillClrLst meth="repeat">
+      <a:schemeClr val="accent1">
+        <a:tint val="60000"/>
+      </a:schemeClr>
+    </dgm:fillClrLst>
+    <dgm:linClrLst meth="repeat">
+      <a:schemeClr val="accent1">
+        <a:tint val="60000"/>
+      </a:schemeClr>
+    </dgm:linClrLst>
+    <dgm:effectClrLst/>
+    <dgm:txLinClrLst/>
+    <dgm:txFillClrLst/>
+    <dgm:txEffectClrLst/>
+  </dgm:styleLbl>
+  <dgm:styleLbl name="bgSibTrans2D1">
+    <dgm:fillClrLst meth="repeat">
+      <a:schemeClr val="accent1">
+        <a:tint val="60000"/>
+      </a:schemeClr>
+    </dgm:fillClrLst>
+    <dgm:linClrLst meth="repeat">
+      <a:schemeClr val="accent1">
+        <a:tint val="60000"/>
+      </a:schemeClr>
+    </dgm:linClrLst>
+    <dgm:effectClrLst/>
+    <dgm:txLinClrLst/>
+    <dgm:txFillClrLst/>
+    <dgm:txEffectClrLst/>
+  </dgm:styleLbl>
+  <dgm:styleLbl name="sibTrans1D1">
+    <dgm:fillClrLst meth="repeat">
+      <a:schemeClr val="accent1"/>
+    </dgm:fillClrLst>
+    <dgm:linClrLst meth="repeat">
+      <a:schemeClr val="accent1"/>
+    </dgm:linClrLst>
+    <dgm:effectClrLst/>
+    <dgm:txLinClrLst/>
+    <dgm:txFillClrLst meth="repeat">
+      <a:schemeClr val="tx1"/>
+    </dgm:txFillClrLst>
+    <dgm:txEffectClrLst/>
+  </dgm:styleLbl>
+  <dgm:styleLbl name="callout">
+    <dgm:fillClrLst meth="repeat">
+      <a:schemeClr val="accent1"/>
+    </dgm:fillClrLst>
+    <dgm:linClrLst meth="repeat">
+      <a:schemeClr val="accent1">
+        <a:tint val="50000"/>
+      </a:schemeClr>
+    </dgm:linClrLst>
+    <dgm:effectClrLst/>
+    <dgm:txLinClrLst/>
+    <dgm:txFillClrLst meth="repeat">
+      <a:schemeClr val="tx1"/>
+    </dgm:txFillClrLst>
+    <dgm:txEffectClrLst/>
+  </dgm:styleLbl>
+  <dgm:styleLbl name="asst0">
+    <dgm:fillClrLst meth="repeat">
+      <a:schemeClr val="accent1"/>
+    </dgm:fillClrLst>
+    <dgm:linClrLst meth="repeat">
+      <a:schemeClr val="lt1"/>
+    </dgm:linClrLst>
+    <dgm:effectClrLst/>
+    <dgm:txLinClrLst/>
+    <dgm:txFillClrLst/>
+    <dgm:txEffectClrLst/>
+  </dgm:styleLbl>
+  <dgm:styleLbl name="asst1">
+    <dgm:fillClrLst meth="repeat">
+      <a:schemeClr val="accent1"/>
+    </dgm:fillClrLst>
+    <dgm:linClrLst meth="repeat">
+      <a:schemeClr val="lt1"/>
+    </dgm:linClrLst>
+    <dgm:effectClrLst/>
+    <dgm:txLinClrLst/>
+    <dgm:txFillClrLst/>
+    <dgm:txEffectClrLst/>
+  </dgm:styleLbl>
+  <dgm:styleLbl name="asst2">
+    <dgm:fillClrLst meth="repeat">
+      <a:schemeClr val="accent1"/>
+    </dgm:fillClrLst>
+    <dgm:linClrLst meth="repeat">
+      <a:schemeClr val="lt1"/>
+    </dgm:linClrLst>
+    <dgm:effectClrLst/>
+    <dgm:txLinClrLst/>
+    <dgm:txFillClrLst/>
+    <dgm:txEffectClrLst/>
+  </dgm:styleLbl>
+  <dgm:styleLbl name="asst3">
+    <dgm:fillClrLst meth="repeat">
+      <a:schemeClr val="accent1"/>
+    </dgm:fillClrLst>
+    <dgm:linClrLst meth="repeat">
+      <a:schemeClr val="lt1"/>
+    </dgm:linClrLst>
+    <dgm:effectClrLst/>
+    <dgm:txLinClrLst/>
+    <dgm:txFillClrLst/>
+    <dgm:txEffectClrLst/>
+  </dgm:styleLbl>
+  <dgm:styleLbl name="asst4">
+    <dgm:fillClrLst meth="repeat">
+      <a:schemeClr val="accent1"/>
+    </dgm:fillClrLst>
+    <dgm:linClrLst meth="repeat">
+      <a:schemeClr val="lt1"/>
+    </dgm:linClrLst>
+    <dgm:effectClrLst/>
+    <dgm:txLinClrLst/>
+    <dgm:txFillClrLst/>
+    <dgm:txEffectClrLst/>
+  </dgm:styleLbl>
+  <dgm:styleLbl name="parChTrans2D1">
+    <dgm:fillClrLst meth="repeat">
+      <a:schemeClr val="accent1">
+        <a:tint val="60000"/>
+      </a:schemeClr>
+    </dgm:fillClrLst>
+    <dgm:linClrLst meth="repeat">
+      <a:schemeClr val="accent1">
+        <a:tint val="60000"/>
+      </a:schemeClr>
+    </dgm:linClrLst>
+    <dgm:effectClrLst/>
+    <dgm:txLinClrLst/>
+    <dgm:txFillClrLst meth="repeat">
+      <a:schemeClr val="lt1"/>
+    </dgm:txFillClrLst>
+    <dgm:txEffectClrLst/>
+  </dgm:styleLbl>
+  <dgm:styleLbl name="parChTrans2D2">
+    <dgm:fillClrLst meth="repeat">
+      <a:schemeClr val="accent1"/>
+    </dgm:fillClrLst>
+    <dgm:linClrLst meth="repeat">
+      <a:schemeClr val="accent1"/>
+    </dgm:linClrLst>
+    <dgm:effectClrLst/>
+    <dgm:txLinClrLst/>
+    <dgm:txFillClrLst meth="repeat">
+      <a:schemeClr val="lt1"/>
+    </dgm:txFillClrLst>
+    <dgm:txEffectClrLst/>
+  </dgm:styleLbl>
+  <dgm:styleLbl name="parChTrans2D3">
+    <dgm:fillClrLst meth="repeat">
+      <a:schemeClr val="accent1"/>
+    </dgm:fillClrLst>
+    <dgm:linClrLst meth="repeat">
+      <a:schemeClr val="accent1"/>
+    </dgm:linClrLst>
+    <dgm:effectClrLst/>
+    <dgm:txLinClrLst/>
+    <dgm:txFillClrLst meth="repeat">
+      <a:schemeClr val="lt1"/>
+    </dgm:txFillClrLst>
+    <dgm:txEffectClrLst/>
+  </dgm:styleLbl>
+  <dgm:styleLbl name="parChTrans2D4">
+    <dgm:fillClrLst meth="repeat">
+      <a:schemeClr val="accent1"/>
+    </dgm:fillClrLst>
+    <dgm:linClrLst meth="repeat">
+      <a:schemeClr val="accent1"/>
+    </dgm:linClrLst>
+    <dgm:effectClrLst/>
+    <dgm:txLinClrLst/>
+    <dgm:txFillClrLst meth="repeat">
+      <a:schemeClr val="lt1"/>
+    </dgm:txFillClrLst>
+    <dgm:txEffectClrLst/>
+  </dgm:styleLbl>
+  <dgm:styleLbl name="parChTrans1D1">
+    <dgm:fillClrLst meth="repeat">
+      <a:schemeClr val="accent1"/>
+    </dgm:fillClrLst>
+    <dgm:linClrLst meth="repeat">
+      <a:schemeClr val="accent1">
+        <a:shade val="60000"/>
+      </a:schemeClr>
+    </dgm:linClrLst>
+    <dgm:effectClrLst/>
+    <dgm:txLinClrLst/>
+    <dgm:txFillClrLst meth="repeat">
+      <a:schemeClr val="tx1"/>
+    </dgm:txFillClrLst>
+    <dgm:txEffectClrLst/>
+  </dgm:styleLbl>
+  <dgm:styleLbl name="parChTrans1D2">
+    <dgm:fillClrLst meth="repeat">
+      <a:schemeClr val="accent1"/>
+    </dgm:fillClrLst>
+    <dgm:linClrLst meth="repeat">
+      <a:schemeClr val="accent1">
+        <a:shade val="60000"/>
+      </a:schemeClr>
+    </dgm:linClrLst>
+    <dgm:effectClrLst/>
+    <dgm:txLinClrLst/>
+    <dgm:txFillClrLst meth="repeat">
+      <a:schemeClr val="tx1"/>
+    </dgm:txFillClrLst>
+    <dgm:txEffectClrLst/>
+  </dgm:styleLbl>
+  <dgm:styleLbl name="parChTrans1D3">
+    <dgm:fillClrLst meth="repeat">
+      <a:schemeClr val="accent1"/>
+    </dgm:fillClrLst>
+    <dgm:linClrLst meth="repeat">
+      <a:schemeClr val="accent1">
+        <a:shade val="80000"/>
+      </a:schemeClr>
+    </dgm:linClrLst>
+    <dgm:effectClrLst/>
+    <dgm:txLinClrLst/>
+    <dgm:txFillClrLst meth="repeat">
+      <a:schemeClr val="tx1"/>
+    </dgm:txFillClrLst>
+    <dgm:txEffectClrLst/>
+  </dgm:styleLbl>
+  <dgm:styleLbl name="parChTrans1D4">
+    <dgm:fillClrLst meth="repeat">
+      <a:schemeClr val="accent1"/>
+    </dgm:fillClrLst>
+    <dgm:linClrLst meth="repeat">
+      <a:schemeClr val="accent1">
+        <a:shade val="80000"/>
+      </a:schemeClr>
+    </dgm:linClrLst>
+    <dgm:effectClrLst/>
+    <dgm:txLinClrLst/>
+    <dgm:txFillClrLst meth="repeat">
+      <a:schemeClr val="tx1"/>
+    </dgm:txFillClrLst>
+    <dgm:txEffectClrLst/>
+  </dgm:styleLbl>
+  <dgm:styleLbl name="fgAcc1">
+    <dgm:fillClrLst meth="repeat">
+      <a:schemeClr val="lt1">
+        <a:alpha val="90000"/>
+      </a:schemeClr>
+    </dgm:fillClrLst>
+    <dgm:linClrLst meth="repeat">
+      <a:schemeClr val="accent1"/>
+    </dgm:linClrLst>
+    <dgm:effectClrLst/>
+    <dgm:txLinClrLst/>
+    <dgm:txFillClrLst meth="repeat">
+      <a:schemeClr val="dk1"/>
+    </dgm:txFillClrLst>
+    <dgm:txEffectClrLst/>
+  </dgm:styleLbl>
+  <dgm:styleLbl name="conFgAcc1">
+    <dgm:fillClrLst meth="repeat">
+      <a:schemeClr val="lt1">
+        <a:alpha val="90000"/>
+      </a:schemeClr>
+    </dgm:fillClrLst>
+    <dgm:linClrLst meth="repeat">
+      <a:schemeClr val="accent1"/>
+    </dgm:linClrLst>
+    <dgm:effectClrLst/>
+    <dgm:txLinClrLst/>
+    <dgm:txFillClrLst meth="repeat">
+      <a:schemeClr val="dk1"/>
+    </dgm:txFillClrLst>
+    <dgm:txEffectClrLst/>
+  </dgm:styleLbl>
+  <dgm:styleLbl name="alignAcc1">
+    <dgm:fillClrLst meth="repeat">
+      <a:schemeClr val="lt1">
+        <a:alpha val="90000"/>
+      </a:schemeClr>
+    </dgm:fillClrLst>
+    <dgm:linClrLst meth="repeat">
+      <a:schemeClr val="accent1"/>
+    </dgm:linClrLst>
+    <dgm:effectClrLst/>
+    <dgm:txLinClrLst/>
+    <dgm:txFillClrLst meth="repeat">
+      <a:schemeClr val="dk1"/>
+    </dgm:txFillClrLst>
+    <dgm:txEffectClrLst/>
+  </dgm:styleLbl>
+  <dgm:styleLbl name="trAlignAcc1">
+    <dgm:fillClrLst meth="repeat">
+      <a:schemeClr val="lt1">
+        <a:alpha val="40000"/>
+      </a:schemeClr>
+    </dgm:fillClrLst>
+    <dgm:linClrLst meth="repeat">
+      <a:schemeClr val="accent1"/>
+    </dgm:linClrLst>
+    <dgm:effectClrLst/>
+    <dgm:txLinClrLst/>
+    <dgm:txFillClrLst meth="repeat">
+      <a:schemeClr val="dk1"/>
+    </dgm:txFillClrLst>
+    <dgm:txEffectClrLst/>
+  </dgm:styleLbl>
+  <dgm:styleLbl name="bgAcc1">
+    <dgm:fillClrLst meth="repeat">
+      <a:schemeClr val="lt1">
+        <a:alpha val="90000"/>
+      </a:schemeClr>
+    </dgm:fillClrLst>
+    <dgm:linClrLst meth="repeat">
+      <a:schemeClr val="accent1"/>
+    </dgm:linClrLst>
+    <dgm:effectClrLst/>
+    <dgm:txLinClrLst/>
+    <dgm:txFillClrLst meth="repeat">
+      <a:schemeClr val="dk1"/>
+    </dgm:txFillClrLst>
+    <dgm:txEffectClrLst/>
+  </dgm:styleLbl>
+  <dgm:styleLbl name="solidFgAcc1">
+    <dgm:fillClrLst meth="repeat">
+      <a:schemeClr val="lt1"/>
+    </dgm:fillClrLst>
+    <dgm:linClrLst meth="repeat">
+      <a:schemeClr val="accent1"/>
+    </dgm:linClrLst>
+    <dgm:effectClrLst/>
+    <dgm:txLinClrLst/>
+    <dgm:txFillClrLst meth="repeat">
+      <a:schemeClr val="dk1"/>
+    </dgm:txFillClrLst>
+    <dgm:txEffectClrLst/>
+  </dgm:styleLbl>
+  <dgm:styleLbl name="solidAlignAcc1">
+    <dgm:fillClrLst meth="repeat">
+      <a:schemeClr val="lt1"/>
+    </dgm:fillClrLst>
+    <dgm:linClrLst meth="repeat">
+      <a:schemeClr val="accent1"/>
+    </dgm:linClrLst>
+    <dgm:effectClrLst/>
+    <dgm:txLinClrLst/>
+    <dgm:txFillClrLst meth="repeat">
+      <a:schemeClr val="dk1"/>
+    </dgm:txFillClrLst>
+    <dgm:txEffectClrLst/>
+  </dgm:styleLbl>
+  <dgm:styleLbl name="solidBgAcc1">
+    <dgm:fillClrLst meth="repeat">
+      <a:schemeClr val="lt1"/>
+    </dgm:fillClrLst>
+    <dgm:linClrLst meth="repeat">
+      <a:schemeClr val="accent1"/>
+    </dgm:linClrLst>
+    <dgm:effectClrLst/>
+    <dgm:txLinClrLst/>
+    <dgm:txFillClrLst meth="repeat">
+      <a:schemeClr val="dk1"/>
+    </dgm:txFillClrLst>
+    <dgm:txEffectClrLst/>
+  </dgm:styleLbl>
+  <dgm:styleLbl name="fgAccFollowNode1">
+    <dgm:fillClrLst meth="repeat">
+      <a:schemeClr val="accent1">
+        <a:alpha val="90000"/>
+        <a:tint val="40000"/>
+      </a:schemeClr>
+    </dgm:fillClrLst>
+    <dgm:linClrLst meth="repeat">
+      <a:schemeClr val="accent1">
+        <a:alpha val="90000"/>
+        <a:tint val="40000"/>
+      </a:schemeClr>
+    </dgm:linClrLst>
+    <dgm:effectClrLst/>
+    <dgm:txLinClrLst/>
+    <dgm:txFillClrLst meth="repeat">
+      <a:schemeClr val="dk1"/>
+    </dgm:txFillClrLst>
+    <dgm:txEffectClrLst/>
+  </dgm:styleLbl>
+  <dgm:styleLbl name="alignAccFollowNode1">
+    <dgm:fillClrLst meth="repeat">
+      <a:schemeClr val="accent1">
+        <a:alpha val="90000"/>
+        <a:tint val="40000"/>
+      </a:schemeClr>
+    </dgm:fillClrLst>
+    <dgm:linClrLst meth="repeat">
+      <a:schemeClr val="accent1">
+        <a:alpha val="90000"/>
+        <a:tint val="40000"/>
+      </a:schemeClr>
+    </dgm:linClrLst>
+    <dgm:effectClrLst/>
+    <dgm:txLinClrLst/>
+    <dgm:txFillClrLst meth="repeat">
+      <a:schemeClr val="dk1"/>
+    </dgm:txFillClrLst>
+    <dgm:txEffectClrLst/>
+  </dgm:styleLbl>
+  <dgm:styleLbl name="bgAccFollowNode1">
+    <dgm:fillClrLst meth="repeat">
+      <a:schemeClr val="accent1">
+        <a:alpha val="90000"/>
+        <a:tint val="40000"/>
+      </a:schemeClr>
+    </dgm:fillClrLst>
+    <dgm:linClrLst meth="repeat">
+      <a:schemeClr val="accent1">
+        <a:alpha val="90000"/>
+        <a:tint val="40000"/>
+      </a:schemeClr>
+    </dgm:linClrLst>
+    <dgm:effectClrLst/>
+    <dgm:txLinClrLst/>
+    <dgm:txFillClrLst meth="repeat">
+      <a:schemeClr val="dk1"/>
+    </dgm:txFillClrLst>
+    <dgm:txEffectClrLst/>
+  </dgm:styleLbl>
+  <dgm:styleLbl name="fgAcc0">
+    <dgm:fillClrLst meth="repeat">
+      <a:schemeClr val="lt1">
+        <a:alpha val="90000"/>
+      </a:schemeClr>
+    </dgm:fillClrLst>
+    <dgm:linClrLst meth="repeat">
+      <a:schemeClr val="accent1"/>
+    </dgm:linClrLst>
+    <dgm:effectClrLst/>
+    <dgm:txLinClrLst/>
+    <dgm:txFillClrLst meth="repeat">
+      <a:schemeClr val="dk1"/>
+    </dgm:txFillClrLst>
+    <dgm:txEffectClrLst/>
+  </dgm:styleLbl>
+  <dgm:styleLbl name="fgAcc2">
+    <dgm:fillClrLst meth="repeat">
+      <a:schemeClr val="lt1">
+        <a:alpha val="90000"/>
+      </a:schemeClr>
+    </dgm:fillClrLst>
+    <dgm:linClrLst meth="repeat">
+      <a:schemeClr val="accent1"/>
+    </dgm:linClrLst>
+    <dgm:effectClrLst/>
+    <dgm:txLinClrLst/>
+    <dgm:txFillClrLst meth="repeat">
+      <a:schemeClr val="dk1"/>
+    </dgm:txFillClrLst>
+    <dgm:txEffectClrLst/>
+  </dgm:styleLbl>
+  <dgm:styleLbl name="fgAcc3">
+    <dgm:fillClrLst meth="repeat">
+      <a:schemeClr val="lt1">
+        <a:alpha val="90000"/>
+      </a:schemeClr>
+    </dgm:fillClrLst>
+    <dgm:linClrLst meth="repeat">
+      <a:schemeClr val="accent1"/>
+    </dgm:linClrLst>
+    <dgm:effectClrLst/>
+    <dgm:txLinClrLst/>
+    <dgm:txFillClrLst meth="repeat">
+      <a:schemeClr val="dk1"/>
+    </dgm:txFillClrLst>
+    <dgm:txEffectClrLst/>
+  </dgm:styleLbl>
+  <dgm:styleLbl name="fgAcc4">
+    <dgm:fillClrLst meth="repeat">
+      <a:schemeClr val="lt1">
+        <a:alpha val="90000"/>
+      </a:schemeClr>
+    </dgm:fillClrLst>
+    <dgm:linClrLst meth="repeat">
+      <a:schemeClr val="accent1"/>
+    </dgm:linClrLst>
+    <dgm:effectClrLst/>
+    <dgm:txLinClrLst/>
+    <dgm:txFillClrLst meth="repeat">
+      <a:schemeClr val="dk1"/>
+    </dgm:txFillClrLst>
+    <dgm:txEffectClrLst/>
+  </dgm:styleLbl>
+  <dgm:styleLbl name="bgShp">
+    <dgm:fillClrLst meth="repeat">
+      <a:schemeClr val="accent1">
+        <a:tint val="40000"/>
+      </a:schemeClr>
+    </dgm:fillClrLst>
+    <dgm:linClrLst meth="repeat">
+      <a:schemeClr val="accent1"/>
+    </dgm:linClrLst>
+    <dgm:effectClrLst/>
+    <dgm:txLinClrLst/>
+    <dgm:txFillClrLst meth="repeat">
+      <a:schemeClr val="dk1"/>
+    </dgm:txFillClrLst>
+    <dgm:txEffectClrLst/>
+  </dgm:styleLbl>
+  <dgm:styleLbl name="dkBgShp">
+    <dgm:fillClrLst meth="repeat">
+      <a:schemeClr val="accent1">
+        <a:shade val="80000"/>
+      </a:schemeClr>
+    </dgm:fillClrLst>
+    <dgm:linClrLst meth="repeat">
+      <a:schemeClr val="accent1"/>
+    </dgm:linClrLst>
+    <dgm:effectClrLst/>
+    <dgm:txLinClrLst/>
+    <dgm:txFillClrLst meth="repeat">
+      <a:schemeClr val="lt1"/>
+    </dgm:txFillClrLst>
+    <dgm:txEffectClrLst/>
+  </dgm:styleLbl>
+  <dgm:styleLbl name="trBgShp">
+    <dgm:fillClrLst meth="repeat">
+      <a:schemeClr val="accent1">
+        <a:tint val="50000"/>
+        <a:alpha val="40000"/>
+      </a:schemeClr>
+    </dgm:fillClrLst>
+    <dgm:linClrLst meth="repeat">
+      <a:schemeClr val="accent1"/>
+    </dgm:linClrLst>
+    <dgm:effectClrLst/>
+    <dgm:txLinClrLst/>
+    <dgm:txFillClrLst meth="repeat">
+      <a:schemeClr val="lt1"/>
+    </dgm:txFillClrLst>
+    <dgm:txEffectClrLst/>
+  </dgm:styleLbl>
+  <dgm:styleLbl name="fgShp">
+    <dgm:fillClrLst meth="repeat">
+      <a:schemeClr val="accent1">
+        <a:tint val="60000"/>
+      </a:schemeClr>
+    </dgm:fillClrLst>
+    <dgm:linClrLst meth="repeat">
+      <a:schemeClr val="lt1"/>
+    </dgm:linClrLst>
+    <dgm:effectClrLst/>
+    <dgm:txLinClrLst/>
+    <dgm:txFillClrLst meth="repeat">
+      <a:schemeClr val="dk1"/>
+    </dgm:txFillClrLst>
+    <dgm:txEffectClrLst/>
+  </dgm:styleLbl>
+  <dgm:styleLbl name="revTx">
+    <dgm:fillClrLst meth="repeat">
+      <a:schemeClr val="lt1">
+        <a:alpha val="0"/>
+      </a:schemeClr>
+    </dgm:fillClrLst>
+    <dgm:linClrLst meth="repeat">
+      <a:schemeClr val="dk1">
+        <a:alpha val="0"/>
+      </a:schemeClr>
+    </dgm:linClrLst>
+    <dgm:effectClrLst/>
+    <dgm:txLinClrLst/>
+    <dgm:txFillClrLst meth="repeat">
+      <a:schemeClr val="tx1"/>
+    </dgm:txFillClrLst>
+    <dgm:txEffectClrLst/>
+  </dgm:styleLbl>
+</dgm:colorsDef>
+</file>
+
 <file path=ppt/diagrams/data1.xml><?xml version="1.0" encoding="utf-8"?>
+<dgm:dataModel xmlns:dgm="http://schemas.openxmlformats.org/drawingml/2006/diagram" xmlns:a="http://schemas.openxmlformats.org/drawingml/2006/main">
+  <dgm:ptLst>
+    <dgm:pt modelId="{C2BEA5AB-BC82-43DB-8AD2-9C2BA8CEA325}" type="doc">
+      <dgm:prSet loTypeId="urn:microsoft.com/office/officeart/2005/8/layout/process1" loCatId="process" qsTypeId="urn:microsoft.com/office/officeart/2005/8/quickstyle/simple1" qsCatId="simple" csTypeId="urn:microsoft.com/office/officeart/2005/8/colors/accent1_2" csCatId="accent1" phldr="1"/>
+      <dgm:spPr/>
+    </dgm:pt>
+    <dgm:pt modelId="{9EE47DC9-FD41-49CC-BF05-36E38F28C6F4}">
+      <dgm:prSet phldrT="[Text]"/>
+      <dgm:spPr/>
+      <dgm:t>
+        <a:bodyPr/>
+        <a:lstStyle/>
+        <a:p>
+          <a:r>
+            <a:rPr lang="en-AU" dirty="0"/>
+            <a:t>Input</a:t>
+          </a:r>
+        </a:p>
+      </dgm:t>
+    </dgm:pt>
+    <dgm:pt modelId="{917129C1-3B70-43E5-A233-2FD1EFAB776B}" type="parTrans" cxnId="{4343D4E2-A549-4E18-B235-1DB185226C8B}">
+      <dgm:prSet/>
+      <dgm:spPr/>
+      <dgm:t>
+        <a:bodyPr/>
+        <a:lstStyle/>
+        <a:p>
+          <a:endParaRPr lang="en-AU"/>
+        </a:p>
+      </dgm:t>
+    </dgm:pt>
+    <dgm:pt modelId="{CFD569C8-8D03-4673-A016-6CC4BA2F51EA}" type="sibTrans" cxnId="{4343D4E2-A549-4E18-B235-1DB185226C8B}">
+      <dgm:prSet/>
+      <dgm:spPr/>
+      <dgm:t>
+        <a:bodyPr/>
+        <a:lstStyle/>
+        <a:p>
+          <a:endParaRPr lang="en-AU"/>
+        </a:p>
+      </dgm:t>
+    </dgm:pt>
+    <dgm:pt modelId="{3F255084-D8DF-42E0-AF26-1B5ECF31434C}">
+      <dgm:prSet phldrT="[Text]"/>
+      <dgm:spPr/>
+      <dgm:t>
+        <a:bodyPr/>
+        <a:lstStyle/>
+        <a:p>
+          <a:r>
+            <a:rPr lang="en-AU" dirty="0"/>
+            <a:t>Model</a:t>
+          </a:r>
+        </a:p>
+      </dgm:t>
+    </dgm:pt>
+    <dgm:pt modelId="{1A6B0E8C-4BBF-4201-ABD0-457AE92E90AC}" type="parTrans" cxnId="{4EE814EF-A482-4487-9E0C-F9201B55BFF4}">
+      <dgm:prSet/>
+      <dgm:spPr/>
+      <dgm:t>
+        <a:bodyPr/>
+        <a:lstStyle/>
+        <a:p>
+          <a:endParaRPr lang="en-AU"/>
+        </a:p>
+      </dgm:t>
+    </dgm:pt>
+    <dgm:pt modelId="{A196F1D8-7BA4-4999-A4FD-E40D237B8258}" type="sibTrans" cxnId="{4EE814EF-A482-4487-9E0C-F9201B55BFF4}">
+      <dgm:prSet/>
+      <dgm:spPr/>
+      <dgm:t>
+        <a:bodyPr/>
+        <a:lstStyle/>
+        <a:p>
+          <a:endParaRPr lang="en-AU"/>
+        </a:p>
+      </dgm:t>
+    </dgm:pt>
+    <dgm:pt modelId="{2CBE346B-8D26-471F-97D3-9BD15DE030AB}">
+      <dgm:prSet phldrT="[Text]"/>
+      <dgm:spPr/>
+      <dgm:t>
+        <a:bodyPr/>
+        <a:lstStyle/>
+        <a:p>
+          <a:r>
+            <a:rPr lang="en-AU" dirty="0"/>
+            <a:t>Output</a:t>
+          </a:r>
+        </a:p>
+      </dgm:t>
+    </dgm:pt>
+    <dgm:pt modelId="{BF1DD614-22D1-4320-ADE5-6FA2B4C5F86B}" type="parTrans" cxnId="{1303548C-7C3B-47A6-AA37-6B484DF2846B}">
+      <dgm:prSet/>
+      <dgm:spPr/>
+      <dgm:t>
+        <a:bodyPr/>
+        <a:lstStyle/>
+        <a:p>
+          <a:endParaRPr lang="en-AU"/>
+        </a:p>
+      </dgm:t>
+    </dgm:pt>
+    <dgm:pt modelId="{6AD736F7-38F4-4C66-9208-2200B36D299D}" type="sibTrans" cxnId="{1303548C-7C3B-47A6-AA37-6B484DF2846B}">
+      <dgm:prSet/>
+      <dgm:spPr/>
+      <dgm:t>
+        <a:bodyPr/>
+        <a:lstStyle/>
+        <a:p>
+          <a:endParaRPr lang="en-AU"/>
+        </a:p>
+      </dgm:t>
+    </dgm:pt>
+    <dgm:pt modelId="{6E7306E2-5DCB-43EC-B091-ACF9B8EA6FE3}" type="pres">
+      <dgm:prSet presAssocID="{C2BEA5AB-BC82-43DB-8AD2-9C2BA8CEA325}" presName="Name0" presStyleCnt="0">
+        <dgm:presLayoutVars>
+          <dgm:dir/>
+          <dgm:resizeHandles val="exact"/>
+        </dgm:presLayoutVars>
+      </dgm:prSet>
+      <dgm:spPr/>
+    </dgm:pt>
+    <dgm:pt modelId="{D7A6FE25-9559-4833-BDA9-28671C60F52D}" type="pres">
+      <dgm:prSet presAssocID="{9EE47DC9-FD41-49CC-BF05-36E38F28C6F4}" presName="node" presStyleLbl="node1" presStyleIdx="0" presStyleCnt="3">
+        <dgm:presLayoutVars>
+          <dgm:bulletEnabled val="1"/>
+        </dgm:presLayoutVars>
+      </dgm:prSet>
+      <dgm:spPr/>
+    </dgm:pt>
+    <dgm:pt modelId="{C2FAF6D6-AAB0-4E07-9B27-17C0D1BF7333}" type="pres">
+      <dgm:prSet presAssocID="{CFD569C8-8D03-4673-A016-6CC4BA2F51EA}" presName="sibTrans" presStyleLbl="sibTrans2D1" presStyleIdx="0" presStyleCnt="2"/>
+      <dgm:spPr/>
+    </dgm:pt>
+    <dgm:pt modelId="{A6AE933F-4ED2-4CA6-816F-BDF80BF6972F}" type="pres">
+      <dgm:prSet presAssocID="{CFD569C8-8D03-4673-A016-6CC4BA2F51EA}" presName="connectorText" presStyleLbl="sibTrans2D1" presStyleIdx="0" presStyleCnt="2"/>
+      <dgm:spPr/>
+    </dgm:pt>
+    <dgm:pt modelId="{25A1A754-FE3F-4456-83C1-D074DFBFAEEF}" type="pres">
+      <dgm:prSet presAssocID="{3F255084-D8DF-42E0-AF26-1B5ECF31434C}" presName="node" presStyleLbl="node1" presStyleIdx="1" presStyleCnt="3">
+        <dgm:presLayoutVars>
+          <dgm:bulletEnabled val="1"/>
+        </dgm:presLayoutVars>
+      </dgm:prSet>
+      <dgm:spPr/>
+    </dgm:pt>
+    <dgm:pt modelId="{F514C93C-9317-440A-827D-BDE795B60B66}" type="pres">
+      <dgm:prSet presAssocID="{A196F1D8-7BA4-4999-A4FD-E40D237B8258}" presName="sibTrans" presStyleLbl="sibTrans2D1" presStyleIdx="1" presStyleCnt="2"/>
+      <dgm:spPr/>
+    </dgm:pt>
+    <dgm:pt modelId="{4E0898FE-80F6-460E-842B-6FF5DD751F98}" type="pres">
+      <dgm:prSet presAssocID="{A196F1D8-7BA4-4999-A4FD-E40D237B8258}" presName="connectorText" presStyleLbl="sibTrans2D1" presStyleIdx="1" presStyleCnt="2"/>
+      <dgm:spPr/>
+    </dgm:pt>
+    <dgm:pt modelId="{2D75A61A-F696-41FC-918C-30930F086CAB}" type="pres">
+      <dgm:prSet presAssocID="{2CBE346B-8D26-471F-97D3-9BD15DE030AB}" presName="node" presStyleLbl="node1" presStyleIdx="2" presStyleCnt="3">
+        <dgm:presLayoutVars>
+          <dgm:bulletEnabled val="1"/>
+        </dgm:presLayoutVars>
+      </dgm:prSet>
+      <dgm:spPr/>
+    </dgm:pt>
+  </dgm:ptLst>
+  <dgm:cxnLst>
+    <dgm:cxn modelId="{4718C620-4CF4-4F3D-879F-85C61F80F676}" type="presOf" srcId="{CFD569C8-8D03-4673-A016-6CC4BA2F51EA}" destId="{A6AE933F-4ED2-4CA6-816F-BDF80BF6972F}" srcOrd="1" destOrd="0" presId="urn:microsoft.com/office/officeart/2005/8/layout/process1"/>
+    <dgm:cxn modelId="{3D296D6F-AEF9-4B50-A637-DFC392AD2DA7}" type="presOf" srcId="{A196F1D8-7BA4-4999-A4FD-E40D237B8258}" destId="{4E0898FE-80F6-460E-842B-6FF5DD751F98}" srcOrd="1" destOrd="0" presId="urn:microsoft.com/office/officeart/2005/8/layout/process1"/>
+    <dgm:cxn modelId="{CFF98653-6C31-45FF-9A3B-5E9CB81280EB}" type="presOf" srcId="{CFD569C8-8D03-4673-A016-6CC4BA2F51EA}" destId="{C2FAF6D6-AAB0-4E07-9B27-17C0D1BF7333}" srcOrd="0" destOrd="0" presId="urn:microsoft.com/office/officeart/2005/8/layout/process1"/>
+    <dgm:cxn modelId="{1303548C-7C3B-47A6-AA37-6B484DF2846B}" srcId="{C2BEA5AB-BC82-43DB-8AD2-9C2BA8CEA325}" destId="{2CBE346B-8D26-471F-97D3-9BD15DE030AB}" srcOrd="2" destOrd="0" parTransId="{BF1DD614-22D1-4320-ADE5-6FA2B4C5F86B}" sibTransId="{6AD736F7-38F4-4C66-9208-2200B36D299D}"/>
+    <dgm:cxn modelId="{78D310AB-ADA4-4E73-A958-C9D9D4FE96BC}" type="presOf" srcId="{A196F1D8-7BA4-4999-A4FD-E40D237B8258}" destId="{F514C93C-9317-440A-827D-BDE795B60B66}" srcOrd="0" destOrd="0" presId="urn:microsoft.com/office/officeart/2005/8/layout/process1"/>
+    <dgm:cxn modelId="{4F3CD1B7-BEE4-4B57-86C2-59B4784D3986}" type="presOf" srcId="{C2BEA5AB-BC82-43DB-8AD2-9C2BA8CEA325}" destId="{6E7306E2-5DCB-43EC-B091-ACF9B8EA6FE3}" srcOrd="0" destOrd="0" presId="urn:microsoft.com/office/officeart/2005/8/layout/process1"/>
+    <dgm:cxn modelId="{4343D4E2-A549-4E18-B235-1DB185226C8B}" srcId="{C2BEA5AB-BC82-43DB-8AD2-9C2BA8CEA325}" destId="{9EE47DC9-FD41-49CC-BF05-36E38F28C6F4}" srcOrd="0" destOrd="0" parTransId="{917129C1-3B70-43E5-A233-2FD1EFAB776B}" sibTransId="{CFD569C8-8D03-4673-A016-6CC4BA2F51EA}"/>
+    <dgm:cxn modelId="{E5FE52E8-68FE-4CE8-9AF1-CCA33D00A72F}" type="presOf" srcId="{3F255084-D8DF-42E0-AF26-1B5ECF31434C}" destId="{25A1A754-FE3F-4456-83C1-D074DFBFAEEF}" srcOrd="0" destOrd="0" presId="urn:microsoft.com/office/officeart/2005/8/layout/process1"/>
+    <dgm:cxn modelId="{4EE814EF-A482-4487-9E0C-F9201B55BFF4}" srcId="{C2BEA5AB-BC82-43DB-8AD2-9C2BA8CEA325}" destId="{3F255084-D8DF-42E0-AF26-1B5ECF31434C}" srcOrd="1" destOrd="0" parTransId="{1A6B0E8C-4BBF-4201-ABD0-457AE92E90AC}" sibTransId="{A196F1D8-7BA4-4999-A4FD-E40D237B8258}"/>
+    <dgm:cxn modelId="{3599EAF7-ADA6-42BC-BC18-3086A2A6E9A2}" type="presOf" srcId="{2CBE346B-8D26-471F-97D3-9BD15DE030AB}" destId="{2D75A61A-F696-41FC-918C-30930F086CAB}" srcOrd="0" destOrd="0" presId="urn:microsoft.com/office/officeart/2005/8/layout/process1"/>
+    <dgm:cxn modelId="{D9E4F5FF-8AB7-4E77-A275-D53A1903C3D9}" type="presOf" srcId="{9EE47DC9-FD41-49CC-BF05-36E38F28C6F4}" destId="{D7A6FE25-9559-4833-BDA9-28671C60F52D}" srcOrd="0" destOrd="0" presId="urn:microsoft.com/office/officeart/2005/8/layout/process1"/>
+    <dgm:cxn modelId="{24F6AB92-3F06-42F1-BE6E-526B557A07CE}" type="presParOf" srcId="{6E7306E2-5DCB-43EC-B091-ACF9B8EA6FE3}" destId="{D7A6FE25-9559-4833-BDA9-28671C60F52D}" srcOrd="0" destOrd="0" presId="urn:microsoft.com/office/officeart/2005/8/layout/process1"/>
+    <dgm:cxn modelId="{548813BF-30B5-44EE-9599-3DEA6C583E15}" type="presParOf" srcId="{6E7306E2-5DCB-43EC-B091-ACF9B8EA6FE3}" destId="{C2FAF6D6-AAB0-4E07-9B27-17C0D1BF7333}" srcOrd="1" destOrd="0" presId="urn:microsoft.com/office/officeart/2005/8/layout/process1"/>
+    <dgm:cxn modelId="{AF73104D-6D53-4385-937B-DE4CB5D5E7E3}" type="presParOf" srcId="{C2FAF6D6-AAB0-4E07-9B27-17C0D1BF7333}" destId="{A6AE933F-4ED2-4CA6-816F-BDF80BF6972F}" srcOrd="0" destOrd="0" presId="urn:microsoft.com/office/officeart/2005/8/layout/process1"/>
+    <dgm:cxn modelId="{8DA5DF17-FAEB-45EF-A0C0-20E310B0ADB6}" type="presParOf" srcId="{6E7306E2-5DCB-43EC-B091-ACF9B8EA6FE3}" destId="{25A1A754-FE3F-4456-83C1-D074DFBFAEEF}" srcOrd="2" destOrd="0" presId="urn:microsoft.com/office/officeart/2005/8/layout/process1"/>
+    <dgm:cxn modelId="{406F9E78-6890-4163-92D2-7B0DFA4B49D2}" type="presParOf" srcId="{6E7306E2-5DCB-43EC-B091-ACF9B8EA6FE3}" destId="{F514C93C-9317-440A-827D-BDE795B60B66}" srcOrd="3" destOrd="0" presId="urn:microsoft.com/office/officeart/2005/8/layout/process1"/>
+    <dgm:cxn modelId="{A2C11A9C-9163-4F29-98E2-346E3FB21BAE}" type="presParOf" srcId="{F514C93C-9317-440A-827D-BDE795B60B66}" destId="{4E0898FE-80F6-460E-842B-6FF5DD751F98}" srcOrd="0" destOrd="0" presId="urn:microsoft.com/office/officeart/2005/8/layout/process1"/>
+    <dgm:cxn modelId="{2C212EA7-42E6-4DC5-BED7-059A8C8AD1F8}" type="presParOf" srcId="{6E7306E2-5DCB-43EC-B091-ACF9B8EA6FE3}" destId="{2D75A61A-F696-41FC-918C-30930F086CAB}" srcOrd="4" destOrd="0" presId="urn:microsoft.com/office/officeart/2005/8/layout/process1"/>
+  </dgm:cxnLst>
+  <dgm:bg/>
+  <dgm:whole/>
+  <dgm:extLst>
+    <a:ext uri="http://schemas.microsoft.com/office/drawing/2008/diagram">
+      <dsp:dataModelExt xmlns:dsp="http://schemas.microsoft.com/office/drawing/2008/diagram" relId="rId6" minVer="http://schemas.openxmlformats.org/drawingml/2006/diagram"/>
+    </a:ext>
+  </dgm:extLst>
+</dgm:dataModel>
+</file>
+
+<file path=ppt/diagrams/data2.xml><?xml version="1.0" encoding="utf-8"?>
 <dgm:dataModel xmlns:dgm="http://schemas.openxmlformats.org/drawingml/2006/diagram" xmlns:a="http://schemas.openxmlformats.org/drawingml/2006/main">
   <dgm:ptLst>
     <dgm:pt modelId="{C3AEF0A3-5CB2-49C6-9000-D056BBEFA60D}" type="doc">
@@ -1373,13 +2315,6 @@
         </dgm:presLayoutVars>
       </dgm:prSet>
       <dgm:spPr/>
-      <dgm:t>
-        <a:bodyPr/>
-        <a:lstStyle/>
-        <a:p>
-          <a:endParaRPr lang="en-AU"/>
-        </a:p>
-      </dgm:t>
     </dgm:pt>
     <dgm:pt modelId="{7D341E6A-693C-4246-85DC-72CAF7928A21}" type="pres">
       <dgm:prSet presAssocID="{2CECF517-16A4-4A6B-B7D2-B920789ABBA4}" presName="composite" presStyleCnt="0"/>
@@ -1393,13 +2328,6 @@
         </dgm:presLayoutVars>
       </dgm:prSet>
       <dgm:spPr/>
-      <dgm:t>
-        <a:bodyPr/>
-        <a:lstStyle/>
-        <a:p>
-          <a:endParaRPr lang="en-AU"/>
-        </a:p>
-      </dgm:t>
     </dgm:pt>
     <dgm:pt modelId="{AE732B93-C217-44D0-ADC0-3DFE6F1898F0}" type="pres">
       <dgm:prSet presAssocID="{2CECF517-16A4-4A6B-B7D2-B920789ABBA4}" presName="descendantText" presStyleLbl="alignAcc1" presStyleIdx="0" presStyleCnt="6">
@@ -1408,13 +2336,6 @@
         </dgm:presLayoutVars>
       </dgm:prSet>
       <dgm:spPr/>
-      <dgm:t>
-        <a:bodyPr/>
-        <a:lstStyle/>
-        <a:p>
-          <a:endParaRPr lang="en-AU"/>
-        </a:p>
-      </dgm:t>
     </dgm:pt>
     <dgm:pt modelId="{78ADC01D-AB1C-40CB-8B5E-D245B8AB5B5E}" type="pres">
       <dgm:prSet presAssocID="{2B80DF6B-2B16-4522-97A5-FC5C9E8CF3AF}" presName="sp" presStyleCnt="0"/>
@@ -1432,13 +2353,6 @@
         </dgm:presLayoutVars>
       </dgm:prSet>
       <dgm:spPr/>
-      <dgm:t>
-        <a:bodyPr/>
-        <a:lstStyle/>
-        <a:p>
-          <a:endParaRPr lang="en-AU"/>
-        </a:p>
-      </dgm:t>
     </dgm:pt>
     <dgm:pt modelId="{9559C1D2-75D4-4C9C-AB81-9AFA23D91352}" type="pres">
       <dgm:prSet presAssocID="{5BFBD139-1CB4-4363-9269-7E6622BCBC8A}" presName="descendantText" presStyleLbl="alignAcc1" presStyleIdx="1" presStyleCnt="6">
@@ -1447,13 +2361,6 @@
         </dgm:presLayoutVars>
       </dgm:prSet>
       <dgm:spPr/>
-      <dgm:t>
-        <a:bodyPr/>
-        <a:lstStyle/>
-        <a:p>
-          <a:endParaRPr lang="en-AU"/>
-        </a:p>
-      </dgm:t>
     </dgm:pt>
     <dgm:pt modelId="{B8962A9A-F90F-4110-8583-A23FB70DC2F1}" type="pres">
       <dgm:prSet presAssocID="{1729C903-BF67-4CA8-AEA3-0E26C71990CF}" presName="sp" presStyleCnt="0"/>
@@ -1471,13 +2378,6 @@
         </dgm:presLayoutVars>
       </dgm:prSet>
       <dgm:spPr/>
-      <dgm:t>
-        <a:bodyPr/>
-        <a:lstStyle/>
-        <a:p>
-          <a:endParaRPr lang="en-AU"/>
-        </a:p>
-      </dgm:t>
     </dgm:pt>
     <dgm:pt modelId="{BA4E67CC-F177-4F9B-A372-AB917E5C536B}" type="pres">
       <dgm:prSet presAssocID="{A011E0F7-F588-4C8D-BCD6-7F6EA2E5E160}" presName="descendantText" presStyleLbl="alignAcc1" presStyleIdx="2" presStyleCnt="6">
@@ -1486,13 +2386,6 @@
         </dgm:presLayoutVars>
       </dgm:prSet>
       <dgm:spPr/>
-      <dgm:t>
-        <a:bodyPr/>
-        <a:lstStyle/>
-        <a:p>
-          <a:endParaRPr lang="en-AU"/>
-        </a:p>
-      </dgm:t>
     </dgm:pt>
     <dgm:pt modelId="{003663A7-27E1-4DB1-927A-D52CCD7405BC}" type="pres">
       <dgm:prSet presAssocID="{CDAB4146-0D22-428A-A863-39DE97481B66}" presName="sp" presStyleCnt="0"/>
@@ -1510,13 +2403,6 @@
         </dgm:presLayoutVars>
       </dgm:prSet>
       <dgm:spPr/>
-      <dgm:t>
-        <a:bodyPr/>
-        <a:lstStyle/>
-        <a:p>
-          <a:endParaRPr lang="en-AU"/>
-        </a:p>
-      </dgm:t>
     </dgm:pt>
     <dgm:pt modelId="{758B686D-4E4A-4503-A45C-4DD88C77BCEA}" type="pres">
       <dgm:prSet presAssocID="{EE02FF68-3676-4624-80D3-6B173EE9BBF9}" presName="descendantText" presStyleLbl="alignAcc1" presStyleIdx="3" presStyleCnt="6">
@@ -1525,13 +2411,6 @@
         </dgm:presLayoutVars>
       </dgm:prSet>
       <dgm:spPr/>
-      <dgm:t>
-        <a:bodyPr/>
-        <a:lstStyle/>
-        <a:p>
-          <a:endParaRPr lang="en-AU"/>
-        </a:p>
-      </dgm:t>
     </dgm:pt>
     <dgm:pt modelId="{CCCADA09-B1B5-4FE8-A591-3F37F01F2691}" type="pres">
       <dgm:prSet presAssocID="{98AA5BE0-FCAD-4221-8F07-03024030CE23}" presName="sp" presStyleCnt="0"/>
@@ -1549,13 +2428,6 @@
         </dgm:presLayoutVars>
       </dgm:prSet>
       <dgm:spPr/>
-      <dgm:t>
-        <a:bodyPr/>
-        <a:lstStyle/>
-        <a:p>
-          <a:endParaRPr lang="en-AU"/>
-        </a:p>
-      </dgm:t>
     </dgm:pt>
     <dgm:pt modelId="{82529F0F-0490-4B71-B1B1-2A1CCE250566}" type="pres">
       <dgm:prSet presAssocID="{C16DFD09-DC49-4373-A2B7-FA28DF1DF3B5}" presName="descendantText" presStyleLbl="alignAcc1" presStyleIdx="4" presStyleCnt="6">
@@ -1564,13 +2436,6 @@
         </dgm:presLayoutVars>
       </dgm:prSet>
       <dgm:spPr/>
-      <dgm:t>
-        <a:bodyPr/>
-        <a:lstStyle/>
-        <a:p>
-          <a:endParaRPr lang="en-AU"/>
-        </a:p>
-      </dgm:t>
     </dgm:pt>
     <dgm:pt modelId="{8936DA3B-791C-4A65-9E56-7E76A94A8D17}" type="pres">
       <dgm:prSet presAssocID="{015E8DE0-440C-4CC0-B07A-0D6292878838}" presName="sp" presStyleCnt="0"/>
@@ -1588,13 +2453,6 @@
         </dgm:presLayoutVars>
       </dgm:prSet>
       <dgm:spPr/>
-      <dgm:t>
-        <a:bodyPr/>
-        <a:lstStyle/>
-        <a:p>
-          <a:endParaRPr lang="en-AU"/>
-        </a:p>
-      </dgm:t>
     </dgm:pt>
     <dgm:pt modelId="{3BCA5A54-89C5-48D5-9936-31D0A1F44ABE}" type="pres">
       <dgm:prSet presAssocID="{9DEB1442-88FA-412E-AF8E-7CB0E69F502A}" presName="descendantText" presStyleLbl="alignAcc1" presStyleIdx="5" presStyleCnt="6">
@@ -1603,41 +2461,34 @@
         </dgm:presLayoutVars>
       </dgm:prSet>
       <dgm:spPr/>
-      <dgm:t>
-        <a:bodyPr/>
-        <a:lstStyle/>
-        <a:p>
-          <a:endParaRPr lang="en-AU"/>
-        </a:p>
-      </dgm:t>
     </dgm:pt>
   </dgm:ptLst>
   <dgm:cxnLst>
+    <dgm:cxn modelId="{1A08DF01-0935-47DD-90B7-60C7423CF1AA}" srcId="{2CECF517-16A4-4A6B-B7D2-B920789ABBA4}" destId="{CE3C39E7-ECAF-4F61-B7C2-BEDFC1F75578}" srcOrd="0" destOrd="0" parTransId="{958C8565-6D30-49A8-8E81-F3C867914DDA}" sibTransId="{184C5C0F-06C4-4D71-B9D6-429BB9999220}"/>
+    <dgm:cxn modelId="{08957502-39B2-4284-B869-0F4AF255833F}" srcId="{A011E0F7-F588-4C8D-BCD6-7F6EA2E5E160}" destId="{5A4A2A31-33CE-4D85-95B8-30BCFCC84564}" srcOrd="0" destOrd="0" parTransId="{386F910C-9E42-42E3-8DB4-BA690CE8E6AF}" sibTransId="{5BD0E2C0-C15D-440D-8E6B-696DBA2699FB}"/>
+    <dgm:cxn modelId="{B1BD7F03-3E64-44AB-B1E9-A7FE01E076BD}" type="presOf" srcId="{A011E0F7-F588-4C8D-BCD6-7F6EA2E5E160}" destId="{31787433-7D80-4525-B43A-631DD55E2578}" srcOrd="0" destOrd="0" presId="urn:microsoft.com/office/officeart/2005/8/layout/chevron2"/>
+    <dgm:cxn modelId="{263F4014-F564-4668-AA87-9B67C534EB2F}" type="presOf" srcId="{98C33624-850F-4F3E-951D-01B6717A12FD}" destId="{82529F0F-0490-4B71-B1B1-2A1CCE250566}" srcOrd="0" destOrd="0" presId="urn:microsoft.com/office/officeart/2005/8/layout/chevron2"/>
     <dgm:cxn modelId="{06098B2C-5EB8-4A32-B7FD-D09BF10F0623}" srcId="{EE02FF68-3676-4624-80D3-6B173EE9BBF9}" destId="{CDB9C19B-2206-489F-9AF4-06D7B73435FA}" srcOrd="0" destOrd="0" parTransId="{C6110966-2FD9-4059-AAA5-0E40DACCD8A4}" sibTransId="{9CD2319A-FBBD-4F09-97F0-04241D46588D}"/>
+    <dgm:cxn modelId="{89792A35-31CC-4668-AF9C-3630FF0890D6}" srcId="{C3AEF0A3-5CB2-49C6-9000-D056BBEFA60D}" destId="{5BFBD139-1CB4-4363-9269-7E6622BCBC8A}" srcOrd="1" destOrd="0" parTransId="{E5A98278-6C31-4453-A55D-57F65D25F29A}" sibTransId="{1729C903-BF67-4CA8-AEA3-0E26C71990CF}"/>
+    <dgm:cxn modelId="{DAB81238-FC97-4ED2-B413-DB0F5E23FCB6}" type="presOf" srcId="{2CECF517-16A4-4A6B-B7D2-B920789ABBA4}" destId="{24BF4F90-A06D-4B1A-B0EF-10B8CFD6E7DD}" srcOrd="0" destOrd="0" presId="urn:microsoft.com/office/officeart/2005/8/layout/chevron2"/>
+    <dgm:cxn modelId="{2C8F9C43-0480-49A7-93B0-65B03DC82507}" type="presOf" srcId="{CDB9C19B-2206-489F-9AF4-06D7B73435FA}" destId="{758B686D-4E4A-4503-A45C-4DD88C77BCEA}" srcOrd="0" destOrd="0" presId="urn:microsoft.com/office/officeart/2005/8/layout/chevron2"/>
+    <dgm:cxn modelId="{A5213644-008E-496D-A731-631A02BAF3E7}" type="presOf" srcId="{115B452B-C5B4-4656-A790-089EA493FD9B}" destId="{3BCA5A54-89C5-48D5-9936-31D0A1F44ABE}" srcOrd="0" destOrd="0" presId="urn:microsoft.com/office/officeart/2005/8/layout/chevron2"/>
+    <dgm:cxn modelId="{FF7DB346-76ED-4C9D-B154-2C8FB0750029}" type="presOf" srcId="{5A4A2A31-33CE-4D85-95B8-30BCFCC84564}" destId="{BA4E67CC-F177-4F9B-A372-AB917E5C536B}" srcOrd="0" destOrd="0" presId="urn:microsoft.com/office/officeart/2005/8/layout/chevron2"/>
+    <dgm:cxn modelId="{8CD8E768-1F2D-439D-B3DE-748EBD0A032C}" srcId="{C3AEF0A3-5CB2-49C6-9000-D056BBEFA60D}" destId="{EE02FF68-3676-4624-80D3-6B173EE9BBF9}" srcOrd="3" destOrd="0" parTransId="{2521CB2E-F768-40FC-80CE-BB7E6F85E803}" sibTransId="{98AA5BE0-FCAD-4221-8F07-03024030CE23}"/>
+    <dgm:cxn modelId="{79D1A853-7482-40D5-BDA9-70EA4220A74C}" type="presOf" srcId="{CE3C39E7-ECAF-4F61-B7C2-BEDFC1F75578}" destId="{AE732B93-C217-44D0-ADC0-3DFE6F1898F0}" srcOrd="0" destOrd="0" presId="urn:microsoft.com/office/officeart/2005/8/layout/chevron2"/>
+    <dgm:cxn modelId="{72ABE755-C560-4341-BC49-F739521B1EAA}" type="presOf" srcId="{9DEB1442-88FA-412E-AF8E-7CB0E69F502A}" destId="{A79FA5CD-F63A-4C28-A6AF-33555776AA10}" srcOrd="0" destOrd="0" presId="urn:microsoft.com/office/officeart/2005/8/layout/chevron2"/>
+    <dgm:cxn modelId="{90E46483-6B00-4B7E-ABD2-3B50DC70B56A}" srcId="{5BFBD139-1CB4-4363-9269-7E6622BCBC8A}" destId="{348FA5D1-B30F-411C-BB3D-0D2E21C283AE}" srcOrd="0" destOrd="0" parTransId="{1EBB088E-853B-425E-AA04-B84EBE200B1D}" sibTransId="{898E3428-D547-4459-8E1F-4005B6CD7FDB}"/>
+    <dgm:cxn modelId="{FC3F7CB8-CF2C-46DF-96A8-3B026E4A1104}" type="presOf" srcId="{C3AEF0A3-5CB2-49C6-9000-D056BBEFA60D}" destId="{F6E71AD5-E7D5-4410-9AC9-1BB6E7DD5B43}" srcOrd="0" destOrd="0" presId="urn:microsoft.com/office/officeart/2005/8/layout/chevron2"/>
+    <dgm:cxn modelId="{C1A846BE-A192-4FB5-86CD-F8311577C380}" srcId="{C3AEF0A3-5CB2-49C6-9000-D056BBEFA60D}" destId="{A011E0F7-F588-4C8D-BCD6-7F6EA2E5E160}" srcOrd="2" destOrd="0" parTransId="{C45E2474-DC0C-4C2D-A545-69B7F9617BDF}" sibTransId="{CDAB4146-0D22-428A-A863-39DE97481B66}"/>
+    <dgm:cxn modelId="{06415EC5-E3C0-4C4D-8F4C-719F8F21A466}" srcId="{C3AEF0A3-5CB2-49C6-9000-D056BBEFA60D}" destId="{2CECF517-16A4-4A6B-B7D2-B920789ABBA4}" srcOrd="0" destOrd="0" parTransId="{7ED45248-2497-4A86-A6A4-0363CA21B9E6}" sibTransId="{2B80DF6B-2B16-4522-97A5-FC5C9E8CF3AF}"/>
+    <dgm:cxn modelId="{0EE25DC9-0A81-48AA-9A3C-6A7E94891269}" srcId="{C3AEF0A3-5CB2-49C6-9000-D056BBEFA60D}" destId="{9DEB1442-88FA-412E-AF8E-7CB0E69F502A}" srcOrd="5" destOrd="0" parTransId="{74C13E0E-DB61-4C27-AF4A-5D003EBA1EB3}" sibTransId="{25E3C0CA-BAC0-4603-B919-9379C2301E4F}"/>
+    <dgm:cxn modelId="{90187ACB-8ADA-4068-9E05-04F234CC67E5}" type="presOf" srcId="{EE02FF68-3676-4624-80D3-6B173EE9BBF9}" destId="{23FC2A95-3F55-43D8-8D98-17E198B2D967}" srcOrd="0" destOrd="0" presId="urn:microsoft.com/office/officeart/2005/8/layout/chevron2"/>
+    <dgm:cxn modelId="{74BF84D0-D319-4E71-8D90-69774F42CA2D}" type="presOf" srcId="{C16DFD09-DC49-4373-A2B7-FA28DF1DF3B5}" destId="{86DE861C-2F44-4B08-88B3-F73CA49E686F}" srcOrd="0" destOrd="0" presId="urn:microsoft.com/office/officeart/2005/8/layout/chevron2"/>
+    <dgm:cxn modelId="{59DBBBD0-C0F7-4716-B9F3-F38964A47423}" type="presOf" srcId="{348FA5D1-B30F-411C-BB3D-0D2E21C283AE}" destId="{9559C1D2-75D4-4C9C-AB81-9AFA23D91352}" srcOrd="0" destOrd="0" presId="urn:microsoft.com/office/officeart/2005/8/layout/chevron2"/>
     <dgm:cxn modelId="{BD2800D8-69AB-4D19-810E-12C2D4B10951}" type="presOf" srcId="{5BFBD139-1CB4-4363-9269-7E6622BCBC8A}" destId="{52AAD766-EB81-4258-BC93-9990ED45895D}" srcOrd="0" destOrd="0" presId="urn:microsoft.com/office/officeart/2005/8/layout/chevron2"/>
-    <dgm:cxn modelId="{0EE25DC9-0A81-48AA-9A3C-6A7E94891269}" srcId="{C3AEF0A3-5CB2-49C6-9000-D056BBEFA60D}" destId="{9DEB1442-88FA-412E-AF8E-7CB0E69F502A}" srcOrd="5" destOrd="0" parTransId="{74C13E0E-DB61-4C27-AF4A-5D003EBA1EB3}" sibTransId="{25E3C0CA-BAC0-4603-B919-9379C2301E4F}"/>
-    <dgm:cxn modelId="{59DBBBD0-C0F7-4716-B9F3-F38964A47423}" type="presOf" srcId="{348FA5D1-B30F-411C-BB3D-0D2E21C283AE}" destId="{9559C1D2-75D4-4C9C-AB81-9AFA23D91352}" srcOrd="0" destOrd="0" presId="urn:microsoft.com/office/officeart/2005/8/layout/chevron2"/>
-    <dgm:cxn modelId="{89792A35-31CC-4668-AF9C-3630FF0890D6}" srcId="{C3AEF0A3-5CB2-49C6-9000-D056BBEFA60D}" destId="{5BFBD139-1CB4-4363-9269-7E6622BCBC8A}" srcOrd="1" destOrd="0" parTransId="{E5A98278-6C31-4453-A55D-57F65D25F29A}" sibTransId="{1729C903-BF67-4CA8-AEA3-0E26C71990CF}"/>
-    <dgm:cxn modelId="{FC3F7CB8-CF2C-46DF-96A8-3B026E4A1104}" type="presOf" srcId="{C3AEF0A3-5CB2-49C6-9000-D056BBEFA60D}" destId="{F6E71AD5-E7D5-4410-9AC9-1BB6E7DD5B43}" srcOrd="0" destOrd="0" presId="urn:microsoft.com/office/officeart/2005/8/layout/chevron2"/>
-    <dgm:cxn modelId="{06415EC5-E3C0-4C4D-8F4C-719F8F21A466}" srcId="{C3AEF0A3-5CB2-49C6-9000-D056BBEFA60D}" destId="{2CECF517-16A4-4A6B-B7D2-B920789ABBA4}" srcOrd="0" destOrd="0" parTransId="{7ED45248-2497-4A86-A6A4-0363CA21B9E6}" sibTransId="{2B80DF6B-2B16-4522-97A5-FC5C9E8CF3AF}"/>
+    <dgm:cxn modelId="{8CA911E1-2113-4593-9211-A20709331E57}" srcId="{9DEB1442-88FA-412E-AF8E-7CB0E69F502A}" destId="{115B452B-C5B4-4656-A790-089EA493FD9B}" srcOrd="0" destOrd="0" parTransId="{86E039D6-19BF-4B6D-8925-32224574B6E6}" sibTransId="{8CD38E03-E404-4769-A1CF-DE7C081184BF}"/>
+    <dgm:cxn modelId="{05EC44E4-EB08-4921-A636-252049935D8E}" srcId="{C16DFD09-DC49-4373-A2B7-FA28DF1DF3B5}" destId="{98C33624-850F-4F3E-951D-01B6717A12FD}" srcOrd="0" destOrd="0" parTransId="{971F66C8-3C43-4FD9-A81E-304F064692B3}" sibTransId="{ACBFDBAA-0A79-431B-B8BB-320665E8F46D}"/>
     <dgm:cxn modelId="{E1D3D4E9-3833-4B2E-8858-189C5F7A2151}" srcId="{C3AEF0A3-5CB2-49C6-9000-D056BBEFA60D}" destId="{C16DFD09-DC49-4373-A2B7-FA28DF1DF3B5}" srcOrd="4" destOrd="0" parTransId="{B31F0BE9-B5EB-42B5-8D28-09EFDC876BC6}" sibTransId="{015E8DE0-440C-4CC0-B07A-0D6292878838}"/>
-    <dgm:cxn modelId="{90187ACB-8ADA-4068-9E05-04F234CC67E5}" type="presOf" srcId="{EE02FF68-3676-4624-80D3-6B173EE9BBF9}" destId="{23FC2A95-3F55-43D8-8D98-17E198B2D967}" srcOrd="0" destOrd="0" presId="urn:microsoft.com/office/officeart/2005/8/layout/chevron2"/>
-    <dgm:cxn modelId="{2C8F9C43-0480-49A7-93B0-65B03DC82507}" type="presOf" srcId="{CDB9C19B-2206-489F-9AF4-06D7B73435FA}" destId="{758B686D-4E4A-4503-A45C-4DD88C77BCEA}" srcOrd="0" destOrd="0" presId="urn:microsoft.com/office/officeart/2005/8/layout/chevron2"/>
-    <dgm:cxn modelId="{05EC44E4-EB08-4921-A636-252049935D8E}" srcId="{C16DFD09-DC49-4373-A2B7-FA28DF1DF3B5}" destId="{98C33624-850F-4F3E-951D-01B6717A12FD}" srcOrd="0" destOrd="0" parTransId="{971F66C8-3C43-4FD9-A81E-304F064692B3}" sibTransId="{ACBFDBAA-0A79-431B-B8BB-320665E8F46D}"/>
-    <dgm:cxn modelId="{72ABE755-C560-4341-BC49-F739521B1EAA}" type="presOf" srcId="{9DEB1442-88FA-412E-AF8E-7CB0E69F502A}" destId="{A79FA5CD-F63A-4C28-A6AF-33555776AA10}" srcOrd="0" destOrd="0" presId="urn:microsoft.com/office/officeart/2005/8/layout/chevron2"/>
-    <dgm:cxn modelId="{B1BD7F03-3E64-44AB-B1E9-A7FE01E076BD}" type="presOf" srcId="{A011E0F7-F588-4C8D-BCD6-7F6EA2E5E160}" destId="{31787433-7D80-4525-B43A-631DD55E2578}" srcOrd="0" destOrd="0" presId="urn:microsoft.com/office/officeart/2005/8/layout/chevron2"/>
-    <dgm:cxn modelId="{DAB81238-FC97-4ED2-B413-DB0F5E23FCB6}" type="presOf" srcId="{2CECF517-16A4-4A6B-B7D2-B920789ABBA4}" destId="{24BF4F90-A06D-4B1A-B0EF-10B8CFD6E7DD}" srcOrd="0" destOrd="0" presId="urn:microsoft.com/office/officeart/2005/8/layout/chevron2"/>
-    <dgm:cxn modelId="{79D1A853-7482-40D5-BDA9-70EA4220A74C}" type="presOf" srcId="{CE3C39E7-ECAF-4F61-B7C2-BEDFC1F75578}" destId="{AE732B93-C217-44D0-ADC0-3DFE6F1898F0}" srcOrd="0" destOrd="0" presId="urn:microsoft.com/office/officeart/2005/8/layout/chevron2"/>
-    <dgm:cxn modelId="{1A08DF01-0935-47DD-90B7-60C7423CF1AA}" srcId="{2CECF517-16A4-4A6B-B7D2-B920789ABBA4}" destId="{CE3C39E7-ECAF-4F61-B7C2-BEDFC1F75578}" srcOrd="0" destOrd="0" parTransId="{958C8565-6D30-49A8-8E81-F3C867914DDA}" sibTransId="{184C5C0F-06C4-4D71-B9D6-429BB9999220}"/>
-    <dgm:cxn modelId="{90E46483-6B00-4B7E-ABD2-3B50DC70B56A}" srcId="{5BFBD139-1CB4-4363-9269-7E6622BCBC8A}" destId="{348FA5D1-B30F-411C-BB3D-0D2E21C283AE}" srcOrd="0" destOrd="0" parTransId="{1EBB088E-853B-425E-AA04-B84EBE200B1D}" sibTransId="{898E3428-D547-4459-8E1F-4005B6CD7FDB}"/>
-    <dgm:cxn modelId="{74BF84D0-D319-4E71-8D90-69774F42CA2D}" type="presOf" srcId="{C16DFD09-DC49-4373-A2B7-FA28DF1DF3B5}" destId="{86DE861C-2F44-4B08-88B3-F73CA49E686F}" srcOrd="0" destOrd="0" presId="urn:microsoft.com/office/officeart/2005/8/layout/chevron2"/>
-    <dgm:cxn modelId="{08957502-39B2-4284-B869-0F4AF255833F}" srcId="{A011E0F7-F588-4C8D-BCD6-7F6EA2E5E160}" destId="{5A4A2A31-33CE-4D85-95B8-30BCFCC84564}" srcOrd="0" destOrd="0" parTransId="{386F910C-9E42-42E3-8DB4-BA690CE8E6AF}" sibTransId="{5BD0E2C0-C15D-440D-8E6B-696DBA2699FB}"/>
-    <dgm:cxn modelId="{263F4014-F564-4668-AA87-9B67C534EB2F}" type="presOf" srcId="{98C33624-850F-4F3E-951D-01B6717A12FD}" destId="{82529F0F-0490-4B71-B1B1-2A1CCE250566}" srcOrd="0" destOrd="0" presId="urn:microsoft.com/office/officeart/2005/8/layout/chevron2"/>
-    <dgm:cxn modelId="{C1A846BE-A192-4FB5-86CD-F8311577C380}" srcId="{C3AEF0A3-5CB2-49C6-9000-D056BBEFA60D}" destId="{A011E0F7-F588-4C8D-BCD6-7F6EA2E5E160}" srcOrd="2" destOrd="0" parTransId="{C45E2474-DC0C-4C2D-A545-69B7F9617BDF}" sibTransId="{CDAB4146-0D22-428A-A863-39DE97481B66}"/>
-    <dgm:cxn modelId="{A5213644-008E-496D-A731-631A02BAF3E7}" type="presOf" srcId="{115B452B-C5B4-4656-A790-089EA493FD9B}" destId="{3BCA5A54-89C5-48D5-9936-31D0A1F44ABE}" srcOrd="0" destOrd="0" presId="urn:microsoft.com/office/officeart/2005/8/layout/chevron2"/>
-    <dgm:cxn modelId="{8CD8E768-1F2D-439D-B3DE-748EBD0A032C}" srcId="{C3AEF0A3-5CB2-49C6-9000-D056BBEFA60D}" destId="{EE02FF68-3676-4624-80D3-6B173EE9BBF9}" srcOrd="3" destOrd="0" parTransId="{2521CB2E-F768-40FC-80CE-BB7E6F85E803}" sibTransId="{98AA5BE0-FCAD-4221-8F07-03024030CE23}"/>
-    <dgm:cxn modelId="{8CA911E1-2113-4593-9211-A20709331E57}" srcId="{9DEB1442-88FA-412E-AF8E-7CB0E69F502A}" destId="{115B452B-C5B4-4656-A790-089EA493FD9B}" srcOrd="0" destOrd="0" parTransId="{86E039D6-19BF-4B6D-8925-32224574B6E6}" sibTransId="{8CD38E03-E404-4769-A1CF-DE7C081184BF}"/>
-    <dgm:cxn modelId="{FF7DB346-76ED-4C9D-B154-2C8FB0750029}" type="presOf" srcId="{5A4A2A31-33CE-4D85-95B8-30BCFCC84564}" destId="{BA4E67CC-F177-4F9B-A372-AB917E5C536B}" srcOrd="0" destOrd="0" presId="urn:microsoft.com/office/officeart/2005/8/layout/chevron2"/>
     <dgm:cxn modelId="{B50F59DD-8A8F-4DF1-B4EA-3D1C90B5E192}" type="presParOf" srcId="{F6E71AD5-E7D5-4410-9AC9-1BB6E7DD5B43}" destId="{7D341E6A-693C-4246-85DC-72CAF7928A21}" srcOrd="0" destOrd="0" presId="urn:microsoft.com/office/officeart/2005/8/layout/chevron2"/>
     <dgm:cxn modelId="{0E0CA047-BC10-4AB2-AA36-E5D64F5EEE26}" type="presParOf" srcId="{7D341E6A-693C-4246-85DC-72CAF7928A21}" destId="{24BF4F90-A06D-4B1A-B0EF-10B8CFD6E7DD}" srcOrd="0" destOrd="0" presId="urn:microsoft.com/office/officeart/2005/8/layout/chevron2"/>
     <dgm:cxn modelId="{F0B3B389-E1BA-47A4-8B4B-F8DD1E61C530}" type="presParOf" srcId="{7D341E6A-693C-4246-85DC-72CAF7928A21}" destId="{AE732B93-C217-44D0-ADC0-3DFE6F1898F0}" srcOrd="1" destOrd="0" presId="urn:microsoft.com/office/officeart/2005/8/layout/chevron2"/>
@@ -1673,6 +2524,395 @@
 </file>
 
 <file path=ppt/diagrams/drawing1.xml><?xml version="1.0" encoding="utf-8"?>
+<dsp:drawing xmlns:dgm="http://schemas.openxmlformats.org/drawingml/2006/diagram" xmlns:dsp="http://schemas.microsoft.com/office/drawing/2008/diagram" xmlns:a="http://schemas.openxmlformats.org/drawingml/2006/main">
+  <dsp:spTree>
+    <dsp:nvGrpSpPr>
+      <dsp:cNvPr id="0" name=""/>
+      <dsp:cNvGrpSpPr/>
+    </dsp:nvGrpSpPr>
+    <dsp:grpSpPr/>
+    <dsp:sp modelId="{D7A6FE25-9559-4833-BDA9-28671C60F52D}">
+      <dsp:nvSpPr>
+        <dsp:cNvPr id="0" name=""/>
+        <dsp:cNvSpPr/>
+      </dsp:nvSpPr>
+      <dsp:spPr>
+        <a:xfrm>
+          <a:off x="9429" y="152534"/>
+          <a:ext cx="2818508" cy="1691104"/>
+        </a:xfrm>
+        <a:prstGeom prst="roundRect">
+          <a:avLst>
+            <a:gd name="adj" fmla="val 10000"/>
+          </a:avLst>
+        </a:prstGeom>
+        <a:solidFill>
+          <a:schemeClr val="accent1">
+            <a:hueOff val="0"/>
+            <a:satOff val="0"/>
+            <a:lumOff val="0"/>
+            <a:alphaOff val="0"/>
+          </a:schemeClr>
+        </a:solidFill>
+        <a:ln w="25400" cap="flat" cmpd="sng" algn="ctr">
+          <a:solidFill>
+            <a:schemeClr val="lt1">
+              <a:hueOff val="0"/>
+              <a:satOff val="0"/>
+              <a:lumOff val="0"/>
+              <a:alphaOff val="0"/>
+            </a:schemeClr>
+          </a:solidFill>
+          <a:miter lim="800000"/>
+        </a:ln>
+        <a:effectLst/>
+      </dsp:spPr>
+      <dsp:style>
+        <a:lnRef idx="2">
+          <a:scrgbClr r="0" g="0" b="0"/>
+        </a:lnRef>
+        <a:fillRef idx="1">
+          <a:scrgbClr r="0" g="0" b="0"/>
+        </a:fillRef>
+        <a:effectRef idx="0">
+          <a:scrgbClr r="0" g="0" b="0"/>
+        </a:effectRef>
+        <a:fontRef idx="minor">
+          <a:schemeClr val="lt1"/>
+        </a:fontRef>
+      </dsp:style>
+      <dsp:txBody>
+        <a:bodyPr spcFirstLastPara="0" vert="horz" wrap="square" lIns="232410" tIns="232410" rIns="232410" bIns="232410" numCol="1" spcCol="1270" anchor="ctr" anchorCtr="0">
+          <a:noAutofit/>
+        </a:bodyPr>
+        <a:lstStyle/>
+        <a:p>
+          <a:pPr marL="0" lvl="0" indent="0" algn="ctr" defTabSz="2711450">
+            <a:lnSpc>
+              <a:spcPct val="90000"/>
+            </a:lnSpc>
+            <a:spcBef>
+              <a:spcPct val="0"/>
+            </a:spcBef>
+            <a:spcAft>
+              <a:spcPct val="35000"/>
+            </a:spcAft>
+            <a:buNone/>
+          </a:pPr>
+          <a:r>
+            <a:rPr lang="en-AU" sz="6100" kern="1200" dirty="0"/>
+            <a:t>Input</a:t>
+          </a:r>
+        </a:p>
+      </dsp:txBody>
+      <dsp:txXfrm>
+        <a:off x="58960" y="202065"/>
+        <a:ext cx="2719446" cy="1592042"/>
+      </dsp:txXfrm>
+    </dsp:sp>
+    <dsp:sp modelId="{C2FAF6D6-AAB0-4E07-9B27-17C0D1BF7333}">
+      <dsp:nvSpPr>
+        <dsp:cNvPr id="0" name=""/>
+        <dsp:cNvSpPr/>
+      </dsp:nvSpPr>
+      <dsp:spPr>
+        <a:xfrm>
+          <a:off x="3109788" y="648591"/>
+          <a:ext cx="597523" cy="698990"/>
+        </a:xfrm>
+        <a:prstGeom prst="rightArrow">
+          <a:avLst>
+            <a:gd name="adj1" fmla="val 60000"/>
+            <a:gd name="adj2" fmla="val 50000"/>
+          </a:avLst>
+        </a:prstGeom>
+        <a:solidFill>
+          <a:schemeClr val="accent1">
+            <a:tint val="60000"/>
+            <a:hueOff val="0"/>
+            <a:satOff val="0"/>
+            <a:lumOff val="0"/>
+            <a:alphaOff val="0"/>
+          </a:schemeClr>
+        </a:solidFill>
+        <a:ln>
+          <a:noFill/>
+        </a:ln>
+        <a:effectLst/>
+      </dsp:spPr>
+      <dsp:style>
+        <a:lnRef idx="0">
+          <a:scrgbClr r="0" g="0" b="0"/>
+        </a:lnRef>
+        <a:fillRef idx="1">
+          <a:scrgbClr r="0" g="0" b="0"/>
+        </a:fillRef>
+        <a:effectRef idx="0">
+          <a:scrgbClr r="0" g="0" b="0"/>
+        </a:effectRef>
+        <a:fontRef idx="minor">
+          <a:schemeClr val="lt1"/>
+        </a:fontRef>
+      </dsp:style>
+      <dsp:txBody>
+        <a:bodyPr spcFirstLastPara="0" vert="horz" wrap="square" lIns="0" tIns="0" rIns="0" bIns="0" numCol="1" spcCol="1270" anchor="ctr" anchorCtr="0">
+          <a:noAutofit/>
+        </a:bodyPr>
+        <a:lstStyle/>
+        <a:p>
+          <a:pPr marL="0" lvl="0" indent="0" algn="ctr" defTabSz="1333500">
+            <a:lnSpc>
+              <a:spcPct val="90000"/>
+            </a:lnSpc>
+            <a:spcBef>
+              <a:spcPct val="0"/>
+            </a:spcBef>
+            <a:spcAft>
+              <a:spcPct val="35000"/>
+            </a:spcAft>
+            <a:buNone/>
+          </a:pPr>
+          <a:endParaRPr lang="en-AU" sz="3000" kern="1200"/>
+        </a:p>
+      </dsp:txBody>
+      <dsp:txXfrm>
+        <a:off x="3109788" y="788389"/>
+        <a:ext cx="418266" cy="419394"/>
+      </dsp:txXfrm>
+    </dsp:sp>
+    <dsp:sp modelId="{25A1A754-FE3F-4456-83C1-D074DFBFAEEF}">
+      <dsp:nvSpPr>
+        <dsp:cNvPr id="0" name=""/>
+        <dsp:cNvSpPr/>
+      </dsp:nvSpPr>
+      <dsp:spPr>
+        <a:xfrm>
+          <a:off x="3955341" y="152534"/>
+          <a:ext cx="2818508" cy="1691104"/>
+        </a:xfrm>
+        <a:prstGeom prst="roundRect">
+          <a:avLst>
+            <a:gd name="adj" fmla="val 10000"/>
+          </a:avLst>
+        </a:prstGeom>
+        <a:solidFill>
+          <a:schemeClr val="accent1">
+            <a:hueOff val="0"/>
+            <a:satOff val="0"/>
+            <a:lumOff val="0"/>
+            <a:alphaOff val="0"/>
+          </a:schemeClr>
+        </a:solidFill>
+        <a:ln w="25400" cap="flat" cmpd="sng" algn="ctr">
+          <a:solidFill>
+            <a:schemeClr val="lt1">
+              <a:hueOff val="0"/>
+              <a:satOff val="0"/>
+              <a:lumOff val="0"/>
+              <a:alphaOff val="0"/>
+            </a:schemeClr>
+          </a:solidFill>
+          <a:miter lim="800000"/>
+        </a:ln>
+        <a:effectLst/>
+      </dsp:spPr>
+      <dsp:style>
+        <a:lnRef idx="2">
+          <a:scrgbClr r="0" g="0" b="0"/>
+        </a:lnRef>
+        <a:fillRef idx="1">
+          <a:scrgbClr r="0" g="0" b="0"/>
+        </a:fillRef>
+        <a:effectRef idx="0">
+          <a:scrgbClr r="0" g="0" b="0"/>
+        </a:effectRef>
+        <a:fontRef idx="minor">
+          <a:schemeClr val="lt1"/>
+        </a:fontRef>
+      </dsp:style>
+      <dsp:txBody>
+        <a:bodyPr spcFirstLastPara="0" vert="horz" wrap="square" lIns="232410" tIns="232410" rIns="232410" bIns="232410" numCol="1" spcCol="1270" anchor="ctr" anchorCtr="0">
+          <a:noAutofit/>
+        </a:bodyPr>
+        <a:lstStyle/>
+        <a:p>
+          <a:pPr marL="0" lvl="0" indent="0" algn="ctr" defTabSz="2711450">
+            <a:lnSpc>
+              <a:spcPct val="90000"/>
+            </a:lnSpc>
+            <a:spcBef>
+              <a:spcPct val="0"/>
+            </a:spcBef>
+            <a:spcAft>
+              <a:spcPct val="35000"/>
+            </a:spcAft>
+            <a:buNone/>
+          </a:pPr>
+          <a:r>
+            <a:rPr lang="en-AU" sz="6100" kern="1200" dirty="0"/>
+            <a:t>Model</a:t>
+          </a:r>
+        </a:p>
+      </dsp:txBody>
+      <dsp:txXfrm>
+        <a:off x="4004872" y="202065"/>
+        <a:ext cx="2719446" cy="1592042"/>
+      </dsp:txXfrm>
+    </dsp:sp>
+    <dsp:sp modelId="{F514C93C-9317-440A-827D-BDE795B60B66}">
+      <dsp:nvSpPr>
+        <dsp:cNvPr id="0" name=""/>
+        <dsp:cNvSpPr/>
+      </dsp:nvSpPr>
+      <dsp:spPr>
+        <a:xfrm>
+          <a:off x="7055700" y="648591"/>
+          <a:ext cx="597523" cy="698990"/>
+        </a:xfrm>
+        <a:prstGeom prst="rightArrow">
+          <a:avLst>
+            <a:gd name="adj1" fmla="val 60000"/>
+            <a:gd name="adj2" fmla="val 50000"/>
+          </a:avLst>
+        </a:prstGeom>
+        <a:solidFill>
+          <a:schemeClr val="accent1">
+            <a:tint val="60000"/>
+            <a:hueOff val="0"/>
+            <a:satOff val="0"/>
+            <a:lumOff val="0"/>
+            <a:alphaOff val="0"/>
+          </a:schemeClr>
+        </a:solidFill>
+        <a:ln>
+          <a:noFill/>
+        </a:ln>
+        <a:effectLst/>
+      </dsp:spPr>
+      <dsp:style>
+        <a:lnRef idx="0">
+          <a:scrgbClr r="0" g="0" b="0"/>
+        </a:lnRef>
+        <a:fillRef idx="1">
+          <a:scrgbClr r="0" g="0" b="0"/>
+        </a:fillRef>
+        <a:effectRef idx="0">
+          <a:scrgbClr r="0" g="0" b="0"/>
+        </a:effectRef>
+        <a:fontRef idx="minor">
+          <a:schemeClr val="lt1"/>
+        </a:fontRef>
+      </dsp:style>
+      <dsp:txBody>
+        <a:bodyPr spcFirstLastPara="0" vert="horz" wrap="square" lIns="0" tIns="0" rIns="0" bIns="0" numCol="1" spcCol="1270" anchor="ctr" anchorCtr="0">
+          <a:noAutofit/>
+        </a:bodyPr>
+        <a:lstStyle/>
+        <a:p>
+          <a:pPr marL="0" lvl="0" indent="0" algn="ctr" defTabSz="1333500">
+            <a:lnSpc>
+              <a:spcPct val="90000"/>
+            </a:lnSpc>
+            <a:spcBef>
+              <a:spcPct val="0"/>
+            </a:spcBef>
+            <a:spcAft>
+              <a:spcPct val="35000"/>
+            </a:spcAft>
+            <a:buNone/>
+          </a:pPr>
+          <a:endParaRPr lang="en-AU" sz="3000" kern="1200"/>
+        </a:p>
+      </dsp:txBody>
+      <dsp:txXfrm>
+        <a:off x="7055700" y="788389"/>
+        <a:ext cx="418266" cy="419394"/>
+      </dsp:txXfrm>
+    </dsp:sp>
+    <dsp:sp modelId="{2D75A61A-F696-41FC-918C-30930F086CAB}">
+      <dsp:nvSpPr>
+        <dsp:cNvPr id="0" name=""/>
+        <dsp:cNvSpPr/>
+      </dsp:nvSpPr>
+      <dsp:spPr>
+        <a:xfrm>
+          <a:off x="7901252" y="152534"/>
+          <a:ext cx="2818508" cy="1691104"/>
+        </a:xfrm>
+        <a:prstGeom prst="roundRect">
+          <a:avLst>
+            <a:gd name="adj" fmla="val 10000"/>
+          </a:avLst>
+        </a:prstGeom>
+        <a:solidFill>
+          <a:schemeClr val="accent1">
+            <a:hueOff val="0"/>
+            <a:satOff val="0"/>
+            <a:lumOff val="0"/>
+            <a:alphaOff val="0"/>
+          </a:schemeClr>
+        </a:solidFill>
+        <a:ln w="25400" cap="flat" cmpd="sng" algn="ctr">
+          <a:solidFill>
+            <a:schemeClr val="lt1">
+              <a:hueOff val="0"/>
+              <a:satOff val="0"/>
+              <a:lumOff val="0"/>
+              <a:alphaOff val="0"/>
+            </a:schemeClr>
+          </a:solidFill>
+          <a:miter lim="800000"/>
+        </a:ln>
+        <a:effectLst/>
+      </dsp:spPr>
+      <dsp:style>
+        <a:lnRef idx="2">
+          <a:scrgbClr r="0" g="0" b="0"/>
+        </a:lnRef>
+        <a:fillRef idx="1">
+          <a:scrgbClr r="0" g="0" b="0"/>
+        </a:fillRef>
+        <a:effectRef idx="0">
+          <a:scrgbClr r="0" g="0" b="0"/>
+        </a:effectRef>
+        <a:fontRef idx="minor">
+          <a:schemeClr val="lt1"/>
+        </a:fontRef>
+      </dsp:style>
+      <dsp:txBody>
+        <a:bodyPr spcFirstLastPara="0" vert="horz" wrap="square" lIns="232410" tIns="232410" rIns="232410" bIns="232410" numCol="1" spcCol="1270" anchor="ctr" anchorCtr="0">
+          <a:noAutofit/>
+        </a:bodyPr>
+        <a:lstStyle/>
+        <a:p>
+          <a:pPr marL="0" lvl="0" indent="0" algn="ctr" defTabSz="2711450">
+            <a:lnSpc>
+              <a:spcPct val="90000"/>
+            </a:lnSpc>
+            <a:spcBef>
+              <a:spcPct val="0"/>
+            </a:spcBef>
+            <a:spcAft>
+              <a:spcPct val="35000"/>
+            </a:spcAft>
+            <a:buNone/>
+          </a:pPr>
+          <a:r>
+            <a:rPr lang="en-AU" sz="6100" kern="1200" dirty="0"/>
+            <a:t>Output</a:t>
+          </a:r>
+        </a:p>
+      </dsp:txBody>
+      <dsp:txXfrm>
+        <a:off x="7950783" y="202065"/>
+        <a:ext cx="2719446" cy="1592042"/>
+      </dsp:txXfrm>
+    </dsp:sp>
+  </dsp:spTree>
+</dsp:drawing>
+</file>
+
+<file path=ppt/diagrams/drawing2.xml><?xml version="1.0" encoding="utf-8"?>
 <dsp:drawing xmlns:dgm="http://schemas.openxmlformats.org/drawingml/2006/diagram" xmlns:dsp="http://schemas.microsoft.com/office/drawing/2008/diagram" xmlns:a="http://schemas.openxmlformats.org/drawingml/2006/main">
   <dsp:spTree>
     <dsp:nvGrpSpPr>
@@ -1734,7 +2974,7 @@
         </a:bodyPr>
         <a:lstStyle/>
         <a:p>
-          <a:pPr lvl="0" algn="ctr" defTabSz="800100">
+          <a:pPr marL="0" lvl="0" indent="0" algn="ctr" defTabSz="800100">
             <a:lnSpc>
               <a:spcPct val="90000"/>
             </a:lnSpc>
@@ -1744,6 +2984,7 @@
             <a:spcAft>
               <a:spcPct val="35000"/>
             </a:spcAft>
+            <a:buNone/>
           </a:pPr>
           <a:r>
             <a:rPr lang="en-AU" sz="1800" kern="1200" dirty="0"/>
@@ -1819,7 +3060,7 @@
             <a:spcAft>
               <a:spcPct val="15000"/>
             </a:spcAft>
-            <a:buChar char="••"/>
+            <a:buChar char="•"/>
           </a:pPr>
           <a:r>
             <a:rPr lang="en-AU" sz="3600" kern="1200" dirty="0"/>
@@ -1886,7 +3127,7 @@
         </a:bodyPr>
         <a:lstStyle/>
         <a:p>
-          <a:pPr lvl="0" algn="ctr" defTabSz="800100">
+          <a:pPr marL="0" lvl="0" indent="0" algn="ctr" defTabSz="800100">
             <a:lnSpc>
               <a:spcPct val="90000"/>
             </a:lnSpc>
@@ -1896,6 +3137,7 @@
             <a:spcAft>
               <a:spcPct val="35000"/>
             </a:spcAft>
+            <a:buNone/>
           </a:pPr>
           <a:r>
             <a:rPr lang="en-AU" sz="1800" kern="1200" dirty="0"/>
@@ -1971,7 +3213,7 @@
             <a:spcAft>
               <a:spcPct val="15000"/>
             </a:spcAft>
-            <a:buChar char="••"/>
+            <a:buChar char="•"/>
           </a:pPr>
           <a:r>
             <a:rPr lang="en-AU" sz="3600" kern="1200" dirty="0"/>
@@ -2038,7 +3280,7 @@
         </a:bodyPr>
         <a:lstStyle/>
         <a:p>
-          <a:pPr lvl="0" algn="ctr" defTabSz="800100">
+          <a:pPr marL="0" lvl="0" indent="0" algn="ctr" defTabSz="800100">
             <a:lnSpc>
               <a:spcPct val="90000"/>
             </a:lnSpc>
@@ -2048,6 +3290,7 @@
             <a:spcAft>
               <a:spcPct val="35000"/>
             </a:spcAft>
+            <a:buNone/>
           </a:pPr>
           <a:r>
             <a:rPr lang="en-AU" sz="1800" kern="1200" dirty="0"/>
@@ -2123,7 +3366,7 @@
             <a:spcAft>
               <a:spcPct val="15000"/>
             </a:spcAft>
-            <a:buChar char="••"/>
+            <a:buChar char="•"/>
           </a:pPr>
           <a:r>
             <a:rPr lang="en-AU" sz="3600" kern="1200" dirty="0"/>
@@ -2190,7 +3433,7 @@
         </a:bodyPr>
         <a:lstStyle/>
         <a:p>
-          <a:pPr lvl="0" algn="ctr" defTabSz="800100">
+          <a:pPr marL="0" lvl="0" indent="0" algn="ctr" defTabSz="800100">
             <a:lnSpc>
               <a:spcPct val="90000"/>
             </a:lnSpc>
@@ -2200,6 +3443,7 @@
             <a:spcAft>
               <a:spcPct val="35000"/>
             </a:spcAft>
+            <a:buNone/>
           </a:pPr>
           <a:r>
             <a:rPr lang="en-AU" sz="1800" kern="1200" dirty="0"/>
@@ -2275,7 +3519,7 @@
             <a:spcAft>
               <a:spcPct val="15000"/>
             </a:spcAft>
-            <a:buChar char="••"/>
+            <a:buChar char="•"/>
           </a:pPr>
           <a:r>
             <a:rPr lang="en-AU" sz="3600" kern="1200" dirty="0"/>
@@ -2342,7 +3586,7 @@
         </a:bodyPr>
         <a:lstStyle/>
         <a:p>
-          <a:pPr lvl="0" algn="ctr" defTabSz="800100">
+          <a:pPr marL="0" lvl="0" indent="0" algn="ctr" defTabSz="800100">
             <a:lnSpc>
               <a:spcPct val="90000"/>
             </a:lnSpc>
@@ -2352,6 +3596,7 @@
             <a:spcAft>
               <a:spcPct val="35000"/>
             </a:spcAft>
+            <a:buNone/>
           </a:pPr>
           <a:r>
             <a:rPr lang="en-AU" sz="1800" kern="1200" dirty="0"/>
@@ -2427,7 +3672,7 @@
             <a:spcAft>
               <a:spcPct val="15000"/>
             </a:spcAft>
-            <a:buChar char="••"/>
+            <a:buChar char="•"/>
           </a:pPr>
           <a:r>
             <a:rPr lang="en-AU" sz="3600" kern="1200" dirty="0"/>
@@ -2494,7 +3739,7 @@
         </a:bodyPr>
         <a:lstStyle/>
         <a:p>
-          <a:pPr lvl="0" algn="ctr" defTabSz="800100">
+          <a:pPr marL="0" lvl="0" indent="0" algn="ctr" defTabSz="800100">
             <a:lnSpc>
               <a:spcPct val="90000"/>
             </a:lnSpc>
@@ -2504,6 +3749,7 @@
             <a:spcAft>
               <a:spcPct val="35000"/>
             </a:spcAft>
+            <a:buNone/>
           </a:pPr>
           <a:r>
             <a:rPr lang="en-AU" sz="1800" kern="1200" dirty="0"/>
@@ -2579,7 +3825,7 @@
             <a:spcAft>
               <a:spcPct val="15000"/>
             </a:spcAft>
-            <a:buChar char="••"/>
+            <a:buChar char="•"/>
           </a:pPr>
           <a:r>
             <a:rPr lang="en-AU" sz="3600" kern="1200" dirty="0"/>
@@ -2597,6 +3843,152 @@
 </file>
 
 <file path=ppt/diagrams/layout1.xml><?xml version="1.0" encoding="utf-8"?>
+<dgm:layoutDef xmlns:dgm="http://schemas.openxmlformats.org/drawingml/2006/diagram" xmlns:a="http://schemas.openxmlformats.org/drawingml/2006/main" uniqueId="urn:microsoft.com/office/officeart/2005/8/layout/process1">
+  <dgm:title val=""/>
+  <dgm:desc val=""/>
+  <dgm:catLst>
+    <dgm:cat type="process" pri="1000"/>
+    <dgm:cat type="convert" pri="15000"/>
+  </dgm:catLst>
+  <dgm:sampData useDef="1">
+    <dgm:dataModel>
+      <dgm:ptLst/>
+      <dgm:bg/>
+      <dgm:whole/>
+    </dgm:dataModel>
+  </dgm:sampData>
+  <dgm:styleData>
+    <dgm:dataModel>
+      <dgm:ptLst>
+        <dgm:pt modelId="0" type="doc"/>
+        <dgm:pt modelId="1"/>
+        <dgm:pt modelId="2"/>
+      </dgm:ptLst>
+      <dgm:cxnLst>
+        <dgm:cxn modelId="3" srcId="0" destId="1" srcOrd="0" destOrd="0"/>
+        <dgm:cxn modelId="4" srcId="0" destId="2" srcOrd="1" destOrd="0"/>
+      </dgm:cxnLst>
+      <dgm:bg/>
+      <dgm:whole/>
+    </dgm:dataModel>
+  </dgm:styleData>
+  <dgm:clrData>
+    <dgm:dataModel>
+      <dgm:ptLst>
+        <dgm:pt modelId="0" type="doc"/>
+        <dgm:pt modelId="1"/>
+        <dgm:pt modelId="2"/>
+        <dgm:pt modelId="3"/>
+        <dgm:pt modelId="4"/>
+      </dgm:ptLst>
+      <dgm:cxnLst>
+        <dgm:cxn modelId="5" srcId="0" destId="1" srcOrd="0" destOrd="0"/>
+        <dgm:cxn modelId="6" srcId="0" destId="2" srcOrd="1" destOrd="0"/>
+        <dgm:cxn modelId="7" srcId="0" destId="3" srcOrd="2" destOrd="0"/>
+        <dgm:cxn modelId="8" srcId="0" destId="4" srcOrd="3" destOrd="0"/>
+      </dgm:cxnLst>
+      <dgm:bg/>
+      <dgm:whole/>
+    </dgm:dataModel>
+  </dgm:clrData>
+  <dgm:layoutNode name="Name0">
+    <dgm:varLst>
+      <dgm:dir/>
+      <dgm:resizeHandles val="exact"/>
+    </dgm:varLst>
+    <dgm:choose name="Name1">
+      <dgm:if name="Name2" func="var" arg="dir" op="equ" val="norm">
+        <dgm:alg type="lin"/>
+      </dgm:if>
+      <dgm:else name="Name3">
+        <dgm:alg type="lin">
+          <dgm:param type="linDir" val="fromR"/>
+        </dgm:alg>
+      </dgm:else>
+    </dgm:choose>
+    <dgm:shape xmlns:r="http://schemas.openxmlformats.org/officeDocument/2006/relationships" r:blip="">
+      <dgm:adjLst/>
+    </dgm:shape>
+    <dgm:presOf/>
+    <dgm:constrLst>
+      <dgm:constr type="w" for="ch" ptType="node" refType="w"/>
+      <dgm:constr type="h" for="ch" ptType="node" op="equ"/>
+      <dgm:constr type="primFontSz" for="ch" ptType="node" op="equ" val="65"/>
+      <dgm:constr type="w" for="ch" ptType="sibTrans" refType="w" refFor="ch" refPtType="node" op="equ" fact="0.4"/>
+      <dgm:constr type="h" for="ch" ptType="sibTrans" op="equ"/>
+      <dgm:constr type="primFontSz" for="des" forName="connectorText" op="equ" val="55"/>
+      <dgm:constr type="primFontSz" for="des" forName="connectorText" refType="primFontSz" refFor="ch" refPtType="node" op="lte" fact="0.8"/>
+    </dgm:constrLst>
+    <dgm:ruleLst/>
+    <dgm:forEach name="nodesForEach" axis="ch" ptType="node">
+      <dgm:layoutNode name="node">
+        <dgm:varLst>
+          <dgm:bulletEnabled val="1"/>
+        </dgm:varLst>
+        <dgm:alg type="tx"/>
+        <dgm:shape xmlns:r="http://schemas.openxmlformats.org/officeDocument/2006/relationships" type="roundRect" r:blip="">
+          <dgm:adjLst>
+            <dgm:adj idx="1" val="0.1"/>
+          </dgm:adjLst>
+        </dgm:shape>
+        <dgm:presOf axis="desOrSelf" ptType="node"/>
+        <dgm:constrLst>
+          <dgm:constr type="h" refType="w" fact="0.6"/>
+          <dgm:constr type="tMarg" refType="primFontSz" fact="0.3"/>
+          <dgm:constr type="bMarg" refType="primFontSz" fact="0.3"/>
+          <dgm:constr type="lMarg" refType="primFontSz" fact="0.3"/>
+          <dgm:constr type="rMarg" refType="primFontSz" fact="0.3"/>
+        </dgm:constrLst>
+        <dgm:ruleLst>
+          <dgm:rule type="primFontSz" val="18" fact="NaN" max="NaN"/>
+          <dgm:rule type="h" val="NaN" fact="1.5" max="NaN"/>
+          <dgm:rule type="primFontSz" val="5" fact="NaN" max="NaN"/>
+          <dgm:rule type="h" val="INF" fact="NaN" max="NaN"/>
+        </dgm:ruleLst>
+      </dgm:layoutNode>
+      <dgm:forEach name="sibTransForEach" axis="followSib" ptType="sibTrans" cnt="1">
+        <dgm:layoutNode name="sibTrans">
+          <dgm:alg type="conn">
+            <dgm:param type="begPts" val="auto"/>
+            <dgm:param type="endPts" val="auto"/>
+          </dgm:alg>
+          <dgm:shape xmlns:r="http://schemas.openxmlformats.org/officeDocument/2006/relationships" type="conn" r:blip="">
+            <dgm:adjLst/>
+          </dgm:shape>
+          <dgm:presOf axis="self"/>
+          <dgm:constrLst>
+            <dgm:constr type="h" refType="w" fact="0.62"/>
+            <dgm:constr type="connDist"/>
+            <dgm:constr type="begPad" refType="connDist" fact="0.25"/>
+            <dgm:constr type="endPad" refType="connDist" fact="0.22"/>
+          </dgm:constrLst>
+          <dgm:ruleLst/>
+          <dgm:layoutNode name="connectorText">
+            <dgm:alg type="tx">
+              <dgm:param type="autoTxRot" val="grav"/>
+            </dgm:alg>
+            <dgm:shape xmlns:r="http://schemas.openxmlformats.org/officeDocument/2006/relationships" type="conn" r:blip="" hideGeom="1">
+              <dgm:adjLst/>
+            </dgm:shape>
+            <dgm:presOf axis="self"/>
+            <dgm:constrLst>
+              <dgm:constr type="lMarg"/>
+              <dgm:constr type="rMarg"/>
+              <dgm:constr type="tMarg"/>
+              <dgm:constr type="bMarg"/>
+            </dgm:constrLst>
+            <dgm:ruleLst>
+              <dgm:rule type="primFontSz" val="5" fact="NaN" max="NaN"/>
+            </dgm:ruleLst>
+          </dgm:layoutNode>
+        </dgm:layoutNode>
+      </dgm:forEach>
+    </dgm:forEach>
+  </dgm:layoutNode>
+</dgm:layoutDef>
+</file>
+
+<file path=ppt/diagrams/layout2.xml><?xml version="1.0" encoding="utf-8"?>
 <dgm:layoutDef xmlns:dgm="http://schemas.openxmlformats.org/drawingml/2006/diagram" xmlns:a="http://schemas.openxmlformats.org/drawingml/2006/main" uniqueId="urn:microsoft.com/office/officeart/2005/8/layout/chevron2">
   <dgm:title val=""/>
   <dgm:desc val=""/>
@@ -3886,6 +5278,1040 @@
 </dgm:styleDef>
 </file>
 
+<file path=ppt/diagrams/quickStyle2.xml><?xml version="1.0" encoding="utf-8"?>
+<dgm:styleDef xmlns:dgm="http://schemas.openxmlformats.org/drawingml/2006/diagram" xmlns:a="http://schemas.openxmlformats.org/drawingml/2006/main" uniqueId="urn:microsoft.com/office/officeart/2005/8/quickstyle/simple1">
+  <dgm:title val=""/>
+  <dgm:desc val=""/>
+  <dgm:catLst>
+    <dgm:cat type="simple" pri="10100"/>
+  </dgm:catLst>
+  <dgm:scene3d>
+    <a:camera prst="orthographicFront"/>
+    <a:lightRig rig="threePt" dir="t"/>
+  </dgm:scene3d>
+  <dgm:styleLbl name="node0">
+    <dgm:scene3d>
+      <a:camera prst="orthographicFront"/>
+      <a:lightRig rig="threePt" dir="t"/>
+    </dgm:scene3d>
+    <dgm:sp3d/>
+    <dgm:txPr/>
+    <dgm:style>
+      <a:lnRef idx="2">
+        <a:scrgbClr r="0" g="0" b="0"/>
+      </a:lnRef>
+      <a:fillRef idx="1">
+        <a:scrgbClr r="0" g="0" b="0"/>
+      </a:fillRef>
+      <a:effectRef idx="0">
+        <a:scrgbClr r="0" g="0" b="0"/>
+      </a:effectRef>
+      <a:fontRef idx="minor">
+        <a:schemeClr val="lt1"/>
+      </a:fontRef>
+    </dgm:style>
+  </dgm:styleLbl>
+  <dgm:styleLbl name="lnNode1">
+    <dgm:scene3d>
+      <a:camera prst="orthographicFront"/>
+      <a:lightRig rig="threePt" dir="t"/>
+    </dgm:scene3d>
+    <dgm:sp3d/>
+    <dgm:txPr/>
+    <dgm:style>
+      <a:lnRef idx="2">
+        <a:scrgbClr r="0" g="0" b="0"/>
+      </a:lnRef>
+      <a:fillRef idx="1">
+        <a:scrgbClr r="0" g="0" b="0"/>
+      </a:fillRef>
+      <a:effectRef idx="0">
+        <a:scrgbClr r="0" g="0" b="0"/>
+      </a:effectRef>
+      <a:fontRef idx="minor">
+        <a:schemeClr val="lt1"/>
+      </a:fontRef>
+    </dgm:style>
+  </dgm:styleLbl>
+  <dgm:styleLbl name="vennNode1">
+    <dgm:scene3d>
+      <a:camera prst="orthographicFront"/>
+      <a:lightRig rig="threePt" dir="t"/>
+    </dgm:scene3d>
+    <dgm:sp3d/>
+    <dgm:txPr/>
+    <dgm:style>
+      <a:lnRef idx="2">
+        <a:scrgbClr r="0" g="0" b="0"/>
+      </a:lnRef>
+      <a:fillRef idx="1">
+        <a:scrgbClr r="0" g="0" b="0"/>
+      </a:fillRef>
+      <a:effectRef idx="0">
+        <a:scrgbClr r="0" g="0" b="0"/>
+      </a:effectRef>
+      <a:fontRef idx="minor">
+        <a:schemeClr val="tx1"/>
+      </a:fontRef>
+    </dgm:style>
+  </dgm:styleLbl>
+  <dgm:styleLbl name="alignNode1">
+    <dgm:scene3d>
+      <a:camera prst="orthographicFront"/>
+      <a:lightRig rig="threePt" dir="t"/>
+    </dgm:scene3d>
+    <dgm:sp3d/>
+    <dgm:txPr/>
+    <dgm:style>
+      <a:lnRef idx="2">
+        <a:scrgbClr r="0" g="0" b="0"/>
+      </a:lnRef>
+      <a:fillRef idx="1">
+        <a:scrgbClr r="0" g="0" b="0"/>
+      </a:fillRef>
+      <a:effectRef idx="0">
+        <a:scrgbClr r="0" g="0" b="0"/>
+      </a:effectRef>
+      <a:fontRef idx="minor">
+        <a:schemeClr val="lt1"/>
+      </a:fontRef>
+    </dgm:style>
+  </dgm:styleLbl>
+  <dgm:styleLbl name="node1">
+    <dgm:scene3d>
+      <a:camera prst="orthographicFront"/>
+      <a:lightRig rig="threePt" dir="t"/>
+    </dgm:scene3d>
+    <dgm:sp3d/>
+    <dgm:txPr/>
+    <dgm:style>
+      <a:lnRef idx="2">
+        <a:scrgbClr r="0" g="0" b="0"/>
+      </a:lnRef>
+      <a:fillRef idx="1">
+        <a:scrgbClr r="0" g="0" b="0"/>
+      </a:fillRef>
+      <a:effectRef idx="0">
+        <a:scrgbClr r="0" g="0" b="0"/>
+      </a:effectRef>
+      <a:fontRef idx="minor">
+        <a:schemeClr val="lt1"/>
+      </a:fontRef>
+    </dgm:style>
+  </dgm:styleLbl>
+  <dgm:styleLbl name="node2">
+    <dgm:scene3d>
+      <a:camera prst="orthographicFront"/>
+      <a:lightRig rig="threePt" dir="t"/>
+    </dgm:scene3d>
+    <dgm:sp3d/>
+    <dgm:txPr/>
+    <dgm:style>
+      <a:lnRef idx="2">
+        <a:scrgbClr r="0" g="0" b="0"/>
+      </a:lnRef>
+      <a:fillRef idx="1">
+        <a:scrgbClr r="0" g="0" b="0"/>
+      </a:fillRef>
+      <a:effectRef idx="0">
+        <a:scrgbClr r="0" g="0" b="0"/>
+      </a:effectRef>
+      <a:fontRef idx="minor">
+        <a:schemeClr val="lt1"/>
+      </a:fontRef>
+    </dgm:style>
+  </dgm:styleLbl>
+  <dgm:styleLbl name="node3">
+    <dgm:scene3d>
+      <a:camera prst="orthographicFront"/>
+      <a:lightRig rig="threePt" dir="t"/>
+    </dgm:scene3d>
+    <dgm:sp3d/>
+    <dgm:txPr/>
+    <dgm:style>
+      <a:lnRef idx="2">
+        <a:scrgbClr r="0" g="0" b="0"/>
+      </a:lnRef>
+      <a:fillRef idx="1">
+        <a:scrgbClr r="0" g="0" b="0"/>
+      </a:fillRef>
+      <a:effectRef idx="0">
+        <a:scrgbClr r="0" g="0" b="0"/>
+      </a:effectRef>
+      <a:fontRef idx="minor">
+        <a:schemeClr val="lt1"/>
+      </a:fontRef>
+    </dgm:style>
+  </dgm:styleLbl>
+  <dgm:styleLbl name="node4">
+    <dgm:scene3d>
+      <a:camera prst="orthographicFront"/>
+      <a:lightRig rig="threePt" dir="t"/>
+    </dgm:scene3d>
+    <dgm:sp3d/>
+    <dgm:txPr/>
+    <dgm:style>
+      <a:lnRef idx="2">
+        <a:scrgbClr r="0" g="0" b="0"/>
+      </a:lnRef>
+      <a:fillRef idx="1">
+        <a:scrgbClr r="0" g="0" b="0"/>
+      </a:fillRef>
+      <a:effectRef idx="0">
+        <a:scrgbClr r="0" g="0" b="0"/>
+      </a:effectRef>
+      <a:fontRef idx="minor">
+        <a:schemeClr val="lt1"/>
+      </a:fontRef>
+    </dgm:style>
+  </dgm:styleLbl>
+  <dgm:styleLbl name="fgImgPlace1">
+    <dgm:scene3d>
+      <a:camera prst="orthographicFront"/>
+      <a:lightRig rig="threePt" dir="t"/>
+    </dgm:scene3d>
+    <dgm:sp3d/>
+    <dgm:txPr/>
+    <dgm:style>
+      <a:lnRef idx="2">
+        <a:scrgbClr r="0" g="0" b="0"/>
+      </a:lnRef>
+      <a:fillRef idx="1">
+        <a:scrgbClr r="0" g="0" b="0"/>
+      </a:fillRef>
+      <a:effectRef idx="0">
+        <a:scrgbClr r="0" g="0" b="0"/>
+      </a:effectRef>
+      <a:fontRef idx="minor"/>
+    </dgm:style>
+  </dgm:styleLbl>
+  <dgm:styleLbl name="alignImgPlace1">
+    <dgm:scene3d>
+      <a:camera prst="orthographicFront"/>
+      <a:lightRig rig="threePt" dir="t"/>
+    </dgm:scene3d>
+    <dgm:sp3d/>
+    <dgm:txPr/>
+    <dgm:style>
+      <a:lnRef idx="2">
+        <a:scrgbClr r="0" g="0" b="0"/>
+      </a:lnRef>
+      <a:fillRef idx="1">
+        <a:scrgbClr r="0" g="0" b="0"/>
+      </a:fillRef>
+      <a:effectRef idx="0">
+        <a:scrgbClr r="0" g="0" b="0"/>
+      </a:effectRef>
+      <a:fontRef idx="minor"/>
+    </dgm:style>
+  </dgm:styleLbl>
+  <dgm:styleLbl name="bgImgPlace1">
+    <dgm:scene3d>
+      <a:camera prst="orthographicFront"/>
+      <a:lightRig rig="threePt" dir="t"/>
+    </dgm:scene3d>
+    <dgm:sp3d/>
+    <dgm:txPr/>
+    <dgm:style>
+      <a:lnRef idx="2">
+        <a:scrgbClr r="0" g="0" b="0"/>
+      </a:lnRef>
+      <a:fillRef idx="1">
+        <a:scrgbClr r="0" g="0" b="0"/>
+      </a:fillRef>
+      <a:effectRef idx="0">
+        <a:scrgbClr r="0" g="0" b="0"/>
+      </a:effectRef>
+      <a:fontRef idx="minor"/>
+    </dgm:style>
+  </dgm:styleLbl>
+  <dgm:styleLbl name="sibTrans2D1">
+    <dgm:scene3d>
+      <a:camera prst="orthographicFront"/>
+      <a:lightRig rig="threePt" dir="t"/>
+    </dgm:scene3d>
+    <dgm:sp3d/>
+    <dgm:txPr/>
+    <dgm:style>
+      <a:lnRef idx="0">
+        <a:scrgbClr r="0" g="0" b="0"/>
+      </a:lnRef>
+      <a:fillRef idx="1">
+        <a:scrgbClr r="0" g="0" b="0"/>
+      </a:fillRef>
+      <a:effectRef idx="0">
+        <a:scrgbClr r="0" g="0" b="0"/>
+      </a:effectRef>
+      <a:fontRef idx="minor">
+        <a:schemeClr val="lt1"/>
+      </a:fontRef>
+    </dgm:style>
+  </dgm:styleLbl>
+  <dgm:styleLbl name="fgSibTrans2D1">
+    <dgm:scene3d>
+      <a:camera prst="orthographicFront"/>
+      <a:lightRig rig="threePt" dir="t"/>
+    </dgm:scene3d>
+    <dgm:sp3d/>
+    <dgm:txPr/>
+    <dgm:style>
+      <a:lnRef idx="0">
+        <a:scrgbClr r="0" g="0" b="0"/>
+      </a:lnRef>
+      <a:fillRef idx="1">
+        <a:scrgbClr r="0" g="0" b="0"/>
+      </a:fillRef>
+      <a:effectRef idx="0">
+        <a:scrgbClr r="0" g="0" b="0"/>
+      </a:effectRef>
+      <a:fontRef idx="minor">
+        <a:schemeClr val="lt1"/>
+      </a:fontRef>
+    </dgm:style>
+  </dgm:styleLbl>
+  <dgm:styleLbl name="bgSibTrans2D1">
+    <dgm:scene3d>
+      <a:camera prst="orthographicFront"/>
+      <a:lightRig rig="threePt" dir="t"/>
+    </dgm:scene3d>
+    <dgm:sp3d/>
+    <dgm:txPr/>
+    <dgm:style>
+      <a:lnRef idx="0">
+        <a:scrgbClr r="0" g="0" b="0"/>
+      </a:lnRef>
+      <a:fillRef idx="1">
+        <a:scrgbClr r="0" g="0" b="0"/>
+      </a:fillRef>
+      <a:effectRef idx="0">
+        <a:scrgbClr r="0" g="0" b="0"/>
+      </a:effectRef>
+      <a:fontRef idx="minor">
+        <a:schemeClr val="lt1"/>
+      </a:fontRef>
+    </dgm:style>
+  </dgm:styleLbl>
+  <dgm:styleLbl name="sibTrans1D1">
+    <dgm:scene3d>
+      <a:camera prst="orthographicFront"/>
+      <a:lightRig rig="threePt" dir="t"/>
+    </dgm:scene3d>
+    <dgm:sp3d/>
+    <dgm:txPr/>
+    <dgm:style>
+      <a:lnRef idx="1">
+        <a:scrgbClr r="0" g="0" b="0"/>
+      </a:lnRef>
+      <a:fillRef idx="0">
+        <a:scrgbClr r="0" g="0" b="0"/>
+      </a:fillRef>
+      <a:effectRef idx="0">
+        <a:scrgbClr r="0" g="0" b="0"/>
+      </a:effectRef>
+      <a:fontRef idx="minor"/>
+    </dgm:style>
+  </dgm:styleLbl>
+  <dgm:styleLbl name="callout">
+    <dgm:scene3d>
+      <a:camera prst="orthographicFront"/>
+      <a:lightRig rig="threePt" dir="t"/>
+    </dgm:scene3d>
+    <dgm:sp3d/>
+    <dgm:txPr/>
+    <dgm:style>
+      <a:lnRef idx="2">
+        <a:scrgbClr r="0" g="0" b="0"/>
+      </a:lnRef>
+      <a:fillRef idx="1">
+        <a:scrgbClr r="0" g="0" b="0"/>
+      </a:fillRef>
+      <a:effectRef idx="0">
+        <a:scrgbClr r="0" g="0" b="0"/>
+      </a:effectRef>
+      <a:fontRef idx="minor"/>
+    </dgm:style>
+  </dgm:styleLbl>
+  <dgm:styleLbl name="asst0">
+    <dgm:scene3d>
+      <a:camera prst="orthographicFront"/>
+      <a:lightRig rig="threePt" dir="t"/>
+    </dgm:scene3d>
+    <dgm:sp3d/>
+    <dgm:txPr/>
+    <dgm:style>
+      <a:lnRef idx="2">
+        <a:scrgbClr r="0" g="0" b="0"/>
+      </a:lnRef>
+      <a:fillRef idx="1">
+        <a:scrgbClr r="0" g="0" b="0"/>
+      </a:fillRef>
+      <a:effectRef idx="0">
+        <a:scrgbClr r="0" g="0" b="0"/>
+      </a:effectRef>
+      <a:fontRef idx="minor">
+        <a:schemeClr val="lt1"/>
+      </a:fontRef>
+    </dgm:style>
+  </dgm:styleLbl>
+  <dgm:styleLbl name="asst1">
+    <dgm:scene3d>
+      <a:camera prst="orthographicFront"/>
+      <a:lightRig rig="threePt" dir="t"/>
+    </dgm:scene3d>
+    <dgm:sp3d/>
+    <dgm:txPr/>
+    <dgm:style>
+      <a:lnRef idx="2">
+        <a:scrgbClr r="0" g="0" b="0"/>
+      </a:lnRef>
+      <a:fillRef idx="1">
+        <a:scrgbClr r="0" g="0" b="0"/>
+      </a:fillRef>
+      <a:effectRef idx="0">
+        <a:scrgbClr r="0" g="0" b="0"/>
+      </a:effectRef>
+      <a:fontRef idx="minor">
+        <a:schemeClr val="lt1"/>
+      </a:fontRef>
+    </dgm:style>
+  </dgm:styleLbl>
+  <dgm:styleLbl name="asst2">
+    <dgm:scene3d>
+      <a:camera prst="orthographicFront"/>
+      <a:lightRig rig="threePt" dir="t"/>
+    </dgm:scene3d>
+    <dgm:sp3d/>
+    <dgm:txPr/>
+    <dgm:style>
+      <a:lnRef idx="2">
+        <a:scrgbClr r="0" g="0" b="0"/>
+      </a:lnRef>
+      <a:fillRef idx="1">
+        <a:scrgbClr r="0" g="0" b="0"/>
+      </a:fillRef>
+      <a:effectRef idx="0">
+        <a:scrgbClr r="0" g="0" b="0"/>
+      </a:effectRef>
+      <a:fontRef idx="minor">
+        <a:schemeClr val="lt1"/>
+      </a:fontRef>
+    </dgm:style>
+  </dgm:styleLbl>
+  <dgm:styleLbl name="asst3">
+    <dgm:scene3d>
+      <a:camera prst="orthographicFront"/>
+      <a:lightRig rig="threePt" dir="t"/>
+    </dgm:scene3d>
+    <dgm:sp3d/>
+    <dgm:txPr/>
+    <dgm:style>
+      <a:lnRef idx="2">
+        <a:scrgbClr r="0" g="0" b="0"/>
+      </a:lnRef>
+      <a:fillRef idx="1">
+        <a:scrgbClr r="0" g="0" b="0"/>
+      </a:fillRef>
+      <a:effectRef idx="0">
+        <a:scrgbClr r="0" g="0" b="0"/>
+      </a:effectRef>
+      <a:fontRef idx="minor">
+        <a:schemeClr val="lt1"/>
+      </a:fontRef>
+    </dgm:style>
+  </dgm:styleLbl>
+  <dgm:styleLbl name="asst4">
+    <dgm:scene3d>
+      <a:camera prst="orthographicFront"/>
+      <a:lightRig rig="threePt" dir="t"/>
+    </dgm:scene3d>
+    <dgm:sp3d/>
+    <dgm:txPr/>
+    <dgm:style>
+      <a:lnRef idx="2">
+        <a:scrgbClr r="0" g="0" b="0"/>
+      </a:lnRef>
+      <a:fillRef idx="1">
+        <a:scrgbClr r="0" g="0" b="0"/>
+      </a:fillRef>
+      <a:effectRef idx="0">
+        <a:scrgbClr r="0" g="0" b="0"/>
+      </a:effectRef>
+      <a:fontRef idx="minor">
+        <a:schemeClr val="lt1"/>
+      </a:fontRef>
+    </dgm:style>
+  </dgm:styleLbl>
+  <dgm:styleLbl name="parChTrans2D1">
+    <dgm:scene3d>
+      <a:camera prst="orthographicFront"/>
+      <a:lightRig rig="threePt" dir="t"/>
+    </dgm:scene3d>
+    <dgm:sp3d/>
+    <dgm:txPr/>
+    <dgm:style>
+      <a:lnRef idx="2">
+        <a:scrgbClr r="0" g="0" b="0"/>
+      </a:lnRef>
+      <a:fillRef idx="1">
+        <a:scrgbClr r="0" g="0" b="0"/>
+      </a:fillRef>
+      <a:effectRef idx="0">
+        <a:scrgbClr r="0" g="0" b="0"/>
+      </a:effectRef>
+      <a:fontRef idx="minor">
+        <a:schemeClr val="lt1"/>
+      </a:fontRef>
+    </dgm:style>
+  </dgm:styleLbl>
+  <dgm:styleLbl name="parChTrans2D2">
+    <dgm:scene3d>
+      <a:camera prst="orthographicFront"/>
+      <a:lightRig rig="threePt" dir="t"/>
+    </dgm:scene3d>
+    <dgm:sp3d/>
+    <dgm:txPr/>
+    <dgm:style>
+      <a:lnRef idx="2">
+        <a:scrgbClr r="0" g="0" b="0"/>
+      </a:lnRef>
+      <a:fillRef idx="1">
+        <a:scrgbClr r="0" g="0" b="0"/>
+      </a:fillRef>
+      <a:effectRef idx="0">
+        <a:scrgbClr r="0" g="0" b="0"/>
+      </a:effectRef>
+      <a:fontRef idx="minor">
+        <a:schemeClr val="lt1"/>
+      </a:fontRef>
+    </dgm:style>
+  </dgm:styleLbl>
+  <dgm:styleLbl name="parChTrans2D3">
+    <dgm:scene3d>
+      <a:camera prst="orthographicFront"/>
+      <a:lightRig rig="threePt" dir="t"/>
+    </dgm:scene3d>
+    <dgm:sp3d/>
+    <dgm:txPr/>
+    <dgm:style>
+      <a:lnRef idx="2">
+        <a:scrgbClr r="0" g="0" b="0"/>
+      </a:lnRef>
+      <a:fillRef idx="1">
+        <a:scrgbClr r="0" g="0" b="0"/>
+      </a:fillRef>
+      <a:effectRef idx="0">
+        <a:scrgbClr r="0" g="0" b="0"/>
+      </a:effectRef>
+      <a:fontRef idx="minor">
+        <a:schemeClr val="lt1"/>
+      </a:fontRef>
+    </dgm:style>
+  </dgm:styleLbl>
+  <dgm:styleLbl name="parChTrans2D4">
+    <dgm:scene3d>
+      <a:camera prst="orthographicFront"/>
+      <a:lightRig rig="threePt" dir="t"/>
+    </dgm:scene3d>
+    <dgm:sp3d/>
+    <dgm:txPr/>
+    <dgm:style>
+      <a:lnRef idx="2">
+        <a:scrgbClr r="0" g="0" b="0"/>
+      </a:lnRef>
+      <a:fillRef idx="1">
+        <a:scrgbClr r="0" g="0" b="0"/>
+      </a:fillRef>
+      <a:effectRef idx="0">
+        <a:scrgbClr r="0" g="0" b="0"/>
+      </a:effectRef>
+      <a:fontRef idx="minor">
+        <a:schemeClr val="lt1"/>
+      </a:fontRef>
+    </dgm:style>
+  </dgm:styleLbl>
+  <dgm:styleLbl name="parChTrans1D1">
+    <dgm:scene3d>
+      <a:camera prst="orthographicFront"/>
+      <a:lightRig rig="threePt" dir="t"/>
+    </dgm:scene3d>
+    <dgm:sp3d/>
+    <dgm:txPr/>
+    <dgm:style>
+      <a:lnRef idx="2">
+        <a:scrgbClr r="0" g="0" b="0"/>
+      </a:lnRef>
+      <a:fillRef idx="0">
+        <a:scrgbClr r="0" g="0" b="0"/>
+      </a:fillRef>
+      <a:effectRef idx="0">
+        <a:scrgbClr r="0" g="0" b="0"/>
+      </a:effectRef>
+      <a:fontRef idx="minor"/>
+    </dgm:style>
+  </dgm:styleLbl>
+  <dgm:styleLbl name="parChTrans1D2">
+    <dgm:scene3d>
+      <a:camera prst="orthographicFront"/>
+      <a:lightRig rig="threePt" dir="t"/>
+    </dgm:scene3d>
+    <dgm:sp3d/>
+    <dgm:txPr/>
+    <dgm:style>
+      <a:lnRef idx="2">
+        <a:scrgbClr r="0" g="0" b="0"/>
+      </a:lnRef>
+      <a:fillRef idx="0">
+        <a:scrgbClr r="0" g="0" b="0"/>
+      </a:fillRef>
+      <a:effectRef idx="0">
+        <a:scrgbClr r="0" g="0" b="0"/>
+      </a:effectRef>
+      <a:fontRef idx="minor"/>
+    </dgm:style>
+  </dgm:styleLbl>
+  <dgm:styleLbl name="parChTrans1D3">
+    <dgm:scene3d>
+      <a:camera prst="orthographicFront"/>
+      <a:lightRig rig="threePt" dir="t"/>
+    </dgm:scene3d>
+    <dgm:sp3d/>
+    <dgm:txPr/>
+    <dgm:style>
+      <a:lnRef idx="2">
+        <a:scrgbClr r="0" g="0" b="0"/>
+      </a:lnRef>
+      <a:fillRef idx="0">
+        <a:scrgbClr r="0" g="0" b="0"/>
+      </a:fillRef>
+      <a:effectRef idx="0">
+        <a:scrgbClr r="0" g="0" b="0"/>
+      </a:effectRef>
+      <a:fontRef idx="minor"/>
+    </dgm:style>
+  </dgm:styleLbl>
+  <dgm:styleLbl name="parChTrans1D4">
+    <dgm:scene3d>
+      <a:camera prst="orthographicFront"/>
+      <a:lightRig rig="threePt" dir="t"/>
+    </dgm:scene3d>
+    <dgm:sp3d/>
+    <dgm:txPr/>
+    <dgm:style>
+      <a:lnRef idx="2">
+        <a:scrgbClr r="0" g="0" b="0"/>
+      </a:lnRef>
+      <a:fillRef idx="0">
+        <a:scrgbClr r="0" g="0" b="0"/>
+      </a:fillRef>
+      <a:effectRef idx="0">
+        <a:scrgbClr r="0" g="0" b="0"/>
+      </a:effectRef>
+      <a:fontRef idx="minor"/>
+    </dgm:style>
+  </dgm:styleLbl>
+  <dgm:styleLbl name="fgAcc1">
+    <dgm:scene3d>
+      <a:camera prst="orthographicFront"/>
+      <a:lightRig rig="threePt" dir="t"/>
+    </dgm:scene3d>
+    <dgm:sp3d/>
+    <dgm:txPr/>
+    <dgm:style>
+      <a:lnRef idx="2">
+        <a:scrgbClr r="0" g="0" b="0"/>
+      </a:lnRef>
+      <a:fillRef idx="1">
+        <a:scrgbClr r="0" g="0" b="0"/>
+      </a:fillRef>
+      <a:effectRef idx="0">
+        <a:scrgbClr r="0" g="0" b="0"/>
+      </a:effectRef>
+      <a:fontRef idx="minor"/>
+    </dgm:style>
+  </dgm:styleLbl>
+  <dgm:styleLbl name="conFgAcc1">
+    <dgm:scene3d>
+      <a:camera prst="orthographicFront"/>
+      <a:lightRig rig="threePt" dir="t"/>
+    </dgm:scene3d>
+    <dgm:sp3d/>
+    <dgm:txPr/>
+    <dgm:style>
+      <a:lnRef idx="2">
+        <a:scrgbClr r="0" g="0" b="0"/>
+      </a:lnRef>
+      <a:fillRef idx="1">
+        <a:scrgbClr r="0" g="0" b="0"/>
+      </a:fillRef>
+      <a:effectRef idx="0">
+        <a:scrgbClr r="0" g="0" b="0"/>
+      </a:effectRef>
+      <a:fontRef idx="minor"/>
+    </dgm:style>
+  </dgm:styleLbl>
+  <dgm:styleLbl name="alignAcc1">
+    <dgm:scene3d>
+      <a:camera prst="orthographicFront"/>
+      <a:lightRig rig="threePt" dir="t"/>
+    </dgm:scene3d>
+    <dgm:sp3d/>
+    <dgm:txPr/>
+    <dgm:style>
+      <a:lnRef idx="2">
+        <a:scrgbClr r="0" g="0" b="0"/>
+      </a:lnRef>
+      <a:fillRef idx="1">
+        <a:scrgbClr r="0" g="0" b="0"/>
+      </a:fillRef>
+      <a:effectRef idx="0">
+        <a:scrgbClr r="0" g="0" b="0"/>
+      </a:effectRef>
+      <a:fontRef idx="minor"/>
+    </dgm:style>
+  </dgm:styleLbl>
+  <dgm:styleLbl name="trAlignAcc1">
+    <dgm:scene3d>
+      <a:camera prst="orthographicFront"/>
+      <a:lightRig rig="threePt" dir="t"/>
+    </dgm:scene3d>
+    <dgm:sp3d/>
+    <dgm:txPr/>
+    <dgm:style>
+      <a:lnRef idx="1">
+        <a:scrgbClr r="0" g="0" b="0"/>
+      </a:lnRef>
+      <a:fillRef idx="1">
+        <a:scrgbClr r="0" g="0" b="0"/>
+      </a:fillRef>
+      <a:effectRef idx="0">
+        <a:scrgbClr r="0" g="0" b="0"/>
+      </a:effectRef>
+      <a:fontRef idx="minor"/>
+    </dgm:style>
+  </dgm:styleLbl>
+  <dgm:styleLbl name="bgAcc1">
+    <dgm:scene3d>
+      <a:camera prst="orthographicFront"/>
+      <a:lightRig rig="threePt" dir="t"/>
+    </dgm:scene3d>
+    <dgm:sp3d/>
+    <dgm:txPr/>
+    <dgm:style>
+      <a:lnRef idx="2">
+        <a:scrgbClr r="0" g="0" b="0"/>
+      </a:lnRef>
+      <a:fillRef idx="1">
+        <a:scrgbClr r="0" g="0" b="0"/>
+      </a:fillRef>
+      <a:effectRef idx="0">
+        <a:scrgbClr r="0" g="0" b="0"/>
+      </a:effectRef>
+      <a:fontRef idx="minor"/>
+    </dgm:style>
+  </dgm:styleLbl>
+  <dgm:styleLbl name="solidFgAcc1">
+    <dgm:scene3d>
+      <a:camera prst="orthographicFront"/>
+      <a:lightRig rig="threePt" dir="t"/>
+    </dgm:scene3d>
+    <dgm:sp3d/>
+    <dgm:txPr/>
+    <dgm:style>
+      <a:lnRef idx="2">
+        <a:scrgbClr r="0" g="0" b="0"/>
+      </a:lnRef>
+      <a:fillRef idx="1">
+        <a:scrgbClr r="0" g="0" b="0"/>
+      </a:fillRef>
+      <a:effectRef idx="0">
+        <a:scrgbClr r="0" g="0" b="0"/>
+      </a:effectRef>
+      <a:fontRef idx="minor"/>
+    </dgm:style>
+  </dgm:styleLbl>
+  <dgm:styleLbl name="solidAlignAcc1">
+    <dgm:scene3d>
+      <a:camera prst="orthographicFront"/>
+      <a:lightRig rig="threePt" dir="t"/>
+    </dgm:scene3d>
+    <dgm:sp3d/>
+    <dgm:txPr/>
+    <dgm:style>
+      <a:lnRef idx="2">
+        <a:scrgbClr r="0" g="0" b="0"/>
+      </a:lnRef>
+      <a:fillRef idx="1">
+        <a:scrgbClr r="0" g="0" b="0"/>
+      </a:fillRef>
+      <a:effectRef idx="0">
+        <a:scrgbClr r="0" g="0" b="0"/>
+      </a:effectRef>
+      <a:fontRef idx="minor"/>
+    </dgm:style>
+  </dgm:styleLbl>
+  <dgm:styleLbl name="solidBgAcc1">
+    <dgm:scene3d>
+      <a:camera prst="orthographicFront"/>
+      <a:lightRig rig="threePt" dir="t"/>
+    </dgm:scene3d>
+    <dgm:sp3d/>
+    <dgm:txPr/>
+    <dgm:style>
+      <a:lnRef idx="2">
+        <a:scrgbClr r="0" g="0" b="0"/>
+      </a:lnRef>
+      <a:fillRef idx="1">
+        <a:scrgbClr r="0" g="0" b="0"/>
+      </a:fillRef>
+      <a:effectRef idx="0">
+        <a:scrgbClr r="0" g="0" b="0"/>
+      </a:effectRef>
+      <a:fontRef idx="minor"/>
+    </dgm:style>
+  </dgm:styleLbl>
+  <dgm:styleLbl name="fgAccFollowNode1">
+    <dgm:scene3d>
+      <a:camera prst="orthographicFront"/>
+      <a:lightRig rig="threePt" dir="t"/>
+    </dgm:scene3d>
+    <dgm:sp3d/>
+    <dgm:txPr/>
+    <dgm:style>
+      <a:lnRef idx="2">
+        <a:scrgbClr r="0" g="0" b="0"/>
+      </a:lnRef>
+      <a:fillRef idx="1">
+        <a:scrgbClr r="0" g="0" b="0"/>
+      </a:fillRef>
+      <a:effectRef idx="0">
+        <a:scrgbClr r="0" g="0" b="0"/>
+      </a:effectRef>
+      <a:fontRef idx="minor"/>
+    </dgm:style>
+  </dgm:styleLbl>
+  <dgm:styleLbl name="alignAccFollowNode1">
+    <dgm:scene3d>
+      <a:camera prst="orthographicFront"/>
+      <a:lightRig rig="threePt" dir="t"/>
+    </dgm:scene3d>
+    <dgm:sp3d/>
+    <dgm:txPr/>
+    <dgm:style>
+      <a:lnRef idx="2">
+        <a:scrgbClr r="0" g="0" b="0"/>
+      </a:lnRef>
+      <a:fillRef idx="1">
+        <a:scrgbClr r="0" g="0" b="0"/>
+      </a:fillRef>
+      <a:effectRef idx="0">
+        <a:scrgbClr r="0" g="0" b="0"/>
+      </a:effectRef>
+      <a:fontRef idx="minor"/>
+    </dgm:style>
+  </dgm:styleLbl>
+  <dgm:styleLbl name="bgAccFollowNode1">
+    <dgm:scene3d>
+      <a:camera prst="orthographicFront"/>
+      <a:lightRig rig="threePt" dir="t"/>
+    </dgm:scene3d>
+    <dgm:sp3d/>
+    <dgm:txPr/>
+    <dgm:style>
+      <a:lnRef idx="2">
+        <a:scrgbClr r="0" g="0" b="0"/>
+      </a:lnRef>
+      <a:fillRef idx="1">
+        <a:scrgbClr r="0" g="0" b="0"/>
+      </a:fillRef>
+      <a:effectRef idx="0">
+        <a:scrgbClr r="0" g="0" b="0"/>
+      </a:effectRef>
+      <a:fontRef idx="minor"/>
+    </dgm:style>
+  </dgm:styleLbl>
+  <dgm:styleLbl name="fgAcc0">
+    <dgm:scene3d>
+      <a:camera prst="orthographicFront"/>
+      <a:lightRig rig="threePt" dir="t"/>
+    </dgm:scene3d>
+    <dgm:sp3d/>
+    <dgm:txPr/>
+    <dgm:style>
+      <a:lnRef idx="2">
+        <a:scrgbClr r="0" g="0" b="0"/>
+      </a:lnRef>
+      <a:fillRef idx="1">
+        <a:scrgbClr r="0" g="0" b="0"/>
+      </a:fillRef>
+      <a:effectRef idx="0">
+        <a:scrgbClr r="0" g="0" b="0"/>
+      </a:effectRef>
+      <a:fontRef idx="minor"/>
+    </dgm:style>
+  </dgm:styleLbl>
+  <dgm:styleLbl name="fgAcc2">
+    <dgm:scene3d>
+      <a:camera prst="orthographicFront"/>
+      <a:lightRig rig="threePt" dir="t"/>
+    </dgm:scene3d>
+    <dgm:sp3d/>
+    <dgm:txPr/>
+    <dgm:style>
+      <a:lnRef idx="2">
+        <a:scrgbClr r="0" g="0" b="0"/>
+      </a:lnRef>
+      <a:fillRef idx="1">
+        <a:scrgbClr r="0" g="0" b="0"/>
+      </a:fillRef>
+      <a:effectRef idx="0">
+        <a:scrgbClr r="0" g="0" b="0"/>
+      </a:effectRef>
+      <a:fontRef idx="minor"/>
+    </dgm:style>
+  </dgm:styleLbl>
+  <dgm:styleLbl name="fgAcc3">
+    <dgm:scene3d>
+      <a:camera prst="orthographicFront"/>
+      <a:lightRig rig="threePt" dir="t"/>
+    </dgm:scene3d>
+    <dgm:sp3d/>
+    <dgm:txPr/>
+    <dgm:style>
+      <a:lnRef idx="2">
+        <a:scrgbClr r="0" g="0" b="0"/>
+      </a:lnRef>
+      <a:fillRef idx="1">
+        <a:scrgbClr r="0" g="0" b="0"/>
+      </a:fillRef>
+      <a:effectRef idx="0">
+        <a:scrgbClr r="0" g="0" b="0"/>
+      </a:effectRef>
+      <a:fontRef idx="minor"/>
+    </dgm:style>
+  </dgm:styleLbl>
+  <dgm:styleLbl name="fgAcc4">
+    <dgm:scene3d>
+      <a:camera prst="orthographicFront"/>
+      <a:lightRig rig="threePt" dir="t"/>
+    </dgm:scene3d>
+    <dgm:sp3d/>
+    <dgm:txPr/>
+    <dgm:style>
+      <a:lnRef idx="2">
+        <a:scrgbClr r="0" g="0" b="0"/>
+      </a:lnRef>
+      <a:fillRef idx="1">
+        <a:scrgbClr r="0" g="0" b="0"/>
+      </a:fillRef>
+      <a:effectRef idx="0">
+        <a:scrgbClr r="0" g="0" b="0"/>
+      </a:effectRef>
+      <a:fontRef idx="minor"/>
+    </dgm:style>
+  </dgm:styleLbl>
+  <dgm:styleLbl name="bgShp">
+    <dgm:scene3d>
+      <a:camera prst="orthographicFront"/>
+      <a:lightRig rig="threePt" dir="t"/>
+    </dgm:scene3d>
+    <dgm:sp3d/>
+    <dgm:txPr/>
+    <dgm:style>
+      <a:lnRef idx="0">
+        <a:scrgbClr r="0" g="0" b="0"/>
+      </a:lnRef>
+      <a:fillRef idx="1">
+        <a:scrgbClr r="0" g="0" b="0"/>
+      </a:fillRef>
+      <a:effectRef idx="0">
+        <a:scrgbClr r="0" g="0" b="0"/>
+      </a:effectRef>
+      <a:fontRef idx="minor"/>
+    </dgm:style>
+  </dgm:styleLbl>
+  <dgm:styleLbl name="dkBgShp">
+    <dgm:scene3d>
+      <a:camera prst="orthographicFront"/>
+      <a:lightRig rig="threePt" dir="t"/>
+    </dgm:scene3d>
+    <dgm:sp3d/>
+    <dgm:txPr/>
+    <dgm:style>
+      <a:lnRef idx="0">
+        <a:scrgbClr r="0" g="0" b="0"/>
+      </a:lnRef>
+      <a:fillRef idx="1">
+        <a:scrgbClr r="0" g="0" b="0"/>
+      </a:fillRef>
+      <a:effectRef idx="0">
+        <a:scrgbClr r="0" g="0" b="0"/>
+      </a:effectRef>
+      <a:fontRef idx="minor"/>
+    </dgm:style>
+  </dgm:styleLbl>
+  <dgm:styleLbl name="trBgShp">
+    <dgm:scene3d>
+      <a:camera prst="orthographicFront"/>
+      <a:lightRig rig="threePt" dir="t"/>
+    </dgm:scene3d>
+    <dgm:sp3d/>
+    <dgm:txPr/>
+    <dgm:style>
+      <a:lnRef idx="0">
+        <a:scrgbClr r="0" g="0" b="0"/>
+      </a:lnRef>
+      <a:fillRef idx="1">
+        <a:scrgbClr r="0" g="0" b="0"/>
+      </a:fillRef>
+      <a:effectRef idx="0">
+        <a:scrgbClr r="0" g="0" b="0"/>
+      </a:effectRef>
+      <a:fontRef idx="minor"/>
+    </dgm:style>
+  </dgm:styleLbl>
+  <dgm:styleLbl name="fgShp">
+    <dgm:scene3d>
+      <a:camera prst="orthographicFront"/>
+      <a:lightRig rig="threePt" dir="t"/>
+    </dgm:scene3d>
+    <dgm:sp3d/>
+    <dgm:txPr/>
+    <dgm:style>
+      <a:lnRef idx="2">
+        <a:scrgbClr r="0" g="0" b="0"/>
+      </a:lnRef>
+      <a:fillRef idx="1">
+        <a:scrgbClr r="0" g="0" b="0"/>
+      </a:fillRef>
+      <a:effectRef idx="0">
+        <a:scrgbClr r="0" g="0" b="0"/>
+      </a:effectRef>
+      <a:fontRef idx="minor"/>
+    </dgm:style>
+  </dgm:styleLbl>
+  <dgm:styleLbl name="revTx">
+    <dgm:scene3d>
+      <a:camera prst="orthographicFront"/>
+      <a:lightRig rig="threePt" dir="t"/>
+    </dgm:scene3d>
+    <dgm:sp3d/>
+    <dgm:txPr/>
+    <dgm:style>
+      <a:lnRef idx="0">
+        <a:scrgbClr r="0" g="0" b="0"/>
+      </a:lnRef>
+      <a:fillRef idx="0">
+        <a:scrgbClr r="0" g="0" b="0"/>
+      </a:fillRef>
+      <a:effectRef idx="0">
+        <a:scrgbClr r="0" g="0" b="0"/>
+      </a:effectRef>
+      <a:fontRef idx="minor"/>
+    </dgm:style>
+  </dgm:styleLbl>
+</dgm:styleDef>
+</file>
+
 <file path=ppt/handoutMasters/handoutMaster1.xml><?xml version="1.0" encoding="utf-8"?>
 <p:handoutMaster xmlns:a="http://schemas.openxmlformats.org/drawingml/2006/main" xmlns:r="http://schemas.openxmlformats.org/officeDocument/2006/relationships" xmlns:p="http://schemas.openxmlformats.org/presentationml/2006/main">
   <p:cSld>
@@ -3968,7 +6394,7 @@
           <a:p>
             <a:fld id="{FE5B4EDC-59C0-49C7-8ADA-5A781B329E02}" type="datetimeFigureOut">
               <a:rPr lang="en-US"/>
-              <a:t>11/2/2018</a:t>
+              <a:t>11/4/2018</a:t>
             </a:fld>
             <a:endParaRPr/>
           </a:p>
@@ -4133,7 +6559,7 @@
           <a:p>
             <a:fld id="{F2D8D46A-B586-417D-BFBD-8C8FE0AAF762}" type="datetimeFigureOut">
               <a:rPr lang="en-US"/>
-              <a:t>11/2/2018</a:t>
+              <a:t>11/4/2018</a:t>
             </a:fld>
             <a:endParaRPr/>
           </a:p>
@@ -4457,7 +6883,7 @@
               <a:defRPr/>
             </a:pPr>
             <a:r>
-              <a:rPr lang="en-AU" spc="-1" dirty="0" smtClean="0">
+              <a:rPr lang="en-AU" spc="-1" dirty="0">
                 <a:solidFill>
                   <a:srgbClr val="FFFFFF"/>
                 </a:solidFill>
@@ -4471,7 +6897,7 @@
               <a:t>Initially started on own but requested to join team </a:t>
             </a:r>
             <a:r>
-              <a:rPr lang="en-AU" spc="-1" dirty="0" err="1" smtClean="0">
+              <a:rPr lang="en-AU" spc="-1" dirty="0" err="1">
                 <a:solidFill>
                   <a:srgbClr val="FFFFFF"/>
                 </a:solidFill>
@@ -4484,7 +6910,7 @@
               </a:rPr>
               <a:t>UnicorNN</a:t>
             </a:r>
-            <a:endParaRPr lang="en-AU" spc="-1" dirty="0" smtClean="0">
+            <a:endParaRPr lang="en-AU" spc="-1" dirty="0">
               <a:solidFill>
                 <a:srgbClr val="FFFFFF"/>
               </a:solidFill>
@@ -4515,7 +6941,7 @@
               <a:defRPr/>
             </a:pPr>
             <a:r>
-              <a:rPr lang="en-AU" spc="-1" dirty="0" err="1" smtClean="0">
+              <a:rPr lang="en-AU" spc="-1" dirty="0" err="1">
                 <a:solidFill>
                   <a:srgbClr val="FFFFFF"/>
                 </a:solidFill>
@@ -4529,7 +6955,7 @@
               <a:t>Createing</a:t>
             </a:r>
             <a:r>
-              <a:rPr lang="en-AU" spc="-1" dirty="0" smtClean="0">
+              <a:rPr lang="en-AU" spc="-1" dirty="0">
                 <a:solidFill>
                   <a:srgbClr val="FFFFFF"/>
                 </a:solidFill>
@@ -4646,7 +7072,7 @@
               <a:defRPr/>
             </a:pPr>
             <a:r>
-              <a:rPr lang="en-AU" spc="-1" dirty="0" smtClean="0">
+              <a:rPr lang="en-AU" spc="-1" dirty="0">
                 <a:solidFill>
                   <a:srgbClr val="FFFFFF"/>
                 </a:solidFill>
@@ -4660,7 +7086,7 @@
               <a:t>Initially started on own but requested to join team </a:t>
             </a:r>
             <a:r>
-              <a:rPr lang="en-AU" spc="-1" dirty="0" err="1" smtClean="0">
+              <a:rPr lang="en-AU" spc="-1" dirty="0" err="1">
                 <a:solidFill>
                   <a:srgbClr val="FFFFFF"/>
                 </a:solidFill>
@@ -4673,7 +7099,7 @@
               </a:rPr>
               <a:t>UnicorNN</a:t>
             </a:r>
-            <a:endParaRPr lang="en-AU" spc="-1" dirty="0" smtClean="0">
+            <a:endParaRPr lang="en-AU" spc="-1" dirty="0">
               <a:solidFill>
                 <a:srgbClr val="FFFFFF"/>
               </a:solidFill>
@@ -4704,7 +7130,7 @@
               <a:defRPr/>
             </a:pPr>
             <a:r>
-              <a:rPr lang="en-AU" spc="-1" dirty="0" err="1" smtClean="0">
+              <a:rPr lang="en-AU" spc="-1" dirty="0" err="1">
                 <a:solidFill>
                   <a:srgbClr val="FFFFFF"/>
                 </a:solidFill>
@@ -4718,7 +7144,7 @@
               <a:t>Createing</a:t>
             </a:r>
             <a:r>
-              <a:rPr lang="en-AU" spc="-1" dirty="0" smtClean="0">
+              <a:rPr lang="en-AU" spc="-1" dirty="0">
                 <a:solidFill>
                   <a:srgbClr val="FFFFFF"/>
                 </a:solidFill>
@@ -4835,11 +7261,11 @@
               <a:defRPr/>
             </a:pPr>
             <a:r>
-              <a:rPr lang="en-AU" dirty="0" smtClean="0"/>
+              <a:rPr lang="en-AU" dirty="0"/>
               <a:t>Data inconsistencies: gaps, </a:t>
             </a:r>
             <a:r>
-              <a:rPr lang="en-US" spc="-1" dirty="0" smtClean="0">
+              <a:rPr lang="en-US" spc="-1" dirty="0">
                 <a:solidFill>
                   <a:srgbClr val="FFFFFF"/>
                 </a:solidFill>
@@ -4938,7 +7364,7 @@
           <a:lstStyle/>
           <a:p>
             <a:r>
-              <a:rPr lang="en-AU" spc="-1" dirty="0" smtClean="0">
+              <a:rPr lang="en-AU" spc="-1" dirty="0">
                 <a:solidFill>
                   <a:srgbClr val="FFFFFF"/>
                 </a:solidFill>
@@ -4951,7 +7377,7 @@
               </a:rPr>
               <a:t>- break the data down into a manageable size as quickly as possible -</a:t>
             </a:r>
-            <a:endParaRPr lang="en-AU" sz="1200" spc="-1" dirty="0" smtClean="0">
+            <a:endParaRPr lang="en-AU" sz="1200" spc="-1" dirty="0">
               <a:solidFill>
                 <a:srgbClr val="FFFFFF"/>
               </a:solidFill>
@@ -4965,7 +7391,7 @@
           </a:p>
           <a:p>
             <a:r>
-              <a:rPr lang="en-AU" spc="-1" dirty="0" smtClean="0">
+              <a:rPr lang="en-AU" spc="-1" dirty="0">
                 <a:solidFill>
                   <a:srgbClr val="FFFFFF"/>
                 </a:solidFill>
@@ -4980,7 +7406,7 @@
             </a:r>
           </a:p>
           <a:p>
-            <a:endParaRPr lang="en-AU" sz="1200" spc="-1" dirty="0" smtClean="0">
+            <a:endParaRPr lang="en-AU" sz="1200" spc="-1" dirty="0">
               <a:solidFill>
                 <a:srgbClr val="FFFFFF"/>
               </a:solidFill>
@@ -4994,7 +7420,7 @@
           </a:p>
           <a:p>
             <a:r>
-              <a:rPr lang="en-AU" sz="1200" spc="-1" dirty="0" smtClean="0">
+              <a:rPr lang="en-AU" sz="1200" spc="-1" dirty="0">
                 <a:solidFill>
                   <a:srgbClr val="FFFFFF"/>
                 </a:solidFill>
@@ -5008,7 +7434,7 @@
               <a:t>Clustering large time series datasets using </a:t>
             </a:r>
             <a:r>
-              <a:rPr lang="en-AU" sz="1200" spc="-1" dirty="0" err="1" smtClean="0">
+              <a:rPr lang="en-AU" sz="1200" spc="-1" dirty="0" err="1">
                 <a:solidFill>
                   <a:srgbClr val="FFFFFF"/>
                 </a:solidFill>
@@ -5022,7 +7448,7 @@
               <a:t>kNN</a:t>
             </a:r>
             <a:r>
-              <a:rPr lang="en-AU" sz="1200" spc="-1" dirty="0" smtClean="0">
+              <a:rPr lang="en-AU" sz="1200" spc="-1" dirty="0">
                 <a:solidFill>
                   <a:srgbClr val="FFFFFF"/>
                 </a:solidFill>
@@ -5035,7 +7461,7 @@
               </a:rPr>
               <a:t> and dynamic time warping </a:t>
             </a:r>
-            <a:endParaRPr lang="en-AU" sz="1050" spc="-1" dirty="0" smtClean="0">
+            <a:endParaRPr lang="en-AU" sz="1050" spc="-1" dirty="0">
               <a:solidFill>
                 <a:srgbClr val="FFFFFF"/>
               </a:solidFill>
@@ -5052,7 +7478,7 @@
               <a:buNone/>
             </a:pPr>
             <a:r>
-              <a:rPr lang="en-AU" sz="1200" spc="-1" dirty="0" smtClean="0">
+              <a:rPr lang="en-AU" sz="1200" spc="-1" dirty="0">
                 <a:solidFill>
                   <a:srgbClr val="FFFFFF"/>
                 </a:solidFill>
@@ -5065,7 +7491,7 @@
               </a:rPr>
               <a:t>is very compute intensive</a:t>
             </a:r>
-            <a:endParaRPr lang="en-AU" sz="1050" spc="-1" dirty="0" smtClean="0">
+            <a:endParaRPr lang="en-AU" sz="1050" spc="-1" dirty="0">
               <a:solidFill>
                 <a:srgbClr val="FFFFFF"/>
               </a:solidFill>
@@ -5884,7 +8310,7 @@
           <a:p>
             <a:fld id="{F0DFD029-FB74-4578-B929-F66AA97659CA}" type="datetimeFigureOut">
               <a:rPr lang="en-US"/>
-              <a:t>11/2/2018</a:t>
+              <a:t>11/4/2018</a:t>
             </a:fld>
             <a:endParaRPr/>
           </a:p>
@@ -6082,7 +8508,7 @@
           <a:p>
             <a:fld id="{F0DFD029-FB74-4578-B929-F66AA97659CA}" type="datetimeFigureOut">
               <a:rPr lang="en-US"/>
-              <a:t>11/2/2018</a:t>
+              <a:t>11/4/2018</a:t>
             </a:fld>
             <a:endParaRPr/>
           </a:p>
@@ -6290,7 +8716,7 @@
           <a:p>
             <a:fld id="{F0DFD029-FB74-4578-B929-F66AA97659CA}" type="datetimeFigureOut">
               <a:rPr lang="en-US"/>
-              <a:t>11/2/2018</a:t>
+              <a:t>11/4/2018</a:t>
             </a:fld>
             <a:endParaRPr/>
           </a:p>
@@ -6488,7 +8914,7 @@
           <a:p>
             <a:fld id="{F0DFD029-FB74-4578-B929-F66AA97659CA}" type="datetimeFigureOut">
               <a:rPr lang="en-US"/>
-              <a:t>11/2/2018</a:t>
+              <a:t>11/4/2018</a:t>
             </a:fld>
             <a:endParaRPr/>
           </a:p>
@@ -6920,7 +9346,7 @@
           <a:p>
             <a:fld id="{F0DFD029-FB74-4578-B929-F66AA97659CA}" type="datetimeFigureOut">
               <a:rPr lang="en-US"/>
-              <a:t>11/2/2018</a:t>
+              <a:t>11/4/2018</a:t>
             </a:fld>
             <a:endParaRPr/>
           </a:p>
@@ -7224,7 +9650,7 @@
           <a:p>
             <a:fld id="{F0DFD029-FB74-4578-B929-F66AA97659CA}" type="datetimeFigureOut">
               <a:rPr lang="en-US"/>
-              <a:t>11/2/2018</a:t>
+              <a:t>11/4/2018</a:t>
             </a:fld>
             <a:endParaRPr/>
           </a:p>
@@ -7680,7 +10106,7 @@
           <a:p>
             <a:fld id="{F0DFD029-FB74-4578-B929-F66AA97659CA}" type="datetimeFigureOut">
               <a:rPr lang="en-US"/>
-              <a:t>11/2/2018</a:t>
+              <a:t>11/4/2018</a:t>
             </a:fld>
             <a:endParaRPr/>
           </a:p>
@@ -7810,7 +10236,7 @@
           <a:p>
             <a:fld id="{F0DFD029-FB74-4578-B929-F66AA97659CA}" type="datetimeFigureOut">
               <a:rPr lang="en-US"/>
-              <a:t>11/2/2018</a:t>
+              <a:t>11/4/2018</a:t>
             </a:fld>
             <a:endParaRPr/>
           </a:p>
@@ -7917,7 +10343,7 @@
           <a:p>
             <a:fld id="{F0DFD029-FB74-4578-B929-F66AA97659CA}" type="datetimeFigureOut">
               <a:rPr lang="en-US"/>
-              <a:t>11/2/2018</a:t>
+              <a:t>11/4/2018</a:t>
             </a:fld>
             <a:endParaRPr/>
           </a:p>
@@ -8216,7 +10642,7 @@
           <a:p>
             <a:fld id="{F0DFD029-FB74-4578-B929-F66AA97659CA}" type="datetimeFigureOut">
               <a:rPr lang="en-US"/>
-              <a:t>11/2/2018</a:t>
+              <a:t>11/4/2018</a:t>
             </a:fld>
             <a:endParaRPr/>
           </a:p>
@@ -8504,7 +10930,7 @@
           <a:p>
             <a:fld id="{F0DFD029-FB74-4578-B929-F66AA97659CA}" type="datetimeFigureOut">
               <a:rPr lang="en-US"/>
-              <a:t>11/2/2018</a:t>
+              <a:t>11/4/2018</a:t>
             </a:fld>
             <a:endParaRPr/>
           </a:p>
@@ -9127,7 +11553,7 @@
             <a:fld id="{F0DFD029-FB74-4578-B929-F66AA97659CA}" type="datetimeFigureOut">
               <a:rPr lang="en-US"/>
               <a:pPr/>
-              <a:t>11/2/2018</a:t>
+              <a:t>11/4/2018</a:t>
             </a:fld>
             <a:endParaRPr/>
           </a:p>
@@ -9661,7 +12087,7 @@
           <p:cNvPr id="6" name="Rectangle 5">
             <a:extLst>
               <a:ext uri="{FF2B5EF4-FFF2-40B4-BE49-F238E27FC236}">
-                <a16:creationId xmlns="" xmlns:a16="http://schemas.microsoft.com/office/drawing/2014/main" id="{B00556E9-6BE7-4FBC-BF96-86696EEE03F8}"/>
+                <a16:creationId xmlns:a16="http://schemas.microsoft.com/office/drawing/2014/main" id="{B00556E9-6BE7-4FBC-BF96-86696EEE03F8}"/>
               </a:ext>
             </a:extLst>
           </p:cNvPr>
@@ -9707,7 +12133,7 @@
           <p:cNvPr id="8" name="Picture 7">
             <a:extLst>
               <a:ext uri="{FF2B5EF4-FFF2-40B4-BE49-F238E27FC236}">
-                <a16:creationId xmlns="" xmlns:a16="http://schemas.microsoft.com/office/drawing/2014/main" id="{844222BE-707C-453A-A140-8569DFCD4664}"/>
+                <a16:creationId xmlns:a16="http://schemas.microsoft.com/office/drawing/2014/main" id="{844222BE-707C-453A-A140-8569DFCD4664}"/>
               </a:ext>
             </a:extLst>
           </p:cNvPr>
@@ -9743,7 +12169,7 @@
           <p:cNvPr id="4" name="Picture 3">
             <a:extLst>
               <a:ext uri="{FF2B5EF4-FFF2-40B4-BE49-F238E27FC236}">
-                <a16:creationId xmlns="" xmlns:a16="http://schemas.microsoft.com/office/drawing/2014/main" id="{61C71974-9754-43FD-8E8E-35E616625CF2}"/>
+                <a16:creationId xmlns:a16="http://schemas.microsoft.com/office/drawing/2014/main" id="{61C71974-9754-43FD-8E8E-35E616625CF2}"/>
               </a:ext>
             </a:extLst>
           </p:cNvPr>
@@ -9796,13 +12222,6 @@
       </p:transition>
     </mc:Fallback>
   </mc:AlternateContent>
-  <p:timing>
-    <p:tnLst>
-      <p:par>
-        <p:cTn id="1" dur="indefinite" restart="never" nodeType="tmRoot"/>
-      </p:par>
-    </p:tnLst>
-  </p:timing>
 </p:sld>
 </file>
 
@@ -9900,13 +12319,6 @@
       </p:transition>
     </mc:Fallback>
   </mc:AlternateContent>
-  <p:timing>
-    <p:tnLst>
-      <p:par>
-        <p:cTn id="1" dur="indefinite" restart="never" nodeType="tmRoot"/>
-      </p:par>
-    </p:tnLst>
-  </p:timing>
 </p:sld>
 </file>
 
@@ -9944,21 +12356,8 @@
           <a:p>
             <a:r>
               <a:rPr lang="en-US" dirty="0"/>
-              <a:t>Challenge </a:t>
-            </a:r>
-            <a:r>
-              <a:rPr lang="en-US" dirty="0" smtClean="0"/>
-              <a:t>2 </a:t>
-            </a:r>
-            <a:r>
-              <a:rPr lang="en-US" dirty="0"/>
-              <a:t>– </a:t>
-            </a:r>
-            <a:r>
-              <a:rPr lang="en-US" dirty="0" smtClean="0"/>
-              <a:t>Photovoltaic Generation</a:t>
-            </a:r>
-            <a:endParaRPr lang="en-US" dirty="0"/>
+              <a:t>Challenge 2 – Photovoltaic Generation</a:t>
+            </a:r>
           </a:p>
         </p:txBody>
       </p:sp>
@@ -9978,30 +12377,27 @@
           <a:lstStyle/>
           <a:p>
             <a:r>
-              <a:rPr lang="en-US" dirty="0" smtClean="0"/>
+              <a:rPr lang="en-US" dirty="0"/>
               <a:t>The Challenge</a:t>
             </a:r>
           </a:p>
           <a:p>
             <a:r>
-              <a:rPr lang="en-US" dirty="0" smtClean="0"/>
+              <a:rPr lang="en-US" dirty="0"/>
               <a:t>Approach</a:t>
             </a:r>
-            <a:endParaRPr lang="en-US" dirty="0"/>
-          </a:p>
-          <a:p>
-            <a:r>
-              <a:rPr lang="en-US" dirty="0" smtClean="0"/>
+          </a:p>
+          <a:p>
+            <a:r>
+              <a:rPr lang="en-US" dirty="0"/>
               <a:t>Findings</a:t>
             </a:r>
-            <a:endParaRPr lang="en-US" dirty="0"/>
-          </a:p>
-          <a:p>
-            <a:r>
-              <a:rPr lang="en-US" dirty="0" smtClean="0"/>
+          </a:p>
+          <a:p>
+            <a:r>
+              <a:rPr lang="en-US" dirty="0"/>
               <a:t>Key Learnings</a:t>
             </a:r>
-            <a:endParaRPr lang="en-US" dirty="0"/>
           </a:p>
         </p:txBody>
       </p:sp>
@@ -10027,13 +12423,6 @@
       </p:transition>
     </mc:Fallback>
   </mc:AlternateContent>
-  <p:timing>
-    <p:tnLst>
-      <p:par>
-        <p:cTn id="1" dur="indefinite" restart="never" nodeType="tmRoot"/>
-      </p:par>
-    </p:tnLst>
-  </p:timing>
 </p:sld>
 </file>
 
@@ -10059,7 +12448,7 @@
           <p:cNvPr id="2" name="Title 1">
             <a:extLst>
               <a:ext uri="{FF2B5EF4-FFF2-40B4-BE49-F238E27FC236}">
-                <a16:creationId xmlns="" xmlns:a16="http://schemas.microsoft.com/office/drawing/2014/main" id="{118CBBA9-49D2-4262-9114-D0D47E7D522A}"/>
+                <a16:creationId xmlns:a16="http://schemas.microsoft.com/office/drawing/2014/main" id="{118CBBA9-49D2-4262-9114-D0D47E7D522A}"/>
               </a:ext>
             </a:extLst>
           </p:cNvPr>
@@ -10070,94 +12459,366 @@
             <p:ph type="title"/>
           </p:nvPr>
         </p:nvSpPr>
-        <p:spPr/>
+        <p:spPr>
+          <a:xfrm>
+            <a:off x="1218883" y="250151"/>
+            <a:ext cx="10360501" cy="648072"/>
+          </a:xfrm>
+        </p:spPr>
         <p:txBody>
           <a:bodyPr/>
           <a:lstStyle/>
           <a:p>
             <a:r>
-              <a:rPr lang="en-AU" dirty="0" smtClean="0"/>
+              <a:rPr lang="en-AU" dirty="0"/>
               <a:t>The Challenge (Part A)</a:t>
             </a:r>
-            <a:endParaRPr lang="en-AU" dirty="0"/>
+          </a:p>
+        </p:txBody>
+      </p:sp>
+      <p:graphicFrame>
+        <p:nvGraphicFramePr>
+          <p:cNvPr id="4" name="Diagram 3">
+            <a:extLst>
+              <a:ext uri="{FF2B5EF4-FFF2-40B4-BE49-F238E27FC236}">
+                <a16:creationId xmlns:a16="http://schemas.microsoft.com/office/drawing/2014/main" id="{4031CAB8-6925-4905-9DD7-B8D063144B98}"/>
+              </a:ext>
+            </a:extLst>
+          </p:cNvPr>
+          <p:cNvGraphicFramePr/>
+          <p:nvPr>
+            <p:extLst>
+              <p:ext uri="{D42A27DB-BD31-4B8C-83A1-F6EECF244321}">
+                <p14:modId xmlns:p14="http://schemas.microsoft.com/office/powerpoint/2010/main" val="3914629113"/>
+              </p:ext>
+            </p:extLst>
+          </p:nvPr>
+        </p:nvGraphicFramePr>
+        <p:xfrm>
+          <a:off x="1204367" y="801147"/>
+          <a:ext cx="10729191" cy="1996173"/>
+        </p:xfrm>
+        <a:graphic>
+          <a:graphicData uri="http://schemas.openxmlformats.org/drawingml/2006/diagram">
+            <dgm:relIds xmlns:dgm="http://schemas.openxmlformats.org/drawingml/2006/diagram" xmlns:r="http://schemas.openxmlformats.org/officeDocument/2006/relationships" r:dm="rId2" r:lo="rId3" r:qs="rId4" r:cs="rId5"/>
+          </a:graphicData>
+        </a:graphic>
+      </p:graphicFrame>
+      <p:cxnSp>
+        <p:nvCxnSpPr>
+          <p:cNvPr id="8" name="Straight Arrow Connector 7">
+            <a:extLst>
+              <a:ext uri="{FF2B5EF4-FFF2-40B4-BE49-F238E27FC236}">
+                <a16:creationId xmlns:a16="http://schemas.microsoft.com/office/drawing/2014/main" id="{F0BF8251-5326-410D-B396-65170A115541}"/>
+              </a:ext>
+            </a:extLst>
+          </p:cNvPr>
+          <p:cNvCxnSpPr>
+            <a:cxnSpLocks/>
+          </p:cNvCxnSpPr>
+          <p:nvPr/>
+        </p:nvCxnSpPr>
+        <p:spPr>
+          <a:xfrm flipV="1">
+            <a:off x="2566020" y="2704543"/>
+            <a:ext cx="0" cy="648072"/>
+          </a:xfrm>
+          <a:prstGeom prst="straightConnector1">
+            <a:avLst/>
+          </a:prstGeom>
+          <a:ln w="25400">
+            <a:tailEnd type="triangle"/>
+          </a:ln>
+        </p:spPr>
+        <p:style>
+          <a:lnRef idx="1">
+            <a:schemeClr val="accent1"/>
+          </a:lnRef>
+          <a:fillRef idx="0">
+            <a:schemeClr val="accent1"/>
+          </a:fillRef>
+          <a:effectRef idx="0">
+            <a:schemeClr val="accent1"/>
+          </a:effectRef>
+          <a:fontRef idx="minor">
+            <a:schemeClr val="tx1"/>
+          </a:fontRef>
+        </p:style>
+      </p:cxnSp>
+      <p:cxnSp>
+        <p:nvCxnSpPr>
+          <p:cNvPr id="11" name="Straight Arrow Connector 10">
+            <a:extLst>
+              <a:ext uri="{FF2B5EF4-FFF2-40B4-BE49-F238E27FC236}">
+                <a16:creationId xmlns:a16="http://schemas.microsoft.com/office/drawing/2014/main" id="{A9A8034B-E238-4EBA-BD38-7F0EACE3A516}"/>
+              </a:ext>
+            </a:extLst>
+          </p:cNvPr>
+          <p:cNvCxnSpPr>
+            <a:cxnSpLocks/>
+          </p:cNvCxnSpPr>
+          <p:nvPr/>
+        </p:nvCxnSpPr>
+        <p:spPr>
+          <a:xfrm flipV="1">
+            <a:off x="6568962" y="2704543"/>
+            <a:ext cx="0" cy="648072"/>
+          </a:xfrm>
+          <a:prstGeom prst="straightConnector1">
+            <a:avLst/>
+          </a:prstGeom>
+          <a:ln w="25400">
+            <a:tailEnd type="triangle"/>
+          </a:ln>
+        </p:spPr>
+        <p:style>
+          <a:lnRef idx="1">
+            <a:schemeClr val="accent1"/>
+          </a:lnRef>
+          <a:fillRef idx="0">
+            <a:schemeClr val="accent1"/>
+          </a:fillRef>
+          <a:effectRef idx="0">
+            <a:schemeClr val="accent1"/>
+          </a:effectRef>
+          <a:fontRef idx="minor">
+            <a:schemeClr val="tx1"/>
+          </a:fontRef>
+        </p:style>
+      </p:cxnSp>
+      <p:cxnSp>
+        <p:nvCxnSpPr>
+          <p:cNvPr id="12" name="Straight Arrow Connector 11">
+            <a:extLst>
+              <a:ext uri="{FF2B5EF4-FFF2-40B4-BE49-F238E27FC236}">
+                <a16:creationId xmlns:a16="http://schemas.microsoft.com/office/drawing/2014/main" id="{4FAD93A4-9369-4DA4-99C9-EB0611E498AC}"/>
+              </a:ext>
+            </a:extLst>
+          </p:cNvPr>
+          <p:cNvCxnSpPr>
+            <a:cxnSpLocks/>
+          </p:cNvCxnSpPr>
+          <p:nvPr/>
+        </p:nvCxnSpPr>
+        <p:spPr>
+          <a:xfrm>
+            <a:off x="10630916" y="2704543"/>
+            <a:ext cx="0" cy="605730"/>
+          </a:xfrm>
+          <a:prstGeom prst="straightConnector1">
+            <a:avLst/>
+          </a:prstGeom>
+          <a:ln w="25400">
+            <a:tailEnd type="triangle"/>
+          </a:ln>
+        </p:spPr>
+        <p:style>
+          <a:lnRef idx="1">
+            <a:schemeClr val="accent1"/>
+          </a:lnRef>
+          <a:fillRef idx="0">
+            <a:schemeClr val="accent1"/>
+          </a:fillRef>
+          <a:effectRef idx="0">
+            <a:schemeClr val="accent1"/>
+          </a:effectRef>
+          <a:fontRef idx="minor">
+            <a:schemeClr val="tx1"/>
+          </a:fontRef>
+        </p:style>
+      </p:cxnSp>
+      <p:sp>
+        <p:nvSpPr>
+          <p:cNvPr id="14" name="TextBox 13">
+            <a:extLst>
+              <a:ext uri="{FF2B5EF4-FFF2-40B4-BE49-F238E27FC236}">
+                <a16:creationId xmlns:a16="http://schemas.microsoft.com/office/drawing/2014/main" id="{003E41E4-9F05-4D44-AEAD-F3AED8E15B78}"/>
+              </a:ext>
+            </a:extLst>
+          </p:cNvPr>
+          <p:cNvSpPr txBox="1"/>
+          <p:nvPr/>
+        </p:nvSpPr>
+        <p:spPr>
+          <a:xfrm>
+            <a:off x="9119390" y="3289809"/>
+            <a:ext cx="2814168" cy="523220"/>
+          </a:xfrm>
+          <a:prstGeom prst="rect">
+            <a:avLst/>
+          </a:prstGeom>
+          <a:noFill/>
+        </p:spPr>
+        <p:txBody>
+          <a:bodyPr wrap="none" rtlCol="0">
+            <a:spAutoFit/>
+          </a:bodyPr>
+          <a:lstStyle/>
+          <a:p>
+            <a:r>
+              <a:rPr lang="en-AU" sz="2800" dirty="0"/>
+              <a:t>Image recognition</a:t>
+            </a:r>
           </a:p>
         </p:txBody>
       </p:sp>
       <p:sp>
         <p:nvSpPr>
-          <p:cNvPr id="3" name="Content Placeholder 2">
+          <p:cNvPr id="15" name="TextBox 14">
             <a:extLst>
               <a:ext uri="{FF2B5EF4-FFF2-40B4-BE49-F238E27FC236}">
-                <a16:creationId xmlns="" xmlns:a16="http://schemas.microsoft.com/office/drawing/2014/main" id="{1E6F3B36-FA1C-4A44-8799-54720A510D55}"/>
+                <a16:creationId xmlns:a16="http://schemas.microsoft.com/office/drawing/2014/main" id="{EBB4EF4B-2212-4465-A02D-6B66BC885CBE}"/>
               </a:ext>
             </a:extLst>
           </p:cNvPr>
-          <p:cNvSpPr>
-            <a:spLocks noGrp="1"/>
-          </p:cNvSpPr>
-          <p:nvPr>
-            <p:ph idx="1"/>
-          </p:nvPr>
+          <p:cNvSpPr txBox="1"/>
+          <p:nvPr/>
         </p:nvSpPr>
-        <p:spPr/>
+        <p:spPr>
+          <a:xfrm>
+            <a:off x="1178957" y="3318727"/>
+            <a:ext cx="2746649" cy="954107"/>
+          </a:xfrm>
+          <a:prstGeom prst="rect">
+            <a:avLst/>
+          </a:prstGeom>
+          <a:noFill/>
+        </p:spPr>
         <p:txBody>
-          <a:bodyPr/>
+          <a:bodyPr wrap="none" rtlCol="0">
+            <a:spAutoFit/>
+          </a:bodyPr>
           <a:lstStyle/>
           <a:p>
-            <a:r>
-              <a:rPr lang="en-AU" dirty="0" smtClean="0"/>
-              <a:t>Utilise </a:t>
-            </a:r>
-            <a:r>
-              <a:rPr lang="en-AU" dirty="0"/>
-              <a:t>Western Power </a:t>
-            </a:r>
-            <a:r>
-              <a:rPr lang="en-AU" dirty="0" smtClean="0"/>
-              <a:t>aerial imagery (with metadata) </a:t>
-            </a:r>
-            <a:r>
-              <a:rPr lang="en-AU" dirty="0" smtClean="0"/>
-              <a:t>to </a:t>
-            </a:r>
-            <a:r>
-              <a:rPr lang="en-AU" dirty="0"/>
-              <a:t>develop a model which identifies distribution embedded PV generation. Target a model accuracy of &gt;98.5%.</a:t>
-            </a:r>
-          </a:p>
-          <a:p>
-            <a:r>
-              <a:rPr lang="en-AU" dirty="0"/>
-              <a:t>Test what works, what doesn’t work – </a:t>
-            </a:r>
-            <a:r>
-              <a:rPr lang="en-AU" i="1" dirty="0"/>
-              <a:t>document </a:t>
-            </a:r>
-            <a:r>
-              <a:rPr lang="en-AU" dirty="0"/>
-              <a:t> learnings</a:t>
-            </a:r>
-          </a:p>
-          <a:p>
-            <a:r>
-              <a:rPr lang="en-AU" dirty="0"/>
-              <a:t>Assess model </a:t>
-            </a:r>
-            <a:r>
-              <a:rPr lang="en-AU" dirty="0" smtClean="0"/>
-              <a:t>performance</a:t>
-            </a:r>
-            <a:endParaRPr lang="en-AU" dirty="0"/>
-          </a:p>
-          <a:p>
-            <a:r>
-              <a:rPr lang="en-AU" dirty="0"/>
-              <a:t>Provide required documents</a:t>
+            <a:pPr marL="457200" indent="-457200">
+              <a:buFontTx/>
+              <a:buChar char="-"/>
+            </a:pPr>
+            <a:r>
+              <a:rPr lang="en-AU" sz="2800" dirty="0"/>
+              <a:t>Aerial imagery</a:t>
+            </a:r>
+          </a:p>
+          <a:p>
+            <a:pPr marL="457200" indent="-457200">
+              <a:buFontTx/>
+              <a:buChar char="-"/>
+            </a:pPr>
+            <a:r>
+              <a:rPr lang="en-AU" sz="2800" dirty="0"/>
+              <a:t>Metadata</a:t>
             </a:r>
           </a:p>
         </p:txBody>
       </p:sp>
+      <p:pic>
+        <p:nvPicPr>
+          <p:cNvPr id="19" name="Picture 18">
+            <a:extLst>
+              <a:ext uri="{FF2B5EF4-FFF2-40B4-BE49-F238E27FC236}">
+                <a16:creationId xmlns:a16="http://schemas.microsoft.com/office/drawing/2014/main" id="{41BED593-B76E-494D-89E3-C2F9DF80D5CB}"/>
+              </a:ext>
+            </a:extLst>
+          </p:cNvPr>
+          <p:cNvPicPr>
+            <a:picLocks noChangeAspect="1"/>
+          </p:cNvPicPr>
+          <p:nvPr/>
+        </p:nvPicPr>
+        <p:blipFill>
+          <a:blip r:embed="rId7">
+            <a:extLst>
+              <a:ext uri="{28A0092B-C50C-407E-A947-70E740481C1C}">
+                <a14:useLocalDpi xmlns:a14="http://schemas.microsoft.com/office/drawing/2010/main" val="0"/>
+              </a:ext>
+            </a:extLst>
+          </a:blip>
+          <a:stretch>
+            <a:fillRect/>
+          </a:stretch>
+        </p:blipFill>
+        <p:spPr>
+          <a:xfrm>
+            <a:off x="4792540" y="3504874"/>
+            <a:ext cx="3552844" cy="1923923"/>
+          </a:xfrm>
+          <a:prstGeom prst="rect">
+            <a:avLst/>
+          </a:prstGeom>
+        </p:spPr>
+      </p:pic>
+      <p:pic>
+        <p:nvPicPr>
+          <p:cNvPr id="21" name="Picture 20">
+            <a:extLst>
+              <a:ext uri="{FF2B5EF4-FFF2-40B4-BE49-F238E27FC236}">
+                <a16:creationId xmlns:a16="http://schemas.microsoft.com/office/drawing/2014/main" id="{5F83ED00-625A-485D-9639-9AD47182A858}"/>
+              </a:ext>
+            </a:extLst>
+          </p:cNvPr>
+          <p:cNvPicPr>
+            <a:picLocks noChangeAspect="1"/>
+          </p:cNvPicPr>
+          <p:nvPr/>
+        </p:nvPicPr>
+        <p:blipFill>
+          <a:blip r:embed="rId8">
+            <a:extLst>
+              <a:ext uri="{28A0092B-C50C-407E-A947-70E740481C1C}">
+                <a14:useLocalDpi xmlns:a14="http://schemas.microsoft.com/office/drawing/2010/main" val="0"/>
+              </a:ext>
+            </a:extLst>
+          </a:blip>
+          <a:stretch>
+            <a:fillRect/>
+          </a:stretch>
+        </p:blipFill>
+        <p:spPr>
+          <a:xfrm>
+            <a:off x="2710036" y="4272834"/>
+            <a:ext cx="1923924" cy="1923924"/>
+          </a:xfrm>
+          <a:prstGeom prst="rect">
+            <a:avLst/>
+          </a:prstGeom>
+        </p:spPr>
+      </p:pic>
+      <p:pic>
+        <p:nvPicPr>
+          <p:cNvPr id="23" name="Picture 22">
+            <a:extLst>
+              <a:ext uri="{FF2B5EF4-FFF2-40B4-BE49-F238E27FC236}">
+                <a16:creationId xmlns:a16="http://schemas.microsoft.com/office/drawing/2014/main" id="{050F8DBE-EE23-48B3-AE86-C529318BB03D}"/>
+              </a:ext>
+            </a:extLst>
+          </p:cNvPr>
+          <p:cNvPicPr>
+            <a:picLocks noChangeAspect="1"/>
+          </p:cNvPicPr>
+          <p:nvPr/>
+        </p:nvPicPr>
+        <p:blipFill>
+          <a:blip r:embed="rId9" cstate="print">
+            <a:extLst>
+              <a:ext uri="{28A0092B-C50C-407E-A947-70E740481C1C}">
+                <a14:useLocalDpi xmlns:a14="http://schemas.microsoft.com/office/drawing/2010/main" val="0"/>
+              </a:ext>
+            </a:extLst>
+          </a:blip>
+          <a:stretch>
+            <a:fillRect/>
+          </a:stretch>
+        </p:blipFill>
+        <p:spPr>
+          <a:xfrm>
+            <a:off x="769244" y="4272527"/>
+            <a:ext cx="1923924" cy="1923924"/>
+          </a:xfrm>
+          <a:prstGeom prst="rect">
+            <a:avLst/>
+          </a:prstGeom>
+        </p:spPr>
+      </p:pic>
     </p:spTree>
     <p:extLst>
       <p:ext uri="{BB962C8B-B14F-4D97-AF65-F5344CB8AC3E}">
@@ -10180,13 +12841,6 @@
       </p:transition>
     </mc:Fallback>
   </mc:AlternateContent>
-  <p:timing>
-    <p:tnLst>
-      <p:par>
-        <p:cTn id="1" dur="indefinite" restart="never" nodeType="tmRoot"/>
-      </p:par>
-    </p:tnLst>
-  </p:timing>
 </p:sld>
 </file>
 
@@ -10234,7 +12888,7 @@
           <p:cNvPr id="2" name="Content Placeholder 1">
             <a:extLst>
               <a:ext uri="{FF2B5EF4-FFF2-40B4-BE49-F238E27FC236}">
-                <a16:creationId xmlns="" xmlns:a16="http://schemas.microsoft.com/office/drawing/2014/main" id="{51569DDC-B169-4DBF-AE32-3C50C98FCCD9}"/>
+                <a16:creationId xmlns:a16="http://schemas.microsoft.com/office/drawing/2014/main" id="{51569DDC-B169-4DBF-AE32-3C50C98FCCD9}"/>
               </a:ext>
             </a:extLst>
           </p:cNvPr>
@@ -10328,7 +12982,7 @@
           <p:cNvPr id="4" name="Diagram 3">
             <a:extLst>
               <a:ext uri="{FF2B5EF4-FFF2-40B4-BE49-F238E27FC236}">
-                <a16:creationId xmlns="" xmlns:a16="http://schemas.microsoft.com/office/drawing/2014/main" id="{8E92447E-19E6-4162-923D-17AED9E3BCF5}"/>
+                <a16:creationId xmlns:a16="http://schemas.microsoft.com/office/drawing/2014/main" id="{8E92447E-19E6-4162-923D-17AED9E3BCF5}"/>
               </a:ext>
             </a:extLst>
           </p:cNvPr>
@@ -10361,25 +13015,18 @@
   <p:clrMapOvr>
     <a:masterClrMapping/>
   </p:clrMapOvr>
-  <mc:AlternateContent xmlns:mc="http://schemas.openxmlformats.org/markup-compatibility/2006">
-    <mc:Choice xmlns:p14="http://schemas.microsoft.com/office/powerpoint/2010/main" Requires="p14">
+  <mc:AlternateContent xmlns:mc="http://schemas.openxmlformats.org/markup-compatibility/2006" xmlns:p14="http://schemas.microsoft.com/office/powerpoint/2010/main">
+    <mc:Choice Requires="p14">
       <p:transition spd="med" p14:dur="700">
         <p:fade/>
       </p:transition>
     </mc:Choice>
-    <mc:Fallback>
+    <mc:Fallback xmlns="">
       <p:transition spd="med">
         <p:fade/>
       </p:transition>
     </mc:Fallback>
   </mc:AlternateContent>
-  <p:timing>
-    <p:tnLst>
-      <p:par>
-        <p:cTn id="1" dur="indefinite" restart="never" nodeType="tmRoot"/>
-      </p:par>
-    </p:tnLst>
-  </p:timing>
 </p:sld>
 </file>
 
@@ -10405,7 +13052,7 @@
           <p:cNvPr id="2" name="Title 1">
             <a:extLst>
               <a:ext uri="{FF2B5EF4-FFF2-40B4-BE49-F238E27FC236}">
-                <a16:creationId xmlns="" xmlns:a16="http://schemas.microsoft.com/office/drawing/2014/main" id="{118CBBA9-49D2-4262-9114-D0D47E7D522A}"/>
+                <a16:creationId xmlns:a16="http://schemas.microsoft.com/office/drawing/2014/main" id="{118CBBA9-49D2-4262-9114-D0D47E7D522A}"/>
               </a:ext>
             </a:extLst>
           </p:cNvPr>
@@ -10433,7 +13080,7 @@
           <p:cNvPr id="3" name="Content Placeholder 2">
             <a:extLst>
               <a:ext uri="{FF2B5EF4-FFF2-40B4-BE49-F238E27FC236}">
-                <a16:creationId xmlns="" xmlns:a16="http://schemas.microsoft.com/office/drawing/2014/main" id="{1E6F3B36-FA1C-4A44-8799-54720A510D55}"/>
+                <a16:creationId xmlns:a16="http://schemas.microsoft.com/office/drawing/2014/main" id="{1E6F3B36-FA1C-4A44-8799-54720A510D55}"/>
               </a:ext>
             </a:extLst>
           </p:cNvPr>
@@ -10466,6 +13113,17 @@
               <a:t>What is provided?</a:t>
             </a:r>
           </a:p>
+          <a:p>
+            <a:pPr lvl="2"/>
+            <a:r>
+              <a:rPr lang="en-AU" dirty="0"/>
+              <a:t>~16,500 total images</a:t>
+            </a:r>
+          </a:p>
+          <a:p>
+            <a:pPr lvl="1"/>
+            <a:endParaRPr lang="en-AU" dirty="0"/>
+          </a:p>
         </p:txBody>
       </p:sp>
       <p:pic>
@@ -10473,7 +13131,7 @@
           <p:cNvPr id="4" name="Picture 3">
             <a:extLst>
               <a:ext uri="{FF2B5EF4-FFF2-40B4-BE49-F238E27FC236}">
-                <a16:creationId xmlns="" xmlns:a16="http://schemas.microsoft.com/office/drawing/2014/main" id="{60407E82-ED49-48E1-845F-A67334BDA690}"/>
+                <a16:creationId xmlns:a16="http://schemas.microsoft.com/office/drawing/2014/main" id="{60407E82-ED49-48E1-845F-A67334BDA690}"/>
               </a:ext>
             </a:extLst>
           </p:cNvPr>
@@ -10490,7 +13148,7 @@
         </p:blipFill>
         <p:spPr>
           <a:xfrm>
-            <a:off x="1218883" y="2852936"/>
+            <a:off x="1003429" y="5055490"/>
             <a:ext cx="4586356" cy="1296144"/>
           </a:xfrm>
           <a:prstGeom prst="rect">
@@ -10503,7 +13161,7 @@
           <p:cNvPr id="5" name="Content Placeholder 2">
             <a:extLst>
               <a:ext uri="{FF2B5EF4-FFF2-40B4-BE49-F238E27FC236}">
-                <a16:creationId xmlns="" xmlns:a16="http://schemas.microsoft.com/office/drawing/2014/main" id="{8CE8AF33-D730-4EBA-9FBD-DBA3E37E84FC}"/>
+                <a16:creationId xmlns:a16="http://schemas.microsoft.com/office/drawing/2014/main" id="{8CE8AF33-D730-4EBA-9FBD-DBA3E37E84FC}"/>
               </a:ext>
             </a:extLst>
           </p:cNvPr>
@@ -10793,13 +13451,6 @@
       </p:transition>
     </mc:Fallback>
   </mc:AlternateContent>
-  <p:timing>
-    <p:tnLst>
-      <p:par>
-        <p:cTn id="1" dur="indefinite" restart="never" nodeType="tmRoot"/>
-      </p:par>
-    </p:tnLst>
-  </p:timing>
 </p:sld>
 </file>
 
@@ -10825,7 +13476,7 @@
           <p:cNvPr id="2" name="Title 1">
             <a:extLst>
               <a:ext uri="{FF2B5EF4-FFF2-40B4-BE49-F238E27FC236}">
-                <a16:creationId xmlns="" xmlns:a16="http://schemas.microsoft.com/office/drawing/2014/main" id="{118CBBA9-49D2-4262-9114-D0D47E7D522A}"/>
+                <a16:creationId xmlns:a16="http://schemas.microsoft.com/office/drawing/2014/main" id="{118CBBA9-49D2-4262-9114-D0D47E7D522A}"/>
               </a:ext>
             </a:extLst>
           </p:cNvPr>
@@ -10853,7 +13504,7 @@
           <p:cNvPr id="3" name="Content Placeholder 2">
             <a:extLst>
               <a:ext uri="{FF2B5EF4-FFF2-40B4-BE49-F238E27FC236}">
-                <a16:creationId xmlns="" xmlns:a16="http://schemas.microsoft.com/office/drawing/2014/main" id="{1E6F3B36-FA1C-4A44-8799-54720A510D55}"/>
+                <a16:creationId xmlns:a16="http://schemas.microsoft.com/office/drawing/2014/main" id="{1E6F3B36-FA1C-4A44-8799-54720A510D55}"/>
               </a:ext>
             </a:extLst>
           </p:cNvPr>
@@ -10893,7 +13544,7 @@
           <p:cNvPr id="6" name="Picture 5">
             <a:extLst>
               <a:ext uri="{FF2B5EF4-FFF2-40B4-BE49-F238E27FC236}">
-                <a16:creationId xmlns="" xmlns:a16="http://schemas.microsoft.com/office/drawing/2014/main" id="{B0636FC0-8732-43F6-B07E-D247F6761BF2}"/>
+                <a16:creationId xmlns:a16="http://schemas.microsoft.com/office/drawing/2014/main" id="{B0636FC0-8732-43F6-B07E-D247F6761BF2}"/>
               </a:ext>
             </a:extLst>
           </p:cNvPr>
@@ -10923,7 +13574,7 @@
           <p:cNvPr id="7" name="Picture 6">
             <a:extLst>
               <a:ext uri="{FF2B5EF4-FFF2-40B4-BE49-F238E27FC236}">
-                <a16:creationId xmlns="" xmlns:a16="http://schemas.microsoft.com/office/drawing/2014/main" id="{DBE739BC-7545-4A28-A2A1-83C40AA0F973}"/>
+                <a16:creationId xmlns:a16="http://schemas.microsoft.com/office/drawing/2014/main" id="{DBE739BC-7545-4A28-A2A1-83C40AA0F973}"/>
               </a:ext>
             </a:extLst>
           </p:cNvPr>
@@ -10953,7 +13604,7 @@
           <p:cNvPr id="9" name="Content Placeholder 2">
             <a:extLst>
               <a:ext uri="{FF2B5EF4-FFF2-40B4-BE49-F238E27FC236}">
-                <a16:creationId xmlns="" xmlns:a16="http://schemas.microsoft.com/office/drawing/2014/main" id="{55F4540C-A796-46DC-BFE3-B3DABF5ED521}"/>
+                <a16:creationId xmlns:a16="http://schemas.microsoft.com/office/drawing/2014/main" id="{55F4540C-A796-46DC-BFE3-B3DABF5ED521}"/>
               </a:ext>
             </a:extLst>
           </p:cNvPr>
@@ -11217,13 +13868,6 @@
       </p:transition>
     </mc:Fallback>
   </mc:AlternateContent>
-  <p:timing>
-    <p:tnLst>
-      <p:par>
-        <p:cTn id="1" dur="indefinite" restart="never" nodeType="tmRoot"/>
-      </p:par>
-    </p:tnLst>
-  </p:timing>
 </p:sld>
 </file>
 
@@ -11249,7 +13893,7 @@
           <p:cNvPr id="2" name="Title 1">
             <a:extLst>
               <a:ext uri="{FF2B5EF4-FFF2-40B4-BE49-F238E27FC236}">
-                <a16:creationId xmlns="" xmlns:a16="http://schemas.microsoft.com/office/drawing/2014/main" id="{118CBBA9-49D2-4262-9114-D0D47E7D522A}"/>
+                <a16:creationId xmlns:a16="http://schemas.microsoft.com/office/drawing/2014/main" id="{118CBBA9-49D2-4262-9114-D0D47E7D522A}"/>
               </a:ext>
             </a:extLst>
           </p:cNvPr>
@@ -11277,7 +13921,7 @@
           <p:cNvPr id="3" name="Content Placeholder 2">
             <a:extLst>
               <a:ext uri="{FF2B5EF4-FFF2-40B4-BE49-F238E27FC236}">
-                <a16:creationId xmlns="" xmlns:a16="http://schemas.microsoft.com/office/drawing/2014/main" id="{1E6F3B36-FA1C-4A44-8799-54720A510D55}"/>
+                <a16:creationId xmlns:a16="http://schemas.microsoft.com/office/drawing/2014/main" id="{1E6F3B36-FA1C-4A44-8799-54720A510D55}"/>
               </a:ext>
             </a:extLst>
           </p:cNvPr>
@@ -11317,7 +13961,7 @@
           <p:cNvPr id="9" name="Content Placeholder 2">
             <a:extLst>
               <a:ext uri="{FF2B5EF4-FFF2-40B4-BE49-F238E27FC236}">
-                <a16:creationId xmlns="" xmlns:a16="http://schemas.microsoft.com/office/drawing/2014/main" id="{55F4540C-A796-46DC-BFE3-B3DABF5ED521}"/>
+                <a16:creationId xmlns:a16="http://schemas.microsoft.com/office/drawing/2014/main" id="{55F4540C-A796-46DC-BFE3-B3DABF5ED521}"/>
               </a:ext>
             </a:extLst>
           </p:cNvPr>
@@ -11541,10 +14185,9 @@
           </a:lstStyle>
           <a:p>
             <a:r>
-              <a:rPr lang="en-AU" sz="1600" dirty="0" smtClean="0"/>
+              <a:rPr lang="en-AU" sz="1600" dirty="0"/>
               <a:t>&lt; Replace all images here with actuals, show variation&gt;</a:t>
             </a:r>
-            <a:endParaRPr lang="en-AU" sz="1600" dirty="0"/>
           </a:p>
         </p:txBody>
       </p:sp>
@@ -11553,7 +14196,7 @@
           <p:cNvPr id="5" name="Picture 4">
             <a:extLst>
               <a:ext uri="{FF2B5EF4-FFF2-40B4-BE49-F238E27FC236}">
-                <a16:creationId xmlns="" xmlns:a16="http://schemas.microsoft.com/office/drawing/2014/main" id="{8CE529A0-F393-4416-8C0C-29777CE93EFE}"/>
+                <a16:creationId xmlns:a16="http://schemas.microsoft.com/office/drawing/2014/main" id="{8CE529A0-F393-4416-8C0C-29777CE93EFE}"/>
               </a:ext>
             </a:extLst>
           </p:cNvPr>
@@ -11583,7 +14226,7 @@
           <p:cNvPr id="8" name="Picture 7">
             <a:extLst>
               <a:ext uri="{FF2B5EF4-FFF2-40B4-BE49-F238E27FC236}">
-                <a16:creationId xmlns="" xmlns:a16="http://schemas.microsoft.com/office/drawing/2014/main" id="{0FBC03D0-87FA-4CDE-8704-5071F2C850AC}"/>
+                <a16:creationId xmlns:a16="http://schemas.microsoft.com/office/drawing/2014/main" id="{0FBC03D0-87FA-4CDE-8704-5071F2C850AC}"/>
               </a:ext>
             </a:extLst>
           </p:cNvPr>
@@ -11630,13 +14273,6 @@
       </p:transition>
     </mc:Fallback>
   </mc:AlternateContent>
-  <p:timing>
-    <p:tnLst>
-      <p:par>
-        <p:cTn id="1" dur="indefinite" restart="never" nodeType="tmRoot"/>
-      </p:par>
-    </p:tnLst>
-  </p:timing>
 </p:sld>
 </file>
 
@@ -11662,7 +14298,7 @@
           <p:cNvPr id="2" name="Title 1">
             <a:extLst>
               <a:ext uri="{FF2B5EF4-FFF2-40B4-BE49-F238E27FC236}">
-                <a16:creationId xmlns="" xmlns:a16="http://schemas.microsoft.com/office/drawing/2014/main" id="{118CBBA9-49D2-4262-9114-D0D47E7D522A}"/>
+                <a16:creationId xmlns:a16="http://schemas.microsoft.com/office/drawing/2014/main" id="{118CBBA9-49D2-4262-9114-D0D47E7D522A}"/>
               </a:ext>
             </a:extLst>
           </p:cNvPr>
@@ -11690,7 +14326,7 @@
           <p:cNvPr id="3" name="Content Placeholder 2">
             <a:extLst>
               <a:ext uri="{FF2B5EF4-FFF2-40B4-BE49-F238E27FC236}">
-                <a16:creationId xmlns="" xmlns:a16="http://schemas.microsoft.com/office/drawing/2014/main" id="{1E6F3B36-FA1C-4A44-8799-54720A510D55}"/>
+                <a16:creationId xmlns:a16="http://schemas.microsoft.com/office/drawing/2014/main" id="{1E6F3B36-FA1C-4A44-8799-54720A510D55}"/>
               </a:ext>
             </a:extLst>
           </p:cNvPr>
@@ -11713,13 +14349,8 @@
           <a:p>
             <a:r>
               <a:rPr lang="en-AU" dirty="0"/>
-              <a:t>Understand </a:t>
-            </a:r>
-            <a:r>
-              <a:rPr lang="en-AU" dirty="0" smtClean="0"/>
-              <a:t>Data</a:t>
-            </a:r>
-            <a:endParaRPr lang="en-AU" dirty="0"/>
+              <a:t>Understand Data</a:t>
+            </a:r>
           </a:p>
         </p:txBody>
       </p:sp>
@@ -11728,7 +14359,7 @@
           <p:cNvPr id="9" name="Content Placeholder 2">
             <a:extLst>
               <a:ext uri="{FF2B5EF4-FFF2-40B4-BE49-F238E27FC236}">
-                <a16:creationId xmlns="" xmlns:a16="http://schemas.microsoft.com/office/drawing/2014/main" id="{55F4540C-A796-46DC-BFE3-B3DABF5ED521}"/>
+                <a16:creationId xmlns:a16="http://schemas.microsoft.com/office/drawing/2014/main" id="{55F4540C-A796-46DC-BFE3-B3DABF5ED521}"/>
               </a:ext>
             </a:extLst>
           </p:cNvPr>
@@ -11985,7 +14616,7 @@
           <p:cNvPr id="5" name="Picture 4">
             <a:extLst>
               <a:ext uri="{FF2B5EF4-FFF2-40B4-BE49-F238E27FC236}">
-                <a16:creationId xmlns="" xmlns:a16="http://schemas.microsoft.com/office/drawing/2014/main" id="{C9CBC7BF-F2B4-4B1F-B9F0-E060D6AAC33B}"/>
+                <a16:creationId xmlns:a16="http://schemas.microsoft.com/office/drawing/2014/main" id="{C9CBC7BF-F2B4-4B1F-B9F0-E060D6AAC33B}"/>
               </a:ext>
             </a:extLst>
           </p:cNvPr>
@@ -12032,13 +14663,6 @@
       </p:transition>
     </mc:Fallback>
   </mc:AlternateContent>
-  <p:timing>
-    <p:tnLst>
-      <p:par>
-        <p:cTn id="1" dur="indefinite" restart="never" nodeType="tmRoot"/>
-      </p:par>
-    </p:tnLst>
-  </p:timing>
 </p:sld>
 </file>
 
@@ -12064,7 +14688,7 @@
           <p:cNvPr id="2" name="Title 1">
             <a:extLst>
               <a:ext uri="{FF2B5EF4-FFF2-40B4-BE49-F238E27FC236}">
-                <a16:creationId xmlns="" xmlns:a16="http://schemas.microsoft.com/office/drawing/2014/main" id="{118CBBA9-49D2-4262-9114-D0D47E7D522A}"/>
+                <a16:creationId xmlns:a16="http://schemas.microsoft.com/office/drawing/2014/main" id="{118CBBA9-49D2-4262-9114-D0D47E7D522A}"/>
               </a:ext>
             </a:extLst>
           </p:cNvPr>
@@ -12092,7 +14716,7 @@
           <p:cNvPr id="3" name="Content Placeholder 2">
             <a:extLst>
               <a:ext uri="{FF2B5EF4-FFF2-40B4-BE49-F238E27FC236}">
-                <a16:creationId xmlns="" xmlns:a16="http://schemas.microsoft.com/office/drawing/2014/main" id="{1E6F3B36-FA1C-4A44-8799-54720A510D55}"/>
+                <a16:creationId xmlns:a16="http://schemas.microsoft.com/office/drawing/2014/main" id="{1E6F3B36-FA1C-4A44-8799-54720A510D55}"/>
               </a:ext>
             </a:extLst>
           </p:cNvPr>
@@ -12115,13 +14739,8 @@
           <a:p>
             <a:r>
               <a:rPr lang="en-AU" dirty="0"/>
-              <a:t>Understand </a:t>
-            </a:r>
-            <a:r>
-              <a:rPr lang="en-AU" dirty="0" smtClean="0"/>
-              <a:t>Data</a:t>
-            </a:r>
-            <a:endParaRPr lang="en-AU" dirty="0"/>
+              <a:t>Understand Data</a:t>
+            </a:r>
           </a:p>
         </p:txBody>
       </p:sp>
@@ -12262,7 +14881,7 @@
           <a:lstStyle/>
           <a:p>
             <a:r>
-              <a:rPr lang="en-AU" sz="2800" dirty="0" smtClean="0">
+              <a:rPr lang="en-AU" sz="2800" dirty="0">
                 <a:solidFill>
                   <a:schemeClr val="bg1"/>
                 </a:solidFill>
@@ -12272,18 +14891,13 @@
           </a:p>
           <a:p>
             <a:r>
-              <a:rPr lang="en-AU" sz="2800" dirty="0" smtClean="0">
+              <a:rPr lang="en-AU" sz="2800" dirty="0">
                 <a:solidFill>
                   <a:schemeClr val="bg1"/>
                 </a:solidFill>
               </a:rPr>
               <a:t>residential!</a:t>
             </a:r>
-            <a:endParaRPr lang="en-AU" sz="2800" dirty="0">
-              <a:solidFill>
-                <a:schemeClr val="bg1"/>
-              </a:solidFill>
-            </a:endParaRPr>
           </a:p>
         </p:txBody>
       </p:sp>
@@ -12309,13 +14923,6 @@
       </p:transition>
     </mc:Fallback>
   </mc:AlternateContent>
-  <p:timing>
-    <p:tnLst>
-      <p:par>
-        <p:cTn id="1" dur="indefinite" restart="never" nodeType="tmRoot"/>
-      </p:par>
-    </p:tnLst>
-  </p:timing>
 </p:sld>
 </file>
 
@@ -12341,7 +14948,7 @@
           <p:cNvPr id="2" name="Title 1">
             <a:extLst>
               <a:ext uri="{FF2B5EF4-FFF2-40B4-BE49-F238E27FC236}">
-                <a16:creationId xmlns="" xmlns:a16="http://schemas.microsoft.com/office/drawing/2014/main" id="{118CBBA9-49D2-4262-9114-D0D47E7D522A}"/>
+                <a16:creationId xmlns:a16="http://schemas.microsoft.com/office/drawing/2014/main" id="{118CBBA9-49D2-4262-9114-D0D47E7D522A}"/>
               </a:ext>
             </a:extLst>
           </p:cNvPr>
@@ -12369,7 +14976,7 @@
           <p:cNvPr id="3" name="Content Placeholder 2">
             <a:extLst>
               <a:ext uri="{FF2B5EF4-FFF2-40B4-BE49-F238E27FC236}">
-                <a16:creationId xmlns="" xmlns:a16="http://schemas.microsoft.com/office/drawing/2014/main" id="{1E6F3B36-FA1C-4A44-8799-54720A510D55}"/>
+                <a16:creationId xmlns:a16="http://schemas.microsoft.com/office/drawing/2014/main" id="{1E6F3B36-FA1C-4A44-8799-54720A510D55}"/>
               </a:ext>
             </a:extLst>
           </p:cNvPr>
@@ -12391,10 +14998,9 @@
           <a:lstStyle/>
           <a:p>
             <a:r>
-              <a:rPr lang="en-AU" dirty="0" smtClean="0"/>
+              <a:rPr lang="en-AU" dirty="0"/>
               <a:t>sample size in these years (&lt;100) skews the mean installation size</a:t>
             </a:r>
-            <a:endParaRPr lang="en-AU" dirty="0"/>
           </a:p>
         </p:txBody>
       </p:sp>
@@ -12537,13 +15143,6 @@
       </p:transition>
     </mc:Fallback>
   </mc:AlternateContent>
-  <p:timing>
-    <p:tnLst>
-      <p:par>
-        <p:cTn id="1" dur="indefinite" restart="never" nodeType="tmRoot"/>
-      </p:par>
-    </p:tnLst>
-  </p:timing>
 </p:sld>
 </file>
 
@@ -12569,7 +15168,7 @@
           <p:cNvPr id="4" name="Content Placeholder 2">
             <a:extLst>
               <a:ext uri="{FF2B5EF4-FFF2-40B4-BE49-F238E27FC236}">
-                <a16:creationId xmlns="" xmlns:a16="http://schemas.microsoft.com/office/drawing/2014/main" id="{1E6F3B36-FA1C-4A44-8799-54720A510D55}"/>
+                <a16:creationId xmlns:a16="http://schemas.microsoft.com/office/drawing/2014/main" id="{1E6F3B36-FA1C-4A44-8799-54720A510D55}"/>
               </a:ext>
             </a:extLst>
           </p:cNvPr>
@@ -12797,14 +15396,14 @@
               <a:buNone/>
             </a:pPr>
             <a:r>
-              <a:rPr lang="en-AU" u="sng" dirty="0" smtClean="0"/>
+              <a:rPr lang="en-AU" u="sng" dirty="0"/>
               <a:t>Team </a:t>
             </a:r>
             <a:r>
-              <a:rPr lang="en-AU" u="sng" dirty="0" err="1" smtClean="0"/>
+              <a:rPr lang="en-AU" u="sng" dirty="0" err="1"/>
               <a:t>UnicorNN</a:t>
             </a:r>
-            <a:endParaRPr lang="en-AU" u="sng" dirty="0" smtClean="0"/>
+            <a:endParaRPr lang="en-AU" u="sng" dirty="0"/>
           </a:p>
           <a:p>
             <a:pPr>
@@ -12812,7 +15411,7 @@
               <a:buChar char="-"/>
             </a:pPr>
             <a:r>
-              <a:rPr lang="en-AU" dirty="0" smtClean="0"/>
+              <a:rPr lang="en-AU" dirty="0"/>
               <a:t>Sofia Sibanic</a:t>
             </a:r>
           </a:p>
@@ -12821,7 +15420,7 @@
               <a:buNone/>
             </a:pPr>
             <a:r>
-              <a:rPr lang="en-AU" sz="2000" dirty="0" smtClean="0"/>
+              <a:rPr lang="en-AU" sz="2000" dirty="0"/>
               <a:t>Electrical Engineer (Western Power) looking to broaden her skillset and apply learnings from fast.ai.</a:t>
             </a:r>
           </a:p>
@@ -12837,7 +15436,7 @@
               <a:buFontTx/>
               <a:buChar char="-"/>
             </a:pPr>
-            <a:endParaRPr lang="en-AU" dirty="0" smtClean="0"/>
+            <a:endParaRPr lang="en-AU" dirty="0"/>
           </a:p>
           <a:p>
             <a:pPr>
@@ -12851,7 +15450,7 @@
               <a:buFontTx/>
               <a:buChar char="-"/>
             </a:pPr>
-            <a:endParaRPr lang="en-AU" dirty="0" smtClean="0"/>
+            <a:endParaRPr lang="en-AU" dirty="0"/>
           </a:p>
           <a:p>
             <a:pPr>
@@ -12859,7 +15458,7 @@
               <a:buChar char="-"/>
             </a:pPr>
             <a:r>
-              <a:rPr lang="en-AU" dirty="0" smtClean="0"/>
+              <a:rPr lang="en-AU" dirty="0"/>
               <a:t>Adrian Goldberg</a:t>
             </a:r>
           </a:p>
@@ -12868,10 +15467,9 @@
               <a:buNone/>
             </a:pPr>
             <a:r>
-              <a:rPr lang="en-AU" sz="2000" dirty="0" smtClean="0"/>
+              <a:rPr lang="en-AU" sz="2000" dirty="0"/>
               <a:t>Geophysicist (Santos) with &gt;10 years programming and ~2 years deep learning experience.</a:t>
             </a:r>
-            <a:endParaRPr lang="en-AU" sz="2000" dirty="0"/>
           </a:p>
           <a:p>
             <a:pPr marL="0" indent="0">
@@ -12891,7 +15489,7 @@
               <a:buFontTx/>
               <a:buChar char="-"/>
             </a:pPr>
-            <a:endParaRPr lang="en-AU" dirty="0" smtClean="0"/>
+            <a:endParaRPr lang="en-AU" dirty="0"/>
           </a:p>
           <a:p>
             <a:pPr>
@@ -12905,7 +15503,7 @@
               <a:buFontTx/>
               <a:buChar char="-"/>
             </a:pPr>
-            <a:endParaRPr lang="en-AU" dirty="0" smtClean="0"/>
+            <a:endParaRPr lang="en-AU" dirty="0"/>
           </a:p>
           <a:p>
             <a:pPr>
@@ -12913,7 +15511,7 @@
               <a:buChar char="-"/>
             </a:pPr>
             <a:r>
-              <a:rPr lang="en-AU" dirty="0" smtClean="0"/>
+              <a:rPr lang="en-AU" dirty="0"/>
               <a:t>Jordan Pratt</a:t>
             </a:r>
           </a:p>
@@ -12922,16 +15520,15 @@
               <a:buNone/>
             </a:pPr>
             <a:r>
-              <a:rPr lang="en-AU" sz="2000" dirty="0" smtClean="0"/>
+              <a:rPr lang="en-AU" sz="2000" dirty="0"/>
               <a:t>Data Strategy Analyst (Western Power) looking to expand personal skills.</a:t>
             </a:r>
-            <a:endParaRPr lang="en-AU" sz="2000" dirty="0"/>
           </a:p>
           <a:p>
             <a:pPr marL="0" indent="0">
               <a:buNone/>
             </a:pPr>
-            <a:endParaRPr lang="en-AU" dirty="0" smtClean="0"/>
+            <a:endParaRPr lang="en-AU" dirty="0"/>
           </a:p>
         </p:txBody>
       </p:sp>
@@ -13089,13 +15686,6 @@
       </p:transition>
     </mc:Fallback>
   </mc:AlternateContent>
-  <p:timing>
-    <p:tnLst>
-      <p:par>
-        <p:cTn id="1" dur="indefinite" restart="never" nodeType="tmRoot"/>
-      </p:par>
-    </p:tnLst>
-  </p:timing>
 </p:sld>
 </file>
 
@@ -13121,7 +15711,7 @@
           <p:cNvPr id="2" name="Title 1">
             <a:extLst>
               <a:ext uri="{FF2B5EF4-FFF2-40B4-BE49-F238E27FC236}">
-                <a16:creationId xmlns="" xmlns:a16="http://schemas.microsoft.com/office/drawing/2014/main" id="{118CBBA9-49D2-4262-9114-D0D47E7D522A}"/>
+                <a16:creationId xmlns:a16="http://schemas.microsoft.com/office/drawing/2014/main" id="{118CBBA9-49D2-4262-9114-D0D47E7D522A}"/>
               </a:ext>
             </a:extLst>
           </p:cNvPr>
@@ -13149,7 +15739,7 @@
           <p:cNvPr id="3" name="Content Placeholder 2">
             <a:extLst>
               <a:ext uri="{FF2B5EF4-FFF2-40B4-BE49-F238E27FC236}">
-                <a16:creationId xmlns="" xmlns:a16="http://schemas.microsoft.com/office/drawing/2014/main" id="{1E6F3B36-FA1C-4A44-8799-54720A510D55}"/>
+                <a16:creationId xmlns:a16="http://schemas.microsoft.com/office/drawing/2014/main" id="{1E6F3B36-FA1C-4A44-8799-54720A510D55}"/>
               </a:ext>
             </a:extLst>
           </p:cNvPr>
@@ -13174,13 +15764,6 @@
           <a:p>
             <a:r>
               <a:rPr lang="en-AU" dirty="0"/>
-              <a:t>Consider limitations</a:t>
-            </a:r>
-          </a:p>
-          <a:p>
-            <a:pPr lvl="1"/>
-            <a:r>
-              <a:rPr lang="en-AU" dirty="0"/>
               <a:t>What </a:t>
             </a:r>
             <a:r>
@@ -13214,7 +15797,7 @@
           <p:cNvPr id="4" name="Table 3">
             <a:extLst>
               <a:ext uri="{FF2B5EF4-FFF2-40B4-BE49-F238E27FC236}">
-                <a16:creationId xmlns="" xmlns:a16="http://schemas.microsoft.com/office/drawing/2014/main" id="{2EDD53C5-AD65-447D-BE6E-F714AFA3AE1B}"/>
+                <a16:creationId xmlns:a16="http://schemas.microsoft.com/office/drawing/2014/main" id="{2EDD53C5-AD65-447D-BE6E-F714AFA3AE1B}"/>
               </a:ext>
             </a:extLst>
           </p:cNvPr>
@@ -13224,13 +15807,13 @@
           <p:nvPr>
             <p:extLst>
               <p:ext uri="{D42A27DB-BD31-4B8C-83A1-F6EECF244321}">
-                <p14:modId xmlns:p14="http://schemas.microsoft.com/office/powerpoint/2010/main" val="904644258"/>
+                <p14:modId xmlns:p14="http://schemas.microsoft.com/office/powerpoint/2010/main" val="287768371"/>
               </p:ext>
             </p:extLst>
           </p:nvPr>
         </p:nvGraphicFramePr>
         <p:xfrm>
-          <a:off x="1394576" y="2120928"/>
+          <a:off x="1394576" y="1555762"/>
           <a:ext cx="10009113" cy="1974200"/>
         </p:xfrm>
         <a:graphic>
@@ -13243,21 +15826,21 @@
                 <a:gridCol w="3335657">
                   <a:extLst>
                     <a:ext uri="{9D8B030D-6E8A-4147-A177-3AD203B41FA5}">
-                      <a16:colId xmlns="" xmlns:a16="http://schemas.microsoft.com/office/drawing/2014/main" val="1736827546"/>
+                      <a16:colId xmlns:a16="http://schemas.microsoft.com/office/drawing/2014/main" val="1736827546"/>
                     </a:ext>
                   </a:extLst>
                 </a:gridCol>
                 <a:gridCol w="3336728">
                   <a:extLst>
                     <a:ext uri="{9D8B030D-6E8A-4147-A177-3AD203B41FA5}">
-                      <a16:colId xmlns="" xmlns:a16="http://schemas.microsoft.com/office/drawing/2014/main" val="1009339973"/>
+                      <a16:colId xmlns:a16="http://schemas.microsoft.com/office/drawing/2014/main" val="1009339973"/>
                     </a:ext>
                   </a:extLst>
                 </a:gridCol>
                 <a:gridCol w="3336728">
                   <a:extLst>
                     <a:ext uri="{9D8B030D-6E8A-4147-A177-3AD203B41FA5}">
-                      <a16:colId xmlns="" xmlns:a16="http://schemas.microsoft.com/office/drawing/2014/main" val="3962187885"/>
+                      <a16:colId xmlns:a16="http://schemas.microsoft.com/office/drawing/2014/main" val="3962187885"/>
                     </a:ext>
                   </a:extLst>
                 </a:gridCol>
@@ -13370,7 +15953,7 @@
                 </a:tc>
                 <a:extLst>
                   <a:ext uri="{0D108BD9-81ED-4DB2-BD59-A6C34878D82A}">
-                    <a16:rowId xmlns="" xmlns:a16="http://schemas.microsoft.com/office/drawing/2014/main" val="2209689491"/>
+                    <a16:rowId xmlns:a16="http://schemas.microsoft.com/office/drawing/2014/main" val="2209689491"/>
                   </a:ext>
                 </a:extLst>
               </a:tr>
@@ -13482,7 +16065,7 @@
                 </a:tc>
                 <a:extLst>
                   <a:ext uri="{0D108BD9-81ED-4DB2-BD59-A6C34878D82A}">
-                    <a16:rowId xmlns="" xmlns:a16="http://schemas.microsoft.com/office/drawing/2014/main" val="2597814589"/>
+                    <a16:rowId xmlns:a16="http://schemas.microsoft.com/office/drawing/2014/main" val="2597814589"/>
                   </a:ext>
                 </a:extLst>
               </a:tr>
@@ -13594,7 +16177,7 @@
                 </a:tc>
                 <a:extLst>
                   <a:ext uri="{0D108BD9-81ED-4DB2-BD59-A6C34878D82A}">
-                    <a16:rowId xmlns="" xmlns:a16="http://schemas.microsoft.com/office/drawing/2014/main" val="3437676480"/>
+                    <a16:rowId xmlns:a16="http://schemas.microsoft.com/office/drawing/2014/main" val="3437676480"/>
                   </a:ext>
                 </a:extLst>
               </a:tr>
@@ -13706,7 +16289,7 @@
                 </a:tc>
                 <a:extLst>
                   <a:ext uri="{0D108BD9-81ED-4DB2-BD59-A6C34878D82A}">
-                    <a16:rowId xmlns="" xmlns:a16="http://schemas.microsoft.com/office/drawing/2014/main" val="3450028378"/>
+                    <a16:rowId xmlns:a16="http://schemas.microsoft.com/office/drawing/2014/main" val="3450028378"/>
                   </a:ext>
                 </a:extLst>
               </a:tr>
@@ -13818,7 +16401,7 @@
                 </a:tc>
                 <a:extLst>
                   <a:ext uri="{0D108BD9-81ED-4DB2-BD59-A6C34878D82A}">
-                    <a16:rowId xmlns="" xmlns:a16="http://schemas.microsoft.com/office/drawing/2014/main" val="3281310877"/>
+                    <a16:rowId xmlns:a16="http://schemas.microsoft.com/office/drawing/2014/main" val="3281310877"/>
                   </a:ext>
                 </a:extLst>
               </a:tr>
@@ -13828,10 +16411,10 @@
       </p:graphicFrame>
       <p:sp>
         <p:nvSpPr>
-          <p:cNvPr id="6" name="Content Placeholder 2">
+          <p:cNvPr id="7" name="Content Placeholder 2">
             <a:extLst>
               <a:ext uri="{FF2B5EF4-FFF2-40B4-BE49-F238E27FC236}">
-                <a16:creationId xmlns="" xmlns:a16="http://schemas.microsoft.com/office/drawing/2014/main" id="{5965ECAC-6F10-47C5-A3A2-05D9E4E91D5E}"/>
+                <a16:creationId xmlns:a16="http://schemas.microsoft.com/office/drawing/2014/main" id="{0870F6C2-3F40-4C66-8EA4-7881A3E9E5BC}"/>
               </a:ext>
             </a:extLst>
           </p:cNvPr>
@@ -13842,8 +16425,8 @@
         </p:nvSpPr>
         <p:spPr>
           <a:xfrm>
-            <a:off x="1426528" y="4437112"/>
-            <a:ext cx="9636436" cy="1872208"/>
+            <a:off x="4150196" y="3645024"/>
+            <a:ext cx="6696744" cy="512108"/>
           </a:xfrm>
           <a:prstGeom prst="rect">
             <a:avLst/>
@@ -14054,145 +16637,20 @@
             </a:lvl9pPr>
           </a:lstStyle>
           <a:p>
-            <a:pPr lvl="1"/>
-            <a:r>
-              <a:rPr lang="en-AU" dirty="0"/>
-              <a:t>The provided data is binary (PV, Non-PV</a:t>
-            </a:r>
-            <a:r>
-              <a:rPr lang="en-AU" dirty="0" smtClean="0"/>
-              <a:t>)</a:t>
-            </a:r>
-            <a:endParaRPr lang="en-AU" dirty="0"/>
-          </a:p>
-        </p:txBody>
-      </p:sp>
-    </p:spTree>
-    <p:extLst>
-      <p:ext uri="{BB962C8B-B14F-4D97-AF65-F5344CB8AC3E}">
-        <p14:creationId xmlns:p14="http://schemas.microsoft.com/office/powerpoint/2010/main" val="3945734160"/>
-      </p:ext>
-    </p:extLst>
-  </p:cSld>
-  <p:clrMapOvr>
-    <a:masterClrMapping/>
-  </p:clrMapOvr>
-  <mc:AlternateContent xmlns:mc="http://schemas.openxmlformats.org/markup-compatibility/2006" xmlns:p14="http://schemas.microsoft.com/office/powerpoint/2010/main">
-    <mc:Choice Requires="p14">
-      <p:transition spd="med" p14:dur="700">
-        <p:fade/>
-      </p:transition>
-    </mc:Choice>
-    <mc:Fallback xmlns="">
-      <p:transition spd="med">
-        <p:fade/>
-      </p:transition>
-    </mc:Fallback>
-  </mc:AlternateContent>
-  <p:timing>
-    <p:tnLst>
-      <p:par>
-        <p:cTn id="1" dur="indefinite" restart="never" nodeType="tmRoot"/>
-      </p:par>
-    </p:tnLst>
-  </p:timing>
-</p:sld>
-</file>
-
-<file path=ppt/slides/slide21.xml><?xml version="1.0" encoding="utf-8"?>
-<p:sld xmlns:a="http://schemas.openxmlformats.org/drawingml/2006/main" xmlns:r="http://schemas.openxmlformats.org/officeDocument/2006/relationships" xmlns:p="http://schemas.openxmlformats.org/presentationml/2006/main">
-  <p:cSld>
-    <p:spTree>
-      <p:nvGrpSpPr>
-        <p:cNvPr id="1" name=""/>
-        <p:cNvGrpSpPr/>
-        <p:nvPr/>
-      </p:nvGrpSpPr>
-      <p:grpSpPr>
-        <a:xfrm>
-          <a:off x="0" y="0"/>
-          <a:ext cx="0" cy="0"/>
-          <a:chOff x="0" y="0"/>
-          <a:chExt cx="0" cy="0"/>
-        </a:xfrm>
-      </p:grpSpPr>
-      <p:sp>
-        <p:nvSpPr>
-          <p:cNvPr id="2" name="Title 1">
-            <a:extLst>
-              <a:ext uri="{FF2B5EF4-FFF2-40B4-BE49-F238E27FC236}">
-                <a16:creationId xmlns="" xmlns:a16="http://schemas.microsoft.com/office/drawing/2014/main" id="{118CBBA9-49D2-4262-9114-D0D47E7D522A}"/>
-              </a:ext>
-            </a:extLst>
-          </p:cNvPr>
-          <p:cNvSpPr>
-            <a:spLocks noGrp="1"/>
-          </p:cNvSpPr>
-          <p:nvPr>
-            <p:ph type="title"/>
-          </p:nvPr>
-        </p:nvSpPr>
-        <p:spPr/>
-        <p:txBody>
-          <a:bodyPr/>
-          <a:lstStyle/>
-          <a:p>
-            <a:r>
-              <a:rPr lang="en-AU" dirty="0"/>
-              <a:t>Approach</a:t>
-            </a:r>
-          </a:p>
-        </p:txBody>
-      </p:sp>
-      <p:sp>
-        <p:nvSpPr>
-          <p:cNvPr id="3" name="Content Placeholder 2">
-            <a:extLst>
-              <a:ext uri="{FF2B5EF4-FFF2-40B4-BE49-F238E27FC236}">
-                <a16:creationId xmlns="" xmlns:a16="http://schemas.microsoft.com/office/drawing/2014/main" id="{1E6F3B36-FA1C-4A44-8799-54720A510D55}"/>
-              </a:ext>
-            </a:extLst>
-          </p:cNvPr>
-          <p:cNvSpPr>
-            <a:spLocks noGrp="1"/>
-          </p:cNvSpPr>
-          <p:nvPr>
-            <p:ph idx="1"/>
-          </p:nvPr>
-        </p:nvSpPr>
-        <p:spPr>
-          <a:xfrm>
-            <a:off x="4150196" y="900668"/>
-            <a:ext cx="6696744" cy="1016163"/>
-          </a:xfrm>
-        </p:spPr>
-        <p:txBody>
-          <a:bodyPr>
-            <a:normAutofit/>
-          </a:bodyPr>
-          <a:lstStyle/>
-          <a:p>
-            <a:r>
-              <a:rPr lang="en-AU" dirty="0"/>
-              <a:t>Consider limitations</a:t>
-            </a:r>
-          </a:p>
-          <a:p>
-            <a:pPr lvl="1"/>
-            <a:r>
-              <a:rPr lang="en-AU" dirty="0"/>
+            <a:r>
+              <a:rPr lang="en-AU"/>
               <a:t>What </a:t>
             </a:r>
             <a:r>
-              <a:rPr lang="en-AU" i="1" dirty="0"/>
+              <a:rPr lang="en-AU" i="1"/>
               <a:t>may </a:t>
             </a:r>
             <a:r>
-              <a:rPr lang="en-AU" dirty="0"/>
+              <a:rPr lang="en-AU"/>
               <a:t>create false </a:t>
             </a:r>
             <a:r>
-              <a:rPr lang="en-AU" b="1" u="sng" dirty="0">
+              <a:rPr lang="en-AU" b="1" u="sng">
                 <a:solidFill>
                   <a:srgbClr val="FF0000"/>
                 </a:solidFill>
@@ -14200,18 +16658,19 @@
               <a:t>negatives</a:t>
             </a:r>
             <a:r>
-              <a:rPr lang="en-AU" dirty="0"/>
+              <a:rPr lang="en-AU"/>
               <a:t>?</a:t>
             </a:r>
+            <a:endParaRPr lang="en-AU" dirty="0"/>
           </a:p>
         </p:txBody>
       </p:sp>
       <p:graphicFrame>
         <p:nvGraphicFramePr>
-          <p:cNvPr id="4" name="Table 3">
+          <p:cNvPr id="8" name="Table 7">
             <a:extLst>
               <a:ext uri="{FF2B5EF4-FFF2-40B4-BE49-F238E27FC236}">
-                <a16:creationId xmlns="" xmlns:a16="http://schemas.microsoft.com/office/drawing/2014/main" id="{2EDD53C5-AD65-447D-BE6E-F714AFA3AE1B}"/>
+                <a16:creationId xmlns:a16="http://schemas.microsoft.com/office/drawing/2014/main" id="{510190BA-FBBB-4186-B9E0-A9C7AF8A5079}"/>
               </a:ext>
             </a:extLst>
           </p:cNvPr>
@@ -14221,13 +16680,13 @@
           <p:nvPr>
             <p:extLst>
               <p:ext uri="{D42A27DB-BD31-4B8C-83A1-F6EECF244321}">
-                <p14:modId xmlns:p14="http://schemas.microsoft.com/office/powerpoint/2010/main" val="3334864859"/>
+                <p14:modId xmlns:p14="http://schemas.microsoft.com/office/powerpoint/2010/main" val="2867040489"/>
               </p:ext>
             </p:extLst>
           </p:nvPr>
         </p:nvGraphicFramePr>
         <p:xfrm>
-          <a:off x="1394576" y="2120928"/>
+          <a:off x="1394576" y="4272194"/>
           <a:ext cx="10009113" cy="789680"/>
         </p:xfrm>
         <a:graphic>
@@ -14240,21 +16699,21 @@
                 <a:gridCol w="3335657">
                   <a:extLst>
                     <a:ext uri="{9D8B030D-6E8A-4147-A177-3AD203B41FA5}">
-                      <a16:colId xmlns="" xmlns:a16="http://schemas.microsoft.com/office/drawing/2014/main" val="1736827546"/>
+                      <a16:colId xmlns:a16="http://schemas.microsoft.com/office/drawing/2014/main" val="1736827546"/>
                     </a:ext>
                   </a:extLst>
                 </a:gridCol>
                 <a:gridCol w="3336728">
                   <a:extLst>
                     <a:ext uri="{9D8B030D-6E8A-4147-A177-3AD203B41FA5}">
-                      <a16:colId xmlns="" xmlns:a16="http://schemas.microsoft.com/office/drawing/2014/main" val="1009339973"/>
+                      <a16:colId xmlns:a16="http://schemas.microsoft.com/office/drawing/2014/main" val="1009339973"/>
                     </a:ext>
                   </a:extLst>
                 </a:gridCol>
                 <a:gridCol w="3336728">
                   <a:extLst>
                     <a:ext uri="{9D8B030D-6E8A-4147-A177-3AD203B41FA5}">
-                      <a16:colId xmlns="" xmlns:a16="http://schemas.microsoft.com/office/drawing/2014/main" val="3962187885"/>
+                      <a16:colId xmlns:a16="http://schemas.microsoft.com/office/drawing/2014/main" val="3962187885"/>
                     </a:ext>
                   </a:extLst>
                 </a:gridCol>
@@ -14358,7 +16817,7 @@
                 </a:tc>
                 <a:extLst>
                   <a:ext uri="{0D108BD9-81ED-4DB2-BD59-A6C34878D82A}">
-                    <a16:rowId xmlns="" xmlns:a16="http://schemas.microsoft.com/office/drawing/2014/main" val="2209689491"/>
+                    <a16:rowId xmlns:a16="http://schemas.microsoft.com/office/drawing/2014/main" val="2209689491"/>
                   </a:ext>
                 </a:extLst>
               </a:tr>
@@ -14380,7 +16839,7 @@
                         </a:spcAft>
                       </a:pPr>
                       <a:r>
-                        <a:rPr lang="en-AU" sz="2000" dirty="0" smtClean="0">
+                        <a:rPr lang="en-AU" sz="2000" dirty="0">
                           <a:solidFill>
                             <a:srgbClr val="404040"/>
                           </a:solidFill>
@@ -14392,7 +16851,7 @@
                         <a:t>Lack</a:t>
                       </a:r>
                       <a:r>
-                        <a:rPr lang="en-AU" sz="2000" baseline="0" dirty="0" smtClean="0">
+                        <a:rPr lang="en-AU" sz="2000" baseline="0" dirty="0">
                           <a:solidFill>
                             <a:srgbClr val="404040"/>
                           </a:solidFill>
@@ -14433,7 +16892,7 @@
                         </a:spcAft>
                       </a:pPr>
                       <a:r>
-                        <a:rPr lang="en-AU" sz="2000" dirty="0" smtClean="0">
+                        <a:rPr lang="en-AU" sz="2000" dirty="0">
                           <a:solidFill>
                             <a:srgbClr val="404040"/>
                           </a:solidFill>
@@ -14444,15 +16903,6 @@
                         </a:rPr>
                         <a:t>Shade (unlikely)</a:t>
                       </a:r>
-                      <a:endParaRPr lang="en-AU" sz="2000" dirty="0">
-                        <a:solidFill>
-                          <a:srgbClr val="404040"/>
-                        </a:solidFill>
-                        <a:effectLst/>
-                        <a:latin typeface="Arial" panose="020B0604020202020204" pitchFamily="34" charset="0"/>
-                        <a:ea typeface="Arial" panose="020B0604020202020204" pitchFamily="34" charset="0"/>
-                        <a:cs typeface="Times New Roman" panose="02020603050405020304" pitchFamily="18" charset="0"/>
-                      </a:endParaRPr>
                     </a:p>
                   </a:txBody>
                   <a:tcPr marT="0" marB="0"/>
@@ -14488,7 +16938,7 @@
                 </a:tc>
                 <a:extLst>
                   <a:ext uri="{0D108BD9-81ED-4DB2-BD59-A6C34878D82A}">
-                    <a16:rowId xmlns="" xmlns:a16="http://schemas.microsoft.com/office/drawing/2014/main" val="2597814589"/>
+                    <a16:rowId xmlns:a16="http://schemas.microsoft.com/office/drawing/2014/main" val="2597814589"/>
                   </a:ext>
                 </a:extLst>
               </a:tr>
@@ -14499,7 +16949,7 @@
     </p:spTree>
     <p:extLst>
       <p:ext uri="{BB962C8B-B14F-4D97-AF65-F5344CB8AC3E}">
-        <p14:creationId xmlns:p14="http://schemas.microsoft.com/office/powerpoint/2010/main" val="4140677804"/>
+        <p14:creationId xmlns:p14="http://schemas.microsoft.com/office/powerpoint/2010/main" val="3945734160"/>
       </p:ext>
     </p:extLst>
   </p:cSld>
@@ -14518,13 +16968,412 @@
       </p:transition>
     </mc:Fallback>
   </mc:AlternateContent>
-  <p:timing>
-    <p:tnLst>
-      <p:par>
-        <p:cTn id="1" dur="indefinite" restart="never" nodeType="tmRoot"/>
-      </p:par>
-    </p:tnLst>
-  </p:timing>
+</p:sld>
+</file>
+
+<file path=ppt/slides/slide21.xml><?xml version="1.0" encoding="utf-8"?>
+<p:sld xmlns:a="http://schemas.openxmlformats.org/drawingml/2006/main" xmlns:r="http://schemas.openxmlformats.org/officeDocument/2006/relationships" xmlns:p="http://schemas.openxmlformats.org/presentationml/2006/main" show="0">
+  <p:cSld>
+    <p:spTree>
+      <p:nvGrpSpPr>
+        <p:cNvPr id="1" name=""/>
+        <p:cNvGrpSpPr/>
+        <p:nvPr/>
+      </p:nvGrpSpPr>
+      <p:grpSpPr>
+        <a:xfrm>
+          <a:off x="0" y="0"/>
+          <a:ext cx="0" cy="0"/>
+          <a:chOff x="0" y="0"/>
+          <a:chExt cx="0" cy="0"/>
+        </a:xfrm>
+      </p:grpSpPr>
+      <p:sp>
+        <p:nvSpPr>
+          <p:cNvPr id="2" name="Title 1">
+            <a:extLst>
+              <a:ext uri="{FF2B5EF4-FFF2-40B4-BE49-F238E27FC236}">
+                <a16:creationId xmlns:a16="http://schemas.microsoft.com/office/drawing/2014/main" id="{118CBBA9-49D2-4262-9114-D0D47E7D522A}"/>
+              </a:ext>
+            </a:extLst>
+          </p:cNvPr>
+          <p:cNvSpPr>
+            <a:spLocks noGrp="1"/>
+          </p:cNvSpPr>
+          <p:nvPr>
+            <p:ph type="title"/>
+          </p:nvPr>
+        </p:nvSpPr>
+        <p:spPr/>
+        <p:txBody>
+          <a:bodyPr/>
+          <a:lstStyle/>
+          <a:p>
+            <a:r>
+              <a:rPr lang="en-AU" dirty="0"/>
+              <a:t>Approach</a:t>
+            </a:r>
+          </a:p>
+        </p:txBody>
+      </p:sp>
+      <p:sp>
+        <p:nvSpPr>
+          <p:cNvPr id="3" name="Content Placeholder 2">
+            <a:extLst>
+              <a:ext uri="{FF2B5EF4-FFF2-40B4-BE49-F238E27FC236}">
+                <a16:creationId xmlns:a16="http://schemas.microsoft.com/office/drawing/2014/main" id="{1E6F3B36-FA1C-4A44-8799-54720A510D55}"/>
+              </a:ext>
+            </a:extLst>
+          </p:cNvPr>
+          <p:cNvSpPr>
+            <a:spLocks noGrp="1"/>
+          </p:cNvSpPr>
+          <p:nvPr>
+            <p:ph idx="1"/>
+          </p:nvPr>
+        </p:nvSpPr>
+        <p:spPr>
+          <a:xfrm>
+            <a:off x="4150196" y="900669"/>
+            <a:ext cx="6696744" cy="512108"/>
+          </a:xfrm>
+        </p:spPr>
+        <p:txBody>
+          <a:bodyPr>
+            <a:normAutofit/>
+          </a:bodyPr>
+          <a:lstStyle/>
+          <a:p>
+            <a:r>
+              <a:rPr lang="en-AU" dirty="0"/>
+              <a:t>What </a:t>
+            </a:r>
+            <a:r>
+              <a:rPr lang="en-AU" i="1" dirty="0"/>
+              <a:t>may </a:t>
+            </a:r>
+            <a:r>
+              <a:rPr lang="en-AU" dirty="0"/>
+              <a:t>create false </a:t>
+            </a:r>
+            <a:r>
+              <a:rPr lang="en-AU" b="1" u="sng" dirty="0">
+                <a:solidFill>
+                  <a:srgbClr val="FF0000"/>
+                </a:solidFill>
+              </a:rPr>
+              <a:t>negatives</a:t>
+            </a:r>
+            <a:r>
+              <a:rPr lang="en-AU" dirty="0"/>
+              <a:t>?</a:t>
+            </a:r>
+          </a:p>
+        </p:txBody>
+      </p:sp>
+      <p:graphicFrame>
+        <p:nvGraphicFramePr>
+          <p:cNvPr id="4" name="Table 3">
+            <a:extLst>
+              <a:ext uri="{FF2B5EF4-FFF2-40B4-BE49-F238E27FC236}">
+                <a16:creationId xmlns:a16="http://schemas.microsoft.com/office/drawing/2014/main" id="{2EDD53C5-AD65-447D-BE6E-F714AFA3AE1B}"/>
+              </a:ext>
+            </a:extLst>
+          </p:cNvPr>
+          <p:cNvGraphicFramePr>
+            <a:graphicFrameLocks noGrp="1"/>
+          </p:cNvGraphicFramePr>
+          <p:nvPr>
+            <p:extLst>
+              <p:ext uri="{D42A27DB-BD31-4B8C-83A1-F6EECF244321}">
+                <p14:modId xmlns:p14="http://schemas.microsoft.com/office/powerpoint/2010/main" val="3334864859"/>
+              </p:ext>
+            </p:extLst>
+          </p:nvPr>
+        </p:nvGraphicFramePr>
+        <p:xfrm>
+          <a:off x="1394576" y="2120928"/>
+          <a:ext cx="10009113" cy="789680"/>
+        </p:xfrm>
+        <a:graphic>
+          <a:graphicData uri="http://schemas.openxmlformats.org/drawingml/2006/table">
+            <a:tbl>
+              <a:tblPr bandRow="1">
+                <a:tableStyleId>{7DF18680-E054-41AD-8BC1-D1AEF772440D}</a:tableStyleId>
+              </a:tblPr>
+              <a:tblGrid>
+                <a:gridCol w="3335657">
+                  <a:extLst>
+                    <a:ext uri="{9D8B030D-6E8A-4147-A177-3AD203B41FA5}">
+                      <a16:colId xmlns:a16="http://schemas.microsoft.com/office/drawing/2014/main" val="1736827546"/>
+                    </a:ext>
+                  </a:extLst>
+                </a:gridCol>
+                <a:gridCol w="3336728">
+                  <a:extLst>
+                    <a:ext uri="{9D8B030D-6E8A-4147-A177-3AD203B41FA5}">
+                      <a16:colId xmlns:a16="http://schemas.microsoft.com/office/drawing/2014/main" val="1009339973"/>
+                    </a:ext>
+                  </a:extLst>
+                </a:gridCol>
+                <a:gridCol w="3336728">
+                  <a:extLst>
+                    <a:ext uri="{9D8B030D-6E8A-4147-A177-3AD203B41FA5}">
+                      <a16:colId xmlns:a16="http://schemas.microsoft.com/office/drawing/2014/main" val="3962187885"/>
+                    </a:ext>
+                  </a:extLst>
+                </a:gridCol>
+              </a:tblGrid>
+              <a:tr h="394840">
+                <a:tc>
+                  <a:txBody>
+                    <a:bodyPr/>
+                    <a:lstStyle/>
+                    <a:p>
+                      <a:pPr>
+                        <a:lnSpc>
+                          <a:spcPct val="120000"/>
+                        </a:lnSpc>
+                        <a:spcBef>
+                          <a:spcPts val="600"/>
+                        </a:spcBef>
+                        <a:spcAft>
+                          <a:spcPts val="600"/>
+                        </a:spcAft>
+                      </a:pPr>
+                      <a:r>
+                        <a:rPr lang="en-AU" sz="2000" dirty="0">
+                          <a:solidFill>
+                            <a:srgbClr val="404040"/>
+                          </a:solidFill>
+                          <a:effectLst/>
+                          <a:latin typeface="Arial" panose="020B0604020202020204" pitchFamily="34" charset="0"/>
+                          <a:ea typeface="Arial" panose="020B0604020202020204" pitchFamily="34" charset="0"/>
+                          <a:cs typeface="Times New Roman" panose="02020603050405020304" pitchFamily="18" charset="0"/>
+                        </a:rPr>
+                        <a:t>Rectangular images</a:t>
+                      </a:r>
+                    </a:p>
+                  </a:txBody>
+                  <a:tcPr marT="0" marB="0"/>
+                </a:tc>
+                <a:tc>
+                  <a:txBody>
+                    <a:bodyPr/>
+                    <a:lstStyle/>
+                    <a:p>
+                      <a:pPr>
+                        <a:lnSpc>
+                          <a:spcPct val="120000"/>
+                        </a:lnSpc>
+                        <a:spcBef>
+                          <a:spcPts val="600"/>
+                        </a:spcBef>
+                        <a:spcAft>
+                          <a:spcPts val="600"/>
+                        </a:spcAft>
+                      </a:pPr>
+                      <a:r>
+                        <a:rPr lang="en-AU" sz="2000" dirty="0">
+                          <a:solidFill>
+                            <a:srgbClr val="404040"/>
+                          </a:solidFill>
+                          <a:effectLst/>
+                          <a:latin typeface="Arial" panose="020B0604020202020204" pitchFamily="34" charset="0"/>
+                          <a:ea typeface="Arial" panose="020B0604020202020204" pitchFamily="34" charset="0"/>
+                          <a:cs typeface="Times New Roman" panose="02020603050405020304" pitchFamily="18" charset="0"/>
+                        </a:rPr>
+                        <a:t>Objects covering panels</a:t>
+                      </a:r>
+                    </a:p>
+                  </a:txBody>
+                  <a:tcPr marT="0" marB="0"/>
+                </a:tc>
+                <a:tc>
+                  <a:txBody>
+                    <a:bodyPr/>
+                    <a:lstStyle/>
+                    <a:p>
+                      <a:pPr>
+                        <a:lnSpc>
+                          <a:spcPct val="120000"/>
+                        </a:lnSpc>
+                        <a:spcBef>
+                          <a:spcPts val="600"/>
+                        </a:spcBef>
+                        <a:spcAft>
+                          <a:spcPts val="600"/>
+                        </a:spcAft>
+                      </a:pPr>
+                      <a:r>
+                        <a:rPr lang="en-AU" sz="2000" dirty="0">
+                          <a:solidFill>
+                            <a:srgbClr val="404040"/>
+                          </a:solidFill>
+                          <a:effectLst/>
+                          <a:latin typeface="Arial" panose="020B0604020202020204" pitchFamily="34" charset="0"/>
+                          <a:ea typeface="Arial" panose="020B0604020202020204" pitchFamily="34" charset="0"/>
+                          <a:cs typeface="Times New Roman" panose="02020603050405020304" pitchFamily="18" charset="0"/>
+                        </a:rPr>
+                        <a:t>Poorly angled panels</a:t>
+                      </a:r>
+                    </a:p>
+                  </a:txBody>
+                  <a:tcPr marT="0" marB="0"/>
+                </a:tc>
+                <a:extLst>
+                  <a:ext uri="{0D108BD9-81ED-4DB2-BD59-A6C34878D82A}">
+                    <a16:rowId xmlns:a16="http://schemas.microsoft.com/office/drawing/2014/main" val="2209689491"/>
+                  </a:ext>
+                </a:extLst>
+              </a:tr>
+              <a:tr h="394840">
+                <a:tc>
+                  <a:txBody>
+                    <a:bodyPr/>
+                    <a:lstStyle/>
+                    <a:p>
+                      <a:pPr>
+                        <a:lnSpc>
+                          <a:spcPct val="120000"/>
+                        </a:lnSpc>
+                        <a:spcBef>
+                          <a:spcPts val="600"/>
+                        </a:spcBef>
+                        <a:spcAft>
+                          <a:spcPts val="600"/>
+                        </a:spcAft>
+                      </a:pPr>
+                      <a:r>
+                        <a:rPr lang="en-AU" sz="2000" dirty="0">
+                          <a:solidFill>
+                            <a:srgbClr val="404040"/>
+                          </a:solidFill>
+                          <a:effectLst/>
+                          <a:latin typeface="Arial" panose="020B0604020202020204" pitchFamily="34" charset="0"/>
+                          <a:ea typeface="Arial" panose="020B0604020202020204" pitchFamily="34" charset="0"/>
+                          <a:cs typeface="Times New Roman" panose="02020603050405020304" pitchFamily="18" charset="0"/>
+                        </a:rPr>
+                        <a:t>Lack</a:t>
+                      </a:r>
+                      <a:r>
+                        <a:rPr lang="en-AU" sz="2000" baseline="0" dirty="0">
+                          <a:solidFill>
+                            <a:srgbClr val="404040"/>
+                          </a:solidFill>
+                          <a:effectLst/>
+                          <a:latin typeface="Arial" panose="020B0604020202020204" pitchFamily="34" charset="0"/>
+                          <a:ea typeface="Arial" panose="020B0604020202020204" pitchFamily="34" charset="0"/>
+                          <a:cs typeface="Times New Roman" panose="02020603050405020304" pitchFamily="18" charset="0"/>
+                        </a:rPr>
+                        <a:t> of visible panel edges</a:t>
+                      </a:r>
+                      <a:endParaRPr lang="en-AU" sz="2000" dirty="0">
+                        <a:solidFill>
+                          <a:srgbClr val="404040"/>
+                        </a:solidFill>
+                        <a:effectLst/>
+                        <a:latin typeface="Arial" panose="020B0604020202020204" pitchFamily="34" charset="0"/>
+                        <a:ea typeface="Arial" panose="020B0604020202020204" pitchFamily="34" charset="0"/>
+                        <a:cs typeface="Times New Roman" panose="02020603050405020304" pitchFamily="18" charset="0"/>
+                      </a:endParaRPr>
+                    </a:p>
+                  </a:txBody>
+                  <a:tcPr marT="0" marB="0"/>
+                </a:tc>
+                <a:tc>
+                  <a:txBody>
+                    <a:bodyPr/>
+                    <a:lstStyle/>
+                    <a:p>
+                      <a:pPr>
+                        <a:lnSpc>
+                          <a:spcPct val="120000"/>
+                        </a:lnSpc>
+                        <a:spcBef>
+                          <a:spcPts val="600"/>
+                        </a:spcBef>
+                        <a:spcAft>
+                          <a:spcPts val="600"/>
+                        </a:spcAft>
+                      </a:pPr>
+                      <a:r>
+                        <a:rPr lang="en-AU" sz="2000" dirty="0">
+                          <a:solidFill>
+                            <a:srgbClr val="404040"/>
+                          </a:solidFill>
+                          <a:effectLst/>
+                          <a:latin typeface="Arial" panose="020B0604020202020204" pitchFamily="34" charset="0"/>
+                          <a:ea typeface="Arial" panose="020B0604020202020204" pitchFamily="34" charset="0"/>
+                          <a:cs typeface="Times New Roman" panose="02020603050405020304" pitchFamily="18" charset="0"/>
+                        </a:rPr>
+                        <a:t>Shade (unlikely)</a:t>
+                      </a:r>
+                    </a:p>
+                  </a:txBody>
+                  <a:tcPr marT="0" marB="0"/>
+                </a:tc>
+                <a:tc>
+                  <a:txBody>
+                    <a:bodyPr/>
+                    <a:lstStyle/>
+                    <a:p>
+                      <a:pPr>
+                        <a:lnSpc>
+                          <a:spcPct val="120000"/>
+                        </a:lnSpc>
+                        <a:spcBef>
+                          <a:spcPts val="600"/>
+                        </a:spcBef>
+                        <a:spcAft>
+                          <a:spcPts val="600"/>
+                        </a:spcAft>
+                      </a:pPr>
+                      <a:endParaRPr lang="en-AU" sz="2000" dirty="0">
+                        <a:solidFill>
+                          <a:srgbClr val="404040"/>
+                        </a:solidFill>
+                        <a:effectLst/>
+                        <a:latin typeface="Arial" panose="020B0604020202020204" pitchFamily="34" charset="0"/>
+                        <a:ea typeface="Arial" panose="020B0604020202020204" pitchFamily="34" charset="0"/>
+                        <a:cs typeface="Times New Roman" panose="02020603050405020304" pitchFamily="18" charset="0"/>
+                      </a:endParaRPr>
+                    </a:p>
+                  </a:txBody>
+                  <a:tcPr marT="0" marB="0"/>
+                </a:tc>
+                <a:extLst>
+                  <a:ext uri="{0D108BD9-81ED-4DB2-BD59-A6C34878D82A}">
+                    <a16:rowId xmlns:a16="http://schemas.microsoft.com/office/drawing/2014/main" val="2597814589"/>
+                  </a:ext>
+                </a:extLst>
+              </a:tr>
+            </a:tbl>
+          </a:graphicData>
+        </a:graphic>
+      </p:graphicFrame>
+    </p:spTree>
+    <p:extLst>
+      <p:ext uri="{BB962C8B-B14F-4D97-AF65-F5344CB8AC3E}">
+        <p14:creationId xmlns:p14="http://schemas.microsoft.com/office/powerpoint/2010/main" val="4140677804"/>
+      </p:ext>
+    </p:extLst>
+  </p:cSld>
+  <p:clrMapOvr>
+    <a:masterClrMapping/>
+  </p:clrMapOvr>
+  <mc:AlternateContent xmlns:mc="http://schemas.openxmlformats.org/markup-compatibility/2006">
+    <mc:Choice xmlns:p14="http://schemas.microsoft.com/office/powerpoint/2010/main" Requires="p14">
+      <p:transition spd="med" p14:dur="700">
+        <p:fade/>
+      </p:transition>
+    </mc:Choice>
+    <mc:Fallback>
+      <p:transition spd="med">
+        <p:fade/>
+      </p:transition>
+    </mc:Fallback>
+  </mc:AlternateContent>
 </p:sld>
 </file>
 
@@ -14550,7 +17399,7 @@
           <p:cNvPr id="2" name="Title 1">
             <a:extLst>
               <a:ext uri="{FF2B5EF4-FFF2-40B4-BE49-F238E27FC236}">
-                <a16:creationId xmlns="" xmlns:a16="http://schemas.microsoft.com/office/drawing/2014/main" id="{118CBBA9-49D2-4262-9114-D0D47E7D522A}"/>
+                <a16:creationId xmlns:a16="http://schemas.microsoft.com/office/drawing/2014/main" id="{118CBBA9-49D2-4262-9114-D0D47E7D522A}"/>
               </a:ext>
             </a:extLst>
           </p:cNvPr>
@@ -14578,7 +17427,7 @@
           <p:cNvPr id="3" name="Content Placeholder 2">
             <a:extLst>
               <a:ext uri="{FF2B5EF4-FFF2-40B4-BE49-F238E27FC236}">
-                <a16:creationId xmlns="" xmlns:a16="http://schemas.microsoft.com/office/drawing/2014/main" id="{1E6F3B36-FA1C-4A44-8799-54720A510D55}"/>
+                <a16:creationId xmlns:a16="http://schemas.microsoft.com/office/drawing/2014/main" id="{1E6F3B36-FA1C-4A44-8799-54720A510D55}"/>
               </a:ext>
             </a:extLst>
           </p:cNvPr>
@@ -14685,13 +17534,6 @@
       </p:transition>
     </mc:Fallback>
   </mc:AlternateContent>
-  <p:timing>
-    <p:tnLst>
-      <p:par>
-        <p:cTn id="1" dur="indefinite" restart="never" nodeType="tmRoot"/>
-      </p:par>
-    </p:tnLst>
-  </p:timing>
 </p:sld>
 </file>
 
@@ -14717,7 +17559,7 @@
           <p:cNvPr id="2" name="Title 1">
             <a:extLst>
               <a:ext uri="{FF2B5EF4-FFF2-40B4-BE49-F238E27FC236}">
-                <a16:creationId xmlns="" xmlns:a16="http://schemas.microsoft.com/office/drawing/2014/main" id="{118CBBA9-49D2-4262-9114-D0D47E7D522A}"/>
+                <a16:creationId xmlns:a16="http://schemas.microsoft.com/office/drawing/2014/main" id="{118CBBA9-49D2-4262-9114-D0D47E7D522A}"/>
               </a:ext>
             </a:extLst>
           </p:cNvPr>
@@ -14734,7 +17576,7 @@
           <a:lstStyle/>
           <a:p>
             <a:r>
-              <a:rPr lang="en-AU" b="1" dirty="0" smtClean="0"/>
+              <a:rPr lang="en-AU" b="1" dirty="0"/>
               <a:t>We found…</a:t>
             </a:r>
             <a:endParaRPr lang="en-AU" dirty="0"/>
@@ -14746,7 +17588,7 @@
           <p:cNvPr id="3" name="Content Placeholder 2">
             <a:extLst>
               <a:ext uri="{FF2B5EF4-FFF2-40B4-BE49-F238E27FC236}">
-                <a16:creationId xmlns="" xmlns:a16="http://schemas.microsoft.com/office/drawing/2014/main" id="{1E6F3B36-FA1C-4A44-8799-54720A510D55}"/>
+                <a16:creationId xmlns:a16="http://schemas.microsoft.com/office/drawing/2014/main" id="{1E6F3B36-FA1C-4A44-8799-54720A510D55}"/>
               </a:ext>
             </a:extLst>
           </p:cNvPr>
@@ -14770,16 +17612,8 @@
           <a:lstStyle/>
           <a:p>
             <a:r>
-              <a:rPr lang="en-AU" dirty="0" smtClean="0"/>
-              <a:t>First </a:t>
-            </a:r>
-            <a:r>
-              <a:rPr lang="en-AU" dirty="0" smtClean="0"/>
-              <a:t>training epoch (last layer only): </a:t>
-            </a:r>
-            <a:r>
               <a:rPr lang="en-AU" dirty="0"/>
-              <a:t>86.4% accuracy</a:t>
+              <a:t>First training epoch (last layer only): 86.4% accuracy</a:t>
             </a:r>
           </a:p>
           <a:p>
@@ -14797,21 +17631,8 @@
             </a:r>
             <a:r>
               <a:rPr lang="en-AU" dirty="0"/>
-              <a:t> generally </a:t>
-            </a:r>
-            <a:r>
-              <a:rPr lang="en-AU" dirty="0" smtClean="0"/>
-              <a:t>occurred </a:t>
-            </a:r>
-            <a:r>
-              <a:rPr lang="en-AU" dirty="0"/>
-              <a:t>where panel edges </a:t>
-            </a:r>
-            <a:r>
-              <a:rPr lang="en-AU" dirty="0" smtClean="0"/>
-              <a:t>were not visible</a:t>
-            </a:r>
-            <a:endParaRPr lang="en-AU" dirty="0"/>
+              <a:t> generally occurred where panel edges were not visible</a:t>
+            </a:r>
           </a:p>
           <a:p>
             <a:r>
@@ -14834,36 +17655,27 @@
               <a:t> generally </a:t>
             </a:r>
             <a:r>
-              <a:rPr lang="en-AU" dirty="0" err="1" smtClean="0"/>
+              <a:rPr lang="en-AU" dirty="0" err="1"/>
               <a:t>occured</a:t>
             </a:r>
             <a:r>
-              <a:rPr lang="en-AU" dirty="0" smtClean="0"/>
-              <a:t> </a:t>
-            </a:r>
-            <a:r>
               <a:rPr lang="en-AU" dirty="0"/>
-              <a:t>on grid-like </a:t>
-            </a:r>
-            <a:r>
-              <a:rPr lang="en-AU" dirty="0" smtClean="0"/>
-              <a:t>structures (tiles, pergolas </a:t>
-            </a:r>
-            <a:r>
-              <a:rPr lang="en-AU" dirty="0" err="1" smtClean="0"/>
+              <a:t> on grid-like structures (tiles, pergolas </a:t>
+            </a:r>
+            <a:r>
+              <a:rPr lang="en-AU" dirty="0" err="1"/>
               <a:t>etc</a:t>
             </a:r>
             <a:r>
-              <a:rPr lang="en-AU" dirty="0" smtClean="0"/>
+              <a:rPr lang="en-AU" dirty="0"/>
               <a:t>)</a:t>
             </a:r>
           </a:p>
           <a:p>
             <a:r>
-              <a:rPr lang="en-AU" dirty="0" smtClean="0"/>
+              <a:rPr lang="en-AU" dirty="0"/>
               <a:t>Accuracy with different approaches ranged from 86.4% to 97.9%</a:t>
             </a:r>
-            <a:endParaRPr lang="en-AU" dirty="0"/>
           </a:p>
         </p:txBody>
       </p:sp>
@@ -14889,13 +17701,6 @@
       </p:transition>
     </mc:Fallback>
   </mc:AlternateContent>
-  <p:timing>
-    <p:tnLst>
-      <p:par>
-        <p:cTn id="1" dur="indefinite" restart="never" nodeType="tmRoot"/>
-      </p:par>
-    </p:tnLst>
-  </p:timing>
 </p:sld>
 </file>
 
@@ -14921,7 +17726,7 @@
           <p:cNvPr id="3" name="Content Placeholder 2">
             <a:extLst>
               <a:ext uri="{FF2B5EF4-FFF2-40B4-BE49-F238E27FC236}">
-                <a16:creationId xmlns="" xmlns:a16="http://schemas.microsoft.com/office/drawing/2014/main" id="{1E6F3B36-FA1C-4A44-8799-54720A510D55}"/>
+                <a16:creationId xmlns:a16="http://schemas.microsoft.com/office/drawing/2014/main" id="{1E6F3B36-FA1C-4A44-8799-54720A510D55}"/>
               </a:ext>
             </a:extLst>
           </p:cNvPr>
@@ -14945,79 +17750,49 @@
           <a:lstStyle/>
           <a:p>
             <a:r>
-              <a:rPr lang="en-AU" dirty="0" smtClean="0"/>
+              <a:rPr lang="en-AU" dirty="0"/>
               <a:t>Tweaking the model by increasing dropout</a:t>
             </a:r>
           </a:p>
           <a:p>
             <a:pPr lvl="1"/>
             <a:r>
-              <a:rPr lang="en-AU" dirty="0" smtClean="0"/>
+              <a:rPr lang="en-AU" dirty="0"/>
               <a:t>Dropout tends to improve model generalisation</a:t>
             </a:r>
-            <a:endParaRPr lang="en-AU" dirty="0" smtClean="0"/>
-          </a:p>
-          <a:p>
-            <a:r>
-              <a:rPr lang="en-AU" dirty="0" smtClean="0"/>
-              <a:t>Significant da</a:t>
-            </a:r>
-            <a:r>
-              <a:rPr lang="en-AU" dirty="0" smtClean="0"/>
-              <a:t>ta </a:t>
-            </a:r>
-            <a:r>
-              <a:rPr lang="en-AU" dirty="0" smtClean="0"/>
-              <a:t>augmentation:</a:t>
+          </a:p>
+          <a:p>
+            <a:r>
+              <a:rPr lang="en-AU" dirty="0"/>
+              <a:t>Significant data augmentation:</a:t>
             </a:r>
           </a:p>
           <a:p>
             <a:pPr lvl="1"/>
             <a:r>
-              <a:rPr lang="en-AU" dirty="0" smtClean="0"/>
+              <a:rPr lang="en-AU" dirty="0"/>
               <a:t>With blur – similar principle to the above – seemed to be counterproductive by reducing accuracy</a:t>
             </a:r>
           </a:p>
           <a:p>
             <a:pPr lvl="1"/>
             <a:r>
-              <a:rPr lang="en-AU" dirty="0" smtClean="0"/>
+              <a:rPr lang="en-AU" dirty="0"/>
               <a:t>30 degree image tilt – To better generalise house (and by proxy panel) positioning – reduced the validation set accuracy</a:t>
             </a:r>
           </a:p>
           <a:p>
             <a:pPr lvl="1"/>
             <a:r>
-              <a:rPr lang="en-AU" dirty="0" smtClean="0"/>
+              <a:rPr lang="en-AU" dirty="0"/>
               <a:t>Perhaps we were using the wrong type of augmentation?</a:t>
             </a:r>
           </a:p>
           <a:p>
             <a:r>
               <a:rPr lang="en-AU" dirty="0"/>
-              <a:t>Moving up </a:t>
-            </a:r>
-            <a:r>
-              <a:rPr lang="en-AU" dirty="0" smtClean="0"/>
-              <a:t>to a more complex model took </a:t>
-            </a:r>
-            <a:r>
-              <a:rPr lang="en-AU" dirty="0"/>
-              <a:t>far longer to train </a:t>
-            </a:r>
-            <a:r>
-              <a:rPr lang="en-AU" dirty="0" smtClean="0"/>
-              <a:t>and did </a:t>
-            </a:r>
-            <a:r>
-              <a:rPr lang="en-AU" dirty="0"/>
-              <a:t>not yield a performance </a:t>
-            </a:r>
-            <a:r>
-              <a:rPr lang="en-AU" dirty="0" smtClean="0"/>
-              <a:t>increase.</a:t>
-            </a:r>
-            <a:endParaRPr lang="en-AU" dirty="0"/>
+              <a:t>Moving up to a more complex model took far longer to train and did not yield a performance increase.</a:t>
+            </a:r>
           </a:p>
           <a:p>
             <a:pPr lvl="1"/>
@@ -15030,7 +17805,7 @@
           <p:cNvPr id="5" name="Title 1">
             <a:extLst>
               <a:ext uri="{FF2B5EF4-FFF2-40B4-BE49-F238E27FC236}">
-                <a16:creationId xmlns="" xmlns:a16="http://schemas.microsoft.com/office/drawing/2014/main" id="{118CBBA9-49D2-4262-9114-D0D47E7D522A}"/>
+                <a16:creationId xmlns:a16="http://schemas.microsoft.com/office/drawing/2014/main" id="{118CBBA9-49D2-4262-9114-D0D47E7D522A}"/>
               </a:ext>
             </a:extLst>
           </p:cNvPr>
@@ -15073,10 +17848,9 @@
           </a:lstStyle>
           <a:p>
             <a:r>
-              <a:rPr lang="en-AU" dirty="0" smtClean="0"/>
+              <a:rPr lang="en-AU" dirty="0"/>
               <a:t>What didn’t work...</a:t>
             </a:r>
-            <a:endParaRPr lang="en-AU" dirty="0"/>
           </a:p>
         </p:txBody>
       </p:sp>
@@ -15102,13 +17876,6 @@
       </p:transition>
     </mc:Fallback>
   </mc:AlternateContent>
-  <p:timing>
-    <p:tnLst>
-      <p:par>
-        <p:cTn id="1" dur="indefinite" restart="never" nodeType="tmRoot"/>
-      </p:par>
-    </p:tnLst>
-  </p:timing>
 </p:sld>
 </file>
 
@@ -15134,7 +17901,7 @@
           <p:cNvPr id="2" name="Title 1">
             <a:extLst>
               <a:ext uri="{FF2B5EF4-FFF2-40B4-BE49-F238E27FC236}">
-                <a16:creationId xmlns="" xmlns:a16="http://schemas.microsoft.com/office/drawing/2014/main" id="{118CBBA9-49D2-4262-9114-D0D47E7D522A}"/>
+                <a16:creationId xmlns:a16="http://schemas.microsoft.com/office/drawing/2014/main" id="{118CBBA9-49D2-4262-9114-D0D47E7D522A}"/>
               </a:ext>
             </a:extLst>
           </p:cNvPr>
@@ -15151,7 +17918,7 @@
           <a:lstStyle/>
           <a:p>
             <a:r>
-              <a:rPr lang="en-AU" b="1" dirty="0" smtClean="0"/>
+              <a:rPr lang="en-AU" b="1" dirty="0"/>
               <a:t>We learned…</a:t>
             </a:r>
             <a:endParaRPr lang="en-AU" dirty="0"/>
@@ -15163,7 +17930,7 @@
           <p:cNvPr id="3" name="Content Placeholder 2">
             <a:extLst>
               <a:ext uri="{FF2B5EF4-FFF2-40B4-BE49-F238E27FC236}">
-                <a16:creationId xmlns="" xmlns:a16="http://schemas.microsoft.com/office/drawing/2014/main" id="{1E6F3B36-FA1C-4A44-8799-54720A510D55}"/>
+                <a16:creationId xmlns:a16="http://schemas.microsoft.com/office/drawing/2014/main" id="{1E6F3B36-FA1C-4A44-8799-54720A510D55}"/>
               </a:ext>
             </a:extLst>
           </p:cNvPr>
@@ -15185,35 +17952,26 @@
           <a:lstStyle/>
           <a:p>
             <a:r>
-              <a:rPr lang="en-AU" dirty="0" smtClean="0"/>
+              <a:rPr lang="en-AU" dirty="0"/>
               <a:t>Following the basic fast.ai principles yields generally accurate CV results</a:t>
             </a:r>
           </a:p>
           <a:p>
             <a:r>
-              <a:rPr lang="en-AU" dirty="0" smtClean="0"/>
+              <a:rPr lang="en-AU" dirty="0"/>
               <a:t>Minimising data augmentation helped</a:t>
             </a:r>
           </a:p>
           <a:p>
             <a:r>
-              <a:rPr lang="en-AU" dirty="0" smtClean="0"/>
+              <a:rPr lang="en-AU" dirty="0"/>
               <a:t>Randomising the test set and validation set to check yielded model results are not a fluke</a:t>
             </a:r>
-            <a:endParaRPr lang="en-AU" dirty="0"/>
-          </a:p>
-          <a:p>
-            <a:r>
-              <a:rPr lang="en-AU" dirty="0" smtClean="0"/>
-              <a:t>How </a:t>
-            </a:r>
-            <a:r>
-              <a:rPr lang="en-AU" dirty="0" smtClean="0"/>
-              <a:t>team tasks </a:t>
-            </a:r>
-            <a:r>
-              <a:rPr lang="en-AU" dirty="0" smtClean="0"/>
-              <a:t>can be segmented better in the future to accelerate works</a:t>
+          </a:p>
+          <a:p>
+            <a:r>
+              <a:rPr lang="en-AU" dirty="0"/>
+              <a:t>How team tasks can be segmented better in the future to accelerate works</a:t>
             </a:r>
           </a:p>
           <a:p>
@@ -15243,13 +18001,6 @@
       </p:transition>
     </mc:Fallback>
   </mc:AlternateContent>
-  <p:timing>
-    <p:tnLst>
-      <p:par>
-        <p:cTn id="1" dur="indefinite" restart="never" nodeType="tmRoot"/>
-      </p:par>
-    </p:tnLst>
-  </p:timing>
 </p:sld>
 </file>
 
@@ -15275,7 +18026,7 @@
           <p:cNvPr id="2" name="Title 1">
             <a:extLst>
               <a:ext uri="{FF2B5EF4-FFF2-40B4-BE49-F238E27FC236}">
-                <a16:creationId xmlns="" xmlns:a16="http://schemas.microsoft.com/office/drawing/2014/main" id="{118CBBA9-49D2-4262-9114-D0D47E7D522A}"/>
+                <a16:creationId xmlns:a16="http://schemas.microsoft.com/office/drawing/2014/main" id="{118CBBA9-49D2-4262-9114-D0D47E7D522A}"/>
               </a:ext>
             </a:extLst>
           </p:cNvPr>
@@ -15303,7 +18054,7 @@
           <p:cNvPr id="3" name="Content Placeholder 2">
             <a:extLst>
               <a:ext uri="{FF2B5EF4-FFF2-40B4-BE49-F238E27FC236}">
-                <a16:creationId xmlns="" xmlns:a16="http://schemas.microsoft.com/office/drawing/2014/main" id="{1E6F3B36-FA1C-4A44-8799-54720A510D55}"/>
+                <a16:creationId xmlns:a16="http://schemas.microsoft.com/office/drawing/2014/main" id="{1E6F3B36-FA1C-4A44-8799-54720A510D55}"/>
               </a:ext>
             </a:extLst>
           </p:cNvPr>
@@ -15384,13 +18135,6 @@
       </p:transition>
     </mc:Fallback>
   </mc:AlternateContent>
-  <p:timing>
-    <p:tnLst>
-      <p:par>
-        <p:cTn id="1" dur="indefinite" restart="never" nodeType="tmRoot"/>
-      </p:par>
-    </p:tnLst>
-  </p:timing>
 </p:sld>
 </file>
 
@@ -15513,7 +18257,7 @@
           <p:cNvPr id="2" name="Title 1">
             <a:extLst>
               <a:ext uri="{FF2B5EF4-FFF2-40B4-BE49-F238E27FC236}">
-                <a16:creationId xmlns="" xmlns:a16="http://schemas.microsoft.com/office/drawing/2014/main" id="{118CBBA9-49D2-4262-9114-D0D47E7D522A}"/>
+                <a16:creationId xmlns:a16="http://schemas.microsoft.com/office/drawing/2014/main" id="{118CBBA9-49D2-4262-9114-D0D47E7D522A}"/>
               </a:ext>
             </a:extLst>
           </p:cNvPr>
@@ -15541,7 +18285,7 @@
           <p:cNvPr id="3" name="Content Placeholder 2">
             <a:extLst>
               <a:ext uri="{FF2B5EF4-FFF2-40B4-BE49-F238E27FC236}">
-                <a16:creationId xmlns="" xmlns:a16="http://schemas.microsoft.com/office/drawing/2014/main" id="{1E6F3B36-FA1C-4A44-8799-54720A510D55}"/>
+                <a16:creationId xmlns:a16="http://schemas.microsoft.com/office/drawing/2014/main" id="{1E6F3B36-FA1C-4A44-8799-54720A510D55}"/>
               </a:ext>
             </a:extLst>
           </p:cNvPr>
@@ -15612,13 +18356,6 @@
       </p:transition>
     </mc:Fallback>
   </mc:AlternateContent>
-  <p:timing>
-    <p:tnLst>
-      <p:par>
-        <p:cTn id="1" dur="indefinite" restart="never" nodeType="tmRoot"/>
-      </p:par>
-    </p:tnLst>
-  </p:timing>
 </p:sld>
 </file>
 
@@ -15644,7 +18381,7 @@
           <p:cNvPr id="2" name="Title 1">
             <a:extLst>
               <a:ext uri="{FF2B5EF4-FFF2-40B4-BE49-F238E27FC236}">
-                <a16:creationId xmlns="" xmlns:a16="http://schemas.microsoft.com/office/drawing/2014/main" id="{118CBBA9-49D2-4262-9114-D0D47E7D522A}"/>
+                <a16:creationId xmlns:a16="http://schemas.microsoft.com/office/drawing/2014/main" id="{118CBBA9-49D2-4262-9114-D0D47E7D522A}"/>
               </a:ext>
             </a:extLst>
           </p:cNvPr>
@@ -15677,7 +18414,7 @@
           <p:cNvPr id="3" name="Content Placeholder 2">
             <a:extLst>
               <a:ext uri="{FF2B5EF4-FFF2-40B4-BE49-F238E27FC236}">
-                <a16:creationId xmlns="" xmlns:a16="http://schemas.microsoft.com/office/drawing/2014/main" id="{1E6F3B36-FA1C-4A44-8799-54720A510D55}"/>
+                <a16:creationId xmlns:a16="http://schemas.microsoft.com/office/drawing/2014/main" id="{1E6F3B36-FA1C-4A44-8799-54720A510D55}"/>
               </a:ext>
             </a:extLst>
           </p:cNvPr>
@@ -15724,7 +18461,7 @@
           <p:cNvPr id="5" name="Picture 4">
             <a:extLst>
               <a:ext uri="{FF2B5EF4-FFF2-40B4-BE49-F238E27FC236}">
-                <a16:creationId xmlns="" xmlns:a16="http://schemas.microsoft.com/office/drawing/2014/main" id="{4E9B1E06-FE9D-462D-A33F-A672B189115A}"/>
+                <a16:creationId xmlns:a16="http://schemas.microsoft.com/office/drawing/2014/main" id="{4E9B1E06-FE9D-462D-A33F-A672B189115A}"/>
               </a:ext>
             </a:extLst>
           </p:cNvPr>
@@ -15760,7 +18497,7 @@
           <p:cNvPr id="6" name="Picture 5">
             <a:extLst>
               <a:ext uri="{FF2B5EF4-FFF2-40B4-BE49-F238E27FC236}">
-                <a16:creationId xmlns="" xmlns:a16="http://schemas.microsoft.com/office/drawing/2014/main" id="{EEFF4B65-FE70-4058-AB79-864721B760FD}"/>
+                <a16:creationId xmlns:a16="http://schemas.microsoft.com/office/drawing/2014/main" id="{EEFF4B65-FE70-4058-AB79-864721B760FD}"/>
               </a:ext>
             </a:extLst>
           </p:cNvPr>
@@ -15813,13 +18550,6 @@
       </p:transition>
     </mc:Fallback>
   </mc:AlternateContent>
-  <p:timing>
-    <p:tnLst>
-      <p:par>
-        <p:cTn id="1" dur="indefinite" restart="never" nodeType="tmRoot"/>
-      </p:par>
-    </p:tnLst>
-  </p:timing>
 </p:sld>
 </file>
 
@@ -15856,10 +18586,9 @@
           <a:lstStyle/>
           <a:p>
             <a:r>
-              <a:rPr lang="en-AU" dirty="0" smtClean="0"/>
+              <a:rPr lang="en-AU" dirty="0"/>
               <a:t>Our Overall Approach</a:t>
             </a:r>
-            <a:endParaRPr lang="en-AU" dirty="0"/>
           </a:p>
         </p:txBody>
       </p:sp>
@@ -15879,39 +18608,38 @@
           <a:lstStyle/>
           <a:p>
             <a:r>
-              <a:rPr lang="en-AU" dirty="0" smtClean="0"/>
+              <a:rPr lang="en-AU" dirty="0"/>
               <a:t>Initial idea was to split the team in half and share learnings</a:t>
             </a:r>
           </a:p>
           <a:p>
             <a:r>
-              <a:rPr lang="en-AU" dirty="0" smtClean="0"/>
+              <a:rPr lang="en-AU" dirty="0"/>
               <a:t>Team members choose what they are </a:t>
             </a:r>
             <a:r>
-              <a:rPr lang="en-AU" smtClean="0"/>
+              <a:rPr lang="en-AU"/>
               <a:t>interested in</a:t>
             </a:r>
-            <a:endParaRPr lang="en-AU" dirty="0" smtClean="0"/>
-          </a:p>
-          <a:p>
-            <a:r>
-              <a:rPr lang="en-AU" dirty="0" smtClean="0"/>
+            <a:endParaRPr lang="en-AU" dirty="0"/>
+          </a:p>
+          <a:p>
+            <a:r>
+              <a:rPr lang="en-AU" dirty="0"/>
               <a:t>We undertook both challenges, but only Part A of Challenge 2</a:t>
             </a:r>
           </a:p>
           <a:p>
             <a:r>
-              <a:rPr lang="en-AU" dirty="0" smtClean="0"/>
+              <a:rPr lang="en-AU" dirty="0"/>
               <a:t>Learnings captured on GitHub repository wiki</a:t>
             </a:r>
           </a:p>
           <a:p>
             <a:r>
-              <a:rPr lang="en-AU" dirty="0" smtClean="0"/>
+              <a:rPr lang="en-AU" dirty="0"/>
               <a:t>Queries and tasks managed via team Slack channel</a:t>
             </a:r>
-            <a:endParaRPr lang="en-AU" dirty="0"/>
           </a:p>
         </p:txBody>
       </p:sp>
@@ -15937,13 +18665,6 @@
       </p:transition>
     </mc:Fallback>
   </mc:AlternateContent>
-  <p:timing>
-    <p:tnLst>
-      <p:par>
-        <p:cTn id="1" dur="indefinite" restart="never" nodeType="tmRoot"/>
-      </p:par>
-    </p:tnLst>
-  </p:timing>
 </p:sld>
 </file>
 
@@ -15981,13 +18702,8 @@
           <a:p>
             <a:r>
               <a:rPr lang="en-US" dirty="0"/>
-              <a:t>Challenge </a:t>
-            </a:r>
-            <a:r>
-              <a:rPr lang="en-US" dirty="0" smtClean="0"/>
-              <a:t>1</a:t>
-            </a:r>
-            <a:endParaRPr lang="en-US" dirty="0"/>
+              <a:t>Challenge 1</a:t>
+            </a:r>
           </a:p>
         </p:txBody>
       </p:sp>
@@ -16009,10 +18725,9 @@
           <a:lstStyle/>
           <a:p>
             <a:r>
-              <a:rPr lang="en-US" dirty="0" smtClean="0"/>
+              <a:rPr lang="en-US" dirty="0"/>
               <a:t>Smart Meter Data</a:t>
             </a:r>
-            <a:endParaRPr lang="en-US" dirty="0"/>
           </a:p>
         </p:txBody>
       </p:sp>
@@ -16038,13 +18753,6 @@
       </p:transition>
     </mc:Fallback>
   </mc:AlternateContent>
-  <p:timing>
-    <p:tnLst>
-      <p:par>
-        <p:cTn id="1" dur="indefinite" restart="never" nodeType="tmRoot"/>
-      </p:par>
-    </p:tnLst>
-  </p:timing>
 </p:sld>
 </file>
 
@@ -16103,30 +18811,27 @@
           <a:lstStyle/>
           <a:p>
             <a:r>
-              <a:rPr lang="en-US" dirty="0" smtClean="0"/>
+              <a:rPr lang="en-US" dirty="0"/>
               <a:t>The Challenge</a:t>
             </a:r>
           </a:p>
           <a:p>
             <a:r>
-              <a:rPr lang="en-US" dirty="0" smtClean="0"/>
+              <a:rPr lang="en-US" dirty="0"/>
               <a:t>Approach</a:t>
             </a:r>
-            <a:endParaRPr lang="en-US" dirty="0"/>
-          </a:p>
-          <a:p>
-            <a:r>
-              <a:rPr lang="en-US" dirty="0" smtClean="0"/>
+          </a:p>
+          <a:p>
+            <a:r>
+              <a:rPr lang="en-US" dirty="0"/>
               <a:t>Findings</a:t>
             </a:r>
-            <a:endParaRPr lang="en-US" dirty="0"/>
-          </a:p>
-          <a:p>
-            <a:r>
-              <a:rPr lang="en-US" dirty="0" smtClean="0"/>
+          </a:p>
+          <a:p>
+            <a:r>
+              <a:rPr lang="en-US" dirty="0"/>
               <a:t>Key Learnings</a:t>
             </a:r>
-            <a:endParaRPr lang="en-US" dirty="0"/>
           </a:p>
         </p:txBody>
       </p:sp>
@@ -16152,13 +18857,6 @@
       </p:transition>
     </mc:Fallback>
   </mc:AlternateContent>
-  <p:timing>
-    <p:tnLst>
-      <p:par>
-        <p:cTn id="1" dur="indefinite" restart="never" nodeType="tmRoot"/>
-      </p:par>
-    </p:tnLst>
-  </p:timing>
 </p:sld>
 </file>
 
@@ -16195,7 +18893,7 @@
           <a:lstStyle/>
           <a:p>
             <a:r>
-              <a:rPr lang="en-US" spc="-1" dirty="0" smtClean="0">
+              <a:rPr lang="en-US" spc="-1" dirty="0">
                 <a:solidFill>
                   <a:srgbClr val="FFFFFF"/>
                 </a:solidFill>
@@ -16207,16 +18905,6 @@
               </a:rPr>
               <a:t>The Challenge</a:t>
             </a:r>
-            <a:endParaRPr lang="en-US" spc="-1" dirty="0">
-              <a:solidFill>
-                <a:srgbClr val="FFFFFF"/>
-              </a:solidFill>
-              <a:uFill>
-                <a:solidFill>
-                  <a:srgbClr val="FFFFFF"/>
-                </a:solidFill>
-              </a:uFill>
-            </a:endParaRPr>
           </a:p>
         </p:txBody>
       </p:sp>
@@ -16238,7 +18926,7 @@
           <a:lstStyle/>
           <a:p>
             <a:r>
-              <a:rPr lang="en-AU" spc="-1" dirty="0" smtClean="0">
+              <a:rPr lang="en-AU" spc="-1" dirty="0">
                 <a:solidFill>
                   <a:srgbClr val="FFFFFF"/>
                 </a:solidFill>
@@ -16251,17 +18939,6 @@
               </a:rPr>
               <a:t>&lt;Challenge Summary&gt;</a:t>
             </a:r>
-            <a:endParaRPr lang="en-AU" spc="-1" dirty="0">
-              <a:solidFill>
-                <a:srgbClr val="FFFFFF"/>
-              </a:solidFill>
-              <a:uFill>
-                <a:solidFill>
-                  <a:srgbClr val="FFFFFF"/>
-                </a:solidFill>
-              </a:uFill>
-              <a:latin typeface="Arial"/>
-            </a:endParaRPr>
           </a:p>
         </p:txBody>
       </p:sp>
@@ -16287,13 +18964,6 @@
       </p:transition>
     </mc:Fallback>
   </mc:AlternateContent>
-  <p:timing>
-    <p:tnLst>
-      <p:par>
-        <p:cTn id="1" dur="indefinite" restart="never" nodeType="tmRoot"/>
-      </p:par>
-    </p:tnLst>
-  </p:timing>
 </p:sld>
 </file>
 
@@ -16340,31 +19010,8 @@
                   </a:solidFill>
                 </a:uFill>
               </a:rPr>
-              <a:t>Our </a:t>
-            </a:r>
-            <a:r>
-              <a:rPr lang="en-US" spc="-1" dirty="0" smtClean="0">
-                <a:solidFill>
-                  <a:srgbClr val="FFFFFF"/>
-                </a:solidFill>
-                <a:uFill>
-                  <a:solidFill>
-                    <a:srgbClr val="FFFFFF"/>
-                  </a:solidFill>
-                </a:uFill>
-              </a:rPr>
-              <a:t>approach</a:t>
-            </a:r>
-            <a:endParaRPr lang="en-US" spc="-1" dirty="0">
-              <a:solidFill>
-                <a:srgbClr val="FFFFFF"/>
-              </a:solidFill>
-              <a:uFill>
-                <a:solidFill>
-                  <a:srgbClr val="FFFFFF"/>
-                </a:solidFill>
-              </a:uFill>
-            </a:endParaRPr>
+              <a:t>Our approach</a:t>
+            </a:r>
           </a:p>
         </p:txBody>
       </p:sp>
@@ -16397,22 +19044,10 @@
                 </a:uFill>
                 <a:latin typeface="Arial"/>
               </a:rPr>
-              <a:t>Adrian </a:t>
-            </a:r>
-            <a:r>
-              <a:rPr lang="en-AU" spc="-1" dirty="0" smtClean="0">
-                <a:solidFill>
-                  <a:srgbClr val="FFFFFF"/>
-                </a:solidFill>
-                <a:uFill>
-                  <a:solidFill>
-                    <a:srgbClr val="FFFFFF"/>
-                  </a:solidFill>
-                </a:uFill>
-                <a:latin typeface="Arial"/>
-              </a:rPr>
-              <a:t>interested </a:t>
-            </a:r>
+              <a:t>Adrian interested in time series problems.</a:t>
+            </a:r>
+          </a:p>
+          <a:p>
             <a:r>
               <a:rPr lang="en-AU" spc="-1" dirty="0">
                 <a:solidFill>
@@ -16425,53 +19060,12 @@
                 </a:uFill>
                 <a:latin typeface="Arial"/>
               </a:rPr>
-              <a:t>in time series </a:t>
-            </a:r>
-            <a:r>
-              <a:rPr lang="en-AU" spc="-1" dirty="0" smtClean="0">
-                <a:solidFill>
-                  <a:srgbClr val="FFFFFF"/>
-                </a:solidFill>
-                <a:uFill>
-                  <a:solidFill>
-                    <a:srgbClr val="FFFFFF"/>
-                  </a:solidFill>
-                </a:uFill>
-                <a:latin typeface="Arial"/>
-              </a:rPr>
-              <a:t>problems.</a:t>
-            </a:r>
-            <a:endParaRPr lang="en-AU" spc="-1" dirty="0" smtClean="0">
-              <a:solidFill>
-                <a:srgbClr val="FFFFFF"/>
-              </a:solidFill>
-              <a:uFill>
-                <a:solidFill>
-                  <a:srgbClr val="FFFFFF"/>
-                </a:solidFill>
-              </a:uFill>
-              <a:latin typeface="Arial"/>
-            </a:endParaRPr>
-          </a:p>
-          <a:p>
-            <a:r>
-              <a:rPr lang="en-AU" spc="-1" dirty="0" smtClean="0">
-                <a:solidFill>
-                  <a:srgbClr val="FFFFFF"/>
-                </a:solidFill>
-                <a:uFill>
-                  <a:solidFill>
-                    <a:srgbClr val="FFFFFF"/>
-                  </a:solidFill>
-                </a:uFill>
-                <a:latin typeface="Arial"/>
-              </a:rPr>
               <a:t>Understanding – explored problem, objectives and recommendations.</a:t>
             </a:r>
           </a:p>
           <a:p>
             <a:r>
-              <a:rPr lang="en-AU" spc="-1" dirty="0" smtClean="0">
+              <a:rPr lang="en-AU" spc="-1" dirty="0">
                 <a:solidFill>
                   <a:srgbClr val="FFFFFF"/>
                 </a:solidFill>
@@ -16487,7 +19081,7 @@
           </a:p>
           <a:p>
             <a:r>
-              <a:rPr lang="en-AU" spc="-1" dirty="0" smtClean="0">
+              <a:rPr lang="en-AU" spc="-1" dirty="0">
                 <a:solidFill>
                   <a:srgbClr val="FFFFFF"/>
                 </a:solidFill>
@@ -16503,7 +19097,7 @@
           </a:p>
           <a:p>
             <a:r>
-              <a:rPr lang="en-AU" spc="-1" dirty="0" smtClean="0">
+              <a:rPr lang="en-AU" spc="-1" dirty="0">
                 <a:solidFill>
                   <a:srgbClr val="FFFFFF"/>
                 </a:solidFill>
@@ -16519,64 +19113,6 @@
           </a:p>
           <a:p>
             <a:r>
-              <a:rPr lang="en-AU" spc="-1" dirty="0" smtClean="0">
-                <a:solidFill>
-                  <a:srgbClr val="FFFFFF"/>
-                </a:solidFill>
-                <a:uFill>
-                  <a:solidFill>
-                    <a:srgbClr val="FFFFFF"/>
-                  </a:solidFill>
-                </a:uFill>
-                <a:latin typeface="Arial"/>
-              </a:rPr>
-              <a:t>Forecasting – tried 9 model types, simple </a:t>
-            </a:r>
-            <a:r>
-              <a:rPr lang="en-AU" spc="-1" dirty="0" smtClean="0">
-                <a:solidFill>
-                  <a:srgbClr val="FFFFFF"/>
-                </a:solidFill>
-                <a:uFill>
-                  <a:solidFill>
-                    <a:srgbClr val="FFFFFF"/>
-                  </a:solidFill>
-                </a:uFill>
-                <a:latin typeface="Arial"/>
-              </a:rPr>
-              <a:t>through </a:t>
-            </a:r>
-            <a:r>
-              <a:rPr lang="en-AU" spc="-1" dirty="0" smtClean="0">
-                <a:solidFill>
-                  <a:srgbClr val="FFFFFF"/>
-                </a:solidFill>
-                <a:uFill>
-                  <a:solidFill>
-                    <a:srgbClr val="FFFFFF"/>
-                  </a:solidFill>
-                </a:uFill>
-                <a:latin typeface="Arial"/>
-              </a:rPr>
-              <a:t>complex</a:t>
-            </a:r>
-          </a:p>
-          <a:p>
-            <a:r>
-              <a:rPr lang="en-AU" spc="-1" dirty="0" smtClean="0">
-                <a:solidFill>
-                  <a:srgbClr val="FFFFFF"/>
-                </a:solidFill>
-                <a:uFill>
-                  <a:solidFill>
-                    <a:srgbClr val="FFFFFF"/>
-                  </a:solidFill>
-                </a:uFill>
-                <a:latin typeface="Arial"/>
-              </a:rPr>
-              <a:t>Clustering – explored several methods </a:t>
-            </a:r>
-            <a:r>
               <a:rPr lang="en-AU" spc="-1" dirty="0">
                 <a:solidFill>
                   <a:srgbClr val="FFFFFF"/>
@@ -16588,22 +19124,10 @@
                 </a:uFill>
                 <a:latin typeface="Arial"/>
               </a:rPr>
-              <a:t>– </a:t>
-            </a:r>
-            <a:r>
-              <a:rPr lang="en-AU" spc="-1" dirty="0" smtClean="0">
-                <a:solidFill>
-                  <a:srgbClr val="FFFFFF"/>
-                </a:solidFill>
-                <a:uFill>
-                  <a:solidFill>
-                    <a:srgbClr val="FFFFFF"/>
-                  </a:solidFill>
-                </a:uFill>
-                <a:latin typeface="Arial"/>
-              </a:rPr>
-              <a:t>chose </a:t>
-            </a:r>
+              <a:t>Forecasting – tried 9 model types, simple through complex</a:t>
+            </a:r>
+          </a:p>
+          <a:p>
             <a:r>
               <a:rPr lang="en-AU" spc="-1" dirty="0">
                 <a:solidFill>
@@ -16616,7 +19140,7 @@
                 </a:uFill>
                 <a:latin typeface="Arial"/>
               </a:rPr>
-              <a:t>a novel approach.</a:t>
+              <a:t>Clustering – explored several methods – chose a novel approach.</a:t>
             </a:r>
             <a:endParaRPr lang="en-AU" sz="2000" spc="-1" dirty="0">
               <a:solidFill>
@@ -16667,13 +19191,6 @@
       </p:transition>
     </mc:Fallback>
   </mc:AlternateContent>
-  <p:timing>
-    <p:tnLst>
-      <p:par>
-        <p:cTn id="1" dur="indefinite" restart="never" nodeType="tmRoot"/>
-      </p:par>
-    </p:tnLst>
-  </p:timing>
 </p:sld>
 </file>
 
@@ -16710,10 +19227,9 @@
           <a:lstStyle/>
           <a:p>
             <a:r>
-              <a:rPr lang="en-AU" dirty="0" smtClean="0"/>
+              <a:rPr lang="en-AU" dirty="0"/>
               <a:t>We found…</a:t>
             </a:r>
-            <a:endParaRPr lang="en-AU" dirty="0"/>
           </a:p>
         </p:txBody>
       </p:sp>
@@ -16742,19 +19258,6 @@
               <a:buChar char="•"/>
             </a:pPr>
             <a:r>
-              <a:rPr lang="en-US" spc="-1" dirty="0" smtClean="0">
-                <a:solidFill>
-                  <a:srgbClr val="FFFFFF"/>
-                </a:solidFill>
-                <a:uFill>
-                  <a:solidFill>
-                    <a:srgbClr val="FFFFFF"/>
-                  </a:solidFill>
-                </a:uFill>
-              </a:rPr>
-              <a:t>Inconsistencies </a:t>
-            </a:r>
-            <a:r>
               <a:rPr lang="en-US" spc="-1" dirty="0">
                 <a:solidFill>
                   <a:srgbClr val="FFFFFF"/>
@@ -16765,20 +19268,7 @@
                   </a:solidFill>
                 </a:uFill>
               </a:rPr>
-              <a:t>in the acquisition  </a:t>
-            </a:r>
-            <a:r>
-              <a:rPr lang="en-US" spc="-1" dirty="0" smtClean="0">
-                <a:solidFill>
-                  <a:srgbClr val="FFFFFF"/>
-                </a:solidFill>
-                <a:uFill>
-                  <a:solidFill>
-                    <a:srgbClr val="FFFFFF"/>
-                  </a:solidFill>
-                </a:uFill>
-              </a:rPr>
-              <a:t>data</a:t>
+              <a:t>Inconsistencies in the acquisition  data</a:t>
             </a:r>
           </a:p>
           <a:p>
@@ -16808,19 +19298,6 @@
               <a:buChar char="•"/>
             </a:pPr>
             <a:r>
-              <a:rPr lang="en-US" spc="-1" dirty="0" smtClean="0">
-                <a:solidFill>
-                  <a:srgbClr val="FFFFFF"/>
-                </a:solidFill>
-                <a:uFill>
-                  <a:solidFill>
-                    <a:srgbClr val="FFFFFF"/>
-                  </a:solidFill>
-                </a:uFill>
-              </a:rPr>
-              <a:t>A </a:t>
-            </a:r>
-            <a:r>
               <a:rPr lang="en-US" spc="-1" dirty="0">
                 <a:solidFill>
                   <a:srgbClr val="FFFFFF"/>
@@ -16831,44 +19308,8 @@
                   </a:solidFill>
                 </a:uFill>
               </a:rPr>
-              <a:t>relationship between </a:t>
-            </a:r>
-            <a:r>
-              <a:rPr lang="en-US" spc="-1" dirty="0" smtClean="0">
-                <a:solidFill>
-                  <a:srgbClr val="FFFFFF"/>
-                </a:solidFill>
-                <a:uFill>
-                  <a:solidFill>
-                    <a:srgbClr val="FFFFFF"/>
-                  </a:solidFill>
-                </a:uFill>
-              </a:rPr>
-              <a:t>Customer groups </a:t>
-            </a:r>
-            <a:r>
-              <a:rPr lang="en-US" spc="-1" dirty="0">
-                <a:solidFill>
-                  <a:srgbClr val="FFFFFF"/>
-                </a:solidFill>
-                <a:uFill>
-                  <a:solidFill>
-                    <a:srgbClr val="FFFFFF"/>
-                  </a:solidFill>
-                </a:uFill>
-              </a:rPr>
-              <a:t>and </a:t>
-            </a:r>
-            <a:endParaRPr lang="en-US" spc="-1" dirty="0" smtClean="0">
-              <a:solidFill>
-                <a:srgbClr val="FFFFFF"/>
-              </a:solidFill>
-              <a:uFill>
-                <a:solidFill>
-                  <a:srgbClr val="FFFFFF"/>
-                </a:solidFill>
-              </a:uFill>
-            </a:endParaRPr>
+              <a:t>A relationship between Customer groups and </a:t>
+            </a:r>
           </a:p>
           <a:p>
             <a:pPr marL="360" indent="0">
@@ -16878,7 +19319,7 @@
               <a:buNone/>
             </a:pPr>
             <a:r>
-              <a:rPr lang="en-US" spc="-1" dirty="0" smtClean="0">
+              <a:rPr lang="en-US" spc="-1" dirty="0">
                 <a:solidFill>
                   <a:srgbClr val="FFFFFF"/>
                 </a:solidFill>
@@ -16928,20 +19369,7 @@
                   </a:solidFill>
                 </a:uFill>
               </a:rPr>
-              <a:t>Several methods to </a:t>
-            </a:r>
-            <a:r>
-              <a:rPr lang="en-US" spc="-1" dirty="0" smtClean="0">
-                <a:solidFill>
-                  <a:srgbClr val="FFFFFF"/>
-                </a:solidFill>
-                <a:uFill>
-                  <a:solidFill>
-                    <a:srgbClr val="FFFFFF"/>
-                  </a:solidFill>
-                </a:uFill>
-              </a:rPr>
-              <a:t>reasonably </a:t>
+              <a:t>Several methods to reasonably </a:t>
             </a:r>
           </a:p>
           <a:p>
@@ -16951,19 +19379,6 @@
               </a:buClr>
               <a:buNone/>
             </a:pPr>
-            <a:r>
-              <a:rPr lang="en-US" spc="-1" dirty="0" smtClean="0">
-                <a:solidFill>
-                  <a:srgbClr val="FFFFFF"/>
-                </a:solidFill>
-                <a:uFill>
-                  <a:solidFill>
-                    <a:srgbClr val="FFFFFF"/>
-                  </a:solidFill>
-                </a:uFill>
-              </a:rPr>
-              <a:t>accurately forecast </a:t>
-            </a:r>
             <a:r>
               <a:rPr lang="en-US" spc="-1" dirty="0">
                 <a:solidFill>
@@ -16975,7 +19390,7 @@
                   </a:solidFill>
                 </a:uFill>
               </a:rPr>
-              <a:t>7 days ahead</a:t>
+              <a:t>accurately forecast 7 days ahead</a:t>
             </a:r>
           </a:p>
           <a:p>
@@ -17074,13 +19489,6 @@
       </p:transition>
     </mc:Fallback>
   </mc:AlternateContent>
-  <p:timing>
-    <p:tnLst>
-      <p:par>
-        <p:cTn id="1" dur="indefinite" restart="never" nodeType="tmRoot"/>
-      </p:par>
-    </p:tnLst>
-  </p:timing>
 </p:sld>
 </file>
 
@@ -17117,10 +19525,9 @@
           <a:lstStyle/>
           <a:p>
             <a:r>
-              <a:rPr lang="en-AU" dirty="0" smtClean="0"/>
+              <a:rPr lang="en-AU" dirty="0"/>
               <a:t>We learnt…</a:t>
             </a:r>
-            <a:endParaRPr lang="en-AU" dirty="0"/>
           </a:p>
         </p:txBody>
       </p:sp>
@@ -17155,7 +19562,7 @@
           </a:p>
           <a:p>
             <a:r>
-              <a:rPr lang="en-AU" spc="-1" dirty="0" smtClean="0">
+              <a:rPr lang="en-AU" spc="-1" dirty="0">
                 <a:solidFill>
                   <a:srgbClr val="FFFFFF"/>
                 </a:solidFill>
@@ -17173,7 +19580,7 @@
             <a:pPr marL="0" indent="0">
               <a:buNone/>
             </a:pPr>
-            <a:endParaRPr lang="en-AU" spc="-1" dirty="0" smtClean="0">
+            <a:endParaRPr lang="en-AU" spc="-1" dirty="0">
               <a:solidFill>
                 <a:srgbClr val="FFFFFF"/>
               </a:solidFill>
@@ -17187,7 +19594,7 @@
           </a:p>
           <a:p>
             <a:r>
-              <a:rPr lang="en-AU" spc="-1" dirty="0" err="1" smtClean="0">
+              <a:rPr lang="en-AU" spc="-1" dirty="0" err="1">
                 <a:solidFill>
                   <a:srgbClr val="FFFFFF"/>
                 </a:solidFill>
@@ -17201,20 +19608,6 @@
               <a:t>LightGBM</a:t>
             </a:r>
             <a:r>
-              <a:rPr lang="en-AU" spc="-1" dirty="0" smtClean="0">
-                <a:solidFill>
-                  <a:srgbClr val="FFFFFF"/>
-                </a:solidFill>
-                <a:uFill>
-                  <a:solidFill>
-                    <a:srgbClr val="FFFFFF"/>
-                  </a:solidFill>
-                </a:uFill>
-                <a:latin typeface="Arial"/>
-              </a:rPr>
-              <a:t> is </a:t>
-            </a:r>
-            <a:r>
               <a:rPr lang="en-AU" spc="-1" dirty="0">
                 <a:solidFill>
                   <a:srgbClr val="FFFFFF"/>
@@ -17226,7 +19619,7 @@
                 </a:uFill>
                 <a:latin typeface="Arial"/>
               </a:rPr>
-              <a:t>robust, quick to run - good forecasting performance.</a:t>
+              <a:t> is robust, quick to run - good forecasting performance.</a:t>
             </a:r>
             <a:endParaRPr lang="en-AU" sz="2000" spc="-1" dirty="0">
               <a:solidFill>
@@ -17309,63 +19702,7 @@
                 </a:uFill>
                 <a:latin typeface="Arial"/>
               </a:rPr>
-              <a:t>Converting the energy consumption curves to images and using </a:t>
-            </a:r>
-            <a:r>
-              <a:rPr lang="en-AU" spc="-1" dirty="0" smtClean="0">
-                <a:solidFill>
-                  <a:srgbClr val="FFFFFF"/>
-                </a:solidFill>
-                <a:uFill>
-                  <a:solidFill>
-                    <a:srgbClr val="FFFFFF"/>
-                  </a:solidFill>
-                </a:uFill>
-                <a:latin typeface="Arial"/>
-              </a:rPr>
-              <a:t>a Neural </a:t>
-            </a:r>
-            <a:r>
-              <a:rPr lang="en-AU" spc="-1" dirty="0">
-                <a:solidFill>
-                  <a:srgbClr val="FFFFFF"/>
-                </a:solidFill>
-                <a:uFill>
-                  <a:solidFill>
-                    <a:srgbClr val="FFFFFF"/>
-                  </a:solidFill>
-                </a:uFill>
-                <a:latin typeface="Arial"/>
-              </a:rPr>
-              <a:t>Network to cluster is relatively fast and is worth </a:t>
-            </a:r>
-            <a:r>
-              <a:rPr lang="en-AU" spc="-1" dirty="0" smtClean="0">
-                <a:solidFill>
-                  <a:srgbClr val="FFFFFF"/>
-                </a:solidFill>
-                <a:uFill>
-                  <a:solidFill>
-                    <a:srgbClr val="FFFFFF"/>
-                  </a:solidFill>
-                </a:uFill>
-                <a:latin typeface="Arial"/>
-              </a:rPr>
-              <a:t>further </a:t>
-            </a:r>
-            <a:r>
-              <a:rPr lang="en-AU" spc="-1" dirty="0">
-                <a:solidFill>
-                  <a:srgbClr val="FFFFFF"/>
-                </a:solidFill>
-                <a:uFill>
-                  <a:solidFill>
-                    <a:srgbClr val="FFFFFF"/>
-                  </a:solidFill>
-                </a:uFill>
-                <a:latin typeface="Arial"/>
-              </a:rPr>
-              <a:t>exploration</a:t>
+              <a:t>Converting the energy consumption curves to images and using a Neural Network to cluster is relatively fast and is worth further exploration</a:t>
             </a:r>
             <a:endParaRPr lang="en-AU" sz="2000" spc="-1" dirty="0">
               <a:solidFill>
@@ -17406,13 +19743,6 @@
       </p:transition>
     </mc:Fallback>
   </mc:AlternateContent>
-  <p:timing>
-    <p:tnLst>
-      <p:par>
-        <p:cTn id="1" dur="indefinite" restart="never" nodeType="tmRoot"/>
-      </p:par>
-    </p:tnLst>
-  </p:timing>
 </p:sld>
 </file>
 
@@ -18367,6 +20697,142 @@
 </file>
 
 <file path=customXml/item1.xml><?xml version="1.0" encoding="utf-8"?>
+<p:properties xmlns:p="http://schemas.microsoft.com/office/2006/metadata/properties" xmlns:xsi="http://www.w3.org/2001/XMLSchema-instance" xmlns:pc="http://schemas.microsoft.com/office/infopath/2007/PartnerControls">
+  <documentManagement>
+    <LocPublishedLinkedAssetsLookup xmlns="4873beb7-5857-4685-be1f-d57550cc96cc" xsi:nil="true"/>
+    <ApprovalStatus xmlns="4873beb7-5857-4685-be1f-d57550cc96cc">InProgress</ApprovalStatus>
+    <MarketSpecific xmlns="4873beb7-5857-4685-be1f-d57550cc96cc">false</MarketSpecific>
+    <LocComments xmlns="4873beb7-5857-4685-be1f-d57550cc96cc" xsi:nil="true"/>
+    <LocLastLocAttemptVersionTypeLookup xmlns="4873beb7-5857-4685-be1f-d57550cc96cc" xsi:nil="true"/>
+    <DirectSourceMarket xmlns="4873beb7-5857-4685-be1f-d57550cc96cc" xsi:nil="true"/>
+    <ThumbnailAssetId xmlns="4873beb7-5857-4685-be1f-d57550cc96cc" xsi:nil="true"/>
+    <PrimaryImageGen xmlns="4873beb7-5857-4685-be1f-d57550cc96cc">false</PrimaryImageGen>
+    <LocNewPublishedVersionLookup xmlns="4873beb7-5857-4685-be1f-d57550cc96cc" xsi:nil="true"/>
+    <LegacyData xmlns="4873beb7-5857-4685-be1f-d57550cc96cc" xsi:nil="true"/>
+    <LocRecommendedHandoff xmlns="4873beb7-5857-4685-be1f-d57550cc96cc" xsi:nil="true"/>
+    <BusinessGroup xmlns="4873beb7-5857-4685-be1f-d57550cc96cc" xsi:nil="true"/>
+    <BlockPublish xmlns="4873beb7-5857-4685-be1f-d57550cc96cc">false</BlockPublish>
+    <TPFriendlyName xmlns="4873beb7-5857-4685-be1f-d57550cc96cc" xsi:nil="true"/>
+    <LocOverallPublishStatusLookup xmlns="4873beb7-5857-4685-be1f-d57550cc96cc" xsi:nil="true"/>
+    <NumericId xmlns="4873beb7-5857-4685-be1f-d57550cc96cc" xsi:nil="true"/>
+    <APEditor xmlns="4873beb7-5857-4685-be1f-d57550cc96cc">
+      <UserInfo>
+        <DisplayName/>
+        <AccountId xsi:nil="true"/>
+        <AccountType/>
+      </UserInfo>
+    </APEditor>
+    <SourceTitle xmlns="4873beb7-5857-4685-be1f-d57550cc96cc" xsi:nil="true"/>
+    <OpenTemplate xmlns="4873beb7-5857-4685-be1f-d57550cc96cc">true</OpenTemplate>
+    <LocOverallLocStatusLookup xmlns="4873beb7-5857-4685-be1f-d57550cc96cc" xsi:nil="true"/>
+    <UALocComments xmlns="4873beb7-5857-4685-be1f-d57550cc96cc" xsi:nil="true"/>
+    <ParentAssetId xmlns="4873beb7-5857-4685-be1f-d57550cc96cc" xsi:nil="true"/>
+    <IntlLangReviewDate xmlns="4873beb7-5857-4685-be1f-d57550cc96cc" xsi:nil="true"/>
+    <FeatureTagsTaxHTField0 xmlns="4873beb7-5857-4685-be1f-d57550cc96cc">
+      <Terms xmlns="http://schemas.microsoft.com/office/infopath/2007/PartnerControls"/>
+    </FeatureTagsTaxHTField0>
+    <PublishStatusLookup xmlns="4873beb7-5857-4685-be1f-d57550cc96cc">
+      <Value>1345093</Value>
+    </PublishStatusLookup>
+    <Providers xmlns="4873beb7-5857-4685-be1f-d57550cc96cc" xsi:nil="true"/>
+    <MachineTranslated xmlns="4873beb7-5857-4685-be1f-d57550cc96cc">false</MachineTranslated>
+    <OriginalSourceMarket xmlns="4873beb7-5857-4685-be1f-d57550cc96cc" xsi:nil="true"/>
+    <APDescription xmlns="4873beb7-5857-4685-be1f-d57550cc96cc">This simple template design works for technology and  businesses, but it's versatile enough to use in other contexts.  It features multiple slide layouts designed for widescreen (16x9 resolution) and includes a sample SmartArt list and chart that are easily editable.</APDescription>
+    <ClipArtFilename xmlns="4873beb7-5857-4685-be1f-d57550cc96cc" xsi:nil="true"/>
+    <ContentItem xmlns="4873beb7-5857-4685-be1f-d57550cc96cc" xsi:nil="true"/>
+    <TPInstallLocation xmlns="4873beb7-5857-4685-be1f-d57550cc96cc" xsi:nil="true"/>
+    <PublishTargets xmlns="4873beb7-5857-4685-be1f-d57550cc96cc">OfficeOnlineVNext</PublishTargets>
+    <TimesCloned xmlns="4873beb7-5857-4685-be1f-d57550cc96cc" xsi:nil="true"/>
+    <AssetStart xmlns="4873beb7-5857-4685-be1f-d57550cc96cc">2011-11-26T00:30:00+00:00</AssetStart>
+    <Provider xmlns="4873beb7-5857-4685-be1f-d57550cc96cc" xsi:nil="true"/>
+    <AcquiredFrom xmlns="4873beb7-5857-4685-be1f-d57550cc96cc">Internal MS</AcquiredFrom>
+    <FriendlyTitle xmlns="4873beb7-5857-4685-be1f-d57550cc96cc" xsi:nil="true"/>
+    <LastHandOff xmlns="4873beb7-5857-4685-be1f-d57550cc96cc" xsi:nil="true"/>
+    <TPClientViewer xmlns="4873beb7-5857-4685-be1f-d57550cc96cc" xsi:nil="true"/>
+    <TemplateStatus xmlns="4873beb7-5857-4685-be1f-d57550cc96cc">Complete</TemplateStatus>
+    <Downloads xmlns="4873beb7-5857-4685-be1f-d57550cc96cc">0</Downloads>
+    <OOCacheId xmlns="4873beb7-5857-4685-be1f-d57550cc96cc" xsi:nil="true"/>
+    <IsDeleted xmlns="4873beb7-5857-4685-be1f-d57550cc96cc">false</IsDeleted>
+    <LocPublishedDependentAssetsLookup xmlns="4873beb7-5857-4685-be1f-d57550cc96cc" xsi:nil="true"/>
+    <TPExecutable xmlns="4873beb7-5857-4685-be1f-d57550cc96cc" xsi:nil="true"/>
+    <EditorialTags xmlns="4873beb7-5857-4685-be1f-d57550cc96cc" xsi:nil="true"/>
+    <SubmitterId xmlns="4873beb7-5857-4685-be1f-d57550cc96cc" xsi:nil="true"/>
+    <ApprovalLog xmlns="4873beb7-5857-4685-be1f-d57550cc96cc" xsi:nil="true"/>
+    <AssetType xmlns="4873beb7-5857-4685-be1f-d57550cc96cc">TP</AssetType>
+    <BugNumber xmlns="4873beb7-5857-4685-be1f-d57550cc96cc" xsi:nil="true"/>
+    <CSXSubmissionDate xmlns="4873beb7-5857-4685-be1f-d57550cc96cc" xsi:nil="true"/>
+    <CSXUpdate xmlns="4873beb7-5857-4685-be1f-d57550cc96cc">false</CSXUpdate>
+    <Milestone xmlns="4873beb7-5857-4685-be1f-d57550cc96cc" xsi:nil="true"/>
+    <RecommendationsModifier xmlns="4873beb7-5857-4685-be1f-d57550cc96cc" xsi:nil="true"/>
+    <OriginAsset xmlns="4873beb7-5857-4685-be1f-d57550cc96cc" xsi:nil="true"/>
+    <TPComponent xmlns="4873beb7-5857-4685-be1f-d57550cc96cc" xsi:nil="true"/>
+    <AssetId xmlns="4873beb7-5857-4685-be1f-d57550cc96cc">TP102787989</AssetId>
+    <IntlLocPriority xmlns="4873beb7-5857-4685-be1f-d57550cc96cc" xsi:nil="true"/>
+    <PolicheckWords xmlns="4873beb7-5857-4685-be1f-d57550cc96cc" xsi:nil="true"/>
+    <TPLaunchHelpLink xmlns="4873beb7-5857-4685-be1f-d57550cc96cc" xsi:nil="true"/>
+    <TPApplication xmlns="4873beb7-5857-4685-be1f-d57550cc96cc" xsi:nil="true"/>
+    <CrawlForDependencies xmlns="4873beb7-5857-4685-be1f-d57550cc96cc">false</CrawlForDependencies>
+    <HandoffToMSDN xmlns="4873beb7-5857-4685-be1f-d57550cc96cc" xsi:nil="true"/>
+    <PlannedPubDate xmlns="4873beb7-5857-4685-be1f-d57550cc96cc" xsi:nil="true"/>
+    <IntlLangReviewer xmlns="4873beb7-5857-4685-be1f-d57550cc96cc" xsi:nil="true"/>
+    <TrustLevel xmlns="4873beb7-5857-4685-be1f-d57550cc96cc">1 Microsoft Managed Content</TrustLevel>
+    <LocLastLocAttemptVersionLookup xmlns="4873beb7-5857-4685-be1f-d57550cc96cc">694266</LocLastLocAttemptVersionLookup>
+    <LocProcessedForHandoffsLookup xmlns="4873beb7-5857-4685-be1f-d57550cc96cc" xsi:nil="true"/>
+    <IsSearchable xmlns="4873beb7-5857-4685-be1f-d57550cc96cc">true</IsSearchable>
+    <TemplateTemplateType xmlns="4873beb7-5857-4685-be1f-d57550cc96cc">PowerPoint Presentation Template</TemplateTemplateType>
+    <CampaignTagsTaxHTField0 xmlns="4873beb7-5857-4685-be1f-d57550cc96cc">
+      <Terms xmlns="http://schemas.microsoft.com/office/infopath/2007/PartnerControls"/>
+    </CampaignTagsTaxHTField0>
+    <TPNamespace xmlns="4873beb7-5857-4685-be1f-d57550cc96cc" xsi:nil="true"/>
+    <LocOverallPreviewStatusLookup xmlns="4873beb7-5857-4685-be1f-d57550cc96cc" xsi:nil="true"/>
+    <TaxCatchAll xmlns="4873beb7-5857-4685-be1f-d57550cc96cc"/>
+    <Markets xmlns="4873beb7-5857-4685-be1f-d57550cc96cc"/>
+    <UAProjectedTotalWords xmlns="4873beb7-5857-4685-be1f-d57550cc96cc" xsi:nil="true"/>
+    <IntlLangReview xmlns="4873beb7-5857-4685-be1f-d57550cc96cc" xsi:nil="true"/>
+    <OutputCachingOn xmlns="4873beb7-5857-4685-be1f-d57550cc96cc">false</OutputCachingOn>
+    <AverageRating xmlns="4873beb7-5857-4685-be1f-d57550cc96cc" xsi:nil="true"/>
+    <APAuthor xmlns="4873beb7-5857-4685-be1f-d57550cc96cc">
+      <UserInfo>
+        <DisplayName>REDMOND\kristaa</DisplayName>
+        <AccountId>136</AccountId>
+        <AccountType/>
+      </UserInfo>
+    </APAuthor>
+    <LocManualTestRequired xmlns="4873beb7-5857-4685-be1f-d57550cc96cc">false</LocManualTestRequired>
+    <TPCommandLine xmlns="4873beb7-5857-4685-be1f-d57550cc96cc" xsi:nil="true"/>
+    <TPAppVersion xmlns="4873beb7-5857-4685-be1f-d57550cc96cc" xsi:nil="true"/>
+    <EditorialStatus xmlns="4873beb7-5857-4685-be1f-d57550cc96cc">Complete</EditorialStatus>
+    <LastModifiedDateTime xmlns="4873beb7-5857-4685-be1f-d57550cc96cc" xsi:nil="true"/>
+    <ScenarioTagsTaxHTField0 xmlns="4873beb7-5857-4685-be1f-d57550cc96cc">
+      <Terms xmlns="http://schemas.microsoft.com/office/infopath/2007/PartnerControls"/>
+    </ScenarioTagsTaxHTField0>
+    <LocProcessedForMarketsLookup xmlns="4873beb7-5857-4685-be1f-d57550cc96cc" xsi:nil="true"/>
+    <TPLaunchHelpLinkType xmlns="4873beb7-5857-4685-be1f-d57550cc96cc">Template</TPLaunchHelpLinkType>
+    <OriginalRelease xmlns="4873beb7-5857-4685-be1f-d57550cc96cc">15</OriginalRelease>
+    <LocalizationTagsTaxHTField0 xmlns="4873beb7-5857-4685-be1f-d57550cc96cc">
+      <Terms xmlns="http://schemas.microsoft.com/office/infopath/2007/PartnerControls"/>
+    </LocalizationTagsTaxHTField0>
+    <UACurrentWords xmlns="4873beb7-5857-4685-be1f-d57550cc96cc" xsi:nil="true"/>
+    <ArtSampleDocs xmlns="4873beb7-5857-4685-be1f-d57550cc96cc" xsi:nil="true"/>
+    <UALocRecommendation xmlns="4873beb7-5857-4685-be1f-d57550cc96cc">Localize</UALocRecommendation>
+    <Manager xmlns="4873beb7-5857-4685-be1f-d57550cc96cc" xsi:nil="true"/>
+    <LocOverallHandbackStatusLookup xmlns="4873beb7-5857-4685-be1f-d57550cc96cc" xsi:nil="true"/>
+    <ShowIn xmlns="4873beb7-5857-4685-be1f-d57550cc96cc">Show everywhere</ShowIn>
+    <UANotes xmlns="4873beb7-5857-4685-be1f-d57550cc96cc" xsi:nil="true"/>
+    <InternalTagsTaxHTField0 xmlns="4873beb7-5857-4685-be1f-d57550cc96cc">
+      <Terms xmlns="http://schemas.microsoft.com/office/infopath/2007/PartnerControls"/>
+    </InternalTagsTaxHTField0>
+    <CSXHash xmlns="4873beb7-5857-4685-be1f-d57550cc96cc" xsi:nil="true"/>
+    <VoteCount xmlns="4873beb7-5857-4685-be1f-d57550cc96cc" xsi:nil="true"/>
+    <AssetExpire xmlns="4873beb7-5857-4685-be1f-d57550cc96cc">2029-05-12T07:00:00+00:00</AssetExpire>
+    <DSATActionTaken xmlns="4873beb7-5857-4685-be1f-d57550cc96cc" xsi:nil="true"/>
+    <CSXSubmissionMarket xmlns="4873beb7-5857-4685-be1f-d57550cc96cc" xsi:nil="true"/>
+    <LocMarketGroupTiers2 xmlns="4873beb7-5857-4685-be1f-d57550cc96cc" xsi:nil="true"/>
+  </documentManagement>
+</p:properties>
+</file>
+
+<file path=customXml/item2.xml><?xml version="1.0" encoding="utf-8"?>
 <ct:contentTypeSchema xmlns:ct="http://schemas.microsoft.com/office/2006/metadata/contentType" xmlns:ma="http://schemas.microsoft.com/office/2006/metadata/properties/metaAttributes" ct:_="" ma:_="" ma:contentTypeName="TemplateFile" ma:contentTypeID="0x0101006EDDDB5EE6D98C44930B742096920B300400F5B6D36B3EF94B4E9A635CDF2A18F5B8" ma:contentTypeVersion="72" ma:contentTypeDescription="Create a new document." ma:contentTypeScope="" ma:versionID="a23e56308344d904b51738559c3d67c9">
   <xsd:schema xmlns:xsd="http://www.w3.org/2001/XMLSchema" xmlns:xs="http://www.w3.org/2001/XMLSchema" xmlns:p="http://schemas.microsoft.com/office/2006/metadata/properties" xmlns:ns2="4873beb7-5857-4685-be1f-d57550cc96cc" targetNamespace="http://schemas.microsoft.com/office/2006/metadata/properties" ma:root="true" ma:fieldsID="cd0908cc4600e77bf5da051303e00c8d" ns2:_="">
     <xsd:import namespace="4873beb7-5857-4685-be1f-d57550cc96cc"/>
@@ -19406,142 +21872,6 @@
 </ct:contentTypeSchema>
 </file>
 
-<file path=customXml/item2.xml><?xml version="1.0" encoding="utf-8"?>
-<p:properties xmlns:p="http://schemas.microsoft.com/office/2006/metadata/properties" xmlns:xsi="http://www.w3.org/2001/XMLSchema-instance" xmlns:pc="http://schemas.microsoft.com/office/infopath/2007/PartnerControls">
-  <documentManagement>
-    <LocPublishedLinkedAssetsLookup xmlns="4873beb7-5857-4685-be1f-d57550cc96cc" xsi:nil="true"/>
-    <ApprovalStatus xmlns="4873beb7-5857-4685-be1f-d57550cc96cc">InProgress</ApprovalStatus>
-    <MarketSpecific xmlns="4873beb7-5857-4685-be1f-d57550cc96cc">false</MarketSpecific>
-    <LocComments xmlns="4873beb7-5857-4685-be1f-d57550cc96cc" xsi:nil="true"/>
-    <LocLastLocAttemptVersionTypeLookup xmlns="4873beb7-5857-4685-be1f-d57550cc96cc" xsi:nil="true"/>
-    <DirectSourceMarket xmlns="4873beb7-5857-4685-be1f-d57550cc96cc" xsi:nil="true"/>
-    <ThumbnailAssetId xmlns="4873beb7-5857-4685-be1f-d57550cc96cc" xsi:nil="true"/>
-    <PrimaryImageGen xmlns="4873beb7-5857-4685-be1f-d57550cc96cc">false</PrimaryImageGen>
-    <LocNewPublishedVersionLookup xmlns="4873beb7-5857-4685-be1f-d57550cc96cc" xsi:nil="true"/>
-    <LegacyData xmlns="4873beb7-5857-4685-be1f-d57550cc96cc" xsi:nil="true"/>
-    <LocRecommendedHandoff xmlns="4873beb7-5857-4685-be1f-d57550cc96cc" xsi:nil="true"/>
-    <BusinessGroup xmlns="4873beb7-5857-4685-be1f-d57550cc96cc" xsi:nil="true"/>
-    <BlockPublish xmlns="4873beb7-5857-4685-be1f-d57550cc96cc">false</BlockPublish>
-    <TPFriendlyName xmlns="4873beb7-5857-4685-be1f-d57550cc96cc" xsi:nil="true"/>
-    <LocOverallPublishStatusLookup xmlns="4873beb7-5857-4685-be1f-d57550cc96cc" xsi:nil="true"/>
-    <NumericId xmlns="4873beb7-5857-4685-be1f-d57550cc96cc" xsi:nil="true"/>
-    <APEditor xmlns="4873beb7-5857-4685-be1f-d57550cc96cc">
-      <UserInfo>
-        <DisplayName/>
-        <AccountId xsi:nil="true"/>
-        <AccountType/>
-      </UserInfo>
-    </APEditor>
-    <SourceTitle xmlns="4873beb7-5857-4685-be1f-d57550cc96cc" xsi:nil="true"/>
-    <OpenTemplate xmlns="4873beb7-5857-4685-be1f-d57550cc96cc">true</OpenTemplate>
-    <LocOverallLocStatusLookup xmlns="4873beb7-5857-4685-be1f-d57550cc96cc" xsi:nil="true"/>
-    <UALocComments xmlns="4873beb7-5857-4685-be1f-d57550cc96cc" xsi:nil="true"/>
-    <ParentAssetId xmlns="4873beb7-5857-4685-be1f-d57550cc96cc" xsi:nil="true"/>
-    <IntlLangReviewDate xmlns="4873beb7-5857-4685-be1f-d57550cc96cc" xsi:nil="true"/>
-    <FeatureTagsTaxHTField0 xmlns="4873beb7-5857-4685-be1f-d57550cc96cc">
-      <Terms xmlns="http://schemas.microsoft.com/office/infopath/2007/PartnerControls"/>
-    </FeatureTagsTaxHTField0>
-    <PublishStatusLookup xmlns="4873beb7-5857-4685-be1f-d57550cc96cc">
-      <Value>1345093</Value>
-    </PublishStatusLookup>
-    <Providers xmlns="4873beb7-5857-4685-be1f-d57550cc96cc" xsi:nil="true"/>
-    <MachineTranslated xmlns="4873beb7-5857-4685-be1f-d57550cc96cc">false</MachineTranslated>
-    <OriginalSourceMarket xmlns="4873beb7-5857-4685-be1f-d57550cc96cc" xsi:nil="true"/>
-    <APDescription xmlns="4873beb7-5857-4685-be1f-d57550cc96cc">This simple template design works for technology and  businesses, but it's versatile enough to use in other contexts.  It features multiple slide layouts designed for widescreen (16x9 resolution) and includes a sample SmartArt list and chart that are easily editable.</APDescription>
-    <ClipArtFilename xmlns="4873beb7-5857-4685-be1f-d57550cc96cc" xsi:nil="true"/>
-    <ContentItem xmlns="4873beb7-5857-4685-be1f-d57550cc96cc" xsi:nil="true"/>
-    <TPInstallLocation xmlns="4873beb7-5857-4685-be1f-d57550cc96cc" xsi:nil="true"/>
-    <PublishTargets xmlns="4873beb7-5857-4685-be1f-d57550cc96cc">OfficeOnlineVNext</PublishTargets>
-    <TimesCloned xmlns="4873beb7-5857-4685-be1f-d57550cc96cc" xsi:nil="true"/>
-    <AssetStart xmlns="4873beb7-5857-4685-be1f-d57550cc96cc">2011-11-26T00:30:00+00:00</AssetStart>
-    <Provider xmlns="4873beb7-5857-4685-be1f-d57550cc96cc" xsi:nil="true"/>
-    <AcquiredFrom xmlns="4873beb7-5857-4685-be1f-d57550cc96cc">Internal MS</AcquiredFrom>
-    <FriendlyTitle xmlns="4873beb7-5857-4685-be1f-d57550cc96cc" xsi:nil="true"/>
-    <LastHandOff xmlns="4873beb7-5857-4685-be1f-d57550cc96cc" xsi:nil="true"/>
-    <TPClientViewer xmlns="4873beb7-5857-4685-be1f-d57550cc96cc" xsi:nil="true"/>
-    <TemplateStatus xmlns="4873beb7-5857-4685-be1f-d57550cc96cc">Complete</TemplateStatus>
-    <Downloads xmlns="4873beb7-5857-4685-be1f-d57550cc96cc">0</Downloads>
-    <OOCacheId xmlns="4873beb7-5857-4685-be1f-d57550cc96cc" xsi:nil="true"/>
-    <IsDeleted xmlns="4873beb7-5857-4685-be1f-d57550cc96cc">false</IsDeleted>
-    <LocPublishedDependentAssetsLookup xmlns="4873beb7-5857-4685-be1f-d57550cc96cc" xsi:nil="true"/>
-    <TPExecutable xmlns="4873beb7-5857-4685-be1f-d57550cc96cc" xsi:nil="true"/>
-    <EditorialTags xmlns="4873beb7-5857-4685-be1f-d57550cc96cc" xsi:nil="true"/>
-    <SubmitterId xmlns="4873beb7-5857-4685-be1f-d57550cc96cc" xsi:nil="true"/>
-    <ApprovalLog xmlns="4873beb7-5857-4685-be1f-d57550cc96cc" xsi:nil="true"/>
-    <AssetType xmlns="4873beb7-5857-4685-be1f-d57550cc96cc">TP</AssetType>
-    <BugNumber xmlns="4873beb7-5857-4685-be1f-d57550cc96cc" xsi:nil="true"/>
-    <CSXSubmissionDate xmlns="4873beb7-5857-4685-be1f-d57550cc96cc" xsi:nil="true"/>
-    <CSXUpdate xmlns="4873beb7-5857-4685-be1f-d57550cc96cc">false</CSXUpdate>
-    <Milestone xmlns="4873beb7-5857-4685-be1f-d57550cc96cc" xsi:nil="true"/>
-    <RecommendationsModifier xmlns="4873beb7-5857-4685-be1f-d57550cc96cc" xsi:nil="true"/>
-    <OriginAsset xmlns="4873beb7-5857-4685-be1f-d57550cc96cc" xsi:nil="true"/>
-    <TPComponent xmlns="4873beb7-5857-4685-be1f-d57550cc96cc" xsi:nil="true"/>
-    <AssetId xmlns="4873beb7-5857-4685-be1f-d57550cc96cc">TP102787989</AssetId>
-    <IntlLocPriority xmlns="4873beb7-5857-4685-be1f-d57550cc96cc" xsi:nil="true"/>
-    <PolicheckWords xmlns="4873beb7-5857-4685-be1f-d57550cc96cc" xsi:nil="true"/>
-    <TPLaunchHelpLink xmlns="4873beb7-5857-4685-be1f-d57550cc96cc" xsi:nil="true"/>
-    <TPApplication xmlns="4873beb7-5857-4685-be1f-d57550cc96cc" xsi:nil="true"/>
-    <CrawlForDependencies xmlns="4873beb7-5857-4685-be1f-d57550cc96cc">false</CrawlForDependencies>
-    <HandoffToMSDN xmlns="4873beb7-5857-4685-be1f-d57550cc96cc" xsi:nil="true"/>
-    <PlannedPubDate xmlns="4873beb7-5857-4685-be1f-d57550cc96cc" xsi:nil="true"/>
-    <IntlLangReviewer xmlns="4873beb7-5857-4685-be1f-d57550cc96cc" xsi:nil="true"/>
-    <TrustLevel xmlns="4873beb7-5857-4685-be1f-d57550cc96cc">1 Microsoft Managed Content</TrustLevel>
-    <LocLastLocAttemptVersionLookup xmlns="4873beb7-5857-4685-be1f-d57550cc96cc">694266</LocLastLocAttemptVersionLookup>
-    <LocProcessedForHandoffsLookup xmlns="4873beb7-5857-4685-be1f-d57550cc96cc" xsi:nil="true"/>
-    <IsSearchable xmlns="4873beb7-5857-4685-be1f-d57550cc96cc">true</IsSearchable>
-    <TemplateTemplateType xmlns="4873beb7-5857-4685-be1f-d57550cc96cc">PowerPoint Presentation Template</TemplateTemplateType>
-    <CampaignTagsTaxHTField0 xmlns="4873beb7-5857-4685-be1f-d57550cc96cc">
-      <Terms xmlns="http://schemas.microsoft.com/office/infopath/2007/PartnerControls"/>
-    </CampaignTagsTaxHTField0>
-    <TPNamespace xmlns="4873beb7-5857-4685-be1f-d57550cc96cc" xsi:nil="true"/>
-    <LocOverallPreviewStatusLookup xmlns="4873beb7-5857-4685-be1f-d57550cc96cc" xsi:nil="true"/>
-    <TaxCatchAll xmlns="4873beb7-5857-4685-be1f-d57550cc96cc"/>
-    <Markets xmlns="4873beb7-5857-4685-be1f-d57550cc96cc"/>
-    <UAProjectedTotalWords xmlns="4873beb7-5857-4685-be1f-d57550cc96cc" xsi:nil="true"/>
-    <IntlLangReview xmlns="4873beb7-5857-4685-be1f-d57550cc96cc" xsi:nil="true"/>
-    <OutputCachingOn xmlns="4873beb7-5857-4685-be1f-d57550cc96cc">false</OutputCachingOn>
-    <AverageRating xmlns="4873beb7-5857-4685-be1f-d57550cc96cc" xsi:nil="true"/>
-    <APAuthor xmlns="4873beb7-5857-4685-be1f-d57550cc96cc">
-      <UserInfo>
-        <DisplayName>REDMOND\kristaa</DisplayName>
-        <AccountId>136</AccountId>
-        <AccountType/>
-      </UserInfo>
-    </APAuthor>
-    <LocManualTestRequired xmlns="4873beb7-5857-4685-be1f-d57550cc96cc">false</LocManualTestRequired>
-    <TPCommandLine xmlns="4873beb7-5857-4685-be1f-d57550cc96cc" xsi:nil="true"/>
-    <TPAppVersion xmlns="4873beb7-5857-4685-be1f-d57550cc96cc" xsi:nil="true"/>
-    <EditorialStatus xmlns="4873beb7-5857-4685-be1f-d57550cc96cc">Complete</EditorialStatus>
-    <LastModifiedDateTime xmlns="4873beb7-5857-4685-be1f-d57550cc96cc" xsi:nil="true"/>
-    <ScenarioTagsTaxHTField0 xmlns="4873beb7-5857-4685-be1f-d57550cc96cc">
-      <Terms xmlns="http://schemas.microsoft.com/office/infopath/2007/PartnerControls"/>
-    </ScenarioTagsTaxHTField0>
-    <LocProcessedForMarketsLookup xmlns="4873beb7-5857-4685-be1f-d57550cc96cc" xsi:nil="true"/>
-    <TPLaunchHelpLinkType xmlns="4873beb7-5857-4685-be1f-d57550cc96cc">Template</TPLaunchHelpLinkType>
-    <OriginalRelease xmlns="4873beb7-5857-4685-be1f-d57550cc96cc">15</OriginalRelease>
-    <LocalizationTagsTaxHTField0 xmlns="4873beb7-5857-4685-be1f-d57550cc96cc">
-      <Terms xmlns="http://schemas.microsoft.com/office/infopath/2007/PartnerControls"/>
-    </LocalizationTagsTaxHTField0>
-    <UACurrentWords xmlns="4873beb7-5857-4685-be1f-d57550cc96cc" xsi:nil="true"/>
-    <ArtSampleDocs xmlns="4873beb7-5857-4685-be1f-d57550cc96cc" xsi:nil="true"/>
-    <UALocRecommendation xmlns="4873beb7-5857-4685-be1f-d57550cc96cc">Localize</UALocRecommendation>
-    <Manager xmlns="4873beb7-5857-4685-be1f-d57550cc96cc" xsi:nil="true"/>
-    <LocOverallHandbackStatusLookup xmlns="4873beb7-5857-4685-be1f-d57550cc96cc" xsi:nil="true"/>
-    <ShowIn xmlns="4873beb7-5857-4685-be1f-d57550cc96cc">Show everywhere</ShowIn>
-    <UANotes xmlns="4873beb7-5857-4685-be1f-d57550cc96cc" xsi:nil="true"/>
-    <InternalTagsTaxHTField0 xmlns="4873beb7-5857-4685-be1f-d57550cc96cc">
-      <Terms xmlns="http://schemas.microsoft.com/office/infopath/2007/PartnerControls"/>
-    </InternalTagsTaxHTField0>
-    <CSXHash xmlns="4873beb7-5857-4685-be1f-d57550cc96cc" xsi:nil="true"/>
-    <VoteCount xmlns="4873beb7-5857-4685-be1f-d57550cc96cc" xsi:nil="true"/>
-    <AssetExpire xmlns="4873beb7-5857-4685-be1f-d57550cc96cc">2029-05-12T07:00:00+00:00</AssetExpire>
-    <DSATActionTaken xmlns="4873beb7-5857-4685-be1f-d57550cc96cc" xsi:nil="true"/>
-    <CSXSubmissionMarket xmlns="4873beb7-5857-4685-be1f-d57550cc96cc" xsi:nil="true"/>
-    <LocMarketGroupTiers2 xmlns="4873beb7-5857-4685-be1f-d57550cc96cc" xsi:nil="true"/>
-  </documentManagement>
-</p:properties>
-</file>
-
 <file path=customXml/item3.xml><?xml version="1.0" encoding="utf-8"?>
 <?mso-contentType ?>
 <FormTemplates xmlns="http://schemas.microsoft.com/sharepoint/v3/contenttype/forms">
@@ -19552,6 +21882,22 @@
 </file>
 
 <file path=customXml/itemProps1.xml><?xml version="1.0" encoding="utf-8"?>
+<ds:datastoreItem xmlns:ds="http://schemas.openxmlformats.org/officeDocument/2006/customXml" ds:itemID="{60C67BEE-D13F-4BD2-98A5-34D8A0977F68}">
+  <ds:schemaRefs>
+    <ds:schemaRef ds:uri="4873beb7-5857-4685-be1f-d57550cc96cc"/>
+    <ds:schemaRef ds:uri="http://schemas.openxmlformats.org/package/2006/metadata/core-properties"/>
+    <ds:schemaRef ds:uri="http://purl.org/dc/terms/"/>
+    <ds:schemaRef ds:uri="http://schemas.microsoft.com/office/2006/documentManagement/types"/>
+    <ds:schemaRef ds:uri="http://purl.org/dc/elements/1.1/"/>
+    <ds:schemaRef ds:uri="http://schemas.microsoft.com/office/2006/metadata/properties"/>
+    <ds:schemaRef ds:uri="http://schemas.microsoft.com/office/infopath/2007/PartnerControls"/>
+    <ds:schemaRef ds:uri="http://www.w3.org/XML/1998/namespace"/>
+    <ds:schemaRef ds:uri="http://purl.org/dc/dcmitype/"/>
+  </ds:schemaRefs>
+</ds:datastoreItem>
+</file>
+
+<file path=customXml/itemProps2.xml><?xml version="1.0" encoding="utf-8"?>
 <ds:datastoreItem xmlns:ds="http://schemas.openxmlformats.org/officeDocument/2006/customXml" ds:itemID="{A09BF4D4-EF60-4196-BFC3-9462D607978C}">
   <ds:schemaRefs>
     <ds:schemaRef ds:uri="http://schemas.microsoft.com/office/2006/metadata/contentType"/>
@@ -19569,22 +21915,6 @@
 </ds:datastoreItem>
 </file>
 
-<file path=customXml/itemProps2.xml><?xml version="1.0" encoding="utf-8"?>
-<ds:datastoreItem xmlns:ds="http://schemas.openxmlformats.org/officeDocument/2006/customXml" ds:itemID="{60C67BEE-D13F-4BD2-98A5-34D8A0977F68}">
-  <ds:schemaRefs>
-    <ds:schemaRef ds:uri="4873beb7-5857-4685-be1f-d57550cc96cc"/>
-    <ds:schemaRef ds:uri="http://schemas.openxmlformats.org/package/2006/metadata/core-properties"/>
-    <ds:schemaRef ds:uri="http://purl.org/dc/terms/"/>
-    <ds:schemaRef ds:uri="http://schemas.microsoft.com/office/2006/documentManagement/types"/>
-    <ds:schemaRef ds:uri="http://purl.org/dc/elements/1.1/"/>
-    <ds:schemaRef ds:uri="http://schemas.microsoft.com/office/2006/metadata/properties"/>
-    <ds:schemaRef ds:uri="http://schemas.microsoft.com/office/infopath/2007/PartnerControls"/>
-    <ds:schemaRef ds:uri="http://www.w3.org/XML/1998/namespace"/>
-    <ds:schemaRef ds:uri="http://purl.org/dc/dcmitype/"/>
-  </ds:schemaRefs>
-</ds:datastoreItem>
-</file>
-
 <file path=customXml/itemProps3.xml><?xml version="1.0" encoding="utf-8"?>
 <ds:datastoreItem xmlns:ds="http://schemas.openxmlformats.org/officeDocument/2006/customXml" ds:itemID="{3836F65B-1B07-41EE-A0E8-BC6EF3855225}">
   <ds:schemaRefs>

--- a/Western Power Hack-a-Gig Presentation.pptx
+++ b/Western Power Hack-a-Gig Presentation.pptx
@@ -5,10 +5,10 @@
     <p:sldMasterId id="2147483660" r:id="rId4"/>
   </p:sldMasterIdLst>
   <p:notesMasterIdLst>
-    <p:notesMasterId r:id="rId34"/>
+    <p:notesMasterId r:id="rId36"/>
   </p:notesMasterIdLst>
   <p:handoutMasterIdLst>
-    <p:handoutMasterId r:id="rId35"/>
+    <p:handoutMasterId r:id="rId37"/>
   </p:handoutMasterIdLst>
   <p:sldIdLst>
     <p:sldId id="257" r:id="rId5"/>
@@ -24,22 +24,24 @@
     <p:sldId id="295" r:id="rId15"/>
     <p:sldId id="263" r:id="rId16"/>
     <p:sldId id="262" r:id="rId17"/>
-    <p:sldId id="270" r:id="rId18"/>
-    <p:sldId id="271" r:id="rId19"/>
-    <p:sldId id="272" r:id="rId20"/>
-    <p:sldId id="273" r:id="rId21"/>
-    <p:sldId id="292" r:id="rId22"/>
-    <p:sldId id="291" r:id="rId23"/>
-    <p:sldId id="274" r:id="rId24"/>
+    <p:sldId id="296" r:id="rId18"/>
+    <p:sldId id="272" r:id="rId19"/>
+    <p:sldId id="298" r:id="rId20"/>
+    <p:sldId id="274" r:id="rId21"/>
+    <p:sldId id="273" r:id="rId22"/>
+    <p:sldId id="292" r:id="rId23"/>
+    <p:sldId id="300" r:id="rId24"/>
     <p:sldId id="275" r:id="rId25"/>
     <p:sldId id="276" r:id="rId26"/>
     <p:sldId id="282" r:id="rId27"/>
-    <p:sldId id="278" r:id="rId28"/>
-    <p:sldId id="286" r:id="rId29"/>
-    <p:sldId id="283" r:id="rId30"/>
-    <p:sldId id="279" r:id="rId31"/>
-    <p:sldId id="280" r:id="rId32"/>
-    <p:sldId id="281" r:id="rId33"/>
+    <p:sldId id="299" r:id="rId28"/>
+    <p:sldId id="301" r:id="rId29"/>
+    <p:sldId id="278" r:id="rId30"/>
+    <p:sldId id="286" r:id="rId31"/>
+    <p:sldId id="283" r:id="rId32"/>
+    <p:sldId id="279" r:id="rId33"/>
+    <p:sldId id="280" r:id="rId34"/>
+    <p:sldId id="281" r:id="rId35"/>
   </p:sldIdLst>
   <p:sldSz cx="12188825" cy="6858000"/>
   <p:notesSz cx="6858000" cy="9144000"/>
@@ -6394,7 +6396,7 @@
           <a:p>
             <a:fld id="{FE5B4EDC-59C0-49C7-8ADA-5A781B329E02}" type="datetimeFigureOut">
               <a:rPr lang="en-US"/>
-              <a:t>11/4/2018</a:t>
+              <a:t>11/5/2018</a:t>
             </a:fld>
             <a:endParaRPr/>
           </a:p>
@@ -6559,7 +6561,7 @@
           <a:p>
             <a:fld id="{F2D8D46A-B586-417D-BFBD-8C8FE0AAF762}" type="datetimeFigureOut">
               <a:rPr lang="en-US"/>
-              <a:t>11/4/2018</a:t>
+              <a:t>11/5/2018</a:t>
             </a:fld>
             <a:endParaRPr/>
           </a:p>
@@ -7010,6 +7012,90 @@
 </p:notes>
 </file>
 
+<file path=ppt/notesSlides/notesSlide10.xml><?xml version="1.0" encoding="utf-8"?>
+<p:notes xmlns:a="http://schemas.openxmlformats.org/drawingml/2006/main" xmlns:r="http://schemas.openxmlformats.org/officeDocument/2006/relationships" xmlns:p="http://schemas.openxmlformats.org/presentationml/2006/main">
+  <p:cSld>
+    <p:spTree>
+      <p:nvGrpSpPr>
+        <p:cNvPr id="1" name=""/>
+        <p:cNvGrpSpPr/>
+        <p:nvPr/>
+      </p:nvGrpSpPr>
+      <p:grpSpPr>
+        <a:xfrm>
+          <a:off x="0" y="0"/>
+          <a:ext cx="0" cy="0"/>
+          <a:chOff x="0" y="0"/>
+          <a:chExt cx="0" cy="0"/>
+        </a:xfrm>
+      </p:grpSpPr>
+      <p:sp>
+        <p:nvSpPr>
+          <p:cNvPr id="2" name="Slide Image Placeholder 1"/>
+          <p:cNvSpPr>
+            <a:spLocks noGrp="1" noRot="1" noChangeAspect="1"/>
+          </p:cNvSpPr>
+          <p:nvPr>
+            <p:ph type="sldImg"/>
+          </p:nvPr>
+        </p:nvSpPr>
+        <p:spPr/>
+      </p:sp>
+      <p:sp>
+        <p:nvSpPr>
+          <p:cNvPr id="3" name="Notes Placeholder 2"/>
+          <p:cNvSpPr>
+            <a:spLocks noGrp="1"/>
+          </p:cNvSpPr>
+          <p:nvPr>
+            <p:ph type="body" idx="1"/>
+          </p:nvPr>
+        </p:nvSpPr>
+        <p:spPr/>
+        <p:txBody>
+          <a:bodyPr/>
+          <a:lstStyle/>
+          <a:p>
+            <a:endParaRPr lang="en-AU" dirty="0"/>
+          </a:p>
+        </p:txBody>
+      </p:sp>
+      <p:sp>
+        <p:nvSpPr>
+          <p:cNvPr id="4" name="Slide Number Placeholder 3"/>
+          <p:cNvSpPr>
+            <a:spLocks noGrp="1"/>
+          </p:cNvSpPr>
+          <p:nvPr>
+            <p:ph type="sldNum" sz="quarter" idx="5"/>
+          </p:nvPr>
+        </p:nvSpPr>
+        <p:spPr/>
+        <p:txBody>
+          <a:bodyPr/>
+          <a:lstStyle/>
+          <a:p>
+            <a:fld id="{3EBA5BD7-F043-4D1B-AA17-CD412FC534DE}" type="slidenum">
+              <a:rPr lang="en-AU" smtClean="0"/>
+              <a:t>27</a:t>
+            </a:fld>
+            <a:endParaRPr lang="en-AU"/>
+          </a:p>
+        </p:txBody>
+      </p:sp>
+    </p:spTree>
+    <p:extLst>
+      <p:ext uri="{BB962C8B-B14F-4D97-AF65-F5344CB8AC3E}">
+        <p14:creationId xmlns:p14="http://schemas.microsoft.com/office/powerpoint/2010/main" val="442855496"/>
+      </p:ext>
+    </p:extLst>
+  </p:cSld>
+  <p:clrMapOvr>
+    <a:masterClrMapping/>
+  </p:clrMapOvr>
+</p:notes>
+</file>
+
 <file path=ppt/notesSlides/notesSlide2.xml><?xml version="1.0" encoding="utf-8"?>
 <p:notes xmlns:a="http://schemas.openxmlformats.org/drawingml/2006/main" xmlns:r="http://schemas.openxmlformats.org/officeDocument/2006/relationships" xmlns:p="http://schemas.openxmlformats.org/presentationml/2006/main">
   <p:cSld>
@@ -7545,6 +7631,426 @@
     <p:extLst>
       <p:ext uri="{BB962C8B-B14F-4D97-AF65-F5344CB8AC3E}">
         <p14:creationId xmlns:p14="http://schemas.microsoft.com/office/powerpoint/2010/main" val="2890606694"/>
+      </p:ext>
+    </p:extLst>
+  </p:cSld>
+  <p:clrMapOvr>
+    <a:masterClrMapping/>
+  </p:clrMapOvr>
+</p:notes>
+</file>
+
+<file path=ppt/notesSlides/notesSlide5.xml><?xml version="1.0" encoding="utf-8"?>
+<p:notes xmlns:a="http://schemas.openxmlformats.org/drawingml/2006/main" xmlns:r="http://schemas.openxmlformats.org/officeDocument/2006/relationships" xmlns:p="http://schemas.openxmlformats.org/presentationml/2006/main">
+  <p:cSld>
+    <p:spTree>
+      <p:nvGrpSpPr>
+        <p:cNvPr id="1" name=""/>
+        <p:cNvGrpSpPr/>
+        <p:nvPr/>
+      </p:nvGrpSpPr>
+      <p:grpSpPr>
+        <a:xfrm>
+          <a:off x="0" y="0"/>
+          <a:ext cx="0" cy="0"/>
+          <a:chOff x="0" y="0"/>
+          <a:chExt cx="0" cy="0"/>
+        </a:xfrm>
+      </p:grpSpPr>
+      <p:sp>
+        <p:nvSpPr>
+          <p:cNvPr id="2" name="Slide Image Placeholder 1"/>
+          <p:cNvSpPr>
+            <a:spLocks noGrp="1" noRot="1" noChangeAspect="1"/>
+          </p:cNvSpPr>
+          <p:nvPr>
+            <p:ph type="sldImg"/>
+          </p:nvPr>
+        </p:nvSpPr>
+        <p:spPr/>
+      </p:sp>
+      <p:sp>
+        <p:nvSpPr>
+          <p:cNvPr id="3" name="Notes Placeholder 2"/>
+          <p:cNvSpPr>
+            <a:spLocks noGrp="1"/>
+          </p:cNvSpPr>
+          <p:nvPr>
+            <p:ph type="body" idx="1"/>
+          </p:nvPr>
+        </p:nvSpPr>
+        <p:spPr/>
+        <p:txBody>
+          <a:bodyPr/>
+          <a:lstStyle/>
+          <a:p>
+            <a:endParaRPr lang="en-AU" dirty="0"/>
+          </a:p>
+        </p:txBody>
+      </p:sp>
+      <p:sp>
+        <p:nvSpPr>
+          <p:cNvPr id="4" name="Slide Number Placeholder 3"/>
+          <p:cNvSpPr>
+            <a:spLocks noGrp="1"/>
+          </p:cNvSpPr>
+          <p:nvPr>
+            <p:ph type="sldNum" sz="quarter" idx="5"/>
+          </p:nvPr>
+        </p:nvSpPr>
+        <p:spPr/>
+        <p:txBody>
+          <a:bodyPr/>
+          <a:lstStyle/>
+          <a:p>
+            <a:fld id="{3EBA5BD7-F043-4D1B-AA17-CD412FC534DE}" type="slidenum">
+              <a:rPr lang="en-AU" smtClean="0"/>
+              <a:t>14</a:t>
+            </a:fld>
+            <a:endParaRPr lang="en-AU"/>
+          </a:p>
+        </p:txBody>
+      </p:sp>
+    </p:spTree>
+    <p:extLst>
+      <p:ext uri="{BB962C8B-B14F-4D97-AF65-F5344CB8AC3E}">
+        <p14:creationId xmlns:p14="http://schemas.microsoft.com/office/powerpoint/2010/main" val="919080573"/>
+      </p:ext>
+    </p:extLst>
+  </p:cSld>
+  <p:clrMapOvr>
+    <a:masterClrMapping/>
+  </p:clrMapOvr>
+</p:notes>
+</file>
+
+<file path=ppt/notesSlides/notesSlide6.xml><?xml version="1.0" encoding="utf-8"?>
+<p:notes xmlns:a="http://schemas.openxmlformats.org/drawingml/2006/main" xmlns:r="http://schemas.openxmlformats.org/officeDocument/2006/relationships" xmlns:p="http://schemas.openxmlformats.org/presentationml/2006/main">
+  <p:cSld>
+    <p:spTree>
+      <p:nvGrpSpPr>
+        <p:cNvPr id="1" name=""/>
+        <p:cNvGrpSpPr/>
+        <p:nvPr/>
+      </p:nvGrpSpPr>
+      <p:grpSpPr>
+        <a:xfrm>
+          <a:off x="0" y="0"/>
+          <a:ext cx="0" cy="0"/>
+          <a:chOff x="0" y="0"/>
+          <a:chExt cx="0" cy="0"/>
+        </a:xfrm>
+      </p:grpSpPr>
+      <p:sp>
+        <p:nvSpPr>
+          <p:cNvPr id="2" name="Slide Image Placeholder 1"/>
+          <p:cNvSpPr>
+            <a:spLocks noGrp="1" noRot="1" noChangeAspect="1"/>
+          </p:cNvSpPr>
+          <p:nvPr>
+            <p:ph type="sldImg"/>
+          </p:nvPr>
+        </p:nvSpPr>
+        <p:spPr/>
+      </p:sp>
+      <p:sp>
+        <p:nvSpPr>
+          <p:cNvPr id="3" name="Notes Placeholder 2"/>
+          <p:cNvSpPr>
+            <a:spLocks noGrp="1"/>
+          </p:cNvSpPr>
+          <p:nvPr>
+            <p:ph type="body" idx="1"/>
+          </p:nvPr>
+        </p:nvSpPr>
+        <p:spPr/>
+        <p:txBody>
+          <a:bodyPr/>
+          <a:lstStyle/>
+          <a:p>
+            <a:endParaRPr lang="en-AU" dirty="0"/>
+          </a:p>
+        </p:txBody>
+      </p:sp>
+      <p:sp>
+        <p:nvSpPr>
+          <p:cNvPr id="4" name="Slide Number Placeholder 3"/>
+          <p:cNvSpPr>
+            <a:spLocks noGrp="1"/>
+          </p:cNvSpPr>
+          <p:nvPr>
+            <p:ph type="sldNum" sz="quarter" idx="5"/>
+          </p:nvPr>
+        </p:nvSpPr>
+        <p:spPr/>
+        <p:txBody>
+          <a:bodyPr/>
+          <a:lstStyle/>
+          <a:p>
+            <a:fld id="{3EBA5BD7-F043-4D1B-AA17-CD412FC534DE}" type="slidenum">
+              <a:rPr lang="en-AU" smtClean="0"/>
+              <a:t>15</a:t>
+            </a:fld>
+            <a:endParaRPr lang="en-AU"/>
+          </a:p>
+        </p:txBody>
+      </p:sp>
+    </p:spTree>
+    <p:extLst>
+      <p:ext uri="{BB962C8B-B14F-4D97-AF65-F5344CB8AC3E}">
+        <p14:creationId xmlns:p14="http://schemas.microsoft.com/office/powerpoint/2010/main" val="1198099413"/>
+      </p:ext>
+    </p:extLst>
+  </p:cSld>
+  <p:clrMapOvr>
+    <a:masterClrMapping/>
+  </p:clrMapOvr>
+</p:notes>
+</file>
+
+<file path=ppt/notesSlides/notesSlide7.xml><?xml version="1.0" encoding="utf-8"?>
+<p:notes xmlns:a="http://schemas.openxmlformats.org/drawingml/2006/main" xmlns:r="http://schemas.openxmlformats.org/officeDocument/2006/relationships" xmlns:p="http://schemas.openxmlformats.org/presentationml/2006/main">
+  <p:cSld>
+    <p:spTree>
+      <p:nvGrpSpPr>
+        <p:cNvPr id="1" name=""/>
+        <p:cNvGrpSpPr/>
+        <p:nvPr/>
+      </p:nvGrpSpPr>
+      <p:grpSpPr>
+        <a:xfrm>
+          <a:off x="0" y="0"/>
+          <a:ext cx="0" cy="0"/>
+          <a:chOff x="0" y="0"/>
+          <a:chExt cx="0" cy="0"/>
+        </a:xfrm>
+      </p:grpSpPr>
+      <p:sp>
+        <p:nvSpPr>
+          <p:cNvPr id="2" name="Slide Image Placeholder 1"/>
+          <p:cNvSpPr>
+            <a:spLocks noGrp="1" noRot="1" noChangeAspect="1"/>
+          </p:cNvSpPr>
+          <p:nvPr>
+            <p:ph type="sldImg"/>
+          </p:nvPr>
+        </p:nvSpPr>
+        <p:spPr/>
+      </p:sp>
+      <p:sp>
+        <p:nvSpPr>
+          <p:cNvPr id="3" name="Notes Placeholder 2"/>
+          <p:cNvSpPr>
+            <a:spLocks noGrp="1"/>
+          </p:cNvSpPr>
+          <p:nvPr>
+            <p:ph type="body" idx="1"/>
+          </p:nvPr>
+        </p:nvSpPr>
+        <p:spPr/>
+        <p:txBody>
+          <a:bodyPr/>
+          <a:lstStyle/>
+          <a:p>
+            <a:endParaRPr lang="en-AU" dirty="0"/>
+          </a:p>
+        </p:txBody>
+      </p:sp>
+      <p:sp>
+        <p:nvSpPr>
+          <p:cNvPr id="4" name="Slide Number Placeholder 3"/>
+          <p:cNvSpPr>
+            <a:spLocks noGrp="1"/>
+          </p:cNvSpPr>
+          <p:nvPr>
+            <p:ph type="sldNum" sz="quarter" idx="5"/>
+          </p:nvPr>
+        </p:nvSpPr>
+        <p:spPr/>
+        <p:txBody>
+          <a:bodyPr/>
+          <a:lstStyle/>
+          <a:p>
+            <a:fld id="{3EBA5BD7-F043-4D1B-AA17-CD412FC534DE}" type="slidenum">
+              <a:rPr lang="en-AU" smtClean="0"/>
+              <a:t>16</a:t>
+            </a:fld>
+            <a:endParaRPr lang="en-AU"/>
+          </a:p>
+        </p:txBody>
+      </p:sp>
+    </p:spTree>
+    <p:extLst>
+      <p:ext uri="{BB962C8B-B14F-4D97-AF65-F5344CB8AC3E}">
+        <p14:creationId xmlns:p14="http://schemas.microsoft.com/office/powerpoint/2010/main" val="2956732443"/>
+      </p:ext>
+    </p:extLst>
+  </p:cSld>
+  <p:clrMapOvr>
+    <a:masterClrMapping/>
+  </p:clrMapOvr>
+</p:notes>
+</file>
+
+<file path=ppt/notesSlides/notesSlide8.xml><?xml version="1.0" encoding="utf-8"?>
+<p:notes xmlns:a="http://schemas.openxmlformats.org/drawingml/2006/main" xmlns:r="http://schemas.openxmlformats.org/officeDocument/2006/relationships" xmlns:p="http://schemas.openxmlformats.org/presentationml/2006/main">
+  <p:cSld>
+    <p:spTree>
+      <p:nvGrpSpPr>
+        <p:cNvPr id="1" name=""/>
+        <p:cNvGrpSpPr/>
+        <p:nvPr/>
+      </p:nvGrpSpPr>
+      <p:grpSpPr>
+        <a:xfrm>
+          <a:off x="0" y="0"/>
+          <a:ext cx="0" cy="0"/>
+          <a:chOff x="0" y="0"/>
+          <a:chExt cx="0" cy="0"/>
+        </a:xfrm>
+      </p:grpSpPr>
+      <p:sp>
+        <p:nvSpPr>
+          <p:cNvPr id="2" name="Slide Image Placeholder 1"/>
+          <p:cNvSpPr>
+            <a:spLocks noGrp="1" noRot="1" noChangeAspect="1"/>
+          </p:cNvSpPr>
+          <p:nvPr>
+            <p:ph type="sldImg"/>
+          </p:nvPr>
+        </p:nvSpPr>
+        <p:spPr/>
+      </p:sp>
+      <p:sp>
+        <p:nvSpPr>
+          <p:cNvPr id="3" name="Notes Placeholder 2"/>
+          <p:cNvSpPr>
+            <a:spLocks noGrp="1"/>
+          </p:cNvSpPr>
+          <p:nvPr>
+            <p:ph type="body" idx="1"/>
+          </p:nvPr>
+        </p:nvSpPr>
+        <p:spPr/>
+        <p:txBody>
+          <a:bodyPr/>
+          <a:lstStyle/>
+          <a:p>
+            <a:endParaRPr lang="en-AU" dirty="0"/>
+          </a:p>
+        </p:txBody>
+      </p:sp>
+      <p:sp>
+        <p:nvSpPr>
+          <p:cNvPr id="4" name="Slide Number Placeholder 3"/>
+          <p:cNvSpPr>
+            <a:spLocks noGrp="1"/>
+          </p:cNvSpPr>
+          <p:nvPr>
+            <p:ph type="sldNum" sz="quarter" idx="5"/>
+          </p:nvPr>
+        </p:nvSpPr>
+        <p:spPr/>
+        <p:txBody>
+          <a:bodyPr/>
+          <a:lstStyle/>
+          <a:p>
+            <a:fld id="{3EBA5BD7-F043-4D1B-AA17-CD412FC534DE}" type="slidenum">
+              <a:rPr lang="en-AU" smtClean="0"/>
+              <a:t>23</a:t>
+            </a:fld>
+            <a:endParaRPr lang="en-AU"/>
+          </a:p>
+        </p:txBody>
+      </p:sp>
+    </p:spTree>
+    <p:extLst>
+      <p:ext uri="{BB962C8B-B14F-4D97-AF65-F5344CB8AC3E}">
+        <p14:creationId xmlns:p14="http://schemas.microsoft.com/office/powerpoint/2010/main" val="3093024343"/>
+      </p:ext>
+    </p:extLst>
+  </p:cSld>
+  <p:clrMapOvr>
+    <a:masterClrMapping/>
+  </p:clrMapOvr>
+</p:notes>
+</file>
+
+<file path=ppt/notesSlides/notesSlide9.xml><?xml version="1.0" encoding="utf-8"?>
+<p:notes xmlns:a="http://schemas.openxmlformats.org/drawingml/2006/main" xmlns:r="http://schemas.openxmlformats.org/officeDocument/2006/relationships" xmlns:p="http://schemas.openxmlformats.org/presentationml/2006/main">
+  <p:cSld>
+    <p:spTree>
+      <p:nvGrpSpPr>
+        <p:cNvPr id="1" name=""/>
+        <p:cNvGrpSpPr/>
+        <p:nvPr/>
+      </p:nvGrpSpPr>
+      <p:grpSpPr>
+        <a:xfrm>
+          <a:off x="0" y="0"/>
+          <a:ext cx="0" cy="0"/>
+          <a:chOff x="0" y="0"/>
+          <a:chExt cx="0" cy="0"/>
+        </a:xfrm>
+      </p:grpSpPr>
+      <p:sp>
+        <p:nvSpPr>
+          <p:cNvPr id="2" name="Slide Image Placeholder 1"/>
+          <p:cNvSpPr>
+            <a:spLocks noGrp="1" noRot="1" noChangeAspect="1"/>
+          </p:cNvSpPr>
+          <p:nvPr>
+            <p:ph type="sldImg"/>
+          </p:nvPr>
+        </p:nvSpPr>
+        <p:spPr/>
+      </p:sp>
+      <p:sp>
+        <p:nvSpPr>
+          <p:cNvPr id="3" name="Notes Placeholder 2"/>
+          <p:cNvSpPr>
+            <a:spLocks noGrp="1"/>
+          </p:cNvSpPr>
+          <p:nvPr>
+            <p:ph type="body" idx="1"/>
+          </p:nvPr>
+        </p:nvSpPr>
+        <p:spPr/>
+        <p:txBody>
+          <a:bodyPr/>
+          <a:lstStyle/>
+          <a:p>
+            <a:endParaRPr lang="en-AU" dirty="0"/>
+          </a:p>
+        </p:txBody>
+      </p:sp>
+      <p:sp>
+        <p:nvSpPr>
+          <p:cNvPr id="4" name="Slide Number Placeholder 3"/>
+          <p:cNvSpPr>
+            <a:spLocks noGrp="1"/>
+          </p:cNvSpPr>
+          <p:nvPr>
+            <p:ph type="sldNum" sz="quarter" idx="5"/>
+          </p:nvPr>
+        </p:nvSpPr>
+        <p:spPr/>
+        <p:txBody>
+          <a:bodyPr/>
+          <a:lstStyle/>
+          <a:p>
+            <a:fld id="{3EBA5BD7-F043-4D1B-AA17-CD412FC534DE}" type="slidenum">
+              <a:rPr lang="en-AU" smtClean="0"/>
+              <a:t>24</a:t>
+            </a:fld>
+            <a:endParaRPr lang="en-AU"/>
+          </a:p>
+        </p:txBody>
+      </p:sp>
+    </p:spTree>
+    <p:extLst>
+      <p:ext uri="{BB962C8B-B14F-4D97-AF65-F5344CB8AC3E}">
+        <p14:creationId xmlns:p14="http://schemas.microsoft.com/office/powerpoint/2010/main" val="1963671278"/>
       </p:ext>
     </p:extLst>
   </p:cSld>
@@ -8310,7 +8816,7 @@
           <a:p>
             <a:fld id="{F0DFD029-FB74-4578-B929-F66AA97659CA}" type="datetimeFigureOut">
               <a:rPr lang="en-US"/>
-              <a:t>11/4/2018</a:t>
+              <a:t>11/5/2018</a:t>
             </a:fld>
             <a:endParaRPr/>
           </a:p>
@@ -8508,7 +9014,7 @@
           <a:p>
             <a:fld id="{F0DFD029-FB74-4578-B929-F66AA97659CA}" type="datetimeFigureOut">
               <a:rPr lang="en-US"/>
-              <a:t>11/4/2018</a:t>
+              <a:t>11/5/2018</a:t>
             </a:fld>
             <a:endParaRPr/>
           </a:p>
@@ -8716,7 +9222,7 @@
           <a:p>
             <a:fld id="{F0DFD029-FB74-4578-B929-F66AA97659CA}" type="datetimeFigureOut">
               <a:rPr lang="en-US"/>
-              <a:t>11/4/2018</a:t>
+              <a:t>11/5/2018</a:t>
             </a:fld>
             <a:endParaRPr/>
           </a:p>
@@ -8914,7 +9420,7 @@
           <a:p>
             <a:fld id="{F0DFD029-FB74-4578-B929-F66AA97659CA}" type="datetimeFigureOut">
               <a:rPr lang="en-US"/>
-              <a:t>11/4/2018</a:t>
+              <a:t>11/5/2018</a:t>
             </a:fld>
             <a:endParaRPr/>
           </a:p>
@@ -9346,7 +9852,7 @@
           <a:p>
             <a:fld id="{F0DFD029-FB74-4578-B929-F66AA97659CA}" type="datetimeFigureOut">
               <a:rPr lang="en-US"/>
-              <a:t>11/4/2018</a:t>
+              <a:t>11/5/2018</a:t>
             </a:fld>
             <a:endParaRPr/>
           </a:p>
@@ -9650,7 +10156,7 @@
           <a:p>
             <a:fld id="{F0DFD029-FB74-4578-B929-F66AA97659CA}" type="datetimeFigureOut">
               <a:rPr lang="en-US"/>
-              <a:t>11/4/2018</a:t>
+              <a:t>11/5/2018</a:t>
             </a:fld>
             <a:endParaRPr/>
           </a:p>
@@ -10106,7 +10612,7 @@
           <a:p>
             <a:fld id="{F0DFD029-FB74-4578-B929-F66AA97659CA}" type="datetimeFigureOut">
               <a:rPr lang="en-US"/>
-              <a:t>11/4/2018</a:t>
+              <a:t>11/5/2018</a:t>
             </a:fld>
             <a:endParaRPr/>
           </a:p>
@@ -10236,7 +10742,7 @@
           <a:p>
             <a:fld id="{F0DFD029-FB74-4578-B929-F66AA97659CA}" type="datetimeFigureOut">
               <a:rPr lang="en-US"/>
-              <a:t>11/4/2018</a:t>
+              <a:t>11/5/2018</a:t>
             </a:fld>
             <a:endParaRPr/>
           </a:p>
@@ -10343,7 +10849,7 @@
           <a:p>
             <a:fld id="{F0DFD029-FB74-4578-B929-F66AA97659CA}" type="datetimeFigureOut">
               <a:rPr lang="en-US"/>
-              <a:t>11/4/2018</a:t>
+              <a:t>11/5/2018</a:t>
             </a:fld>
             <a:endParaRPr/>
           </a:p>
@@ -10642,7 +11148,7 @@
           <a:p>
             <a:fld id="{F0DFD029-FB74-4578-B929-F66AA97659CA}" type="datetimeFigureOut">
               <a:rPr lang="en-US"/>
-              <a:t>11/4/2018</a:t>
+              <a:t>11/5/2018</a:t>
             </a:fld>
             <a:endParaRPr/>
           </a:p>
@@ -10930,7 +11436,7 @@
           <a:p>
             <a:fld id="{F0DFD029-FB74-4578-B929-F66AA97659CA}" type="datetimeFigureOut">
               <a:rPr lang="en-US"/>
-              <a:t>11/4/2018</a:t>
+              <a:t>11/5/2018</a:t>
             </a:fld>
             <a:endParaRPr/>
           </a:p>
@@ -11553,7 +12059,7 @@
             <a:fld id="{F0DFD029-FB74-4578-B929-F66AA97659CA}" type="datetimeFigureOut">
               <a:rPr lang="en-US"/>
               <a:pPr/>
-              <a:t>11/4/2018</a:t>
+              <a:t>11/5/2018</a:t>
             </a:fld>
             <a:endParaRPr/>
           </a:p>
@@ -12819,6 +13325,114 @@
           </a:prstGeom>
         </p:spPr>
       </p:pic>
+      <p:pic>
+        <p:nvPicPr>
+          <p:cNvPr id="13" name="Picture 12">
+            <a:extLst>
+              <a:ext uri="{FF2B5EF4-FFF2-40B4-BE49-F238E27FC236}">
+                <a16:creationId xmlns:a16="http://schemas.microsoft.com/office/drawing/2014/main" id="{BBEC1953-4A39-4FD8-B3D0-A1DB3B1AC4EA}"/>
+              </a:ext>
+            </a:extLst>
+          </p:cNvPr>
+          <p:cNvPicPr>
+            <a:picLocks noChangeAspect="1"/>
+          </p:cNvPicPr>
+          <p:nvPr/>
+        </p:nvPicPr>
+        <p:blipFill>
+          <a:blip r:embed="rId8">
+            <a:extLst>
+              <a:ext uri="{28A0092B-C50C-407E-A947-70E740481C1C}">
+                <a14:useLocalDpi xmlns:a14="http://schemas.microsoft.com/office/drawing/2010/main" val="0"/>
+              </a:ext>
+            </a:extLst>
+          </a:blip>
+          <a:stretch>
+            <a:fillRect/>
+          </a:stretch>
+        </p:blipFill>
+        <p:spPr>
+          <a:xfrm>
+            <a:off x="9046747" y="3795780"/>
+            <a:ext cx="2905530" cy="2905530"/>
+          </a:xfrm>
+          <a:prstGeom prst="rect">
+            <a:avLst/>
+          </a:prstGeom>
+        </p:spPr>
+      </p:pic>
+      <p:sp>
+        <p:nvSpPr>
+          <p:cNvPr id="3" name="Oval 2">
+            <a:extLst>
+              <a:ext uri="{FF2B5EF4-FFF2-40B4-BE49-F238E27FC236}">
+                <a16:creationId xmlns:a16="http://schemas.microsoft.com/office/drawing/2014/main" id="{37F6E635-11D2-4FCE-A6F0-0CA7216296F3}"/>
+              </a:ext>
+            </a:extLst>
+          </p:cNvPr>
+          <p:cNvSpPr/>
+          <p:nvPr/>
+        </p:nvSpPr>
+        <p:spPr>
+          <a:xfrm rot="612513">
+            <a:off x="10319730" y="5654171"/>
+            <a:ext cx="717384" cy="1022839"/>
+          </a:xfrm>
+          <a:prstGeom prst="ellipse">
+            <a:avLst/>
+          </a:prstGeom>
+          <a:gradFill flip="none" rotWithShape="1">
+            <a:gsLst>
+              <a:gs pos="46000">
+                <a:srgbClr val="D02E02">
+                  <a:alpha val="67000"/>
+                </a:srgbClr>
+              </a:gs>
+              <a:gs pos="0">
+                <a:srgbClr val="FF0000">
+                  <a:alpha val="38000"/>
+                </a:srgbClr>
+              </a:gs>
+              <a:gs pos="100000">
+                <a:srgbClr val="FFAE1D">
+                  <a:alpha val="0"/>
+                </a:srgbClr>
+              </a:gs>
+            </a:gsLst>
+            <a:path path="circle">
+              <a:fillToRect l="50000" t="50000" r="50000" b="50000"/>
+            </a:path>
+            <a:tileRect/>
+          </a:gradFill>
+          <a:ln>
+            <a:noFill/>
+          </a:ln>
+        </p:spPr>
+        <p:style>
+          <a:lnRef idx="2">
+            <a:schemeClr val="accent1">
+              <a:shade val="50000"/>
+            </a:schemeClr>
+          </a:lnRef>
+          <a:fillRef idx="1">
+            <a:schemeClr val="accent1"/>
+          </a:fillRef>
+          <a:effectRef idx="0">
+            <a:schemeClr val="accent1"/>
+          </a:effectRef>
+          <a:fontRef idx="minor">
+            <a:schemeClr val="lt1"/>
+          </a:fontRef>
+        </p:style>
+        <p:txBody>
+          <a:bodyPr rtlCol="0" anchor="ctr"/>
+          <a:lstStyle/>
+          <a:p>
+            <a:pPr algn="ctr"/>
+            <a:endParaRPr lang="en-AU" sz="2800"/>
+          </a:p>
+        </p:txBody>
+      </p:sp>
     </p:spTree>
     <p:extLst>
       <p:ext uri="{BB962C8B-B14F-4D97-AF65-F5344CB8AC3E}">
@@ -13094,7 +13708,7 @@
         <p:spPr>
           <a:xfrm>
             <a:off x="1218883" y="1701797"/>
-            <a:ext cx="4155449" cy="4462272"/>
+            <a:ext cx="9412033" cy="4462272"/>
           </a:xfrm>
         </p:spPr>
         <p:txBody>
@@ -13103,7 +13717,7 @@
           <a:p>
             <a:r>
               <a:rPr lang="en-AU" dirty="0"/>
-              <a:t>Understand Data</a:t>
+              <a:t>First, understand the data</a:t>
             </a:r>
           </a:p>
           <a:p>
@@ -13119,6 +13733,37 @@
               <a:rPr lang="en-AU" dirty="0"/>
               <a:t>~16,500 total images</a:t>
             </a:r>
+          </a:p>
+          <a:p>
+            <a:pPr marL="682633" lvl="2" indent="0">
+              <a:buNone/>
+            </a:pPr>
+            <a:endParaRPr lang="en-AU" dirty="0"/>
+          </a:p>
+          <a:p>
+            <a:pPr lvl="1"/>
+            <a:r>
+              <a:rPr lang="en-AU" dirty="0"/>
+              <a:t>What does it represent?</a:t>
+            </a:r>
+          </a:p>
+          <a:p>
+            <a:pPr lvl="2"/>
+            <a:r>
+              <a:rPr lang="en-AU" dirty="0"/>
+              <a:t>Installations from 2007-2018</a:t>
+            </a:r>
+          </a:p>
+          <a:p>
+            <a:pPr lvl="2"/>
+            <a:r>
+              <a:rPr lang="en-AU" dirty="0"/>
+              <a:t>Mostly 2011/2012 installations</a:t>
+            </a:r>
+          </a:p>
+          <a:p>
+            <a:pPr lvl="1"/>
+            <a:endParaRPr lang="en-AU" dirty="0"/>
           </a:p>
           <a:p>
             <a:pPr lvl="1"/>
@@ -13128,10 +13773,10 @@
       </p:sp>
       <p:pic>
         <p:nvPicPr>
-          <p:cNvPr id="4" name="Picture 3">
+          <p:cNvPr id="5" name="Picture 4">
             <a:extLst>
               <a:ext uri="{FF2B5EF4-FFF2-40B4-BE49-F238E27FC236}">
-                <a16:creationId xmlns:a16="http://schemas.microsoft.com/office/drawing/2014/main" id="{60407E82-ED49-48E1-845F-A67334BDA690}"/>
+                <a16:creationId xmlns:a16="http://schemas.microsoft.com/office/drawing/2014/main" id="{4FB56277-9B9F-4E34-AC16-440EA4F3C51B}"/>
               </a:ext>
             </a:extLst>
           </p:cNvPr>
@@ -13141,27 +13786,167 @@
           <p:nvPr/>
         </p:nvPicPr>
         <p:blipFill>
-          <a:blip r:embed="rId2"/>
+          <a:blip r:embed="rId3"/>
           <a:stretch>
             <a:fillRect/>
           </a:stretch>
         </p:blipFill>
         <p:spPr>
           <a:xfrm>
-            <a:off x="1003429" y="5055490"/>
-            <a:ext cx="4586356" cy="1296144"/>
+            <a:off x="7164341" y="274638"/>
+            <a:ext cx="4280342" cy="3130400"/>
           </a:xfrm>
           <a:prstGeom prst="rect">
             <a:avLst/>
           </a:prstGeom>
         </p:spPr>
       </p:pic>
+      <p:pic>
+        <p:nvPicPr>
+          <p:cNvPr id="9" name="Picture 8">
+            <a:extLst>
+              <a:ext uri="{FF2B5EF4-FFF2-40B4-BE49-F238E27FC236}">
+                <a16:creationId xmlns:a16="http://schemas.microsoft.com/office/drawing/2014/main" id="{8D9306C8-91B1-4669-92A2-A0E4DD4C7E68}"/>
+              </a:ext>
+            </a:extLst>
+          </p:cNvPr>
+          <p:cNvPicPr>
+            <a:picLocks noChangeAspect="1"/>
+          </p:cNvPicPr>
+          <p:nvPr/>
+        </p:nvPicPr>
+        <p:blipFill>
+          <a:blip r:embed="rId4"/>
+          <a:stretch>
+            <a:fillRect/>
+          </a:stretch>
+        </p:blipFill>
+        <p:spPr>
+          <a:xfrm>
+            <a:off x="7229893" y="3608234"/>
+            <a:ext cx="4214790" cy="3083732"/>
+          </a:xfrm>
+          <a:prstGeom prst="rect">
+            <a:avLst/>
+          </a:prstGeom>
+        </p:spPr>
+      </p:pic>
+    </p:spTree>
+    <p:extLst>
+      <p:ext uri="{BB962C8B-B14F-4D97-AF65-F5344CB8AC3E}">
+        <p14:creationId xmlns:p14="http://schemas.microsoft.com/office/powerpoint/2010/main" val="681876137"/>
+      </p:ext>
+    </p:extLst>
+  </p:cSld>
+  <p:clrMapOvr>
+    <a:masterClrMapping/>
+  </p:clrMapOvr>
+  <mc:AlternateContent xmlns:mc="http://schemas.openxmlformats.org/markup-compatibility/2006" xmlns:p14="http://schemas.microsoft.com/office/powerpoint/2010/main">
+    <mc:Choice Requires="p14">
+      <p:transition spd="med" p14:dur="700">
+        <p:fade/>
+      </p:transition>
+    </mc:Choice>
+    <mc:Fallback xmlns="">
+      <p:transition spd="med">
+        <p:fade/>
+      </p:transition>
+    </mc:Fallback>
+  </mc:AlternateContent>
+</p:sld>
+</file>
+
+<file path=ppt/slides/slide15.xml><?xml version="1.0" encoding="utf-8"?>
+<p:sld xmlns:a="http://schemas.openxmlformats.org/drawingml/2006/main" xmlns:r="http://schemas.openxmlformats.org/officeDocument/2006/relationships" xmlns:p="http://schemas.openxmlformats.org/presentationml/2006/main">
+  <p:cSld>
+    <p:spTree>
+      <p:nvGrpSpPr>
+        <p:cNvPr id="1" name=""/>
+        <p:cNvGrpSpPr/>
+        <p:nvPr/>
+      </p:nvGrpSpPr>
+      <p:grpSpPr>
+        <a:xfrm>
+          <a:off x="0" y="0"/>
+          <a:ext cx="0" cy="0"/>
+          <a:chOff x="0" y="0"/>
+          <a:chExt cx="0" cy="0"/>
+        </a:xfrm>
+      </p:grpSpPr>
       <p:sp>
         <p:nvSpPr>
-          <p:cNvPr id="5" name="Content Placeholder 2">
+          <p:cNvPr id="2" name="Title 1">
             <a:extLst>
               <a:ext uri="{FF2B5EF4-FFF2-40B4-BE49-F238E27FC236}">
-                <a16:creationId xmlns:a16="http://schemas.microsoft.com/office/drawing/2014/main" id="{8CE8AF33-D730-4EBA-9FBD-DBA3E37E84FC}"/>
+                <a16:creationId xmlns:a16="http://schemas.microsoft.com/office/drawing/2014/main" id="{118CBBA9-49D2-4262-9114-D0D47E7D522A}"/>
+              </a:ext>
+            </a:extLst>
+          </p:cNvPr>
+          <p:cNvSpPr>
+            <a:spLocks noGrp="1"/>
+          </p:cNvSpPr>
+          <p:nvPr>
+            <p:ph type="title"/>
+          </p:nvPr>
+        </p:nvSpPr>
+        <p:spPr/>
+        <p:txBody>
+          <a:bodyPr/>
+          <a:lstStyle/>
+          <a:p>
+            <a:r>
+              <a:rPr lang="en-AU" dirty="0"/>
+              <a:t>Approach</a:t>
+            </a:r>
+          </a:p>
+        </p:txBody>
+      </p:sp>
+      <p:sp>
+        <p:nvSpPr>
+          <p:cNvPr id="3" name="Content Placeholder 2">
+            <a:extLst>
+              <a:ext uri="{FF2B5EF4-FFF2-40B4-BE49-F238E27FC236}">
+                <a16:creationId xmlns:a16="http://schemas.microsoft.com/office/drawing/2014/main" id="{1E6F3B36-FA1C-4A44-8799-54720A510D55}"/>
+              </a:ext>
+            </a:extLst>
+          </p:cNvPr>
+          <p:cNvSpPr>
+            <a:spLocks noGrp="1"/>
+          </p:cNvSpPr>
+          <p:nvPr>
+            <p:ph idx="1"/>
+          </p:nvPr>
+        </p:nvSpPr>
+        <p:spPr>
+          <a:xfrm>
+            <a:off x="1218883" y="1701797"/>
+            <a:ext cx="4155449" cy="4462272"/>
+          </a:xfrm>
+        </p:spPr>
+        <p:txBody>
+          <a:bodyPr/>
+          <a:lstStyle/>
+          <a:p>
+            <a:r>
+              <a:rPr lang="en-AU" dirty="0"/>
+              <a:t>Understand Data</a:t>
+            </a:r>
+          </a:p>
+          <a:p>
+            <a:pPr lvl="1"/>
+            <a:r>
+              <a:rPr lang="en-AU" dirty="0"/>
+              <a:t>How does it look?</a:t>
+            </a:r>
+          </a:p>
+        </p:txBody>
+      </p:sp>
+      <p:sp>
+        <p:nvSpPr>
+          <p:cNvPr id="11" name="Content Placeholder 2">
+            <a:extLst>
+              <a:ext uri="{FF2B5EF4-FFF2-40B4-BE49-F238E27FC236}">
+                <a16:creationId xmlns:a16="http://schemas.microsoft.com/office/drawing/2014/main" id="{EB2211BA-8C34-482A-8D7D-AE6D41451A34}"/>
               </a:ext>
             </a:extLst>
           </p:cNvPr>
@@ -13172,8 +13957,8 @@
         </p:nvSpPr>
         <p:spPr>
           <a:xfrm>
-            <a:off x="6161183" y="1628800"/>
-            <a:ext cx="4155449" cy="4462272"/>
+            <a:off x="5374330" y="2756547"/>
+            <a:ext cx="4155449" cy="2662195"/>
           </a:xfrm>
           <a:prstGeom prst="rect">
             <a:avLst/>
@@ -13386,53 +14171,60 @@
           <a:p>
             <a:r>
               <a:rPr lang="en-AU" dirty="0"/>
-              <a:t>Clean Release</a:t>
-            </a:r>
-          </a:p>
-          <a:p>
-            <a:pPr lvl="1"/>
+              <a:t>Mostly square</a:t>
+            </a:r>
+          </a:p>
+          <a:p>
+            <a:pPr marL="0" indent="0">
+              <a:buNone/>
+            </a:pPr>
             <a:r>
               <a:rPr lang="en-AU" dirty="0"/>
-              <a:t>High degree of assumed PV and Non-PV image labelling accuracy</a:t>
-            </a:r>
-          </a:p>
-          <a:p>
-            <a:pPr lvl="1"/>
-            <a:r>
-              <a:rPr lang="en-AU" dirty="0"/>
-              <a:t>Smaller set</a:t>
-            </a:r>
-          </a:p>
-          <a:p>
-            <a:r>
-              <a:rPr lang="en-AU" dirty="0"/>
-              <a:t>Extra Release</a:t>
-            </a:r>
-          </a:p>
-          <a:p>
-            <a:pPr lvl="1"/>
-            <a:r>
-              <a:rPr lang="en-AU" dirty="0"/>
-              <a:t>Lower degree of confidence in labelling accuracy</a:t>
-            </a:r>
-          </a:p>
-          <a:p>
-            <a:pPr lvl="1"/>
-            <a:r>
-              <a:rPr lang="en-AU" dirty="0"/>
-              <a:t>Larger set (2-4x)</a:t>
-            </a:r>
-          </a:p>
-          <a:p>
-            <a:pPr lvl="1"/>
-            <a:endParaRPr lang="en-AU" dirty="0"/>
+              <a:t>(400 x 400 pixels – good!)</a:t>
+            </a:r>
           </a:p>
         </p:txBody>
       </p:sp>
+      <p:pic>
+        <p:nvPicPr>
+          <p:cNvPr id="12" name="Picture 11">
+            <a:extLst>
+              <a:ext uri="{FF2B5EF4-FFF2-40B4-BE49-F238E27FC236}">
+                <a16:creationId xmlns:a16="http://schemas.microsoft.com/office/drawing/2014/main" id="{8DA62101-4D10-4CC8-B583-2BBA71CE49AA}"/>
+              </a:ext>
+            </a:extLst>
+          </p:cNvPr>
+          <p:cNvPicPr>
+            <a:picLocks noChangeAspect="1"/>
+          </p:cNvPicPr>
+          <p:nvPr/>
+        </p:nvPicPr>
+        <p:blipFill>
+          <a:blip r:embed="rId3">
+            <a:extLst>
+              <a:ext uri="{28A0092B-C50C-407E-A947-70E740481C1C}">
+                <a14:useLocalDpi xmlns:a14="http://schemas.microsoft.com/office/drawing/2010/main" val="0"/>
+              </a:ext>
+            </a:extLst>
+          </a:blip>
+          <a:stretch>
+            <a:fillRect/>
+          </a:stretch>
+        </p:blipFill>
+        <p:spPr>
+          <a:xfrm>
+            <a:off x="1491247" y="2756547"/>
+            <a:ext cx="3610719" cy="3610719"/>
+          </a:xfrm>
+          <a:prstGeom prst="rect">
+            <a:avLst/>
+          </a:prstGeom>
+        </p:spPr>
+      </p:pic>
     </p:spTree>
     <p:extLst>
       <p:ext uri="{BB962C8B-B14F-4D97-AF65-F5344CB8AC3E}">
-        <p14:creationId xmlns:p14="http://schemas.microsoft.com/office/powerpoint/2010/main" val="164938785"/>
+        <p14:creationId xmlns:p14="http://schemas.microsoft.com/office/powerpoint/2010/main" val="2803354371"/>
       </p:ext>
     </p:extLst>
   </p:cSld>
@@ -13454,7 +14246,7 @@
 </p:sld>
 </file>
 
-<file path=ppt/slides/slide15.xml><?xml version="1.0" encoding="utf-8"?>
+<file path=ppt/slides/slide16.xml><?xml version="1.0" encoding="utf-8"?>
 <p:sld xmlns:a="http://schemas.openxmlformats.org/drawingml/2006/main" xmlns:r="http://schemas.openxmlformats.org/officeDocument/2006/relationships" xmlns:p="http://schemas.openxmlformats.org/presentationml/2006/main">
   <p:cSld>
     <p:spTree>
@@ -13487,38 +14279,10 @@
             <p:ph type="title"/>
           </p:nvPr>
         </p:nvSpPr>
-        <p:spPr/>
-        <p:txBody>
-          <a:bodyPr/>
-          <a:lstStyle/>
-          <a:p>
-            <a:r>
-              <a:rPr lang="en-AU" dirty="0"/>
-              <a:t>Approach</a:t>
-            </a:r>
-          </a:p>
-        </p:txBody>
-      </p:sp>
-      <p:sp>
-        <p:nvSpPr>
-          <p:cNvPr id="3" name="Content Placeholder 2">
-            <a:extLst>
-              <a:ext uri="{FF2B5EF4-FFF2-40B4-BE49-F238E27FC236}">
-                <a16:creationId xmlns:a16="http://schemas.microsoft.com/office/drawing/2014/main" id="{1E6F3B36-FA1C-4A44-8799-54720A510D55}"/>
-              </a:ext>
-            </a:extLst>
-          </p:cNvPr>
-          <p:cNvSpPr>
-            <a:spLocks noGrp="1"/>
-          </p:cNvSpPr>
-          <p:nvPr>
-            <p:ph idx="1"/>
-          </p:nvPr>
-        </p:nvSpPr>
         <p:spPr>
           <a:xfrm>
-            <a:off x="1218883" y="1701797"/>
-            <a:ext cx="4155449" cy="4462272"/>
+            <a:off x="914161" y="274637"/>
+            <a:ext cx="10360501" cy="634083"/>
           </a:xfrm>
         </p:spPr>
         <p:txBody>
@@ -13527,84 +14291,17 @@
           <a:p>
             <a:r>
               <a:rPr lang="en-AU" dirty="0"/>
-              <a:t>Understand Data</a:t>
-            </a:r>
-          </a:p>
-          <a:p>
-            <a:pPr lvl="1"/>
-            <a:r>
-              <a:rPr lang="en-AU" dirty="0"/>
-              <a:t>What does it tell us?</a:t>
+              <a:t>Approach</a:t>
             </a:r>
           </a:p>
         </p:txBody>
       </p:sp>
-      <p:pic>
-        <p:nvPicPr>
-          <p:cNvPr id="6" name="Picture 5">
+      <p:sp>
+        <p:nvSpPr>
+          <p:cNvPr id="11" name="Content Placeholder 2">
             <a:extLst>
               <a:ext uri="{FF2B5EF4-FFF2-40B4-BE49-F238E27FC236}">
-                <a16:creationId xmlns:a16="http://schemas.microsoft.com/office/drawing/2014/main" id="{B0636FC0-8732-43F6-B07E-D247F6761BF2}"/>
-              </a:ext>
-            </a:extLst>
-          </p:cNvPr>
-          <p:cNvPicPr>
-            <a:picLocks noChangeAspect="1"/>
-          </p:cNvPicPr>
-          <p:nvPr/>
-        </p:nvPicPr>
-        <p:blipFill>
-          <a:blip r:embed="rId2"/>
-          <a:stretch>
-            <a:fillRect/>
-          </a:stretch>
-        </p:blipFill>
-        <p:spPr>
-          <a:xfrm>
-            <a:off x="1151968" y="2996952"/>
-            <a:ext cx="4933950" cy="3514725"/>
-          </a:xfrm>
-          <a:prstGeom prst="rect">
-            <a:avLst/>
-          </a:prstGeom>
-        </p:spPr>
-      </p:pic>
-      <p:pic>
-        <p:nvPicPr>
-          <p:cNvPr id="7" name="Picture 6">
-            <a:extLst>
-              <a:ext uri="{FF2B5EF4-FFF2-40B4-BE49-F238E27FC236}">
-                <a16:creationId xmlns:a16="http://schemas.microsoft.com/office/drawing/2014/main" id="{DBE739BC-7545-4A28-A2A1-83C40AA0F973}"/>
-              </a:ext>
-            </a:extLst>
-          </p:cNvPr>
-          <p:cNvPicPr>
-            <a:picLocks noChangeAspect="1"/>
-          </p:cNvPicPr>
-          <p:nvPr/>
-        </p:nvPicPr>
-        <p:blipFill>
-          <a:blip r:embed="rId3"/>
-          <a:stretch>
-            <a:fillRect/>
-          </a:stretch>
-        </p:blipFill>
-        <p:spPr>
-          <a:xfrm>
-            <a:off x="6814492" y="3050218"/>
-            <a:ext cx="5029200" cy="3381375"/>
-          </a:xfrm>
-          <a:prstGeom prst="rect">
-            <a:avLst/>
-          </a:prstGeom>
-        </p:spPr>
-      </p:pic>
-      <p:sp>
-        <p:nvSpPr>
-          <p:cNvPr id="9" name="Content Placeholder 2">
-            <a:extLst>
-              <a:ext uri="{FF2B5EF4-FFF2-40B4-BE49-F238E27FC236}">
-                <a16:creationId xmlns:a16="http://schemas.microsoft.com/office/drawing/2014/main" id="{55F4540C-A796-46DC-BFE3-B3DABF5ED521}"/>
+                <a16:creationId xmlns:a16="http://schemas.microsoft.com/office/drawing/2014/main" id="{EB2211BA-8C34-482A-8D7D-AE6D41451A34}"/>
               </a:ext>
             </a:extLst>
           </p:cNvPr>
@@ -13615,8 +14312,8 @@
         </p:nvSpPr>
         <p:spPr>
           <a:xfrm>
-            <a:off x="5158308" y="980728"/>
-            <a:ext cx="6624736" cy="1656184"/>
+            <a:off x="8176455" y="274637"/>
+            <a:ext cx="3469040" cy="2662195"/>
           </a:xfrm>
           <a:prstGeom prst="rect">
             <a:avLst/>
@@ -13828,140 +14525,63 @@
           </a:lstStyle>
           <a:p>
             <a:r>
-              <a:rPr lang="en-AU" sz="1800" dirty="0"/>
-              <a:t>Majority of installation images from 2011/2012</a:t>
-            </a:r>
-          </a:p>
-          <a:p>
-            <a:r>
-              <a:rPr lang="en-AU" sz="1800" dirty="0"/>
-              <a:t>Range of installation years begins in 2007</a:t>
-            </a:r>
-          </a:p>
-          <a:p>
-            <a:r>
-              <a:rPr lang="en-AU" sz="1800" dirty="0"/>
-              <a:t>Installation data prior to 2007 may be missing or limited in WP databases</a:t>
+              <a:rPr lang="en-AU" dirty="0"/>
+              <a:t>Some outliers</a:t>
+            </a:r>
+          </a:p>
+          <a:p>
+            <a:pPr marL="0" indent="0">
+              <a:buNone/>
+            </a:pPr>
+            <a:r>
+              <a:rPr lang="en-AU" dirty="0"/>
+              <a:t>Rectangular, large, multi-residential</a:t>
             </a:r>
           </a:p>
         </p:txBody>
       </p:sp>
-    </p:spTree>
-    <p:extLst>
-      <p:ext uri="{BB962C8B-B14F-4D97-AF65-F5344CB8AC3E}">
-        <p14:creationId xmlns:p14="http://schemas.microsoft.com/office/powerpoint/2010/main" val="3799243706"/>
-      </p:ext>
-    </p:extLst>
-  </p:cSld>
-  <p:clrMapOvr>
-    <a:masterClrMapping/>
-  </p:clrMapOvr>
-  <mc:AlternateContent xmlns:mc="http://schemas.openxmlformats.org/markup-compatibility/2006" xmlns:p14="http://schemas.microsoft.com/office/powerpoint/2010/main">
-    <mc:Choice Requires="p14">
-      <p:transition spd="med" p14:dur="700">
-        <p:fade/>
-      </p:transition>
-    </mc:Choice>
-    <mc:Fallback xmlns="">
-      <p:transition spd="med">
-        <p:fade/>
-      </p:transition>
-    </mc:Fallback>
-  </mc:AlternateContent>
-</p:sld>
-</file>
-
-<file path=ppt/slides/slide16.xml><?xml version="1.0" encoding="utf-8"?>
-<p:sld xmlns:a="http://schemas.openxmlformats.org/drawingml/2006/main" xmlns:r="http://schemas.openxmlformats.org/officeDocument/2006/relationships" xmlns:p="http://schemas.openxmlformats.org/presentationml/2006/main">
-  <p:cSld>
-    <p:spTree>
-      <p:nvGrpSpPr>
-        <p:cNvPr id="1" name=""/>
-        <p:cNvGrpSpPr/>
-        <p:nvPr/>
-      </p:nvGrpSpPr>
-      <p:grpSpPr>
-        <a:xfrm>
-          <a:off x="0" y="0"/>
-          <a:ext cx="0" cy="0"/>
-          <a:chOff x="0" y="0"/>
-          <a:chExt cx="0" cy="0"/>
-        </a:xfrm>
-      </p:grpSpPr>
-      <p:sp>
-        <p:nvSpPr>
-          <p:cNvPr id="2" name="Title 1">
+      <p:pic>
+        <p:nvPicPr>
+          <p:cNvPr id="5" name="Picture 4">
             <a:extLst>
               <a:ext uri="{FF2B5EF4-FFF2-40B4-BE49-F238E27FC236}">
-                <a16:creationId xmlns:a16="http://schemas.microsoft.com/office/drawing/2014/main" id="{118CBBA9-49D2-4262-9114-D0D47E7D522A}"/>
+                <a16:creationId xmlns:a16="http://schemas.microsoft.com/office/drawing/2014/main" id="{09E90969-DDBD-4A3E-9F8B-71C88A7A892A}"/>
               </a:ext>
             </a:extLst>
           </p:cNvPr>
-          <p:cNvSpPr>
-            <a:spLocks noGrp="1"/>
-          </p:cNvSpPr>
-          <p:nvPr>
-            <p:ph type="title"/>
-          </p:nvPr>
-        </p:nvSpPr>
-        <p:spPr/>
-        <p:txBody>
-          <a:bodyPr/>
-          <a:lstStyle/>
-          <a:p>
-            <a:r>
-              <a:rPr lang="en-AU" dirty="0"/>
-              <a:t>Approach</a:t>
-            </a:r>
-          </a:p>
-        </p:txBody>
-      </p:sp>
+          <p:cNvPicPr>
+            <a:picLocks noChangeAspect="1"/>
+          </p:cNvPicPr>
+          <p:nvPr/>
+        </p:nvPicPr>
+        <p:blipFill>
+          <a:blip r:embed="rId3" cstate="print">
+            <a:extLst>
+              <a:ext uri="{28A0092B-C50C-407E-A947-70E740481C1C}">
+                <a14:useLocalDpi xmlns:a14="http://schemas.microsoft.com/office/drawing/2010/main" val="0"/>
+              </a:ext>
+            </a:extLst>
+          </a:blip>
+          <a:stretch>
+            <a:fillRect/>
+          </a:stretch>
+        </p:blipFill>
+        <p:spPr>
+          <a:xfrm>
+            <a:off x="8038628" y="1884418"/>
+            <a:ext cx="3744695" cy="4279651"/>
+          </a:xfrm>
+          <a:prstGeom prst="rect">
+            <a:avLst/>
+          </a:prstGeom>
+        </p:spPr>
+      </p:pic>
       <p:sp>
         <p:nvSpPr>
-          <p:cNvPr id="3" name="Content Placeholder 2">
+          <p:cNvPr id="8" name="Content Placeholder 2">
             <a:extLst>
               <a:ext uri="{FF2B5EF4-FFF2-40B4-BE49-F238E27FC236}">
-                <a16:creationId xmlns:a16="http://schemas.microsoft.com/office/drawing/2014/main" id="{1E6F3B36-FA1C-4A44-8799-54720A510D55}"/>
-              </a:ext>
-            </a:extLst>
-          </p:cNvPr>
-          <p:cNvSpPr>
-            <a:spLocks noGrp="1"/>
-          </p:cNvSpPr>
-          <p:nvPr>
-            <p:ph idx="1"/>
-          </p:nvPr>
-        </p:nvSpPr>
-        <p:spPr>
-          <a:xfrm>
-            <a:off x="1218883" y="1701797"/>
-            <a:ext cx="4155449" cy="4462272"/>
-          </a:xfrm>
-        </p:spPr>
-        <p:txBody>
-          <a:bodyPr/>
-          <a:lstStyle/>
-          <a:p>
-            <a:r>
-              <a:rPr lang="en-AU" dirty="0"/>
-              <a:t>Understand Data</a:t>
-            </a:r>
-          </a:p>
-          <a:p>
-            <a:pPr lvl="1"/>
-            <a:r>
-              <a:rPr lang="en-AU" dirty="0"/>
-              <a:t>How does it look?</a:t>
-            </a:r>
-          </a:p>
-        </p:txBody>
-      </p:sp>
-      <p:sp>
-        <p:nvSpPr>
-          <p:cNvPr id="9" name="Content Placeholder 2">
-            <a:extLst>
-              <a:ext uri="{FF2B5EF4-FFF2-40B4-BE49-F238E27FC236}">
-                <a16:creationId xmlns:a16="http://schemas.microsoft.com/office/drawing/2014/main" id="{55F4540C-A796-46DC-BFE3-B3DABF5ED521}"/>
+                <a16:creationId xmlns:a16="http://schemas.microsoft.com/office/drawing/2014/main" id="{28E5A2FE-9A14-4089-A12C-5FC61FC043C1}"/>
               </a:ext>
             </a:extLst>
           </p:cNvPr>
@@ -13972,8 +14592,8 @@
         </p:nvSpPr>
         <p:spPr>
           <a:xfrm>
-            <a:off x="5158308" y="886618"/>
-            <a:ext cx="6624736" cy="2398366"/>
+            <a:off x="8902724" y="6164069"/>
+            <a:ext cx="2529254" cy="1219810"/>
           </a:xfrm>
           <a:prstGeom prst="rect">
             <a:avLst/>
@@ -14184,19 +14804,22 @@
             </a:lvl9pPr>
           </a:lstStyle>
           <a:p>
-            <a:r>
-              <a:rPr lang="en-AU" sz="1600" dirty="0"/>
-              <a:t>&lt; Replace all images here with actuals, show variation&gt;</a:t>
+            <a:pPr marL="0" indent="0">
+              <a:buNone/>
+            </a:pPr>
+            <a:r>
+              <a:rPr lang="en-AU" dirty="0"/>
+              <a:t>3500x4000 px</a:t>
             </a:r>
           </a:p>
         </p:txBody>
       </p:sp>
       <p:pic>
         <p:nvPicPr>
-          <p:cNvPr id="5" name="Picture 4">
+          <p:cNvPr id="7" name="Picture 6">
             <a:extLst>
               <a:ext uri="{FF2B5EF4-FFF2-40B4-BE49-F238E27FC236}">
-                <a16:creationId xmlns:a16="http://schemas.microsoft.com/office/drawing/2014/main" id="{8CE529A0-F393-4416-8C0C-29777CE93EFE}"/>
+                <a16:creationId xmlns:a16="http://schemas.microsoft.com/office/drawing/2014/main" id="{45E91D1B-90D7-4539-BB65-90841D0FA099}"/>
               </a:ext>
             </a:extLst>
           </p:cNvPr>
@@ -14206,160 +14829,33 @@
           <p:nvPr/>
         </p:nvPicPr>
         <p:blipFill>
-          <a:blip r:embed="rId2"/>
+          <a:blip r:embed="rId4" cstate="print">
+            <a:extLst>
+              <a:ext uri="{28A0092B-C50C-407E-A947-70E740481C1C}">
+                <a14:useLocalDpi xmlns:a14="http://schemas.microsoft.com/office/drawing/2010/main" val="0"/>
+              </a:ext>
+            </a:extLst>
+          </a:blip>
           <a:stretch>
             <a:fillRect/>
           </a:stretch>
         </p:blipFill>
         <p:spPr>
           <a:xfrm>
-            <a:off x="982032" y="3429000"/>
-            <a:ext cx="4629150" cy="3181350"/>
+            <a:off x="1936794" y="1321058"/>
+            <a:ext cx="4151152" cy="4843011"/>
           </a:xfrm>
           <a:prstGeom prst="rect">
             <a:avLst/>
           </a:prstGeom>
         </p:spPr>
       </p:pic>
-      <p:pic>
-        <p:nvPicPr>
-          <p:cNvPr id="8" name="Picture 7">
+      <p:sp>
+        <p:nvSpPr>
+          <p:cNvPr id="13" name="Content Placeholder 2">
             <a:extLst>
               <a:ext uri="{FF2B5EF4-FFF2-40B4-BE49-F238E27FC236}">
-                <a16:creationId xmlns:a16="http://schemas.microsoft.com/office/drawing/2014/main" id="{0FBC03D0-87FA-4CDE-8704-5071F2C850AC}"/>
-              </a:ext>
-            </a:extLst>
-          </p:cNvPr>
-          <p:cNvPicPr>
-            <a:picLocks noChangeAspect="1"/>
-          </p:cNvPicPr>
-          <p:nvPr/>
-        </p:nvPicPr>
-        <p:blipFill>
-          <a:blip r:embed="rId3"/>
-          <a:stretch>
-            <a:fillRect/>
-          </a:stretch>
-        </p:blipFill>
-        <p:spPr>
-          <a:xfrm>
-            <a:off x="5611182" y="3388215"/>
-            <a:ext cx="4591050" cy="3248025"/>
-          </a:xfrm>
-          <a:prstGeom prst="rect">
-            <a:avLst/>
-          </a:prstGeom>
-        </p:spPr>
-      </p:pic>
-    </p:spTree>
-    <p:extLst>
-      <p:ext uri="{BB962C8B-B14F-4D97-AF65-F5344CB8AC3E}">
-        <p14:creationId xmlns:p14="http://schemas.microsoft.com/office/powerpoint/2010/main" val="2803354371"/>
-      </p:ext>
-    </p:extLst>
-  </p:cSld>
-  <p:clrMapOvr>
-    <a:masterClrMapping/>
-  </p:clrMapOvr>
-  <mc:AlternateContent xmlns:mc="http://schemas.openxmlformats.org/markup-compatibility/2006" xmlns:p14="http://schemas.microsoft.com/office/powerpoint/2010/main">
-    <mc:Choice Requires="p14">
-      <p:transition spd="med" p14:dur="700">
-        <p:fade/>
-      </p:transition>
-    </mc:Choice>
-    <mc:Fallback xmlns="">
-      <p:transition spd="med">
-        <p:fade/>
-      </p:transition>
-    </mc:Fallback>
-  </mc:AlternateContent>
-</p:sld>
-</file>
-
-<file path=ppt/slides/slide17.xml><?xml version="1.0" encoding="utf-8"?>
-<p:sld xmlns:a="http://schemas.openxmlformats.org/drawingml/2006/main" xmlns:r="http://schemas.openxmlformats.org/officeDocument/2006/relationships" xmlns:p="http://schemas.openxmlformats.org/presentationml/2006/main">
-  <p:cSld>
-    <p:spTree>
-      <p:nvGrpSpPr>
-        <p:cNvPr id="1" name=""/>
-        <p:cNvGrpSpPr/>
-        <p:nvPr/>
-      </p:nvGrpSpPr>
-      <p:grpSpPr>
-        <a:xfrm>
-          <a:off x="0" y="0"/>
-          <a:ext cx="0" cy="0"/>
-          <a:chOff x="0" y="0"/>
-          <a:chExt cx="0" cy="0"/>
-        </a:xfrm>
-      </p:grpSpPr>
-      <p:sp>
-        <p:nvSpPr>
-          <p:cNvPr id="2" name="Title 1">
-            <a:extLst>
-              <a:ext uri="{FF2B5EF4-FFF2-40B4-BE49-F238E27FC236}">
-                <a16:creationId xmlns:a16="http://schemas.microsoft.com/office/drawing/2014/main" id="{118CBBA9-49D2-4262-9114-D0D47E7D522A}"/>
-              </a:ext>
-            </a:extLst>
-          </p:cNvPr>
-          <p:cNvSpPr>
-            <a:spLocks noGrp="1"/>
-          </p:cNvSpPr>
-          <p:nvPr>
-            <p:ph type="title"/>
-          </p:nvPr>
-        </p:nvSpPr>
-        <p:spPr/>
-        <p:txBody>
-          <a:bodyPr/>
-          <a:lstStyle/>
-          <a:p>
-            <a:r>
-              <a:rPr lang="en-AU" dirty="0"/>
-              <a:t>Approach</a:t>
-            </a:r>
-          </a:p>
-        </p:txBody>
-      </p:sp>
-      <p:sp>
-        <p:nvSpPr>
-          <p:cNvPr id="3" name="Content Placeholder 2">
-            <a:extLst>
-              <a:ext uri="{FF2B5EF4-FFF2-40B4-BE49-F238E27FC236}">
-                <a16:creationId xmlns:a16="http://schemas.microsoft.com/office/drawing/2014/main" id="{1E6F3B36-FA1C-4A44-8799-54720A510D55}"/>
-              </a:ext>
-            </a:extLst>
-          </p:cNvPr>
-          <p:cNvSpPr>
-            <a:spLocks noGrp="1"/>
-          </p:cNvSpPr>
-          <p:nvPr>
-            <p:ph idx="1"/>
-          </p:nvPr>
-        </p:nvSpPr>
-        <p:spPr>
-          <a:xfrm>
-            <a:off x="1218883" y="1701797"/>
-            <a:ext cx="4155449" cy="4462272"/>
-          </a:xfrm>
-        </p:spPr>
-        <p:txBody>
-          <a:bodyPr/>
-          <a:lstStyle/>
-          <a:p>
-            <a:r>
-              <a:rPr lang="en-AU" dirty="0"/>
-              <a:t>Understand Data</a:t>
-            </a:r>
-          </a:p>
-        </p:txBody>
-      </p:sp>
-      <p:sp>
-        <p:nvSpPr>
-          <p:cNvPr id="9" name="Content Placeholder 2">
-            <a:extLst>
-              <a:ext uri="{FF2B5EF4-FFF2-40B4-BE49-F238E27FC236}">
-                <a16:creationId xmlns:a16="http://schemas.microsoft.com/office/drawing/2014/main" id="{55F4540C-A796-46DC-BFE3-B3DABF5ED521}"/>
+                <a16:creationId xmlns:a16="http://schemas.microsoft.com/office/drawing/2014/main" id="{1CA6B06B-3644-4E44-B293-CEAB7F1EB508}"/>
               </a:ext>
             </a:extLst>
           </p:cNvPr>
@@ -14370,8 +14866,8 @@
         </p:nvSpPr>
         <p:spPr>
           <a:xfrm>
-            <a:off x="5158308" y="886618"/>
-            <a:ext cx="6624736" cy="2398366"/>
+            <a:off x="2854052" y="6242801"/>
+            <a:ext cx="2529254" cy="502821"/>
           </a:xfrm>
           <a:prstGeom prst="rect">
             <a:avLst/>
@@ -14379,7 +14875,7 @@
         </p:spPr>
         <p:txBody>
           <a:bodyPr vert="horz" lIns="121899" tIns="60949" rIns="121899" bIns="60949" rtlCol="0">
-            <a:normAutofit/>
+            <a:normAutofit lnSpcReduction="10000"/>
           </a:bodyPr>
           <a:lstStyle>
             <a:lvl1pPr marL="304747" indent="-304747" algn="l" defTabSz="1218987" rtl="0" eaLnBrk="1" latinLnBrk="0" hangingPunct="1">
@@ -14582,69 +15078,20 @@
             </a:lvl9pPr>
           </a:lstStyle>
           <a:p>
-            <a:r>
-              <a:rPr lang="en-AU" sz="1600" dirty="0"/>
-              <a:t>Exponential system size increase based on annualised data</a:t>
-            </a:r>
-          </a:p>
-          <a:p>
-            <a:r>
-              <a:rPr lang="en-AU" sz="1600" dirty="0"/>
-              <a:t>Increased system </a:t>
-            </a:r>
-            <a:r>
-              <a:rPr lang="en-AU" sz="1600"/>
-              <a:t>sizes partly attributable </a:t>
-            </a:r>
-            <a:r>
-              <a:rPr lang="en-AU" sz="1600" dirty="0"/>
-              <a:t>to panel efficiency gains (W/m</a:t>
-            </a:r>
-            <a:r>
-              <a:rPr lang="en-AU" sz="1600" baseline="30000" dirty="0"/>
-              <a:t>2</a:t>
-            </a:r>
-            <a:r>
-              <a:rPr lang="en-AU" sz="1600" dirty="0"/>
-              <a:t>)</a:t>
+            <a:pPr marL="0" indent="0">
+              <a:buNone/>
+            </a:pPr>
+            <a:r>
+              <a:rPr lang="en-AU" dirty="0"/>
+              <a:t>3000x3500 px</a:t>
             </a:r>
           </a:p>
         </p:txBody>
       </p:sp>
-      <p:pic>
-        <p:nvPicPr>
-          <p:cNvPr id="5" name="Picture 4">
-            <a:extLst>
-              <a:ext uri="{FF2B5EF4-FFF2-40B4-BE49-F238E27FC236}">
-                <a16:creationId xmlns:a16="http://schemas.microsoft.com/office/drawing/2014/main" id="{C9CBC7BF-F2B4-4B1F-B9F0-E060D6AAC33B}"/>
-              </a:ext>
-            </a:extLst>
-          </p:cNvPr>
-          <p:cNvPicPr>
-            <a:picLocks noChangeAspect="1"/>
-          </p:cNvPicPr>
-          <p:nvPr/>
-        </p:nvPicPr>
-        <p:blipFill>
-          <a:blip r:embed="rId2"/>
-          <a:stretch>
-            <a:fillRect/>
-          </a:stretch>
-        </p:blipFill>
-        <p:spPr>
-          <a:xfrm>
-            <a:off x="6098745" y="2147098"/>
-            <a:ext cx="5684299" cy="4248634"/>
-          </a:xfrm>
-          <a:prstGeom prst="rect">
-            <a:avLst/>
-          </a:prstGeom>
-        </p:spPr>
-      </p:pic>
     </p:spTree>
     <p:extLst>
       <p:ext uri="{BB962C8B-B14F-4D97-AF65-F5344CB8AC3E}">
-        <p14:creationId xmlns:p14="http://schemas.microsoft.com/office/powerpoint/2010/main" val="1405366187"/>
+        <p14:creationId xmlns:p14="http://schemas.microsoft.com/office/powerpoint/2010/main" val="3905041627"/>
       </p:ext>
     </p:extLst>
   </p:cSld>
@@ -14666,1030 +15113,7 @@
 </p:sld>
 </file>
 
-<file path=ppt/slides/slide18.xml><?xml version="1.0" encoding="utf-8"?>
-<p:sld xmlns:a="http://schemas.openxmlformats.org/drawingml/2006/main" xmlns:r="http://schemas.openxmlformats.org/officeDocument/2006/relationships" xmlns:p="http://schemas.openxmlformats.org/presentationml/2006/main">
-  <p:cSld>
-    <p:spTree>
-      <p:nvGrpSpPr>
-        <p:cNvPr id="1" name=""/>
-        <p:cNvGrpSpPr/>
-        <p:nvPr/>
-      </p:nvGrpSpPr>
-      <p:grpSpPr>
-        <a:xfrm>
-          <a:off x="0" y="0"/>
-          <a:ext cx="0" cy="0"/>
-          <a:chOff x="0" y="0"/>
-          <a:chExt cx="0" cy="0"/>
-        </a:xfrm>
-      </p:grpSpPr>
-      <p:sp>
-        <p:nvSpPr>
-          <p:cNvPr id="2" name="Title 1">
-            <a:extLst>
-              <a:ext uri="{FF2B5EF4-FFF2-40B4-BE49-F238E27FC236}">
-                <a16:creationId xmlns:a16="http://schemas.microsoft.com/office/drawing/2014/main" id="{118CBBA9-49D2-4262-9114-D0D47E7D522A}"/>
-              </a:ext>
-            </a:extLst>
-          </p:cNvPr>
-          <p:cNvSpPr>
-            <a:spLocks noGrp="1"/>
-          </p:cNvSpPr>
-          <p:nvPr>
-            <p:ph type="title"/>
-          </p:nvPr>
-        </p:nvSpPr>
-        <p:spPr/>
-        <p:txBody>
-          <a:bodyPr/>
-          <a:lstStyle/>
-          <a:p>
-            <a:r>
-              <a:rPr lang="en-AU" dirty="0"/>
-              <a:t>Approach</a:t>
-            </a:r>
-          </a:p>
-        </p:txBody>
-      </p:sp>
-      <p:sp>
-        <p:nvSpPr>
-          <p:cNvPr id="3" name="Content Placeholder 2">
-            <a:extLst>
-              <a:ext uri="{FF2B5EF4-FFF2-40B4-BE49-F238E27FC236}">
-                <a16:creationId xmlns:a16="http://schemas.microsoft.com/office/drawing/2014/main" id="{1E6F3B36-FA1C-4A44-8799-54720A510D55}"/>
-              </a:ext>
-            </a:extLst>
-          </p:cNvPr>
-          <p:cNvSpPr>
-            <a:spLocks noGrp="1"/>
-          </p:cNvSpPr>
-          <p:nvPr>
-            <p:ph idx="1"/>
-          </p:nvPr>
-        </p:nvSpPr>
-        <p:spPr>
-          <a:xfrm>
-            <a:off x="1218883" y="1701797"/>
-            <a:ext cx="4155449" cy="4462272"/>
-          </a:xfrm>
-        </p:spPr>
-        <p:txBody>
-          <a:bodyPr/>
-          <a:lstStyle/>
-          <a:p>
-            <a:r>
-              <a:rPr lang="en-AU" dirty="0"/>
-              <a:t>Understand Data</a:t>
-            </a:r>
-          </a:p>
-        </p:txBody>
-      </p:sp>
-      <p:pic>
-        <p:nvPicPr>
-          <p:cNvPr id="7" name="Picture 6"/>
-          <p:cNvPicPr>
-            <a:picLocks noChangeAspect="1"/>
-          </p:cNvPicPr>
-          <p:nvPr/>
-        </p:nvPicPr>
-        <p:blipFill>
-          <a:blip r:embed="rId2"/>
-          <a:stretch>
-            <a:fillRect/>
-          </a:stretch>
-        </p:blipFill>
-        <p:spPr>
-          <a:xfrm>
-            <a:off x="6611558" y="2578308"/>
-            <a:ext cx="5171486" cy="3899809"/>
-          </a:xfrm>
-          <a:prstGeom prst="rect">
-            <a:avLst/>
-          </a:prstGeom>
-        </p:spPr>
-      </p:pic>
-      <p:pic>
-        <p:nvPicPr>
-          <p:cNvPr id="8" name="Picture 7"/>
-          <p:cNvPicPr>
-            <a:picLocks noChangeAspect="1"/>
-          </p:cNvPicPr>
-          <p:nvPr/>
-        </p:nvPicPr>
-        <p:blipFill>
-          <a:blip r:embed="rId3"/>
-          <a:stretch>
-            <a:fillRect/>
-          </a:stretch>
-        </p:blipFill>
-        <p:spPr>
-          <a:xfrm>
-            <a:off x="981844" y="2569130"/>
-            <a:ext cx="5197666" cy="3908988"/>
-          </a:xfrm>
-          <a:prstGeom prst="rect">
-            <a:avLst/>
-          </a:prstGeom>
-        </p:spPr>
-      </p:pic>
-      <p:cxnSp>
-        <p:nvCxnSpPr>
-          <p:cNvPr id="12" name="Straight Arrow Connector 11"/>
-          <p:cNvCxnSpPr/>
-          <p:nvPr/>
-        </p:nvCxnSpPr>
-        <p:spPr>
-          <a:xfrm flipV="1">
-            <a:off x="3718148" y="3789040"/>
-            <a:ext cx="1440160" cy="360040"/>
-          </a:xfrm>
-          <a:prstGeom prst="straightConnector1">
-            <a:avLst/>
-          </a:prstGeom>
-          <a:ln w="25400">
-            <a:tailEnd type="triangle"/>
-          </a:ln>
-        </p:spPr>
-        <p:style>
-          <a:lnRef idx="1">
-            <a:schemeClr val="accent1"/>
-          </a:lnRef>
-          <a:fillRef idx="0">
-            <a:schemeClr val="accent1"/>
-          </a:fillRef>
-          <a:effectRef idx="0">
-            <a:schemeClr val="accent1"/>
-          </a:effectRef>
-          <a:fontRef idx="minor">
-            <a:schemeClr val="tx1"/>
-          </a:fontRef>
-        </p:style>
-      </p:cxnSp>
-      <p:cxnSp>
-        <p:nvCxnSpPr>
-          <p:cNvPr id="13" name="Straight Arrow Connector 12"/>
-          <p:cNvCxnSpPr/>
-          <p:nvPr/>
-        </p:nvCxnSpPr>
-        <p:spPr>
-          <a:xfrm flipV="1">
-            <a:off x="3718148" y="3073755"/>
-            <a:ext cx="1872208" cy="895305"/>
-          </a:xfrm>
-          <a:prstGeom prst="straightConnector1">
-            <a:avLst/>
-          </a:prstGeom>
-          <a:ln w="25400">
-            <a:tailEnd type="triangle"/>
-          </a:ln>
-        </p:spPr>
-        <p:style>
-          <a:lnRef idx="1">
-            <a:schemeClr val="accent1"/>
-          </a:lnRef>
-          <a:fillRef idx="0">
-            <a:schemeClr val="accent1"/>
-          </a:fillRef>
-          <a:effectRef idx="0">
-            <a:schemeClr val="accent1"/>
-          </a:effectRef>
-          <a:fontRef idx="minor">
-            <a:schemeClr val="tx1"/>
-          </a:fontRef>
-        </p:style>
-      </p:cxnSp>
-      <p:sp>
-        <p:nvSpPr>
-          <p:cNvPr id="15" name="TextBox 14"/>
-          <p:cNvSpPr txBox="1"/>
-          <p:nvPr/>
-        </p:nvSpPr>
-        <p:spPr>
-          <a:xfrm>
-            <a:off x="1934753" y="3569517"/>
-            <a:ext cx="1956433" cy="954107"/>
-          </a:xfrm>
-          <a:prstGeom prst="rect">
-            <a:avLst/>
-          </a:prstGeom>
-          <a:noFill/>
-        </p:spPr>
-        <p:txBody>
-          <a:bodyPr wrap="none" rtlCol="0">
-            <a:spAutoFit/>
-          </a:bodyPr>
-          <a:lstStyle/>
-          <a:p>
-            <a:r>
-              <a:rPr lang="en-AU" sz="2800" dirty="0">
-                <a:solidFill>
-                  <a:schemeClr val="bg1"/>
-                </a:solidFill>
-              </a:rPr>
-              <a:t>Unusual for </a:t>
-            </a:r>
-          </a:p>
-          <a:p>
-            <a:r>
-              <a:rPr lang="en-AU" sz="2800" dirty="0">
-                <a:solidFill>
-                  <a:schemeClr val="bg1"/>
-                </a:solidFill>
-              </a:rPr>
-              <a:t>residential!</a:t>
-            </a:r>
-          </a:p>
-        </p:txBody>
-      </p:sp>
-    </p:spTree>
-    <p:extLst>
-      <p:ext uri="{BB962C8B-B14F-4D97-AF65-F5344CB8AC3E}">
-        <p14:creationId xmlns:p14="http://schemas.microsoft.com/office/powerpoint/2010/main" val="4179340335"/>
-      </p:ext>
-    </p:extLst>
-  </p:cSld>
-  <p:clrMapOvr>
-    <a:masterClrMapping/>
-  </p:clrMapOvr>
-  <mc:AlternateContent xmlns:mc="http://schemas.openxmlformats.org/markup-compatibility/2006" xmlns:p14="http://schemas.microsoft.com/office/powerpoint/2010/main">
-    <mc:Choice Requires="p14">
-      <p:transition spd="med" p14:dur="700">
-        <p:fade/>
-      </p:transition>
-    </mc:Choice>
-    <mc:Fallback xmlns="">
-      <p:transition spd="med">
-        <p:fade/>
-      </p:transition>
-    </mc:Fallback>
-  </mc:AlternateContent>
-</p:sld>
-</file>
-
-<file path=ppt/slides/slide19.xml><?xml version="1.0" encoding="utf-8"?>
-<p:sld xmlns:a="http://schemas.openxmlformats.org/drawingml/2006/main" xmlns:r="http://schemas.openxmlformats.org/officeDocument/2006/relationships" xmlns:p="http://schemas.openxmlformats.org/presentationml/2006/main">
-  <p:cSld>
-    <p:spTree>
-      <p:nvGrpSpPr>
-        <p:cNvPr id="1" name=""/>
-        <p:cNvGrpSpPr/>
-        <p:nvPr/>
-      </p:nvGrpSpPr>
-      <p:grpSpPr>
-        <a:xfrm>
-          <a:off x="0" y="0"/>
-          <a:ext cx="0" cy="0"/>
-          <a:chOff x="0" y="0"/>
-          <a:chExt cx="0" cy="0"/>
-        </a:xfrm>
-      </p:grpSpPr>
-      <p:sp>
-        <p:nvSpPr>
-          <p:cNvPr id="2" name="Title 1">
-            <a:extLst>
-              <a:ext uri="{FF2B5EF4-FFF2-40B4-BE49-F238E27FC236}">
-                <a16:creationId xmlns:a16="http://schemas.microsoft.com/office/drawing/2014/main" id="{118CBBA9-49D2-4262-9114-D0D47E7D522A}"/>
-              </a:ext>
-            </a:extLst>
-          </p:cNvPr>
-          <p:cNvSpPr>
-            <a:spLocks noGrp="1"/>
-          </p:cNvSpPr>
-          <p:nvPr>
-            <p:ph type="title"/>
-          </p:nvPr>
-        </p:nvSpPr>
-        <p:spPr/>
-        <p:txBody>
-          <a:bodyPr/>
-          <a:lstStyle/>
-          <a:p>
-            <a:r>
-              <a:rPr lang="en-AU" dirty="0"/>
-              <a:t>Approach</a:t>
-            </a:r>
-          </a:p>
-        </p:txBody>
-      </p:sp>
-      <p:sp>
-        <p:nvSpPr>
-          <p:cNvPr id="3" name="Content Placeholder 2">
-            <a:extLst>
-              <a:ext uri="{FF2B5EF4-FFF2-40B4-BE49-F238E27FC236}">
-                <a16:creationId xmlns:a16="http://schemas.microsoft.com/office/drawing/2014/main" id="{1E6F3B36-FA1C-4A44-8799-54720A510D55}"/>
-              </a:ext>
-            </a:extLst>
-          </p:cNvPr>
-          <p:cNvSpPr>
-            <a:spLocks noGrp="1"/>
-          </p:cNvSpPr>
-          <p:nvPr>
-            <p:ph idx="1"/>
-          </p:nvPr>
-        </p:nvSpPr>
-        <p:spPr>
-          <a:xfrm>
-            <a:off x="1218883" y="1701797"/>
-            <a:ext cx="10420145" cy="575075"/>
-          </a:xfrm>
-        </p:spPr>
-        <p:txBody>
-          <a:bodyPr/>
-          <a:lstStyle/>
-          <a:p>
-            <a:r>
-              <a:rPr lang="en-AU" dirty="0"/>
-              <a:t>sample size in these years (&lt;100) skews the mean installation size</a:t>
-            </a:r>
-          </a:p>
-        </p:txBody>
-      </p:sp>
-      <p:pic>
-        <p:nvPicPr>
-          <p:cNvPr id="8" name="Picture 7"/>
-          <p:cNvPicPr>
-            <a:picLocks noChangeAspect="1"/>
-          </p:cNvPicPr>
-          <p:nvPr/>
-        </p:nvPicPr>
-        <p:blipFill>
-          <a:blip r:embed="rId2"/>
-          <a:stretch>
-            <a:fillRect/>
-          </a:stretch>
-        </p:blipFill>
-        <p:spPr>
-          <a:xfrm>
-            <a:off x="981844" y="2569130"/>
-            <a:ext cx="5197666" cy="3908988"/>
-          </a:xfrm>
-          <a:prstGeom prst="rect">
-            <a:avLst/>
-          </a:prstGeom>
-        </p:spPr>
-      </p:pic>
-      <p:pic>
-        <p:nvPicPr>
-          <p:cNvPr id="16" name="Picture 15"/>
-          <p:cNvPicPr>
-            <a:picLocks noChangeAspect="1"/>
-          </p:cNvPicPr>
-          <p:nvPr/>
-        </p:nvPicPr>
-        <p:blipFill>
-          <a:blip r:embed="rId3"/>
-          <a:stretch>
-            <a:fillRect/>
-          </a:stretch>
-        </p:blipFill>
-        <p:spPr>
-          <a:xfrm>
-            <a:off x="6308446" y="2569130"/>
-            <a:ext cx="5197642" cy="3877385"/>
-          </a:xfrm>
-          <a:prstGeom prst="rect">
-            <a:avLst/>
-          </a:prstGeom>
-        </p:spPr>
-      </p:pic>
-      <p:cxnSp>
-        <p:nvCxnSpPr>
-          <p:cNvPr id="12" name="Straight Arrow Connector 11"/>
-          <p:cNvCxnSpPr/>
-          <p:nvPr/>
-        </p:nvCxnSpPr>
-        <p:spPr>
-          <a:xfrm>
-            <a:off x="5503268" y="3717032"/>
-            <a:ext cx="4335560" cy="2088232"/>
-          </a:xfrm>
-          <a:prstGeom prst="straightConnector1">
-            <a:avLst/>
-          </a:prstGeom>
-          <a:ln w="25400">
-            <a:tailEnd type="triangle"/>
-          </a:ln>
-        </p:spPr>
-        <p:style>
-          <a:lnRef idx="1">
-            <a:schemeClr val="accent1"/>
-          </a:lnRef>
-          <a:fillRef idx="0">
-            <a:schemeClr val="accent1"/>
-          </a:fillRef>
-          <a:effectRef idx="0">
-            <a:schemeClr val="accent1"/>
-          </a:effectRef>
-          <a:fontRef idx="minor">
-            <a:schemeClr val="tx1"/>
-          </a:fontRef>
-        </p:style>
-      </p:cxnSp>
-      <p:cxnSp>
-        <p:nvCxnSpPr>
-          <p:cNvPr id="13" name="Straight Arrow Connector 12"/>
-          <p:cNvCxnSpPr/>
-          <p:nvPr/>
-        </p:nvCxnSpPr>
-        <p:spPr>
-          <a:xfrm>
-            <a:off x="5878388" y="3044178"/>
-            <a:ext cx="4752528" cy="2829263"/>
-          </a:xfrm>
-          <a:prstGeom prst="straightConnector1">
-            <a:avLst/>
-          </a:prstGeom>
-          <a:ln w="25400">
-            <a:solidFill>
-              <a:srgbClr val="0070C0"/>
-            </a:solidFill>
-            <a:tailEnd type="triangle"/>
-          </a:ln>
-        </p:spPr>
-        <p:style>
-          <a:lnRef idx="1">
-            <a:schemeClr val="accent1"/>
-          </a:lnRef>
-          <a:fillRef idx="0">
-            <a:schemeClr val="accent1"/>
-          </a:fillRef>
-          <a:effectRef idx="0">
-            <a:schemeClr val="accent1"/>
-          </a:effectRef>
-          <a:fontRef idx="minor">
-            <a:schemeClr val="tx1"/>
-          </a:fontRef>
-        </p:style>
-      </p:cxnSp>
-    </p:spTree>
-    <p:extLst>
-      <p:ext uri="{BB962C8B-B14F-4D97-AF65-F5344CB8AC3E}">
-        <p14:creationId xmlns:p14="http://schemas.microsoft.com/office/powerpoint/2010/main" val="2103760840"/>
-      </p:ext>
-    </p:extLst>
-  </p:cSld>
-  <p:clrMapOvr>
-    <a:masterClrMapping/>
-  </p:clrMapOvr>
-  <mc:AlternateContent xmlns:mc="http://schemas.openxmlformats.org/markup-compatibility/2006" xmlns:p14="http://schemas.microsoft.com/office/powerpoint/2010/main">
-    <mc:Choice Requires="p14">
-      <p:transition spd="med" p14:dur="700">
-        <p:fade/>
-      </p:transition>
-    </mc:Choice>
-    <mc:Fallback xmlns="">
-      <p:transition spd="med">
-        <p:fade/>
-      </p:transition>
-    </mc:Fallback>
-  </mc:AlternateContent>
-</p:sld>
-</file>
-
-<file path=ppt/slides/slide2.xml><?xml version="1.0" encoding="utf-8"?>
-<p:sld xmlns:a="http://schemas.openxmlformats.org/drawingml/2006/main" xmlns:r="http://schemas.openxmlformats.org/officeDocument/2006/relationships" xmlns:p="http://schemas.openxmlformats.org/presentationml/2006/main">
-  <p:cSld>
-    <p:spTree>
-      <p:nvGrpSpPr>
-        <p:cNvPr id="1" name=""/>
-        <p:cNvGrpSpPr/>
-        <p:nvPr/>
-      </p:nvGrpSpPr>
-      <p:grpSpPr>
-        <a:xfrm>
-          <a:off x="0" y="0"/>
-          <a:ext cx="0" cy="0"/>
-          <a:chOff x="0" y="0"/>
-          <a:chExt cx="0" cy="0"/>
-        </a:xfrm>
-      </p:grpSpPr>
-      <p:sp>
-        <p:nvSpPr>
-          <p:cNvPr id="4" name="Content Placeholder 2">
-            <a:extLst>
-              <a:ext uri="{FF2B5EF4-FFF2-40B4-BE49-F238E27FC236}">
-                <a16:creationId xmlns:a16="http://schemas.microsoft.com/office/drawing/2014/main" id="{1E6F3B36-FA1C-4A44-8799-54720A510D55}"/>
-              </a:ext>
-            </a:extLst>
-          </p:cNvPr>
-          <p:cNvSpPr txBox="1">
-            <a:spLocks/>
-          </p:cNvSpPr>
-          <p:nvPr/>
-        </p:nvSpPr>
-        <p:spPr>
-          <a:xfrm>
-            <a:off x="909836" y="476672"/>
-            <a:ext cx="11017224" cy="4679531"/>
-          </a:xfrm>
-          <a:prstGeom prst="rect">
-            <a:avLst/>
-          </a:prstGeom>
-        </p:spPr>
-        <p:txBody>
-          <a:bodyPr numCol="3">
-            <a:normAutofit/>
-          </a:bodyPr>
-          <a:lstStyle>
-            <a:lvl1pPr marL="304747" indent="-304747" algn="l" defTabSz="1218987" rtl="0" eaLnBrk="1" latinLnBrk="0" hangingPunct="1">
-              <a:lnSpc>
-                <a:spcPct val="90000"/>
-              </a:lnSpc>
-              <a:spcBef>
-                <a:spcPts val="1600"/>
-              </a:spcBef>
-              <a:buClr>
-                <a:schemeClr val="accent1"/>
-              </a:buClr>
-              <a:buSzPct val="100000"/>
-              <a:buFont typeface="Arial" pitchFamily="34" charset="0"/>
-              <a:buChar char="•"/>
-              <a:defRPr sz="2800" kern="1200">
-                <a:solidFill>
-                  <a:schemeClr val="tx1"/>
-                </a:solidFill>
-                <a:latin typeface="+mn-lt"/>
-                <a:ea typeface="+mn-ea"/>
-                <a:cs typeface="+mn-cs"/>
-              </a:defRPr>
-            </a:lvl1pPr>
-            <a:lvl2pPr marL="609493" indent="-231607" algn="l" defTabSz="1218987" rtl="0" eaLnBrk="1" latinLnBrk="0" hangingPunct="1">
-              <a:lnSpc>
-                <a:spcPct val="90000"/>
-              </a:lnSpc>
-              <a:spcBef>
-                <a:spcPts val="800"/>
-              </a:spcBef>
-              <a:buClr>
-                <a:schemeClr val="accent1"/>
-              </a:buClr>
-              <a:buSzPct val="80000"/>
-              <a:buFont typeface="Arial" pitchFamily="34" charset="0"/>
-              <a:buChar char="•"/>
-              <a:defRPr sz="2400" kern="1200">
-                <a:solidFill>
-                  <a:schemeClr val="tx1"/>
-                </a:solidFill>
-                <a:latin typeface="+mn-lt"/>
-                <a:ea typeface="+mn-ea"/>
-                <a:cs typeface="+mn-cs"/>
-              </a:defRPr>
-            </a:lvl2pPr>
-            <a:lvl3pPr marL="914240" indent="-231607" algn="l" defTabSz="1218987" rtl="0" eaLnBrk="1" latinLnBrk="0" hangingPunct="1">
-              <a:lnSpc>
-                <a:spcPct val="90000"/>
-              </a:lnSpc>
-              <a:spcBef>
-                <a:spcPts val="800"/>
-              </a:spcBef>
-              <a:buClr>
-                <a:schemeClr val="accent1"/>
-              </a:buClr>
-              <a:buSzPct val="80000"/>
-              <a:buFont typeface="Arial" pitchFamily="34" charset="0"/>
-              <a:buChar char="•"/>
-              <a:defRPr sz="2000" kern="1200">
-                <a:solidFill>
-                  <a:schemeClr val="tx1"/>
-                </a:solidFill>
-                <a:latin typeface="+mn-lt"/>
-                <a:ea typeface="+mn-ea"/>
-                <a:cs typeface="+mn-cs"/>
-              </a:defRPr>
-            </a:lvl3pPr>
-            <a:lvl4pPr marL="1218987" indent="-231607" algn="l" defTabSz="1218987" rtl="0" eaLnBrk="1" latinLnBrk="0" hangingPunct="1">
-              <a:lnSpc>
-                <a:spcPct val="90000"/>
-              </a:lnSpc>
-              <a:spcBef>
-                <a:spcPts val="800"/>
-              </a:spcBef>
-              <a:buClr>
-                <a:schemeClr val="accent1"/>
-              </a:buClr>
-              <a:buSzPct val="80000"/>
-              <a:buFont typeface="Arial" pitchFamily="34" charset="0"/>
-              <a:buChar char="•"/>
-              <a:defRPr sz="2000" kern="1200">
-                <a:solidFill>
-                  <a:schemeClr val="tx1"/>
-                </a:solidFill>
-                <a:latin typeface="+mn-lt"/>
-                <a:ea typeface="+mn-ea"/>
-                <a:cs typeface="+mn-cs"/>
-              </a:defRPr>
-            </a:lvl4pPr>
-            <a:lvl5pPr marL="1523733" indent="-231607" algn="l" defTabSz="1218987" rtl="0" eaLnBrk="1" latinLnBrk="0" hangingPunct="1">
-              <a:lnSpc>
-                <a:spcPct val="90000"/>
-              </a:lnSpc>
-              <a:spcBef>
-                <a:spcPts val="800"/>
-              </a:spcBef>
-              <a:buClr>
-                <a:schemeClr val="accent1"/>
-              </a:buClr>
-              <a:buSzPct val="80000"/>
-              <a:buFont typeface="Arial" pitchFamily="34" charset="0"/>
-              <a:buChar char="•"/>
-              <a:defRPr sz="2000" kern="1200">
-                <a:solidFill>
-                  <a:schemeClr val="tx1"/>
-                </a:solidFill>
-                <a:latin typeface="+mn-lt"/>
-                <a:ea typeface="+mn-ea"/>
-                <a:cs typeface="+mn-cs"/>
-              </a:defRPr>
-            </a:lvl5pPr>
-            <a:lvl6pPr marL="1828480" indent="-231607" algn="l" defTabSz="1218987" rtl="0" eaLnBrk="1" latinLnBrk="0" hangingPunct="1">
-              <a:lnSpc>
-                <a:spcPct val="90000"/>
-              </a:lnSpc>
-              <a:spcBef>
-                <a:spcPts val="800"/>
-              </a:spcBef>
-              <a:buClr>
-                <a:schemeClr val="accent1"/>
-              </a:buClr>
-              <a:buSzPct val="80000"/>
-              <a:buFont typeface="Arial" pitchFamily="34" charset="0"/>
-              <a:buChar char="•"/>
-              <a:defRPr sz="2000" kern="1200">
-                <a:solidFill>
-                  <a:schemeClr val="tx1"/>
-                </a:solidFill>
-                <a:latin typeface="+mn-lt"/>
-                <a:ea typeface="+mn-ea"/>
-                <a:cs typeface="+mn-cs"/>
-              </a:defRPr>
-            </a:lvl6pPr>
-            <a:lvl7pPr marL="2133227" indent="-231607" algn="l" defTabSz="1218987" rtl="0" eaLnBrk="1" latinLnBrk="0" hangingPunct="1">
-              <a:lnSpc>
-                <a:spcPct val="90000"/>
-              </a:lnSpc>
-              <a:spcBef>
-                <a:spcPts val="800"/>
-              </a:spcBef>
-              <a:buClr>
-                <a:schemeClr val="accent1"/>
-              </a:buClr>
-              <a:buSzPct val="80000"/>
-              <a:buFont typeface="Arial" pitchFamily="34" charset="0"/>
-              <a:buChar char="•"/>
-              <a:defRPr sz="2000" kern="1200">
-                <a:solidFill>
-                  <a:schemeClr val="tx1"/>
-                </a:solidFill>
-                <a:latin typeface="+mn-lt"/>
-                <a:ea typeface="+mn-ea"/>
-                <a:cs typeface="+mn-cs"/>
-              </a:defRPr>
-            </a:lvl7pPr>
-            <a:lvl8pPr marL="2437973" indent="-231607" algn="l" defTabSz="1218987" rtl="0" eaLnBrk="1" latinLnBrk="0" hangingPunct="1">
-              <a:lnSpc>
-                <a:spcPct val="90000"/>
-              </a:lnSpc>
-              <a:spcBef>
-                <a:spcPts val="800"/>
-              </a:spcBef>
-              <a:buClr>
-                <a:schemeClr val="accent1"/>
-              </a:buClr>
-              <a:buSzPct val="80000"/>
-              <a:buFont typeface="Arial" pitchFamily="34" charset="0"/>
-              <a:buChar char="•"/>
-              <a:defRPr sz="2000" kern="1200" baseline="0">
-                <a:solidFill>
-                  <a:schemeClr val="tx1"/>
-                </a:solidFill>
-                <a:latin typeface="+mn-lt"/>
-                <a:ea typeface="+mn-ea"/>
-                <a:cs typeface="+mn-cs"/>
-              </a:defRPr>
-            </a:lvl8pPr>
-            <a:lvl9pPr marL="2742720" indent="-231607" algn="l" defTabSz="1218987" rtl="0" eaLnBrk="1" latinLnBrk="0" hangingPunct="1">
-              <a:lnSpc>
-                <a:spcPct val="90000"/>
-              </a:lnSpc>
-              <a:spcBef>
-                <a:spcPts val="800"/>
-              </a:spcBef>
-              <a:buClr>
-                <a:schemeClr val="accent1"/>
-              </a:buClr>
-              <a:buSzPct val="80000"/>
-              <a:buFont typeface="Arial" pitchFamily="34" charset="0"/>
-              <a:buChar char="•"/>
-              <a:defRPr sz="2000" kern="1200" baseline="0">
-                <a:solidFill>
-                  <a:schemeClr val="tx1"/>
-                </a:solidFill>
-                <a:latin typeface="+mn-lt"/>
-                <a:ea typeface="+mn-ea"/>
-                <a:cs typeface="+mn-cs"/>
-              </a:defRPr>
-            </a:lvl9pPr>
-          </a:lstStyle>
-          <a:p>
-            <a:pPr marL="0" indent="0" algn="ctr">
-              <a:buFont typeface="Arial" pitchFamily="34" charset="0"/>
-              <a:buNone/>
-            </a:pPr>
-            <a:r>
-              <a:rPr lang="en-AU" u="sng" dirty="0"/>
-              <a:t>Team </a:t>
-            </a:r>
-            <a:r>
-              <a:rPr lang="en-AU" u="sng" dirty="0" err="1"/>
-              <a:t>UnicorNN</a:t>
-            </a:r>
-            <a:endParaRPr lang="en-AU" u="sng" dirty="0"/>
-          </a:p>
-          <a:p>
-            <a:pPr>
-              <a:buFontTx/>
-              <a:buChar char="-"/>
-            </a:pPr>
-            <a:r>
-              <a:rPr lang="en-AU" dirty="0"/>
-              <a:t>Sofia Sibanic</a:t>
-            </a:r>
-          </a:p>
-          <a:p>
-            <a:pPr marL="0" indent="0">
-              <a:buNone/>
-            </a:pPr>
-            <a:r>
-              <a:rPr lang="en-AU" sz="2000" dirty="0"/>
-              <a:t>Electrical Engineer (Western Power) looking to broaden her skillset and apply learnings from fast.ai.</a:t>
-            </a:r>
-          </a:p>
-          <a:p>
-            <a:pPr>
-              <a:buFontTx/>
-              <a:buChar char="-"/>
-            </a:pPr>
-            <a:endParaRPr lang="en-AU" dirty="0"/>
-          </a:p>
-          <a:p>
-            <a:pPr>
-              <a:buFontTx/>
-              <a:buChar char="-"/>
-            </a:pPr>
-            <a:endParaRPr lang="en-AU" dirty="0"/>
-          </a:p>
-          <a:p>
-            <a:pPr>
-              <a:buFontTx/>
-              <a:buChar char="-"/>
-            </a:pPr>
-            <a:endParaRPr lang="en-AU" dirty="0"/>
-          </a:p>
-          <a:p>
-            <a:pPr>
-              <a:buFontTx/>
-              <a:buChar char="-"/>
-            </a:pPr>
-            <a:endParaRPr lang="en-AU" dirty="0"/>
-          </a:p>
-          <a:p>
-            <a:pPr>
-              <a:buFontTx/>
-              <a:buChar char="-"/>
-            </a:pPr>
-            <a:r>
-              <a:rPr lang="en-AU" dirty="0"/>
-              <a:t>Adrian Goldberg</a:t>
-            </a:r>
-          </a:p>
-          <a:p>
-            <a:pPr marL="0" indent="0">
-              <a:buNone/>
-            </a:pPr>
-            <a:r>
-              <a:rPr lang="en-AU" sz="2000" dirty="0"/>
-              <a:t>Geophysicist (Santos) with &gt;10 years programming and ~2 years deep learning experience.</a:t>
-            </a:r>
-          </a:p>
-          <a:p>
-            <a:pPr marL="0" indent="0">
-              <a:buNone/>
-            </a:pPr>
-            <a:endParaRPr lang="en-AU" dirty="0"/>
-          </a:p>
-          <a:p>
-            <a:pPr>
-              <a:buFontTx/>
-              <a:buChar char="-"/>
-            </a:pPr>
-            <a:endParaRPr lang="en-AU" dirty="0"/>
-          </a:p>
-          <a:p>
-            <a:pPr>
-              <a:buFontTx/>
-              <a:buChar char="-"/>
-            </a:pPr>
-            <a:endParaRPr lang="en-AU" dirty="0"/>
-          </a:p>
-          <a:p>
-            <a:pPr>
-              <a:buFontTx/>
-              <a:buChar char="-"/>
-            </a:pPr>
-            <a:endParaRPr lang="en-AU" dirty="0"/>
-          </a:p>
-          <a:p>
-            <a:pPr>
-              <a:buFontTx/>
-              <a:buChar char="-"/>
-            </a:pPr>
-            <a:endParaRPr lang="en-AU" dirty="0"/>
-          </a:p>
-          <a:p>
-            <a:pPr>
-              <a:buFontTx/>
-              <a:buChar char="-"/>
-            </a:pPr>
-            <a:r>
-              <a:rPr lang="en-AU" dirty="0"/>
-              <a:t>Jordan Pratt</a:t>
-            </a:r>
-          </a:p>
-          <a:p>
-            <a:pPr marL="0" indent="0">
-              <a:buNone/>
-            </a:pPr>
-            <a:r>
-              <a:rPr lang="en-AU" sz="2000" dirty="0"/>
-              <a:t>Data Strategy Analyst (Western Power) looking to expand personal skills.</a:t>
-            </a:r>
-          </a:p>
-          <a:p>
-            <a:pPr marL="0" indent="0">
-              <a:buNone/>
-            </a:pPr>
-            <a:endParaRPr lang="en-AU" dirty="0"/>
-          </a:p>
-        </p:txBody>
-      </p:sp>
-      <p:pic>
-        <p:nvPicPr>
-          <p:cNvPr id="6" name="Picture 5"/>
-          <p:cNvPicPr>
-            <a:picLocks noChangeAspect="1"/>
-          </p:cNvPicPr>
-          <p:nvPr/>
-        </p:nvPicPr>
-        <p:blipFill>
-          <a:blip r:embed="rId2" cstate="print">
-            <a:extLst>
-              <a:ext uri="{28A0092B-C50C-407E-A947-70E740481C1C}">
-                <a14:useLocalDpi xmlns:a14="http://schemas.microsoft.com/office/drawing/2010/main" val="0"/>
-              </a:ext>
-            </a:extLst>
-          </a:blip>
-          <a:stretch>
-            <a:fillRect/>
-          </a:stretch>
-        </p:blipFill>
-        <p:spPr>
-          <a:xfrm>
-            <a:off x="1053852" y="3180539"/>
-            <a:ext cx="2654605" cy="2474700"/>
-          </a:xfrm>
-          <a:prstGeom prst="rect">
-            <a:avLst/>
-          </a:prstGeom>
-          <a:ln w="38100" cap="sq">
-            <a:solidFill>
-              <a:srgbClr val="000000"/>
-            </a:solidFill>
-            <a:prstDash val="solid"/>
-            <a:miter lim="800000"/>
-          </a:ln>
-          <a:effectLst>
-            <a:outerShdw blurRad="50800" dist="38100" dir="2700000" algn="tl" rotWithShape="0">
-              <a:srgbClr val="000000">
-                <a:alpha val="43000"/>
-              </a:srgbClr>
-            </a:outerShdw>
-          </a:effectLst>
-        </p:spPr>
-      </p:pic>
-      <p:pic>
-        <p:nvPicPr>
-          <p:cNvPr id="2" name="Picture 1"/>
-          <p:cNvPicPr>
-            <a:picLocks noChangeAspect="1"/>
-          </p:cNvPicPr>
-          <p:nvPr/>
-        </p:nvPicPr>
-        <p:blipFill>
-          <a:blip r:embed="rId3">
-            <a:extLst>
-              <a:ext uri="{28A0092B-C50C-407E-A947-70E740481C1C}">
-                <a14:useLocalDpi xmlns:a14="http://schemas.microsoft.com/office/drawing/2010/main" val="0"/>
-              </a:ext>
-            </a:extLst>
-          </a:blip>
-          <a:stretch>
-            <a:fillRect/>
-          </a:stretch>
-        </p:blipFill>
-        <p:spPr>
-          <a:xfrm>
-            <a:off x="8902724" y="3113073"/>
-            <a:ext cx="1841784" cy="2474700"/>
-          </a:xfrm>
-          <a:prstGeom prst="rect">
-            <a:avLst/>
-          </a:prstGeom>
-          <a:ln w="38100" cap="sq">
-            <a:solidFill>
-              <a:srgbClr val="000000"/>
-            </a:solidFill>
-            <a:prstDash val="solid"/>
-            <a:miter lim="800000"/>
-          </a:ln>
-          <a:effectLst>
-            <a:outerShdw blurRad="50800" dist="38100" dir="2700000" algn="tl" rotWithShape="0">
-              <a:srgbClr val="000000">
-                <a:alpha val="43000"/>
-              </a:srgbClr>
-            </a:outerShdw>
-          </a:effectLst>
-        </p:spPr>
-      </p:pic>
-      <p:pic>
-        <p:nvPicPr>
-          <p:cNvPr id="3" name="Picture 2"/>
-          <p:cNvPicPr>
-            <a:picLocks noChangeAspect="1"/>
-          </p:cNvPicPr>
-          <p:nvPr/>
-        </p:nvPicPr>
-        <p:blipFill>
-          <a:blip r:embed="rId4" cstate="print">
-            <a:extLst>
-              <a:ext uri="{28A0092B-C50C-407E-A947-70E740481C1C}">
-                <a14:useLocalDpi xmlns:a14="http://schemas.microsoft.com/office/drawing/2010/main" val="0"/>
-              </a:ext>
-            </a:extLst>
-          </a:blip>
-          <a:stretch>
-            <a:fillRect/>
-          </a:stretch>
-        </p:blipFill>
-        <p:spPr>
-          <a:xfrm>
-            <a:off x="4654252" y="2816437"/>
-            <a:ext cx="2791837" cy="3202905"/>
-          </a:xfrm>
-          <a:prstGeom prst="rect">
-            <a:avLst/>
-          </a:prstGeom>
-          <a:ln w="38100" cap="sq">
-            <a:solidFill>
-              <a:srgbClr val="000000"/>
-            </a:solidFill>
-            <a:prstDash val="solid"/>
-            <a:miter lim="800000"/>
-          </a:ln>
-          <a:effectLst>
-            <a:outerShdw blurRad="50800" dist="38100" dir="2700000" algn="tl" rotWithShape="0">
-              <a:srgbClr val="000000">
-                <a:alpha val="43000"/>
-              </a:srgbClr>
-            </a:outerShdw>
-          </a:effectLst>
-        </p:spPr>
-      </p:pic>
-    </p:spTree>
-    <p:extLst>
-      <p:ext uri="{BB962C8B-B14F-4D97-AF65-F5344CB8AC3E}">
-        <p14:creationId xmlns:p14="http://schemas.microsoft.com/office/powerpoint/2010/main" val="1452478766"/>
-      </p:ext>
-    </p:extLst>
-  </p:cSld>
-  <p:clrMapOvr>
-    <a:masterClrMapping/>
-  </p:clrMapOvr>
-  <mc:AlternateContent xmlns:mc="http://schemas.openxmlformats.org/markup-compatibility/2006" xmlns:p14="http://schemas.microsoft.com/office/powerpoint/2010/main">
-    <mc:Choice Requires="p14">
-      <p:transition spd="med" p14:dur="700">
-        <p:fade/>
-      </p:transition>
-    </mc:Choice>
-    <mc:Fallback xmlns="">
-      <p:transition spd="med">
-        <p:fade/>
-      </p:transition>
-    </mc:Fallback>
-  </mc:AlternateContent>
-</p:sld>
-</file>
-
-<file path=ppt/slides/slide20.xml><?xml version="1.0" encoding="utf-8"?>
+<file path=ppt/slides/slide17.xml><?xml version="1.0" encoding="utf-8"?>
 <p:sld xmlns:a="http://schemas.openxmlformats.org/drawingml/2006/main" xmlns:r="http://schemas.openxmlformats.org/officeDocument/2006/relationships" xmlns:p="http://schemas.openxmlformats.org/presentationml/2006/main">
   <p:cSld>
     <p:spTree>
@@ -16971,6 +16395,1343 @@
 </p:sld>
 </file>
 
+<file path=ppt/slides/slide18.xml><?xml version="1.0" encoding="utf-8"?>
+<p:sld xmlns:a="http://schemas.openxmlformats.org/drawingml/2006/main" xmlns:r="http://schemas.openxmlformats.org/officeDocument/2006/relationships" xmlns:p="http://schemas.openxmlformats.org/presentationml/2006/main" show="0">
+  <p:cSld>
+    <p:spTree>
+      <p:nvGrpSpPr>
+        <p:cNvPr id="1" name=""/>
+        <p:cNvGrpSpPr/>
+        <p:nvPr/>
+      </p:nvGrpSpPr>
+      <p:grpSpPr>
+        <a:xfrm>
+          <a:off x="0" y="0"/>
+          <a:ext cx="0" cy="0"/>
+          <a:chOff x="0" y="0"/>
+          <a:chExt cx="0" cy="0"/>
+        </a:xfrm>
+      </p:grpSpPr>
+      <p:sp>
+        <p:nvSpPr>
+          <p:cNvPr id="2" name="Title 1">
+            <a:extLst>
+              <a:ext uri="{FF2B5EF4-FFF2-40B4-BE49-F238E27FC236}">
+                <a16:creationId xmlns:a16="http://schemas.microsoft.com/office/drawing/2014/main" id="{118CBBA9-49D2-4262-9114-D0D47E7D522A}"/>
+              </a:ext>
+            </a:extLst>
+          </p:cNvPr>
+          <p:cNvSpPr>
+            <a:spLocks noGrp="1"/>
+          </p:cNvSpPr>
+          <p:nvPr>
+            <p:ph type="title"/>
+          </p:nvPr>
+        </p:nvSpPr>
+        <p:spPr/>
+        <p:txBody>
+          <a:bodyPr/>
+          <a:lstStyle/>
+          <a:p>
+            <a:r>
+              <a:rPr lang="en-AU" dirty="0"/>
+              <a:t>Approach</a:t>
+            </a:r>
+          </a:p>
+        </p:txBody>
+      </p:sp>
+      <p:sp>
+        <p:nvSpPr>
+          <p:cNvPr id="3" name="Content Placeholder 2">
+            <a:extLst>
+              <a:ext uri="{FF2B5EF4-FFF2-40B4-BE49-F238E27FC236}">
+                <a16:creationId xmlns:a16="http://schemas.microsoft.com/office/drawing/2014/main" id="{1E6F3B36-FA1C-4A44-8799-54720A510D55}"/>
+              </a:ext>
+            </a:extLst>
+          </p:cNvPr>
+          <p:cNvSpPr>
+            <a:spLocks noGrp="1"/>
+          </p:cNvSpPr>
+          <p:nvPr>
+            <p:ph idx="1"/>
+          </p:nvPr>
+        </p:nvSpPr>
+        <p:spPr>
+          <a:xfrm>
+            <a:off x="1218883" y="1701797"/>
+            <a:ext cx="4155449" cy="4462272"/>
+          </a:xfrm>
+        </p:spPr>
+        <p:txBody>
+          <a:bodyPr/>
+          <a:lstStyle/>
+          <a:p>
+            <a:r>
+              <a:rPr lang="en-AU" dirty="0"/>
+              <a:t>Understand Data</a:t>
+            </a:r>
+          </a:p>
+        </p:txBody>
+      </p:sp>
+      <p:sp>
+        <p:nvSpPr>
+          <p:cNvPr id="9" name="Content Placeholder 2">
+            <a:extLst>
+              <a:ext uri="{FF2B5EF4-FFF2-40B4-BE49-F238E27FC236}">
+                <a16:creationId xmlns:a16="http://schemas.microsoft.com/office/drawing/2014/main" id="{55F4540C-A796-46DC-BFE3-B3DABF5ED521}"/>
+              </a:ext>
+            </a:extLst>
+          </p:cNvPr>
+          <p:cNvSpPr txBox="1">
+            <a:spLocks/>
+          </p:cNvSpPr>
+          <p:nvPr/>
+        </p:nvSpPr>
+        <p:spPr>
+          <a:xfrm>
+            <a:off x="5158308" y="886618"/>
+            <a:ext cx="6624736" cy="2398366"/>
+          </a:xfrm>
+          <a:prstGeom prst="rect">
+            <a:avLst/>
+          </a:prstGeom>
+        </p:spPr>
+        <p:txBody>
+          <a:bodyPr vert="horz" lIns="121899" tIns="60949" rIns="121899" bIns="60949" rtlCol="0">
+            <a:normAutofit/>
+          </a:bodyPr>
+          <a:lstStyle>
+            <a:lvl1pPr marL="304747" indent="-304747" algn="l" defTabSz="1218987" rtl="0" eaLnBrk="1" latinLnBrk="0" hangingPunct="1">
+              <a:lnSpc>
+                <a:spcPct val="90000"/>
+              </a:lnSpc>
+              <a:spcBef>
+                <a:spcPts val="1600"/>
+              </a:spcBef>
+              <a:buClr>
+                <a:schemeClr val="accent1"/>
+              </a:buClr>
+              <a:buSzPct val="100000"/>
+              <a:buFont typeface="Arial" pitchFamily="34" charset="0"/>
+              <a:buChar char="•"/>
+              <a:defRPr sz="2800" kern="1200">
+                <a:solidFill>
+                  <a:schemeClr val="tx1"/>
+                </a:solidFill>
+                <a:latin typeface="+mn-lt"/>
+                <a:ea typeface="+mn-ea"/>
+                <a:cs typeface="+mn-cs"/>
+              </a:defRPr>
+            </a:lvl1pPr>
+            <a:lvl2pPr marL="609493" indent="-231607" algn="l" defTabSz="1218987" rtl="0" eaLnBrk="1" latinLnBrk="0" hangingPunct="1">
+              <a:lnSpc>
+                <a:spcPct val="90000"/>
+              </a:lnSpc>
+              <a:spcBef>
+                <a:spcPts val="800"/>
+              </a:spcBef>
+              <a:buClr>
+                <a:schemeClr val="accent1"/>
+              </a:buClr>
+              <a:buSzPct val="80000"/>
+              <a:buFont typeface="Arial" pitchFamily="34" charset="0"/>
+              <a:buChar char="•"/>
+              <a:defRPr sz="2400" kern="1200">
+                <a:solidFill>
+                  <a:schemeClr val="tx1"/>
+                </a:solidFill>
+                <a:latin typeface="+mn-lt"/>
+                <a:ea typeface="+mn-ea"/>
+                <a:cs typeface="+mn-cs"/>
+              </a:defRPr>
+            </a:lvl2pPr>
+            <a:lvl3pPr marL="914240" indent="-231607" algn="l" defTabSz="1218987" rtl="0" eaLnBrk="1" latinLnBrk="0" hangingPunct="1">
+              <a:lnSpc>
+                <a:spcPct val="90000"/>
+              </a:lnSpc>
+              <a:spcBef>
+                <a:spcPts val="800"/>
+              </a:spcBef>
+              <a:buClr>
+                <a:schemeClr val="accent1"/>
+              </a:buClr>
+              <a:buSzPct val="80000"/>
+              <a:buFont typeface="Arial" pitchFamily="34" charset="0"/>
+              <a:buChar char="•"/>
+              <a:defRPr sz="2000" kern="1200">
+                <a:solidFill>
+                  <a:schemeClr val="tx1"/>
+                </a:solidFill>
+                <a:latin typeface="+mn-lt"/>
+                <a:ea typeface="+mn-ea"/>
+                <a:cs typeface="+mn-cs"/>
+              </a:defRPr>
+            </a:lvl3pPr>
+            <a:lvl4pPr marL="1218987" indent="-231607" algn="l" defTabSz="1218987" rtl="0" eaLnBrk="1" latinLnBrk="0" hangingPunct="1">
+              <a:lnSpc>
+                <a:spcPct val="90000"/>
+              </a:lnSpc>
+              <a:spcBef>
+                <a:spcPts val="800"/>
+              </a:spcBef>
+              <a:buClr>
+                <a:schemeClr val="accent1"/>
+              </a:buClr>
+              <a:buSzPct val="80000"/>
+              <a:buFont typeface="Arial" pitchFamily="34" charset="0"/>
+              <a:buChar char="•"/>
+              <a:defRPr sz="2000" kern="1200">
+                <a:solidFill>
+                  <a:schemeClr val="tx1"/>
+                </a:solidFill>
+                <a:latin typeface="+mn-lt"/>
+                <a:ea typeface="+mn-ea"/>
+                <a:cs typeface="+mn-cs"/>
+              </a:defRPr>
+            </a:lvl4pPr>
+            <a:lvl5pPr marL="1523733" indent="-231607" algn="l" defTabSz="1218987" rtl="0" eaLnBrk="1" latinLnBrk="0" hangingPunct="1">
+              <a:lnSpc>
+                <a:spcPct val="90000"/>
+              </a:lnSpc>
+              <a:spcBef>
+                <a:spcPts val="800"/>
+              </a:spcBef>
+              <a:buClr>
+                <a:schemeClr val="accent1"/>
+              </a:buClr>
+              <a:buSzPct val="80000"/>
+              <a:buFont typeface="Arial" pitchFamily="34" charset="0"/>
+              <a:buChar char="•"/>
+              <a:defRPr sz="2000" kern="1200">
+                <a:solidFill>
+                  <a:schemeClr val="tx1"/>
+                </a:solidFill>
+                <a:latin typeface="+mn-lt"/>
+                <a:ea typeface="+mn-ea"/>
+                <a:cs typeface="+mn-cs"/>
+              </a:defRPr>
+            </a:lvl5pPr>
+            <a:lvl6pPr marL="1828480" indent="-231607" algn="l" defTabSz="1218987" rtl="0" eaLnBrk="1" latinLnBrk="0" hangingPunct="1">
+              <a:lnSpc>
+                <a:spcPct val="90000"/>
+              </a:lnSpc>
+              <a:spcBef>
+                <a:spcPts val="800"/>
+              </a:spcBef>
+              <a:buClr>
+                <a:schemeClr val="accent1"/>
+              </a:buClr>
+              <a:buSzPct val="80000"/>
+              <a:buFont typeface="Arial" pitchFamily="34" charset="0"/>
+              <a:buChar char="•"/>
+              <a:defRPr sz="2000" kern="1200">
+                <a:solidFill>
+                  <a:schemeClr val="tx1"/>
+                </a:solidFill>
+                <a:latin typeface="+mn-lt"/>
+                <a:ea typeface="+mn-ea"/>
+                <a:cs typeface="+mn-cs"/>
+              </a:defRPr>
+            </a:lvl6pPr>
+            <a:lvl7pPr marL="2133227" indent="-231607" algn="l" defTabSz="1218987" rtl="0" eaLnBrk="1" latinLnBrk="0" hangingPunct="1">
+              <a:lnSpc>
+                <a:spcPct val="90000"/>
+              </a:lnSpc>
+              <a:spcBef>
+                <a:spcPts val="800"/>
+              </a:spcBef>
+              <a:buClr>
+                <a:schemeClr val="accent1"/>
+              </a:buClr>
+              <a:buSzPct val="80000"/>
+              <a:buFont typeface="Arial" pitchFamily="34" charset="0"/>
+              <a:buChar char="•"/>
+              <a:defRPr sz="2000" kern="1200">
+                <a:solidFill>
+                  <a:schemeClr val="tx1"/>
+                </a:solidFill>
+                <a:latin typeface="+mn-lt"/>
+                <a:ea typeface="+mn-ea"/>
+                <a:cs typeface="+mn-cs"/>
+              </a:defRPr>
+            </a:lvl7pPr>
+            <a:lvl8pPr marL="2437973" indent="-231607" algn="l" defTabSz="1218987" rtl="0" eaLnBrk="1" latinLnBrk="0" hangingPunct="1">
+              <a:lnSpc>
+                <a:spcPct val="90000"/>
+              </a:lnSpc>
+              <a:spcBef>
+                <a:spcPts val="800"/>
+              </a:spcBef>
+              <a:buClr>
+                <a:schemeClr val="accent1"/>
+              </a:buClr>
+              <a:buSzPct val="80000"/>
+              <a:buFont typeface="Arial" pitchFamily="34" charset="0"/>
+              <a:buChar char="•"/>
+              <a:defRPr sz="2000" kern="1200" baseline="0">
+                <a:solidFill>
+                  <a:schemeClr val="tx1"/>
+                </a:solidFill>
+                <a:latin typeface="+mn-lt"/>
+                <a:ea typeface="+mn-ea"/>
+                <a:cs typeface="+mn-cs"/>
+              </a:defRPr>
+            </a:lvl8pPr>
+            <a:lvl9pPr marL="2742720" indent="-231607" algn="l" defTabSz="1218987" rtl="0" eaLnBrk="1" latinLnBrk="0" hangingPunct="1">
+              <a:lnSpc>
+                <a:spcPct val="90000"/>
+              </a:lnSpc>
+              <a:spcBef>
+                <a:spcPts val="800"/>
+              </a:spcBef>
+              <a:buClr>
+                <a:schemeClr val="accent1"/>
+              </a:buClr>
+              <a:buSzPct val="80000"/>
+              <a:buFont typeface="Arial" pitchFamily="34" charset="0"/>
+              <a:buChar char="•"/>
+              <a:defRPr sz="2000" kern="1200" baseline="0">
+                <a:solidFill>
+                  <a:schemeClr val="tx1"/>
+                </a:solidFill>
+                <a:latin typeface="+mn-lt"/>
+                <a:ea typeface="+mn-ea"/>
+                <a:cs typeface="+mn-cs"/>
+              </a:defRPr>
+            </a:lvl9pPr>
+          </a:lstStyle>
+          <a:p>
+            <a:r>
+              <a:rPr lang="en-AU" sz="1600" dirty="0"/>
+              <a:t>Exponential system size increase based on annualised data</a:t>
+            </a:r>
+          </a:p>
+          <a:p>
+            <a:r>
+              <a:rPr lang="en-AU" sz="1600" dirty="0"/>
+              <a:t>Increased system </a:t>
+            </a:r>
+            <a:r>
+              <a:rPr lang="en-AU" sz="1600"/>
+              <a:t>sizes partly attributable </a:t>
+            </a:r>
+            <a:r>
+              <a:rPr lang="en-AU" sz="1600" dirty="0"/>
+              <a:t>to panel efficiency gains (W/m</a:t>
+            </a:r>
+            <a:r>
+              <a:rPr lang="en-AU" sz="1600" baseline="30000" dirty="0"/>
+              <a:t>2</a:t>
+            </a:r>
+            <a:r>
+              <a:rPr lang="en-AU" sz="1600" dirty="0"/>
+              <a:t>)</a:t>
+            </a:r>
+          </a:p>
+        </p:txBody>
+      </p:sp>
+      <p:pic>
+        <p:nvPicPr>
+          <p:cNvPr id="5" name="Picture 4">
+            <a:extLst>
+              <a:ext uri="{FF2B5EF4-FFF2-40B4-BE49-F238E27FC236}">
+                <a16:creationId xmlns:a16="http://schemas.microsoft.com/office/drawing/2014/main" id="{C9CBC7BF-F2B4-4B1F-B9F0-E060D6AAC33B}"/>
+              </a:ext>
+            </a:extLst>
+          </p:cNvPr>
+          <p:cNvPicPr>
+            <a:picLocks noChangeAspect="1"/>
+          </p:cNvPicPr>
+          <p:nvPr/>
+        </p:nvPicPr>
+        <p:blipFill>
+          <a:blip r:embed="rId2"/>
+          <a:stretch>
+            <a:fillRect/>
+          </a:stretch>
+        </p:blipFill>
+        <p:spPr>
+          <a:xfrm>
+            <a:off x="6098745" y="2147098"/>
+            <a:ext cx="5684299" cy="4248634"/>
+          </a:xfrm>
+          <a:prstGeom prst="rect">
+            <a:avLst/>
+          </a:prstGeom>
+        </p:spPr>
+      </p:pic>
+    </p:spTree>
+    <p:extLst>
+      <p:ext uri="{BB962C8B-B14F-4D97-AF65-F5344CB8AC3E}">
+        <p14:creationId xmlns:p14="http://schemas.microsoft.com/office/powerpoint/2010/main" val="1405366187"/>
+      </p:ext>
+    </p:extLst>
+  </p:cSld>
+  <p:clrMapOvr>
+    <a:masterClrMapping/>
+  </p:clrMapOvr>
+  <mc:AlternateContent xmlns:mc="http://schemas.openxmlformats.org/markup-compatibility/2006">
+    <mc:Choice xmlns:p14="http://schemas.microsoft.com/office/powerpoint/2010/main" Requires="p14">
+      <p:transition spd="med" p14:dur="700">
+        <p:fade/>
+      </p:transition>
+    </mc:Choice>
+    <mc:Fallback>
+      <p:transition spd="med">
+        <p:fade/>
+      </p:transition>
+    </mc:Fallback>
+  </mc:AlternateContent>
+</p:sld>
+</file>
+
+<file path=ppt/slides/slide19.xml><?xml version="1.0" encoding="utf-8"?>
+<p:sld xmlns:a="http://schemas.openxmlformats.org/drawingml/2006/main" xmlns:r="http://schemas.openxmlformats.org/officeDocument/2006/relationships" xmlns:p="http://schemas.openxmlformats.org/presentationml/2006/main">
+  <p:cSld>
+    <p:spTree>
+      <p:nvGrpSpPr>
+        <p:cNvPr id="1" name=""/>
+        <p:cNvGrpSpPr/>
+        <p:nvPr/>
+      </p:nvGrpSpPr>
+      <p:grpSpPr>
+        <a:xfrm>
+          <a:off x="0" y="0"/>
+          <a:ext cx="0" cy="0"/>
+          <a:chOff x="0" y="0"/>
+          <a:chExt cx="0" cy="0"/>
+        </a:xfrm>
+      </p:grpSpPr>
+      <p:sp>
+        <p:nvSpPr>
+          <p:cNvPr id="2" name="Title 1">
+            <a:extLst>
+              <a:ext uri="{FF2B5EF4-FFF2-40B4-BE49-F238E27FC236}">
+                <a16:creationId xmlns:a16="http://schemas.microsoft.com/office/drawing/2014/main" id="{118CBBA9-49D2-4262-9114-D0D47E7D522A}"/>
+              </a:ext>
+            </a:extLst>
+          </p:cNvPr>
+          <p:cNvSpPr>
+            <a:spLocks noGrp="1"/>
+          </p:cNvSpPr>
+          <p:nvPr>
+            <p:ph type="title"/>
+          </p:nvPr>
+        </p:nvSpPr>
+        <p:spPr>
+          <a:xfrm>
+            <a:off x="1218883" y="274637"/>
+            <a:ext cx="10360501" cy="1223963"/>
+          </a:xfrm>
+        </p:spPr>
+        <p:txBody>
+          <a:bodyPr/>
+          <a:lstStyle/>
+          <a:p>
+            <a:r>
+              <a:rPr lang="en-AU" dirty="0"/>
+              <a:t>Approach</a:t>
+            </a:r>
+          </a:p>
+        </p:txBody>
+      </p:sp>
+      <p:sp>
+        <p:nvSpPr>
+          <p:cNvPr id="3" name="Content Placeholder 2">
+            <a:extLst>
+              <a:ext uri="{FF2B5EF4-FFF2-40B4-BE49-F238E27FC236}">
+                <a16:creationId xmlns:a16="http://schemas.microsoft.com/office/drawing/2014/main" id="{1E6F3B36-FA1C-4A44-8799-54720A510D55}"/>
+              </a:ext>
+            </a:extLst>
+          </p:cNvPr>
+          <p:cNvSpPr>
+            <a:spLocks noGrp="1"/>
+          </p:cNvSpPr>
+          <p:nvPr>
+            <p:ph idx="1"/>
+          </p:nvPr>
+        </p:nvSpPr>
+        <p:spPr>
+          <a:xfrm>
+            <a:off x="1218883" y="1701797"/>
+            <a:ext cx="10969942" cy="4823547"/>
+          </a:xfrm>
+        </p:spPr>
+        <p:txBody>
+          <a:bodyPr>
+            <a:normAutofit/>
+          </a:bodyPr>
+          <a:lstStyle/>
+          <a:p>
+            <a:r>
+              <a:rPr lang="en-AU" sz="2400" dirty="0"/>
+              <a:t>Understand Data – what was odd?</a:t>
+            </a:r>
+          </a:p>
+          <a:p>
+            <a:r>
+              <a:rPr lang="en-AU" sz="2400" dirty="0"/>
+              <a:t>Normal system size is around 5kW</a:t>
+            </a:r>
+          </a:p>
+          <a:p>
+            <a:r>
+              <a:rPr lang="en-AU" sz="2400" dirty="0"/>
+              <a:t>Why is it &gt;20kW in 2017/18?</a:t>
+            </a:r>
+          </a:p>
+          <a:p>
+            <a:r>
+              <a:rPr lang="en-AU" sz="2400" dirty="0"/>
+              <a:t>Sample bias?</a:t>
+            </a:r>
+          </a:p>
+        </p:txBody>
+      </p:sp>
+      <p:pic>
+        <p:nvPicPr>
+          <p:cNvPr id="6" name="Picture 5">
+            <a:extLst>
+              <a:ext uri="{FF2B5EF4-FFF2-40B4-BE49-F238E27FC236}">
+                <a16:creationId xmlns:a16="http://schemas.microsoft.com/office/drawing/2014/main" id="{C3B3FB8B-516A-41D8-AE1A-11B590204CFF}"/>
+              </a:ext>
+            </a:extLst>
+          </p:cNvPr>
+          <p:cNvPicPr>
+            <a:picLocks noChangeAspect="1"/>
+          </p:cNvPicPr>
+          <p:nvPr/>
+        </p:nvPicPr>
+        <p:blipFill>
+          <a:blip r:embed="rId2"/>
+          <a:stretch>
+            <a:fillRect/>
+          </a:stretch>
+        </p:blipFill>
+        <p:spPr>
+          <a:xfrm>
+            <a:off x="6297931" y="2398289"/>
+            <a:ext cx="5281453" cy="3933866"/>
+          </a:xfrm>
+          <a:prstGeom prst="rect">
+            <a:avLst/>
+          </a:prstGeom>
+        </p:spPr>
+      </p:pic>
+      <p:cxnSp>
+        <p:nvCxnSpPr>
+          <p:cNvPr id="12" name="Straight Arrow Connector 11"/>
+          <p:cNvCxnSpPr>
+            <a:cxnSpLocks/>
+            <a:stCxn id="15" idx="3"/>
+          </p:cNvCxnSpPr>
+          <p:nvPr/>
+        </p:nvCxnSpPr>
+        <p:spPr>
+          <a:xfrm flipV="1">
+            <a:off x="8914373" y="3789041"/>
+            <a:ext cx="1644535" cy="407460"/>
+          </a:xfrm>
+          <a:prstGeom prst="straightConnector1">
+            <a:avLst/>
+          </a:prstGeom>
+          <a:ln w="25400">
+            <a:tailEnd type="triangle"/>
+          </a:ln>
+        </p:spPr>
+        <p:style>
+          <a:lnRef idx="1">
+            <a:schemeClr val="accent1"/>
+          </a:lnRef>
+          <a:fillRef idx="0">
+            <a:schemeClr val="accent1"/>
+          </a:fillRef>
+          <a:effectRef idx="0">
+            <a:schemeClr val="accent1"/>
+          </a:effectRef>
+          <a:fontRef idx="minor">
+            <a:schemeClr val="tx1"/>
+          </a:fontRef>
+        </p:style>
+      </p:cxnSp>
+      <p:cxnSp>
+        <p:nvCxnSpPr>
+          <p:cNvPr id="13" name="Straight Arrow Connector 12"/>
+          <p:cNvCxnSpPr>
+            <a:cxnSpLocks/>
+          </p:cNvCxnSpPr>
+          <p:nvPr/>
+        </p:nvCxnSpPr>
+        <p:spPr>
+          <a:xfrm flipV="1">
+            <a:off x="8938657" y="3014954"/>
+            <a:ext cx="2052299" cy="918102"/>
+          </a:xfrm>
+          <a:prstGeom prst="straightConnector1">
+            <a:avLst/>
+          </a:prstGeom>
+          <a:ln w="25400">
+            <a:tailEnd type="triangle"/>
+          </a:ln>
+        </p:spPr>
+        <p:style>
+          <a:lnRef idx="1">
+            <a:schemeClr val="accent1"/>
+          </a:lnRef>
+          <a:fillRef idx="0">
+            <a:schemeClr val="accent1"/>
+          </a:fillRef>
+          <a:effectRef idx="0">
+            <a:schemeClr val="accent1"/>
+          </a:effectRef>
+          <a:fontRef idx="minor">
+            <a:schemeClr val="tx1"/>
+          </a:fontRef>
+        </p:style>
+      </p:cxnSp>
+      <p:sp>
+        <p:nvSpPr>
+          <p:cNvPr id="15" name="TextBox 14"/>
+          <p:cNvSpPr txBox="1"/>
+          <p:nvPr/>
+        </p:nvSpPr>
+        <p:spPr>
+          <a:xfrm>
+            <a:off x="6957940" y="3719447"/>
+            <a:ext cx="1956433" cy="954107"/>
+          </a:xfrm>
+          <a:prstGeom prst="rect">
+            <a:avLst/>
+          </a:prstGeom>
+          <a:noFill/>
+        </p:spPr>
+        <p:txBody>
+          <a:bodyPr wrap="none" rtlCol="0">
+            <a:spAutoFit/>
+          </a:bodyPr>
+          <a:lstStyle/>
+          <a:p>
+            <a:r>
+              <a:rPr lang="en-AU" sz="2800" dirty="0"/>
+              <a:t>Unusual for </a:t>
+            </a:r>
+          </a:p>
+          <a:p>
+            <a:r>
+              <a:rPr lang="en-AU" sz="2800" dirty="0"/>
+              <a:t>residential!</a:t>
+            </a:r>
+          </a:p>
+        </p:txBody>
+      </p:sp>
+    </p:spTree>
+    <p:extLst>
+      <p:ext uri="{BB962C8B-B14F-4D97-AF65-F5344CB8AC3E}">
+        <p14:creationId xmlns:p14="http://schemas.microsoft.com/office/powerpoint/2010/main" val="4179340335"/>
+      </p:ext>
+    </p:extLst>
+  </p:cSld>
+  <p:clrMapOvr>
+    <a:masterClrMapping/>
+  </p:clrMapOvr>
+  <mc:AlternateContent xmlns:mc="http://schemas.openxmlformats.org/markup-compatibility/2006" xmlns:p14="http://schemas.microsoft.com/office/powerpoint/2010/main">
+    <mc:Choice Requires="p14">
+      <p:transition spd="med" p14:dur="700">
+        <p:fade/>
+      </p:transition>
+    </mc:Choice>
+    <mc:Fallback xmlns="">
+      <p:transition spd="med">
+        <p:fade/>
+      </p:transition>
+    </mc:Fallback>
+  </mc:AlternateContent>
+</p:sld>
+</file>
+
+<file path=ppt/slides/slide2.xml><?xml version="1.0" encoding="utf-8"?>
+<p:sld xmlns:a="http://schemas.openxmlformats.org/drawingml/2006/main" xmlns:r="http://schemas.openxmlformats.org/officeDocument/2006/relationships" xmlns:p="http://schemas.openxmlformats.org/presentationml/2006/main">
+  <p:cSld>
+    <p:spTree>
+      <p:nvGrpSpPr>
+        <p:cNvPr id="1" name=""/>
+        <p:cNvGrpSpPr/>
+        <p:nvPr/>
+      </p:nvGrpSpPr>
+      <p:grpSpPr>
+        <a:xfrm>
+          <a:off x="0" y="0"/>
+          <a:ext cx="0" cy="0"/>
+          <a:chOff x="0" y="0"/>
+          <a:chExt cx="0" cy="0"/>
+        </a:xfrm>
+      </p:grpSpPr>
+      <p:sp>
+        <p:nvSpPr>
+          <p:cNvPr id="4" name="Content Placeholder 2">
+            <a:extLst>
+              <a:ext uri="{FF2B5EF4-FFF2-40B4-BE49-F238E27FC236}">
+                <a16:creationId xmlns:a16="http://schemas.microsoft.com/office/drawing/2014/main" id="{1E6F3B36-FA1C-4A44-8799-54720A510D55}"/>
+              </a:ext>
+            </a:extLst>
+          </p:cNvPr>
+          <p:cNvSpPr txBox="1">
+            <a:spLocks/>
+          </p:cNvSpPr>
+          <p:nvPr/>
+        </p:nvSpPr>
+        <p:spPr>
+          <a:xfrm>
+            <a:off x="909836" y="476672"/>
+            <a:ext cx="11017224" cy="4679531"/>
+          </a:xfrm>
+          <a:prstGeom prst="rect">
+            <a:avLst/>
+          </a:prstGeom>
+        </p:spPr>
+        <p:txBody>
+          <a:bodyPr numCol="3">
+            <a:normAutofit/>
+          </a:bodyPr>
+          <a:lstStyle>
+            <a:lvl1pPr marL="304747" indent="-304747" algn="l" defTabSz="1218987" rtl="0" eaLnBrk="1" latinLnBrk="0" hangingPunct="1">
+              <a:lnSpc>
+                <a:spcPct val="90000"/>
+              </a:lnSpc>
+              <a:spcBef>
+                <a:spcPts val="1600"/>
+              </a:spcBef>
+              <a:buClr>
+                <a:schemeClr val="accent1"/>
+              </a:buClr>
+              <a:buSzPct val="100000"/>
+              <a:buFont typeface="Arial" pitchFamily="34" charset="0"/>
+              <a:buChar char="•"/>
+              <a:defRPr sz="2800" kern="1200">
+                <a:solidFill>
+                  <a:schemeClr val="tx1"/>
+                </a:solidFill>
+                <a:latin typeface="+mn-lt"/>
+                <a:ea typeface="+mn-ea"/>
+                <a:cs typeface="+mn-cs"/>
+              </a:defRPr>
+            </a:lvl1pPr>
+            <a:lvl2pPr marL="609493" indent="-231607" algn="l" defTabSz="1218987" rtl="0" eaLnBrk="1" latinLnBrk="0" hangingPunct="1">
+              <a:lnSpc>
+                <a:spcPct val="90000"/>
+              </a:lnSpc>
+              <a:spcBef>
+                <a:spcPts val="800"/>
+              </a:spcBef>
+              <a:buClr>
+                <a:schemeClr val="accent1"/>
+              </a:buClr>
+              <a:buSzPct val="80000"/>
+              <a:buFont typeface="Arial" pitchFamily="34" charset="0"/>
+              <a:buChar char="•"/>
+              <a:defRPr sz="2400" kern="1200">
+                <a:solidFill>
+                  <a:schemeClr val="tx1"/>
+                </a:solidFill>
+                <a:latin typeface="+mn-lt"/>
+                <a:ea typeface="+mn-ea"/>
+                <a:cs typeface="+mn-cs"/>
+              </a:defRPr>
+            </a:lvl2pPr>
+            <a:lvl3pPr marL="914240" indent="-231607" algn="l" defTabSz="1218987" rtl="0" eaLnBrk="1" latinLnBrk="0" hangingPunct="1">
+              <a:lnSpc>
+                <a:spcPct val="90000"/>
+              </a:lnSpc>
+              <a:spcBef>
+                <a:spcPts val="800"/>
+              </a:spcBef>
+              <a:buClr>
+                <a:schemeClr val="accent1"/>
+              </a:buClr>
+              <a:buSzPct val="80000"/>
+              <a:buFont typeface="Arial" pitchFamily="34" charset="0"/>
+              <a:buChar char="•"/>
+              <a:defRPr sz="2000" kern="1200">
+                <a:solidFill>
+                  <a:schemeClr val="tx1"/>
+                </a:solidFill>
+                <a:latin typeface="+mn-lt"/>
+                <a:ea typeface="+mn-ea"/>
+                <a:cs typeface="+mn-cs"/>
+              </a:defRPr>
+            </a:lvl3pPr>
+            <a:lvl4pPr marL="1218987" indent="-231607" algn="l" defTabSz="1218987" rtl="0" eaLnBrk="1" latinLnBrk="0" hangingPunct="1">
+              <a:lnSpc>
+                <a:spcPct val="90000"/>
+              </a:lnSpc>
+              <a:spcBef>
+                <a:spcPts val="800"/>
+              </a:spcBef>
+              <a:buClr>
+                <a:schemeClr val="accent1"/>
+              </a:buClr>
+              <a:buSzPct val="80000"/>
+              <a:buFont typeface="Arial" pitchFamily="34" charset="0"/>
+              <a:buChar char="•"/>
+              <a:defRPr sz="2000" kern="1200">
+                <a:solidFill>
+                  <a:schemeClr val="tx1"/>
+                </a:solidFill>
+                <a:latin typeface="+mn-lt"/>
+                <a:ea typeface="+mn-ea"/>
+                <a:cs typeface="+mn-cs"/>
+              </a:defRPr>
+            </a:lvl4pPr>
+            <a:lvl5pPr marL="1523733" indent="-231607" algn="l" defTabSz="1218987" rtl="0" eaLnBrk="1" latinLnBrk="0" hangingPunct="1">
+              <a:lnSpc>
+                <a:spcPct val="90000"/>
+              </a:lnSpc>
+              <a:spcBef>
+                <a:spcPts val="800"/>
+              </a:spcBef>
+              <a:buClr>
+                <a:schemeClr val="accent1"/>
+              </a:buClr>
+              <a:buSzPct val="80000"/>
+              <a:buFont typeface="Arial" pitchFamily="34" charset="0"/>
+              <a:buChar char="•"/>
+              <a:defRPr sz="2000" kern="1200">
+                <a:solidFill>
+                  <a:schemeClr val="tx1"/>
+                </a:solidFill>
+                <a:latin typeface="+mn-lt"/>
+                <a:ea typeface="+mn-ea"/>
+                <a:cs typeface="+mn-cs"/>
+              </a:defRPr>
+            </a:lvl5pPr>
+            <a:lvl6pPr marL="1828480" indent="-231607" algn="l" defTabSz="1218987" rtl="0" eaLnBrk="1" latinLnBrk="0" hangingPunct="1">
+              <a:lnSpc>
+                <a:spcPct val="90000"/>
+              </a:lnSpc>
+              <a:spcBef>
+                <a:spcPts val="800"/>
+              </a:spcBef>
+              <a:buClr>
+                <a:schemeClr val="accent1"/>
+              </a:buClr>
+              <a:buSzPct val="80000"/>
+              <a:buFont typeface="Arial" pitchFamily="34" charset="0"/>
+              <a:buChar char="•"/>
+              <a:defRPr sz="2000" kern="1200">
+                <a:solidFill>
+                  <a:schemeClr val="tx1"/>
+                </a:solidFill>
+                <a:latin typeface="+mn-lt"/>
+                <a:ea typeface="+mn-ea"/>
+                <a:cs typeface="+mn-cs"/>
+              </a:defRPr>
+            </a:lvl6pPr>
+            <a:lvl7pPr marL="2133227" indent="-231607" algn="l" defTabSz="1218987" rtl="0" eaLnBrk="1" latinLnBrk="0" hangingPunct="1">
+              <a:lnSpc>
+                <a:spcPct val="90000"/>
+              </a:lnSpc>
+              <a:spcBef>
+                <a:spcPts val="800"/>
+              </a:spcBef>
+              <a:buClr>
+                <a:schemeClr val="accent1"/>
+              </a:buClr>
+              <a:buSzPct val="80000"/>
+              <a:buFont typeface="Arial" pitchFamily="34" charset="0"/>
+              <a:buChar char="•"/>
+              <a:defRPr sz="2000" kern="1200">
+                <a:solidFill>
+                  <a:schemeClr val="tx1"/>
+                </a:solidFill>
+                <a:latin typeface="+mn-lt"/>
+                <a:ea typeface="+mn-ea"/>
+                <a:cs typeface="+mn-cs"/>
+              </a:defRPr>
+            </a:lvl7pPr>
+            <a:lvl8pPr marL="2437973" indent="-231607" algn="l" defTabSz="1218987" rtl="0" eaLnBrk="1" latinLnBrk="0" hangingPunct="1">
+              <a:lnSpc>
+                <a:spcPct val="90000"/>
+              </a:lnSpc>
+              <a:spcBef>
+                <a:spcPts val="800"/>
+              </a:spcBef>
+              <a:buClr>
+                <a:schemeClr val="accent1"/>
+              </a:buClr>
+              <a:buSzPct val="80000"/>
+              <a:buFont typeface="Arial" pitchFamily="34" charset="0"/>
+              <a:buChar char="•"/>
+              <a:defRPr sz="2000" kern="1200" baseline="0">
+                <a:solidFill>
+                  <a:schemeClr val="tx1"/>
+                </a:solidFill>
+                <a:latin typeface="+mn-lt"/>
+                <a:ea typeface="+mn-ea"/>
+                <a:cs typeface="+mn-cs"/>
+              </a:defRPr>
+            </a:lvl8pPr>
+            <a:lvl9pPr marL="2742720" indent="-231607" algn="l" defTabSz="1218987" rtl="0" eaLnBrk="1" latinLnBrk="0" hangingPunct="1">
+              <a:lnSpc>
+                <a:spcPct val="90000"/>
+              </a:lnSpc>
+              <a:spcBef>
+                <a:spcPts val="800"/>
+              </a:spcBef>
+              <a:buClr>
+                <a:schemeClr val="accent1"/>
+              </a:buClr>
+              <a:buSzPct val="80000"/>
+              <a:buFont typeface="Arial" pitchFamily="34" charset="0"/>
+              <a:buChar char="•"/>
+              <a:defRPr sz="2000" kern="1200" baseline="0">
+                <a:solidFill>
+                  <a:schemeClr val="tx1"/>
+                </a:solidFill>
+                <a:latin typeface="+mn-lt"/>
+                <a:ea typeface="+mn-ea"/>
+                <a:cs typeface="+mn-cs"/>
+              </a:defRPr>
+            </a:lvl9pPr>
+          </a:lstStyle>
+          <a:p>
+            <a:pPr marL="0" indent="0" algn="ctr">
+              <a:buFont typeface="Arial" pitchFamily="34" charset="0"/>
+              <a:buNone/>
+            </a:pPr>
+            <a:r>
+              <a:rPr lang="en-AU" u="sng" dirty="0"/>
+              <a:t>Team </a:t>
+            </a:r>
+            <a:r>
+              <a:rPr lang="en-AU" u="sng" dirty="0" err="1"/>
+              <a:t>UnicorNN</a:t>
+            </a:r>
+            <a:endParaRPr lang="en-AU" u="sng" dirty="0"/>
+          </a:p>
+          <a:p>
+            <a:pPr>
+              <a:buFontTx/>
+              <a:buChar char="-"/>
+            </a:pPr>
+            <a:r>
+              <a:rPr lang="en-AU" dirty="0"/>
+              <a:t>Sofia Sibanic</a:t>
+            </a:r>
+          </a:p>
+          <a:p>
+            <a:pPr marL="0" indent="0">
+              <a:buNone/>
+            </a:pPr>
+            <a:r>
+              <a:rPr lang="en-AU" sz="2000" dirty="0"/>
+              <a:t>Electrical Engineer (Western Power) looking to broaden her skillset and apply learnings from fast.ai.</a:t>
+            </a:r>
+          </a:p>
+          <a:p>
+            <a:pPr>
+              <a:buFontTx/>
+              <a:buChar char="-"/>
+            </a:pPr>
+            <a:endParaRPr lang="en-AU" dirty="0"/>
+          </a:p>
+          <a:p>
+            <a:pPr>
+              <a:buFontTx/>
+              <a:buChar char="-"/>
+            </a:pPr>
+            <a:endParaRPr lang="en-AU" dirty="0"/>
+          </a:p>
+          <a:p>
+            <a:pPr>
+              <a:buFontTx/>
+              <a:buChar char="-"/>
+            </a:pPr>
+            <a:endParaRPr lang="en-AU" dirty="0"/>
+          </a:p>
+          <a:p>
+            <a:pPr>
+              <a:buFontTx/>
+              <a:buChar char="-"/>
+            </a:pPr>
+            <a:endParaRPr lang="en-AU" dirty="0"/>
+          </a:p>
+          <a:p>
+            <a:pPr>
+              <a:buFontTx/>
+              <a:buChar char="-"/>
+            </a:pPr>
+            <a:r>
+              <a:rPr lang="en-AU" dirty="0"/>
+              <a:t>Adrian Goldberg</a:t>
+            </a:r>
+          </a:p>
+          <a:p>
+            <a:pPr marL="0" indent="0">
+              <a:buNone/>
+            </a:pPr>
+            <a:r>
+              <a:rPr lang="en-AU" sz="2000" dirty="0"/>
+              <a:t>Geophysicist (Santos) with &gt;10 years programming and ~2 years deep learning experience.</a:t>
+            </a:r>
+          </a:p>
+          <a:p>
+            <a:pPr marL="0" indent="0">
+              <a:buNone/>
+            </a:pPr>
+            <a:endParaRPr lang="en-AU" dirty="0"/>
+          </a:p>
+          <a:p>
+            <a:pPr>
+              <a:buFontTx/>
+              <a:buChar char="-"/>
+            </a:pPr>
+            <a:endParaRPr lang="en-AU" dirty="0"/>
+          </a:p>
+          <a:p>
+            <a:pPr>
+              <a:buFontTx/>
+              <a:buChar char="-"/>
+            </a:pPr>
+            <a:endParaRPr lang="en-AU" dirty="0"/>
+          </a:p>
+          <a:p>
+            <a:pPr>
+              <a:buFontTx/>
+              <a:buChar char="-"/>
+            </a:pPr>
+            <a:endParaRPr lang="en-AU" dirty="0"/>
+          </a:p>
+          <a:p>
+            <a:pPr>
+              <a:buFontTx/>
+              <a:buChar char="-"/>
+            </a:pPr>
+            <a:endParaRPr lang="en-AU" dirty="0"/>
+          </a:p>
+          <a:p>
+            <a:pPr>
+              <a:buFontTx/>
+              <a:buChar char="-"/>
+            </a:pPr>
+            <a:r>
+              <a:rPr lang="en-AU" dirty="0"/>
+              <a:t>Jordan Pratt</a:t>
+            </a:r>
+          </a:p>
+          <a:p>
+            <a:pPr marL="0" indent="0">
+              <a:buNone/>
+            </a:pPr>
+            <a:r>
+              <a:rPr lang="en-AU" sz="2000" dirty="0"/>
+              <a:t>Data Strategy Analyst (Western Power) looking to expand personal skills.</a:t>
+            </a:r>
+          </a:p>
+          <a:p>
+            <a:pPr marL="0" indent="0">
+              <a:buNone/>
+            </a:pPr>
+            <a:endParaRPr lang="en-AU" dirty="0"/>
+          </a:p>
+        </p:txBody>
+      </p:sp>
+      <p:pic>
+        <p:nvPicPr>
+          <p:cNvPr id="6" name="Picture 5"/>
+          <p:cNvPicPr>
+            <a:picLocks noChangeAspect="1"/>
+          </p:cNvPicPr>
+          <p:nvPr/>
+        </p:nvPicPr>
+        <p:blipFill>
+          <a:blip r:embed="rId2" cstate="print">
+            <a:extLst>
+              <a:ext uri="{28A0092B-C50C-407E-A947-70E740481C1C}">
+                <a14:useLocalDpi xmlns:a14="http://schemas.microsoft.com/office/drawing/2010/main" val="0"/>
+              </a:ext>
+            </a:extLst>
+          </a:blip>
+          <a:stretch>
+            <a:fillRect/>
+          </a:stretch>
+        </p:blipFill>
+        <p:spPr>
+          <a:xfrm>
+            <a:off x="1053852" y="3180539"/>
+            <a:ext cx="2654605" cy="2474700"/>
+          </a:xfrm>
+          <a:prstGeom prst="rect">
+            <a:avLst/>
+          </a:prstGeom>
+          <a:ln w="38100" cap="sq">
+            <a:solidFill>
+              <a:srgbClr val="000000"/>
+            </a:solidFill>
+            <a:prstDash val="solid"/>
+            <a:miter lim="800000"/>
+          </a:ln>
+          <a:effectLst>
+            <a:outerShdw blurRad="50800" dist="38100" dir="2700000" algn="tl" rotWithShape="0">
+              <a:srgbClr val="000000">
+                <a:alpha val="43000"/>
+              </a:srgbClr>
+            </a:outerShdw>
+          </a:effectLst>
+        </p:spPr>
+      </p:pic>
+      <p:pic>
+        <p:nvPicPr>
+          <p:cNvPr id="2" name="Picture 1"/>
+          <p:cNvPicPr>
+            <a:picLocks noChangeAspect="1"/>
+          </p:cNvPicPr>
+          <p:nvPr/>
+        </p:nvPicPr>
+        <p:blipFill>
+          <a:blip r:embed="rId3">
+            <a:extLst>
+              <a:ext uri="{28A0092B-C50C-407E-A947-70E740481C1C}">
+                <a14:useLocalDpi xmlns:a14="http://schemas.microsoft.com/office/drawing/2010/main" val="0"/>
+              </a:ext>
+            </a:extLst>
+          </a:blip>
+          <a:stretch>
+            <a:fillRect/>
+          </a:stretch>
+        </p:blipFill>
+        <p:spPr>
+          <a:xfrm>
+            <a:off x="8902724" y="3113073"/>
+            <a:ext cx="1841784" cy="2474700"/>
+          </a:xfrm>
+          <a:prstGeom prst="rect">
+            <a:avLst/>
+          </a:prstGeom>
+          <a:ln w="38100" cap="sq">
+            <a:solidFill>
+              <a:srgbClr val="000000"/>
+            </a:solidFill>
+            <a:prstDash val="solid"/>
+            <a:miter lim="800000"/>
+          </a:ln>
+          <a:effectLst>
+            <a:outerShdw blurRad="50800" dist="38100" dir="2700000" algn="tl" rotWithShape="0">
+              <a:srgbClr val="000000">
+                <a:alpha val="43000"/>
+              </a:srgbClr>
+            </a:outerShdw>
+          </a:effectLst>
+        </p:spPr>
+      </p:pic>
+      <p:pic>
+        <p:nvPicPr>
+          <p:cNvPr id="3" name="Picture 2"/>
+          <p:cNvPicPr>
+            <a:picLocks noChangeAspect="1"/>
+          </p:cNvPicPr>
+          <p:nvPr/>
+        </p:nvPicPr>
+        <p:blipFill>
+          <a:blip r:embed="rId4" cstate="print">
+            <a:extLst>
+              <a:ext uri="{28A0092B-C50C-407E-A947-70E740481C1C}">
+                <a14:useLocalDpi xmlns:a14="http://schemas.microsoft.com/office/drawing/2010/main" val="0"/>
+              </a:ext>
+            </a:extLst>
+          </a:blip>
+          <a:stretch>
+            <a:fillRect/>
+          </a:stretch>
+        </p:blipFill>
+        <p:spPr>
+          <a:xfrm>
+            <a:off x="4654252" y="2816437"/>
+            <a:ext cx="2791837" cy="3202905"/>
+          </a:xfrm>
+          <a:prstGeom prst="rect">
+            <a:avLst/>
+          </a:prstGeom>
+          <a:ln w="38100" cap="sq">
+            <a:solidFill>
+              <a:srgbClr val="000000"/>
+            </a:solidFill>
+            <a:prstDash val="solid"/>
+            <a:miter lim="800000"/>
+          </a:ln>
+          <a:effectLst>
+            <a:outerShdw blurRad="50800" dist="38100" dir="2700000" algn="tl" rotWithShape="0">
+              <a:srgbClr val="000000">
+                <a:alpha val="43000"/>
+              </a:srgbClr>
+            </a:outerShdw>
+          </a:effectLst>
+        </p:spPr>
+      </p:pic>
+    </p:spTree>
+    <p:extLst>
+      <p:ext uri="{BB962C8B-B14F-4D97-AF65-F5344CB8AC3E}">
+        <p14:creationId xmlns:p14="http://schemas.microsoft.com/office/powerpoint/2010/main" val="1452478766"/>
+      </p:ext>
+    </p:extLst>
+  </p:cSld>
+  <p:clrMapOvr>
+    <a:masterClrMapping/>
+  </p:clrMapOvr>
+  <mc:AlternateContent xmlns:mc="http://schemas.openxmlformats.org/markup-compatibility/2006" xmlns:p14="http://schemas.microsoft.com/office/powerpoint/2010/main">
+    <mc:Choice Requires="p14">
+      <p:transition spd="med" p14:dur="700">
+        <p:fade/>
+      </p:transition>
+    </mc:Choice>
+    <mc:Fallback xmlns="">
+      <p:transition spd="med">
+        <p:fade/>
+      </p:transition>
+    </mc:Fallback>
+  </mc:AlternateContent>
+</p:sld>
+</file>
+
+<file path=ppt/slides/slide20.xml><?xml version="1.0" encoding="utf-8"?>
+<p:sld xmlns:a="http://schemas.openxmlformats.org/drawingml/2006/main" xmlns:r="http://schemas.openxmlformats.org/officeDocument/2006/relationships" xmlns:p="http://schemas.openxmlformats.org/presentationml/2006/main">
+  <p:cSld>
+    <p:spTree>
+      <p:nvGrpSpPr>
+        <p:cNvPr id="1" name=""/>
+        <p:cNvGrpSpPr/>
+        <p:nvPr/>
+      </p:nvGrpSpPr>
+      <p:grpSpPr>
+        <a:xfrm>
+          <a:off x="0" y="0"/>
+          <a:ext cx="0" cy="0"/>
+          <a:chOff x="0" y="0"/>
+          <a:chExt cx="0" cy="0"/>
+        </a:xfrm>
+      </p:grpSpPr>
+      <p:sp>
+        <p:nvSpPr>
+          <p:cNvPr id="2" name="Title 1">
+            <a:extLst>
+              <a:ext uri="{FF2B5EF4-FFF2-40B4-BE49-F238E27FC236}">
+                <a16:creationId xmlns:a16="http://schemas.microsoft.com/office/drawing/2014/main" id="{118CBBA9-49D2-4262-9114-D0D47E7D522A}"/>
+              </a:ext>
+            </a:extLst>
+          </p:cNvPr>
+          <p:cNvSpPr>
+            <a:spLocks noGrp="1"/>
+          </p:cNvSpPr>
+          <p:nvPr>
+            <p:ph type="title"/>
+          </p:nvPr>
+        </p:nvSpPr>
+        <p:spPr>
+          <a:xfrm>
+            <a:off x="1218883" y="274637"/>
+            <a:ext cx="10360501" cy="1223963"/>
+          </a:xfrm>
+        </p:spPr>
+        <p:txBody>
+          <a:bodyPr/>
+          <a:lstStyle/>
+          <a:p>
+            <a:r>
+              <a:rPr lang="en-AU" dirty="0"/>
+              <a:t>Approach</a:t>
+            </a:r>
+          </a:p>
+        </p:txBody>
+      </p:sp>
+      <p:sp>
+        <p:nvSpPr>
+          <p:cNvPr id="3" name="Content Placeholder 2">
+            <a:extLst>
+              <a:ext uri="{FF2B5EF4-FFF2-40B4-BE49-F238E27FC236}">
+                <a16:creationId xmlns:a16="http://schemas.microsoft.com/office/drawing/2014/main" id="{1E6F3B36-FA1C-4A44-8799-54720A510D55}"/>
+              </a:ext>
+            </a:extLst>
+          </p:cNvPr>
+          <p:cNvSpPr>
+            <a:spLocks noGrp="1"/>
+          </p:cNvSpPr>
+          <p:nvPr>
+            <p:ph idx="1"/>
+          </p:nvPr>
+        </p:nvSpPr>
+        <p:spPr>
+          <a:xfrm>
+            <a:off x="1218883" y="1701797"/>
+            <a:ext cx="10969942" cy="4823547"/>
+          </a:xfrm>
+        </p:spPr>
+        <p:txBody>
+          <a:bodyPr>
+            <a:normAutofit/>
+          </a:bodyPr>
+          <a:lstStyle/>
+          <a:p>
+            <a:r>
+              <a:rPr lang="en-AU" sz="2400" dirty="0"/>
+              <a:t>Using median instead of mean, sample bias is evident</a:t>
+            </a:r>
+          </a:p>
+        </p:txBody>
+      </p:sp>
+      <p:pic>
+        <p:nvPicPr>
+          <p:cNvPr id="7" name="Picture 6">
+            <a:extLst>
+              <a:ext uri="{FF2B5EF4-FFF2-40B4-BE49-F238E27FC236}">
+                <a16:creationId xmlns:a16="http://schemas.microsoft.com/office/drawing/2014/main" id="{249EAC13-9E1E-4DBA-85FF-730457637E21}"/>
+              </a:ext>
+            </a:extLst>
+          </p:cNvPr>
+          <p:cNvPicPr>
+            <a:picLocks noChangeAspect="1"/>
+          </p:cNvPicPr>
+          <p:nvPr/>
+        </p:nvPicPr>
+        <p:blipFill>
+          <a:blip r:embed="rId2"/>
+          <a:stretch>
+            <a:fillRect/>
+          </a:stretch>
+        </p:blipFill>
+        <p:spPr>
+          <a:xfrm>
+            <a:off x="1989956" y="2218792"/>
+            <a:ext cx="6061843" cy="4365707"/>
+          </a:xfrm>
+          <a:prstGeom prst="rect">
+            <a:avLst/>
+          </a:prstGeom>
+        </p:spPr>
+      </p:pic>
+    </p:spTree>
+    <p:extLst>
+      <p:ext uri="{BB962C8B-B14F-4D97-AF65-F5344CB8AC3E}">
+        <p14:creationId xmlns:p14="http://schemas.microsoft.com/office/powerpoint/2010/main" val="3053358385"/>
+      </p:ext>
+    </p:extLst>
+  </p:cSld>
+  <p:clrMapOvr>
+    <a:masterClrMapping/>
+  </p:clrMapOvr>
+  <mc:AlternateContent xmlns:mc="http://schemas.openxmlformats.org/markup-compatibility/2006" xmlns:p14="http://schemas.microsoft.com/office/powerpoint/2010/main">
+    <mc:Choice Requires="p14">
+      <p:transition spd="med" p14:dur="700">
+        <p:fade/>
+      </p:transition>
+    </mc:Choice>
+    <mc:Fallback xmlns="">
+      <p:transition spd="med">
+        <p:fade/>
+      </p:transition>
+    </mc:Fallback>
+  </mc:AlternateContent>
+</p:sld>
+</file>
+
 <file path=ppt/slides/slide21.xml><?xml version="1.0" encoding="utf-8"?>
 <p:sld xmlns:a="http://schemas.openxmlformats.org/drawingml/2006/main" xmlns:r="http://schemas.openxmlformats.org/officeDocument/2006/relationships" xmlns:p="http://schemas.openxmlformats.org/presentationml/2006/main" show="0">
   <p:cSld>
@@ -17362,13 +18123,13 @@
   <p:clrMapOvr>
     <a:masterClrMapping/>
   </p:clrMapOvr>
-  <mc:AlternateContent xmlns:mc="http://schemas.openxmlformats.org/markup-compatibility/2006">
-    <mc:Choice xmlns:p14="http://schemas.microsoft.com/office/powerpoint/2010/main" Requires="p14">
+  <mc:AlternateContent xmlns:mc="http://schemas.openxmlformats.org/markup-compatibility/2006" xmlns:p14="http://schemas.microsoft.com/office/powerpoint/2010/main">
+    <mc:Choice Requires="p14">
       <p:transition spd="med" p14:dur="700">
         <p:fade/>
       </p:transition>
     </mc:Choice>
-    <mc:Fallback>
+    <mc:Fallback xmlns="">
       <p:transition spd="med">
         <p:fade/>
       </p:transition>
@@ -17613,7 +18374,7 @@
           <a:p>
             <a:r>
               <a:rPr lang="en-AU" dirty="0"/>
-              <a:t>First training epoch (last layer only): 86.4% accuracy</a:t>
+              <a:t>Training the model – first try – 86.4% accuracy</a:t>
             </a:r>
           </a:p>
           <a:p>
@@ -17634,51 +18395,38 @@
               <a:t> generally occurred where panel edges were not visible</a:t>
             </a:r>
           </a:p>
-          <a:p>
-            <a:r>
-              <a:rPr lang="en-AU" dirty="0"/>
-              <a:t>False </a:t>
-            </a:r>
-            <a:r>
-              <a:rPr lang="en-AU" dirty="0">
-                <a:solidFill>
-                  <a:schemeClr val="accent1">
-                    <a:lumMod val="60000"/>
-                    <a:lumOff val="40000"/>
-                  </a:schemeClr>
-                </a:solidFill>
-              </a:rPr>
-              <a:t>positives</a:t>
-            </a:r>
-            <a:r>
-              <a:rPr lang="en-AU" dirty="0"/>
-              <a:t> generally </a:t>
-            </a:r>
-            <a:r>
-              <a:rPr lang="en-AU" dirty="0" err="1"/>
-              <a:t>occured</a:t>
-            </a:r>
-            <a:r>
-              <a:rPr lang="en-AU" dirty="0"/>
-              <a:t> on grid-like structures (tiles, pergolas </a:t>
-            </a:r>
-            <a:r>
-              <a:rPr lang="en-AU" dirty="0" err="1"/>
-              <a:t>etc</a:t>
-            </a:r>
-            <a:r>
-              <a:rPr lang="en-AU" dirty="0"/>
-              <a:t>)</a:t>
-            </a:r>
-          </a:p>
-          <a:p>
-            <a:r>
-              <a:rPr lang="en-AU" dirty="0"/>
-              <a:t>Accuracy with different approaches ranged from 86.4% to 97.9%</a:t>
-            </a:r>
-          </a:p>
         </p:txBody>
       </p:sp>
+      <p:pic>
+        <p:nvPicPr>
+          <p:cNvPr id="5" name="Picture 4">
+            <a:extLst>
+              <a:ext uri="{FF2B5EF4-FFF2-40B4-BE49-F238E27FC236}">
+                <a16:creationId xmlns:a16="http://schemas.microsoft.com/office/drawing/2014/main" id="{2B8645DC-0A9F-4B17-8D66-DDD7F2394E45}"/>
+              </a:ext>
+            </a:extLst>
+          </p:cNvPr>
+          <p:cNvPicPr>
+            <a:picLocks noChangeAspect="1"/>
+          </p:cNvPicPr>
+          <p:nvPr/>
+        </p:nvPicPr>
+        <p:blipFill>
+          <a:blip r:embed="rId3"/>
+          <a:stretch>
+            <a:fillRect/>
+          </a:stretch>
+        </p:blipFill>
+        <p:spPr>
+          <a:xfrm>
+            <a:off x="1076260" y="3284984"/>
+            <a:ext cx="10706784" cy="2952328"/>
+          </a:xfrm>
+          <a:prstGeom prst="rect">
+            <a:avLst/>
+          </a:prstGeom>
+        </p:spPr>
+      </p:pic>
     </p:spTree>
     <p:extLst>
       <p:ext uri="{BB962C8B-B14F-4D97-AF65-F5344CB8AC3E}">
@@ -17723,6 +18471,175 @@
       </p:grpSpPr>
       <p:sp>
         <p:nvSpPr>
+          <p:cNvPr id="2" name="Title 1">
+            <a:extLst>
+              <a:ext uri="{FF2B5EF4-FFF2-40B4-BE49-F238E27FC236}">
+                <a16:creationId xmlns:a16="http://schemas.microsoft.com/office/drawing/2014/main" id="{118CBBA9-49D2-4262-9114-D0D47E7D522A}"/>
+              </a:ext>
+            </a:extLst>
+          </p:cNvPr>
+          <p:cNvSpPr>
+            <a:spLocks noGrp="1"/>
+          </p:cNvSpPr>
+          <p:nvPr>
+            <p:ph type="title"/>
+          </p:nvPr>
+        </p:nvSpPr>
+        <p:spPr/>
+        <p:txBody>
+          <a:bodyPr/>
+          <a:lstStyle/>
+          <a:p>
+            <a:r>
+              <a:rPr lang="en-AU" b="1" dirty="0"/>
+              <a:t>We found…</a:t>
+            </a:r>
+            <a:endParaRPr lang="en-AU" dirty="0"/>
+          </a:p>
+        </p:txBody>
+      </p:sp>
+      <p:sp>
+        <p:nvSpPr>
+          <p:cNvPr id="3" name="Content Placeholder 2">
+            <a:extLst>
+              <a:ext uri="{FF2B5EF4-FFF2-40B4-BE49-F238E27FC236}">
+                <a16:creationId xmlns:a16="http://schemas.microsoft.com/office/drawing/2014/main" id="{1E6F3B36-FA1C-4A44-8799-54720A510D55}"/>
+              </a:ext>
+            </a:extLst>
+          </p:cNvPr>
+          <p:cNvSpPr>
+            <a:spLocks noGrp="1"/>
+          </p:cNvSpPr>
+          <p:nvPr>
+            <p:ph idx="1"/>
+          </p:nvPr>
+        </p:nvSpPr>
+        <p:spPr>
+          <a:xfrm>
+            <a:off x="1218883" y="1700808"/>
+            <a:ext cx="10564161" cy="4752528"/>
+          </a:xfrm>
+        </p:spPr>
+        <p:txBody>
+          <a:bodyPr>
+            <a:normAutofit/>
+          </a:bodyPr>
+          <a:lstStyle/>
+          <a:p>
+            <a:r>
+              <a:rPr lang="en-AU" dirty="0"/>
+              <a:t>False </a:t>
+            </a:r>
+            <a:r>
+              <a:rPr lang="en-AU" dirty="0">
+                <a:solidFill>
+                  <a:schemeClr val="accent1">
+                    <a:lumMod val="60000"/>
+                    <a:lumOff val="40000"/>
+                  </a:schemeClr>
+                </a:solidFill>
+              </a:rPr>
+              <a:t>positives</a:t>
+            </a:r>
+            <a:r>
+              <a:rPr lang="en-AU" dirty="0"/>
+              <a:t> generally occurred on grid-like structures solar water heating systems</a:t>
+            </a:r>
+          </a:p>
+          <a:p>
+            <a:endParaRPr lang="en-AU" dirty="0"/>
+          </a:p>
+          <a:p>
+            <a:endParaRPr lang="en-AU" dirty="0"/>
+          </a:p>
+          <a:p>
+            <a:endParaRPr lang="en-AU" dirty="0"/>
+          </a:p>
+          <a:p>
+            <a:endParaRPr lang="en-AU" dirty="0"/>
+          </a:p>
+          <a:p>
+            <a:endParaRPr lang="en-AU" dirty="0"/>
+          </a:p>
+          <a:p>
+            <a:endParaRPr lang="en-AU" dirty="0"/>
+          </a:p>
+        </p:txBody>
+      </p:sp>
+      <p:pic>
+        <p:nvPicPr>
+          <p:cNvPr id="4" name="Picture 3">
+            <a:extLst>
+              <a:ext uri="{FF2B5EF4-FFF2-40B4-BE49-F238E27FC236}">
+                <a16:creationId xmlns:a16="http://schemas.microsoft.com/office/drawing/2014/main" id="{4E068468-BBC7-478D-8CA5-048BB804A7D9}"/>
+              </a:ext>
+            </a:extLst>
+          </p:cNvPr>
+          <p:cNvPicPr>
+            <a:picLocks noChangeAspect="1"/>
+          </p:cNvPicPr>
+          <p:nvPr/>
+        </p:nvPicPr>
+        <p:blipFill>
+          <a:blip r:embed="rId3"/>
+          <a:stretch>
+            <a:fillRect/>
+          </a:stretch>
+        </p:blipFill>
+        <p:spPr>
+          <a:xfrm>
+            <a:off x="942456" y="2636912"/>
+            <a:ext cx="11140622" cy="2952328"/>
+          </a:xfrm>
+          <a:prstGeom prst="rect">
+            <a:avLst/>
+          </a:prstGeom>
+        </p:spPr>
+      </p:pic>
+    </p:spTree>
+    <p:extLst>
+      <p:ext uri="{BB962C8B-B14F-4D97-AF65-F5344CB8AC3E}">
+        <p14:creationId xmlns:p14="http://schemas.microsoft.com/office/powerpoint/2010/main" val="2583835776"/>
+      </p:ext>
+    </p:extLst>
+  </p:cSld>
+  <p:clrMapOvr>
+    <a:masterClrMapping/>
+  </p:clrMapOvr>
+  <mc:AlternateContent xmlns:mc="http://schemas.openxmlformats.org/markup-compatibility/2006" xmlns:p14="http://schemas.microsoft.com/office/powerpoint/2010/main">
+    <mc:Choice Requires="p14">
+      <p:transition spd="med" p14:dur="700">
+        <p:fade/>
+      </p:transition>
+    </mc:Choice>
+    <mc:Fallback xmlns="">
+      <p:transition spd="med">
+        <p:fade/>
+      </p:transition>
+    </mc:Fallback>
+  </mc:AlternateContent>
+</p:sld>
+</file>
+
+<file path=ppt/slides/slide25.xml><?xml version="1.0" encoding="utf-8"?>
+<p:sld xmlns:a="http://schemas.openxmlformats.org/drawingml/2006/main" xmlns:r="http://schemas.openxmlformats.org/officeDocument/2006/relationships" xmlns:p="http://schemas.openxmlformats.org/presentationml/2006/main">
+  <p:cSld>
+    <p:spTree>
+      <p:nvGrpSpPr>
+        <p:cNvPr id="1" name=""/>
+        <p:cNvGrpSpPr/>
+        <p:nvPr/>
+      </p:nvGrpSpPr>
+      <p:grpSpPr>
+        <a:xfrm>
+          <a:off x="0" y="0"/>
+          <a:ext cx="0" cy="0"/>
+          <a:chOff x="0" y="0"/>
+          <a:chExt cx="0" cy="0"/>
+        </a:xfrm>
+      </p:grpSpPr>
+      <p:sp>
+        <p:nvSpPr>
           <p:cNvPr id="3" name="Content Placeholder 2">
             <a:extLst>
               <a:ext uri="{FF2B5EF4-FFF2-40B4-BE49-F238E27FC236}">
@@ -17751,48 +18668,21 @@
           <a:p>
             <a:r>
               <a:rPr lang="en-AU" dirty="0"/>
-              <a:t>Tweaking the model by increasing dropout</a:t>
+              <a:t>We tried different techniques to improve generalisation</a:t>
             </a:r>
           </a:p>
           <a:p>
             <a:pPr lvl="1"/>
             <a:r>
               <a:rPr lang="en-AU" dirty="0"/>
-              <a:t>Dropout tends to improve model generalisation</a:t>
-            </a:r>
-          </a:p>
-          <a:p>
-            <a:r>
-              <a:rPr lang="en-AU" dirty="0"/>
-              <a:t>Significant data augmentation:</a:t>
-            </a:r>
-          </a:p>
-          <a:p>
-            <a:pPr lvl="1"/>
-            <a:r>
-              <a:rPr lang="en-AU" dirty="0"/>
-              <a:t>With blur – similar principle to the above – seemed to be counterproductive by reducing accuracy</a:t>
-            </a:r>
-          </a:p>
-          <a:p>
-            <a:pPr lvl="1"/>
-            <a:r>
-              <a:rPr lang="en-AU" dirty="0"/>
-              <a:t>30 degree image tilt – To better generalise house (and by proxy panel) positioning – reduced the validation set accuracy</a:t>
-            </a:r>
-          </a:p>
-          <a:p>
-            <a:pPr lvl="1"/>
-            <a:r>
-              <a:rPr lang="en-AU" dirty="0"/>
-              <a:t>Perhaps we were using the wrong type of augmentation?</a:t>
-            </a:r>
-          </a:p>
-          <a:p>
-            <a:r>
-              <a:rPr lang="en-AU" dirty="0"/>
-              <a:t>Moving up to a more complex model took far longer to train and did not yield a performance increase.</a:t>
-            </a:r>
+              <a:t>Dropout – Take a segment of model information, throw it away</a:t>
+            </a:r>
+          </a:p>
+          <a:p>
+            <a:endParaRPr lang="en-AU" dirty="0"/>
+          </a:p>
+          <a:p>
+            <a:endParaRPr lang="en-AU" dirty="0"/>
           </a:p>
           <a:p>
             <a:pPr lvl="1"/>
@@ -17854,6 +18744,312 @@
           </a:p>
         </p:txBody>
       </p:sp>
+      <p:pic>
+        <p:nvPicPr>
+          <p:cNvPr id="4" name="Picture 3">
+            <a:extLst>
+              <a:ext uri="{FF2B5EF4-FFF2-40B4-BE49-F238E27FC236}">
+                <a16:creationId xmlns:a16="http://schemas.microsoft.com/office/drawing/2014/main" id="{C836F8B6-4E7F-4AD4-9E01-9945409CB6DE}"/>
+              </a:ext>
+            </a:extLst>
+          </p:cNvPr>
+          <p:cNvPicPr>
+            <a:picLocks noChangeAspect="1"/>
+          </p:cNvPicPr>
+          <p:nvPr/>
+        </p:nvPicPr>
+        <p:blipFill>
+          <a:blip r:embed="rId2">
+            <a:extLst>
+              <a:ext uri="{28A0092B-C50C-407E-A947-70E740481C1C}">
+                <a14:useLocalDpi xmlns:a14="http://schemas.microsoft.com/office/drawing/2010/main" val="0"/>
+              </a:ext>
+            </a:extLst>
+          </a:blip>
+          <a:stretch>
+            <a:fillRect/>
+          </a:stretch>
+        </p:blipFill>
+        <p:spPr>
+          <a:xfrm>
+            <a:off x="1395551" y="2852936"/>
+            <a:ext cx="9865096" cy="3208078"/>
+          </a:xfrm>
+          <a:prstGeom prst="rect">
+            <a:avLst/>
+          </a:prstGeom>
+        </p:spPr>
+      </p:pic>
+    </p:spTree>
+    <p:extLst>
+      <p:ext uri="{BB962C8B-B14F-4D97-AF65-F5344CB8AC3E}">
+        <p14:creationId xmlns:p14="http://schemas.microsoft.com/office/powerpoint/2010/main" val="1388805776"/>
+      </p:ext>
+    </p:extLst>
+  </p:cSld>
+  <p:clrMapOvr>
+    <a:masterClrMapping/>
+  </p:clrMapOvr>
+  <mc:AlternateContent xmlns:mc="http://schemas.openxmlformats.org/markup-compatibility/2006" xmlns:p14="http://schemas.microsoft.com/office/powerpoint/2010/main">
+    <mc:Choice Requires="p14">
+      <p:transition spd="med" p14:dur="700">
+        <p:fade/>
+      </p:transition>
+    </mc:Choice>
+    <mc:Fallback xmlns="">
+      <p:transition spd="med">
+        <p:fade/>
+      </p:transition>
+    </mc:Fallback>
+  </mc:AlternateContent>
+</p:sld>
+</file>
+
+<file path=ppt/slides/slide26.xml><?xml version="1.0" encoding="utf-8"?>
+<p:sld xmlns:a="http://schemas.openxmlformats.org/drawingml/2006/main" xmlns:r="http://schemas.openxmlformats.org/officeDocument/2006/relationships" xmlns:p="http://schemas.openxmlformats.org/presentationml/2006/main">
+  <p:cSld>
+    <p:spTree>
+      <p:nvGrpSpPr>
+        <p:cNvPr id="1" name=""/>
+        <p:cNvGrpSpPr/>
+        <p:nvPr/>
+      </p:nvGrpSpPr>
+      <p:grpSpPr>
+        <a:xfrm>
+          <a:off x="0" y="0"/>
+          <a:ext cx="0" cy="0"/>
+          <a:chOff x="0" y="0"/>
+          <a:chExt cx="0" cy="0"/>
+        </a:xfrm>
+      </p:grpSpPr>
+      <p:sp>
+        <p:nvSpPr>
+          <p:cNvPr id="3" name="Content Placeholder 2">
+            <a:extLst>
+              <a:ext uri="{FF2B5EF4-FFF2-40B4-BE49-F238E27FC236}">
+                <a16:creationId xmlns:a16="http://schemas.microsoft.com/office/drawing/2014/main" id="{1E6F3B36-FA1C-4A44-8799-54720A510D55}"/>
+              </a:ext>
+            </a:extLst>
+          </p:cNvPr>
+          <p:cNvSpPr>
+            <a:spLocks noGrp="1"/>
+          </p:cNvSpPr>
+          <p:nvPr>
+            <p:ph idx="1"/>
+          </p:nvPr>
+        </p:nvSpPr>
+        <p:spPr>
+          <a:xfrm>
+            <a:off x="1218883" y="1701797"/>
+            <a:ext cx="10360501" cy="4823547"/>
+          </a:xfrm>
+        </p:spPr>
+        <p:txBody>
+          <a:bodyPr>
+            <a:normAutofit/>
+          </a:bodyPr>
+          <a:lstStyle/>
+          <a:p>
+            <a:r>
+              <a:rPr lang="en-AU" dirty="0"/>
+              <a:t>We tried different techniques to improve generalisation</a:t>
+            </a:r>
+          </a:p>
+          <a:p>
+            <a:pPr lvl="1"/>
+            <a:r>
+              <a:rPr lang="en-AU" dirty="0"/>
+              <a:t>Data augmentation – Change input data in various ways</a:t>
+            </a:r>
+          </a:p>
+          <a:p>
+            <a:endParaRPr lang="en-AU" dirty="0"/>
+          </a:p>
+          <a:p>
+            <a:endParaRPr lang="en-AU" dirty="0"/>
+          </a:p>
+          <a:p>
+            <a:endParaRPr lang="en-AU" dirty="0"/>
+          </a:p>
+          <a:p>
+            <a:pPr marL="377886" lvl="1" indent="0">
+              <a:buNone/>
+            </a:pPr>
+            <a:endParaRPr lang="en-AU" dirty="0"/>
+          </a:p>
+          <a:p>
+            <a:pPr marL="377886" lvl="1" indent="0">
+              <a:buNone/>
+            </a:pPr>
+            <a:endParaRPr lang="en-AU" dirty="0"/>
+          </a:p>
+          <a:p>
+            <a:pPr marL="377886" lvl="1" indent="0">
+              <a:buNone/>
+            </a:pPr>
+            <a:endParaRPr lang="en-AU" dirty="0"/>
+          </a:p>
+          <a:p>
+            <a:pPr marL="377886" lvl="1" indent="0">
+              <a:buNone/>
+            </a:pPr>
+            <a:r>
+              <a:rPr lang="en-AU" dirty="0"/>
+              <a:t>Original                                           Rotated                                          Blurred</a:t>
+            </a:r>
+          </a:p>
+        </p:txBody>
+      </p:sp>
+      <p:sp>
+        <p:nvSpPr>
+          <p:cNvPr id="5" name="Title 1">
+            <a:extLst>
+              <a:ext uri="{FF2B5EF4-FFF2-40B4-BE49-F238E27FC236}">
+                <a16:creationId xmlns:a16="http://schemas.microsoft.com/office/drawing/2014/main" id="{118CBBA9-49D2-4262-9114-D0D47E7D522A}"/>
+              </a:ext>
+            </a:extLst>
+          </p:cNvPr>
+          <p:cNvSpPr txBox="1">
+            <a:spLocks/>
+          </p:cNvSpPr>
+          <p:nvPr/>
+        </p:nvSpPr>
+        <p:spPr>
+          <a:xfrm>
+            <a:off x="1371283" y="427037"/>
+            <a:ext cx="10360501" cy="1223963"/>
+          </a:xfrm>
+          <a:prstGeom prst="rect">
+            <a:avLst/>
+          </a:prstGeom>
+        </p:spPr>
+        <p:txBody>
+          <a:bodyPr vert="horz" lIns="121899" tIns="60949" rIns="121899" bIns="60949" rtlCol="0" anchor="b">
+            <a:normAutofit/>
+          </a:bodyPr>
+          <a:lstStyle>
+            <a:lvl1pPr algn="l" defTabSz="1218987" rtl="0" eaLnBrk="1" latinLnBrk="0" hangingPunct="1">
+              <a:lnSpc>
+                <a:spcPct val="90000"/>
+              </a:lnSpc>
+              <a:spcBef>
+                <a:spcPct val="0"/>
+              </a:spcBef>
+              <a:buNone/>
+              <a:defRPr sz="3600" kern="1200">
+                <a:solidFill>
+                  <a:schemeClr val="tx1"/>
+                </a:solidFill>
+                <a:latin typeface="+mj-lt"/>
+                <a:ea typeface="+mj-ea"/>
+                <a:cs typeface="+mj-cs"/>
+              </a:defRPr>
+            </a:lvl1pPr>
+          </a:lstStyle>
+          <a:p>
+            <a:r>
+              <a:rPr lang="en-AU" dirty="0"/>
+              <a:t>What didn’t work...</a:t>
+            </a:r>
+          </a:p>
+        </p:txBody>
+      </p:sp>
+      <p:pic>
+        <p:nvPicPr>
+          <p:cNvPr id="7" name="Picture 6">
+            <a:extLst>
+              <a:ext uri="{FF2B5EF4-FFF2-40B4-BE49-F238E27FC236}">
+                <a16:creationId xmlns:a16="http://schemas.microsoft.com/office/drawing/2014/main" id="{E1E48EDC-A702-402E-BD2D-CD390E72312E}"/>
+              </a:ext>
+            </a:extLst>
+          </p:cNvPr>
+          <p:cNvPicPr>
+            <a:picLocks noChangeAspect="1"/>
+          </p:cNvPicPr>
+          <p:nvPr/>
+        </p:nvPicPr>
+        <p:blipFill>
+          <a:blip r:embed="rId2">
+            <a:extLst>
+              <a:ext uri="{28A0092B-C50C-407E-A947-70E740481C1C}">
+                <a14:useLocalDpi xmlns:a14="http://schemas.microsoft.com/office/drawing/2010/main" val="0"/>
+              </a:ext>
+            </a:extLst>
+          </a:blip>
+          <a:stretch>
+            <a:fillRect/>
+          </a:stretch>
+        </p:blipFill>
+        <p:spPr>
+          <a:xfrm>
+            <a:off x="1125860" y="2897136"/>
+            <a:ext cx="2432868" cy="2432868"/>
+          </a:xfrm>
+          <a:prstGeom prst="rect">
+            <a:avLst/>
+          </a:prstGeom>
+        </p:spPr>
+      </p:pic>
+      <p:pic>
+        <p:nvPicPr>
+          <p:cNvPr id="9" name="Picture 8">
+            <a:extLst>
+              <a:ext uri="{FF2B5EF4-FFF2-40B4-BE49-F238E27FC236}">
+                <a16:creationId xmlns:a16="http://schemas.microsoft.com/office/drawing/2014/main" id="{A61F78A5-3A32-4F09-A1BB-C837BA54A57A}"/>
+              </a:ext>
+            </a:extLst>
+          </p:cNvPr>
+          <p:cNvPicPr>
+            <a:picLocks noChangeAspect="1"/>
+          </p:cNvPicPr>
+          <p:nvPr/>
+        </p:nvPicPr>
+        <p:blipFill>
+          <a:blip r:embed="rId3"/>
+          <a:stretch>
+            <a:fillRect/>
+          </a:stretch>
+        </p:blipFill>
+        <p:spPr>
+          <a:xfrm>
+            <a:off x="4798268" y="2879028"/>
+            <a:ext cx="2438400" cy="2438400"/>
+          </a:xfrm>
+          <a:prstGeom prst="rect">
+            <a:avLst/>
+          </a:prstGeom>
+        </p:spPr>
+      </p:pic>
+      <p:pic>
+        <p:nvPicPr>
+          <p:cNvPr id="10" name="Picture 9">
+            <a:extLst>
+              <a:ext uri="{FF2B5EF4-FFF2-40B4-BE49-F238E27FC236}">
+                <a16:creationId xmlns:a16="http://schemas.microsoft.com/office/drawing/2014/main" id="{C6254312-0C73-421D-800A-D65BDFAD3660}"/>
+              </a:ext>
+            </a:extLst>
+          </p:cNvPr>
+          <p:cNvPicPr>
+            <a:picLocks noChangeAspect="1"/>
+          </p:cNvPicPr>
+          <p:nvPr/>
+        </p:nvPicPr>
+        <p:blipFill>
+          <a:blip r:embed="rId4"/>
+          <a:stretch>
+            <a:fillRect/>
+          </a:stretch>
+        </p:blipFill>
+        <p:spPr>
+          <a:xfrm>
+            <a:off x="8537074" y="2874748"/>
+            <a:ext cx="2432868" cy="2455256"/>
+          </a:xfrm>
+          <a:prstGeom prst="rect">
+            <a:avLst/>
+          </a:prstGeom>
+        </p:spPr>
+      </p:pic>
     </p:spTree>
     <p:extLst>
       <p:ext uri="{BB962C8B-B14F-4D97-AF65-F5344CB8AC3E}">
@@ -17879,7 +19075,7 @@
 </p:sld>
 </file>
 
-<file path=ppt/slides/slide25.xml><?xml version="1.0" encoding="utf-8"?>
+<file path=ppt/slides/slide27.xml><?xml version="1.0" encoding="utf-8"?>
 <p:sld xmlns:a="http://schemas.openxmlformats.org/drawingml/2006/main" xmlns:r="http://schemas.openxmlformats.org/officeDocument/2006/relationships" xmlns:p="http://schemas.openxmlformats.org/presentationml/2006/main">
   <p:cSld>
     <p:spTree>
@@ -17948,30 +19144,63 @@
           </a:xfrm>
         </p:spPr>
         <p:txBody>
-          <a:bodyPr/>
+          <a:bodyPr>
+            <a:normAutofit fontScale="92500" lnSpcReduction="20000"/>
+          </a:bodyPr>
           <a:lstStyle/>
           <a:p>
             <a:r>
               <a:rPr lang="en-AU" dirty="0"/>
-              <a:t>Following the basic fast.ai principles yields generally accurate CV results</a:t>
-            </a:r>
+              <a:t>Following the Fast.AI principles yields generally accurate results</a:t>
+            </a:r>
+          </a:p>
+          <a:p>
+            <a:pPr marL="0" indent="0">
+              <a:buNone/>
+            </a:pPr>
+            <a:endParaRPr lang="en-AU" dirty="0"/>
           </a:p>
           <a:p>
             <a:r>
               <a:rPr lang="en-AU" dirty="0"/>
-              <a:t>Minimising data augmentation helped</a:t>
-            </a:r>
+              <a:t>Data augmentation should be kept to a minimum</a:t>
+            </a:r>
+          </a:p>
+          <a:p>
+            <a:pPr marL="0" indent="0">
+              <a:buNone/>
+            </a:pPr>
+            <a:endParaRPr lang="en-AU" dirty="0"/>
           </a:p>
           <a:p>
             <a:r>
               <a:rPr lang="en-AU" dirty="0"/>
-              <a:t>Randomising the test set and validation set to check yielded model results are not a fluke</a:t>
-            </a:r>
+              <a:t>Randomising the training set helps with consistency</a:t>
+            </a:r>
+          </a:p>
+          <a:p>
+            <a:pPr marL="0" indent="0">
+              <a:buNone/>
+            </a:pPr>
+            <a:endParaRPr lang="en-AU" dirty="0"/>
           </a:p>
           <a:p>
             <a:r>
               <a:rPr lang="en-AU" dirty="0"/>
-              <a:t>How team tasks can be segmented better in the future to accelerate works</a:t>
+              <a:t>More complex Neural Net models didn’t improve accuracy</a:t>
+            </a:r>
+          </a:p>
+          <a:p>
+            <a:endParaRPr lang="en-AU" dirty="0"/>
+          </a:p>
+          <a:p>
+            <a:r>
+              <a:rPr lang="en-AU" dirty="0"/>
+              <a:t>Accuracy with different approaches ranged from 86.4% to </a:t>
+            </a:r>
+            <a:r>
+              <a:rPr lang="en-AU" sz="3500" b="1" dirty="0"/>
+              <a:t>97.9%</a:t>
             </a:r>
           </a:p>
           <a:p>
@@ -17983,237 +19212,6 @@
     <p:extLst>
       <p:ext uri="{BB962C8B-B14F-4D97-AF65-F5344CB8AC3E}">
         <p14:creationId xmlns:p14="http://schemas.microsoft.com/office/powerpoint/2010/main" val="420205084"/>
-      </p:ext>
-    </p:extLst>
-  </p:cSld>
-  <p:clrMapOvr>
-    <a:masterClrMapping/>
-  </p:clrMapOvr>
-  <mc:AlternateContent xmlns:mc="http://schemas.openxmlformats.org/markup-compatibility/2006" xmlns:p14="http://schemas.microsoft.com/office/powerpoint/2010/main">
-    <mc:Choice Requires="p14">
-      <p:transition spd="med" p14:dur="700">
-        <p:fade/>
-      </p:transition>
-    </mc:Choice>
-    <mc:Fallback xmlns="">
-      <p:transition spd="med">
-        <p:fade/>
-      </p:transition>
-    </mc:Fallback>
-  </mc:AlternateContent>
-</p:sld>
-</file>
-
-<file path=ppt/slides/slide26.xml><?xml version="1.0" encoding="utf-8"?>
-<p:sld xmlns:a="http://schemas.openxmlformats.org/drawingml/2006/main" xmlns:r="http://schemas.openxmlformats.org/officeDocument/2006/relationships" xmlns:p="http://schemas.openxmlformats.org/presentationml/2006/main" show="0">
-  <p:cSld>
-    <p:spTree>
-      <p:nvGrpSpPr>
-        <p:cNvPr id="1" name=""/>
-        <p:cNvGrpSpPr/>
-        <p:nvPr/>
-      </p:nvGrpSpPr>
-      <p:grpSpPr>
-        <a:xfrm>
-          <a:off x="0" y="0"/>
-          <a:ext cx="0" cy="0"/>
-          <a:chOff x="0" y="0"/>
-          <a:chExt cx="0" cy="0"/>
-        </a:xfrm>
-      </p:grpSpPr>
-      <p:sp>
-        <p:nvSpPr>
-          <p:cNvPr id="2" name="Title 1">
-            <a:extLst>
-              <a:ext uri="{FF2B5EF4-FFF2-40B4-BE49-F238E27FC236}">
-                <a16:creationId xmlns:a16="http://schemas.microsoft.com/office/drawing/2014/main" id="{118CBBA9-49D2-4262-9114-D0D47E7D522A}"/>
-              </a:ext>
-            </a:extLst>
-          </p:cNvPr>
-          <p:cNvSpPr>
-            <a:spLocks noGrp="1"/>
-          </p:cNvSpPr>
-          <p:nvPr>
-            <p:ph type="title"/>
-          </p:nvPr>
-        </p:nvSpPr>
-        <p:spPr/>
-        <p:txBody>
-          <a:bodyPr/>
-          <a:lstStyle/>
-          <a:p>
-            <a:r>
-              <a:rPr lang="en-AU" dirty="0"/>
-              <a:t>What worked?</a:t>
-            </a:r>
-          </a:p>
-        </p:txBody>
-      </p:sp>
-      <p:sp>
-        <p:nvSpPr>
-          <p:cNvPr id="3" name="Content Placeholder 2">
-            <a:extLst>
-              <a:ext uri="{FF2B5EF4-FFF2-40B4-BE49-F238E27FC236}">
-                <a16:creationId xmlns:a16="http://schemas.microsoft.com/office/drawing/2014/main" id="{1E6F3B36-FA1C-4A44-8799-54720A510D55}"/>
-              </a:ext>
-            </a:extLst>
-          </p:cNvPr>
-          <p:cNvSpPr>
-            <a:spLocks noGrp="1"/>
-          </p:cNvSpPr>
-          <p:nvPr>
-            <p:ph idx="1"/>
-          </p:nvPr>
-        </p:nvSpPr>
-        <p:spPr>
-          <a:xfrm>
-            <a:off x="1218883" y="1701797"/>
-            <a:ext cx="10564161" cy="4462272"/>
-          </a:xfrm>
-        </p:spPr>
-        <p:txBody>
-          <a:bodyPr/>
-          <a:lstStyle/>
-          <a:p>
-            <a:r>
-              <a:rPr lang="en-AU" dirty="0"/>
-              <a:t>Dropout</a:t>
-            </a:r>
-          </a:p>
-          <a:p>
-            <a:pPr lvl="1"/>
-            <a:r>
-              <a:rPr lang="en-AU" dirty="0"/>
-              <a:t>No dropout results in rapid overfitting – not recommended</a:t>
-            </a:r>
-          </a:p>
-          <a:p>
-            <a:pPr lvl="1"/>
-            <a:r>
-              <a:rPr lang="en-AU" dirty="0"/>
-              <a:t>Default dropout of 25% (first dropout layer) and 50% (second dropout layer) in the </a:t>
-            </a:r>
-            <a:r>
-              <a:rPr lang="en-AU"/>
-              <a:t>resnet34 model worked well</a:t>
-            </a:r>
-            <a:endParaRPr lang="en-AU" dirty="0"/>
-          </a:p>
-          <a:p>
-            <a:pPr lvl="1"/>
-            <a:endParaRPr lang="en-AU" dirty="0"/>
-          </a:p>
-          <a:p>
-            <a:pPr lvl="1"/>
-            <a:endParaRPr lang="en-AU" dirty="0"/>
-          </a:p>
-          <a:p>
-            <a:pPr lvl="1"/>
-            <a:endParaRPr lang="en-AU" dirty="0"/>
-          </a:p>
-        </p:txBody>
-      </p:sp>
-    </p:spTree>
-    <p:extLst>
-      <p:ext uri="{BB962C8B-B14F-4D97-AF65-F5344CB8AC3E}">
-        <p14:creationId xmlns:p14="http://schemas.microsoft.com/office/powerpoint/2010/main" val="2167520984"/>
-      </p:ext>
-    </p:extLst>
-  </p:cSld>
-  <p:clrMapOvr>
-    <a:masterClrMapping/>
-  </p:clrMapOvr>
-  <mc:AlternateContent xmlns:mc="http://schemas.openxmlformats.org/markup-compatibility/2006" xmlns:p14="http://schemas.microsoft.com/office/powerpoint/2010/main">
-    <mc:Choice Requires="p14">
-      <p:transition spd="med" p14:dur="700">
-        <p:fade/>
-      </p:transition>
-    </mc:Choice>
-    <mc:Fallback xmlns="">
-      <p:transition spd="med">
-        <p:fade/>
-      </p:transition>
-    </mc:Fallback>
-  </mc:AlternateContent>
-</p:sld>
-</file>
-
-<file path=ppt/slides/slide27.xml><?xml version="1.0" encoding="utf-8"?>
-<p:sld xmlns:a="http://schemas.openxmlformats.org/drawingml/2006/main" xmlns:r="http://schemas.openxmlformats.org/officeDocument/2006/relationships" xmlns:p="http://schemas.openxmlformats.org/presentationml/2006/main" show="0">
-  <p:cSld>
-    <p:spTree>
-      <p:nvGrpSpPr>
-        <p:cNvPr id="1" name=""/>
-        <p:cNvGrpSpPr/>
-        <p:nvPr/>
-      </p:nvGrpSpPr>
-      <p:grpSpPr>
-        <a:xfrm>
-          <a:off x="0" y="0"/>
-          <a:ext cx="0" cy="0"/>
-          <a:chOff x="0" y="0"/>
-          <a:chExt cx="0" cy="0"/>
-        </a:xfrm>
-      </p:grpSpPr>
-      <p:sp>
-        <p:nvSpPr>
-          <p:cNvPr id="4" name="Title 3"/>
-          <p:cNvSpPr>
-            <a:spLocks noGrp="1"/>
-          </p:cNvSpPr>
-          <p:nvPr>
-            <p:ph type="title"/>
-          </p:nvPr>
-        </p:nvSpPr>
-        <p:spPr/>
-        <p:txBody>
-          <a:bodyPr/>
-          <a:lstStyle/>
-          <a:p>
-            <a:r>
-              <a:rPr lang="en-US" dirty="0"/>
-              <a:t>Challenge 2</a:t>
-            </a:r>
-          </a:p>
-        </p:txBody>
-      </p:sp>
-      <p:sp>
-        <p:nvSpPr>
-          <p:cNvPr id="5" name="Text Placeholder 4"/>
-          <p:cNvSpPr>
-            <a:spLocks noGrp="1"/>
-          </p:cNvSpPr>
-          <p:nvPr>
-            <p:ph type="body" idx="1"/>
-          </p:nvPr>
-        </p:nvSpPr>
-        <p:spPr/>
-        <p:txBody>
-          <a:bodyPr>
-            <a:normAutofit lnSpcReduction="10000"/>
-          </a:bodyPr>
-          <a:lstStyle/>
-          <a:p>
-            <a:r>
-              <a:rPr lang="en-US" dirty="0"/>
-              <a:t>Photovoltaic generation</a:t>
-            </a:r>
-          </a:p>
-          <a:p>
-            <a:endParaRPr lang="en-US" dirty="0"/>
-          </a:p>
-          <a:p>
-            <a:r>
-              <a:rPr lang="en-US" dirty="0"/>
-              <a:t>PART B - SIZING</a:t>
-            </a:r>
-          </a:p>
-        </p:txBody>
-      </p:sp>
-    </p:spTree>
-    <p:extLst>
-      <p:ext uri="{BB962C8B-B14F-4D97-AF65-F5344CB8AC3E}">
-        <p14:creationId xmlns:p14="http://schemas.microsoft.com/office/powerpoint/2010/main" val="3970823378"/>
       </p:ext>
     </p:extLst>
   </p:cSld>
@@ -18275,6 +19273,352 @@
           <a:p>
             <a:r>
               <a:rPr lang="en-AU" dirty="0"/>
+              <a:t>What worked?</a:t>
+            </a:r>
+          </a:p>
+        </p:txBody>
+      </p:sp>
+      <p:sp>
+        <p:nvSpPr>
+          <p:cNvPr id="3" name="Content Placeholder 2">
+            <a:extLst>
+              <a:ext uri="{FF2B5EF4-FFF2-40B4-BE49-F238E27FC236}">
+                <a16:creationId xmlns:a16="http://schemas.microsoft.com/office/drawing/2014/main" id="{1E6F3B36-FA1C-4A44-8799-54720A510D55}"/>
+              </a:ext>
+            </a:extLst>
+          </p:cNvPr>
+          <p:cNvSpPr>
+            <a:spLocks noGrp="1"/>
+          </p:cNvSpPr>
+          <p:nvPr>
+            <p:ph idx="1"/>
+          </p:nvPr>
+        </p:nvSpPr>
+        <p:spPr>
+          <a:xfrm>
+            <a:off x="1218883" y="1701797"/>
+            <a:ext cx="10564161" cy="4462272"/>
+          </a:xfrm>
+        </p:spPr>
+        <p:txBody>
+          <a:bodyPr/>
+          <a:lstStyle/>
+          <a:p>
+            <a:r>
+              <a:rPr lang="en-AU" dirty="0"/>
+              <a:t>Dropout</a:t>
+            </a:r>
+          </a:p>
+          <a:p>
+            <a:pPr lvl="1"/>
+            <a:r>
+              <a:rPr lang="en-AU" dirty="0"/>
+              <a:t>No dropout results in rapid overfitting – not recommended</a:t>
+            </a:r>
+          </a:p>
+          <a:p>
+            <a:pPr lvl="1"/>
+            <a:r>
+              <a:rPr lang="en-AU" dirty="0"/>
+              <a:t>Default dropout of 25% (first dropout layer) and 50% (second dropout layer) in the </a:t>
+            </a:r>
+            <a:r>
+              <a:rPr lang="en-AU"/>
+              <a:t>resnet34 model worked well</a:t>
+            </a:r>
+            <a:endParaRPr lang="en-AU" dirty="0"/>
+          </a:p>
+          <a:p>
+            <a:pPr lvl="1"/>
+            <a:endParaRPr lang="en-AU" dirty="0"/>
+          </a:p>
+          <a:p>
+            <a:pPr lvl="1"/>
+            <a:endParaRPr lang="en-AU" dirty="0"/>
+          </a:p>
+          <a:p>
+            <a:pPr lvl="1"/>
+            <a:endParaRPr lang="en-AU" dirty="0"/>
+          </a:p>
+        </p:txBody>
+      </p:sp>
+    </p:spTree>
+    <p:extLst>
+      <p:ext uri="{BB962C8B-B14F-4D97-AF65-F5344CB8AC3E}">
+        <p14:creationId xmlns:p14="http://schemas.microsoft.com/office/powerpoint/2010/main" val="2167520984"/>
+      </p:ext>
+    </p:extLst>
+  </p:cSld>
+  <p:clrMapOvr>
+    <a:masterClrMapping/>
+  </p:clrMapOvr>
+  <mc:AlternateContent xmlns:mc="http://schemas.openxmlformats.org/markup-compatibility/2006" xmlns:p14="http://schemas.microsoft.com/office/powerpoint/2010/main">
+    <mc:Choice Requires="p14">
+      <p:transition spd="med" p14:dur="700">
+        <p:fade/>
+      </p:transition>
+    </mc:Choice>
+    <mc:Fallback xmlns="">
+      <p:transition spd="med">
+        <p:fade/>
+      </p:transition>
+    </mc:Fallback>
+  </mc:AlternateContent>
+</p:sld>
+</file>
+
+<file path=ppt/slides/slide29.xml><?xml version="1.0" encoding="utf-8"?>
+<p:sld xmlns:a="http://schemas.openxmlformats.org/drawingml/2006/main" xmlns:r="http://schemas.openxmlformats.org/officeDocument/2006/relationships" xmlns:p="http://schemas.openxmlformats.org/presentationml/2006/main" show="0">
+  <p:cSld>
+    <p:spTree>
+      <p:nvGrpSpPr>
+        <p:cNvPr id="1" name=""/>
+        <p:cNvGrpSpPr/>
+        <p:nvPr/>
+      </p:nvGrpSpPr>
+      <p:grpSpPr>
+        <a:xfrm>
+          <a:off x="0" y="0"/>
+          <a:ext cx="0" cy="0"/>
+          <a:chOff x="0" y="0"/>
+          <a:chExt cx="0" cy="0"/>
+        </a:xfrm>
+      </p:grpSpPr>
+      <p:sp>
+        <p:nvSpPr>
+          <p:cNvPr id="4" name="Title 3"/>
+          <p:cNvSpPr>
+            <a:spLocks noGrp="1"/>
+          </p:cNvSpPr>
+          <p:nvPr>
+            <p:ph type="title"/>
+          </p:nvPr>
+        </p:nvSpPr>
+        <p:spPr/>
+        <p:txBody>
+          <a:bodyPr/>
+          <a:lstStyle/>
+          <a:p>
+            <a:r>
+              <a:rPr lang="en-US" dirty="0"/>
+              <a:t>Challenge 2</a:t>
+            </a:r>
+          </a:p>
+        </p:txBody>
+      </p:sp>
+      <p:sp>
+        <p:nvSpPr>
+          <p:cNvPr id="5" name="Text Placeholder 4"/>
+          <p:cNvSpPr>
+            <a:spLocks noGrp="1"/>
+          </p:cNvSpPr>
+          <p:nvPr>
+            <p:ph type="body" idx="1"/>
+          </p:nvPr>
+        </p:nvSpPr>
+        <p:spPr/>
+        <p:txBody>
+          <a:bodyPr>
+            <a:normAutofit lnSpcReduction="10000"/>
+          </a:bodyPr>
+          <a:lstStyle/>
+          <a:p>
+            <a:r>
+              <a:rPr lang="en-US" dirty="0"/>
+              <a:t>Photovoltaic generation</a:t>
+            </a:r>
+          </a:p>
+          <a:p>
+            <a:endParaRPr lang="en-US" dirty="0"/>
+          </a:p>
+          <a:p>
+            <a:r>
+              <a:rPr lang="en-US" dirty="0"/>
+              <a:t>PART B - SIZING</a:t>
+            </a:r>
+          </a:p>
+        </p:txBody>
+      </p:sp>
+    </p:spTree>
+    <p:extLst>
+      <p:ext uri="{BB962C8B-B14F-4D97-AF65-F5344CB8AC3E}">
+        <p14:creationId xmlns:p14="http://schemas.microsoft.com/office/powerpoint/2010/main" val="3970823378"/>
+      </p:ext>
+    </p:extLst>
+  </p:cSld>
+  <p:clrMapOvr>
+    <a:masterClrMapping/>
+  </p:clrMapOvr>
+  <mc:AlternateContent xmlns:mc="http://schemas.openxmlformats.org/markup-compatibility/2006" xmlns:p14="http://schemas.microsoft.com/office/powerpoint/2010/main">
+    <mc:Choice Requires="p14">
+      <p:transition spd="med" p14:dur="700">
+        <p:fade/>
+      </p:transition>
+    </mc:Choice>
+    <mc:Fallback xmlns="">
+      <p:transition spd="med">
+        <p:fade/>
+      </p:transition>
+    </mc:Fallback>
+  </mc:AlternateContent>
+</p:sld>
+</file>
+
+<file path=ppt/slides/slide3.xml><?xml version="1.0" encoding="utf-8"?>
+<p:sld xmlns:a="http://schemas.openxmlformats.org/drawingml/2006/main" xmlns:r="http://schemas.openxmlformats.org/officeDocument/2006/relationships" xmlns:p="http://schemas.openxmlformats.org/presentationml/2006/main">
+  <p:cSld>
+    <p:spTree>
+      <p:nvGrpSpPr>
+        <p:cNvPr id="1" name=""/>
+        <p:cNvGrpSpPr/>
+        <p:nvPr/>
+      </p:nvGrpSpPr>
+      <p:grpSpPr>
+        <a:xfrm>
+          <a:off x="0" y="0"/>
+          <a:ext cx="0" cy="0"/>
+          <a:chOff x="0" y="0"/>
+          <a:chExt cx="0" cy="0"/>
+        </a:xfrm>
+      </p:grpSpPr>
+      <p:sp>
+        <p:nvSpPr>
+          <p:cNvPr id="2" name="Title 1"/>
+          <p:cNvSpPr>
+            <a:spLocks noGrp="1"/>
+          </p:cNvSpPr>
+          <p:nvPr>
+            <p:ph type="title"/>
+          </p:nvPr>
+        </p:nvSpPr>
+        <p:spPr/>
+        <p:txBody>
+          <a:bodyPr/>
+          <a:lstStyle/>
+          <a:p>
+            <a:r>
+              <a:rPr lang="en-AU" dirty="0"/>
+              <a:t>Our Overall Approach</a:t>
+            </a:r>
+          </a:p>
+        </p:txBody>
+      </p:sp>
+      <p:sp>
+        <p:nvSpPr>
+          <p:cNvPr id="3" name="Content Placeholder 2"/>
+          <p:cNvSpPr>
+            <a:spLocks noGrp="1"/>
+          </p:cNvSpPr>
+          <p:nvPr>
+            <p:ph idx="1"/>
+          </p:nvPr>
+        </p:nvSpPr>
+        <p:spPr/>
+        <p:txBody>
+          <a:bodyPr/>
+          <a:lstStyle/>
+          <a:p>
+            <a:r>
+              <a:rPr lang="en-AU" dirty="0"/>
+              <a:t>Initial idea was to split the team in half and share learnings</a:t>
+            </a:r>
+          </a:p>
+          <a:p>
+            <a:r>
+              <a:rPr lang="en-AU" dirty="0"/>
+              <a:t>Team members choose what they are </a:t>
+            </a:r>
+            <a:r>
+              <a:rPr lang="en-AU"/>
+              <a:t>interested in</a:t>
+            </a:r>
+            <a:endParaRPr lang="en-AU" dirty="0"/>
+          </a:p>
+          <a:p>
+            <a:r>
+              <a:rPr lang="en-AU" dirty="0"/>
+              <a:t>We undertook both challenges, but only Part A of Challenge 2</a:t>
+            </a:r>
+          </a:p>
+          <a:p>
+            <a:r>
+              <a:rPr lang="en-AU" dirty="0"/>
+              <a:t>Learnings captured on GitHub repository wiki</a:t>
+            </a:r>
+          </a:p>
+          <a:p>
+            <a:r>
+              <a:rPr lang="en-AU" dirty="0"/>
+              <a:t>Queries and tasks managed via team Slack channel</a:t>
+            </a:r>
+          </a:p>
+        </p:txBody>
+      </p:sp>
+    </p:spTree>
+    <p:extLst>
+      <p:ext uri="{BB962C8B-B14F-4D97-AF65-F5344CB8AC3E}">
+        <p14:creationId xmlns:p14="http://schemas.microsoft.com/office/powerpoint/2010/main" val="1754699648"/>
+      </p:ext>
+    </p:extLst>
+  </p:cSld>
+  <p:clrMapOvr>
+    <a:masterClrMapping/>
+  </p:clrMapOvr>
+  <mc:AlternateContent xmlns:mc="http://schemas.openxmlformats.org/markup-compatibility/2006" xmlns:p14="http://schemas.microsoft.com/office/powerpoint/2010/main">
+    <mc:Choice Requires="p14">
+      <p:transition spd="med" p14:dur="700">
+        <p:fade/>
+      </p:transition>
+    </mc:Choice>
+    <mc:Fallback xmlns="">
+      <p:transition spd="med">
+        <p:fade/>
+      </p:transition>
+    </mc:Fallback>
+  </mc:AlternateContent>
+</p:sld>
+</file>
+
+<file path=ppt/slides/slide30.xml><?xml version="1.0" encoding="utf-8"?>
+<p:sld xmlns:a="http://schemas.openxmlformats.org/drawingml/2006/main" xmlns:r="http://schemas.openxmlformats.org/officeDocument/2006/relationships" xmlns:p="http://schemas.openxmlformats.org/presentationml/2006/main" show="0">
+  <p:cSld>
+    <p:spTree>
+      <p:nvGrpSpPr>
+        <p:cNvPr id="1" name=""/>
+        <p:cNvGrpSpPr/>
+        <p:nvPr/>
+      </p:nvGrpSpPr>
+      <p:grpSpPr>
+        <a:xfrm>
+          <a:off x="0" y="0"/>
+          <a:ext cx="0" cy="0"/>
+          <a:chOff x="0" y="0"/>
+          <a:chExt cx="0" cy="0"/>
+        </a:xfrm>
+      </p:grpSpPr>
+      <p:sp>
+        <p:nvSpPr>
+          <p:cNvPr id="2" name="Title 1">
+            <a:extLst>
+              <a:ext uri="{FF2B5EF4-FFF2-40B4-BE49-F238E27FC236}">
+                <a16:creationId xmlns:a16="http://schemas.microsoft.com/office/drawing/2014/main" id="{118CBBA9-49D2-4262-9114-D0D47E7D522A}"/>
+              </a:ext>
+            </a:extLst>
+          </p:cNvPr>
+          <p:cNvSpPr>
+            <a:spLocks noGrp="1"/>
+          </p:cNvSpPr>
+          <p:nvPr>
+            <p:ph type="title"/>
+          </p:nvPr>
+        </p:nvSpPr>
+        <p:spPr/>
+        <p:txBody>
+          <a:bodyPr/>
+          <a:lstStyle/>
+          <a:p>
+            <a:r>
+              <a:rPr lang="en-AU" dirty="0"/>
               <a:t>Overview</a:t>
             </a:r>
           </a:p>
@@ -18359,7 +19703,7 @@
 </p:sld>
 </file>
 
-<file path=ppt/slides/slide29.xml><?xml version="1.0" encoding="utf-8"?>
+<file path=ppt/slides/slide31.xml><?xml version="1.0" encoding="utf-8"?>
 <p:sld xmlns:a="http://schemas.openxmlformats.org/drawingml/2006/main" xmlns:r="http://schemas.openxmlformats.org/officeDocument/2006/relationships" xmlns:p="http://schemas.openxmlformats.org/presentationml/2006/main">
   <p:cSld>
     <p:spTree>
@@ -18532,121 +19876,6 @@
     <p:extLst>
       <p:ext uri="{BB962C8B-B14F-4D97-AF65-F5344CB8AC3E}">
         <p14:creationId xmlns:p14="http://schemas.microsoft.com/office/powerpoint/2010/main" val="36318704"/>
-      </p:ext>
-    </p:extLst>
-  </p:cSld>
-  <p:clrMapOvr>
-    <a:masterClrMapping/>
-  </p:clrMapOvr>
-  <mc:AlternateContent xmlns:mc="http://schemas.openxmlformats.org/markup-compatibility/2006" xmlns:p14="http://schemas.microsoft.com/office/powerpoint/2010/main">
-    <mc:Choice Requires="p14">
-      <p:transition spd="med" p14:dur="700">
-        <p:fade/>
-      </p:transition>
-    </mc:Choice>
-    <mc:Fallback xmlns="">
-      <p:transition spd="med">
-        <p:fade/>
-      </p:transition>
-    </mc:Fallback>
-  </mc:AlternateContent>
-</p:sld>
-</file>
-
-<file path=ppt/slides/slide3.xml><?xml version="1.0" encoding="utf-8"?>
-<p:sld xmlns:a="http://schemas.openxmlformats.org/drawingml/2006/main" xmlns:r="http://schemas.openxmlformats.org/officeDocument/2006/relationships" xmlns:p="http://schemas.openxmlformats.org/presentationml/2006/main">
-  <p:cSld>
-    <p:spTree>
-      <p:nvGrpSpPr>
-        <p:cNvPr id="1" name=""/>
-        <p:cNvGrpSpPr/>
-        <p:nvPr/>
-      </p:nvGrpSpPr>
-      <p:grpSpPr>
-        <a:xfrm>
-          <a:off x="0" y="0"/>
-          <a:ext cx="0" cy="0"/>
-          <a:chOff x="0" y="0"/>
-          <a:chExt cx="0" cy="0"/>
-        </a:xfrm>
-      </p:grpSpPr>
-      <p:sp>
-        <p:nvSpPr>
-          <p:cNvPr id="2" name="Title 1"/>
-          <p:cNvSpPr>
-            <a:spLocks noGrp="1"/>
-          </p:cNvSpPr>
-          <p:nvPr>
-            <p:ph type="title"/>
-          </p:nvPr>
-        </p:nvSpPr>
-        <p:spPr/>
-        <p:txBody>
-          <a:bodyPr/>
-          <a:lstStyle/>
-          <a:p>
-            <a:r>
-              <a:rPr lang="en-AU" dirty="0"/>
-              <a:t>Our Overall Approach</a:t>
-            </a:r>
-          </a:p>
-        </p:txBody>
-      </p:sp>
-      <p:sp>
-        <p:nvSpPr>
-          <p:cNvPr id="3" name="Content Placeholder 2"/>
-          <p:cNvSpPr>
-            <a:spLocks noGrp="1"/>
-          </p:cNvSpPr>
-          <p:nvPr>
-            <p:ph idx="1"/>
-          </p:nvPr>
-        </p:nvSpPr>
-        <p:spPr/>
-        <p:txBody>
-          <a:bodyPr/>
-          <a:lstStyle/>
-          <a:p>
-            <a:r>
-              <a:rPr lang="en-AU" dirty="0"/>
-              <a:t>Initial idea was to split the team in half and share learnings</a:t>
-            </a:r>
-          </a:p>
-          <a:p>
-            <a:r>
-              <a:rPr lang="en-AU" dirty="0"/>
-              <a:t>Team members choose what they are </a:t>
-            </a:r>
-            <a:r>
-              <a:rPr lang="en-AU"/>
-              <a:t>interested in</a:t>
-            </a:r>
-            <a:endParaRPr lang="en-AU" dirty="0"/>
-          </a:p>
-          <a:p>
-            <a:r>
-              <a:rPr lang="en-AU" dirty="0"/>
-              <a:t>We undertook both challenges, but only Part A of Challenge 2</a:t>
-            </a:r>
-          </a:p>
-          <a:p>
-            <a:r>
-              <a:rPr lang="en-AU" dirty="0"/>
-              <a:t>Learnings captured on GitHub repository wiki</a:t>
-            </a:r>
-          </a:p>
-          <a:p>
-            <a:r>
-              <a:rPr lang="en-AU" dirty="0"/>
-              <a:t>Queries and tasks managed via team Slack channel</a:t>
-            </a:r>
-          </a:p>
-        </p:txBody>
-      </p:sp>
-    </p:spTree>
-    <p:extLst>
-      <p:ext uri="{BB962C8B-B14F-4D97-AF65-F5344CB8AC3E}">
-        <p14:creationId xmlns:p14="http://schemas.microsoft.com/office/powerpoint/2010/main" val="1754699648"/>
       </p:ext>
     </p:extLst>
   </p:cSld>
@@ -20697,142 +21926,6 @@
 </file>
 
 <file path=customXml/item1.xml><?xml version="1.0" encoding="utf-8"?>
-<p:properties xmlns:p="http://schemas.microsoft.com/office/2006/metadata/properties" xmlns:xsi="http://www.w3.org/2001/XMLSchema-instance" xmlns:pc="http://schemas.microsoft.com/office/infopath/2007/PartnerControls">
-  <documentManagement>
-    <LocPublishedLinkedAssetsLookup xmlns="4873beb7-5857-4685-be1f-d57550cc96cc" xsi:nil="true"/>
-    <ApprovalStatus xmlns="4873beb7-5857-4685-be1f-d57550cc96cc">InProgress</ApprovalStatus>
-    <MarketSpecific xmlns="4873beb7-5857-4685-be1f-d57550cc96cc">false</MarketSpecific>
-    <LocComments xmlns="4873beb7-5857-4685-be1f-d57550cc96cc" xsi:nil="true"/>
-    <LocLastLocAttemptVersionTypeLookup xmlns="4873beb7-5857-4685-be1f-d57550cc96cc" xsi:nil="true"/>
-    <DirectSourceMarket xmlns="4873beb7-5857-4685-be1f-d57550cc96cc" xsi:nil="true"/>
-    <ThumbnailAssetId xmlns="4873beb7-5857-4685-be1f-d57550cc96cc" xsi:nil="true"/>
-    <PrimaryImageGen xmlns="4873beb7-5857-4685-be1f-d57550cc96cc">false</PrimaryImageGen>
-    <LocNewPublishedVersionLookup xmlns="4873beb7-5857-4685-be1f-d57550cc96cc" xsi:nil="true"/>
-    <LegacyData xmlns="4873beb7-5857-4685-be1f-d57550cc96cc" xsi:nil="true"/>
-    <LocRecommendedHandoff xmlns="4873beb7-5857-4685-be1f-d57550cc96cc" xsi:nil="true"/>
-    <BusinessGroup xmlns="4873beb7-5857-4685-be1f-d57550cc96cc" xsi:nil="true"/>
-    <BlockPublish xmlns="4873beb7-5857-4685-be1f-d57550cc96cc">false</BlockPublish>
-    <TPFriendlyName xmlns="4873beb7-5857-4685-be1f-d57550cc96cc" xsi:nil="true"/>
-    <LocOverallPublishStatusLookup xmlns="4873beb7-5857-4685-be1f-d57550cc96cc" xsi:nil="true"/>
-    <NumericId xmlns="4873beb7-5857-4685-be1f-d57550cc96cc" xsi:nil="true"/>
-    <APEditor xmlns="4873beb7-5857-4685-be1f-d57550cc96cc">
-      <UserInfo>
-        <DisplayName/>
-        <AccountId xsi:nil="true"/>
-        <AccountType/>
-      </UserInfo>
-    </APEditor>
-    <SourceTitle xmlns="4873beb7-5857-4685-be1f-d57550cc96cc" xsi:nil="true"/>
-    <OpenTemplate xmlns="4873beb7-5857-4685-be1f-d57550cc96cc">true</OpenTemplate>
-    <LocOverallLocStatusLookup xmlns="4873beb7-5857-4685-be1f-d57550cc96cc" xsi:nil="true"/>
-    <UALocComments xmlns="4873beb7-5857-4685-be1f-d57550cc96cc" xsi:nil="true"/>
-    <ParentAssetId xmlns="4873beb7-5857-4685-be1f-d57550cc96cc" xsi:nil="true"/>
-    <IntlLangReviewDate xmlns="4873beb7-5857-4685-be1f-d57550cc96cc" xsi:nil="true"/>
-    <FeatureTagsTaxHTField0 xmlns="4873beb7-5857-4685-be1f-d57550cc96cc">
-      <Terms xmlns="http://schemas.microsoft.com/office/infopath/2007/PartnerControls"/>
-    </FeatureTagsTaxHTField0>
-    <PublishStatusLookup xmlns="4873beb7-5857-4685-be1f-d57550cc96cc">
-      <Value>1345093</Value>
-    </PublishStatusLookup>
-    <Providers xmlns="4873beb7-5857-4685-be1f-d57550cc96cc" xsi:nil="true"/>
-    <MachineTranslated xmlns="4873beb7-5857-4685-be1f-d57550cc96cc">false</MachineTranslated>
-    <OriginalSourceMarket xmlns="4873beb7-5857-4685-be1f-d57550cc96cc" xsi:nil="true"/>
-    <APDescription xmlns="4873beb7-5857-4685-be1f-d57550cc96cc">This simple template design works for technology and  businesses, but it's versatile enough to use in other contexts.  It features multiple slide layouts designed for widescreen (16x9 resolution) and includes a sample SmartArt list and chart that are easily editable.</APDescription>
-    <ClipArtFilename xmlns="4873beb7-5857-4685-be1f-d57550cc96cc" xsi:nil="true"/>
-    <ContentItem xmlns="4873beb7-5857-4685-be1f-d57550cc96cc" xsi:nil="true"/>
-    <TPInstallLocation xmlns="4873beb7-5857-4685-be1f-d57550cc96cc" xsi:nil="true"/>
-    <PublishTargets xmlns="4873beb7-5857-4685-be1f-d57550cc96cc">OfficeOnlineVNext</PublishTargets>
-    <TimesCloned xmlns="4873beb7-5857-4685-be1f-d57550cc96cc" xsi:nil="true"/>
-    <AssetStart xmlns="4873beb7-5857-4685-be1f-d57550cc96cc">2011-11-26T00:30:00+00:00</AssetStart>
-    <Provider xmlns="4873beb7-5857-4685-be1f-d57550cc96cc" xsi:nil="true"/>
-    <AcquiredFrom xmlns="4873beb7-5857-4685-be1f-d57550cc96cc">Internal MS</AcquiredFrom>
-    <FriendlyTitle xmlns="4873beb7-5857-4685-be1f-d57550cc96cc" xsi:nil="true"/>
-    <LastHandOff xmlns="4873beb7-5857-4685-be1f-d57550cc96cc" xsi:nil="true"/>
-    <TPClientViewer xmlns="4873beb7-5857-4685-be1f-d57550cc96cc" xsi:nil="true"/>
-    <TemplateStatus xmlns="4873beb7-5857-4685-be1f-d57550cc96cc">Complete</TemplateStatus>
-    <Downloads xmlns="4873beb7-5857-4685-be1f-d57550cc96cc">0</Downloads>
-    <OOCacheId xmlns="4873beb7-5857-4685-be1f-d57550cc96cc" xsi:nil="true"/>
-    <IsDeleted xmlns="4873beb7-5857-4685-be1f-d57550cc96cc">false</IsDeleted>
-    <LocPublishedDependentAssetsLookup xmlns="4873beb7-5857-4685-be1f-d57550cc96cc" xsi:nil="true"/>
-    <TPExecutable xmlns="4873beb7-5857-4685-be1f-d57550cc96cc" xsi:nil="true"/>
-    <EditorialTags xmlns="4873beb7-5857-4685-be1f-d57550cc96cc" xsi:nil="true"/>
-    <SubmitterId xmlns="4873beb7-5857-4685-be1f-d57550cc96cc" xsi:nil="true"/>
-    <ApprovalLog xmlns="4873beb7-5857-4685-be1f-d57550cc96cc" xsi:nil="true"/>
-    <AssetType xmlns="4873beb7-5857-4685-be1f-d57550cc96cc">TP</AssetType>
-    <BugNumber xmlns="4873beb7-5857-4685-be1f-d57550cc96cc" xsi:nil="true"/>
-    <CSXSubmissionDate xmlns="4873beb7-5857-4685-be1f-d57550cc96cc" xsi:nil="true"/>
-    <CSXUpdate xmlns="4873beb7-5857-4685-be1f-d57550cc96cc">false</CSXUpdate>
-    <Milestone xmlns="4873beb7-5857-4685-be1f-d57550cc96cc" xsi:nil="true"/>
-    <RecommendationsModifier xmlns="4873beb7-5857-4685-be1f-d57550cc96cc" xsi:nil="true"/>
-    <OriginAsset xmlns="4873beb7-5857-4685-be1f-d57550cc96cc" xsi:nil="true"/>
-    <TPComponent xmlns="4873beb7-5857-4685-be1f-d57550cc96cc" xsi:nil="true"/>
-    <AssetId xmlns="4873beb7-5857-4685-be1f-d57550cc96cc">TP102787989</AssetId>
-    <IntlLocPriority xmlns="4873beb7-5857-4685-be1f-d57550cc96cc" xsi:nil="true"/>
-    <PolicheckWords xmlns="4873beb7-5857-4685-be1f-d57550cc96cc" xsi:nil="true"/>
-    <TPLaunchHelpLink xmlns="4873beb7-5857-4685-be1f-d57550cc96cc" xsi:nil="true"/>
-    <TPApplication xmlns="4873beb7-5857-4685-be1f-d57550cc96cc" xsi:nil="true"/>
-    <CrawlForDependencies xmlns="4873beb7-5857-4685-be1f-d57550cc96cc">false</CrawlForDependencies>
-    <HandoffToMSDN xmlns="4873beb7-5857-4685-be1f-d57550cc96cc" xsi:nil="true"/>
-    <PlannedPubDate xmlns="4873beb7-5857-4685-be1f-d57550cc96cc" xsi:nil="true"/>
-    <IntlLangReviewer xmlns="4873beb7-5857-4685-be1f-d57550cc96cc" xsi:nil="true"/>
-    <TrustLevel xmlns="4873beb7-5857-4685-be1f-d57550cc96cc">1 Microsoft Managed Content</TrustLevel>
-    <LocLastLocAttemptVersionLookup xmlns="4873beb7-5857-4685-be1f-d57550cc96cc">694266</LocLastLocAttemptVersionLookup>
-    <LocProcessedForHandoffsLookup xmlns="4873beb7-5857-4685-be1f-d57550cc96cc" xsi:nil="true"/>
-    <IsSearchable xmlns="4873beb7-5857-4685-be1f-d57550cc96cc">true</IsSearchable>
-    <TemplateTemplateType xmlns="4873beb7-5857-4685-be1f-d57550cc96cc">PowerPoint Presentation Template</TemplateTemplateType>
-    <CampaignTagsTaxHTField0 xmlns="4873beb7-5857-4685-be1f-d57550cc96cc">
-      <Terms xmlns="http://schemas.microsoft.com/office/infopath/2007/PartnerControls"/>
-    </CampaignTagsTaxHTField0>
-    <TPNamespace xmlns="4873beb7-5857-4685-be1f-d57550cc96cc" xsi:nil="true"/>
-    <LocOverallPreviewStatusLookup xmlns="4873beb7-5857-4685-be1f-d57550cc96cc" xsi:nil="true"/>
-    <TaxCatchAll xmlns="4873beb7-5857-4685-be1f-d57550cc96cc"/>
-    <Markets xmlns="4873beb7-5857-4685-be1f-d57550cc96cc"/>
-    <UAProjectedTotalWords xmlns="4873beb7-5857-4685-be1f-d57550cc96cc" xsi:nil="true"/>
-    <IntlLangReview xmlns="4873beb7-5857-4685-be1f-d57550cc96cc" xsi:nil="true"/>
-    <OutputCachingOn xmlns="4873beb7-5857-4685-be1f-d57550cc96cc">false</OutputCachingOn>
-    <AverageRating xmlns="4873beb7-5857-4685-be1f-d57550cc96cc" xsi:nil="true"/>
-    <APAuthor xmlns="4873beb7-5857-4685-be1f-d57550cc96cc">
-      <UserInfo>
-        <DisplayName>REDMOND\kristaa</DisplayName>
-        <AccountId>136</AccountId>
-        <AccountType/>
-      </UserInfo>
-    </APAuthor>
-    <LocManualTestRequired xmlns="4873beb7-5857-4685-be1f-d57550cc96cc">false</LocManualTestRequired>
-    <TPCommandLine xmlns="4873beb7-5857-4685-be1f-d57550cc96cc" xsi:nil="true"/>
-    <TPAppVersion xmlns="4873beb7-5857-4685-be1f-d57550cc96cc" xsi:nil="true"/>
-    <EditorialStatus xmlns="4873beb7-5857-4685-be1f-d57550cc96cc">Complete</EditorialStatus>
-    <LastModifiedDateTime xmlns="4873beb7-5857-4685-be1f-d57550cc96cc" xsi:nil="true"/>
-    <ScenarioTagsTaxHTField0 xmlns="4873beb7-5857-4685-be1f-d57550cc96cc">
-      <Terms xmlns="http://schemas.microsoft.com/office/infopath/2007/PartnerControls"/>
-    </ScenarioTagsTaxHTField0>
-    <LocProcessedForMarketsLookup xmlns="4873beb7-5857-4685-be1f-d57550cc96cc" xsi:nil="true"/>
-    <TPLaunchHelpLinkType xmlns="4873beb7-5857-4685-be1f-d57550cc96cc">Template</TPLaunchHelpLinkType>
-    <OriginalRelease xmlns="4873beb7-5857-4685-be1f-d57550cc96cc">15</OriginalRelease>
-    <LocalizationTagsTaxHTField0 xmlns="4873beb7-5857-4685-be1f-d57550cc96cc">
-      <Terms xmlns="http://schemas.microsoft.com/office/infopath/2007/PartnerControls"/>
-    </LocalizationTagsTaxHTField0>
-    <UACurrentWords xmlns="4873beb7-5857-4685-be1f-d57550cc96cc" xsi:nil="true"/>
-    <ArtSampleDocs xmlns="4873beb7-5857-4685-be1f-d57550cc96cc" xsi:nil="true"/>
-    <UALocRecommendation xmlns="4873beb7-5857-4685-be1f-d57550cc96cc">Localize</UALocRecommendation>
-    <Manager xmlns="4873beb7-5857-4685-be1f-d57550cc96cc" xsi:nil="true"/>
-    <LocOverallHandbackStatusLookup xmlns="4873beb7-5857-4685-be1f-d57550cc96cc" xsi:nil="true"/>
-    <ShowIn xmlns="4873beb7-5857-4685-be1f-d57550cc96cc">Show everywhere</ShowIn>
-    <UANotes xmlns="4873beb7-5857-4685-be1f-d57550cc96cc" xsi:nil="true"/>
-    <InternalTagsTaxHTField0 xmlns="4873beb7-5857-4685-be1f-d57550cc96cc">
-      <Terms xmlns="http://schemas.microsoft.com/office/infopath/2007/PartnerControls"/>
-    </InternalTagsTaxHTField0>
-    <CSXHash xmlns="4873beb7-5857-4685-be1f-d57550cc96cc" xsi:nil="true"/>
-    <VoteCount xmlns="4873beb7-5857-4685-be1f-d57550cc96cc" xsi:nil="true"/>
-    <AssetExpire xmlns="4873beb7-5857-4685-be1f-d57550cc96cc">2029-05-12T07:00:00+00:00</AssetExpire>
-    <DSATActionTaken xmlns="4873beb7-5857-4685-be1f-d57550cc96cc" xsi:nil="true"/>
-    <CSXSubmissionMarket xmlns="4873beb7-5857-4685-be1f-d57550cc96cc" xsi:nil="true"/>
-    <LocMarketGroupTiers2 xmlns="4873beb7-5857-4685-be1f-d57550cc96cc" xsi:nil="true"/>
-  </documentManagement>
-</p:properties>
-</file>
-
-<file path=customXml/item2.xml><?xml version="1.0" encoding="utf-8"?>
 <ct:contentTypeSchema xmlns:ct="http://schemas.microsoft.com/office/2006/metadata/contentType" xmlns:ma="http://schemas.microsoft.com/office/2006/metadata/properties/metaAttributes" ct:_="" ma:_="" ma:contentTypeName="TemplateFile" ma:contentTypeID="0x0101006EDDDB5EE6D98C44930B742096920B300400F5B6D36B3EF94B4E9A635CDF2A18F5B8" ma:contentTypeVersion="72" ma:contentTypeDescription="Create a new document." ma:contentTypeScope="" ma:versionID="a23e56308344d904b51738559c3d67c9">
   <xsd:schema xmlns:xsd="http://www.w3.org/2001/XMLSchema" xmlns:xs="http://www.w3.org/2001/XMLSchema" xmlns:p="http://schemas.microsoft.com/office/2006/metadata/properties" xmlns:ns2="4873beb7-5857-4685-be1f-d57550cc96cc" targetNamespace="http://schemas.microsoft.com/office/2006/metadata/properties" ma:root="true" ma:fieldsID="cd0908cc4600e77bf5da051303e00c8d" ns2:_="">
     <xsd:import namespace="4873beb7-5857-4685-be1f-d57550cc96cc"/>
@@ -21872,6 +22965,142 @@
 </ct:contentTypeSchema>
 </file>
 
+<file path=customXml/item2.xml><?xml version="1.0" encoding="utf-8"?>
+<p:properties xmlns:p="http://schemas.microsoft.com/office/2006/metadata/properties" xmlns:xsi="http://www.w3.org/2001/XMLSchema-instance" xmlns:pc="http://schemas.microsoft.com/office/infopath/2007/PartnerControls">
+  <documentManagement>
+    <LocPublishedLinkedAssetsLookup xmlns="4873beb7-5857-4685-be1f-d57550cc96cc" xsi:nil="true"/>
+    <ApprovalStatus xmlns="4873beb7-5857-4685-be1f-d57550cc96cc">InProgress</ApprovalStatus>
+    <MarketSpecific xmlns="4873beb7-5857-4685-be1f-d57550cc96cc">false</MarketSpecific>
+    <LocComments xmlns="4873beb7-5857-4685-be1f-d57550cc96cc" xsi:nil="true"/>
+    <LocLastLocAttemptVersionTypeLookup xmlns="4873beb7-5857-4685-be1f-d57550cc96cc" xsi:nil="true"/>
+    <DirectSourceMarket xmlns="4873beb7-5857-4685-be1f-d57550cc96cc" xsi:nil="true"/>
+    <ThumbnailAssetId xmlns="4873beb7-5857-4685-be1f-d57550cc96cc" xsi:nil="true"/>
+    <PrimaryImageGen xmlns="4873beb7-5857-4685-be1f-d57550cc96cc">false</PrimaryImageGen>
+    <LocNewPublishedVersionLookup xmlns="4873beb7-5857-4685-be1f-d57550cc96cc" xsi:nil="true"/>
+    <LegacyData xmlns="4873beb7-5857-4685-be1f-d57550cc96cc" xsi:nil="true"/>
+    <LocRecommendedHandoff xmlns="4873beb7-5857-4685-be1f-d57550cc96cc" xsi:nil="true"/>
+    <BusinessGroup xmlns="4873beb7-5857-4685-be1f-d57550cc96cc" xsi:nil="true"/>
+    <BlockPublish xmlns="4873beb7-5857-4685-be1f-d57550cc96cc">false</BlockPublish>
+    <TPFriendlyName xmlns="4873beb7-5857-4685-be1f-d57550cc96cc" xsi:nil="true"/>
+    <LocOverallPublishStatusLookup xmlns="4873beb7-5857-4685-be1f-d57550cc96cc" xsi:nil="true"/>
+    <NumericId xmlns="4873beb7-5857-4685-be1f-d57550cc96cc" xsi:nil="true"/>
+    <APEditor xmlns="4873beb7-5857-4685-be1f-d57550cc96cc">
+      <UserInfo>
+        <DisplayName/>
+        <AccountId xsi:nil="true"/>
+        <AccountType/>
+      </UserInfo>
+    </APEditor>
+    <SourceTitle xmlns="4873beb7-5857-4685-be1f-d57550cc96cc" xsi:nil="true"/>
+    <OpenTemplate xmlns="4873beb7-5857-4685-be1f-d57550cc96cc">true</OpenTemplate>
+    <LocOverallLocStatusLookup xmlns="4873beb7-5857-4685-be1f-d57550cc96cc" xsi:nil="true"/>
+    <UALocComments xmlns="4873beb7-5857-4685-be1f-d57550cc96cc" xsi:nil="true"/>
+    <ParentAssetId xmlns="4873beb7-5857-4685-be1f-d57550cc96cc" xsi:nil="true"/>
+    <IntlLangReviewDate xmlns="4873beb7-5857-4685-be1f-d57550cc96cc" xsi:nil="true"/>
+    <FeatureTagsTaxHTField0 xmlns="4873beb7-5857-4685-be1f-d57550cc96cc">
+      <Terms xmlns="http://schemas.microsoft.com/office/infopath/2007/PartnerControls"/>
+    </FeatureTagsTaxHTField0>
+    <PublishStatusLookup xmlns="4873beb7-5857-4685-be1f-d57550cc96cc">
+      <Value>1345093</Value>
+    </PublishStatusLookup>
+    <Providers xmlns="4873beb7-5857-4685-be1f-d57550cc96cc" xsi:nil="true"/>
+    <MachineTranslated xmlns="4873beb7-5857-4685-be1f-d57550cc96cc">false</MachineTranslated>
+    <OriginalSourceMarket xmlns="4873beb7-5857-4685-be1f-d57550cc96cc" xsi:nil="true"/>
+    <APDescription xmlns="4873beb7-5857-4685-be1f-d57550cc96cc">This simple template design works for technology and  businesses, but it's versatile enough to use in other contexts.  It features multiple slide layouts designed for widescreen (16x9 resolution) and includes a sample SmartArt list and chart that are easily editable.</APDescription>
+    <ClipArtFilename xmlns="4873beb7-5857-4685-be1f-d57550cc96cc" xsi:nil="true"/>
+    <ContentItem xmlns="4873beb7-5857-4685-be1f-d57550cc96cc" xsi:nil="true"/>
+    <TPInstallLocation xmlns="4873beb7-5857-4685-be1f-d57550cc96cc" xsi:nil="true"/>
+    <PublishTargets xmlns="4873beb7-5857-4685-be1f-d57550cc96cc">OfficeOnlineVNext</PublishTargets>
+    <TimesCloned xmlns="4873beb7-5857-4685-be1f-d57550cc96cc" xsi:nil="true"/>
+    <AssetStart xmlns="4873beb7-5857-4685-be1f-d57550cc96cc">2011-11-26T00:30:00+00:00</AssetStart>
+    <Provider xmlns="4873beb7-5857-4685-be1f-d57550cc96cc" xsi:nil="true"/>
+    <AcquiredFrom xmlns="4873beb7-5857-4685-be1f-d57550cc96cc">Internal MS</AcquiredFrom>
+    <FriendlyTitle xmlns="4873beb7-5857-4685-be1f-d57550cc96cc" xsi:nil="true"/>
+    <LastHandOff xmlns="4873beb7-5857-4685-be1f-d57550cc96cc" xsi:nil="true"/>
+    <TPClientViewer xmlns="4873beb7-5857-4685-be1f-d57550cc96cc" xsi:nil="true"/>
+    <TemplateStatus xmlns="4873beb7-5857-4685-be1f-d57550cc96cc">Complete</TemplateStatus>
+    <Downloads xmlns="4873beb7-5857-4685-be1f-d57550cc96cc">0</Downloads>
+    <OOCacheId xmlns="4873beb7-5857-4685-be1f-d57550cc96cc" xsi:nil="true"/>
+    <IsDeleted xmlns="4873beb7-5857-4685-be1f-d57550cc96cc">false</IsDeleted>
+    <LocPublishedDependentAssetsLookup xmlns="4873beb7-5857-4685-be1f-d57550cc96cc" xsi:nil="true"/>
+    <TPExecutable xmlns="4873beb7-5857-4685-be1f-d57550cc96cc" xsi:nil="true"/>
+    <EditorialTags xmlns="4873beb7-5857-4685-be1f-d57550cc96cc" xsi:nil="true"/>
+    <SubmitterId xmlns="4873beb7-5857-4685-be1f-d57550cc96cc" xsi:nil="true"/>
+    <ApprovalLog xmlns="4873beb7-5857-4685-be1f-d57550cc96cc" xsi:nil="true"/>
+    <AssetType xmlns="4873beb7-5857-4685-be1f-d57550cc96cc">TP</AssetType>
+    <BugNumber xmlns="4873beb7-5857-4685-be1f-d57550cc96cc" xsi:nil="true"/>
+    <CSXSubmissionDate xmlns="4873beb7-5857-4685-be1f-d57550cc96cc" xsi:nil="true"/>
+    <CSXUpdate xmlns="4873beb7-5857-4685-be1f-d57550cc96cc">false</CSXUpdate>
+    <Milestone xmlns="4873beb7-5857-4685-be1f-d57550cc96cc" xsi:nil="true"/>
+    <RecommendationsModifier xmlns="4873beb7-5857-4685-be1f-d57550cc96cc" xsi:nil="true"/>
+    <OriginAsset xmlns="4873beb7-5857-4685-be1f-d57550cc96cc" xsi:nil="true"/>
+    <TPComponent xmlns="4873beb7-5857-4685-be1f-d57550cc96cc" xsi:nil="true"/>
+    <AssetId xmlns="4873beb7-5857-4685-be1f-d57550cc96cc">TP102787989</AssetId>
+    <IntlLocPriority xmlns="4873beb7-5857-4685-be1f-d57550cc96cc" xsi:nil="true"/>
+    <PolicheckWords xmlns="4873beb7-5857-4685-be1f-d57550cc96cc" xsi:nil="true"/>
+    <TPLaunchHelpLink xmlns="4873beb7-5857-4685-be1f-d57550cc96cc" xsi:nil="true"/>
+    <TPApplication xmlns="4873beb7-5857-4685-be1f-d57550cc96cc" xsi:nil="true"/>
+    <CrawlForDependencies xmlns="4873beb7-5857-4685-be1f-d57550cc96cc">false</CrawlForDependencies>
+    <HandoffToMSDN xmlns="4873beb7-5857-4685-be1f-d57550cc96cc" xsi:nil="true"/>
+    <PlannedPubDate xmlns="4873beb7-5857-4685-be1f-d57550cc96cc" xsi:nil="true"/>
+    <IntlLangReviewer xmlns="4873beb7-5857-4685-be1f-d57550cc96cc" xsi:nil="true"/>
+    <TrustLevel xmlns="4873beb7-5857-4685-be1f-d57550cc96cc">1 Microsoft Managed Content</TrustLevel>
+    <LocLastLocAttemptVersionLookup xmlns="4873beb7-5857-4685-be1f-d57550cc96cc">694266</LocLastLocAttemptVersionLookup>
+    <LocProcessedForHandoffsLookup xmlns="4873beb7-5857-4685-be1f-d57550cc96cc" xsi:nil="true"/>
+    <IsSearchable xmlns="4873beb7-5857-4685-be1f-d57550cc96cc">true</IsSearchable>
+    <TemplateTemplateType xmlns="4873beb7-5857-4685-be1f-d57550cc96cc">PowerPoint Presentation Template</TemplateTemplateType>
+    <CampaignTagsTaxHTField0 xmlns="4873beb7-5857-4685-be1f-d57550cc96cc">
+      <Terms xmlns="http://schemas.microsoft.com/office/infopath/2007/PartnerControls"/>
+    </CampaignTagsTaxHTField0>
+    <TPNamespace xmlns="4873beb7-5857-4685-be1f-d57550cc96cc" xsi:nil="true"/>
+    <LocOverallPreviewStatusLookup xmlns="4873beb7-5857-4685-be1f-d57550cc96cc" xsi:nil="true"/>
+    <TaxCatchAll xmlns="4873beb7-5857-4685-be1f-d57550cc96cc"/>
+    <Markets xmlns="4873beb7-5857-4685-be1f-d57550cc96cc"/>
+    <UAProjectedTotalWords xmlns="4873beb7-5857-4685-be1f-d57550cc96cc" xsi:nil="true"/>
+    <IntlLangReview xmlns="4873beb7-5857-4685-be1f-d57550cc96cc" xsi:nil="true"/>
+    <OutputCachingOn xmlns="4873beb7-5857-4685-be1f-d57550cc96cc">false</OutputCachingOn>
+    <AverageRating xmlns="4873beb7-5857-4685-be1f-d57550cc96cc" xsi:nil="true"/>
+    <APAuthor xmlns="4873beb7-5857-4685-be1f-d57550cc96cc">
+      <UserInfo>
+        <DisplayName>REDMOND\kristaa</DisplayName>
+        <AccountId>136</AccountId>
+        <AccountType/>
+      </UserInfo>
+    </APAuthor>
+    <LocManualTestRequired xmlns="4873beb7-5857-4685-be1f-d57550cc96cc">false</LocManualTestRequired>
+    <TPCommandLine xmlns="4873beb7-5857-4685-be1f-d57550cc96cc" xsi:nil="true"/>
+    <TPAppVersion xmlns="4873beb7-5857-4685-be1f-d57550cc96cc" xsi:nil="true"/>
+    <EditorialStatus xmlns="4873beb7-5857-4685-be1f-d57550cc96cc">Complete</EditorialStatus>
+    <LastModifiedDateTime xmlns="4873beb7-5857-4685-be1f-d57550cc96cc" xsi:nil="true"/>
+    <ScenarioTagsTaxHTField0 xmlns="4873beb7-5857-4685-be1f-d57550cc96cc">
+      <Terms xmlns="http://schemas.microsoft.com/office/infopath/2007/PartnerControls"/>
+    </ScenarioTagsTaxHTField0>
+    <LocProcessedForMarketsLookup xmlns="4873beb7-5857-4685-be1f-d57550cc96cc" xsi:nil="true"/>
+    <TPLaunchHelpLinkType xmlns="4873beb7-5857-4685-be1f-d57550cc96cc">Template</TPLaunchHelpLinkType>
+    <OriginalRelease xmlns="4873beb7-5857-4685-be1f-d57550cc96cc">15</OriginalRelease>
+    <LocalizationTagsTaxHTField0 xmlns="4873beb7-5857-4685-be1f-d57550cc96cc">
+      <Terms xmlns="http://schemas.microsoft.com/office/infopath/2007/PartnerControls"/>
+    </LocalizationTagsTaxHTField0>
+    <UACurrentWords xmlns="4873beb7-5857-4685-be1f-d57550cc96cc" xsi:nil="true"/>
+    <ArtSampleDocs xmlns="4873beb7-5857-4685-be1f-d57550cc96cc" xsi:nil="true"/>
+    <UALocRecommendation xmlns="4873beb7-5857-4685-be1f-d57550cc96cc">Localize</UALocRecommendation>
+    <Manager xmlns="4873beb7-5857-4685-be1f-d57550cc96cc" xsi:nil="true"/>
+    <LocOverallHandbackStatusLookup xmlns="4873beb7-5857-4685-be1f-d57550cc96cc" xsi:nil="true"/>
+    <ShowIn xmlns="4873beb7-5857-4685-be1f-d57550cc96cc">Show everywhere</ShowIn>
+    <UANotes xmlns="4873beb7-5857-4685-be1f-d57550cc96cc" xsi:nil="true"/>
+    <InternalTagsTaxHTField0 xmlns="4873beb7-5857-4685-be1f-d57550cc96cc">
+      <Terms xmlns="http://schemas.microsoft.com/office/infopath/2007/PartnerControls"/>
+    </InternalTagsTaxHTField0>
+    <CSXHash xmlns="4873beb7-5857-4685-be1f-d57550cc96cc" xsi:nil="true"/>
+    <VoteCount xmlns="4873beb7-5857-4685-be1f-d57550cc96cc" xsi:nil="true"/>
+    <AssetExpire xmlns="4873beb7-5857-4685-be1f-d57550cc96cc">2029-05-12T07:00:00+00:00</AssetExpire>
+    <DSATActionTaken xmlns="4873beb7-5857-4685-be1f-d57550cc96cc" xsi:nil="true"/>
+    <CSXSubmissionMarket xmlns="4873beb7-5857-4685-be1f-d57550cc96cc" xsi:nil="true"/>
+    <LocMarketGroupTiers2 xmlns="4873beb7-5857-4685-be1f-d57550cc96cc" xsi:nil="true"/>
+  </documentManagement>
+</p:properties>
+</file>
+
 <file path=customXml/item3.xml><?xml version="1.0" encoding="utf-8"?>
 <?mso-contentType ?>
 <FormTemplates xmlns="http://schemas.microsoft.com/sharepoint/v3/contenttype/forms">
@@ -21882,22 +23111,6 @@
 </file>
 
 <file path=customXml/itemProps1.xml><?xml version="1.0" encoding="utf-8"?>
-<ds:datastoreItem xmlns:ds="http://schemas.openxmlformats.org/officeDocument/2006/customXml" ds:itemID="{60C67BEE-D13F-4BD2-98A5-34D8A0977F68}">
-  <ds:schemaRefs>
-    <ds:schemaRef ds:uri="4873beb7-5857-4685-be1f-d57550cc96cc"/>
-    <ds:schemaRef ds:uri="http://schemas.openxmlformats.org/package/2006/metadata/core-properties"/>
-    <ds:schemaRef ds:uri="http://purl.org/dc/terms/"/>
-    <ds:schemaRef ds:uri="http://schemas.microsoft.com/office/2006/documentManagement/types"/>
-    <ds:schemaRef ds:uri="http://purl.org/dc/elements/1.1/"/>
-    <ds:schemaRef ds:uri="http://schemas.microsoft.com/office/2006/metadata/properties"/>
-    <ds:schemaRef ds:uri="http://schemas.microsoft.com/office/infopath/2007/PartnerControls"/>
-    <ds:schemaRef ds:uri="http://www.w3.org/XML/1998/namespace"/>
-    <ds:schemaRef ds:uri="http://purl.org/dc/dcmitype/"/>
-  </ds:schemaRefs>
-</ds:datastoreItem>
-</file>
-
-<file path=customXml/itemProps2.xml><?xml version="1.0" encoding="utf-8"?>
 <ds:datastoreItem xmlns:ds="http://schemas.openxmlformats.org/officeDocument/2006/customXml" ds:itemID="{A09BF4D4-EF60-4196-BFC3-9462D607978C}">
   <ds:schemaRefs>
     <ds:schemaRef ds:uri="http://schemas.microsoft.com/office/2006/metadata/contentType"/>
@@ -21915,6 +23128,22 @@
 </ds:datastoreItem>
 </file>
 
+<file path=customXml/itemProps2.xml><?xml version="1.0" encoding="utf-8"?>
+<ds:datastoreItem xmlns:ds="http://schemas.openxmlformats.org/officeDocument/2006/customXml" ds:itemID="{60C67BEE-D13F-4BD2-98A5-34D8A0977F68}">
+  <ds:schemaRefs>
+    <ds:schemaRef ds:uri="http://purl.org/dc/elements/1.1/"/>
+    <ds:schemaRef ds:uri="http://schemas.microsoft.com/office/infopath/2007/PartnerControls"/>
+    <ds:schemaRef ds:uri="http://purl.org/dc/terms/"/>
+    <ds:schemaRef ds:uri="http://www.w3.org/XML/1998/namespace"/>
+    <ds:schemaRef ds:uri="http://schemas.microsoft.com/office/2006/documentManagement/types"/>
+    <ds:schemaRef ds:uri="4873beb7-5857-4685-be1f-d57550cc96cc"/>
+    <ds:schemaRef ds:uri="http://schemas.openxmlformats.org/package/2006/metadata/core-properties"/>
+    <ds:schemaRef ds:uri="http://schemas.microsoft.com/office/2006/metadata/properties"/>
+    <ds:schemaRef ds:uri="http://purl.org/dc/dcmitype/"/>
+  </ds:schemaRefs>
+</ds:datastoreItem>
+</file>
+
 <file path=customXml/itemProps3.xml><?xml version="1.0" encoding="utf-8"?>
 <ds:datastoreItem xmlns:ds="http://schemas.openxmlformats.org/officeDocument/2006/customXml" ds:itemID="{3836F65B-1B07-41EE-A0E8-BC6EF3855225}">
   <ds:schemaRefs>

--- a/Western Power Hack-a-Gig Presentation.pptx
+++ b/Western Power Hack-a-Gig Presentation.pptx
@@ -1798,14 +1798,35 @@
         </dgm:presLayoutVars>
       </dgm:prSet>
       <dgm:spPr/>
+      <dgm:t>
+        <a:bodyPr/>
+        <a:lstStyle/>
+        <a:p>
+          <a:endParaRPr lang="en-AU"/>
+        </a:p>
+      </dgm:t>
     </dgm:pt>
     <dgm:pt modelId="{C2FAF6D6-AAB0-4E07-9B27-17C0D1BF7333}" type="pres">
       <dgm:prSet presAssocID="{CFD569C8-8D03-4673-A016-6CC4BA2F51EA}" presName="sibTrans" presStyleLbl="sibTrans2D1" presStyleIdx="0" presStyleCnt="2"/>
       <dgm:spPr/>
+      <dgm:t>
+        <a:bodyPr/>
+        <a:lstStyle/>
+        <a:p>
+          <a:endParaRPr lang="en-AU"/>
+        </a:p>
+      </dgm:t>
     </dgm:pt>
     <dgm:pt modelId="{A6AE933F-4ED2-4CA6-816F-BDF80BF6972F}" type="pres">
       <dgm:prSet presAssocID="{CFD569C8-8D03-4673-A016-6CC4BA2F51EA}" presName="connectorText" presStyleLbl="sibTrans2D1" presStyleIdx="0" presStyleCnt="2"/>
       <dgm:spPr/>
+      <dgm:t>
+        <a:bodyPr/>
+        <a:lstStyle/>
+        <a:p>
+          <a:endParaRPr lang="en-AU"/>
+        </a:p>
+      </dgm:t>
     </dgm:pt>
     <dgm:pt modelId="{25A1A754-FE3F-4456-83C1-D074DFBFAEEF}" type="pres">
       <dgm:prSet presAssocID="{3F255084-D8DF-42E0-AF26-1B5ECF31434C}" presName="node" presStyleLbl="node1" presStyleIdx="1" presStyleCnt="3">
@@ -1814,14 +1835,35 @@
         </dgm:presLayoutVars>
       </dgm:prSet>
       <dgm:spPr/>
+      <dgm:t>
+        <a:bodyPr/>
+        <a:lstStyle/>
+        <a:p>
+          <a:endParaRPr lang="en-AU"/>
+        </a:p>
+      </dgm:t>
     </dgm:pt>
     <dgm:pt modelId="{F514C93C-9317-440A-827D-BDE795B60B66}" type="pres">
       <dgm:prSet presAssocID="{A196F1D8-7BA4-4999-A4FD-E40D237B8258}" presName="sibTrans" presStyleLbl="sibTrans2D1" presStyleIdx="1" presStyleCnt="2"/>
       <dgm:spPr/>
+      <dgm:t>
+        <a:bodyPr/>
+        <a:lstStyle/>
+        <a:p>
+          <a:endParaRPr lang="en-AU"/>
+        </a:p>
+      </dgm:t>
     </dgm:pt>
     <dgm:pt modelId="{4E0898FE-80F6-460E-842B-6FF5DD751F98}" type="pres">
       <dgm:prSet presAssocID="{A196F1D8-7BA4-4999-A4FD-E40D237B8258}" presName="connectorText" presStyleLbl="sibTrans2D1" presStyleIdx="1" presStyleCnt="2"/>
       <dgm:spPr/>
+      <dgm:t>
+        <a:bodyPr/>
+        <a:lstStyle/>
+        <a:p>
+          <a:endParaRPr lang="en-AU"/>
+        </a:p>
+      </dgm:t>
     </dgm:pt>
     <dgm:pt modelId="{2D75A61A-F696-41FC-918C-30930F086CAB}" type="pres">
       <dgm:prSet presAssocID="{2CBE346B-8D26-471F-97D3-9BD15DE030AB}" presName="node" presStyleLbl="node1" presStyleIdx="2" presStyleCnt="3">
@@ -1830,20 +1872,27 @@
         </dgm:presLayoutVars>
       </dgm:prSet>
       <dgm:spPr/>
+      <dgm:t>
+        <a:bodyPr/>
+        <a:lstStyle/>
+        <a:p>
+          <a:endParaRPr lang="en-AU"/>
+        </a:p>
+      </dgm:t>
     </dgm:pt>
   </dgm:ptLst>
   <dgm:cxnLst>
+    <dgm:cxn modelId="{1303548C-7C3B-47A6-AA37-6B484DF2846B}" srcId="{C2BEA5AB-BC82-43DB-8AD2-9C2BA8CEA325}" destId="{2CBE346B-8D26-471F-97D3-9BD15DE030AB}" srcOrd="2" destOrd="0" parTransId="{BF1DD614-22D1-4320-ADE5-6FA2B4C5F86B}" sibTransId="{6AD736F7-38F4-4C66-9208-2200B36D299D}"/>
+    <dgm:cxn modelId="{4343D4E2-A549-4E18-B235-1DB185226C8B}" srcId="{C2BEA5AB-BC82-43DB-8AD2-9C2BA8CEA325}" destId="{9EE47DC9-FD41-49CC-BF05-36E38F28C6F4}" srcOrd="0" destOrd="0" parTransId="{917129C1-3B70-43E5-A233-2FD1EFAB776B}" sibTransId="{CFD569C8-8D03-4673-A016-6CC4BA2F51EA}"/>
+    <dgm:cxn modelId="{3599EAF7-ADA6-42BC-BC18-3086A2A6E9A2}" type="presOf" srcId="{2CBE346B-8D26-471F-97D3-9BD15DE030AB}" destId="{2D75A61A-F696-41FC-918C-30930F086CAB}" srcOrd="0" destOrd="0" presId="urn:microsoft.com/office/officeart/2005/8/layout/process1"/>
+    <dgm:cxn modelId="{CFF98653-6C31-45FF-9A3B-5E9CB81280EB}" type="presOf" srcId="{CFD569C8-8D03-4673-A016-6CC4BA2F51EA}" destId="{C2FAF6D6-AAB0-4E07-9B27-17C0D1BF7333}" srcOrd="0" destOrd="0" presId="urn:microsoft.com/office/officeart/2005/8/layout/process1"/>
+    <dgm:cxn modelId="{D9E4F5FF-8AB7-4E77-A275-D53A1903C3D9}" type="presOf" srcId="{9EE47DC9-FD41-49CC-BF05-36E38F28C6F4}" destId="{D7A6FE25-9559-4833-BDA9-28671C60F52D}" srcOrd="0" destOrd="0" presId="urn:microsoft.com/office/officeart/2005/8/layout/process1"/>
+    <dgm:cxn modelId="{4F3CD1B7-BEE4-4B57-86C2-59B4784D3986}" type="presOf" srcId="{C2BEA5AB-BC82-43DB-8AD2-9C2BA8CEA325}" destId="{6E7306E2-5DCB-43EC-B091-ACF9B8EA6FE3}" srcOrd="0" destOrd="0" presId="urn:microsoft.com/office/officeart/2005/8/layout/process1"/>
+    <dgm:cxn modelId="{78D310AB-ADA4-4E73-A958-C9D9D4FE96BC}" type="presOf" srcId="{A196F1D8-7BA4-4999-A4FD-E40D237B8258}" destId="{F514C93C-9317-440A-827D-BDE795B60B66}" srcOrd="0" destOrd="0" presId="urn:microsoft.com/office/officeart/2005/8/layout/process1"/>
     <dgm:cxn modelId="{4718C620-4CF4-4F3D-879F-85C61F80F676}" type="presOf" srcId="{CFD569C8-8D03-4673-A016-6CC4BA2F51EA}" destId="{A6AE933F-4ED2-4CA6-816F-BDF80BF6972F}" srcOrd="1" destOrd="0" presId="urn:microsoft.com/office/officeart/2005/8/layout/process1"/>
-    <dgm:cxn modelId="{3D296D6F-AEF9-4B50-A637-DFC392AD2DA7}" type="presOf" srcId="{A196F1D8-7BA4-4999-A4FD-E40D237B8258}" destId="{4E0898FE-80F6-460E-842B-6FF5DD751F98}" srcOrd="1" destOrd="0" presId="urn:microsoft.com/office/officeart/2005/8/layout/process1"/>
-    <dgm:cxn modelId="{CFF98653-6C31-45FF-9A3B-5E9CB81280EB}" type="presOf" srcId="{CFD569C8-8D03-4673-A016-6CC4BA2F51EA}" destId="{C2FAF6D6-AAB0-4E07-9B27-17C0D1BF7333}" srcOrd="0" destOrd="0" presId="urn:microsoft.com/office/officeart/2005/8/layout/process1"/>
-    <dgm:cxn modelId="{1303548C-7C3B-47A6-AA37-6B484DF2846B}" srcId="{C2BEA5AB-BC82-43DB-8AD2-9C2BA8CEA325}" destId="{2CBE346B-8D26-471F-97D3-9BD15DE030AB}" srcOrd="2" destOrd="0" parTransId="{BF1DD614-22D1-4320-ADE5-6FA2B4C5F86B}" sibTransId="{6AD736F7-38F4-4C66-9208-2200B36D299D}"/>
-    <dgm:cxn modelId="{78D310AB-ADA4-4E73-A958-C9D9D4FE96BC}" type="presOf" srcId="{A196F1D8-7BA4-4999-A4FD-E40D237B8258}" destId="{F514C93C-9317-440A-827D-BDE795B60B66}" srcOrd="0" destOrd="0" presId="urn:microsoft.com/office/officeart/2005/8/layout/process1"/>
-    <dgm:cxn modelId="{4F3CD1B7-BEE4-4B57-86C2-59B4784D3986}" type="presOf" srcId="{C2BEA5AB-BC82-43DB-8AD2-9C2BA8CEA325}" destId="{6E7306E2-5DCB-43EC-B091-ACF9B8EA6FE3}" srcOrd="0" destOrd="0" presId="urn:microsoft.com/office/officeart/2005/8/layout/process1"/>
-    <dgm:cxn modelId="{4343D4E2-A549-4E18-B235-1DB185226C8B}" srcId="{C2BEA5AB-BC82-43DB-8AD2-9C2BA8CEA325}" destId="{9EE47DC9-FD41-49CC-BF05-36E38F28C6F4}" srcOrd="0" destOrd="0" parTransId="{917129C1-3B70-43E5-A233-2FD1EFAB776B}" sibTransId="{CFD569C8-8D03-4673-A016-6CC4BA2F51EA}"/>
     <dgm:cxn modelId="{E5FE52E8-68FE-4CE8-9AF1-CCA33D00A72F}" type="presOf" srcId="{3F255084-D8DF-42E0-AF26-1B5ECF31434C}" destId="{25A1A754-FE3F-4456-83C1-D074DFBFAEEF}" srcOrd="0" destOrd="0" presId="urn:microsoft.com/office/officeart/2005/8/layout/process1"/>
     <dgm:cxn modelId="{4EE814EF-A482-4487-9E0C-F9201B55BFF4}" srcId="{C2BEA5AB-BC82-43DB-8AD2-9C2BA8CEA325}" destId="{3F255084-D8DF-42E0-AF26-1B5ECF31434C}" srcOrd="1" destOrd="0" parTransId="{1A6B0E8C-4BBF-4201-ABD0-457AE92E90AC}" sibTransId="{A196F1D8-7BA4-4999-A4FD-E40D237B8258}"/>
-    <dgm:cxn modelId="{3599EAF7-ADA6-42BC-BC18-3086A2A6E9A2}" type="presOf" srcId="{2CBE346B-8D26-471F-97D3-9BD15DE030AB}" destId="{2D75A61A-F696-41FC-918C-30930F086CAB}" srcOrd="0" destOrd="0" presId="urn:microsoft.com/office/officeart/2005/8/layout/process1"/>
-    <dgm:cxn modelId="{D9E4F5FF-8AB7-4E77-A275-D53A1903C3D9}" type="presOf" srcId="{9EE47DC9-FD41-49CC-BF05-36E38F28C6F4}" destId="{D7A6FE25-9559-4833-BDA9-28671C60F52D}" srcOrd="0" destOrd="0" presId="urn:microsoft.com/office/officeart/2005/8/layout/process1"/>
+    <dgm:cxn modelId="{3D296D6F-AEF9-4B50-A637-DFC392AD2DA7}" type="presOf" srcId="{A196F1D8-7BA4-4999-A4FD-E40D237B8258}" destId="{4E0898FE-80F6-460E-842B-6FF5DD751F98}" srcOrd="1" destOrd="0" presId="urn:microsoft.com/office/officeart/2005/8/layout/process1"/>
     <dgm:cxn modelId="{24F6AB92-3F06-42F1-BE6E-526B557A07CE}" type="presParOf" srcId="{6E7306E2-5DCB-43EC-B091-ACF9B8EA6FE3}" destId="{D7A6FE25-9559-4833-BDA9-28671C60F52D}" srcOrd="0" destOrd="0" presId="urn:microsoft.com/office/officeart/2005/8/layout/process1"/>
     <dgm:cxn modelId="{548813BF-30B5-44EE-9599-3DEA6C583E15}" type="presParOf" srcId="{6E7306E2-5DCB-43EC-B091-ACF9B8EA6FE3}" destId="{C2FAF6D6-AAB0-4E07-9B27-17C0D1BF7333}" srcOrd="1" destOrd="0" presId="urn:microsoft.com/office/officeart/2005/8/layout/process1"/>
     <dgm:cxn modelId="{AF73104D-6D53-4385-937B-DE4CB5D5E7E3}" type="presParOf" srcId="{C2FAF6D6-AAB0-4E07-9B27-17C0D1BF7333}" destId="{A6AE933F-4ED2-4CA6-816F-BDF80BF6972F}" srcOrd="0" destOrd="0" presId="urn:microsoft.com/office/officeart/2005/8/layout/process1"/>
@@ -2317,6 +2366,13 @@
         </dgm:presLayoutVars>
       </dgm:prSet>
       <dgm:spPr/>
+      <dgm:t>
+        <a:bodyPr/>
+        <a:lstStyle/>
+        <a:p>
+          <a:endParaRPr lang="en-AU"/>
+        </a:p>
+      </dgm:t>
     </dgm:pt>
     <dgm:pt modelId="{7D341E6A-693C-4246-85DC-72CAF7928A21}" type="pres">
       <dgm:prSet presAssocID="{2CECF517-16A4-4A6B-B7D2-B920789ABBA4}" presName="composite" presStyleCnt="0"/>
@@ -2330,6 +2386,13 @@
         </dgm:presLayoutVars>
       </dgm:prSet>
       <dgm:spPr/>
+      <dgm:t>
+        <a:bodyPr/>
+        <a:lstStyle/>
+        <a:p>
+          <a:endParaRPr lang="en-AU"/>
+        </a:p>
+      </dgm:t>
     </dgm:pt>
     <dgm:pt modelId="{AE732B93-C217-44D0-ADC0-3DFE6F1898F0}" type="pres">
       <dgm:prSet presAssocID="{2CECF517-16A4-4A6B-B7D2-B920789ABBA4}" presName="descendantText" presStyleLbl="alignAcc1" presStyleIdx="0" presStyleCnt="6">
@@ -2338,6 +2401,13 @@
         </dgm:presLayoutVars>
       </dgm:prSet>
       <dgm:spPr/>
+      <dgm:t>
+        <a:bodyPr/>
+        <a:lstStyle/>
+        <a:p>
+          <a:endParaRPr lang="en-AU"/>
+        </a:p>
+      </dgm:t>
     </dgm:pt>
     <dgm:pt modelId="{78ADC01D-AB1C-40CB-8B5E-D245B8AB5B5E}" type="pres">
       <dgm:prSet presAssocID="{2B80DF6B-2B16-4522-97A5-FC5C9E8CF3AF}" presName="sp" presStyleCnt="0"/>
@@ -2355,6 +2425,13 @@
         </dgm:presLayoutVars>
       </dgm:prSet>
       <dgm:spPr/>
+      <dgm:t>
+        <a:bodyPr/>
+        <a:lstStyle/>
+        <a:p>
+          <a:endParaRPr lang="en-AU"/>
+        </a:p>
+      </dgm:t>
     </dgm:pt>
     <dgm:pt modelId="{9559C1D2-75D4-4C9C-AB81-9AFA23D91352}" type="pres">
       <dgm:prSet presAssocID="{5BFBD139-1CB4-4363-9269-7E6622BCBC8A}" presName="descendantText" presStyleLbl="alignAcc1" presStyleIdx="1" presStyleCnt="6">
@@ -2363,6 +2440,13 @@
         </dgm:presLayoutVars>
       </dgm:prSet>
       <dgm:spPr/>
+      <dgm:t>
+        <a:bodyPr/>
+        <a:lstStyle/>
+        <a:p>
+          <a:endParaRPr lang="en-AU"/>
+        </a:p>
+      </dgm:t>
     </dgm:pt>
     <dgm:pt modelId="{B8962A9A-F90F-4110-8583-A23FB70DC2F1}" type="pres">
       <dgm:prSet presAssocID="{1729C903-BF67-4CA8-AEA3-0E26C71990CF}" presName="sp" presStyleCnt="0"/>
@@ -2380,6 +2464,13 @@
         </dgm:presLayoutVars>
       </dgm:prSet>
       <dgm:spPr/>
+      <dgm:t>
+        <a:bodyPr/>
+        <a:lstStyle/>
+        <a:p>
+          <a:endParaRPr lang="en-AU"/>
+        </a:p>
+      </dgm:t>
     </dgm:pt>
     <dgm:pt modelId="{BA4E67CC-F177-4F9B-A372-AB917E5C536B}" type="pres">
       <dgm:prSet presAssocID="{A011E0F7-F588-4C8D-BCD6-7F6EA2E5E160}" presName="descendantText" presStyleLbl="alignAcc1" presStyleIdx="2" presStyleCnt="6">
@@ -2388,6 +2479,13 @@
         </dgm:presLayoutVars>
       </dgm:prSet>
       <dgm:spPr/>
+      <dgm:t>
+        <a:bodyPr/>
+        <a:lstStyle/>
+        <a:p>
+          <a:endParaRPr lang="en-AU"/>
+        </a:p>
+      </dgm:t>
     </dgm:pt>
     <dgm:pt modelId="{003663A7-27E1-4DB1-927A-D52CCD7405BC}" type="pres">
       <dgm:prSet presAssocID="{CDAB4146-0D22-428A-A863-39DE97481B66}" presName="sp" presStyleCnt="0"/>
@@ -2405,6 +2503,13 @@
         </dgm:presLayoutVars>
       </dgm:prSet>
       <dgm:spPr/>
+      <dgm:t>
+        <a:bodyPr/>
+        <a:lstStyle/>
+        <a:p>
+          <a:endParaRPr lang="en-AU"/>
+        </a:p>
+      </dgm:t>
     </dgm:pt>
     <dgm:pt modelId="{758B686D-4E4A-4503-A45C-4DD88C77BCEA}" type="pres">
       <dgm:prSet presAssocID="{EE02FF68-3676-4624-80D3-6B173EE9BBF9}" presName="descendantText" presStyleLbl="alignAcc1" presStyleIdx="3" presStyleCnt="6">
@@ -2413,6 +2518,13 @@
         </dgm:presLayoutVars>
       </dgm:prSet>
       <dgm:spPr/>
+      <dgm:t>
+        <a:bodyPr/>
+        <a:lstStyle/>
+        <a:p>
+          <a:endParaRPr lang="en-AU"/>
+        </a:p>
+      </dgm:t>
     </dgm:pt>
     <dgm:pt modelId="{CCCADA09-B1B5-4FE8-A591-3F37F01F2691}" type="pres">
       <dgm:prSet presAssocID="{98AA5BE0-FCAD-4221-8F07-03024030CE23}" presName="sp" presStyleCnt="0"/>
@@ -2430,6 +2542,13 @@
         </dgm:presLayoutVars>
       </dgm:prSet>
       <dgm:spPr/>
+      <dgm:t>
+        <a:bodyPr/>
+        <a:lstStyle/>
+        <a:p>
+          <a:endParaRPr lang="en-AU"/>
+        </a:p>
+      </dgm:t>
     </dgm:pt>
     <dgm:pt modelId="{82529F0F-0490-4B71-B1B1-2A1CCE250566}" type="pres">
       <dgm:prSet presAssocID="{C16DFD09-DC49-4373-A2B7-FA28DF1DF3B5}" presName="descendantText" presStyleLbl="alignAcc1" presStyleIdx="4" presStyleCnt="6">
@@ -2438,6 +2557,13 @@
         </dgm:presLayoutVars>
       </dgm:prSet>
       <dgm:spPr/>
+      <dgm:t>
+        <a:bodyPr/>
+        <a:lstStyle/>
+        <a:p>
+          <a:endParaRPr lang="en-AU"/>
+        </a:p>
+      </dgm:t>
     </dgm:pt>
     <dgm:pt modelId="{8936DA3B-791C-4A65-9E56-7E76A94A8D17}" type="pres">
       <dgm:prSet presAssocID="{015E8DE0-440C-4CC0-B07A-0D6292878838}" presName="sp" presStyleCnt="0"/>
@@ -2455,6 +2581,13 @@
         </dgm:presLayoutVars>
       </dgm:prSet>
       <dgm:spPr/>
+      <dgm:t>
+        <a:bodyPr/>
+        <a:lstStyle/>
+        <a:p>
+          <a:endParaRPr lang="en-AU"/>
+        </a:p>
+      </dgm:t>
     </dgm:pt>
     <dgm:pt modelId="{3BCA5A54-89C5-48D5-9936-31D0A1F44ABE}" type="pres">
       <dgm:prSet presAssocID="{9DEB1442-88FA-412E-AF8E-7CB0E69F502A}" presName="descendantText" presStyleLbl="alignAcc1" presStyleIdx="5" presStyleCnt="6">
@@ -2463,34 +2596,41 @@
         </dgm:presLayoutVars>
       </dgm:prSet>
       <dgm:spPr/>
+      <dgm:t>
+        <a:bodyPr/>
+        <a:lstStyle/>
+        <a:p>
+          <a:endParaRPr lang="en-AU"/>
+        </a:p>
+      </dgm:t>
     </dgm:pt>
   </dgm:ptLst>
   <dgm:cxnLst>
+    <dgm:cxn modelId="{06098B2C-5EB8-4A32-B7FD-D09BF10F0623}" srcId="{EE02FF68-3676-4624-80D3-6B173EE9BBF9}" destId="{CDB9C19B-2206-489F-9AF4-06D7B73435FA}" srcOrd="0" destOrd="0" parTransId="{C6110966-2FD9-4059-AAA5-0E40DACCD8A4}" sibTransId="{9CD2319A-FBBD-4F09-97F0-04241D46588D}"/>
+    <dgm:cxn modelId="{BD2800D8-69AB-4D19-810E-12C2D4B10951}" type="presOf" srcId="{5BFBD139-1CB4-4363-9269-7E6622BCBC8A}" destId="{52AAD766-EB81-4258-BC93-9990ED45895D}" srcOrd="0" destOrd="0" presId="urn:microsoft.com/office/officeart/2005/8/layout/chevron2"/>
+    <dgm:cxn modelId="{0EE25DC9-0A81-48AA-9A3C-6A7E94891269}" srcId="{C3AEF0A3-5CB2-49C6-9000-D056BBEFA60D}" destId="{9DEB1442-88FA-412E-AF8E-7CB0E69F502A}" srcOrd="5" destOrd="0" parTransId="{74C13E0E-DB61-4C27-AF4A-5D003EBA1EB3}" sibTransId="{25E3C0CA-BAC0-4603-B919-9379C2301E4F}"/>
+    <dgm:cxn modelId="{59DBBBD0-C0F7-4716-B9F3-F38964A47423}" type="presOf" srcId="{348FA5D1-B30F-411C-BB3D-0D2E21C283AE}" destId="{9559C1D2-75D4-4C9C-AB81-9AFA23D91352}" srcOrd="0" destOrd="0" presId="urn:microsoft.com/office/officeart/2005/8/layout/chevron2"/>
+    <dgm:cxn modelId="{89792A35-31CC-4668-AF9C-3630FF0890D6}" srcId="{C3AEF0A3-5CB2-49C6-9000-D056BBEFA60D}" destId="{5BFBD139-1CB4-4363-9269-7E6622BCBC8A}" srcOrd="1" destOrd="0" parTransId="{E5A98278-6C31-4453-A55D-57F65D25F29A}" sibTransId="{1729C903-BF67-4CA8-AEA3-0E26C71990CF}"/>
+    <dgm:cxn modelId="{FC3F7CB8-CF2C-46DF-96A8-3B026E4A1104}" type="presOf" srcId="{C3AEF0A3-5CB2-49C6-9000-D056BBEFA60D}" destId="{F6E71AD5-E7D5-4410-9AC9-1BB6E7DD5B43}" srcOrd="0" destOrd="0" presId="urn:microsoft.com/office/officeart/2005/8/layout/chevron2"/>
+    <dgm:cxn modelId="{06415EC5-E3C0-4C4D-8F4C-719F8F21A466}" srcId="{C3AEF0A3-5CB2-49C6-9000-D056BBEFA60D}" destId="{2CECF517-16A4-4A6B-B7D2-B920789ABBA4}" srcOrd="0" destOrd="0" parTransId="{7ED45248-2497-4A86-A6A4-0363CA21B9E6}" sibTransId="{2B80DF6B-2B16-4522-97A5-FC5C9E8CF3AF}"/>
+    <dgm:cxn modelId="{E1D3D4E9-3833-4B2E-8858-189C5F7A2151}" srcId="{C3AEF0A3-5CB2-49C6-9000-D056BBEFA60D}" destId="{C16DFD09-DC49-4373-A2B7-FA28DF1DF3B5}" srcOrd="4" destOrd="0" parTransId="{B31F0BE9-B5EB-42B5-8D28-09EFDC876BC6}" sibTransId="{015E8DE0-440C-4CC0-B07A-0D6292878838}"/>
+    <dgm:cxn modelId="{90187ACB-8ADA-4068-9E05-04F234CC67E5}" type="presOf" srcId="{EE02FF68-3676-4624-80D3-6B173EE9BBF9}" destId="{23FC2A95-3F55-43D8-8D98-17E198B2D967}" srcOrd="0" destOrd="0" presId="urn:microsoft.com/office/officeart/2005/8/layout/chevron2"/>
+    <dgm:cxn modelId="{2C8F9C43-0480-49A7-93B0-65B03DC82507}" type="presOf" srcId="{CDB9C19B-2206-489F-9AF4-06D7B73435FA}" destId="{758B686D-4E4A-4503-A45C-4DD88C77BCEA}" srcOrd="0" destOrd="0" presId="urn:microsoft.com/office/officeart/2005/8/layout/chevron2"/>
+    <dgm:cxn modelId="{05EC44E4-EB08-4921-A636-252049935D8E}" srcId="{C16DFD09-DC49-4373-A2B7-FA28DF1DF3B5}" destId="{98C33624-850F-4F3E-951D-01B6717A12FD}" srcOrd="0" destOrd="0" parTransId="{971F66C8-3C43-4FD9-A81E-304F064692B3}" sibTransId="{ACBFDBAA-0A79-431B-B8BB-320665E8F46D}"/>
+    <dgm:cxn modelId="{72ABE755-C560-4341-BC49-F739521B1EAA}" type="presOf" srcId="{9DEB1442-88FA-412E-AF8E-7CB0E69F502A}" destId="{A79FA5CD-F63A-4C28-A6AF-33555776AA10}" srcOrd="0" destOrd="0" presId="urn:microsoft.com/office/officeart/2005/8/layout/chevron2"/>
+    <dgm:cxn modelId="{B1BD7F03-3E64-44AB-B1E9-A7FE01E076BD}" type="presOf" srcId="{A011E0F7-F588-4C8D-BCD6-7F6EA2E5E160}" destId="{31787433-7D80-4525-B43A-631DD55E2578}" srcOrd="0" destOrd="0" presId="urn:microsoft.com/office/officeart/2005/8/layout/chevron2"/>
+    <dgm:cxn modelId="{DAB81238-FC97-4ED2-B413-DB0F5E23FCB6}" type="presOf" srcId="{2CECF517-16A4-4A6B-B7D2-B920789ABBA4}" destId="{24BF4F90-A06D-4B1A-B0EF-10B8CFD6E7DD}" srcOrd="0" destOrd="0" presId="urn:microsoft.com/office/officeart/2005/8/layout/chevron2"/>
+    <dgm:cxn modelId="{79D1A853-7482-40D5-BDA9-70EA4220A74C}" type="presOf" srcId="{CE3C39E7-ECAF-4F61-B7C2-BEDFC1F75578}" destId="{AE732B93-C217-44D0-ADC0-3DFE6F1898F0}" srcOrd="0" destOrd="0" presId="urn:microsoft.com/office/officeart/2005/8/layout/chevron2"/>
     <dgm:cxn modelId="{1A08DF01-0935-47DD-90B7-60C7423CF1AA}" srcId="{2CECF517-16A4-4A6B-B7D2-B920789ABBA4}" destId="{CE3C39E7-ECAF-4F61-B7C2-BEDFC1F75578}" srcOrd="0" destOrd="0" parTransId="{958C8565-6D30-49A8-8E81-F3C867914DDA}" sibTransId="{184C5C0F-06C4-4D71-B9D6-429BB9999220}"/>
+    <dgm:cxn modelId="{90E46483-6B00-4B7E-ABD2-3B50DC70B56A}" srcId="{5BFBD139-1CB4-4363-9269-7E6622BCBC8A}" destId="{348FA5D1-B30F-411C-BB3D-0D2E21C283AE}" srcOrd="0" destOrd="0" parTransId="{1EBB088E-853B-425E-AA04-B84EBE200B1D}" sibTransId="{898E3428-D547-4459-8E1F-4005B6CD7FDB}"/>
+    <dgm:cxn modelId="{74BF84D0-D319-4E71-8D90-69774F42CA2D}" type="presOf" srcId="{C16DFD09-DC49-4373-A2B7-FA28DF1DF3B5}" destId="{86DE861C-2F44-4B08-88B3-F73CA49E686F}" srcOrd="0" destOrd="0" presId="urn:microsoft.com/office/officeart/2005/8/layout/chevron2"/>
     <dgm:cxn modelId="{08957502-39B2-4284-B869-0F4AF255833F}" srcId="{A011E0F7-F588-4C8D-BCD6-7F6EA2E5E160}" destId="{5A4A2A31-33CE-4D85-95B8-30BCFCC84564}" srcOrd="0" destOrd="0" parTransId="{386F910C-9E42-42E3-8DB4-BA690CE8E6AF}" sibTransId="{5BD0E2C0-C15D-440D-8E6B-696DBA2699FB}"/>
-    <dgm:cxn modelId="{B1BD7F03-3E64-44AB-B1E9-A7FE01E076BD}" type="presOf" srcId="{A011E0F7-F588-4C8D-BCD6-7F6EA2E5E160}" destId="{31787433-7D80-4525-B43A-631DD55E2578}" srcOrd="0" destOrd="0" presId="urn:microsoft.com/office/officeart/2005/8/layout/chevron2"/>
     <dgm:cxn modelId="{263F4014-F564-4668-AA87-9B67C534EB2F}" type="presOf" srcId="{98C33624-850F-4F3E-951D-01B6717A12FD}" destId="{82529F0F-0490-4B71-B1B1-2A1CCE250566}" srcOrd="0" destOrd="0" presId="urn:microsoft.com/office/officeart/2005/8/layout/chevron2"/>
-    <dgm:cxn modelId="{06098B2C-5EB8-4A32-B7FD-D09BF10F0623}" srcId="{EE02FF68-3676-4624-80D3-6B173EE9BBF9}" destId="{CDB9C19B-2206-489F-9AF4-06D7B73435FA}" srcOrd="0" destOrd="0" parTransId="{C6110966-2FD9-4059-AAA5-0E40DACCD8A4}" sibTransId="{9CD2319A-FBBD-4F09-97F0-04241D46588D}"/>
-    <dgm:cxn modelId="{89792A35-31CC-4668-AF9C-3630FF0890D6}" srcId="{C3AEF0A3-5CB2-49C6-9000-D056BBEFA60D}" destId="{5BFBD139-1CB4-4363-9269-7E6622BCBC8A}" srcOrd="1" destOrd="0" parTransId="{E5A98278-6C31-4453-A55D-57F65D25F29A}" sibTransId="{1729C903-BF67-4CA8-AEA3-0E26C71990CF}"/>
-    <dgm:cxn modelId="{DAB81238-FC97-4ED2-B413-DB0F5E23FCB6}" type="presOf" srcId="{2CECF517-16A4-4A6B-B7D2-B920789ABBA4}" destId="{24BF4F90-A06D-4B1A-B0EF-10B8CFD6E7DD}" srcOrd="0" destOrd="0" presId="urn:microsoft.com/office/officeart/2005/8/layout/chevron2"/>
-    <dgm:cxn modelId="{2C8F9C43-0480-49A7-93B0-65B03DC82507}" type="presOf" srcId="{CDB9C19B-2206-489F-9AF4-06D7B73435FA}" destId="{758B686D-4E4A-4503-A45C-4DD88C77BCEA}" srcOrd="0" destOrd="0" presId="urn:microsoft.com/office/officeart/2005/8/layout/chevron2"/>
+    <dgm:cxn modelId="{C1A846BE-A192-4FB5-86CD-F8311577C380}" srcId="{C3AEF0A3-5CB2-49C6-9000-D056BBEFA60D}" destId="{A011E0F7-F588-4C8D-BCD6-7F6EA2E5E160}" srcOrd="2" destOrd="0" parTransId="{C45E2474-DC0C-4C2D-A545-69B7F9617BDF}" sibTransId="{CDAB4146-0D22-428A-A863-39DE97481B66}"/>
     <dgm:cxn modelId="{A5213644-008E-496D-A731-631A02BAF3E7}" type="presOf" srcId="{115B452B-C5B4-4656-A790-089EA493FD9B}" destId="{3BCA5A54-89C5-48D5-9936-31D0A1F44ABE}" srcOrd="0" destOrd="0" presId="urn:microsoft.com/office/officeart/2005/8/layout/chevron2"/>
+    <dgm:cxn modelId="{8CD8E768-1F2D-439D-B3DE-748EBD0A032C}" srcId="{C3AEF0A3-5CB2-49C6-9000-D056BBEFA60D}" destId="{EE02FF68-3676-4624-80D3-6B173EE9BBF9}" srcOrd="3" destOrd="0" parTransId="{2521CB2E-F768-40FC-80CE-BB7E6F85E803}" sibTransId="{98AA5BE0-FCAD-4221-8F07-03024030CE23}"/>
+    <dgm:cxn modelId="{8CA911E1-2113-4593-9211-A20709331E57}" srcId="{9DEB1442-88FA-412E-AF8E-7CB0E69F502A}" destId="{115B452B-C5B4-4656-A790-089EA493FD9B}" srcOrd="0" destOrd="0" parTransId="{86E039D6-19BF-4B6D-8925-32224574B6E6}" sibTransId="{8CD38E03-E404-4769-A1CF-DE7C081184BF}"/>
     <dgm:cxn modelId="{FF7DB346-76ED-4C9D-B154-2C8FB0750029}" type="presOf" srcId="{5A4A2A31-33CE-4D85-95B8-30BCFCC84564}" destId="{BA4E67CC-F177-4F9B-A372-AB917E5C536B}" srcOrd="0" destOrd="0" presId="urn:microsoft.com/office/officeart/2005/8/layout/chevron2"/>
-    <dgm:cxn modelId="{8CD8E768-1F2D-439D-B3DE-748EBD0A032C}" srcId="{C3AEF0A3-5CB2-49C6-9000-D056BBEFA60D}" destId="{EE02FF68-3676-4624-80D3-6B173EE9BBF9}" srcOrd="3" destOrd="0" parTransId="{2521CB2E-F768-40FC-80CE-BB7E6F85E803}" sibTransId="{98AA5BE0-FCAD-4221-8F07-03024030CE23}"/>
-    <dgm:cxn modelId="{79D1A853-7482-40D5-BDA9-70EA4220A74C}" type="presOf" srcId="{CE3C39E7-ECAF-4F61-B7C2-BEDFC1F75578}" destId="{AE732B93-C217-44D0-ADC0-3DFE6F1898F0}" srcOrd="0" destOrd="0" presId="urn:microsoft.com/office/officeart/2005/8/layout/chevron2"/>
-    <dgm:cxn modelId="{72ABE755-C560-4341-BC49-F739521B1EAA}" type="presOf" srcId="{9DEB1442-88FA-412E-AF8E-7CB0E69F502A}" destId="{A79FA5CD-F63A-4C28-A6AF-33555776AA10}" srcOrd="0" destOrd="0" presId="urn:microsoft.com/office/officeart/2005/8/layout/chevron2"/>
-    <dgm:cxn modelId="{90E46483-6B00-4B7E-ABD2-3B50DC70B56A}" srcId="{5BFBD139-1CB4-4363-9269-7E6622BCBC8A}" destId="{348FA5D1-B30F-411C-BB3D-0D2E21C283AE}" srcOrd="0" destOrd="0" parTransId="{1EBB088E-853B-425E-AA04-B84EBE200B1D}" sibTransId="{898E3428-D547-4459-8E1F-4005B6CD7FDB}"/>
-    <dgm:cxn modelId="{FC3F7CB8-CF2C-46DF-96A8-3B026E4A1104}" type="presOf" srcId="{C3AEF0A3-5CB2-49C6-9000-D056BBEFA60D}" destId="{F6E71AD5-E7D5-4410-9AC9-1BB6E7DD5B43}" srcOrd="0" destOrd="0" presId="urn:microsoft.com/office/officeart/2005/8/layout/chevron2"/>
-    <dgm:cxn modelId="{C1A846BE-A192-4FB5-86CD-F8311577C380}" srcId="{C3AEF0A3-5CB2-49C6-9000-D056BBEFA60D}" destId="{A011E0F7-F588-4C8D-BCD6-7F6EA2E5E160}" srcOrd="2" destOrd="0" parTransId="{C45E2474-DC0C-4C2D-A545-69B7F9617BDF}" sibTransId="{CDAB4146-0D22-428A-A863-39DE97481B66}"/>
-    <dgm:cxn modelId="{06415EC5-E3C0-4C4D-8F4C-719F8F21A466}" srcId="{C3AEF0A3-5CB2-49C6-9000-D056BBEFA60D}" destId="{2CECF517-16A4-4A6B-B7D2-B920789ABBA4}" srcOrd="0" destOrd="0" parTransId="{7ED45248-2497-4A86-A6A4-0363CA21B9E6}" sibTransId="{2B80DF6B-2B16-4522-97A5-FC5C9E8CF3AF}"/>
-    <dgm:cxn modelId="{0EE25DC9-0A81-48AA-9A3C-6A7E94891269}" srcId="{C3AEF0A3-5CB2-49C6-9000-D056BBEFA60D}" destId="{9DEB1442-88FA-412E-AF8E-7CB0E69F502A}" srcOrd="5" destOrd="0" parTransId="{74C13E0E-DB61-4C27-AF4A-5D003EBA1EB3}" sibTransId="{25E3C0CA-BAC0-4603-B919-9379C2301E4F}"/>
-    <dgm:cxn modelId="{90187ACB-8ADA-4068-9E05-04F234CC67E5}" type="presOf" srcId="{EE02FF68-3676-4624-80D3-6B173EE9BBF9}" destId="{23FC2A95-3F55-43D8-8D98-17E198B2D967}" srcOrd="0" destOrd="0" presId="urn:microsoft.com/office/officeart/2005/8/layout/chevron2"/>
-    <dgm:cxn modelId="{74BF84D0-D319-4E71-8D90-69774F42CA2D}" type="presOf" srcId="{C16DFD09-DC49-4373-A2B7-FA28DF1DF3B5}" destId="{86DE861C-2F44-4B08-88B3-F73CA49E686F}" srcOrd="0" destOrd="0" presId="urn:microsoft.com/office/officeart/2005/8/layout/chevron2"/>
-    <dgm:cxn modelId="{59DBBBD0-C0F7-4716-B9F3-F38964A47423}" type="presOf" srcId="{348FA5D1-B30F-411C-BB3D-0D2E21C283AE}" destId="{9559C1D2-75D4-4C9C-AB81-9AFA23D91352}" srcOrd="0" destOrd="0" presId="urn:microsoft.com/office/officeart/2005/8/layout/chevron2"/>
-    <dgm:cxn modelId="{BD2800D8-69AB-4D19-810E-12C2D4B10951}" type="presOf" srcId="{5BFBD139-1CB4-4363-9269-7E6622BCBC8A}" destId="{52AAD766-EB81-4258-BC93-9990ED45895D}" srcOrd="0" destOrd="0" presId="urn:microsoft.com/office/officeart/2005/8/layout/chevron2"/>
-    <dgm:cxn modelId="{8CA911E1-2113-4593-9211-A20709331E57}" srcId="{9DEB1442-88FA-412E-AF8E-7CB0E69F502A}" destId="{115B452B-C5B4-4656-A790-089EA493FD9B}" srcOrd="0" destOrd="0" parTransId="{86E039D6-19BF-4B6D-8925-32224574B6E6}" sibTransId="{8CD38E03-E404-4769-A1CF-DE7C081184BF}"/>
-    <dgm:cxn modelId="{05EC44E4-EB08-4921-A636-252049935D8E}" srcId="{C16DFD09-DC49-4373-A2B7-FA28DF1DF3B5}" destId="{98C33624-850F-4F3E-951D-01B6717A12FD}" srcOrd="0" destOrd="0" parTransId="{971F66C8-3C43-4FD9-A81E-304F064692B3}" sibTransId="{ACBFDBAA-0A79-431B-B8BB-320665E8F46D}"/>
-    <dgm:cxn modelId="{E1D3D4E9-3833-4B2E-8858-189C5F7A2151}" srcId="{C3AEF0A3-5CB2-49C6-9000-D056BBEFA60D}" destId="{C16DFD09-DC49-4373-A2B7-FA28DF1DF3B5}" srcOrd="4" destOrd="0" parTransId="{B31F0BE9-B5EB-42B5-8D28-09EFDC876BC6}" sibTransId="{015E8DE0-440C-4CC0-B07A-0D6292878838}"/>
     <dgm:cxn modelId="{B50F59DD-8A8F-4DF1-B4EA-3D1C90B5E192}" type="presParOf" srcId="{F6E71AD5-E7D5-4410-9AC9-1BB6E7DD5B43}" destId="{7D341E6A-693C-4246-85DC-72CAF7928A21}" srcOrd="0" destOrd="0" presId="urn:microsoft.com/office/officeart/2005/8/layout/chevron2"/>
     <dgm:cxn modelId="{0E0CA047-BC10-4AB2-AA36-E5D64F5EEE26}" type="presParOf" srcId="{7D341E6A-693C-4246-85DC-72CAF7928A21}" destId="{24BF4F90-A06D-4B1A-B0EF-10B8CFD6E7DD}" srcOrd="0" destOrd="0" presId="urn:microsoft.com/office/officeart/2005/8/layout/chevron2"/>
     <dgm:cxn modelId="{F0B3B389-E1BA-47A4-8B4B-F8DD1E61C530}" type="presParOf" srcId="{7D341E6A-693C-4246-85DC-72CAF7928A21}" destId="{AE732B93-C217-44D0-ADC0-3DFE6F1898F0}" srcOrd="1" destOrd="0" presId="urn:microsoft.com/office/officeart/2005/8/layout/chevron2"/>
@@ -2589,7 +2729,7 @@
         </a:bodyPr>
         <a:lstStyle/>
         <a:p>
-          <a:pPr marL="0" lvl="0" indent="0" algn="ctr" defTabSz="2711450">
+          <a:pPr lvl="0" algn="ctr" defTabSz="2711450">
             <a:lnSpc>
               <a:spcPct val="90000"/>
             </a:lnSpc>
@@ -2599,7 +2739,6 @@
             <a:spcAft>
               <a:spcPct val="35000"/>
             </a:spcAft>
-            <a:buNone/>
           </a:pPr>
           <a:r>
             <a:rPr lang="en-AU" sz="6100" kern="1200" dirty="0"/>
@@ -2662,7 +2801,7 @@
         </a:bodyPr>
         <a:lstStyle/>
         <a:p>
-          <a:pPr marL="0" lvl="0" indent="0" algn="ctr" defTabSz="1333500">
+          <a:pPr lvl="0" algn="ctr" defTabSz="1333500">
             <a:lnSpc>
               <a:spcPct val="90000"/>
             </a:lnSpc>
@@ -2672,7 +2811,6 @@
             <a:spcAft>
               <a:spcPct val="35000"/>
             </a:spcAft>
-            <a:buNone/>
           </a:pPr>
           <a:endParaRPr lang="en-AU" sz="3000" kern="1200"/>
         </a:p>
@@ -2738,7 +2876,7 @@
         </a:bodyPr>
         <a:lstStyle/>
         <a:p>
-          <a:pPr marL="0" lvl="0" indent="0" algn="ctr" defTabSz="2711450">
+          <a:pPr lvl="0" algn="ctr" defTabSz="2711450">
             <a:lnSpc>
               <a:spcPct val="90000"/>
             </a:lnSpc>
@@ -2748,7 +2886,6 @@
             <a:spcAft>
               <a:spcPct val="35000"/>
             </a:spcAft>
-            <a:buNone/>
           </a:pPr>
           <a:r>
             <a:rPr lang="en-AU" sz="6100" kern="1200" dirty="0"/>
@@ -2811,7 +2948,7 @@
         </a:bodyPr>
         <a:lstStyle/>
         <a:p>
-          <a:pPr marL="0" lvl="0" indent="0" algn="ctr" defTabSz="1333500">
+          <a:pPr lvl="0" algn="ctr" defTabSz="1333500">
             <a:lnSpc>
               <a:spcPct val="90000"/>
             </a:lnSpc>
@@ -2821,7 +2958,6 @@
             <a:spcAft>
               <a:spcPct val="35000"/>
             </a:spcAft>
-            <a:buNone/>
           </a:pPr>
           <a:endParaRPr lang="en-AU" sz="3000" kern="1200"/>
         </a:p>
@@ -2887,7 +3023,7 @@
         </a:bodyPr>
         <a:lstStyle/>
         <a:p>
-          <a:pPr marL="0" lvl="0" indent="0" algn="ctr" defTabSz="2711450">
+          <a:pPr lvl="0" algn="ctr" defTabSz="2711450">
             <a:lnSpc>
               <a:spcPct val="90000"/>
             </a:lnSpc>
@@ -2897,7 +3033,6 @@
             <a:spcAft>
               <a:spcPct val="35000"/>
             </a:spcAft>
-            <a:buNone/>
           </a:pPr>
           <a:r>
             <a:rPr lang="en-AU" sz="6100" kern="1200" dirty="0"/>
@@ -2976,7 +3111,7 @@
         </a:bodyPr>
         <a:lstStyle/>
         <a:p>
-          <a:pPr marL="0" lvl="0" indent="0" algn="ctr" defTabSz="800100">
+          <a:pPr lvl="0" algn="ctr" defTabSz="800100">
             <a:lnSpc>
               <a:spcPct val="90000"/>
             </a:lnSpc>
@@ -2986,7 +3121,6 @@
             <a:spcAft>
               <a:spcPct val="35000"/>
             </a:spcAft>
-            <a:buNone/>
           </a:pPr>
           <a:r>
             <a:rPr lang="en-AU" sz="1800" kern="1200" dirty="0"/>
@@ -3062,7 +3196,7 @@
             <a:spcAft>
               <a:spcPct val="15000"/>
             </a:spcAft>
-            <a:buChar char="•"/>
+            <a:buChar char="••"/>
           </a:pPr>
           <a:r>
             <a:rPr lang="en-AU" sz="3600" kern="1200" dirty="0"/>
@@ -3129,7 +3263,7 @@
         </a:bodyPr>
         <a:lstStyle/>
         <a:p>
-          <a:pPr marL="0" lvl="0" indent="0" algn="ctr" defTabSz="800100">
+          <a:pPr lvl="0" algn="ctr" defTabSz="800100">
             <a:lnSpc>
               <a:spcPct val="90000"/>
             </a:lnSpc>
@@ -3139,7 +3273,6 @@
             <a:spcAft>
               <a:spcPct val="35000"/>
             </a:spcAft>
-            <a:buNone/>
           </a:pPr>
           <a:r>
             <a:rPr lang="en-AU" sz="1800" kern="1200" dirty="0"/>
@@ -3215,7 +3348,7 @@
             <a:spcAft>
               <a:spcPct val="15000"/>
             </a:spcAft>
-            <a:buChar char="•"/>
+            <a:buChar char="••"/>
           </a:pPr>
           <a:r>
             <a:rPr lang="en-AU" sz="3600" kern="1200" dirty="0"/>
@@ -3282,7 +3415,7 @@
         </a:bodyPr>
         <a:lstStyle/>
         <a:p>
-          <a:pPr marL="0" lvl="0" indent="0" algn="ctr" defTabSz="800100">
+          <a:pPr lvl="0" algn="ctr" defTabSz="800100">
             <a:lnSpc>
               <a:spcPct val="90000"/>
             </a:lnSpc>
@@ -3292,7 +3425,6 @@
             <a:spcAft>
               <a:spcPct val="35000"/>
             </a:spcAft>
-            <a:buNone/>
           </a:pPr>
           <a:r>
             <a:rPr lang="en-AU" sz="1800" kern="1200" dirty="0"/>
@@ -3368,7 +3500,7 @@
             <a:spcAft>
               <a:spcPct val="15000"/>
             </a:spcAft>
-            <a:buChar char="•"/>
+            <a:buChar char="••"/>
           </a:pPr>
           <a:r>
             <a:rPr lang="en-AU" sz="3600" kern="1200" dirty="0"/>
@@ -3435,7 +3567,7 @@
         </a:bodyPr>
         <a:lstStyle/>
         <a:p>
-          <a:pPr marL="0" lvl="0" indent="0" algn="ctr" defTabSz="800100">
+          <a:pPr lvl="0" algn="ctr" defTabSz="800100">
             <a:lnSpc>
               <a:spcPct val="90000"/>
             </a:lnSpc>
@@ -3445,7 +3577,6 @@
             <a:spcAft>
               <a:spcPct val="35000"/>
             </a:spcAft>
-            <a:buNone/>
           </a:pPr>
           <a:r>
             <a:rPr lang="en-AU" sz="1800" kern="1200" dirty="0"/>
@@ -3521,7 +3652,7 @@
             <a:spcAft>
               <a:spcPct val="15000"/>
             </a:spcAft>
-            <a:buChar char="•"/>
+            <a:buChar char="••"/>
           </a:pPr>
           <a:r>
             <a:rPr lang="en-AU" sz="3600" kern="1200" dirty="0"/>
@@ -3588,7 +3719,7 @@
         </a:bodyPr>
         <a:lstStyle/>
         <a:p>
-          <a:pPr marL="0" lvl="0" indent="0" algn="ctr" defTabSz="800100">
+          <a:pPr lvl="0" algn="ctr" defTabSz="800100">
             <a:lnSpc>
               <a:spcPct val="90000"/>
             </a:lnSpc>
@@ -3598,7 +3729,6 @@
             <a:spcAft>
               <a:spcPct val="35000"/>
             </a:spcAft>
-            <a:buNone/>
           </a:pPr>
           <a:r>
             <a:rPr lang="en-AU" sz="1800" kern="1200" dirty="0"/>
@@ -3674,7 +3804,7 @@
             <a:spcAft>
               <a:spcPct val="15000"/>
             </a:spcAft>
-            <a:buChar char="•"/>
+            <a:buChar char="••"/>
           </a:pPr>
           <a:r>
             <a:rPr lang="en-AU" sz="3600" kern="1200" dirty="0"/>
@@ -3741,7 +3871,7 @@
         </a:bodyPr>
         <a:lstStyle/>
         <a:p>
-          <a:pPr marL="0" lvl="0" indent="0" algn="ctr" defTabSz="800100">
+          <a:pPr lvl="0" algn="ctr" defTabSz="800100">
             <a:lnSpc>
               <a:spcPct val="90000"/>
             </a:lnSpc>
@@ -3751,7 +3881,6 @@
             <a:spcAft>
               <a:spcPct val="35000"/>
             </a:spcAft>
-            <a:buNone/>
           </a:pPr>
           <a:r>
             <a:rPr lang="en-AU" sz="1800" kern="1200" dirty="0"/>
@@ -3827,7 +3956,7 @@
             <a:spcAft>
               <a:spcPct val="15000"/>
             </a:spcAft>
-            <a:buChar char="•"/>
+            <a:buChar char="••"/>
           </a:pPr>
           <a:r>
             <a:rPr lang="en-AU" sz="3600" kern="1200" dirty="0"/>
@@ -6396,7 +6525,7 @@
           <a:p>
             <a:fld id="{FE5B4EDC-59C0-49C7-8ADA-5A781B329E02}" type="datetimeFigureOut">
               <a:rPr lang="en-US"/>
-              <a:t>11/5/2018</a:t>
+              <a:t>11/6/2018</a:t>
             </a:fld>
             <a:endParaRPr/>
           </a:p>
@@ -6561,7 +6690,7 @@
           <a:p>
             <a:fld id="{F2D8D46A-B586-417D-BFBD-8C8FE0AAF762}" type="datetimeFigureOut">
               <a:rPr lang="en-US"/>
-              <a:t>11/5/2018</a:t>
+              <a:t>11/6/2018</a:t>
             </a:fld>
             <a:endParaRPr/>
           </a:p>
@@ -8816,7 +8945,7 @@
           <a:p>
             <a:fld id="{F0DFD029-FB74-4578-B929-F66AA97659CA}" type="datetimeFigureOut">
               <a:rPr lang="en-US"/>
-              <a:t>11/5/2018</a:t>
+              <a:t>11/6/2018</a:t>
             </a:fld>
             <a:endParaRPr/>
           </a:p>
@@ -9014,7 +9143,7 @@
           <a:p>
             <a:fld id="{F0DFD029-FB74-4578-B929-F66AA97659CA}" type="datetimeFigureOut">
               <a:rPr lang="en-US"/>
-              <a:t>11/5/2018</a:t>
+              <a:t>11/6/2018</a:t>
             </a:fld>
             <a:endParaRPr/>
           </a:p>
@@ -9222,7 +9351,7 @@
           <a:p>
             <a:fld id="{F0DFD029-FB74-4578-B929-F66AA97659CA}" type="datetimeFigureOut">
               <a:rPr lang="en-US"/>
-              <a:t>11/5/2018</a:t>
+              <a:t>11/6/2018</a:t>
             </a:fld>
             <a:endParaRPr/>
           </a:p>
@@ -9420,7 +9549,7 @@
           <a:p>
             <a:fld id="{F0DFD029-FB74-4578-B929-F66AA97659CA}" type="datetimeFigureOut">
               <a:rPr lang="en-US"/>
-              <a:t>11/5/2018</a:t>
+              <a:t>11/6/2018</a:t>
             </a:fld>
             <a:endParaRPr/>
           </a:p>
@@ -9852,7 +9981,7 @@
           <a:p>
             <a:fld id="{F0DFD029-FB74-4578-B929-F66AA97659CA}" type="datetimeFigureOut">
               <a:rPr lang="en-US"/>
-              <a:t>11/5/2018</a:t>
+              <a:t>11/6/2018</a:t>
             </a:fld>
             <a:endParaRPr/>
           </a:p>
@@ -10156,7 +10285,7 @@
           <a:p>
             <a:fld id="{F0DFD029-FB74-4578-B929-F66AA97659CA}" type="datetimeFigureOut">
               <a:rPr lang="en-US"/>
-              <a:t>11/5/2018</a:t>
+              <a:t>11/6/2018</a:t>
             </a:fld>
             <a:endParaRPr/>
           </a:p>
@@ -10612,7 +10741,7 @@
           <a:p>
             <a:fld id="{F0DFD029-FB74-4578-B929-F66AA97659CA}" type="datetimeFigureOut">
               <a:rPr lang="en-US"/>
-              <a:t>11/5/2018</a:t>
+              <a:t>11/6/2018</a:t>
             </a:fld>
             <a:endParaRPr/>
           </a:p>
@@ -10742,7 +10871,7 @@
           <a:p>
             <a:fld id="{F0DFD029-FB74-4578-B929-F66AA97659CA}" type="datetimeFigureOut">
               <a:rPr lang="en-US"/>
-              <a:t>11/5/2018</a:t>
+              <a:t>11/6/2018</a:t>
             </a:fld>
             <a:endParaRPr/>
           </a:p>
@@ -10849,7 +10978,7 @@
           <a:p>
             <a:fld id="{F0DFD029-FB74-4578-B929-F66AA97659CA}" type="datetimeFigureOut">
               <a:rPr lang="en-US"/>
-              <a:t>11/5/2018</a:t>
+              <a:t>11/6/2018</a:t>
             </a:fld>
             <a:endParaRPr/>
           </a:p>
@@ -11148,7 +11277,7 @@
           <a:p>
             <a:fld id="{F0DFD029-FB74-4578-B929-F66AA97659CA}" type="datetimeFigureOut">
               <a:rPr lang="en-US"/>
-              <a:t>11/5/2018</a:t>
+              <a:t>11/6/2018</a:t>
             </a:fld>
             <a:endParaRPr/>
           </a:p>
@@ -11436,7 +11565,7 @@
           <a:p>
             <a:fld id="{F0DFD029-FB74-4578-B929-F66AA97659CA}" type="datetimeFigureOut">
               <a:rPr lang="en-US"/>
-              <a:t>11/5/2018</a:t>
+              <a:t>11/6/2018</a:t>
             </a:fld>
             <a:endParaRPr/>
           </a:p>
@@ -12059,7 +12188,7 @@
             <a:fld id="{F0DFD029-FB74-4578-B929-F66AA97659CA}" type="datetimeFigureOut">
               <a:rPr lang="en-US"/>
               <a:pPr/>
-              <a:t>11/5/2018</a:t>
+              <a:t>11/6/2018</a:t>
             </a:fld>
             <a:endParaRPr/>
           </a:p>
@@ -12593,7 +12722,7 @@
           <p:cNvPr id="6" name="Rectangle 5">
             <a:extLst>
               <a:ext uri="{FF2B5EF4-FFF2-40B4-BE49-F238E27FC236}">
-                <a16:creationId xmlns:a16="http://schemas.microsoft.com/office/drawing/2014/main" id="{B00556E9-6BE7-4FBC-BF96-86696EEE03F8}"/>
+                <a16:creationId xmlns:a16="http://schemas.microsoft.com/office/drawing/2014/main" xmlns="" id="{B00556E9-6BE7-4FBC-BF96-86696EEE03F8}"/>
               </a:ext>
             </a:extLst>
           </p:cNvPr>
@@ -12639,7 +12768,7 @@
           <p:cNvPr id="8" name="Picture 7">
             <a:extLst>
               <a:ext uri="{FF2B5EF4-FFF2-40B4-BE49-F238E27FC236}">
-                <a16:creationId xmlns:a16="http://schemas.microsoft.com/office/drawing/2014/main" id="{844222BE-707C-453A-A140-8569DFCD4664}"/>
+                <a16:creationId xmlns:a16="http://schemas.microsoft.com/office/drawing/2014/main" xmlns="" id="{844222BE-707C-453A-A140-8569DFCD4664}"/>
               </a:ext>
             </a:extLst>
           </p:cNvPr>
@@ -12675,7 +12804,7 @@
           <p:cNvPr id="4" name="Picture 3">
             <a:extLst>
               <a:ext uri="{FF2B5EF4-FFF2-40B4-BE49-F238E27FC236}">
-                <a16:creationId xmlns:a16="http://schemas.microsoft.com/office/drawing/2014/main" id="{61C71974-9754-43FD-8E8E-35E616625CF2}"/>
+                <a16:creationId xmlns:a16="http://schemas.microsoft.com/office/drawing/2014/main" xmlns="" id="{61C71974-9754-43FD-8E8E-35E616625CF2}"/>
               </a:ext>
             </a:extLst>
           </p:cNvPr>
@@ -12825,6 +12954,13 @@
       </p:transition>
     </mc:Fallback>
   </mc:AlternateContent>
+  <p:timing>
+    <p:tnLst>
+      <p:par>
+        <p:cTn id="1" dur="indefinite" restart="never" nodeType="tmRoot"/>
+      </p:par>
+    </p:tnLst>
+  </p:timing>
 </p:sld>
 </file>
 
@@ -12929,6 +13065,13 @@
       </p:transition>
     </mc:Fallback>
   </mc:AlternateContent>
+  <p:timing>
+    <p:tnLst>
+      <p:par>
+        <p:cTn id="1" dur="indefinite" restart="never" nodeType="tmRoot"/>
+      </p:par>
+    </p:tnLst>
+  </p:timing>
 </p:sld>
 </file>
 
@@ -12954,7 +13097,7 @@
           <p:cNvPr id="2" name="Title 1">
             <a:extLst>
               <a:ext uri="{FF2B5EF4-FFF2-40B4-BE49-F238E27FC236}">
-                <a16:creationId xmlns:a16="http://schemas.microsoft.com/office/drawing/2014/main" id="{118CBBA9-49D2-4262-9114-D0D47E7D522A}"/>
+                <a16:creationId xmlns:a16="http://schemas.microsoft.com/office/drawing/2014/main" xmlns="" id="{118CBBA9-49D2-4262-9114-D0D47E7D522A}"/>
               </a:ext>
             </a:extLst>
           </p:cNvPr>
@@ -12987,7 +13130,7 @@
           <p:cNvPr id="4" name="Diagram 3">
             <a:extLst>
               <a:ext uri="{FF2B5EF4-FFF2-40B4-BE49-F238E27FC236}">
-                <a16:creationId xmlns:a16="http://schemas.microsoft.com/office/drawing/2014/main" id="{4031CAB8-6925-4905-9DD7-B8D063144B98}"/>
+                <a16:creationId xmlns:a16="http://schemas.microsoft.com/office/drawing/2014/main" xmlns="" id="{4031CAB8-6925-4905-9DD7-B8D063144B98}"/>
               </a:ext>
             </a:extLst>
           </p:cNvPr>
@@ -13015,7 +13158,7 @@
           <p:cNvPr id="8" name="Straight Arrow Connector 7">
             <a:extLst>
               <a:ext uri="{FF2B5EF4-FFF2-40B4-BE49-F238E27FC236}">
-                <a16:creationId xmlns:a16="http://schemas.microsoft.com/office/drawing/2014/main" id="{F0BF8251-5326-410D-B396-65170A115541}"/>
+                <a16:creationId xmlns:a16="http://schemas.microsoft.com/office/drawing/2014/main" xmlns="" id="{F0BF8251-5326-410D-B396-65170A115541}"/>
               </a:ext>
             </a:extLst>
           </p:cNvPr>
@@ -13056,7 +13199,7 @@
           <p:cNvPr id="11" name="Straight Arrow Connector 10">
             <a:extLst>
               <a:ext uri="{FF2B5EF4-FFF2-40B4-BE49-F238E27FC236}">
-                <a16:creationId xmlns:a16="http://schemas.microsoft.com/office/drawing/2014/main" id="{A9A8034B-E238-4EBA-BD38-7F0EACE3A516}"/>
+                <a16:creationId xmlns:a16="http://schemas.microsoft.com/office/drawing/2014/main" xmlns="" id="{A9A8034B-E238-4EBA-BD38-7F0EACE3A516}"/>
               </a:ext>
             </a:extLst>
           </p:cNvPr>
@@ -13097,7 +13240,7 @@
           <p:cNvPr id="12" name="Straight Arrow Connector 11">
             <a:extLst>
               <a:ext uri="{FF2B5EF4-FFF2-40B4-BE49-F238E27FC236}">
-                <a16:creationId xmlns:a16="http://schemas.microsoft.com/office/drawing/2014/main" id="{4FAD93A4-9369-4DA4-99C9-EB0611E498AC}"/>
+                <a16:creationId xmlns:a16="http://schemas.microsoft.com/office/drawing/2014/main" xmlns="" id="{4FAD93A4-9369-4DA4-99C9-EB0611E498AC}"/>
               </a:ext>
             </a:extLst>
           </p:cNvPr>
@@ -13138,7 +13281,7 @@
           <p:cNvPr id="14" name="TextBox 13">
             <a:extLst>
               <a:ext uri="{FF2B5EF4-FFF2-40B4-BE49-F238E27FC236}">
-                <a16:creationId xmlns:a16="http://schemas.microsoft.com/office/drawing/2014/main" id="{003E41E4-9F05-4D44-AEAD-F3AED8E15B78}"/>
+                <a16:creationId xmlns:a16="http://schemas.microsoft.com/office/drawing/2014/main" xmlns="" id="{003E41E4-9F05-4D44-AEAD-F3AED8E15B78}"/>
               </a:ext>
             </a:extLst>
           </p:cNvPr>
@@ -13173,7 +13316,7 @@
           <p:cNvPr id="15" name="TextBox 14">
             <a:extLst>
               <a:ext uri="{FF2B5EF4-FFF2-40B4-BE49-F238E27FC236}">
-                <a16:creationId xmlns:a16="http://schemas.microsoft.com/office/drawing/2014/main" id="{EBB4EF4B-2212-4465-A02D-6B66BC885CBE}"/>
+                <a16:creationId xmlns:a16="http://schemas.microsoft.com/office/drawing/2014/main" xmlns="" id="{EBB4EF4B-2212-4465-A02D-6B66BC885CBE}"/>
               </a:ext>
             </a:extLst>
           </p:cNvPr>
@@ -13222,7 +13365,7 @@
           <p:cNvPr id="19" name="Picture 18">
             <a:extLst>
               <a:ext uri="{FF2B5EF4-FFF2-40B4-BE49-F238E27FC236}">
-                <a16:creationId xmlns:a16="http://schemas.microsoft.com/office/drawing/2014/main" id="{41BED593-B76E-494D-89E3-C2F9DF80D5CB}"/>
+                <a16:creationId xmlns:a16="http://schemas.microsoft.com/office/drawing/2014/main" xmlns="" id="{41BED593-B76E-494D-89E3-C2F9DF80D5CB}"/>
               </a:ext>
             </a:extLst>
           </p:cNvPr>
@@ -13258,7 +13401,7 @@
           <p:cNvPr id="21" name="Picture 20">
             <a:extLst>
               <a:ext uri="{FF2B5EF4-FFF2-40B4-BE49-F238E27FC236}">
-                <a16:creationId xmlns:a16="http://schemas.microsoft.com/office/drawing/2014/main" id="{5F83ED00-625A-485D-9639-9AD47182A858}"/>
+                <a16:creationId xmlns:a16="http://schemas.microsoft.com/office/drawing/2014/main" xmlns="" id="{5F83ED00-625A-485D-9639-9AD47182A858}"/>
               </a:ext>
             </a:extLst>
           </p:cNvPr>
@@ -13294,7 +13437,7 @@
           <p:cNvPr id="23" name="Picture 22">
             <a:extLst>
               <a:ext uri="{FF2B5EF4-FFF2-40B4-BE49-F238E27FC236}">
-                <a16:creationId xmlns:a16="http://schemas.microsoft.com/office/drawing/2014/main" id="{050F8DBE-EE23-48B3-AE86-C529318BB03D}"/>
+                <a16:creationId xmlns:a16="http://schemas.microsoft.com/office/drawing/2014/main" xmlns="" id="{050F8DBE-EE23-48B3-AE86-C529318BB03D}"/>
               </a:ext>
             </a:extLst>
           </p:cNvPr>
@@ -13330,7 +13473,7 @@
           <p:cNvPr id="13" name="Picture 12">
             <a:extLst>
               <a:ext uri="{FF2B5EF4-FFF2-40B4-BE49-F238E27FC236}">
-                <a16:creationId xmlns:a16="http://schemas.microsoft.com/office/drawing/2014/main" id="{BBEC1953-4A39-4FD8-B3D0-A1DB3B1AC4EA}"/>
+                <a16:creationId xmlns:a16="http://schemas.microsoft.com/office/drawing/2014/main" xmlns="" id="{BBEC1953-4A39-4FD8-B3D0-A1DB3B1AC4EA}"/>
               </a:ext>
             </a:extLst>
           </p:cNvPr>
@@ -13366,7 +13509,7 @@
           <p:cNvPr id="3" name="Oval 2">
             <a:extLst>
               <a:ext uri="{FF2B5EF4-FFF2-40B4-BE49-F238E27FC236}">
-                <a16:creationId xmlns:a16="http://schemas.microsoft.com/office/drawing/2014/main" id="{37F6E635-11D2-4FCE-A6F0-0CA7216296F3}"/>
+                <a16:creationId xmlns:a16="http://schemas.microsoft.com/office/drawing/2014/main" xmlns="" id="{37F6E635-11D2-4FCE-A6F0-0CA7216296F3}"/>
               </a:ext>
             </a:extLst>
           </p:cNvPr>
@@ -13455,6 +13598,13 @@
       </p:transition>
     </mc:Fallback>
   </mc:AlternateContent>
+  <p:timing>
+    <p:tnLst>
+      <p:par>
+        <p:cTn id="1" dur="indefinite" restart="never" nodeType="tmRoot"/>
+      </p:par>
+    </p:tnLst>
+  </p:timing>
 </p:sld>
 </file>
 
@@ -13502,7 +13652,7 @@
           <p:cNvPr id="2" name="Content Placeholder 1">
             <a:extLst>
               <a:ext uri="{FF2B5EF4-FFF2-40B4-BE49-F238E27FC236}">
-                <a16:creationId xmlns:a16="http://schemas.microsoft.com/office/drawing/2014/main" id="{51569DDC-B169-4DBF-AE32-3C50C98FCCD9}"/>
+                <a16:creationId xmlns:a16="http://schemas.microsoft.com/office/drawing/2014/main" xmlns="" id="{51569DDC-B169-4DBF-AE32-3C50C98FCCD9}"/>
               </a:ext>
             </a:extLst>
           </p:cNvPr>
@@ -13596,7 +13746,7 @@
           <p:cNvPr id="4" name="Diagram 3">
             <a:extLst>
               <a:ext uri="{FF2B5EF4-FFF2-40B4-BE49-F238E27FC236}">
-                <a16:creationId xmlns:a16="http://schemas.microsoft.com/office/drawing/2014/main" id="{8E92447E-19E6-4162-923D-17AED9E3BCF5}"/>
+                <a16:creationId xmlns:a16="http://schemas.microsoft.com/office/drawing/2014/main" xmlns="" id="{8E92447E-19E6-4162-923D-17AED9E3BCF5}"/>
               </a:ext>
             </a:extLst>
           </p:cNvPr>
@@ -13641,6 +13791,13 @@
       </p:transition>
     </mc:Fallback>
   </mc:AlternateContent>
+  <p:timing>
+    <p:tnLst>
+      <p:par>
+        <p:cTn id="1" dur="indefinite" restart="never" nodeType="tmRoot"/>
+      </p:par>
+    </p:tnLst>
+  </p:timing>
 </p:sld>
 </file>
 
@@ -13666,7 +13823,7 @@
           <p:cNvPr id="2" name="Title 1">
             <a:extLst>
               <a:ext uri="{FF2B5EF4-FFF2-40B4-BE49-F238E27FC236}">
-                <a16:creationId xmlns:a16="http://schemas.microsoft.com/office/drawing/2014/main" id="{118CBBA9-49D2-4262-9114-D0D47E7D522A}"/>
+                <a16:creationId xmlns:a16="http://schemas.microsoft.com/office/drawing/2014/main" xmlns="" id="{118CBBA9-49D2-4262-9114-D0D47E7D522A}"/>
               </a:ext>
             </a:extLst>
           </p:cNvPr>
@@ -13694,7 +13851,7 @@
           <p:cNvPr id="3" name="Content Placeholder 2">
             <a:extLst>
               <a:ext uri="{FF2B5EF4-FFF2-40B4-BE49-F238E27FC236}">
-                <a16:creationId xmlns:a16="http://schemas.microsoft.com/office/drawing/2014/main" id="{1E6F3B36-FA1C-4A44-8799-54720A510D55}"/>
+                <a16:creationId xmlns:a16="http://schemas.microsoft.com/office/drawing/2014/main" xmlns="" id="{1E6F3B36-FA1C-4A44-8799-54720A510D55}"/>
               </a:ext>
             </a:extLst>
           </p:cNvPr>
@@ -13776,7 +13933,7 @@
           <p:cNvPr id="5" name="Picture 4">
             <a:extLst>
               <a:ext uri="{FF2B5EF4-FFF2-40B4-BE49-F238E27FC236}">
-                <a16:creationId xmlns:a16="http://schemas.microsoft.com/office/drawing/2014/main" id="{4FB56277-9B9F-4E34-AC16-440EA4F3C51B}"/>
+                <a16:creationId xmlns:a16="http://schemas.microsoft.com/office/drawing/2014/main" xmlns="" id="{4FB56277-9B9F-4E34-AC16-440EA4F3C51B}"/>
               </a:ext>
             </a:extLst>
           </p:cNvPr>
@@ -13806,7 +13963,7 @@
           <p:cNvPr id="9" name="Picture 8">
             <a:extLst>
               <a:ext uri="{FF2B5EF4-FFF2-40B4-BE49-F238E27FC236}">
-                <a16:creationId xmlns:a16="http://schemas.microsoft.com/office/drawing/2014/main" id="{8D9306C8-91B1-4669-92A2-A0E4DD4C7E68}"/>
+                <a16:creationId xmlns:a16="http://schemas.microsoft.com/office/drawing/2014/main" xmlns="" id="{8D9306C8-91B1-4669-92A2-A0E4DD4C7E68}"/>
               </a:ext>
             </a:extLst>
           </p:cNvPr>
@@ -13853,6 +14010,13 @@
       </p:transition>
     </mc:Fallback>
   </mc:AlternateContent>
+  <p:timing>
+    <p:tnLst>
+      <p:par>
+        <p:cTn id="1" dur="indefinite" restart="never" nodeType="tmRoot"/>
+      </p:par>
+    </p:tnLst>
+  </p:timing>
 </p:sld>
 </file>
 
@@ -13878,7 +14042,7 @@
           <p:cNvPr id="2" name="Title 1">
             <a:extLst>
               <a:ext uri="{FF2B5EF4-FFF2-40B4-BE49-F238E27FC236}">
-                <a16:creationId xmlns:a16="http://schemas.microsoft.com/office/drawing/2014/main" id="{118CBBA9-49D2-4262-9114-D0D47E7D522A}"/>
+                <a16:creationId xmlns:a16="http://schemas.microsoft.com/office/drawing/2014/main" xmlns="" id="{118CBBA9-49D2-4262-9114-D0D47E7D522A}"/>
               </a:ext>
             </a:extLst>
           </p:cNvPr>
@@ -13906,7 +14070,7 @@
           <p:cNvPr id="3" name="Content Placeholder 2">
             <a:extLst>
               <a:ext uri="{FF2B5EF4-FFF2-40B4-BE49-F238E27FC236}">
-                <a16:creationId xmlns:a16="http://schemas.microsoft.com/office/drawing/2014/main" id="{1E6F3B36-FA1C-4A44-8799-54720A510D55}"/>
+                <a16:creationId xmlns:a16="http://schemas.microsoft.com/office/drawing/2014/main" xmlns="" id="{1E6F3B36-FA1C-4A44-8799-54720A510D55}"/>
               </a:ext>
             </a:extLst>
           </p:cNvPr>
@@ -13946,7 +14110,7 @@
           <p:cNvPr id="11" name="Content Placeholder 2">
             <a:extLst>
               <a:ext uri="{FF2B5EF4-FFF2-40B4-BE49-F238E27FC236}">
-                <a16:creationId xmlns:a16="http://schemas.microsoft.com/office/drawing/2014/main" id="{EB2211BA-8C34-482A-8D7D-AE6D41451A34}"/>
+                <a16:creationId xmlns:a16="http://schemas.microsoft.com/office/drawing/2014/main" xmlns="" id="{EB2211BA-8C34-482A-8D7D-AE6D41451A34}"/>
               </a:ext>
             </a:extLst>
           </p:cNvPr>
@@ -14190,7 +14354,7 @@
           <p:cNvPr id="12" name="Picture 11">
             <a:extLst>
               <a:ext uri="{FF2B5EF4-FFF2-40B4-BE49-F238E27FC236}">
-                <a16:creationId xmlns:a16="http://schemas.microsoft.com/office/drawing/2014/main" id="{8DA62101-4D10-4CC8-B583-2BBA71CE49AA}"/>
+                <a16:creationId xmlns:a16="http://schemas.microsoft.com/office/drawing/2014/main" xmlns="" id="{8DA62101-4D10-4CC8-B583-2BBA71CE49AA}"/>
               </a:ext>
             </a:extLst>
           </p:cNvPr>
@@ -14243,6 +14407,13 @@
       </p:transition>
     </mc:Fallback>
   </mc:AlternateContent>
+  <p:timing>
+    <p:tnLst>
+      <p:par>
+        <p:cTn id="1" dur="indefinite" restart="never" nodeType="tmRoot"/>
+      </p:par>
+    </p:tnLst>
+  </p:timing>
 </p:sld>
 </file>
 
@@ -14268,7 +14439,7 @@
           <p:cNvPr id="2" name="Title 1">
             <a:extLst>
               <a:ext uri="{FF2B5EF4-FFF2-40B4-BE49-F238E27FC236}">
-                <a16:creationId xmlns:a16="http://schemas.microsoft.com/office/drawing/2014/main" id="{118CBBA9-49D2-4262-9114-D0D47E7D522A}"/>
+                <a16:creationId xmlns:a16="http://schemas.microsoft.com/office/drawing/2014/main" xmlns="" id="{118CBBA9-49D2-4262-9114-D0D47E7D522A}"/>
               </a:ext>
             </a:extLst>
           </p:cNvPr>
@@ -14301,7 +14472,7 @@
           <p:cNvPr id="11" name="Content Placeholder 2">
             <a:extLst>
               <a:ext uri="{FF2B5EF4-FFF2-40B4-BE49-F238E27FC236}">
-                <a16:creationId xmlns:a16="http://schemas.microsoft.com/office/drawing/2014/main" id="{EB2211BA-8C34-482A-8D7D-AE6D41451A34}"/>
+                <a16:creationId xmlns:a16="http://schemas.microsoft.com/office/drawing/2014/main" xmlns="" id="{EB2211BA-8C34-482A-8D7D-AE6D41451A34}"/>
               </a:ext>
             </a:extLst>
           </p:cNvPr>
@@ -14545,7 +14716,7 @@
           <p:cNvPr id="5" name="Picture 4">
             <a:extLst>
               <a:ext uri="{FF2B5EF4-FFF2-40B4-BE49-F238E27FC236}">
-                <a16:creationId xmlns:a16="http://schemas.microsoft.com/office/drawing/2014/main" id="{09E90969-DDBD-4A3E-9F8B-71C88A7A892A}"/>
+                <a16:creationId xmlns:a16="http://schemas.microsoft.com/office/drawing/2014/main" xmlns="" id="{09E90969-DDBD-4A3E-9F8B-71C88A7A892A}"/>
               </a:ext>
             </a:extLst>
           </p:cNvPr>
@@ -14581,7 +14752,7 @@
           <p:cNvPr id="8" name="Content Placeholder 2">
             <a:extLst>
               <a:ext uri="{FF2B5EF4-FFF2-40B4-BE49-F238E27FC236}">
-                <a16:creationId xmlns:a16="http://schemas.microsoft.com/office/drawing/2014/main" id="{28E5A2FE-9A14-4089-A12C-5FC61FC043C1}"/>
+                <a16:creationId xmlns:a16="http://schemas.microsoft.com/office/drawing/2014/main" xmlns="" id="{28E5A2FE-9A14-4089-A12C-5FC61FC043C1}"/>
               </a:ext>
             </a:extLst>
           </p:cNvPr>
@@ -14819,7 +14990,7 @@
           <p:cNvPr id="7" name="Picture 6">
             <a:extLst>
               <a:ext uri="{FF2B5EF4-FFF2-40B4-BE49-F238E27FC236}">
-                <a16:creationId xmlns:a16="http://schemas.microsoft.com/office/drawing/2014/main" id="{45E91D1B-90D7-4539-BB65-90841D0FA099}"/>
+                <a16:creationId xmlns:a16="http://schemas.microsoft.com/office/drawing/2014/main" xmlns="" id="{45E91D1B-90D7-4539-BB65-90841D0FA099}"/>
               </a:ext>
             </a:extLst>
           </p:cNvPr>
@@ -14855,7 +15026,7 @@
           <p:cNvPr id="13" name="Content Placeholder 2">
             <a:extLst>
               <a:ext uri="{FF2B5EF4-FFF2-40B4-BE49-F238E27FC236}">
-                <a16:creationId xmlns:a16="http://schemas.microsoft.com/office/drawing/2014/main" id="{1CA6B06B-3644-4E44-B293-CEAB7F1EB508}"/>
+                <a16:creationId xmlns:a16="http://schemas.microsoft.com/office/drawing/2014/main" xmlns="" id="{1CA6B06B-3644-4E44-B293-CEAB7F1EB508}"/>
               </a:ext>
             </a:extLst>
           </p:cNvPr>
@@ -15110,6 +15281,13 @@
       </p:transition>
     </mc:Fallback>
   </mc:AlternateContent>
+  <p:timing>
+    <p:tnLst>
+      <p:par>
+        <p:cTn id="1" dur="indefinite" restart="never" nodeType="tmRoot"/>
+      </p:par>
+    </p:tnLst>
+  </p:timing>
 </p:sld>
 </file>
 
@@ -15135,7 +15313,7 @@
           <p:cNvPr id="2" name="Title 1">
             <a:extLst>
               <a:ext uri="{FF2B5EF4-FFF2-40B4-BE49-F238E27FC236}">
-                <a16:creationId xmlns:a16="http://schemas.microsoft.com/office/drawing/2014/main" id="{118CBBA9-49D2-4262-9114-D0D47E7D522A}"/>
+                <a16:creationId xmlns:a16="http://schemas.microsoft.com/office/drawing/2014/main" xmlns="" id="{118CBBA9-49D2-4262-9114-D0D47E7D522A}"/>
               </a:ext>
             </a:extLst>
           </p:cNvPr>
@@ -15163,7 +15341,7 @@
           <p:cNvPr id="3" name="Content Placeholder 2">
             <a:extLst>
               <a:ext uri="{FF2B5EF4-FFF2-40B4-BE49-F238E27FC236}">
-                <a16:creationId xmlns:a16="http://schemas.microsoft.com/office/drawing/2014/main" id="{1E6F3B36-FA1C-4A44-8799-54720A510D55}"/>
+                <a16:creationId xmlns:a16="http://schemas.microsoft.com/office/drawing/2014/main" xmlns="" id="{1E6F3B36-FA1C-4A44-8799-54720A510D55}"/>
               </a:ext>
             </a:extLst>
           </p:cNvPr>
@@ -15221,7 +15399,7 @@
           <p:cNvPr id="4" name="Table 3">
             <a:extLst>
               <a:ext uri="{FF2B5EF4-FFF2-40B4-BE49-F238E27FC236}">
-                <a16:creationId xmlns:a16="http://schemas.microsoft.com/office/drawing/2014/main" id="{2EDD53C5-AD65-447D-BE6E-F714AFA3AE1B}"/>
+                <a16:creationId xmlns:a16="http://schemas.microsoft.com/office/drawing/2014/main" xmlns="" id="{2EDD53C5-AD65-447D-BE6E-F714AFA3AE1B}"/>
               </a:ext>
             </a:extLst>
           </p:cNvPr>
@@ -15250,21 +15428,21 @@
                 <a:gridCol w="3335657">
                   <a:extLst>
                     <a:ext uri="{9D8B030D-6E8A-4147-A177-3AD203B41FA5}">
-                      <a16:colId xmlns:a16="http://schemas.microsoft.com/office/drawing/2014/main" val="1736827546"/>
+                      <a16:colId xmlns:a16="http://schemas.microsoft.com/office/drawing/2014/main" xmlns="" val="1736827546"/>
                     </a:ext>
                   </a:extLst>
                 </a:gridCol>
                 <a:gridCol w="3336728">
                   <a:extLst>
                     <a:ext uri="{9D8B030D-6E8A-4147-A177-3AD203B41FA5}">
-                      <a16:colId xmlns:a16="http://schemas.microsoft.com/office/drawing/2014/main" val="1009339973"/>
+                      <a16:colId xmlns:a16="http://schemas.microsoft.com/office/drawing/2014/main" xmlns="" val="1009339973"/>
                     </a:ext>
                   </a:extLst>
                 </a:gridCol>
                 <a:gridCol w="3336728">
                   <a:extLst>
                     <a:ext uri="{9D8B030D-6E8A-4147-A177-3AD203B41FA5}">
-                      <a16:colId xmlns:a16="http://schemas.microsoft.com/office/drawing/2014/main" val="3962187885"/>
+                      <a16:colId xmlns:a16="http://schemas.microsoft.com/office/drawing/2014/main" xmlns="" val="3962187885"/>
                     </a:ext>
                   </a:extLst>
                 </a:gridCol>
@@ -15377,7 +15555,7 @@
                 </a:tc>
                 <a:extLst>
                   <a:ext uri="{0D108BD9-81ED-4DB2-BD59-A6C34878D82A}">
-                    <a16:rowId xmlns:a16="http://schemas.microsoft.com/office/drawing/2014/main" val="2209689491"/>
+                    <a16:rowId xmlns:a16="http://schemas.microsoft.com/office/drawing/2014/main" xmlns="" val="2209689491"/>
                   </a:ext>
                 </a:extLst>
               </a:tr>
@@ -15489,7 +15667,7 @@
                 </a:tc>
                 <a:extLst>
                   <a:ext uri="{0D108BD9-81ED-4DB2-BD59-A6C34878D82A}">
-                    <a16:rowId xmlns:a16="http://schemas.microsoft.com/office/drawing/2014/main" val="2597814589"/>
+                    <a16:rowId xmlns:a16="http://schemas.microsoft.com/office/drawing/2014/main" xmlns="" val="2597814589"/>
                   </a:ext>
                 </a:extLst>
               </a:tr>
@@ -15601,7 +15779,7 @@
                 </a:tc>
                 <a:extLst>
                   <a:ext uri="{0D108BD9-81ED-4DB2-BD59-A6C34878D82A}">
-                    <a16:rowId xmlns:a16="http://schemas.microsoft.com/office/drawing/2014/main" val="3437676480"/>
+                    <a16:rowId xmlns:a16="http://schemas.microsoft.com/office/drawing/2014/main" xmlns="" val="3437676480"/>
                   </a:ext>
                 </a:extLst>
               </a:tr>
@@ -15713,7 +15891,7 @@
                 </a:tc>
                 <a:extLst>
                   <a:ext uri="{0D108BD9-81ED-4DB2-BD59-A6C34878D82A}">
-                    <a16:rowId xmlns:a16="http://schemas.microsoft.com/office/drawing/2014/main" val="3450028378"/>
+                    <a16:rowId xmlns:a16="http://schemas.microsoft.com/office/drawing/2014/main" xmlns="" val="3450028378"/>
                   </a:ext>
                 </a:extLst>
               </a:tr>
@@ -15825,7 +16003,7 @@
                 </a:tc>
                 <a:extLst>
                   <a:ext uri="{0D108BD9-81ED-4DB2-BD59-A6C34878D82A}">
-                    <a16:rowId xmlns:a16="http://schemas.microsoft.com/office/drawing/2014/main" val="3281310877"/>
+                    <a16:rowId xmlns:a16="http://schemas.microsoft.com/office/drawing/2014/main" xmlns="" val="3281310877"/>
                   </a:ext>
                 </a:extLst>
               </a:tr>
@@ -15838,7 +16016,7 @@
           <p:cNvPr id="7" name="Content Placeholder 2">
             <a:extLst>
               <a:ext uri="{FF2B5EF4-FFF2-40B4-BE49-F238E27FC236}">
-                <a16:creationId xmlns:a16="http://schemas.microsoft.com/office/drawing/2014/main" id="{0870F6C2-3F40-4C66-8EA4-7881A3E9E5BC}"/>
+                <a16:creationId xmlns:a16="http://schemas.microsoft.com/office/drawing/2014/main" xmlns="" id="{0870F6C2-3F40-4C66-8EA4-7881A3E9E5BC}"/>
               </a:ext>
             </a:extLst>
           </p:cNvPr>
@@ -16094,7 +16272,7 @@
           <p:cNvPr id="8" name="Table 7">
             <a:extLst>
               <a:ext uri="{FF2B5EF4-FFF2-40B4-BE49-F238E27FC236}">
-                <a16:creationId xmlns:a16="http://schemas.microsoft.com/office/drawing/2014/main" id="{510190BA-FBBB-4186-B9E0-A9C7AF8A5079}"/>
+                <a16:creationId xmlns:a16="http://schemas.microsoft.com/office/drawing/2014/main" xmlns="" id="{510190BA-FBBB-4186-B9E0-A9C7AF8A5079}"/>
               </a:ext>
             </a:extLst>
           </p:cNvPr>
@@ -16123,21 +16301,21 @@
                 <a:gridCol w="3335657">
                   <a:extLst>
                     <a:ext uri="{9D8B030D-6E8A-4147-A177-3AD203B41FA5}">
-                      <a16:colId xmlns:a16="http://schemas.microsoft.com/office/drawing/2014/main" val="1736827546"/>
+                      <a16:colId xmlns:a16="http://schemas.microsoft.com/office/drawing/2014/main" xmlns="" val="1736827546"/>
                     </a:ext>
                   </a:extLst>
                 </a:gridCol>
                 <a:gridCol w="3336728">
                   <a:extLst>
                     <a:ext uri="{9D8B030D-6E8A-4147-A177-3AD203B41FA5}">
-                      <a16:colId xmlns:a16="http://schemas.microsoft.com/office/drawing/2014/main" val="1009339973"/>
+                      <a16:colId xmlns:a16="http://schemas.microsoft.com/office/drawing/2014/main" xmlns="" val="1009339973"/>
                     </a:ext>
                   </a:extLst>
                 </a:gridCol>
                 <a:gridCol w="3336728">
                   <a:extLst>
                     <a:ext uri="{9D8B030D-6E8A-4147-A177-3AD203B41FA5}">
-                      <a16:colId xmlns:a16="http://schemas.microsoft.com/office/drawing/2014/main" val="3962187885"/>
+                      <a16:colId xmlns:a16="http://schemas.microsoft.com/office/drawing/2014/main" xmlns="" val="3962187885"/>
                     </a:ext>
                   </a:extLst>
                 </a:gridCol>
@@ -16241,7 +16419,7 @@
                 </a:tc>
                 <a:extLst>
                   <a:ext uri="{0D108BD9-81ED-4DB2-BD59-A6C34878D82A}">
-                    <a16:rowId xmlns:a16="http://schemas.microsoft.com/office/drawing/2014/main" val="2209689491"/>
+                    <a16:rowId xmlns:a16="http://schemas.microsoft.com/office/drawing/2014/main" xmlns="" val="2209689491"/>
                   </a:ext>
                 </a:extLst>
               </a:tr>
@@ -16362,7 +16540,7 @@
                 </a:tc>
                 <a:extLst>
                   <a:ext uri="{0D108BD9-81ED-4DB2-BD59-A6C34878D82A}">
-                    <a16:rowId xmlns:a16="http://schemas.microsoft.com/office/drawing/2014/main" val="2597814589"/>
+                    <a16:rowId xmlns:a16="http://schemas.microsoft.com/office/drawing/2014/main" xmlns="" val="2597814589"/>
                   </a:ext>
                 </a:extLst>
               </a:tr>
@@ -16392,6 +16570,13 @@
       </p:transition>
     </mc:Fallback>
   </mc:AlternateContent>
+  <p:timing>
+    <p:tnLst>
+      <p:par>
+        <p:cTn id="1" dur="indefinite" restart="never" nodeType="tmRoot"/>
+      </p:par>
+    </p:tnLst>
+  </p:timing>
 </p:sld>
 </file>
 
@@ -16417,7 +16602,7 @@
           <p:cNvPr id="2" name="Title 1">
             <a:extLst>
               <a:ext uri="{FF2B5EF4-FFF2-40B4-BE49-F238E27FC236}">
-                <a16:creationId xmlns:a16="http://schemas.microsoft.com/office/drawing/2014/main" id="{118CBBA9-49D2-4262-9114-D0D47E7D522A}"/>
+                <a16:creationId xmlns:a16="http://schemas.microsoft.com/office/drawing/2014/main" xmlns="" id="{118CBBA9-49D2-4262-9114-D0D47E7D522A}"/>
               </a:ext>
             </a:extLst>
           </p:cNvPr>
@@ -16445,7 +16630,7 @@
           <p:cNvPr id="3" name="Content Placeholder 2">
             <a:extLst>
               <a:ext uri="{FF2B5EF4-FFF2-40B4-BE49-F238E27FC236}">
-                <a16:creationId xmlns:a16="http://schemas.microsoft.com/office/drawing/2014/main" id="{1E6F3B36-FA1C-4A44-8799-54720A510D55}"/>
+                <a16:creationId xmlns:a16="http://schemas.microsoft.com/office/drawing/2014/main" xmlns="" id="{1E6F3B36-FA1C-4A44-8799-54720A510D55}"/>
               </a:ext>
             </a:extLst>
           </p:cNvPr>
@@ -16478,7 +16663,7 @@
           <p:cNvPr id="9" name="Content Placeholder 2">
             <a:extLst>
               <a:ext uri="{FF2B5EF4-FFF2-40B4-BE49-F238E27FC236}">
-                <a16:creationId xmlns:a16="http://schemas.microsoft.com/office/drawing/2014/main" id="{55F4540C-A796-46DC-BFE3-B3DABF5ED521}"/>
+                <a16:creationId xmlns:a16="http://schemas.microsoft.com/office/drawing/2014/main" xmlns="" id="{55F4540C-A796-46DC-BFE3-B3DABF5ED521}"/>
               </a:ext>
             </a:extLst>
           </p:cNvPr>
@@ -16735,7 +16920,7 @@
           <p:cNvPr id="5" name="Picture 4">
             <a:extLst>
               <a:ext uri="{FF2B5EF4-FFF2-40B4-BE49-F238E27FC236}">
-                <a16:creationId xmlns:a16="http://schemas.microsoft.com/office/drawing/2014/main" id="{C9CBC7BF-F2B4-4B1F-B9F0-E060D6AAC33B}"/>
+                <a16:creationId xmlns:a16="http://schemas.microsoft.com/office/drawing/2014/main" xmlns="" id="{C9CBC7BF-F2B4-4B1F-B9F0-E060D6AAC33B}"/>
               </a:ext>
             </a:extLst>
           </p:cNvPr>
@@ -16770,18 +16955,25 @@
   <p:clrMapOvr>
     <a:masterClrMapping/>
   </p:clrMapOvr>
-  <mc:AlternateContent xmlns:mc="http://schemas.openxmlformats.org/markup-compatibility/2006">
-    <mc:Choice xmlns:p14="http://schemas.microsoft.com/office/powerpoint/2010/main" Requires="p14">
+  <mc:AlternateContent xmlns:mc="http://schemas.openxmlformats.org/markup-compatibility/2006" xmlns:p14="http://schemas.microsoft.com/office/powerpoint/2010/main">
+    <mc:Choice Requires="p14">
       <p:transition spd="med" p14:dur="700">
         <p:fade/>
       </p:transition>
     </mc:Choice>
-    <mc:Fallback>
+    <mc:Fallback xmlns="">
       <p:transition spd="med">
         <p:fade/>
       </p:transition>
     </mc:Fallback>
   </mc:AlternateContent>
+  <p:timing>
+    <p:tnLst>
+      <p:par>
+        <p:cTn id="1" dur="indefinite" restart="never" nodeType="tmRoot"/>
+      </p:par>
+    </p:tnLst>
+  </p:timing>
 </p:sld>
 </file>
 
@@ -16807,7 +16999,7 @@
           <p:cNvPr id="2" name="Title 1">
             <a:extLst>
               <a:ext uri="{FF2B5EF4-FFF2-40B4-BE49-F238E27FC236}">
-                <a16:creationId xmlns:a16="http://schemas.microsoft.com/office/drawing/2014/main" id="{118CBBA9-49D2-4262-9114-D0D47E7D522A}"/>
+                <a16:creationId xmlns:a16="http://schemas.microsoft.com/office/drawing/2014/main" xmlns="" id="{118CBBA9-49D2-4262-9114-D0D47E7D522A}"/>
               </a:ext>
             </a:extLst>
           </p:cNvPr>
@@ -16840,7 +17032,7 @@
           <p:cNvPr id="3" name="Content Placeholder 2">
             <a:extLst>
               <a:ext uri="{FF2B5EF4-FFF2-40B4-BE49-F238E27FC236}">
-                <a16:creationId xmlns:a16="http://schemas.microsoft.com/office/drawing/2014/main" id="{1E6F3B36-FA1C-4A44-8799-54720A510D55}"/>
+                <a16:creationId xmlns:a16="http://schemas.microsoft.com/office/drawing/2014/main" xmlns="" id="{1E6F3B36-FA1C-4A44-8799-54720A510D55}"/>
               </a:ext>
             </a:extLst>
           </p:cNvPr>
@@ -16893,7 +17085,7 @@
           <p:cNvPr id="6" name="Picture 5">
             <a:extLst>
               <a:ext uri="{FF2B5EF4-FFF2-40B4-BE49-F238E27FC236}">
-                <a16:creationId xmlns:a16="http://schemas.microsoft.com/office/drawing/2014/main" id="{C3B3FB8B-516A-41D8-AE1A-11B590204CFF}"/>
+                <a16:creationId xmlns:a16="http://schemas.microsoft.com/office/drawing/2014/main" xmlns="" id="{C3B3FB8B-516A-41D8-AE1A-11B590204CFF}"/>
               </a:ext>
             </a:extLst>
           </p:cNvPr>
@@ -17046,6 +17238,13 @@
       </p:transition>
     </mc:Fallback>
   </mc:AlternateContent>
+  <p:timing>
+    <p:tnLst>
+      <p:par>
+        <p:cTn id="1" dur="indefinite" restart="never" nodeType="tmRoot"/>
+      </p:par>
+    </p:tnLst>
+  </p:timing>
 </p:sld>
 </file>
 
@@ -17071,7 +17270,7 @@
           <p:cNvPr id="4" name="Content Placeholder 2">
             <a:extLst>
               <a:ext uri="{FF2B5EF4-FFF2-40B4-BE49-F238E27FC236}">
-                <a16:creationId xmlns:a16="http://schemas.microsoft.com/office/drawing/2014/main" id="{1E6F3B36-FA1C-4A44-8799-54720A510D55}"/>
+                <a16:creationId xmlns:a16="http://schemas.microsoft.com/office/drawing/2014/main" xmlns="" id="{1E6F3B36-FA1C-4A44-8799-54720A510D55}"/>
               </a:ext>
             </a:extLst>
           </p:cNvPr>
@@ -17614,7 +17813,7 @@
           <p:cNvPr id="2" name="Title 1">
             <a:extLst>
               <a:ext uri="{FF2B5EF4-FFF2-40B4-BE49-F238E27FC236}">
-                <a16:creationId xmlns:a16="http://schemas.microsoft.com/office/drawing/2014/main" id="{118CBBA9-49D2-4262-9114-D0D47E7D522A}"/>
+                <a16:creationId xmlns:a16="http://schemas.microsoft.com/office/drawing/2014/main" xmlns="" id="{118CBBA9-49D2-4262-9114-D0D47E7D522A}"/>
               </a:ext>
             </a:extLst>
           </p:cNvPr>
@@ -17647,7 +17846,7 @@
           <p:cNvPr id="3" name="Content Placeholder 2">
             <a:extLst>
               <a:ext uri="{FF2B5EF4-FFF2-40B4-BE49-F238E27FC236}">
-                <a16:creationId xmlns:a16="http://schemas.microsoft.com/office/drawing/2014/main" id="{1E6F3B36-FA1C-4A44-8799-54720A510D55}"/>
+                <a16:creationId xmlns:a16="http://schemas.microsoft.com/office/drawing/2014/main" xmlns="" id="{1E6F3B36-FA1C-4A44-8799-54720A510D55}"/>
               </a:ext>
             </a:extLst>
           </p:cNvPr>
@@ -17682,7 +17881,7 @@
           <p:cNvPr id="7" name="Picture 6">
             <a:extLst>
               <a:ext uri="{FF2B5EF4-FFF2-40B4-BE49-F238E27FC236}">
-                <a16:creationId xmlns:a16="http://schemas.microsoft.com/office/drawing/2014/main" id="{249EAC13-9E1E-4DBA-85FF-730457637E21}"/>
+                <a16:creationId xmlns:a16="http://schemas.microsoft.com/office/drawing/2014/main" xmlns="" id="{249EAC13-9E1E-4DBA-85FF-730457637E21}"/>
               </a:ext>
             </a:extLst>
           </p:cNvPr>
@@ -17729,6 +17928,13 @@
       </p:transition>
     </mc:Fallback>
   </mc:AlternateContent>
+  <p:timing>
+    <p:tnLst>
+      <p:par>
+        <p:cTn id="1" dur="indefinite" restart="never" nodeType="tmRoot"/>
+      </p:par>
+    </p:tnLst>
+  </p:timing>
 </p:sld>
 </file>
 
@@ -17754,7 +17960,7 @@
           <p:cNvPr id="2" name="Title 1">
             <a:extLst>
               <a:ext uri="{FF2B5EF4-FFF2-40B4-BE49-F238E27FC236}">
-                <a16:creationId xmlns:a16="http://schemas.microsoft.com/office/drawing/2014/main" id="{118CBBA9-49D2-4262-9114-D0D47E7D522A}"/>
+                <a16:creationId xmlns:a16="http://schemas.microsoft.com/office/drawing/2014/main" xmlns="" id="{118CBBA9-49D2-4262-9114-D0D47E7D522A}"/>
               </a:ext>
             </a:extLst>
           </p:cNvPr>
@@ -17782,7 +17988,7 @@
           <p:cNvPr id="3" name="Content Placeholder 2">
             <a:extLst>
               <a:ext uri="{FF2B5EF4-FFF2-40B4-BE49-F238E27FC236}">
-                <a16:creationId xmlns:a16="http://schemas.microsoft.com/office/drawing/2014/main" id="{1E6F3B36-FA1C-4A44-8799-54720A510D55}"/>
+                <a16:creationId xmlns:a16="http://schemas.microsoft.com/office/drawing/2014/main" xmlns="" id="{1E6F3B36-FA1C-4A44-8799-54720A510D55}"/>
               </a:ext>
             </a:extLst>
           </p:cNvPr>
@@ -17837,7 +18043,7 @@
           <p:cNvPr id="4" name="Table 3">
             <a:extLst>
               <a:ext uri="{FF2B5EF4-FFF2-40B4-BE49-F238E27FC236}">
-                <a16:creationId xmlns:a16="http://schemas.microsoft.com/office/drawing/2014/main" id="{2EDD53C5-AD65-447D-BE6E-F714AFA3AE1B}"/>
+                <a16:creationId xmlns:a16="http://schemas.microsoft.com/office/drawing/2014/main" xmlns="" id="{2EDD53C5-AD65-447D-BE6E-F714AFA3AE1B}"/>
               </a:ext>
             </a:extLst>
           </p:cNvPr>
@@ -17866,21 +18072,21 @@
                 <a:gridCol w="3335657">
                   <a:extLst>
                     <a:ext uri="{9D8B030D-6E8A-4147-A177-3AD203B41FA5}">
-                      <a16:colId xmlns:a16="http://schemas.microsoft.com/office/drawing/2014/main" val="1736827546"/>
+                      <a16:colId xmlns:a16="http://schemas.microsoft.com/office/drawing/2014/main" xmlns="" val="1736827546"/>
                     </a:ext>
                   </a:extLst>
                 </a:gridCol>
                 <a:gridCol w="3336728">
                   <a:extLst>
                     <a:ext uri="{9D8B030D-6E8A-4147-A177-3AD203B41FA5}">
-                      <a16:colId xmlns:a16="http://schemas.microsoft.com/office/drawing/2014/main" val="1009339973"/>
+                      <a16:colId xmlns:a16="http://schemas.microsoft.com/office/drawing/2014/main" xmlns="" val="1009339973"/>
                     </a:ext>
                   </a:extLst>
                 </a:gridCol>
                 <a:gridCol w="3336728">
                   <a:extLst>
                     <a:ext uri="{9D8B030D-6E8A-4147-A177-3AD203B41FA5}">
-                      <a16:colId xmlns:a16="http://schemas.microsoft.com/office/drawing/2014/main" val="3962187885"/>
+                      <a16:colId xmlns:a16="http://schemas.microsoft.com/office/drawing/2014/main" xmlns="" val="3962187885"/>
                     </a:ext>
                   </a:extLst>
                 </a:gridCol>
@@ -17984,7 +18190,7 @@
                 </a:tc>
                 <a:extLst>
                   <a:ext uri="{0D108BD9-81ED-4DB2-BD59-A6C34878D82A}">
-                    <a16:rowId xmlns:a16="http://schemas.microsoft.com/office/drawing/2014/main" val="2209689491"/>
+                    <a16:rowId xmlns:a16="http://schemas.microsoft.com/office/drawing/2014/main" xmlns="" val="2209689491"/>
                   </a:ext>
                 </a:extLst>
               </a:tr>
@@ -18105,7 +18311,7 @@
                 </a:tc>
                 <a:extLst>
                   <a:ext uri="{0D108BD9-81ED-4DB2-BD59-A6C34878D82A}">
-                    <a16:rowId xmlns:a16="http://schemas.microsoft.com/office/drawing/2014/main" val="2597814589"/>
+                    <a16:rowId xmlns:a16="http://schemas.microsoft.com/office/drawing/2014/main" xmlns="" val="2597814589"/>
                   </a:ext>
                 </a:extLst>
               </a:tr>
@@ -18135,6 +18341,13 @@
       </p:transition>
     </mc:Fallback>
   </mc:AlternateContent>
+  <p:timing>
+    <p:tnLst>
+      <p:par>
+        <p:cTn id="1" dur="indefinite" restart="never" nodeType="tmRoot"/>
+      </p:par>
+    </p:tnLst>
+  </p:timing>
 </p:sld>
 </file>
 
@@ -18160,7 +18373,7 @@
           <p:cNvPr id="2" name="Title 1">
             <a:extLst>
               <a:ext uri="{FF2B5EF4-FFF2-40B4-BE49-F238E27FC236}">
-                <a16:creationId xmlns:a16="http://schemas.microsoft.com/office/drawing/2014/main" id="{118CBBA9-49D2-4262-9114-D0D47E7D522A}"/>
+                <a16:creationId xmlns:a16="http://schemas.microsoft.com/office/drawing/2014/main" xmlns="" id="{118CBBA9-49D2-4262-9114-D0D47E7D522A}"/>
               </a:ext>
             </a:extLst>
           </p:cNvPr>
@@ -18188,7 +18401,7 @@
           <p:cNvPr id="3" name="Content Placeholder 2">
             <a:extLst>
               <a:ext uri="{FF2B5EF4-FFF2-40B4-BE49-F238E27FC236}">
-                <a16:creationId xmlns:a16="http://schemas.microsoft.com/office/drawing/2014/main" id="{1E6F3B36-FA1C-4A44-8799-54720A510D55}"/>
+                <a16:creationId xmlns:a16="http://schemas.microsoft.com/office/drawing/2014/main" xmlns="" id="{1E6F3B36-FA1C-4A44-8799-54720A510D55}"/>
               </a:ext>
             </a:extLst>
           </p:cNvPr>
@@ -18295,6 +18508,13 @@
       </p:transition>
     </mc:Fallback>
   </mc:AlternateContent>
+  <p:timing>
+    <p:tnLst>
+      <p:par>
+        <p:cTn id="1" dur="indefinite" restart="never" nodeType="tmRoot"/>
+      </p:par>
+    </p:tnLst>
+  </p:timing>
 </p:sld>
 </file>
 
@@ -18320,7 +18540,7 @@
           <p:cNvPr id="2" name="Title 1">
             <a:extLst>
               <a:ext uri="{FF2B5EF4-FFF2-40B4-BE49-F238E27FC236}">
-                <a16:creationId xmlns:a16="http://schemas.microsoft.com/office/drawing/2014/main" id="{118CBBA9-49D2-4262-9114-D0D47E7D522A}"/>
+                <a16:creationId xmlns:a16="http://schemas.microsoft.com/office/drawing/2014/main" xmlns="" id="{118CBBA9-49D2-4262-9114-D0D47E7D522A}"/>
               </a:ext>
             </a:extLst>
           </p:cNvPr>
@@ -18349,7 +18569,7 @@
           <p:cNvPr id="3" name="Content Placeholder 2">
             <a:extLst>
               <a:ext uri="{FF2B5EF4-FFF2-40B4-BE49-F238E27FC236}">
-                <a16:creationId xmlns:a16="http://schemas.microsoft.com/office/drawing/2014/main" id="{1E6F3B36-FA1C-4A44-8799-54720A510D55}"/>
+                <a16:creationId xmlns:a16="http://schemas.microsoft.com/office/drawing/2014/main" xmlns="" id="{1E6F3B36-FA1C-4A44-8799-54720A510D55}"/>
               </a:ext>
             </a:extLst>
           </p:cNvPr>
@@ -18402,7 +18622,7 @@
           <p:cNvPr id="5" name="Picture 4">
             <a:extLst>
               <a:ext uri="{FF2B5EF4-FFF2-40B4-BE49-F238E27FC236}">
-                <a16:creationId xmlns:a16="http://schemas.microsoft.com/office/drawing/2014/main" id="{2B8645DC-0A9F-4B17-8D66-DDD7F2394E45}"/>
+                <a16:creationId xmlns:a16="http://schemas.microsoft.com/office/drawing/2014/main" xmlns="" id="{2B8645DC-0A9F-4B17-8D66-DDD7F2394E45}"/>
               </a:ext>
             </a:extLst>
           </p:cNvPr>
@@ -18411,16 +18631,15 @@
           </p:cNvPicPr>
           <p:nvPr/>
         </p:nvPicPr>
-        <p:blipFill>
+        <p:blipFill rotWithShape="1">
           <a:blip r:embed="rId3"/>
-          <a:stretch>
-            <a:fillRect/>
-          </a:stretch>
+          <a:srcRect t="14633" b="2440"/>
+          <a:stretch/>
         </p:blipFill>
         <p:spPr>
           <a:xfrm>
-            <a:off x="1076260" y="3284984"/>
-            <a:ext cx="10706784" cy="2952328"/>
+            <a:off x="1147571" y="3356992"/>
+            <a:ext cx="10706784" cy="2448272"/>
           </a:xfrm>
           <a:prstGeom prst="rect">
             <a:avLst/>
@@ -18449,6 +18668,13 @@
       </p:transition>
     </mc:Fallback>
   </mc:AlternateContent>
+  <p:timing>
+    <p:tnLst>
+      <p:par>
+        <p:cTn id="1" dur="indefinite" restart="never" nodeType="tmRoot"/>
+      </p:par>
+    </p:tnLst>
+  </p:timing>
 </p:sld>
 </file>
 
@@ -18474,7 +18700,7 @@
           <p:cNvPr id="2" name="Title 1">
             <a:extLst>
               <a:ext uri="{FF2B5EF4-FFF2-40B4-BE49-F238E27FC236}">
-                <a16:creationId xmlns:a16="http://schemas.microsoft.com/office/drawing/2014/main" id="{118CBBA9-49D2-4262-9114-D0D47E7D522A}"/>
+                <a16:creationId xmlns:a16="http://schemas.microsoft.com/office/drawing/2014/main" xmlns="" id="{118CBBA9-49D2-4262-9114-D0D47E7D522A}"/>
               </a:ext>
             </a:extLst>
           </p:cNvPr>
@@ -18503,7 +18729,7 @@
           <p:cNvPr id="3" name="Content Placeholder 2">
             <a:extLst>
               <a:ext uri="{FF2B5EF4-FFF2-40B4-BE49-F238E27FC236}">
-                <a16:creationId xmlns:a16="http://schemas.microsoft.com/office/drawing/2014/main" id="{1E6F3B36-FA1C-4A44-8799-54720A510D55}"/>
+                <a16:creationId xmlns:a16="http://schemas.microsoft.com/office/drawing/2014/main" xmlns="" id="{1E6F3B36-FA1C-4A44-8799-54720A510D55}"/>
               </a:ext>
             </a:extLst>
           </p:cNvPr>
@@ -18543,7 +18769,15 @@
             </a:r>
             <a:r>
               <a:rPr lang="en-AU" dirty="0"/>
-              <a:t> generally occurred on grid-like structures solar water heating systems</a:t>
+              <a:t> generally occurred on grid-like structures </a:t>
+            </a:r>
+            <a:r>
+              <a:rPr lang="en-AU" dirty="0" smtClean="0"/>
+              <a:t>and solar </a:t>
+            </a:r>
+            <a:r>
+              <a:rPr lang="en-AU" dirty="0"/>
+              <a:t>water heating systems</a:t>
             </a:r>
           </a:p>
           <a:p>
@@ -18571,7 +18805,7 @@
           <p:cNvPr id="4" name="Picture 3">
             <a:extLst>
               <a:ext uri="{FF2B5EF4-FFF2-40B4-BE49-F238E27FC236}">
-                <a16:creationId xmlns:a16="http://schemas.microsoft.com/office/drawing/2014/main" id="{4E068468-BBC7-478D-8CA5-048BB804A7D9}"/>
+                <a16:creationId xmlns:a16="http://schemas.microsoft.com/office/drawing/2014/main" xmlns="" id="{4E068468-BBC7-478D-8CA5-048BB804A7D9}"/>
               </a:ext>
             </a:extLst>
           </p:cNvPr>
@@ -18580,16 +18814,15 @@
           </p:cNvPicPr>
           <p:nvPr/>
         </p:nvPicPr>
-        <p:blipFill>
+        <p:blipFill rotWithShape="1">
           <a:blip r:embed="rId3"/>
-          <a:stretch>
-            <a:fillRect/>
-          </a:stretch>
+          <a:srcRect t="12195"/>
+          <a:stretch/>
         </p:blipFill>
         <p:spPr>
           <a:xfrm>
-            <a:off x="942456" y="2636912"/>
-            <a:ext cx="11140622" cy="2952328"/>
+            <a:off x="942456" y="2996952"/>
+            <a:ext cx="11140622" cy="2592288"/>
           </a:xfrm>
           <a:prstGeom prst="rect">
             <a:avLst/>
@@ -18618,6 +18851,13 @@
       </p:transition>
     </mc:Fallback>
   </mc:AlternateContent>
+  <p:timing>
+    <p:tnLst>
+      <p:par>
+        <p:cTn id="1" dur="indefinite" restart="never" nodeType="tmRoot"/>
+      </p:par>
+    </p:tnLst>
+  </p:timing>
 </p:sld>
 </file>
 
@@ -18643,7 +18883,7 @@
           <p:cNvPr id="3" name="Content Placeholder 2">
             <a:extLst>
               <a:ext uri="{FF2B5EF4-FFF2-40B4-BE49-F238E27FC236}">
-                <a16:creationId xmlns:a16="http://schemas.microsoft.com/office/drawing/2014/main" id="{1E6F3B36-FA1C-4A44-8799-54720A510D55}"/>
+                <a16:creationId xmlns:a16="http://schemas.microsoft.com/office/drawing/2014/main" xmlns="" id="{1E6F3B36-FA1C-4A44-8799-54720A510D55}"/>
               </a:ext>
             </a:extLst>
           </p:cNvPr>
@@ -18695,7 +18935,7 @@
           <p:cNvPr id="5" name="Title 1">
             <a:extLst>
               <a:ext uri="{FF2B5EF4-FFF2-40B4-BE49-F238E27FC236}">
-                <a16:creationId xmlns:a16="http://schemas.microsoft.com/office/drawing/2014/main" id="{118CBBA9-49D2-4262-9114-D0D47E7D522A}"/>
+                <a16:creationId xmlns:a16="http://schemas.microsoft.com/office/drawing/2014/main" xmlns="" id="{118CBBA9-49D2-4262-9114-D0D47E7D522A}"/>
               </a:ext>
             </a:extLst>
           </p:cNvPr>
@@ -18749,7 +18989,7 @@
           <p:cNvPr id="4" name="Picture 3">
             <a:extLst>
               <a:ext uri="{FF2B5EF4-FFF2-40B4-BE49-F238E27FC236}">
-                <a16:creationId xmlns:a16="http://schemas.microsoft.com/office/drawing/2014/main" id="{C836F8B6-4E7F-4AD4-9E01-9945409CB6DE}"/>
+                <a16:creationId xmlns:a16="http://schemas.microsoft.com/office/drawing/2014/main" xmlns="" id="{C836F8B6-4E7F-4AD4-9E01-9945409CB6DE}"/>
               </a:ext>
             </a:extLst>
           </p:cNvPr>
@@ -18802,6 +19042,13 @@
       </p:transition>
     </mc:Fallback>
   </mc:AlternateContent>
+  <p:timing>
+    <p:tnLst>
+      <p:par>
+        <p:cTn id="1" dur="indefinite" restart="never" nodeType="tmRoot"/>
+      </p:par>
+    </p:tnLst>
+  </p:timing>
 </p:sld>
 </file>
 
@@ -18827,7 +19074,7 @@
           <p:cNvPr id="3" name="Content Placeholder 2">
             <a:extLst>
               <a:ext uri="{FF2B5EF4-FFF2-40B4-BE49-F238E27FC236}">
-                <a16:creationId xmlns:a16="http://schemas.microsoft.com/office/drawing/2014/main" id="{1E6F3B36-FA1C-4A44-8799-54720A510D55}"/>
+                <a16:creationId xmlns:a16="http://schemas.microsoft.com/office/drawing/2014/main" xmlns="" id="{1E6F3B36-FA1C-4A44-8799-54720A510D55}"/>
               </a:ext>
             </a:extLst>
           </p:cNvPr>
@@ -18905,7 +19152,7 @@
           <p:cNvPr id="5" name="Title 1">
             <a:extLst>
               <a:ext uri="{FF2B5EF4-FFF2-40B4-BE49-F238E27FC236}">
-                <a16:creationId xmlns:a16="http://schemas.microsoft.com/office/drawing/2014/main" id="{118CBBA9-49D2-4262-9114-D0D47E7D522A}"/>
+                <a16:creationId xmlns:a16="http://schemas.microsoft.com/office/drawing/2014/main" xmlns="" id="{118CBBA9-49D2-4262-9114-D0D47E7D522A}"/>
               </a:ext>
             </a:extLst>
           </p:cNvPr>
@@ -18959,7 +19206,7 @@
           <p:cNvPr id="7" name="Picture 6">
             <a:extLst>
               <a:ext uri="{FF2B5EF4-FFF2-40B4-BE49-F238E27FC236}">
-                <a16:creationId xmlns:a16="http://schemas.microsoft.com/office/drawing/2014/main" id="{E1E48EDC-A702-402E-BD2D-CD390E72312E}"/>
+                <a16:creationId xmlns:a16="http://schemas.microsoft.com/office/drawing/2014/main" xmlns="" id="{E1E48EDC-A702-402E-BD2D-CD390E72312E}"/>
               </a:ext>
             </a:extLst>
           </p:cNvPr>
@@ -18995,7 +19242,7 @@
           <p:cNvPr id="9" name="Picture 8">
             <a:extLst>
               <a:ext uri="{FF2B5EF4-FFF2-40B4-BE49-F238E27FC236}">
-                <a16:creationId xmlns:a16="http://schemas.microsoft.com/office/drawing/2014/main" id="{A61F78A5-3A32-4F09-A1BB-C837BA54A57A}"/>
+                <a16:creationId xmlns:a16="http://schemas.microsoft.com/office/drawing/2014/main" xmlns="" id="{A61F78A5-3A32-4F09-A1BB-C837BA54A57A}"/>
               </a:ext>
             </a:extLst>
           </p:cNvPr>
@@ -19025,7 +19272,7 @@
           <p:cNvPr id="10" name="Picture 9">
             <a:extLst>
               <a:ext uri="{FF2B5EF4-FFF2-40B4-BE49-F238E27FC236}">
-                <a16:creationId xmlns:a16="http://schemas.microsoft.com/office/drawing/2014/main" id="{C6254312-0C73-421D-800A-D65BDFAD3660}"/>
+                <a16:creationId xmlns:a16="http://schemas.microsoft.com/office/drawing/2014/main" xmlns="" id="{C6254312-0C73-421D-800A-D65BDFAD3660}"/>
               </a:ext>
             </a:extLst>
           </p:cNvPr>
@@ -19072,6 +19319,13 @@
       </p:transition>
     </mc:Fallback>
   </mc:AlternateContent>
+  <p:timing>
+    <p:tnLst>
+      <p:par>
+        <p:cTn id="1" dur="indefinite" restart="never" nodeType="tmRoot"/>
+      </p:par>
+    </p:tnLst>
+  </p:timing>
 </p:sld>
 </file>
 
@@ -19097,7 +19351,7 @@
           <p:cNvPr id="2" name="Title 1">
             <a:extLst>
               <a:ext uri="{FF2B5EF4-FFF2-40B4-BE49-F238E27FC236}">
-                <a16:creationId xmlns:a16="http://schemas.microsoft.com/office/drawing/2014/main" id="{118CBBA9-49D2-4262-9114-D0D47E7D522A}"/>
+                <a16:creationId xmlns:a16="http://schemas.microsoft.com/office/drawing/2014/main" xmlns="" id="{118CBBA9-49D2-4262-9114-D0D47E7D522A}"/>
               </a:ext>
             </a:extLst>
           </p:cNvPr>
@@ -19126,7 +19380,7 @@
           <p:cNvPr id="3" name="Content Placeholder 2">
             <a:extLst>
               <a:ext uri="{FF2B5EF4-FFF2-40B4-BE49-F238E27FC236}">
-                <a16:creationId xmlns:a16="http://schemas.microsoft.com/office/drawing/2014/main" id="{1E6F3B36-FA1C-4A44-8799-54720A510D55}"/>
+                <a16:creationId xmlns:a16="http://schemas.microsoft.com/office/drawing/2014/main" xmlns="" id="{1E6F3B36-FA1C-4A44-8799-54720A510D55}"/>
               </a:ext>
             </a:extLst>
           </p:cNvPr>
@@ -19230,6 +19484,13 @@
       </p:transition>
     </mc:Fallback>
   </mc:AlternateContent>
+  <p:timing>
+    <p:tnLst>
+      <p:par>
+        <p:cTn id="1" dur="indefinite" restart="never" nodeType="tmRoot"/>
+      </p:par>
+    </p:tnLst>
+  </p:timing>
 </p:sld>
 </file>
 
@@ -19255,7 +19516,7 @@
           <p:cNvPr id="2" name="Title 1">
             <a:extLst>
               <a:ext uri="{FF2B5EF4-FFF2-40B4-BE49-F238E27FC236}">
-                <a16:creationId xmlns:a16="http://schemas.microsoft.com/office/drawing/2014/main" id="{118CBBA9-49D2-4262-9114-D0D47E7D522A}"/>
+                <a16:creationId xmlns:a16="http://schemas.microsoft.com/office/drawing/2014/main" xmlns="" id="{118CBBA9-49D2-4262-9114-D0D47E7D522A}"/>
               </a:ext>
             </a:extLst>
           </p:cNvPr>
@@ -19283,7 +19544,7 @@
           <p:cNvPr id="3" name="Content Placeholder 2">
             <a:extLst>
               <a:ext uri="{FF2B5EF4-FFF2-40B4-BE49-F238E27FC236}">
-                <a16:creationId xmlns:a16="http://schemas.microsoft.com/office/drawing/2014/main" id="{1E6F3B36-FA1C-4A44-8799-54720A510D55}"/>
+                <a16:creationId xmlns:a16="http://schemas.microsoft.com/office/drawing/2014/main" xmlns="" id="{1E6F3B36-FA1C-4A44-8799-54720A510D55}"/>
               </a:ext>
             </a:extLst>
           </p:cNvPr>
@@ -19364,6 +19625,13 @@
       </p:transition>
     </mc:Fallback>
   </mc:AlternateContent>
+  <p:timing>
+    <p:tnLst>
+      <p:par>
+        <p:cTn id="1" dur="indefinite" restart="never" nodeType="tmRoot"/>
+      </p:par>
+    </p:tnLst>
+  </p:timing>
 </p:sld>
 </file>
 
@@ -19601,7 +19869,7 @@
           <p:cNvPr id="2" name="Title 1">
             <a:extLst>
               <a:ext uri="{FF2B5EF4-FFF2-40B4-BE49-F238E27FC236}">
-                <a16:creationId xmlns:a16="http://schemas.microsoft.com/office/drawing/2014/main" id="{118CBBA9-49D2-4262-9114-D0D47E7D522A}"/>
+                <a16:creationId xmlns:a16="http://schemas.microsoft.com/office/drawing/2014/main" xmlns="" id="{118CBBA9-49D2-4262-9114-D0D47E7D522A}"/>
               </a:ext>
             </a:extLst>
           </p:cNvPr>
@@ -19629,7 +19897,7 @@
           <p:cNvPr id="3" name="Content Placeholder 2">
             <a:extLst>
               <a:ext uri="{FF2B5EF4-FFF2-40B4-BE49-F238E27FC236}">
-                <a16:creationId xmlns:a16="http://schemas.microsoft.com/office/drawing/2014/main" id="{1E6F3B36-FA1C-4A44-8799-54720A510D55}"/>
+                <a16:creationId xmlns:a16="http://schemas.microsoft.com/office/drawing/2014/main" xmlns="" id="{1E6F3B36-FA1C-4A44-8799-54720A510D55}"/>
               </a:ext>
             </a:extLst>
           </p:cNvPr>
@@ -19700,6 +19968,13 @@
       </p:transition>
     </mc:Fallback>
   </mc:AlternateContent>
+  <p:timing>
+    <p:tnLst>
+      <p:par>
+        <p:cTn id="1" dur="indefinite" restart="never" nodeType="tmRoot"/>
+      </p:par>
+    </p:tnLst>
+  </p:timing>
 </p:sld>
 </file>
 
@@ -19725,7 +20000,7 @@
           <p:cNvPr id="2" name="Title 1">
             <a:extLst>
               <a:ext uri="{FF2B5EF4-FFF2-40B4-BE49-F238E27FC236}">
-                <a16:creationId xmlns:a16="http://schemas.microsoft.com/office/drawing/2014/main" id="{118CBBA9-49D2-4262-9114-D0D47E7D522A}"/>
+                <a16:creationId xmlns:a16="http://schemas.microsoft.com/office/drawing/2014/main" xmlns="" id="{118CBBA9-49D2-4262-9114-D0D47E7D522A}"/>
               </a:ext>
             </a:extLst>
           </p:cNvPr>
@@ -19758,7 +20033,7 @@
           <p:cNvPr id="3" name="Content Placeholder 2">
             <a:extLst>
               <a:ext uri="{FF2B5EF4-FFF2-40B4-BE49-F238E27FC236}">
-                <a16:creationId xmlns:a16="http://schemas.microsoft.com/office/drawing/2014/main" id="{1E6F3B36-FA1C-4A44-8799-54720A510D55}"/>
+                <a16:creationId xmlns:a16="http://schemas.microsoft.com/office/drawing/2014/main" xmlns="" id="{1E6F3B36-FA1C-4A44-8799-54720A510D55}"/>
               </a:ext>
             </a:extLst>
           </p:cNvPr>
@@ -19805,7 +20080,7 @@
           <p:cNvPr id="5" name="Picture 4">
             <a:extLst>
               <a:ext uri="{FF2B5EF4-FFF2-40B4-BE49-F238E27FC236}">
-                <a16:creationId xmlns:a16="http://schemas.microsoft.com/office/drawing/2014/main" id="{4E9B1E06-FE9D-462D-A33F-A672B189115A}"/>
+                <a16:creationId xmlns:a16="http://schemas.microsoft.com/office/drawing/2014/main" xmlns="" id="{4E9B1E06-FE9D-462D-A33F-A672B189115A}"/>
               </a:ext>
             </a:extLst>
           </p:cNvPr>
@@ -19841,7 +20116,7 @@
           <p:cNvPr id="6" name="Picture 5">
             <a:extLst>
               <a:ext uri="{FF2B5EF4-FFF2-40B4-BE49-F238E27FC236}">
-                <a16:creationId xmlns:a16="http://schemas.microsoft.com/office/drawing/2014/main" id="{EEFF4B65-FE70-4058-AB79-864721B760FD}"/>
+                <a16:creationId xmlns:a16="http://schemas.microsoft.com/office/drawing/2014/main" xmlns="" id="{EEFF4B65-FE70-4058-AB79-864721B760FD}"/>
               </a:ext>
             </a:extLst>
           </p:cNvPr>
@@ -19894,6 +20169,13 @@
       </p:transition>
     </mc:Fallback>
   </mc:AlternateContent>
+  <p:timing>
+    <p:tnLst>
+      <p:par>
+        <p:cTn id="1" dur="indefinite" restart="never" nodeType="tmRoot"/>
+      </p:par>
+    </p:tnLst>
+  </p:timing>
 </p:sld>
 </file>
 
@@ -20972,6 +21254,13 @@
       </p:transition>
     </mc:Fallback>
   </mc:AlternateContent>
+  <p:timing>
+    <p:tnLst>
+      <p:par>
+        <p:cTn id="1" dur="indefinite" restart="never" nodeType="tmRoot"/>
+      </p:par>
+    </p:tnLst>
+  </p:timing>
 </p:sld>
 </file>
 
@@ -21926,6 +22215,142 @@
 </file>
 
 <file path=customXml/item1.xml><?xml version="1.0" encoding="utf-8"?>
+<p:properties xmlns:p="http://schemas.microsoft.com/office/2006/metadata/properties" xmlns:xsi="http://www.w3.org/2001/XMLSchema-instance" xmlns:pc="http://schemas.microsoft.com/office/infopath/2007/PartnerControls">
+  <documentManagement>
+    <LocPublishedLinkedAssetsLookup xmlns="4873beb7-5857-4685-be1f-d57550cc96cc" xsi:nil="true"/>
+    <ApprovalStatus xmlns="4873beb7-5857-4685-be1f-d57550cc96cc">InProgress</ApprovalStatus>
+    <MarketSpecific xmlns="4873beb7-5857-4685-be1f-d57550cc96cc">false</MarketSpecific>
+    <LocComments xmlns="4873beb7-5857-4685-be1f-d57550cc96cc" xsi:nil="true"/>
+    <LocLastLocAttemptVersionTypeLookup xmlns="4873beb7-5857-4685-be1f-d57550cc96cc" xsi:nil="true"/>
+    <DirectSourceMarket xmlns="4873beb7-5857-4685-be1f-d57550cc96cc" xsi:nil="true"/>
+    <ThumbnailAssetId xmlns="4873beb7-5857-4685-be1f-d57550cc96cc" xsi:nil="true"/>
+    <PrimaryImageGen xmlns="4873beb7-5857-4685-be1f-d57550cc96cc">false</PrimaryImageGen>
+    <LocNewPublishedVersionLookup xmlns="4873beb7-5857-4685-be1f-d57550cc96cc" xsi:nil="true"/>
+    <LegacyData xmlns="4873beb7-5857-4685-be1f-d57550cc96cc" xsi:nil="true"/>
+    <LocRecommendedHandoff xmlns="4873beb7-5857-4685-be1f-d57550cc96cc" xsi:nil="true"/>
+    <BusinessGroup xmlns="4873beb7-5857-4685-be1f-d57550cc96cc" xsi:nil="true"/>
+    <BlockPublish xmlns="4873beb7-5857-4685-be1f-d57550cc96cc">false</BlockPublish>
+    <TPFriendlyName xmlns="4873beb7-5857-4685-be1f-d57550cc96cc" xsi:nil="true"/>
+    <LocOverallPublishStatusLookup xmlns="4873beb7-5857-4685-be1f-d57550cc96cc" xsi:nil="true"/>
+    <NumericId xmlns="4873beb7-5857-4685-be1f-d57550cc96cc" xsi:nil="true"/>
+    <APEditor xmlns="4873beb7-5857-4685-be1f-d57550cc96cc">
+      <UserInfo>
+        <DisplayName/>
+        <AccountId xsi:nil="true"/>
+        <AccountType/>
+      </UserInfo>
+    </APEditor>
+    <SourceTitle xmlns="4873beb7-5857-4685-be1f-d57550cc96cc" xsi:nil="true"/>
+    <OpenTemplate xmlns="4873beb7-5857-4685-be1f-d57550cc96cc">true</OpenTemplate>
+    <LocOverallLocStatusLookup xmlns="4873beb7-5857-4685-be1f-d57550cc96cc" xsi:nil="true"/>
+    <UALocComments xmlns="4873beb7-5857-4685-be1f-d57550cc96cc" xsi:nil="true"/>
+    <ParentAssetId xmlns="4873beb7-5857-4685-be1f-d57550cc96cc" xsi:nil="true"/>
+    <IntlLangReviewDate xmlns="4873beb7-5857-4685-be1f-d57550cc96cc" xsi:nil="true"/>
+    <FeatureTagsTaxHTField0 xmlns="4873beb7-5857-4685-be1f-d57550cc96cc">
+      <Terms xmlns="http://schemas.microsoft.com/office/infopath/2007/PartnerControls"/>
+    </FeatureTagsTaxHTField0>
+    <PublishStatusLookup xmlns="4873beb7-5857-4685-be1f-d57550cc96cc">
+      <Value>1345093</Value>
+    </PublishStatusLookup>
+    <Providers xmlns="4873beb7-5857-4685-be1f-d57550cc96cc" xsi:nil="true"/>
+    <MachineTranslated xmlns="4873beb7-5857-4685-be1f-d57550cc96cc">false</MachineTranslated>
+    <OriginalSourceMarket xmlns="4873beb7-5857-4685-be1f-d57550cc96cc" xsi:nil="true"/>
+    <APDescription xmlns="4873beb7-5857-4685-be1f-d57550cc96cc">This simple template design works for technology and  businesses, but it's versatile enough to use in other contexts.  It features multiple slide layouts designed for widescreen (16x9 resolution) and includes a sample SmartArt list and chart that are easily editable.</APDescription>
+    <ClipArtFilename xmlns="4873beb7-5857-4685-be1f-d57550cc96cc" xsi:nil="true"/>
+    <ContentItem xmlns="4873beb7-5857-4685-be1f-d57550cc96cc" xsi:nil="true"/>
+    <TPInstallLocation xmlns="4873beb7-5857-4685-be1f-d57550cc96cc" xsi:nil="true"/>
+    <PublishTargets xmlns="4873beb7-5857-4685-be1f-d57550cc96cc">OfficeOnlineVNext</PublishTargets>
+    <TimesCloned xmlns="4873beb7-5857-4685-be1f-d57550cc96cc" xsi:nil="true"/>
+    <AssetStart xmlns="4873beb7-5857-4685-be1f-d57550cc96cc">2011-11-26T00:30:00+00:00</AssetStart>
+    <Provider xmlns="4873beb7-5857-4685-be1f-d57550cc96cc" xsi:nil="true"/>
+    <AcquiredFrom xmlns="4873beb7-5857-4685-be1f-d57550cc96cc">Internal MS</AcquiredFrom>
+    <FriendlyTitle xmlns="4873beb7-5857-4685-be1f-d57550cc96cc" xsi:nil="true"/>
+    <LastHandOff xmlns="4873beb7-5857-4685-be1f-d57550cc96cc" xsi:nil="true"/>
+    <TPClientViewer xmlns="4873beb7-5857-4685-be1f-d57550cc96cc" xsi:nil="true"/>
+    <TemplateStatus xmlns="4873beb7-5857-4685-be1f-d57550cc96cc">Complete</TemplateStatus>
+    <Downloads xmlns="4873beb7-5857-4685-be1f-d57550cc96cc">0</Downloads>
+    <OOCacheId xmlns="4873beb7-5857-4685-be1f-d57550cc96cc" xsi:nil="true"/>
+    <IsDeleted xmlns="4873beb7-5857-4685-be1f-d57550cc96cc">false</IsDeleted>
+    <LocPublishedDependentAssetsLookup xmlns="4873beb7-5857-4685-be1f-d57550cc96cc" xsi:nil="true"/>
+    <TPExecutable xmlns="4873beb7-5857-4685-be1f-d57550cc96cc" xsi:nil="true"/>
+    <EditorialTags xmlns="4873beb7-5857-4685-be1f-d57550cc96cc" xsi:nil="true"/>
+    <SubmitterId xmlns="4873beb7-5857-4685-be1f-d57550cc96cc" xsi:nil="true"/>
+    <ApprovalLog xmlns="4873beb7-5857-4685-be1f-d57550cc96cc" xsi:nil="true"/>
+    <AssetType xmlns="4873beb7-5857-4685-be1f-d57550cc96cc">TP</AssetType>
+    <BugNumber xmlns="4873beb7-5857-4685-be1f-d57550cc96cc" xsi:nil="true"/>
+    <CSXSubmissionDate xmlns="4873beb7-5857-4685-be1f-d57550cc96cc" xsi:nil="true"/>
+    <CSXUpdate xmlns="4873beb7-5857-4685-be1f-d57550cc96cc">false</CSXUpdate>
+    <Milestone xmlns="4873beb7-5857-4685-be1f-d57550cc96cc" xsi:nil="true"/>
+    <RecommendationsModifier xmlns="4873beb7-5857-4685-be1f-d57550cc96cc" xsi:nil="true"/>
+    <OriginAsset xmlns="4873beb7-5857-4685-be1f-d57550cc96cc" xsi:nil="true"/>
+    <TPComponent xmlns="4873beb7-5857-4685-be1f-d57550cc96cc" xsi:nil="true"/>
+    <AssetId xmlns="4873beb7-5857-4685-be1f-d57550cc96cc">TP102787989</AssetId>
+    <IntlLocPriority xmlns="4873beb7-5857-4685-be1f-d57550cc96cc" xsi:nil="true"/>
+    <PolicheckWords xmlns="4873beb7-5857-4685-be1f-d57550cc96cc" xsi:nil="true"/>
+    <TPLaunchHelpLink xmlns="4873beb7-5857-4685-be1f-d57550cc96cc" xsi:nil="true"/>
+    <TPApplication xmlns="4873beb7-5857-4685-be1f-d57550cc96cc" xsi:nil="true"/>
+    <CrawlForDependencies xmlns="4873beb7-5857-4685-be1f-d57550cc96cc">false</CrawlForDependencies>
+    <HandoffToMSDN xmlns="4873beb7-5857-4685-be1f-d57550cc96cc" xsi:nil="true"/>
+    <PlannedPubDate xmlns="4873beb7-5857-4685-be1f-d57550cc96cc" xsi:nil="true"/>
+    <IntlLangReviewer xmlns="4873beb7-5857-4685-be1f-d57550cc96cc" xsi:nil="true"/>
+    <TrustLevel xmlns="4873beb7-5857-4685-be1f-d57550cc96cc">1 Microsoft Managed Content</TrustLevel>
+    <LocLastLocAttemptVersionLookup xmlns="4873beb7-5857-4685-be1f-d57550cc96cc">694266</LocLastLocAttemptVersionLookup>
+    <LocProcessedForHandoffsLookup xmlns="4873beb7-5857-4685-be1f-d57550cc96cc" xsi:nil="true"/>
+    <IsSearchable xmlns="4873beb7-5857-4685-be1f-d57550cc96cc">true</IsSearchable>
+    <TemplateTemplateType xmlns="4873beb7-5857-4685-be1f-d57550cc96cc">PowerPoint Presentation Template</TemplateTemplateType>
+    <CampaignTagsTaxHTField0 xmlns="4873beb7-5857-4685-be1f-d57550cc96cc">
+      <Terms xmlns="http://schemas.microsoft.com/office/infopath/2007/PartnerControls"/>
+    </CampaignTagsTaxHTField0>
+    <TPNamespace xmlns="4873beb7-5857-4685-be1f-d57550cc96cc" xsi:nil="true"/>
+    <LocOverallPreviewStatusLookup xmlns="4873beb7-5857-4685-be1f-d57550cc96cc" xsi:nil="true"/>
+    <TaxCatchAll xmlns="4873beb7-5857-4685-be1f-d57550cc96cc"/>
+    <Markets xmlns="4873beb7-5857-4685-be1f-d57550cc96cc"/>
+    <UAProjectedTotalWords xmlns="4873beb7-5857-4685-be1f-d57550cc96cc" xsi:nil="true"/>
+    <IntlLangReview xmlns="4873beb7-5857-4685-be1f-d57550cc96cc" xsi:nil="true"/>
+    <OutputCachingOn xmlns="4873beb7-5857-4685-be1f-d57550cc96cc">false</OutputCachingOn>
+    <AverageRating xmlns="4873beb7-5857-4685-be1f-d57550cc96cc" xsi:nil="true"/>
+    <APAuthor xmlns="4873beb7-5857-4685-be1f-d57550cc96cc">
+      <UserInfo>
+        <DisplayName>REDMOND\kristaa</DisplayName>
+        <AccountId>136</AccountId>
+        <AccountType/>
+      </UserInfo>
+    </APAuthor>
+    <LocManualTestRequired xmlns="4873beb7-5857-4685-be1f-d57550cc96cc">false</LocManualTestRequired>
+    <TPCommandLine xmlns="4873beb7-5857-4685-be1f-d57550cc96cc" xsi:nil="true"/>
+    <TPAppVersion xmlns="4873beb7-5857-4685-be1f-d57550cc96cc" xsi:nil="true"/>
+    <EditorialStatus xmlns="4873beb7-5857-4685-be1f-d57550cc96cc">Complete</EditorialStatus>
+    <LastModifiedDateTime xmlns="4873beb7-5857-4685-be1f-d57550cc96cc" xsi:nil="true"/>
+    <ScenarioTagsTaxHTField0 xmlns="4873beb7-5857-4685-be1f-d57550cc96cc">
+      <Terms xmlns="http://schemas.microsoft.com/office/infopath/2007/PartnerControls"/>
+    </ScenarioTagsTaxHTField0>
+    <LocProcessedForMarketsLookup xmlns="4873beb7-5857-4685-be1f-d57550cc96cc" xsi:nil="true"/>
+    <TPLaunchHelpLinkType xmlns="4873beb7-5857-4685-be1f-d57550cc96cc">Template</TPLaunchHelpLinkType>
+    <OriginalRelease xmlns="4873beb7-5857-4685-be1f-d57550cc96cc">15</OriginalRelease>
+    <LocalizationTagsTaxHTField0 xmlns="4873beb7-5857-4685-be1f-d57550cc96cc">
+      <Terms xmlns="http://schemas.microsoft.com/office/infopath/2007/PartnerControls"/>
+    </LocalizationTagsTaxHTField0>
+    <UACurrentWords xmlns="4873beb7-5857-4685-be1f-d57550cc96cc" xsi:nil="true"/>
+    <ArtSampleDocs xmlns="4873beb7-5857-4685-be1f-d57550cc96cc" xsi:nil="true"/>
+    <UALocRecommendation xmlns="4873beb7-5857-4685-be1f-d57550cc96cc">Localize</UALocRecommendation>
+    <Manager xmlns="4873beb7-5857-4685-be1f-d57550cc96cc" xsi:nil="true"/>
+    <LocOverallHandbackStatusLookup xmlns="4873beb7-5857-4685-be1f-d57550cc96cc" xsi:nil="true"/>
+    <ShowIn xmlns="4873beb7-5857-4685-be1f-d57550cc96cc">Show everywhere</ShowIn>
+    <UANotes xmlns="4873beb7-5857-4685-be1f-d57550cc96cc" xsi:nil="true"/>
+    <InternalTagsTaxHTField0 xmlns="4873beb7-5857-4685-be1f-d57550cc96cc">
+      <Terms xmlns="http://schemas.microsoft.com/office/infopath/2007/PartnerControls"/>
+    </InternalTagsTaxHTField0>
+    <CSXHash xmlns="4873beb7-5857-4685-be1f-d57550cc96cc" xsi:nil="true"/>
+    <VoteCount xmlns="4873beb7-5857-4685-be1f-d57550cc96cc" xsi:nil="true"/>
+    <AssetExpire xmlns="4873beb7-5857-4685-be1f-d57550cc96cc">2029-05-12T07:00:00+00:00</AssetExpire>
+    <DSATActionTaken xmlns="4873beb7-5857-4685-be1f-d57550cc96cc" xsi:nil="true"/>
+    <CSXSubmissionMarket xmlns="4873beb7-5857-4685-be1f-d57550cc96cc" xsi:nil="true"/>
+    <LocMarketGroupTiers2 xmlns="4873beb7-5857-4685-be1f-d57550cc96cc" xsi:nil="true"/>
+  </documentManagement>
+</p:properties>
+</file>
+
+<file path=customXml/item2.xml><?xml version="1.0" encoding="utf-8"?>
 <ct:contentTypeSchema xmlns:ct="http://schemas.microsoft.com/office/2006/metadata/contentType" xmlns:ma="http://schemas.microsoft.com/office/2006/metadata/properties/metaAttributes" ct:_="" ma:_="" ma:contentTypeName="TemplateFile" ma:contentTypeID="0x0101006EDDDB5EE6D98C44930B742096920B300400F5B6D36B3EF94B4E9A635CDF2A18F5B8" ma:contentTypeVersion="72" ma:contentTypeDescription="Create a new document." ma:contentTypeScope="" ma:versionID="a23e56308344d904b51738559c3d67c9">
   <xsd:schema xmlns:xsd="http://www.w3.org/2001/XMLSchema" xmlns:xs="http://www.w3.org/2001/XMLSchema" xmlns:p="http://schemas.microsoft.com/office/2006/metadata/properties" xmlns:ns2="4873beb7-5857-4685-be1f-d57550cc96cc" targetNamespace="http://schemas.microsoft.com/office/2006/metadata/properties" ma:root="true" ma:fieldsID="cd0908cc4600e77bf5da051303e00c8d" ns2:_="">
     <xsd:import namespace="4873beb7-5857-4685-be1f-d57550cc96cc"/>
@@ -22965,142 +23390,6 @@
 </ct:contentTypeSchema>
 </file>
 
-<file path=customXml/item2.xml><?xml version="1.0" encoding="utf-8"?>
-<p:properties xmlns:p="http://schemas.microsoft.com/office/2006/metadata/properties" xmlns:xsi="http://www.w3.org/2001/XMLSchema-instance" xmlns:pc="http://schemas.microsoft.com/office/infopath/2007/PartnerControls">
-  <documentManagement>
-    <LocPublishedLinkedAssetsLookup xmlns="4873beb7-5857-4685-be1f-d57550cc96cc" xsi:nil="true"/>
-    <ApprovalStatus xmlns="4873beb7-5857-4685-be1f-d57550cc96cc">InProgress</ApprovalStatus>
-    <MarketSpecific xmlns="4873beb7-5857-4685-be1f-d57550cc96cc">false</MarketSpecific>
-    <LocComments xmlns="4873beb7-5857-4685-be1f-d57550cc96cc" xsi:nil="true"/>
-    <LocLastLocAttemptVersionTypeLookup xmlns="4873beb7-5857-4685-be1f-d57550cc96cc" xsi:nil="true"/>
-    <DirectSourceMarket xmlns="4873beb7-5857-4685-be1f-d57550cc96cc" xsi:nil="true"/>
-    <ThumbnailAssetId xmlns="4873beb7-5857-4685-be1f-d57550cc96cc" xsi:nil="true"/>
-    <PrimaryImageGen xmlns="4873beb7-5857-4685-be1f-d57550cc96cc">false</PrimaryImageGen>
-    <LocNewPublishedVersionLookup xmlns="4873beb7-5857-4685-be1f-d57550cc96cc" xsi:nil="true"/>
-    <LegacyData xmlns="4873beb7-5857-4685-be1f-d57550cc96cc" xsi:nil="true"/>
-    <LocRecommendedHandoff xmlns="4873beb7-5857-4685-be1f-d57550cc96cc" xsi:nil="true"/>
-    <BusinessGroup xmlns="4873beb7-5857-4685-be1f-d57550cc96cc" xsi:nil="true"/>
-    <BlockPublish xmlns="4873beb7-5857-4685-be1f-d57550cc96cc">false</BlockPublish>
-    <TPFriendlyName xmlns="4873beb7-5857-4685-be1f-d57550cc96cc" xsi:nil="true"/>
-    <LocOverallPublishStatusLookup xmlns="4873beb7-5857-4685-be1f-d57550cc96cc" xsi:nil="true"/>
-    <NumericId xmlns="4873beb7-5857-4685-be1f-d57550cc96cc" xsi:nil="true"/>
-    <APEditor xmlns="4873beb7-5857-4685-be1f-d57550cc96cc">
-      <UserInfo>
-        <DisplayName/>
-        <AccountId xsi:nil="true"/>
-        <AccountType/>
-      </UserInfo>
-    </APEditor>
-    <SourceTitle xmlns="4873beb7-5857-4685-be1f-d57550cc96cc" xsi:nil="true"/>
-    <OpenTemplate xmlns="4873beb7-5857-4685-be1f-d57550cc96cc">true</OpenTemplate>
-    <LocOverallLocStatusLookup xmlns="4873beb7-5857-4685-be1f-d57550cc96cc" xsi:nil="true"/>
-    <UALocComments xmlns="4873beb7-5857-4685-be1f-d57550cc96cc" xsi:nil="true"/>
-    <ParentAssetId xmlns="4873beb7-5857-4685-be1f-d57550cc96cc" xsi:nil="true"/>
-    <IntlLangReviewDate xmlns="4873beb7-5857-4685-be1f-d57550cc96cc" xsi:nil="true"/>
-    <FeatureTagsTaxHTField0 xmlns="4873beb7-5857-4685-be1f-d57550cc96cc">
-      <Terms xmlns="http://schemas.microsoft.com/office/infopath/2007/PartnerControls"/>
-    </FeatureTagsTaxHTField0>
-    <PublishStatusLookup xmlns="4873beb7-5857-4685-be1f-d57550cc96cc">
-      <Value>1345093</Value>
-    </PublishStatusLookup>
-    <Providers xmlns="4873beb7-5857-4685-be1f-d57550cc96cc" xsi:nil="true"/>
-    <MachineTranslated xmlns="4873beb7-5857-4685-be1f-d57550cc96cc">false</MachineTranslated>
-    <OriginalSourceMarket xmlns="4873beb7-5857-4685-be1f-d57550cc96cc" xsi:nil="true"/>
-    <APDescription xmlns="4873beb7-5857-4685-be1f-d57550cc96cc">This simple template design works for technology and  businesses, but it's versatile enough to use in other contexts.  It features multiple slide layouts designed for widescreen (16x9 resolution) and includes a sample SmartArt list and chart that are easily editable.</APDescription>
-    <ClipArtFilename xmlns="4873beb7-5857-4685-be1f-d57550cc96cc" xsi:nil="true"/>
-    <ContentItem xmlns="4873beb7-5857-4685-be1f-d57550cc96cc" xsi:nil="true"/>
-    <TPInstallLocation xmlns="4873beb7-5857-4685-be1f-d57550cc96cc" xsi:nil="true"/>
-    <PublishTargets xmlns="4873beb7-5857-4685-be1f-d57550cc96cc">OfficeOnlineVNext</PublishTargets>
-    <TimesCloned xmlns="4873beb7-5857-4685-be1f-d57550cc96cc" xsi:nil="true"/>
-    <AssetStart xmlns="4873beb7-5857-4685-be1f-d57550cc96cc">2011-11-26T00:30:00+00:00</AssetStart>
-    <Provider xmlns="4873beb7-5857-4685-be1f-d57550cc96cc" xsi:nil="true"/>
-    <AcquiredFrom xmlns="4873beb7-5857-4685-be1f-d57550cc96cc">Internal MS</AcquiredFrom>
-    <FriendlyTitle xmlns="4873beb7-5857-4685-be1f-d57550cc96cc" xsi:nil="true"/>
-    <LastHandOff xmlns="4873beb7-5857-4685-be1f-d57550cc96cc" xsi:nil="true"/>
-    <TPClientViewer xmlns="4873beb7-5857-4685-be1f-d57550cc96cc" xsi:nil="true"/>
-    <TemplateStatus xmlns="4873beb7-5857-4685-be1f-d57550cc96cc">Complete</TemplateStatus>
-    <Downloads xmlns="4873beb7-5857-4685-be1f-d57550cc96cc">0</Downloads>
-    <OOCacheId xmlns="4873beb7-5857-4685-be1f-d57550cc96cc" xsi:nil="true"/>
-    <IsDeleted xmlns="4873beb7-5857-4685-be1f-d57550cc96cc">false</IsDeleted>
-    <LocPublishedDependentAssetsLookup xmlns="4873beb7-5857-4685-be1f-d57550cc96cc" xsi:nil="true"/>
-    <TPExecutable xmlns="4873beb7-5857-4685-be1f-d57550cc96cc" xsi:nil="true"/>
-    <EditorialTags xmlns="4873beb7-5857-4685-be1f-d57550cc96cc" xsi:nil="true"/>
-    <SubmitterId xmlns="4873beb7-5857-4685-be1f-d57550cc96cc" xsi:nil="true"/>
-    <ApprovalLog xmlns="4873beb7-5857-4685-be1f-d57550cc96cc" xsi:nil="true"/>
-    <AssetType xmlns="4873beb7-5857-4685-be1f-d57550cc96cc">TP</AssetType>
-    <BugNumber xmlns="4873beb7-5857-4685-be1f-d57550cc96cc" xsi:nil="true"/>
-    <CSXSubmissionDate xmlns="4873beb7-5857-4685-be1f-d57550cc96cc" xsi:nil="true"/>
-    <CSXUpdate xmlns="4873beb7-5857-4685-be1f-d57550cc96cc">false</CSXUpdate>
-    <Milestone xmlns="4873beb7-5857-4685-be1f-d57550cc96cc" xsi:nil="true"/>
-    <RecommendationsModifier xmlns="4873beb7-5857-4685-be1f-d57550cc96cc" xsi:nil="true"/>
-    <OriginAsset xmlns="4873beb7-5857-4685-be1f-d57550cc96cc" xsi:nil="true"/>
-    <TPComponent xmlns="4873beb7-5857-4685-be1f-d57550cc96cc" xsi:nil="true"/>
-    <AssetId xmlns="4873beb7-5857-4685-be1f-d57550cc96cc">TP102787989</AssetId>
-    <IntlLocPriority xmlns="4873beb7-5857-4685-be1f-d57550cc96cc" xsi:nil="true"/>
-    <PolicheckWords xmlns="4873beb7-5857-4685-be1f-d57550cc96cc" xsi:nil="true"/>
-    <TPLaunchHelpLink xmlns="4873beb7-5857-4685-be1f-d57550cc96cc" xsi:nil="true"/>
-    <TPApplication xmlns="4873beb7-5857-4685-be1f-d57550cc96cc" xsi:nil="true"/>
-    <CrawlForDependencies xmlns="4873beb7-5857-4685-be1f-d57550cc96cc">false</CrawlForDependencies>
-    <HandoffToMSDN xmlns="4873beb7-5857-4685-be1f-d57550cc96cc" xsi:nil="true"/>
-    <PlannedPubDate xmlns="4873beb7-5857-4685-be1f-d57550cc96cc" xsi:nil="true"/>
-    <IntlLangReviewer xmlns="4873beb7-5857-4685-be1f-d57550cc96cc" xsi:nil="true"/>
-    <TrustLevel xmlns="4873beb7-5857-4685-be1f-d57550cc96cc">1 Microsoft Managed Content</TrustLevel>
-    <LocLastLocAttemptVersionLookup xmlns="4873beb7-5857-4685-be1f-d57550cc96cc">694266</LocLastLocAttemptVersionLookup>
-    <LocProcessedForHandoffsLookup xmlns="4873beb7-5857-4685-be1f-d57550cc96cc" xsi:nil="true"/>
-    <IsSearchable xmlns="4873beb7-5857-4685-be1f-d57550cc96cc">true</IsSearchable>
-    <TemplateTemplateType xmlns="4873beb7-5857-4685-be1f-d57550cc96cc">PowerPoint Presentation Template</TemplateTemplateType>
-    <CampaignTagsTaxHTField0 xmlns="4873beb7-5857-4685-be1f-d57550cc96cc">
-      <Terms xmlns="http://schemas.microsoft.com/office/infopath/2007/PartnerControls"/>
-    </CampaignTagsTaxHTField0>
-    <TPNamespace xmlns="4873beb7-5857-4685-be1f-d57550cc96cc" xsi:nil="true"/>
-    <LocOverallPreviewStatusLookup xmlns="4873beb7-5857-4685-be1f-d57550cc96cc" xsi:nil="true"/>
-    <TaxCatchAll xmlns="4873beb7-5857-4685-be1f-d57550cc96cc"/>
-    <Markets xmlns="4873beb7-5857-4685-be1f-d57550cc96cc"/>
-    <UAProjectedTotalWords xmlns="4873beb7-5857-4685-be1f-d57550cc96cc" xsi:nil="true"/>
-    <IntlLangReview xmlns="4873beb7-5857-4685-be1f-d57550cc96cc" xsi:nil="true"/>
-    <OutputCachingOn xmlns="4873beb7-5857-4685-be1f-d57550cc96cc">false</OutputCachingOn>
-    <AverageRating xmlns="4873beb7-5857-4685-be1f-d57550cc96cc" xsi:nil="true"/>
-    <APAuthor xmlns="4873beb7-5857-4685-be1f-d57550cc96cc">
-      <UserInfo>
-        <DisplayName>REDMOND\kristaa</DisplayName>
-        <AccountId>136</AccountId>
-        <AccountType/>
-      </UserInfo>
-    </APAuthor>
-    <LocManualTestRequired xmlns="4873beb7-5857-4685-be1f-d57550cc96cc">false</LocManualTestRequired>
-    <TPCommandLine xmlns="4873beb7-5857-4685-be1f-d57550cc96cc" xsi:nil="true"/>
-    <TPAppVersion xmlns="4873beb7-5857-4685-be1f-d57550cc96cc" xsi:nil="true"/>
-    <EditorialStatus xmlns="4873beb7-5857-4685-be1f-d57550cc96cc">Complete</EditorialStatus>
-    <LastModifiedDateTime xmlns="4873beb7-5857-4685-be1f-d57550cc96cc" xsi:nil="true"/>
-    <ScenarioTagsTaxHTField0 xmlns="4873beb7-5857-4685-be1f-d57550cc96cc">
-      <Terms xmlns="http://schemas.microsoft.com/office/infopath/2007/PartnerControls"/>
-    </ScenarioTagsTaxHTField0>
-    <LocProcessedForMarketsLookup xmlns="4873beb7-5857-4685-be1f-d57550cc96cc" xsi:nil="true"/>
-    <TPLaunchHelpLinkType xmlns="4873beb7-5857-4685-be1f-d57550cc96cc">Template</TPLaunchHelpLinkType>
-    <OriginalRelease xmlns="4873beb7-5857-4685-be1f-d57550cc96cc">15</OriginalRelease>
-    <LocalizationTagsTaxHTField0 xmlns="4873beb7-5857-4685-be1f-d57550cc96cc">
-      <Terms xmlns="http://schemas.microsoft.com/office/infopath/2007/PartnerControls"/>
-    </LocalizationTagsTaxHTField0>
-    <UACurrentWords xmlns="4873beb7-5857-4685-be1f-d57550cc96cc" xsi:nil="true"/>
-    <ArtSampleDocs xmlns="4873beb7-5857-4685-be1f-d57550cc96cc" xsi:nil="true"/>
-    <UALocRecommendation xmlns="4873beb7-5857-4685-be1f-d57550cc96cc">Localize</UALocRecommendation>
-    <Manager xmlns="4873beb7-5857-4685-be1f-d57550cc96cc" xsi:nil="true"/>
-    <LocOverallHandbackStatusLookup xmlns="4873beb7-5857-4685-be1f-d57550cc96cc" xsi:nil="true"/>
-    <ShowIn xmlns="4873beb7-5857-4685-be1f-d57550cc96cc">Show everywhere</ShowIn>
-    <UANotes xmlns="4873beb7-5857-4685-be1f-d57550cc96cc" xsi:nil="true"/>
-    <InternalTagsTaxHTField0 xmlns="4873beb7-5857-4685-be1f-d57550cc96cc">
-      <Terms xmlns="http://schemas.microsoft.com/office/infopath/2007/PartnerControls"/>
-    </InternalTagsTaxHTField0>
-    <CSXHash xmlns="4873beb7-5857-4685-be1f-d57550cc96cc" xsi:nil="true"/>
-    <VoteCount xmlns="4873beb7-5857-4685-be1f-d57550cc96cc" xsi:nil="true"/>
-    <AssetExpire xmlns="4873beb7-5857-4685-be1f-d57550cc96cc">2029-05-12T07:00:00+00:00</AssetExpire>
-    <DSATActionTaken xmlns="4873beb7-5857-4685-be1f-d57550cc96cc" xsi:nil="true"/>
-    <CSXSubmissionMarket xmlns="4873beb7-5857-4685-be1f-d57550cc96cc" xsi:nil="true"/>
-    <LocMarketGroupTiers2 xmlns="4873beb7-5857-4685-be1f-d57550cc96cc" xsi:nil="true"/>
-  </documentManagement>
-</p:properties>
-</file>
-
 <file path=customXml/item3.xml><?xml version="1.0" encoding="utf-8"?>
 <?mso-contentType ?>
 <FormTemplates xmlns="http://schemas.microsoft.com/sharepoint/v3/contenttype/forms">
@@ -23111,6 +23400,22 @@
 </file>
 
 <file path=customXml/itemProps1.xml><?xml version="1.0" encoding="utf-8"?>
+<ds:datastoreItem xmlns:ds="http://schemas.openxmlformats.org/officeDocument/2006/customXml" ds:itemID="{60C67BEE-D13F-4BD2-98A5-34D8A0977F68}">
+  <ds:schemaRefs>
+    <ds:schemaRef ds:uri="http://purl.org/dc/elements/1.1/"/>
+    <ds:schemaRef ds:uri="http://schemas.microsoft.com/office/infopath/2007/PartnerControls"/>
+    <ds:schemaRef ds:uri="http://purl.org/dc/terms/"/>
+    <ds:schemaRef ds:uri="http://www.w3.org/XML/1998/namespace"/>
+    <ds:schemaRef ds:uri="http://schemas.microsoft.com/office/2006/documentManagement/types"/>
+    <ds:schemaRef ds:uri="4873beb7-5857-4685-be1f-d57550cc96cc"/>
+    <ds:schemaRef ds:uri="http://schemas.openxmlformats.org/package/2006/metadata/core-properties"/>
+    <ds:schemaRef ds:uri="http://schemas.microsoft.com/office/2006/metadata/properties"/>
+    <ds:schemaRef ds:uri="http://purl.org/dc/dcmitype/"/>
+  </ds:schemaRefs>
+</ds:datastoreItem>
+</file>
+
+<file path=customXml/itemProps2.xml><?xml version="1.0" encoding="utf-8"?>
 <ds:datastoreItem xmlns:ds="http://schemas.openxmlformats.org/officeDocument/2006/customXml" ds:itemID="{A09BF4D4-EF60-4196-BFC3-9462D607978C}">
   <ds:schemaRefs>
     <ds:schemaRef ds:uri="http://schemas.microsoft.com/office/2006/metadata/contentType"/>
@@ -23128,22 +23433,6 @@
 </ds:datastoreItem>
 </file>
 
-<file path=customXml/itemProps2.xml><?xml version="1.0" encoding="utf-8"?>
-<ds:datastoreItem xmlns:ds="http://schemas.openxmlformats.org/officeDocument/2006/customXml" ds:itemID="{60C67BEE-D13F-4BD2-98A5-34D8A0977F68}">
-  <ds:schemaRefs>
-    <ds:schemaRef ds:uri="http://purl.org/dc/elements/1.1/"/>
-    <ds:schemaRef ds:uri="http://schemas.microsoft.com/office/infopath/2007/PartnerControls"/>
-    <ds:schemaRef ds:uri="http://purl.org/dc/terms/"/>
-    <ds:schemaRef ds:uri="http://www.w3.org/XML/1998/namespace"/>
-    <ds:schemaRef ds:uri="http://schemas.microsoft.com/office/2006/documentManagement/types"/>
-    <ds:schemaRef ds:uri="4873beb7-5857-4685-be1f-d57550cc96cc"/>
-    <ds:schemaRef ds:uri="http://schemas.openxmlformats.org/package/2006/metadata/core-properties"/>
-    <ds:schemaRef ds:uri="http://schemas.microsoft.com/office/2006/metadata/properties"/>
-    <ds:schemaRef ds:uri="http://purl.org/dc/dcmitype/"/>
-  </ds:schemaRefs>
-</ds:datastoreItem>
-</file>
-
 <file path=customXml/itemProps3.xml><?xml version="1.0" encoding="utf-8"?>
 <ds:datastoreItem xmlns:ds="http://schemas.openxmlformats.org/officeDocument/2006/customXml" ds:itemID="{3836F65B-1B07-41EE-A0E8-BC6EF3855225}">
   <ds:schemaRefs>
